--- a/plot.pptx
+++ b/plot.pptx
@@ -5,7 +5,7 @@
     <p:sldMasterId id="2147483669" r:id="rId1"/>
   </p:sldMasterIdLst>
   <p:notesMasterIdLst>
-    <p:notesMasterId r:id="rId29"/>
+    <p:notesMasterId r:id="rId32"/>
   </p:notesMasterIdLst>
   <p:sldIdLst>
     <p:sldId id="440" r:id="rId2"/>
@@ -13,28 +13,31 @@
     <p:sldId id="446" r:id="rId4"/>
     <p:sldId id="465" r:id="rId5"/>
     <p:sldId id="452" r:id="rId6"/>
-    <p:sldId id="451" r:id="rId7"/>
-    <p:sldId id="448" r:id="rId8"/>
-    <p:sldId id="449" r:id="rId9"/>
-    <p:sldId id="457" r:id="rId10"/>
-    <p:sldId id="450" r:id="rId11"/>
-    <p:sldId id="443" r:id="rId12"/>
-    <p:sldId id="458" r:id="rId13"/>
-    <p:sldId id="442" r:id="rId14"/>
-    <p:sldId id="454" r:id="rId15"/>
-    <p:sldId id="455" r:id="rId16"/>
-    <p:sldId id="456" r:id="rId17"/>
-    <p:sldId id="453" r:id="rId18"/>
-    <p:sldId id="444" r:id="rId19"/>
-    <p:sldId id="445" r:id="rId20"/>
-    <p:sldId id="460" r:id="rId21"/>
-    <p:sldId id="459" r:id="rId22"/>
-    <p:sldId id="461" r:id="rId23"/>
-    <p:sldId id="447" r:id="rId24"/>
-    <p:sldId id="462" r:id="rId25"/>
-    <p:sldId id="463" r:id="rId26"/>
-    <p:sldId id="464" r:id="rId27"/>
-    <p:sldId id="269" r:id="rId28"/>
+    <p:sldId id="468" r:id="rId7"/>
+    <p:sldId id="451" r:id="rId8"/>
+    <p:sldId id="448" r:id="rId9"/>
+    <p:sldId id="443" r:id="rId10"/>
+    <p:sldId id="458" r:id="rId11"/>
+    <p:sldId id="442" r:id="rId12"/>
+    <p:sldId id="454" r:id="rId13"/>
+    <p:sldId id="449" r:id="rId14"/>
+    <p:sldId id="467" r:id="rId15"/>
+    <p:sldId id="457" r:id="rId16"/>
+    <p:sldId id="450" r:id="rId17"/>
+    <p:sldId id="455" r:id="rId18"/>
+    <p:sldId id="456" r:id="rId19"/>
+    <p:sldId id="453" r:id="rId20"/>
+    <p:sldId id="444" r:id="rId21"/>
+    <p:sldId id="445" r:id="rId22"/>
+    <p:sldId id="460" r:id="rId23"/>
+    <p:sldId id="459" r:id="rId24"/>
+    <p:sldId id="461" r:id="rId25"/>
+    <p:sldId id="447" r:id="rId26"/>
+    <p:sldId id="462" r:id="rId27"/>
+    <p:sldId id="463" r:id="rId28"/>
+    <p:sldId id="464" r:id="rId29"/>
+    <p:sldId id="466" r:id="rId30"/>
+    <p:sldId id="269" r:id="rId31"/>
   </p:sldIdLst>
   <p:sldSz cx="9144000" cy="6858000" type="screen4x3"/>
   <p:notesSz cx="6858000" cy="9144000"/>
@@ -237,7 +240,7 @@
           <a:p>
             <a:fld id="{2ABE53D4-1A7B-4FFE-8A95-4265B045F058}" type="datetimeFigureOut">
               <a:rPr kumimoji="1" lang="ja-JP" altLang="en-US" smtClean="0"/>
-              <a:t>2022/8/12</a:t>
+              <a:t>2022/8/14</a:t>
             </a:fld>
             <a:endParaRPr kumimoji="1" lang="ja-JP" altLang="en-US"/>
           </a:p>
@@ -3029,8 +3032,13 @@
           <a:p>
             <a:r>
               <a:rPr kumimoji="1" lang="ja-JP" altLang="en-US" sz="2800" dirty="0"/>
-              <a:t>プロットの作り方</a:t>
-            </a:r>
+              <a:t>プロットの作り方 </a:t>
+            </a:r>
+            <a:r>
+              <a:rPr kumimoji="1" lang="en-US" altLang="ja-JP" sz="2800"/>
+              <a:t>v3</a:t>
+            </a:r>
+            <a:endParaRPr kumimoji="1" lang="ja-JP" altLang="en-US" sz="2800" dirty="0"/>
           </a:p>
         </p:txBody>
       </p:sp>
@@ -3355,7 +3363,7 @@
           <p:cNvPr id="2" name="タイトル 1">
             <a:extLst>
               <a:ext uri="{FF2B5EF4-FFF2-40B4-BE49-F238E27FC236}">
-                <a16:creationId xmlns:a16="http://schemas.microsoft.com/office/drawing/2014/main" id="{5DE9EB6D-DB2F-3B8D-2437-AD77ADB2FF9E}"/>
+                <a16:creationId xmlns:a16="http://schemas.microsoft.com/office/drawing/2014/main" id="{BF3F0A8B-B8DC-DEBB-64FC-E1E342572693}"/>
               </a:ext>
             </a:extLst>
           </p:cNvPr>
@@ -3372,9 +3380,30 @@
           <a:lstStyle/>
           <a:p>
             <a:r>
-              <a:rPr kumimoji="1" lang="ja-JP" altLang="en-US" dirty="0"/>
-              <a:t>箇条書きを作る際の形式上の注意</a:t>
-            </a:r>
+              <a:rPr lang="ja-JP" altLang="en-US" dirty="0"/>
+              <a:t>例２：</a:t>
+            </a:r>
+            <a:r>
+              <a:rPr kumimoji="1" lang="ja-JP" altLang="en-US" dirty="0"/>
+              <a:t>小泉くんの </a:t>
+            </a:r>
+            <a:r>
+              <a:rPr lang="en-US" altLang="ja-JP" dirty="0"/>
+              <a:t>DATE</a:t>
+            </a:r>
+            <a:r>
+              <a:rPr lang="ja-JP" altLang="en-US" dirty="0"/>
+              <a:t> </a:t>
+            </a:r>
+            <a:r>
+              <a:rPr lang="en-US" altLang="ja-JP" dirty="0"/>
+              <a:t>= </a:t>
+            </a:r>
+            <a:r>
+              <a:rPr lang="ja-JP" altLang="en-US" dirty="0"/>
+              <a:t>既存手法があるパターン</a:t>
+            </a:r>
+            <a:endParaRPr kumimoji="1" lang="ja-JP" altLang="en-US" dirty="0"/>
           </a:p>
         </p:txBody>
       </p:sp>
@@ -3383,7 +3412,7 @@
           <p:cNvPr id="3" name="テキスト プレースホルダー 2">
             <a:extLst>
               <a:ext uri="{FF2B5EF4-FFF2-40B4-BE49-F238E27FC236}">
-                <a16:creationId xmlns:a16="http://schemas.microsoft.com/office/drawing/2014/main" id="{18D77FC6-6ACE-F5A6-179B-013437541EA6}"/>
+                <a16:creationId xmlns:a16="http://schemas.microsoft.com/office/drawing/2014/main" id="{131A464B-82C4-26C6-5295-D721A3F69E63}"/>
               </a:ext>
             </a:extLst>
           </p:cNvPr>
@@ -3400,24 +3429,16 @@
           <a:lstStyle/>
           <a:p>
             <a:r>
-              <a:rPr kumimoji="1" lang="ja-JP" altLang="en-US" dirty="0">
-                <a:solidFill>
-                  <a:schemeClr val="accent5"/>
-                </a:solidFill>
-              </a:rPr>
-              <a:t>複文を使うのは原則禁止</a:t>
-            </a:r>
-            <a:endParaRPr kumimoji="1" lang="en-US" altLang="ja-JP" dirty="0">
-              <a:solidFill>
-                <a:schemeClr val="accent5"/>
-              </a:solidFill>
-            </a:endParaRPr>
+              <a:rPr kumimoji="1" lang="ja-JP" altLang="en-US" dirty="0"/>
+              <a:t>背景：早いプリフェッチによるレイテンシの隠蔽</a:t>
+            </a:r>
+            <a:endParaRPr kumimoji="1" lang="en-US" altLang="ja-JP" dirty="0"/>
           </a:p>
           <a:p>
             <a:pPr lvl="1"/>
             <a:r>
               <a:rPr kumimoji="1" lang="ja-JP" altLang="en-US" dirty="0"/>
-              <a:t>複数の文を繋げて１つの文にしてしまうと，関係が良くわからなくなりがち</a:t>
+              <a:t>プリフェッチ：キャッシュにデータを先読みしておく技術</a:t>
             </a:r>
             <a:endParaRPr kumimoji="1" lang="en-US" altLang="ja-JP" dirty="0"/>
           </a:p>
@@ -3425,7 +3446,7 @@
             <a:pPr lvl="1"/>
             <a:r>
               <a:rPr kumimoji="1" lang="ja-JP" altLang="en-US" dirty="0"/>
-              <a:t>最初は単文のみで作る</a:t>
+              <a:t>多くの研究では十分に早くプリフェッチすることを重視</a:t>
             </a:r>
             <a:endParaRPr kumimoji="1" lang="en-US" altLang="ja-JP" dirty="0"/>
           </a:p>
@@ -3433,7 +3454,7 @@
             <a:pPr lvl="2"/>
             <a:r>
               <a:rPr kumimoji="1" lang="ja-JP" altLang="en-US" dirty="0"/>
-              <a:t>どうしても複文を入れる場合は，１行に収まる長さまで</a:t>
+              <a:t>メモリ・アクセスのレイテンシを有効に隠蔽するため</a:t>
             </a:r>
             <a:endParaRPr kumimoji="1" lang="en-US" altLang="ja-JP" dirty="0"/>
           </a:p>
@@ -3441,14 +3462,14 @@
             <a:pPr lvl="2"/>
             <a:r>
               <a:rPr kumimoji="1" lang="ja-JP" altLang="en-US" dirty="0"/>
-              <a:t>３文以上からなる複文は常に禁止</a:t>
+              <a:t>通常はなるべく遠い未来のアドレスを予測してプリフェッチ</a:t>
             </a:r>
             <a:endParaRPr kumimoji="1" lang="en-US" altLang="ja-JP" dirty="0"/>
           </a:p>
           <a:p>
             <a:r>
               <a:rPr kumimoji="1" lang="ja-JP" altLang="en-US" dirty="0"/>
-              <a:t>同様の理由により，長い修飾節を持った文も使わない</a:t>
+              <a:t>課題：早すぎるプリフェッチ</a:t>
             </a:r>
             <a:endParaRPr kumimoji="1" lang="en-US" altLang="ja-JP" dirty="0"/>
           </a:p>
@@ -3456,30 +3477,30 @@
             <a:pPr lvl="1"/>
             <a:r>
               <a:rPr kumimoji="1" lang="ja-JP" altLang="en-US" dirty="0"/>
-              <a:t>長くなってしまう場合は，インデントをしてぶら下げると良い</a:t>
+              <a:t>早すぎると使用される前にキャッシュから追い出される</a:t>
             </a:r>
             <a:endParaRPr kumimoji="1" lang="en-US" altLang="ja-JP" dirty="0"/>
           </a:p>
           <a:p>
-            <a:r>
-              <a:rPr kumimoji="1" lang="ja-JP" altLang="en-US" dirty="0"/>
-              <a:t>一つの項目にぶら下げる項目は３つまで</a:t>
+            <a:pPr lvl="1"/>
+            <a:r>
+              <a:rPr kumimoji="1" lang="ja-JP" altLang="en-US" dirty="0"/>
+              <a:t>これにより性能向上の機会が大きく失われている</a:t>
             </a:r>
             <a:endParaRPr kumimoji="1" lang="en-US" altLang="ja-JP" dirty="0"/>
           </a:p>
           <a:p>
+            <a:r>
+              <a:rPr kumimoji="1" lang="ja-JP" altLang="en-US" dirty="0"/>
+              <a:t>提案：プリフェッチを遅らせる</a:t>
+            </a:r>
+            <a:endParaRPr kumimoji="1" lang="en-US" altLang="ja-JP" dirty="0"/>
+          </a:p>
+          <a:p>
             <a:pPr lvl="1"/>
             <a:r>
               <a:rPr kumimoji="1" lang="ja-JP" altLang="en-US" dirty="0"/>
-              <a:t>４つ以上の項目が同じレベルに並んでいる場合は，それらをインデントにまとめる</a:t>
-            </a:r>
-            <a:endParaRPr kumimoji="1" lang="en-US" altLang="ja-JP" dirty="0"/>
-          </a:p>
-          <a:p>
-            <a:pPr lvl="1"/>
-            <a:r>
-              <a:rPr kumimoji="1" lang="ja-JP" altLang="en-US" dirty="0"/>
-              <a:t>３つより多いと関係が曖昧になる</a:t>
+              <a:t>データが参照されるタイミングまであえて遅らせる</a:t>
             </a:r>
             <a:endParaRPr kumimoji="1" lang="en-US" altLang="ja-JP" dirty="0"/>
           </a:p>
@@ -3488,7 +3509,7 @@
     </p:spTree>
     <p:extLst>
       <p:ext uri="{BB962C8B-B14F-4D97-AF65-F5344CB8AC3E}">
-        <p14:creationId xmlns:p14="http://schemas.microsoft.com/office/powerpoint/2010/main" val="2930707725"/>
+        <p14:creationId xmlns:p14="http://schemas.microsoft.com/office/powerpoint/2010/main" val="614302534"/>
       </p:ext>
     </p:extLst>
   </p:cSld>
@@ -3528,7 +3549,7 @@
           <p:cNvPr id="2" name="タイトル 1">
             <a:extLst>
               <a:ext uri="{FF2B5EF4-FFF2-40B4-BE49-F238E27FC236}">
-                <a16:creationId xmlns:a16="http://schemas.microsoft.com/office/drawing/2014/main" id="{7D722A8C-B31F-1470-2A2C-B9925BC500E2}"/>
+                <a16:creationId xmlns:a16="http://schemas.microsoft.com/office/drawing/2014/main" id="{48EBA81F-A6DD-0466-EAE8-DED8906E9E0C}"/>
               </a:ext>
             </a:extLst>
           </p:cNvPr>
@@ -3545,25 +3566,25 @@
           <a:lstStyle/>
           <a:p>
             <a:r>
-              <a:rPr lang="ja-JP" altLang="en-US" sz="2400" dirty="0"/>
-              <a:t>例１：小田喜くんの輪講の例 </a:t>
-            </a:r>
-            <a:r>
-              <a:rPr lang="en-US" altLang="ja-JP" sz="2400" dirty="0"/>
+              <a:rPr lang="ja-JP" altLang="en-US" dirty="0"/>
+              <a:t>例３：木村さんの輪講 </a:t>
+            </a:r>
+            <a:r>
+              <a:rPr lang="en-US" altLang="ja-JP" dirty="0"/>
               <a:t>= </a:t>
             </a:r>
             <a:r>
-              <a:rPr lang="ja-JP" altLang="en-US" sz="2400" dirty="0"/>
-              <a:t>既存手法があるパターン</a:t>
+              <a:rPr lang="ja-JP" altLang="en-US" dirty="0"/>
+              <a:t>既存手法がないパターン</a:t>
             </a:r>
             <a:br>
-              <a:rPr lang="en-US" altLang="ja-JP" sz="2400" dirty="0"/>
+              <a:rPr lang="en-US" altLang="ja-JP" dirty="0"/>
             </a:br>
             <a:r>
-              <a:rPr lang="ja-JP" altLang="en-US" sz="1600" dirty="0"/>
+              <a:rPr lang="ja-JP" altLang="en-US" sz="1800" dirty="0"/>
               <a:t>（輪講なので具体的なアイデアがまだない事に注意）</a:t>
             </a:r>
-            <a:endParaRPr kumimoji="1" lang="ja-JP" altLang="en-US" sz="1600" dirty="0"/>
+            <a:endParaRPr kumimoji="1" lang="ja-JP" altLang="en-US" sz="1800" dirty="0"/>
           </a:p>
         </p:txBody>
       </p:sp>
@@ -3572,7 +3593,7 @@
           <p:cNvPr id="3" name="テキスト プレースホルダー 2">
             <a:extLst>
               <a:ext uri="{FF2B5EF4-FFF2-40B4-BE49-F238E27FC236}">
-                <a16:creationId xmlns:a16="http://schemas.microsoft.com/office/drawing/2014/main" id="{1641E495-BDDF-0AEA-8CA3-8A46CF1746DE}"/>
+                <a16:creationId xmlns:a16="http://schemas.microsoft.com/office/drawing/2014/main" id="{3FEEAC1E-C94E-1099-5C11-AF237D70AFA5}"/>
               </a:ext>
             </a:extLst>
           </p:cNvPr>
@@ -3590,85 +3611,73 @@
           <a:p>
             <a:r>
               <a:rPr lang="ja-JP" altLang="en-US" dirty="0"/>
-              <a:t>背景：</a:t>
-            </a:r>
+              <a:t>背景：ベクトル命令 </a:t>
+            </a:r>
+            <a:endParaRPr lang="en-US" altLang="ja-JP" dirty="0"/>
+          </a:p>
+          <a:p>
+            <a:pPr lvl="1"/>
+            <a:r>
+              <a:rPr lang="ja-JP" altLang="en-US" dirty="0"/>
+              <a:t>単一の命令で可変長の複数データを処理する命令の方式 </a:t>
+            </a:r>
+            <a:endParaRPr lang="en-US" altLang="ja-JP" dirty="0"/>
+          </a:p>
+          <a:p>
+            <a:pPr lvl="1"/>
+            <a:r>
+              <a:rPr lang="ja-JP" altLang="en-US" dirty="0"/>
+              <a:t>データ並列性のある処理を対象 </a:t>
+            </a:r>
+            <a:endParaRPr lang="en-US" altLang="ja-JP" dirty="0"/>
+          </a:p>
+          <a:p>
+            <a:pPr lvl="1"/>
             <a:r>
               <a:rPr lang="en-US" altLang="ja-JP" dirty="0"/>
-              <a:t>SIMT </a:t>
+              <a:t>RISC-V </a:t>
             </a:r>
             <a:r>
               <a:rPr lang="ja-JP" altLang="en-US" dirty="0"/>
-              <a:t>アーキテクチャにおける冗長な演算</a:t>
+              <a:t>ベクトル拡張などの形で実装されている </a:t>
             </a:r>
             <a:endParaRPr lang="en-US" altLang="ja-JP" dirty="0"/>
           </a:p>
           <a:p>
+            <a:r>
+              <a:rPr lang="ja-JP" altLang="en-US" dirty="0"/>
+              <a:t>課題：ベクトル命令の実装コスト </a:t>
+            </a:r>
+            <a:endParaRPr lang="en-US" altLang="ja-JP" dirty="0"/>
+          </a:p>
+          <a:p>
             <a:pPr lvl="1"/>
             <a:r>
+              <a:rPr lang="ja-JP" altLang="en-US" dirty="0"/>
+              <a:t>ベクトル命令では１つの命令が多数のアクセスを発生させる</a:t>
+            </a:r>
+            <a:endParaRPr lang="en-US" altLang="ja-JP" dirty="0"/>
+          </a:p>
+          <a:p>
+            <a:pPr lvl="1"/>
+            <a:r>
+              <a:rPr lang="ja-JP" altLang="en-US" dirty="0"/>
+              <a:t>従来の作り方で </a:t>
+            </a:r>
+            <a:r>
               <a:rPr lang="en-US" altLang="ja-JP" dirty="0"/>
-              <a:t>SIMT(D) </a:t>
+              <a:t>out-of-order </a:t>
             </a:r>
             <a:r>
               <a:rPr lang="ja-JP" altLang="en-US" dirty="0"/>
-              <a:t>では基本的には複数のデータに対して同じ演算を行う </a:t>
+              <a:t>プロセッサ上に実装すると，複雑さが爆発する </a:t>
             </a:r>
             <a:endParaRPr lang="en-US" altLang="ja-JP" dirty="0"/>
           </a:p>
           <a:p>
-            <a:pPr lvl="1"/>
             <a:r>
               <a:rPr lang="ja-JP" altLang="en-US" dirty="0"/>
-              <a:t>しかし </a:t>
-            </a:r>
-            <a:r>
-              <a:rPr lang="en-US" altLang="ja-JP" dirty="0"/>
-              <a:t>SIMT </a:t>
-            </a:r>
-            <a:r>
-              <a:rPr lang="ja-JP" altLang="en-US" dirty="0"/>
-              <a:t>では全く同じ冗長な演算を複数のレーンで行っている場合があり無駄 </a:t>
-            </a:r>
-            <a:endParaRPr lang="en-US" altLang="ja-JP" dirty="0"/>
-          </a:p>
-          <a:p>
-            <a:r>
-              <a:rPr lang="ja-JP" altLang="en-US" dirty="0"/>
-              <a:t>課題：スカラ化とその問題 </a:t>
-            </a:r>
-            <a:endParaRPr lang="en-US" altLang="ja-JP" dirty="0"/>
-          </a:p>
-          <a:p>
-            <a:pPr lvl="1"/>
-            <a:r>
-              <a:rPr lang="ja-JP" altLang="en-US" dirty="0"/>
-              <a:t>冗長な演算を１つの演算にスカラ化が提案されている </a:t>
-            </a:r>
-            <a:endParaRPr lang="en-US" altLang="ja-JP" dirty="0"/>
-          </a:p>
-          <a:p>
-            <a:pPr lvl="1"/>
-            <a:r>
-              <a:rPr lang="ja-JP" altLang="en-US" dirty="0"/>
-              <a:t>従来のスカラ化では制約があり効果的にまとめられない </a:t>
-            </a:r>
-            <a:endParaRPr lang="en-US" altLang="ja-JP" dirty="0"/>
-          </a:p>
-          <a:p>
-            <a:r>
-              <a:rPr lang="ja-JP" altLang="en-US" dirty="0"/>
-              <a:t>提案：スカラ化の改良 </a:t>
-            </a:r>
-            <a:endParaRPr lang="en-US" altLang="ja-JP" dirty="0"/>
-          </a:p>
-          <a:p>
-            <a:pPr lvl="1"/>
-            <a:r>
-              <a:rPr lang="en-US" altLang="ja-JP" dirty="0"/>
-              <a:t>Temporal SIMT </a:t>
-            </a:r>
-            <a:r>
-              <a:rPr lang="ja-JP" altLang="en-US" dirty="0"/>
-              <a:t>と動的なスカラ化の組み合わせにより実現 </a:t>
+              <a:t>提案：ベクトル命令の実装の複雑さを下げる </a:t>
             </a:r>
             <a:br>
               <a:rPr lang="ja-JP" altLang="en-US" dirty="0"/>
@@ -3680,7 +3689,7 @@
     </p:spTree>
     <p:extLst>
       <p:ext uri="{BB962C8B-B14F-4D97-AF65-F5344CB8AC3E}">
-        <p14:creationId xmlns:p14="http://schemas.microsoft.com/office/powerpoint/2010/main" val="4007665797"/>
+        <p14:creationId xmlns:p14="http://schemas.microsoft.com/office/powerpoint/2010/main" val="217282455"/>
       </p:ext>
     </p:extLst>
   </p:cSld>
@@ -3720,7 +3729,7 @@
           <p:cNvPr id="2" name="タイトル 1">
             <a:extLst>
               <a:ext uri="{FF2B5EF4-FFF2-40B4-BE49-F238E27FC236}">
-                <a16:creationId xmlns:a16="http://schemas.microsoft.com/office/drawing/2014/main" id="{BF3F0A8B-B8DC-DEBB-64FC-E1E342572693}"/>
+                <a16:creationId xmlns:a16="http://schemas.microsoft.com/office/drawing/2014/main" id="{51BE99DC-6509-D745-923D-01B9E613F224}"/>
               </a:ext>
             </a:extLst>
           </p:cNvPr>
@@ -3737,30 +3746,17 @@
           <a:lstStyle/>
           <a:p>
             <a:r>
-              <a:rPr lang="ja-JP" altLang="en-US" dirty="0"/>
-              <a:t>例２：</a:t>
-            </a:r>
-            <a:r>
-              <a:rPr kumimoji="1" lang="ja-JP" altLang="en-US" dirty="0"/>
-              <a:t>小泉くんの </a:t>
-            </a:r>
-            <a:r>
-              <a:rPr lang="en-US" altLang="ja-JP" dirty="0"/>
-              <a:t>DATE</a:t>
-            </a:r>
-            <a:r>
-              <a:rPr lang="ja-JP" altLang="en-US" dirty="0"/>
-              <a:t> </a:t>
-            </a:r>
-            <a:r>
-              <a:rPr lang="en-US" altLang="ja-JP" dirty="0"/>
-              <a:t>= </a:t>
-            </a:r>
-            <a:r>
-              <a:rPr lang="ja-JP" altLang="en-US" dirty="0"/>
-              <a:t>既存手法があるパターン</a:t>
-            </a:r>
-            <a:endParaRPr kumimoji="1" lang="ja-JP" altLang="en-US" dirty="0"/>
+              <a:rPr kumimoji="1" lang="ja-JP" altLang="en-US" dirty="0"/>
+              <a:t>例４：出川くんの </a:t>
+            </a:r>
+            <a:r>
+              <a:rPr kumimoji="1" lang="en-US" altLang="ja-JP" dirty="0"/>
+              <a:t>ICCD = </a:t>
+            </a:r>
+            <a:r>
+              <a:rPr kumimoji="1" lang="ja-JP" altLang="en-US" dirty="0"/>
+              <a:t>既存手法がないパターン</a:t>
+            </a:r>
           </a:p>
         </p:txBody>
       </p:sp>
@@ -3769,7 +3765,7 @@
           <p:cNvPr id="3" name="テキスト プレースホルダー 2">
             <a:extLst>
               <a:ext uri="{FF2B5EF4-FFF2-40B4-BE49-F238E27FC236}">
-                <a16:creationId xmlns:a16="http://schemas.microsoft.com/office/drawing/2014/main" id="{131A464B-82C4-26C6-5295-D721A3F69E63}"/>
+                <a16:creationId xmlns:a16="http://schemas.microsoft.com/office/drawing/2014/main" id="{ED93E0D1-8160-8125-E3C9-AED3AEC7F3C7}"/>
               </a:ext>
             </a:extLst>
           </p:cNvPr>
@@ -3786,87 +3782,86 @@
           <a:lstStyle/>
           <a:p>
             <a:r>
-              <a:rPr kumimoji="1" lang="ja-JP" altLang="en-US" dirty="0"/>
-              <a:t>背景：早いプリフェッチによるレイテンシの隠蔽</a:t>
-            </a:r>
-            <a:endParaRPr kumimoji="1" lang="en-US" altLang="ja-JP" dirty="0"/>
+              <a:rPr kumimoji="1" lang="ja-JP" altLang="en-US" sz="1800" dirty="0"/>
+              <a:t>背景：命令キャッシュ・ミス数を使った性能の見積もり</a:t>
+            </a:r>
+            <a:endParaRPr kumimoji="1" lang="en-US" altLang="ja-JP" sz="1800" dirty="0"/>
           </a:p>
           <a:p>
             <a:pPr lvl="1"/>
             <a:r>
-              <a:rPr kumimoji="1" lang="ja-JP" altLang="en-US" dirty="0"/>
-              <a:t>プリフェッチ：キャッシュにデータを先読みしておく技術</a:t>
-            </a:r>
-            <a:endParaRPr kumimoji="1" lang="en-US" altLang="ja-JP" dirty="0"/>
+              <a:rPr kumimoji="1" lang="ja-JP" altLang="en-US" sz="1800" dirty="0"/>
+              <a:t>命令キャッシュに関わる研究ではミス数が主要な評価項目だった</a:t>
+            </a:r>
+            <a:endParaRPr kumimoji="1" lang="en-US" altLang="ja-JP" sz="1800" dirty="0"/>
           </a:p>
           <a:p>
             <a:pPr lvl="1"/>
             <a:r>
-              <a:rPr kumimoji="1" lang="ja-JP" altLang="en-US" dirty="0"/>
-              <a:t>多くの研究では十分に早くプリフェッチすることを重視</a:t>
-            </a:r>
-            <a:endParaRPr kumimoji="1" lang="en-US" altLang="ja-JP" dirty="0"/>
-          </a:p>
-          <a:p>
-            <a:pPr lvl="2"/>
-            <a:r>
-              <a:rPr kumimoji="1" lang="ja-JP" altLang="en-US" dirty="0"/>
-              <a:t>メモリ・アクセスのレイテンシを有効に隠蔽するため</a:t>
-            </a:r>
-            <a:endParaRPr kumimoji="1" lang="en-US" altLang="ja-JP" dirty="0"/>
-          </a:p>
-          <a:p>
-            <a:pPr lvl="2"/>
-            <a:r>
-              <a:rPr kumimoji="1" lang="ja-JP" altLang="en-US" dirty="0"/>
-              <a:t>通常はなるべく遠い未来のアドレスを予測してプリフェッチ</a:t>
-            </a:r>
-            <a:endParaRPr kumimoji="1" lang="en-US" altLang="ja-JP" dirty="0"/>
-          </a:p>
-          <a:p>
-            <a:r>
-              <a:rPr kumimoji="1" lang="ja-JP" altLang="en-US" dirty="0"/>
-              <a:t>課題：早すぎるプリフェッチ</a:t>
-            </a:r>
-            <a:endParaRPr kumimoji="1" lang="en-US" altLang="ja-JP" dirty="0"/>
+              <a:rPr kumimoji="1" lang="ja-JP" altLang="en-US" sz="1800" dirty="0"/>
+              <a:t>ミス数が減ると基本的には実行時間が短くなるため</a:t>
+            </a:r>
+            <a:endParaRPr kumimoji="1" lang="en-US" altLang="ja-JP" sz="1800" dirty="0"/>
+          </a:p>
+          <a:p>
+            <a:r>
+              <a:rPr kumimoji="1" lang="ja-JP" altLang="en-US" sz="1800" dirty="0"/>
+              <a:t>課題：シミュレーション時間</a:t>
+            </a:r>
+            <a:endParaRPr kumimoji="1" lang="en-US" altLang="ja-JP" sz="1800" dirty="0"/>
           </a:p>
           <a:p>
             <a:pPr lvl="1"/>
             <a:r>
-              <a:rPr kumimoji="1" lang="ja-JP" altLang="en-US" dirty="0"/>
-              <a:t>早すぎると使用される前にキャッシュから追い出される</a:t>
-            </a:r>
-            <a:endParaRPr kumimoji="1" lang="en-US" altLang="ja-JP" dirty="0"/>
+              <a:rPr kumimoji="1" lang="ja-JP" altLang="en-US" sz="1800" dirty="0"/>
+              <a:t>現代のプロセッサではミス数と実行時間が直接相関しない</a:t>
+            </a:r>
+            <a:endParaRPr kumimoji="1" lang="en-US" altLang="ja-JP" sz="1800" dirty="0"/>
           </a:p>
           <a:p>
             <a:pPr lvl="1"/>
             <a:r>
-              <a:rPr kumimoji="1" lang="ja-JP" altLang="en-US" dirty="0"/>
-              <a:t>これにより性能向上の機会が大きく失われている</a:t>
-            </a:r>
-            <a:endParaRPr kumimoji="1" lang="en-US" altLang="ja-JP" dirty="0"/>
-          </a:p>
-          <a:p>
-            <a:r>
-              <a:rPr kumimoji="1" lang="ja-JP" altLang="en-US" dirty="0"/>
-              <a:t>提案：プリフェッチを遅らせる</a:t>
-            </a:r>
-            <a:endParaRPr kumimoji="1" lang="en-US" altLang="ja-JP" dirty="0"/>
+              <a:rPr kumimoji="1" lang="ja-JP" altLang="en-US" sz="1800" dirty="0"/>
+              <a:t>精度よい性能見積もりのためにはプロセッサ全体のシミュレーションが必要</a:t>
+            </a:r>
+            <a:endParaRPr kumimoji="1" lang="en-US" altLang="ja-JP" sz="1800" dirty="0"/>
           </a:p>
           <a:p>
             <a:pPr lvl="1"/>
             <a:r>
-              <a:rPr kumimoji="1" lang="ja-JP" altLang="en-US" dirty="0"/>
-              <a:t>データが参照されるタイミングまであえて遅らせる</a:t>
-            </a:r>
-            <a:endParaRPr kumimoji="1" lang="en-US" altLang="ja-JP" dirty="0"/>
+              <a:rPr kumimoji="1" lang="ja-JP" altLang="en-US" sz="1800" dirty="0"/>
+              <a:t>しかしシミュレーションには長い時間かかる</a:t>
+            </a:r>
+            <a:endParaRPr kumimoji="1" lang="en-US" altLang="ja-JP" sz="1800" dirty="0"/>
+          </a:p>
+          <a:p>
+            <a:r>
+              <a:rPr kumimoji="1" lang="ja-JP" altLang="en-US" sz="1800" dirty="0"/>
+              <a:t>提案：命令キャッシュ・ミス数に代わる新たな指針</a:t>
+            </a:r>
+            <a:endParaRPr kumimoji="1" lang="en-US" altLang="ja-JP" sz="1800" dirty="0"/>
+          </a:p>
+          <a:p>
+            <a:pPr lvl="1"/>
+            <a:r>
+              <a:rPr kumimoji="1" lang="ja-JP" altLang="en-US" sz="1800" dirty="0"/>
+              <a:t>その指針を使った高速な性能見積もりの提案</a:t>
+            </a:r>
+            <a:endParaRPr kumimoji="1" lang="en-US" altLang="ja-JP" sz="1800" dirty="0"/>
+          </a:p>
+          <a:p>
+            <a:pPr lvl="1"/>
+            <a:r>
+              <a:rPr kumimoji="1" lang="ja-JP" altLang="en-US" sz="1800" dirty="0"/>
+              <a:t>２桁短い時間でシミュレーションとほぼ同じ精度の性能見積もりを実現</a:t>
+            </a:r>
           </a:p>
         </p:txBody>
       </p:sp>
     </p:spTree>
     <p:extLst>
       <p:ext uri="{BB962C8B-B14F-4D97-AF65-F5344CB8AC3E}">
-        <p14:creationId xmlns:p14="http://schemas.microsoft.com/office/powerpoint/2010/main" val="3245496821"/>
+        <p14:creationId xmlns:p14="http://schemas.microsoft.com/office/powerpoint/2010/main" val="2676903609"/>
       </p:ext>
     </p:extLst>
   </p:cSld>
@@ -3906,7 +3901,7 @@
           <p:cNvPr id="2" name="タイトル 1">
             <a:extLst>
               <a:ext uri="{FF2B5EF4-FFF2-40B4-BE49-F238E27FC236}">
-                <a16:creationId xmlns:a16="http://schemas.microsoft.com/office/drawing/2014/main" id="{48EBA81F-A6DD-0466-EAE8-DED8906E9E0C}"/>
+                <a16:creationId xmlns:a16="http://schemas.microsoft.com/office/drawing/2014/main" id="{5495249E-5784-30A1-9425-0AD2EDA550D0}"/>
               </a:ext>
             </a:extLst>
           </p:cNvPr>
@@ -3923,25 +3918,14 @@
           <a:lstStyle/>
           <a:p>
             <a:r>
+              <a:rPr kumimoji="1" lang="ja-JP" altLang="en-US" dirty="0"/>
+              <a:t>とりあえずこのフォーマット</a:t>
+            </a:r>
+            <a:r>
               <a:rPr lang="ja-JP" altLang="en-US" dirty="0"/>
-              <a:t>例３：木村さんの輪講 </a:t>
-            </a:r>
-            <a:r>
-              <a:rPr lang="en-US" altLang="ja-JP" dirty="0"/>
-              <a:t>= </a:t>
-            </a:r>
-            <a:r>
-              <a:rPr lang="ja-JP" altLang="en-US" dirty="0"/>
-              <a:t>既存手法がないパターン</a:t>
-            </a:r>
-            <a:br>
-              <a:rPr lang="en-US" altLang="ja-JP" dirty="0"/>
-            </a:br>
-            <a:r>
-              <a:rPr lang="ja-JP" altLang="en-US" sz="1800" dirty="0"/>
-              <a:t>（輪講なので具体的なアイデアがまだない事に注意）</a:t>
-            </a:r>
-            <a:endParaRPr kumimoji="1" lang="ja-JP" altLang="en-US" sz="1800" dirty="0"/>
+              <a:t>にまとめる事を目指す</a:t>
+            </a:r>
+            <a:endParaRPr kumimoji="1" lang="ja-JP" altLang="en-US" dirty="0"/>
           </a:p>
         </p:txBody>
       </p:sp>
@@ -3950,7 +3934,7 @@
           <p:cNvPr id="3" name="テキスト プレースホルダー 2">
             <a:extLst>
               <a:ext uri="{FF2B5EF4-FFF2-40B4-BE49-F238E27FC236}">
-                <a16:creationId xmlns:a16="http://schemas.microsoft.com/office/drawing/2014/main" id="{3FEEAC1E-C94E-1099-5C11-AF237D70AFA5}"/>
+                <a16:creationId xmlns:a16="http://schemas.microsoft.com/office/drawing/2014/main" id="{434C8495-CDEB-3716-81CF-61358DAF8B15}"/>
               </a:ext>
             </a:extLst>
           </p:cNvPr>
@@ -3966,87 +3950,108 @@
           <a:bodyPr/>
           <a:lstStyle/>
           <a:p>
-            <a:r>
-              <a:rPr lang="ja-JP" altLang="en-US" dirty="0"/>
-              <a:t>背景：ベクトル命令 </a:t>
-            </a:r>
-            <a:endParaRPr lang="en-US" altLang="ja-JP" dirty="0"/>
+            <a:pPr marL="457200" indent="-457200">
+              <a:buFont typeface="+mj-lt"/>
+              <a:buAutoNum type="arabicPeriod"/>
+            </a:pPr>
+            <a:r>
+              <a:rPr kumimoji="1" lang="ja-JP" altLang="en-US" dirty="0"/>
+              <a:t>背景：「～」</a:t>
+            </a:r>
+            <a:r>
+              <a:rPr kumimoji="1" lang="en-US" altLang="ja-JP" dirty="0"/>
+              <a:t>= </a:t>
+            </a:r>
+            <a:r>
+              <a:rPr kumimoji="1" lang="ja-JP" altLang="en-US" dirty="0"/>
+              <a:t>背景を一つの文ないしは名詞でまとめる</a:t>
+            </a:r>
+            <a:endParaRPr kumimoji="1" lang="en-US" altLang="ja-JP" dirty="0"/>
           </a:p>
           <a:p>
             <a:pPr lvl="1"/>
             <a:r>
-              <a:rPr lang="ja-JP" altLang="en-US" dirty="0"/>
-              <a:t>単一の命令で可変長の複数データを処理する命令の方式 </a:t>
-            </a:r>
-            <a:endParaRPr lang="en-US" altLang="ja-JP" dirty="0"/>
+              <a:rPr kumimoji="1" lang="ja-JP" altLang="en-US" dirty="0"/>
+              <a:t>「～」</a:t>
+            </a:r>
+            <a:r>
+              <a:rPr lang="en-US" altLang="ja-JP" dirty="0"/>
+              <a:t>= </a:t>
+            </a:r>
+            <a:r>
+              <a:rPr kumimoji="1" lang="ja-JP" altLang="en-US" dirty="0"/>
+              <a:t>背景を説明する１つの文</a:t>
+            </a:r>
+            <a:endParaRPr kumimoji="1" lang="en-US" altLang="ja-JP" dirty="0"/>
           </a:p>
           <a:p>
             <a:pPr lvl="1"/>
             <a:r>
-              <a:rPr lang="ja-JP" altLang="en-US" dirty="0"/>
-              <a:t>データ並列性のある処理を対象 </a:t>
-            </a:r>
-            <a:endParaRPr lang="en-US" altLang="ja-JP" dirty="0"/>
+              <a:rPr kumimoji="1" lang="ja-JP" altLang="en-US" dirty="0"/>
+              <a:t>「～」･･･</a:t>
+            </a:r>
+            <a:endParaRPr kumimoji="1" lang="en-US" altLang="ja-JP" dirty="0"/>
+          </a:p>
+          <a:p>
+            <a:pPr marL="457200" indent="-457200">
+              <a:buFont typeface="+mj-lt"/>
+              <a:buAutoNum type="arabicPeriod"/>
+            </a:pPr>
+            <a:r>
+              <a:rPr kumimoji="1" lang="ja-JP" altLang="en-US" dirty="0"/>
+              <a:t>課題：「～」</a:t>
+            </a:r>
+            <a:endParaRPr kumimoji="1" lang="en-US" altLang="ja-JP" dirty="0"/>
           </a:p>
           <a:p>
             <a:pPr lvl="1"/>
             <a:r>
-              <a:rPr lang="en-US" altLang="ja-JP" dirty="0"/>
-              <a:t>RISC-V </a:t>
-            </a:r>
-            <a:r>
-              <a:rPr lang="ja-JP" altLang="en-US" dirty="0"/>
-              <a:t>ベクトル拡張などの形で実装されている </a:t>
-            </a:r>
-            <a:endParaRPr lang="en-US" altLang="ja-JP" dirty="0"/>
-          </a:p>
-          <a:p>
-            <a:r>
-              <a:rPr lang="ja-JP" altLang="en-US" dirty="0"/>
-              <a:t>課題：ベクトル命令の実装コスト </a:t>
-            </a:r>
-            <a:endParaRPr lang="en-US" altLang="ja-JP" dirty="0"/>
+              <a:rPr kumimoji="1" lang="ja-JP" altLang="en-US" dirty="0"/>
+              <a:t>「～」</a:t>
+            </a:r>
+            <a:endParaRPr kumimoji="1" lang="en-US" altLang="ja-JP" dirty="0"/>
           </a:p>
           <a:p>
             <a:pPr lvl="1"/>
             <a:r>
-              <a:rPr lang="ja-JP" altLang="en-US" dirty="0"/>
-              <a:t>ベクトル命令では１つの命令が多数のアクセスを発生させる</a:t>
-            </a:r>
-            <a:endParaRPr lang="en-US" altLang="ja-JP" dirty="0"/>
+              <a:rPr kumimoji="1" lang="ja-JP" altLang="en-US" dirty="0"/>
+              <a:t>「～」</a:t>
+            </a:r>
+            <a:endParaRPr kumimoji="1" lang="en-US" altLang="ja-JP" dirty="0"/>
+          </a:p>
+          <a:p>
+            <a:pPr marL="457200" indent="-457200">
+              <a:buFont typeface="+mj-lt"/>
+              <a:buAutoNum type="arabicPeriod"/>
+            </a:pPr>
+            <a:r>
+              <a:rPr kumimoji="1" lang="ja-JP" altLang="en-US" dirty="0"/>
+              <a:t>提案：「～」</a:t>
+            </a:r>
+            <a:endParaRPr kumimoji="1" lang="en-US" altLang="ja-JP" dirty="0"/>
           </a:p>
           <a:p>
             <a:pPr lvl="1"/>
             <a:r>
-              <a:rPr lang="ja-JP" altLang="en-US" dirty="0"/>
-              <a:t>従来の作り方で </a:t>
-            </a:r>
-            <a:r>
-              <a:rPr lang="en-US" altLang="ja-JP" dirty="0"/>
-              <a:t>out-of-order </a:t>
-            </a:r>
-            <a:r>
-              <a:rPr lang="ja-JP" altLang="en-US" dirty="0"/>
-              <a:t>プロセッサ上に実装すると，複雑さが爆発する </a:t>
-            </a:r>
-            <a:endParaRPr lang="en-US" altLang="ja-JP" dirty="0"/>
-          </a:p>
-          <a:p>
-            <a:r>
-              <a:rPr lang="ja-JP" altLang="en-US" dirty="0"/>
-              <a:t>提案：ベクトル命令の実装の複雑さを下げる </a:t>
-            </a:r>
-            <a:br>
-              <a:rPr lang="ja-JP" altLang="en-US" dirty="0"/>
-            </a:br>
-            <a:endParaRPr kumimoji="1" lang="ja-JP" altLang="en-US" dirty="0"/>
+              <a:rPr kumimoji="1" lang="ja-JP" altLang="en-US" dirty="0"/>
+              <a:t>「～」</a:t>
+            </a:r>
+            <a:endParaRPr kumimoji="1" lang="en-US" altLang="ja-JP" dirty="0"/>
+          </a:p>
+          <a:p>
+            <a:pPr lvl="1"/>
+            <a:r>
+              <a:rPr kumimoji="1" lang="ja-JP" altLang="en-US" dirty="0"/>
+              <a:t>「～」</a:t>
+            </a:r>
+            <a:endParaRPr kumimoji="1" lang="en-US" altLang="ja-JP" dirty="0"/>
           </a:p>
         </p:txBody>
       </p:sp>
     </p:spTree>
     <p:extLst>
       <p:ext uri="{BB962C8B-B14F-4D97-AF65-F5344CB8AC3E}">
-        <p14:creationId xmlns:p14="http://schemas.microsoft.com/office/powerpoint/2010/main" val="1097013043"/>
+        <p14:creationId xmlns:p14="http://schemas.microsoft.com/office/powerpoint/2010/main" val="490123942"/>
       </p:ext>
     </p:extLst>
   </p:cSld>
@@ -4086,7 +4091,7 @@
           <p:cNvPr id="2" name="タイトル 1">
             <a:extLst>
               <a:ext uri="{FF2B5EF4-FFF2-40B4-BE49-F238E27FC236}">
-                <a16:creationId xmlns:a16="http://schemas.microsoft.com/office/drawing/2014/main" id="{51BE99DC-6509-D745-923D-01B9E613F224}"/>
+                <a16:creationId xmlns:a16="http://schemas.microsoft.com/office/drawing/2014/main" id="{2EAFEEDE-7519-82C1-375C-36DCE07D4199}"/>
               </a:ext>
             </a:extLst>
           </p:cNvPr>
@@ -4103,17 +4108,10 @@
           <a:lstStyle/>
           <a:p>
             <a:r>
-              <a:rPr kumimoji="1" lang="ja-JP" altLang="en-US" dirty="0"/>
-              <a:t>例４：出川くんの </a:t>
-            </a:r>
-            <a:r>
-              <a:rPr kumimoji="1" lang="en-US" altLang="ja-JP" dirty="0"/>
-              <a:t>ICCD = </a:t>
-            </a:r>
-            <a:r>
-              <a:rPr kumimoji="1" lang="ja-JP" altLang="en-US" dirty="0"/>
-              <a:t>既存手法がないパターン</a:t>
-            </a:r>
+              <a:rPr lang="ja-JP" altLang="en-US" dirty="0"/>
+              <a:t>プロットを作る際の実際の手順</a:t>
+            </a:r>
+            <a:endParaRPr kumimoji="1" lang="ja-JP" altLang="en-US" dirty="0"/>
           </a:p>
         </p:txBody>
       </p:sp>
@@ -4122,7 +4120,7 @@
           <p:cNvPr id="3" name="テキスト プレースホルダー 2">
             <a:extLst>
               <a:ext uri="{FF2B5EF4-FFF2-40B4-BE49-F238E27FC236}">
-                <a16:creationId xmlns:a16="http://schemas.microsoft.com/office/drawing/2014/main" id="{ED93E0D1-8160-8125-E3C9-AED3AEC7F3C7}"/>
+                <a16:creationId xmlns:a16="http://schemas.microsoft.com/office/drawing/2014/main" id="{593C2F59-3A8A-F156-C9E0-6898AC8EE921}"/>
               </a:ext>
             </a:extLst>
           </p:cNvPr>
@@ -4139,86 +4137,112 @@
           <a:lstStyle/>
           <a:p>
             <a:r>
-              <a:rPr kumimoji="1" lang="ja-JP" altLang="en-US" sz="1800" dirty="0"/>
-              <a:t>背景：命令キャッシュ・ミス数を使った性能の見積もり</a:t>
-            </a:r>
-            <a:endParaRPr kumimoji="1" lang="en-US" altLang="ja-JP" sz="1800" dirty="0"/>
-          </a:p>
-          <a:p>
-            <a:pPr lvl="1"/>
-            <a:r>
-              <a:rPr kumimoji="1" lang="ja-JP" altLang="en-US" sz="1800" dirty="0"/>
-              <a:t>命令キャッシュに関わる研究ではミス数が主要な評価項目だった</a:t>
-            </a:r>
-            <a:endParaRPr kumimoji="1" lang="en-US" altLang="ja-JP" sz="1800" dirty="0"/>
-          </a:p>
-          <a:p>
-            <a:pPr lvl="1"/>
-            <a:r>
-              <a:rPr kumimoji="1" lang="ja-JP" altLang="en-US" sz="1800" dirty="0"/>
-              <a:t>ミス数が減ると基本的には実行時間が短くなるため</a:t>
-            </a:r>
-            <a:endParaRPr kumimoji="1" lang="en-US" altLang="ja-JP" sz="1800" dirty="0"/>
-          </a:p>
-          <a:p>
-            <a:r>
-              <a:rPr kumimoji="1" lang="ja-JP" altLang="en-US" sz="1800" dirty="0"/>
-              <a:t>課題：シミュレーション時間</a:t>
-            </a:r>
-            <a:endParaRPr kumimoji="1" lang="en-US" altLang="ja-JP" sz="1800" dirty="0"/>
-          </a:p>
-          <a:p>
-            <a:pPr lvl="1"/>
-            <a:r>
-              <a:rPr kumimoji="1" lang="ja-JP" altLang="en-US" sz="1800" dirty="0"/>
-              <a:t>現代のプロセッサではミス数と実行時間が直接相関しない</a:t>
-            </a:r>
-            <a:endParaRPr kumimoji="1" lang="en-US" altLang="ja-JP" sz="1800" dirty="0"/>
-          </a:p>
-          <a:p>
-            <a:pPr lvl="1"/>
-            <a:r>
-              <a:rPr kumimoji="1" lang="ja-JP" altLang="en-US" sz="1800" dirty="0"/>
-              <a:t>精度よい性能見積もりのためには長時間に渡るプロセッサ全体のシミュレーションが必要</a:t>
-            </a:r>
-            <a:endParaRPr kumimoji="1" lang="en-US" altLang="ja-JP" sz="1800" dirty="0"/>
-          </a:p>
-          <a:p>
-            <a:pPr lvl="1"/>
-            <a:r>
-              <a:rPr kumimoji="1" lang="ja-JP" altLang="en-US" sz="1800" dirty="0"/>
-              <a:t>しかしシミュレーションには長い時間かかる</a:t>
-            </a:r>
-            <a:endParaRPr kumimoji="1" lang="en-US" altLang="ja-JP" sz="1800" dirty="0"/>
-          </a:p>
-          <a:p>
-            <a:r>
-              <a:rPr kumimoji="1" lang="ja-JP" altLang="en-US" sz="1800" dirty="0"/>
-              <a:t>提案：命令キャッシュ・ミス数に代わる新たな指針</a:t>
-            </a:r>
-            <a:endParaRPr kumimoji="1" lang="en-US" altLang="ja-JP" sz="1800" dirty="0"/>
-          </a:p>
-          <a:p>
-            <a:pPr lvl="1"/>
-            <a:r>
-              <a:rPr kumimoji="1" lang="ja-JP" altLang="en-US" sz="1800" dirty="0"/>
-              <a:t>その指針を使った高速な性能見積もりの提案</a:t>
-            </a:r>
-            <a:endParaRPr kumimoji="1" lang="en-US" altLang="ja-JP" sz="1800" dirty="0"/>
-          </a:p>
-          <a:p>
-            <a:pPr lvl="1"/>
-            <a:r>
-              <a:rPr kumimoji="1" lang="ja-JP" altLang="en-US" sz="1800" dirty="0"/>
-              <a:t>２桁短い時間でシミュレーションとほぼ同じ精度の性能見積もりを実現</a:t>
-            </a:r>
+              <a:rPr kumimoji="1" lang="ja-JP" altLang="en-US" dirty="0"/>
+              <a:t>以下の手順で進めると，作りやすい：</a:t>
+            </a:r>
+            <a:endParaRPr kumimoji="1" lang="en-US" altLang="ja-JP" dirty="0"/>
+          </a:p>
+          <a:p>
+            <a:pPr marL="817200" lvl="1" indent="-457200">
+              <a:buFont typeface="+mj-lt"/>
+              <a:buAutoNum type="arabicPeriod"/>
+            </a:pPr>
+            <a:r>
+              <a:rPr kumimoji="1" lang="ja-JP" altLang="en-US" dirty="0"/>
+              <a:t>まずは思いつく関連しそうな項目をたくさん書き出してみる</a:t>
+            </a:r>
+            <a:endParaRPr kumimoji="1" lang="en-US" altLang="ja-JP" dirty="0"/>
+          </a:p>
+          <a:p>
+            <a:pPr lvl="2"/>
+            <a:r>
+              <a:rPr kumimoji="1" lang="ja-JP" altLang="en-US" dirty="0"/>
+              <a:t>名詞や短文の形にして並べてみる</a:t>
+            </a:r>
+            <a:endParaRPr kumimoji="1" lang="en-US" altLang="ja-JP" dirty="0"/>
+          </a:p>
+          <a:p>
+            <a:pPr marL="817200" lvl="1" indent="-457200">
+              <a:buFont typeface="+mj-lt"/>
+              <a:buAutoNum type="arabicPeriod"/>
+            </a:pPr>
+            <a:r>
+              <a:rPr lang="ja-JP" altLang="en-US" dirty="0"/>
+              <a:t>各項目を整理</a:t>
+            </a:r>
+            <a:endParaRPr lang="en-US" altLang="ja-JP" dirty="0"/>
+          </a:p>
+          <a:p>
+            <a:pPr marL="1177200" lvl="2" indent="-457200">
+              <a:buFont typeface="+mj-lt"/>
+              <a:buAutoNum type="arabicPeriod"/>
+            </a:pPr>
+            <a:r>
+              <a:rPr kumimoji="1" lang="ja-JP" altLang="en-US" dirty="0"/>
+              <a:t>関係する項目同士をくくって親子にまとめる</a:t>
+            </a:r>
+            <a:endParaRPr kumimoji="1" lang="en-US" altLang="ja-JP" dirty="0"/>
+          </a:p>
+          <a:p>
+            <a:pPr lvl="3"/>
+            <a:r>
+              <a:rPr lang="ja-JP" altLang="en-US" dirty="0"/>
+              <a:t>まとめた項目を一言で表したまとめの短文（親）を作る</a:t>
+            </a:r>
+            <a:endParaRPr lang="en-US" altLang="ja-JP" dirty="0"/>
+          </a:p>
+          <a:p>
+            <a:pPr lvl="3"/>
+            <a:r>
+              <a:rPr lang="ja-JP" altLang="en-US" dirty="0"/>
+              <a:t>まとめの短文の下に子項目としてインデントして置く</a:t>
+            </a:r>
+            <a:endParaRPr lang="en-US" altLang="ja-JP" dirty="0"/>
+          </a:p>
+          <a:p>
+            <a:pPr marL="1177200" lvl="2" indent="-457200">
+              <a:buFont typeface="+mj-lt"/>
+              <a:buAutoNum type="arabicPeriod"/>
+            </a:pPr>
+            <a:r>
+              <a:rPr kumimoji="1" lang="ja-JP" altLang="en-US" dirty="0"/>
+              <a:t>内容が冗長なものをマージしたり削除する</a:t>
+            </a:r>
+            <a:endParaRPr kumimoji="1" lang="en-US" altLang="ja-JP" dirty="0"/>
+          </a:p>
+          <a:p>
+            <a:pPr marL="817200" lvl="1" indent="-457200">
+              <a:buFont typeface="+mj-lt"/>
+              <a:buAutoNum type="arabicPeriod"/>
+            </a:pPr>
+            <a:r>
+              <a:rPr kumimoji="1" lang="ja-JP" altLang="en-US" dirty="0"/>
+              <a:t>ある程度まとまったら，それらを背景，課題，提案に分類する</a:t>
+            </a:r>
+            <a:endParaRPr kumimoji="1" lang="en-US" altLang="ja-JP" dirty="0"/>
+          </a:p>
+          <a:p>
+            <a:pPr lvl="2"/>
+            <a:r>
+              <a:rPr lang="ja-JP" altLang="en-US" dirty="0"/>
+              <a:t>このとき，次のページで説明する関連を意識する</a:t>
+            </a:r>
+            <a:endParaRPr lang="en-US" altLang="ja-JP" dirty="0"/>
+          </a:p>
+          <a:p>
+            <a:pPr lvl="2"/>
+            <a:r>
+              <a:rPr lang="ja-JP" altLang="en-US" dirty="0"/>
+              <a:t>うまく分類して関係を説明できない時は，本質的に関係ない可能性がある</a:t>
+            </a:r>
+            <a:endParaRPr lang="en-US" altLang="ja-JP" dirty="0"/>
           </a:p>
         </p:txBody>
       </p:sp>
     </p:spTree>
     <p:extLst>
       <p:ext uri="{BB962C8B-B14F-4D97-AF65-F5344CB8AC3E}">
-        <p14:creationId xmlns:p14="http://schemas.microsoft.com/office/powerpoint/2010/main" val="2755986977"/>
+        <p14:creationId xmlns:p14="http://schemas.microsoft.com/office/powerpoint/2010/main" val="2082905723"/>
       </p:ext>
     </p:extLst>
   </p:cSld>
@@ -4258,7 +4282,7 @@
           <p:cNvPr id="2" name="タイトル 1">
             <a:extLst>
               <a:ext uri="{FF2B5EF4-FFF2-40B4-BE49-F238E27FC236}">
-                <a16:creationId xmlns:a16="http://schemas.microsoft.com/office/drawing/2014/main" id="{CF2EC29A-53FA-8B96-FE9A-0EF13AEC926F}"/>
+                <a16:creationId xmlns:a16="http://schemas.microsoft.com/office/drawing/2014/main" id="{0D8148F9-96F5-47D8-BABC-0992A5317442}"/>
               </a:ext>
             </a:extLst>
           </p:cNvPr>
@@ -4276,7 +4300,7 @@
           <a:p>
             <a:r>
               <a:rPr kumimoji="1" lang="ja-JP" altLang="en-US" dirty="0"/>
-              <a:t>応用：４点プロット</a:t>
+              <a:t>項目間の関係</a:t>
             </a:r>
           </a:p>
         </p:txBody>
@@ -4286,7 +4310,7 @@
           <p:cNvPr id="3" name="テキスト プレースホルダー 2">
             <a:extLst>
               <a:ext uri="{FF2B5EF4-FFF2-40B4-BE49-F238E27FC236}">
-                <a16:creationId xmlns:a16="http://schemas.microsoft.com/office/drawing/2014/main" id="{181521BF-22BE-74E1-30FF-6AFF99DD6C71}"/>
+                <a16:creationId xmlns:a16="http://schemas.microsoft.com/office/drawing/2014/main" id="{F99D6A1E-A2D8-5CC6-FE5C-A06B02DCAF52}"/>
               </a:ext>
             </a:extLst>
           </p:cNvPr>
@@ -4304,15 +4328,60 @@
           <a:p>
             <a:r>
               <a:rPr kumimoji="1" lang="ja-JP" altLang="en-US" dirty="0"/>
-              <a:t>洞察を加えた４点プロットの形でもよい</a:t>
+              <a:t>「課題」に書く内容は，「背景」で提示した問題に対応させる</a:t>
             </a:r>
             <a:endParaRPr kumimoji="1" lang="en-US" altLang="ja-JP" dirty="0"/>
           </a:p>
           <a:p>
+            <a:pPr marL="817200" lvl="1" indent="-457200">
+              <a:buFont typeface="+mj-lt"/>
+              <a:buAutoNum type="arabicPeriod"/>
+            </a:pPr>
+            <a:r>
+              <a:rPr kumimoji="1" lang="ja-JP" altLang="en-US" dirty="0"/>
+              <a:t>「背景」で提示した問題を解決する</a:t>
+            </a:r>
+            <a:endParaRPr kumimoji="1" lang="en-US" altLang="ja-JP" dirty="0"/>
+          </a:p>
+          <a:p>
+            <a:pPr lvl="2"/>
+            <a:r>
+              <a:rPr kumimoji="1" lang="ja-JP" altLang="en-US" dirty="0"/>
+              <a:t>既存手法がある場合，基本的にはこの形になる</a:t>
+            </a:r>
+            <a:endParaRPr kumimoji="1" lang="en-US" altLang="ja-JP" dirty="0"/>
+          </a:p>
+          <a:p>
+            <a:pPr marL="817200" lvl="1" indent="-457200">
+              <a:buFont typeface="+mj-lt"/>
+              <a:buAutoNum type="arabicPeriod"/>
+            </a:pPr>
+            <a:r>
+              <a:rPr kumimoji="1" lang="ja-JP" altLang="en-US" dirty="0"/>
+              <a:t>「背景」の特定の問題に着目して掘り下げる</a:t>
+            </a:r>
+            <a:endParaRPr kumimoji="1" lang="en-US" altLang="ja-JP" dirty="0"/>
+          </a:p>
+          <a:p>
+            <a:pPr lvl="2"/>
+            <a:r>
+              <a:rPr kumimoji="1" lang="ja-JP" altLang="en-US" dirty="0"/>
+              <a:t>特に既存手法がない場合，こちらになることもある</a:t>
+            </a:r>
+            <a:endParaRPr kumimoji="1" lang="en-US" altLang="ja-JP" dirty="0"/>
+          </a:p>
+          <a:p>
+            <a:r>
+              <a:rPr kumimoji="1" lang="ja-JP" altLang="en-US" dirty="0"/>
+              <a:t>「提案」では，「背景」と「課題」で提示した問題に対応させる</a:t>
+            </a:r>
+            <a:endParaRPr kumimoji="1" lang="en-US" altLang="ja-JP" dirty="0"/>
+          </a:p>
+          <a:p>
             <a:pPr lvl="1"/>
             <a:r>
               <a:rPr kumimoji="1" lang="ja-JP" altLang="en-US" dirty="0"/>
-              <a:t>背景</a:t>
+              <a:t>基本的には「課題」で提示した問題を解決する方法を書く</a:t>
             </a:r>
             <a:endParaRPr kumimoji="1" lang="en-US" altLang="ja-JP" dirty="0"/>
           </a:p>
@@ -4320,54 +4389,39 @@
             <a:pPr lvl="1"/>
             <a:r>
               <a:rPr kumimoji="1" lang="ja-JP" altLang="en-US" dirty="0"/>
-              <a:t>課題</a:t>
+              <a:t>そうすれば，普通は自然と「背景」の問題にも対応する</a:t>
             </a:r>
             <a:endParaRPr kumimoji="1" lang="en-US" altLang="ja-JP" dirty="0"/>
           </a:p>
           <a:p>
+            <a:r>
+              <a:rPr kumimoji="1" lang="ja-JP" altLang="en-US" dirty="0">
+                <a:solidFill>
+                  <a:schemeClr val="accent5"/>
+                </a:solidFill>
+              </a:rPr>
+              <a:t>「背景→課題→提案」の流れが明確にわかるようにする</a:t>
+            </a:r>
+            <a:endParaRPr kumimoji="1" lang="en-US" altLang="ja-JP" dirty="0">
+              <a:solidFill>
+                <a:schemeClr val="accent5"/>
+              </a:solidFill>
+            </a:endParaRPr>
+          </a:p>
+          <a:p>
             <a:pPr lvl="1"/>
             <a:r>
               <a:rPr kumimoji="1" lang="ja-JP" altLang="en-US" dirty="0"/>
-              <a:t>洞察</a:t>
+              <a:t>これらに直接つながらない事は，入れてはいけない</a:t>
             </a:r>
             <a:endParaRPr kumimoji="1" lang="en-US" altLang="ja-JP" dirty="0"/>
-          </a:p>
-          <a:p>
-            <a:pPr lvl="2"/>
-            <a:r>
-              <a:rPr kumimoji="1" lang="ja-JP" altLang="en-US" dirty="0"/>
-              <a:t>課題に対する新しい観察結果や，課題の核心の新しい解釈など</a:t>
-            </a:r>
-            <a:endParaRPr kumimoji="1" lang="en-US" altLang="ja-JP" dirty="0"/>
-          </a:p>
-          <a:p>
-            <a:pPr lvl="1"/>
-            <a:r>
-              <a:rPr kumimoji="1" lang="ja-JP" altLang="en-US" dirty="0"/>
-              <a:t>提案</a:t>
-            </a:r>
-            <a:endParaRPr kumimoji="1" lang="en-US" altLang="ja-JP" dirty="0"/>
-          </a:p>
-          <a:p>
-            <a:r>
-              <a:rPr kumimoji="1" lang="ja-JP" altLang="en-US" dirty="0"/>
-              <a:t>洞察は課題や提案の下にぶら下がることもある</a:t>
-            </a:r>
-            <a:endParaRPr kumimoji="1" lang="en-US" altLang="ja-JP" dirty="0"/>
-          </a:p>
-          <a:p>
-            <a:pPr lvl="1"/>
-            <a:r>
-              <a:rPr kumimoji="1" lang="ja-JP" altLang="en-US" dirty="0"/>
-              <a:t>小泉くんの例での「早すぎるプリフェッチ」は洞察でもある</a:t>
-            </a:r>
           </a:p>
         </p:txBody>
       </p:sp>
     </p:spTree>
     <p:extLst>
       <p:ext uri="{BB962C8B-B14F-4D97-AF65-F5344CB8AC3E}">
-        <p14:creationId xmlns:p14="http://schemas.microsoft.com/office/powerpoint/2010/main" val="1138083872"/>
+        <p14:creationId xmlns:p14="http://schemas.microsoft.com/office/powerpoint/2010/main" val="2670373046"/>
       </p:ext>
     </p:extLst>
   </p:cSld>
@@ -4407,7 +4461,7 @@
           <p:cNvPr id="2" name="タイトル 1">
             <a:extLst>
               <a:ext uri="{FF2B5EF4-FFF2-40B4-BE49-F238E27FC236}">
-                <a16:creationId xmlns:a16="http://schemas.microsoft.com/office/drawing/2014/main" id="{D92FA600-475B-052E-A22C-BFAB05D0AC85}"/>
+                <a16:creationId xmlns:a16="http://schemas.microsoft.com/office/drawing/2014/main" id="{5DE9EB6D-DB2F-3B8D-2437-AD77ADB2FF9E}"/>
               </a:ext>
             </a:extLst>
           </p:cNvPr>
@@ -4425,7 +4479,7 @@
           <a:p>
             <a:r>
               <a:rPr kumimoji="1" lang="ja-JP" altLang="en-US" dirty="0"/>
-              <a:t>３点プロットのチェック・リスト</a:t>
+              <a:t>箇条書きを作る際の形式上の注意</a:t>
             </a:r>
           </a:p>
         </p:txBody>
@@ -4435,7 +4489,7 @@
           <p:cNvPr id="3" name="テキスト プレースホルダー 2">
             <a:extLst>
               <a:ext uri="{FF2B5EF4-FFF2-40B4-BE49-F238E27FC236}">
-                <a16:creationId xmlns:a16="http://schemas.microsoft.com/office/drawing/2014/main" id="{28A94EC8-8A4B-9F54-B1F6-6E422E113E32}"/>
+                <a16:creationId xmlns:a16="http://schemas.microsoft.com/office/drawing/2014/main" id="{18D77FC6-6ACE-F5A6-179B-013437541EA6}"/>
               </a:ext>
             </a:extLst>
           </p:cNvPr>
@@ -4452,73 +4506,86 @@
           <a:lstStyle/>
           <a:p>
             <a:r>
-              <a:rPr kumimoji="1" lang="ja-JP" altLang="en-US" dirty="0"/>
-              <a:t>以下が満たされているかを確認：</a:t>
-            </a:r>
-            <a:br>
-              <a:rPr kumimoji="1" lang="en-US" altLang="ja-JP" dirty="0"/>
-            </a:br>
+              <a:rPr kumimoji="1" lang="ja-JP" altLang="en-US" dirty="0">
+                <a:solidFill>
+                  <a:schemeClr val="accent5"/>
+                </a:solidFill>
+              </a:rPr>
+              <a:t>複文を使うのは原則禁止</a:t>
+            </a:r>
+            <a:endParaRPr kumimoji="1" lang="en-US" altLang="ja-JP" dirty="0">
+              <a:solidFill>
+                <a:schemeClr val="accent5"/>
+              </a:solidFill>
+            </a:endParaRPr>
+          </a:p>
+          <a:p>
+            <a:pPr lvl="1"/>
+            <a:r>
+              <a:rPr kumimoji="1" lang="ja-JP" altLang="en-US" dirty="0"/>
+              <a:t>複数の文を繋げて１つの文にしてしまうと，関係が良くわからなくなりがち</a:t>
+            </a:r>
             <a:endParaRPr kumimoji="1" lang="en-US" altLang="ja-JP" dirty="0"/>
           </a:p>
           <a:p>
-            <a:pPr marL="817200" lvl="1" indent="-457200">
-              <a:buFont typeface="+mj-lt"/>
-              <a:buAutoNum type="arabicPeriod"/>
-            </a:pPr>
-            <a:r>
-              <a:rPr kumimoji="1" lang="ja-JP" altLang="en-US" dirty="0"/>
-              <a:t>背景，課題，提案の３項目から成っているか？</a:t>
+            <a:pPr lvl="1"/>
+            <a:r>
+              <a:rPr kumimoji="1" lang="ja-JP" altLang="en-US" dirty="0"/>
+              <a:t>最初は単文のみで作る</a:t>
             </a:r>
             <a:endParaRPr kumimoji="1" lang="en-US" altLang="ja-JP" dirty="0"/>
           </a:p>
           <a:p>
-            <a:pPr marL="817200" lvl="1" indent="-457200">
-              <a:buFont typeface="+mj-lt"/>
-              <a:buAutoNum type="arabicPeriod"/>
-            </a:pPr>
-            <a:r>
-              <a:rPr kumimoji="1" lang="ja-JP" altLang="en-US" dirty="0"/>
-              <a:t>課題は背景の問題に，提案は課題の問題に対応しているか？</a:t>
+            <a:pPr lvl="2"/>
+            <a:r>
+              <a:rPr kumimoji="1" lang="ja-JP" altLang="en-US" dirty="0"/>
+              <a:t>どうしても複文を入れる場合は，１行に収まる長さまで</a:t>
             </a:r>
             <a:endParaRPr kumimoji="1" lang="en-US" altLang="ja-JP" dirty="0"/>
           </a:p>
           <a:p>
-            <a:pPr marL="817200" lvl="1" indent="-457200">
-              <a:buFont typeface="+mj-lt"/>
-              <a:buAutoNum type="arabicPeriod"/>
-            </a:pPr>
+            <a:pPr lvl="2"/>
+            <a:r>
+              <a:rPr kumimoji="1" lang="ja-JP" altLang="en-US" dirty="0"/>
+              <a:t>３文以上からなる複文は常に禁止</a:t>
+            </a:r>
             <a:endParaRPr kumimoji="1" lang="en-US" altLang="ja-JP" dirty="0"/>
           </a:p>
           <a:p>
-            <a:pPr marL="817200" lvl="1" indent="-457200">
-              <a:buFont typeface="+mj-lt"/>
-              <a:buAutoNum type="arabicPeriod"/>
-            </a:pPr>
-            <a:r>
-              <a:rPr kumimoji="1" lang="ja-JP" altLang="en-US" dirty="0"/>
-              <a:t>複文を含んでいないか？</a:t>
+            <a:r>
+              <a:rPr kumimoji="1" lang="ja-JP" altLang="en-US" dirty="0"/>
+              <a:t>同様の理由により，長い修飾節を持った文も使わない</a:t>
             </a:r>
             <a:endParaRPr kumimoji="1" lang="en-US" altLang="ja-JP" dirty="0"/>
           </a:p>
           <a:p>
-            <a:pPr marL="817200" lvl="1" indent="-457200">
-              <a:buFont typeface="+mj-lt"/>
-              <a:buAutoNum type="arabicPeriod"/>
-            </a:pPr>
-            <a:r>
-              <a:rPr kumimoji="1" lang="ja-JP" altLang="en-US" dirty="0"/>
-              <a:t>１行を越えるような長い修飾節を含んだ文が入っていないか？</a:t>
+            <a:pPr lvl="1"/>
+            <a:r>
+              <a:rPr kumimoji="1" lang="ja-JP" altLang="en-US" dirty="0"/>
+              <a:t>長くなってしまう場合は，インデントをしてぶら下げると良い</a:t>
             </a:r>
             <a:endParaRPr kumimoji="1" lang="en-US" altLang="ja-JP" dirty="0"/>
           </a:p>
           <a:p>
-            <a:pPr marL="817200" lvl="1" indent="-457200">
-              <a:buFont typeface="+mj-lt"/>
-              <a:buAutoNum type="arabicPeriod"/>
-            </a:pPr>
-            <a:r>
-              <a:rPr kumimoji="1" lang="ja-JP" altLang="en-US" dirty="0"/>
-              <a:t>４つ以上の項目を並列に並べていないか？</a:t>
+            <a:r>
+              <a:rPr kumimoji="1" lang="ja-JP" altLang="en-US" dirty="0"/>
+              <a:t>一つの項目にぶら下げる項目は３つまで</a:t>
+            </a:r>
+            <a:endParaRPr kumimoji="1" lang="en-US" altLang="ja-JP" dirty="0"/>
+          </a:p>
+          <a:p>
+            <a:pPr lvl="1"/>
+            <a:r>
+              <a:rPr kumimoji="1" lang="ja-JP" altLang="en-US" dirty="0"/>
+              <a:t>４つ以上の項目が同じレベルに並んでいる場合は，それらをインデントにまとめる</a:t>
+            </a:r>
+            <a:endParaRPr kumimoji="1" lang="en-US" altLang="ja-JP" dirty="0"/>
+          </a:p>
+          <a:p>
+            <a:pPr lvl="1"/>
+            <a:r>
+              <a:rPr kumimoji="1" lang="ja-JP" altLang="en-US" dirty="0"/>
+              <a:t>３つより多いと関係が曖昧になる</a:t>
             </a:r>
             <a:endParaRPr kumimoji="1" lang="en-US" altLang="ja-JP" dirty="0"/>
           </a:p>
@@ -4527,7 +4594,7 @@
     </p:spTree>
     <p:extLst>
       <p:ext uri="{BB962C8B-B14F-4D97-AF65-F5344CB8AC3E}">
-        <p14:creationId xmlns:p14="http://schemas.microsoft.com/office/powerpoint/2010/main" val="3800030842"/>
+        <p14:creationId xmlns:p14="http://schemas.microsoft.com/office/powerpoint/2010/main" val="2930707725"/>
       </p:ext>
     </p:extLst>
   </p:cSld>
@@ -4564,10 +4631,10 @@
       </p:grpSpPr>
       <p:sp>
         <p:nvSpPr>
-          <p:cNvPr id="4" name="タイトル 3">
+          <p:cNvPr id="2" name="タイトル 1">
             <a:extLst>
               <a:ext uri="{FF2B5EF4-FFF2-40B4-BE49-F238E27FC236}">
-                <a16:creationId xmlns:a16="http://schemas.microsoft.com/office/drawing/2014/main" id="{84F42E09-269D-6700-69C9-4DCC825C99A7}"/>
+                <a16:creationId xmlns:a16="http://schemas.microsoft.com/office/drawing/2014/main" id="{CF2EC29A-53FA-8B96-FE9A-0EF13AEC926F}"/>
               </a:ext>
             </a:extLst>
           </p:cNvPr>
@@ -4584,8 +4651,91 @@
           <a:lstStyle/>
           <a:p>
             <a:r>
-              <a:rPr lang="ja-JP" altLang="en-US" b="1" dirty="0"/>
-              <a:t>１点プロット</a:t>
+              <a:rPr kumimoji="1" lang="ja-JP" altLang="en-US" dirty="0"/>
+              <a:t>応用：４点プロット</a:t>
+            </a:r>
+          </a:p>
+        </p:txBody>
+      </p:sp>
+      <p:sp>
+        <p:nvSpPr>
+          <p:cNvPr id="3" name="テキスト プレースホルダー 2">
+            <a:extLst>
+              <a:ext uri="{FF2B5EF4-FFF2-40B4-BE49-F238E27FC236}">
+                <a16:creationId xmlns:a16="http://schemas.microsoft.com/office/drawing/2014/main" id="{181521BF-22BE-74E1-30FF-6AFF99DD6C71}"/>
+              </a:ext>
+            </a:extLst>
+          </p:cNvPr>
+          <p:cNvSpPr>
+            <a:spLocks noGrp="1"/>
+          </p:cNvSpPr>
+          <p:nvPr>
+            <p:ph type="body" sz="quarter" idx="10"/>
+          </p:nvPr>
+        </p:nvSpPr>
+        <p:spPr/>
+        <p:txBody>
+          <a:bodyPr/>
+          <a:lstStyle/>
+          <a:p>
+            <a:r>
+              <a:rPr kumimoji="1" lang="ja-JP" altLang="en-US" dirty="0"/>
+              <a:t>洞察を加えた４点プロットの形でもよい</a:t>
+            </a:r>
+            <a:endParaRPr kumimoji="1" lang="en-US" altLang="ja-JP" dirty="0"/>
+          </a:p>
+          <a:p>
+            <a:pPr lvl="1"/>
+            <a:r>
+              <a:rPr kumimoji="1" lang="ja-JP" altLang="en-US" dirty="0"/>
+              <a:t>背景</a:t>
+            </a:r>
+            <a:endParaRPr kumimoji="1" lang="en-US" altLang="ja-JP" dirty="0"/>
+          </a:p>
+          <a:p>
+            <a:pPr lvl="1"/>
+            <a:r>
+              <a:rPr kumimoji="1" lang="ja-JP" altLang="en-US" dirty="0"/>
+              <a:t>課題</a:t>
+            </a:r>
+            <a:endParaRPr kumimoji="1" lang="en-US" altLang="ja-JP" dirty="0"/>
+          </a:p>
+          <a:p>
+            <a:pPr lvl="1"/>
+            <a:r>
+              <a:rPr kumimoji="1" lang="ja-JP" altLang="en-US" dirty="0"/>
+              <a:t>洞察</a:t>
+            </a:r>
+            <a:endParaRPr kumimoji="1" lang="en-US" altLang="ja-JP" dirty="0"/>
+          </a:p>
+          <a:p>
+            <a:pPr lvl="2"/>
+            <a:r>
+              <a:rPr kumimoji="1" lang="ja-JP" altLang="en-US" dirty="0"/>
+              <a:t>課題に対する新しい観察結果や，課題の核心の新しい解釈など</a:t>
+            </a:r>
+            <a:endParaRPr kumimoji="1" lang="en-US" altLang="ja-JP" dirty="0"/>
+          </a:p>
+          <a:p>
+            <a:pPr lvl="1"/>
+            <a:r>
+              <a:rPr kumimoji="1" lang="ja-JP" altLang="en-US" dirty="0"/>
+              <a:t>提案</a:t>
+            </a:r>
+            <a:endParaRPr kumimoji="1" lang="en-US" altLang="ja-JP" dirty="0"/>
+          </a:p>
+          <a:p>
+            <a:r>
+              <a:rPr kumimoji="1" lang="ja-JP" altLang="en-US" dirty="0"/>
+              <a:t>洞察は課題や提案の下にぶら下がることもある</a:t>
+            </a:r>
+            <a:endParaRPr kumimoji="1" lang="en-US" altLang="ja-JP" dirty="0"/>
+          </a:p>
+          <a:p>
+            <a:pPr lvl="1"/>
+            <a:r>
+              <a:rPr kumimoji="1" lang="ja-JP" altLang="en-US" dirty="0"/>
+              <a:t>小泉くんの例での「早すぎるプリフェッチ」は洞察でもある</a:t>
             </a:r>
           </a:p>
         </p:txBody>
@@ -4593,13 +4743,21 @@
     </p:spTree>
     <p:extLst>
       <p:ext uri="{BB962C8B-B14F-4D97-AF65-F5344CB8AC3E}">
-        <p14:creationId xmlns:p14="http://schemas.microsoft.com/office/powerpoint/2010/main" val="1222142208"/>
+        <p14:creationId xmlns:p14="http://schemas.microsoft.com/office/powerpoint/2010/main" val="1138083872"/>
       </p:ext>
     </p:extLst>
   </p:cSld>
   <p:clrMapOvr>
     <a:masterClrMapping/>
   </p:clrMapOvr>
+  <mc:AlternateContent xmlns:mc="http://schemas.openxmlformats.org/markup-compatibility/2006" xmlns:p14="http://schemas.microsoft.com/office/powerpoint/2010/main">
+    <mc:Choice Requires="p14">
+      <p:transition p14:dur="10"/>
+    </mc:Choice>
+    <mc:Fallback xmlns="">
+      <p:transition/>
+    </mc:Fallback>
+  </mc:AlternateContent>
 </p:sld>
 </file>
 
@@ -4625,7 +4783,7 @@
           <p:cNvPr id="2" name="タイトル 1">
             <a:extLst>
               <a:ext uri="{FF2B5EF4-FFF2-40B4-BE49-F238E27FC236}">
-                <a16:creationId xmlns:a16="http://schemas.microsoft.com/office/drawing/2014/main" id="{3791F58A-EC2D-D89A-CA40-DDF514198B8F}"/>
+                <a16:creationId xmlns:a16="http://schemas.microsoft.com/office/drawing/2014/main" id="{D92FA600-475B-052E-A22C-BFAB05D0AC85}"/>
               </a:ext>
             </a:extLst>
           </p:cNvPr>
@@ -4643,17 +4801,8 @@
           <a:p>
             <a:r>
               <a:rPr kumimoji="1" lang="ja-JP" altLang="en-US" dirty="0"/>
-              <a:t>１点プロット </a:t>
-            </a:r>
-            <a:r>
-              <a:rPr kumimoji="1" lang="en-US" altLang="ja-JP" dirty="0"/>
-              <a:t>= </a:t>
-            </a:r>
-            <a:r>
-              <a:rPr kumimoji="1" lang="ja-JP" altLang="en-US" dirty="0"/>
-              <a:t>目標規定文</a:t>
-            </a:r>
-            <a:endParaRPr kumimoji="1" lang="en-US" altLang="ja-JP" dirty="0"/>
+              <a:t>３点プロットのチェック・リスト</a:t>
+            </a:r>
           </a:p>
         </p:txBody>
       </p:sp>
@@ -4662,7 +4811,7 @@
           <p:cNvPr id="3" name="テキスト プレースホルダー 2">
             <a:extLst>
               <a:ext uri="{FF2B5EF4-FFF2-40B4-BE49-F238E27FC236}">
-                <a16:creationId xmlns:a16="http://schemas.microsoft.com/office/drawing/2014/main" id="{CE8C17F2-3701-6FE8-3F1E-E482EBDA33C7}"/>
+                <a16:creationId xmlns:a16="http://schemas.microsoft.com/office/drawing/2014/main" id="{28A94EC8-8A4B-9F54-B1F6-6E422E113E32}"/>
               </a:ext>
             </a:extLst>
           </p:cNvPr>
@@ -4680,90 +4829,81 @@
           <a:p>
             <a:r>
               <a:rPr kumimoji="1" lang="ja-JP" altLang="en-US" dirty="0"/>
-              <a:t>１点プロット </a:t>
-            </a:r>
-            <a:r>
+              <a:t>以下が満たされているかを確認：</a:t>
+            </a:r>
+            <a:br>
               <a:rPr kumimoji="1" lang="en-US" altLang="ja-JP" dirty="0"/>
-              <a:t>= </a:t>
-            </a:r>
-            <a:r>
-              <a:rPr kumimoji="1" lang="ja-JP" altLang="en-US" dirty="0"/>
-              <a:t>目標規定文</a:t>
-            </a:r>
+            </a:br>
             <a:endParaRPr kumimoji="1" lang="en-US" altLang="ja-JP" dirty="0"/>
           </a:p>
           <a:p>
-            <a:pPr lvl="1"/>
-            <a:r>
-              <a:rPr kumimoji="1" lang="ja-JP" altLang="en-US" dirty="0"/>
-              <a:t>その文章の主張を</a:t>
-            </a:r>
-            <a:r>
-              <a:rPr kumimoji="1" lang="ja-JP" altLang="en-US" dirty="0">
-                <a:solidFill>
-                  <a:schemeClr val="accent5"/>
-                </a:solidFill>
-              </a:rPr>
-              <a:t>１つの文</a:t>
-            </a:r>
-            <a:r>
-              <a:rPr kumimoji="1" lang="ja-JP" altLang="en-US" dirty="0"/>
-              <a:t>の形にまとめたもの</a:t>
+            <a:pPr marL="817200" lvl="1" indent="-457200">
+              <a:buFont typeface="+mj-lt"/>
+              <a:buAutoNum type="arabicPeriod"/>
+            </a:pPr>
+            <a:r>
+              <a:rPr kumimoji="1" lang="ja-JP" altLang="en-US" dirty="0"/>
+              <a:t>背景，課題，提案の３項目から成っているか？</a:t>
             </a:r>
             <a:endParaRPr kumimoji="1" lang="en-US" altLang="ja-JP" dirty="0"/>
           </a:p>
           <a:p>
-            <a:pPr lvl="2"/>
-            <a:r>
-              <a:rPr kumimoji="1" lang="ja-JP" altLang="en-US" dirty="0"/>
-              <a:t>目標規定文は「理科系の作文技術」より</a:t>
+            <a:pPr marL="817200" lvl="1" indent="-457200">
+              <a:buFont typeface="+mj-lt"/>
+              <a:buAutoNum type="arabicPeriod"/>
+            </a:pPr>
+            <a:r>
+              <a:rPr kumimoji="1" lang="ja-JP" altLang="en-US" dirty="0"/>
+              <a:t>課題は背景の問題に，提案は課題の問題に対応しているか？</a:t>
             </a:r>
             <a:endParaRPr kumimoji="1" lang="en-US" altLang="ja-JP" dirty="0"/>
           </a:p>
           <a:p>
-            <a:pPr lvl="1"/>
-            <a:r>
-              <a:rPr kumimoji="1" lang="ja-JP" altLang="en-US" dirty="0"/>
-              <a:t>もっとも短い形のプロットとも言える</a:t>
-            </a:r>
+            <a:pPr marL="817200" lvl="1" indent="-457200">
+              <a:buFont typeface="+mj-lt"/>
+              <a:buAutoNum type="arabicPeriod"/>
+            </a:pPr>
             <a:endParaRPr kumimoji="1" lang="en-US" altLang="ja-JP" dirty="0"/>
           </a:p>
           <a:p>
-            <a:r>
-              <a:rPr kumimoji="1" lang="ja-JP" altLang="en-US" dirty="0"/>
-              <a:t>「理科系の作文技術」の説明</a:t>
+            <a:pPr marL="817200" lvl="1" indent="-457200">
+              <a:buFont typeface="+mj-lt"/>
+              <a:buAutoNum type="arabicPeriod"/>
+            </a:pPr>
+            <a:r>
+              <a:rPr kumimoji="1" lang="ja-JP" altLang="en-US" dirty="0"/>
+              <a:t>複文を含んでいないか？</a:t>
             </a:r>
             <a:endParaRPr kumimoji="1" lang="en-US" altLang="ja-JP" dirty="0"/>
           </a:p>
           <a:p>
-            <a:pPr lvl="1"/>
-            <a:r>
-              <a:rPr kumimoji="1" lang="ja-JP" altLang="en-US" dirty="0"/>
-              <a:t>「自分は何を目標としてその文章を書くのか，そこで何を主張しようとするのかを熟考して，それを一つの文にまとめて書いてみることを勧める」</a:t>
+            <a:pPr marL="817200" lvl="1" indent="-457200">
+              <a:buFont typeface="+mj-lt"/>
+              <a:buAutoNum type="arabicPeriod"/>
+            </a:pPr>
+            <a:r>
+              <a:rPr kumimoji="1" lang="ja-JP" altLang="en-US" dirty="0"/>
+              <a:t>１行を越えるような長い修飾節を含んだ文が入っていないか？</a:t>
             </a:r>
             <a:endParaRPr kumimoji="1" lang="en-US" altLang="ja-JP" dirty="0"/>
           </a:p>
           <a:p>
-            <a:pPr lvl="1"/>
-            <a:r>
-              <a:rPr kumimoji="1" lang="ja-JP" altLang="en-US" dirty="0"/>
-              <a:t>「主題に関してあることを主張し，または否定しようとする意思を明示した文」（コーベットによる </a:t>
-            </a:r>
-            <a:r>
-              <a:rPr kumimoji="1" lang="en-US" altLang="ja-JP" dirty="0"/>
-              <a:t>thesis </a:t>
-            </a:r>
-            <a:r>
-              <a:rPr kumimoji="1" lang="ja-JP" altLang="en-US" dirty="0"/>
-              <a:t>の説明）</a:t>
-            </a:r>
+            <a:pPr marL="817200" lvl="1" indent="-457200">
+              <a:buFont typeface="+mj-lt"/>
+              <a:buAutoNum type="arabicPeriod"/>
+            </a:pPr>
+            <a:r>
+              <a:rPr kumimoji="1" lang="ja-JP" altLang="en-US" dirty="0"/>
+              <a:t>４つ以上の項目を並列に並べていないか？</a:t>
+            </a:r>
+            <a:endParaRPr kumimoji="1" lang="en-US" altLang="ja-JP" dirty="0"/>
           </a:p>
         </p:txBody>
       </p:sp>
     </p:spTree>
     <p:extLst>
       <p:ext uri="{BB962C8B-B14F-4D97-AF65-F5344CB8AC3E}">
-        <p14:creationId xmlns:p14="http://schemas.microsoft.com/office/powerpoint/2010/main" val="2967336231"/>
+        <p14:creationId xmlns:p14="http://schemas.microsoft.com/office/powerpoint/2010/main" val="3800030842"/>
       </p:ext>
     </p:extLst>
   </p:cSld>
@@ -4800,10 +4940,10 @@
       </p:grpSpPr>
       <p:sp>
         <p:nvSpPr>
-          <p:cNvPr id="2" name="タイトル 1">
+          <p:cNvPr id="4" name="タイトル 3">
             <a:extLst>
               <a:ext uri="{FF2B5EF4-FFF2-40B4-BE49-F238E27FC236}">
-                <a16:creationId xmlns:a16="http://schemas.microsoft.com/office/drawing/2014/main" id="{B136B8D4-A45A-E900-4740-4ADDB700695F}"/>
+                <a16:creationId xmlns:a16="http://schemas.microsoft.com/office/drawing/2014/main" id="{84F42E09-269D-6700-69C9-4DCC825C99A7}"/>
               </a:ext>
             </a:extLst>
           </p:cNvPr>
@@ -4820,75 +4960,8 @@
           <a:lstStyle/>
           <a:p>
             <a:r>
-              <a:rPr kumimoji="1" lang="ja-JP" altLang="en-US" dirty="0"/>
-              <a:t>目標規定文</a:t>
-            </a:r>
-          </a:p>
-        </p:txBody>
-      </p:sp>
-      <p:sp>
-        <p:nvSpPr>
-          <p:cNvPr id="3" name="テキスト プレースホルダー 2">
-            <a:extLst>
-              <a:ext uri="{FF2B5EF4-FFF2-40B4-BE49-F238E27FC236}">
-                <a16:creationId xmlns:a16="http://schemas.microsoft.com/office/drawing/2014/main" id="{7C58FC4A-17A5-A2DE-03F7-FEC5E8E2DC4D}"/>
-              </a:ext>
-            </a:extLst>
-          </p:cNvPr>
-          <p:cNvSpPr>
-            <a:spLocks noGrp="1"/>
-          </p:cNvSpPr>
-          <p:nvPr>
-            <p:ph type="body" sz="quarter" idx="10"/>
-          </p:nvPr>
-        </p:nvSpPr>
-        <p:spPr/>
-        <p:txBody>
-          <a:bodyPr/>
-          <a:lstStyle/>
-          <a:p>
-            <a:r>
-              <a:rPr kumimoji="1" lang="ja-JP" altLang="en-US" dirty="0"/>
-              <a:t>目標からトップダウンに構成を作る</a:t>
-            </a:r>
-            <a:endParaRPr kumimoji="1" lang="en-US" altLang="ja-JP" dirty="0"/>
-          </a:p>
-          <a:p>
-            <a:pPr lvl="1"/>
-            <a:r>
-              <a:rPr kumimoji="1" lang="ja-JP" altLang="en-US" dirty="0"/>
-              <a:t>目標規定文を作り，その目標に収束するように文章全体の構想を練る</a:t>
-            </a:r>
-            <a:endParaRPr kumimoji="1" lang="en-US" altLang="ja-JP" dirty="0"/>
-          </a:p>
-          <a:p>
-            <a:pPr lvl="1"/>
-            <a:r>
-              <a:rPr kumimoji="1" lang="ja-JP" altLang="en-US" dirty="0"/>
-              <a:t>この目標に繋がる内容のみを全体の構成に残す</a:t>
-            </a:r>
-            <a:endParaRPr kumimoji="1" lang="en-US" altLang="ja-JP" dirty="0"/>
-          </a:p>
-          <a:p>
-            <a:pPr lvl="2"/>
-            <a:r>
-              <a:rPr kumimoji="1" lang="ja-JP" altLang="en-US" dirty="0"/>
-              <a:t>「関係はしているが，あってもなくても良い」みたいなものは入れてはいけない</a:t>
-            </a:r>
-            <a:endParaRPr kumimoji="1" lang="en-US" altLang="ja-JP" dirty="0"/>
-          </a:p>
-          <a:p>
-            <a:r>
-              <a:rPr kumimoji="1" lang="ja-JP" altLang="en-US" dirty="0"/>
-              <a:t>主張全体を論理的なツリーとして表した際のルートにあたる</a:t>
-            </a:r>
-            <a:endParaRPr kumimoji="1" lang="en-US" altLang="ja-JP" dirty="0"/>
-          </a:p>
-          <a:p>
-            <a:pPr lvl="1"/>
-            <a:r>
-              <a:rPr kumimoji="1" lang="ja-JP" altLang="en-US" dirty="0"/>
-              <a:t>これをさらに短くまとめたものがタイトルになる</a:t>
+              <a:rPr lang="ja-JP" altLang="en-US" b="1" dirty="0"/>
+              <a:t>１点プロット</a:t>
             </a:r>
           </a:p>
         </p:txBody>
@@ -4896,21 +4969,13 @@
     </p:spTree>
     <p:extLst>
       <p:ext uri="{BB962C8B-B14F-4D97-AF65-F5344CB8AC3E}">
-        <p14:creationId xmlns:p14="http://schemas.microsoft.com/office/powerpoint/2010/main" val="3839336830"/>
+        <p14:creationId xmlns:p14="http://schemas.microsoft.com/office/powerpoint/2010/main" val="1222142208"/>
       </p:ext>
     </p:extLst>
   </p:cSld>
   <p:clrMapOvr>
     <a:masterClrMapping/>
   </p:clrMapOvr>
-  <mc:AlternateContent xmlns:mc="http://schemas.openxmlformats.org/markup-compatibility/2006" xmlns:p14="http://schemas.microsoft.com/office/powerpoint/2010/main">
-    <mc:Choice Requires="p14">
-      <p:transition p14:dur="10"/>
-    </mc:Choice>
-    <mc:Fallback xmlns="">
-      <p:transition/>
-    </mc:Fallback>
-  </mc:AlternateContent>
 </p:sld>
 </file>
 
@@ -5098,7 +5163,7 @@
           <p:cNvPr id="2" name="タイトル 1">
             <a:extLst>
               <a:ext uri="{FF2B5EF4-FFF2-40B4-BE49-F238E27FC236}">
-                <a16:creationId xmlns:a16="http://schemas.microsoft.com/office/drawing/2014/main" id="{D4345327-D154-8FE3-0EEE-96EFAAA82DEF}"/>
+                <a16:creationId xmlns:a16="http://schemas.microsoft.com/office/drawing/2014/main" id="{3791F58A-EC2D-D89A-CA40-DDF514198B8F}"/>
               </a:ext>
             </a:extLst>
           </p:cNvPr>
@@ -5116,8 +5181,17 @@
           <a:p>
             <a:r>
               <a:rPr kumimoji="1" lang="ja-JP" altLang="en-US" dirty="0"/>
-              <a:t>３点プロットと目標規定文の関係</a:t>
-            </a:r>
+              <a:t>１点プロット </a:t>
+            </a:r>
+            <a:r>
+              <a:rPr kumimoji="1" lang="en-US" altLang="ja-JP" dirty="0"/>
+              <a:t>= </a:t>
+            </a:r>
+            <a:r>
+              <a:rPr kumimoji="1" lang="ja-JP" altLang="en-US" dirty="0"/>
+              <a:t>目標規定文</a:t>
+            </a:r>
+            <a:endParaRPr kumimoji="1" lang="en-US" altLang="ja-JP" dirty="0"/>
           </a:p>
         </p:txBody>
       </p:sp>
@@ -5126,7 +5200,7 @@
           <p:cNvPr id="3" name="テキスト プレースホルダー 2">
             <a:extLst>
               <a:ext uri="{FF2B5EF4-FFF2-40B4-BE49-F238E27FC236}">
-                <a16:creationId xmlns:a16="http://schemas.microsoft.com/office/drawing/2014/main" id="{FF0B682A-46CB-4093-1B0E-581FD7CB3A90}"/>
+                <a16:creationId xmlns:a16="http://schemas.microsoft.com/office/drawing/2014/main" id="{CE8C17F2-3701-6FE8-3F1E-E482EBDA33C7}"/>
               </a:ext>
             </a:extLst>
           </p:cNvPr>
@@ -5144,7 +5218,15 @@
           <a:p>
             <a:r>
               <a:rPr kumimoji="1" lang="ja-JP" altLang="en-US" dirty="0"/>
-              <a:t>作り方：</a:t>
+              <a:t>１点プロット </a:t>
+            </a:r>
+            <a:r>
+              <a:rPr kumimoji="1" lang="en-US" altLang="ja-JP" dirty="0"/>
+              <a:t>= </a:t>
+            </a:r>
+            <a:r>
+              <a:rPr kumimoji="1" lang="ja-JP" altLang="en-US" dirty="0"/>
+              <a:t>目標規定文</a:t>
             </a:r>
             <a:endParaRPr kumimoji="1" lang="en-US" altLang="ja-JP" dirty="0"/>
           </a:p>
@@ -5152,24 +5234,74 @@
             <a:pPr lvl="1"/>
             <a:r>
               <a:rPr kumimoji="1" lang="ja-JP" altLang="en-US" dirty="0"/>
-              <a:t>３点プロットが出来たら，そこからさらに真に重要な項目を抽出</a:t>
+              <a:t>その文章の主張を</a:t>
+            </a:r>
+            <a:r>
+              <a:rPr kumimoji="1" lang="ja-JP" altLang="en-US" dirty="0">
+                <a:solidFill>
+                  <a:schemeClr val="accent5"/>
+                </a:solidFill>
+              </a:rPr>
+              <a:t>１つの文</a:t>
+            </a:r>
+            <a:r>
+              <a:rPr kumimoji="1" lang="ja-JP" altLang="en-US" dirty="0"/>
+              <a:t>の形にまとめたもの</a:t>
             </a:r>
             <a:endParaRPr kumimoji="1" lang="en-US" altLang="ja-JP" dirty="0"/>
           </a:p>
           <a:p>
+            <a:pPr lvl="2"/>
+            <a:r>
+              <a:rPr kumimoji="1" lang="ja-JP" altLang="en-US" dirty="0"/>
+              <a:t>目標規定文は「理科系の作文技術」より</a:t>
+            </a:r>
+            <a:endParaRPr kumimoji="1" lang="en-US" altLang="ja-JP" dirty="0"/>
+          </a:p>
+          <a:p>
             <a:pPr lvl="1"/>
             <a:r>
               <a:rPr kumimoji="1" lang="ja-JP" altLang="en-US" dirty="0"/>
-              <a:t>それらを繋げて目標規定文にする</a:t>
+              <a:t>もっとも短い形のプロットとも言える</a:t>
             </a:r>
             <a:endParaRPr kumimoji="1" lang="en-US" altLang="ja-JP" dirty="0"/>
+          </a:p>
+          <a:p>
+            <a:r>
+              <a:rPr kumimoji="1" lang="ja-JP" altLang="en-US" dirty="0"/>
+              <a:t>「理科系の作文技術」の説明</a:t>
+            </a:r>
+            <a:endParaRPr kumimoji="1" lang="en-US" altLang="ja-JP" dirty="0"/>
+          </a:p>
+          <a:p>
+            <a:pPr lvl="1"/>
+            <a:r>
+              <a:rPr kumimoji="1" lang="ja-JP" altLang="en-US" dirty="0"/>
+              <a:t>「自分は何を目標としてその文章を書くのか，そこで何を主張しようとするのかを熟考して，それを一つの文にまとめて書いてみることを勧める」</a:t>
+            </a:r>
+            <a:endParaRPr kumimoji="1" lang="en-US" altLang="ja-JP" dirty="0"/>
+          </a:p>
+          <a:p>
+            <a:pPr lvl="1"/>
+            <a:r>
+              <a:rPr kumimoji="1" lang="ja-JP" altLang="en-US" dirty="0"/>
+              <a:t>「主題に関してあることを主張し，または否定しようとする意思を明示した文」（コーベットによる </a:t>
+            </a:r>
+            <a:r>
+              <a:rPr kumimoji="1" lang="en-US" altLang="ja-JP" dirty="0"/>
+              <a:t>thesis </a:t>
+            </a:r>
+            <a:r>
+              <a:rPr kumimoji="1" lang="ja-JP" altLang="en-US" dirty="0"/>
+              <a:t>の説明）</a:t>
+            </a:r>
           </a:p>
         </p:txBody>
       </p:sp>
     </p:spTree>
     <p:extLst>
       <p:ext uri="{BB962C8B-B14F-4D97-AF65-F5344CB8AC3E}">
-        <p14:creationId xmlns:p14="http://schemas.microsoft.com/office/powerpoint/2010/main" val="1730200020"/>
+        <p14:creationId xmlns:p14="http://schemas.microsoft.com/office/powerpoint/2010/main" val="2967336231"/>
       </p:ext>
     </p:extLst>
   </p:cSld>
@@ -5206,10 +5338,10 @@
       </p:grpSpPr>
       <p:sp>
         <p:nvSpPr>
-          <p:cNvPr id="4" name="タイトル 3">
+          <p:cNvPr id="2" name="タイトル 1">
             <a:extLst>
               <a:ext uri="{FF2B5EF4-FFF2-40B4-BE49-F238E27FC236}">
-                <a16:creationId xmlns:a16="http://schemas.microsoft.com/office/drawing/2014/main" id="{84F42E09-269D-6700-69C9-4DCC825C99A7}"/>
+                <a16:creationId xmlns:a16="http://schemas.microsoft.com/office/drawing/2014/main" id="{B136B8D4-A45A-E900-4740-4ADDB700695F}"/>
               </a:ext>
             </a:extLst>
           </p:cNvPr>
@@ -5226,8 +5358,75 @@
           <a:lstStyle/>
           <a:p>
             <a:r>
-              <a:rPr lang="ja-JP" altLang="en-US" b="1" dirty="0"/>
-              <a:t>６点プロット</a:t>
+              <a:rPr kumimoji="1" lang="ja-JP" altLang="en-US" dirty="0"/>
+              <a:t>目標規定文</a:t>
+            </a:r>
+          </a:p>
+        </p:txBody>
+      </p:sp>
+      <p:sp>
+        <p:nvSpPr>
+          <p:cNvPr id="3" name="テキスト プレースホルダー 2">
+            <a:extLst>
+              <a:ext uri="{FF2B5EF4-FFF2-40B4-BE49-F238E27FC236}">
+                <a16:creationId xmlns:a16="http://schemas.microsoft.com/office/drawing/2014/main" id="{7C58FC4A-17A5-A2DE-03F7-FEC5E8E2DC4D}"/>
+              </a:ext>
+            </a:extLst>
+          </p:cNvPr>
+          <p:cNvSpPr>
+            <a:spLocks noGrp="1"/>
+          </p:cNvSpPr>
+          <p:nvPr>
+            <p:ph type="body" sz="quarter" idx="10"/>
+          </p:nvPr>
+        </p:nvSpPr>
+        <p:spPr/>
+        <p:txBody>
+          <a:bodyPr/>
+          <a:lstStyle/>
+          <a:p>
+            <a:r>
+              <a:rPr kumimoji="1" lang="ja-JP" altLang="en-US" dirty="0"/>
+              <a:t>目標からトップダウンに構成を作る</a:t>
+            </a:r>
+            <a:endParaRPr kumimoji="1" lang="en-US" altLang="ja-JP" dirty="0"/>
+          </a:p>
+          <a:p>
+            <a:pPr lvl="1"/>
+            <a:r>
+              <a:rPr kumimoji="1" lang="ja-JP" altLang="en-US" dirty="0"/>
+              <a:t>目標規定文を作り，その目標に収束するように文章全体の構想を練る</a:t>
+            </a:r>
+            <a:endParaRPr kumimoji="1" lang="en-US" altLang="ja-JP" dirty="0"/>
+          </a:p>
+          <a:p>
+            <a:pPr lvl="1"/>
+            <a:r>
+              <a:rPr kumimoji="1" lang="ja-JP" altLang="en-US" dirty="0"/>
+              <a:t>この目標に繋がる内容のみを全体の構成に残す</a:t>
+            </a:r>
+            <a:endParaRPr kumimoji="1" lang="en-US" altLang="ja-JP" dirty="0"/>
+          </a:p>
+          <a:p>
+            <a:pPr lvl="2"/>
+            <a:r>
+              <a:rPr kumimoji="1" lang="ja-JP" altLang="en-US" dirty="0"/>
+              <a:t>「関係はしているが，あってもなくても良い」みたいなものは入れてはいけない</a:t>
+            </a:r>
+            <a:endParaRPr kumimoji="1" lang="en-US" altLang="ja-JP" dirty="0"/>
+          </a:p>
+          <a:p>
+            <a:r>
+              <a:rPr kumimoji="1" lang="ja-JP" altLang="en-US" dirty="0"/>
+              <a:t>主張全体を論理的なツリーとして表した際のルートにあたる</a:t>
+            </a:r>
+            <a:endParaRPr kumimoji="1" lang="en-US" altLang="ja-JP" dirty="0"/>
+          </a:p>
+          <a:p>
+            <a:pPr lvl="1"/>
+            <a:r>
+              <a:rPr kumimoji="1" lang="ja-JP" altLang="en-US" dirty="0"/>
+              <a:t>これをさらに短くまとめたものがタイトルになる</a:t>
             </a:r>
           </a:p>
         </p:txBody>
@@ -5235,13 +5434,21 @@
     </p:spTree>
     <p:extLst>
       <p:ext uri="{BB962C8B-B14F-4D97-AF65-F5344CB8AC3E}">
-        <p14:creationId xmlns:p14="http://schemas.microsoft.com/office/powerpoint/2010/main" val="1393778451"/>
+        <p14:creationId xmlns:p14="http://schemas.microsoft.com/office/powerpoint/2010/main" val="3839336830"/>
       </p:ext>
     </p:extLst>
   </p:cSld>
   <p:clrMapOvr>
     <a:masterClrMapping/>
   </p:clrMapOvr>
+  <mc:AlternateContent xmlns:mc="http://schemas.openxmlformats.org/markup-compatibility/2006" xmlns:p14="http://schemas.microsoft.com/office/powerpoint/2010/main">
+    <mc:Choice Requires="p14">
+      <p:transition p14:dur="10"/>
+    </mc:Choice>
+    <mc:Fallback xmlns="">
+      <p:transition/>
+    </mc:Fallback>
+  </mc:AlternateContent>
 </p:sld>
 </file>
 
@@ -5264,6 +5471,175 @@
       </p:grpSpPr>
       <p:sp>
         <p:nvSpPr>
+          <p:cNvPr id="2" name="タイトル 1">
+            <a:extLst>
+              <a:ext uri="{FF2B5EF4-FFF2-40B4-BE49-F238E27FC236}">
+                <a16:creationId xmlns:a16="http://schemas.microsoft.com/office/drawing/2014/main" id="{D4345327-D154-8FE3-0EEE-96EFAAA82DEF}"/>
+              </a:ext>
+            </a:extLst>
+          </p:cNvPr>
+          <p:cNvSpPr>
+            <a:spLocks noGrp="1"/>
+          </p:cNvSpPr>
+          <p:nvPr>
+            <p:ph type="title"/>
+          </p:nvPr>
+        </p:nvSpPr>
+        <p:spPr/>
+        <p:txBody>
+          <a:bodyPr/>
+          <a:lstStyle/>
+          <a:p>
+            <a:r>
+              <a:rPr kumimoji="1" lang="ja-JP" altLang="en-US" dirty="0"/>
+              <a:t>３点プロットと目標規定文の関係</a:t>
+            </a:r>
+          </a:p>
+        </p:txBody>
+      </p:sp>
+      <p:sp>
+        <p:nvSpPr>
+          <p:cNvPr id="3" name="テキスト プレースホルダー 2">
+            <a:extLst>
+              <a:ext uri="{FF2B5EF4-FFF2-40B4-BE49-F238E27FC236}">
+                <a16:creationId xmlns:a16="http://schemas.microsoft.com/office/drawing/2014/main" id="{FF0B682A-46CB-4093-1B0E-581FD7CB3A90}"/>
+              </a:ext>
+            </a:extLst>
+          </p:cNvPr>
+          <p:cNvSpPr>
+            <a:spLocks noGrp="1"/>
+          </p:cNvSpPr>
+          <p:nvPr>
+            <p:ph type="body" sz="quarter" idx="10"/>
+          </p:nvPr>
+        </p:nvSpPr>
+        <p:spPr/>
+        <p:txBody>
+          <a:bodyPr/>
+          <a:lstStyle/>
+          <a:p>
+            <a:r>
+              <a:rPr kumimoji="1" lang="ja-JP" altLang="en-US" dirty="0"/>
+              <a:t>作り方：</a:t>
+            </a:r>
+            <a:endParaRPr kumimoji="1" lang="en-US" altLang="ja-JP" dirty="0"/>
+          </a:p>
+          <a:p>
+            <a:pPr lvl="1"/>
+            <a:r>
+              <a:rPr kumimoji="1" lang="ja-JP" altLang="en-US" dirty="0"/>
+              <a:t>３点プロットが出来たら，そこからさらに真に重要な項目を抽出</a:t>
+            </a:r>
+            <a:endParaRPr kumimoji="1" lang="en-US" altLang="ja-JP" dirty="0"/>
+          </a:p>
+          <a:p>
+            <a:pPr lvl="1"/>
+            <a:r>
+              <a:rPr kumimoji="1" lang="ja-JP" altLang="en-US" dirty="0"/>
+              <a:t>それらを繋げて目標規定文にする</a:t>
+            </a:r>
+            <a:endParaRPr kumimoji="1" lang="en-US" altLang="ja-JP" dirty="0"/>
+          </a:p>
+        </p:txBody>
+      </p:sp>
+    </p:spTree>
+    <p:extLst>
+      <p:ext uri="{BB962C8B-B14F-4D97-AF65-F5344CB8AC3E}">
+        <p14:creationId xmlns:p14="http://schemas.microsoft.com/office/powerpoint/2010/main" val="1730200020"/>
+      </p:ext>
+    </p:extLst>
+  </p:cSld>
+  <p:clrMapOvr>
+    <a:masterClrMapping/>
+  </p:clrMapOvr>
+  <mc:AlternateContent xmlns:mc="http://schemas.openxmlformats.org/markup-compatibility/2006" xmlns:p14="http://schemas.microsoft.com/office/powerpoint/2010/main">
+    <mc:Choice Requires="p14">
+      <p:transition p14:dur="10"/>
+    </mc:Choice>
+    <mc:Fallback xmlns="">
+      <p:transition/>
+    </mc:Fallback>
+  </mc:AlternateContent>
+</p:sld>
+</file>
+
+<file path=ppt/slides/slide23.xml><?xml version="1.0" encoding="utf-8"?>
+<p:sld xmlns:a="http://schemas.openxmlformats.org/drawingml/2006/main" xmlns:r="http://schemas.openxmlformats.org/officeDocument/2006/relationships" xmlns:p="http://schemas.openxmlformats.org/presentationml/2006/main">
+  <p:cSld>
+    <p:spTree>
+      <p:nvGrpSpPr>
+        <p:cNvPr id="1" name=""/>
+        <p:cNvGrpSpPr/>
+        <p:nvPr/>
+      </p:nvGrpSpPr>
+      <p:grpSpPr>
+        <a:xfrm>
+          <a:off x="0" y="0"/>
+          <a:ext cx="0" cy="0"/>
+          <a:chOff x="0" y="0"/>
+          <a:chExt cx="0" cy="0"/>
+        </a:xfrm>
+      </p:grpSpPr>
+      <p:sp>
+        <p:nvSpPr>
+          <p:cNvPr id="4" name="タイトル 3">
+            <a:extLst>
+              <a:ext uri="{FF2B5EF4-FFF2-40B4-BE49-F238E27FC236}">
+                <a16:creationId xmlns:a16="http://schemas.microsoft.com/office/drawing/2014/main" id="{84F42E09-269D-6700-69C9-4DCC825C99A7}"/>
+              </a:ext>
+            </a:extLst>
+          </p:cNvPr>
+          <p:cNvSpPr>
+            <a:spLocks noGrp="1"/>
+          </p:cNvSpPr>
+          <p:nvPr>
+            <p:ph type="title"/>
+          </p:nvPr>
+        </p:nvSpPr>
+        <p:spPr/>
+        <p:txBody>
+          <a:bodyPr/>
+          <a:lstStyle/>
+          <a:p>
+            <a:r>
+              <a:rPr lang="ja-JP" altLang="en-US" b="1" dirty="0"/>
+              <a:t>６点プロット</a:t>
+            </a:r>
+          </a:p>
+        </p:txBody>
+      </p:sp>
+    </p:spTree>
+    <p:extLst>
+      <p:ext uri="{BB962C8B-B14F-4D97-AF65-F5344CB8AC3E}">
+        <p14:creationId xmlns:p14="http://schemas.microsoft.com/office/powerpoint/2010/main" val="1393778451"/>
+      </p:ext>
+    </p:extLst>
+  </p:cSld>
+  <p:clrMapOvr>
+    <a:masterClrMapping/>
+  </p:clrMapOvr>
+</p:sld>
+</file>
+
+<file path=ppt/slides/slide24.xml><?xml version="1.0" encoding="utf-8"?>
+<p:sld xmlns:a="http://schemas.openxmlformats.org/drawingml/2006/main" xmlns:r="http://schemas.openxmlformats.org/officeDocument/2006/relationships" xmlns:p="http://schemas.openxmlformats.org/presentationml/2006/main">
+  <p:cSld>
+    <p:spTree>
+      <p:nvGrpSpPr>
+        <p:cNvPr id="1" name=""/>
+        <p:cNvGrpSpPr/>
+        <p:nvPr/>
+      </p:nvGrpSpPr>
+      <p:grpSpPr>
+        <a:xfrm>
+          <a:off x="0" y="0"/>
+          <a:ext cx="0" cy="0"/>
+          <a:chOff x="0" y="0"/>
+          <a:chExt cx="0" cy="0"/>
+        </a:xfrm>
+      </p:grpSpPr>
+      <p:sp>
+        <p:nvSpPr>
           <p:cNvPr id="4" name="タイトル 3">
             <a:extLst>
               <a:ext uri="{FF2B5EF4-FFF2-40B4-BE49-F238E27FC236}">
@@ -5313,7 +5689,7 @@
           <a:p>
             <a:r>
               <a:rPr lang="ja-JP" altLang="en-US" dirty="0"/>
-              <a:t>６点プロットはイントロを書く際に作ると良い</a:t>
+              <a:t>６点プロットはイントロを書く際に作る</a:t>
             </a:r>
             <a:endParaRPr lang="en-US" altLang="ja-JP" dirty="0"/>
           </a:p>
@@ -5387,7 +5763,7 @@
             <a:fld id="{D2D8002D-B5B0-4BAC-B1F6-782DDCCE6D9C}" type="slidenum">
               <a:rPr kumimoji="1" lang="ja-JP" altLang="en-US" smtClean="0"/>
               <a:pPr/>
-              <a:t>22</a:t>
+              <a:t>24</a:t>
             </a:fld>
             <a:endParaRPr kumimoji="1" lang="ja-JP" altLang="en-US"/>
           </a:p>
@@ -5414,7 +5790,7 @@
 </p:sld>
 </file>
 
-<file path=ppt/slides/slide23.xml><?xml version="1.0" encoding="utf-8"?>
+<file path=ppt/slides/slide25.xml><?xml version="1.0" encoding="utf-8"?>
 <p:sld xmlns:a="http://schemas.openxmlformats.org/drawingml/2006/main" xmlns:r="http://schemas.openxmlformats.org/officeDocument/2006/relationships" xmlns:p="http://schemas.openxmlformats.org/presentationml/2006/main">
   <p:cSld>
     <p:spTree>
@@ -6731,7 +7107,7 @@
 </p:sld>
 </file>
 
-<file path=ppt/slides/slide24.xml><?xml version="1.0" encoding="utf-8"?>
+<file path=ppt/slides/slide26.xml><?xml version="1.0" encoding="utf-8"?>
 <p:sld xmlns:a="http://schemas.openxmlformats.org/drawingml/2006/main" xmlns:r="http://schemas.openxmlformats.org/officeDocument/2006/relationships" xmlns:p="http://schemas.openxmlformats.org/presentationml/2006/main">
   <p:cSld>
     <p:spTree>
@@ -8035,7 +8411,7 @@
 </p:sld>
 </file>
 
-<file path=ppt/slides/slide25.xml><?xml version="1.0" encoding="utf-8"?>
+<file path=ppt/slides/slide27.xml><?xml version="1.0" encoding="utf-8"?>
 <p:sld xmlns:a="http://schemas.openxmlformats.org/drawingml/2006/main" xmlns:r="http://schemas.openxmlformats.org/officeDocument/2006/relationships" xmlns:p="http://schemas.openxmlformats.org/presentationml/2006/main">
   <p:cSld>
     <p:spTree>
@@ -8075,7 +8451,7 @@
           <a:p>
             <a:r>
               <a:rPr lang="ja-JP" altLang="en-US" b="1" dirty="0"/>
-              <a:t>論文やスライドのプロット</a:t>
+              <a:t>完全プロット</a:t>
             </a:r>
           </a:p>
         </p:txBody>
@@ -8093,7 +8469,7 @@
 </p:sld>
 </file>
 
-<file path=ppt/slides/slide26.xml><?xml version="1.0" encoding="utf-8"?>
+<file path=ppt/slides/slide28.xml><?xml version="1.0" encoding="utf-8"?>
 <p:sld xmlns:a="http://schemas.openxmlformats.org/drawingml/2006/main" xmlns:r="http://schemas.openxmlformats.org/officeDocument/2006/relationships" xmlns:p="http://schemas.openxmlformats.org/presentationml/2006/main">
   <p:cSld>
     <p:spTree>
@@ -8132,8 +8508,12 @@
           <a:lstStyle/>
           <a:p>
             <a:r>
+              <a:rPr lang="ja-JP" altLang="en-US" dirty="0"/>
+              <a:t>完全</a:t>
+            </a:r>
+            <a:r>
               <a:rPr lang="ja-JP" altLang="en-US" b="1" dirty="0"/>
-              <a:t>論文やスライドのプロット</a:t>
+              <a:t>プロット</a:t>
             </a:r>
             <a:endParaRPr lang="ja-JP" altLang="en-US" dirty="0"/>
           </a:p>
@@ -8162,12 +8542,20 @@
           <a:p>
             <a:r>
               <a:rPr lang="ja-JP" altLang="en-US" dirty="0"/>
+              <a:t>論文やスライド全体のプロット</a:t>
+            </a:r>
+            <a:endParaRPr lang="en-US" altLang="ja-JP" dirty="0"/>
+          </a:p>
+          <a:p>
+            <a:pPr lvl="1"/>
+            <a:r>
+              <a:rPr lang="ja-JP" altLang="en-US" dirty="0"/>
               <a:t>特に項目数などの形式はない：</a:t>
             </a:r>
             <a:endParaRPr lang="en-US" altLang="ja-JP" dirty="0"/>
           </a:p>
           <a:p>
-            <a:pPr lvl="1"/>
+            <a:pPr lvl="2"/>
             <a:r>
               <a:rPr lang="ja-JP" altLang="en-US" dirty="0"/>
               <a:t>基本的には３点プロットから派生させて考える</a:t>
@@ -8175,7 +8563,7 @@
             <a:endParaRPr lang="en-US" altLang="ja-JP" dirty="0"/>
           </a:p>
           <a:p>
-            <a:pPr lvl="1"/>
+            <a:pPr lvl="2"/>
             <a:r>
               <a:rPr lang="ja-JP" altLang="en-US" dirty="0"/>
               <a:t>６点プロットでは省略されるような実装の詳細なども入る</a:t>
@@ -8185,66 +8573,24 @@
           <a:p>
             <a:r>
               <a:rPr lang="ja-JP" altLang="en-US" dirty="0"/>
-              <a:t>論文用：以下を</a:t>
-            </a:r>
-            <a:r>
-              <a:rPr kumimoji="1" lang="ja-JP" altLang="en-US" dirty="0"/>
-              <a:t>箇条書きにまとめる</a:t>
+              <a:t>３点プロットは，いわば「完全プロットのプロット」</a:t>
             </a:r>
             <a:endParaRPr lang="en-US" altLang="ja-JP" dirty="0"/>
           </a:p>
           <a:p>
             <a:pPr lvl="1"/>
             <a:r>
-              <a:rPr kumimoji="1" lang="ja-JP" altLang="en-US" dirty="0"/>
-              <a:t>論文の </a:t>
-            </a:r>
-            <a:r>
-              <a:rPr kumimoji="1" lang="en-US" altLang="ja-JP" dirty="0"/>
-              <a:t>subsubsection </a:t>
-            </a:r>
-            <a:r>
-              <a:rPr kumimoji="1" lang="ja-JP" altLang="en-US" dirty="0"/>
-              <a:t>までの節タイトル</a:t>
-            </a:r>
-            <a:endParaRPr kumimoji="1" lang="en-US" altLang="ja-JP" dirty="0"/>
+              <a:rPr lang="ja-JP" altLang="en-US" dirty="0"/>
+              <a:t>３点プロットで整理した内容をもとに，完全プロットを作る</a:t>
+            </a:r>
+            <a:endParaRPr lang="en-US" altLang="ja-JP" dirty="0"/>
           </a:p>
           <a:p>
             <a:pPr lvl="1"/>
             <a:r>
-              <a:rPr kumimoji="1" lang="ja-JP" altLang="en-US" dirty="0"/>
-              <a:t>そこで何を話すか</a:t>
-            </a:r>
-            <a:endParaRPr kumimoji="1" lang="en-US" altLang="ja-JP" dirty="0"/>
-          </a:p>
-          <a:p>
-            <a:r>
               <a:rPr lang="ja-JP" altLang="en-US" dirty="0"/>
-              <a:t>スライド用：以下を</a:t>
-            </a:r>
-            <a:r>
-              <a:rPr kumimoji="1" lang="ja-JP" altLang="en-US" dirty="0"/>
-              <a:t>箇条書きにまとめる</a:t>
-            </a:r>
-            <a:endParaRPr lang="en-US" altLang="ja-JP" dirty="0"/>
-          </a:p>
-          <a:p>
-            <a:pPr lvl="1"/>
-            <a:r>
-              <a:rPr kumimoji="1" lang="ja-JP" altLang="en-US" dirty="0"/>
-              <a:t>スライドの各ページのタイトル</a:t>
-            </a:r>
-            <a:endParaRPr kumimoji="1" lang="en-US" altLang="ja-JP" dirty="0"/>
-          </a:p>
-          <a:p>
-            <a:pPr lvl="1"/>
-            <a:r>
-              <a:rPr kumimoji="1" lang="ja-JP" altLang="en-US" dirty="0"/>
-              <a:t>そこで何を話すか</a:t>
-            </a:r>
-          </a:p>
-          <a:p>
-            <a:endParaRPr lang="ja-JP" altLang="en-US" dirty="0"/>
+              <a:t>いきなり完全プロットを作るのは難しい</a:t>
+            </a:r>
           </a:p>
         </p:txBody>
       </p:sp>
@@ -8277,7 +8623,7 @@
             <a:fld id="{D2D8002D-B5B0-4BAC-B1F6-782DDCCE6D9C}" type="slidenum">
               <a:rPr kumimoji="1" lang="ja-JP" altLang="en-US" smtClean="0"/>
               <a:pPr/>
-              <a:t>26</a:t>
+              <a:t>28</a:t>
             </a:fld>
             <a:endParaRPr kumimoji="1" lang="ja-JP" altLang="en-US"/>
           </a:p>
@@ -8304,7 +8650,7 @@
 </p:sld>
 </file>
 
-<file path=ppt/slides/slide27.xml><?xml version="1.0" encoding="utf-8"?>
+<file path=ppt/slides/slide29.xml><?xml version="1.0" encoding="utf-8"?>
 <p:sld xmlns:a="http://schemas.openxmlformats.org/drawingml/2006/main" xmlns:r="http://schemas.openxmlformats.org/officeDocument/2006/relationships" xmlns:p="http://schemas.openxmlformats.org/presentationml/2006/main">
   <p:cSld>
     <p:spTree>
@@ -8323,7 +8669,13 @@
       </p:grpSpPr>
       <p:sp>
         <p:nvSpPr>
-          <p:cNvPr id="2" name="タイトル 1"/>
+          <p:cNvPr id="4" name="タイトル 3">
+            <a:extLst>
+              <a:ext uri="{FF2B5EF4-FFF2-40B4-BE49-F238E27FC236}">
+                <a16:creationId xmlns:a16="http://schemas.microsoft.com/office/drawing/2014/main" id="{753D130F-9E8D-16A8-53A6-8697A34BBC23}"/>
+              </a:ext>
+            </a:extLst>
+          </p:cNvPr>
           <p:cNvSpPr>
             <a:spLocks noGrp="1"/>
           </p:cNvSpPr>
@@ -8337,20 +8689,26 @@
           <a:lstStyle/>
           <a:p>
             <a:r>
-              <a:rPr kumimoji="1" lang="ja-JP" altLang="en-US" dirty="0"/>
-              <a:t>スライド用のプロット</a:t>
-            </a:r>
-            <a:r>
-              <a:rPr kumimoji="1" lang="ja-JP" altLang="en-US"/>
-              <a:t>の構成</a:t>
-            </a:r>
-            <a:endParaRPr kumimoji="1" lang="ja-JP" altLang="en-US" dirty="0"/>
-          </a:p>
-        </p:txBody>
-      </p:sp>
-      <p:sp>
-        <p:nvSpPr>
-          <p:cNvPr id="3" name="テキスト プレースホルダー 2"/>
+              <a:rPr lang="ja-JP" altLang="en-US" dirty="0"/>
+              <a:t>完全</a:t>
+            </a:r>
+            <a:r>
+              <a:rPr lang="ja-JP" altLang="en-US" b="1" dirty="0"/>
+              <a:t>プロット</a:t>
+            </a:r>
+            <a:endParaRPr lang="ja-JP" altLang="en-US" dirty="0"/>
+          </a:p>
+        </p:txBody>
+      </p:sp>
+      <p:sp>
+        <p:nvSpPr>
+          <p:cNvPr id="5" name="テキスト プレースホルダー 4">
+            <a:extLst>
+              <a:ext uri="{FF2B5EF4-FFF2-40B4-BE49-F238E27FC236}">
+                <a16:creationId xmlns:a16="http://schemas.microsoft.com/office/drawing/2014/main" id="{220629E9-D9B3-68BB-D88A-B953DAE0018E}"/>
+              </a:ext>
+            </a:extLst>
+          </p:cNvPr>
           <p:cNvSpPr>
             <a:spLocks noGrp="1"/>
           </p:cNvSpPr>
@@ -8363,124 +8721,110 @@
           <a:bodyPr/>
           <a:lstStyle/>
           <a:p>
-            <a:pPr marL="817200" lvl="1" indent="-457200">
-              <a:buFont typeface="+mj-lt"/>
-              <a:buAutoNum type="arabicPeriod"/>
-            </a:pPr>
-            <a:r>
-              <a:rPr kumimoji="1" lang="ja-JP" altLang="en-US" dirty="0"/>
-              <a:t>イントロ</a:t>
+            <a:r>
+              <a:rPr lang="ja-JP" altLang="en-US" dirty="0"/>
+              <a:t>論文用：以下を</a:t>
+            </a:r>
+            <a:r>
+              <a:rPr kumimoji="1" lang="ja-JP" altLang="en-US" dirty="0"/>
+              <a:t>箇条書きにまとめる</a:t>
+            </a:r>
+            <a:endParaRPr lang="en-US" altLang="ja-JP" dirty="0"/>
+          </a:p>
+          <a:p>
+            <a:pPr lvl="1"/>
+            <a:r>
+              <a:rPr kumimoji="1" lang="ja-JP" altLang="en-US" dirty="0"/>
+              <a:t>論文の </a:t>
+            </a:r>
+            <a:r>
+              <a:rPr kumimoji="1" lang="en-US" altLang="ja-JP" dirty="0"/>
+              <a:t>subsubsection </a:t>
+            </a:r>
+            <a:r>
+              <a:rPr kumimoji="1" lang="ja-JP" altLang="en-US" dirty="0"/>
+              <a:t>までの節タイトル</a:t>
             </a:r>
             <a:endParaRPr kumimoji="1" lang="en-US" altLang="ja-JP" dirty="0"/>
           </a:p>
           <a:p>
-            <a:pPr marL="817200" lvl="1" indent="-457200">
-              <a:buFont typeface="+mj-lt"/>
-              <a:buAutoNum type="arabicPeriod"/>
-            </a:pPr>
-            <a:r>
-              <a:rPr kumimoji="1" lang="ja-JP" altLang="en-US" dirty="0"/>
-              <a:t>背景となる問題</a:t>
+            <a:pPr lvl="1"/>
+            <a:r>
+              <a:rPr kumimoji="1" lang="ja-JP" altLang="en-US" dirty="0"/>
+              <a:t>そこで何を話すか</a:t>
             </a:r>
             <a:endParaRPr kumimoji="1" lang="en-US" altLang="ja-JP" dirty="0"/>
           </a:p>
           <a:p>
-            <a:pPr marL="817200" lvl="1" indent="-457200">
-              <a:buFont typeface="+mj-lt"/>
-              <a:buAutoNum type="arabicPeriod"/>
-            </a:pPr>
-            <a:r>
-              <a:rPr kumimoji="1" lang="ja-JP" altLang="en-US" dirty="0"/>
-              <a:t>既存</a:t>
-            </a:r>
             <a:r>
               <a:rPr lang="ja-JP" altLang="en-US" dirty="0"/>
-              <a:t>手法</a:t>
+              <a:t>スライド用：以下を</a:t>
+            </a:r>
+            <a:r>
+              <a:rPr kumimoji="1" lang="ja-JP" altLang="en-US" dirty="0"/>
+              <a:t>箇条書きにまとめる</a:t>
             </a:r>
             <a:endParaRPr lang="en-US" altLang="ja-JP" dirty="0"/>
           </a:p>
           <a:p>
-            <a:pPr marL="1177200" lvl="2" indent="-457200">
-              <a:buFont typeface="+mj-lt"/>
-              <a:buAutoNum type="arabicPeriod"/>
-            </a:pPr>
-            <a:r>
-              <a:rPr lang="ja-JP" altLang="en-US" dirty="0"/>
-              <a:t>既存手法の説明</a:t>
-            </a:r>
-            <a:endParaRPr lang="en-US" altLang="ja-JP" dirty="0"/>
-          </a:p>
-          <a:p>
-            <a:pPr marL="1177200" lvl="2" indent="-457200">
-              <a:buFont typeface="+mj-lt"/>
-              <a:buAutoNum type="arabicPeriod"/>
-            </a:pPr>
-            <a:r>
-              <a:rPr lang="ja-JP" altLang="en-US" dirty="0"/>
-              <a:t>既存手法の問題</a:t>
-            </a:r>
-            <a:endParaRPr lang="en-US" altLang="ja-JP" dirty="0"/>
-          </a:p>
-          <a:p>
-            <a:pPr marL="817200" lvl="1" indent="-457200">
-              <a:buFont typeface="+mj-lt"/>
-              <a:buAutoNum type="arabicPeriod"/>
-            </a:pPr>
-            <a:r>
-              <a:rPr kumimoji="1" lang="ja-JP" altLang="en-US" dirty="0"/>
-              <a:t>提案手法</a:t>
+            <a:pPr lvl="1"/>
+            <a:r>
+              <a:rPr kumimoji="1" lang="ja-JP" altLang="en-US" dirty="0"/>
+              <a:t>スライドの各ページのタイトル</a:t>
             </a:r>
             <a:endParaRPr kumimoji="1" lang="en-US" altLang="ja-JP" dirty="0"/>
           </a:p>
           <a:p>
-            <a:pPr marL="1177200" lvl="2" indent="-457200">
-              <a:buFont typeface="+mj-lt"/>
-              <a:buAutoNum type="arabicPeriod"/>
-            </a:pPr>
-            <a:r>
-              <a:rPr kumimoji="1" lang="ja-JP" altLang="en-US" dirty="0"/>
-              <a:t>構成，動作，例</a:t>
-            </a:r>
-            <a:endParaRPr kumimoji="1" lang="en-US" altLang="ja-JP" dirty="0"/>
-          </a:p>
-          <a:p>
-            <a:pPr marL="1177200" lvl="2" indent="-457200">
-              <a:buFont typeface="+mj-lt"/>
-              <a:buAutoNum type="arabicPeriod"/>
-            </a:pPr>
-            <a:r>
-              <a:rPr kumimoji="1" lang="ja-JP" altLang="en-US" dirty="0"/>
-              <a:t>既存手法との比較</a:t>
-            </a:r>
-            <a:endParaRPr kumimoji="1" lang="en-US" altLang="ja-JP" dirty="0"/>
-          </a:p>
-          <a:p>
-            <a:pPr marL="817200" lvl="1" indent="-457200">
-              <a:buFont typeface="+mj-lt"/>
-              <a:buAutoNum type="arabicPeriod"/>
-            </a:pPr>
-            <a:r>
-              <a:rPr kumimoji="1" lang="ja-JP" altLang="en-US" dirty="0"/>
-              <a:t>評価</a:t>
-            </a:r>
-            <a:endParaRPr kumimoji="1" lang="en-US" altLang="ja-JP" dirty="0"/>
-          </a:p>
-          <a:p>
-            <a:pPr marL="817200" lvl="1" indent="-457200">
-              <a:buFont typeface="+mj-lt"/>
-              <a:buAutoNum type="arabicPeriod"/>
-            </a:pPr>
-            <a:r>
-              <a:rPr kumimoji="1" lang="ja-JP" altLang="en-US" dirty="0"/>
-              <a:t>まとめ</a:t>
-            </a:r>
+            <a:pPr lvl="1"/>
+            <a:r>
+              <a:rPr kumimoji="1" lang="ja-JP" altLang="en-US" dirty="0"/>
+              <a:t>そこで何を話すか</a:t>
+            </a:r>
+          </a:p>
+          <a:p>
+            <a:endParaRPr lang="ja-JP" altLang="en-US" dirty="0"/>
+          </a:p>
+        </p:txBody>
+      </p:sp>
+      <p:sp>
+        <p:nvSpPr>
+          <p:cNvPr id="2" name="スライド番号プレースホルダー 1">
+            <a:extLst>
+              <a:ext uri="{FF2B5EF4-FFF2-40B4-BE49-F238E27FC236}">
+                <a16:creationId xmlns:a16="http://schemas.microsoft.com/office/drawing/2014/main" id="{AF545ECD-D308-1534-57FD-733596E35FF6}"/>
+              </a:ext>
+            </a:extLst>
+          </p:cNvPr>
+          <p:cNvSpPr>
+            <a:spLocks noGrp="1"/>
+          </p:cNvSpPr>
+          <p:nvPr>
+            <p:ph type="sldNum" sz="quarter" idx="4294967295"/>
+          </p:nvPr>
+        </p:nvSpPr>
+        <p:spPr>
+          <a:xfrm>
+            <a:off x="8531225" y="6308725"/>
+            <a:ext cx="612775" cy="549275"/>
+          </a:xfrm>
+        </p:spPr>
+        <p:txBody>
+          <a:bodyPr/>
+          <a:lstStyle/>
+          <a:p>
+            <a:fld id="{D2D8002D-B5B0-4BAC-B1F6-782DDCCE6D9C}" type="slidenum">
+              <a:rPr kumimoji="1" lang="ja-JP" altLang="en-US" smtClean="0"/>
+              <a:pPr/>
+              <a:t>29</a:t>
+            </a:fld>
+            <a:endParaRPr kumimoji="1" lang="ja-JP" altLang="en-US"/>
           </a:p>
         </p:txBody>
       </p:sp>
     </p:spTree>
     <p:extLst>
       <p:ext uri="{BB962C8B-B14F-4D97-AF65-F5344CB8AC3E}">
-        <p14:creationId xmlns:p14="http://schemas.microsoft.com/office/powerpoint/2010/main" val="2044035977"/>
+        <p14:creationId xmlns:p14="http://schemas.microsoft.com/office/powerpoint/2010/main" val="492338302"/>
       </p:ext>
     </p:extLst>
   </p:cSld>
@@ -8605,8 +8949,12 @@
           <a:p>
             <a:pPr lvl="1"/>
             <a:r>
-              <a:rPr kumimoji="1" lang="ja-JP" altLang="en-US" dirty="0"/>
-              <a:t>論文やスライド用のプロット</a:t>
+              <a:rPr lang="ja-JP" altLang="en-US" dirty="0"/>
+              <a:t>完全</a:t>
+            </a:r>
+            <a:r>
+              <a:rPr kumimoji="1" lang="ja-JP" altLang="en-US" dirty="0"/>
+              <a:t>プロット</a:t>
             </a:r>
             <a:endParaRPr kumimoji="1" lang="en-US" altLang="ja-JP" dirty="0"/>
           </a:p>
@@ -8627,6 +8975,15 @@
               <a:rPr kumimoji="1" lang="ja-JP" altLang="en-US" dirty="0"/>
               <a:t>個の項目から成るプロット</a:t>
             </a:r>
+            <a:endParaRPr kumimoji="1" lang="en-US" altLang="ja-JP" dirty="0"/>
+          </a:p>
+          <a:p>
+            <a:pPr lvl="1"/>
+            <a:r>
+              <a:rPr lang="ja-JP" altLang="en-US" dirty="0"/>
+              <a:t>点数が多いほど分量が増え詳細になる</a:t>
+            </a:r>
+            <a:endParaRPr lang="en-US" altLang="ja-JP" dirty="0"/>
           </a:p>
         </p:txBody>
       </p:sp>
@@ -8634,6 +8991,200 @@
     <p:extLst>
       <p:ext uri="{BB962C8B-B14F-4D97-AF65-F5344CB8AC3E}">
         <p14:creationId xmlns:p14="http://schemas.microsoft.com/office/powerpoint/2010/main" val="4229679149"/>
+      </p:ext>
+    </p:extLst>
+  </p:cSld>
+  <p:clrMapOvr>
+    <a:masterClrMapping/>
+  </p:clrMapOvr>
+  <mc:AlternateContent xmlns:mc="http://schemas.openxmlformats.org/markup-compatibility/2006" xmlns:p14="http://schemas.microsoft.com/office/powerpoint/2010/main">
+    <mc:Choice Requires="p14">
+      <p:transition p14:dur="10"/>
+    </mc:Choice>
+    <mc:Fallback xmlns="">
+      <p:transition/>
+    </mc:Fallback>
+  </mc:AlternateContent>
+</p:sld>
+</file>
+
+<file path=ppt/slides/slide30.xml><?xml version="1.0" encoding="utf-8"?>
+<p:sld xmlns:a="http://schemas.openxmlformats.org/drawingml/2006/main" xmlns:r="http://schemas.openxmlformats.org/officeDocument/2006/relationships" xmlns:p="http://schemas.openxmlformats.org/presentationml/2006/main">
+  <p:cSld>
+    <p:spTree>
+      <p:nvGrpSpPr>
+        <p:cNvPr id="1" name=""/>
+        <p:cNvGrpSpPr/>
+        <p:nvPr/>
+      </p:nvGrpSpPr>
+      <p:grpSpPr>
+        <a:xfrm>
+          <a:off x="0" y="0"/>
+          <a:ext cx="0" cy="0"/>
+          <a:chOff x="0" y="0"/>
+          <a:chExt cx="0" cy="0"/>
+        </a:xfrm>
+      </p:grpSpPr>
+      <p:sp>
+        <p:nvSpPr>
+          <p:cNvPr id="2" name="タイトル 1"/>
+          <p:cNvSpPr>
+            <a:spLocks noGrp="1"/>
+          </p:cNvSpPr>
+          <p:nvPr>
+            <p:ph type="title"/>
+          </p:nvPr>
+        </p:nvSpPr>
+        <p:spPr/>
+        <p:txBody>
+          <a:bodyPr/>
+          <a:lstStyle/>
+          <a:p>
+            <a:r>
+              <a:rPr kumimoji="1" lang="ja-JP" altLang="en-US" dirty="0"/>
+              <a:t>スライド用のプロット</a:t>
+            </a:r>
+            <a:r>
+              <a:rPr kumimoji="1" lang="ja-JP" altLang="en-US"/>
+              <a:t>の構成の例</a:t>
+            </a:r>
+            <a:endParaRPr kumimoji="1" lang="ja-JP" altLang="en-US" dirty="0"/>
+          </a:p>
+        </p:txBody>
+      </p:sp>
+      <p:sp>
+        <p:nvSpPr>
+          <p:cNvPr id="3" name="テキスト プレースホルダー 2"/>
+          <p:cNvSpPr>
+            <a:spLocks noGrp="1"/>
+          </p:cNvSpPr>
+          <p:nvPr>
+            <p:ph type="body" sz="quarter" idx="10"/>
+          </p:nvPr>
+        </p:nvSpPr>
+        <p:spPr/>
+        <p:txBody>
+          <a:bodyPr/>
+          <a:lstStyle/>
+          <a:p>
+            <a:pPr marL="817200" lvl="1" indent="-457200">
+              <a:buFont typeface="+mj-lt"/>
+              <a:buAutoNum type="arabicPeriod"/>
+            </a:pPr>
+            <a:r>
+              <a:rPr kumimoji="1" lang="ja-JP" altLang="en-US" dirty="0"/>
+              <a:t>イントロ</a:t>
+            </a:r>
+            <a:endParaRPr kumimoji="1" lang="en-US" altLang="ja-JP" dirty="0"/>
+          </a:p>
+          <a:p>
+            <a:pPr marL="817200" lvl="1" indent="-457200">
+              <a:buFont typeface="+mj-lt"/>
+              <a:buAutoNum type="arabicPeriod"/>
+            </a:pPr>
+            <a:r>
+              <a:rPr kumimoji="1" lang="ja-JP" altLang="en-US" dirty="0"/>
+              <a:t>背景となる問題</a:t>
+            </a:r>
+            <a:endParaRPr kumimoji="1" lang="en-US" altLang="ja-JP" dirty="0"/>
+          </a:p>
+          <a:p>
+            <a:pPr marL="817200" lvl="1" indent="-457200">
+              <a:buFont typeface="+mj-lt"/>
+              <a:buAutoNum type="arabicPeriod"/>
+            </a:pPr>
+            <a:r>
+              <a:rPr kumimoji="1" lang="ja-JP" altLang="en-US" dirty="0"/>
+              <a:t>既存</a:t>
+            </a:r>
+            <a:r>
+              <a:rPr lang="ja-JP" altLang="en-US" dirty="0"/>
+              <a:t>手法</a:t>
+            </a:r>
+            <a:endParaRPr lang="en-US" altLang="ja-JP" dirty="0"/>
+          </a:p>
+          <a:p>
+            <a:pPr marL="1177200" lvl="2" indent="-457200">
+              <a:buFont typeface="+mj-lt"/>
+              <a:buAutoNum type="arabicPeriod"/>
+            </a:pPr>
+            <a:r>
+              <a:rPr lang="ja-JP" altLang="en-US" dirty="0"/>
+              <a:t>既存手法の説明</a:t>
+            </a:r>
+            <a:endParaRPr lang="en-US" altLang="ja-JP" dirty="0"/>
+          </a:p>
+          <a:p>
+            <a:pPr marL="1177200" lvl="2" indent="-457200">
+              <a:buFont typeface="+mj-lt"/>
+              <a:buAutoNum type="arabicPeriod"/>
+            </a:pPr>
+            <a:r>
+              <a:rPr lang="ja-JP" altLang="en-US" dirty="0"/>
+              <a:t>既存手法の問題</a:t>
+            </a:r>
+            <a:endParaRPr lang="en-US" altLang="ja-JP" dirty="0"/>
+          </a:p>
+          <a:p>
+            <a:pPr marL="817200" lvl="1" indent="-457200">
+              <a:buFont typeface="+mj-lt"/>
+              <a:buAutoNum type="arabicPeriod"/>
+            </a:pPr>
+            <a:r>
+              <a:rPr kumimoji="1" lang="ja-JP" altLang="en-US" dirty="0"/>
+              <a:t>提案手法</a:t>
+            </a:r>
+            <a:endParaRPr kumimoji="1" lang="en-US" altLang="ja-JP" dirty="0"/>
+          </a:p>
+          <a:p>
+            <a:pPr marL="1177200" lvl="2" indent="-457200">
+              <a:buFont typeface="+mj-lt"/>
+              <a:buAutoNum type="arabicPeriod"/>
+            </a:pPr>
+            <a:r>
+              <a:rPr kumimoji="1" lang="ja-JP" altLang="en-US" dirty="0"/>
+              <a:t>構成，動作，例</a:t>
+            </a:r>
+            <a:endParaRPr kumimoji="1" lang="en-US" altLang="ja-JP" dirty="0"/>
+          </a:p>
+          <a:p>
+            <a:pPr marL="1177200" lvl="2" indent="-457200">
+              <a:buFont typeface="+mj-lt"/>
+              <a:buAutoNum type="arabicPeriod"/>
+            </a:pPr>
+            <a:r>
+              <a:rPr kumimoji="1" lang="ja-JP" altLang="en-US" dirty="0"/>
+              <a:t>既存手法との比較</a:t>
+            </a:r>
+            <a:endParaRPr kumimoji="1" lang="en-US" altLang="ja-JP" dirty="0"/>
+          </a:p>
+          <a:p>
+            <a:pPr marL="817200" lvl="1" indent="-457200">
+              <a:buFont typeface="+mj-lt"/>
+              <a:buAutoNum type="arabicPeriod"/>
+            </a:pPr>
+            <a:r>
+              <a:rPr kumimoji="1" lang="ja-JP" altLang="en-US" dirty="0"/>
+              <a:t>評価</a:t>
+            </a:r>
+            <a:endParaRPr kumimoji="1" lang="en-US" altLang="ja-JP" dirty="0"/>
+          </a:p>
+          <a:p>
+            <a:pPr marL="817200" lvl="1" indent="-457200">
+              <a:buFont typeface="+mj-lt"/>
+              <a:buAutoNum type="arabicPeriod"/>
+            </a:pPr>
+            <a:r>
+              <a:rPr kumimoji="1" lang="ja-JP" altLang="en-US" dirty="0"/>
+              <a:t>まとめ</a:t>
+            </a:r>
+          </a:p>
+        </p:txBody>
+      </p:sp>
+    </p:spTree>
+    <p:extLst>
+      <p:ext uri="{BB962C8B-B14F-4D97-AF65-F5344CB8AC3E}">
+        <p14:creationId xmlns:p14="http://schemas.microsoft.com/office/powerpoint/2010/main" val="2044035977"/>
       </p:ext>
     </p:extLst>
   </p:cSld>
@@ -8750,7 +9301,11 @@
           <a:p>
             <a:r>
               <a:rPr lang="ja-JP" altLang="en-US" dirty="0"/>
-              <a:t>６点以上のプロットは自由度が高すぎる</a:t>
+              <a:t>６点プロットや完全</a:t>
+            </a:r>
+            <a:r>
+              <a:rPr kumimoji="1" lang="ja-JP" altLang="en-US" dirty="0"/>
+              <a:t>プロットも難しい</a:t>
             </a:r>
             <a:endParaRPr lang="en-US" altLang="ja-JP" dirty="0"/>
           </a:p>
@@ -8758,8 +9313,16 @@
             <a:pPr lvl="1"/>
             <a:r>
               <a:rPr lang="ja-JP" altLang="en-US" dirty="0"/>
-              <a:t>考えることが多く，これも最初は難しい</a:t>
-            </a:r>
+              <a:t>自由度が高すぎてまとめるのが難しい</a:t>
+            </a:r>
+            <a:endParaRPr lang="en-US" altLang="ja-JP" dirty="0"/>
+          </a:p>
+          <a:p>
+            <a:r>
+              <a:rPr lang="ja-JP" altLang="en-US" dirty="0"/>
+              <a:t>３点プロットが規模的にちょうどよい</a:t>
+            </a:r>
+            <a:endParaRPr lang="en-US" altLang="ja-JP" dirty="0"/>
           </a:p>
         </p:txBody>
       </p:sp>
@@ -8887,12 +9450,35 @@
           <a:lstStyle/>
           <a:p>
             <a:r>
+              <a:rPr lang="ja-JP" altLang="en-US" dirty="0">
+                <a:solidFill>
+                  <a:schemeClr val="accent5"/>
+                </a:solidFill>
+              </a:rPr>
+              <a:t>３点プロットはいわば「プロットのプロット」</a:t>
+            </a:r>
+            <a:endParaRPr lang="en-US" altLang="ja-JP" dirty="0">
+              <a:solidFill>
+                <a:schemeClr val="accent5"/>
+              </a:solidFill>
+            </a:endParaRPr>
+          </a:p>
+          <a:p>
+            <a:pPr lvl="1"/>
+            <a:r>
               <a:rPr lang="ja-JP" altLang="en-US" dirty="0"/>
               <a:t>まず「背景→課題→提案」の流れの各要素が何なのかをはっきりさせる</a:t>
             </a:r>
             <a:endParaRPr lang="en-US" altLang="ja-JP" dirty="0"/>
           </a:p>
           <a:p>
+            <a:pPr lvl="1"/>
+            <a:r>
+              <a:rPr lang="ja-JP" altLang="en-US" dirty="0"/>
+              <a:t>これを元に，６点プロットや完全プロットを作る</a:t>
+            </a:r>
+          </a:p>
+          <a:p>
             <a:r>
               <a:rPr lang="ja-JP" altLang="en-US" dirty="0"/>
               <a:t>規模が小さくかつ形式が決まっているので，考えやすい</a:t>
@@ -8905,6 +9491,30 @@
               <a:rPr lang="ja-JP" altLang="en-US" dirty="0"/>
               <a:t>スライド１枚程度にまとまる</a:t>
             </a:r>
+            <a:endParaRPr lang="en-US" altLang="ja-JP" dirty="0"/>
+          </a:p>
+          <a:p>
+            <a:pPr lvl="1"/>
+            <a:r>
+              <a:rPr lang="ja-JP" altLang="en-US" dirty="0"/>
+              <a:t>短いので，まず取っ掛かりとして始めやすい</a:t>
+            </a:r>
+            <a:endParaRPr lang="en-US" altLang="ja-JP" dirty="0"/>
+          </a:p>
+          <a:p>
+            <a:r>
+              <a:rPr lang="ja-JP" altLang="en-US" dirty="0"/>
+              <a:t>３点プロットに実際に取り掛かる前に，この資料は最後まで読んでほしい</a:t>
+            </a:r>
+            <a:endParaRPr lang="en-US" altLang="ja-JP" dirty="0"/>
+          </a:p>
+          <a:p>
+            <a:pPr lvl="1"/>
+            <a:r>
+              <a:rPr lang="ja-JP" altLang="en-US" dirty="0"/>
+              <a:t>最終的に完全プロットを作るところまでの道筋を意識してほしい</a:t>
+            </a:r>
+            <a:endParaRPr lang="en-US" altLang="ja-JP" dirty="0"/>
           </a:p>
         </p:txBody>
       </p:sp>
@@ -8983,10 +9593,10 @@
       </p:grpSpPr>
       <p:sp>
         <p:nvSpPr>
-          <p:cNvPr id="4" name="タイトル 3">
+          <p:cNvPr id="2" name="タイトル 1">
             <a:extLst>
               <a:ext uri="{FF2B5EF4-FFF2-40B4-BE49-F238E27FC236}">
-                <a16:creationId xmlns:a16="http://schemas.microsoft.com/office/drawing/2014/main" id="{0D2A82C6-DA1C-4233-E35B-A8BA1309BA85}"/>
+                <a16:creationId xmlns:a16="http://schemas.microsoft.com/office/drawing/2014/main" id="{18A42B14-CF0C-96E2-5CF7-6662DFA3735D}"/>
               </a:ext>
             </a:extLst>
           </p:cNvPr>
@@ -9003,8 +9613,1275 @@
           <a:lstStyle/>
           <a:p>
             <a:r>
-              <a:rPr lang="ja-JP" altLang="en-US" b="1" dirty="0"/>
-              <a:t>３点プロット</a:t>
+              <a:rPr kumimoji="1" lang="ja-JP" altLang="en-US" dirty="0"/>
+              <a:t>詳細度と論理構造</a:t>
+            </a:r>
+          </a:p>
+        </p:txBody>
+      </p:sp>
+      <p:sp>
+        <p:nvSpPr>
+          <p:cNvPr id="3" name="テキスト プレースホルダー 2">
+            <a:extLst>
+              <a:ext uri="{FF2B5EF4-FFF2-40B4-BE49-F238E27FC236}">
+                <a16:creationId xmlns:a16="http://schemas.microsoft.com/office/drawing/2014/main" id="{AAB0013E-6128-536A-AD5E-A87E6DA3282A}"/>
+              </a:ext>
+            </a:extLst>
+          </p:cNvPr>
+          <p:cNvSpPr>
+            <a:spLocks noGrp="1"/>
+          </p:cNvSpPr>
+          <p:nvPr>
+            <p:ph type="body" sz="quarter" idx="10"/>
+          </p:nvPr>
+        </p:nvSpPr>
+        <p:spPr>
+          <a:xfrm>
+            <a:off x="611956" y="3429000"/>
+            <a:ext cx="8280092" cy="3059727"/>
+          </a:xfrm>
+        </p:spPr>
+        <p:txBody>
+          <a:bodyPr/>
+          <a:lstStyle/>
+          <a:p>
+            <a:r>
+              <a:rPr kumimoji="1" lang="ja-JP" altLang="en-US" dirty="0"/>
+              <a:t>ツリーの上下は説明の詳細度に対応している</a:t>
+            </a:r>
+            <a:endParaRPr kumimoji="1" lang="en-US" altLang="ja-JP" dirty="0"/>
+          </a:p>
+          <a:p>
+            <a:pPr lvl="1"/>
+            <a:r>
+              <a:rPr kumimoji="1" lang="ja-JP" altLang="en-US" dirty="0"/>
+              <a:t>上の階層（点数が少ない方）は，下の階層の要約になっている</a:t>
+            </a:r>
+            <a:endParaRPr kumimoji="1" lang="en-US" altLang="ja-JP" dirty="0"/>
+          </a:p>
+          <a:p>
+            <a:pPr lvl="1"/>
+            <a:r>
+              <a:rPr kumimoji="1" lang="ja-JP" altLang="en-US" dirty="0"/>
+              <a:t>下の階層は上の階層をより詳しく述べている</a:t>
+            </a:r>
+            <a:endParaRPr kumimoji="1" lang="en-US" altLang="ja-JP" dirty="0"/>
+          </a:p>
+          <a:p>
+            <a:r>
+              <a:rPr kumimoji="1" lang="ja-JP" altLang="en-US" dirty="0"/>
+              <a:t>３点プロットから初めて，</a:t>
+            </a:r>
+            <a:endParaRPr kumimoji="1" lang="en-US" altLang="ja-JP" dirty="0"/>
+          </a:p>
+          <a:p>
+            <a:pPr lvl="1"/>
+            <a:r>
+              <a:rPr kumimoji="1" lang="ja-JP" altLang="en-US" dirty="0"/>
+              <a:t>上に登る（まとめる）ことや，</a:t>
+            </a:r>
+            <a:endParaRPr kumimoji="1" lang="en-US" altLang="ja-JP" dirty="0"/>
+          </a:p>
+          <a:p>
+            <a:pPr lvl="1"/>
+            <a:r>
+              <a:rPr lang="ja-JP" altLang="en-US" dirty="0"/>
+              <a:t>下に降りる（詳細を肉付けする）していく</a:t>
+            </a:r>
+            <a:endParaRPr kumimoji="1" lang="en-US" altLang="ja-JP" dirty="0"/>
+          </a:p>
+        </p:txBody>
+      </p:sp>
+      <p:sp>
+        <p:nvSpPr>
+          <p:cNvPr id="5" name="四角形: 角を丸くする 4">
+            <a:extLst>
+              <a:ext uri="{FF2B5EF4-FFF2-40B4-BE49-F238E27FC236}">
+                <a16:creationId xmlns:a16="http://schemas.microsoft.com/office/drawing/2014/main" id="{A50DA5F5-C778-6B70-50A5-BDCCDC565AE9}"/>
+              </a:ext>
+            </a:extLst>
+          </p:cNvPr>
+          <p:cNvSpPr/>
+          <p:nvPr/>
+        </p:nvSpPr>
+        <p:spPr bwMode="auto">
+          <a:xfrm>
+            <a:off x="4442234" y="1268976"/>
+            <a:ext cx="1440015" cy="360004"/>
+          </a:xfrm>
+          <a:prstGeom prst="roundRect">
+            <a:avLst/>
+          </a:prstGeom>
+          <a:ln>
+            <a:headEnd/>
+            <a:tailEnd type="triangle" w="sm" len="med"/>
+          </a:ln>
+        </p:spPr>
+        <p:style>
+          <a:lnRef idx="1">
+            <a:schemeClr val="accent4"/>
+          </a:lnRef>
+          <a:fillRef idx="2">
+            <a:schemeClr val="accent4"/>
+          </a:fillRef>
+          <a:effectRef idx="1">
+            <a:schemeClr val="accent4"/>
+          </a:effectRef>
+          <a:fontRef idx="minor">
+            <a:schemeClr val="dk1"/>
+          </a:fontRef>
+        </p:style>
+        <p:txBody>
+          <a:bodyPr rot="0" spcFirstLastPara="0" vertOverflow="overflow" horzOverflow="overflow" vert="horz" wrap="none" lIns="91440" tIns="45720" rIns="91440" bIns="45720" numCol="1" spcCol="0" rtlCol="0" fromWordArt="0" anchor="ctr" anchorCtr="0" forceAA="0" compatLnSpc="1">
+            <a:prstTxWarp prst="textNoShape">
+              <a:avLst/>
+            </a:prstTxWarp>
+            <a:noAutofit/>
+          </a:bodyPr>
+          <a:lstStyle/>
+          <a:p>
+            <a:pPr algn="ctr"/>
+            <a:r>
+              <a:rPr kumimoji="1" lang="ja-JP" altLang="en-US" dirty="0">
+                <a:solidFill>
+                  <a:schemeClr val="tx1">
+                    <a:lumMod val="75000"/>
+                    <a:lumOff val="25000"/>
+                  </a:schemeClr>
+                </a:solidFill>
+                <a:latin typeface="+mn-ea"/>
+              </a:rPr>
+              <a:t>目標規定文</a:t>
+            </a:r>
+          </a:p>
+        </p:txBody>
+      </p:sp>
+      <p:sp>
+        <p:nvSpPr>
+          <p:cNvPr id="6" name="四角形: 角を丸くする 5">
+            <a:extLst>
+              <a:ext uri="{FF2B5EF4-FFF2-40B4-BE49-F238E27FC236}">
+                <a16:creationId xmlns:a16="http://schemas.microsoft.com/office/drawing/2014/main" id="{4B23A1F7-367F-D520-DF12-10FC2F8ED74D}"/>
+              </a:ext>
+            </a:extLst>
+          </p:cNvPr>
+          <p:cNvSpPr/>
+          <p:nvPr/>
+        </p:nvSpPr>
+        <p:spPr bwMode="auto">
+          <a:xfrm>
+            <a:off x="1922206" y="1988984"/>
+            <a:ext cx="1029776" cy="360004"/>
+          </a:xfrm>
+          <a:prstGeom prst="roundRect">
+            <a:avLst/>
+          </a:prstGeom>
+          <a:ln>
+            <a:headEnd/>
+            <a:tailEnd type="triangle" w="sm" len="med"/>
+          </a:ln>
+        </p:spPr>
+        <p:style>
+          <a:lnRef idx="1">
+            <a:schemeClr val="accent2"/>
+          </a:lnRef>
+          <a:fillRef idx="2">
+            <a:schemeClr val="accent2"/>
+          </a:fillRef>
+          <a:effectRef idx="1">
+            <a:schemeClr val="accent2"/>
+          </a:effectRef>
+          <a:fontRef idx="minor">
+            <a:schemeClr val="dk1"/>
+          </a:fontRef>
+        </p:style>
+        <p:txBody>
+          <a:bodyPr rot="0" spcFirstLastPara="0" vertOverflow="overflow" horzOverflow="overflow" vert="horz" wrap="none" lIns="91440" tIns="45720" rIns="91440" bIns="45720" numCol="1" spcCol="0" rtlCol="0" fromWordArt="0" anchor="ctr" anchorCtr="0" forceAA="0" compatLnSpc="1">
+            <a:prstTxWarp prst="textNoShape">
+              <a:avLst/>
+            </a:prstTxWarp>
+            <a:noAutofit/>
+          </a:bodyPr>
+          <a:lstStyle/>
+          <a:p>
+            <a:pPr algn="ctr"/>
+            <a:r>
+              <a:rPr kumimoji="1" lang="ja-JP" altLang="en-US" dirty="0">
+                <a:solidFill>
+                  <a:schemeClr val="tx1">
+                    <a:lumMod val="75000"/>
+                    <a:lumOff val="25000"/>
+                  </a:schemeClr>
+                </a:solidFill>
+                <a:latin typeface="+mn-ea"/>
+              </a:rPr>
+              <a:t>背景</a:t>
+            </a:r>
+          </a:p>
+        </p:txBody>
+      </p:sp>
+      <p:sp>
+        <p:nvSpPr>
+          <p:cNvPr id="7" name="四角形: 角を丸くする 6">
+            <a:extLst>
+              <a:ext uri="{FF2B5EF4-FFF2-40B4-BE49-F238E27FC236}">
+                <a16:creationId xmlns:a16="http://schemas.microsoft.com/office/drawing/2014/main" id="{75D3B56E-8B37-B816-5612-7F4D069A3C26}"/>
+              </a:ext>
+            </a:extLst>
+          </p:cNvPr>
+          <p:cNvSpPr/>
+          <p:nvPr/>
+        </p:nvSpPr>
+        <p:spPr bwMode="auto">
+          <a:xfrm>
+            <a:off x="4622236" y="1988984"/>
+            <a:ext cx="1080012" cy="360004"/>
+          </a:xfrm>
+          <a:prstGeom prst="roundRect">
+            <a:avLst/>
+          </a:prstGeom>
+          <a:ln>
+            <a:headEnd/>
+            <a:tailEnd type="triangle" w="sm" len="med"/>
+          </a:ln>
+        </p:spPr>
+        <p:style>
+          <a:lnRef idx="1">
+            <a:schemeClr val="accent5"/>
+          </a:lnRef>
+          <a:fillRef idx="2">
+            <a:schemeClr val="accent5"/>
+          </a:fillRef>
+          <a:effectRef idx="1">
+            <a:schemeClr val="accent5"/>
+          </a:effectRef>
+          <a:fontRef idx="minor">
+            <a:schemeClr val="dk1"/>
+          </a:fontRef>
+        </p:style>
+        <p:txBody>
+          <a:bodyPr rot="0" spcFirstLastPara="0" vertOverflow="overflow" horzOverflow="overflow" vert="horz" wrap="none" lIns="91440" tIns="45720" rIns="91440" bIns="45720" numCol="1" spcCol="0" rtlCol="0" fromWordArt="0" anchor="ctr" anchorCtr="0" forceAA="0" compatLnSpc="1">
+            <a:prstTxWarp prst="textNoShape">
+              <a:avLst/>
+            </a:prstTxWarp>
+            <a:noAutofit/>
+          </a:bodyPr>
+          <a:lstStyle/>
+          <a:p>
+            <a:pPr algn="ctr"/>
+            <a:r>
+              <a:rPr kumimoji="1" lang="ja-JP" altLang="en-US" dirty="0">
+                <a:solidFill>
+                  <a:schemeClr val="tx1">
+                    <a:lumMod val="75000"/>
+                    <a:lumOff val="25000"/>
+                  </a:schemeClr>
+                </a:solidFill>
+                <a:latin typeface="+mn-ea"/>
+              </a:rPr>
+              <a:t>課題</a:t>
+            </a:r>
+          </a:p>
+        </p:txBody>
+      </p:sp>
+      <p:sp>
+        <p:nvSpPr>
+          <p:cNvPr id="8" name="四角形: 角を丸くする 7">
+            <a:extLst>
+              <a:ext uri="{FF2B5EF4-FFF2-40B4-BE49-F238E27FC236}">
+                <a16:creationId xmlns:a16="http://schemas.microsoft.com/office/drawing/2014/main" id="{211FAF2E-5D34-04A8-6100-EB31A657A56C}"/>
+              </a:ext>
+            </a:extLst>
+          </p:cNvPr>
+          <p:cNvSpPr/>
+          <p:nvPr/>
+        </p:nvSpPr>
+        <p:spPr bwMode="auto">
+          <a:xfrm>
+            <a:off x="7322266" y="1988984"/>
+            <a:ext cx="1080012" cy="360004"/>
+          </a:xfrm>
+          <a:prstGeom prst="roundRect">
+            <a:avLst/>
+          </a:prstGeom>
+          <a:ln>
+            <a:headEnd/>
+            <a:tailEnd type="triangle" w="sm" len="med"/>
+          </a:ln>
+        </p:spPr>
+        <p:style>
+          <a:lnRef idx="1">
+            <a:schemeClr val="accent3"/>
+          </a:lnRef>
+          <a:fillRef idx="2">
+            <a:schemeClr val="accent3"/>
+          </a:fillRef>
+          <a:effectRef idx="1">
+            <a:schemeClr val="accent3"/>
+          </a:effectRef>
+          <a:fontRef idx="minor">
+            <a:schemeClr val="dk1"/>
+          </a:fontRef>
+        </p:style>
+        <p:txBody>
+          <a:bodyPr rot="0" spcFirstLastPara="0" vertOverflow="overflow" horzOverflow="overflow" vert="horz" wrap="none" lIns="91440" tIns="45720" rIns="91440" bIns="45720" numCol="1" spcCol="0" rtlCol="0" fromWordArt="0" anchor="ctr" anchorCtr="0" forceAA="0" compatLnSpc="1">
+            <a:prstTxWarp prst="textNoShape">
+              <a:avLst/>
+            </a:prstTxWarp>
+            <a:noAutofit/>
+          </a:bodyPr>
+          <a:lstStyle/>
+          <a:p>
+            <a:pPr algn="ctr"/>
+            <a:r>
+              <a:rPr kumimoji="1" lang="ja-JP" altLang="en-US" dirty="0">
+                <a:solidFill>
+                  <a:schemeClr val="tx1">
+                    <a:lumMod val="75000"/>
+                    <a:lumOff val="25000"/>
+                  </a:schemeClr>
+                </a:solidFill>
+                <a:latin typeface="+mn-ea"/>
+              </a:rPr>
+              <a:t>提案</a:t>
+            </a:r>
+          </a:p>
+        </p:txBody>
+      </p:sp>
+      <p:sp>
+        <p:nvSpPr>
+          <p:cNvPr id="9" name="四角形: 角を丸くする 8">
+            <a:extLst>
+              <a:ext uri="{FF2B5EF4-FFF2-40B4-BE49-F238E27FC236}">
+                <a16:creationId xmlns:a16="http://schemas.microsoft.com/office/drawing/2014/main" id="{93407E4E-1C86-C163-2B1B-8D685A8E57E9}"/>
+              </a:ext>
+            </a:extLst>
+          </p:cNvPr>
+          <p:cNvSpPr/>
+          <p:nvPr/>
+        </p:nvSpPr>
+        <p:spPr bwMode="auto">
+          <a:xfrm>
+            <a:off x="1292199" y="2708992"/>
+            <a:ext cx="990000" cy="360004"/>
+          </a:xfrm>
+          <a:prstGeom prst="roundRect">
+            <a:avLst/>
+          </a:prstGeom>
+          <a:ln>
+            <a:headEnd/>
+            <a:tailEnd type="triangle" w="sm" len="med"/>
+          </a:ln>
+        </p:spPr>
+        <p:style>
+          <a:lnRef idx="1">
+            <a:schemeClr val="accent2"/>
+          </a:lnRef>
+          <a:fillRef idx="2">
+            <a:schemeClr val="accent2"/>
+          </a:fillRef>
+          <a:effectRef idx="1">
+            <a:schemeClr val="accent2"/>
+          </a:effectRef>
+          <a:fontRef idx="minor">
+            <a:schemeClr val="dk1"/>
+          </a:fontRef>
+        </p:style>
+        <p:txBody>
+          <a:bodyPr rot="0" spcFirstLastPara="0" vertOverflow="overflow" horzOverflow="overflow" vert="horz" wrap="none" lIns="91440" tIns="45720" rIns="91440" bIns="45720" numCol="1" spcCol="0" rtlCol="0" fromWordArt="0" anchor="ctr" anchorCtr="0" forceAA="0" compatLnSpc="1">
+            <a:prstTxWarp prst="textNoShape">
+              <a:avLst/>
+            </a:prstTxWarp>
+            <a:noAutofit/>
+          </a:bodyPr>
+          <a:lstStyle/>
+          <a:p>
+            <a:pPr algn="ctr"/>
+            <a:r>
+              <a:rPr kumimoji="1" lang="ja-JP" altLang="en-US" dirty="0">
+                <a:solidFill>
+                  <a:schemeClr val="tx1">
+                    <a:lumMod val="75000"/>
+                    <a:lumOff val="25000"/>
+                  </a:schemeClr>
+                </a:solidFill>
+                <a:latin typeface="+mn-ea"/>
+              </a:rPr>
+              <a:t>背景１</a:t>
+            </a:r>
+          </a:p>
+        </p:txBody>
+      </p:sp>
+      <p:sp>
+        <p:nvSpPr>
+          <p:cNvPr id="10" name="四角形: 角を丸くする 9">
+            <a:extLst>
+              <a:ext uri="{FF2B5EF4-FFF2-40B4-BE49-F238E27FC236}">
+                <a16:creationId xmlns:a16="http://schemas.microsoft.com/office/drawing/2014/main" id="{82D88C54-BC59-B5FC-EE72-AD115A0D30AA}"/>
+              </a:ext>
+            </a:extLst>
+          </p:cNvPr>
+          <p:cNvSpPr/>
+          <p:nvPr/>
+        </p:nvSpPr>
+        <p:spPr bwMode="auto">
+          <a:xfrm>
+            <a:off x="3992229" y="2708992"/>
+            <a:ext cx="990000" cy="360004"/>
+          </a:xfrm>
+          <a:prstGeom prst="roundRect">
+            <a:avLst/>
+          </a:prstGeom>
+          <a:ln>
+            <a:headEnd/>
+            <a:tailEnd type="triangle" w="sm" len="med"/>
+          </a:ln>
+        </p:spPr>
+        <p:style>
+          <a:lnRef idx="1">
+            <a:schemeClr val="accent5"/>
+          </a:lnRef>
+          <a:fillRef idx="2">
+            <a:schemeClr val="accent5"/>
+          </a:fillRef>
+          <a:effectRef idx="1">
+            <a:schemeClr val="accent5"/>
+          </a:effectRef>
+          <a:fontRef idx="minor">
+            <a:schemeClr val="dk1"/>
+          </a:fontRef>
+        </p:style>
+        <p:txBody>
+          <a:bodyPr rot="0" spcFirstLastPara="0" vertOverflow="overflow" horzOverflow="overflow" vert="horz" wrap="none" lIns="91440" tIns="45720" rIns="91440" bIns="45720" numCol="1" spcCol="0" rtlCol="0" fromWordArt="0" anchor="ctr" anchorCtr="0" forceAA="0" compatLnSpc="1">
+            <a:prstTxWarp prst="textNoShape">
+              <a:avLst/>
+            </a:prstTxWarp>
+            <a:noAutofit/>
+          </a:bodyPr>
+          <a:lstStyle/>
+          <a:p>
+            <a:pPr algn="ctr"/>
+            <a:r>
+              <a:rPr kumimoji="1" lang="ja-JP" altLang="en-US" dirty="0">
+                <a:solidFill>
+                  <a:schemeClr val="tx1">
+                    <a:lumMod val="75000"/>
+                    <a:lumOff val="25000"/>
+                  </a:schemeClr>
+                </a:solidFill>
+                <a:latin typeface="+mn-ea"/>
+              </a:rPr>
+              <a:t>課題１</a:t>
+            </a:r>
+          </a:p>
+        </p:txBody>
+      </p:sp>
+      <p:sp>
+        <p:nvSpPr>
+          <p:cNvPr id="11" name="四角形: 角を丸くする 10">
+            <a:extLst>
+              <a:ext uri="{FF2B5EF4-FFF2-40B4-BE49-F238E27FC236}">
+                <a16:creationId xmlns:a16="http://schemas.microsoft.com/office/drawing/2014/main" id="{F8B10BA8-6DA6-5BA2-5E86-8434AD3DD359}"/>
+              </a:ext>
+            </a:extLst>
+          </p:cNvPr>
+          <p:cNvSpPr/>
+          <p:nvPr/>
+        </p:nvSpPr>
+        <p:spPr bwMode="auto">
+          <a:xfrm>
+            <a:off x="5342244" y="2708992"/>
+            <a:ext cx="990000" cy="360004"/>
+          </a:xfrm>
+          <a:prstGeom prst="roundRect">
+            <a:avLst/>
+          </a:prstGeom>
+          <a:ln>
+            <a:headEnd/>
+            <a:tailEnd type="triangle" w="sm" len="med"/>
+          </a:ln>
+        </p:spPr>
+        <p:style>
+          <a:lnRef idx="1">
+            <a:schemeClr val="accent5"/>
+          </a:lnRef>
+          <a:fillRef idx="2">
+            <a:schemeClr val="accent5"/>
+          </a:fillRef>
+          <a:effectRef idx="1">
+            <a:schemeClr val="accent5"/>
+          </a:effectRef>
+          <a:fontRef idx="minor">
+            <a:schemeClr val="dk1"/>
+          </a:fontRef>
+        </p:style>
+        <p:txBody>
+          <a:bodyPr rot="0" spcFirstLastPara="0" vertOverflow="overflow" horzOverflow="overflow" vert="horz" wrap="none" lIns="91440" tIns="45720" rIns="91440" bIns="45720" numCol="1" spcCol="0" rtlCol="0" fromWordArt="0" anchor="ctr" anchorCtr="0" forceAA="0" compatLnSpc="1">
+            <a:prstTxWarp prst="textNoShape">
+              <a:avLst/>
+            </a:prstTxWarp>
+            <a:noAutofit/>
+          </a:bodyPr>
+          <a:lstStyle/>
+          <a:p>
+            <a:pPr algn="ctr"/>
+            <a:r>
+              <a:rPr kumimoji="1" lang="ja-JP" altLang="en-US" dirty="0">
+                <a:solidFill>
+                  <a:schemeClr val="tx1">
+                    <a:lumMod val="75000"/>
+                    <a:lumOff val="25000"/>
+                  </a:schemeClr>
+                </a:solidFill>
+                <a:latin typeface="+mn-ea"/>
+              </a:rPr>
+              <a:t>課題２</a:t>
+            </a:r>
+          </a:p>
+        </p:txBody>
+      </p:sp>
+      <p:sp>
+        <p:nvSpPr>
+          <p:cNvPr id="12" name="四角形: 角を丸くする 11">
+            <a:extLst>
+              <a:ext uri="{FF2B5EF4-FFF2-40B4-BE49-F238E27FC236}">
+                <a16:creationId xmlns:a16="http://schemas.microsoft.com/office/drawing/2014/main" id="{C1267ECA-BCDF-6FCA-548E-B3E5AADFB8A7}"/>
+              </a:ext>
+            </a:extLst>
+          </p:cNvPr>
+          <p:cNvSpPr/>
+          <p:nvPr/>
+        </p:nvSpPr>
+        <p:spPr bwMode="auto">
+          <a:xfrm>
+            <a:off x="6692259" y="2708992"/>
+            <a:ext cx="990000" cy="360004"/>
+          </a:xfrm>
+          <a:prstGeom prst="roundRect">
+            <a:avLst/>
+          </a:prstGeom>
+          <a:ln>
+            <a:headEnd/>
+            <a:tailEnd type="triangle" w="sm" len="med"/>
+          </a:ln>
+        </p:spPr>
+        <p:style>
+          <a:lnRef idx="1">
+            <a:schemeClr val="accent3"/>
+          </a:lnRef>
+          <a:fillRef idx="2">
+            <a:schemeClr val="accent3"/>
+          </a:fillRef>
+          <a:effectRef idx="1">
+            <a:schemeClr val="accent3"/>
+          </a:effectRef>
+          <a:fontRef idx="minor">
+            <a:schemeClr val="dk1"/>
+          </a:fontRef>
+        </p:style>
+        <p:txBody>
+          <a:bodyPr rot="0" spcFirstLastPara="0" vertOverflow="overflow" horzOverflow="overflow" vert="horz" wrap="none" lIns="91440" tIns="45720" rIns="91440" bIns="45720" numCol="1" spcCol="0" rtlCol="0" fromWordArt="0" anchor="ctr" anchorCtr="0" forceAA="0" compatLnSpc="1">
+            <a:prstTxWarp prst="textNoShape">
+              <a:avLst/>
+            </a:prstTxWarp>
+            <a:noAutofit/>
+          </a:bodyPr>
+          <a:lstStyle/>
+          <a:p>
+            <a:pPr algn="ctr"/>
+            <a:r>
+              <a:rPr kumimoji="1" lang="ja-JP" altLang="en-US" dirty="0">
+                <a:solidFill>
+                  <a:schemeClr val="tx1">
+                    <a:lumMod val="75000"/>
+                    <a:lumOff val="25000"/>
+                  </a:schemeClr>
+                </a:solidFill>
+                <a:latin typeface="+mn-ea"/>
+              </a:rPr>
+              <a:t>提案１</a:t>
+            </a:r>
+          </a:p>
+        </p:txBody>
+      </p:sp>
+      <p:sp>
+        <p:nvSpPr>
+          <p:cNvPr id="13" name="四角形: 角を丸くする 12">
+            <a:extLst>
+              <a:ext uri="{FF2B5EF4-FFF2-40B4-BE49-F238E27FC236}">
+                <a16:creationId xmlns:a16="http://schemas.microsoft.com/office/drawing/2014/main" id="{5E8EA23F-38D9-7A84-7214-0A900EB79ACC}"/>
+              </a:ext>
+            </a:extLst>
+          </p:cNvPr>
+          <p:cNvSpPr/>
+          <p:nvPr/>
+        </p:nvSpPr>
+        <p:spPr bwMode="auto">
+          <a:xfrm>
+            <a:off x="8042274" y="2708992"/>
+            <a:ext cx="990000" cy="360004"/>
+          </a:xfrm>
+          <a:prstGeom prst="roundRect">
+            <a:avLst/>
+          </a:prstGeom>
+          <a:ln>
+            <a:headEnd/>
+            <a:tailEnd type="triangle" w="sm" len="med"/>
+          </a:ln>
+        </p:spPr>
+        <p:style>
+          <a:lnRef idx="1">
+            <a:schemeClr val="accent3"/>
+          </a:lnRef>
+          <a:fillRef idx="2">
+            <a:schemeClr val="accent3"/>
+          </a:fillRef>
+          <a:effectRef idx="1">
+            <a:schemeClr val="accent3"/>
+          </a:effectRef>
+          <a:fontRef idx="minor">
+            <a:schemeClr val="dk1"/>
+          </a:fontRef>
+        </p:style>
+        <p:txBody>
+          <a:bodyPr rot="0" spcFirstLastPara="0" vertOverflow="overflow" horzOverflow="overflow" vert="horz" wrap="none" lIns="91440" tIns="45720" rIns="91440" bIns="45720" numCol="1" spcCol="0" rtlCol="0" fromWordArt="0" anchor="ctr" anchorCtr="0" forceAA="0" compatLnSpc="1">
+            <a:prstTxWarp prst="textNoShape">
+              <a:avLst/>
+            </a:prstTxWarp>
+            <a:noAutofit/>
+          </a:bodyPr>
+          <a:lstStyle/>
+          <a:p>
+            <a:pPr algn="ctr"/>
+            <a:r>
+              <a:rPr kumimoji="1" lang="ja-JP" altLang="en-US" dirty="0">
+                <a:solidFill>
+                  <a:schemeClr val="tx1">
+                    <a:lumMod val="75000"/>
+                    <a:lumOff val="25000"/>
+                  </a:schemeClr>
+                </a:solidFill>
+                <a:latin typeface="+mn-ea"/>
+              </a:rPr>
+              <a:t>提案２</a:t>
+            </a:r>
+          </a:p>
+        </p:txBody>
+      </p:sp>
+      <p:sp>
+        <p:nvSpPr>
+          <p:cNvPr id="14" name="四角形: 角を丸くする 13">
+            <a:extLst>
+              <a:ext uri="{FF2B5EF4-FFF2-40B4-BE49-F238E27FC236}">
+                <a16:creationId xmlns:a16="http://schemas.microsoft.com/office/drawing/2014/main" id="{205B21BA-1915-A50D-7424-F842FAA5D522}"/>
+              </a:ext>
+            </a:extLst>
+          </p:cNvPr>
+          <p:cNvSpPr/>
+          <p:nvPr/>
+        </p:nvSpPr>
+        <p:spPr bwMode="auto">
+          <a:xfrm>
+            <a:off x="2642214" y="2708992"/>
+            <a:ext cx="990000" cy="360004"/>
+          </a:xfrm>
+          <a:prstGeom prst="roundRect">
+            <a:avLst/>
+          </a:prstGeom>
+          <a:ln>
+            <a:headEnd/>
+            <a:tailEnd type="triangle" w="sm" len="med"/>
+          </a:ln>
+        </p:spPr>
+        <p:style>
+          <a:lnRef idx="1">
+            <a:schemeClr val="accent2"/>
+          </a:lnRef>
+          <a:fillRef idx="2">
+            <a:schemeClr val="accent2"/>
+          </a:fillRef>
+          <a:effectRef idx="1">
+            <a:schemeClr val="accent2"/>
+          </a:effectRef>
+          <a:fontRef idx="minor">
+            <a:schemeClr val="dk1"/>
+          </a:fontRef>
+        </p:style>
+        <p:txBody>
+          <a:bodyPr rot="0" spcFirstLastPara="0" vertOverflow="overflow" horzOverflow="overflow" vert="horz" wrap="none" lIns="91440" tIns="45720" rIns="91440" bIns="45720" numCol="1" spcCol="0" rtlCol="0" fromWordArt="0" anchor="ctr" anchorCtr="0" forceAA="0" compatLnSpc="1">
+            <a:prstTxWarp prst="textNoShape">
+              <a:avLst/>
+            </a:prstTxWarp>
+            <a:noAutofit/>
+          </a:bodyPr>
+          <a:lstStyle/>
+          <a:p>
+            <a:pPr algn="ctr"/>
+            <a:r>
+              <a:rPr kumimoji="1" lang="ja-JP" altLang="en-US" dirty="0">
+                <a:solidFill>
+                  <a:schemeClr val="tx1">
+                    <a:lumMod val="75000"/>
+                    <a:lumOff val="25000"/>
+                  </a:schemeClr>
+                </a:solidFill>
+                <a:latin typeface="+mn-ea"/>
+              </a:rPr>
+              <a:t>背景２</a:t>
+            </a:r>
+          </a:p>
+        </p:txBody>
+      </p:sp>
+      <p:cxnSp>
+        <p:nvCxnSpPr>
+          <p:cNvPr id="17" name="直線矢印コネクタ 16">
+            <a:extLst>
+              <a:ext uri="{FF2B5EF4-FFF2-40B4-BE49-F238E27FC236}">
+                <a16:creationId xmlns:a16="http://schemas.microsoft.com/office/drawing/2014/main" id="{2FC7AF24-5A95-7CAD-8ECE-8DE7773BB1D8}"/>
+              </a:ext>
+            </a:extLst>
+          </p:cNvPr>
+          <p:cNvCxnSpPr/>
+          <p:nvPr/>
+        </p:nvCxnSpPr>
+        <p:spPr bwMode="auto">
+          <a:xfrm>
+            <a:off x="5162242" y="1628980"/>
+            <a:ext cx="0" cy="360003"/>
+          </a:xfrm>
+          <a:prstGeom prst="straightConnector1">
+            <a:avLst/>
+          </a:prstGeom>
+          <a:noFill/>
+          <a:ln w="9525" cap="flat" cmpd="sng" algn="ctr">
+            <a:solidFill>
+              <a:schemeClr val="tx1">
+                <a:lumMod val="75000"/>
+                <a:lumOff val="25000"/>
+              </a:schemeClr>
+            </a:solidFill>
+            <a:prstDash val="solid"/>
+            <a:round/>
+            <a:headEnd type="none" w="med" len="med"/>
+            <a:tailEnd type="triangle"/>
+          </a:ln>
+          <a:effectLst/>
+        </p:spPr>
+      </p:cxnSp>
+      <p:cxnSp>
+        <p:nvCxnSpPr>
+          <p:cNvPr id="18" name="直線矢印コネクタ 17">
+            <a:extLst>
+              <a:ext uri="{FF2B5EF4-FFF2-40B4-BE49-F238E27FC236}">
+                <a16:creationId xmlns:a16="http://schemas.microsoft.com/office/drawing/2014/main" id="{6FD5B76A-C8CE-35ED-ECDC-66F278CC4DC7}"/>
+              </a:ext>
+            </a:extLst>
+          </p:cNvPr>
+          <p:cNvCxnSpPr>
+            <a:cxnSpLocks/>
+            <a:stCxn id="5" idx="2"/>
+            <a:endCxn id="6" idx="0"/>
+          </p:cNvCxnSpPr>
+          <p:nvPr/>
+        </p:nvCxnSpPr>
+        <p:spPr bwMode="auto">
+          <a:xfrm flipH="1">
+            <a:off x="2437094" y="1628980"/>
+            <a:ext cx="2725148" cy="360004"/>
+          </a:xfrm>
+          <a:prstGeom prst="straightConnector1">
+            <a:avLst/>
+          </a:prstGeom>
+          <a:noFill/>
+          <a:ln w="9525" cap="flat" cmpd="sng" algn="ctr">
+            <a:solidFill>
+              <a:schemeClr val="tx1">
+                <a:lumMod val="75000"/>
+                <a:lumOff val="25000"/>
+              </a:schemeClr>
+            </a:solidFill>
+            <a:prstDash val="solid"/>
+            <a:round/>
+            <a:headEnd type="none" w="med" len="med"/>
+            <a:tailEnd type="triangle"/>
+          </a:ln>
+          <a:effectLst/>
+        </p:spPr>
+      </p:cxnSp>
+      <p:cxnSp>
+        <p:nvCxnSpPr>
+          <p:cNvPr id="21" name="直線矢印コネクタ 20">
+            <a:extLst>
+              <a:ext uri="{FF2B5EF4-FFF2-40B4-BE49-F238E27FC236}">
+                <a16:creationId xmlns:a16="http://schemas.microsoft.com/office/drawing/2014/main" id="{0425EBCC-6E96-297F-1981-7064E477A567}"/>
+              </a:ext>
+            </a:extLst>
+          </p:cNvPr>
+          <p:cNvCxnSpPr>
+            <a:cxnSpLocks/>
+            <a:stCxn id="5" idx="2"/>
+            <a:endCxn id="8" idx="0"/>
+          </p:cNvCxnSpPr>
+          <p:nvPr/>
+        </p:nvCxnSpPr>
+        <p:spPr bwMode="auto">
+          <a:xfrm>
+            <a:off x="5162242" y="1628980"/>
+            <a:ext cx="2700030" cy="360004"/>
+          </a:xfrm>
+          <a:prstGeom prst="straightConnector1">
+            <a:avLst/>
+          </a:prstGeom>
+          <a:noFill/>
+          <a:ln w="9525" cap="flat" cmpd="sng" algn="ctr">
+            <a:solidFill>
+              <a:schemeClr val="tx1">
+                <a:lumMod val="75000"/>
+                <a:lumOff val="25000"/>
+              </a:schemeClr>
+            </a:solidFill>
+            <a:prstDash val="solid"/>
+            <a:round/>
+            <a:headEnd type="none" w="med" len="med"/>
+            <a:tailEnd type="triangle"/>
+          </a:ln>
+          <a:effectLst/>
+        </p:spPr>
+      </p:cxnSp>
+      <p:cxnSp>
+        <p:nvCxnSpPr>
+          <p:cNvPr id="24" name="直線矢印コネクタ 23">
+            <a:extLst>
+              <a:ext uri="{FF2B5EF4-FFF2-40B4-BE49-F238E27FC236}">
+                <a16:creationId xmlns:a16="http://schemas.microsoft.com/office/drawing/2014/main" id="{E7CC3F3A-DB7F-4591-190A-56AD3B24EE0B}"/>
+              </a:ext>
+            </a:extLst>
+          </p:cNvPr>
+          <p:cNvCxnSpPr>
+            <a:cxnSpLocks/>
+            <a:stCxn id="6" idx="2"/>
+            <a:endCxn id="9" idx="0"/>
+          </p:cNvCxnSpPr>
+          <p:nvPr/>
+        </p:nvCxnSpPr>
+        <p:spPr bwMode="auto">
+          <a:xfrm flipH="1">
+            <a:off x="1787199" y="2348988"/>
+            <a:ext cx="649895" cy="360004"/>
+          </a:xfrm>
+          <a:prstGeom prst="straightConnector1">
+            <a:avLst/>
+          </a:prstGeom>
+          <a:noFill/>
+          <a:ln w="9525" cap="flat" cmpd="sng" algn="ctr">
+            <a:solidFill>
+              <a:schemeClr val="tx1">
+                <a:lumMod val="75000"/>
+                <a:lumOff val="25000"/>
+              </a:schemeClr>
+            </a:solidFill>
+            <a:prstDash val="solid"/>
+            <a:round/>
+            <a:headEnd type="none" w="med" len="med"/>
+            <a:tailEnd type="triangle"/>
+          </a:ln>
+          <a:effectLst/>
+        </p:spPr>
+      </p:cxnSp>
+      <p:cxnSp>
+        <p:nvCxnSpPr>
+          <p:cNvPr id="26" name="直線矢印コネクタ 25">
+            <a:extLst>
+              <a:ext uri="{FF2B5EF4-FFF2-40B4-BE49-F238E27FC236}">
+                <a16:creationId xmlns:a16="http://schemas.microsoft.com/office/drawing/2014/main" id="{F42B04D7-592A-6183-C36F-02F533BF5CF5}"/>
+              </a:ext>
+            </a:extLst>
+          </p:cNvPr>
+          <p:cNvCxnSpPr>
+            <a:cxnSpLocks/>
+            <a:stCxn id="6" idx="2"/>
+            <a:endCxn id="14" idx="0"/>
+          </p:cNvCxnSpPr>
+          <p:nvPr/>
+        </p:nvCxnSpPr>
+        <p:spPr bwMode="auto">
+          <a:xfrm>
+            <a:off x="2437094" y="2348988"/>
+            <a:ext cx="700120" cy="360004"/>
+          </a:xfrm>
+          <a:prstGeom prst="straightConnector1">
+            <a:avLst/>
+          </a:prstGeom>
+          <a:noFill/>
+          <a:ln w="9525" cap="flat" cmpd="sng" algn="ctr">
+            <a:solidFill>
+              <a:schemeClr val="tx1">
+                <a:lumMod val="75000"/>
+                <a:lumOff val="25000"/>
+              </a:schemeClr>
+            </a:solidFill>
+            <a:prstDash val="solid"/>
+            <a:round/>
+            <a:headEnd type="none" w="med" len="med"/>
+            <a:tailEnd type="triangle"/>
+          </a:ln>
+          <a:effectLst/>
+        </p:spPr>
+      </p:cxnSp>
+      <p:cxnSp>
+        <p:nvCxnSpPr>
+          <p:cNvPr id="29" name="直線矢印コネクタ 28">
+            <a:extLst>
+              <a:ext uri="{FF2B5EF4-FFF2-40B4-BE49-F238E27FC236}">
+                <a16:creationId xmlns:a16="http://schemas.microsoft.com/office/drawing/2014/main" id="{63A42914-3B9C-2617-A1F3-C2918EC57146}"/>
+              </a:ext>
+            </a:extLst>
+          </p:cNvPr>
+          <p:cNvCxnSpPr>
+            <a:cxnSpLocks/>
+            <a:endCxn id="11" idx="0"/>
+          </p:cNvCxnSpPr>
+          <p:nvPr/>
+        </p:nvCxnSpPr>
+        <p:spPr bwMode="auto">
+          <a:xfrm>
+            <a:off x="5162242" y="2348988"/>
+            <a:ext cx="675002" cy="360004"/>
+          </a:xfrm>
+          <a:prstGeom prst="straightConnector1">
+            <a:avLst/>
+          </a:prstGeom>
+          <a:noFill/>
+          <a:ln w="9525" cap="flat" cmpd="sng" algn="ctr">
+            <a:solidFill>
+              <a:schemeClr val="tx1">
+                <a:lumMod val="75000"/>
+                <a:lumOff val="25000"/>
+              </a:schemeClr>
+            </a:solidFill>
+            <a:prstDash val="solid"/>
+            <a:round/>
+            <a:headEnd type="none" w="med" len="med"/>
+            <a:tailEnd type="triangle"/>
+          </a:ln>
+          <a:effectLst/>
+        </p:spPr>
+      </p:cxnSp>
+      <p:cxnSp>
+        <p:nvCxnSpPr>
+          <p:cNvPr id="30" name="直線矢印コネクタ 29">
+            <a:extLst>
+              <a:ext uri="{FF2B5EF4-FFF2-40B4-BE49-F238E27FC236}">
+                <a16:creationId xmlns:a16="http://schemas.microsoft.com/office/drawing/2014/main" id="{16887226-34ED-BE47-8D2F-88F00D308F5F}"/>
+              </a:ext>
+            </a:extLst>
+          </p:cNvPr>
+          <p:cNvCxnSpPr>
+            <a:cxnSpLocks/>
+            <a:stCxn id="7" idx="2"/>
+            <a:endCxn id="10" idx="0"/>
+          </p:cNvCxnSpPr>
+          <p:nvPr/>
+        </p:nvCxnSpPr>
+        <p:spPr bwMode="auto">
+          <a:xfrm flipH="1">
+            <a:off x="4487229" y="2348988"/>
+            <a:ext cx="675013" cy="360004"/>
+          </a:xfrm>
+          <a:prstGeom prst="straightConnector1">
+            <a:avLst/>
+          </a:prstGeom>
+          <a:noFill/>
+          <a:ln w="9525" cap="flat" cmpd="sng" algn="ctr">
+            <a:solidFill>
+              <a:schemeClr val="tx1">
+                <a:lumMod val="75000"/>
+                <a:lumOff val="25000"/>
+              </a:schemeClr>
+            </a:solidFill>
+            <a:prstDash val="solid"/>
+            <a:round/>
+            <a:headEnd type="none" w="med" len="med"/>
+            <a:tailEnd type="triangle"/>
+          </a:ln>
+          <a:effectLst/>
+        </p:spPr>
+      </p:cxnSp>
+      <p:cxnSp>
+        <p:nvCxnSpPr>
+          <p:cNvPr id="33" name="直線矢印コネクタ 32">
+            <a:extLst>
+              <a:ext uri="{FF2B5EF4-FFF2-40B4-BE49-F238E27FC236}">
+                <a16:creationId xmlns:a16="http://schemas.microsoft.com/office/drawing/2014/main" id="{26EF2CBA-DD21-A3A6-D377-F872E60E28EE}"/>
+              </a:ext>
+            </a:extLst>
+          </p:cNvPr>
+          <p:cNvCxnSpPr>
+            <a:cxnSpLocks/>
+            <a:endCxn id="13" idx="0"/>
+          </p:cNvCxnSpPr>
+          <p:nvPr/>
+        </p:nvCxnSpPr>
+        <p:spPr bwMode="auto">
+          <a:xfrm>
+            <a:off x="7862272" y="2348988"/>
+            <a:ext cx="675002" cy="360004"/>
+          </a:xfrm>
+          <a:prstGeom prst="straightConnector1">
+            <a:avLst/>
+          </a:prstGeom>
+          <a:noFill/>
+          <a:ln w="9525" cap="flat" cmpd="sng" algn="ctr">
+            <a:solidFill>
+              <a:schemeClr val="tx1">
+                <a:lumMod val="75000"/>
+                <a:lumOff val="25000"/>
+              </a:schemeClr>
+            </a:solidFill>
+            <a:prstDash val="solid"/>
+            <a:round/>
+            <a:headEnd type="none" w="med" len="med"/>
+            <a:tailEnd type="triangle"/>
+          </a:ln>
+          <a:effectLst/>
+        </p:spPr>
+      </p:cxnSp>
+      <p:cxnSp>
+        <p:nvCxnSpPr>
+          <p:cNvPr id="34" name="直線矢印コネクタ 33">
+            <a:extLst>
+              <a:ext uri="{FF2B5EF4-FFF2-40B4-BE49-F238E27FC236}">
+                <a16:creationId xmlns:a16="http://schemas.microsoft.com/office/drawing/2014/main" id="{F11ECC10-B78B-633C-4329-B401A2A37DA9}"/>
+              </a:ext>
+            </a:extLst>
+          </p:cNvPr>
+          <p:cNvCxnSpPr>
+            <a:cxnSpLocks/>
+            <a:endCxn id="12" idx="0"/>
+          </p:cNvCxnSpPr>
+          <p:nvPr/>
+        </p:nvCxnSpPr>
+        <p:spPr bwMode="auto">
+          <a:xfrm flipH="1">
+            <a:off x="7187259" y="2348988"/>
+            <a:ext cx="675013" cy="360004"/>
+          </a:xfrm>
+          <a:prstGeom prst="straightConnector1">
+            <a:avLst/>
+          </a:prstGeom>
+          <a:noFill/>
+          <a:ln w="9525" cap="flat" cmpd="sng" algn="ctr">
+            <a:solidFill>
+              <a:schemeClr val="tx1">
+                <a:lumMod val="75000"/>
+                <a:lumOff val="25000"/>
+              </a:schemeClr>
+            </a:solidFill>
+            <a:prstDash val="solid"/>
+            <a:round/>
+            <a:headEnd type="none" w="med" len="med"/>
+            <a:tailEnd type="triangle"/>
+          </a:ln>
+          <a:effectLst/>
+        </p:spPr>
+      </p:cxnSp>
+      <p:sp>
+        <p:nvSpPr>
+          <p:cNvPr id="72" name="四角形: 角を丸くする 71">
+            <a:extLst>
+              <a:ext uri="{FF2B5EF4-FFF2-40B4-BE49-F238E27FC236}">
+                <a16:creationId xmlns:a16="http://schemas.microsoft.com/office/drawing/2014/main" id="{63000EB3-B894-2C65-1FF7-C66E94FE5DA2}"/>
+              </a:ext>
+            </a:extLst>
+          </p:cNvPr>
+          <p:cNvSpPr/>
+          <p:nvPr/>
+        </p:nvSpPr>
+        <p:spPr bwMode="auto">
+          <a:xfrm>
+            <a:off x="0" y="1988984"/>
+            <a:ext cx="1080012" cy="360004"/>
+          </a:xfrm>
+          <a:prstGeom prst="roundRect">
+            <a:avLst/>
+          </a:prstGeom>
+          <a:noFill/>
+          <a:ln>
+            <a:noFill/>
+            <a:headEnd/>
+            <a:tailEnd type="triangle" w="sm" len="med"/>
+          </a:ln>
+          <a:effectLst/>
+        </p:spPr>
+        <p:style>
+          <a:lnRef idx="1">
+            <a:schemeClr val="accent2"/>
+          </a:lnRef>
+          <a:fillRef idx="2">
+            <a:schemeClr val="accent2"/>
+          </a:fillRef>
+          <a:effectRef idx="1">
+            <a:schemeClr val="accent2"/>
+          </a:effectRef>
+          <a:fontRef idx="minor">
+            <a:schemeClr val="dk1"/>
+          </a:fontRef>
+        </p:style>
+        <p:txBody>
+          <a:bodyPr rot="0" spcFirstLastPara="0" vertOverflow="overflow" horzOverflow="overflow" vert="horz" wrap="none" lIns="91440" tIns="45720" rIns="91440" bIns="45720" numCol="1" spcCol="0" rtlCol="0" fromWordArt="0" anchor="ctr" anchorCtr="0" forceAA="0" compatLnSpc="1">
+            <a:prstTxWarp prst="textNoShape">
+              <a:avLst/>
+            </a:prstTxWarp>
+            <a:noAutofit/>
+          </a:bodyPr>
+          <a:lstStyle/>
+          <a:p>
+            <a:pPr algn="ctr"/>
+            <a:r>
+              <a:rPr kumimoji="1" lang="ja-JP" altLang="en-US" dirty="0">
+                <a:solidFill>
+                  <a:schemeClr val="tx1">
+                    <a:lumMod val="75000"/>
+                    <a:lumOff val="25000"/>
+                  </a:schemeClr>
+                </a:solidFill>
+                <a:latin typeface="+mn-ea"/>
+              </a:rPr>
+              <a:t>３点</a:t>
+            </a:r>
+          </a:p>
+        </p:txBody>
+      </p:sp>
+      <p:sp>
+        <p:nvSpPr>
+          <p:cNvPr id="73" name="四角形: 角を丸くする 72">
+            <a:extLst>
+              <a:ext uri="{FF2B5EF4-FFF2-40B4-BE49-F238E27FC236}">
+                <a16:creationId xmlns:a16="http://schemas.microsoft.com/office/drawing/2014/main" id="{64954E3A-4D67-EDA9-C3B4-3554BCE86956}"/>
+              </a:ext>
+            </a:extLst>
+          </p:cNvPr>
+          <p:cNvSpPr/>
+          <p:nvPr/>
+        </p:nvSpPr>
+        <p:spPr bwMode="auto">
+          <a:xfrm>
+            <a:off x="32185" y="2708992"/>
+            <a:ext cx="1080012" cy="360004"/>
+          </a:xfrm>
+          <a:prstGeom prst="roundRect">
+            <a:avLst/>
+          </a:prstGeom>
+          <a:noFill/>
+          <a:ln>
+            <a:noFill/>
+            <a:headEnd/>
+            <a:tailEnd type="triangle" w="sm" len="med"/>
+          </a:ln>
+          <a:effectLst/>
+        </p:spPr>
+        <p:style>
+          <a:lnRef idx="1">
+            <a:schemeClr val="accent2"/>
+          </a:lnRef>
+          <a:fillRef idx="2">
+            <a:schemeClr val="accent2"/>
+          </a:fillRef>
+          <a:effectRef idx="1">
+            <a:schemeClr val="accent2"/>
+          </a:effectRef>
+          <a:fontRef idx="minor">
+            <a:schemeClr val="dk1"/>
+          </a:fontRef>
+        </p:style>
+        <p:txBody>
+          <a:bodyPr rot="0" spcFirstLastPara="0" vertOverflow="overflow" horzOverflow="overflow" vert="horz" wrap="none" lIns="91440" tIns="45720" rIns="91440" bIns="45720" numCol="1" spcCol="0" rtlCol="0" fromWordArt="0" anchor="ctr" anchorCtr="0" forceAA="0" compatLnSpc="1">
+            <a:prstTxWarp prst="textNoShape">
+              <a:avLst/>
+            </a:prstTxWarp>
+            <a:noAutofit/>
+          </a:bodyPr>
+          <a:lstStyle/>
+          <a:p>
+            <a:pPr algn="ctr"/>
+            <a:r>
+              <a:rPr kumimoji="1" lang="ja-JP" altLang="en-US" dirty="0">
+                <a:solidFill>
+                  <a:schemeClr val="tx1">
+                    <a:lumMod val="75000"/>
+                    <a:lumOff val="25000"/>
+                  </a:schemeClr>
+                </a:solidFill>
+                <a:latin typeface="+mn-ea"/>
+              </a:rPr>
+              <a:t>６点</a:t>
+            </a:r>
+          </a:p>
+        </p:txBody>
+      </p:sp>
+      <p:sp>
+        <p:nvSpPr>
+          <p:cNvPr id="77" name="四角形: 角を丸くする 76">
+            <a:extLst>
+              <a:ext uri="{FF2B5EF4-FFF2-40B4-BE49-F238E27FC236}">
+                <a16:creationId xmlns:a16="http://schemas.microsoft.com/office/drawing/2014/main" id="{98B8734D-F786-A215-76B2-F4FB1938378E}"/>
+              </a:ext>
+            </a:extLst>
+          </p:cNvPr>
+          <p:cNvSpPr/>
+          <p:nvPr/>
+        </p:nvSpPr>
+        <p:spPr bwMode="auto">
+          <a:xfrm>
+            <a:off x="0" y="1268976"/>
+            <a:ext cx="1080012" cy="360004"/>
+          </a:xfrm>
+          <a:prstGeom prst="roundRect">
+            <a:avLst/>
+          </a:prstGeom>
+          <a:noFill/>
+          <a:ln>
+            <a:noFill/>
+            <a:headEnd/>
+            <a:tailEnd type="triangle" w="sm" len="med"/>
+          </a:ln>
+          <a:effectLst/>
+        </p:spPr>
+        <p:style>
+          <a:lnRef idx="1">
+            <a:schemeClr val="accent2"/>
+          </a:lnRef>
+          <a:fillRef idx="2">
+            <a:schemeClr val="accent2"/>
+          </a:fillRef>
+          <a:effectRef idx="1">
+            <a:schemeClr val="accent2"/>
+          </a:effectRef>
+          <a:fontRef idx="minor">
+            <a:schemeClr val="dk1"/>
+          </a:fontRef>
+        </p:style>
+        <p:txBody>
+          <a:bodyPr rot="0" spcFirstLastPara="0" vertOverflow="overflow" horzOverflow="overflow" vert="horz" wrap="none" lIns="91440" tIns="45720" rIns="91440" bIns="45720" numCol="1" spcCol="0" rtlCol="0" fromWordArt="0" anchor="ctr" anchorCtr="0" forceAA="0" compatLnSpc="1">
+            <a:prstTxWarp prst="textNoShape">
+              <a:avLst/>
+            </a:prstTxWarp>
+            <a:noAutofit/>
+          </a:bodyPr>
+          <a:lstStyle/>
+          <a:p>
+            <a:pPr algn="ctr"/>
+            <a:r>
+              <a:rPr kumimoji="1" lang="ja-JP" altLang="en-US" dirty="0">
+                <a:solidFill>
+                  <a:schemeClr val="tx1">
+                    <a:lumMod val="75000"/>
+                    <a:lumOff val="25000"/>
+                  </a:schemeClr>
+                </a:solidFill>
+                <a:latin typeface="+mn-ea"/>
+              </a:rPr>
+              <a:t>１点</a:t>
             </a:r>
           </a:p>
         </p:txBody>
@@ -9012,13 +10889,21 @@
     </p:spTree>
     <p:extLst>
       <p:ext uri="{BB962C8B-B14F-4D97-AF65-F5344CB8AC3E}">
-        <p14:creationId xmlns:p14="http://schemas.microsoft.com/office/powerpoint/2010/main" val="2327510675"/>
+        <p14:creationId xmlns:p14="http://schemas.microsoft.com/office/powerpoint/2010/main" val="3314145948"/>
       </p:ext>
     </p:extLst>
   </p:cSld>
   <p:clrMapOvr>
     <a:masterClrMapping/>
   </p:clrMapOvr>
+  <mc:AlternateContent xmlns:mc="http://schemas.openxmlformats.org/markup-compatibility/2006" xmlns:p14="http://schemas.microsoft.com/office/powerpoint/2010/main">
+    <mc:Choice Requires="p14">
+      <p:transition p14:dur="10"/>
+    </mc:Choice>
+    <mc:Fallback xmlns="">
+      <p:transition/>
+    </mc:Fallback>
+  </mc:AlternateContent>
 </p:sld>
 </file>
 
@@ -9041,10 +10926,10 @@
       </p:grpSpPr>
       <p:sp>
         <p:nvSpPr>
-          <p:cNvPr id="2" name="タイトル 1">
+          <p:cNvPr id="4" name="タイトル 3">
             <a:extLst>
               <a:ext uri="{FF2B5EF4-FFF2-40B4-BE49-F238E27FC236}">
-                <a16:creationId xmlns:a16="http://schemas.microsoft.com/office/drawing/2014/main" id="{5495249E-5784-30A1-9425-0AD2EDA550D0}"/>
+                <a16:creationId xmlns:a16="http://schemas.microsoft.com/office/drawing/2014/main" id="{0D2A82C6-DA1C-4233-E35B-A8BA1309BA85}"/>
               </a:ext>
             </a:extLst>
           </p:cNvPr>
@@ -9061,110 +10946,8 @@
           <a:lstStyle/>
           <a:p>
             <a:r>
-              <a:rPr kumimoji="1" lang="ja-JP" altLang="en-US" dirty="0"/>
-              <a:t>３点プロット：この３点で話の筋をまとめる</a:t>
-            </a:r>
-          </a:p>
-        </p:txBody>
-      </p:sp>
-      <p:sp>
-        <p:nvSpPr>
-          <p:cNvPr id="3" name="テキスト プレースホルダー 2">
-            <a:extLst>
-              <a:ext uri="{FF2B5EF4-FFF2-40B4-BE49-F238E27FC236}">
-                <a16:creationId xmlns:a16="http://schemas.microsoft.com/office/drawing/2014/main" id="{434C8495-CDEB-3716-81CF-61358DAF8B15}"/>
-              </a:ext>
-            </a:extLst>
-          </p:cNvPr>
-          <p:cNvSpPr>
-            <a:spLocks noGrp="1"/>
-          </p:cNvSpPr>
-          <p:nvPr>
-            <p:ph type="body" sz="quarter" idx="10"/>
-          </p:nvPr>
-        </p:nvSpPr>
-        <p:spPr/>
-        <p:txBody>
-          <a:bodyPr/>
-          <a:lstStyle/>
-          <a:p>
-            <a:pPr marL="457200" indent="-457200">
-              <a:buFont typeface="+mj-lt"/>
-              <a:buAutoNum type="arabicPeriod"/>
-            </a:pPr>
-            <a:r>
-              <a:rPr kumimoji="1" lang="ja-JP" altLang="en-US" dirty="0"/>
-              <a:t>背景：主張全体の背景や問題を説明する</a:t>
-            </a:r>
-            <a:endParaRPr kumimoji="1" lang="en-US" altLang="ja-JP" dirty="0"/>
-          </a:p>
-          <a:p>
-            <a:pPr lvl="1"/>
-            <a:r>
-              <a:rPr kumimoji="1" lang="ja-JP" altLang="en-US" dirty="0"/>
-              <a:t>全体として解決しようとしている問題の説明</a:t>
-            </a:r>
-            <a:endParaRPr kumimoji="1" lang="en-US" altLang="ja-JP" dirty="0"/>
-          </a:p>
-          <a:p>
-            <a:pPr marL="457200" indent="-457200">
-              <a:buFont typeface="+mj-lt"/>
-              <a:buAutoNum type="arabicPeriod"/>
-            </a:pPr>
-            <a:r>
-              <a:rPr kumimoji="1" lang="ja-JP" altLang="en-US" dirty="0"/>
-              <a:t>課題：解決しようとしている課題を説明する</a:t>
-            </a:r>
-            <a:endParaRPr kumimoji="1" lang="en-US" altLang="ja-JP" dirty="0"/>
-          </a:p>
-          <a:p>
-            <a:pPr lvl="1"/>
-            <a:r>
-              <a:rPr kumimoji="1" lang="ja-JP" altLang="en-US" dirty="0"/>
-              <a:t>背景となる問題に対する既存手法の説明とその問題点</a:t>
-            </a:r>
-            <a:endParaRPr kumimoji="1" lang="en-US" altLang="ja-JP" dirty="0"/>
-          </a:p>
-          <a:p>
-            <a:pPr lvl="1"/>
-            <a:r>
-              <a:rPr kumimoji="1" lang="ja-JP" altLang="en-US" dirty="0"/>
-              <a:t>既存手法がない場合は，背景の中で着目する問題を掘り下げる</a:t>
-            </a:r>
-            <a:endParaRPr kumimoji="1" lang="en-US" altLang="ja-JP" dirty="0"/>
-          </a:p>
-          <a:p>
-            <a:pPr marL="457200" indent="-457200">
-              <a:buFont typeface="+mj-lt"/>
-              <a:buAutoNum type="arabicPeriod"/>
-            </a:pPr>
-            <a:r>
-              <a:rPr kumimoji="1" lang="ja-JP" altLang="en-US" dirty="0"/>
-              <a:t>提案：課題であげられた問題を解決する提案手法を説明する</a:t>
-            </a:r>
-            <a:endParaRPr kumimoji="1" lang="en-US" altLang="ja-JP" dirty="0"/>
-          </a:p>
-          <a:p>
-            <a:pPr lvl="1"/>
-            <a:r>
-              <a:rPr kumimoji="1" lang="ja-JP" altLang="en-US" dirty="0"/>
-              <a:t>課題に対する洞察や観察</a:t>
-            </a:r>
-            <a:endParaRPr kumimoji="1" lang="en-US" altLang="ja-JP" dirty="0"/>
-          </a:p>
-          <a:p>
-            <a:pPr lvl="1"/>
-            <a:r>
-              <a:rPr kumimoji="1" lang="ja-JP" altLang="en-US" dirty="0"/>
-              <a:t>キーとなるアイデア</a:t>
-            </a:r>
-            <a:endParaRPr kumimoji="1" lang="en-US" altLang="ja-JP" dirty="0"/>
-          </a:p>
-          <a:p>
-            <a:pPr lvl="1"/>
-            <a:r>
-              <a:rPr kumimoji="1" lang="ja-JP" altLang="en-US" dirty="0"/>
-              <a:t>なぜ課題を解決できるのか</a:t>
+              <a:rPr lang="ja-JP" altLang="en-US" b="1" dirty="0"/>
+              <a:t>３点プロット</a:t>
             </a:r>
           </a:p>
         </p:txBody>
@@ -9172,21 +10955,13 @@
     </p:spTree>
     <p:extLst>
       <p:ext uri="{BB962C8B-B14F-4D97-AF65-F5344CB8AC3E}">
-        <p14:creationId xmlns:p14="http://schemas.microsoft.com/office/powerpoint/2010/main" val="416234846"/>
+        <p14:creationId xmlns:p14="http://schemas.microsoft.com/office/powerpoint/2010/main" val="2327510675"/>
       </p:ext>
     </p:extLst>
   </p:cSld>
   <p:clrMapOvr>
     <a:masterClrMapping/>
   </p:clrMapOvr>
-  <mc:AlternateContent xmlns:mc="http://schemas.openxmlformats.org/markup-compatibility/2006" xmlns:p14="http://schemas.microsoft.com/office/powerpoint/2010/main">
-    <mc:Choice Requires="p14">
-      <p:transition p14:dur="10"/>
-    </mc:Choice>
-    <mc:Fallback xmlns="">
-      <p:transition/>
-    </mc:Fallback>
-  </mc:AlternateContent>
 </p:sld>
 </file>
 
@@ -9230,7 +11005,7 @@
           <a:p>
             <a:r>
               <a:rPr kumimoji="1" lang="ja-JP" altLang="en-US" dirty="0"/>
-              <a:t>とりあえずこのフォーマットを埋める</a:t>
+              <a:t>３点プロット：この３点で話の筋をまとめる</a:t>
             </a:r>
           </a:p>
         </p:txBody>
@@ -9262,15 +11037,7 @@
             </a:pPr>
             <a:r>
               <a:rPr kumimoji="1" lang="ja-JP" altLang="en-US" dirty="0"/>
-              <a:t>背景：「～」</a:t>
-            </a:r>
-            <a:r>
-              <a:rPr kumimoji="1" lang="en-US" altLang="ja-JP" dirty="0"/>
-              <a:t>= </a:t>
-            </a:r>
-            <a:r>
-              <a:rPr kumimoji="1" lang="ja-JP" altLang="en-US" dirty="0"/>
-              <a:t>背景を一つの文ないしは名詞でまとめる</a:t>
+              <a:t>背景：主張全体の背景や問題を説明する</a:t>
             </a:r>
             <a:endParaRPr kumimoji="1" lang="en-US" altLang="ja-JP" dirty="0"/>
           </a:p>
@@ -9278,23 +11045,7 @@
             <a:pPr lvl="1"/>
             <a:r>
               <a:rPr kumimoji="1" lang="ja-JP" altLang="en-US" dirty="0"/>
-              <a:t>「～」</a:t>
-            </a:r>
-            <a:r>
-              <a:rPr lang="en-US" altLang="ja-JP" dirty="0"/>
-              <a:t>= </a:t>
-            </a:r>
-            <a:r>
-              <a:rPr kumimoji="1" lang="ja-JP" altLang="en-US" dirty="0"/>
-              <a:t>背景を説明する１つの文</a:t>
-            </a:r>
-            <a:endParaRPr kumimoji="1" lang="en-US" altLang="ja-JP" dirty="0"/>
-          </a:p>
-          <a:p>
-            <a:pPr lvl="1"/>
-            <a:r>
-              <a:rPr kumimoji="1" lang="ja-JP" altLang="en-US" dirty="0"/>
-              <a:t>「～」･･･</a:t>
+              <a:t>全体として解決しようとしている問題の説明</a:t>
             </a:r>
             <a:endParaRPr kumimoji="1" lang="en-US" altLang="ja-JP" dirty="0"/>
           </a:p>
@@ -9305,7 +11056,7 @@
             </a:pPr>
             <a:r>
               <a:rPr kumimoji="1" lang="ja-JP" altLang="en-US" dirty="0"/>
-              <a:t>課題：「～」</a:t>
+              <a:t>課題：解決しようとしている課題を説明する</a:t>
             </a:r>
             <a:endParaRPr kumimoji="1" lang="en-US" altLang="ja-JP" dirty="0"/>
           </a:p>
@@ -9313,7 +11064,7 @@
             <a:pPr lvl="1"/>
             <a:r>
               <a:rPr kumimoji="1" lang="ja-JP" altLang="en-US" dirty="0"/>
-              <a:t>「～」</a:t>
+              <a:t>背景となる問題に対する既存手法の説明とその問題点</a:t>
             </a:r>
             <a:endParaRPr kumimoji="1" lang="en-US" altLang="ja-JP" dirty="0"/>
           </a:p>
@@ -9321,7 +11072,7 @@
             <a:pPr lvl="1"/>
             <a:r>
               <a:rPr kumimoji="1" lang="ja-JP" altLang="en-US" dirty="0"/>
-              <a:t>「～」</a:t>
+              <a:t>既存手法がない場合は，背景の中で着目する問題を掘り下げる</a:t>
             </a:r>
             <a:endParaRPr kumimoji="1" lang="en-US" altLang="ja-JP" dirty="0"/>
           </a:p>
@@ -9332,7 +11083,7 @@
             </a:pPr>
             <a:r>
               <a:rPr kumimoji="1" lang="ja-JP" altLang="en-US" dirty="0"/>
-              <a:t>提案：「～」</a:t>
+              <a:t>提案：課題であげられた問題を解決する提案手法を説明する</a:t>
             </a:r>
             <a:endParaRPr kumimoji="1" lang="en-US" altLang="ja-JP" dirty="0"/>
           </a:p>
@@ -9340,7 +11091,7 @@
             <a:pPr lvl="1"/>
             <a:r>
               <a:rPr kumimoji="1" lang="ja-JP" altLang="en-US" dirty="0"/>
-              <a:t>「～」</a:t>
+              <a:t>課題に対する洞察や観察</a:t>
             </a:r>
             <a:endParaRPr kumimoji="1" lang="en-US" altLang="ja-JP" dirty="0"/>
           </a:p>
@@ -9348,16 +11099,23 @@
             <a:pPr lvl="1"/>
             <a:r>
               <a:rPr kumimoji="1" lang="ja-JP" altLang="en-US" dirty="0"/>
-              <a:t>「～」</a:t>
+              <a:t>キーとなるアイデア</a:t>
             </a:r>
             <a:endParaRPr kumimoji="1" lang="en-US" altLang="ja-JP" dirty="0"/>
+          </a:p>
+          <a:p>
+            <a:pPr lvl="1"/>
+            <a:r>
+              <a:rPr kumimoji="1" lang="ja-JP" altLang="en-US" dirty="0"/>
+              <a:t>なぜ課題を解決できるのか</a:t>
+            </a:r>
           </a:p>
         </p:txBody>
       </p:sp>
     </p:spTree>
     <p:extLst>
       <p:ext uri="{BB962C8B-B14F-4D97-AF65-F5344CB8AC3E}">
-        <p14:creationId xmlns:p14="http://schemas.microsoft.com/office/powerpoint/2010/main" val="3667224815"/>
+        <p14:creationId xmlns:p14="http://schemas.microsoft.com/office/powerpoint/2010/main" val="416234846"/>
       </p:ext>
     </p:extLst>
   </p:cSld>
@@ -9397,7 +11155,7 @@
           <p:cNvPr id="2" name="タイトル 1">
             <a:extLst>
               <a:ext uri="{FF2B5EF4-FFF2-40B4-BE49-F238E27FC236}">
-                <a16:creationId xmlns:a16="http://schemas.microsoft.com/office/drawing/2014/main" id="{0D8148F9-96F5-47D8-BABC-0992A5317442}"/>
+                <a16:creationId xmlns:a16="http://schemas.microsoft.com/office/drawing/2014/main" id="{7D722A8C-B31F-1470-2A2C-B9925BC500E2}"/>
               </a:ext>
             </a:extLst>
           </p:cNvPr>
@@ -9414,9 +11172,25 @@
           <a:lstStyle/>
           <a:p>
             <a:r>
-              <a:rPr kumimoji="1" lang="ja-JP" altLang="en-US" dirty="0"/>
-              <a:t>項目間の関係</a:t>
-            </a:r>
+              <a:rPr lang="ja-JP" altLang="en-US" sz="2400" dirty="0"/>
+              <a:t>例１：小田喜くんの輪講の例 </a:t>
+            </a:r>
+            <a:r>
+              <a:rPr lang="en-US" altLang="ja-JP" sz="2400" dirty="0"/>
+              <a:t>= </a:t>
+            </a:r>
+            <a:r>
+              <a:rPr lang="ja-JP" altLang="en-US" sz="2400" dirty="0"/>
+              <a:t>既存手法があるパターン</a:t>
+            </a:r>
+            <a:br>
+              <a:rPr lang="en-US" altLang="ja-JP" sz="2400" dirty="0"/>
+            </a:br>
+            <a:r>
+              <a:rPr lang="ja-JP" altLang="en-US" sz="1600" dirty="0"/>
+              <a:t>（輪講なので具体的なアイデアがまだない事に注意）</a:t>
+            </a:r>
+            <a:endParaRPr kumimoji="1" lang="ja-JP" altLang="en-US" sz="1600" dirty="0"/>
           </a:p>
         </p:txBody>
       </p:sp>
@@ -9425,7 +11199,7 @@
           <p:cNvPr id="3" name="テキスト プレースホルダー 2">
             <a:extLst>
               <a:ext uri="{FF2B5EF4-FFF2-40B4-BE49-F238E27FC236}">
-                <a16:creationId xmlns:a16="http://schemas.microsoft.com/office/drawing/2014/main" id="{F99D6A1E-A2D8-5CC6-FE5C-A06B02DCAF52}"/>
+                <a16:creationId xmlns:a16="http://schemas.microsoft.com/office/drawing/2014/main" id="{1641E495-BDDF-0AEA-8CA3-8A46CF1746DE}"/>
               </a:ext>
             </a:extLst>
           </p:cNvPr>
@@ -9442,101 +11216,98 @@
           <a:lstStyle/>
           <a:p>
             <a:r>
-              <a:rPr kumimoji="1" lang="ja-JP" altLang="en-US" dirty="0"/>
-              <a:t>「課題」に書く内容は，「背景」で提示した問題に対応させる</a:t>
-            </a:r>
-            <a:endParaRPr kumimoji="1" lang="en-US" altLang="ja-JP" dirty="0"/>
-          </a:p>
-          <a:p>
-            <a:pPr marL="817200" lvl="1" indent="-457200">
-              <a:buFont typeface="+mj-lt"/>
-              <a:buAutoNum type="arabicPeriod"/>
-            </a:pPr>
-            <a:r>
-              <a:rPr kumimoji="1" lang="ja-JP" altLang="en-US" dirty="0"/>
-              <a:t>「背景」で提示した問題を解決する</a:t>
-            </a:r>
-            <a:endParaRPr kumimoji="1" lang="en-US" altLang="ja-JP" dirty="0"/>
-          </a:p>
-          <a:p>
-            <a:pPr lvl="2"/>
-            <a:r>
-              <a:rPr kumimoji="1" lang="ja-JP" altLang="en-US" dirty="0"/>
-              <a:t>既存手法がある場合，基本的にはこの形になる</a:t>
-            </a:r>
-            <a:endParaRPr kumimoji="1" lang="en-US" altLang="ja-JP" dirty="0"/>
-          </a:p>
-          <a:p>
-            <a:pPr marL="817200" lvl="1" indent="-457200">
-              <a:buFont typeface="+mj-lt"/>
-              <a:buAutoNum type="arabicPeriod"/>
-            </a:pPr>
-            <a:r>
-              <a:rPr kumimoji="1" lang="ja-JP" altLang="en-US" dirty="0"/>
-              <a:t>「背景」の特定の問題に着目して掘り下げる</a:t>
-            </a:r>
-            <a:endParaRPr kumimoji="1" lang="en-US" altLang="ja-JP" dirty="0"/>
-          </a:p>
-          <a:p>
-            <a:pPr lvl="2"/>
-            <a:r>
-              <a:rPr kumimoji="1" lang="ja-JP" altLang="en-US" dirty="0"/>
-              <a:t>特に既存手法がない場合，こちらになることもある</a:t>
-            </a:r>
-            <a:endParaRPr kumimoji="1" lang="en-US" altLang="ja-JP" dirty="0"/>
-          </a:p>
-          <a:p>
-            <a:r>
-              <a:rPr kumimoji="1" lang="ja-JP" altLang="en-US" dirty="0"/>
-              <a:t>「提案」では，「背景」と「課題」で提示した問題に対応させる</a:t>
-            </a:r>
-            <a:endParaRPr kumimoji="1" lang="en-US" altLang="ja-JP" dirty="0"/>
+              <a:rPr lang="ja-JP" altLang="en-US" dirty="0"/>
+              <a:t>背景：</a:t>
+            </a:r>
+            <a:r>
+              <a:rPr lang="en-US" altLang="ja-JP" dirty="0"/>
+              <a:t>SIMT </a:t>
+            </a:r>
+            <a:r>
+              <a:rPr lang="ja-JP" altLang="en-US" dirty="0"/>
+              <a:t>アーキテクチャにおける冗長な演算</a:t>
+            </a:r>
+            <a:endParaRPr lang="en-US" altLang="ja-JP" dirty="0"/>
           </a:p>
           <a:p>
             <a:pPr lvl="1"/>
             <a:r>
-              <a:rPr kumimoji="1" lang="ja-JP" altLang="en-US" dirty="0"/>
-              <a:t>基本的には「課題」で提示した問題を解決する方法を書く</a:t>
-            </a:r>
-            <a:endParaRPr kumimoji="1" lang="en-US" altLang="ja-JP" dirty="0"/>
+              <a:rPr lang="en-US" altLang="ja-JP" dirty="0"/>
+              <a:t>SIMT(D) </a:t>
+            </a:r>
+            <a:r>
+              <a:rPr lang="ja-JP" altLang="en-US" dirty="0"/>
+              <a:t>では基本的には複数のデータに対して同じ演算を行う </a:t>
+            </a:r>
+            <a:endParaRPr lang="en-US" altLang="ja-JP" dirty="0"/>
           </a:p>
           <a:p>
             <a:pPr lvl="1"/>
             <a:r>
-              <a:rPr kumimoji="1" lang="ja-JP" altLang="en-US" dirty="0"/>
-              <a:t>そうすれば，普通は自然と「背景」の問題にも対応する</a:t>
-            </a:r>
-            <a:endParaRPr kumimoji="1" lang="en-US" altLang="ja-JP" dirty="0"/>
-          </a:p>
-          <a:p>
-            <a:r>
-              <a:rPr kumimoji="1" lang="ja-JP" altLang="en-US" dirty="0">
-                <a:solidFill>
-                  <a:schemeClr val="accent5"/>
-                </a:solidFill>
-              </a:rPr>
-              <a:t>「背景→課題→提案」の流れが明確にわかるようにする</a:t>
-            </a:r>
-            <a:endParaRPr kumimoji="1" lang="en-US" altLang="ja-JP" dirty="0">
-              <a:solidFill>
-                <a:schemeClr val="accent5"/>
-              </a:solidFill>
-            </a:endParaRPr>
+              <a:rPr lang="ja-JP" altLang="en-US" dirty="0"/>
+              <a:t>しかし </a:t>
+            </a:r>
+            <a:r>
+              <a:rPr lang="en-US" altLang="ja-JP" dirty="0"/>
+              <a:t>SIMT </a:t>
+            </a:r>
+            <a:r>
+              <a:rPr lang="ja-JP" altLang="en-US" dirty="0"/>
+              <a:t>では全く同じ冗長な演算を複数のレーンで行っている場合があり無駄 </a:t>
+            </a:r>
+            <a:endParaRPr lang="en-US" altLang="ja-JP" dirty="0"/>
+          </a:p>
+          <a:p>
+            <a:r>
+              <a:rPr lang="ja-JP" altLang="en-US" dirty="0"/>
+              <a:t>課題：スカラ化とその問題 </a:t>
+            </a:r>
+            <a:endParaRPr lang="en-US" altLang="ja-JP" dirty="0"/>
           </a:p>
           <a:p>
             <a:pPr lvl="1"/>
             <a:r>
-              <a:rPr kumimoji="1" lang="ja-JP" altLang="en-US" dirty="0"/>
-              <a:t>これらに直接つながらない事は，入れてはいけない</a:t>
-            </a:r>
-            <a:endParaRPr kumimoji="1" lang="en-US" altLang="ja-JP" dirty="0"/>
+              <a:rPr lang="ja-JP" altLang="en-US" dirty="0"/>
+              <a:t>冗長な演算を１つの演算にまとめるスカラ化が提案されている </a:t>
+            </a:r>
+            <a:endParaRPr lang="en-US" altLang="ja-JP" dirty="0"/>
+          </a:p>
+          <a:p>
+            <a:pPr lvl="1"/>
+            <a:r>
+              <a:rPr lang="ja-JP" altLang="en-US" dirty="0"/>
+              <a:t>従来のスカラ化では制約があり効果的にまとめられない </a:t>
+            </a:r>
+            <a:endParaRPr lang="en-US" altLang="ja-JP" dirty="0"/>
+          </a:p>
+          <a:p>
+            <a:r>
+              <a:rPr lang="ja-JP" altLang="en-US" dirty="0"/>
+              <a:t>提案：スカラ化の改良 </a:t>
+            </a:r>
+            <a:endParaRPr lang="en-US" altLang="ja-JP" dirty="0"/>
+          </a:p>
+          <a:p>
+            <a:pPr lvl="1"/>
+            <a:r>
+              <a:rPr lang="en-US" altLang="ja-JP" dirty="0"/>
+              <a:t>Temporal SIMT </a:t>
+            </a:r>
+            <a:r>
+              <a:rPr lang="ja-JP" altLang="en-US" dirty="0"/>
+              <a:t>と動的なスカラ化の組み合わせにより実現 </a:t>
+            </a:r>
+            <a:br>
+              <a:rPr lang="ja-JP" altLang="en-US" dirty="0"/>
+            </a:br>
+            <a:endParaRPr kumimoji="1" lang="ja-JP" altLang="en-US" dirty="0"/>
           </a:p>
         </p:txBody>
       </p:sp>
     </p:spTree>
     <p:extLst>
       <p:ext uri="{BB962C8B-B14F-4D97-AF65-F5344CB8AC3E}">
-        <p14:creationId xmlns:p14="http://schemas.microsoft.com/office/powerpoint/2010/main" val="2670373046"/>
+        <p14:creationId xmlns:p14="http://schemas.microsoft.com/office/powerpoint/2010/main" val="1140155702"/>
       </p:ext>
     </p:extLst>
   </p:cSld>

--- a/plot.pptx
+++ b/plot.pptx
@@ -5,7 +5,7 @@
     <p:sldMasterId id="2147483669" r:id="rId1"/>
   </p:sldMasterIdLst>
   <p:notesMasterIdLst>
-    <p:notesMasterId r:id="rId32"/>
+    <p:notesMasterId r:id="rId36"/>
   </p:notesMasterIdLst>
   <p:sldIdLst>
     <p:sldId id="440" r:id="rId2"/>
@@ -15,29 +15,33 @@
     <p:sldId id="452" r:id="rId6"/>
     <p:sldId id="468" r:id="rId7"/>
     <p:sldId id="451" r:id="rId8"/>
-    <p:sldId id="448" r:id="rId9"/>
-    <p:sldId id="443" r:id="rId10"/>
-    <p:sldId id="458" r:id="rId11"/>
-    <p:sldId id="442" r:id="rId12"/>
-    <p:sldId id="454" r:id="rId13"/>
-    <p:sldId id="449" r:id="rId14"/>
-    <p:sldId id="467" r:id="rId15"/>
-    <p:sldId id="457" r:id="rId16"/>
-    <p:sldId id="450" r:id="rId17"/>
-    <p:sldId id="455" r:id="rId18"/>
-    <p:sldId id="456" r:id="rId19"/>
-    <p:sldId id="453" r:id="rId20"/>
-    <p:sldId id="444" r:id="rId21"/>
-    <p:sldId id="445" r:id="rId22"/>
-    <p:sldId id="460" r:id="rId23"/>
-    <p:sldId id="459" r:id="rId24"/>
-    <p:sldId id="461" r:id="rId25"/>
-    <p:sldId id="447" r:id="rId26"/>
-    <p:sldId id="462" r:id="rId27"/>
-    <p:sldId id="463" r:id="rId28"/>
-    <p:sldId id="464" r:id="rId29"/>
-    <p:sldId id="466" r:id="rId30"/>
-    <p:sldId id="269" r:id="rId31"/>
+    <p:sldId id="469" r:id="rId9"/>
+    <p:sldId id="448" r:id="rId10"/>
+    <p:sldId id="443" r:id="rId11"/>
+    <p:sldId id="458" r:id="rId12"/>
+    <p:sldId id="442" r:id="rId13"/>
+    <p:sldId id="454" r:id="rId14"/>
+    <p:sldId id="455" r:id="rId15"/>
+    <p:sldId id="470" r:id="rId16"/>
+    <p:sldId id="449" r:id="rId17"/>
+    <p:sldId id="467" r:id="rId18"/>
+    <p:sldId id="457" r:id="rId19"/>
+    <p:sldId id="450" r:id="rId20"/>
+    <p:sldId id="456" r:id="rId21"/>
+    <p:sldId id="453" r:id="rId22"/>
+    <p:sldId id="444" r:id="rId23"/>
+    <p:sldId id="445" r:id="rId24"/>
+    <p:sldId id="460" r:id="rId25"/>
+    <p:sldId id="459" r:id="rId26"/>
+    <p:sldId id="461" r:id="rId27"/>
+    <p:sldId id="447" r:id="rId28"/>
+    <p:sldId id="462" r:id="rId29"/>
+    <p:sldId id="463" r:id="rId30"/>
+    <p:sldId id="464" r:id="rId31"/>
+    <p:sldId id="466" r:id="rId32"/>
+    <p:sldId id="269" r:id="rId33"/>
+    <p:sldId id="471" r:id="rId34"/>
+    <p:sldId id="472" r:id="rId35"/>
   </p:sldIdLst>
   <p:sldSz cx="9144000" cy="6858000" type="screen4x3"/>
   <p:notesSz cx="6858000" cy="9144000"/>
@@ -3036,7 +3040,7 @@
             </a:r>
             <a:r>
               <a:rPr kumimoji="1" lang="en-US" altLang="ja-JP" sz="2800"/>
-              <a:t>v3</a:t>
+              <a:t>v4</a:t>
             </a:r>
             <a:endParaRPr kumimoji="1" lang="ja-JP" altLang="en-US" sz="2800" dirty="0"/>
           </a:p>
@@ -3363,7 +3367,7 @@
           <p:cNvPr id="2" name="タイトル 1">
             <a:extLst>
               <a:ext uri="{FF2B5EF4-FFF2-40B4-BE49-F238E27FC236}">
-                <a16:creationId xmlns:a16="http://schemas.microsoft.com/office/drawing/2014/main" id="{BF3F0A8B-B8DC-DEBB-64FC-E1E342572693}"/>
+                <a16:creationId xmlns:a16="http://schemas.microsoft.com/office/drawing/2014/main" id="{7D722A8C-B31F-1470-2A2C-B9925BC500E2}"/>
               </a:ext>
             </a:extLst>
           </p:cNvPr>
@@ -3380,30 +3384,25 @@
           <a:lstStyle/>
           <a:p>
             <a:r>
-              <a:rPr lang="ja-JP" altLang="en-US" dirty="0"/>
-              <a:t>例２：</a:t>
-            </a:r>
-            <a:r>
-              <a:rPr kumimoji="1" lang="ja-JP" altLang="en-US" dirty="0"/>
-              <a:t>小泉くんの </a:t>
-            </a:r>
-            <a:r>
-              <a:rPr lang="en-US" altLang="ja-JP" dirty="0"/>
-              <a:t>DATE</a:t>
-            </a:r>
-            <a:r>
-              <a:rPr lang="ja-JP" altLang="en-US" dirty="0"/>
-              <a:t> </a:t>
-            </a:r>
-            <a:r>
-              <a:rPr lang="en-US" altLang="ja-JP" dirty="0"/>
+              <a:rPr lang="ja-JP" altLang="en-US" sz="2400" dirty="0"/>
+              <a:t>例１：小田喜くんの輪講の例 </a:t>
+            </a:r>
+            <a:r>
+              <a:rPr lang="en-US" altLang="ja-JP" sz="2400" dirty="0"/>
               <a:t>= </a:t>
             </a:r>
             <a:r>
-              <a:rPr lang="ja-JP" altLang="en-US" dirty="0"/>
+              <a:rPr lang="ja-JP" altLang="en-US" sz="2400" dirty="0"/>
               <a:t>既存手法があるパターン</a:t>
             </a:r>
-            <a:endParaRPr kumimoji="1" lang="ja-JP" altLang="en-US" dirty="0"/>
+            <a:br>
+              <a:rPr lang="en-US" altLang="ja-JP" sz="2400" dirty="0"/>
+            </a:br>
+            <a:r>
+              <a:rPr lang="ja-JP" altLang="en-US" sz="1600" dirty="0"/>
+              <a:t>（輪講なので具体的なアイデアがまだない事に注意）</a:t>
+            </a:r>
+            <a:endParaRPr kumimoji="1" lang="ja-JP" altLang="en-US" sz="1600" dirty="0"/>
           </a:p>
         </p:txBody>
       </p:sp>
@@ -3412,7 +3411,7 @@
           <p:cNvPr id="3" name="テキスト プレースホルダー 2">
             <a:extLst>
               <a:ext uri="{FF2B5EF4-FFF2-40B4-BE49-F238E27FC236}">
-                <a16:creationId xmlns:a16="http://schemas.microsoft.com/office/drawing/2014/main" id="{131A464B-82C4-26C6-5295-D721A3F69E63}"/>
+                <a16:creationId xmlns:a16="http://schemas.microsoft.com/office/drawing/2014/main" id="{1641E495-BDDF-0AEA-8CA3-8A46CF1746DE}"/>
               </a:ext>
             </a:extLst>
           </p:cNvPr>
@@ -3429,87 +3428,98 @@
           <a:lstStyle/>
           <a:p>
             <a:r>
-              <a:rPr kumimoji="1" lang="ja-JP" altLang="en-US" dirty="0"/>
-              <a:t>背景：早いプリフェッチによるレイテンシの隠蔽</a:t>
-            </a:r>
-            <a:endParaRPr kumimoji="1" lang="en-US" altLang="ja-JP" dirty="0"/>
+              <a:rPr lang="ja-JP" altLang="en-US" dirty="0"/>
+              <a:t>背景：</a:t>
+            </a:r>
+            <a:r>
+              <a:rPr lang="en-US" altLang="ja-JP" dirty="0"/>
+              <a:t>SIMT </a:t>
+            </a:r>
+            <a:r>
+              <a:rPr lang="ja-JP" altLang="en-US" dirty="0"/>
+              <a:t>アーキテクチャにおける冗長な演算</a:t>
+            </a:r>
+            <a:endParaRPr lang="en-US" altLang="ja-JP" dirty="0"/>
           </a:p>
           <a:p>
             <a:pPr lvl="1"/>
             <a:r>
-              <a:rPr kumimoji="1" lang="ja-JP" altLang="en-US" dirty="0"/>
-              <a:t>プリフェッチ：キャッシュにデータを先読みしておく技術</a:t>
-            </a:r>
-            <a:endParaRPr kumimoji="1" lang="en-US" altLang="ja-JP" dirty="0"/>
+              <a:rPr lang="en-US" altLang="ja-JP" dirty="0"/>
+              <a:t>SIMT(D) </a:t>
+            </a:r>
+            <a:r>
+              <a:rPr lang="ja-JP" altLang="en-US" dirty="0"/>
+              <a:t>では基本的には複数のデータに対して同じ演算を行う </a:t>
+            </a:r>
+            <a:endParaRPr lang="en-US" altLang="ja-JP" dirty="0"/>
           </a:p>
           <a:p>
             <a:pPr lvl="1"/>
             <a:r>
-              <a:rPr kumimoji="1" lang="ja-JP" altLang="en-US" dirty="0"/>
-              <a:t>多くの研究では十分に早くプリフェッチすることを重視</a:t>
-            </a:r>
-            <a:endParaRPr kumimoji="1" lang="en-US" altLang="ja-JP" dirty="0"/>
-          </a:p>
-          <a:p>
-            <a:pPr lvl="2"/>
-            <a:r>
-              <a:rPr kumimoji="1" lang="ja-JP" altLang="en-US" dirty="0"/>
-              <a:t>メモリ・アクセスのレイテンシを有効に隠蔽するため</a:t>
-            </a:r>
-            <a:endParaRPr kumimoji="1" lang="en-US" altLang="ja-JP" dirty="0"/>
-          </a:p>
-          <a:p>
-            <a:pPr lvl="2"/>
-            <a:r>
-              <a:rPr kumimoji="1" lang="ja-JP" altLang="en-US" dirty="0"/>
-              <a:t>通常はなるべく遠い未来のアドレスを予測してプリフェッチ</a:t>
-            </a:r>
-            <a:endParaRPr kumimoji="1" lang="en-US" altLang="ja-JP" dirty="0"/>
-          </a:p>
-          <a:p>
-            <a:r>
-              <a:rPr kumimoji="1" lang="ja-JP" altLang="en-US" dirty="0"/>
-              <a:t>課題：早すぎるプリフェッチ</a:t>
-            </a:r>
-            <a:endParaRPr kumimoji="1" lang="en-US" altLang="ja-JP" dirty="0"/>
+              <a:rPr lang="ja-JP" altLang="en-US" dirty="0"/>
+              <a:t>しかし </a:t>
+            </a:r>
+            <a:r>
+              <a:rPr lang="en-US" altLang="ja-JP" dirty="0"/>
+              <a:t>SIMT </a:t>
+            </a:r>
+            <a:r>
+              <a:rPr lang="ja-JP" altLang="en-US" dirty="0"/>
+              <a:t>では全く同じ冗長な演算を複数のレーンで行っている場合があり無駄 </a:t>
+            </a:r>
+            <a:endParaRPr lang="en-US" altLang="ja-JP" dirty="0"/>
+          </a:p>
+          <a:p>
+            <a:r>
+              <a:rPr lang="ja-JP" altLang="en-US" dirty="0"/>
+              <a:t>課題：スカラ化とその問題 </a:t>
+            </a:r>
+            <a:endParaRPr lang="en-US" altLang="ja-JP" dirty="0"/>
           </a:p>
           <a:p>
             <a:pPr lvl="1"/>
             <a:r>
-              <a:rPr kumimoji="1" lang="ja-JP" altLang="en-US" dirty="0"/>
-              <a:t>早すぎると使用される前にキャッシュから追い出される</a:t>
-            </a:r>
-            <a:endParaRPr kumimoji="1" lang="en-US" altLang="ja-JP" dirty="0"/>
+              <a:rPr lang="ja-JP" altLang="en-US" dirty="0"/>
+              <a:t>冗長な演算を１つの演算にまとめるスカラ化が提案されている </a:t>
+            </a:r>
+            <a:endParaRPr lang="en-US" altLang="ja-JP" dirty="0"/>
           </a:p>
           <a:p>
             <a:pPr lvl="1"/>
             <a:r>
-              <a:rPr kumimoji="1" lang="ja-JP" altLang="en-US" dirty="0"/>
-              <a:t>これにより性能向上の機会が大きく失われている</a:t>
-            </a:r>
-            <a:endParaRPr kumimoji="1" lang="en-US" altLang="ja-JP" dirty="0"/>
-          </a:p>
-          <a:p>
-            <a:r>
-              <a:rPr kumimoji="1" lang="ja-JP" altLang="en-US" dirty="0"/>
-              <a:t>提案：プリフェッチを遅らせる</a:t>
-            </a:r>
-            <a:endParaRPr kumimoji="1" lang="en-US" altLang="ja-JP" dirty="0"/>
+              <a:rPr lang="ja-JP" altLang="en-US" dirty="0"/>
+              <a:t>しかし，従来のスカラ化では制約があり効果的にまとめられない </a:t>
+            </a:r>
+            <a:endParaRPr lang="en-US" altLang="ja-JP" dirty="0"/>
+          </a:p>
+          <a:p>
+            <a:r>
+              <a:rPr lang="ja-JP" altLang="en-US" dirty="0"/>
+              <a:t>提案：スカラ化の改良 </a:t>
+            </a:r>
+            <a:endParaRPr lang="en-US" altLang="ja-JP" dirty="0"/>
           </a:p>
           <a:p>
             <a:pPr lvl="1"/>
             <a:r>
-              <a:rPr kumimoji="1" lang="ja-JP" altLang="en-US" dirty="0"/>
-              <a:t>データが参照されるタイミングまであえて遅らせる</a:t>
-            </a:r>
-            <a:endParaRPr kumimoji="1" lang="en-US" altLang="ja-JP" dirty="0"/>
+              <a:rPr lang="en-US" altLang="ja-JP" dirty="0"/>
+              <a:t>Temporal SIMT </a:t>
+            </a:r>
+            <a:r>
+              <a:rPr lang="ja-JP" altLang="en-US" dirty="0"/>
+              <a:t>と動的なスカラ化の組み合わせにより実現 </a:t>
+            </a:r>
+            <a:br>
+              <a:rPr lang="ja-JP" altLang="en-US" dirty="0"/>
+            </a:br>
+            <a:endParaRPr kumimoji="1" lang="ja-JP" altLang="en-US" dirty="0"/>
           </a:p>
         </p:txBody>
       </p:sp>
     </p:spTree>
     <p:extLst>
       <p:ext uri="{BB962C8B-B14F-4D97-AF65-F5344CB8AC3E}">
-        <p14:creationId xmlns:p14="http://schemas.microsoft.com/office/powerpoint/2010/main" val="614302534"/>
+        <p14:creationId xmlns:p14="http://schemas.microsoft.com/office/powerpoint/2010/main" val="1140155702"/>
       </p:ext>
     </p:extLst>
   </p:cSld>
@@ -3549,7 +3559,7 @@
           <p:cNvPr id="2" name="タイトル 1">
             <a:extLst>
               <a:ext uri="{FF2B5EF4-FFF2-40B4-BE49-F238E27FC236}">
-                <a16:creationId xmlns:a16="http://schemas.microsoft.com/office/drawing/2014/main" id="{48EBA81F-A6DD-0466-EAE8-DED8906E9E0C}"/>
+                <a16:creationId xmlns:a16="http://schemas.microsoft.com/office/drawing/2014/main" id="{BF3F0A8B-B8DC-DEBB-64FC-E1E342572693}"/>
               </a:ext>
             </a:extLst>
           </p:cNvPr>
@@ -3567,7 +3577,19 @@
           <a:p>
             <a:r>
               <a:rPr lang="ja-JP" altLang="en-US" dirty="0"/>
-              <a:t>例３：木村さんの輪講 </a:t>
+              <a:t>例２：</a:t>
+            </a:r>
+            <a:r>
+              <a:rPr kumimoji="1" lang="ja-JP" altLang="en-US" dirty="0"/>
+              <a:t>小泉くんの </a:t>
+            </a:r>
+            <a:r>
+              <a:rPr lang="en-US" altLang="ja-JP" dirty="0"/>
+              <a:t>DATE</a:t>
+            </a:r>
+            <a:r>
+              <a:rPr lang="ja-JP" altLang="en-US" dirty="0"/>
+              <a:t> </a:t>
             </a:r>
             <a:r>
               <a:rPr lang="en-US" altLang="ja-JP" dirty="0"/>
@@ -3575,16 +3597,9 @@
             </a:r>
             <a:r>
               <a:rPr lang="ja-JP" altLang="en-US" dirty="0"/>
-              <a:t>既存手法がないパターン</a:t>
-            </a:r>
-            <a:br>
-              <a:rPr lang="en-US" altLang="ja-JP" dirty="0"/>
-            </a:br>
-            <a:r>
-              <a:rPr lang="ja-JP" altLang="en-US" sz="1800" dirty="0"/>
-              <a:t>（輪講なので具体的なアイデアがまだない事に注意）</a:t>
-            </a:r>
-            <a:endParaRPr kumimoji="1" lang="ja-JP" altLang="en-US" sz="1800" dirty="0"/>
+              <a:t>既存手法があるパターン</a:t>
+            </a:r>
+            <a:endParaRPr kumimoji="1" lang="ja-JP" altLang="en-US" dirty="0"/>
           </a:p>
         </p:txBody>
       </p:sp>
@@ -3593,7 +3608,7 @@
           <p:cNvPr id="3" name="テキスト プレースホルダー 2">
             <a:extLst>
               <a:ext uri="{FF2B5EF4-FFF2-40B4-BE49-F238E27FC236}">
-                <a16:creationId xmlns:a16="http://schemas.microsoft.com/office/drawing/2014/main" id="{3FEEAC1E-C94E-1099-5C11-AF237D70AFA5}"/>
+                <a16:creationId xmlns:a16="http://schemas.microsoft.com/office/drawing/2014/main" id="{131A464B-82C4-26C6-5295-D721A3F69E63}"/>
               </a:ext>
             </a:extLst>
           </p:cNvPr>
@@ -3610,86 +3625,87 @@
           <a:lstStyle/>
           <a:p>
             <a:r>
-              <a:rPr lang="ja-JP" altLang="en-US" dirty="0"/>
-              <a:t>背景：ベクトル命令 </a:t>
-            </a:r>
-            <a:endParaRPr lang="en-US" altLang="ja-JP" dirty="0"/>
+              <a:rPr kumimoji="1" lang="ja-JP" altLang="en-US" dirty="0"/>
+              <a:t>背景：早いプリフェッチによるレイテンシの隠蔽</a:t>
+            </a:r>
+            <a:endParaRPr kumimoji="1" lang="en-US" altLang="ja-JP" dirty="0"/>
           </a:p>
           <a:p>
             <a:pPr lvl="1"/>
             <a:r>
-              <a:rPr lang="ja-JP" altLang="en-US" dirty="0"/>
-              <a:t>単一の命令で可変長の複数データを処理する命令の方式 </a:t>
-            </a:r>
-            <a:endParaRPr lang="en-US" altLang="ja-JP" dirty="0"/>
+              <a:rPr kumimoji="1" lang="ja-JP" altLang="en-US" dirty="0"/>
+              <a:t>プリフェッチ：キャッシュにデータを先読みしておく技術</a:t>
+            </a:r>
+            <a:endParaRPr kumimoji="1" lang="en-US" altLang="ja-JP" dirty="0"/>
           </a:p>
           <a:p>
             <a:pPr lvl="1"/>
             <a:r>
-              <a:rPr lang="ja-JP" altLang="en-US" dirty="0"/>
-              <a:t>データ並列性のある処理を対象 </a:t>
-            </a:r>
-            <a:endParaRPr lang="en-US" altLang="ja-JP" dirty="0"/>
+              <a:rPr kumimoji="1" lang="ja-JP" altLang="en-US" dirty="0"/>
+              <a:t>多くの研究では十分に早くプリフェッチすることを重視</a:t>
+            </a:r>
+            <a:endParaRPr kumimoji="1" lang="en-US" altLang="ja-JP" dirty="0"/>
+          </a:p>
+          <a:p>
+            <a:pPr lvl="2"/>
+            <a:r>
+              <a:rPr kumimoji="1" lang="ja-JP" altLang="en-US" dirty="0"/>
+              <a:t>メモリ・アクセスのレイテンシを有効に隠蔽するため</a:t>
+            </a:r>
+            <a:endParaRPr kumimoji="1" lang="en-US" altLang="ja-JP" dirty="0"/>
+          </a:p>
+          <a:p>
+            <a:pPr lvl="2"/>
+            <a:r>
+              <a:rPr kumimoji="1" lang="ja-JP" altLang="en-US" dirty="0"/>
+              <a:t>通常はなるべく遠い未来のアドレスを予測してプリフェッチ</a:t>
+            </a:r>
+            <a:endParaRPr kumimoji="1" lang="en-US" altLang="ja-JP" dirty="0"/>
+          </a:p>
+          <a:p>
+            <a:r>
+              <a:rPr kumimoji="1" lang="ja-JP" altLang="en-US" dirty="0"/>
+              <a:t>課題：早すぎるプリフェッチ</a:t>
+            </a:r>
+            <a:endParaRPr kumimoji="1" lang="en-US" altLang="ja-JP" dirty="0"/>
           </a:p>
           <a:p>
             <a:pPr lvl="1"/>
             <a:r>
-              <a:rPr lang="en-US" altLang="ja-JP" dirty="0"/>
-              <a:t>RISC-V </a:t>
-            </a:r>
-            <a:r>
-              <a:rPr lang="ja-JP" altLang="en-US" dirty="0"/>
-              <a:t>ベクトル拡張などの形で実装されている </a:t>
-            </a:r>
-            <a:endParaRPr lang="en-US" altLang="ja-JP" dirty="0"/>
-          </a:p>
-          <a:p>
-            <a:r>
-              <a:rPr lang="ja-JP" altLang="en-US" dirty="0"/>
-              <a:t>課題：ベクトル命令の実装コスト </a:t>
-            </a:r>
-            <a:endParaRPr lang="en-US" altLang="ja-JP" dirty="0"/>
+              <a:rPr kumimoji="1" lang="ja-JP" altLang="en-US" dirty="0"/>
+              <a:t>早すぎると使用される前にキャッシュから追い出される</a:t>
+            </a:r>
+            <a:endParaRPr kumimoji="1" lang="en-US" altLang="ja-JP" dirty="0"/>
           </a:p>
           <a:p>
             <a:pPr lvl="1"/>
             <a:r>
-              <a:rPr lang="ja-JP" altLang="en-US" dirty="0"/>
-              <a:t>ベクトル命令では１つの命令が多数のアクセスを発生させる</a:t>
-            </a:r>
-            <a:endParaRPr lang="en-US" altLang="ja-JP" dirty="0"/>
+              <a:rPr kumimoji="1" lang="ja-JP" altLang="en-US" dirty="0"/>
+              <a:t>これにより性能向上の機会が大きく失われている</a:t>
+            </a:r>
+            <a:endParaRPr kumimoji="1" lang="en-US" altLang="ja-JP" dirty="0"/>
+          </a:p>
+          <a:p>
+            <a:r>
+              <a:rPr kumimoji="1" lang="ja-JP" altLang="en-US" dirty="0"/>
+              <a:t>提案：プリフェッチを遅らせる</a:t>
+            </a:r>
+            <a:endParaRPr kumimoji="1" lang="en-US" altLang="ja-JP" dirty="0"/>
           </a:p>
           <a:p>
             <a:pPr lvl="1"/>
             <a:r>
-              <a:rPr lang="ja-JP" altLang="en-US" dirty="0"/>
-              <a:t>従来の作り方で </a:t>
-            </a:r>
-            <a:r>
-              <a:rPr lang="en-US" altLang="ja-JP" dirty="0"/>
-              <a:t>out-of-order </a:t>
-            </a:r>
-            <a:r>
-              <a:rPr lang="ja-JP" altLang="en-US" dirty="0"/>
-              <a:t>プロセッサ上に実装すると，複雑さが爆発する </a:t>
-            </a:r>
-            <a:endParaRPr lang="en-US" altLang="ja-JP" dirty="0"/>
-          </a:p>
-          <a:p>
-            <a:r>
-              <a:rPr lang="ja-JP" altLang="en-US" dirty="0"/>
-              <a:t>提案：ベクトル命令の実装の複雑さを下げる </a:t>
-            </a:r>
-            <a:br>
-              <a:rPr lang="ja-JP" altLang="en-US" dirty="0"/>
-            </a:br>
-            <a:endParaRPr kumimoji="1" lang="ja-JP" altLang="en-US" dirty="0"/>
+              <a:rPr kumimoji="1" lang="ja-JP" altLang="en-US" dirty="0"/>
+              <a:t>データが参照されるタイミングまであえて遅らせる</a:t>
+            </a:r>
+            <a:endParaRPr kumimoji="1" lang="en-US" altLang="ja-JP" dirty="0"/>
           </a:p>
         </p:txBody>
       </p:sp>
     </p:spTree>
     <p:extLst>
       <p:ext uri="{BB962C8B-B14F-4D97-AF65-F5344CB8AC3E}">
-        <p14:creationId xmlns:p14="http://schemas.microsoft.com/office/powerpoint/2010/main" val="217282455"/>
+        <p14:creationId xmlns:p14="http://schemas.microsoft.com/office/powerpoint/2010/main" val="614302534"/>
       </p:ext>
     </p:extLst>
   </p:cSld>
@@ -3729,7 +3745,7 @@
           <p:cNvPr id="2" name="タイトル 1">
             <a:extLst>
               <a:ext uri="{FF2B5EF4-FFF2-40B4-BE49-F238E27FC236}">
-                <a16:creationId xmlns:a16="http://schemas.microsoft.com/office/drawing/2014/main" id="{51BE99DC-6509-D745-923D-01B9E613F224}"/>
+                <a16:creationId xmlns:a16="http://schemas.microsoft.com/office/drawing/2014/main" id="{48EBA81F-A6DD-0466-EAE8-DED8906E9E0C}"/>
               </a:ext>
             </a:extLst>
           </p:cNvPr>
@@ -3746,17 +3762,25 @@
           <a:lstStyle/>
           <a:p>
             <a:r>
-              <a:rPr kumimoji="1" lang="ja-JP" altLang="en-US" dirty="0"/>
-              <a:t>例４：出川くんの </a:t>
-            </a:r>
-            <a:r>
-              <a:rPr kumimoji="1" lang="en-US" altLang="ja-JP" dirty="0"/>
-              <a:t>ICCD = </a:t>
-            </a:r>
-            <a:r>
-              <a:rPr kumimoji="1" lang="ja-JP" altLang="en-US" dirty="0"/>
+              <a:rPr lang="ja-JP" altLang="en-US" dirty="0"/>
+              <a:t>例３：木村さんの輪講 </a:t>
+            </a:r>
+            <a:r>
+              <a:rPr lang="en-US" altLang="ja-JP" dirty="0"/>
+              <a:t>= </a:t>
+            </a:r>
+            <a:r>
+              <a:rPr lang="ja-JP" altLang="en-US" dirty="0"/>
               <a:t>既存手法がないパターン</a:t>
             </a:r>
+            <a:br>
+              <a:rPr lang="en-US" altLang="ja-JP" dirty="0"/>
+            </a:br>
+            <a:r>
+              <a:rPr lang="ja-JP" altLang="en-US" sz="1800" dirty="0"/>
+              <a:t>（輪講なので具体的なアイデアがまだない事に注意）</a:t>
+            </a:r>
+            <a:endParaRPr kumimoji="1" lang="ja-JP" altLang="en-US" sz="1800" dirty="0"/>
           </a:p>
         </p:txBody>
       </p:sp>
@@ -3765,7 +3789,7 @@
           <p:cNvPr id="3" name="テキスト プレースホルダー 2">
             <a:extLst>
               <a:ext uri="{FF2B5EF4-FFF2-40B4-BE49-F238E27FC236}">
-                <a16:creationId xmlns:a16="http://schemas.microsoft.com/office/drawing/2014/main" id="{ED93E0D1-8160-8125-E3C9-AED3AEC7F3C7}"/>
+                <a16:creationId xmlns:a16="http://schemas.microsoft.com/office/drawing/2014/main" id="{3FEEAC1E-C94E-1099-5C11-AF237D70AFA5}"/>
               </a:ext>
             </a:extLst>
           </p:cNvPr>
@@ -3782,86 +3806,86 @@
           <a:lstStyle/>
           <a:p>
             <a:r>
-              <a:rPr kumimoji="1" lang="ja-JP" altLang="en-US" sz="1800" dirty="0"/>
-              <a:t>背景：命令キャッシュ・ミス数を使った性能の見積もり</a:t>
-            </a:r>
-            <a:endParaRPr kumimoji="1" lang="en-US" altLang="ja-JP" sz="1800" dirty="0"/>
+              <a:rPr lang="ja-JP" altLang="en-US" dirty="0"/>
+              <a:t>背景：ベクトル命令 </a:t>
+            </a:r>
+            <a:endParaRPr lang="en-US" altLang="ja-JP" dirty="0"/>
           </a:p>
           <a:p>
             <a:pPr lvl="1"/>
             <a:r>
-              <a:rPr kumimoji="1" lang="ja-JP" altLang="en-US" sz="1800" dirty="0"/>
-              <a:t>命令キャッシュに関わる研究ではミス数が主要な評価項目だった</a:t>
-            </a:r>
-            <a:endParaRPr kumimoji="1" lang="en-US" altLang="ja-JP" sz="1800" dirty="0"/>
+              <a:rPr lang="ja-JP" altLang="en-US" dirty="0"/>
+              <a:t>単一の命令で可変長の複数データを処理する命令の方式 </a:t>
+            </a:r>
+            <a:endParaRPr lang="en-US" altLang="ja-JP" dirty="0"/>
           </a:p>
           <a:p>
             <a:pPr lvl="1"/>
             <a:r>
-              <a:rPr kumimoji="1" lang="ja-JP" altLang="en-US" sz="1800" dirty="0"/>
-              <a:t>ミス数が減ると基本的には実行時間が短くなるため</a:t>
-            </a:r>
-            <a:endParaRPr kumimoji="1" lang="en-US" altLang="ja-JP" sz="1800" dirty="0"/>
-          </a:p>
-          <a:p>
-            <a:r>
-              <a:rPr kumimoji="1" lang="ja-JP" altLang="en-US" sz="1800" dirty="0"/>
-              <a:t>課題：シミュレーション時間</a:t>
-            </a:r>
-            <a:endParaRPr kumimoji="1" lang="en-US" altLang="ja-JP" sz="1800" dirty="0"/>
+              <a:rPr lang="ja-JP" altLang="en-US" dirty="0"/>
+              <a:t>データ並列性のある処理を対象 </a:t>
+            </a:r>
+            <a:endParaRPr lang="en-US" altLang="ja-JP" dirty="0"/>
           </a:p>
           <a:p>
             <a:pPr lvl="1"/>
             <a:r>
-              <a:rPr kumimoji="1" lang="ja-JP" altLang="en-US" sz="1800" dirty="0"/>
-              <a:t>現代のプロセッサではミス数と実行時間が直接相関しない</a:t>
-            </a:r>
-            <a:endParaRPr kumimoji="1" lang="en-US" altLang="ja-JP" sz="1800" dirty="0"/>
+              <a:rPr lang="en-US" altLang="ja-JP" dirty="0"/>
+              <a:t>RISC-V </a:t>
+            </a:r>
+            <a:r>
+              <a:rPr lang="ja-JP" altLang="en-US" dirty="0"/>
+              <a:t>ベクトル拡張などの形で実装されている </a:t>
+            </a:r>
+            <a:endParaRPr lang="en-US" altLang="ja-JP" dirty="0"/>
+          </a:p>
+          <a:p>
+            <a:r>
+              <a:rPr lang="ja-JP" altLang="en-US" dirty="0"/>
+              <a:t>課題：ベクトル命令の実装コスト </a:t>
+            </a:r>
+            <a:endParaRPr lang="en-US" altLang="ja-JP" dirty="0"/>
           </a:p>
           <a:p>
             <a:pPr lvl="1"/>
             <a:r>
-              <a:rPr kumimoji="1" lang="ja-JP" altLang="en-US" sz="1800" dirty="0"/>
-              <a:t>精度よい性能見積もりのためにはプロセッサ全体のシミュレーションが必要</a:t>
-            </a:r>
-            <a:endParaRPr kumimoji="1" lang="en-US" altLang="ja-JP" sz="1800" dirty="0"/>
+              <a:rPr lang="ja-JP" altLang="en-US" dirty="0"/>
+              <a:t>ベクトル命令では１つの命令が多数のアクセスを発生させる</a:t>
+            </a:r>
+            <a:endParaRPr lang="en-US" altLang="ja-JP" dirty="0"/>
           </a:p>
           <a:p>
             <a:pPr lvl="1"/>
             <a:r>
-              <a:rPr kumimoji="1" lang="ja-JP" altLang="en-US" sz="1800" dirty="0"/>
-              <a:t>しかしシミュレーションには長い時間かかる</a:t>
-            </a:r>
-            <a:endParaRPr kumimoji="1" lang="en-US" altLang="ja-JP" sz="1800" dirty="0"/>
-          </a:p>
-          <a:p>
-            <a:r>
-              <a:rPr kumimoji="1" lang="ja-JP" altLang="en-US" sz="1800" dirty="0"/>
-              <a:t>提案：命令キャッシュ・ミス数に代わる新たな指針</a:t>
-            </a:r>
-            <a:endParaRPr kumimoji="1" lang="en-US" altLang="ja-JP" sz="1800" dirty="0"/>
-          </a:p>
-          <a:p>
-            <a:pPr lvl="1"/>
-            <a:r>
-              <a:rPr kumimoji="1" lang="ja-JP" altLang="en-US" sz="1800" dirty="0"/>
-              <a:t>その指針を使った高速な性能見積もりの提案</a:t>
-            </a:r>
-            <a:endParaRPr kumimoji="1" lang="en-US" altLang="ja-JP" sz="1800" dirty="0"/>
-          </a:p>
-          <a:p>
-            <a:pPr lvl="1"/>
-            <a:r>
-              <a:rPr kumimoji="1" lang="ja-JP" altLang="en-US" sz="1800" dirty="0"/>
-              <a:t>２桁短い時間でシミュレーションとほぼ同じ精度の性能見積もりを実現</a:t>
-            </a:r>
+              <a:rPr lang="ja-JP" altLang="en-US" dirty="0"/>
+              <a:t>従来の作り方で </a:t>
+            </a:r>
+            <a:r>
+              <a:rPr lang="en-US" altLang="ja-JP" dirty="0"/>
+              <a:t>out-of-order </a:t>
+            </a:r>
+            <a:r>
+              <a:rPr lang="ja-JP" altLang="en-US" dirty="0"/>
+              <a:t>プロセッサ上に実装すると，複雑さが爆発する </a:t>
+            </a:r>
+            <a:endParaRPr lang="en-US" altLang="ja-JP" dirty="0"/>
+          </a:p>
+          <a:p>
+            <a:r>
+              <a:rPr lang="ja-JP" altLang="en-US" dirty="0"/>
+              <a:t>提案：ベクトル命令の実装の複雑さを下げる </a:t>
+            </a:r>
+            <a:br>
+              <a:rPr lang="ja-JP" altLang="en-US" dirty="0"/>
+            </a:br>
+            <a:endParaRPr kumimoji="1" lang="ja-JP" altLang="en-US" dirty="0"/>
           </a:p>
         </p:txBody>
       </p:sp>
     </p:spTree>
     <p:extLst>
       <p:ext uri="{BB962C8B-B14F-4D97-AF65-F5344CB8AC3E}">
-        <p14:creationId xmlns:p14="http://schemas.microsoft.com/office/powerpoint/2010/main" val="2676903609"/>
+        <p14:creationId xmlns:p14="http://schemas.microsoft.com/office/powerpoint/2010/main" val="217282455"/>
       </p:ext>
     </p:extLst>
   </p:cSld>
@@ -3901,7 +3925,7 @@
           <p:cNvPr id="2" name="タイトル 1">
             <a:extLst>
               <a:ext uri="{FF2B5EF4-FFF2-40B4-BE49-F238E27FC236}">
-                <a16:creationId xmlns:a16="http://schemas.microsoft.com/office/drawing/2014/main" id="{5495249E-5784-30A1-9425-0AD2EDA550D0}"/>
+                <a16:creationId xmlns:a16="http://schemas.microsoft.com/office/drawing/2014/main" id="{51BE99DC-6509-D745-923D-01B9E613F224}"/>
               </a:ext>
             </a:extLst>
           </p:cNvPr>
@@ -3919,13 +3943,16 @@
           <a:p>
             <a:r>
               <a:rPr kumimoji="1" lang="ja-JP" altLang="en-US" dirty="0"/>
-              <a:t>とりあえずこのフォーマット</a:t>
-            </a:r>
-            <a:r>
-              <a:rPr lang="ja-JP" altLang="en-US" dirty="0"/>
-              <a:t>にまとめる事を目指す</a:t>
-            </a:r>
-            <a:endParaRPr kumimoji="1" lang="ja-JP" altLang="en-US" dirty="0"/>
+              <a:t>例４：出川くんの </a:t>
+            </a:r>
+            <a:r>
+              <a:rPr kumimoji="1" lang="en-US" altLang="ja-JP" dirty="0"/>
+              <a:t>ICCD = </a:t>
+            </a:r>
+            <a:r>
+              <a:rPr kumimoji="1" lang="ja-JP" altLang="en-US" dirty="0"/>
+              <a:t>既存手法がないパターン</a:t>
+            </a:r>
           </a:p>
         </p:txBody>
       </p:sp>
@@ -3934,7 +3961,7 @@
           <p:cNvPr id="3" name="テキスト プレースホルダー 2">
             <a:extLst>
               <a:ext uri="{FF2B5EF4-FFF2-40B4-BE49-F238E27FC236}">
-                <a16:creationId xmlns:a16="http://schemas.microsoft.com/office/drawing/2014/main" id="{434C8495-CDEB-3716-81CF-61358DAF8B15}"/>
+                <a16:creationId xmlns:a16="http://schemas.microsoft.com/office/drawing/2014/main" id="{ED93E0D1-8160-8125-E3C9-AED3AEC7F3C7}"/>
               </a:ext>
             </a:extLst>
           </p:cNvPr>
@@ -3950,108 +3977,87 @@
           <a:bodyPr/>
           <a:lstStyle/>
           <a:p>
-            <a:pPr marL="457200" indent="-457200">
-              <a:buFont typeface="+mj-lt"/>
-              <a:buAutoNum type="arabicPeriod"/>
-            </a:pPr>
-            <a:r>
-              <a:rPr kumimoji="1" lang="ja-JP" altLang="en-US" dirty="0"/>
-              <a:t>背景：「～」</a:t>
-            </a:r>
-            <a:r>
-              <a:rPr kumimoji="1" lang="en-US" altLang="ja-JP" dirty="0"/>
-              <a:t>= </a:t>
-            </a:r>
-            <a:r>
-              <a:rPr kumimoji="1" lang="ja-JP" altLang="en-US" dirty="0"/>
-              <a:t>背景を一つの文ないしは名詞でまとめる</a:t>
-            </a:r>
-            <a:endParaRPr kumimoji="1" lang="en-US" altLang="ja-JP" dirty="0"/>
+            <a:r>
+              <a:rPr kumimoji="1" lang="ja-JP" altLang="en-US" sz="1800" dirty="0"/>
+              <a:t>背景：命令キャッシュ・ミス数を使った性能の見積もり</a:t>
+            </a:r>
+            <a:endParaRPr kumimoji="1" lang="en-US" altLang="ja-JP" sz="1800" dirty="0"/>
           </a:p>
           <a:p>
             <a:pPr lvl="1"/>
             <a:r>
-              <a:rPr kumimoji="1" lang="ja-JP" altLang="en-US" dirty="0"/>
-              <a:t>「～」</a:t>
-            </a:r>
-            <a:r>
-              <a:rPr lang="en-US" altLang="ja-JP" dirty="0"/>
-              <a:t>= </a:t>
-            </a:r>
-            <a:r>
-              <a:rPr kumimoji="1" lang="ja-JP" altLang="en-US" dirty="0"/>
-              <a:t>背景を説明する１つの文</a:t>
-            </a:r>
-            <a:endParaRPr kumimoji="1" lang="en-US" altLang="ja-JP" dirty="0"/>
+              <a:rPr kumimoji="1" lang="ja-JP" altLang="en-US" sz="1800" dirty="0"/>
+              <a:t>命令キャッシュに関わる研究ではミス数が主要な評価項目だった</a:t>
+            </a:r>
+            <a:endParaRPr kumimoji="1" lang="en-US" altLang="ja-JP" sz="1800" dirty="0"/>
           </a:p>
           <a:p>
             <a:pPr lvl="1"/>
             <a:r>
-              <a:rPr kumimoji="1" lang="ja-JP" altLang="en-US" dirty="0"/>
-              <a:t>「～」･･･</a:t>
-            </a:r>
-            <a:endParaRPr kumimoji="1" lang="en-US" altLang="ja-JP" dirty="0"/>
-          </a:p>
-          <a:p>
-            <a:pPr marL="457200" indent="-457200">
-              <a:buFont typeface="+mj-lt"/>
-              <a:buAutoNum type="arabicPeriod"/>
-            </a:pPr>
-            <a:r>
-              <a:rPr kumimoji="1" lang="ja-JP" altLang="en-US" dirty="0"/>
-              <a:t>課題：「～」</a:t>
-            </a:r>
-            <a:endParaRPr kumimoji="1" lang="en-US" altLang="ja-JP" dirty="0"/>
+              <a:rPr kumimoji="1" lang="ja-JP" altLang="en-US" sz="1800" dirty="0"/>
+              <a:t>ミス数が減ると基本的には実行時間が短くなるため</a:t>
+            </a:r>
+            <a:endParaRPr kumimoji="1" lang="en-US" altLang="ja-JP" sz="1800" dirty="0"/>
+          </a:p>
+          <a:p>
+            <a:r>
+              <a:rPr kumimoji="1" lang="ja-JP" altLang="en-US" sz="1800" dirty="0"/>
+              <a:t>課題：シミュレーション時間</a:t>
+            </a:r>
+            <a:endParaRPr kumimoji="1" lang="en-US" altLang="ja-JP" sz="1800" dirty="0"/>
           </a:p>
           <a:p>
             <a:pPr lvl="1"/>
             <a:r>
-              <a:rPr kumimoji="1" lang="ja-JP" altLang="en-US" dirty="0"/>
-              <a:t>「～」</a:t>
-            </a:r>
-            <a:endParaRPr kumimoji="1" lang="en-US" altLang="ja-JP" dirty="0"/>
+              <a:rPr kumimoji="1" lang="ja-JP" altLang="en-US" sz="1800" dirty="0"/>
+              <a:t>現代のプロセッサではミス数と実行時間が直接相関しない</a:t>
+            </a:r>
+            <a:endParaRPr kumimoji="1" lang="en-US" altLang="ja-JP" sz="1800" dirty="0"/>
           </a:p>
           <a:p>
             <a:pPr lvl="1"/>
             <a:r>
-              <a:rPr kumimoji="1" lang="ja-JP" altLang="en-US" dirty="0"/>
-              <a:t>「～」</a:t>
-            </a:r>
-            <a:endParaRPr kumimoji="1" lang="en-US" altLang="ja-JP" dirty="0"/>
-          </a:p>
-          <a:p>
-            <a:pPr marL="457200" indent="-457200">
-              <a:buFont typeface="+mj-lt"/>
-              <a:buAutoNum type="arabicPeriod"/>
-            </a:pPr>
-            <a:r>
-              <a:rPr kumimoji="1" lang="ja-JP" altLang="en-US" dirty="0"/>
-              <a:t>提案：「～」</a:t>
-            </a:r>
-            <a:endParaRPr kumimoji="1" lang="en-US" altLang="ja-JP" dirty="0"/>
+              <a:rPr kumimoji="1" lang="ja-JP" altLang="en-US" sz="1800" dirty="0"/>
+              <a:t>精度よい性能見積もりのためにはプロセッサ全体のシミュレーションが必要</a:t>
+            </a:r>
+            <a:endParaRPr kumimoji="1" lang="en-US" altLang="ja-JP" sz="1800" dirty="0"/>
           </a:p>
           <a:p>
             <a:pPr lvl="1"/>
             <a:r>
-              <a:rPr kumimoji="1" lang="ja-JP" altLang="en-US" dirty="0"/>
-              <a:t>「～」</a:t>
-            </a:r>
-            <a:endParaRPr kumimoji="1" lang="en-US" altLang="ja-JP" dirty="0"/>
+              <a:rPr kumimoji="1" lang="ja-JP" altLang="en-US" sz="1800" dirty="0"/>
+              <a:t>しかしシミュレーションには長い時間かかる</a:t>
+            </a:r>
+            <a:endParaRPr kumimoji="1" lang="en-US" altLang="ja-JP" sz="1800" dirty="0"/>
+          </a:p>
+          <a:p>
+            <a:r>
+              <a:rPr kumimoji="1" lang="ja-JP" altLang="en-US" sz="1800" dirty="0"/>
+              <a:t>提案：命令キャッシュ・ミス数に代わる新たな指針</a:t>
+            </a:r>
+            <a:endParaRPr kumimoji="1" lang="en-US" altLang="ja-JP" sz="1800" dirty="0"/>
           </a:p>
           <a:p>
             <a:pPr lvl="1"/>
             <a:r>
-              <a:rPr kumimoji="1" lang="ja-JP" altLang="en-US" dirty="0"/>
-              <a:t>「～」</a:t>
-            </a:r>
-            <a:endParaRPr kumimoji="1" lang="en-US" altLang="ja-JP" dirty="0"/>
+              <a:rPr kumimoji="1" lang="ja-JP" altLang="en-US" sz="1800" dirty="0"/>
+              <a:t>その指針を使った高速な性能見積もりの提案</a:t>
+            </a:r>
+            <a:endParaRPr kumimoji="1" lang="en-US" altLang="ja-JP" sz="1800" dirty="0"/>
+          </a:p>
+          <a:p>
+            <a:pPr lvl="1"/>
+            <a:r>
+              <a:rPr kumimoji="1" lang="ja-JP" altLang="en-US" sz="1800" dirty="0"/>
+              <a:t>２桁短い時間でシミュレーションとほぼ同じ精度の性能見積もりを実現</a:t>
+            </a:r>
           </a:p>
         </p:txBody>
       </p:sp>
     </p:spTree>
     <p:extLst>
       <p:ext uri="{BB962C8B-B14F-4D97-AF65-F5344CB8AC3E}">
-        <p14:creationId xmlns:p14="http://schemas.microsoft.com/office/powerpoint/2010/main" val="490123942"/>
+        <p14:creationId xmlns:p14="http://schemas.microsoft.com/office/powerpoint/2010/main" val="2676903609"/>
       </p:ext>
     </p:extLst>
   </p:cSld>
@@ -4091,7 +4097,7 @@
           <p:cNvPr id="2" name="タイトル 1">
             <a:extLst>
               <a:ext uri="{FF2B5EF4-FFF2-40B4-BE49-F238E27FC236}">
-                <a16:creationId xmlns:a16="http://schemas.microsoft.com/office/drawing/2014/main" id="{2EAFEEDE-7519-82C1-375C-36DCE07D4199}"/>
+                <a16:creationId xmlns:a16="http://schemas.microsoft.com/office/drawing/2014/main" id="{CF2EC29A-53FA-8B96-FE9A-0EF13AEC926F}"/>
               </a:ext>
             </a:extLst>
           </p:cNvPr>
@@ -4108,10 +4114,9 @@
           <a:lstStyle/>
           <a:p>
             <a:r>
-              <a:rPr lang="ja-JP" altLang="en-US" dirty="0"/>
-              <a:t>プロットを作る際の実際の手順</a:t>
-            </a:r>
-            <a:endParaRPr kumimoji="1" lang="ja-JP" altLang="en-US" dirty="0"/>
+              <a:rPr kumimoji="1" lang="ja-JP" altLang="en-US" dirty="0"/>
+              <a:t>応用：４点プロット</a:t>
+            </a:r>
           </a:p>
         </p:txBody>
       </p:sp>
@@ -4120,7 +4125,7 @@
           <p:cNvPr id="3" name="テキスト プレースホルダー 2">
             <a:extLst>
               <a:ext uri="{FF2B5EF4-FFF2-40B4-BE49-F238E27FC236}">
-                <a16:creationId xmlns:a16="http://schemas.microsoft.com/office/drawing/2014/main" id="{593C2F59-3A8A-F156-C9E0-6898AC8EE921}"/>
+                <a16:creationId xmlns:a16="http://schemas.microsoft.com/office/drawing/2014/main" id="{181521BF-22BE-74E1-30FF-6AFF99DD6C71}"/>
               </a:ext>
             </a:extLst>
           </p:cNvPr>
@@ -4138,111 +4143,70 @@
           <a:p>
             <a:r>
               <a:rPr kumimoji="1" lang="ja-JP" altLang="en-US" dirty="0"/>
-              <a:t>以下の手順で進めると，作りやすい：</a:t>
+              <a:t>洞察を加えた４点プロットの形でもよい</a:t>
             </a:r>
             <a:endParaRPr kumimoji="1" lang="en-US" altLang="ja-JP" dirty="0"/>
           </a:p>
           <a:p>
-            <a:pPr marL="817200" lvl="1" indent="-457200">
-              <a:buFont typeface="+mj-lt"/>
-              <a:buAutoNum type="arabicPeriod"/>
-            </a:pPr>
-            <a:r>
-              <a:rPr kumimoji="1" lang="ja-JP" altLang="en-US" dirty="0"/>
-              <a:t>まずは思いつく関連しそうな項目をたくさん書き出してみる</a:t>
+            <a:pPr lvl="1"/>
+            <a:r>
+              <a:rPr kumimoji="1" lang="ja-JP" altLang="en-US" dirty="0"/>
+              <a:t>背景</a:t>
             </a:r>
             <a:endParaRPr kumimoji="1" lang="en-US" altLang="ja-JP" dirty="0"/>
           </a:p>
           <a:p>
+            <a:pPr lvl="1"/>
+            <a:r>
+              <a:rPr kumimoji="1" lang="ja-JP" altLang="en-US" dirty="0"/>
+              <a:t>課題</a:t>
+            </a:r>
+            <a:endParaRPr kumimoji="1" lang="en-US" altLang="ja-JP" dirty="0"/>
+          </a:p>
+          <a:p>
+            <a:pPr lvl="1"/>
+            <a:r>
+              <a:rPr kumimoji="1" lang="ja-JP" altLang="en-US" dirty="0"/>
+              <a:t>洞察</a:t>
+            </a:r>
+            <a:endParaRPr kumimoji="1" lang="en-US" altLang="ja-JP" dirty="0"/>
+          </a:p>
+          <a:p>
             <a:pPr lvl="2"/>
             <a:r>
               <a:rPr kumimoji="1" lang="ja-JP" altLang="en-US" dirty="0"/>
-              <a:t>名詞や短文の形にして並べてみる</a:t>
+              <a:t>課題に対する新しい観察結果や，課題の核心の新しい解釈など</a:t>
             </a:r>
             <a:endParaRPr kumimoji="1" lang="en-US" altLang="ja-JP" dirty="0"/>
           </a:p>
           <a:p>
-            <a:pPr marL="817200" lvl="1" indent="-457200">
-              <a:buFont typeface="+mj-lt"/>
-              <a:buAutoNum type="arabicPeriod"/>
-            </a:pPr>
-            <a:r>
-              <a:rPr lang="ja-JP" altLang="en-US" dirty="0"/>
-              <a:t>各項目を整理</a:t>
-            </a:r>
-            <a:endParaRPr lang="en-US" altLang="ja-JP" dirty="0"/>
-          </a:p>
-          <a:p>
-            <a:pPr marL="1177200" lvl="2" indent="-457200">
-              <a:buFont typeface="+mj-lt"/>
-              <a:buAutoNum type="arabicPeriod"/>
-            </a:pPr>
-            <a:r>
-              <a:rPr kumimoji="1" lang="ja-JP" altLang="en-US" dirty="0"/>
-              <a:t>関係する項目同士をくくって親子にまとめる</a:t>
+            <a:pPr lvl="1"/>
+            <a:r>
+              <a:rPr kumimoji="1" lang="ja-JP" altLang="en-US" dirty="0"/>
+              <a:t>提案</a:t>
             </a:r>
             <a:endParaRPr kumimoji="1" lang="en-US" altLang="ja-JP" dirty="0"/>
           </a:p>
           <a:p>
-            <a:pPr lvl="3"/>
-            <a:r>
-              <a:rPr lang="ja-JP" altLang="en-US" dirty="0"/>
-              <a:t>まとめた項目を一言で表したまとめの短文（親）を作る</a:t>
-            </a:r>
-            <a:endParaRPr lang="en-US" altLang="ja-JP" dirty="0"/>
-          </a:p>
-          <a:p>
-            <a:pPr lvl="3"/>
-            <a:r>
-              <a:rPr lang="ja-JP" altLang="en-US" dirty="0"/>
-              <a:t>まとめの短文の下に子項目としてインデントして置く</a:t>
-            </a:r>
-            <a:endParaRPr lang="en-US" altLang="ja-JP" dirty="0"/>
-          </a:p>
-          <a:p>
-            <a:pPr marL="1177200" lvl="2" indent="-457200">
-              <a:buFont typeface="+mj-lt"/>
-              <a:buAutoNum type="arabicPeriod"/>
-            </a:pPr>
-            <a:r>
-              <a:rPr kumimoji="1" lang="ja-JP" altLang="en-US" dirty="0"/>
-              <a:t>内容が冗長なものをマージしたり削除する</a:t>
+            <a:r>
+              <a:rPr kumimoji="1" lang="ja-JP" altLang="en-US" dirty="0"/>
+              <a:t>洞察は課題や提案の下にぶら下がることもある</a:t>
             </a:r>
             <a:endParaRPr kumimoji="1" lang="en-US" altLang="ja-JP" dirty="0"/>
           </a:p>
           <a:p>
-            <a:pPr marL="817200" lvl="1" indent="-457200">
-              <a:buFont typeface="+mj-lt"/>
-              <a:buAutoNum type="arabicPeriod"/>
-            </a:pPr>
-            <a:r>
-              <a:rPr kumimoji="1" lang="ja-JP" altLang="en-US" dirty="0"/>
-              <a:t>ある程度まとまったら，それらを背景，課題，提案に分類する</a:t>
-            </a:r>
-            <a:endParaRPr kumimoji="1" lang="en-US" altLang="ja-JP" dirty="0"/>
-          </a:p>
-          <a:p>
-            <a:pPr lvl="2"/>
-            <a:r>
-              <a:rPr lang="ja-JP" altLang="en-US" dirty="0"/>
-              <a:t>このとき，次のページで説明する関連を意識する</a:t>
-            </a:r>
-            <a:endParaRPr lang="en-US" altLang="ja-JP" dirty="0"/>
-          </a:p>
-          <a:p>
-            <a:pPr lvl="2"/>
-            <a:r>
-              <a:rPr lang="ja-JP" altLang="en-US" dirty="0"/>
-              <a:t>うまく分類して関係を説明できない時は，本質的に関係ない可能性がある</a:t>
-            </a:r>
-            <a:endParaRPr lang="en-US" altLang="ja-JP" dirty="0"/>
+            <a:pPr lvl="1"/>
+            <a:r>
+              <a:rPr kumimoji="1" lang="ja-JP" altLang="en-US" dirty="0"/>
+              <a:t>小泉くんの例での「早すぎるプリフェッチ」は洞察でもある</a:t>
+            </a:r>
           </a:p>
         </p:txBody>
       </p:sp>
     </p:spTree>
     <p:extLst>
       <p:ext uri="{BB962C8B-B14F-4D97-AF65-F5344CB8AC3E}">
-        <p14:creationId xmlns:p14="http://schemas.microsoft.com/office/powerpoint/2010/main" val="2082905723"/>
+        <p14:creationId xmlns:p14="http://schemas.microsoft.com/office/powerpoint/2010/main" val="1477190036"/>
       </p:ext>
     </p:extLst>
   </p:cSld>
@@ -4279,10 +4243,10 @@
       </p:grpSpPr>
       <p:sp>
         <p:nvSpPr>
-          <p:cNvPr id="2" name="タイトル 1">
-            <a:extLst>
-              <a:ext uri="{FF2B5EF4-FFF2-40B4-BE49-F238E27FC236}">
-                <a16:creationId xmlns:a16="http://schemas.microsoft.com/office/drawing/2014/main" id="{0D8148F9-96F5-47D8-BABC-0992A5317442}"/>
+          <p:cNvPr id="6" name="タイトル 5">
+            <a:extLst>
+              <a:ext uri="{FF2B5EF4-FFF2-40B4-BE49-F238E27FC236}">
+                <a16:creationId xmlns:a16="http://schemas.microsoft.com/office/drawing/2014/main" id="{0C5C5263-A46C-250C-79B4-37EF4633D8AE}"/>
               </a:ext>
             </a:extLst>
           </p:cNvPr>
@@ -4300,17 +4264,17 @@
           <a:p>
             <a:r>
               <a:rPr kumimoji="1" lang="ja-JP" altLang="en-US" dirty="0"/>
-              <a:t>項目間の関係</a:t>
-            </a:r>
-          </a:p>
-        </p:txBody>
-      </p:sp>
-      <p:sp>
-        <p:nvSpPr>
-          <p:cNvPr id="3" name="テキスト プレースホルダー 2">
-            <a:extLst>
-              <a:ext uri="{FF2B5EF4-FFF2-40B4-BE49-F238E27FC236}">
-                <a16:creationId xmlns:a16="http://schemas.microsoft.com/office/drawing/2014/main" id="{F99D6A1E-A2D8-5CC6-FE5C-A06B02DCAF52}"/>
+              <a:t>３点プロットの目次</a:t>
+            </a:r>
+          </a:p>
+        </p:txBody>
+      </p:sp>
+      <p:sp>
+        <p:nvSpPr>
+          <p:cNvPr id="7" name="テキスト プレースホルダー 6">
+            <a:extLst>
+              <a:ext uri="{FF2B5EF4-FFF2-40B4-BE49-F238E27FC236}">
+                <a16:creationId xmlns:a16="http://schemas.microsoft.com/office/drawing/2014/main" id="{12EFEECB-8119-A100-9FB5-F471FDE43EF4}"/>
               </a:ext>
             </a:extLst>
           </p:cNvPr>
@@ -4326,11 +4290,26 @@
           <a:bodyPr/>
           <a:lstStyle/>
           <a:p>
-            <a:r>
-              <a:rPr kumimoji="1" lang="ja-JP" altLang="en-US" dirty="0"/>
-              <a:t>「課題」に書く内容は，「背景」で提示した問題に対応させる</a:t>
+            <a:pPr marL="457200" indent="-457200">
+              <a:buFont typeface="+mj-lt"/>
+              <a:buAutoNum type="arabicPeriod"/>
+            </a:pPr>
+            <a:r>
+              <a:rPr kumimoji="1" lang="ja-JP" altLang="en-US" dirty="0"/>
+              <a:t>３点プロットとは</a:t>
             </a:r>
             <a:endParaRPr kumimoji="1" lang="en-US" altLang="ja-JP" dirty="0"/>
+          </a:p>
+          <a:p>
+            <a:pPr marL="457200" indent="-457200">
+              <a:buFont typeface="+mj-lt"/>
+              <a:buAutoNum type="arabicPeriod"/>
+            </a:pPr>
+            <a:r>
+              <a:rPr kumimoji="1" lang="ja-JP" altLang="en-US" b="1" dirty="0"/>
+              <a:t>作り方</a:t>
+            </a:r>
+            <a:endParaRPr kumimoji="1" lang="en-US" altLang="ja-JP" b="1" dirty="0"/>
           </a:p>
           <a:p>
             <a:pPr marL="817200" lvl="1" indent="-457200">
@@ -4339,15 +4318,7 @@
             </a:pPr>
             <a:r>
               <a:rPr kumimoji="1" lang="ja-JP" altLang="en-US" dirty="0"/>
-              <a:t>「背景」で提示した問題を解決する</a:t>
-            </a:r>
-            <a:endParaRPr kumimoji="1" lang="en-US" altLang="ja-JP" dirty="0"/>
-          </a:p>
-          <a:p>
-            <a:pPr lvl="2"/>
-            <a:r>
-              <a:rPr kumimoji="1" lang="ja-JP" altLang="en-US" dirty="0"/>
-              <a:t>既存手法がある場合，基本的にはこの形になる</a:t>
+              <a:t>内容のまとめかた</a:t>
             </a:r>
             <a:endParaRPr kumimoji="1" lang="en-US" altLang="ja-JP" dirty="0"/>
           </a:p>
@@ -4358,70 +4329,61 @@
             </a:pPr>
             <a:r>
               <a:rPr kumimoji="1" lang="ja-JP" altLang="en-US" dirty="0"/>
-              <a:t>「背景」の特定の問題に着目して掘り下げる</a:t>
+              <a:t>箇条書きを作る上での形式的なポイント</a:t>
             </a:r>
             <a:endParaRPr kumimoji="1" lang="en-US" altLang="ja-JP" dirty="0"/>
           </a:p>
           <a:p>
-            <a:pPr lvl="2"/>
-            <a:r>
-              <a:rPr kumimoji="1" lang="ja-JP" altLang="en-US" dirty="0"/>
-              <a:t>特に既存手法がない場合，こちらになることもある</a:t>
-            </a:r>
-            <a:endParaRPr kumimoji="1" lang="en-US" altLang="ja-JP" dirty="0"/>
-          </a:p>
-          <a:p>
-            <a:r>
-              <a:rPr kumimoji="1" lang="ja-JP" altLang="en-US" dirty="0"/>
-              <a:t>「提案」では，「背景」と「課題」で提示した問題に対応させる</a:t>
-            </a:r>
-            <a:endParaRPr kumimoji="1" lang="en-US" altLang="ja-JP" dirty="0"/>
-          </a:p>
-          <a:p>
-            <a:pPr lvl="1"/>
-            <a:r>
-              <a:rPr kumimoji="1" lang="ja-JP" altLang="en-US" dirty="0"/>
-              <a:t>基本的には「課題」で提示した問題を解決する方法を書く</a:t>
-            </a:r>
-            <a:endParaRPr kumimoji="1" lang="en-US" altLang="ja-JP" dirty="0"/>
-          </a:p>
-          <a:p>
-            <a:pPr lvl="1"/>
-            <a:r>
-              <a:rPr kumimoji="1" lang="ja-JP" altLang="en-US" dirty="0"/>
-              <a:t>そうすれば，普通は自然と「背景」の問題にも対応する</a:t>
-            </a:r>
-            <a:endParaRPr kumimoji="1" lang="en-US" altLang="ja-JP" dirty="0"/>
-          </a:p>
-          <a:p>
-            <a:r>
-              <a:rPr kumimoji="1" lang="ja-JP" altLang="en-US" dirty="0">
-                <a:solidFill>
-                  <a:schemeClr val="accent5"/>
-                </a:solidFill>
-              </a:rPr>
-              <a:t>「背景→課題→提案」の流れが明確にわかるようにする</a:t>
-            </a:r>
-            <a:endParaRPr kumimoji="1" lang="en-US" altLang="ja-JP" dirty="0">
-              <a:solidFill>
-                <a:schemeClr val="accent5"/>
-              </a:solidFill>
-            </a:endParaRPr>
-          </a:p>
-          <a:p>
-            <a:pPr lvl="1"/>
-            <a:r>
-              <a:rPr kumimoji="1" lang="ja-JP" altLang="en-US" dirty="0"/>
-              <a:t>これらに直接つながらない事は，入れてはいけない</a:t>
-            </a:r>
-            <a:endParaRPr kumimoji="1" lang="en-US" altLang="ja-JP" dirty="0"/>
+            <a:pPr marL="457200" indent="-457200">
+              <a:buFont typeface="+mj-lt"/>
+              <a:buAutoNum type="arabicPeriod"/>
+            </a:pPr>
+            <a:r>
+              <a:rPr kumimoji="1" lang="ja-JP" altLang="en-US" dirty="0"/>
+              <a:t>チェック・リスト</a:t>
+            </a:r>
+          </a:p>
+        </p:txBody>
+      </p:sp>
+      <p:sp>
+        <p:nvSpPr>
+          <p:cNvPr id="2" name="スライド番号プレースホルダー 1">
+            <a:extLst>
+              <a:ext uri="{FF2B5EF4-FFF2-40B4-BE49-F238E27FC236}">
+                <a16:creationId xmlns:a16="http://schemas.microsoft.com/office/drawing/2014/main" id="{3AF4B82F-B507-C1B8-5907-D46C3C503B6B}"/>
+              </a:ext>
+            </a:extLst>
+          </p:cNvPr>
+          <p:cNvSpPr>
+            <a:spLocks noGrp="1"/>
+          </p:cNvSpPr>
+          <p:nvPr>
+            <p:ph type="sldNum" sz="quarter" idx="4294967295"/>
+          </p:nvPr>
+        </p:nvSpPr>
+        <p:spPr>
+          <a:xfrm>
+            <a:off x="8531225" y="6308725"/>
+            <a:ext cx="612775" cy="549275"/>
+          </a:xfrm>
+        </p:spPr>
+        <p:txBody>
+          <a:bodyPr/>
+          <a:lstStyle/>
+          <a:p>
+            <a:fld id="{D2D8002D-B5B0-4BAC-B1F6-782DDCCE6D9C}" type="slidenum">
+              <a:rPr kumimoji="1" lang="ja-JP" altLang="en-US" smtClean="0"/>
+              <a:pPr/>
+              <a:t>15</a:t>
+            </a:fld>
+            <a:endParaRPr kumimoji="1" lang="ja-JP" altLang="en-US"/>
           </a:p>
         </p:txBody>
       </p:sp>
     </p:spTree>
     <p:extLst>
       <p:ext uri="{BB962C8B-B14F-4D97-AF65-F5344CB8AC3E}">
-        <p14:creationId xmlns:p14="http://schemas.microsoft.com/office/powerpoint/2010/main" val="2670373046"/>
+        <p14:creationId xmlns:p14="http://schemas.microsoft.com/office/powerpoint/2010/main" val="1183582949"/>
       </p:ext>
     </p:extLst>
   </p:cSld>
@@ -4461,7 +4423,7 @@
           <p:cNvPr id="2" name="タイトル 1">
             <a:extLst>
               <a:ext uri="{FF2B5EF4-FFF2-40B4-BE49-F238E27FC236}">
-                <a16:creationId xmlns:a16="http://schemas.microsoft.com/office/drawing/2014/main" id="{5DE9EB6D-DB2F-3B8D-2437-AD77ADB2FF9E}"/>
+                <a16:creationId xmlns:a16="http://schemas.microsoft.com/office/drawing/2014/main" id="{5495249E-5784-30A1-9425-0AD2EDA550D0}"/>
               </a:ext>
             </a:extLst>
           </p:cNvPr>
@@ -4479,8 +4441,13 @@
           <a:p>
             <a:r>
               <a:rPr kumimoji="1" lang="ja-JP" altLang="en-US" dirty="0"/>
-              <a:t>箇条書きを作る際の形式上の注意</a:t>
-            </a:r>
+              <a:t>このフォーマット</a:t>
+            </a:r>
+            <a:r>
+              <a:rPr lang="ja-JP" altLang="en-US" dirty="0"/>
+              <a:t>にまとめる事を目指す</a:t>
+            </a:r>
+            <a:endParaRPr kumimoji="1" lang="ja-JP" altLang="en-US" dirty="0"/>
           </a:p>
         </p:txBody>
       </p:sp>
@@ -4489,7 +4456,7 @@
           <p:cNvPr id="3" name="テキスト プレースホルダー 2">
             <a:extLst>
               <a:ext uri="{FF2B5EF4-FFF2-40B4-BE49-F238E27FC236}">
-                <a16:creationId xmlns:a16="http://schemas.microsoft.com/office/drawing/2014/main" id="{18D77FC6-6ACE-F5A6-179B-013437541EA6}"/>
+                <a16:creationId xmlns:a16="http://schemas.microsoft.com/office/drawing/2014/main" id="{434C8495-CDEB-3716-81CF-61358DAF8B15}"/>
               </a:ext>
             </a:extLst>
           </p:cNvPr>
@@ -4505,25 +4472,37 @@
           <a:bodyPr/>
           <a:lstStyle/>
           <a:p>
-            <a:r>
-              <a:rPr kumimoji="1" lang="ja-JP" altLang="en-US" dirty="0">
-                <a:solidFill>
-                  <a:schemeClr val="accent5"/>
-                </a:solidFill>
-              </a:rPr>
-              <a:t>複文を使うのは原則禁止</a:t>
-            </a:r>
-            <a:endParaRPr kumimoji="1" lang="en-US" altLang="ja-JP" dirty="0">
-              <a:solidFill>
-                <a:schemeClr val="accent5"/>
-              </a:solidFill>
-            </a:endParaRPr>
+            <a:pPr marL="457200" indent="-457200">
+              <a:buFont typeface="+mj-lt"/>
+              <a:buAutoNum type="arabicPeriod"/>
+            </a:pPr>
+            <a:r>
+              <a:rPr kumimoji="1" lang="ja-JP" altLang="en-US" dirty="0"/>
+              <a:t>背景：「～」</a:t>
+            </a:r>
+            <a:r>
+              <a:rPr kumimoji="1" lang="en-US" altLang="ja-JP" dirty="0"/>
+              <a:t>= </a:t>
+            </a:r>
+            <a:r>
+              <a:rPr kumimoji="1" lang="ja-JP" altLang="en-US" dirty="0"/>
+              <a:t>背景を一つの文ないしは名詞でまとめる</a:t>
+            </a:r>
+            <a:endParaRPr kumimoji="1" lang="en-US" altLang="ja-JP" dirty="0"/>
           </a:p>
           <a:p>
             <a:pPr lvl="1"/>
             <a:r>
               <a:rPr kumimoji="1" lang="ja-JP" altLang="en-US" dirty="0"/>
-              <a:t>複数の文を繋げて１つの文にしてしまうと，関係が良くわからなくなりがち</a:t>
+              <a:t>「～」</a:t>
+            </a:r>
+            <a:r>
+              <a:rPr lang="en-US" altLang="ja-JP" dirty="0"/>
+              <a:t>= </a:t>
+            </a:r>
+            <a:r>
+              <a:rPr kumimoji="1" lang="ja-JP" altLang="en-US" dirty="0"/>
+              <a:t>背景を説明する１つの文</a:t>
             </a:r>
             <a:endParaRPr kumimoji="1" lang="en-US" altLang="ja-JP" dirty="0"/>
           </a:p>
@@ -4531,61 +4510,61 @@
             <a:pPr lvl="1"/>
             <a:r>
               <a:rPr kumimoji="1" lang="ja-JP" altLang="en-US" dirty="0"/>
-              <a:t>最初は単文のみで作る</a:t>
+              <a:t>「～」･･･</a:t>
             </a:r>
             <a:endParaRPr kumimoji="1" lang="en-US" altLang="ja-JP" dirty="0"/>
           </a:p>
           <a:p>
-            <a:pPr lvl="2"/>
-            <a:r>
-              <a:rPr kumimoji="1" lang="ja-JP" altLang="en-US" dirty="0"/>
-              <a:t>どうしても複文を入れる場合は，１行に収まる長さまで</a:t>
+            <a:pPr marL="457200" indent="-457200">
+              <a:buFont typeface="+mj-lt"/>
+              <a:buAutoNum type="arabicPeriod"/>
+            </a:pPr>
+            <a:r>
+              <a:rPr kumimoji="1" lang="ja-JP" altLang="en-US" dirty="0"/>
+              <a:t>課題：「～」</a:t>
             </a:r>
             <a:endParaRPr kumimoji="1" lang="en-US" altLang="ja-JP" dirty="0"/>
           </a:p>
           <a:p>
-            <a:pPr lvl="2"/>
-            <a:r>
-              <a:rPr kumimoji="1" lang="ja-JP" altLang="en-US" dirty="0"/>
-              <a:t>３文以上からなる複文は常に禁止</a:t>
+            <a:pPr lvl="1"/>
+            <a:r>
+              <a:rPr kumimoji="1" lang="ja-JP" altLang="en-US" dirty="0"/>
+              <a:t>「～」</a:t>
             </a:r>
             <a:endParaRPr kumimoji="1" lang="en-US" altLang="ja-JP" dirty="0"/>
           </a:p>
           <a:p>
-            <a:r>
-              <a:rPr kumimoji="1" lang="ja-JP" altLang="en-US" dirty="0"/>
-              <a:t>同様の理由により，長い修飾節を持った文も使わない</a:t>
+            <a:pPr lvl="1"/>
+            <a:r>
+              <a:rPr kumimoji="1" lang="ja-JP" altLang="en-US" dirty="0"/>
+              <a:t>「～」</a:t>
             </a:r>
             <a:endParaRPr kumimoji="1" lang="en-US" altLang="ja-JP" dirty="0"/>
           </a:p>
           <a:p>
+            <a:pPr marL="457200" indent="-457200">
+              <a:buFont typeface="+mj-lt"/>
+              <a:buAutoNum type="arabicPeriod"/>
+            </a:pPr>
+            <a:r>
+              <a:rPr kumimoji="1" lang="ja-JP" altLang="en-US" dirty="0"/>
+              <a:t>提案：「～」</a:t>
+            </a:r>
+            <a:endParaRPr kumimoji="1" lang="en-US" altLang="ja-JP" dirty="0"/>
+          </a:p>
+          <a:p>
             <a:pPr lvl="1"/>
             <a:r>
               <a:rPr kumimoji="1" lang="ja-JP" altLang="en-US" dirty="0"/>
-              <a:t>長くなってしまう場合は，インデントをしてぶら下げると良い</a:t>
+              <a:t>「～」</a:t>
             </a:r>
             <a:endParaRPr kumimoji="1" lang="en-US" altLang="ja-JP" dirty="0"/>
           </a:p>
           <a:p>
-            <a:r>
-              <a:rPr kumimoji="1" lang="ja-JP" altLang="en-US" dirty="0"/>
-              <a:t>一つの項目にぶら下げる項目は３つまで</a:t>
-            </a:r>
-            <a:endParaRPr kumimoji="1" lang="en-US" altLang="ja-JP" dirty="0"/>
-          </a:p>
-          <a:p>
             <a:pPr lvl="1"/>
             <a:r>
               <a:rPr kumimoji="1" lang="ja-JP" altLang="en-US" dirty="0"/>
-              <a:t>４つ以上の項目が同じレベルに並んでいる場合は，それらをインデントにまとめる</a:t>
-            </a:r>
-            <a:endParaRPr kumimoji="1" lang="en-US" altLang="ja-JP" dirty="0"/>
-          </a:p>
-          <a:p>
-            <a:pPr lvl="1"/>
-            <a:r>
-              <a:rPr kumimoji="1" lang="ja-JP" altLang="en-US" dirty="0"/>
-              <a:t>３つより多いと関係が曖昧になる</a:t>
+              <a:t>「～」</a:t>
             </a:r>
             <a:endParaRPr kumimoji="1" lang="en-US" altLang="ja-JP" dirty="0"/>
           </a:p>
@@ -4594,7 +4573,7 @@
     </p:spTree>
     <p:extLst>
       <p:ext uri="{BB962C8B-B14F-4D97-AF65-F5344CB8AC3E}">
-        <p14:creationId xmlns:p14="http://schemas.microsoft.com/office/powerpoint/2010/main" val="2930707725"/>
+        <p14:creationId xmlns:p14="http://schemas.microsoft.com/office/powerpoint/2010/main" val="490123942"/>
       </p:ext>
     </p:extLst>
   </p:cSld>
@@ -4634,7 +4613,7 @@
           <p:cNvPr id="2" name="タイトル 1">
             <a:extLst>
               <a:ext uri="{FF2B5EF4-FFF2-40B4-BE49-F238E27FC236}">
-                <a16:creationId xmlns:a16="http://schemas.microsoft.com/office/drawing/2014/main" id="{CF2EC29A-53FA-8B96-FE9A-0EF13AEC926F}"/>
+                <a16:creationId xmlns:a16="http://schemas.microsoft.com/office/drawing/2014/main" id="{2EAFEEDE-7519-82C1-375C-36DCE07D4199}"/>
               </a:ext>
             </a:extLst>
           </p:cNvPr>
@@ -4652,8 +4631,9 @@
           <a:p>
             <a:r>
               <a:rPr kumimoji="1" lang="ja-JP" altLang="en-US" dirty="0"/>
-              <a:t>応用：４点プロット</a:t>
-            </a:r>
+              <a:t>以下の手順で進めると，作りやすい</a:t>
+            </a:r>
+            <a:endParaRPr kumimoji="1" lang="en-US" altLang="ja-JP" dirty="0"/>
           </a:p>
         </p:txBody>
       </p:sp>
@@ -4662,7 +4642,7 @@
           <p:cNvPr id="3" name="テキスト プレースホルダー 2">
             <a:extLst>
               <a:ext uri="{FF2B5EF4-FFF2-40B4-BE49-F238E27FC236}">
-                <a16:creationId xmlns:a16="http://schemas.microsoft.com/office/drawing/2014/main" id="{181521BF-22BE-74E1-30FF-6AFF99DD6C71}"/>
+                <a16:creationId xmlns:a16="http://schemas.microsoft.com/office/drawing/2014/main" id="{593C2F59-3A8A-F156-C9E0-6898AC8EE921}"/>
               </a:ext>
             </a:extLst>
           </p:cNvPr>
@@ -4678,9 +4658,13 @@
           <a:bodyPr/>
           <a:lstStyle/>
           <a:p>
-            <a:r>
-              <a:rPr kumimoji="1" lang="ja-JP" altLang="en-US" dirty="0"/>
-              <a:t>洞察を加えた４点プロットの形でもよい</a:t>
+            <a:pPr marL="457200" indent="-457200">
+              <a:buFont typeface="+mj-lt"/>
+              <a:buAutoNum type="arabicPeriod"/>
+            </a:pPr>
+            <a:r>
+              <a:rPr kumimoji="1" lang="ja-JP" altLang="en-US" dirty="0"/>
+              <a:t>まずは思いつく関連しそうな項目をたくさん書き出してみる</a:t>
             </a:r>
             <a:endParaRPr kumimoji="1" lang="en-US" altLang="ja-JP" dirty="0"/>
           </a:p>
@@ -4688,62 +4672,92 @@
             <a:pPr lvl="1"/>
             <a:r>
               <a:rPr kumimoji="1" lang="ja-JP" altLang="en-US" dirty="0"/>
-              <a:t>背景</a:t>
+              <a:t>名詞や短文の形にして並べてみる</a:t>
             </a:r>
             <a:endParaRPr kumimoji="1" lang="en-US" altLang="ja-JP" dirty="0"/>
           </a:p>
           <a:p>
+            <a:pPr marL="457200" indent="-457200">
+              <a:buFont typeface="+mj-lt"/>
+              <a:buAutoNum type="arabicPeriod"/>
+            </a:pPr>
+            <a:r>
+              <a:rPr lang="ja-JP" altLang="en-US" dirty="0"/>
+              <a:t>各項目を整理</a:t>
+            </a:r>
+            <a:endParaRPr lang="en-US" altLang="ja-JP" dirty="0"/>
+          </a:p>
+          <a:p>
+            <a:pPr marL="817200" lvl="1" indent="-457200">
+              <a:buFont typeface="+mj-lt"/>
+              <a:buAutoNum type="arabicPeriod"/>
+            </a:pPr>
+            <a:r>
+              <a:rPr kumimoji="1" lang="ja-JP" altLang="en-US" dirty="0"/>
+              <a:t>関係する項目同士をくくって親子にまとめる</a:t>
+            </a:r>
+            <a:endParaRPr kumimoji="1" lang="en-US" altLang="ja-JP" dirty="0"/>
+          </a:p>
+          <a:p>
+            <a:pPr lvl="2"/>
+            <a:r>
+              <a:rPr lang="ja-JP" altLang="en-US" dirty="0"/>
+              <a:t>それらを一言で表した，まとめの短文（親）を作る</a:t>
+            </a:r>
+            <a:endParaRPr lang="en-US" altLang="ja-JP" dirty="0"/>
+          </a:p>
+          <a:p>
+            <a:pPr lvl="2"/>
+            <a:r>
+              <a:rPr lang="ja-JP" altLang="en-US" dirty="0"/>
+              <a:t>親の下に，それらを子項目としてインデントして置く</a:t>
+            </a:r>
+            <a:endParaRPr lang="en-US" altLang="ja-JP" dirty="0"/>
+          </a:p>
+          <a:p>
+            <a:pPr marL="817200" lvl="1" indent="-457200">
+              <a:buFont typeface="+mj-lt"/>
+              <a:buAutoNum type="arabicPeriod"/>
+            </a:pPr>
+            <a:r>
+              <a:rPr kumimoji="1" lang="ja-JP" altLang="en-US" dirty="0"/>
+              <a:t>内容が冗長なものをマージしたり削除する</a:t>
+            </a:r>
+            <a:endParaRPr kumimoji="1" lang="en-US" altLang="ja-JP" dirty="0"/>
+          </a:p>
+          <a:p>
+            <a:pPr marL="457200" indent="-457200">
+              <a:buFont typeface="+mj-lt"/>
+              <a:buAutoNum type="arabicPeriod"/>
+            </a:pPr>
+            <a:r>
+              <a:rPr kumimoji="1" lang="ja-JP" altLang="en-US" dirty="0"/>
+              <a:t>ある程度まとまったら，それらを背景，課題，提案に分類する</a:t>
+            </a:r>
+            <a:endParaRPr kumimoji="1" lang="en-US" altLang="ja-JP" dirty="0"/>
+          </a:p>
+          <a:p>
             <a:pPr lvl="1"/>
             <a:r>
-              <a:rPr kumimoji="1" lang="ja-JP" altLang="en-US" dirty="0"/>
-              <a:t>課題</a:t>
-            </a:r>
-            <a:endParaRPr kumimoji="1" lang="en-US" altLang="ja-JP" dirty="0"/>
+              <a:rPr lang="ja-JP" altLang="en-US" dirty="0"/>
+              <a:t>このとき，次のページで説明する関連を意識する</a:t>
+            </a:r>
+            <a:endParaRPr lang="en-US" altLang="ja-JP" dirty="0"/>
           </a:p>
           <a:p>
             <a:pPr lvl="1"/>
             <a:r>
-              <a:rPr kumimoji="1" lang="ja-JP" altLang="en-US" dirty="0"/>
-              <a:t>洞察</a:t>
-            </a:r>
-            <a:endParaRPr kumimoji="1" lang="en-US" altLang="ja-JP" dirty="0"/>
-          </a:p>
-          <a:p>
-            <a:pPr lvl="2"/>
-            <a:r>
-              <a:rPr kumimoji="1" lang="ja-JP" altLang="en-US" dirty="0"/>
-              <a:t>課題に対する新しい観察結果や，課題の核心の新しい解釈など</a:t>
-            </a:r>
-            <a:endParaRPr kumimoji="1" lang="en-US" altLang="ja-JP" dirty="0"/>
-          </a:p>
-          <a:p>
-            <a:pPr lvl="1"/>
-            <a:r>
-              <a:rPr kumimoji="1" lang="ja-JP" altLang="en-US" dirty="0"/>
-              <a:t>提案</a:t>
-            </a:r>
-            <a:endParaRPr kumimoji="1" lang="en-US" altLang="ja-JP" dirty="0"/>
-          </a:p>
-          <a:p>
-            <a:r>
-              <a:rPr kumimoji="1" lang="ja-JP" altLang="en-US" dirty="0"/>
-              <a:t>洞察は課題や提案の下にぶら下がることもある</a:t>
-            </a:r>
-            <a:endParaRPr kumimoji="1" lang="en-US" altLang="ja-JP" dirty="0"/>
-          </a:p>
-          <a:p>
-            <a:pPr lvl="1"/>
-            <a:r>
-              <a:rPr kumimoji="1" lang="ja-JP" altLang="en-US" dirty="0"/>
-              <a:t>小泉くんの例での「早すぎるプリフェッチ」は洞察でもある</a:t>
-            </a:r>
+              <a:rPr lang="ja-JP" altLang="en-US" dirty="0"/>
+              <a:t>うまく分類して関係を説明できない時は，本質的に関係ない可能性がある</a:t>
+            </a:r>
+            <a:endParaRPr lang="en-US" altLang="ja-JP" dirty="0"/>
           </a:p>
         </p:txBody>
       </p:sp>
     </p:spTree>
     <p:extLst>
       <p:ext uri="{BB962C8B-B14F-4D97-AF65-F5344CB8AC3E}">
-        <p14:creationId xmlns:p14="http://schemas.microsoft.com/office/powerpoint/2010/main" val="1138083872"/>
+        <p14:creationId xmlns:p14="http://schemas.microsoft.com/office/powerpoint/2010/main" val="2082905723"/>
       </p:ext>
     </p:extLst>
   </p:cSld>
@@ -4783,7 +4797,7 @@
           <p:cNvPr id="2" name="タイトル 1">
             <a:extLst>
               <a:ext uri="{FF2B5EF4-FFF2-40B4-BE49-F238E27FC236}">
-                <a16:creationId xmlns:a16="http://schemas.microsoft.com/office/drawing/2014/main" id="{D92FA600-475B-052E-A22C-BFAB05D0AC85}"/>
+                <a16:creationId xmlns:a16="http://schemas.microsoft.com/office/drawing/2014/main" id="{0D8148F9-96F5-47D8-BABC-0992A5317442}"/>
               </a:ext>
             </a:extLst>
           </p:cNvPr>
@@ -4801,7 +4815,7 @@
           <a:p>
             <a:r>
               <a:rPr kumimoji="1" lang="ja-JP" altLang="en-US" dirty="0"/>
-              <a:t>３点プロットのチェック・リスト</a:t>
+              <a:t>項目間の関係</a:t>
             </a:r>
           </a:p>
         </p:txBody>
@@ -4811,7 +4825,7 @@
           <p:cNvPr id="3" name="テキスト プレースホルダー 2">
             <a:extLst>
               <a:ext uri="{FF2B5EF4-FFF2-40B4-BE49-F238E27FC236}">
-                <a16:creationId xmlns:a16="http://schemas.microsoft.com/office/drawing/2014/main" id="{28A94EC8-8A4B-9F54-B1F6-6E422E113E32}"/>
+                <a16:creationId xmlns:a16="http://schemas.microsoft.com/office/drawing/2014/main" id="{F99D6A1E-A2D8-5CC6-FE5C-A06B02DCAF52}"/>
               </a:ext>
             </a:extLst>
           </p:cNvPr>
@@ -4828,12 +4842,32 @@
           <a:lstStyle/>
           <a:p>
             <a:r>
-              <a:rPr kumimoji="1" lang="ja-JP" altLang="en-US" dirty="0"/>
-              <a:t>以下が満たされているかを確認：</a:t>
-            </a:r>
-            <a:br>
-              <a:rPr kumimoji="1" lang="en-US" altLang="ja-JP" dirty="0"/>
-            </a:br>
+              <a:rPr kumimoji="1" lang="ja-JP" altLang="en-US" dirty="0">
+                <a:solidFill>
+                  <a:schemeClr val="accent5"/>
+                </a:solidFill>
+              </a:rPr>
+              <a:t>「背景→課題→提案」の流れが明確にわかるようにする</a:t>
+            </a:r>
+            <a:endParaRPr kumimoji="1" lang="en-US" altLang="ja-JP" dirty="0">
+              <a:solidFill>
+                <a:schemeClr val="accent5"/>
+              </a:solidFill>
+            </a:endParaRPr>
+          </a:p>
+          <a:p>
+            <a:pPr lvl="1"/>
+            <a:r>
+              <a:rPr kumimoji="1" lang="ja-JP" altLang="en-US" dirty="0"/>
+              <a:t>これらに直接つながらない事は，入れてはいけない</a:t>
+            </a:r>
+            <a:endParaRPr kumimoji="1" lang="en-US" altLang="ja-JP" dirty="0"/>
+          </a:p>
+          <a:p>
+            <a:r>
+              <a:rPr kumimoji="1" lang="ja-JP" altLang="en-US" dirty="0"/>
+              <a:t>「課題」に書く内容は，「背景」で提示した問題に対応させる</a:t>
+            </a:r>
             <a:endParaRPr kumimoji="1" lang="en-US" altLang="ja-JP" dirty="0"/>
           </a:p>
           <a:p>
@@ -4843,7 +4877,15 @@
             </a:pPr>
             <a:r>
               <a:rPr kumimoji="1" lang="ja-JP" altLang="en-US" dirty="0"/>
-              <a:t>背景，課題，提案の３項目から成っているか？</a:t>
+              <a:t>「背景」で提示した問題を解決する </a:t>
+            </a:r>
+            <a:endParaRPr kumimoji="1" lang="en-US" altLang="ja-JP" dirty="0"/>
+          </a:p>
+          <a:p>
+            <a:pPr lvl="2"/>
+            <a:r>
+              <a:rPr kumimoji="1" lang="ja-JP" altLang="en-US" dirty="0"/>
+              <a:t>既存手法がある場合，基本的にはこの形になる</a:t>
             </a:r>
             <a:endParaRPr kumimoji="1" lang="en-US" altLang="ja-JP" dirty="0"/>
           </a:p>
@@ -4854,47 +4896,38 @@
             </a:pPr>
             <a:r>
               <a:rPr kumimoji="1" lang="ja-JP" altLang="en-US" dirty="0"/>
-              <a:t>課題は背景の問題に，提案は課題の問題に対応しているか？</a:t>
+              <a:t>ないしは，「背景」の特定の問題に着目して掘り下げる</a:t>
             </a:r>
             <a:endParaRPr kumimoji="1" lang="en-US" altLang="ja-JP" dirty="0"/>
           </a:p>
           <a:p>
-            <a:pPr marL="817200" lvl="1" indent="-457200">
-              <a:buFont typeface="+mj-lt"/>
-              <a:buAutoNum type="arabicPeriod"/>
-            </a:pPr>
+            <a:pPr lvl="2"/>
+            <a:r>
+              <a:rPr kumimoji="1" lang="ja-JP" altLang="en-US" dirty="0"/>
+              <a:t>特に既存手法がない場合，こちらになることもある</a:t>
+            </a:r>
             <a:endParaRPr kumimoji="1" lang="en-US" altLang="ja-JP" dirty="0"/>
           </a:p>
           <a:p>
-            <a:pPr marL="817200" lvl="1" indent="-457200">
-              <a:buFont typeface="+mj-lt"/>
-              <a:buAutoNum type="arabicPeriod"/>
-            </a:pPr>
-            <a:r>
-              <a:rPr kumimoji="1" lang="ja-JP" altLang="en-US" dirty="0"/>
-              <a:t>複文を含んでいないか？</a:t>
+            <a:r>
+              <a:rPr kumimoji="1" lang="ja-JP" altLang="en-US" dirty="0"/>
+              <a:t>「提案」では，「背景」と「課題」で提示した問題に対応させる</a:t>
             </a:r>
             <a:endParaRPr kumimoji="1" lang="en-US" altLang="ja-JP" dirty="0"/>
           </a:p>
           <a:p>
-            <a:pPr marL="817200" lvl="1" indent="-457200">
-              <a:buFont typeface="+mj-lt"/>
-              <a:buAutoNum type="arabicPeriod"/>
-            </a:pPr>
-            <a:r>
-              <a:rPr kumimoji="1" lang="ja-JP" altLang="en-US" dirty="0"/>
-              <a:t>１行を越えるような長い修飾節を含んだ文が入っていないか？</a:t>
+            <a:pPr lvl="1"/>
+            <a:r>
+              <a:rPr kumimoji="1" lang="ja-JP" altLang="en-US" dirty="0"/>
+              <a:t>基本的には「課題」で提示した問題を解決する方法を書く</a:t>
             </a:r>
             <a:endParaRPr kumimoji="1" lang="en-US" altLang="ja-JP" dirty="0"/>
           </a:p>
           <a:p>
-            <a:pPr marL="817200" lvl="1" indent="-457200">
-              <a:buFont typeface="+mj-lt"/>
-              <a:buAutoNum type="arabicPeriod"/>
-            </a:pPr>
-            <a:r>
-              <a:rPr kumimoji="1" lang="ja-JP" altLang="en-US" dirty="0"/>
-              <a:t>４つ以上の項目を並列に並べていないか？</a:t>
+            <a:pPr lvl="1"/>
+            <a:r>
+              <a:rPr kumimoji="1" lang="ja-JP" altLang="en-US" dirty="0"/>
+              <a:t>そうすれば，普通は自然と「背景」の問題にも対応する</a:t>
             </a:r>
             <a:endParaRPr kumimoji="1" lang="en-US" altLang="ja-JP" dirty="0"/>
           </a:p>
@@ -4903,7 +4936,7 @@
     </p:spTree>
     <p:extLst>
       <p:ext uri="{BB962C8B-B14F-4D97-AF65-F5344CB8AC3E}">
-        <p14:creationId xmlns:p14="http://schemas.microsoft.com/office/powerpoint/2010/main" val="3800030842"/>
+        <p14:creationId xmlns:p14="http://schemas.microsoft.com/office/powerpoint/2010/main" val="2670373046"/>
       </p:ext>
     </p:extLst>
   </p:cSld>
@@ -4940,10 +4973,10 @@
       </p:grpSpPr>
       <p:sp>
         <p:nvSpPr>
-          <p:cNvPr id="4" name="タイトル 3">
-            <a:extLst>
-              <a:ext uri="{FF2B5EF4-FFF2-40B4-BE49-F238E27FC236}">
-                <a16:creationId xmlns:a16="http://schemas.microsoft.com/office/drawing/2014/main" id="{84F42E09-269D-6700-69C9-4DCC825C99A7}"/>
+          <p:cNvPr id="2" name="タイトル 1">
+            <a:extLst>
+              <a:ext uri="{FF2B5EF4-FFF2-40B4-BE49-F238E27FC236}">
+                <a16:creationId xmlns:a16="http://schemas.microsoft.com/office/drawing/2014/main" id="{5DE9EB6D-DB2F-3B8D-2437-AD77ADB2FF9E}"/>
               </a:ext>
             </a:extLst>
           </p:cNvPr>
@@ -4960,22 +4993,137 @@
           <a:lstStyle/>
           <a:p>
             <a:r>
-              <a:rPr lang="ja-JP" altLang="en-US" b="1" dirty="0"/>
-              <a:t>１点プロット</a:t>
-            </a:r>
+              <a:rPr kumimoji="1" lang="ja-JP" altLang="en-US" dirty="0"/>
+              <a:t>箇条書きを作る際の形式上の注意</a:t>
+            </a:r>
+          </a:p>
+        </p:txBody>
+      </p:sp>
+      <p:sp>
+        <p:nvSpPr>
+          <p:cNvPr id="3" name="テキスト プレースホルダー 2">
+            <a:extLst>
+              <a:ext uri="{FF2B5EF4-FFF2-40B4-BE49-F238E27FC236}">
+                <a16:creationId xmlns:a16="http://schemas.microsoft.com/office/drawing/2014/main" id="{18D77FC6-6ACE-F5A6-179B-013437541EA6}"/>
+              </a:ext>
+            </a:extLst>
+          </p:cNvPr>
+          <p:cNvSpPr>
+            <a:spLocks noGrp="1"/>
+          </p:cNvSpPr>
+          <p:nvPr>
+            <p:ph type="body" sz="quarter" idx="10"/>
+          </p:nvPr>
+        </p:nvSpPr>
+        <p:spPr/>
+        <p:txBody>
+          <a:bodyPr/>
+          <a:lstStyle/>
+          <a:p>
+            <a:r>
+              <a:rPr kumimoji="1" lang="ja-JP" altLang="en-US" dirty="0">
+                <a:solidFill>
+                  <a:schemeClr val="accent5"/>
+                </a:solidFill>
+              </a:rPr>
+              <a:t>複文を使うのは原則禁止</a:t>
+            </a:r>
+            <a:endParaRPr kumimoji="1" lang="en-US" altLang="ja-JP" dirty="0">
+              <a:solidFill>
+                <a:schemeClr val="accent5"/>
+              </a:solidFill>
+            </a:endParaRPr>
+          </a:p>
+          <a:p>
+            <a:pPr lvl="1"/>
+            <a:r>
+              <a:rPr kumimoji="1" lang="ja-JP" altLang="en-US" dirty="0"/>
+              <a:t>複数の文を繋げて１つの文にしてしまうと，関係が良くわからなくなりがち</a:t>
+            </a:r>
+            <a:endParaRPr kumimoji="1" lang="en-US" altLang="ja-JP" dirty="0"/>
+          </a:p>
+          <a:p>
+            <a:pPr lvl="1"/>
+            <a:r>
+              <a:rPr kumimoji="1" lang="ja-JP" altLang="en-US" dirty="0"/>
+              <a:t>最初は単文のみで作る</a:t>
+            </a:r>
+            <a:endParaRPr kumimoji="1" lang="en-US" altLang="ja-JP" dirty="0"/>
+          </a:p>
+          <a:p>
+            <a:pPr lvl="2"/>
+            <a:r>
+              <a:rPr kumimoji="1" lang="ja-JP" altLang="en-US" dirty="0"/>
+              <a:t>どうしても複文を入れる場合は，１行に収まる長さまで</a:t>
+            </a:r>
+            <a:endParaRPr kumimoji="1" lang="en-US" altLang="ja-JP" dirty="0"/>
+          </a:p>
+          <a:p>
+            <a:pPr lvl="2"/>
+            <a:r>
+              <a:rPr kumimoji="1" lang="ja-JP" altLang="en-US" dirty="0"/>
+              <a:t>３文以上からなる複文は常に禁止</a:t>
+            </a:r>
+            <a:endParaRPr kumimoji="1" lang="en-US" altLang="ja-JP" dirty="0"/>
+          </a:p>
+          <a:p>
+            <a:r>
+              <a:rPr kumimoji="1" lang="ja-JP" altLang="en-US" dirty="0"/>
+              <a:t>同様の理由により，長い修飾節を持った文も使わない</a:t>
+            </a:r>
+            <a:endParaRPr kumimoji="1" lang="en-US" altLang="ja-JP" dirty="0"/>
+          </a:p>
+          <a:p>
+            <a:pPr lvl="1"/>
+            <a:r>
+              <a:rPr kumimoji="1" lang="ja-JP" altLang="en-US" dirty="0"/>
+              <a:t>長くなってしまう場合は，インデントをしてぶら下げると良い</a:t>
+            </a:r>
+            <a:endParaRPr kumimoji="1" lang="en-US" altLang="ja-JP" dirty="0"/>
+          </a:p>
+          <a:p>
+            <a:r>
+              <a:rPr kumimoji="1" lang="ja-JP" altLang="en-US" dirty="0"/>
+              <a:t>一つの項目にぶら下げる項目は３つまで</a:t>
+            </a:r>
+            <a:endParaRPr kumimoji="1" lang="en-US" altLang="ja-JP" dirty="0"/>
+          </a:p>
+          <a:p>
+            <a:pPr lvl="1"/>
+            <a:r>
+              <a:rPr kumimoji="1" lang="ja-JP" altLang="en-US" dirty="0"/>
+              <a:t>４つ以上の項目が同じレベルに並んでいる場合は，それらをインデントにまとめる</a:t>
+            </a:r>
+            <a:endParaRPr kumimoji="1" lang="en-US" altLang="ja-JP" dirty="0"/>
+          </a:p>
+          <a:p>
+            <a:pPr lvl="1"/>
+            <a:r>
+              <a:rPr kumimoji="1" lang="ja-JP" altLang="en-US" dirty="0"/>
+              <a:t>３つより多いと関係が曖昧になる</a:t>
+            </a:r>
+            <a:endParaRPr kumimoji="1" lang="en-US" altLang="ja-JP" dirty="0"/>
           </a:p>
         </p:txBody>
       </p:sp>
     </p:spTree>
     <p:extLst>
       <p:ext uri="{BB962C8B-B14F-4D97-AF65-F5344CB8AC3E}">
-        <p14:creationId xmlns:p14="http://schemas.microsoft.com/office/powerpoint/2010/main" val="1222142208"/>
+        <p14:creationId xmlns:p14="http://schemas.microsoft.com/office/powerpoint/2010/main" val="2930707725"/>
       </p:ext>
     </p:extLst>
   </p:cSld>
   <p:clrMapOvr>
     <a:masterClrMapping/>
   </p:clrMapOvr>
+  <mc:AlternateContent xmlns:mc="http://schemas.openxmlformats.org/markup-compatibility/2006" xmlns:p14="http://schemas.microsoft.com/office/powerpoint/2010/main">
+    <mc:Choice Requires="p14">
+      <p:transition p14:dur="10"/>
+    </mc:Choice>
+    <mc:Fallback xmlns="">
+      <p:transition/>
+    </mc:Fallback>
+  </mc:AlternateContent>
 </p:sld>
 </file>
 
@@ -5163,7 +5311,7 @@
           <p:cNvPr id="2" name="タイトル 1">
             <a:extLst>
               <a:ext uri="{FF2B5EF4-FFF2-40B4-BE49-F238E27FC236}">
-                <a16:creationId xmlns:a16="http://schemas.microsoft.com/office/drawing/2014/main" id="{3791F58A-EC2D-D89A-CA40-DDF514198B8F}"/>
+                <a16:creationId xmlns:a16="http://schemas.microsoft.com/office/drawing/2014/main" id="{D92FA600-475B-052E-A22C-BFAB05D0AC85}"/>
               </a:ext>
             </a:extLst>
           </p:cNvPr>
@@ -5181,17 +5329,8 @@
           <a:p>
             <a:r>
               <a:rPr kumimoji="1" lang="ja-JP" altLang="en-US" dirty="0"/>
-              <a:t>１点プロット </a:t>
-            </a:r>
-            <a:r>
-              <a:rPr kumimoji="1" lang="en-US" altLang="ja-JP" dirty="0"/>
-              <a:t>= </a:t>
-            </a:r>
-            <a:r>
-              <a:rPr kumimoji="1" lang="ja-JP" altLang="en-US" dirty="0"/>
-              <a:t>目標規定文</a:t>
-            </a:r>
-            <a:endParaRPr kumimoji="1" lang="en-US" altLang="ja-JP" dirty="0"/>
+              <a:t>３点プロットのチェック・リスト</a:t>
+            </a:r>
           </a:p>
         </p:txBody>
       </p:sp>
@@ -5200,7 +5339,7 @@
           <p:cNvPr id="3" name="テキスト プレースホルダー 2">
             <a:extLst>
               <a:ext uri="{FF2B5EF4-FFF2-40B4-BE49-F238E27FC236}">
-                <a16:creationId xmlns:a16="http://schemas.microsoft.com/office/drawing/2014/main" id="{CE8C17F2-3701-6FE8-3F1E-E482EBDA33C7}"/>
+                <a16:creationId xmlns:a16="http://schemas.microsoft.com/office/drawing/2014/main" id="{28A94EC8-8A4B-9F54-B1F6-6E422E113E32}"/>
               </a:ext>
             </a:extLst>
           </p:cNvPr>
@@ -5211,97 +5350,105 @@
             <p:ph type="body" sz="quarter" idx="10"/>
           </p:nvPr>
         </p:nvSpPr>
-        <p:spPr/>
+        <p:spPr>
+          <a:xfrm>
+            <a:off x="341953" y="1088974"/>
+            <a:ext cx="8550095" cy="5219751"/>
+          </a:xfrm>
+        </p:spPr>
         <p:txBody>
           <a:bodyPr/>
           <a:lstStyle/>
           <a:p>
             <a:r>
               <a:rPr kumimoji="1" lang="ja-JP" altLang="en-US" dirty="0"/>
-              <a:t>１点プロット </a:t>
-            </a:r>
-            <a:r>
+              <a:t>以下が満たされているかを確認：</a:t>
+            </a:r>
+            <a:br>
               <a:rPr kumimoji="1" lang="en-US" altLang="ja-JP" dirty="0"/>
-              <a:t>= </a:t>
-            </a:r>
-            <a:r>
-              <a:rPr kumimoji="1" lang="ja-JP" altLang="en-US" dirty="0"/>
-              <a:t>目標規定文</a:t>
-            </a:r>
+            </a:br>
             <a:endParaRPr kumimoji="1" lang="en-US" altLang="ja-JP" dirty="0"/>
           </a:p>
           <a:p>
             <a:pPr lvl="1"/>
             <a:r>
               <a:rPr kumimoji="1" lang="ja-JP" altLang="en-US" dirty="0"/>
-              <a:t>その文章の主張を</a:t>
-            </a:r>
-            <a:r>
-              <a:rPr kumimoji="1" lang="ja-JP" altLang="en-US" dirty="0">
-                <a:solidFill>
-                  <a:schemeClr val="accent5"/>
-                </a:solidFill>
-              </a:rPr>
-              <a:t>１つの文</a:t>
-            </a:r>
-            <a:r>
-              <a:rPr kumimoji="1" lang="ja-JP" altLang="en-US" dirty="0"/>
-              <a:t>の形にまとめたもの</a:t>
+              <a:t>内容面：</a:t>
             </a:r>
             <a:endParaRPr kumimoji="1" lang="en-US" altLang="ja-JP" dirty="0"/>
           </a:p>
           <a:p>
-            <a:pPr lvl="2"/>
-            <a:r>
-              <a:rPr kumimoji="1" lang="ja-JP" altLang="en-US" dirty="0"/>
-              <a:t>目標規定文は「理科系の作文技術」より</a:t>
+            <a:pPr marL="1177200" lvl="2" indent="-457200">
+              <a:buFont typeface="+mj-lt"/>
+              <a:buAutoNum type="arabicPeriod"/>
+            </a:pPr>
+            <a:r>
+              <a:rPr kumimoji="1" lang="ja-JP" altLang="en-US" dirty="0"/>
+              <a:t>背景，課題，提案の３項目から成っているか？</a:t>
             </a:r>
             <a:endParaRPr kumimoji="1" lang="en-US" altLang="ja-JP" dirty="0"/>
           </a:p>
           <a:p>
+            <a:pPr marL="1177200" lvl="2" indent="-457200">
+              <a:buFont typeface="+mj-lt"/>
+              <a:buAutoNum type="arabicPeriod"/>
+            </a:pPr>
+            <a:r>
+              <a:rPr kumimoji="1" lang="ja-JP" altLang="en-US" dirty="0"/>
+              <a:t>課題は背景の問題に，提案は課題の問題に対応しているか？</a:t>
+            </a:r>
+            <a:br>
+              <a:rPr kumimoji="1" lang="en-US" altLang="ja-JP" dirty="0"/>
+            </a:br>
+            <a:endParaRPr kumimoji="1" lang="en-US" altLang="ja-JP" dirty="0"/>
+          </a:p>
+          <a:p>
             <a:pPr lvl="1"/>
             <a:r>
               <a:rPr kumimoji="1" lang="ja-JP" altLang="en-US" dirty="0"/>
-              <a:t>もっとも短い形のプロットとも言える</a:t>
+              <a:t>形式面：</a:t>
             </a:r>
             <a:endParaRPr kumimoji="1" lang="en-US" altLang="ja-JP" dirty="0"/>
           </a:p>
           <a:p>
-            <a:r>
-              <a:rPr kumimoji="1" lang="ja-JP" altLang="en-US" dirty="0"/>
-              <a:t>「理科系の作文技術」の説明</a:t>
+            <a:pPr marL="1177200" lvl="2" indent="-457200">
+              <a:buFont typeface="+mj-lt"/>
+              <a:buAutoNum type="arabicPeriod" startAt="3"/>
+            </a:pPr>
+            <a:r>
+              <a:rPr kumimoji="1" lang="ja-JP" altLang="en-US" dirty="0"/>
+              <a:t>複文を含んでいないか？</a:t>
             </a:r>
             <a:endParaRPr kumimoji="1" lang="en-US" altLang="ja-JP" dirty="0"/>
           </a:p>
           <a:p>
-            <a:pPr lvl="1"/>
-            <a:r>
-              <a:rPr kumimoji="1" lang="ja-JP" altLang="en-US" dirty="0"/>
-              <a:t>「自分は何を目標としてその文章を書くのか，そこで何を主張しようとするのかを熟考して，それを一つの文にまとめて書いてみることを勧める」</a:t>
+            <a:pPr marL="1177200" lvl="2" indent="-457200">
+              <a:buFont typeface="+mj-lt"/>
+              <a:buAutoNum type="arabicPeriod" startAt="3"/>
+            </a:pPr>
+            <a:r>
+              <a:rPr kumimoji="1" lang="ja-JP" altLang="en-US" dirty="0"/>
+              <a:t>１行を越えるような長い修飾節を含んだ文が入っていないか？</a:t>
             </a:r>
             <a:endParaRPr kumimoji="1" lang="en-US" altLang="ja-JP" dirty="0"/>
           </a:p>
           <a:p>
-            <a:pPr lvl="1"/>
-            <a:r>
-              <a:rPr kumimoji="1" lang="ja-JP" altLang="en-US" dirty="0"/>
-              <a:t>「主題に関してあることを主張し，または否定しようとする意思を明示した文」（コーベットによる </a:t>
-            </a:r>
-            <a:r>
-              <a:rPr kumimoji="1" lang="en-US" altLang="ja-JP" dirty="0"/>
-              <a:t>thesis </a:t>
-            </a:r>
-            <a:r>
-              <a:rPr kumimoji="1" lang="ja-JP" altLang="en-US" dirty="0"/>
-              <a:t>の説明）</a:t>
-            </a:r>
+            <a:pPr marL="1177200" lvl="2" indent="-457200">
+              <a:buFont typeface="+mj-lt"/>
+              <a:buAutoNum type="arabicPeriod" startAt="3"/>
+            </a:pPr>
+            <a:r>
+              <a:rPr kumimoji="1" lang="ja-JP" altLang="en-US" dirty="0"/>
+              <a:t>４つ以上の項目を並列に並べていないか？</a:t>
+            </a:r>
+            <a:endParaRPr kumimoji="1" lang="en-US" altLang="ja-JP" dirty="0"/>
           </a:p>
         </p:txBody>
       </p:sp>
     </p:spTree>
     <p:extLst>
       <p:ext uri="{BB962C8B-B14F-4D97-AF65-F5344CB8AC3E}">
-        <p14:creationId xmlns:p14="http://schemas.microsoft.com/office/powerpoint/2010/main" val="2967336231"/>
+        <p14:creationId xmlns:p14="http://schemas.microsoft.com/office/powerpoint/2010/main" val="3800030842"/>
       </p:ext>
     </p:extLst>
   </p:cSld>
@@ -5338,10 +5485,10 @@
       </p:grpSpPr>
       <p:sp>
         <p:nvSpPr>
-          <p:cNvPr id="2" name="タイトル 1">
-            <a:extLst>
-              <a:ext uri="{FF2B5EF4-FFF2-40B4-BE49-F238E27FC236}">
-                <a16:creationId xmlns:a16="http://schemas.microsoft.com/office/drawing/2014/main" id="{B136B8D4-A45A-E900-4740-4ADDB700695F}"/>
+          <p:cNvPr id="4" name="タイトル 3">
+            <a:extLst>
+              <a:ext uri="{FF2B5EF4-FFF2-40B4-BE49-F238E27FC236}">
+                <a16:creationId xmlns:a16="http://schemas.microsoft.com/office/drawing/2014/main" id="{84F42E09-269D-6700-69C9-4DCC825C99A7}"/>
               </a:ext>
             </a:extLst>
           </p:cNvPr>
@@ -5358,75 +5505,8 @@
           <a:lstStyle/>
           <a:p>
             <a:r>
-              <a:rPr kumimoji="1" lang="ja-JP" altLang="en-US" dirty="0"/>
-              <a:t>目標規定文</a:t>
-            </a:r>
-          </a:p>
-        </p:txBody>
-      </p:sp>
-      <p:sp>
-        <p:nvSpPr>
-          <p:cNvPr id="3" name="テキスト プレースホルダー 2">
-            <a:extLst>
-              <a:ext uri="{FF2B5EF4-FFF2-40B4-BE49-F238E27FC236}">
-                <a16:creationId xmlns:a16="http://schemas.microsoft.com/office/drawing/2014/main" id="{7C58FC4A-17A5-A2DE-03F7-FEC5E8E2DC4D}"/>
-              </a:ext>
-            </a:extLst>
-          </p:cNvPr>
-          <p:cNvSpPr>
-            <a:spLocks noGrp="1"/>
-          </p:cNvSpPr>
-          <p:nvPr>
-            <p:ph type="body" sz="quarter" idx="10"/>
-          </p:nvPr>
-        </p:nvSpPr>
-        <p:spPr/>
-        <p:txBody>
-          <a:bodyPr/>
-          <a:lstStyle/>
-          <a:p>
-            <a:r>
-              <a:rPr kumimoji="1" lang="ja-JP" altLang="en-US" dirty="0"/>
-              <a:t>目標からトップダウンに構成を作る</a:t>
-            </a:r>
-            <a:endParaRPr kumimoji="1" lang="en-US" altLang="ja-JP" dirty="0"/>
-          </a:p>
-          <a:p>
-            <a:pPr lvl="1"/>
-            <a:r>
-              <a:rPr kumimoji="1" lang="ja-JP" altLang="en-US" dirty="0"/>
-              <a:t>目標規定文を作り，その目標に収束するように文章全体の構想を練る</a:t>
-            </a:r>
-            <a:endParaRPr kumimoji="1" lang="en-US" altLang="ja-JP" dirty="0"/>
-          </a:p>
-          <a:p>
-            <a:pPr lvl="1"/>
-            <a:r>
-              <a:rPr kumimoji="1" lang="ja-JP" altLang="en-US" dirty="0"/>
-              <a:t>この目標に繋がる内容のみを全体の構成に残す</a:t>
-            </a:r>
-            <a:endParaRPr kumimoji="1" lang="en-US" altLang="ja-JP" dirty="0"/>
-          </a:p>
-          <a:p>
-            <a:pPr lvl="2"/>
-            <a:r>
-              <a:rPr kumimoji="1" lang="ja-JP" altLang="en-US" dirty="0"/>
-              <a:t>「関係はしているが，あってもなくても良い」みたいなものは入れてはいけない</a:t>
-            </a:r>
-            <a:endParaRPr kumimoji="1" lang="en-US" altLang="ja-JP" dirty="0"/>
-          </a:p>
-          <a:p>
-            <a:r>
-              <a:rPr kumimoji="1" lang="ja-JP" altLang="en-US" dirty="0"/>
-              <a:t>主張全体を論理的なツリーとして表した際のルートにあたる</a:t>
-            </a:r>
-            <a:endParaRPr kumimoji="1" lang="en-US" altLang="ja-JP" dirty="0"/>
-          </a:p>
-          <a:p>
-            <a:pPr lvl="1"/>
-            <a:r>
-              <a:rPr kumimoji="1" lang="ja-JP" altLang="en-US" dirty="0"/>
-              <a:t>これをさらに短くまとめたものがタイトルになる</a:t>
+              <a:rPr lang="ja-JP" altLang="en-US" b="1" dirty="0"/>
+              <a:t>１点プロット</a:t>
             </a:r>
           </a:p>
         </p:txBody>
@@ -5434,21 +5514,13 @@
     </p:spTree>
     <p:extLst>
       <p:ext uri="{BB962C8B-B14F-4D97-AF65-F5344CB8AC3E}">
-        <p14:creationId xmlns:p14="http://schemas.microsoft.com/office/powerpoint/2010/main" val="3839336830"/>
+        <p14:creationId xmlns:p14="http://schemas.microsoft.com/office/powerpoint/2010/main" val="1222142208"/>
       </p:ext>
     </p:extLst>
   </p:cSld>
   <p:clrMapOvr>
     <a:masterClrMapping/>
   </p:clrMapOvr>
-  <mc:AlternateContent xmlns:mc="http://schemas.openxmlformats.org/markup-compatibility/2006" xmlns:p14="http://schemas.microsoft.com/office/powerpoint/2010/main">
-    <mc:Choice Requires="p14">
-      <p:transition p14:dur="10"/>
-    </mc:Choice>
-    <mc:Fallback xmlns="">
-      <p:transition/>
-    </mc:Fallback>
-  </mc:AlternateContent>
 </p:sld>
 </file>
 
@@ -5474,7 +5546,7 @@
           <p:cNvPr id="2" name="タイトル 1">
             <a:extLst>
               <a:ext uri="{FF2B5EF4-FFF2-40B4-BE49-F238E27FC236}">
-                <a16:creationId xmlns:a16="http://schemas.microsoft.com/office/drawing/2014/main" id="{D4345327-D154-8FE3-0EEE-96EFAAA82DEF}"/>
+                <a16:creationId xmlns:a16="http://schemas.microsoft.com/office/drawing/2014/main" id="{3791F58A-EC2D-D89A-CA40-DDF514198B8F}"/>
               </a:ext>
             </a:extLst>
           </p:cNvPr>
@@ -5492,8 +5564,17 @@
           <a:p>
             <a:r>
               <a:rPr kumimoji="1" lang="ja-JP" altLang="en-US" dirty="0"/>
-              <a:t>３点プロットと目標規定文の関係</a:t>
-            </a:r>
+              <a:t>１点プロット </a:t>
+            </a:r>
+            <a:r>
+              <a:rPr kumimoji="1" lang="en-US" altLang="ja-JP" dirty="0"/>
+              <a:t>= </a:t>
+            </a:r>
+            <a:r>
+              <a:rPr kumimoji="1" lang="ja-JP" altLang="en-US" dirty="0"/>
+              <a:t>目標規定文</a:t>
+            </a:r>
+            <a:endParaRPr kumimoji="1" lang="en-US" altLang="ja-JP" dirty="0"/>
           </a:p>
         </p:txBody>
       </p:sp>
@@ -5502,7 +5583,7 @@
           <p:cNvPr id="3" name="テキスト プレースホルダー 2">
             <a:extLst>
               <a:ext uri="{FF2B5EF4-FFF2-40B4-BE49-F238E27FC236}">
-                <a16:creationId xmlns:a16="http://schemas.microsoft.com/office/drawing/2014/main" id="{FF0B682A-46CB-4093-1B0E-581FD7CB3A90}"/>
+                <a16:creationId xmlns:a16="http://schemas.microsoft.com/office/drawing/2014/main" id="{CE8C17F2-3701-6FE8-3F1E-E482EBDA33C7}"/>
               </a:ext>
             </a:extLst>
           </p:cNvPr>
@@ -5520,7 +5601,15 @@
           <a:p>
             <a:r>
               <a:rPr kumimoji="1" lang="ja-JP" altLang="en-US" dirty="0"/>
-              <a:t>作り方：</a:t>
+              <a:t>１点プロット </a:t>
+            </a:r>
+            <a:r>
+              <a:rPr kumimoji="1" lang="en-US" altLang="ja-JP" dirty="0"/>
+              <a:t>= </a:t>
+            </a:r>
+            <a:r>
+              <a:rPr kumimoji="1" lang="ja-JP" altLang="en-US" dirty="0"/>
+              <a:t>目標規定文</a:t>
             </a:r>
             <a:endParaRPr kumimoji="1" lang="en-US" altLang="ja-JP" dirty="0"/>
           </a:p>
@@ -5528,24 +5617,74 @@
             <a:pPr lvl="1"/>
             <a:r>
               <a:rPr kumimoji="1" lang="ja-JP" altLang="en-US" dirty="0"/>
-              <a:t>３点プロットが出来たら，そこからさらに真に重要な項目を抽出</a:t>
+              <a:t>その文章の主張を</a:t>
+            </a:r>
+            <a:r>
+              <a:rPr kumimoji="1" lang="ja-JP" altLang="en-US" dirty="0">
+                <a:solidFill>
+                  <a:schemeClr val="accent5"/>
+                </a:solidFill>
+              </a:rPr>
+              <a:t>１つの文</a:t>
+            </a:r>
+            <a:r>
+              <a:rPr kumimoji="1" lang="ja-JP" altLang="en-US" dirty="0"/>
+              <a:t>の形にまとめたもの</a:t>
             </a:r>
             <a:endParaRPr kumimoji="1" lang="en-US" altLang="ja-JP" dirty="0"/>
           </a:p>
           <a:p>
+            <a:pPr lvl="2"/>
+            <a:r>
+              <a:rPr kumimoji="1" lang="ja-JP" altLang="en-US" dirty="0"/>
+              <a:t>目標規定文は「理科系の作文技術」より</a:t>
+            </a:r>
+            <a:endParaRPr kumimoji="1" lang="en-US" altLang="ja-JP" dirty="0"/>
+          </a:p>
+          <a:p>
             <a:pPr lvl="1"/>
             <a:r>
               <a:rPr kumimoji="1" lang="ja-JP" altLang="en-US" dirty="0"/>
-              <a:t>それらを繋げて目標規定文にする</a:t>
+              <a:t>もっとも短い形のプロットとも言える</a:t>
             </a:r>
             <a:endParaRPr kumimoji="1" lang="en-US" altLang="ja-JP" dirty="0"/>
+          </a:p>
+          <a:p>
+            <a:r>
+              <a:rPr kumimoji="1" lang="ja-JP" altLang="en-US" dirty="0"/>
+              <a:t>「理科系の作文技術」の説明</a:t>
+            </a:r>
+            <a:endParaRPr kumimoji="1" lang="en-US" altLang="ja-JP" dirty="0"/>
+          </a:p>
+          <a:p>
+            <a:pPr lvl="1"/>
+            <a:r>
+              <a:rPr kumimoji="1" lang="ja-JP" altLang="en-US" dirty="0"/>
+              <a:t>「自分は何を目標としてその文章を書くのか，そこで何を主張しようとするのかを熟考して，それを一つの文にまとめて書いてみることを勧める」</a:t>
+            </a:r>
+            <a:endParaRPr kumimoji="1" lang="en-US" altLang="ja-JP" dirty="0"/>
+          </a:p>
+          <a:p>
+            <a:pPr lvl="1"/>
+            <a:r>
+              <a:rPr kumimoji="1" lang="ja-JP" altLang="en-US" dirty="0"/>
+              <a:t>「主題に関してあることを主張し，または否定しようとする意思を明示した文」（コーベットによる </a:t>
+            </a:r>
+            <a:r>
+              <a:rPr kumimoji="1" lang="en-US" altLang="ja-JP" dirty="0"/>
+              <a:t>thesis </a:t>
+            </a:r>
+            <a:r>
+              <a:rPr kumimoji="1" lang="ja-JP" altLang="en-US" dirty="0"/>
+              <a:t>の説明）</a:t>
+            </a:r>
           </a:p>
         </p:txBody>
       </p:sp>
     </p:spTree>
     <p:extLst>
       <p:ext uri="{BB962C8B-B14F-4D97-AF65-F5344CB8AC3E}">
-        <p14:creationId xmlns:p14="http://schemas.microsoft.com/office/powerpoint/2010/main" val="1730200020"/>
+        <p14:creationId xmlns:p14="http://schemas.microsoft.com/office/powerpoint/2010/main" val="2967336231"/>
       </p:ext>
     </p:extLst>
   </p:cSld>
@@ -5582,10 +5721,10 @@
       </p:grpSpPr>
       <p:sp>
         <p:nvSpPr>
-          <p:cNvPr id="4" name="タイトル 3">
-            <a:extLst>
-              <a:ext uri="{FF2B5EF4-FFF2-40B4-BE49-F238E27FC236}">
-                <a16:creationId xmlns:a16="http://schemas.microsoft.com/office/drawing/2014/main" id="{84F42E09-269D-6700-69C9-4DCC825C99A7}"/>
+          <p:cNvPr id="2" name="タイトル 1">
+            <a:extLst>
+              <a:ext uri="{FF2B5EF4-FFF2-40B4-BE49-F238E27FC236}">
+                <a16:creationId xmlns:a16="http://schemas.microsoft.com/office/drawing/2014/main" id="{B136B8D4-A45A-E900-4740-4ADDB700695F}"/>
               </a:ext>
             </a:extLst>
           </p:cNvPr>
@@ -5602,8 +5741,75 @@
           <a:lstStyle/>
           <a:p>
             <a:r>
-              <a:rPr lang="ja-JP" altLang="en-US" b="1" dirty="0"/>
-              <a:t>６点プロット</a:t>
+              <a:rPr kumimoji="1" lang="ja-JP" altLang="en-US" dirty="0"/>
+              <a:t>目標規定文</a:t>
+            </a:r>
+          </a:p>
+        </p:txBody>
+      </p:sp>
+      <p:sp>
+        <p:nvSpPr>
+          <p:cNvPr id="3" name="テキスト プレースホルダー 2">
+            <a:extLst>
+              <a:ext uri="{FF2B5EF4-FFF2-40B4-BE49-F238E27FC236}">
+                <a16:creationId xmlns:a16="http://schemas.microsoft.com/office/drawing/2014/main" id="{7C58FC4A-17A5-A2DE-03F7-FEC5E8E2DC4D}"/>
+              </a:ext>
+            </a:extLst>
+          </p:cNvPr>
+          <p:cNvSpPr>
+            <a:spLocks noGrp="1"/>
+          </p:cNvSpPr>
+          <p:nvPr>
+            <p:ph type="body" sz="quarter" idx="10"/>
+          </p:nvPr>
+        </p:nvSpPr>
+        <p:spPr/>
+        <p:txBody>
+          <a:bodyPr/>
+          <a:lstStyle/>
+          <a:p>
+            <a:r>
+              <a:rPr kumimoji="1" lang="ja-JP" altLang="en-US" dirty="0"/>
+              <a:t>目標からトップダウンに構成を作る</a:t>
+            </a:r>
+            <a:endParaRPr kumimoji="1" lang="en-US" altLang="ja-JP" dirty="0"/>
+          </a:p>
+          <a:p>
+            <a:pPr lvl="1"/>
+            <a:r>
+              <a:rPr kumimoji="1" lang="ja-JP" altLang="en-US" dirty="0"/>
+              <a:t>目標規定文を作り，その目標に収束するように文章全体の構想を練る</a:t>
+            </a:r>
+            <a:endParaRPr kumimoji="1" lang="en-US" altLang="ja-JP" dirty="0"/>
+          </a:p>
+          <a:p>
+            <a:pPr lvl="1"/>
+            <a:r>
+              <a:rPr kumimoji="1" lang="ja-JP" altLang="en-US" dirty="0"/>
+              <a:t>この目標に繋がる内容のみを全体の構成に残す</a:t>
+            </a:r>
+            <a:endParaRPr kumimoji="1" lang="en-US" altLang="ja-JP" dirty="0"/>
+          </a:p>
+          <a:p>
+            <a:pPr lvl="2"/>
+            <a:r>
+              <a:rPr kumimoji="1" lang="ja-JP" altLang="en-US" dirty="0"/>
+              <a:t>「関係はしているが，あってもなくても良い」みたいなものは入れてはいけない</a:t>
+            </a:r>
+            <a:endParaRPr kumimoji="1" lang="en-US" altLang="ja-JP" dirty="0"/>
+          </a:p>
+          <a:p>
+            <a:r>
+              <a:rPr kumimoji="1" lang="ja-JP" altLang="en-US" dirty="0"/>
+              <a:t>主張全体を論理的なツリーとして表した際のルートにあたる</a:t>
+            </a:r>
+            <a:endParaRPr kumimoji="1" lang="en-US" altLang="ja-JP" dirty="0"/>
+          </a:p>
+          <a:p>
+            <a:pPr lvl="1"/>
+            <a:r>
+              <a:rPr kumimoji="1" lang="ja-JP" altLang="en-US" dirty="0"/>
+              <a:t>これをさらに短くまとめたものがタイトルになる</a:t>
             </a:r>
           </a:p>
         </p:txBody>
@@ -5611,13 +5817,21 @@
     </p:spTree>
     <p:extLst>
       <p:ext uri="{BB962C8B-B14F-4D97-AF65-F5344CB8AC3E}">
-        <p14:creationId xmlns:p14="http://schemas.microsoft.com/office/powerpoint/2010/main" val="1393778451"/>
+        <p14:creationId xmlns:p14="http://schemas.microsoft.com/office/powerpoint/2010/main" val="3839336830"/>
       </p:ext>
     </p:extLst>
   </p:cSld>
   <p:clrMapOvr>
     <a:masterClrMapping/>
   </p:clrMapOvr>
+  <mc:AlternateContent xmlns:mc="http://schemas.openxmlformats.org/markup-compatibility/2006" xmlns:p14="http://schemas.microsoft.com/office/powerpoint/2010/main">
+    <mc:Choice Requires="p14">
+      <p:transition p14:dur="10"/>
+    </mc:Choice>
+    <mc:Fallback xmlns="">
+      <p:transition/>
+    </mc:Fallback>
+  </mc:AlternateContent>
 </p:sld>
 </file>
 
@@ -5640,10 +5854,10 @@
       </p:grpSpPr>
       <p:sp>
         <p:nvSpPr>
-          <p:cNvPr id="4" name="タイトル 3">
-            <a:extLst>
-              <a:ext uri="{FF2B5EF4-FFF2-40B4-BE49-F238E27FC236}">
-                <a16:creationId xmlns:a16="http://schemas.microsoft.com/office/drawing/2014/main" id="{2C10D4AA-048C-67DA-1625-6F8D77C161AF}"/>
+          <p:cNvPr id="2" name="タイトル 1">
+            <a:extLst>
+              <a:ext uri="{FF2B5EF4-FFF2-40B4-BE49-F238E27FC236}">
+                <a16:creationId xmlns:a16="http://schemas.microsoft.com/office/drawing/2014/main" id="{D4345327-D154-8FE3-0EEE-96EFAAA82DEF}"/>
               </a:ext>
             </a:extLst>
           </p:cNvPr>
@@ -5660,18 +5874,18 @@
           <a:lstStyle/>
           <a:p>
             <a:r>
-              <a:rPr lang="ja-JP" altLang="en-US" dirty="0"/>
-              <a:t>６点プロット</a:t>
-            </a:r>
-          </a:p>
-        </p:txBody>
-      </p:sp>
-      <p:sp>
-        <p:nvSpPr>
-          <p:cNvPr id="5" name="テキスト プレースホルダー 4">
-            <a:extLst>
-              <a:ext uri="{FF2B5EF4-FFF2-40B4-BE49-F238E27FC236}">
-                <a16:creationId xmlns:a16="http://schemas.microsoft.com/office/drawing/2014/main" id="{A0D92A2D-1570-9CE4-B7FF-F750001C61B8}"/>
+              <a:rPr kumimoji="1" lang="ja-JP" altLang="en-US" dirty="0"/>
+              <a:t>３点プロットと目標規定文の関係</a:t>
+            </a:r>
+          </a:p>
+        </p:txBody>
+      </p:sp>
+      <p:sp>
+        <p:nvSpPr>
+          <p:cNvPr id="3" name="テキスト プレースホルダー 2">
+            <a:extLst>
+              <a:ext uri="{FF2B5EF4-FFF2-40B4-BE49-F238E27FC236}">
+                <a16:creationId xmlns:a16="http://schemas.microsoft.com/office/drawing/2014/main" id="{FF0B682A-46CB-4093-1B0E-581FD7CB3A90}"/>
               </a:ext>
             </a:extLst>
           </p:cNvPr>
@@ -5688,91 +5902,33 @@
           <a:lstStyle/>
           <a:p>
             <a:r>
-              <a:rPr lang="ja-JP" altLang="en-US" dirty="0"/>
-              <a:t>６点プロットはイントロを書く際に作る</a:t>
-            </a:r>
-            <a:endParaRPr lang="en-US" altLang="ja-JP" dirty="0"/>
+              <a:rPr kumimoji="1" lang="ja-JP" altLang="en-US" dirty="0"/>
+              <a:t>作り方：</a:t>
+            </a:r>
+            <a:endParaRPr kumimoji="1" lang="en-US" altLang="ja-JP" dirty="0"/>
           </a:p>
           <a:p>
             <a:pPr lvl="1"/>
             <a:r>
-              <a:rPr lang="ja-JP" altLang="en-US" dirty="0"/>
-              <a:t>論文のイントロは典型的には６パラグラフ前後</a:t>
-            </a:r>
-            <a:endParaRPr lang="en-US" altLang="ja-JP" dirty="0"/>
+              <a:rPr kumimoji="1" lang="ja-JP" altLang="en-US" dirty="0"/>
+              <a:t>３点プロットが出来たら，そこからさらに真に重要な項目を抽出</a:t>
+            </a:r>
+            <a:endParaRPr kumimoji="1" lang="en-US" altLang="ja-JP" dirty="0"/>
           </a:p>
           <a:p>
             <a:pPr lvl="1"/>
             <a:r>
-              <a:rPr lang="ja-JP" altLang="en-US" dirty="0"/>
-              <a:t>この各パラグラフで何を話すかをまとめる</a:t>
-            </a:r>
-            <a:endParaRPr lang="en-US" altLang="ja-JP" dirty="0"/>
-          </a:p>
-          <a:p>
-            <a:pPr lvl="2"/>
-            <a:r>
-              <a:rPr lang="ja-JP" altLang="en-US" dirty="0"/>
-              <a:t>６点プロットの各項目は各パラグラフのトピックセンテンスに対応する</a:t>
-            </a:r>
-            <a:endParaRPr lang="en-US" altLang="ja-JP" dirty="0"/>
-          </a:p>
-          <a:p>
-            <a:pPr lvl="2"/>
-            <a:r>
-              <a:rPr lang="ja-JP" altLang="en-US" dirty="0"/>
-              <a:t>トピックセンテンスだけを繋げて読んでも意味が通るように</a:t>
-            </a:r>
-            <a:endParaRPr lang="en-US" altLang="ja-JP" dirty="0"/>
-          </a:p>
-          <a:p>
-            <a:r>
-              <a:rPr lang="ja-JP" altLang="en-US" dirty="0"/>
-              <a:t>６点プロットも３点プロットから派生させて作る</a:t>
-            </a:r>
-            <a:endParaRPr lang="en-US" altLang="ja-JP" dirty="0"/>
-          </a:p>
-        </p:txBody>
-      </p:sp>
-      <p:sp>
-        <p:nvSpPr>
-          <p:cNvPr id="2" name="スライド番号プレースホルダー 1">
-            <a:extLst>
-              <a:ext uri="{FF2B5EF4-FFF2-40B4-BE49-F238E27FC236}">
-                <a16:creationId xmlns:a16="http://schemas.microsoft.com/office/drawing/2014/main" id="{318799CD-2CF6-3BA8-8532-19FDE41048E5}"/>
-              </a:ext>
-            </a:extLst>
-          </p:cNvPr>
-          <p:cNvSpPr>
-            <a:spLocks noGrp="1"/>
-          </p:cNvSpPr>
-          <p:nvPr>
-            <p:ph type="sldNum" sz="quarter" idx="4294967295"/>
-          </p:nvPr>
-        </p:nvSpPr>
-        <p:spPr>
-          <a:xfrm>
-            <a:off x="8531225" y="6308725"/>
-            <a:ext cx="612775" cy="549275"/>
-          </a:xfrm>
-        </p:spPr>
-        <p:txBody>
-          <a:bodyPr/>
-          <a:lstStyle/>
-          <a:p>
-            <a:fld id="{D2D8002D-B5B0-4BAC-B1F6-782DDCCE6D9C}" type="slidenum">
-              <a:rPr kumimoji="1" lang="ja-JP" altLang="en-US" smtClean="0"/>
-              <a:pPr/>
-              <a:t>24</a:t>
-            </a:fld>
-            <a:endParaRPr kumimoji="1" lang="ja-JP" altLang="en-US"/>
+              <a:rPr kumimoji="1" lang="ja-JP" altLang="en-US" dirty="0"/>
+              <a:t>それらを繋げて目標規定文にする</a:t>
+            </a:r>
+            <a:endParaRPr kumimoji="1" lang="en-US" altLang="ja-JP" dirty="0"/>
           </a:p>
         </p:txBody>
       </p:sp>
     </p:spTree>
     <p:extLst>
       <p:ext uri="{BB962C8B-B14F-4D97-AF65-F5344CB8AC3E}">
-        <p14:creationId xmlns:p14="http://schemas.microsoft.com/office/powerpoint/2010/main" val="1796504870"/>
+        <p14:creationId xmlns:p14="http://schemas.microsoft.com/office/powerpoint/2010/main" val="1730200020"/>
       </p:ext>
     </p:extLst>
   </p:cSld>
@@ -5809,10 +5965,10 @@
       </p:grpSpPr>
       <p:sp>
         <p:nvSpPr>
-          <p:cNvPr id="2" name="タイトル 1">
-            <a:extLst>
-              <a:ext uri="{FF2B5EF4-FFF2-40B4-BE49-F238E27FC236}">
-                <a16:creationId xmlns:a16="http://schemas.microsoft.com/office/drawing/2014/main" id="{18A42B14-CF0C-96E2-5CF7-6662DFA3735D}"/>
+          <p:cNvPr id="4" name="タイトル 3">
+            <a:extLst>
+              <a:ext uri="{FF2B5EF4-FFF2-40B4-BE49-F238E27FC236}">
+                <a16:creationId xmlns:a16="http://schemas.microsoft.com/office/drawing/2014/main" id="{84F42E09-269D-6700-69C9-4DCC825C99A7}"/>
               </a:ext>
             </a:extLst>
           </p:cNvPr>
@@ -5829,18 +5985,76 @@
           <a:lstStyle/>
           <a:p>
             <a:r>
-              <a:rPr kumimoji="1" lang="ja-JP" altLang="en-US" dirty="0"/>
-              <a:t>詳細度と論理構造</a:t>
-            </a:r>
-          </a:p>
-        </p:txBody>
-      </p:sp>
-      <p:sp>
-        <p:nvSpPr>
-          <p:cNvPr id="3" name="テキスト プレースホルダー 2">
-            <a:extLst>
-              <a:ext uri="{FF2B5EF4-FFF2-40B4-BE49-F238E27FC236}">
-                <a16:creationId xmlns:a16="http://schemas.microsoft.com/office/drawing/2014/main" id="{AAB0013E-6128-536A-AD5E-A87E6DA3282A}"/>
+              <a:rPr lang="ja-JP" altLang="en-US" b="1" dirty="0"/>
+              <a:t>６点プロット</a:t>
+            </a:r>
+          </a:p>
+        </p:txBody>
+      </p:sp>
+    </p:spTree>
+    <p:extLst>
+      <p:ext uri="{BB962C8B-B14F-4D97-AF65-F5344CB8AC3E}">
+        <p14:creationId xmlns:p14="http://schemas.microsoft.com/office/powerpoint/2010/main" val="1393778451"/>
+      </p:ext>
+    </p:extLst>
+  </p:cSld>
+  <p:clrMapOvr>
+    <a:masterClrMapping/>
+  </p:clrMapOvr>
+</p:sld>
+</file>
+
+<file path=ppt/slides/slide26.xml><?xml version="1.0" encoding="utf-8"?>
+<p:sld xmlns:a="http://schemas.openxmlformats.org/drawingml/2006/main" xmlns:r="http://schemas.openxmlformats.org/officeDocument/2006/relationships" xmlns:p="http://schemas.openxmlformats.org/presentationml/2006/main">
+  <p:cSld>
+    <p:spTree>
+      <p:nvGrpSpPr>
+        <p:cNvPr id="1" name=""/>
+        <p:cNvGrpSpPr/>
+        <p:nvPr/>
+      </p:nvGrpSpPr>
+      <p:grpSpPr>
+        <a:xfrm>
+          <a:off x="0" y="0"/>
+          <a:ext cx="0" cy="0"/>
+          <a:chOff x="0" y="0"/>
+          <a:chExt cx="0" cy="0"/>
+        </a:xfrm>
+      </p:grpSpPr>
+      <p:sp>
+        <p:nvSpPr>
+          <p:cNvPr id="4" name="タイトル 3">
+            <a:extLst>
+              <a:ext uri="{FF2B5EF4-FFF2-40B4-BE49-F238E27FC236}">
+                <a16:creationId xmlns:a16="http://schemas.microsoft.com/office/drawing/2014/main" id="{2C10D4AA-048C-67DA-1625-6F8D77C161AF}"/>
+              </a:ext>
+            </a:extLst>
+          </p:cNvPr>
+          <p:cNvSpPr>
+            <a:spLocks noGrp="1"/>
+          </p:cNvSpPr>
+          <p:nvPr>
+            <p:ph type="title"/>
+          </p:nvPr>
+        </p:nvSpPr>
+        <p:spPr/>
+        <p:txBody>
+          <a:bodyPr/>
+          <a:lstStyle/>
+          <a:p>
+            <a:r>
+              <a:rPr lang="ja-JP" altLang="en-US" dirty="0"/>
+              <a:t>６点プロット</a:t>
+            </a:r>
+          </a:p>
+        </p:txBody>
+      </p:sp>
+      <p:sp>
+        <p:nvSpPr>
+          <p:cNvPr id="5" name="テキスト プレースホルダー 4">
+            <a:extLst>
+              <a:ext uri="{FF2B5EF4-FFF2-40B4-BE49-F238E27FC236}">
+                <a16:creationId xmlns:a16="http://schemas.microsoft.com/office/drawing/2014/main" id="{A0D92A2D-1570-9CE4-B7FF-F750001C61B8}"/>
               </a:ext>
             </a:extLst>
           </p:cNvPr>
@@ -5851,6 +6065,183 @@
             <p:ph type="body" sz="quarter" idx="10"/>
           </p:nvPr>
         </p:nvSpPr>
+        <p:spPr/>
+        <p:txBody>
+          <a:bodyPr/>
+          <a:lstStyle/>
+          <a:p>
+            <a:r>
+              <a:rPr lang="ja-JP" altLang="en-US" dirty="0"/>
+              <a:t>６点プロットはイントロを書く際に作る</a:t>
+            </a:r>
+            <a:endParaRPr lang="en-US" altLang="ja-JP" dirty="0"/>
+          </a:p>
+          <a:p>
+            <a:pPr lvl="1"/>
+            <a:r>
+              <a:rPr lang="ja-JP" altLang="en-US" dirty="0"/>
+              <a:t>論文のイントロは典型的には６パラグラフ前後</a:t>
+            </a:r>
+            <a:endParaRPr lang="en-US" altLang="ja-JP" dirty="0"/>
+          </a:p>
+          <a:p>
+            <a:pPr lvl="1"/>
+            <a:r>
+              <a:rPr lang="ja-JP" altLang="en-US" dirty="0"/>
+              <a:t>この各パラグラフで何を話すかをまとめる</a:t>
+            </a:r>
+            <a:endParaRPr lang="en-US" altLang="ja-JP" dirty="0"/>
+          </a:p>
+          <a:p>
+            <a:pPr lvl="2"/>
+            <a:r>
+              <a:rPr lang="ja-JP" altLang="en-US" dirty="0"/>
+              <a:t>６点プロットの各項目は各パラグラフのトピック・センテンスに対応する</a:t>
+            </a:r>
+            <a:endParaRPr lang="en-US" altLang="ja-JP" dirty="0"/>
+          </a:p>
+          <a:p>
+            <a:pPr lvl="2"/>
+            <a:r>
+              <a:rPr lang="ja-JP" altLang="en-US" dirty="0"/>
+              <a:t>トピック・センテンスだけを繋げて読んでも意味が通るように</a:t>
+            </a:r>
+            <a:endParaRPr lang="en-US" altLang="ja-JP" dirty="0"/>
+          </a:p>
+          <a:p>
+            <a:r>
+              <a:rPr lang="ja-JP" altLang="en-US" dirty="0"/>
+              <a:t>６点プロットも３点プロットから派生させて作る</a:t>
+            </a:r>
+            <a:endParaRPr lang="en-US" altLang="ja-JP" dirty="0"/>
+          </a:p>
+          <a:p>
+            <a:pPr lvl="1"/>
+            <a:r>
+              <a:rPr lang="ja-JP" altLang="en-US" dirty="0"/>
+              <a:t>３点プロットの各項目に，より詳細を肉付けしていく</a:t>
+            </a:r>
+            <a:endParaRPr lang="en-US" altLang="ja-JP" dirty="0"/>
+          </a:p>
+        </p:txBody>
+      </p:sp>
+      <p:sp>
+        <p:nvSpPr>
+          <p:cNvPr id="2" name="スライド番号プレースホルダー 1">
+            <a:extLst>
+              <a:ext uri="{FF2B5EF4-FFF2-40B4-BE49-F238E27FC236}">
+                <a16:creationId xmlns:a16="http://schemas.microsoft.com/office/drawing/2014/main" id="{318799CD-2CF6-3BA8-8532-19FDE41048E5}"/>
+              </a:ext>
+            </a:extLst>
+          </p:cNvPr>
+          <p:cNvSpPr>
+            <a:spLocks noGrp="1"/>
+          </p:cNvSpPr>
+          <p:nvPr>
+            <p:ph type="sldNum" sz="quarter" idx="4294967295"/>
+          </p:nvPr>
+        </p:nvSpPr>
+        <p:spPr>
+          <a:xfrm>
+            <a:off x="8531225" y="6308725"/>
+            <a:ext cx="612775" cy="549275"/>
+          </a:xfrm>
+        </p:spPr>
+        <p:txBody>
+          <a:bodyPr/>
+          <a:lstStyle/>
+          <a:p>
+            <a:fld id="{D2D8002D-B5B0-4BAC-B1F6-782DDCCE6D9C}" type="slidenum">
+              <a:rPr kumimoji="1" lang="ja-JP" altLang="en-US" smtClean="0"/>
+              <a:pPr/>
+              <a:t>26</a:t>
+            </a:fld>
+            <a:endParaRPr kumimoji="1" lang="ja-JP" altLang="en-US"/>
+          </a:p>
+        </p:txBody>
+      </p:sp>
+    </p:spTree>
+    <p:extLst>
+      <p:ext uri="{BB962C8B-B14F-4D97-AF65-F5344CB8AC3E}">
+        <p14:creationId xmlns:p14="http://schemas.microsoft.com/office/powerpoint/2010/main" val="1796504870"/>
+      </p:ext>
+    </p:extLst>
+  </p:cSld>
+  <p:clrMapOvr>
+    <a:masterClrMapping/>
+  </p:clrMapOvr>
+  <mc:AlternateContent xmlns:mc="http://schemas.openxmlformats.org/markup-compatibility/2006" xmlns:p14="http://schemas.microsoft.com/office/powerpoint/2010/main">
+    <mc:Choice Requires="p14">
+      <p:transition p14:dur="10"/>
+    </mc:Choice>
+    <mc:Fallback xmlns="">
+      <p:transition/>
+    </mc:Fallback>
+  </mc:AlternateContent>
+</p:sld>
+</file>
+
+<file path=ppt/slides/slide27.xml><?xml version="1.0" encoding="utf-8"?>
+<p:sld xmlns:a="http://schemas.openxmlformats.org/drawingml/2006/main" xmlns:r="http://schemas.openxmlformats.org/officeDocument/2006/relationships" xmlns:p="http://schemas.openxmlformats.org/presentationml/2006/main">
+  <p:cSld>
+    <p:spTree>
+      <p:nvGrpSpPr>
+        <p:cNvPr id="1" name=""/>
+        <p:cNvGrpSpPr/>
+        <p:nvPr/>
+      </p:nvGrpSpPr>
+      <p:grpSpPr>
+        <a:xfrm>
+          <a:off x="0" y="0"/>
+          <a:ext cx="0" cy="0"/>
+          <a:chOff x="0" y="0"/>
+          <a:chExt cx="0" cy="0"/>
+        </a:xfrm>
+      </p:grpSpPr>
+      <p:sp>
+        <p:nvSpPr>
+          <p:cNvPr id="2" name="タイトル 1">
+            <a:extLst>
+              <a:ext uri="{FF2B5EF4-FFF2-40B4-BE49-F238E27FC236}">
+                <a16:creationId xmlns:a16="http://schemas.microsoft.com/office/drawing/2014/main" id="{18A42B14-CF0C-96E2-5CF7-6662DFA3735D}"/>
+              </a:ext>
+            </a:extLst>
+          </p:cNvPr>
+          <p:cNvSpPr>
+            <a:spLocks noGrp="1"/>
+          </p:cNvSpPr>
+          <p:nvPr>
+            <p:ph type="title"/>
+          </p:nvPr>
+        </p:nvSpPr>
+        <p:spPr/>
+        <p:txBody>
+          <a:bodyPr/>
+          <a:lstStyle/>
+          <a:p>
+            <a:r>
+              <a:rPr kumimoji="1" lang="ja-JP" altLang="en-US" dirty="0"/>
+              <a:t>詳細度と論理構造</a:t>
+            </a:r>
+          </a:p>
+        </p:txBody>
+      </p:sp>
+      <p:sp>
+        <p:nvSpPr>
+          <p:cNvPr id="3" name="テキスト プレースホルダー 2">
+            <a:extLst>
+              <a:ext uri="{FF2B5EF4-FFF2-40B4-BE49-F238E27FC236}">
+                <a16:creationId xmlns:a16="http://schemas.microsoft.com/office/drawing/2014/main" id="{AAB0013E-6128-536A-AD5E-A87E6DA3282A}"/>
+              </a:ext>
+            </a:extLst>
+          </p:cNvPr>
+          <p:cNvSpPr>
+            <a:spLocks noGrp="1"/>
+          </p:cNvSpPr>
+          <p:nvPr>
+            <p:ph type="body" sz="quarter" idx="10"/>
+          </p:nvPr>
+        </p:nvSpPr>
         <p:spPr>
           <a:xfrm>
             <a:off x="611956" y="3429000"/>
@@ -5871,7 +6262,7 @@
             <a:pPr lvl="1"/>
             <a:r>
               <a:rPr kumimoji="1" lang="ja-JP" altLang="en-US" dirty="0"/>
-              <a:t>上の階層（点数が少ない方）は，下の階層の要約になっている</a:t>
+              <a:t>上の階層は下の階層の要約になっている</a:t>
             </a:r>
             <a:endParaRPr kumimoji="1" lang="en-US" altLang="ja-JP" dirty="0"/>
           </a:p>
@@ -7107,7 +7498,7 @@
 </p:sld>
 </file>
 
-<file path=ppt/slides/slide26.xml><?xml version="1.0" encoding="utf-8"?>
+<file path=ppt/slides/slide28.xml><?xml version="1.0" encoding="utf-8"?>
 <p:sld xmlns:a="http://schemas.openxmlformats.org/drawingml/2006/main" xmlns:r="http://schemas.openxmlformats.org/officeDocument/2006/relationships" xmlns:p="http://schemas.openxmlformats.org/presentationml/2006/main">
   <p:cSld>
     <p:spTree>
@@ -7147,7 +7538,7 @@
           <a:p>
             <a:r>
               <a:rPr kumimoji="1" lang="ja-JP" altLang="en-US" dirty="0"/>
-              <a:t>詳細度と論理構造</a:t>
+              <a:t>６点プロット時の配分</a:t>
             </a:r>
           </a:p>
         </p:txBody>
@@ -7188,15 +7579,38 @@
             <a:pPr lvl="1"/>
             <a:r>
               <a:rPr kumimoji="1" lang="ja-JP" altLang="en-US" dirty="0"/>
-              <a:t>３点のどこをどれだけ詳しく話すかは，話題による</a:t>
+              <a:t>３点のどこをどれだけ詳しく話すかは，論文ごとに異なる</a:t>
             </a:r>
             <a:endParaRPr kumimoji="1" lang="en-US" altLang="ja-JP" dirty="0"/>
           </a:p>
           <a:p>
+            <a:r>
+              <a:rPr kumimoji="1" lang="ja-JP" altLang="en-US" dirty="0"/>
+              <a:t>たとえば，</a:t>
+            </a:r>
+            <a:endParaRPr kumimoji="1" lang="en-US" altLang="ja-JP" dirty="0"/>
+          </a:p>
+          <a:p>
             <a:pPr lvl="1"/>
             <a:r>
               <a:rPr kumimoji="1" lang="ja-JP" altLang="en-US" dirty="0"/>
-              <a:t>基本的には背景は１つのままで，提案を増やす事が多い</a:t>
+              <a:t>背景は１つのままで，提案を増やす事が多い（上の図の例）</a:t>
+            </a:r>
+            <a:endParaRPr kumimoji="1" lang="en-US" altLang="ja-JP" dirty="0"/>
+          </a:p>
+          <a:p>
+            <a:pPr lvl="1"/>
+            <a:r>
+              <a:rPr kumimoji="1" lang="ja-JP" altLang="en-US" dirty="0"/>
+              <a:t>あまり一般的ではない話題の場合，背景が多めになる事も</a:t>
+            </a:r>
+            <a:endParaRPr kumimoji="1" lang="en-US" altLang="ja-JP" dirty="0"/>
+          </a:p>
+          <a:p>
+            <a:pPr lvl="1"/>
+            <a:r>
+              <a:rPr kumimoji="1" lang="ja-JP" altLang="en-US" dirty="0"/>
+              <a:t>課題の発見や整理こそが大事な場合，提案は自明なため短くなる</a:t>
             </a:r>
           </a:p>
         </p:txBody>
@@ -8411,245 +8825,6 @@
 </p:sld>
 </file>
 
-<file path=ppt/slides/slide27.xml><?xml version="1.0" encoding="utf-8"?>
-<p:sld xmlns:a="http://schemas.openxmlformats.org/drawingml/2006/main" xmlns:r="http://schemas.openxmlformats.org/officeDocument/2006/relationships" xmlns:p="http://schemas.openxmlformats.org/presentationml/2006/main">
-  <p:cSld>
-    <p:spTree>
-      <p:nvGrpSpPr>
-        <p:cNvPr id="1" name=""/>
-        <p:cNvGrpSpPr/>
-        <p:nvPr/>
-      </p:nvGrpSpPr>
-      <p:grpSpPr>
-        <a:xfrm>
-          <a:off x="0" y="0"/>
-          <a:ext cx="0" cy="0"/>
-          <a:chOff x="0" y="0"/>
-          <a:chExt cx="0" cy="0"/>
-        </a:xfrm>
-      </p:grpSpPr>
-      <p:sp>
-        <p:nvSpPr>
-          <p:cNvPr id="4" name="タイトル 3">
-            <a:extLst>
-              <a:ext uri="{FF2B5EF4-FFF2-40B4-BE49-F238E27FC236}">
-                <a16:creationId xmlns:a16="http://schemas.microsoft.com/office/drawing/2014/main" id="{84F42E09-269D-6700-69C9-4DCC825C99A7}"/>
-              </a:ext>
-            </a:extLst>
-          </p:cNvPr>
-          <p:cNvSpPr>
-            <a:spLocks noGrp="1"/>
-          </p:cNvSpPr>
-          <p:nvPr>
-            <p:ph type="title"/>
-          </p:nvPr>
-        </p:nvSpPr>
-        <p:spPr/>
-        <p:txBody>
-          <a:bodyPr/>
-          <a:lstStyle/>
-          <a:p>
-            <a:r>
-              <a:rPr lang="ja-JP" altLang="en-US" b="1" dirty="0"/>
-              <a:t>完全プロット</a:t>
-            </a:r>
-          </a:p>
-        </p:txBody>
-      </p:sp>
-    </p:spTree>
-    <p:extLst>
-      <p:ext uri="{BB962C8B-B14F-4D97-AF65-F5344CB8AC3E}">
-        <p14:creationId xmlns:p14="http://schemas.microsoft.com/office/powerpoint/2010/main" val="3653181482"/>
-      </p:ext>
-    </p:extLst>
-  </p:cSld>
-  <p:clrMapOvr>
-    <a:masterClrMapping/>
-  </p:clrMapOvr>
-</p:sld>
-</file>
-
-<file path=ppt/slides/slide28.xml><?xml version="1.0" encoding="utf-8"?>
-<p:sld xmlns:a="http://schemas.openxmlformats.org/drawingml/2006/main" xmlns:r="http://schemas.openxmlformats.org/officeDocument/2006/relationships" xmlns:p="http://schemas.openxmlformats.org/presentationml/2006/main">
-  <p:cSld>
-    <p:spTree>
-      <p:nvGrpSpPr>
-        <p:cNvPr id="1" name=""/>
-        <p:cNvGrpSpPr/>
-        <p:nvPr/>
-      </p:nvGrpSpPr>
-      <p:grpSpPr>
-        <a:xfrm>
-          <a:off x="0" y="0"/>
-          <a:ext cx="0" cy="0"/>
-          <a:chOff x="0" y="0"/>
-          <a:chExt cx="0" cy="0"/>
-        </a:xfrm>
-      </p:grpSpPr>
-      <p:sp>
-        <p:nvSpPr>
-          <p:cNvPr id="4" name="タイトル 3">
-            <a:extLst>
-              <a:ext uri="{FF2B5EF4-FFF2-40B4-BE49-F238E27FC236}">
-                <a16:creationId xmlns:a16="http://schemas.microsoft.com/office/drawing/2014/main" id="{753D130F-9E8D-16A8-53A6-8697A34BBC23}"/>
-              </a:ext>
-            </a:extLst>
-          </p:cNvPr>
-          <p:cNvSpPr>
-            <a:spLocks noGrp="1"/>
-          </p:cNvSpPr>
-          <p:nvPr>
-            <p:ph type="title"/>
-          </p:nvPr>
-        </p:nvSpPr>
-        <p:spPr/>
-        <p:txBody>
-          <a:bodyPr/>
-          <a:lstStyle/>
-          <a:p>
-            <a:r>
-              <a:rPr lang="ja-JP" altLang="en-US" dirty="0"/>
-              <a:t>完全</a:t>
-            </a:r>
-            <a:r>
-              <a:rPr lang="ja-JP" altLang="en-US" b="1" dirty="0"/>
-              <a:t>プロット</a:t>
-            </a:r>
-            <a:endParaRPr lang="ja-JP" altLang="en-US" dirty="0"/>
-          </a:p>
-        </p:txBody>
-      </p:sp>
-      <p:sp>
-        <p:nvSpPr>
-          <p:cNvPr id="5" name="テキスト プレースホルダー 4">
-            <a:extLst>
-              <a:ext uri="{FF2B5EF4-FFF2-40B4-BE49-F238E27FC236}">
-                <a16:creationId xmlns:a16="http://schemas.microsoft.com/office/drawing/2014/main" id="{220629E9-D9B3-68BB-D88A-B953DAE0018E}"/>
-              </a:ext>
-            </a:extLst>
-          </p:cNvPr>
-          <p:cNvSpPr>
-            <a:spLocks noGrp="1"/>
-          </p:cNvSpPr>
-          <p:nvPr>
-            <p:ph type="body" sz="quarter" idx="10"/>
-          </p:nvPr>
-        </p:nvSpPr>
-        <p:spPr/>
-        <p:txBody>
-          <a:bodyPr/>
-          <a:lstStyle/>
-          <a:p>
-            <a:r>
-              <a:rPr lang="ja-JP" altLang="en-US" dirty="0"/>
-              <a:t>論文やスライド全体のプロット</a:t>
-            </a:r>
-            <a:endParaRPr lang="en-US" altLang="ja-JP" dirty="0"/>
-          </a:p>
-          <a:p>
-            <a:pPr lvl="1"/>
-            <a:r>
-              <a:rPr lang="ja-JP" altLang="en-US" dirty="0"/>
-              <a:t>特に項目数などの形式はない：</a:t>
-            </a:r>
-            <a:endParaRPr lang="en-US" altLang="ja-JP" dirty="0"/>
-          </a:p>
-          <a:p>
-            <a:pPr lvl="2"/>
-            <a:r>
-              <a:rPr lang="ja-JP" altLang="en-US" dirty="0"/>
-              <a:t>基本的には３点プロットから派生させて考える</a:t>
-            </a:r>
-            <a:endParaRPr lang="en-US" altLang="ja-JP" dirty="0"/>
-          </a:p>
-          <a:p>
-            <a:pPr lvl="2"/>
-            <a:r>
-              <a:rPr lang="ja-JP" altLang="en-US" dirty="0"/>
-              <a:t>６点プロットでは省略されるような実装の詳細なども入る</a:t>
-            </a:r>
-            <a:endParaRPr lang="en-US" altLang="ja-JP" dirty="0"/>
-          </a:p>
-          <a:p>
-            <a:r>
-              <a:rPr lang="ja-JP" altLang="en-US" dirty="0"/>
-              <a:t>３点プロットは，いわば「完全プロットのプロット」</a:t>
-            </a:r>
-            <a:endParaRPr lang="en-US" altLang="ja-JP" dirty="0"/>
-          </a:p>
-          <a:p>
-            <a:pPr lvl="1"/>
-            <a:r>
-              <a:rPr lang="ja-JP" altLang="en-US" dirty="0"/>
-              <a:t>３点プロットで整理した内容をもとに，完全プロットを作る</a:t>
-            </a:r>
-            <a:endParaRPr lang="en-US" altLang="ja-JP" dirty="0"/>
-          </a:p>
-          <a:p>
-            <a:pPr lvl="1"/>
-            <a:r>
-              <a:rPr lang="ja-JP" altLang="en-US" dirty="0"/>
-              <a:t>いきなり完全プロットを作るのは難しい</a:t>
-            </a:r>
-          </a:p>
-        </p:txBody>
-      </p:sp>
-      <p:sp>
-        <p:nvSpPr>
-          <p:cNvPr id="2" name="スライド番号プレースホルダー 1">
-            <a:extLst>
-              <a:ext uri="{FF2B5EF4-FFF2-40B4-BE49-F238E27FC236}">
-                <a16:creationId xmlns:a16="http://schemas.microsoft.com/office/drawing/2014/main" id="{AF545ECD-D308-1534-57FD-733596E35FF6}"/>
-              </a:ext>
-            </a:extLst>
-          </p:cNvPr>
-          <p:cNvSpPr>
-            <a:spLocks noGrp="1"/>
-          </p:cNvSpPr>
-          <p:nvPr>
-            <p:ph type="sldNum" sz="quarter" idx="4294967295"/>
-          </p:nvPr>
-        </p:nvSpPr>
-        <p:spPr>
-          <a:xfrm>
-            <a:off x="8531225" y="6308725"/>
-            <a:ext cx="612775" cy="549275"/>
-          </a:xfrm>
-        </p:spPr>
-        <p:txBody>
-          <a:bodyPr/>
-          <a:lstStyle/>
-          <a:p>
-            <a:fld id="{D2D8002D-B5B0-4BAC-B1F6-782DDCCE6D9C}" type="slidenum">
-              <a:rPr kumimoji="1" lang="ja-JP" altLang="en-US" smtClean="0"/>
-              <a:pPr/>
-              <a:t>28</a:t>
-            </a:fld>
-            <a:endParaRPr kumimoji="1" lang="ja-JP" altLang="en-US"/>
-          </a:p>
-        </p:txBody>
-      </p:sp>
-    </p:spTree>
-    <p:extLst>
-      <p:ext uri="{BB962C8B-B14F-4D97-AF65-F5344CB8AC3E}">
-        <p14:creationId xmlns:p14="http://schemas.microsoft.com/office/powerpoint/2010/main" val="57573531"/>
-      </p:ext>
-    </p:extLst>
-  </p:cSld>
-  <p:clrMapOvr>
-    <a:masterClrMapping/>
-  </p:clrMapOvr>
-  <mc:AlternateContent xmlns:mc="http://schemas.openxmlformats.org/markup-compatibility/2006" xmlns:p14="http://schemas.microsoft.com/office/powerpoint/2010/main">
-    <mc:Choice Requires="p14">
-      <p:transition p14:dur="10"/>
-    </mc:Choice>
-    <mc:Fallback xmlns="">
-      <p:transition/>
-    </mc:Fallback>
-  </mc:AlternateContent>
-</p:sld>
-</file>
-
 <file path=ppt/slides/slide29.xml><?xml version="1.0" encoding="utf-8"?>
 <p:sld xmlns:a="http://schemas.openxmlformats.org/drawingml/2006/main" xmlns:r="http://schemas.openxmlformats.org/officeDocument/2006/relationships" xmlns:p="http://schemas.openxmlformats.org/presentationml/2006/main">
   <p:cSld>
@@ -8672,7 +8847,7 @@
           <p:cNvPr id="4" name="タイトル 3">
             <a:extLst>
               <a:ext uri="{FF2B5EF4-FFF2-40B4-BE49-F238E27FC236}">
-                <a16:creationId xmlns:a16="http://schemas.microsoft.com/office/drawing/2014/main" id="{753D130F-9E8D-16A8-53A6-8697A34BBC23}"/>
+                <a16:creationId xmlns:a16="http://schemas.microsoft.com/office/drawing/2014/main" id="{84F42E09-269D-6700-69C9-4DCC825C99A7}"/>
               </a:ext>
             </a:extLst>
           </p:cNvPr>
@@ -8689,156 +8864,22 @@
           <a:lstStyle/>
           <a:p>
             <a:r>
-              <a:rPr lang="ja-JP" altLang="en-US" dirty="0"/>
-              <a:t>完全</a:t>
-            </a:r>
-            <a:r>
               <a:rPr lang="ja-JP" altLang="en-US" b="1" dirty="0"/>
-              <a:t>プロット</a:t>
-            </a:r>
-            <a:endParaRPr lang="ja-JP" altLang="en-US" dirty="0"/>
-          </a:p>
-        </p:txBody>
-      </p:sp>
-      <p:sp>
-        <p:nvSpPr>
-          <p:cNvPr id="5" name="テキスト プレースホルダー 4">
-            <a:extLst>
-              <a:ext uri="{FF2B5EF4-FFF2-40B4-BE49-F238E27FC236}">
-                <a16:creationId xmlns:a16="http://schemas.microsoft.com/office/drawing/2014/main" id="{220629E9-D9B3-68BB-D88A-B953DAE0018E}"/>
-              </a:ext>
-            </a:extLst>
-          </p:cNvPr>
-          <p:cNvSpPr>
-            <a:spLocks noGrp="1"/>
-          </p:cNvSpPr>
-          <p:nvPr>
-            <p:ph type="body" sz="quarter" idx="10"/>
-          </p:nvPr>
-        </p:nvSpPr>
-        <p:spPr/>
-        <p:txBody>
-          <a:bodyPr/>
-          <a:lstStyle/>
-          <a:p>
-            <a:r>
-              <a:rPr lang="ja-JP" altLang="en-US" dirty="0"/>
-              <a:t>論文用：以下を</a:t>
-            </a:r>
-            <a:r>
-              <a:rPr kumimoji="1" lang="ja-JP" altLang="en-US" dirty="0"/>
-              <a:t>箇条書きにまとめる</a:t>
-            </a:r>
-            <a:endParaRPr lang="en-US" altLang="ja-JP" dirty="0"/>
-          </a:p>
-          <a:p>
-            <a:pPr lvl="1"/>
-            <a:r>
-              <a:rPr kumimoji="1" lang="ja-JP" altLang="en-US" dirty="0"/>
-              <a:t>論文の </a:t>
-            </a:r>
-            <a:r>
-              <a:rPr kumimoji="1" lang="en-US" altLang="ja-JP" dirty="0"/>
-              <a:t>subsubsection </a:t>
-            </a:r>
-            <a:r>
-              <a:rPr kumimoji="1" lang="ja-JP" altLang="en-US" dirty="0"/>
-              <a:t>までの節タイトル</a:t>
-            </a:r>
-            <a:endParaRPr kumimoji="1" lang="en-US" altLang="ja-JP" dirty="0"/>
-          </a:p>
-          <a:p>
-            <a:pPr lvl="1"/>
-            <a:r>
-              <a:rPr kumimoji="1" lang="ja-JP" altLang="en-US" dirty="0"/>
-              <a:t>そこで何を話すか</a:t>
-            </a:r>
-            <a:endParaRPr kumimoji="1" lang="en-US" altLang="ja-JP" dirty="0"/>
-          </a:p>
-          <a:p>
-            <a:r>
-              <a:rPr lang="ja-JP" altLang="en-US" dirty="0"/>
-              <a:t>スライド用：以下を</a:t>
-            </a:r>
-            <a:r>
-              <a:rPr kumimoji="1" lang="ja-JP" altLang="en-US" dirty="0"/>
-              <a:t>箇条書きにまとめる</a:t>
-            </a:r>
-            <a:endParaRPr lang="en-US" altLang="ja-JP" dirty="0"/>
-          </a:p>
-          <a:p>
-            <a:pPr lvl="1"/>
-            <a:r>
-              <a:rPr kumimoji="1" lang="ja-JP" altLang="en-US" dirty="0"/>
-              <a:t>スライドの各ページのタイトル</a:t>
-            </a:r>
-            <a:endParaRPr kumimoji="1" lang="en-US" altLang="ja-JP" dirty="0"/>
-          </a:p>
-          <a:p>
-            <a:pPr lvl="1"/>
-            <a:r>
-              <a:rPr kumimoji="1" lang="ja-JP" altLang="en-US" dirty="0"/>
-              <a:t>そこで何を話すか</a:t>
-            </a:r>
-          </a:p>
-          <a:p>
-            <a:endParaRPr lang="ja-JP" altLang="en-US" dirty="0"/>
-          </a:p>
-        </p:txBody>
-      </p:sp>
-      <p:sp>
-        <p:nvSpPr>
-          <p:cNvPr id="2" name="スライド番号プレースホルダー 1">
-            <a:extLst>
-              <a:ext uri="{FF2B5EF4-FFF2-40B4-BE49-F238E27FC236}">
-                <a16:creationId xmlns:a16="http://schemas.microsoft.com/office/drawing/2014/main" id="{AF545ECD-D308-1534-57FD-733596E35FF6}"/>
-              </a:ext>
-            </a:extLst>
-          </p:cNvPr>
-          <p:cNvSpPr>
-            <a:spLocks noGrp="1"/>
-          </p:cNvSpPr>
-          <p:nvPr>
-            <p:ph type="sldNum" sz="quarter" idx="4294967295"/>
-          </p:nvPr>
-        </p:nvSpPr>
-        <p:spPr>
-          <a:xfrm>
-            <a:off x="8531225" y="6308725"/>
-            <a:ext cx="612775" cy="549275"/>
-          </a:xfrm>
-        </p:spPr>
-        <p:txBody>
-          <a:bodyPr/>
-          <a:lstStyle/>
-          <a:p>
-            <a:fld id="{D2D8002D-B5B0-4BAC-B1F6-782DDCCE6D9C}" type="slidenum">
-              <a:rPr kumimoji="1" lang="ja-JP" altLang="en-US" smtClean="0"/>
-              <a:pPr/>
-              <a:t>29</a:t>
-            </a:fld>
-            <a:endParaRPr kumimoji="1" lang="ja-JP" altLang="en-US"/>
+              <a:t>完全プロット</a:t>
+            </a:r>
           </a:p>
         </p:txBody>
       </p:sp>
     </p:spTree>
     <p:extLst>
       <p:ext uri="{BB962C8B-B14F-4D97-AF65-F5344CB8AC3E}">
-        <p14:creationId xmlns:p14="http://schemas.microsoft.com/office/powerpoint/2010/main" val="492338302"/>
+        <p14:creationId xmlns:p14="http://schemas.microsoft.com/office/powerpoint/2010/main" val="3653181482"/>
       </p:ext>
     </p:extLst>
   </p:cSld>
   <p:clrMapOvr>
     <a:masterClrMapping/>
   </p:clrMapOvr>
-  <mc:AlternateContent xmlns:mc="http://schemas.openxmlformats.org/markup-compatibility/2006" xmlns:p14="http://schemas.microsoft.com/office/powerpoint/2010/main">
-    <mc:Choice Requires="p14">
-      <p:transition p14:dur="10"/>
-    </mc:Choice>
-    <mc:Fallback xmlns="">
-      <p:transition/>
-    </mc:Fallback>
-  </mc:AlternateContent>
 </p:sld>
 </file>
 
@@ -8910,7 +8951,7 @@
           <a:p>
             <a:r>
               <a:rPr kumimoji="1" lang="ja-JP" altLang="en-US" dirty="0"/>
-              <a:t>詳細度ごとに複数のプロットを以降では説明</a:t>
+              <a:t>詳細度ごとに複数のタイプのプロットを以降では説明</a:t>
             </a:r>
             <a:endParaRPr kumimoji="1" lang="en-US" altLang="ja-JP" dirty="0"/>
           </a:p>
@@ -8942,7 +8983,7 @@
             <a:pPr lvl="1"/>
             <a:r>
               <a:rPr kumimoji="1" lang="ja-JP" altLang="en-US" dirty="0"/>
-              <a:t>６点プロット</a:t>
+              <a:t>６点プロット（イントロ用）</a:t>
             </a:r>
             <a:endParaRPr kumimoji="1" lang="en-US" altLang="ja-JP" dirty="0"/>
           </a:p>
@@ -8954,7 +8995,15 @@
             </a:r>
             <a:r>
               <a:rPr kumimoji="1" lang="ja-JP" altLang="en-US" dirty="0"/>
-              <a:t>プロット</a:t>
+              <a:t>プロット（論文</a:t>
+            </a:r>
+            <a:r>
+              <a:rPr kumimoji="1" lang="en-US" altLang="ja-JP" dirty="0"/>
+              <a:t>/</a:t>
+            </a:r>
+            <a:r>
+              <a:rPr kumimoji="1" lang="ja-JP" altLang="en-US" dirty="0"/>
+              <a:t>スライド全体用）</a:t>
             </a:r>
             <a:endParaRPr kumimoji="1" lang="en-US" altLang="ja-JP" dirty="0"/>
           </a:p>
@@ -9027,6 +9076,379 @@
       </p:grpSpPr>
       <p:sp>
         <p:nvSpPr>
+          <p:cNvPr id="4" name="タイトル 3">
+            <a:extLst>
+              <a:ext uri="{FF2B5EF4-FFF2-40B4-BE49-F238E27FC236}">
+                <a16:creationId xmlns:a16="http://schemas.microsoft.com/office/drawing/2014/main" id="{753D130F-9E8D-16A8-53A6-8697A34BBC23}"/>
+              </a:ext>
+            </a:extLst>
+          </p:cNvPr>
+          <p:cNvSpPr>
+            <a:spLocks noGrp="1"/>
+          </p:cNvSpPr>
+          <p:nvPr>
+            <p:ph type="title"/>
+          </p:nvPr>
+        </p:nvSpPr>
+        <p:spPr/>
+        <p:txBody>
+          <a:bodyPr/>
+          <a:lstStyle/>
+          <a:p>
+            <a:r>
+              <a:rPr lang="ja-JP" altLang="en-US" dirty="0"/>
+              <a:t>完全</a:t>
+            </a:r>
+            <a:r>
+              <a:rPr lang="ja-JP" altLang="en-US" b="1" dirty="0"/>
+              <a:t>プロット</a:t>
+            </a:r>
+            <a:endParaRPr lang="ja-JP" altLang="en-US" dirty="0"/>
+          </a:p>
+        </p:txBody>
+      </p:sp>
+      <p:sp>
+        <p:nvSpPr>
+          <p:cNvPr id="5" name="テキスト プレースホルダー 4">
+            <a:extLst>
+              <a:ext uri="{FF2B5EF4-FFF2-40B4-BE49-F238E27FC236}">
+                <a16:creationId xmlns:a16="http://schemas.microsoft.com/office/drawing/2014/main" id="{220629E9-D9B3-68BB-D88A-B953DAE0018E}"/>
+              </a:ext>
+            </a:extLst>
+          </p:cNvPr>
+          <p:cNvSpPr>
+            <a:spLocks noGrp="1"/>
+          </p:cNvSpPr>
+          <p:nvPr>
+            <p:ph type="body" sz="quarter" idx="10"/>
+          </p:nvPr>
+        </p:nvSpPr>
+        <p:spPr/>
+        <p:txBody>
+          <a:bodyPr/>
+          <a:lstStyle/>
+          <a:p>
+            <a:r>
+              <a:rPr lang="ja-JP" altLang="en-US" dirty="0"/>
+              <a:t>論文やスライド全体のプロット</a:t>
+            </a:r>
+            <a:endParaRPr lang="en-US" altLang="ja-JP" dirty="0"/>
+          </a:p>
+          <a:p>
+            <a:pPr lvl="1"/>
+            <a:r>
+              <a:rPr lang="ja-JP" altLang="en-US" dirty="0"/>
+              <a:t>特に項目数などの形式はない：</a:t>
+            </a:r>
+            <a:endParaRPr lang="en-US" altLang="ja-JP" dirty="0"/>
+          </a:p>
+          <a:p>
+            <a:pPr lvl="2"/>
+            <a:r>
+              <a:rPr lang="ja-JP" altLang="en-US" dirty="0"/>
+              <a:t>基本的には３点プロットから派生させて考える</a:t>
+            </a:r>
+            <a:endParaRPr lang="en-US" altLang="ja-JP" dirty="0"/>
+          </a:p>
+          <a:p>
+            <a:pPr lvl="2"/>
+            <a:r>
+              <a:rPr lang="ja-JP" altLang="en-US" dirty="0"/>
+              <a:t>６点プロットでは省略されるような実装の詳細なども入る</a:t>
+            </a:r>
+            <a:endParaRPr lang="en-US" altLang="ja-JP" dirty="0"/>
+          </a:p>
+          <a:p>
+            <a:r>
+              <a:rPr lang="ja-JP" altLang="en-US" dirty="0"/>
+              <a:t>３点プロットは，いわば「完全プロットのプロット」</a:t>
+            </a:r>
+            <a:endParaRPr lang="en-US" altLang="ja-JP" dirty="0"/>
+          </a:p>
+          <a:p>
+            <a:pPr lvl="1"/>
+            <a:r>
+              <a:rPr lang="ja-JP" altLang="en-US" dirty="0"/>
+              <a:t>３点プロットで整理した内容をもとに，肉付けして完全プロットを作る</a:t>
+            </a:r>
+            <a:endParaRPr lang="en-US" altLang="ja-JP" dirty="0"/>
+          </a:p>
+          <a:p>
+            <a:pPr lvl="1"/>
+            <a:r>
+              <a:rPr lang="ja-JP" altLang="en-US" dirty="0"/>
+              <a:t>いきなり完全プロットを作るのは難しい</a:t>
+            </a:r>
+          </a:p>
+        </p:txBody>
+      </p:sp>
+      <p:sp>
+        <p:nvSpPr>
+          <p:cNvPr id="2" name="スライド番号プレースホルダー 1">
+            <a:extLst>
+              <a:ext uri="{FF2B5EF4-FFF2-40B4-BE49-F238E27FC236}">
+                <a16:creationId xmlns:a16="http://schemas.microsoft.com/office/drawing/2014/main" id="{AF545ECD-D308-1534-57FD-733596E35FF6}"/>
+              </a:ext>
+            </a:extLst>
+          </p:cNvPr>
+          <p:cNvSpPr>
+            <a:spLocks noGrp="1"/>
+          </p:cNvSpPr>
+          <p:nvPr>
+            <p:ph type="sldNum" sz="quarter" idx="4294967295"/>
+          </p:nvPr>
+        </p:nvSpPr>
+        <p:spPr>
+          <a:xfrm>
+            <a:off x="8531225" y="6308725"/>
+            <a:ext cx="612775" cy="549275"/>
+          </a:xfrm>
+        </p:spPr>
+        <p:txBody>
+          <a:bodyPr/>
+          <a:lstStyle/>
+          <a:p>
+            <a:fld id="{D2D8002D-B5B0-4BAC-B1F6-782DDCCE6D9C}" type="slidenum">
+              <a:rPr kumimoji="1" lang="ja-JP" altLang="en-US" smtClean="0"/>
+              <a:pPr/>
+              <a:t>30</a:t>
+            </a:fld>
+            <a:endParaRPr kumimoji="1" lang="ja-JP" altLang="en-US"/>
+          </a:p>
+        </p:txBody>
+      </p:sp>
+    </p:spTree>
+    <p:extLst>
+      <p:ext uri="{BB962C8B-B14F-4D97-AF65-F5344CB8AC3E}">
+        <p14:creationId xmlns:p14="http://schemas.microsoft.com/office/powerpoint/2010/main" val="57573531"/>
+      </p:ext>
+    </p:extLst>
+  </p:cSld>
+  <p:clrMapOvr>
+    <a:masterClrMapping/>
+  </p:clrMapOvr>
+  <mc:AlternateContent xmlns:mc="http://schemas.openxmlformats.org/markup-compatibility/2006" xmlns:p14="http://schemas.microsoft.com/office/powerpoint/2010/main">
+    <mc:Choice Requires="p14">
+      <p:transition p14:dur="10"/>
+    </mc:Choice>
+    <mc:Fallback xmlns="">
+      <p:transition/>
+    </mc:Fallback>
+  </mc:AlternateContent>
+</p:sld>
+</file>
+
+<file path=ppt/slides/slide31.xml><?xml version="1.0" encoding="utf-8"?>
+<p:sld xmlns:a="http://schemas.openxmlformats.org/drawingml/2006/main" xmlns:r="http://schemas.openxmlformats.org/officeDocument/2006/relationships" xmlns:p="http://schemas.openxmlformats.org/presentationml/2006/main">
+  <p:cSld>
+    <p:spTree>
+      <p:nvGrpSpPr>
+        <p:cNvPr id="1" name=""/>
+        <p:cNvGrpSpPr/>
+        <p:nvPr/>
+      </p:nvGrpSpPr>
+      <p:grpSpPr>
+        <a:xfrm>
+          <a:off x="0" y="0"/>
+          <a:ext cx="0" cy="0"/>
+          <a:chOff x="0" y="0"/>
+          <a:chExt cx="0" cy="0"/>
+        </a:xfrm>
+      </p:grpSpPr>
+      <p:sp>
+        <p:nvSpPr>
+          <p:cNvPr id="4" name="タイトル 3">
+            <a:extLst>
+              <a:ext uri="{FF2B5EF4-FFF2-40B4-BE49-F238E27FC236}">
+                <a16:creationId xmlns:a16="http://schemas.microsoft.com/office/drawing/2014/main" id="{753D130F-9E8D-16A8-53A6-8697A34BBC23}"/>
+              </a:ext>
+            </a:extLst>
+          </p:cNvPr>
+          <p:cNvSpPr>
+            <a:spLocks noGrp="1"/>
+          </p:cNvSpPr>
+          <p:nvPr>
+            <p:ph type="title"/>
+          </p:nvPr>
+        </p:nvSpPr>
+        <p:spPr/>
+        <p:txBody>
+          <a:bodyPr/>
+          <a:lstStyle/>
+          <a:p>
+            <a:r>
+              <a:rPr lang="ja-JP" altLang="en-US" dirty="0"/>
+              <a:t>完全</a:t>
+            </a:r>
+            <a:r>
+              <a:rPr lang="ja-JP" altLang="en-US" b="1" dirty="0"/>
+              <a:t>プロット</a:t>
+            </a:r>
+            <a:endParaRPr lang="ja-JP" altLang="en-US" dirty="0"/>
+          </a:p>
+        </p:txBody>
+      </p:sp>
+      <p:sp>
+        <p:nvSpPr>
+          <p:cNvPr id="5" name="テキスト プレースホルダー 4">
+            <a:extLst>
+              <a:ext uri="{FF2B5EF4-FFF2-40B4-BE49-F238E27FC236}">
+                <a16:creationId xmlns:a16="http://schemas.microsoft.com/office/drawing/2014/main" id="{220629E9-D9B3-68BB-D88A-B953DAE0018E}"/>
+              </a:ext>
+            </a:extLst>
+          </p:cNvPr>
+          <p:cNvSpPr>
+            <a:spLocks noGrp="1"/>
+          </p:cNvSpPr>
+          <p:nvPr>
+            <p:ph type="body" sz="quarter" idx="10"/>
+          </p:nvPr>
+        </p:nvSpPr>
+        <p:spPr/>
+        <p:txBody>
+          <a:bodyPr/>
+          <a:lstStyle/>
+          <a:p>
+            <a:r>
+              <a:rPr lang="ja-JP" altLang="en-US" dirty="0"/>
+              <a:t>論文用：以下を</a:t>
+            </a:r>
+            <a:r>
+              <a:rPr kumimoji="1" lang="ja-JP" altLang="en-US" dirty="0"/>
+              <a:t>箇条書きにまとめる</a:t>
+            </a:r>
+            <a:endParaRPr lang="en-US" altLang="ja-JP" dirty="0"/>
+          </a:p>
+          <a:p>
+            <a:pPr lvl="1"/>
+            <a:r>
+              <a:rPr kumimoji="1" lang="ja-JP" altLang="en-US" dirty="0"/>
+              <a:t>論文の </a:t>
+            </a:r>
+            <a:r>
+              <a:rPr kumimoji="1" lang="en-US" altLang="ja-JP" dirty="0"/>
+              <a:t>subsubsection </a:t>
+            </a:r>
+            <a:r>
+              <a:rPr kumimoji="1" lang="ja-JP" altLang="en-US" dirty="0"/>
+              <a:t>までの節タイトル</a:t>
+            </a:r>
+            <a:endParaRPr kumimoji="1" lang="en-US" altLang="ja-JP" dirty="0"/>
+          </a:p>
+          <a:p>
+            <a:pPr lvl="1"/>
+            <a:r>
+              <a:rPr kumimoji="1" lang="ja-JP" altLang="en-US" dirty="0"/>
+              <a:t>そこで何を話すか</a:t>
+            </a:r>
+            <a:endParaRPr kumimoji="1" lang="en-US" altLang="ja-JP" dirty="0"/>
+          </a:p>
+          <a:p>
+            <a:r>
+              <a:rPr lang="ja-JP" altLang="en-US" dirty="0"/>
+              <a:t>スライド用：以下を</a:t>
+            </a:r>
+            <a:r>
+              <a:rPr kumimoji="1" lang="ja-JP" altLang="en-US" dirty="0"/>
+              <a:t>箇条書きにまとめる</a:t>
+            </a:r>
+            <a:endParaRPr lang="en-US" altLang="ja-JP" dirty="0"/>
+          </a:p>
+          <a:p>
+            <a:pPr lvl="1"/>
+            <a:r>
+              <a:rPr kumimoji="1" lang="ja-JP" altLang="en-US" dirty="0"/>
+              <a:t>スライドの各ページのタイトル</a:t>
+            </a:r>
+            <a:endParaRPr kumimoji="1" lang="en-US" altLang="ja-JP" dirty="0"/>
+          </a:p>
+          <a:p>
+            <a:pPr lvl="1"/>
+            <a:r>
+              <a:rPr kumimoji="1" lang="ja-JP" altLang="en-US" dirty="0"/>
+              <a:t>そこで何を話すか</a:t>
+            </a:r>
+          </a:p>
+          <a:p>
+            <a:endParaRPr lang="ja-JP" altLang="en-US" dirty="0"/>
+          </a:p>
+        </p:txBody>
+      </p:sp>
+      <p:sp>
+        <p:nvSpPr>
+          <p:cNvPr id="2" name="スライド番号プレースホルダー 1">
+            <a:extLst>
+              <a:ext uri="{FF2B5EF4-FFF2-40B4-BE49-F238E27FC236}">
+                <a16:creationId xmlns:a16="http://schemas.microsoft.com/office/drawing/2014/main" id="{AF545ECD-D308-1534-57FD-733596E35FF6}"/>
+              </a:ext>
+            </a:extLst>
+          </p:cNvPr>
+          <p:cNvSpPr>
+            <a:spLocks noGrp="1"/>
+          </p:cNvSpPr>
+          <p:nvPr>
+            <p:ph type="sldNum" sz="quarter" idx="4294967295"/>
+          </p:nvPr>
+        </p:nvSpPr>
+        <p:spPr>
+          <a:xfrm>
+            <a:off x="8531225" y="6308725"/>
+            <a:ext cx="612775" cy="549275"/>
+          </a:xfrm>
+        </p:spPr>
+        <p:txBody>
+          <a:bodyPr/>
+          <a:lstStyle/>
+          <a:p>
+            <a:fld id="{D2D8002D-B5B0-4BAC-B1F6-782DDCCE6D9C}" type="slidenum">
+              <a:rPr kumimoji="1" lang="ja-JP" altLang="en-US" smtClean="0"/>
+              <a:pPr/>
+              <a:t>31</a:t>
+            </a:fld>
+            <a:endParaRPr kumimoji="1" lang="ja-JP" altLang="en-US"/>
+          </a:p>
+        </p:txBody>
+      </p:sp>
+    </p:spTree>
+    <p:extLst>
+      <p:ext uri="{BB962C8B-B14F-4D97-AF65-F5344CB8AC3E}">
+        <p14:creationId xmlns:p14="http://schemas.microsoft.com/office/powerpoint/2010/main" val="492338302"/>
+      </p:ext>
+    </p:extLst>
+  </p:cSld>
+  <p:clrMapOvr>
+    <a:masterClrMapping/>
+  </p:clrMapOvr>
+  <mc:AlternateContent xmlns:mc="http://schemas.openxmlformats.org/markup-compatibility/2006" xmlns:p14="http://schemas.microsoft.com/office/powerpoint/2010/main">
+    <mc:Choice Requires="p14">
+      <p:transition p14:dur="10"/>
+    </mc:Choice>
+    <mc:Fallback xmlns="">
+      <p:transition/>
+    </mc:Fallback>
+  </mc:AlternateContent>
+</p:sld>
+</file>
+
+<file path=ppt/slides/slide32.xml><?xml version="1.0" encoding="utf-8"?>
+<p:sld xmlns:a="http://schemas.openxmlformats.org/drawingml/2006/main" xmlns:r="http://schemas.openxmlformats.org/officeDocument/2006/relationships" xmlns:p="http://schemas.openxmlformats.org/presentationml/2006/main">
+  <p:cSld>
+    <p:spTree>
+      <p:nvGrpSpPr>
+        <p:cNvPr id="1" name=""/>
+        <p:cNvGrpSpPr/>
+        <p:nvPr/>
+      </p:nvGrpSpPr>
+      <p:grpSpPr>
+        <a:xfrm>
+          <a:off x="0" y="0"/>
+          <a:ext cx="0" cy="0"/>
+          <a:chOff x="0" y="0"/>
+          <a:chExt cx="0" cy="0"/>
+        </a:xfrm>
+      </p:grpSpPr>
+      <p:sp>
+        <p:nvSpPr>
           <p:cNvPr id="2" name="タイトル 1"/>
           <p:cNvSpPr>
             <a:spLocks noGrp="1"/>
@@ -9042,13 +9464,8 @@
           <a:p>
             <a:r>
               <a:rPr kumimoji="1" lang="ja-JP" altLang="en-US" dirty="0"/>
-              <a:t>スライド用のプロット</a:t>
-            </a:r>
-            <a:r>
-              <a:rPr kumimoji="1" lang="ja-JP" altLang="en-US"/>
-              <a:t>の構成の例</a:t>
-            </a:r>
-            <a:endParaRPr kumimoji="1" lang="ja-JP" altLang="en-US" dirty="0"/>
+              <a:t>スライド用プロットの流れの例</a:t>
+            </a:r>
           </a:p>
         </p:txBody>
       </p:sp>
@@ -9062,7 +9479,12 @@
             <p:ph type="body" sz="quarter" idx="10"/>
           </p:nvPr>
         </p:nvSpPr>
-        <p:spPr/>
+        <p:spPr>
+          <a:xfrm>
+            <a:off x="611956" y="1268976"/>
+            <a:ext cx="8280092" cy="5039749"/>
+          </a:xfrm>
+        </p:spPr>
         <p:txBody>
           <a:bodyPr/>
           <a:lstStyle/>
@@ -9143,7 +9565,7 @@
             </a:pPr>
             <a:r>
               <a:rPr kumimoji="1" lang="ja-JP" altLang="en-US" dirty="0"/>
-              <a:t>構成，動作，例</a:t>
+              <a:t>アイデア</a:t>
             </a:r>
             <a:endParaRPr kumimoji="1" lang="en-US" altLang="ja-JP" dirty="0"/>
           </a:p>
@@ -9154,6 +9576,17 @@
             </a:pPr>
             <a:r>
               <a:rPr kumimoji="1" lang="ja-JP" altLang="en-US" dirty="0"/>
+              <a:t>実装：構成，動作，例</a:t>
+            </a:r>
+            <a:endParaRPr kumimoji="1" lang="en-US" altLang="ja-JP" dirty="0"/>
+          </a:p>
+          <a:p>
+            <a:pPr marL="1177200" lvl="2" indent="-457200">
+              <a:buFont typeface="+mj-lt"/>
+              <a:buAutoNum type="arabicPeriod"/>
+            </a:pPr>
+            <a:r>
+              <a:rPr kumimoji="1" lang="ja-JP" altLang="en-US" dirty="0"/>
               <a:t>既存手法との比較</a:t>
             </a:r>
             <a:endParaRPr kumimoji="1" lang="en-US" altLang="ja-JP" dirty="0"/>
@@ -9178,6 +9611,21 @@
               <a:rPr kumimoji="1" lang="ja-JP" altLang="en-US" dirty="0"/>
               <a:t>まとめ</a:t>
             </a:r>
+            <a:endParaRPr kumimoji="1" lang="en-US" altLang="ja-JP" dirty="0"/>
+          </a:p>
+          <a:p>
+            <a:pPr marL="817200" lvl="1" indent="-457200">
+              <a:buFont typeface="+mj-lt"/>
+              <a:buAutoNum type="arabicPeriod"/>
+            </a:pPr>
+            <a:endParaRPr lang="en-US" altLang="ja-JP" dirty="0"/>
+          </a:p>
+          <a:p>
+            <a:pPr lvl="1"/>
+            <a:r>
+              <a:rPr kumimoji="1" lang="ja-JP" altLang="en-US" dirty="0"/>
+              <a:t>たとえば上記それぞれの項目に１～４ページ程度を割り当てる</a:t>
+            </a:r>
           </a:p>
         </p:txBody>
       </p:sp>
@@ -9185,6 +9633,232 @@
     <p:extLst>
       <p:ext uri="{BB962C8B-B14F-4D97-AF65-F5344CB8AC3E}">
         <p14:creationId xmlns:p14="http://schemas.microsoft.com/office/powerpoint/2010/main" val="2044035977"/>
+      </p:ext>
+    </p:extLst>
+  </p:cSld>
+  <p:clrMapOvr>
+    <a:masterClrMapping/>
+  </p:clrMapOvr>
+  <mc:AlternateContent xmlns:mc="http://schemas.openxmlformats.org/markup-compatibility/2006" xmlns:p14="http://schemas.microsoft.com/office/powerpoint/2010/main">
+    <mc:Choice Requires="p14">
+      <p:transition p14:dur="10"/>
+    </mc:Choice>
+    <mc:Fallback xmlns="">
+      <p:transition/>
+    </mc:Fallback>
+  </mc:AlternateContent>
+</p:sld>
+</file>
+
+<file path=ppt/slides/slide33.xml><?xml version="1.0" encoding="utf-8"?>
+<p:sld xmlns:a="http://schemas.openxmlformats.org/drawingml/2006/main" xmlns:r="http://schemas.openxmlformats.org/officeDocument/2006/relationships" xmlns:p="http://schemas.openxmlformats.org/presentationml/2006/main">
+  <p:cSld>
+    <p:spTree>
+      <p:nvGrpSpPr>
+        <p:cNvPr id="1" name=""/>
+        <p:cNvGrpSpPr/>
+        <p:nvPr/>
+      </p:nvGrpSpPr>
+      <p:grpSpPr>
+        <a:xfrm>
+          <a:off x="0" y="0"/>
+          <a:ext cx="0" cy="0"/>
+          <a:chOff x="0" y="0"/>
+          <a:chExt cx="0" cy="0"/>
+        </a:xfrm>
+      </p:grpSpPr>
+      <p:sp>
+        <p:nvSpPr>
+          <p:cNvPr id="4" name="タイトル 3">
+            <a:extLst>
+              <a:ext uri="{FF2B5EF4-FFF2-40B4-BE49-F238E27FC236}">
+                <a16:creationId xmlns:a16="http://schemas.microsoft.com/office/drawing/2014/main" id="{84F42E09-269D-6700-69C9-4DCC825C99A7}"/>
+              </a:ext>
+            </a:extLst>
+          </p:cNvPr>
+          <p:cNvSpPr>
+            <a:spLocks noGrp="1"/>
+          </p:cNvSpPr>
+          <p:nvPr>
+            <p:ph type="title"/>
+          </p:nvPr>
+        </p:nvSpPr>
+        <p:spPr/>
+        <p:txBody>
+          <a:bodyPr/>
+          <a:lstStyle/>
+          <a:p>
+            <a:r>
+              <a:rPr lang="ja-JP" altLang="en-US" b="1" dirty="0"/>
+              <a:t>まとめ</a:t>
+            </a:r>
+          </a:p>
+        </p:txBody>
+      </p:sp>
+    </p:spTree>
+    <p:extLst>
+      <p:ext uri="{BB962C8B-B14F-4D97-AF65-F5344CB8AC3E}">
+        <p14:creationId xmlns:p14="http://schemas.microsoft.com/office/powerpoint/2010/main" val="2763963816"/>
+      </p:ext>
+    </p:extLst>
+  </p:cSld>
+  <p:clrMapOvr>
+    <a:masterClrMapping/>
+  </p:clrMapOvr>
+</p:sld>
+</file>
+
+<file path=ppt/slides/slide34.xml><?xml version="1.0" encoding="utf-8"?>
+<p:sld xmlns:a="http://schemas.openxmlformats.org/drawingml/2006/main" xmlns:r="http://schemas.openxmlformats.org/officeDocument/2006/relationships" xmlns:p="http://schemas.openxmlformats.org/presentationml/2006/main">
+  <p:cSld>
+    <p:spTree>
+      <p:nvGrpSpPr>
+        <p:cNvPr id="1" name=""/>
+        <p:cNvGrpSpPr/>
+        <p:nvPr/>
+      </p:nvGrpSpPr>
+      <p:grpSpPr>
+        <a:xfrm>
+          <a:off x="0" y="0"/>
+          <a:ext cx="0" cy="0"/>
+          <a:chOff x="0" y="0"/>
+          <a:chExt cx="0" cy="0"/>
+        </a:xfrm>
+      </p:grpSpPr>
+      <p:sp>
+        <p:nvSpPr>
+          <p:cNvPr id="4" name="タイトル 3">
+            <a:extLst>
+              <a:ext uri="{FF2B5EF4-FFF2-40B4-BE49-F238E27FC236}">
+                <a16:creationId xmlns:a16="http://schemas.microsoft.com/office/drawing/2014/main" id="{C81CAB25-1D6D-1A81-C8EA-8465BE095F35}"/>
+              </a:ext>
+            </a:extLst>
+          </p:cNvPr>
+          <p:cNvSpPr>
+            <a:spLocks noGrp="1"/>
+          </p:cNvSpPr>
+          <p:nvPr>
+            <p:ph type="title"/>
+          </p:nvPr>
+        </p:nvSpPr>
+        <p:spPr/>
+        <p:txBody>
+          <a:bodyPr/>
+          <a:lstStyle/>
+          <a:p>
+            <a:r>
+              <a:rPr lang="ja-JP" altLang="en-US" dirty="0"/>
+              <a:t>まとめ</a:t>
+            </a:r>
+          </a:p>
+        </p:txBody>
+      </p:sp>
+      <p:sp>
+        <p:nvSpPr>
+          <p:cNvPr id="5" name="テキスト プレースホルダー 4">
+            <a:extLst>
+              <a:ext uri="{FF2B5EF4-FFF2-40B4-BE49-F238E27FC236}">
+                <a16:creationId xmlns:a16="http://schemas.microsoft.com/office/drawing/2014/main" id="{FE3DA219-61CC-867A-389E-BA4B65844082}"/>
+              </a:ext>
+            </a:extLst>
+          </p:cNvPr>
+          <p:cNvSpPr>
+            <a:spLocks noGrp="1"/>
+          </p:cNvSpPr>
+          <p:nvPr>
+            <p:ph type="body" sz="quarter" idx="10"/>
+          </p:nvPr>
+        </p:nvSpPr>
+        <p:spPr/>
+        <p:txBody>
+          <a:bodyPr/>
+          <a:lstStyle/>
+          <a:p>
+            <a:r>
+              <a:rPr lang="ja-JP" altLang="en-US" dirty="0"/>
+              <a:t>プロットの作り方について説明</a:t>
+            </a:r>
+            <a:endParaRPr lang="en-US" altLang="ja-JP" dirty="0"/>
+          </a:p>
+          <a:p>
+            <a:pPr lvl="1"/>
+            <a:r>
+              <a:rPr lang="ja-JP" altLang="en-US" dirty="0"/>
+              <a:t>１点から完全プロットまで</a:t>
+            </a:r>
+            <a:endParaRPr lang="en-US" altLang="ja-JP" dirty="0"/>
+          </a:p>
+          <a:p>
+            <a:pPr lvl="1"/>
+            <a:r>
+              <a:rPr lang="ja-JP" altLang="en-US" dirty="0"/>
+              <a:t>３点プロットから始めるとよい</a:t>
+            </a:r>
+            <a:endParaRPr lang="en-US" altLang="ja-JP" dirty="0"/>
+          </a:p>
+          <a:p>
+            <a:pPr lvl="2"/>
+            <a:r>
+              <a:rPr lang="ja-JP" altLang="en-US" dirty="0"/>
+              <a:t>背景，課題，提案の中身と関係をはっきりさせる</a:t>
+            </a:r>
+            <a:endParaRPr lang="en-US" altLang="ja-JP" dirty="0"/>
+          </a:p>
+          <a:p>
+            <a:r>
+              <a:rPr lang="ja-JP" altLang="en-US" dirty="0"/>
+              <a:t>３点プロットは基本</a:t>
+            </a:r>
+            <a:endParaRPr lang="en-US" altLang="ja-JP" dirty="0"/>
+          </a:p>
+          <a:p>
+            <a:pPr lvl="1"/>
+            <a:r>
+              <a:rPr lang="ja-JP" altLang="en-US" dirty="0"/>
+              <a:t>慣れてきたら６点プロット等から初めてもよい</a:t>
+            </a:r>
+          </a:p>
+        </p:txBody>
+      </p:sp>
+      <p:sp>
+        <p:nvSpPr>
+          <p:cNvPr id="2" name="スライド番号プレースホルダー 1">
+            <a:extLst>
+              <a:ext uri="{FF2B5EF4-FFF2-40B4-BE49-F238E27FC236}">
+                <a16:creationId xmlns:a16="http://schemas.microsoft.com/office/drawing/2014/main" id="{41FAFCD2-B561-469B-A630-66FF00DC771B}"/>
+              </a:ext>
+            </a:extLst>
+          </p:cNvPr>
+          <p:cNvSpPr>
+            <a:spLocks noGrp="1"/>
+          </p:cNvSpPr>
+          <p:nvPr>
+            <p:ph type="sldNum" sz="quarter" idx="4294967295"/>
+          </p:nvPr>
+        </p:nvSpPr>
+        <p:spPr>
+          <a:xfrm>
+            <a:off x="8531225" y="6308725"/>
+            <a:ext cx="612775" cy="549275"/>
+          </a:xfrm>
+        </p:spPr>
+        <p:txBody>
+          <a:bodyPr/>
+          <a:lstStyle/>
+          <a:p>
+            <a:fld id="{D2D8002D-B5B0-4BAC-B1F6-782DDCCE6D9C}" type="slidenum">
+              <a:rPr kumimoji="1" lang="ja-JP" altLang="en-US" smtClean="0"/>
+              <a:pPr/>
+              <a:t>34</a:t>
+            </a:fld>
+            <a:endParaRPr kumimoji="1" lang="ja-JP" altLang="en-US"/>
+          </a:p>
+        </p:txBody>
+      </p:sp>
+    </p:spTree>
+    <p:extLst>
+      <p:ext uri="{BB962C8B-B14F-4D97-AF65-F5344CB8AC3E}">
+        <p14:creationId xmlns:p14="http://schemas.microsoft.com/office/powerpoint/2010/main" val="2995746449"/>
       </p:ext>
     </p:extLst>
   </p:cSld>
@@ -9475,7 +10149,15 @@
             <a:pPr lvl="1"/>
             <a:r>
               <a:rPr lang="ja-JP" altLang="en-US" dirty="0"/>
-              <a:t>これを元に，６点プロットや完全プロットを作る</a:t>
+              <a:t>これを元に，内容を膨らませて６点</a:t>
+            </a:r>
+            <a:r>
+              <a:rPr lang="en-US" altLang="ja-JP" dirty="0"/>
+              <a:t>/</a:t>
+            </a:r>
+            <a:r>
+              <a:rPr lang="ja-JP" altLang="en-US" dirty="0"/>
+              <a:t>完全プロットを作る</a:t>
             </a:r>
           </a:p>
           <a:p>
@@ -9655,7 +10337,7 @@
             <a:pPr lvl="1"/>
             <a:r>
               <a:rPr kumimoji="1" lang="ja-JP" altLang="en-US" dirty="0"/>
-              <a:t>上の階層（点数が少ない方）は，下の階層の要約になっている</a:t>
+              <a:t>上の階層は下の階層の要約になっている</a:t>
             </a:r>
             <a:endParaRPr kumimoji="1" lang="en-US" altLang="ja-JP" dirty="0"/>
           </a:p>
@@ -9678,7 +10360,15 @@
             <a:pPr lvl="1"/>
             <a:r>
               <a:rPr kumimoji="1" lang="ja-JP" altLang="en-US" dirty="0"/>
-              <a:t>上に登る（まとめる）ことや，</a:t>
+              <a:t>上に登る（</a:t>
+            </a:r>
+            <a:r>
+              <a:rPr kumimoji="1" lang="en-US" altLang="ja-JP" dirty="0"/>
+              <a:t>=</a:t>
+            </a:r>
+            <a:r>
+              <a:rPr kumimoji="1" lang="ja-JP" altLang="en-US" dirty="0"/>
+              <a:t>概要にまとめる）ことや，</a:t>
             </a:r>
             <a:endParaRPr kumimoji="1" lang="en-US" altLang="ja-JP" dirty="0"/>
           </a:p>
@@ -9686,7 +10376,15 @@
             <a:pPr lvl="1"/>
             <a:r>
               <a:rPr lang="ja-JP" altLang="en-US" dirty="0"/>
-              <a:t>下に降りる（詳細を肉付けする）していく</a:t>
+              <a:t>下に降りる（</a:t>
+            </a:r>
+            <a:r>
+              <a:rPr kumimoji="1" lang="en-US" altLang="ja-JP" dirty="0"/>
+              <a:t>=</a:t>
+            </a:r>
+            <a:r>
+              <a:rPr lang="ja-JP" altLang="en-US" dirty="0"/>
+              <a:t>詳細を肉付けする）していく</a:t>
             </a:r>
             <a:endParaRPr kumimoji="1" lang="en-US" altLang="ja-JP" dirty="0"/>
           </a:p>
@@ -10984,10 +11682,10 @@
       </p:grpSpPr>
       <p:sp>
         <p:nvSpPr>
-          <p:cNvPr id="2" name="タイトル 1">
-            <a:extLst>
-              <a:ext uri="{FF2B5EF4-FFF2-40B4-BE49-F238E27FC236}">
-                <a16:creationId xmlns:a16="http://schemas.microsoft.com/office/drawing/2014/main" id="{5495249E-5784-30A1-9425-0AD2EDA550D0}"/>
+          <p:cNvPr id="6" name="タイトル 5">
+            <a:extLst>
+              <a:ext uri="{FF2B5EF4-FFF2-40B4-BE49-F238E27FC236}">
+                <a16:creationId xmlns:a16="http://schemas.microsoft.com/office/drawing/2014/main" id="{0C5C5263-A46C-250C-79B4-37EF4633D8AE}"/>
               </a:ext>
             </a:extLst>
           </p:cNvPr>
@@ -11005,17 +11703,17 @@
           <a:p>
             <a:r>
               <a:rPr kumimoji="1" lang="ja-JP" altLang="en-US" dirty="0"/>
-              <a:t>３点プロット：この３点で話の筋をまとめる</a:t>
-            </a:r>
-          </a:p>
-        </p:txBody>
-      </p:sp>
-      <p:sp>
-        <p:nvSpPr>
-          <p:cNvPr id="3" name="テキスト プレースホルダー 2">
-            <a:extLst>
-              <a:ext uri="{FF2B5EF4-FFF2-40B4-BE49-F238E27FC236}">
-                <a16:creationId xmlns:a16="http://schemas.microsoft.com/office/drawing/2014/main" id="{434C8495-CDEB-3716-81CF-61358DAF8B15}"/>
+              <a:t>３点プロットの目次</a:t>
+            </a:r>
+          </a:p>
+        </p:txBody>
+      </p:sp>
+      <p:sp>
+        <p:nvSpPr>
+          <p:cNvPr id="7" name="テキスト プレースホルダー 6">
+            <a:extLst>
+              <a:ext uri="{FF2B5EF4-FFF2-40B4-BE49-F238E27FC236}">
+                <a16:creationId xmlns:a16="http://schemas.microsoft.com/office/drawing/2014/main" id="{12EFEECB-8119-A100-9FB5-F471FDE43EF4}"/>
               </a:ext>
             </a:extLst>
           </p:cNvPr>
@@ -11037,15 +11735,7 @@
             </a:pPr>
             <a:r>
               <a:rPr kumimoji="1" lang="ja-JP" altLang="en-US" dirty="0"/>
-              <a:t>背景：主張全体の背景や問題を説明する</a:t>
-            </a:r>
-            <a:endParaRPr kumimoji="1" lang="en-US" altLang="ja-JP" dirty="0"/>
-          </a:p>
-          <a:p>
-            <a:pPr lvl="1"/>
-            <a:r>
-              <a:rPr kumimoji="1" lang="ja-JP" altLang="en-US" dirty="0"/>
-              <a:t>全体として解決しようとしている問題の説明</a:t>
+              <a:t>３点プロットとは</a:t>
             </a:r>
             <a:endParaRPr kumimoji="1" lang="en-US" altLang="ja-JP" dirty="0"/>
           </a:p>
@@ -11056,23 +11746,29 @@
             </a:pPr>
             <a:r>
               <a:rPr kumimoji="1" lang="ja-JP" altLang="en-US" dirty="0"/>
-              <a:t>課題：解決しようとしている課題を説明する</a:t>
+              <a:t>作り方</a:t>
             </a:r>
             <a:endParaRPr kumimoji="1" lang="en-US" altLang="ja-JP" dirty="0"/>
           </a:p>
           <a:p>
-            <a:pPr lvl="1"/>
-            <a:r>
-              <a:rPr kumimoji="1" lang="ja-JP" altLang="en-US" dirty="0"/>
-              <a:t>背景となる問題に対する既存手法の説明とその問題点</a:t>
+            <a:pPr marL="817200" lvl="1" indent="-457200">
+              <a:buFont typeface="+mj-lt"/>
+              <a:buAutoNum type="arabicPeriod"/>
+            </a:pPr>
+            <a:r>
+              <a:rPr kumimoji="1" lang="ja-JP" altLang="en-US" dirty="0"/>
+              <a:t>内容のまとめかた</a:t>
             </a:r>
             <a:endParaRPr kumimoji="1" lang="en-US" altLang="ja-JP" dirty="0"/>
           </a:p>
           <a:p>
-            <a:pPr lvl="1"/>
-            <a:r>
-              <a:rPr kumimoji="1" lang="ja-JP" altLang="en-US" dirty="0"/>
-              <a:t>既存手法がない場合は，背景の中で着目する問題を掘り下げる</a:t>
+            <a:pPr marL="817200" lvl="1" indent="-457200">
+              <a:buFont typeface="+mj-lt"/>
+              <a:buAutoNum type="arabicPeriod"/>
+            </a:pPr>
+            <a:r>
+              <a:rPr kumimoji="1" lang="ja-JP" altLang="en-US" dirty="0"/>
+              <a:t>箇条書きを作る上での形式的なポイント</a:t>
             </a:r>
             <a:endParaRPr kumimoji="1" lang="en-US" altLang="ja-JP" dirty="0"/>
           </a:p>
@@ -11083,39 +11779,50 @@
             </a:pPr>
             <a:r>
               <a:rPr kumimoji="1" lang="ja-JP" altLang="en-US" dirty="0"/>
-              <a:t>提案：課題であげられた問題を解決する提案手法を説明する</a:t>
-            </a:r>
-            <a:endParaRPr kumimoji="1" lang="en-US" altLang="ja-JP" dirty="0"/>
-          </a:p>
-          <a:p>
-            <a:pPr lvl="1"/>
-            <a:r>
-              <a:rPr kumimoji="1" lang="ja-JP" altLang="en-US" dirty="0"/>
-              <a:t>課題に対する洞察や観察</a:t>
-            </a:r>
-            <a:endParaRPr kumimoji="1" lang="en-US" altLang="ja-JP" dirty="0"/>
-          </a:p>
-          <a:p>
-            <a:pPr lvl="1"/>
-            <a:r>
-              <a:rPr kumimoji="1" lang="ja-JP" altLang="en-US" dirty="0"/>
-              <a:t>キーとなるアイデア</a:t>
-            </a:r>
-            <a:endParaRPr kumimoji="1" lang="en-US" altLang="ja-JP" dirty="0"/>
-          </a:p>
-          <a:p>
-            <a:pPr lvl="1"/>
-            <a:r>
-              <a:rPr kumimoji="1" lang="ja-JP" altLang="en-US" dirty="0"/>
-              <a:t>なぜ課題を解決できるのか</a:t>
-            </a:r>
+              <a:t>チェック・リスト</a:t>
+            </a:r>
+          </a:p>
+        </p:txBody>
+      </p:sp>
+      <p:sp>
+        <p:nvSpPr>
+          <p:cNvPr id="2" name="スライド番号プレースホルダー 1">
+            <a:extLst>
+              <a:ext uri="{FF2B5EF4-FFF2-40B4-BE49-F238E27FC236}">
+                <a16:creationId xmlns:a16="http://schemas.microsoft.com/office/drawing/2014/main" id="{3AF4B82F-B507-C1B8-5907-D46C3C503B6B}"/>
+              </a:ext>
+            </a:extLst>
+          </p:cNvPr>
+          <p:cNvSpPr>
+            <a:spLocks noGrp="1"/>
+          </p:cNvSpPr>
+          <p:nvPr>
+            <p:ph type="sldNum" sz="quarter" idx="4294967295"/>
+          </p:nvPr>
+        </p:nvSpPr>
+        <p:spPr>
+          <a:xfrm>
+            <a:off x="8531225" y="6308725"/>
+            <a:ext cx="612775" cy="549275"/>
+          </a:xfrm>
+        </p:spPr>
+        <p:txBody>
+          <a:bodyPr/>
+          <a:lstStyle/>
+          <a:p>
+            <a:fld id="{D2D8002D-B5B0-4BAC-B1F6-782DDCCE6D9C}" type="slidenum">
+              <a:rPr kumimoji="1" lang="ja-JP" altLang="en-US" smtClean="0"/>
+              <a:pPr/>
+              <a:t>8</a:t>
+            </a:fld>
+            <a:endParaRPr kumimoji="1" lang="ja-JP" altLang="en-US"/>
           </a:p>
         </p:txBody>
       </p:sp>
     </p:spTree>
     <p:extLst>
       <p:ext uri="{BB962C8B-B14F-4D97-AF65-F5344CB8AC3E}">
-        <p14:creationId xmlns:p14="http://schemas.microsoft.com/office/powerpoint/2010/main" val="416234846"/>
+        <p14:creationId xmlns:p14="http://schemas.microsoft.com/office/powerpoint/2010/main" val="132425648"/>
       </p:ext>
     </p:extLst>
   </p:cSld>
@@ -11155,7 +11862,7 @@
           <p:cNvPr id="2" name="タイトル 1">
             <a:extLst>
               <a:ext uri="{FF2B5EF4-FFF2-40B4-BE49-F238E27FC236}">
-                <a16:creationId xmlns:a16="http://schemas.microsoft.com/office/drawing/2014/main" id="{7D722A8C-B31F-1470-2A2C-B9925BC500E2}"/>
+                <a16:creationId xmlns:a16="http://schemas.microsoft.com/office/drawing/2014/main" id="{5495249E-5784-30A1-9425-0AD2EDA550D0}"/>
               </a:ext>
             </a:extLst>
           </p:cNvPr>
@@ -11172,25 +11879,9 @@
           <a:lstStyle/>
           <a:p>
             <a:r>
-              <a:rPr lang="ja-JP" altLang="en-US" sz="2400" dirty="0"/>
-              <a:t>例１：小田喜くんの輪講の例 </a:t>
-            </a:r>
-            <a:r>
-              <a:rPr lang="en-US" altLang="ja-JP" sz="2400" dirty="0"/>
-              <a:t>= </a:t>
-            </a:r>
-            <a:r>
-              <a:rPr lang="ja-JP" altLang="en-US" sz="2400" dirty="0"/>
-              <a:t>既存手法があるパターン</a:t>
-            </a:r>
-            <a:br>
-              <a:rPr lang="en-US" altLang="ja-JP" sz="2400" dirty="0"/>
-            </a:br>
-            <a:r>
-              <a:rPr lang="ja-JP" altLang="en-US" sz="1600" dirty="0"/>
-              <a:t>（輪講なので具体的なアイデアがまだない事に注意）</a:t>
-            </a:r>
-            <a:endParaRPr kumimoji="1" lang="ja-JP" altLang="en-US" sz="1600" dirty="0"/>
+              <a:rPr kumimoji="1" lang="ja-JP" altLang="en-US" dirty="0"/>
+              <a:t>３点プロット：この３点で話の筋をまとめる</a:t>
+            </a:r>
           </a:p>
         </p:txBody>
       </p:sp>
@@ -11199,7 +11890,7 @@
           <p:cNvPr id="3" name="テキスト プレースホルダー 2">
             <a:extLst>
               <a:ext uri="{FF2B5EF4-FFF2-40B4-BE49-F238E27FC236}">
-                <a16:creationId xmlns:a16="http://schemas.microsoft.com/office/drawing/2014/main" id="{1641E495-BDDF-0AEA-8CA3-8A46CF1746DE}"/>
+                <a16:creationId xmlns:a16="http://schemas.microsoft.com/office/drawing/2014/main" id="{434C8495-CDEB-3716-81CF-61358DAF8B15}"/>
               </a:ext>
             </a:extLst>
           </p:cNvPr>
@@ -11215,99 +11906,83 @@
           <a:bodyPr/>
           <a:lstStyle/>
           <a:p>
-            <a:r>
-              <a:rPr lang="ja-JP" altLang="en-US" dirty="0"/>
-              <a:t>背景：</a:t>
-            </a:r>
-            <a:r>
-              <a:rPr lang="en-US" altLang="ja-JP" dirty="0"/>
-              <a:t>SIMT </a:t>
-            </a:r>
-            <a:r>
-              <a:rPr lang="ja-JP" altLang="en-US" dirty="0"/>
-              <a:t>アーキテクチャにおける冗長な演算</a:t>
-            </a:r>
-            <a:endParaRPr lang="en-US" altLang="ja-JP" dirty="0"/>
+            <a:pPr marL="457200" indent="-457200">
+              <a:buFont typeface="+mj-lt"/>
+              <a:buAutoNum type="arabicPeriod"/>
+            </a:pPr>
+            <a:r>
+              <a:rPr kumimoji="1" lang="ja-JP" altLang="en-US" dirty="0"/>
+              <a:t>背景：主張全体の背景や問題を説明する</a:t>
+            </a:r>
+            <a:endParaRPr kumimoji="1" lang="en-US" altLang="ja-JP" dirty="0"/>
+          </a:p>
+          <a:p>
+            <a:pPr marL="457200" indent="-457200">
+              <a:buFont typeface="+mj-lt"/>
+              <a:buAutoNum type="arabicPeriod"/>
+            </a:pPr>
+            <a:r>
+              <a:rPr kumimoji="1" lang="ja-JP" altLang="en-US" dirty="0"/>
+              <a:t>課題：解決しようとしている課題を説明する</a:t>
+            </a:r>
+            <a:endParaRPr kumimoji="1" lang="en-US" altLang="ja-JP" dirty="0"/>
           </a:p>
           <a:p>
             <a:pPr lvl="1"/>
             <a:r>
-              <a:rPr lang="en-US" altLang="ja-JP" dirty="0"/>
-              <a:t>SIMT(D) </a:t>
-            </a:r>
-            <a:r>
-              <a:rPr lang="ja-JP" altLang="en-US" dirty="0"/>
-              <a:t>では基本的には複数のデータに対して同じ演算を行う </a:t>
-            </a:r>
-            <a:endParaRPr lang="en-US" altLang="ja-JP" dirty="0"/>
+              <a:rPr kumimoji="1" lang="ja-JP" altLang="en-US" dirty="0"/>
+              <a:t>背景となる問題に対する既存手法の説明とその問題点</a:t>
+            </a:r>
+            <a:endParaRPr kumimoji="1" lang="en-US" altLang="ja-JP" dirty="0"/>
           </a:p>
           <a:p>
             <a:pPr lvl="1"/>
             <a:r>
-              <a:rPr lang="ja-JP" altLang="en-US" dirty="0"/>
-              <a:t>しかし </a:t>
-            </a:r>
-            <a:r>
-              <a:rPr lang="en-US" altLang="ja-JP" dirty="0"/>
-              <a:t>SIMT </a:t>
-            </a:r>
-            <a:r>
-              <a:rPr lang="ja-JP" altLang="en-US" dirty="0"/>
-              <a:t>では全く同じ冗長な演算を複数のレーンで行っている場合があり無駄 </a:t>
-            </a:r>
-            <a:endParaRPr lang="en-US" altLang="ja-JP" dirty="0"/>
-          </a:p>
-          <a:p>
-            <a:r>
-              <a:rPr lang="ja-JP" altLang="en-US" dirty="0"/>
-              <a:t>課題：スカラ化とその問題 </a:t>
-            </a:r>
-            <a:endParaRPr lang="en-US" altLang="ja-JP" dirty="0"/>
+              <a:rPr kumimoji="1" lang="ja-JP" altLang="en-US" dirty="0"/>
+              <a:t>既存手法がない場合は，背景の中で着目する問題を掘り下げる</a:t>
+            </a:r>
+            <a:endParaRPr kumimoji="1" lang="en-US" altLang="ja-JP" dirty="0"/>
+          </a:p>
+          <a:p>
+            <a:pPr marL="457200" indent="-457200">
+              <a:buFont typeface="+mj-lt"/>
+              <a:buAutoNum type="arabicPeriod"/>
+            </a:pPr>
+            <a:r>
+              <a:rPr kumimoji="1" lang="ja-JP" altLang="en-US" dirty="0"/>
+              <a:t>提案：課題であげられた問題を解決する提案手法を説明する</a:t>
+            </a:r>
+            <a:endParaRPr kumimoji="1" lang="en-US" altLang="ja-JP" dirty="0"/>
           </a:p>
           <a:p>
             <a:pPr lvl="1"/>
             <a:r>
-              <a:rPr lang="ja-JP" altLang="en-US" dirty="0"/>
-              <a:t>冗長な演算を１つの演算にまとめるスカラ化が提案されている </a:t>
-            </a:r>
-            <a:endParaRPr lang="en-US" altLang="ja-JP" dirty="0"/>
+              <a:rPr kumimoji="1" lang="ja-JP" altLang="en-US" dirty="0"/>
+              <a:t>課題に対する洞察や観察</a:t>
+            </a:r>
+            <a:endParaRPr kumimoji="1" lang="en-US" altLang="ja-JP" dirty="0"/>
           </a:p>
           <a:p>
             <a:pPr lvl="1"/>
             <a:r>
-              <a:rPr lang="ja-JP" altLang="en-US" dirty="0"/>
-              <a:t>従来のスカラ化では制約があり効果的にまとめられない </a:t>
-            </a:r>
-            <a:endParaRPr lang="en-US" altLang="ja-JP" dirty="0"/>
-          </a:p>
-          <a:p>
-            <a:r>
-              <a:rPr lang="ja-JP" altLang="en-US" dirty="0"/>
-              <a:t>提案：スカラ化の改良 </a:t>
-            </a:r>
-            <a:endParaRPr lang="en-US" altLang="ja-JP" dirty="0"/>
+              <a:rPr kumimoji="1" lang="ja-JP" altLang="en-US" dirty="0"/>
+              <a:t>キーとなるアイデア</a:t>
+            </a:r>
+            <a:endParaRPr kumimoji="1" lang="en-US" altLang="ja-JP" dirty="0"/>
           </a:p>
           <a:p>
             <a:pPr lvl="1"/>
             <a:r>
-              <a:rPr lang="en-US" altLang="ja-JP" dirty="0"/>
-              <a:t>Temporal SIMT </a:t>
-            </a:r>
-            <a:r>
-              <a:rPr lang="ja-JP" altLang="en-US" dirty="0"/>
-              <a:t>と動的なスカラ化の組み合わせにより実現 </a:t>
-            </a:r>
-            <a:br>
-              <a:rPr lang="ja-JP" altLang="en-US" dirty="0"/>
-            </a:br>
-            <a:endParaRPr kumimoji="1" lang="ja-JP" altLang="en-US" dirty="0"/>
+              <a:rPr kumimoji="1" lang="ja-JP" altLang="en-US" dirty="0"/>
+              <a:t>なぜ課題を解決できるのか</a:t>
+            </a:r>
           </a:p>
         </p:txBody>
       </p:sp>
     </p:spTree>
     <p:extLst>
       <p:ext uri="{BB962C8B-B14F-4D97-AF65-F5344CB8AC3E}">
-        <p14:creationId xmlns:p14="http://schemas.microsoft.com/office/powerpoint/2010/main" val="1140155702"/>
+        <p14:creationId xmlns:p14="http://schemas.microsoft.com/office/powerpoint/2010/main" val="416234846"/>
       </p:ext>
     </p:extLst>
   </p:cSld>

--- a/plot.pptx
+++ b/plot.pptx
@@ -3036,11 +3036,15 @@
           <a:p>
             <a:r>
               <a:rPr kumimoji="1" lang="ja-JP" altLang="en-US" sz="2800" dirty="0"/>
-              <a:t>プロットの作り方 </a:t>
+              <a:t>プロットの</a:t>
+            </a:r>
+            <a:r>
+              <a:rPr kumimoji="1" lang="ja-JP" altLang="en-US" sz="2800"/>
+              <a:t>作り方 </a:t>
             </a:r>
             <a:r>
               <a:rPr kumimoji="1" lang="en-US" altLang="ja-JP" sz="2800"/>
-              <a:t>v4</a:t>
+              <a:t>v5</a:t>
             </a:r>
             <a:endParaRPr kumimoji="1" lang="ja-JP" altLang="en-US" sz="2800" dirty="0"/>
           </a:p>
@@ -4345,41 +4349,6 @@
           </a:p>
         </p:txBody>
       </p:sp>
-      <p:sp>
-        <p:nvSpPr>
-          <p:cNvPr id="2" name="スライド番号プレースホルダー 1">
-            <a:extLst>
-              <a:ext uri="{FF2B5EF4-FFF2-40B4-BE49-F238E27FC236}">
-                <a16:creationId xmlns:a16="http://schemas.microsoft.com/office/drawing/2014/main" id="{3AF4B82F-B507-C1B8-5907-D46C3C503B6B}"/>
-              </a:ext>
-            </a:extLst>
-          </p:cNvPr>
-          <p:cNvSpPr>
-            <a:spLocks noGrp="1"/>
-          </p:cNvSpPr>
-          <p:nvPr>
-            <p:ph type="sldNum" sz="quarter" idx="4294967295"/>
-          </p:nvPr>
-        </p:nvSpPr>
-        <p:spPr>
-          <a:xfrm>
-            <a:off x="8531225" y="6308725"/>
-            <a:ext cx="612775" cy="549275"/>
-          </a:xfrm>
-        </p:spPr>
-        <p:txBody>
-          <a:bodyPr/>
-          <a:lstStyle/>
-          <a:p>
-            <a:fld id="{D2D8002D-B5B0-4BAC-B1F6-782DDCCE6D9C}" type="slidenum">
-              <a:rPr kumimoji="1" lang="ja-JP" altLang="en-US" smtClean="0"/>
-              <a:pPr/>
-              <a:t>15</a:t>
-            </a:fld>
-            <a:endParaRPr kumimoji="1" lang="ja-JP" altLang="en-US"/>
-          </a:p>
-        </p:txBody>
-      </p:sp>
     </p:spTree>
     <p:extLst>
       <p:ext uri="{BB962C8B-B14F-4D97-AF65-F5344CB8AC3E}">
@@ -5236,6 +5205,14 @@
             <a:endParaRPr kumimoji="1" lang="en-US" altLang="ja-JP" dirty="0"/>
           </a:p>
           <a:p>
+            <a:pPr lvl="2"/>
+            <a:r>
+              <a:rPr kumimoji="1" lang="ja-JP" altLang="en-US" dirty="0"/>
+              <a:t>いわば文章やスライドの設計図にあたるもの</a:t>
+            </a:r>
+            <a:endParaRPr kumimoji="1" lang="en-US" altLang="ja-JP" dirty="0"/>
+          </a:p>
+          <a:p>
             <a:r>
               <a:rPr kumimoji="1" lang="ja-JP" altLang="en-US" dirty="0"/>
               <a:t>なぜプロットを作るのか：</a:t>
@@ -5263,6 +5240,14 @@
             <a:r>
               <a:rPr kumimoji="1" lang="ja-JP" altLang="en-US" dirty="0"/>
               <a:t>そうしないと，「言いたいことがなんとなく適当に並べられた良くわからないもの」が出来上がる</a:t>
+            </a:r>
+            <a:endParaRPr kumimoji="1" lang="en-US" altLang="ja-JP" dirty="0"/>
+          </a:p>
+          <a:p>
+            <a:pPr lvl="2"/>
+            <a:r>
+              <a:rPr kumimoji="1" lang="ja-JP" altLang="en-US" dirty="0"/>
+              <a:t>設計図なしで建物を建てるとヒドい事になるのと同じ</a:t>
             </a:r>
             <a:endParaRPr kumimoji="1" lang="en-US" altLang="ja-JP" dirty="0"/>
           </a:p>
@@ -6122,41 +6107,6 @@
               <a:t>３点プロットの各項目に，より詳細を肉付けしていく</a:t>
             </a:r>
             <a:endParaRPr lang="en-US" altLang="ja-JP" dirty="0"/>
-          </a:p>
-        </p:txBody>
-      </p:sp>
-      <p:sp>
-        <p:nvSpPr>
-          <p:cNvPr id="2" name="スライド番号プレースホルダー 1">
-            <a:extLst>
-              <a:ext uri="{FF2B5EF4-FFF2-40B4-BE49-F238E27FC236}">
-                <a16:creationId xmlns:a16="http://schemas.microsoft.com/office/drawing/2014/main" id="{318799CD-2CF6-3BA8-8532-19FDE41048E5}"/>
-              </a:ext>
-            </a:extLst>
-          </p:cNvPr>
-          <p:cNvSpPr>
-            <a:spLocks noGrp="1"/>
-          </p:cNvSpPr>
-          <p:nvPr>
-            <p:ph type="sldNum" sz="quarter" idx="4294967295"/>
-          </p:nvPr>
-        </p:nvSpPr>
-        <p:spPr>
-          <a:xfrm>
-            <a:off x="8531225" y="6308725"/>
-            <a:ext cx="612775" cy="549275"/>
-          </a:xfrm>
-        </p:spPr>
-        <p:txBody>
-          <a:bodyPr/>
-          <a:lstStyle/>
-          <a:p>
-            <a:fld id="{D2D8002D-B5B0-4BAC-B1F6-782DDCCE6D9C}" type="slidenum">
-              <a:rPr kumimoji="1" lang="ja-JP" altLang="en-US" smtClean="0"/>
-              <a:pPr/>
-              <a:t>26</a:t>
-            </a:fld>
-            <a:endParaRPr kumimoji="1" lang="ja-JP" altLang="en-US"/>
           </a:p>
         </p:txBody>
       </p:sp>
@@ -9182,41 +9132,6 @@
           </a:p>
         </p:txBody>
       </p:sp>
-      <p:sp>
-        <p:nvSpPr>
-          <p:cNvPr id="2" name="スライド番号プレースホルダー 1">
-            <a:extLst>
-              <a:ext uri="{FF2B5EF4-FFF2-40B4-BE49-F238E27FC236}">
-                <a16:creationId xmlns:a16="http://schemas.microsoft.com/office/drawing/2014/main" id="{AF545ECD-D308-1534-57FD-733596E35FF6}"/>
-              </a:ext>
-            </a:extLst>
-          </p:cNvPr>
-          <p:cNvSpPr>
-            <a:spLocks noGrp="1"/>
-          </p:cNvSpPr>
-          <p:nvPr>
-            <p:ph type="sldNum" sz="quarter" idx="4294967295"/>
-          </p:nvPr>
-        </p:nvSpPr>
-        <p:spPr>
-          <a:xfrm>
-            <a:off x="8531225" y="6308725"/>
-            <a:ext cx="612775" cy="549275"/>
-          </a:xfrm>
-        </p:spPr>
-        <p:txBody>
-          <a:bodyPr/>
-          <a:lstStyle/>
-          <a:p>
-            <a:fld id="{D2D8002D-B5B0-4BAC-B1F6-782DDCCE6D9C}" type="slidenum">
-              <a:rPr kumimoji="1" lang="ja-JP" altLang="en-US" smtClean="0"/>
-              <a:pPr/>
-              <a:t>30</a:t>
-            </a:fld>
-            <a:endParaRPr kumimoji="1" lang="ja-JP" altLang="en-US"/>
-          </a:p>
-        </p:txBody>
-      </p:sp>
     </p:spTree>
     <p:extLst>
       <p:ext uri="{BB962C8B-B14F-4D97-AF65-F5344CB8AC3E}">
@@ -9374,41 +9289,6 @@
           </a:p>
         </p:txBody>
       </p:sp>
-      <p:sp>
-        <p:nvSpPr>
-          <p:cNvPr id="2" name="スライド番号プレースホルダー 1">
-            <a:extLst>
-              <a:ext uri="{FF2B5EF4-FFF2-40B4-BE49-F238E27FC236}">
-                <a16:creationId xmlns:a16="http://schemas.microsoft.com/office/drawing/2014/main" id="{AF545ECD-D308-1534-57FD-733596E35FF6}"/>
-              </a:ext>
-            </a:extLst>
-          </p:cNvPr>
-          <p:cNvSpPr>
-            <a:spLocks noGrp="1"/>
-          </p:cNvSpPr>
-          <p:nvPr>
-            <p:ph type="sldNum" sz="quarter" idx="4294967295"/>
-          </p:nvPr>
-        </p:nvSpPr>
-        <p:spPr>
-          <a:xfrm>
-            <a:off x="8531225" y="6308725"/>
-            <a:ext cx="612775" cy="549275"/>
-          </a:xfrm>
-        </p:spPr>
-        <p:txBody>
-          <a:bodyPr/>
-          <a:lstStyle/>
-          <a:p>
-            <a:fld id="{D2D8002D-B5B0-4BAC-B1F6-782DDCCE6D9C}" type="slidenum">
-              <a:rPr kumimoji="1" lang="ja-JP" altLang="en-US" smtClean="0"/>
-              <a:pPr/>
-              <a:t>31</a:t>
-            </a:fld>
-            <a:endParaRPr kumimoji="1" lang="ja-JP" altLang="en-US"/>
-          </a:p>
-        </p:txBody>
-      </p:sp>
     </p:spTree>
     <p:extLst>
       <p:ext uri="{BB962C8B-B14F-4D97-AF65-F5344CB8AC3E}">
@@ -9820,41 +9700,6 @@
           </a:p>
         </p:txBody>
       </p:sp>
-      <p:sp>
-        <p:nvSpPr>
-          <p:cNvPr id="2" name="スライド番号プレースホルダー 1">
-            <a:extLst>
-              <a:ext uri="{FF2B5EF4-FFF2-40B4-BE49-F238E27FC236}">
-                <a16:creationId xmlns:a16="http://schemas.microsoft.com/office/drawing/2014/main" id="{41FAFCD2-B561-469B-A630-66FF00DC771B}"/>
-              </a:ext>
-            </a:extLst>
-          </p:cNvPr>
-          <p:cNvSpPr>
-            <a:spLocks noGrp="1"/>
-          </p:cNvSpPr>
-          <p:nvPr>
-            <p:ph type="sldNum" sz="quarter" idx="4294967295"/>
-          </p:nvPr>
-        </p:nvSpPr>
-        <p:spPr>
-          <a:xfrm>
-            <a:off x="8531225" y="6308725"/>
-            <a:ext cx="612775" cy="549275"/>
-          </a:xfrm>
-        </p:spPr>
-        <p:txBody>
-          <a:bodyPr/>
-          <a:lstStyle/>
-          <a:p>
-            <a:fld id="{D2D8002D-B5B0-4BAC-B1F6-782DDCCE6D9C}" type="slidenum">
-              <a:rPr kumimoji="1" lang="ja-JP" altLang="en-US" smtClean="0"/>
-              <a:pPr/>
-              <a:t>34</a:t>
-            </a:fld>
-            <a:endParaRPr kumimoji="1" lang="ja-JP" altLang="en-US"/>
-          </a:p>
-        </p:txBody>
-      </p:sp>
     </p:spTree>
     <p:extLst>
       <p:ext uri="{BB962C8B-B14F-4D97-AF65-F5344CB8AC3E}">
@@ -10000,41 +9845,6 @@
           </a:p>
         </p:txBody>
       </p:sp>
-      <p:sp>
-        <p:nvSpPr>
-          <p:cNvPr id="2" name="スライド番号プレースホルダー 1">
-            <a:extLst>
-              <a:ext uri="{FF2B5EF4-FFF2-40B4-BE49-F238E27FC236}">
-                <a16:creationId xmlns:a16="http://schemas.microsoft.com/office/drawing/2014/main" id="{58DE0427-C275-90ED-0257-03BFC7415C03}"/>
-              </a:ext>
-            </a:extLst>
-          </p:cNvPr>
-          <p:cNvSpPr>
-            <a:spLocks noGrp="1"/>
-          </p:cNvSpPr>
-          <p:nvPr>
-            <p:ph type="sldNum" sz="quarter" idx="4294967295"/>
-          </p:nvPr>
-        </p:nvSpPr>
-        <p:spPr>
-          <a:xfrm>
-            <a:off x="8531225" y="6308725"/>
-            <a:ext cx="612775" cy="549275"/>
-          </a:xfrm>
-        </p:spPr>
-        <p:txBody>
-          <a:bodyPr/>
-          <a:lstStyle/>
-          <a:p>
-            <a:fld id="{D2D8002D-B5B0-4BAC-B1F6-782DDCCE6D9C}" type="slidenum">
-              <a:rPr kumimoji="1" lang="ja-JP" altLang="en-US" smtClean="0"/>
-              <a:pPr/>
-              <a:t>4</a:t>
-            </a:fld>
-            <a:endParaRPr kumimoji="1" lang="ja-JP" altLang="en-US"/>
-          </a:p>
-        </p:txBody>
-      </p:sp>
     </p:spTree>
     <p:extLst>
       <p:ext uri="{BB962C8B-B14F-4D97-AF65-F5344CB8AC3E}">
@@ -10197,41 +10007,6 @@
               <a:t>最終的に完全プロットを作るところまでの道筋を意識してほしい</a:t>
             </a:r>
             <a:endParaRPr lang="en-US" altLang="ja-JP" dirty="0"/>
-          </a:p>
-        </p:txBody>
-      </p:sp>
-      <p:sp>
-        <p:nvSpPr>
-          <p:cNvPr id="2" name="スライド番号プレースホルダー 1">
-            <a:extLst>
-              <a:ext uri="{FF2B5EF4-FFF2-40B4-BE49-F238E27FC236}">
-                <a16:creationId xmlns:a16="http://schemas.microsoft.com/office/drawing/2014/main" id="{58DE0427-C275-90ED-0257-03BFC7415C03}"/>
-              </a:ext>
-            </a:extLst>
-          </p:cNvPr>
-          <p:cNvSpPr>
-            <a:spLocks noGrp="1"/>
-          </p:cNvSpPr>
-          <p:nvPr>
-            <p:ph type="sldNum" sz="quarter" idx="4294967295"/>
-          </p:nvPr>
-        </p:nvSpPr>
-        <p:spPr>
-          <a:xfrm>
-            <a:off x="8531225" y="6308725"/>
-            <a:ext cx="612775" cy="549275"/>
-          </a:xfrm>
-        </p:spPr>
-        <p:txBody>
-          <a:bodyPr/>
-          <a:lstStyle/>
-          <a:p>
-            <a:fld id="{D2D8002D-B5B0-4BAC-B1F6-782DDCCE6D9C}" type="slidenum">
-              <a:rPr kumimoji="1" lang="ja-JP" altLang="en-US" smtClean="0"/>
-              <a:pPr/>
-              <a:t>5</a:t>
-            </a:fld>
-            <a:endParaRPr kumimoji="1" lang="ja-JP" altLang="en-US"/>
           </a:p>
         </p:txBody>
       </p:sp>
@@ -11781,41 +11556,6 @@
               <a:rPr kumimoji="1" lang="ja-JP" altLang="en-US" dirty="0"/>
               <a:t>チェック・リスト</a:t>
             </a:r>
-          </a:p>
-        </p:txBody>
-      </p:sp>
-      <p:sp>
-        <p:nvSpPr>
-          <p:cNvPr id="2" name="スライド番号プレースホルダー 1">
-            <a:extLst>
-              <a:ext uri="{FF2B5EF4-FFF2-40B4-BE49-F238E27FC236}">
-                <a16:creationId xmlns:a16="http://schemas.microsoft.com/office/drawing/2014/main" id="{3AF4B82F-B507-C1B8-5907-D46C3C503B6B}"/>
-              </a:ext>
-            </a:extLst>
-          </p:cNvPr>
-          <p:cNvSpPr>
-            <a:spLocks noGrp="1"/>
-          </p:cNvSpPr>
-          <p:nvPr>
-            <p:ph type="sldNum" sz="quarter" idx="4294967295"/>
-          </p:nvPr>
-        </p:nvSpPr>
-        <p:spPr>
-          <a:xfrm>
-            <a:off x="8531225" y="6308725"/>
-            <a:ext cx="612775" cy="549275"/>
-          </a:xfrm>
-        </p:spPr>
-        <p:txBody>
-          <a:bodyPr/>
-          <a:lstStyle/>
-          <a:p>
-            <a:fld id="{D2D8002D-B5B0-4BAC-B1F6-782DDCCE6D9C}" type="slidenum">
-              <a:rPr kumimoji="1" lang="ja-JP" altLang="en-US" smtClean="0"/>
-              <a:pPr/>
-              <a:t>8</a:t>
-            </a:fld>
-            <a:endParaRPr kumimoji="1" lang="ja-JP" altLang="en-US"/>
           </a:p>
         </p:txBody>
       </p:sp>

--- a/plot.pptx
+++ b/plot.pptx
@@ -13,8 +13,8 @@
     <p:sldId id="484" r:id="rId4"/>
     <p:sldId id="441" r:id="rId5"/>
     <p:sldId id="446" r:id="rId6"/>
-    <p:sldId id="465" r:id="rId7"/>
-    <p:sldId id="452" r:id="rId8"/>
+    <p:sldId id="487" r:id="rId7"/>
+    <p:sldId id="465" r:id="rId8"/>
     <p:sldId id="468" r:id="rId9"/>
     <p:sldId id="480" r:id="rId10"/>
     <p:sldId id="451" r:id="rId11"/>
@@ -3142,7 +3142,7 @@
             </a:r>
             <a:r>
               <a:rPr kumimoji="1" lang="en-US" altLang="ja-JP" sz="2800" dirty="0"/>
-              <a:t>v7</a:t>
+              <a:t>v8</a:t>
             </a:r>
             <a:endParaRPr kumimoji="1" lang="ja-JP" altLang="en-US" sz="2800" dirty="0"/>
           </a:p>
@@ -3687,7 +3687,14 @@
           <a:p>
             <a:r>
               <a:rPr kumimoji="1" lang="ja-JP" altLang="en-US" dirty="0"/>
-              <a:t>３点プロット：この３点で話の筋をまとめる</a:t>
+              <a:t>３点プロット：</a:t>
+            </a:r>
+            <a:br>
+              <a:rPr kumimoji="1" lang="en-US" altLang="ja-JP" dirty="0"/>
+            </a:br>
+            <a:r>
+              <a:rPr kumimoji="1" lang="ja-JP" altLang="en-US" dirty="0"/>
+              <a:t>背景，課題，提案の３点で話の筋をまとめる</a:t>
             </a:r>
           </a:p>
         </p:txBody>
@@ -6279,6 +6286,13 @@
           <a:bodyPr/>
           <a:lstStyle/>
           <a:p>
+            <a:r>
+              <a:rPr kumimoji="1" lang="ja-JP" altLang="en-US" sz="2400" dirty="0"/>
+              <a:t>余談：プロットの作成時に</a:t>
+            </a:r>
+            <a:br>
+              <a:rPr kumimoji="1" lang="en-US" altLang="ja-JP" sz="2400" dirty="0"/>
+            </a:br>
             <a:r>
               <a:rPr kumimoji="1" lang="ja-JP" altLang="en-US" sz="2400" dirty="0"/>
               <a:t>なぜ親子関係のある箇条書き（階層構造）にまとめるのか？</a:t>
@@ -11405,51 +11419,51 @@
           <a:lstStyle/>
           <a:p>
             <a:r>
-              <a:rPr lang="ja-JP" altLang="en-US" dirty="0"/>
+              <a:rPr lang="ja-JP" altLang="en-US" sz="1800" dirty="0"/>
               <a:t>イントロ</a:t>
             </a:r>
             <a:r>
-              <a:rPr kumimoji="1" lang="ja-JP" altLang="en-US" dirty="0"/>
+              <a:rPr kumimoji="1" lang="ja-JP" altLang="en-US" sz="1800" dirty="0"/>
               <a:t>プロット時の配分には自由度がある</a:t>
             </a:r>
-            <a:endParaRPr kumimoji="1" lang="en-US" altLang="ja-JP" dirty="0"/>
+            <a:endParaRPr kumimoji="1" lang="en-US" altLang="ja-JP" sz="1800" dirty="0"/>
           </a:p>
           <a:p>
             <a:pPr lvl="1"/>
             <a:r>
-              <a:rPr kumimoji="1" lang="ja-JP" altLang="en-US" dirty="0"/>
+              <a:rPr kumimoji="1" lang="ja-JP" altLang="en-US" sz="1800" dirty="0"/>
               <a:t>３点のどこをどれだけ詳しく話すかは，論文ごとに異なる</a:t>
             </a:r>
-            <a:endParaRPr kumimoji="1" lang="en-US" altLang="ja-JP" dirty="0"/>
-          </a:p>
-          <a:p>
-            <a:r>
-              <a:rPr kumimoji="1" lang="ja-JP" altLang="en-US" dirty="0"/>
+            <a:endParaRPr kumimoji="1" lang="en-US" altLang="ja-JP" sz="1800" dirty="0"/>
+          </a:p>
+          <a:p>
+            <a:r>
+              <a:rPr kumimoji="1" lang="ja-JP" altLang="en-US" sz="1800" dirty="0"/>
               <a:t>たとえば，</a:t>
             </a:r>
-            <a:endParaRPr kumimoji="1" lang="en-US" altLang="ja-JP" dirty="0"/>
+            <a:endParaRPr kumimoji="1" lang="en-US" altLang="ja-JP" sz="1800" dirty="0"/>
           </a:p>
           <a:p>
             <a:pPr lvl="1"/>
             <a:r>
-              <a:rPr kumimoji="1" lang="ja-JP" altLang="en-US" dirty="0"/>
+              <a:rPr kumimoji="1" lang="ja-JP" altLang="en-US" sz="1800" dirty="0"/>
               <a:t>背景は１つのままで，提案を増やす事が多い（上の図の例）</a:t>
             </a:r>
-            <a:endParaRPr kumimoji="1" lang="en-US" altLang="ja-JP" dirty="0"/>
+            <a:endParaRPr kumimoji="1" lang="en-US" altLang="ja-JP" sz="1800" dirty="0"/>
           </a:p>
           <a:p>
             <a:pPr lvl="1"/>
             <a:r>
-              <a:rPr kumimoji="1" lang="ja-JP" altLang="en-US" dirty="0"/>
-              <a:t>あまり一般的ではない話題の場合，背景が多めになる事も</a:t>
-            </a:r>
-            <a:endParaRPr kumimoji="1" lang="en-US" altLang="ja-JP" dirty="0"/>
+              <a:rPr kumimoji="1" lang="ja-JP" altLang="en-US" sz="1800" dirty="0"/>
+              <a:t>あまり一般的ではない話題の場合，背景が多めの配分になる事も</a:t>
+            </a:r>
+            <a:endParaRPr kumimoji="1" lang="en-US" altLang="ja-JP" sz="1800" dirty="0"/>
           </a:p>
           <a:p>
             <a:pPr lvl="1"/>
             <a:r>
-              <a:rPr kumimoji="1" lang="ja-JP" altLang="en-US" dirty="0"/>
-              <a:t>課題の発見や整理こそが大事な場合，提案は自明なため短くなる</a:t>
+              <a:rPr kumimoji="1" lang="ja-JP" altLang="en-US" sz="1800" dirty="0"/>
+              <a:t>逆に課題の発見や整理こそが大事な場合，提案は自明なため短くなる</a:t>
             </a:r>
           </a:p>
         </p:txBody>
@@ -12663,82 +12677,110 @@
           <a:bodyPr/>
           <a:lstStyle/>
           <a:p>
-            <a:r>
-              <a:rPr kumimoji="1" lang="ja-JP" altLang="en-US" dirty="0"/>
-              <a:t>イントロの重要な役割は全体を</a:t>
-            </a:r>
-            <a:r>
-              <a:rPr lang="ja-JP" altLang="en-US" dirty="0"/>
-              <a:t>要約して紹介することである</a:t>
-            </a:r>
-            <a:endParaRPr lang="en-US" altLang="ja-JP" dirty="0"/>
+            <a:pPr marL="457200" indent="-457200">
+              <a:buFont typeface="+mj-lt"/>
+              <a:buAutoNum type="arabicPeriod"/>
+            </a:pPr>
+            <a:r>
+              <a:rPr kumimoji="1" lang="ja-JP" altLang="en-US" sz="1800" dirty="0"/>
+              <a:t>イントロの重要な役割の１つは全体を</a:t>
+            </a:r>
+            <a:r>
+              <a:rPr lang="ja-JP" altLang="en-US" sz="1800" dirty="0"/>
+              <a:t>要約して紹介すること</a:t>
+            </a:r>
+            <a:endParaRPr lang="en-US" altLang="ja-JP" sz="1800" dirty="0"/>
           </a:p>
           <a:p>
             <a:pPr lvl="1"/>
             <a:r>
-              <a:rPr kumimoji="1" lang="ja-JP" altLang="en-US" dirty="0"/>
+              <a:rPr kumimoji="1" lang="ja-JP" altLang="en-US" sz="1800" dirty="0"/>
               <a:t>したがって，全体プロットは「基本的には」イントロプロットをより詳細化して作ることになる</a:t>
             </a:r>
-            <a:endParaRPr kumimoji="1" lang="en-US" altLang="ja-JP" dirty="0"/>
-          </a:p>
-          <a:p>
-            <a:r>
-              <a:rPr kumimoji="1" lang="ja-JP" altLang="en-US" dirty="0"/>
+            <a:endParaRPr kumimoji="1" lang="en-US" altLang="ja-JP" sz="1800" dirty="0"/>
+          </a:p>
+          <a:p>
+            <a:pPr marL="457200" indent="-457200">
+              <a:buFont typeface="+mj-lt"/>
+              <a:buAutoNum type="arabicPeriod"/>
+            </a:pPr>
+            <a:r>
+              <a:rPr kumimoji="1" lang="ja-JP" altLang="en-US" sz="1800" dirty="0"/>
               <a:t>イントロの</a:t>
             </a:r>
             <a:r>
-              <a:rPr lang="ja-JP" altLang="en-US" dirty="0"/>
+              <a:rPr lang="ja-JP" altLang="en-US" sz="1800" dirty="0"/>
               <a:t>もう１つの役割は</a:t>
             </a:r>
             <a:r>
-              <a:rPr kumimoji="1" lang="ja-JP" altLang="en-US" dirty="0">
+              <a:rPr kumimoji="1" lang="ja-JP" altLang="en-US" sz="1800" dirty="0">
                 <a:solidFill>
                   <a:schemeClr val="accent5"/>
                 </a:solidFill>
               </a:rPr>
               <a:t>読者や聴衆の興味をひくこと</a:t>
             </a:r>
-            <a:r>
-              <a:rPr kumimoji="1" lang="ja-JP" altLang="en-US" dirty="0"/>
-              <a:t>である</a:t>
-            </a:r>
-            <a:endParaRPr kumimoji="1" lang="en-US" altLang="ja-JP" dirty="0"/>
+            <a:endParaRPr kumimoji="1" lang="en-US" altLang="ja-JP" sz="1800" dirty="0"/>
           </a:p>
           <a:p>
             <a:pPr lvl="1"/>
             <a:r>
-              <a:rPr lang="ja-JP" altLang="en-US" dirty="0"/>
-              <a:t>読者や聴衆が興味を持つような点を抜き出して強調する</a:t>
-            </a:r>
-            <a:endParaRPr lang="en-US" altLang="ja-JP" dirty="0"/>
+              <a:rPr lang="ja-JP" altLang="en-US" sz="1800" dirty="0"/>
+              <a:t>読者や聴衆が興味を持つような点を強調する必要がある</a:t>
+            </a:r>
+            <a:endParaRPr lang="en-US" altLang="ja-JP" sz="1800" dirty="0"/>
           </a:p>
           <a:p>
             <a:pPr lvl="2"/>
             <a:r>
-              <a:rPr lang="ja-JP" altLang="en-US" dirty="0"/>
+              <a:rPr lang="ja-JP" altLang="en-US" sz="1800" dirty="0"/>
               <a:t>問題や提案の核心部分，華々しい結果など</a:t>
             </a:r>
-            <a:endParaRPr lang="en-US" altLang="ja-JP" dirty="0"/>
+            <a:endParaRPr lang="en-US" altLang="ja-JP" sz="1800" dirty="0"/>
+          </a:p>
+          <a:p>
+            <a:pPr lvl="2"/>
+            <a:r>
+              <a:rPr lang="ja-JP" altLang="en-US" sz="1800" dirty="0"/>
+              <a:t>「</a:t>
+            </a:r>
+            <a:r>
+              <a:rPr lang="en-US" altLang="ja-JP" sz="1800" dirty="0"/>
+              <a:t>200%</a:t>
+            </a:r>
+            <a:r>
+              <a:rPr lang="ja-JP" altLang="en-US" sz="1800" dirty="0"/>
+              <a:t>性能向上しました」→ 「すごいな，どうやったんだろ？」</a:t>
+            </a:r>
+            <a:endParaRPr lang="en-US" altLang="ja-JP" sz="1800" dirty="0"/>
           </a:p>
           <a:p>
             <a:pPr lvl="1"/>
             <a:r>
-              <a:rPr kumimoji="1" lang="ja-JP" altLang="en-US" dirty="0"/>
+              <a:rPr kumimoji="1" lang="ja-JP" altLang="en-US" sz="1800" dirty="0"/>
               <a:t>このため，「</a:t>
             </a:r>
             <a:r>
-              <a:rPr kumimoji="1" lang="ja-JP" altLang="en-US" dirty="0">
+              <a:rPr kumimoji="1" lang="ja-JP" altLang="en-US" sz="1800" dirty="0">
                 <a:solidFill>
                   <a:schemeClr val="accent5"/>
                 </a:solidFill>
               </a:rPr>
-              <a:t>イントロプロットを詳細化したもの＝全体プロット」ではないと考えた方がよい</a:t>
-            </a:r>
-            <a:endParaRPr kumimoji="1" lang="en-US" altLang="ja-JP" dirty="0">
-              <a:solidFill>
-                <a:schemeClr val="accent5"/>
-              </a:solidFill>
-            </a:endParaRPr>
+              <a:t>イントロプロットを詳細化したもの＝全体プロット」ではない</a:t>
+            </a:r>
+            <a:r>
+              <a:rPr kumimoji="1" lang="ja-JP" altLang="en-US" sz="1800" dirty="0"/>
+              <a:t>と考えた方がよい</a:t>
+            </a:r>
+            <a:endParaRPr kumimoji="1" lang="en-US" altLang="ja-JP" sz="1800" dirty="0"/>
+          </a:p>
+          <a:p>
+            <a:pPr lvl="2"/>
+            <a:r>
+              <a:rPr kumimoji="1" lang="ja-JP" altLang="en-US" sz="1800" dirty="0"/>
+              <a:t>イントロでは問題の深刻さや提案のすごさをより強調して重きを置くから</a:t>
+            </a:r>
+            <a:endParaRPr kumimoji="1" lang="en-US" altLang="ja-JP" sz="1800" dirty="0"/>
           </a:p>
         </p:txBody>
       </p:sp>
@@ -12803,7 +12845,7 @@
           <a:p>
             <a:r>
               <a:rPr kumimoji="1" lang="ja-JP" altLang="en-US" dirty="0"/>
-              <a:t>イントロと全体の構造が違う例</a:t>
+              <a:t>イントロと全体のプロットで構造が違う例</a:t>
             </a:r>
           </a:p>
         </p:txBody>
@@ -12847,14 +12889,7 @@
             <a:pPr lvl="1"/>
             <a:r>
               <a:rPr lang="ja-JP" altLang="en-US" dirty="0"/>
-              <a:t>しかし非常に一般的であるか，本筋には関係なかったりして</a:t>
-            </a:r>
-            <a:br>
-              <a:rPr lang="en-US" altLang="ja-JP" dirty="0"/>
-            </a:br>
-            <a:r>
-              <a:rPr lang="ja-JP" altLang="en-US" dirty="0"/>
-              <a:t>論文本文ではそれ以降登場しない事がある</a:t>
+              <a:t>しかし，非常に一般的であるか，あるいは本筋には関係なかったりして論文本文ではそれ以降登場しない事がある</a:t>
             </a:r>
             <a:endParaRPr lang="en-US" altLang="ja-JP" dirty="0"/>
           </a:p>
@@ -13046,7 +13081,7 @@
           <a:p>
             <a:r>
               <a:rPr lang="ja-JP" altLang="en-US" dirty="0"/>
-              <a:t>３点プロットは，いわば「イントロプロットのプロット」</a:t>
+              <a:t>３点プロットは，いわば「プロットのプロット」</a:t>
             </a:r>
             <a:endParaRPr lang="en-US" altLang="ja-JP" dirty="0"/>
           </a:p>
@@ -13054,7 +13089,14 @@
             <a:pPr lvl="1"/>
             <a:r>
               <a:rPr lang="ja-JP" altLang="en-US" dirty="0"/>
-              <a:t>３点プロットで整理した内容をもとに，肉付けして全体プロットを作る</a:t>
+              <a:t>基本的には３点プロットで整理した内容をもとに，</a:t>
+            </a:r>
+            <a:br>
+              <a:rPr lang="en-US" altLang="ja-JP" dirty="0"/>
+            </a:br>
+            <a:r>
+              <a:rPr lang="ja-JP" altLang="en-US" dirty="0"/>
+              <a:t>肉付けして全体プロットを作る</a:t>
             </a:r>
             <a:endParaRPr lang="en-US" altLang="ja-JP" dirty="0"/>
           </a:p>
@@ -13817,23 +13859,7 @@
                   <a:schemeClr val="accent5"/>
                 </a:solidFill>
               </a:rPr>
-              <a:t>前から読んでわかる順序に論理を展開し，</a:t>
-            </a:r>
-            <a:endParaRPr lang="en-US" altLang="ja-JP" dirty="0">
-              <a:solidFill>
-                <a:schemeClr val="accent5"/>
-              </a:solidFill>
-            </a:endParaRPr>
-          </a:p>
-          <a:p>
-            <a:pPr lvl="2"/>
-            <a:r>
-              <a:rPr lang="ja-JP" altLang="en-US" dirty="0">
-                <a:solidFill>
-                  <a:schemeClr val="accent5"/>
-                </a:solidFill>
-              </a:rPr>
-              <a:t>それぞれにつなぎを入れる必要がある</a:t>
+              <a:t>前から読んでわかる順序に論理を展開し，それぞれにつなぎを入れる必要がある</a:t>
             </a:r>
             <a:endParaRPr lang="en-US" altLang="ja-JP" dirty="0">
               <a:solidFill>
@@ -21553,7 +21579,7 @@
             </a:br>
             <a:r>
               <a:rPr lang="ja-JP" altLang="en-US" sz="1800" dirty="0"/>
-              <a:t>論文や発表スライドの作成中の各段階に合わせてこれらを作る</a:t>
+              <a:t>論文や発表スライドの作成段階に応じて，これらを作る</a:t>
             </a:r>
             <a:endParaRPr kumimoji="1" lang="ja-JP" altLang="en-US" dirty="0"/>
           </a:p>
@@ -21594,7 +21620,23 @@
             <a:pPr lvl="1"/>
             <a:r>
               <a:rPr kumimoji="1" lang="ja-JP" altLang="en-US" dirty="0"/>
-              <a:t>３つの項目にまとめたプロット</a:t>
+              <a:t>話全体を３つの項目にまとめた形のプロット</a:t>
+            </a:r>
+            <a:endParaRPr kumimoji="1" lang="en-US" altLang="ja-JP" dirty="0"/>
+          </a:p>
+          <a:p>
+            <a:pPr lvl="1"/>
+            <a:r>
+              <a:rPr kumimoji="1" lang="ja-JP" altLang="en-US" dirty="0"/>
+              <a:t>イントロ</a:t>
+            </a:r>
+            <a:r>
+              <a:rPr kumimoji="1" lang="en-US" altLang="ja-JP" dirty="0"/>
+              <a:t>/</a:t>
+            </a:r>
+            <a:r>
+              <a:rPr kumimoji="1" lang="ja-JP" altLang="en-US" dirty="0"/>
+              <a:t>全体プロットと比べると抽象的な内容になる</a:t>
             </a:r>
             <a:endParaRPr kumimoji="1" lang="en-US" altLang="ja-JP" dirty="0"/>
           </a:p>
@@ -21616,14 +21658,6 @@
               <a:t>論文やスライドのイントロのプロット</a:t>
             </a:r>
             <a:endParaRPr lang="en-US" altLang="ja-JP" dirty="0"/>
-          </a:p>
-          <a:p>
-            <a:pPr lvl="1"/>
-            <a:r>
-              <a:rPr kumimoji="1" lang="ja-JP" altLang="en-US" dirty="0"/>
-              <a:t>ここは全体のものとは正確が違うので個別にプロットを作った方が良い</a:t>
-            </a:r>
-            <a:endParaRPr kumimoji="1" lang="en-US" altLang="ja-JP" dirty="0"/>
           </a:p>
           <a:p>
             <a:pPr marL="457200" indent="-457200">
@@ -21734,8 +21768,9 @@
           <a:p>
             <a:r>
               <a:rPr lang="ja-JP" altLang="en-US" dirty="0"/>
-              <a:t>まず３点プロットから作り始める</a:t>
-            </a:r>
+              <a:t>３点プロットとは</a:t>
+            </a:r>
+            <a:endParaRPr lang="en-US" altLang="ja-JP" dirty="0"/>
           </a:p>
         </p:txBody>
       </p:sp>
@@ -21761,12 +21796,24 @@
           <a:lstStyle/>
           <a:p>
             <a:r>
+              <a:rPr lang="ja-JP" altLang="en-US" dirty="0">
+                <a:solidFill>
+                  <a:schemeClr val="accent5"/>
+                </a:solidFill>
+              </a:rPr>
+              <a:t>３点プロットはいわば「プロットのプロット」</a:t>
+            </a:r>
+            <a:endParaRPr lang="en-US" altLang="ja-JP" dirty="0">
+              <a:solidFill>
+                <a:schemeClr val="accent5"/>
+              </a:solidFill>
+            </a:endParaRPr>
+          </a:p>
+          <a:p>
+            <a:pPr lvl="1"/>
+            <a:r>
               <a:rPr lang="ja-JP" altLang="en-US" dirty="0"/>
-              <a:t>イントロプロットや全体</a:t>
-            </a:r>
-            <a:r>
-              <a:rPr kumimoji="1" lang="ja-JP" altLang="en-US" dirty="0"/>
-              <a:t>プロットをいきなり作るのは難しい</a:t>
+              <a:t>「背景→課題→提案」の３要素が何なのかをまとめたもの</a:t>
             </a:r>
             <a:endParaRPr lang="en-US" altLang="ja-JP" dirty="0"/>
           </a:p>
@@ -21774,54 +21821,23 @@
             <a:pPr lvl="1"/>
             <a:r>
               <a:rPr lang="ja-JP" altLang="en-US" dirty="0"/>
-              <a:t>自由度が高すぎて，いきなりまとめるのが難しい</a:t>
+              <a:t>各要素が何なのかをはっきりさせ，その流れを明確にする</a:t>
             </a:r>
             <a:endParaRPr lang="en-US" altLang="ja-JP" dirty="0"/>
           </a:p>
           <a:p>
+            <a:pPr lvl="1"/>
             <a:r>
               <a:rPr lang="ja-JP" altLang="en-US" dirty="0"/>
-              <a:t>目標規定文を最初に作るのも難しい</a:t>
-            </a:r>
-            <a:endParaRPr lang="en-US" altLang="ja-JP" dirty="0"/>
-          </a:p>
-          <a:p>
-            <a:pPr lvl="1"/>
-            <a:r>
-              <a:rPr lang="ja-JP" altLang="en-US" dirty="0"/>
-              <a:t>本当に大事な事だけを１つの文に集約</a:t>
-            </a:r>
-            <a:r>
-              <a:rPr lang="en-US" altLang="ja-JP" dirty="0"/>
-              <a:t>/</a:t>
-            </a:r>
-            <a:r>
-              <a:rPr lang="ja-JP" altLang="en-US" dirty="0"/>
-              <a:t>圧縮する必要がある</a:t>
-            </a:r>
-            <a:endParaRPr lang="en-US" altLang="ja-JP" dirty="0"/>
-          </a:p>
-          <a:p>
-            <a:pPr lvl="1"/>
-            <a:r>
-              <a:rPr lang="ja-JP" altLang="en-US" dirty="0"/>
-              <a:t>しかし，何が真に大事なのかは最初はわからない</a:t>
-            </a:r>
-            <a:endParaRPr lang="en-US" altLang="ja-JP" dirty="0"/>
-          </a:p>
-          <a:p>
-            <a:r>
-              <a:rPr lang="ja-JP" altLang="en-US" dirty="0"/>
-              <a:t>３点プロットが規模的にちょうどよい</a:t>
-            </a:r>
-            <a:endParaRPr lang="en-US" altLang="ja-JP" dirty="0"/>
+              <a:t>これを膨らませて全体プロットなどを作る</a:t>
+            </a:r>
           </a:p>
         </p:txBody>
       </p:sp>
     </p:spTree>
     <p:extLst>
       <p:ext uri="{BB962C8B-B14F-4D97-AF65-F5344CB8AC3E}">
-        <p14:creationId xmlns:p14="http://schemas.microsoft.com/office/powerpoint/2010/main" val="2651193988"/>
+        <p14:creationId xmlns:p14="http://schemas.microsoft.com/office/powerpoint/2010/main" val="1390950572"/>
       </p:ext>
     </p:extLst>
   </p:cSld>
@@ -21879,9 +21895,8 @@
           <a:p>
             <a:r>
               <a:rPr lang="ja-JP" altLang="en-US" dirty="0"/>
-              <a:t>３点プロットは最初に作るのにちょうどよい</a:t>
-            </a:r>
-            <a:endParaRPr lang="en-US" altLang="ja-JP" dirty="0"/>
+              <a:t>まず３点プロットから作り始める</a:t>
+            </a:r>
           </a:p>
         </p:txBody>
       </p:sp>
@@ -21907,12 +21922,62 @@
           <a:lstStyle/>
           <a:p>
             <a:r>
+              <a:rPr lang="ja-JP" altLang="en-US" dirty="0"/>
+              <a:t>イントロプロットや全体</a:t>
+            </a:r>
+            <a:r>
+              <a:rPr kumimoji="1" lang="ja-JP" altLang="en-US" dirty="0"/>
+              <a:t>プロットをいきなり作るのは難しい</a:t>
+            </a:r>
+            <a:endParaRPr lang="en-US" altLang="ja-JP" dirty="0"/>
+          </a:p>
+          <a:p>
+            <a:pPr lvl="1"/>
+            <a:r>
+              <a:rPr lang="ja-JP" altLang="en-US" dirty="0"/>
+              <a:t>自由度が高すぎて，いきなりまとめるのが難しい</a:t>
+            </a:r>
+            <a:endParaRPr lang="en-US" altLang="ja-JP" dirty="0"/>
+          </a:p>
+          <a:p>
+            <a:r>
+              <a:rPr lang="ja-JP" altLang="en-US" dirty="0"/>
+              <a:t>目標規定文を最初に作るのも難しい</a:t>
+            </a:r>
+            <a:endParaRPr lang="en-US" altLang="ja-JP" dirty="0"/>
+          </a:p>
+          <a:p>
+            <a:pPr lvl="1"/>
+            <a:r>
+              <a:rPr lang="ja-JP" altLang="en-US" dirty="0"/>
+              <a:t>本当に大事な事だけを１つの文に集約</a:t>
+            </a:r>
+            <a:r>
+              <a:rPr lang="en-US" altLang="ja-JP" dirty="0"/>
+              <a:t>/</a:t>
+            </a:r>
+            <a:r>
+              <a:rPr lang="ja-JP" altLang="en-US" dirty="0"/>
+              <a:t>圧縮する必要がある</a:t>
+            </a:r>
+            <a:endParaRPr lang="en-US" altLang="ja-JP" dirty="0"/>
+          </a:p>
+          <a:p>
+            <a:pPr lvl="1"/>
+            <a:r>
+              <a:rPr lang="ja-JP" altLang="en-US" dirty="0"/>
+              <a:t>しかし，何が真に大事なのかは最初はわからない</a:t>
+            </a:r>
+            <a:endParaRPr lang="en-US" altLang="ja-JP" dirty="0"/>
+          </a:p>
+          <a:p>
+            <a:r>
               <a:rPr lang="ja-JP" altLang="en-US" dirty="0">
                 <a:solidFill>
                   <a:schemeClr val="accent5"/>
                 </a:solidFill>
               </a:rPr>
-              <a:t>３点プロットはいわば「（全体の）プロットのプロット」</a:t>
+              <a:t>３点プロットが規模的に最初に手をつけるのにちょうどよい</a:t>
             </a:r>
             <a:endParaRPr lang="en-US" altLang="ja-JP" dirty="0">
               <a:solidFill>
@@ -21924,37 +21989,15 @@
             <a:pPr lvl="1"/>
             <a:r>
               <a:rPr lang="ja-JP" altLang="en-US" dirty="0"/>
-              <a:t>まず「背景→課題→提案」の３点の流れを明確にする</a:t>
+              <a:t>規模が小さくかつ形式が決まっているので，考えやすい</a:t>
             </a:r>
             <a:endParaRPr lang="en-US" altLang="ja-JP" dirty="0"/>
           </a:p>
           <a:p>
-            <a:pPr lvl="2"/>
+            <a:pPr lvl="1"/>
             <a:r>
               <a:rPr lang="ja-JP" altLang="en-US" dirty="0"/>
-              <a:t>各要素が何なのかをはっきりさせる</a:t>
-            </a:r>
-            <a:endParaRPr lang="en-US" altLang="ja-JP" dirty="0"/>
-          </a:p>
-          <a:p>
-            <a:pPr lvl="1"/>
-            <a:r>
-              <a:rPr lang="ja-JP" altLang="en-US" dirty="0"/>
-              <a:t>これを元に，内容を膨らませて完全プロットなど作る</a:t>
-            </a:r>
-          </a:p>
-          <a:p>
-            <a:r>
-              <a:rPr lang="ja-JP" altLang="en-US" dirty="0"/>
-              <a:t>規模が小さくかつ形式が決まっているので，考えやすい</a:t>
-            </a:r>
-            <a:endParaRPr lang="en-US" altLang="ja-JP" dirty="0"/>
-          </a:p>
-          <a:p>
-            <a:pPr lvl="1"/>
-            <a:r>
-              <a:rPr lang="ja-JP" altLang="en-US" dirty="0"/>
-              <a:t>スライド１枚程度にまとまる</a:t>
+              <a:t>典型的にはスライド１枚程度にまとめる</a:t>
             </a:r>
             <a:endParaRPr lang="en-US" altLang="ja-JP" dirty="0"/>
           </a:p>
@@ -21963,17 +22006,6 @@
             <a:r>
               <a:rPr lang="ja-JP" altLang="en-US" dirty="0"/>
               <a:t>短いので，まず取っ掛かりとして始めやすい</a:t>
-            </a:r>
-            <a:endParaRPr lang="en-US" altLang="ja-JP" dirty="0"/>
-          </a:p>
-          <a:p>
-            <a:r>
-              <a:rPr lang="ja-JP" altLang="en-US" dirty="0">
-                <a:solidFill>
-                  <a:schemeClr val="accent5"/>
-                </a:solidFill>
-              </a:rPr>
-              <a:t>３点プロットに実際に取り掛かる前に，この資料は最後まで読んでほしい</a:t>
             </a:r>
             <a:endParaRPr lang="en-US" altLang="ja-JP" dirty="0">
               <a:solidFill>
@@ -21981,20 +22013,12 @@
               </a:solidFill>
             </a:endParaRPr>
           </a:p>
-          <a:p>
-            <a:pPr lvl="1"/>
-            <a:r>
-              <a:rPr lang="ja-JP" altLang="en-US" dirty="0"/>
-              <a:t>最終的に全体プロットを作るところまでの道筋を意識してほしい</a:t>
-            </a:r>
-            <a:endParaRPr lang="en-US" altLang="ja-JP" dirty="0"/>
-          </a:p>
         </p:txBody>
       </p:sp>
     </p:spTree>
     <p:extLst>
       <p:ext uri="{BB962C8B-B14F-4D97-AF65-F5344CB8AC3E}">
-        <p14:creationId xmlns:p14="http://schemas.microsoft.com/office/powerpoint/2010/main" val="2500340230"/>
+        <p14:creationId xmlns:p14="http://schemas.microsoft.com/office/powerpoint/2010/main" val="2651193988"/>
       </p:ext>
     </p:extLst>
   </p:cSld>

--- a/plot.pptx
+++ b/plot.pptx
@@ -5,7 +5,7 @@
     <p:sldMasterId id="2147483669" r:id="rId1"/>
   </p:sldMasterIdLst>
   <p:notesMasterIdLst>
-    <p:notesMasterId r:id="rId54"/>
+    <p:notesMasterId r:id="rId55"/>
   </p:notesMasterIdLst>
   <p:sldIdLst>
     <p:sldId id="440" r:id="rId2"/>
@@ -20,46 +20,47 @@
     <p:sldId id="451" r:id="rId11"/>
     <p:sldId id="469" r:id="rId12"/>
     <p:sldId id="448" r:id="rId13"/>
-    <p:sldId id="494" r:id="rId14"/>
-    <p:sldId id="495" r:id="rId15"/>
+    <p:sldId id="497" r:id="rId14"/>
+    <p:sldId id="458" r:id="rId15"/>
     <p:sldId id="443" r:id="rId16"/>
-    <p:sldId id="458" r:id="rId17"/>
+    <p:sldId id="454" r:id="rId17"/>
     <p:sldId id="442" r:id="rId18"/>
-    <p:sldId id="454" r:id="rId19"/>
-    <p:sldId id="455" r:id="rId20"/>
-    <p:sldId id="470" r:id="rId21"/>
-    <p:sldId id="449" r:id="rId22"/>
-    <p:sldId id="491" r:id="rId23"/>
-    <p:sldId id="467" r:id="rId24"/>
-    <p:sldId id="492" r:id="rId25"/>
-    <p:sldId id="493" r:id="rId26"/>
-    <p:sldId id="450" r:id="rId27"/>
+    <p:sldId id="494" r:id="rId19"/>
+    <p:sldId id="495" r:id="rId20"/>
+    <p:sldId id="455" r:id="rId21"/>
+    <p:sldId id="470" r:id="rId22"/>
+    <p:sldId id="449" r:id="rId23"/>
+    <p:sldId id="491" r:id="rId24"/>
+    <p:sldId id="467" r:id="rId25"/>
+    <p:sldId id="492" r:id="rId26"/>
+    <p:sldId id="493" r:id="rId27"/>
     <p:sldId id="496" r:id="rId28"/>
-    <p:sldId id="473" r:id="rId29"/>
-    <p:sldId id="474" r:id="rId30"/>
-    <p:sldId id="475" r:id="rId31"/>
-    <p:sldId id="477" r:id="rId32"/>
-    <p:sldId id="453" r:id="rId33"/>
-    <p:sldId id="444" r:id="rId34"/>
-    <p:sldId id="445" r:id="rId35"/>
-    <p:sldId id="460" r:id="rId36"/>
-    <p:sldId id="459" r:id="rId37"/>
-    <p:sldId id="461" r:id="rId38"/>
-    <p:sldId id="447" r:id="rId39"/>
-    <p:sldId id="462" r:id="rId40"/>
-    <p:sldId id="485" r:id="rId41"/>
-    <p:sldId id="486" r:id="rId42"/>
-    <p:sldId id="463" r:id="rId43"/>
-    <p:sldId id="464" r:id="rId44"/>
-    <p:sldId id="466" r:id="rId45"/>
-    <p:sldId id="269" r:id="rId46"/>
-    <p:sldId id="478" r:id="rId47"/>
-    <p:sldId id="479" r:id="rId48"/>
-    <p:sldId id="481" r:id="rId49"/>
-    <p:sldId id="482" r:id="rId50"/>
-    <p:sldId id="483" r:id="rId51"/>
-    <p:sldId id="471" r:id="rId52"/>
-    <p:sldId id="472" r:id="rId53"/>
+    <p:sldId id="450" r:id="rId29"/>
+    <p:sldId id="473" r:id="rId30"/>
+    <p:sldId id="474" r:id="rId31"/>
+    <p:sldId id="475" r:id="rId32"/>
+    <p:sldId id="477" r:id="rId33"/>
+    <p:sldId id="453" r:id="rId34"/>
+    <p:sldId id="444" r:id="rId35"/>
+    <p:sldId id="445" r:id="rId36"/>
+    <p:sldId id="460" r:id="rId37"/>
+    <p:sldId id="459" r:id="rId38"/>
+    <p:sldId id="461" r:id="rId39"/>
+    <p:sldId id="447" r:id="rId40"/>
+    <p:sldId id="462" r:id="rId41"/>
+    <p:sldId id="485" r:id="rId42"/>
+    <p:sldId id="486" r:id="rId43"/>
+    <p:sldId id="463" r:id="rId44"/>
+    <p:sldId id="464" r:id="rId45"/>
+    <p:sldId id="466" r:id="rId46"/>
+    <p:sldId id="269" r:id="rId47"/>
+    <p:sldId id="478" r:id="rId48"/>
+    <p:sldId id="479" r:id="rId49"/>
+    <p:sldId id="481" r:id="rId50"/>
+    <p:sldId id="482" r:id="rId51"/>
+    <p:sldId id="483" r:id="rId52"/>
+    <p:sldId id="471" r:id="rId53"/>
+    <p:sldId id="472" r:id="rId54"/>
   </p:sldIdLst>
   <p:sldSz cx="9144000" cy="6858000" type="screen4x3"/>
   <p:notesSz cx="6858000" cy="9144000"/>
@@ -262,7 +263,7 @@
           <a:p>
             <a:fld id="{2ABE53D4-1A7B-4FFE-8A95-4265B045F058}" type="datetimeFigureOut">
               <a:rPr kumimoji="1" lang="ja-JP" altLang="en-US" smtClean="0"/>
-              <a:t>2022/11/29</a:t>
+              <a:t>2022/11/30</a:t>
             </a:fld>
             <a:endParaRPr kumimoji="1" lang="ja-JP" altLang="en-US"/>
           </a:p>
@@ -3146,8 +3147,8 @@
               <a:t>プロットの作り方 </a:t>
             </a:r>
             <a:r>
-              <a:rPr kumimoji="1" lang="en-US" altLang="ja-JP" sz="2800" dirty="0"/>
-              <a:t>v9</a:t>
+              <a:rPr kumimoji="1" lang="en-US" altLang="ja-JP" sz="2800"/>
+              <a:t>v10</a:t>
             </a:r>
             <a:endParaRPr kumimoji="1" lang="ja-JP" altLang="en-US" sz="2800" dirty="0"/>
           </a:p>
@@ -3830,7 +3831,15 @@
             <a:pPr lvl="1"/>
             <a:r>
               <a:rPr kumimoji="1" lang="ja-JP" altLang="en-US" dirty="0"/>
-              <a:t>なぜ課題を解決できるのか</a:t>
+              <a:t>なぜ </a:t>
+            </a:r>
+            <a:r>
+              <a:rPr kumimoji="1" lang="en-US" altLang="ja-JP" dirty="0"/>
+              <a:t>&amp; </a:t>
+            </a:r>
+            <a:r>
+              <a:rPr kumimoji="1" lang="ja-JP" altLang="en-US" dirty="0"/>
+              <a:t>どのように課題を解決できるのか</a:t>
             </a:r>
           </a:p>
         </p:txBody>
@@ -3878,7 +3887,7 @@
           <p:cNvPr id="2" name="タイトル 1">
             <a:extLst>
               <a:ext uri="{FF2B5EF4-FFF2-40B4-BE49-F238E27FC236}">
-                <a16:creationId xmlns:a16="http://schemas.microsoft.com/office/drawing/2014/main" id="{0D8148F9-96F5-47D8-BABC-0992A5317442}"/>
+                <a16:creationId xmlns:a16="http://schemas.microsoft.com/office/drawing/2014/main" id="{7D722A8C-B31F-1470-2A2C-B9925BC500E2}"/>
               </a:ext>
             </a:extLst>
           </p:cNvPr>
@@ -3895,9 +3904,25 @@
           <a:lstStyle/>
           <a:p>
             <a:r>
-              <a:rPr kumimoji="1" lang="ja-JP" altLang="en-US" dirty="0"/>
-              <a:t>課題について</a:t>
-            </a:r>
+              <a:rPr lang="ja-JP" altLang="en-US" sz="2400" dirty="0"/>
+              <a:t>例１：セットアソシアティブ・キャッシュ</a:t>
+            </a:r>
+            <a:br>
+              <a:rPr lang="en-US" altLang="ja-JP" sz="2400" dirty="0"/>
+            </a:br>
+            <a:r>
+              <a:rPr lang="ja-JP" altLang="en-US" sz="2400" dirty="0"/>
+              <a:t>　　　 </a:t>
+            </a:r>
+            <a:r>
+              <a:rPr lang="en-US" altLang="ja-JP" sz="2400" dirty="0"/>
+              <a:t>= </a:t>
+            </a:r>
+            <a:r>
+              <a:rPr lang="ja-JP" altLang="en-US" sz="2400" dirty="0"/>
+              <a:t>既存手法があるパターン</a:t>
+            </a:r>
+            <a:endParaRPr kumimoji="1" lang="ja-JP" altLang="en-US" sz="1600" dirty="0"/>
           </a:p>
         </p:txBody>
       </p:sp>
@@ -3906,7 +3931,7 @@
           <p:cNvPr id="3" name="テキスト プレースホルダー 2">
             <a:extLst>
               <a:ext uri="{FF2B5EF4-FFF2-40B4-BE49-F238E27FC236}">
-                <a16:creationId xmlns:a16="http://schemas.microsoft.com/office/drawing/2014/main" id="{F99D6A1E-A2D8-5CC6-FE5C-A06B02DCAF52}"/>
+                <a16:creationId xmlns:a16="http://schemas.microsoft.com/office/drawing/2014/main" id="{1641E495-BDDF-0AEA-8CA3-8A46CF1746DE}"/>
               </a:ext>
             </a:extLst>
           </p:cNvPr>
@@ -3923,88 +3948,110 @@
           <a:lstStyle/>
           <a:p>
             <a:r>
-              <a:rPr lang="ja-JP" altLang="en-US" dirty="0">
-                <a:solidFill>
-                  <a:schemeClr val="accent5"/>
-                </a:solidFill>
-              </a:rPr>
-              <a:t>「課題」は，良くない事を示すネガティブな語句や文を必ず含む</a:t>
-            </a:r>
-            <a:endParaRPr lang="en-US" altLang="ja-JP" dirty="0">
-              <a:solidFill>
-                <a:schemeClr val="accent5"/>
-              </a:solidFill>
-            </a:endParaRPr>
+              <a:rPr lang="ja-JP" altLang="en-US" sz="1600" dirty="0"/>
+              <a:t>背景：キャッシュ</a:t>
+            </a:r>
+            <a:endParaRPr lang="en-US" altLang="ja-JP" sz="1600" dirty="0"/>
           </a:p>
           <a:p>
             <a:pPr lvl="1"/>
             <a:r>
-              <a:rPr lang="ja-JP" altLang="en-US" dirty="0"/>
-              <a:t>「～が悪い」「～できない」など</a:t>
-            </a:r>
-            <a:endParaRPr lang="en-US" altLang="ja-JP" dirty="0"/>
+              <a:rPr lang="ja-JP" altLang="en-US" sz="1600" dirty="0"/>
+              <a:t>目的：プロセッサとメイン・メモリ間の速度差の解消</a:t>
+            </a:r>
+            <a:endParaRPr lang="en-US" altLang="ja-JP" sz="1600" dirty="0"/>
           </a:p>
           <a:p>
             <a:pPr lvl="1"/>
             <a:r>
-              <a:rPr lang="ja-JP" altLang="en-US" dirty="0"/>
-              <a:t>なにが問題であるのかを明示する</a:t>
-            </a:r>
-            <a:endParaRPr lang="en-US" altLang="ja-JP" dirty="0"/>
-          </a:p>
-          <a:p>
-            <a:r>
-              <a:rPr lang="ja-JP" altLang="en-US" dirty="0"/>
-              <a:t>たとえば後の例１～４の場合：</a:t>
-            </a:r>
-            <a:endParaRPr lang="en-US" altLang="ja-JP" dirty="0"/>
+              <a:rPr lang="ja-JP" altLang="en-US" sz="1600" dirty="0"/>
+              <a:t>構造：高速</a:t>
+            </a:r>
+            <a:r>
+              <a:rPr lang="en-US" altLang="ja-JP" sz="1600" dirty="0"/>
+              <a:t>/</a:t>
+            </a:r>
+            <a:r>
+              <a:rPr lang="ja-JP" altLang="en-US" sz="1600" dirty="0"/>
+              <a:t>小容量なメモリであり，メイン・メモリの一部を保持</a:t>
+            </a:r>
+            <a:endParaRPr lang="en-US" altLang="ja-JP" sz="1600" dirty="0"/>
+          </a:p>
+          <a:p>
+            <a:r>
+              <a:rPr lang="ja-JP" altLang="en-US" sz="1600" dirty="0"/>
+              <a:t>課題：既存のキャッシュは性能 </a:t>
+            </a:r>
+            <a:r>
+              <a:rPr lang="en-US" altLang="ja-JP" sz="1600" dirty="0"/>
+              <a:t>or </a:t>
+            </a:r>
+            <a:r>
+              <a:rPr lang="ja-JP" altLang="en-US" sz="1600" dirty="0"/>
+              <a:t>複雑さに問題がある</a:t>
+            </a:r>
+            <a:endParaRPr lang="en-US" altLang="ja-JP" sz="1600" dirty="0"/>
           </a:p>
           <a:p>
             <a:pPr lvl="1"/>
             <a:r>
-              <a:rPr lang="ja-JP" altLang="en-US" dirty="0"/>
-              <a:t>「従来のスカラ化では制約があり効果的にまとめられない 」</a:t>
-            </a:r>
-            <a:endParaRPr lang="en-US" altLang="ja-JP" dirty="0"/>
+              <a:rPr lang="ja-JP" altLang="en-US" sz="1600" dirty="0"/>
+              <a:t>ダイレクト・マップ：単純だが，競合によるヒット率低下が大きい</a:t>
+            </a:r>
+            <a:endParaRPr lang="en-US" altLang="ja-JP" sz="1600" dirty="0"/>
           </a:p>
           <a:p>
             <a:pPr lvl="1"/>
             <a:r>
-              <a:rPr kumimoji="1" lang="ja-JP" altLang="en-US" dirty="0"/>
-              <a:t>「性能向上の機会が大きく失われている」</a:t>
-            </a:r>
-            <a:endParaRPr kumimoji="1" lang="en-US" altLang="ja-JP" dirty="0"/>
+              <a:rPr lang="ja-JP" altLang="en-US" sz="1600" dirty="0"/>
+              <a:t>フルアソシアティブ：ヒット率は高いが，大量の比較器が必要</a:t>
+            </a:r>
+            <a:endParaRPr lang="en-US" altLang="ja-JP" sz="1600" dirty="0"/>
+          </a:p>
+          <a:p>
+            <a:r>
+              <a:rPr lang="ja-JP" altLang="en-US" sz="1600" dirty="0"/>
+              <a:t>提案：セットアソシアティブ・キャッシュ</a:t>
+            </a:r>
+            <a:endParaRPr lang="en-US" altLang="ja-JP" sz="1600" dirty="0"/>
           </a:p>
           <a:p>
             <a:pPr lvl="1"/>
             <a:r>
-              <a:rPr lang="ja-JP" altLang="en-US" dirty="0"/>
-              <a:t>「複雑さが爆発する 」</a:t>
-            </a:r>
-            <a:endParaRPr lang="en-US" altLang="ja-JP" dirty="0"/>
+              <a:rPr kumimoji="1" lang="ja-JP" altLang="en-US" sz="1600" dirty="0"/>
+              <a:t>手法：複数のラインを同時に保持するセットを用いる</a:t>
+            </a:r>
+            <a:endParaRPr kumimoji="1" lang="en-US" altLang="ja-JP" sz="1600" dirty="0"/>
           </a:p>
           <a:p>
             <a:pPr lvl="1"/>
             <a:r>
-              <a:rPr kumimoji="1" lang="ja-JP" altLang="en-US" dirty="0"/>
-              <a:t>「</a:t>
-            </a:r>
-            <a:r>
-              <a:rPr kumimoji="1" lang="ja-JP" altLang="en-US" sz="2000" dirty="0"/>
-              <a:t>シミュレーションには長い時間かかる</a:t>
-            </a:r>
-            <a:r>
-              <a:rPr kumimoji="1" lang="ja-JP" altLang="en-US" dirty="0"/>
-              <a:t>」</a:t>
-            </a:r>
-            <a:endParaRPr kumimoji="1" lang="en-US" altLang="ja-JP" dirty="0"/>
+              <a:rPr kumimoji="1" lang="ja-JP" altLang="en-US" sz="1600" dirty="0"/>
+              <a:t>効果：</a:t>
+            </a:r>
+            <a:endParaRPr kumimoji="1" lang="en-US" altLang="ja-JP" sz="1600" dirty="0"/>
+          </a:p>
+          <a:p>
+            <a:pPr lvl="2"/>
+            <a:r>
+              <a:rPr kumimoji="1" lang="ja-JP" altLang="en-US" sz="1600" dirty="0"/>
+              <a:t>ダイレクトマップと比べて競合にある程度耐性があるため，ヒット率が高い</a:t>
+            </a:r>
+            <a:endParaRPr kumimoji="1" lang="en-US" altLang="ja-JP" sz="1600" dirty="0"/>
+          </a:p>
+          <a:p>
+            <a:pPr lvl="2"/>
+            <a:r>
+              <a:rPr kumimoji="1" lang="ja-JP" altLang="en-US" sz="1600" dirty="0"/>
+              <a:t>フルアソシアティブに比べて比較器の数は大幅に少なく単純</a:t>
+            </a:r>
           </a:p>
         </p:txBody>
       </p:sp>
     </p:spTree>
     <p:extLst>
       <p:ext uri="{BB962C8B-B14F-4D97-AF65-F5344CB8AC3E}">
-        <p14:creationId xmlns:p14="http://schemas.microsoft.com/office/powerpoint/2010/main" val="1573340924"/>
+        <p14:creationId xmlns:p14="http://schemas.microsoft.com/office/powerpoint/2010/main" val="2585240271"/>
       </p:ext>
     </p:extLst>
   </p:cSld>
@@ -4044,7 +4091,7 @@
           <p:cNvPr id="2" name="タイトル 1">
             <a:extLst>
               <a:ext uri="{FF2B5EF4-FFF2-40B4-BE49-F238E27FC236}">
-                <a16:creationId xmlns:a16="http://schemas.microsoft.com/office/drawing/2014/main" id="{0D8148F9-96F5-47D8-BABC-0992A5317442}"/>
+                <a16:creationId xmlns:a16="http://schemas.microsoft.com/office/drawing/2014/main" id="{BF3F0A8B-B8DC-DEBB-64FC-E1E342572693}"/>
               </a:ext>
             </a:extLst>
           </p:cNvPr>
@@ -4061,9 +4108,30 @@
           <a:lstStyle/>
           <a:p>
             <a:r>
+              <a:rPr lang="ja-JP" altLang="en-US" dirty="0"/>
+              <a:t>例２：</a:t>
+            </a:r>
+            <a:r>
               <a:rPr kumimoji="1" lang="ja-JP" altLang="en-US" dirty="0"/>
-              <a:t>項目間の関係</a:t>
-            </a:r>
+              <a:t>小泉くんの </a:t>
+            </a:r>
+            <a:r>
+              <a:rPr lang="en-US" altLang="ja-JP" dirty="0"/>
+              <a:t>DATE</a:t>
+            </a:r>
+            <a:r>
+              <a:rPr lang="ja-JP" altLang="en-US" dirty="0"/>
+              <a:t> </a:t>
+            </a:r>
+            <a:r>
+              <a:rPr lang="en-US" altLang="ja-JP" dirty="0"/>
+              <a:t>= </a:t>
+            </a:r>
+            <a:r>
+              <a:rPr lang="ja-JP" altLang="en-US" dirty="0"/>
+              <a:t>既存手法があるパターン</a:t>
+            </a:r>
+            <a:endParaRPr kumimoji="1" lang="ja-JP" altLang="en-US" dirty="0"/>
           </a:p>
         </p:txBody>
       </p:sp>
@@ -4072,7 +4140,7 @@
           <p:cNvPr id="3" name="テキスト プレースホルダー 2">
             <a:extLst>
               <a:ext uri="{FF2B5EF4-FFF2-40B4-BE49-F238E27FC236}">
-                <a16:creationId xmlns:a16="http://schemas.microsoft.com/office/drawing/2014/main" id="{F99D6A1E-A2D8-5CC6-FE5C-A06B02DCAF52}"/>
+                <a16:creationId xmlns:a16="http://schemas.microsoft.com/office/drawing/2014/main" id="{131A464B-82C4-26C6-5295-D721A3F69E63}"/>
               </a:ext>
             </a:extLst>
           </p:cNvPr>
@@ -4090,52 +4158,54 @@
           <a:p>
             <a:r>
               <a:rPr kumimoji="1" lang="ja-JP" altLang="en-US" dirty="0"/>
-              <a:t>「課題」に書く内容は，「背景」で提示した問題に対応させる</a:t>
+              <a:t>背景：早いプリフェッチによるレイテンシの隠蔽</a:t>
             </a:r>
             <a:endParaRPr kumimoji="1" lang="en-US" altLang="ja-JP" dirty="0"/>
           </a:p>
           <a:p>
-            <a:pPr marL="817200" lvl="1" indent="-457200">
-              <a:buFont typeface="+mj-lt"/>
-              <a:buAutoNum type="arabicPeriod"/>
-            </a:pPr>
+            <a:pPr lvl="1"/>
             <a:r>
               <a:rPr kumimoji="1" lang="ja-JP" altLang="en-US" dirty="0"/>
-              <a:t>「背景」で提示した問題を解決する </a:t>
+              <a:t>プリフェッチ：キャッシュにデータを先読みしておく技術</a:t>
             </a:r>
             <a:endParaRPr kumimoji="1" lang="en-US" altLang="ja-JP" dirty="0"/>
           </a:p>
           <a:p>
+            <a:pPr lvl="1"/>
+            <a:r>
+              <a:rPr kumimoji="1" lang="ja-JP" altLang="en-US" dirty="0"/>
+              <a:t>多くの既存研究では十分に早くプリフェッチすることを重視</a:t>
+            </a:r>
+            <a:endParaRPr kumimoji="1" lang="en-US" altLang="ja-JP" dirty="0"/>
+          </a:p>
+          <a:p>
             <a:pPr lvl="2"/>
             <a:r>
               <a:rPr kumimoji="1" lang="ja-JP" altLang="en-US" dirty="0"/>
-              <a:t>既存手法がある場合，基本的にはこの形になる</a:t>
+              <a:t>メモリ・アクセスのレイテンシを有効に隠蔽するため</a:t>
             </a:r>
             <a:endParaRPr kumimoji="1" lang="en-US" altLang="ja-JP" dirty="0"/>
           </a:p>
           <a:p>
-            <a:pPr marL="817200" lvl="1" indent="-457200">
-              <a:buFont typeface="+mj-lt"/>
-              <a:buAutoNum type="arabicPeriod"/>
-            </a:pPr>
+            <a:pPr lvl="2"/>
             <a:r>
               <a:rPr kumimoji="1" lang="ja-JP" altLang="en-US" dirty="0"/>
-              <a:t>ないしは，「背景」の特定の問題に着目して掘り下げる</a:t>
+              <a:t>通常はなるべく遠い未来のアドレスを予測してプリフェッチ</a:t>
             </a:r>
             <a:endParaRPr kumimoji="1" lang="en-US" altLang="ja-JP" dirty="0"/>
           </a:p>
           <a:p>
-            <a:pPr lvl="2"/>
             <a:r>
               <a:rPr kumimoji="1" lang="ja-JP" altLang="en-US" dirty="0"/>
-              <a:t>特に既存手法がない場合，こちらになることもある</a:t>
+              <a:t>課題：早すぎるプリフェッチ</a:t>
             </a:r>
             <a:endParaRPr kumimoji="1" lang="en-US" altLang="ja-JP" dirty="0"/>
           </a:p>
           <a:p>
+            <a:pPr lvl="1"/>
             <a:r>
               <a:rPr kumimoji="1" lang="ja-JP" altLang="en-US" dirty="0"/>
-              <a:t>「提案」では，「背景」と「課題」で提示した問題に対応させる</a:t>
+              <a:t>早すぎると，使用される前にキャッシュから追い出される</a:t>
             </a:r>
             <a:endParaRPr kumimoji="1" lang="en-US" altLang="ja-JP" dirty="0"/>
           </a:p>
@@ -4143,15 +4213,22 @@
             <a:pPr lvl="1"/>
             <a:r>
               <a:rPr kumimoji="1" lang="ja-JP" altLang="en-US" dirty="0"/>
-              <a:t>基本的には「課題」で提示した問題を解決する方法を書く</a:t>
+              <a:t>これにより性能向上の機会が大きく失われている</a:t>
             </a:r>
             <a:endParaRPr kumimoji="1" lang="en-US" altLang="ja-JP" dirty="0"/>
           </a:p>
           <a:p>
+            <a:r>
+              <a:rPr kumimoji="1" lang="ja-JP" altLang="en-US" dirty="0"/>
+              <a:t>提案：プリフェッチを遅らせる</a:t>
+            </a:r>
+            <a:endParaRPr kumimoji="1" lang="en-US" altLang="ja-JP" dirty="0"/>
+          </a:p>
+          <a:p>
             <a:pPr lvl="1"/>
             <a:r>
               <a:rPr kumimoji="1" lang="ja-JP" altLang="en-US" dirty="0"/>
-              <a:t>そうすれば，普通は自然と「背景」の問題にも対応する</a:t>
+              <a:t>データが参照されるタイミングまであえて遅らせる</a:t>
             </a:r>
             <a:endParaRPr kumimoji="1" lang="en-US" altLang="ja-JP" dirty="0"/>
           </a:p>
@@ -4160,7 +4237,7 @@
     </p:spTree>
     <p:extLst>
       <p:ext uri="{BB962C8B-B14F-4D97-AF65-F5344CB8AC3E}">
-        <p14:creationId xmlns:p14="http://schemas.microsoft.com/office/powerpoint/2010/main" val="3800867445"/>
+        <p14:creationId xmlns:p14="http://schemas.microsoft.com/office/powerpoint/2010/main" val="614302534"/>
       </p:ext>
     </p:extLst>
   </p:cSld>
@@ -4218,7 +4295,7 @@
           <a:p>
             <a:r>
               <a:rPr lang="ja-JP" altLang="en-US" sz="2400" dirty="0"/>
-              <a:t>例１：小田喜くんの輪講の例 </a:t>
+              <a:t>例３：小田喜くんの輪講の例 </a:t>
             </a:r>
             <a:r>
               <a:rPr lang="en-US" altLang="ja-JP" sz="2400" dirty="0"/>
@@ -4392,7 +4469,7 @@
           <p:cNvPr id="2" name="タイトル 1">
             <a:extLst>
               <a:ext uri="{FF2B5EF4-FFF2-40B4-BE49-F238E27FC236}">
-                <a16:creationId xmlns:a16="http://schemas.microsoft.com/office/drawing/2014/main" id="{BF3F0A8B-B8DC-DEBB-64FC-E1E342572693}"/>
+                <a16:creationId xmlns:a16="http://schemas.microsoft.com/office/drawing/2014/main" id="{51BE99DC-6509-D745-923D-01B9E613F224}"/>
               </a:ext>
             </a:extLst>
           </p:cNvPr>
@@ -4409,30 +4486,17 @@
           <a:lstStyle/>
           <a:p>
             <a:r>
-              <a:rPr lang="ja-JP" altLang="en-US" dirty="0"/>
-              <a:t>例２：</a:t>
-            </a:r>
-            <a:r>
               <a:rPr kumimoji="1" lang="ja-JP" altLang="en-US" dirty="0"/>
-              <a:t>小泉くんの </a:t>
-            </a:r>
-            <a:r>
-              <a:rPr lang="en-US" altLang="ja-JP" dirty="0"/>
-              <a:t>DATE</a:t>
-            </a:r>
-            <a:r>
-              <a:rPr lang="ja-JP" altLang="en-US" dirty="0"/>
-              <a:t> </a:t>
-            </a:r>
-            <a:r>
-              <a:rPr lang="en-US" altLang="ja-JP" dirty="0"/>
-              <a:t>= </a:t>
-            </a:r>
-            <a:r>
-              <a:rPr lang="ja-JP" altLang="en-US" dirty="0"/>
-              <a:t>既存手法があるパターン</a:t>
-            </a:r>
-            <a:endParaRPr kumimoji="1" lang="ja-JP" altLang="en-US" dirty="0"/>
+              <a:t>例４：出川くんの </a:t>
+            </a:r>
+            <a:r>
+              <a:rPr kumimoji="1" lang="en-US" altLang="ja-JP" dirty="0"/>
+              <a:t>ICCD = </a:t>
+            </a:r>
+            <a:r>
+              <a:rPr kumimoji="1" lang="ja-JP" altLang="en-US" dirty="0"/>
+              <a:t>既存手法がないパターン</a:t>
+            </a:r>
           </a:p>
         </p:txBody>
       </p:sp>
@@ -4441,7 +4505,7 @@
           <p:cNvPr id="3" name="テキスト プレースホルダー 2">
             <a:extLst>
               <a:ext uri="{FF2B5EF4-FFF2-40B4-BE49-F238E27FC236}">
-                <a16:creationId xmlns:a16="http://schemas.microsoft.com/office/drawing/2014/main" id="{131A464B-82C4-26C6-5295-D721A3F69E63}"/>
+                <a16:creationId xmlns:a16="http://schemas.microsoft.com/office/drawing/2014/main" id="{ED93E0D1-8160-8125-E3C9-AED3AEC7F3C7}"/>
               </a:ext>
             </a:extLst>
           </p:cNvPr>
@@ -4452,93 +4516,105 @@
             <p:ph type="body" sz="quarter" idx="10"/>
           </p:nvPr>
         </p:nvSpPr>
-        <p:spPr/>
+        <p:spPr>
+          <a:xfrm>
+            <a:off x="431954" y="1088974"/>
+            <a:ext cx="8460094" cy="5219751"/>
+          </a:xfrm>
+        </p:spPr>
         <p:txBody>
           <a:bodyPr/>
           <a:lstStyle/>
           <a:p>
             <a:r>
-              <a:rPr kumimoji="1" lang="ja-JP" altLang="en-US" dirty="0"/>
-              <a:t>背景：早いプリフェッチによるレイテンシの隠蔽</a:t>
-            </a:r>
-            <a:endParaRPr kumimoji="1" lang="en-US" altLang="ja-JP" dirty="0"/>
+              <a:rPr kumimoji="1" lang="ja-JP" altLang="en-US" sz="1600" dirty="0"/>
+              <a:t>背景：命令キャッシュ・ミス数を使った性能の見積もり</a:t>
+            </a:r>
+            <a:endParaRPr kumimoji="1" lang="en-US" altLang="ja-JP" sz="1600" dirty="0"/>
           </a:p>
           <a:p>
             <a:pPr lvl="1"/>
             <a:r>
-              <a:rPr kumimoji="1" lang="ja-JP" altLang="en-US" dirty="0"/>
-              <a:t>プリフェッチ：キャッシュにデータを先読みしておく技術</a:t>
-            </a:r>
-            <a:endParaRPr kumimoji="1" lang="en-US" altLang="ja-JP" dirty="0"/>
+              <a:rPr kumimoji="1" lang="ja-JP" altLang="en-US" sz="1600" dirty="0"/>
+              <a:t>従来，命令キャッシュに関わる研究ではミス数が主要な評価項目だった</a:t>
+            </a:r>
+            <a:endParaRPr kumimoji="1" lang="en-US" altLang="ja-JP" sz="1600" dirty="0"/>
           </a:p>
           <a:p>
             <a:pPr lvl="1"/>
             <a:r>
-              <a:rPr kumimoji="1" lang="ja-JP" altLang="en-US" dirty="0"/>
-              <a:t>多くの研究では十分に早くプリフェッチすることを重視</a:t>
-            </a:r>
-            <a:endParaRPr kumimoji="1" lang="en-US" altLang="ja-JP" dirty="0"/>
+              <a:rPr kumimoji="1" lang="ja-JP" altLang="en-US" sz="1600" dirty="0"/>
+              <a:t>理由：ミス数が減ると基本的には実行時間が短くなるため</a:t>
+            </a:r>
+            <a:endParaRPr kumimoji="1" lang="en-US" altLang="ja-JP" sz="1600" dirty="0"/>
+          </a:p>
+          <a:p>
+            <a:r>
+              <a:rPr kumimoji="1" lang="ja-JP" altLang="en-US" sz="1600" dirty="0"/>
+              <a:t>課題：精度とシミュレーション時間</a:t>
+            </a:r>
+            <a:endParaRPr kumimoji="1" lang="en-US" altLang="ja-JP" sz="1600" dirty="0"/>
+          </a:p>
+          <a:p>
+            <a:pPr lvl="1"/>
+            <a:r>
+              <a:rPr kumimoji="1" lang="ja-JP" altLang="en-US" sz="1600" dirty="0"/>
+              <a:t>動機：</a:t>
+            </a:r>
+            <a:endParaRPr kumimoji="1" lang="en-US" altLang="ja-JP" sz="1600" dirty="0"/>
           </a:p>
           <a:p>
             <a:pPr lvl="2"/>
             <a:r>
-              <a:rPr kumimoji="1" lang="ja-JP" altLang="en-US" dirty="0"/>
-              <a:t>メモリ・アクセスのレイテンシを有効に隠蔽するため</a:t>
-            </a:r>
-            <a:endParaRPr kumimoji="1" lang="en-US" altLang="ja-JP" dirty="0"/>
+              <a:rPr kumimoji="1" lang="ja-JP" altLang="en-US" sz="1600" dirty="0"/>
+              <a:t>現代の複雑化したプロセッサではミス数と実行時間が直接相関しない</a:t>
+            </a:r>
+            <a:endParaRPr kumimoji="1" lang="en-US" altLang="ja-JP" sz="1600" dirty="0"/>
           </a:p>
           <a:p>
             <a:pPr lvl="2"/>
             <a:r>
-              <a:rPr kumimoji="1" lang="ja-JP" altLang="en-US" dirty="0"/>
-              <a:t>通常はなるべく遠い未来のアドレスを予測してプリフェッチ</a:t>
-            </a:r>
-            <a:endParaRPr kumimoji="1" lang="en-US" altLang="ja-JP" dirty="0"/>
-          </a:p>
-          <a:p>
-            <a:r>
-              <a:rPr kumimoji="1" lang="ja-JP" altLang="en-US" dirty="0"/>
-              <a:t>課題：早すぎるプリフェッチ</a:t>
-            </a:r>
-            <a:endParaRPr kumimoji="1" lang="en-US" altLang="ja-JP" dirty="0"/>
+              <a:rPr kumimoji="1" lang="ja-JP" altLang="en-US" sz="1600" dirty="0"/>
+              <a:t>精度よい性能見積もりのためにはプロセッサ全体のシミュレーションが必要</a:t>
+            </a:r>
+            <a:endParaRPr kumimoji="1" lang="en-US" altLang="ja-JP" sz="1600" dirty="0"/>
           </a:p>
           <a:p>
             <a:pPr lvl="1"/>
             <a:r>
-              <a:rPr kumimoji="1" lang="ja-JP" altLang="en-US" dirty="0"/>
-              <a:t>早すぎると使用される前にキャッシュから追い出される</a:t>
-            </a:r>
-            <a:endParaRPr kumimoji="1" lang="en-US" altLang="ja-JP" dirty="0"/>
+              <a:rPr kumimoji="1" lang="ja-JP" altLang="en-US" sz="1600" dirty="0"/>
+              <a:t>問題：しかしそのようなシミュレーションには長い時間かかる</a:t>
+            </a:r>
+            <a:endParaRPr kumimoji="1" lang="en-US" altLang="ja-JP" sz="1600" dirty="0"/>
+          </a:p>
+          <a:p>
+            <a:r>
+              <a:rPr kumimoji="1" lang="ja-JP" altLang="en-US" sz="1600" dirty="0"/>
+              <a:t>提案：命令キャッシュ・ミス数に代わる新たな指針</a:t>
+            </a:r>
+            <a:endParaRPr kumimoji="1" lang="en-US" altLang="ja-JP" sz="1600" dirty="0"/>
           </a:p>
           <a:p>
             <a:pPr lvl="1"/>
             <a:r>
-              <a:rPr kumimoji="1" lang="ja-JP" altLang="en-US" dirty="0"/>
-              <a:t>これにより性能向上の機会が大きく失われている</a:t>
-            </a:r>
-            <a:endParaRPr kumimoji="1" lang="en-US" altLang="ja-JP" dirty="0"/>
-          </a:p>
-          <a:p>
-            <a:r>
-              <a:rPr kumimoji="1" lang="ja-JP" altLang="en-US" dirty="0"/>
-              <a:t>提案：プリフェッチを遅らせる</a:t>
-            </a:r>
-            <a:endParaRPr kumimoji="1" lang="en-US" altLang="ja-JP" dirty="0"/>
+              <a:rPr kumimoji="1" lang="ja-JP" altLang="en-US" sz="1600" dirty="0"/>
+              <a:t>手法：新たな指針と，その指針を使った高速な性能見積もり</a:t>
+            </a:r>
+            <a:endParaRPr kumimoji="1" lang="en-US" altLang="ja-JP" sz="1600" dirty="0"/>
           </a:p>
           <a:p>
             <a:pPr lvl="1"/>
             <a:r>
-              <a:rPr kumimoji="1" lang="ja-JP" altLang="en-US" dirty="0"/>
-              <a:t>データが参照されるタイミングまであえて遅らせる</a:t>
-            </a:r>
-            <a:endParaRPr kumimoji="1" lang="en-US" altLang="ja-JP" dirty="0"/>
+              <a:rPr kumimoji="1" lang="ja-JP" altLang="en-US" sz="1600" dirty="0"/>
+              <a:t>効果：２桁短い時間でシミュレーションとほぼ同じ精度の性能見積もりを実現</a:t>
+            </a:r>
           </a:p>
         </p:txBody>
       </p:sp>
     </p:spTree>
     <p:extLst>
       <p:ext uri="{BB962C8B-B14F-4D97-AF65-F5344CB8AC3E}">
-        <p14:creationId xmlns:p14="http://schemas.microsoft.com/office/powerpoint/2010/main" val="614302534"/>
+        <p14:creationId xmlns:p14="http://schemas.microsoft.com/office/powerpoint/2010/main" val="2676903609"/>
       </p:ext>
     </p:extLst>
   </p:cSld>
@@ -4596,7 +4672,7 @@
           <a:p>
             <a:r>
               <a:rPr lang="ja-JP" altLang="en-US" dirty="0"/>
-              <a:t>例３：木村さんの輪講 </a:t>
+              <a:t>例５：木村さんの輪講 </a:t>
             </a:r>
             <a:r>
               <a:rPr lang="en-US" altLang="ja-JP" dirty="0"/>
@@ -4605,13 +4681,6 @@
             <a:r>
               <a:rPr lang="ja-JP" altLang="en-US" dirty="0"/>
               <a:t>既存手法がないパターン</a:t>
-            </a:r>
-            <a:br>
-              <a:rPr lang="en-US" altLang="ja-JP" dirty="0"/>
-            </a:br>
-            <a:r>
-              <a:rPr lang="ja-JP" altLang="en-US" sz="1800" dirty="0"/>
-              <a:t>（輪講なので具体的なアイデアがまだない事に注意）</a:t>
             </a:r>
             <a:endParaRPr kumimoji="1" lang="ja-JP" altLang="en-US" sz="1800" dirty="0"/>
           </a:p>
@@ -4663,12 +4732,16 @@
           <a:p>
             <a:pPr lvl="1"/>
             <a:r>
+              <a:rPr lang="ja-JP" altLang="en-US" dirty="0"/>
+              <a:t>例：</a:t>
+            </a:r>
+            <a:r>
               <a:rPr lang="en-US" altLang="ja-JP" dirty="0"/>
               <a:t>RISC-V </a:t>
             </a:r>
             <a:r>
               <a:rPr lang="ja-JP" altLang="en-US" dirty="0"/>
-              <a:t>ベクトル拡張などの形で実装されている </a:t>
+              <a:t>ベクトル拡張など</a:t>
             </a:r>
             <a:endParaRPr lang="en-US" altLang="ja-JP" dirty="0"/>
           </a:p>
@@ -4708,9 +4781,34 @@
               <a:rPr lang="ja-JP" altLang="en-US" dirty="0"/>
               <a:t>提案：ベクトル命令の実装の複雑さを下げる</a:t>
             </a:r>
-            <a:br>
+            <a:endParaRPr lang="en-US" altLang="ja-JP" dirty="0"/>
+          </a:p>
+          <a:p>
+            <a:pPr lvl="1"/>
+            <a:r>
+              <a:rPr kumimoji="1" lang="ja-JP" altLang="en-US" dirty="0"/>
+              <a:t>部分的な </a:t>
+            </a:r>
+            <a:r>
+              <a:rPr kumimoji="1" lang="en-US" altLang="ja-JP" dirty="0"/>
+              <a:t>in-order </a:t>
+            </a:r>
+            <a:r>
+              <a:rPr kumimoji="1" lang="ja-JP" altLang="en-US" dirty="0"/>
+              <a:t>実行の導入による複雑さの緩和</a:t>
+            </a:r>
+            <a:endParaRPr kumimoji="1" lang="en-US" altLang="ja-JP" dirty="0"/>
+          </a:p>
+          <a:p>
+            <a:pPr lvl="1"/>
+            <a:r>
+              <a:rPr lang="en-US" altLang="ja-JP" dirty="0"/>
+              <a:t>in-order/out-of-order </a:t>
+            </a:r>
+            <a:r>
               <a:rPr lang="ja-JP" altLang="en-US" dirty="0"/>
-            </a:br>
+              <a:t>部の軽量な同期方法の提案</a:t>
+            </a:r>
             <a:endParaRPr kumimoji="1" lang="ja-JP" altLang="en-US" dirty="0"/>
           </a:p>
         </p:txBody>
@@ -4758,7 +4856,7 @@
           <p:cNvPr id="2" name="タイトル 1">
             <a:extLst>
               <a:ext uri="{FF2B5EF4-FFF2-40B4-BE49-F238E27FC236}">
-                <a16:creationId xmlns:a16="http://schemas.microsoft.com/office/drawing/2014/main" id="{51BE99DC-6509-D745-923D-01B9E613F224}"/>
+                <a16:creationId xmlns:a16="http://schemas.microsoft.com/office/drawing/2014/main" id="{0D8148F9-96F5-47D8-BABC-0992A5317442}"/>
               </a:ext>
             </a:extLst>
           </p:cNvPr>
@@ -4776,15 +4874,7 @@
           <a:p>
             <a:r>
               <a:rPr kumimoji="1" lang="ja-JP" altLang="en-US" dirty="0"/>
-              <a:t>例４：出川くんの </a:t>
-            </a:r>
-            <a:r>
-              <a:rPr kumimoji="1" lang="en-US" altLang="ja-JP" dirty="0"/>
-              <a:t>ICCD = </a:t>
-            </a:r>
-            <a:r>
-              <a:rPr kumimoji="1" lang="ja-JP" altLang="en-US" dirty="0"/>
-              <a:t>既存手法がないパターン</a:t>
+              <a:t>課題について</a:t>
             </a:r>
           </a:p>
         </p:txBody>
@@ -4794,7 +4884,7 @@
           <p:cNvPr id="3" name="テキスト プレースホルダー 2">
             <a:extLst>
               <a:ext uri="{FF2B5EF4-FFF2-40B4-BE49-F238E27FC236}">
-                <a16:creationId xmlns:a16="http://schemas.microsoft.com/office/drawing/2014/main" id="{ED93E0D1-8160-8125-E3C9-AED3AEC7F3C7}"/>
+                <a16:creationId xmlns:a16="http://schemas.microsoft.com/office/drawing/2014/main" id="{F99D6A1E-A2D8-5CC6-FE5C-A06B02DCAF52}"/>
               </a:ext>
             </a:extLst>
           </p:cNvPr>
@@ -4811,86 +4901,88 @@
           <a:lstStyle/>
           <a:p>
             <a:r>
-              <a:rPr kumimoji="1" lang="ja-JP" altLang="en-US" sz="1800" dirty="0"/>
-              <a:t>背景：命令キャッシュ・ミス数を使った性能の見積もり</a:t>
-            </a:r>
-            <a:endParaRPr kumimoji="1" lang="en-US" altLang="ja-JP" sz="1800" dirty="0"/>
+              <a:rPr lang="ja-JP" altLang="en-US" dirty="0">
+                <a:solidFill>
+                  <a:schemeClr val="accent5"/>
+                </a:solidFill>
+              </a:rPr>
+              <a:t>「課題」は，良くない事を示すネガティブな語句や文を必ず含む</a:t>
+            </a:r>
+            <a:endParaRPr lang="en-US" altLang="ja-JP" dirty="0">
+              <a:solidFill>
+                <a:schemeClr val="accent5"/>
+              </a:solidFill>
+            </a:endParaRPr>
           </a:p>
           <a:p>
             <a:pPr lvl="1"/>
             <a:r>
-              <a:rPr kumimoji="1" lang="ja-JP" altLang="en-US" sz="1800" dirty="0"/>
-              <a:t>従来，命令キャッシュに関わる研究ではミス数が主要な評価項目だった</a:t>
-            </a:r>
-            <a:endParaRPr kumimoji="1" lang="en-US" altLang="ja-JP" sz="1800" dirty="0"/>
+              <a:rPr lang="ja-JP" altLang="en-US" dirty="0"/>
+              <a:t>「～が悪い」「～できない」など</a:t>
+            </a:r>
+            <a:endParaRPr lang="en-US" altLang="ja-JP" dirty="0"/>
           </a:p>
           <a:p>
             <a:pPr lvl="1"/>
             <a:r>
-              <a:rPr kumimoji="1" lang="ja-JP" altLang="en-US" sz="1800" dirty="0"/>
-              <a:t>ミス数が減ると基本的には実行時間が短くなるため</a:t>
-            </a:r>
-            <a:endParaRPr kumimoji="1" lang="en-US" altLang="ja-JP" sz="1800" dirty="0"/>
-          </a:p>
-          <a:p>
-            <a:r>
-              <a:rPr kumimoji="1" lang="ja-JP" altLang="en-US" sz="1800" dirty="0"/>
-              <a:t>課題：シミュレーション時間</a:t>
-            </a:r>
-            <a:endParaRPr kumimoji="1" lang="en-US" altLang="ja-JP" sz="1800" dirty="0"/>
+              <a:rPr lang="ja-JP" altLang="en-US" dirty="0"/>
+              <a:t>これにより，なにが問題であるのかを明示する</a:t>
+            </a:r>
+            <a:endParaRPr lang="en-US" altLang="ja-JP" dirty="0"/>
+          </a:p>
+          <a:p>
+            <a:r>
+              <a:rPr lang="ja-JP" altLang="en-US" dirty="0"/>
+              <a:t>たとえば，前縦の例の課題の場合：</a:t>
+            </a:r>
+            <a:endParaRPr lang="en-US" altLang="ja-JP" dirty="0"/>
           </a:p>
           <a:p>
             <a:pPr lvl="1"/>
             <a:r>
-              <a:rPr kumimoji="1" lang="ja-JP" altLang="en-US" sz="1800" dirty="0"/>
-              <a:t>現代のプロセッサではミス数と実行時間が直接相関しない</a:t>
-            </a:r>
-            <a:endParaRPr kumimoji="1" lang="en-US" altLang="ja-JP" sz="1800" dirty="0"/>
+              <a:rPr lang="ja-JP" altLang="en-US" dirty="0"/>
+              <a:t>「従来のスカラ化では制約があり効果的にまとめられない 」</a:t>
+            </a:r>
+            <a:endParaRPr lang="en-US" altLang="ja-JP" dirty="0"/>
           </a:p>
           <a:p>
             <a:pPr lvl="1"/>
             <a:r>
-              <a:rPr kumimoji="1" lang="ja-JP" altLang="en-US" sz="1800" dirty="0"/>
-              <a:t>精度よい性能見積もりのためにはプロセッサ全体のシミュレーションが必要</a:t>
-            </a:r>
-            <a:endParaRPr kumimoji="1" lang="en-US" altLang="ja-JP" sz="1800" dirty="0"/>
+              <a:rPr kumimoji="1" lang="ja-JP" altLang="en-US" dirty="0"/>
+              <a:t>「性能向上の機会が大きく失われている」</a:t>
+            </a:r>
+            <a:endParaRPr kumimoji="1" lang="en-US" altLang="ja-JP" dirty="0"/>
           </a:p>
           <a:p>
             <a:pPr lvl="1"/>
             <a:r>
-              <a:rPr kumimoji="1" lang="ja-JP" altLang="en-US" sz="1800" dirty="0"/>
-              <a:t>しかしシミュレーションには長い時間かかる</a:t>
-            </a:r>
-            <a:endParaRPr kumimoji="1" lang="en-US" altLang="ja-JP" sz="1800" dirty="0"/>
-          </a:p>
-          <a:p>
-            <a:r>
-              <a:rPr kumimoji="1" lang="ja-JP" altLang="en-US" sz="1800" dirty="0"/>
-              <a:t>提案：命令キャッシュ・ミス数に代わる新たな指針</a:t>
-            </a:r>
-            <a:endParaRPr kumimoji="1" lang="en-US" altLang="ja-JP" sz="1800" dirty="0"/>
+              <a:rPr lang="ja-JP" altLang="en-US" dirty="0"/>
+              <a:t>「複雑さが爆発する 」</a:t>
+            </a:r>
+            <a:endParaRPr lang="en-US" altLang="ja-JP" dirty="0"/>
           </a:p>
           <a:p>
             <a:pPr lvl="1"/>
             <a:r>
-              <a:rPr kumimoji="1" lang="ja-JP" altLang="en-US" sz="1800" dirty="0"/>
-              <a:t>その指針を使った高速な性能見積もりの提案</a:t>
-            </a:r>
-            <a:endParaRPr kumimoji="1" lang="en-US" altLang="ja-JP" sz="1800" dirty="0"/>
-          </a:p>
-          <a:p>
-            <a:pPr lvl="1"/>
-            <a:r>
-              <a:rPr kumimoji="1" lang="ja-JP" altLang="en-US" sz="1800" dirty="0"/>
-              <a:t>２桁短い時間でシミュレーションとほぼ同じ精度の性能見積もりを実現</a:t>
-            </a:r>
+              <a:rPr kumimoji="1" lang="ja-JP" altLang="en-US" dirty="0"/>
+              <a:t>「</a:t>
+            </a:r>
+            <a:r>
+              <a:rPr kumimoji="1" lang="ja-JP" altLang="en-US" sz="2000" dirty="0"/>
+              <a:t>シミュレーションには長い時間かかる</a:t>
+            </a:r>
+            <a:r>
+              <a:rPr kumimoji="1" lang="ja-JP" altLang="en-US" dirty="0"/>
+              <a:t>」</a:t>
+            </a:r>
+            <a:endParaRPr kumimoji="1" lang="en-US" altLang="ja-JP" dirty="0"/>
           </a:p>
         </p:txBody>
       </p:sp>
     </p:spTree>
     <p:extLst>
       <p:ext uri="{BB962C8B-B14F-4D97-AF65-F5344CB8AC3E}">
-        <p14:creationId xmlns:p14="http://schemas.microsoft.com/office/powerpoint/2010/main" val="2676903609"/>
+        <p14:creationId xmlns:p14="http://schemas.microsoft.com/office/powerpoint/2010/main" val="1845051389"/>
       </p:ext>
     </p:extLst>
   </p:cSld>
@@ -4930,7 +5022,7 @@
           <p:cNvPr id="2" name="タイトル 1">
             <a:extLst>
               <a:ext uri="{FF2B5EF4-FFF2-40B4-BE49-F238E27FC236}">
-                <a16:creationId xmlns:a16="http://schemas.microsoft.com/office/drawing/2014/main" id="{CF2EC29A-53FA-8B96-FE9A-0EF13AEC926F}"/>
+                <a16:creationId xmlns:a16="http://schemas.microsoft.com/office/drawing/2014/main" id="{0D8148F9-96F5-47D8-BABC-0992A5317442}"/>
               </a:ext>
             </a:extLst>
           </p:cNvPr>
@@ -4948,7 +5040,7 @@
           <a:p>
             <a:r>
               <a:rPr kumimoji="1" lang="ja-JP" altLang="en-US" dirty="0"/>
-              <a:t>応用：４点プロット</a:t>
+              <a:t>項目間の関係</a:t>
             </a:r>
           </a:p>
         </p:txBody>
@@ -4958,7 +5050,7 @@
           <p:cNvPr id="3" name="テキスト プレースホルダー 2">
             <a:extLst>
               <a:ext uri="{FF2B5EF4-FFF2-40B4-BE49-F238E27FC236}">
-                <a16:creationId xmlns:a16="http://schemas.microsoft.com/office/drawing/2014/main" id="{181521BF-22BE-74E1-30FF-6AFF99DD6C71}"/>
+                <a16:creationId xmlns:a16="http://schemas.microsoft.com/office/drawing/2014/main" id="{F99D6A1E-A2D8-5CC6-FE5C-A06B02DCAF52}"/>
               </a:ext>
             </a:extLst>
           </p:cNvPr>
@@ -4969,27 +5061,67 @@
             <p:ph type="body" sz="quarter" idx="10"/>
           </p:nvPr>
         </p:nvSpPr>
-        <p:spPr>
-          <a:xfrm>
-            <a:off x="341953" y="1088974"/>
-            <a:ext cx="8550095" cy="5219751"/>
-          </a:xfrm>
-        </p:spPr>
+        <p:spPr/>
         <p:txBody>
           <a:bodyPr/>
           <a:lstStyle/>
           <a:p>
             <a:r>
               <a:rPr kumimoji="1" lang="ja-JP" altLang="en-US" dirty="0"/>
-              <a:t>洞察を加えた４点プロットの形でもよい</a:t>
+              <a:t>「課題」に書く内容は，「背景」で提示した問題に対応させる</a:t>
             </a:r>
             <a:endParaRPr kumimoji="1" lang="en-US" altLang="ja-JP" dirty="0"/>
           </a:p>
           <a:p>
+            <a:pPr marL="817200" lvl="1" indent="-457200">
+              <a:buFont typeface="+mj-lt"/>
+              <a:buAutoNum type="arabicPeriod"/>
+            </a:pPr>
+            <a:r>
+              <a:rPr kumimoji="1" lang="ja-JP" altLang="en-US" dirty="0"/>
+              <a:t>既存手法がある場合（基本的にはこの形に）</a:t>
+            </a:r>
+            <a:endParaRPr kumimoji="1" lang="en-US" altLang="ja-JP" dirty="0"/>
+          </a:p>
+          <a:p>
+            <a:pPr lvl="2"/>
+            <a:r>
+              <a:rPr kumimoji="1" lang="ja-JP" altLang="en-US" dirty="0"/>
+              <a:t>「背景」で提示した問題を解決する </a:t>
+            </a:r>
+            <a:endParaRPr kumimoji="1" lang="en-US" altLang="ja-JP" dirty="0"/>
+          </a:p>
+          <a:p>
+            <a:pPr marL="817200" lvl="1" indent="-457200">
+              <a:buFont typeface="+mj-lt"/>
+              <a:buAutoNum type="arabicPeriod"/>
+            </a:pPr>
+            <a:r>
+              <a:rPr kumimoji="1" lang="ja-JP" altLang="en-US" dirty="0"/>
+              <a:t>既存手法がない場合，こちらになることもある</a:t>
+            </a:r>
+            <a:endParaRPr kumimoji="1" lang="en-US" altLang="ja-JP" dirty="0"/>
+          </a:p>
+          <a:p>
+            <a:pPr lvl="2"/>
+            <a:r>
+              <a:rPr kumimoji="1" lang="ja-JP" altLang="en-US" dirty="0"/>
+              <a:t>「背景」の特定の問題に着目して掘り下げる</a:t>
+            </a:r>
+            <a:endParaRPr kumimoji="1" lang="en-US" altLang="ja-JP" dirty="0"/>
+          </a:p>
+          <a:p>
+            <a:r>
+              <a:rPr kumimoji="1" lang="ja-JP" altLang="en-US" dirty="0"/>
+              <a:t>「提案」では，「背景」と「課題」で提示した問題に対応させる</a:t>
+            </a:r>
+            <a:endParaRPr kumimoji="1" lang="en-US" altLang="ja-JP" dirty="0"/>
+          </a:p>
+          <a:p>
             <a:pPr lvl="1"/>
             <a:r>
               <a:rPr kumimoji="1" lang="ja-JP" altLang="en-US" dirty="0"/>
-              <a:t>背景</a:t>
+              <a:t>基本的には「課題」で提示した問題を解決する方法を書く</a:t>
             </a:r>
             <a:endParaRPr kumimoji="1" lang="en-US" altLang="ja-JP" dirty="0"/>
           </a:p>
@@ -4997,62 +5129,16 @@
             <a:pPr lvl="1"/>
             <a:r>
               <a:rPr kumimoji="1" lang="ja-JP" altLang="en-US" dirty="0"/>
-              <a:t>課題</a:t>
+              <a:t>そうすれば，普通は自然と「背景」の問題にも対応する</a:t>
             </a:r>
             <a:endParaRPr kumimoji="1" lang="en-US" altLang="ja-JP" dirty="0"/>
-          </a:p>
-          <a:p>
-            <a:pPr lvl="1"/>
-            <a:r>
-              <a:rPr kumimoji="1" lang="ja-JP" altLang="en-US" dirty="0">
-                <a:solidFill>
-                  <a:schemeClr val="accent5"/>
-                </a:solidFill>
-              </a:rPr>
-              <a:t>洞察</a:t>
-            </a:r>
-            <a:endParaRPr kumimoji="1" lang="en-US" altLang="ja-JP" dirty="0">
-              <a:solidFill>
-                <a:schemeClr val="accent5"/>
-              </a:solidFill>
-            </a:endParaRPr>
-          </a:p>
-          <a:p>
-            <a:pPr lvl="2"/>
-            <a:r>
-              <a:rPr kumimoji="1" lang="ja-JP" altLang="en-US" dirty="0"/>
-              <a:t>課題に対する新しい観察結果や，課題の核心の新しい解釈など</a:t>
-            </a:r>
-            <a:endParaRPr kumimoji="1" lang="en-US" altLang="ja-JP" dirty="0"/>
-          </a:p>
-          <a:p>
-            <a:pPr lvl="1"/>
-            <a:r>
-              <a:rPr kumimoji="1" lang="ja-JP" altLang="en-US" dirty="0"/>
-              <a:t>提案</a:t>
-            </a:r>
-            <a:endParaRPr kumimoji="1" lang="en-US" altLang="ja-JP" dirty="0"/>
-          </a:p>
-          <a:p>
-            <a:r>
-              <a:rPr kumimoji="1" lang="ja-JP" altLang="en-US" dirty="0"/>
-              <a:t>洞察は課題や提案の下にぶら下がることもある</a:t>
-            </a:r>
-            <a:endParaRPr kumimoji="1" lang="en-US" altLang="ja-JP" dirty="0"/>
-          </a:p>
-          <a:p>
-            <a:pPr lvl="1"/>
-            <a:r>
-              <a:rPr kumimoji="1" lang="ja-JP" altLang="en-US" dirty="0"/>
-              <a:t>小泉くんの例での「早すぎるプリフェッチ」は洞察でもある</a:t>
-            </a:r>
           </a:p>
         </p:txBody>
       </p:sp>
     </p:spTree>
     <p:extLst>
       <p:ext uri="{BB962C8B-B14F-4D97-AF65-F5344CB8AC3E}">
-        <p14:creationId xmlns:p14="http://schemas.microsoft.com/office/powerpoint/2010/main" val="1477190036"/>
+        <p14:creationId xmlns:p14="http://schemas.microsoft.com/office/powerpoint/2010/main" val="3708283417"/>
       </p:ext>
     </p:extLst>
   </p:cSld>
@@ -5175,7 +5261,7 @@
             </a:pPr>
             <a:r>
               <a:rPr kumimoji="1" lang="ja-JP" altLang="en-US" sz="1800" dirty="0"/>
-              <a:t>課題は「～が悪い」「～が遅い」などの問題を直接示す文を含んでいる</a:t>
+              <a:t>背景は課題と提案の双方の話題を包含している</a:t>
             </a:r>
             <a:endParaRPr kumimoji="1" lang="en-US" altLang="ja-JP" sz="1800" dirty="0"/>
           </a:p>
@@ -5186,6 +5272,17 @@
             </a:pPr>
             <a:r>
               <a:rPr kumimoji="1" lang="ja-JP" altLang="en-US" sz="1800" dirty="0"/>
+              <a:t>課題は「～が悪い」「～が遅い」などの問題を直接示す文を含んでいる</a:t>
+            </a:r>
+            <a:endParaRPr kumimoji="1" lang="en-US" altLang="ja-JP" sz="1800" dirty="0"/>
+          </a:p>
+          <a:p>
+            <a:pPr marL="817200" lvl="1" indent="-457200">
+              <a:buFont typeface="+mj-lt"/>
+              <a:buAutoNum type="arabicPeriod"/>
+            </a:pPr>
+            <a:r>
+              <a:rPr kumimoji="1" lang="ja-JP" altLang="en-US" sz="1800" dirty="0"/>
               <a:t>提案は上記の問題を「どのように」「なぜ」解決するかを示す文を含んでいる</a:t>
             </a:r>
             <a:endParaRPr kumimoji="1" lang="en-US" altLang="ja-JP" sz="1800" dirty="0"/>
@@ -5200,7 +5297,7 @@
           <a:p>
             <a:pPr marL="817200" lvl="1" indent="-457200">
               <a:buFont typeface="+mj-lt"/>
-              <a:buAutoNum type="arabicPeriod" startAt="4"/>
+              <a:buAutoNum type="arabicPeriod" startAt="5"/>
             </a:pPr>
             <a:r>
               <a:rPr kumimoji="1" lang="ja-JP" altLang="en-US" sz="1800" dirty="0"/>
@@ -5211,7 +5308,7 @@
           <a:p>
             <a:pPr marL="817200" lvl="1" indent="-457200">
               <a:buFont typeface="+mj-lt"/>
-              <a:buAutoNum type="arabicPeriod" startAt="4"/>
+              <a:buAutoNum type="arabicPeriod" startAt="5"/>
             </a:pPr>
             <a:r>
               <a:rPr kumimoji="1" lang="ja-JP" altLang="en-US" sz="1800" dirty="0"/>
@@ -5222,7 +5319,7 @@
           <a:p>
             <a:pPr marL="817200" lvl="1" indent="-457200">
               <a:buFont typeface="+mj-lt"/>
-              <a:buAutoNum type="arabicPeriod" startAt="4"/>
+              <a:buAutoNum type="arabicPeriod" startAt="5"/>
             </a:pPr>
             <a:r>
               <a:rPr kumimoji="1" lang="ja-JP" altLang="en-US" sz="1800" dirty="0"/>
@@ -5233,7 +5330,7 @@
           <a:p>
             <a:pPr marL="817200" lvl="1" indent="-457200">
               <a:buFont typeface="+mj-lt"/>
-              <a:buAutoNum type="arabicPeriod" startAt="4"/>
+              <a:buAutoNum type="arabicPeriod" startAt="5"/>
             </a:pPr>
             <a:r>
               <a:rPr lang="ja-JP" altLang="en-US" sz="1800" dirty="0"/>
@@ -5283,10 +5380,10 @@
       </p:grpSpPr>
       <p:sp>
         <p:nvSpPr>
-          <p:cNvPr id="6" name="タイトル 5">
-            <a:extLst>
-              <a:ext uri="{FF2B5EF4-FFF2-40B4-BE49-F238E27FC236}">
-                <a16:creationId xmlns:a16="http://schemas.microsoft.com/office/drawing/2014/main" id="{0C5C5263-A46C-250C-79B4-37EF4633D8AE}"/>
+          <p:cNvPr id="2" name="タイトル 1">
+            <a:extLst>
+              <a:ext uri="{FF2B5EF4-FFF2-40B4-BE49-F238E27FC236}">
+                <a16:creationId xmlns:a16="http://schemas.microsoft.com/office/drawing/2014/main" id="{CF2EC29A-53FA-8B96-FE9A-0EF13AEC926F}"/>
               </a:ext>
             </a:extLst>
           </p:cNvPr>
@@ -5304,17 +5401,17 @@
           <a:p>
             <a:r>
               <a:rPr kumimoji="1" lang="ja-JP" altLang="en-US" dirty="0"/>
-              <a:t>３点プロットの目次</a:t>
-            </a:r>
-          </a:p>
-        </p:txBody>
-      </p:sp>
-      <p:sp>
-        <p:nvSpPr>
-          <p:cNvPr id="7" name="テキスト プレースホルダー 6">
-            <a:extLst>
-              <a:ext uri="{FF2B5EF4-FFF2-40B4-BE49-F238E27FC236}">
-                <a16:creationId xmlns:a16="http://schemas.microsoft.com/office/drawing/2014/main" id="{12EFEECB-8119-A100-9FB5-F471FDE43EF4}"/>
+              <a:t>応用：４点プロット</a:t>
+            </a:r>
+          </a:p>
+        </p:txBody>
+      </p:sp>
+      <p:sp>
+        <p:nvSpPr>
+          <p:cNvPr id="3" name="テキスト プレースホルダー 2">
+            <a:extLst>
+              <a:ext uri="{FF2B5EF4-FFF2-40B4-BE49-F238E27FC236}">
+                <a16:creationId xmlns:a16="http://schemas.microsoft.com/office/drawing/2014/main" id="{181521BF-22BE-74E1-30FF-6AFF99DD6C71}"/>
               </a:ext>
             </a:extLst>
           </p:cNvPr>
@@ -5325,62 +5422,82 @@
             <p:ph type="body" sz="quarter" idx="10"/>
           </p:nvPr>
         </p:nvSpPr>
-        <p:spPr/>
+        <p:spPr>
+          <a:xfrm>
+            <a:off x="341953" y="1088974"/>
+            <a:ext cx="8550095" cy="5219751"/>
+          </a:xfrm>
+        </p:spPr>
         <p:txBody>
           <a:bodyPr/>
           <a:lstStyle/>
           <a:p>
-            <a:pPr marL="457200" indent="-457200">
-              <a:buFont typeface="+mj-lt"/>
-              <a:buAutoNum type="arabicPeriod"/>
-            </a:pPr>
             <a:r>
               <a:rPr kumimoji="1" lang="ja-JP" altLang="en-US" dirty="0"/>
-              <a:t>３点プロットとは</a:t>
+              <a:t>洞察を加えた４点プロットの形でもよい</a:t>
             </a:r>
             <a:endParaRPr kumimoji="1" lang="en-US" altLang="ja-JP" dirty="0"/>
           </a:p>
           <a:p>
-            <a:pPr marL="457200" indent="-457200">
-              <a:buFont typeface="+mj-lt"/>
-              <a:buAutoNum type="arabicPeriod"/>
-            </a:pPr>
-            <a:r>
-              <a:rPr kumimoji="1" lang="ja-JP" altLang="en-US" b="1" dirty="0"/>
-              <a:t>作り方</a:t>
-            </a:r>
-            <a:endParaRPr kumimoji="1" lang="en-US" altLang="ja-JP" b="1" dirty="0"/>
-          </a:p>
-          <a:p>
-            <a:pPr marL="817200" lvl="1" indent="-457200">
-              <a:buFont typeface="+mj-lt"/>
-              <a:buAutoNum type="arabicPeriod"/>
-            </a:pPr>
+            <a:pPr lvl="1"/>
             <a:r>
               <a:rPr kumimoji="1" lang="ja-JP" altLang="en-US" dirty="0"/>
-              <a:t>内容のまとめかた</a:t>
+              <a:t>背景</a:t>
             </a:r>
             <a:endParaRPr kumimoji="1" lang="en-US" altLang="ja-JP" dirty="0"/>
           </a:p>
           <a:p>
-            <a:pPr marL="817200" lvl="1" indent="-457200">
-              <a:buFont typeface="+mj-lt"/>
-              <a:buAutoNum type="arabicPeriod"/>
-            </a:pPr>
+            <a:pPr lvl="1"/>
             <a:r>
               <a:rPr kumimoji="1" lang="ja-JP" altLang="en-US" dirty="0"/>
-              <a:t>箇条書きを作る上でのポイント</a:t>
+              <a:t>課題</a:t>
             </a:r>
             <a:endParaRPr kumimoji="1" lang="en-US" altLang="ja-JP" dirty="0"/>
           </a:p>
           <a:p>
-            <a:pPr marL="457200" indent="-457200">
-              <a:buFont typeface="+mj-lt"/>
-              <a:buAutoNum type="arabicPeriod"/>
-            </a:pPr>
+            <a:pPr lvl="1"/>
+            <a:r>
+              <a:rPr kumimoji="1" lang="ja-JP" altLang="en-US" dirty="0">
+                <a:solidFill>
+                  <a:schemeClr val="accent5"/>
+                </a:solidFill>
+              </a:rPr>
+              <a:t>洞察</a:t>
+            </a:r>
+            <a:endParaRPr kumimoji="1" lang="en-US" altLang="ja-JP" dirty="0">
+              <a:solidFill>
+                <a:schemeClr val="accent5"/>
+              </a:solidFill>
+            </a:endParaRPr>
+          </a:p>
+          <a:p>
+            <a:pPr lvl="2"/>
             <a:r>
               <a:rPr kumimoji="1" lang="ja-JP" altLang="en-US" dirty="0"/>
-              <a:t>チェック・リスト</a:t>
+              <a:t>課題に対する新しい観察結果や，課題の核心の新しい解釈など</a:t>
+            </a:r>
+            <a:endParaRPr kumimoji="1" lang="en-US" altLang="ja-JP" dirty="0"/>
+          </a:p>
+          <a:p>
+            <a:pPr lvl="1"/>
+            <a:r>
+              <a:rPr kumimoji="1" lang="ja-JP" altLang="en-US" dirty="0"/>
+              <a:t>提案</a:t>
+            </a:r>
+            <a:endParaRPr kumimoji="1" lang="en-US" altLang="ja-JP" dirty="0"/>
+          </a:p>
+          <a:p>
+            <a:r>
+              <a:rPr kumimoji="1" lang="ja-JP" altLang="en-US" dirty="0"/>
+              <a:t>洞察は課題や提案の下にぶら下がることもある</a:t>
+            </a:r>
+            <a:endParaRPr kumimoji="1" lang="en-US" altLang="ja-JP" dirty="0"/>
+          </a:p>
+          <a:p>
+            <a:pPr lvl="1"/>
+            <a:r>
+              <a:rPr kumimoji="1" lang="ja-JP" altLang="en-US" dirty="0"/>
+              <a:t>小泉くんの例での「早すぎるプリフェッチ」は洞察でもある</a:t>
             </a:r>
           </a:p>
         </p:txBody>
@@ -5388,7 +5505,7 @@
     </p:spTree>
     <p:extLst>
       <p:ext uri="{BB962C8B-B14F-4D97-AF65-F5344CB8AC3E}">
-        <p14:creationId xmlns:p14="http://schemas.microsoft.com/office/powerpoint/2010/main" val="1183582949"/>
+        <p14:creationId xmlns:p14="http://schemas.microsoft.com/office/powerpoint/2010/main" val="1477190036"/>
       </p:ext>
     </p:extLst>
   </p:cSld>
@@ -5425,10 +5542,10 @@
       </p:grpSpPr>
       <p:sp>
         <p:nvSpPr>
-          <p:cNvPr id="2" name="タイトル 1">
-            <a:extLst>
-              <a:ext uri="{FF2B5EF4-FFF2-40B4-BE49-F238E27FC236}">
-                <a16:creationId xmlns:a16="http://schemas.microsoft.com/office/drawing/2014/main" id="{5495249E-5784-30A1-9425-0AD2EDA550D0}"/>
+          <p:cNvPr id="6" name="タイトル 5">
+            <a:extLst>
+              <a:ext uri="{FF2B5EF4-FFF2-40B4-BE49-F238E27FC236}">
+                <a16:creationId xmlns:a16="http://schemas.microsoft.com/office/drawing/2014/main" id="{0C5C5263-A46C-250C-79B4-37EF4633D8AE}"/>
               </a:ext>
             </a:extLst>
           </p:cNvPr>
@@ -5446,22 +5563,17 @@
           <a:p>
             <a:r>
               <a:rPr kumimoji="1" lang="ja-JP" altLang="en-US" dirty="0"/>
-              <a:t>この形</a:t>
-            </a:r>
-            <a:r>
-              <a:rPr lang="ja-JP" altLang="en-US" dirty="0"/>
-              <a:t>にまとめる事を目指す</a:t>
-            </a:r>
-            <a:endParaRPr kumimoji="1" lang="ja-JP" altLang="en-US" dirty="0"/>
-          </a:p>
-        </p:txBody>
-      </p:sp>
-      <p:sp>
-        <p:nvSpPr>
-          <p:cNvPr id="3" name="テキスト プレースホルダー 2">
-            <a:extLst>
-              <a:ext uri="{FF2B5EF4-FFF2-40B4-BE49-F238E27FC236}">
-                <a16:creationId xmlns:a16="http://schemas.microsoft.com/office/drawing/2014/main" id="{434C8495-CDEB-3716-81CF-61358DAF8B15}"/>
+              <a:t>３点プロットの目次</a:t>
+            </a:r>
+          </a:p>
+        </p:txBody>
+      </p:sp>
+      <p:sp>
+        <p:nvSpPr>
+          <p:cNvPr id="7" name="テキスト プレースホルダー 6">
+            <a:extLst>
+              <a:ext uri="{FF2B5EF4-FFF2-40B4-BE49-F238E27FC236}">
+                <a16:creationId xmlns:a16="http://schemas.microsoft.com/office/drawing/2014/main" id="{12EFEECB-8119-A100-9FB5-F471FDE43EF4}"/>
               </a:ext>
             </a:extLst>
           </p:cNvPr>
@@ -5477,47 +5589,13 @@
           <a:bodyPr/>
           <a:lstStyle/>
           <a:p>
-            <a:pPr marL="0" indent="0">
-              <a:buNone/>
-            </a:pPr>
-            <a:r>
-              <a:rPr kumimoji="1" lang="ja-JP" altLang="en-US" dirty="0"/>
-              <a:t>「～」となっているところは，一つの文ないしは名詞による説明</a:t>
-            </a:r>
-            <a:endParaRPr kumimoji="1" lang="en-US" altLang="ja-JP" dirty="0"/>
-          </a:p>
-          <a:p>
             <a:pPr marL="457200" indent="-457200">
               <a:buFont typeface="+mj-lt"/>
               <a:buAutoNum type="arabicPeriod"/>
             </a:pPr>
             <a:r>
               <a:rPr kumimoji="1" lang="ja-JP" altLang="en-US" dirty="0"/>
-              <a:t>背景：「～」</a:t>
-            </a:r>
-            <a:endParaRPr kumimoji="1" lang="en-US" altLang="ja-JP" dirty="0"/>
-          </a:p>
-          <a:p>
-            <a:pPr lvl="1"/>
-            <a:r>
-              <a:rPr kumimoji="1" lang="ja-JP" altLang="en-US" dirty="0"/>
-              <a:t>「～」</a:t>
-            </a:r>
-            <a:r>
-              <a:rPr lang="en-US" altLang="ja-JP" dirty="0"/>
-              <a:t>= </a:t>
-            </a:r>
-            <a:r>
-              <a:rPr kumimoji="1" lang="ja-JP" altLang="en-US" dirty="0"/>
-              <a:t>背景を説明する１つの文</a:t>
-            </a:r>
-            <a:endParaRPr kumimoji="1" lang="en-US" altLang="ja-JP" dirty="0"/>
-          </a:p>
-          <a:p>
-            <a:pPr lvl="1"/>
-            <a:r>
-              <a:rPr kumimoji="1" lang="ja-JP" altLang="en-US" dirty="0"/>
-              <a:t>「～」･･･</a:t>
+              <a:t>３点プロットとは</a:t>
             </a:r>
             <a:endParaRPr kumimoji="1" lang="en-US" altLang="ja-JP" dirty="0"/>
           </a:p>
@@ -5527,24 +5605,30 @@
               <a:buAutoNum type="arabicPeriod"/>
             </a:pPr>
             <a:r>
+              <a:rPr kumimoji="1" lang="ja-JP" altLang="en-US" b="1" dirty="0"/>
+              <a:t>作り方</a:t>
+            </a:r>
+            <a:endParaRPr kumimoji="1" lang="en-US" altLang="ja-JP" b="1" dirty="0"/>
+          </a:p>
+          <a:p>
+            <a:pPr marL="817200" lvl="1" indent="-457200">
+              <a:buFont typeface="+mj-lt"/>
+              <a:buAutoNum type="arabicPeriod"/>
+            </a:pPr>
+            <a:r>
               <a:rPr kumimoji="1" lang="ja-JP" altLang="en-US" dirty="0"/>
-              <a:t>課題：「～」</a:t>
+              <a:t>内容のまとめかた</a:t>
             </a:r>
             <a:endParaRPr kumimoji="1" lang="en-US" altLang="ja-JP" dirty="0"/>
           </a:p>
           <a:p>
-            <a:pPr lvl="1"/>
+            <a:pPr marL="817200" lvl="1" indent="-457200">
+              <a:buFont typeface="+mj-lt"/>
+              <a:buAutoNum type="arabicPeriod"/>
+            </a:pPr>
             <a:r>
               <a:rPr kumimoji="1" lang="ja-JP" altLang="en-US" dirty="0"/>
-              <a:t>「～」</a:t>
-            </a:r>
-            <a:endParaRPr kumimoji="1" lang="en-US" altLang="ja-JP" dirty="0"/>
-          </a:p>
-          <a:p>
-            <a:pPr lvl="1"/>
-            <a:r>
-              <a:rPr kumimoji="1" lang="ja-JP" altLang="en-US" dirty="0"/>
-              <a:t>「～」</a:t>
+              <a:t>箇条書きを作る上でのポイント</a:t>
             </a:r>
             <a:endParaRPr kumimoji="1" lang="en-US" altLang="ja-JP" dirty="0"/>
           </a:p>
@@ -5555,32 +5639,15 @@
             </a:pPr>
             <a:r>
               <a:rPr kumimoji="1" lang="ja-JP" altLang="en-US" dirty="0"/>
-              <a:t>提案：「～」</a:t>
-            </a:r>
-            <a:endParaRPr kumimoji="1" lang="en-US" altLang="ja-JP" dirty="0"/>
-          </a:p>
-          <a:p>
-            <a:pPr lvl="1"/>
-            <a:r>
-              <a:rPr kumimoji="1" lang="ja-JP" altLang="en-US" dirty="0"/>
-              <a:t>「～」</a:t>
-            </a:r>
-            <a:endParaRPr kumimoji="1" lang="en-US" altLang="ja-JP" dirty="0"/>
-          </a:p>
-          <a:p>
-            <a:pPr lvl="1"/>
-            <a:r>
-              <a:rPr kumimoji="1" lang="ja-JP" altLang="en-US" dirty="0"/>
-              <a:t>「～」</a:t>
-            </a:r>
-            <a:endParaRPr kumimoji="1" lang="en-US" altLang="ja-JP" dirty="0"/>
+              <a:t>チェック・リスト</a:t>
+            </a:r>
           </a:p>
         </p:txBody>
       </p:sp>
     </p:spTree>
     <p:extLst>
       <p:ext uri="{BB962C8B-B14F-4D97-AF65-F5344CB8AC3E}">
-        <p14:creationId xmlns:p14="http://schemas.microsoft.com/office/powerpoint/2010/main" val="490123942"/>
+        <p14:creationId xmlns:p14="http://schemas.microsoft.com/office/powerpoint/2010/main" val="1183582949"/>
       </p:ext>
     </p:extLst>
   </p:cSld>
@@ -5620,7 +5687,7 @@
           <p:cNvPr id="2" name="タイトル 1">
             <a:extLst>
               <a:ext uri="{FF2B5EF4-FFF2-40B4-BE49-F238E27FC236}">
-                <a16:creationId xmlns:a16="http://schemas.microsoft.com/office/drawing/2014/main" id="{EA0C8582-08B9-D921-E55A-28F7D17A4943}"/>
+                <a16:creationId xmlns:a16="http://schemas.microsoft.com/office/drawing/2014/main" id="{5495249E-5784-30A1-9425-0AD2EDA550D0}"/>
               </a:ext>
             </a:extLst>
           </p:cNvPr>
@@ -5638,8 +5705,13 @@
           <a:p>
             <a:r>
               <a:rPr kumimoji="1" lang="ja-JP" altLang="en-US" dirty="0"/>
-              <a:t>作り方の例</a:t>
-            </a:r>
+              <a:t>とりあえず，この形</a:t>
+            </a:r>
+            <a:r>
+              <a:rPr lang="ja-JP" altLang="en-US" dirty="0"/>
+              <a:t>にまとめる事を目指す</a:t>
+            </a:r>
+            <a:endParaRPr kumimoji="1" lang="ja-JP" altLang="en-US" dirty="0"/>
           </a:p>
         </p:txBody>
       </p:sp>
@@ -5648,7 +5720,7 @@
           <p:cNvPr id="3" name="テキスト プレースホルダー 2">
             <a:extLst>
               <a:ext uri="{FF2B5EF4-FFF2-40B4-BE49-F238E27FC236}">
-                <a16:creationId xmlns:a16="http://schemas.microsoft.com/office/drawing/2014/main" id="{2F868795-944F-D087-1C44-2954EC432ED7}"/>
+                <a16:creationId xmlns:a16="http://schemas.microsoft.com/office/drawing/2014/main" id="{434C8495-CDEB-3716-81CF-61358DAF8B15}"/>
               </a:ext>
             </a:extLst>
           </p:cNvPr>
@@ -5664,38 +5736,66 @@
           <a:bodyPr/>
           <a:lstStyle/>
           <a:p>
+            <a:pPr marL="0" indent="0">
+              <a:buNone/>
+            </a:pPr>
             <a:r>
               <a:rPr kumimoji="1" lang="ja-JP" altLang="en-US" dirty="0"/>
-              <a:t>作り方の例</a:t>
+              <a:t>「～」となっているところは，一つの文ないしは名詞による説明</a:t>
             </a:r>
             <a:endParaRPr kumimoji="1" lang="en-US" altLang="ja-JP" dirty="0"/>
           </a:p>
           <a:p>
-            <a:pPr marL="817200" lvl="1" indent="-457200">
+            <a:pPr marL="457200" indent="-457200">
               <a:buFont typeface="+mj-lt"/>
               <a:buAutoNum type="arabicPeriod"/>
             </a:pPr>
             <a:r>
               <a:rPr kumimoji="1" lang="ja-JP" altLang="en-US" dirty="0"/>
-              <a:t>ボトムアップな作り方</a:t>
+              <a:t>背景：「～」</a:t>
             </a:r>
             <a:endParaRPr kumimoji="1" lang="en-US" altLang="ja-JP" dirty="0"/>
           </a:p>
           <a:p>
-            <a:pPr marL="817200" lvl="1" indent="-457200">
+            <a:pPr lvl="1"/>
+            <a:r>
+              <a:rPr kumimoji="1" lang="ja-JP" altLang="en-US" dirty="0"/>
+              <a:t>「～」</a:t>
+            </a:r>
+            <a:r>
+              <a:rPr lang="en-US" altLang="ja-JP" dirty="0"/>
+              <a:t>= </a:t>
+            </a:r>
+            <a:r>
+              <a:rPr kumimoji="1" lang="ja-JP" altLang="en-US" dirty="0"/>
+              <a:t>背景を説明する１つの文</a:t>
+            </a:r>
+            <a:endParaRPr kumimoji="1" lang="en-US" altLang="ja-JP" dirty="0"/>
+          </a:p>
+          <a:p>
+            <a:pPr lvl="1"/>
+            <a:r>
+              <a:rPr kumimoji="1" lang="ja-JP" altLang="en-US" dirty="0"/>
+              <a:t>「～」･･･</a:t>
+            </a:r>
+            <a:endParaRPr kumimoji="1" lang="en-US" altLang="ja-JP" dirty="0"/>
+          </a:p>
+          <a:p>
+            <a:pPr marL="457200" indent="-457200">
               <a:buFont typeface="+mj-lt"/>
               <a:buAutoNum type="arabicPeriod"/>
             </a:pPr>
             <a:r>
               <a:rPr kumimoji="1" lang="ja-JP" altLang="en-US" dirty="0"/>
-              <a:t>課題から掘り下げる作り方</a:t>
+              <a:t>課題：「～」</a:t>
             </a:r>
             <a:endParaRPr kumimoji="1" lang="en-US" altLang="ja-JP" dirty="0"/>
           </a:p>
           <a:p>
+            <a:pPr lvl="1"/>
             <a:r>
               <a:rPr kumimoji="1" lang="ja-JP" altLang="en-US" dirty="0"/>
-              <a:t>やりやすいようにやれば良いし，上記を組み合わせても良い</a:t>
+              <a:t>「～」</a:t>
             </a:r>
             <a:endParaRPr kumimoji="1" lang="en-US" altLang="ja-JP" dirty="0"/>
           </a:p>
@@ -5703,15 +5803,43 @@
             <a:pPr lvl="1"/>
             <a:r>
               <a:rPr kumimoji="1" lang="ja-JP" altLang="en-US" dirty="0"/>
-              <a:t>他にも色々なやり方があると思う</a:t>
-            </a:r>
+              <a:t>「～」</a:t>
+            </a:r>
+            <a:endParaRPr kumimoji="1" lang="en-US" altLang="ja-JP" dirty="0"/>
+          </a:p>
+          <a:p>
+            <a:pPr marL="457200" indent="-457200">
+              <a:buFont typeface="+mj-lt"/>
+              <a:buAutoNum type="arabicPeriod"/>
+            </a:pPr>
+            <a:r>
+              <a:rPr kumimoji="1" lang="ja-JP" altLang="en-US" dirty="0"/>
+              <a:t>提案：「～」</a:t>
+            </a:r>
+            <a:endParaRPr kumimoji="1" lang="en-US" altLang="ja-JP" dirty="0"/>
+          </a:p>
+          <a:p>
+            <a:pPr lvl="1"/>
+            <a:r>
+              <a:rPr kumimoji="1" lang="ja-JP" altLang="en-US" dirty="0"/>
+              <a:t>「～」</a:t>
+            </a:r>
+            <a:endParaRPr kumimoji="1" lang="en-US" altLang="ja-JP" dirty="0"/>
+          </a:p>
+          <a:p>
+            <a:pPr lvl="1"/>
+            <a:r>
+              <a:rPr kumimoji="1" lang="ja-JP" altLang="en-US" dirty="0"/>
+              <a:t>「～」</a:t>
+            </a:r>
+            <a:endParaRPr kumimoji="1" lang="en-US" altLang="ja-JP" dirty="0"/>
           </a:p>
         </p:txBody>
       </p:sp>
     </p:spTree>
     <p:extLst>
       <p:ext uri="{BB962C8B-B14F-4D97-AF65-F5344CB8AC3E}">
-        <p14:creationId xmlns:p14="http://schemas.microsoft.com/office/powerpoint/2010/main" val="2513044852"/>
+        <p14:creationId xmlns:p14="http://schemas.microsoft.com/office/powerpoint/2010/main" val="490123942"/>
       </p:ext>
     </p:extLst>
   </p:cSld>
@@ -5751,7 +5879,7 @@
           <p:cNvPr id="2" name="タイトル 1">
             <a:extLst>
               <a:ext uri="{FF2B5EF4-FFF2-40B4-BE49-F238E27FC236}">
-                <a16:creationId xmlns:a16="http://schemas.microsoft.com/office/drawing/2014/main" id="{2EAFEEDE-7519-82C1-375C-36DCE07D4199}"/>
+                <a16:creationId xmlns:a16="http://schemas.microsoft.com/office/drawing/2014/main" id="{EA0C8582-08B9-D921-E55A-28F7D17A4943}"/>
               </a:ext>
             </a:extLst>
           </p:cNvPr>
@@ -5769,9 +5897,8 @@
           <a:p>
             <a:r>
               <a:rPr kumimoji="1" lang="ja-JP" altLang="en-US" dirty="0"/>
-              <a:t>ボトムアップな方法</a:t>
-            </a:r>
-            <a:endParaRPr kumimoji="1" lang="en-US" altLang="ja-JP" dirty="0"/>
+              <a:t>作り方の例</a:t>
+            </a:r>
           </a:p>
         </p:txBody>
       </p:sp>
@@ -5780,7 +5907,7 @@
           <p:cNvPr id="3" name="テキスト プレースホルダー 2">
             <a:extLst>
               <a:ext uri="{FF2B5EF4-FFF2-40B4-BE49-F238E27FC236}">
-                <a16:creationId xmlns:a16="http://schemas.microsoft.com/office/drawing/2014/main" id="{593C2F59-3A8A-F156-C9E0-6898AC8EE921}"/>
+                <a16:creationId xmlns:a16="http://schemas.microsoft.com/office/drawing/2014/main" id="{2F868795-944F-D087-1C44-2954EC432ED7}"/>
               </a:ext>
             </a:extLst>
           </p:cNvPr>
@@ -5796,34 +5923,11 @@
           <a:bodyPr/>
           <a:lstStyle/>
           <a:p>
-            <a:pPr marL="457200" indent="-457200">
-              <a:buFont typeface="+mj-lt"/>
-              <a:buAutoNum type="arabicPeriod"/>
-            </a:pPr>
             <a:r>
               <a:rPr kumimoji="1" lang="ja-JP" altLang="en-US" dirty="0"/>
-              <a:t>まずは思いつく関連しそうな項目をたくさん書き出してみる</a:t>
+              <a:t>作り方の例</a:t>
             </a:r>
             <a:endParaRPr kumimoji="1" lang="en-US" altLang="ja-JP" dirty="0"/>
-          </a:p>
-          <a:p>
-            <a:pPr lvl="1"/>
-            <a:r>
-              <a:rPr kumimoji="1" lang="ja-JP" altLang="en-US" dirty="0"/>
-              <a:t>名詞や短文の形にして並べてみる</a:t>
-            </a:r>
-            <a:endParaRPr kumimoji="1" lang="en-US" altLang="ja-JP" dirty="0"/>
-          </a:p>
-          <a:p>
-            <a:pPr marL="457200" indent="-457200">
-              <a:buFont typeface="+mj-lt"/>
-              <a:buAutoNum type="arabicPeriod"/>
-            </a:pPr>
-            <a:r>
-              <a:rPr lang="ja-JP" altLang="en-US" dirty="0"/>
-              <a:t>各項目を整理</a:t>
-            </a:r>
-            <a:endParaRPr lang="en-US" altLang="ja-JP" dirty="0"/>
           </a:p>
           <a:p>
             <a:pPr marL="817200" lvl="1" indent="-457200">
@@ -5832,25 +5936,9 @@
             </a:pPr>
             <a:r>
               <a:rPr kumimoji="1" lang="ja-JP" altLang="en-US" dirty="0"/>
-              <a:t>関係する項目同士をくくって親子にまとめる</a:t>
+              <a:t>ボトムアップな作り方</a:t>
             </a:r>
             <a:endParaRPr kumimoji="1" lang="en-US" altLang="ja-JP" dirty="0"/>
-          </a:p>
-          <a:p>
-            <a:pPr lvl="2"/>
-            <a:r>
-              <a:rPr lang="ja-JP" altLang="en-US" dirty="0"/>
-              <a:t>それらを一言で表した，まとめの短文（親）を作る</a:t>
-            </a:r>
-            <a:endParaRPr lang="en-US" altLang="ja-JP" dirty="0"/>
-          </a:p>
-          <a:p>
-            <a:pPr lvl="2"/>
-            <a:r>
-              <a:rPr lang="ja-JP" altLang="en-US" dirty="0"/>
-              <a:t>親の下に，それらを子項目としてインデントして置く</a:t>
-            </a:r>
-            <a:endParaRPr lang="en-US" altLang="ja-JP" dirty="0"/>
           </a:p>
           <a:p>
             <a:pPr marL="817200" lvl="1" indent="-457200">
@@ -5859,51 +5947,30 @@
             </a:pPr>
             <a:r>
               <a:rPr kumimoji="1" lang="ja-JP" altLang="en-US" dirty="0"/>
-              <a:t>内容が冗長なものをマージしたり削除する</a:t>
+              <a:t>課題から掘り下げる作り方</a:t>
             </a:r>
             <a:endParaRPr kumimoji="1" lang="en-US" altLang="ja-JP" dirty="0"/>
           </a:p>
           <a:p>
-            <a:pPr marL="457200" indent="-457200">
-              <a:buFont typeface="+mj-lt"/>
-              <a:buAutoNum type="arabicPeriod"/>
-            </a:pPr>
             <a:r>
               <a:rPr kumimoji="1" lang="ja-JP" altLang="en-US" dirty="0"/>
-              <a:t>ある程度まとまったら，それらを背景，課題，提案に分類する</a:t>
+              <a:t>やりやすいようにやれば良いし，上記を組み合わせても良い</a:t>
             </a:r>
             <a:endParaRPr kumimoji="1" lang="en-US" altLang="ja-JP" dirty="0"/>
           </a:p>
           <a:p>
             <a:pPr lvl="1"/>
             <a:r>
-              <a:rPr lang="ja-JP" altLang="en-US" dirty="0"/>
-              <a:t>このとき，「</a:t>
-            </a:r>
-            <a:r>
               <a:rPr kumimoji="1" lang="ja-JP" altLang="en-US" dirty="0"/>
-              <a:t>項目間の関係</a:t>
-            </a:r>
-            <a:r>
-              <a:rPr lang="ja-JP" altLang="en-US" dirty="0"/>
-              <a:t>」のページで説明した関連を意識する</a:t>
-            </a:r>
-            <a:endParaRPr lang="en-US" altLang="ja-JP" dirty="0"/>
-          </a:p>
-          <a:p>
-            <a:pPr lvl="1"/>
-            <a:r>
-              <a:rPr lang="ja-JP" altLang="en-US" dirty="0"/>
-              <a:t>うまく分類して関係を説明できない時は，本質的に関係ない可能性がある</a:t>
-            </a:r>
-            <a:endParaRPr lang="en-US" altLang="ja-JP" dirty="0"/>
+              <a:t>他にも色々なやり方があると思う</a:t>
+            </a:r>
           </a:p>
         </p:txBody>
       </p:sp>
     </p:spTree>
     <p:extLst>
       <p:ext uri="{BB962C8B-B14F-4D97-AF65-F5344CB8AC3E}">
-        <p14:creationId xmlns:p14="http://schemas.microsoft.com/office/powerpoint/2010/main" val="2082905723"/>
+        <p14:creationId xmlns:p14="http://schemas.microsoft.com/office/powerpoint/2010/main" val="2513044852"/>
       </p:ext>
     </p:extLst>
   </p:cSld>
@@ -5943,7 +6010,7 @@
           <p:cNvPr id="2" name="タイトル 1">
             <a:extLst>
               <a:ext uri="{FF2B5EF4-FFF2-40B4-BE49-F238E27FC236}">
-                <a16:creationId xmlns:a16="http://schemas.microsoft.com/office/drawing/2014/main" id="{D33E61C1-04CD-5B6F-96DC-30874C5379A3}"/>
+                <a16:creationId xmlns:a16="http://schemas.microsoft.com/office/drawing/2014/main" id="{2EAFEEDE-7519-82C1-375C-36DCE07D4199}"/>
               </a:ext>
             </a:extLst>
           </p:cNvPr>
@@ -5961,8 +6028,9 @@
           <a:p>
             <a:r>
               <a:rPr kumimoji="1" lang="ja-JP" altLang="en-US" dirty="0"/>
-              <a:t>課題から掘り下げる方法</a:t>
-            </a:r>
+              <a:t>ボトムアップな方法</a:t>
+            </a:r>
+            <a:endParaRPr kumimoji="1" lang="en-US" altLang="ja-JP" dirty="0"/>
           </a:p>
         </p:txBody>
       </p:sp>
@@ -5971,7 +6039,7 @@
           <p:cNvPr id="3" name="テキスト プレースホルダー 2">
             <a:extLst>
               <a:ext uri="{FF2B5EF4-FFF2-40B4-BE49-F238E27FC236}">
-                <a16:creationId xmlns:a16="http://schemas.microsoft.com/office/drawing/2014/main" id="{A0CF7D23-E71C-A48D-C43B-CC9B31E9C54B}"/>
+                <a16:creationId xmlns:a16="http://schemas.microsoft.com/office/drawing/2014/main" id="{593C2F59-3A8A-F156-C9E0-6898AC8EE921}"/>
               </a:ext>
             </a:extLst>
           </p:cNvPr>
@@ -5987,9 +6055,13 @@
           <a:bodyPr/>
           <a:lstStyle/>
           <a:p>
+            <a:pPr marL="457200" indent="-457200">
+              <a:buFont typeface="+mj-lt"/>
+              <a:buAutoNum type="arabicPeriod"/>
+            </a:pPr>
             <a:r>
               <a:rPr kumimoji="1" lang="ja-JP" altLang="en-US" dirty="0"/>
-              <a:t>まず「課題」は何であるのかから考える</a:t>
+              <a:t>まずは思いつく関連しそうな項目をたくさん書き出してみる</a:t>
             </a:r>
             <a:endParaRPr kumimoji="1" lang="en-US" altLang="ja-JP" dirty="0"/>
           </a:p>
@@ -5997,52 +6069,100 @@
             <a:pPr lvl="1"/>
             <a:r>
               <a:rPr kumimoji="1" lang="ja-JP" altLang="en-US" dirty="0"/>
-              <a:t>なにが問題なのかを端的にまとめる</a:t>
+              <a:t>名詞や短文の形にして並べてみる</a:t>
             </a:r>
             <a:endParaRPr kumimoji="1" lang="en-US" altLang="ja-JP" dirty="0"/>
           </a:p>
           <a:p>
+            <a:pPr marL="457200" indent="-457200">
+              <a:buFont typeface="+mj-lt"/>
+              <a:buAutoNum type="arabicPeriod"/>
+            </a:pPr>
+            <a:r>
+              <a:rPr lang="ja-JP" altLang="en-US" dirty="0"/>
+              <a:t>各項目を整理</a:t>
+            </a:r>
+            <a:endParaRPr lang="en-US" altLang="ja-JP" dirty="0"/>
+          </a:p>
+          <a:p>
+            <a:pPr marL="817200" lvl="1" indent="-457200">
+              <a:buFont typeface="+mj-lt"/>
+              <a:buAutoNum type="arabicPeriod"/>
+            </a:pPr>
+            <a:r>
+              <a:rPr kumimoji="1" lang="ja-JP" altLang="en-US" dirty="0"/>
+              <a:t>関係する項目同士をくくって親子にまとめる</a:t>
+            </a:r>
+            <a:endParaRPr kumimoji="1" lang="en-US" altLang="ja-JP" dirty="0"/>
+          </a:p>
+          <a:p>
+            <a:pPr lvl="2"/>
+            <a:r>
+              <a:rPr lang="ja-JP" altLang="en-US" dirty="0"/>
+              <a:t>それらを一言で表した，まとめの短文（親）を作る</a:t>
+            </a:r>
+            <a:endParaRPr lang="en-US" altLang="ja-JP" dirty="0"/>
+          </a:p>
+          <a:p>
+            <a:pPr lvl="2"/>
+            <a:r>
+              <a:rPr lang="ja-JP" altLang="en-US" dirty="0"/>
+              <a:t>親の下に，それらを子項目としてインデントして置く</a:t>
+            </a:r>
+            <a:endParaRPr lang="en-US" altLang="ja-JP" dirty="0"/>
+          </a:p>
+          <a:p>
+            <a:pPr marL="817200" lvl="1" indent="-457200">
+              <a:buFont typeface="+mj-lt"/>
+              <a:buAutoNum type="arabicPeriod"/>
+            </a:pPr>
+            <a:r>
+              <a:rPr kumimoji="1" lang="ja-JP" altLang="en-US" dirty="0"/>
+              <a:t>内容が冗長なものをマージしたり削除する</a:t>
+            </a:r>
+            <a:endParaRPr kumimoji="1" lang="en-US" altLang="ja-JP" dirty="0"/>
+          </a:p>
+          <a:p>
+            <a:pPr marL="457200" indent="-457200">
+              <a:buFont typeface="+mj-lt"/>
+              <a:buAutoNum type="arabicPeriod"/>
+            </a:pPr>
+            <a:r>
+              <a:rPr kumimoji="1" lang="ja-JP" altLang="en-US" dirty="0"/>
+              <a:t>ある程度まとまったら，それらを背景，課題，提案に分類する</a:t>
+            </a:r>
+            <a:endParaRPr kumimoji="1" lang="en-US" altLang="ja-JP" dirty="0"/>
+          </a:p>
+          <a:p>
             <a:pPr lvl="1"/>
             <a:r>
+              <a:rPr lang="ja-JP" altLang="en-US" dirty="0"/>
+              <a:t>このとき，「</a:t>
+            </a:r>
+            <a:r>
               <a:rPr kumimoji="1" lang="ja-JP" altLang="en-US" dirty="0"/>
-              <a:t>「～が悪い」「～が遅い」「～の効率がよくない」などの形の</a:t>
-            </a:r>
-            <a:br>
-              <a:rPr kumimoji="1" lang="en-US" altLang="ja-JP" dirty="0"/>
-            </a:br>
-            <a:r>
-              <a:rPr kumimoji="1" lang="ja-JP" altLang="en-US" dirty="0"/>
-              <a:t>１文にまとめる</a:t>
-            </a:r>
-            <a:endParaRPr kumimoji="1" lang="en-US" altLang="ja-JP" dirty="0"/>
-          </a:p>
-          <a:p>
-            <a:r>
-              <a:rPr kumimoji="1" lang="ja-JP" altLang="en-US" dirty="0"/>
-              <a:t>次にそれを「提案」がどのように解決しているのか考える</a:t>
-            </a:r>
-            <a:endParaRPr kumimoji="1" lang="en-US" altLang="ja-JP" dirty="0"/>
+              <a:t>項目間の関係</a:t>
+            </a:r>
+            <a:r>
+              <a:rPr lang="ja-JP" altLang="en-US" dirty="0"/>
+              <a:t>」のページで説明した関連を意識する</a:t>
+            </a:r>
+            <a:endParaRPr lang="en-US" altLang="ja-JP" dirty="0"/>
           </a:p>
           <a:p>
             <a:pPr lvl="1"/>
             <a:r>
-              <a:rPr kumimoji="1" lang="ja-JP" altLang="en-US" dirty="0"/>
-              <a:t>上でまとめた問題が，「どのように」「なぜ」解決されているのかをまとめる</a:t>
-            </a:r>
-            <a:endParaRPr kumimoji="1" lang="en-US" altLang="ja-JP" dirty="0"/>
-          </a:p>
-          <a:p>
-            <a:r>
-              <a:rPr kumimoji="1" lang="ja-JP" altLang="en-US" dirty="0"/>
-              <a:t>それら「課題」と「提案」を包含する「背景」を考える</a:t>
-            </a:r>
+              <a:rPr lang="ja-JP" altLang="en-US" dirty="0"/>
+              <a:t>うまく分類して関係を説明できない時は，本質的に関係ない可能性がある</a:t>
+            </a:r>
+            <a:endParaRPr lang="en-US" altLang="ja-JP" dirty="0"/>
           </a:p>
         </p:txBody>
       </p:sp>
     </p:spTree>
     <p:extLst>
       <p:ext uri="{BB962C8B-B14F-4D97-AF65-F5344CB8AC3E}">
-        <p14:creationId xmlns:p14="http://schemas.microsoft.com/office/powerpoint/2010/main" val="2178183126"/>
+        <p14:creationId xmlns:p14="http://schemas.microsoft.com/office/powerpoint/2010/main" val="2082905723"/>
       </p:ext>
     </p:extLst>
   </p:cSld>
@@ -6079,10 +6199,10 @@
       </p:grpSpPr>
       <p:sp>
         <p:nvSpPr>
-          <p:cNvPr id="6" name="タイトル 5">
-            <a:extLst>
-              <a:ext uri="{FF2B5EF4-FFF2-40B4-BE49-F238E27FC236}">
-                <a16:creationId xmlns:a16="http://schemas.microsoft.com/office/drawing/2014/main" id="{0C5C5263-A46C-250C-79B4-37EF4633D8AE}"/>
+          <p:cNvPr id="2" name="タイトル 1">
+            <a:extLst>
+              <a:ext uri="{FF2B5EF4-FFF2-40B4-BE49-F238E27FC236}">
+                <a16:creationId xmlns:a16="http://schemas.microsoft.com/office/drawing/2014/main" id="{D33E61C1-04CD-5B6F-96DC-30874C5379A3}"/>
               </a:ext>
             </a:extLst>
           </p:cNvPr>
@@ -6100,17 +6220,17 @@
           <a:p>
             <a:r>
               <a:rPr kumimoji="1" lang="ja-JP" altLang="en-US" dirty="0"/>
-              <a:t>３点プロットの目次</a:t>
-            </a:r>
-          </a:p>
-        </p:txBody>
-      </p:sp>
-      <p:sp>
-        <p:nvSpPr>
-          <p:cNvPr id="7" name="テキスト プレースホルダー 6">
-            <a:extLst>
-              <a:ext uri="{FF2B5EF4-FFF2-40B4-BE49-F238E27FC236}">
-                <a16:creationId xmlns:a16="http://schemas.microsoft.com/office/drawing/2014/main" id="{12EFEECB-8119-A100-9FB5-F471FDE43EF4}"/>
+              <a:t>課題から掘り下げる方法</a:t>
+            </a:r>
+          </a:p>
+        </p:txBody>
+      </p:sp>
+      <p:sp>
+        <p:nvSpPr>
+          <p:cNvPr id="3" name="テキスト プレースホルダー 2">
+            <a:extLst>
+              <a:ext uri="{FF2B5EF4-FFF2-40B4-BE49-F238E27FC236}">
+                <a16:creationId xmlns:a16="http://schemas.microsoft.com/office/drawing/2014/main" id="{A0CF7D23-E71C-A48D-C43B-CC9B31E9C54B}"/>
               </a:ext>
             </a:extLst>
           </p:cNvPr>
@@ -6126,50 +6246,54 @@
           <a:bodyPr/>
           <a:lstStyle/>
           <a:p>
-            <a:pPr marL="457200" indent="-457200">
-              <a:buFont typeface="+mj-lt"/>
-              <a:buAutoNum type="arabicPeriod"/>
-            </a:pPr>
             <a:r>
               <a:rPr kumimoji="1" lang="ja-JP" altLang="en-US" dirty="0"/>
-              <a:t>３点プロットとは</a:t>
+              <a:t>まず「課題」は何であるのかから考える</a:t>
             </a:r>
             <a:endParaRPr kumimoji="1" lang="en-US" altLang="ja-JP" dirty="0"/>
           </a:p>
           <a:p>
-            <a:pPr marL="457200" indent="-457200">
-              <a:buFont typeface="+mj-lt"/>
-              <a:buAutoNum type="arabicPeriod"/>
-            </a:pPr>
+            <a:pPr lvl="1"/>
             <a:r>
               <a:rPr kumimoji="1" lang="ja-JP" altLang="en-US" dirty="0"/>
-              <a:t>作り方</a:t>
+              <a:t>なにが問題なのかを端的にまとめる</a:t>
             </a:r>
             <a:endParaRPr kumimoji="1" lang="en-US" altLang="ja-JP" dirty="0"/>
           </a:p>
           <a:p>
-            <a:pPr marL="817200" lvl="1" indent="-457200">
-              <a:buFont typeface="+mj-lt"/>
-              <a:buAutoNum type="arabicPeriod"/>
-            </a:pPr>
+            <a:pPr lvl="1"/>
             <a:r>
               <a:rPr kumimoji="1" lang="ja-JP" altLang="en-US" dirty="0"/>
-              <a:t>内容のまとめかた</a:t>
+              <a:t>「～が悪い」「～が遅い」「～の効率がよくない」などの形の</a:t>
+            </a:r>
+            <a:br>
+              <a:rPr kumimoji="1" lang="en-US" altLang="ja-JP" dirty="0"/>
+            </a:br>
+            <a:r>
+              <a:rPr kumimoji="1" lang="ja-JP" altLang="en-US" dirty="0"/>
+              <a:t>１文に出来るとよい</a:t>
             </a:r>
             <a:endParaRPr kumimoji="1" lang="en-US" altLang="ja-JP" dirty="0"/>
           </a:p>
           <a:p>
-            <a:pPr marL="817200" lvl="1" indent="-457200">
-              <a:buFont typeface="+mj-lt"/>
-              <a:buAutoNum type="arabicPeriod"/>
-            </a:pPr>
-            <a:r>
-              <a:rPr kumimoji="1" lang="ja-JP" altLang="en-US" dirty="0">
-                <a:solidFill>
-                  <a:schemeClr val="accent5"/>
-                </a:solidFill>
-              </a:rPr>
-              <a:t>箇条書きを作る上での形式的なポイント</a:t>
+            <a:r>
+              <a:rPr kumimoji="1" lang="ja-JP" altLang="en-US" dirty="0"/>
+              <a:t>次にそれを「提案」がどのように解決しているのか考える</a:t>
+            </a:r>
+            <a:endParaRPr kumimoji="1" lang="en-US" altLang="ja-JP" dirty="0"/>
+          </a:p>
+          <a:p>
+            <a:pPr lvl="1"/>
+            <a:r>
+              <a:rPr kumimoji="1" lang="ja-JP" altLang="en-US" dirty="0"/>
+              <a:t>上でまとめた問題が，「どのように」「なぜ」解決されているのかをまとめる</a:t>
+            </a:r>
+            <a:endParaRPr kumimoji="1" lang="en-US" altLang="ja-JP" dirty="0"/>
+          </a:p>
+          <a:p>
+            <a:r>
+              <a:rPr kumimoji="1" lang="ja-JP" altLang="en-US" dirty="0"/>
+              <a:t>それら「課題」と「提案」を包含する「背景」を考える</a:t>
             </a:r>
           </a:p>
         </p:txBody>
@@ -6177,7 +6301,7 @@
     </p:spTree>
     <p:extLst>
       <p:ext uri="{BB962C8B-B14F-4D97-AF65-F5344CB8AC3E}">
-        <p14:creationId xmlns:p14="http://schemas.microsoft.com/office/powerpoint/2010/main" val="4293421149"/>
+        <p14:creationId xmlns:p14="http://schemas.microsoft.com/office/powerpoint/2010/main" val="2178183126"/>
       </p:ext>
     </p:extLst>
   </p:cSld>
@@ -6214,10 +6338,10 @@
       </p:grpSpPr>
       <p:sp>
         <p:nvSpPr>
-          <p:cNvPr id="2" name="タイトル 1">
-            <a:extLst>
-              <a:ext uri="{FF2B5EF4-FFF2-40B4-BE49-F238E27FC236}">
-                <a16:creationId xmlns:a16="http://schemas.microsoft.com/office/drawing/2014/main" id="{5DE9EB6D-DB2F-3B8D-2437-AD77ADB2FF9E}"/>
+          <p:cNvPr id="6" name="タイトル 5">
+            <a:extLst>
+              <a:ext uri="{FF2B5EF4-FFF2-40B4-BE49-F238E27FC236}">
+                <a16:creationId xmlns:a16="http://schemas.microsoft.com/office/drawing/2014/main" id="{0C5C5263-A46C-250C-79B4-37EF4633D8AE}"/>
               </a:ext>
             </a:extLst>
           </p:cNvPr>
@@ -6235,17 +6359,17 @@
           <a:p>
             <a:r>
               <a:rPr kumimoji="1" lang="ja-JP" altLang="en-US" dirty="0"/>
-              <a:t>箇条書きを作る際の形式上の注意</a:t>
-            </a:r>
-          </a:p>
-        </p:txBody>
-      </p:sp>
-      <p:sp>
-        <p:nvSpPr>
-          <p:cNvPr id="3" name="テキスト プレースホルダー 2">
-            <a:extLst>
-              <a:ext uri="{FF2B5EF4-FFF2-40B4-BE49-F238E27FC236}">
-                <a16:creationId xmlns:a16="http://schemas.microsoft.com/office/drawing/2014/main" id="{18D77FC6-6ACE-F5A6-179B-013437541EA6}"/>
+              <a:t>３点プロットの目次</a:t>
+            </a:r>
+          </a:p>
+        </p:txBody>
+      </p:sp>
+      <p:sp>
+        <p:nvSpPr>
+          <p:cNvPr id="7" name="テキスト プレースホルダー 6">
+            <a:extLst>
+              <a:ext uri="{FF2B5EF4-FFF2-40B4-BE49-F238E27FC236}">
+                <a16:creationId xmlns:a16="http://schemas.microsoft.com/office/drawing/2014/main" id="{12EFEECB-8119-A100-9FB5-F471FDE43EF4}"/>
               </a:ext>
             </a:extLst>
           </p:cNvPr>
@@ -6261,96 +6385,58 @@
           <a:bodyPr/>
           <a:lstStyle/>
           <a:p>
+            <a:pPr marL="457200" indent="-457200">
+              <a:buFont typeface="+mj-lt"/>
+              <a:buAutoNum type="arabicPeriod"/>
+            </a:pPr>
+            <a:r>
+              <a:rPr kumimoji="1" lang="ja-JP" altLang="en-US" dirty="0"/>
+              <a:t>３点プロットとは</a:t>
+            </a:r>
+            <a:endParaRPr kumimoji="1" lang="en-US" altLang="ja-JP" dirty="0"/>
+          </a:p>
+          <a:p>
+            <a:pPr marL="457200" indent="-457200">
+              <a:buFont typeface="+mj-lt"/>
+              <a:buAutoNum type="arabicPeriod"/>
+            </a:pPr>
+            <a:r>
+              <a:rPr kumimoji="1" lang="ja-JP" altLang="en-US" dirty="0"/>
+              <a:t>作り方</a:t>
+            </a:r>
+            <a:endParaRPr kumimoji="1" lang="en-US" altLang="ja-JP" dirty="0"/>
+          </a:p>
+          <a:p>
+            <a:pPr marL="817200" lvl="1" indent="-457200">
+              <a:buFont typeface="+mj-lt"/>
+              <a:buAutoNum type="arabicPeriod"/>
+            </a:pPr>
+            <a:r>
+              <a:rPr kumimoji="1" lang="ja-JP" altLang="en-US" dirty="0"/>
+              <a:t>内容のまとめかた</a:t>
+            </a:r>
+            <a:endParaRPr kumimoji="1" lang="en-US" altLang="ja-JP" dirty="0"/>
+          </a:p>
+          <a:p>
+            <a:pPr marL="817200" lvl="1" indent="-457200">
+              <a:buFont typeface="+mj-lt"/>
+              <a:buAutoNum type="arabicPeriod"/>
+            </a:pPr>
             <a:r>
               <a:rPr kumimoji="1" lang="ja-JP" altLang="en-US" dirty="0">
                 <a:solidFill>
                   <a:schemeClr val="accent5"/>
                 </a:solidFill>
               </a:rPr>
-              <a:t>複文を使うのは原則禁止</a:t>
-            </a:r>
-            <a:endParaRPr kumimoji="1" lang="en-US" altLang="ja-JP" dirty="0">
-              <a:solidFill>
-                <a:schemeClr val="accent5"/>
-              </a:solidFill>
-            </a:endParaRPr>
-          </a:p>
-          <a:p>
-            <a:pPr lvl="1"/>
-            <a:r>
-              <a:rPr kumimoji="1" lang="ja-JP" altLang="en-US" dirty="0"/>
-              <a:t>複数の文を繋げて１つの文にしてしまうと，関係が良くわからなくなりがち</a:t>
-            </a:r>
-            <a:endParaRPr kumimoji="1" lang="en-US" altLang="ja-JP" dirty="0"/>
-          </a:p>
-          <a:p>
-            <a:pPr lvl="1"/>
-            <a:r>
-              <a:rPr kumimoji="1" lang="ja-JP" altLang="en-US" dirty="0"/>
-              <a:t>最初は単文のみで作る</a:t>
-            </a:r>
-            <a:endParaRPr kumimoji="1" lang="en-US" altLang="ja-JP" dirty="0"/>
-          </a:p>
-          <a:p>
-            <a:pPr lvl="2"/>
-            <a:r>
-              <a:rPr kumimoji="1" lang="ja-JP" altLang="en-US" dirty="0"/>
-              <a:t>どうしても複文を入れる場合は，１行に収まる長さまで</a:t>
-            </a:r>
-            <a:endParaRPr kumimoji="1" lang="en-US" altLang="ja-JP" dirty="0"/>
-          </a:p>
-          <a:p>
-            <a:pPr lvl="2"/>
-            <a:r>
-              <a:rPr kumimoji="1" lang="ja-JP" altLang="en-US" dirty="0"/>
-              <a:t>３文以上からなる複文は常に禁止</a:t>
-            </a:r>
-            <a:endParaRPr kumimoji="1" lang="en-US" altLang="ja-JP" dirty="0"/>
-          </a:p>
-          <a:p>
-            <a:r>
-              <a:rPr kumimoji="1" lang="ja-JP" altLang="en-US" dirty="0"/>
-              <a:t>同様の理由により，長い修飾節を持った文も使わない</a:t>
-            </a:r>
-            <a:endParaRPr kumimoji="1" lang="en-US" altLang="ja-JP" dirty="0"/>
-          </a:p>
-          <a:p>
-            <a:pPr lvl="1"/>
-            <a:r>
-              <a:rPr kumimoji="1" lang="ja-JP" altLang="en-US" dirty="0"/>
-              <a:t>長くなってしまう場合は，インデントをしてぶら下げると良い</a:t>
-            </a:r>
-            <a:endParaRPr kumimoji="1" lang="en-US" altLang="ja-JP" dirty="0"/>
-          </a:p>
-          <a:p>
-            <a:r>
-              <a:rPr kumimoji="1" lang="ja-JP" altLang="en-US" dirty="0"/>
-              <a:t>一つの項目にぶら下げる項目は３つまで</a:t>
-            </a:r>
-            <a:endParaRPr kumimoji="1" lang="en-US" altLang="ja-JP" dirty="0"/>
-          </a:p>
-          <a:p>
-            <a:pPr lvl="1"/>
-            <a:r>
-              <a:rPr kumimoji="1" lang="ja-JP" altLang="en-US" dirty="0"/>
-              <a:t>４つ以上の項目が同じレベルに並んでいる場合は，それらをインデントにまとめる</a:t>
-            </a:r>
-            <a:endParaRPr kumimoji="1" lang="en-US" altLang="ja-JP" dirty="0"/>
-          </a:p>
-          <a:p>
-            <a:pPr lvl="1"/>
-            <a:r>
-              <a:rPr kumimoji="1" lang="ja-JP" altLang="en-US" dirty="0"/>
-              <a:t>３つより多いと関係が曖昧になるし，理解しづらい</a:t>
-            </a:r>
-            <a:endParaRPr kumimoji="1" lang="en-US" altLang="ja-JP" dirty="0"/>
+              <a:t>箇条書きを作る上でのポイント</a:t>
+            </a:r>
           </a:p>
         </p:txBody>
       </p:sp>
     </p:spTree>
     <p:extLst>
       <p:ext uri="{BB962C8B-B14F-4D97-AF65-F5344CB8AC3E}">
-        <p14:creationId xmlns:p14="http://schemas.microsoft.com/office/powerpoint/2010/main" val="2930707725"/>
+        <p14:creationId xmlns:p14="http://schemas.microsoft.com/office/powerpoint/2010/main" val="4293421149"/>
       </p:ext>
     </p:extLst>
   </p:cSld>
@@ -6480,7 +6566,7 @@
             <a:pPr lvl="1"/>
             <a:r>
               <a:rPr kumimoji="1" lang="ja-JP" altLang="en-US" dirty="0"/>
-              <a:t>親の何であるのかを属性としてつける</a:t>
+              <a:t>子は親の何であるのかを属性としてつけると，確認がしやすい</a:t>
             </a:r>
             <a:endParaRPr kumimoji="1" lang="en-US" altLang="ja-JP" dirty="0"/>
           </a:p>
@@ -6612,7 +6698,7 @@
           <p:cNvPr id="2" name="タイトル 1">
             <a:extLst>
               <a:ext uri="{FF2B5EF4-FFF2-40B4-BE49-F238E27FC236}">
-                <a16:creationId xmlns:a16="http://schemas.microsoft.com/office/drawing/2014/main" id="{18633F85-70F7-1520-347A-55817D433DB1}"/>
+                <a16:creationId xmlns:a16="http://schemas.microsoft.com/office/drawing/2014/main" id="{5DE9EB6D-DB2F-3B8D-2437-AD77ADB2FF9E}"/>
               </a:ext>
             </a:extLst>
           </p:cNvPr>
@@ -6630,7 +6716,7 @@
           <a:p>
             <a:r>
               <a:rPr kumimoji="1" lang="ja-JP" altLang="en-US" dirty="0"/>
-              <a:t>箇条書きの親子関係における「階段」</a:t>
+              <a:t>箇条書きを作る際の形式上の注意</a:t>
             </a:r>
           </a:p>
         </p:txBody>
@@ -6640,7 +6726,7 @@
           <p:cNvPr id="3" name="テキスト プレースホルダー 2">
             <a:extLst>
               <a:ext uri="{FF2B5EF4-FFF2-40B4-BE49-F238E27FC236}">
-                <a16:creationId xmlns:a16="http://schemas.microsoft.com/office/drawing/2014/main" id="{5BFE0EBB-6CB2-FCEF-7A6E-3613D8524427}"/>
+                <a16:creationId xmlns:a16="http://schemas.microsoft.com/office/drawing/2014/main" id="{18D77FC6-6ACE-F5A6-179B-013437541EA6}"/>
               </a:ext>
             </a:extLst>
           </p:cNvPr>
@@ -6657,181 +6743,95 @@
           <a:lstStyle/>
           <a:p>
             <a:r>
-              <a:rPr kumimoji="1" lang="en-US" altLang="ja-JP" sz="1800" dirty="0"/>
-              <a:t>A </a:t>
-            </a:r>
-            <a:r>
-              <a:rPr kumimoji="1" lang="ja-JP" altLang="en-US" sz="1800" dirty="0"/>
-              <a:t>→ </a:t>
-            </a:r>
-            <a:r>
-              <a:rPr kumimoji="1" lang="en-US" altLang="ja-JP" sz="1800" dirty="0"/>
-              <a:t>B </a:t>
-            </a:r>
-            <a:r>
-              <a:rPr kumimoji="1" lang="ja-JP" altLang="en-US" sz="1800" dirty="0"/>
-              <a:t>→ </a:t>
-            </a:r>
-            <a:r>
-              <a:rPr kumimoji="1" lang="en-US" altLang="ja-JP" sz="1800" dirty="0"/>
-              <a:t>C </a:t>
-            </a:r>
-            <a:r>
-              <a:rPr kumimoji="1" lang="ja-JP" altLang="en-US" sz="1800" dirty="0"/>
-              <a:t>のような演繹の関係を下のような「階段」のような箇条書きにしてしまいがちだが，これは良くない</a:t>
-            </a:r>
-            <a:endParaRPr kumimoji="1" lang="en-US" altLang="ja-JP" sz="1800" dirty="0"/>
+              <a:rPr kumimoji="1" lang="ja-JP" altLang="en-US" dirty="0">
+                <a:solidFill>
+                  <a:schemeClr val="accent5"/>
+                </a:solidFill>
+              </a:rPr>
+              <a:t>複文を使うのは原則禁止</a:t>
+            </a:r>
+            <a:endParaRPr kumimoji="1" lang="en-US" altLang="ja-JP" dirty="0">
+              <a:solidFill>
+                <a:schemeClr val="accent5"/>
+              </a:solidFill>
+            </a:endParaRPr>
           </a:p>
           <a:p>
             <a:pPr lvl="1"/>
             <a:r>
-              <a:rPr kumimoji="1" lang="ja-JP" altLang="en-US" sz="1800" dirty="0"/>
-              <a:t>（親子関係は基本的に 概要</a:t>
-            </a:r>
-            <a:r>
-              <a:rPr kumimoji="1" lang="en-US" altLang="ja-JP" sz="1800" dirty="0"/>
-              <a:t>&lt;-&gt;</a:t>
-            </a:r>
-            <a:r>
-              <a:rPr kumimoji="1" lang="ja-JP" altLang="en-US" sz="1800" dirty="0"/>
-              <a:t>詳細 を表すもの）</a:t>
-            </a:r>
-            <a:br>
-              <a:rPr kumimoji="1" lang="en-US" altLang="ja-JP" sz="1800" dirty="0"/>
-            </a:br>
-            <a:endParaRPr kumimoji="1" lang="en-US" altLang="ja-JP" sz="1800" dirty="0"/>
+              <a:rPr kumimoji="1" lang="ja-JP" altLang="en-US" dirty="0"/>
+              <a:t>複数の文を繋げて１つの文にしてしまうと，関係が良くわからなくなりがち</a:t>
+            </a:r>
+            <a:endParaRPr kumimoji="1" lang="en-US" altLang="ja-JP" dirty="0"/>
           </a:p>
           <a:p>
             <a:pPr lvl="1"/>
             <a:r>
-              <a:rPr kumimoji="1" lang="en-US" altLang="ja-JP" sz="1800" dirty="0"/>
-              <a:t>A</a:t>
-            </a:r>
-            <a:r>
-              <a:rPr kumimoji="1" lang="ja-JP" altLang="en-US" sz="1800" dirty="0"/>
-              <a:t>：～</a:t>
-            </a:r>
-            <a:endParaRPr kumimoji="1" lang="en-US" altLang="ja-JP" sz="1800" dirty="0"/>
+              <a:rPr kumimoji="1" lang="ja-JP" altLang="en-US" dirty="0"/>
+              <a:t>最初は単文のみで作る</a:t>
+            </a:r>
+            <a:endParaRPr kumimoji="1" lang="en-US" altLang="ja-JP" dirty="0"/>
           </a:p>
           <a:p>
             <a:pPr lvl="2"/>
             <a:r>
-              <a:rPr kumimoji="1" lang="en-US" altLang="ja-JP" sz="1800" dirty="0"/>
-              <a:t>B</a:t>
-            </a:r>
-            <a:r>
-              <a:rPr kumimoji="1" lang="ja-JP" altLang="en-US" sz="1800" dirty="0"/>
-              <a:t>：～</a:t>
-            </a:r>
-          </a:p>
-          <a:p>
-            <a:pPr lvl="3"/>
-            <a:r>
-              <a:rPr kumimoji="1" lang="en-US" altLang="ja-JP" sz="1800" dirty="0"/>
-              <a:t>C</a:t>
-            </a:r>
-            <a:r>
-              <a:rPr kumimoji="1" lang="ja-JP" altLang="en-US" sz="1800" dirty="0"/>
-              <a:t>：～</a:t>
-            </a:r>
-            <a:endParaRPr kumimoji="1" lang="en-US" altLang="ja-JP" sz="1800" dirty="0"/>
-          </a:p>
-          <a:p>
-            <a:r>
-              <a:rPr kumimoji="1" lang="ja-JP" altLang="en-US" sz="1800" dirty="0"/>
-              <a:t>このような場合は </a:t>
-            </a:r>
-            <a:r>
-              <a:rPr kumimoji="1" lang="en-US" altLang="ja-JP" sz="1800" dirty="0"/>
-              <a:t>A </a:t>
-            </a:r>
-            <a:r>
-              <a:rPr kumimoji="1" lang="ja-JP" altLang="en-US" sz="1800" dirty="0"/>
-              <a:t>→ </a:t>
-            </a:r>
-            <a:r>
-              <a:rPr kumimoji="1" lang="en-US" altLang="ja-JP" sz="1800" dirty="0"/>
-              <a:t>B </a:t>
-            </a:r>
-            <a:r>
-              <a:rPr kumimoji="1" lang="ja-JP" altLang="en-US" sz="1800" dirty="0"/>
-              <a:t>→ </a:t>
-            </a:r>
-            <a:r>
-              <a:rPr kumimoji="1" lang="en-US" altLang="ja-JP" sz="1800" dirty="0"/>
-              <a:t>C </a:t>
-            </a:r>
-            <a:r>
-              <a:rPr kumimoji="1" lang="ja-JP" altLang="en-US" sz="1800" dirty="0"/>
-              <a:t>の主張を一言にまとめたものを（</a:t>
-            </a:r>
-            <a:r>
-              <a:rPr kumimoji="1" lang="en-US" altLang="ja-JP" sz="1800" dirty="0"/>
-              <a:t>X</a:t>
-            </a:r>
-            <a:r>
-              <a:rPr kumimoji="1" lang="ja-JP" altLang="en-US" sz="1800" dirty="0"/>
-              <a:t>）を作り，その下にぶらさげる</a:t>
-            </a:r>
-            <a:br>
-              <a:rPr kumimoji="1" lang="en-US" altLang="ja-JP" sz="1800" dirty="0"/>
-            </a:br>
-            <a:endParaRPr kumimoji="1" lang="en-US" altLang="ja-JP" sz="1800" dirty="0"/>
+              <a:rPr kumimoji="1" lang="ja-JP" altLang="en-US" dirty="0"/>
+              <a:t>どうしても複文を入れる場合は，１行に収まる長さまで</a:t>
+            </a:r>
+            <a:endParaRPr kumimoji="1" lang="en-US" altLang="ja-JP" dirty="0"/>
+          </a:p>
+          <a:p>
+            <a:pPr lvl="2"/>
+            <a:r>
+              <a:rPr kumimoji="1" lang="ja-JP" altLang="en-US" dirty="0"/>
+              <a:t>３文以上からなる複文は常に禁止</a:t>
+            </a:r>
+            <a:endParaRPr kumimoji="1" lang="en-US" altLang="ja-JP" dirty="0"/>
+          </a:p>
+          <a:p>
+            <a:r>
+              <a:rPr kumimoji="1" lang="ja-JP" altLang="en-US" dirty="0"/>
+              <a:t>同様の理由により，長い修飾節を持った文も使わない</a:t>
+            </a:r>
+            <a:endParaRPr kumimoji="1" lang="en-US" altLang="ja-JP" dirty="0"/>
           </a:p>
           <a:p>
             <a:pPr lvl="1"/>
             <a:r>
-              <a:rPr kumimoji="1" lang="en-US" altLang="ja-JP" sz="1800" dirty="0"/>
-              <a:t>X</a:t>
-            </a:r>
-            <a:r>
-              <a:rPr kumimoji="1" lang="ja-JP" altLang="en-US" sz="1800" dirty="0"/>
-              <a:t>：</a:t>
-            </a:r>
-            <a:endParaRPr kumimoji="1" lang="en-US" altLang="ja-JP" sz="1800" dirty="0"/>
-          </a:p>
-          <a:p>
-            <a:pPr lvl="2"/>
-            <a:r>
-              <a:rPr lang="en-US" altLang="ja-JP" sz="1800" dirty="0"/>
-              <a:t>A</a:t>
-            </a:r>
-            <a:r>
-              <a:rPr lang="ja-JP" altLang="en-US" sz="1800" dirty="0"/>
-              <a:t>：～</a:t>
-            </a:r>
-            <a:endParaRPr lang="en-US" altLang="ja-JP" sz="1800" dirty="0"/>
-          </a:p>
-          <a:p>
-            <a:pPr lvl="2"/>
-            <a:r>
-              <a:rPr lang="en-US" altLang="ja-JP" sz="1800" dirty="0"/>
-              <a:t>B</a:t>
-            </a:r>
-            <a:r>
-              <a:rPr lang="ja-JP" altLang="en-US" sz="1800" dirty="0"/>
-              <a:t>：～</a:t>
-            </a:r>
-            <a:endParaRPr lang="en-US" altLang="ja-JP" sz="1800" dirty="0"/>
-          </a:p>
-          <a:p>
-            <a:pPr lvl="2"/>
-            <a:r>
-              <a:rPr lang="en-US" altLang="ja-JP" sz="1800" dirty="0"/>
-              <a:t>C</a:t>
-            </a:r>
-            <a:r>
-              <a:rPr lang="ja-JP" altLang="en-US" sz="1800" dirty="0"/>
-              <a:t>：～</a:t>
-            </a:r>
-            <a:endParaRPr kumimoji="1" lang="en-US" altLang="ja-JP" sz="1800" dirty="0"/>
+              <a:rPr kumimoji="1" lang="ja-JP" altLang="en-US" dirty="0"/>
+              <a:t>長くなってしまう場合は，インデントをしてぶら下げると良い</a:t>
+            </a:r>
+            <a:endParaRPr kumimoji="1" lang="en-US" altLang="ja-JP" dirty="0"/>
+          </a:p>
+          <a:p>
+            <a:r>
+              <a:rPr kumimoji="1" lang="ja-JP" altLang="en-US" dirty="0"/>
+              <a:t>一つの項目にぶら下げる項目は３つまで</a:t>
+            </a:r>
+            <a:endParaRPr kumimoji="1" lang="en-US" altLang="ja-JP" dirty="0"/>
+          </a:p>
+          <a:p>
+            <a:pPr lvl="1"/>
+            <a:r>
+              <a:rPr kumimoji="1" lang="ja-JP" altLang="en-US" dirty="0"/>
+              <a:t>４つ以上の項目が同じレベルに並んでいる場合は，それらをインデントにまとめる</a:t>
+            </a:r>
+            <a:endParaRPr kumimoji="1" lang="en-US" altLang="ja-JP" dirty="0"/>
+          </a:p>
+          <a:p>
+            <a:pPr lvl="1"/>
+            <a:r>
+              <a:rPr kumimoji="1" lang="ja-JP" altLang="en-US" dirty="0"/>
+              <a:t>３つより多いと関係が曖昧になるし，理解しづらい</a:t>
+            </a:r>
+            <a:endParaRPr kumimoji="1" lang="en-US" altLang="ja-JP" dirty="0"/>
           </a:p>
         </p:txBody>
       </p:sp>
     </p:spTree>
     <p:extLst>
       <p:ext uri="{BB962C8B-B14F-4D97-AF65-F5344CB8AC3E}">
-        <p14:creationId xmlns:p14="http://schemas.microsoft.com/office/powerpoint/2010/main" val="383915911"/>
+        <p14:creationId xmlns:p14="http://schemas.microsoft.com/office/powerpoint/2010/main" val="2930707725"/>
       </p:ext>
     </p:extLst>
   </p:cSld>
@@ -6889,42 +6889,7 @@
           <a:p>
             <a:r>
               <a:rPr kumimoji="1" lang="ja-JP" altLang="en-US" dirty="0"/>
-              <a:t>演繹の関係にある要素の書き換えの例</a:t>
-            </a:r>
-            <a:br>
-              <a:rPr kumimoji="1" lang="en-US" altLang="ja-JP" dirty="0"/>
-            </a:br>
-            <a:r>
-              <a:rPr kumimoji="1" lang="en-US" altLang="ja-JP" sz="2000" dirty="0"/>
-              <a:t>A</a:t>
-            </a:r>
-            <a:r>
-              <a:rPr kumimoji="1" lang="ja-JP" altLang="en-US" sz="2000" dirty="0"/>
-              <a:t>→</a:t>
-            </a:r>
-            <a:r>
-              <a:rPr kumimoji="1" lang="en-US" altLang="ja-JP" sz="2000" dirty="0"/>
-              <a:t>B</a:t>
-            </a:r>
-            <a:r>
-              <a:rPr kumimoji="1" lang="ja-JP" altLang="en-US" sz="2000" dirty="0"/>
-              <a:t>→</a:t>
-            </a:r>
-            <a:r>
-              <a:rPr kumimoji="1" lang="en-US" altLang="ja-JP" sz="2000" dirty="0"/>
-              <a:t>C </a:t>
-            </a:r>
-            <a:r>
-              <a:rPr kumimoji="1" lang="ja-JP" altLang="en-US" sz="2000" dirty="0"/>
-              <a:t>を </a:t>
-            </a:r>
-            <a:r>
-              <a:rPr kumimoji="1" lang="en-US" altLang="ja-JP" sz="2000" dirty="0"/>
-              <a:t>X </a:t>
-            </a:r>
-            <a:r>
-              <a:rPr kumimoji="1" lang="ja-JP" altLang="en-US" sz="2000" dirty="0"/>
-              <a:t>の下に展開</a:t>
+              <a:t>箇条書きの親子関係における「階段」</a:t>
             </a:r>
           </a:p>
         </p:txBody>
@@ -6952,33 +6917,43 @@
           <a:p>
             <a:r>
               <a:rPr kumimoji="1" lang="en-US" altLang="ja-JP" sz="1800" dirty="0"/>
-              <a:t>A</a:t>
+              <a:t>A </a:t>
             </a:r>
             <a:r>
               <a:rPr kumimoji="1" lang="ja-JP" altLang="en-US" sz="1800" dirty="0"/>
-              <a:t>：人間の脳の一時記憶の大きさには限りがある</a:t>
-            </a:r>
+              <a:t>→ </a:t>
+            </a:r>
+            <a:r>
+              <a:rPr kumimoji="1" lang="en-US" altLang="ja-JP" sz="1800" dirty="0"/>
+              <a:t>B </a:t>
+            </a:r>
+            <a:r>
+              <a:rPr kumimoji="1" lang="ja-JP" altLang="en-US" sz="1800" dirty="0"/>
+              <a:t>→ </a:t>
+            </a:r>
+            <a:r>
+              <a:rPr kumimoji="1" lang="en-US" altLang="ja-JP" sz="1800" dirty="0"/>
+              <a:t>C </a:t>
+            </a:r>
+            <a:r>
+              <a:rPr kumimoji="1" lang="ja-JP" altLang="en-US" sz="1800" dirty="0"/>
+              <a:t>のような演繹の関係を下のような「階段」のような箇条書きにしてしまいがちだが，これは良くない</a:t>
+            </a:r>
+            <a:endParaRPr kumimoji="1" lang="en-US" altLang="ja-JP" sz="1800" dirty="0"/>
           </a:p>
           <a:p>
             <a:pPr lvl="1"/>
             <a:r>
+              <a:rPr kumimoji="1" lang="ja-JP" altLang="en-US" sz="1800" dirty="0"/>
+              <a:t>（親子関係は基本的に 概要</a:t>
+            </a:r>
+            <a:r>
               <a:rPr kumimoji="1" lang="en-US" altLang="ja-JP" sz="1800" dirty="0"/>
-              <a:t>B</a:t>
+              <a:t>&lt;-&gt;</a:t>
             </a:r>
             <a:r>
               <a:rPr kumimoji="1" lang="ja-JP" altLang="en-US" sz="1800" dirty="0"/>
-              <a:t>：このため，人間は５～７個以上の事柄を一度に把握できない</a:t>
-            </a:r>
-          </a:p>
-          <a:p>
-            <a:pPr lvl="2"/>
-            <a:r>
-              <a:rPr kumimoji="1" lang="en-US" altLang="ja-JP" sz="1800" dirty="0"/>
-              <a:t>C</a:t>
-            </a:r>
-            <a:r>
-              <a:rPr kumimoji="1" lang="ja-JP" altLang="en-US" sz="1800" dirty="0"/>
-              <a:t>：したがって，余裕を持って３個程度以内にするのがよい</a:t>
+              <a:t>詳細 を表すもの）</a:t>
             </a:r>
             <a:br>
               <a:rPr kumimoji="1" lang="en-US" altLang="ja-JP" sz="1800" dirty="0"/>
@@ -6986,46 +6961,127 @@
             <a:endParaRPr kumimoji="1" lang="en-US" altLang="ja-JP" sz="1800" dirty="0"/>
           </a:p>
           <a:p>
+            <a:pPr lvl="1"/>
+            <a:r>
+              <a:rPr kumimoji="1" lang="en-US" altLang="ja-JP" sz="1800" dirty="0"/>
+              <a:t>A</a:t>
+            </a:r>
+            <a:r>
+              <a:rPr kumimoji="1" lang="ja-JP" altLang="en-US" sz="1800" dirty="0"/>
+              <a:t>：～</a:t>
+            </a:r>
+            <a:endParaRPr kumimoji="1" lang="en-US" altLang="ja-JP" sz="1800" dirty="0"/>
+          </a:p>
+          <a:p>
+            <a:pPr lvl="2"/>
+            <a:r>
+              <a:rPr kumimoji="1" lang="en-US" altLang="ja-JP" sz="1800" dirty="0"/>
+              <a:t>B</a:t>
+            </a:r>
+            <a:r>
+              <a:rPr kumimoji="1" lang="ja-JP" altLang="en-US" sz="1800" dirty="0"/>
+              <a:t>：～</a:t>
+            </a:r>
+          </a:p>
+          <a:p>
+            <a:pPr lvl="3"/>
+            <a:r>
+              <a:rPr kumimoji="1" lang="en-US" altLang="ja-JP" sz="1800" dirty="0"/>
+              <a:t>C</a:t>
+            </a:r>
+            <a:r>
+              <a:rPr kumimoji="1" lang="ja-JP" altLang="en-US" sz="1800" dirty="0"/>
+              <a:t>：～</a:t>
+            </a:r>
+            <a:endParaRPr kumimoji="1" lang="en-US" altLang="ja-JP" sz="1800" dirty="0"/>
+          </a:p>
+          <a:p>
+            <a:r>
+              <a:rPr kumimoji="1" lang="ja-JP" altLang="en-US" sz="1800" dirty="0"/>
+              <a:t>このような場合は </a:t>
+            </a:r>
+            <a:r>
+              <a:rPr kumimoji="1" lang="en-US" altLang="ja-JP" sz="1800" dirty="0"/>
+              <a:t>A </a:t>
+            </a:r>
+            <a:r>
+              <a:rPr kumimoji="1" lang="ja-JP" altLang="en-US" sz="1800" dirty="0"/>
+              <a:t>→ </a:t>
+            </a:r>
+            <a:r>
+              <a:rPr kumimoji="1" lang="en-US" altLang="ja-JP" sz="1800" dirty="0"/>
+              <a:t>B </a:t>
+            </a:r>
+            <a:r>
+              <a:rPr kumimoji="1" lang="ja-JP" altLang="en-US" sz="1800" dirty="0"/>
+              <a:t>→ </a:t>
+            </a:r>
+            <a:r>
+              <a:rPr kumimoji="1" lang="en-US" altLang="ja-JP" sz="1800" dirty="0"/>
+              <a:t>C </a:t>
+            </a:r>
+            <a:r>
+              <a:rPr kumimoji="1" lang="ja-JP" altLang="en-US" sz="1800" dirty="0"/>
+              <a:t>の主張を一言にまとめたものを（</a:t>
+            </a:r>
             <a:r>
               <a:rPr kumimoji="1" lang="en-US" altLang="ja-JP" sz="1800" dirty="0"/>
               <a:t>X</a:t>
             </a:r>
             <a:r>
               <a:rPr kumimoji="1" lang="ja-JP" altLang="en-US" sz="1800" dirty="0"/>
-              <a:t>：１項目にぶら下げる項目の数は少なめにする</a:t>
-            </a:r>
+              <a:t>）を作り，その下にぶらさげる</a:t>
+            </a:r>
+            <a:br>
+              <a:rPr kumimoji="1" lang="en-US" altLang="ja-JP" sz="1800" dirty="0"/>
+            </a:br>
+            <a:endParaRPr kumimoji="1" lang="en-US" altLang="ja-JP" sz="1800" dirty="0"/>
           </a:p>
           <a:p>
             <a:pPr lvl="1"/>
             <a:r>
               <a:rPr kumimoji="1" lang="en-US" altLang="ja-JP" sz="1800" dirty="0"/>
+              <a:t>X</a:t>
+            </a:r>
+            <a:r>
+              <a:rPr kumimoji="1" lang="ja-JP" altLang="en-US" sz="1800" dirty="0"/>
+              <a:t>：</a:t>
+            </a:r>
+            <a:endParaRPr kumimoji="1" lang="en-US" altLang="ja-JP" sz="1800" dirty="0"/>
+          </a:p>
+          <a:p>
+            <a:pPr lvl="2"/>
+            <a:r>
+              <a:rPr lang="en-US" altLang="ja-JP" sz="1800" dirty="0"/>
               <a:t>A</a:t>
             </a:r>
             <a:r>
-              <a:rPr kumimoji="1" lang="ja-JP" altLang="en-US" sz="1800" dirty="0"/>
-              <a:t>：人間の脳の一時記憶の大きさには限りがある</a:t>
-            </a:r>
-          </a:p>
-          <a:p>
-            <a:pPr lvl="1"/>
-            <a:r>
-              <a:rPr kumimoji="1" lang="en-US" altLang="ja-JP" sz="1800" dirty="0"/>
+              <a:rPr lang="ja-JP" altLang="en-US" sz="1800" dirty="0"/>
+              <a:t>：～</a:t>
+            </a:r>
+            <a:endParaRPr lang="en-US" altLang="ja-JP" sz="1800" dirty="0"/>
+          </a:p>
+          <a:p>
+            <a:pPr lvl="2"/>
+            <a:r>
+              <a:rPr lang="en-US" altLang="ja-JP" sz="1800" dirty="0"/>
               <a:t>B</a:t>
             </a:r>
             <a:r>
-              <a:rPr kumimoji="1" lang="ja-JP" altLang="en-US" sz="1800" dirty="0"/>
-              <a:t>：このため，人間は５～７個以上の事柄を一度に把握できない</a:t>
-            </a:r>
-          </a:p>
-          <a:p>
-            <a:pPr lvl="1"/>
-            <a:r>
-              <a:rPr kumimoji="1" lang="en-US" altLang="ja-JP" sz="1800" dirty="0"/>
+              <a:rPr lang="ja-JP" altLang="en-US" sz="1800" dirty="0"/>
+              <a:t>：～</a:t>
+            </a:r>
+            <a:endParaRPr lang="en-US" altLang="ja-JP" sz="1800" dirty="0"/>
+          </a:p>
+          <a:p>
+            <a:pPr lvl="2"/>
+            <a:r>
+              <a:rPr lang="en-US" altLang="ja-JP" sz="1800" dirty="0"/>
               <a:t>C</a:t>
             </a:r>
             <a:r>
-              <a:rPr kumimoji="1" lang="ja-JP" altLang="en-US" sz="1800" dirty="0"/>
-              <a:t>：したがって，余裕を持って３個程度以内にするのがよい</a:t>
+              <a:rPr lang="ja-JP" altLang="en-US" sz="1800" dirty="0"/>
+              <a:t>：～</a:t>
             </a:r>
             <a:endParaRPr kumimoji="1" lang="en-US" altLang="ja-JP" sz="1800" dirty="0"/>
           </a:p>
@@ -7034,7 +7090,7 @@
     </p:spTree>
     <p:extLst>
       <p:ext uri="{BB962C8B-B14F-4D97-AF65-F5344CB8AC3E}">
-        <p14:creationId xmlns:p14="http://schemas.microsoft.com/office/powerpoint/2010/main" val="2952692009"/>
+        <p14:creationId xmlns:p14="http://schemas.microsoft.com/office/powerpoint/2010/main" val="383915911"/>
       </p:ext>
     </p:extLst>
   </p:cSld>
@@ -7126,6 +7182,209 @@
           <p:cNvPr id="2" name="タイトル 1">
             <a:extLst>
               <a:ext uri="{FF2B5EF4-FFF2-40B4-BE49-F238E27FC236}">
+                <a16:creationId xmlns:a16="http://schemas.microsoft.com/office/drawing/2014/main" id="{18633F85-70F7-1520-347A-55817D433DB1}"/>
+              </a:ext>
+            </a:extLst>
+          </p:cNvPr>
+          <p:cNvSpPr>
+            <a:spLocks noGrp="1"/>
+          </p:cNvSpPr>
+          <p:nvPr>
+            <p:ph type="title"/>
+          </p:nvPr>
+        </p:nvSpPr>
+        <p:spPr/>
+        <p:txBody>
+          <a:bodyPr/>
+          <a:lstStyle/>
+          <a:p>
+            <a:r>
+              <a:rPr kumimoji="1" lang="ja-JP" altLang="en-US" dirty="0"/>
+              <a:t>演繹の関係にある要素の書き換えの例</a:t>
+            </a:r>
+            <a:br>
+              <a:rPr kumimoji="1" lang="en-US" altLang="ja-JP" dirty="0"/>
+            </a:br>
+            <a:r>
+              <a:rPr kumimoji="1" lang="en-US" altLang="ja-JP" sz="2000" dirty="0"/>
+              <a:t>A</a:t>
+            </a:r>
+            <a:r>
+              <a:rPr kumimoji="1" lang="ja-JP" altLang="en-US" sz="2000" dirty="0"/>
+              <a:t>→</a:t>
+            </a:r>
+            <a:r>
+              <a:rPr kumimoji="1" lang="en-US" altLang="ja-JP" sz="2000" dirty="0"/>
+              <a:t>B</a:t>
+            </a:r>
+            <a:r>
+              <a:rPr kumimoji="1" lang="ja-JP" altLang="en-US" sz="2000" dirty="0"/>
+              <a:t>→</a:t>
+            </a:r>
+            <a:r>
+              <a:rPr kumimoji="1" lang="en-US" altLang="ja-JP" sz="2000" dirty="0"/>
+              <a:t>C </a:t>
+            </a:r>
+            <a:r>
+              <a:rPr kumimoji="1" lang="ja-JP" altLang="en-US" sz="2000" dirty="0"/>
+              <a:t>を </a:t>
+            </a:r>
+            <a:r>
+              <a:rPr kumimoji="1" lang="en-US" altLang="ja-JP" sz="2000" dirty="0"/>
+              <a:t>X </a:t>
+            </a:r>
+            <a:r>
+              <a:rPr kumimoji="1" lang="ja-JP" altLang="en-US" sz="2000" dirty="0"/>
+              <a:t>の下に展開</a:t>
+            </a:r>
+          </a:p>
+        </p:txBody>
+      </p:sp>
+      <p:sp>
+        <p:nvSpPr>
+          <p:cNvPr id="3" name="テキスト プレースホルダー 2">
+            <a:extLst>
+              <a:ext uri="{FF2B5EF4-FFF2-40B4-BE49-F238E27FC236}">
+                <a16:creationId xmlns:a16="http://schemas.microsoft.com/office/drawing/2014/main" id="{5BFE0EBB-6CB2-FCEF-7A6E-3613D8524427}"/>
+              </a:ext>
+            </a:extLst>
+          </p:cNvPr>
+          <p:cNvSpPr>
+            <a:spLocks noGrp="1"/>
+          </p:cNvSpPr>
+          <p:nvPr>
+            <p:ph type="body" sz="quarter" idx="10"/>
+          </p:nvPr>
+        </p:nvSpPr>
+        <p:spPr/>
+        <p:txBody>
+          <a:bodyPr/>
+          <a:lstStyle/>
+          <a:p>
+            <a:r>
+              <a:rPr kumimoji="1" lang="en-US" altLang="ja-JP" sz="1800" dirty="0"/>
+              <a:t>A</a:t>
+            </a:r>
+            <a:r>
+              <a:rPr kumimoji="1" lang="ja-JP" altLang="en-US" sz="1800" dirty="0"/>
+              <a:t>：人間の脳の一時記憶の大きさには限りがある</a:t>
+            </a:r>
+          </a:p>
+          <a:p>
+            <a:pPr lvl="1"/>
+            <a:r>
+              <a:rPr kumimoji="1" lang="en-US" altLang="ja-JP" sz="1800" dirty="0"/>
+              <a:t>B</a:t>
+            </a:r>
+            <a:r>
+              <a:rPr kumimoji="1" lang="ja-JP" altLang="en-US" sz="1800" dirty="0"/>
+              <a:t>：このため，人間は５～７個以上の事柄を一度に把握できない</a:t>
+            </a:r>
+          </a:p>
+          <a:p>
+            <a:pPr lvl="2"/>
+            <a:r>
+              <a:rPr kumimoji="1" lang="en-US" altLang="ja-JP" sz="1800" dirty="0"/>
+              <a:t>C</a:t>
+            </a:r>
+            <a:r>
+              <a:rPr kumimoji="1" lang="ja-JP" altLang="en-US" sz="1800" dirty="0"/>
+              <a:t>：したがって，余裕を持って３個程度以内にするのがよい</a:t>
+            </a:r>
+            <a:br>
+              <a:rPr kumimoji="1" lang="en-US" altLang="ja-JP" sz="1800" dirty="0"/>
+            </a:br>
+            <a:endParaRPr kumimoji="1" lang="en-US" altLang="ja-JP" sz="1800" dirty="0"/>
+          </a:p>
+          <a:p>
+            <a:r>
+              <a:rPr kumimoji="1" lang="en-US" altLang="ja-JP" sz="1800" dirty="0"/>
+              <a:t>X</a:t>
+            </a:r>
+            <a:r>
+              <a:rPr kumimoji="1" lang="ja-JP" altLang="en-US" sz="1800" dirty="0"/>
+              <a:t>：１項目にぶら下げる項目の数は少なめにする</a:t>
+            </a:r>
+          </a:p>
+          <a:p>
+            <a:pPr lvl="1"/>
+            <a:r>
+              <a:rPr kumimoji="1" lang="en-US" altLang="ja-JP" sz="1800" dirty="0"/>
+              <a:t>A</a:t>
+            </a:r>
+            <a:r>
+              <a:rPr kumimoji="1" lang="ja-JP" altLang="en-US" sz="1800" dirty="0"/>
+              <a:t>：人間の脳の一時記憶の大きさには限りがある</a:t>
+            </a:r>
+          </a:p>
+          <a:p>
+            <a:pPr lvl="1"/>
+            <a:r>
+              <a:rPr kumimoji="1" lang="en-US" altLang="ja-JP" sz="1800" dirty="0"/>
+              <a:t>B</a:t>
+            </a:r>
+            <a:r>
+              <a:rPr kumimoji="1" lang="ja-JP" altLang="en-US" sz="1800" dirty="0"/>
+              <a:t>：このため，人間は５～７個以上の事柄を一度に把握できない</a:t>
+            </a:r>
+          </a:p>
+          <a:p>
+            <a:pPr lvl="1"/>
+            <a:r>
+              <a:rPr kumimoji="1" lang="en-US" altLang="ja-JP" sz="1800" dirty="0"/>
+              <a:t>C</a:t>
+            </a:r>
+            <a:r>
+              <a:rPr kumimoji="1" lang="ja-JP" altLang="en-US" sz="1800" dirty="0"/>
+              <a:t>：したがって，余裕を持って３個程度以内にするのがよい</a:t>
+            </a:r>
+            <a:endParaRPr kumimoji="1" lang="en-US" altLang="ja-JP" sz="1800" dirty="0"/>
+          </a:p>
+        </p:txBody>
+      </p:sp>
+    </p:spTree>
+    <p:extLst>
+      <p:ext uri="{BB962C8B-B14F-4D97-AF65-F5344CB8AC3E}">
+        <p14:creationId xmlns:p14="http://schemas.microsoft.com/office/powerpoint/2010/main" val="2952692009"/>
+      </p:ext>
+    </p:extLst>
+  </p:cSld>
+  <p:clrMapOvr>
+    <a:masterClrMapping/>
+  </p:clrMapOvr>
+  <mc:AlternateContent xmlns:mc="http://schemas.openxmlformats.org/markup-compatibility/2006" xmlns:p14="http://schemas.microsoft.com/office/powerpoint/2010/main">
+    <mc:Choice Requires="p14">
+      <p:transition p14:dur="10"/>
+    </mc:Choice>
+    <mc:Fallback xmlns="">
+      <p:transition/>
+    </mc:Fallback>
+  </mc:AlternateContent>
+</p:sld>
+</file>
+
+<file path=ppt/slides/slide31.xml><?xml version="1.0" encoding="utf-8"?>
+<p:sld xmlns:a="http://schemas.openxmlformats.org/drawingml/2006/main" xmlns:r="http://schemas.openxmlformats.org/officeDocument/2006/relationships" xmlns:p="http://schemas.openxmlformats.org/presentationml/2006/main">
+  <p:cSld>
+    <p:spTree>
+      <p:nvGrpSpPr>
+        <p:cNvPr id="1" name=""/>
+        <p:cNvGrpSpPr/>
+        <p:nvPr/>
+      </p:nvGrpSpPr>
+      <p:grpSpPr>
+        <a:xfrm>
+          <a:off x="0" y="0"/>
+          <a:ext cx="0" cy="0"/>
+          <a:chOff x="0" y="0"/>
+          <a:chExt cx="0" cy="0"/>
+        </a:xfrm>
+      </p:grpSpPr>
+      <p:sp>
+        <p:nvSpPr>
+          <p:cNvPr id="2" name="タイトル 1">
+            <a:extLst>
+              <a:ext uri="{FF2B5EF4-FFF2-40B4-BE49-F238E27FC236}">
                 <a16:creationId xmlns:a16="http://schemas.microsoft.com/office/drawing/2014/main" id="{64BB83DF-1CFC-5FD2-B694-21F787AF43F9}"/>
               </a:ext>
             </a:extLst>
@@ -7268,7 +7527,7 @@
 </p:sld>
 </file>
 
-<file path=ppt/slides/slide31.xml><?xml version="1.0" encoding="utf-8"?>
+<file path=ppt/slides/slide32.xml><?xml version="1.0" encoding="utf-8"?>
 <p:sld xmlns:a="http://schemas.openxmlformats.org/drawingml/2006/main" xmlns:r="http://schemas.openxmlformats.org/officeDocument/2006/relationships" xmlns:p="http://schemas.openxmlformats.org/presentationml/2006/main">
   <p:cSld>
     <p:spTree>
@@ -10189,64 +10448,6 @@
 </p:sld>
 </file>
 
-<file path=ppt/slides/slide32.xml><?xml version="1.0" encoding="utf-8"?>
-<p:sld xmlns:a="http://schemas.openxmlformats.org/drawingml/2006/main" xmlns:r="http://schemas.openxmlformats.org/officeDocument/2006/relationships" xmlns:p="http://schemas.openxmlformats.org/presentationml/2006/main">
-  <p:cSld>
-    <p:spTree>
-      <p:nvGrpSpPr>
-        <p:cNvPr id="1" name=""/>
-        <p:cNvGrpSpPr/>
-        <p:nvPr/>
-      </p:nvGrpSpPr>
-      <p:grpSpPr>
-        <a:xfrm>
-          <a:off x="0" y="0"/>
-          <a:ext cx="0" cy="0"/>
-          <a:chOff x="0" y="0"/>
-          <a:chExt cx="0" cy="0"/>
-        </a:xfrm>
-      </p:grpSpPr>
-      <p:sp>
-        <p:nvSpPr>
-          <p:cNvPr id="4" name="タイトル 3">
-            <a:extLst>
-              <a:ext uri="{FF2B5EF4-FFF2-40B4-BE49-F238E27FC236}">
-                <a16:creationId xmlns:a16="http://schemas.microsoft.com/office/drawing/2014/main" id="{84F42E09-269D-6700-69C9-4DCC825C99A7}"/>
-              </a:ext>
-            </a:extLst>
-          </p:cNvPr>
-          <p:cNvSpPr>
-            <a:spLocks noGrp="1"/>
-          </p:cNvSpPr>
-          <p:nvPr>
-            <p:ph type="title"/>
-          </p:nvPr>
-        </p:nvSpPr>
-        <p:spPr/>
-        <p:txBody>
-          <a:bodyPr/>
-          <a:lstStyle/>
-          <a:p>
-            <a:r>
-              <a:rPr lang="ja-JP" altLang="en-US" b="1" dirty="0"/>
-              <a:t>目標規定文</a:t>
-            </a:r>
-          </a:p>
-        </p:txBody>
-      </p:sp>
-    </p:spTree>
-    <p:extLst>
-      <p:ext uri="{BB962C8B-B14F-4D97-AF65-F5344CB8AC3E}">
-        <p14:creationId xmlns:p14="http://schemas.microsoft.com/office/powerpoint/2010/main" val="1222142208"/>
-      </p:ext>
-    </p:extLst>
-  </p:cSld>
-  <p:clrMapOvr>
-    <a:masterClrMapping/>
-  </p:clrMapOvr>
-</p:sld>
-</file>
-
 <file path=ppt/slides/slide33.xml><?xml version="1.0" encoding="utf-8"?>
 <p:sld xmlns:a="http://schemas.openxmlformats.org/drawingml/2006/main" xmlns:r="http://schemas.openxmlformats.org/officeDocument/2006/relationships" xmlns:p="http://schemas.openxmlformats.org/presentationml/2006/main">
   <p:cSld>
@@ -10266,10 +10467,10 @@
       </p:grpSpPr>
       <p:sp>
         <p:nvSpPr>
-          <p:cNvPr id="2" name="タイトル 1">
-            <a:extLst>
-              <a:ext uri="{FF2B5EF4-FFF2-40B4-BE49-F238E27FC236}">
-                <a16:creationId xmlns:a16="http://schemas.microsoft.com/office/drawing/2014/main" id="{3791F58A-EC2D-D89A-CA40-DDF514198B8F}"/>
+          <p:cNvPr id="4" name="タイトル 3">
+            <a:extLst>
+              <a:ext uri="{FF2B5EF4-FFF2-40B4-BE49-F238E27FC236}">
+                <a16:creationId xmlns:a16="http://schemas.microsoft.com/office/drawing/2014/main" id="{84F42E09-269D-6700-69C9-4DCC825C99A7}"/>
               </a:ext>
             </a:extLst>
           </p:cNvPr>
@@ -10286,104 +10487,8 @@
           <a:lstStyle/>
           <a:p>
             <a:r>
-              <a:rPr kumimoji="1" lang="ja-JP" altLang="en-US" dirty="0"/>
+              <a:rPr lang="ja-JP" altLang="en-US" b="1" dirty="0"/>
               <a:t>目標規定文</a:t>
-            </a:r>
-            <a:endParaRPr kumimoji="1" lang="en-US" altLang="ja-JP" dirty="0"/>
-          </a:p>
-        </p:txBody>
-      </p:sp>
-      <p:sp>
-        <p:nvSpPr>
-          <p:cNvPr id="3" name="テキスト プレースホルダー 2">
-            <a:extLst>
-              <a:ext uri="{FF2B5EF4-FFF2-40B4-BE49-F238E27FC236}">
-                <a16:creationId xmlns:a16="http://schemas.microsoft.com/office/drawing/2014/main" id="{CE8C17F2-3701-6FE8-3F1E-E482EBDA33C7}"/>
-              </a:ext>
-            </a:extLst>
-          </p:cNvPr>
-          <p:cNvSpPr>
-            <a:spLocks noGrp="1"/>
-          </p:cNvSpPr>
-          <p:nvPr>
-            <p:ph type="body" sz="quarter" idx="10"/>
-          </p:nvPr>
-        </p:nvSpPr>
-        <p:spPr/>
-        <p:txBody>
-          <a:bodyPr/>
-          <a:lstStyle/>
-          <a:p>
-            <a:r>
-              <a:rPr kumimoji="1" lang="ja-JP" altLang="en-US" dirty="0"/>
-              <a:t>目標規定文</a:t>
-            </a:r>
-            <a:endParaRPr kumimoji="1" lang="en-US" altLang="ja-JP" dirty="0"/>
-          </a:p>
-          <a:p>
-            <a:pPr lvl="1"/>
-            <a:r>
-              <a:rPr kumimoji="1" lang="ja-JP" altLang="en-US" dirty="0"/>
-              <a:t>その文章の主張を</a:t>
-            </a:r>
-            <a:r>
-              <a:rPr kumimoji="1" lang="ja-JP" altLang="en-US" dirty="0">
-                <a:solidFill>
-                  <a:schemeClr val="accent5"/>
-                </a:solidFill>
-              </a:rPr>
-              <a:t>１つの文</a:t>
-            </a:r>
-            <a:r>
-              <a:rPr kumimoji="1" lang="ja-JP" altLang="en-US" dirty="0"/>
-              <a:t>の形にまとめたもの</a:t>
-            </a:r>
-            <a:endParaRPr kumimoji="1" lang="en-US" altLang="ja-JP" dirty="0"/>
-          </a:p>
-          <a:p>
-            <a:pPr lvl="2"/>
-            <a:r>
-              <a:rPr kumimoji="1" lang="ja-JP" altLang="en-US" dirty="0"/>
-              <a:t>目標規定文は「理科系の作文技術」より</a:t>
-            </a:r>
-            <a:endParaRPr kumimoji="1" lang="en-US" altLang="ja-JP" dirty="0"/>
-          </a:p>
-          <a:p>
-            <a:pPr lvl="1"/>
-            <a:r>
-              <a:rPr kumimoji="1" lang="ja-JP" altLang="en-US" dirty="0"/>
-              <a:t>もっとも短い形のプロットとも言える</a:t>
-            </a:r>
-            <a:endParaRPr kumimoji="1" lang="en-US" altLang="ja-JP" dirty="0"/>
-          </a:p>
-          <a:p>
-            <a:r>
-              <a:rPr kumimoji="1" lang="ja-JP" altLang="en-US" dirty="0"/>
-              <a:t>「理科系の作文技術」の説明</a:t>
-            </a:r>
-            <a:endParaRPr kumimoji="1" lang="en-US" altLang="ja-JP" dirty="0"/>
-          </a:p>
-          <a:p>
-            <a:pPr lvl="1"/>
-            <a:r>
-              <a:rPr kumimoji="1" lang="ja-JP" altLang="en-US" dirty="0"/>
-              <a:t>「自分は何を目標としてその文章を書くのか，そこで何を主張しようとするのかを熟考して，それを一つの文にまとめて書いてみることを勧める」</a:t>
-            </a:r>
-            <a:endParaRPr kumimoji="1" lang="en-US" altLang="ja-JP" dirty="0"/>
-          </a:p>
-          <a:p>
-            <a:pPr lvl="1"/>
-            <a:r>
-              <a:rPr kumimoji="1" lang="ja-JP" altLang="en-US" dirty="0"/>
-              <a:t>「主題に関してあることを主張し，または否定しようとする意思を明示した文」（コーベットによる </a:t>
-            </a:r>
-            <a:r>
-              <a:rPr kumimoji="1" lang="en-US" altLang="ja-JP" dirty="0"/>
-              <a:t>thesis </a:t>
-            </a:r>
-            <a:r>
-              <a:rPr kumimoji="1" lang="ja-JP" altLang="en-US" dirty="0"/>
-              <a:t>の説明）</a:t>
             </a:r>
           </a:p>
         </p:txBody>
@@ -10391,21 +10496,13 @@
     </p:spTree>
     <p:extLst>
       <p:ext uri="{BB962C8B-B14F-4D97-AF65-F5344CB8AC3E}">
-        <p14:creationId xmlns:p14="http://schemas.microsoft.com/office/powerpoint/2010/main" val="2967336231"/>
+        <p14:creationId xmlns:p14="http://schemas.microsoft.com/office/powerpoint/2010/main" val="1222142208"/>
       </p:ext>
     </p:extLst>
   </p:cSld>
   <p:clrMapOvr>
     <a:masterClrMapping/>
   </p:clrMapOvr>
-  <mc:AlternateContent xmlns:mc="http://schemas.openxmlformats.org/markup-compatibility/2006" xmlns:p14="http://schemas.microsoft.com/office/powerpoint/2010/main">
-    <mc:Choice Requires="p14">
-      <p:transition p14:dur="10"/>
-    </mc:Choice>
-    <mc:Fallback xmlns="">
-      <p:transition/>
-    </mc:Fallback>
-  </mc:AlternateContent>
 </p:sld>
 </file>
 
@@ -10431,7 +10528,7 @@
           <p:cNvPr id="2" name="タイトル 1">
             <a:extLst>
               <a:ext uri="{FF2B5EF4-FFF2-40B4-BE49-F238E27FC236}">
-                <a16:creationId xmlns:a16="http://schemas.microsoft.com/office/drawing/2014/main" id="{B136B8D4-A45A-E900-4740-4ADDB700695F}"/>
+                <a16:creationId xmlns:a16="http://schemas.microsoft.com/office/drawing/2014/main" id="{3791F58A-EC2D-D89A-CA40-DDF514198B8F}"/>
               </a:ext>
             </a:extLst>
           </p:cNvPr>
@@ -10451,6 +10548,7 @@
               <a:rPr kumimoji="1" lang="ja-JP" altLang="en-US" dirty="0"/>
               <a:t>目標規定文</a:t>
             </a:r>
+            <a:endParaRPr kumimoji="1" lang="en-US" altLang="ja-JP" dirty="0"/>
           </a:p>
         </p:txBody>
       </p:sp>
@@ -10459,7 +10557,7 @@
           <p:cNvPr id="3" name="テキスト プレースホルダー 2">
             <a:extLst>
               <a:ext uri="{FF2B5EF4-FFF2-40B4-BE49-F238E27FC236}">
-                <a16:creationId xmlns:a16="http://schemas.microsoft.com/office/drawing/2014/main" id="{7C58FC4A-17A5-A2DE-03F7-FEC5E8E2DC4D}"/>
+                <a16:creationId xmlns:a16="http://schemas.microsoft.com/office/drawing/2014/main" id="{CE8C17F2-3701-6FE8-3F1E-E482EBDA33C7}"/>
               </a:ext>
             </a:extLst>
           </p:cNvPr>
@@ -10477,7 +10575,7 @@
           <a:p>
             <a:r>
               <a:rPr kumimoji="1" lang="ja-JP" altLang="en-US" dirty="0"/>
-              <a:t>目標からトップダウンに構成を作る</a:t>
+              <a:t>目標規定文</a:t>
             </a:r>
             <a:endParaRPr kumimoji="1" lang="en-US" altLang="ja-JP" dirty="0"/>
           </a:p>
@@ -10485,30 +10583,50 @@
             <a:pPr lvl="1"/>
             <a:r>
               <a:rPr kumimoji="1" lang="ja-JP" altLang="en-US" dirty="0"/>
-              <a:t>目標規定文を作り，その目標に収束するように文章全体の構想を練る</a:t>
+              <a:t>その文章の主張を</a:t>
+            </a:r>
+            <a:r>
+              <a:rPr kumimoji="1" lang="ja-JP" altLang="en-US" dirty="0">
+                <a:solidFill>
+                  <a:schemeClr val="accent5"/>
+                </a:solidFill>
+              </a:rPr>
+              <a:t>１つの文</a:t>
+            </a:r>
+            <a:r>
+              <a:rPr kumimoji="1" lang="ja-JP" altLang="en-US" dirty="0"/>
+              <a:t>の形にまとめたもの</a:t>
             </a:r>
             <a:endParaRPr kumimoji="1" lang="en-US" altLang="ja-JP" dirty="0"/>
           </a:p>
           <a:p>
+            <a:pPr lvl="2"/>
+            <a:r>
+              <a:rPr kumimoji="1" lang="ja-JP" altLang="en-US" dirty="0"/>
+              <a:t>目標規定文は「理科系の作文技術」より</a:t>
+            </a:r>
+            <a:endParaRPr kumimoji="1" lang="en-US" altLang="ja-JP" dirty="0"/>
+          </a:p>
+          <a:p>
             <a:pPr lvl="1"/>
             <a:r>
               <a:rPr kumimoji="1" lang="ja-JP" altLang="en-US" dirty="0"/>
-              <a:t>この目標に繋がる内容のみを全体の構成に残す</a:t>
+              <a:t>もっとも短い形のプロットとも言える</a:t>
             </a:r>
             <a:endParaRPr kumimoji="1" lang="en-US" altLang="ja-JP" dirty="0"/>
           </a:p>
           <a:p>
-            <a:pPr lvl="2"/>
             <a:r>
               <a:rPr kumimoji="1" lang="ja-JP" altLang="en-US" dirty="0"/>
-              <a:t>「関係はしているが，あってもなくても良い」みたいなものは入れてはいけない</a:t>
+              <a:t>「理科系の作文技術」の説明</a:t>
             </a:r>
             <a:endParaRPr kumimoji="1" lang="en-US" altLang="ja-JP" dirty="0"/>
           </a:p>
           <a:p>
+            <a:pPr lvl="1"/>
             <a:r>
               <a:rPr kumimoji="1" lang="ja-JP" altLang="en-US" dirty="0"/>
-              <a:t>主張全体を論理的なツリーとして表した際のルートにあたる</a:t>
+              <a:t>「自分は何を目標としてその文章を書くのか，そこで何を主張しようとするのかを熟考して，それを一つの文にまとめて書いてみることを勧める」</a:t>
             </a:r>
             <a:endParaRPr kumimoji="1" lang="en-US" altLang="ja-JP" dirty="0"/>
           </a:p>
@@ -10516,7 +10634,15 @@
             <a:pPr lvl="1"/>
             <a:r>
               <a:rPr kumimoji="1" lang="ja-JP" altLang="en-US" dirty="0"/>
-              <a:t>これをさらに短くまとめたものがタイトルになる</a:t>
+              <a:t>「主題に関してあることを主張し，または否定しようとする意思を明示した文」（コーベットによる </a:t>
+            </a:r>
+            <a:r>
+              <a:rPr kumimoji="1" lang="en-US" altLang="ja-JP" dirty="0"/>
+              <a:t>thesis </a:t>
+            </a:r>
+            <a:r>
+              <a:rPr kumimoji="1" lang="ja-JP" altLang="en-US" dirty="0"/>
+              <a:t>の説明）</a:t>
             </a:r>
           </a:p>
         </p:txBody>
@@ -10524,7 +10650,7 @@
     </p:spTree>
     <p:extLst>
       <p:ext uri="{BB962C8B-B14F-4D97-AF65-F5344CB8AC3E}">
-        <p14:creationId xmlns:p14="http://schemas.microsoft.com/office/powerpoint/2010/main" val="3839336830"/>
+        <p14:creationId xmlns:p14="http://schemas.microsoft.com/office/powerpoint/2010/main" val="2967336231"/>
       </p:ext>
     </p:extLst>
   </p:cSld>
@@ -10564,7 +10690,7 @@
           <p:cNvPr id="2" name="タイトル 1">
             <a:extLst>
               <a:ext uri="{FF2B5EF4-FFF2-40B4-BE49-F238E27FC236}">
-                <a16:creationId xmlns:a16="http://schemas.microsoft.com/office/drawing/2014/main" id="{D4345327-D154-8FE3-0EEE-96EFAAA82DEF}"/>
+                <a16:creationId xmlns:a16="http://schemas.microsoft.com/office/drawing/2014/main" id="{B136B8D4-A45A-E900-4740-4ADDB700695F}"/>
               </a:ext>
             </a:extLst>
           </p:cNvPr>
@@ -10582,7 +10708,7 @@
           <a:p>
             <a:r>
               <a:rPr kumimoji="1" lang="ja-JP" altLang="en-US" dirty="0"/>
-              <a:t>３点プロットと目標規定文の関係</a:t>
+              <a:t>目標規定文</a:t>
             </a:r>
           </a:p>
         </p:txBody>
@@ -10592,7 +10718,7 @@
           <p:cNvPr id="3" name="テキスト プレースホルダー 2">
             <a:extLst>
               <a:ext uri="{FF2B5EF4-FFF2-40B4-BE49-F238E27FC236}">
-                <a16:creationId xmlns:a16="http://schemas.microsoft.com/office/drawing/2014/main" id="{FF0B682A-46CB-4093-1B0E-581FD7CB3A90}"/>
+                <a16:creationId xmlns:a16="http://schemas.microsoft.com/office/drawing/2014/main" id="{7C58FC4A-17A5-A2DE-03F7-FEC5E8E2DC4D}"/>
               </a:ext>
             </a:extLst>
           </p:cNvPr>
@@ -10610,7 +10736,7 @@
           <a:p>
             <a:r>
               <a:rPr kumimoji="1" lang="ja-JP" altLang="en-US" dirty="0"/>
-              <a:t>作り方：</a:t>
+              <a:t>目標からトップダウンに構成を作る</a:t>
             </a:r>
             <a:endParaRPr kumimoji="1" lang="en-US" altLang="ja-JP" dirty="0"/>
           </a:p>
@@ -10618,7 +10744,7 @@
             <a:pPr lvl="1"/>
             <a:r>
               <a:rPr kumimoji="1" lang="ja-JP" altLang="en-US" dirty="0"/>
-              <a:t>３点プロットが出来たら，そこからさらに真に重要な項目を抽出</a:t>
+              <a:t>目標規定文を作り，その目標に収束するように文章全体の構想を練る</a:t>
             </a:r>
             <a:endParaRPr kumimoji="1" lang="en-US" altLang="ja-JP" dirty="0"/>
           </a:p>
@@ -10626,16 +10752,38 @@
             <a:pPr lvl="1"/>
             <a:r>
               <a:rPr kumimoji="1" lang="ja-JP" altLang="en-US" dirty="0"/>
-              <a:t>それらを繋げて目標規定文にする</a:t>
+              <a:t>この目標に繋がる内容のみを全体の構成に残す</a:t>
             </a:r>
             <a:endParaRPr kumimoji="1" lang="en-US" altLang="ja-JP" dirty="0"/>
+          </a:p>
+          <a:p>
+            <a:pPr lvl="2"/>
+            <a:r>
+              <a:rPr kumimoji="1" lang="ja-JP" altLang="en-US" dirty="0"/>
+              <a:t>「関係はしているが，あってもなくても良い」みたいなものは入れてはいけない</a:t>
+            </a:r>
+            <a:endParaRPr kumimoji="1" lang="en-US" altLang="ja-JP" dirty="0"/>
+          </a:p>
+          <a:p>
+            <a:r>
+              <a:rPr kumimoji="1" lang="ja-JP" altLang="en-US" dirty="0"/>
+              <a:t>主張全体を論理的なツリーとして表した際のルートにあたる</a:t>
+            </a:r>
+            <a:endParaRPr kumimoji="1" lang="en-US" altLang="ja-JP" dirty="0"/>
+          </a:p>
+          <a:p>
+            <a:pPr lvl="1"/>
+            <a:r>
+              <a:rPr kumimoji="1" lang="ja-JP" altLang="en-US" dirty="0"/>
+              <a:t>これをさらに短くまとめたものがタイトルになる</a:t>
+            </a:r>
           </a:p>
         </p:txBody>
       </p:sp>
     </p:spTree>
     <p:extLst>
       <p:ext uri="{BB962C8B-B14F-4D97-AF65-F5344CB8AC3E}">
-        <p14:creationId xmlns:p14="http://schemas.microsoft.com/office/powerpoint/2010/main" val="1730200020"/>
+        <p14:creationId xmlns:p14="http://schemas.microsoft.com/office/powerpoint/2010/main" val="3839336830"/>
       </p:ext>
     </p:extLst>
   </p:cSld>
@@ -10672,10 +10820,10 @@
       </p:grpSpPr>
       <p:sp>
         <p:nvSpPr>
-          <p:cNvPr id="4" name="タイトル 3">
-            <a:extLst>
-              <a:ext uri="{FF2B5EF4-FFF2-40B4-BE49-F238E27FC236}">
-                <a16:creationId xmlns:a16="http://schemas.microsoft.com/office/drawing/2014/main" id="{84F42E09-269D-6700-69C9-4DCC825C99A7}"/>
+          <p:cNvPr id="2" name="タイトル 1">
+            <a:extLst>
+              <a:ext uri="{FF2B5EF4-FFF2-40B4-BE49-F238E27FC236}">
+                <a16:creationId xmlns:a16="http://schemas.microsoft.com/office/drawing/2014/main" id="{D4345327-D154-8FE3-0EEE-96EFAAA82DEF}"/>
               </a:ext>
             </a:extLst>
           </p:cNvPr>
@@ -10692,22 +10840,75 @@
           <a:lstStyle/>
           <a:p>
             <a:r>
-              <a:rPr lang="ja-JP" altLang="en-US" b="1" dirty="0"/>
-              <a:t>イントロプロット</a:t>
-            </a:r>
+              <a:rPr kumimoji="1" lang="ja-JP" altLang="en-US" dirty="0"/>
+              <a:t>３点プロットと目標規定文の関係</a:t>
+            </a:r>
+          </a:p>
+        </p:txBody>
+      </p:sp>
+      <p:sp>
+        <p:nvSpPr>
+          <p:cNvPr id="3" name="テキスト プレースホルダー 2">
+            <a:extLst>
+              <a:ext uri="{FF2B5EF4-FFF2-40B4-BE49-F238E27FC236}">
+                <a16:creationId xmlns:a16="http://schemas.microsoft.com/office/drawing/2014/main" id="{FF0B682A-46CB-4093-1B0E-581FD7CB3A90}"/>
+              </a:ext>
+            </a:extLst>
+          </p:cNvPr>
+          <p:cNvSpPr>
+            <a:spLocks noGrp="1"/>
+          </p:cNvSpPr>
+          <p:nvPr>
+            <p:ph type="body" sz="quarter" idx="10"/>
+          </p:nvPr>
+        </p:nvSpPr>
+        <p:spPr/>
+        <p:txBody>
+          <a:bodyPr/>
+          <a:lstStyle/>
+          <a:p>
+            <a:r>
+              <a:rPr kumimoji="1" lang="ja-JP" altLang="en-US" dirty="0"/>
+              <a:t>作り方：</a:t>
+            </a:r>
+            <a:endParaRPr kumimoji="1" lang="en-US" altLang="ja-JP" dirty="0"/>
+          </a:p>
+          <a:p>
+            <a:pPr lvl="1"/>
+            <a:r>
+              <a:rPr kumimoji="1" lang="ja-JP" altLang="en-US" dirty="0"/>
+              <a:t>３点プロットが出来たら，そこからさらに真に重要な項目を抽出</a:t>
+            </a:r>
+            <a:endParaRPr kumimoji="1" lang="en-US" altLang="ja-JP" dirty="0"/>
+          </a:p>
+          <a:p>
+            <a:pPr lvl="1"/>
+            <a:r>
+              <a:rPr kumimoji="1" lang="ja-JP" altLang="en-US" dirty="0"/>
+              <a:t>それらを繋げて目標規定文にする</a:t>
+            </a:r>
+            <a:endParaRPr kumimoji="1" lang="en-US" altLang="ja-JP" dirty="0"/>
           </a:p>
         </p:txBody>
       </p:sp>
     </p:spTree>
     <p:extLst>
       <p:ext uri="{BB962C8B-B14F-4D97-AF65-F5344CB8AC3E}">
-        <p14:creationId xmlns:p14="http://schemas.microsoft.com/office/powerpoint/2010/main" val="1393778451"/>
+        <p14:creationId xmlns:p14="http://schemas.microsoft.com/office/powerpoint/2010/main" val="1730200020"/>
       </p:ext>
     </p:extLst>
   </p:cSld>
   <p:clrMapOvr>
     <a:masterClrMapping/>
   </p:clrMapOvr>
+  <mc:AlternateContent xmlns:mc="http://schemas.openxmlformats.org/markup-compatibility/2006" xmlns:p14="http://schemas.microsoft.com/office/powerpoint/2010/main">
+    <mc:Choice Requires="p14">
+      <p:transition p14:dur="10"/>
+    </mc:Choice>
+    <mc:Fallback xmlns="">
+      <p:transition/>
+    </mc:Fallback>
+  </mc:AlternateContent>
 </p:sld>
 </file>
 
@@ -10733,7 +10934,7 @@
           <p:cNvPr id="4" name="タイトル 3">
             <a:extLst>
               <a:ext uri="{FF2B5EF4-FFF2-40B4-BE49-F238E27FC236}">
-                <a16:creationId xmlns:a16="http://schemas.microsoft.com/office/drawing/2014/main" id="{2C10D4AA-048C-67DA-1625-6F8D77C161AF}"/>
+                <a16:creationId xmlns:a16="http://schemas.microsoft.com/office/drawing/2014/main" id="{84F42E09-269D-6700-69C9-4DCC825C99A7}"/>
               </a:ext>
             </a:extLst>
           </p:cNvPr>
@@ -10750,141 +10951,22 @@
           <a:lstStyle/>
           <a:p>
             <a:r>
-              <a:rPr lang="ja-JP" altLang="en-US" dirty="0"/>
+              <a:rPr lang="ja-JP" altLang="en-US" b="1" dirty="0"/>
               <a:t>イントロプロット</a:t>
             </a:r>
-          </a:p>
-        </p:txBody>
-      </p:sp>
-      <p:sp>
-        <p:nvSpPr>
-          <p:cNvPr id="5" name="テキスト プレースホルダー 4">
-            <a:extLst>
-              <a:ext uri="{FF2B5EF4-FFF2-40B4-BE49-F238E27FC236}">
-                <a16:creationId xmlns:a16="http://schemas.microsoft.com/office/drawing/2014/main" id="{A0D92A2D-1570-9CE4-B7FF-F750001C61B8}"/>
-              </a:ext>
-            </a:extLst>
-          </p:cNvPr>
-          <p:cNvSpPr>
-            <a:spLocks noGrp="1"/>
-          </p:cNvSpPr>
-          <p:nvPr>
-            <p:ph type="body" sz="quarter" idx="10"/>
-          </p:nvPr>
-        </p:nvSpPr>
-        <p:spPr/>
-        <p:txBody>
-          <a:bodyPr/>
-          <a:lstStyle/>
-          <a:p>
-            <a:r>
-              <a:rPr lang="ja-JP" altLang="en-US" dirty="0"/>
-              <a:t>イントロプロットはイントロを書く際に作る</a:t>
-            </a:r>
-            <a:endParaRPr lang="en-US" altLang="ja-JP" dirty="0"/>
-          </a:p>
-          <a:p>
-            <a:pPr lvl="1"/>
-            <a:r>
-              <a:rPr lang="ja-JP" altLang="en-US" dirty="0"/>
-              <a:t>論文のイントロは典型的には</a:t>
-            </a:r>
-            <a:r>
-              <a:rPr lang="ja-JP" altLang="en-US" dirty="0">
-                <a:solidFill>
-                  <a:schemeClr val="accent5"/>
-                </a:solidFill>
-              </a:rPr>
-              <a:t>６パラグラフ前後</a:t>
-            </a:r>
-            <a:endParaRPr lang="en-US" altLang="ja-JP" dirty="0">
-              <a:solidFill>
-                <a:schemeClr val="accent5"/>
-              </a:solidFill>
-            </a:endParaRPr>
-          </a:p>
-          <a:p>
-            <a:r>
-              <a:rPr lang="ja-JP" altLang="en-US" dirty="0"/>
-              <a:t>これに対応する</a:t>
-            </a:r>
-            <a:r>
-              <a:rPr lang="ja-JP" altLang="en-US" dirty="0">
-                <a:solidFill>
-                  <a:schemeClr val="accent5"/>
-                </a:solidFill>
-              </a:rPr>
-              <a:t>６点程度の項目</a:t>
-            </a:r>
-            <a:r>
-              <a:rPr lang="ja-JP" altLang="en-US" dirty="0"/>
-              <a:t>からなるプロットを作る</a:t>
-            </a:r>
-            <a:endParaRPr lang="en-US" altLang="ja-JP" dirty="0">
-              <a:solidFill>
-                <a:schemeClr val="accent5"/>
-              </a:solidFill>
-            </a:endParaRPr>
-          </a:p>
-          <a:p>
-            <a:pPr lvl="1"/>
-            <a:r>
-              <a:rPr lang="ja-JP" altLang="en-US" dirty="0"/>
-              <a:t>各パラグラフで何を話すかをまとめる</a:t>
-            </a:r>
-            <a:endParaRPr lang="en-US" altLang="ja-JP" dirty="0"/>
-          </a:p>
-          <a:p>
-            <a:pPr lvl="1"/>
-            <a:r>
-              <a:rPr lang="ja-JP" altLang="en-US" dirty="0"/>
-              <a:t>各項目は各パラグラフのトピック・センテンスの内容に対応する</a:t>
-            </a:r>
-            <a:endParaRPr lang="en-US" altLang="ja-JP" dirty="0"/>
-          </a:p>
-          <a:p>
-            <a:pPr lvl="1"/>
-            <a:r>
-              <a:rPr lang="ja-JP" altLang="en-US" dirty="0"/>
-              <a:t>トピック・センテンスだけを繋げて読んでも意味が通るように</a:t>
-            </a:r>
-            <a:endParaRPr lang="en-US" altLang="ja-JP" dirty="0"/>
-          </a:p>
-          <a:p>
-            <a:r>
-              <a:rPr lang="ja-JP" altLang="en-US" dirty="0"/>
-              <a:t>イントロプロットも３点プロットから派生させて作る</a:t>
-            </a:r>
-            <a:endParaRPr lang="en-US" altLang="ja-JP" dirty="0"/>
-          </a:p>
-          <a:p>
-            <a:pPr lvl="1"/>
-            <a:r>
-              <a:rPr lang="ja-JP" altLang="en-US" dirty="0"/>
-              <a:t>３点プロットの各項目に，より詳細を肉付けしていく</a:t>
-            </a:r>
-            <a:endParaRPr lang="en-US" altLang="ja-JP" dirty="0"/>
           </a:p>
         </p:txBody>
       </p:sp>
     </p:spTree>
     <p:extLst>
       <p:ext uri="{BB962C8B-B14F-4D97-AF65-F5344CB8AC3E}">
-        <p14:creationId xmlns:p14="http://schemas.microsoft.com/office/powerpoint/2010/main" val="1796504870"/>
+        <p14:creationId xmlns:p14="http://schemas.microsoft.com/office/powerpoint/2010/main" val="1393778451"/>
       </p:ext>
     </p:extLst>
   </p:cSld>
   <p:clrMapOvr>
     <a:masterClrMapping/>
   </p:clrMapOvr>
-  <mc:AlternateContent xmlns:mc="http://schemas.openxmlformats.org/markup-compatibility/2006" xmlns:p14="http://schemas.microsoft.com/office/powerpoint/2010/main">
-    <mc:Choice Requires="p14">
-      <p:transition p14:dur="10"/>
-    </mc:Choice>
-    <mc:Fallback xmlns="">
-      <p:transition/>
-    </mc:Fallback>
-  </mc:AlternateContent>
 </p:sld>
 </file>
 
@@ -10907,10 +10989,10 @@
       </p:grpSpPr>
       <p:sp>
         <p:nvSpPr>
-          <p:cNvPr id="2" name="タイトル 1">
-            <a:extLst>
-              <a:ext uri="{FF2B5EF4-FFF2-40B4-BE49-F238E27FC236}">
-                <a16:creationId xmlns:a16="http://schemas.microsoft.com/office/drawing/2014/main" id="{18A42B14-CF0C-96E2-5CF7-6662DFA3735D}"/>
+          <p:cNvPr id="4" name="タイトル 3">
+            <a:extLst>
+              <a:ext uri="{FF2B5EF4-FFF2-40B4-BE49-F238E27FC236}">
+                <a16:creationId xmlns:a16="http://schemas.microsoft.com/office/drawing/2014/main" id="{2C10D4AA-048C-67DA-1625-6F8D77C161AF}"/>
               </a:ext>
             </a:extLst>
           </p:cNvPr>
@@ -10927,18 +11009,18 @@
           <a:lstStyle/>
           <a:p>
             <a:r>
-              <a:rPr kumimoji="1" lang="ja-JP" altLang="en-US" dirty="0"/>
-              <a:t>詳細度と論理構造</a:t>
-            </a:r>
-          </a:p>
-        </p:txBody>
-      </p:sp>
-      <p:sp>
-        <p:nvSpPr>
-          <p:cNvPr id="3" name="テキスト プレースホルダー 2">
-            <a:extLst>
-              <a:ext uri="{FF2B5EF4-FFF2-40B4-BE49-F238E27FC236}">
-                <a16:creationId xmlns:a16="http://schemas.microsoft.com/office/drawing/2014/main" id="{AAB0013E-6128-536A-AD5E-A87E6DA3282A}"/>
+              <a:rPr lang="ja-JP" altLang="en-US" dirty="0"/>
+              <a:t>イントロプロット</a:t>
+            </a:r>
+          </a:p>
+        </p:txBody>
+      </p:sp>
+      <p:sp>
+        <p:nvSpPr>
+          <p:cNvPr id="5" name="テキスト プレースホルダー 4">
+            <a:extLst>
+              <a:ext uri="{FF2B5EF4-FFF2-40B4-BE49-F238E27FC236}">
+                <a16:creationId xmlns:a16="http://schemas.microsoft.com/office/drawing/2014/main" id="{A0D92A2D-1570-9CE4-B7FF-F750001C61B8}"/>
               </a:ext>
             </a:extLst>
           </p:cNvPr>
@@ -10949,1187 +11031,105 @@
             <p:ph type="body" sz="quarter" idx="10"/>
           </p:nvPr>
         </p:nvSpPr>
-        <p:spPr>
-          <a:xfrm>
-            <a:off x="611956" y="3429000"/>
-            <a:ext cx="8280092" cy="3059727"/>
-          </a:xfrm>
-        </p:spPr>
+        <p:spPr/>
         <p:txBody>
           <a:bodyPr/>
           <a:lstStyle/>
           <a:p>
             <a:r>
-              <a:rPr kumimoji="1" lang="ja-JP" altLang="en-US" dirty="0"/>
-              <a:t>ツリーの上下は説明の詳細度に対応している</a:t>
-            </a:r>
-            <a:endParaRPr kumimoji="1" lang="en-US" altLang="ja-JP" dirty="0"/>
+              <a:rPr lang="ja-JP" altLang="en-US" dirty="0"/>
+              <a:t>イントロプロットはイントロを書く際に作る</a:t>
+            </a:r>
+            <a:endParaRPr lang="en-US" altLang="ja-JP" dirty="0"/>
           </a:p>
           <a:p>
             <a:pPr lvl="1"/>
             <a:r>
-              <a:rPr kumimoji="1" lang="ja-JP" altLang="en-US" dirty="0"/>
-              <a:t>上の階層は下の階層の要約になっている</a:t>
-            </a:r>
-            <a:endParaRPr kumimoji="1" lang="en-US" altLang="ja-JP" dirty="0"/>
-          </a:p>
-          <a:p>
-            <a:pPr lvl="1"/>
-            <a:r>
-              <a:rPr kumimoji="1" lang="ja-JP" altLang="en-US" dirty="0"/>
-              <a:t>下の階層は上の階層をより詳しく述べている</a:t>
-            </a:r>
-            <a:endParaRPr kumimoji="1" lang="en-US" altLang="ja-JP" dirty="0"/>
-          </a:p>
-          <a:p>
-            <a:r>
-              <a:rPr kumimoji="1" lang="ja-JP" altLang="en-US" dirty="0"/>
-              <a:t>３点プロットから初めて，論理ツリーの関係が保たれているかをチェックする</a:t>
-            </a:r>
-            <a:endParaRPr kumimoji="1" lang="en-US" altLang="ja-JP" dirty="0"/>
-          </a:p>
-        </p:txBody>
-      </p:sp>
-      <p:sp>
-        <p:nvSpPr>
-          <p:cNvPr id="5" name="四角形: 角を丸くする 4">
-            <a:extLst>
-              <a:ext uri="{FF2B5EF4-FFF2-40B4-BE49-F238E27FC236}">
-                <a16:creationId xmlns:a16="http://schemas.microsoft.com/office/drawing/2014/main" id="{A50DA5F5-C778-6B70-50A5-BDCCDC565AE9}"/>
-              </a:ext>
-            </a:extLst>
-          </p:cNvPr>
-          <p:cNvSpPr/>
-          <p:nvPr/>
-        </p:nvSpPr>
-        <p:spPr bwMode="auto">
-          <a:xfrm>
-            <a:off x="4442234" y="1268976"/>
-            <a:ext cx="1440015" cy="360004"/>
-          </a:xfrm>
-          <a:prstGeom prst="roundRect">
-            <a:avLst/>
-          </a:prstGeom>
-          <a:ln>
-            <a:headEnd/>
-            <a:tailEnd type="triangle" w="sm" len="med"/>
-          </a:ln>
-        </p:spPr>
-        <p:style>
-          <a:lnRef idx="1">
-            <a:schemeClr val="accent4"/>
-          </a:lnRef>
-          <a:fillRef idx="2">
-            <a:schemeClr val="accent4"/>
-          </a:fillRef>
-          <a:effectRef idx="1">
-            <a:schemeClr val="accent4"/>
-          </a:effectRef>
-          <a:fontRef idx="minor">
-            <a:schemeClr val="dk1"/>
-          </a:fontRef>
-        </p:style>
-        <p:txBody>
-          <a:bodyPr rot="0" spcFirstLastPara="0" vertOverflow="overflow" horzOverflow="overflow" vert="horz" wrap="none" lIns="91440" tIns="45720" rIns="91440" bIns="45720" numCol="1" spcCol="0" rtlCol="0" fromWordArt="0" anchor="ctr" anchorCtr="0" forceAA="0" compatLnSpc="1">
-            <a:prstTxWarp prst="textNoShape">
-              <a:avLst/>
-            </a:prstTxWarp>
-            <a:noAutofit/>
-          </a:bodyPr>
-          <a:lstStyle/>
-          <a:p>
-            <a:pPr algn="ctr"/>
-            <a:r>
-              <a:rPr kumimoji="1" lang="ja-JP" altLang="en-US" dirty="0">
-                <a:solidFill>
-                  <a:schemeClr val="tx1">
-                    <a:lumMod val="75000"/>
-                    <a:lumOff val="25000"/>
-                  </a:schemeClr>
-                </a:solidFill>
-                <a:latin typeface="+mn-ea"/>
-              </a:rPr>
-              <a:t>目標規定文</a:t>
-            </a:r>
-          </a:p>
-        </p:txBody>
-      </p:sp>
-      <p:sp>
-        <p:nvSpPr>
-          <p:cNvPr id="6" name="四角形: 角を丸くする 5">
-            <a:extLst>
-              <a:ext uri="{FF2B5EF4-FFF2-40B4-BE49-F238E27FC236}">
-                <a16:creationId xmlns:a16="http://schemas.microsoft.com/office/drawing/2014/main" id="{4B23A1F7-367F-D520-DF12-10FC2F8ED74D}"/>
-              </a:ext>
-            </a:extLst>
-          </p:cNvPr>
-          <p:cNvSpPr/>
-          <p:nvPr/>
-        </p:nvSpPr>
-        <p:spPr bwMode="auto">
-          <a:xfrm>
-            <a:off x="1922206" y="1988984"/>
-            <a:ext cx="1029776" cy="360004"/>
-          </a:xfrm>
-          <a:prstGeom prst="roundRect">
-            <a:avLst/>
-          </a:prstGeom>
-          <a:ln>
-            <a:headEnd/>
-            <a:tailEnd type="triangle" w="sm" len="med"/>
-          </a:ln>
-        </p:spPr>
-        <p:style>
-          <a:lnRef idx="1">
-            <a:schemeClr val="accent2"/>
-          </a:lnRef>
-          <a:fillRef idx="2">
-            <a:schemeClr val="accent2"/>
-          </a:fillRef>
-          <a:effectRef idx="1">
-            <a:schemeClr val="accent2"/>
-          </a:effectRef>
-          <a:fontRef idx="minor">
-            <a:schemeClr val="dk1"/>
-          </a:fontRef>
-        </p:style>
-        <p:txBody>
-          <a:bodyPr rot="0" spcFirstLastPara="0" vertOverflow="overflow" horzOverflow="overflow" vert="horz" wrap="none" lIns="91440" tIns="45720" rIns="91440" bIns="45720" numCol="1" spcCol="0" rtlCol="0" fromWordArt="0" anchor="ctr" anchorCtr="0" forceAA="0" compatLnSpc="1">
-            <a:prstTxWarp prst="textNoShape">
-              <a:avLst/>
-            </a:prstTxWarp>
-            <a:noAutofit/>
-          </a:bodyPr>
-          <a:lstStyle/>
-          <a:p>
-            <a:pPr algn="ctr"/>
-            <a:r>
-              <a:rPr kumimoji="1" lang="ja-JP" altLang="en-US" dirty="0">
-                <a:solidFill>
-                  <a:schemeClr val="tx1">
-                    <a:lumMod val="75000"/>
-                    <a:lumOff val="25000"/>
-                  </a:schemeClr>
-                </a:solidFill>
-                <a:latin typeface="+mn-ea"/>
-              </a:rPr>
-              <a:t>背景</a:t>
-            </a:r>
-          </a:p>
-        </p:txBody>
-      </p:sp>
-      <p:sp>
-        <p:nvSpPr>
-          <p:cNvPr id="7" name="四角形: 角を丸くする 6">
-            <a:extLst>
-              <a:ext uri="{FF2B5EF4-FFF2-40B4-BE49-F238E27FC236}">
-                <a16:creationId xmlns:a16="http://schemas.microsoft.com/office/drawing/2014/main" id="{75D3B56E-8B37-B816-5612-7F4D069A3C26}"/>
-              </a:ext>
-            </a:extLst>
-          </p:cNvPr>
-          <p:cNvSpPr/>
-          <p:nvPr/>
-        </p:nvSpPr>
-        <p:spPr bwMode="auto">
-          <a:xfrm>
-            <a:off x="4622236" y="1988984"/>
-            <a:ext cx="1080012" cy="360004"/>
-          </a:xfrm>
-          <a:prstGeom prst="roundRect">
-            <a:avLst/>
-          </a:prstGeom>
-          <a:ln>
-            <a:headEnd/>
-            <a:tailEnd type="triangle" w="sm" len="med"/>
-          </a:ln>
-        </p:spPr>
-        <p:style>
-          <a:lnRef idx="1">
-            <a:schemeClr val="accent5"/>
-          </a:lnRef>
-          <a:fillRef idx="2">
-            <a:schemeClr val="accent5"/>
-          </a:fillRef>
-          <a:effectRef idx="1">
-            <a:schemeClr val="accent5"/>
-          </a:effectRef>
-          <a:fontRef idx="minor">
-            <a:schemeClr val="dk1"/>
-          </a:fontRef>
-        </p:style>
-        <p:txBody>
-          <a:bodyPr rot="0" spcFirstLastPara="0" vertOverflow="overflow" horzOverflow="overflow" vert="horz" wrap="none" lIns="91440" tIns="45720" rIns="91440" bIns="45720" numCol="1" spcCol="0" rtlCol="0" fromWordArt="0" anchor="ctr" anchorCtr="0" forceAA="0" compatLnSpc="1">
-            <a:prstTxWarp prst="textNoShape">
-              <a:avLst/>
-            </a:prstTxWarp>
-            <a:noAutofit/>
-          </a:bodyPr>
-          <a:lstStyle/>
-          <a:p>
-            <a:pPr algn="ctr"/>
-            <a:r>
-              <a:rPr kumimoji="1" lang="ja-JP" altLang="en-US" dirty="0">
-                <a:solidFill>
-                  <a:schemeClr val="tx1">
-                    <a:lumMod val="75000"/>
-                    <a:lumOff val="25000"/>
-                  </a:schemeClr>
-                </a:solidFill>
-                <a:latin typeface="+mn-ea"/>
-              </a:rPr>
-              <a:t>課題</a:t>
-            </a:r>
-          </a:p>
-        </p:txBody>
-      </p:sp>
-      <p:sp>
-        <p:nvSpPr>
-          <p:cNvPr id="8" name="四角形: 角を丸くする 7">
-            <a:extLst>
-              <a:ext uri="{FF2B5EF4-FFF2-40B4-BE49-F238E27FC236}">
-                <a16:creationId xmlns:a16="http://schemas.microsoft.com/office/drawing/2014/main" id="{211FAF2E-5D34-04A8-6100-EB31A657A56C}"/>
-              </a:ext>
-            </a:extLst>
-          </p:cNvPr>
-          <p:cNvSpPr/>
-          <p:nvPr/>
-        </p:nvSpPr>
-        <p:spPr bwMode="auto">
-          <a:xfrm>
-            <a:off x="7322266" y="1988984"/>
-            <a:ext cx="1080012" cy="360004"/>
-          </a:xfrm>
-          <a:prstGeom prst="roundRect">
-            <a:avLst/>
-          </a:prstGeom>
-          <a:ln>
-            <a:headEnd/>
-            <a:tailEnd type="triangle" w="sm" len="med"/>
-          </a:ln>
-        </p:spPr>
-        <p:style>
-          <a:lnRef idx="1">
-            <a:schemeClr val="accent3"/>
-          </a:lnRef>
-          <a:fillRef idx="2">
-            <a:schemeClr val="accent3"/>
-          </a:fillRef>
-          <a:effectRef idx="1">
-            <a:schemeClr val="accent3"/>
-          </a:effectRef>
-          <a:fontRef idx="minor">
-            <a:schemeClr val="dk1"/>
-          </a:fontRef>
-        </p:style>
-        <p:txBody>
-          <a:bodyPr rot="0" spcFirstLastPara="0" vertOverflow="overflow" horzOverflow="overflow" vert="horz" wrap="none" lIns="91440" tIns="45720" rIns="91440" bIns="45720" numCol="1" spcCol="0" rtlCol="0" fromWordArt="0" anchor="ctr" anchorCtr="0" forceAA="0" compatLnSpc="1">
-            <a:prstTxWarp prst="textNoShape">
-              <a:avLst/>
-            </a:prstTxWarp>
-            <a:noAutofit/>
-          </a:bodyPr>
-          <a:lstStyle/>
-          <a:p>
-            <a:pPr algn="ctr"/>
-            <a:r>
-              <a:rPr kumimoji="1" lang="ja-JP" altLang="en-US" dirty="0">
-                <a:solidFill>
-                  <a:schemeClr val="tx1">
-                    <a:lumMod val="75000"/>
-                    <a:lumOff val="25000"/>
-                  </a:schemeClr>
-                </a:solidFill>
-                <a:latin typeface="+mn-ea"/>
-              </a:rPr>
-              <a:t>提案</a:t>
-            </a:r>
-          </a:p>
-        </p:txBody>
-      </p:sp>
-      <p:sp>
-        <p:nvSpPr>
-          <p:cNvPr id="9" name="四角形: 角を丸くする 8">
-            <a:extLst>
-              <a:ext uri="{FF2B5EF4-FFF2-40B4-BE49-F238E27FC236}">
-                <a16:creationId xmlns:a16="http://schemas.microsoft.com/office/drawing/2014/main" id="{93407E4E-1C86-C163-2B1B-8D685A8E57E9}"/>
-              </a:ext>
-            </a:extLst>
-          </p:cNvPr>
-          <p:cNvSpPr/>
-          <p:nvPr/>
-        </p:nvSpPr>
-        <p:spPr bwMode="auto">
-          <a:xfrm>
-            <a:off x="1292199" y="2708992"/>
-            <a:ext cx="990000" cy="360004"/>
-          </a:xfrm>
-          <a:prstGeom prst="roundRect">
-            <a:avLst/>
-          </a:prstGeom>
-          <a:ln>
-            <a:headEnd/>
-            <a:tailEnd type="triangle" w="sm" len="med"/>
-          </a:ln>
-        </p:spPr>
-        <p:style>
-          <a:lnRef idx="1">
-            <a:schemeClr val="accent2"/>
-          </a:lnRef>
-          <a:fillRef idx="2">
-            <a:schemeClr val="accent2"/>
-          </a:fillRef>
-          <a:effectRef idx="1">
-            <a:schemeClr val="accent2"/>
-          </a:effectRef>
-          <a:fontRef idx="minor">
-            <a:schemeClr val="dk1"/>
-          </a:fontRef>
-        </p:style>
-        <p:txBody>
-          <a:bodyPr rot="0" spcFirstLastPara="0" vertOverflow="overflow" horzOverflow="overflow" vert="horz" wrap="none" lIns="91440" tIns="45720" rIns="91440" bIns="45720" numCol="1" spcCol="0" rtlCol="0" fromWordArt="0" anchor="ctr" anchorCtr="0" forceAA="0" compatLnSpc="1">
-            <a:prstTxWarp prst="textNoShape">
-              <a:avLst/>
-            </a:prstTxWarp>
-            <a:noAutofit/>
-          </a:bodyPr>
-          <a:lstStyle/>
-          <a:p>
-            <a:pPr algn="ctr"/>
-            <a:r>
-              <a:rPr kumimoji="1" lang="ja-JP" altLang="en-US" dirty="0">
-                <a:solidFill>
-                  <a:schemeClr val="tx1">
-                    <a:lumMod val="75000"/>
-                    <a:lumOff val="25000"/>
-                  </a:schemeClr>
-                </a:solidFill>
-                <a:latin typeface="+mn-ea"/>
-              </a:rPr>
-              <a:t>背景１</a:t>
-            </a:r>
-          </a:p>
-        </p:txBody>
-      </p:sp>
-      <p:sp>
-        <p:nvSpPr>
-          <p:cNvPr id="10" name="四角形: 角を丸くする 9">
-            <a:extLst>
-              <a:ext uri="{FF2B5EF4-FFF2-40B4-BE49-F238E27FC236}">
-                <a16:creationId xmlns:a16="http://schemas.microsoft.com/office/drawing/2014/main" id="{82D88C54-BC59-B5FC-EE72-AD115A0D30AA}"/>
-              </a:ext>
-            </a:extLst>
-          </p:cNvPr>
-          <p:cNvSpPr/>
-          <p:nvPr/>
-        </p:nvSpPr>
-        <p:spPr bwMode="auto">
-          <a:xfrm>
-            <a:off x="3992229" y="2708992"/>
-            <a:ext cx="990000" cy="360004"/>
-          </a:xfrm>
-          <a:prstGeom prst="roundRect">
-            <a:avLst/>
-          </a:prstGeom>
-          <a:ln>
-            <a:headEnd/>
-            <a:tailEnd type="triangle" w="sm" len="med"/>
-          </a:ln>
-        </p:spPr>
-        <p:style>
-          <a:lnRef idx="1">
-            <a:schemeClr val="accent5"/>
-          </a:lnRef>
-          <a:fillRef idx="2">
-            <a:schemeClr val="accent5"/>
-          </a:fillRef>
-          <a:effectRef idx="1">
-            <a:schemeClr val="accent5"/>
-          </a:effectRef>
-          <a:fontRef idx="minor">
-            <a:schemeClr val="dk1"/>
-          </a:fontRef>
-        </p:style>
-        <p:txBody>
-          <a:bodyPr rot="0" spcFirstLastPara="0" vertOverflow="overflow" horzOverflow="overflow" vert="horz" wrap="none" lIns="91440" tIns="45720" rIns="91440" bIns="45720" numCol="1" spcCol="0" rtlCol="0" fromWordArt="0" anchor="ctr" anchorCtr="0" forceAA="0" compatLnSpc="1">
-            <a:prstTxWarp prst="textNoShape">
-              <a:avLst/>
-            </a:prstTxWarp>
-            <a:noAutofit/>
-          </a:bodyPr>
-          <a:lstStyle/>
-          <a:p>
-            <a:pPr algn="ctr"/>
-            <a:r>
-              <a:rPr kumimoji="1" lang="ja-JP" altLang="en-US" dirty="0">
-                <a:solidFill>
-                  <a:schemeClr val="tx1">
-                    <a:lumMod val="75000"/>
-                    <a:lumOff val="25000"/>
-                  </a:schemeClr>
-                </a:solidFill>
-                <a:latin typeface="+mn-ea"/>
-              </a:rPr>
-              <a:t>課題１</a:t>
-            </a:r>
-          </a:p>
-        </p:txBody>
-      </p:sp>
-      <p:sp>
-        <p:nvSpPr>
-          <p:cNvPr id="11" name="四角形: 角を丸くする 10">
-            <a:extLst>
-              <a:ext uri="{FF2B5EF4-FFF2-40B4-BE49-F238E27FC236}">
-                <a16:creationId xmlns:a16="http://schemas.microsoft.com/office/drawing/2014/main" id="{F8B10BA8-6DA6-5BA2-5E86-8434AD3DD359}"/>
-              </a:ext>
-            </a:extLst>
-          </p:cNvPr>
-          <p:cNvSpPr/>
-          <p:nvPr/>
-        </p:nvSpPr>
-        <p:spPr bwMode="auto">
-          <a:xfrm>
-            <a:off x="5342244" y="2708992"/>
-            <a:ext cx="990000" cy="360004"/>
-          </a:xfrm>
-          <a:prstGeom prst="roundRect">
-            <a:avLst/>
-          </a:prstGeom>
-          <a:ln>
-            <a:headEnd/>
-            <a:tailEnd type="triangle" w="sm" len="med"/>
-          </a:ln>
-        </p:spPr>
-        <p:style>
-          <a:lnRef idx="1">
-            <a:schemeClr val="accent5"/>
-          </a:lnRef>
-          <a:fillRef idx="2">
-            <a:schemeClr val="accent5"/>
-          </a:fillRef>
-          <a:effectRef idx="1">
-            <a:schemeClr val="accent5"/>
-          </a:effectRef>
-          <a:fontRef idx="minor">
-            <a:schemeClr val="dk1"/>
-          </a:fontRef>
-        </p:style>
-        <p:txBody>
-          <a:bodyPr rot="0" spcFirstLastPara="0" vertOverflow="overflow" horzOverflow="overflow" vert="horz" wrap="none" lIns="91440" tIns="45720" rIns="91440" bIns="45720" numCol="1" spcCol="0" rtlCol="0" fromWordArt="0" anchor="ctr" anchorCtr="0" forceAA="0" compatLnSpc="1">
-            <a:prstTxWarp prst="textNoShape">
-              <a:avLst/>
-            </a:prstTxWarp>
-            <a:noAutofit/>
-          </a:bodyPr>
-          <a:lstStyle/>
-          <a:p>
-            <a:pPr algn="ctr"/>
-            <a:r>
-              <a:rPr kumimoji="1" lang="ja-JP" altLang="en-US" dirty="0">
-                <a:solidFill>
-                  <a:schemeClr val="tx1">
-                    <a:lumMod val="75000"/>
-                    <a:lumOff val="25000"/>
-                  </a:schemeClr>
-                </a:solidFill>
-                <a:latin typeface="+mn-ea"/>
-              </a:rPr>
-              <a:t>課題２</a:t>
-            </a:r>
-          </a:p>
-        </p:txBody>
-      </p:sp>
-      <p:sp>
-        <p:nvSpPr>
-          <p:cNvPr id="12" name="四角形: 角を丸くする 11">
-            <a:extLst>
-              <a:ext uri="{FF2B5EF4-FFF2-40B4-BE49-F238E27FC236}">
-                <a16:creationId xmlns:a16="http://schemas.microsoft.com/office/drawing/2014/main" id="{C1267ECA-BCDF-6FCA-548E-B3E5AADFB8A7}"/>
-              </a:ext>
-            </a:extLst>
-          </p:cNvPr>
-          <p:cNvSpPr/>
-          <p:nvPr/>
-        </p:nvSpPr>
-        <p:spPr bwMode="auto">
-          <a:xfrm>
-            <a:off x="6692259" y="2708992"/>
-            <a:ext cx="990000" cy="360004"/>
-          </a:xfrm>
-          <a:prstGeom prst="roundRect">
-            <a:avLst/>
-          </a:prstGeom>
-          <a:ln>
-            <a:headEnd/>
-            <a:tailEnd type="triangle" w="sm" len="med"/>
-          </a:ln>
-        </p:spPr>
-        <p:style>
-          <a:lnRef idx="1">
-            <a:schemeClr val="accent3"/>
-          </a:lnRef>
-          <a:fillRef idx="2">
-            <a:schemeClr val="accent3"/>
-          </a:fillRef>
-          <a:effectRef idx="1">
-            <a:schemeClr val="accent3"/>
-          </a:effectRef>
-          <a:fontRef idx="minor">
-            <a:schemeClr val="dk1"/>
-          </a:fontRef>
-        </p:style>
-        <p:txBody>
-          <a:bodyPr rot="0" spcFirstLastPara="0" vertOverflow="overflow" horzOverflow="overflow" vert="horz" wrap="none" lIns="91440" tIns="45720" rIns="91440" bIns="45720" numCol="1" spcCol="0" rtlCol="0" fromWordArt="0" anchor="ctr" anchorCtr="0" forceAA="0" compatLnSpc="1">
-            <a:prstTxWarp prst="textNoShape">
-              <a:avLst/>
-            </a:prstTxWarp>
-            <a:noAutofit/>
-          </a:bodyPr>
-          <a:lstStyle/>
-          <a:p>
-            <a:pPr algn="ctr"/>
-            <a:r>
-              <a:rPr kumimoji="1" lang="ja-JP" altLang="en-US" dirty="0">
-                <a:solidFill>
-                  <a:schemeClr val="tx1">
-                    <a:lumMod val="75000"/>
-                    <a:lumOff val="25000"/>
-                  </a:schemeClr>
-                </a:solidFill>
-                <a:latin typeface="+mn-ea"/>
-              </a:rPr>
-              <a:t>提案１</a:t>
-            </a:r>
-          </a:p>
-        </p:txBody>
-      </p:sp>
-      <p:sp>
-        <p:nvSpPr>
-          <p:cNvPr id="13" name="四角形: 角を丸くする 12">
-            <a:extLst>
-              <a:ext uri="{FF2B5EF4-FFF2-40B4-BE49-F238E27FC236}">
-                <a16:creationId xmlns:a16="http://schemas.microsoft.com/office/drawing/2014/main" id="{5E8EA23F-38D9-7A84-7214-0A900EB79ACC}"/>
-              </a:ext>
-            </a:extLst>
-          </p:cNvPr>
-          <p:cNvSpPr/>
-          <p:nvPr/>
-        </p:nvSpPr>
-        <p:spPr bwMode="auto">
-          <a:xfrm>
-            <a:off x="8042274" y="2708992"/>
-            <a:ext cx="990000" cy="360004"/>
-          </a:xfrm>
-          <a:prstGeom prst="roundRect">
-            <a:avLst/>
-          </a:prstGeom>
-          <a:ln>
-            <a:headEnd/>
-            <a:tailEnd type="triangle" w="sm" len="med"/>
-          </a:ln>
-        </p:spPr>
-        <p:style>
-          <a:lnRef idx="1">
-            <a:schemeClr val="accent3"/>
-          </a:lnRef>
-          <a:fillRef idx="2">
-            <a:schemeClr val="accent3"/>
-          </a:fillRef>
-          <a:effectRef idx="1">
-            <a:schemeClr val="accent3"/>
-          </a:effectRef>
-          <a:fontRef idx="minor">
-            <a:schemeClr val="dk1"/>
-          </a:fontRef>
-        </p:style>
-        <p:txBody>
-          <a:bodyPr rot="0" spcFirstLastPara="0" vertOverflow="overflow" horzOverflow="overflow" vert="horz" wrap="none" lIns="91440" tIns="45720" rIns="91440" bIns="45720" numCol="1" spcCol="0" rtlCol="0" fromWordArt="0" anchor="ctr" anchorCtr="0" forceAA="0" compatLnSpc="1">
-            <a:prstTxWarp prst="textNoShape">
-              <a:avLst/>
-            </a:prstTxWarp>
-            <a:noAutofit/>
-          </a:bodyPr>
-          <a:lstStyle/>
-          <a:p>
-            <a:pPr algn="ctr"/>
-            <a:r>
-              <a:rPr kumimoji="1" lang="ja-JP" altLang="en-US" dirty="0">
-                <a:solidFill>
-                  <a:schemeClr val="tx1">
-                    <a:lumMod val="75000"/>
-                    <a:lumOff val="25000"/>
-                  </a:schemeClr>
-                </a:solidFill>
-                <a:latin typeface="+mn-ea"/>
-              </a:rPr>
-              <a:t>提案２</a:t>
-            </a:r>
-          </a:p>
-        </p:txBody>
-      </p:sp>
-      <p:sp>
-        <p:nvSpPr>
-          <p:cNvPr id="14" name="四角形: 角を丸くする 13">
-            <a:extLst>
-              <a:ext uri="{FF2B5EF4-FFF2-40B4-BE49-F238E27FC236}">
-                <a16:creationId xmlns:a16="http://schemas.microsoft.com/office/drawing/2014/main" id="{205B21BA-1915-A50D-7424-F842FAA5D522}"/>
-              </a:ext>
-            </a:extLst>
-          </p:cNvPr>
-          <p:cNvSpPr/>
-          <p:nvPr/>
-        </p:nvSpPr>
-        <p:spPr bwMode="auto">
-          <a:xfrm>
-            <a:off x="2642214" y="2708992"/>
-            <a:ext cx="990000" cy="360004"/>
-          </a:xfrm>
-          <a:prstGeom prst="roundRect">
-            <a:avLst/>
-          </a:prstGeom>
-          <a:ln>
-            <a:headEnd/>
-            <a:tailEnd type="triangle" w="sm" len="med"/>
-          </a:ln>
-        </p:spPr>
-        <p:style>
-          <a:lnRef idx="1">
-            <a:schemeClr val="accent2"/>
-          </a:lnRef>
-          <a:fillRef idx="2">
-            <a:schemeClr val="accent2"/>
-          </a:fillRef>
-          <a:effectRef idx="1">
-            <a:schemeClr val="accent2"/>
-          </a:effectRef>
-          <a:fontRef idx="minor">
-            <a:schemeClr val="dk1"/>
-          </a:fontRef>
-        </p:style>
-        <p:txBody>
-          <a:bodyPr rot="0" spcFirstLastPara="0" vertOverflow="overflow" horzOverflow="overflow" vert="horz" wrap="none" lIns="91440" tIns="45720" rIns="91440" bIns="45720" numCol="1" spcCol="0" rtlCol="0" fromWordArt="0" anchor="ctr" anchorCtr="0" forceAA="0" compatLnSpc="1">
-            <a:prstTxWarp prst="textNoShape">
-              <a:avLst/>
-            </a:prstTxWarp>
-            <a:noAutofit/>
-          </a:bodyPr>
-          <a:lstStyle/>
-          <a:p>
-            <a:pPr algn="ctr"/>
-            <a:r>
-              <a:rPr kumimoji="1" lang="ja-JP" altLang="en-US" dirty="0">
-                <a:solidFill>
-                  <a:schemeClr val="tx1">
-                    <a:lumMod val="75000"/>
-                    <a:lumOff val="25000"/>
-                  </a:schemeClr>
-                </a:solidFill>
-                <a:latin typeface="+mn-ea"/>
-              </a:rPr>
-              <a:t>背景２</a:t>
-            </a:r>
-          </a:p>
-        </p:txBody>
-      </p:sp>
-      <p:cxnSp>
-        <p:nvCxnSpPr>
-          <p:cNvPr id="17" name="直線矢印コネクタ 16">
-            <a:extLst>
-              <a:ext uri="{FF2B5EF4-FFF2-40B4-BE49-F238E27FC236}">
-                <a16:creationId xmlns:a16="http://schemas.microsoft.com/office/drawing/2014/main" id="{2FC7AF24-5A95-7CAD-8ECE-8DE7773BB1D8}"/>
-              </a:ext>
-            </a:extLst>
-          </p:cNvPr>
-          <p:cNvCxnSpPr/>
-          <p:nvPr/>
-        </p:nvCxnSpPr>
-        <p:spPr bwMode="auto">
-          <a:xfrm>
-            <a:off x="5162242" y="1628980"/>
-            <a:ext cx="0" cy="360003"/>
-          </a:xfrm>
-          <a:prstGeom prst="straightConnector1">
-            <a:avLst/>
-          </a:prstGeom>
-          <a:noFill/>
-          <a:ln w="9525" cap="flat" cmpd="sng" algn="ctr">
-            <a:solidFill>
-              <a:schemeClr val="tx1">
-                <a:lumMod val="75000"/>
-                <a:lumOff val="25000"/>
-              </a:schemeClr>
-            </a:solidFill>
-            <a:prstDash val="solid"/>
-            <a:round/>
-            <a:headEnd type="none" w="med" len="med"/>
-            <a:tailEnd type="triangle"/>
-          </a:ln>
-          <a:effectLst/>
-        </p:spPr>
-      </p:cxnSp>
-      <p:cxnSp>
-        <p:nvCxnSpPr>
-          <p:cNvPr id="18" name="直線矢印コネクタ 17">
-            <a:extLst>
-              <a:ext uri="{FF2B5EF4-FFF2-40B4-BE49-F238E27FC236}">
-                <a16:creationId xmlns:a16="http://schemas.microsoft.com/office/drawing/2014/main" id="{6FD5B76A-C8CE-35ED-ECDC-66F278CC4DC7}"/>
-              </a:ext>
-            </a:extLst>
-          </p:cNvPr>
-          <p:cNvCxnSpPr>
-            <a:cxnSpLocks/>
-            <a:stCxn id="5" idx="2"/>
-            <a:endCxn id="6" idx="0"/>
-          </p:cNvCxnSpPr>
-          <p:nvPr/>
-        </p:nvCxnSpPr>
-        <p:spPr bwMode="auto">
-          <a:xfrm flipH="1">
-            <a:off x="2437094" y="1628980"/>
-            <a:ext cx="2725148" cy="360004"/>
-          </a:xfrm>
-          <a:prstGeom prst="straightConnector1">
-            <a:avLst/>
-          </a:prstGeom>
-          <a:noFill/>
-          <a:ln w="9525" cap="flat" cmpd="sng" algn="ctr">
-            <a:solidFill>
-              <a:schemeClr val="tx1">
-                <a:lumMod val="75000"/>
-                <a:lumOff val="25000"/>
-              </a:schemeClr>
-            </a:solidFill>
-            <a:prstDash val="solid"/>
-            <a:round/>
-            <a:headEnd type="none" w="med" len="med"/>
-            <a:tailEnd type="triangle"/>
-          </a:ln>
-          <a:effectLst/>
-        </p:spPr>
-      </p:cxnSp>
-      <p:cxnSp>
-        <p:nvCxnSpPr>
-          <p:cNvPr id="21" name="直線矢印コネクタ 20">
-            <a:extLst>
-              <a:ext uri="{FF2B5EF4-FFF2-40B4-BE49-F238E27FC236}">
-                <a16:creationId xmlns:a16="http://schemas.microsoft.com/office/drawing/2014/main" id="{0425EBCC-6E96-297F-1981-7064E477A567}"/>
-              </a:ext>
-            </a:extLst>
-          </p:cNvPr>
-          <p:cNvCxnSpPr>
-            <a:cxnSpLocks/>
-            <a:stCxn id="5" idx="2"/>
-            <a:endCxn id="8" idx="0"/>
-          </p:cNvCxnSpPr>
-          <p:nvPr/>
-        </p:nvCxnSpPr>
-        <p:spPr bwMode="auto">
-          <a:xfrm>
-            <a:off x="5162242" y="1628980"/>
-            <a:ext cx="2700030" cy="360004"/>
-          </a:xfrm>
-          <a:prstGeom prst="straightConnector1">
-            <a:avLst/>
-          </a:prstGeom>
-          <a:noFill/>
-          <a:ln w="9525" cap="flat" cmpd="sng" algn="ctr">
-            <a:solidFill>
-              <a:schemeClr val="tx1">
-                <a:lumMod val="75000"/>
-                <a:lumOff val="25000"/>
-              </a:schemeClr>
-            </a:solidFill>
-            <a:prstDash val="solid"/>
-            <a:round/>
-            <a:headEnd type="none" w="med" len="med"/>
-            <a:tailEnd type="triangle"/>
-          </a:ln>
-          <a:effectLst/>
-        </p:spPr>
-      </p:cxnSp>
-      <p:cxnSp>
-        <p:nvCxnSpPr>
-          <p:cNvPr id="24" name="直線矢印コネクタ 23">
-            <a:extLst>
-              <a:ext uri="{FF2B5EF4-FFF2-40B4-BE49-F238E27FC236}">
-                <a16:creationId xmlns:a16="http://schemas.microsoft.com/office/drawing/2014/main" id="{E7CC3F3A-DB7F-4591-190A-56AD3B24EE0B}"/>
-              </a:ext>
-            </a:extLst>
-          </p:cNvPr>
-          <p:cNvCxnSpPr>
-            <a:cxnSpLocks/>
-            <a:stCxn id="6" idx="2"/>
-            <a:endCxn id="9" idx="0"/>
-          </p:cNvCxnSpPr>
-          <p:nvPr/>
-        </p:nvCxnSpPr>
-        <p:spPr bwMode="auto">
-          <a:xfrm flipH="1">
-            <a:off x="1787199" y="2348988"/>
-            <a:ext cx="649895" cy="360004"/>
-          </a:xfrm>
-          <a:prstGeom prst="straightConnector1">
-            <a:avLst/>
-          </a:prstGeom>
-          <a:noFill/>
-          <a:ln w="9525" cap="flat" cmpd="sng" algn="ctr">
-            <a:solidFill>
-              <a:schemeClr val="tx1">
-                <a:lumMod val="75000"/>
-                <a:lumOff val="25000"/>
-              </a:schemeClr>
-            </a:solidFill>
-            <a:prstDash val="solid"/>
-            <a:round/>
-            <a:headEnd type="none" w="med" len="med"/>
-            <a:tailEnd type="triangle"/>
-          </a:ln>
-          <a:effectLst/>
-        </p:spPr>
-      </p:cxnSp>
-      <p:cxnSp>
-        <p:nvCxnSpPr>
-          <p:cNvPr id="26" name="直線矢印コネクタ 25">
-            <a:extLst>
-              <a:ext uri="{FF2B5EF4-FFF2-40B4-BE49-F238E27FC236}">
-                <a16:creationId xmlns:a16="http://schemas.microsoft.com/office/drawing/2014/main" id="{F42B04D7-592A-6183-C36F-02F533BF5CF5}"/>
-              </a:ext>
-            </a:extLst>
-          </p:cNvPr>
-          <p:cNvCxnSpPr>
-            <a:cxnSpLocks/>
-            <a:stCxn id="6" idx="2"/>
-            <a:endCxn id="14" idx="0"/>
-          </p:cNvCxnSpPr>
-          <p:nvPr/>
-        </p:nvCxnSpPr>
-        <p:spPr bwMode="auto">
-          <a:xfrm>
-            <a:off x="2437094" y="2348988"/>
-            <a:ext cx="700120" cy="360004"/>
-          </a:xfrm>
-          <a:prstGeom prst="straightConnector1">
-            <a:avLst/>
-          </a:prstGeom>
-          <a:noFill/>
-          <a:ln w="9525" cap="flat" cmpd="sng" algn="ctr">
-            <a:solidFill>
-              <a:schemeClr val="tx1">
-                <a:lumMod val="75000"/>
-                <a:lumOff val="25000"/>
-              </a:schemeClr>
-            </a:solidFill>
-            <a:prstDash val="solid"/>
-            <a:round/>
-            <a:headEnd type="none" w="med" len="med"/>
-            <a:tailEnd type="triangle"/>
-          </a:ln>
-          <a:effectLst/>
-        </p:spPr>
-      </p:cxnSp>
-      <p:cxnSp>
-        <p:nvCxnSpPr>
-          <p:cNvPr id="29" name="直線矢印コネクタ 28">
-            <a:extLst>
-              <a:ext uri="{FF2B5EF4-FFF2-40B4-BE49-F238E27FC236}">
-                <a16:creationId xmlns:a16="http://schemas.microsoft.com/office/drawing/2014/main" id="{63A42914-3B9C-2617-A1F3-C2918EC57146}"/>
-              </a:ext>
-            </a:extLst>
-          </p:cNvPr>
-          <p:cNvCxnSpPr>
-            <a:cxnSpLocks/>
-            <a:endCxn id="11" idx="0"/>
-          </p:cNvCxnSpPr>
-          <p:nvPr/>
-        </p:nvCxnSpPr>
-        <p:spPr bwMode="auto">
-          <a:xfrm>
-            <a:off x="5162242" y="2348988"/>
-            <a:ext cx="675002" cy="360004"/>
-          </a:xfrm>
-          <a:prstGeom prst="straightConnector1">
-            <a:avLst/>
-          </a:prstGeom>
-          <a:noFill/>
-          <a:ln w="9525" cap="flat" cmpd="sng" algn="ctr">
-            <a:solidFill>
-              <a:schemeClr val="tx1">
-                <a:lumMod val="75000"/>
-                <a:lumOff val="25000"/>
-              </a:schemeClr>
-            </a:solidFill>
-            <a:prstDash val="solid"/>
-            <a:round/>
-            <a:headEnd type="none" w="med" len="med"/>
-            <a:tailEnd type="triangle"/>
-          </a:ln>
-          <a:effectLst/>
-        </p:spPr>
-      </p:cxnSp>
-      <p:cxnSp>
-        <p:nvCxnSpPr>
-          <p:cNvPr id="30" name="直線矢印コネクタ 29">
-            <a:extLst>
-              <a:ext uri="{FF2B5EF4-FFF2-40B4-BE49-F238E27FC236}">
-                <a16:creationId xmlns:a16="http://schemas.microsoft.com/office/drawing/2014/main" id="{16887226-34ED-BE47-8D2F-88F00D308F5F}"/>
-              </a:ext>
-            </a:extLst>
-          </p:cNvPr>
-          <p:cNvCxnSpPr>
-            <a:cxnSpLocks/>
-            <a:stCxn id="7" idx="2"/>
-            <a:endCxn id="10" idx="0"/>
-          </p:cNvCxnSpPr>
-          <p:nvPr/>
-        </p:nvCxnSpPr>
-        <p:spPr bwMode="auto">
-          <a:xfrm flipH="1">
-            <a:off x="4487229" y="2348988"/>
-            <a:ext cx="675013" cy="360004"/>
-          </a:xfrm>
-          <a:prstGeom prst="straightConnector1">
-            <a:avLst/>
-          </a:prstGeom>
-          <a:noFill/>
-          <a:ln w="9525" cap="flat" cmpd="sng" algn="ctr">
-            <a:solidFill>
-              <a:schemeClr val="tx1">
-                <a:lumMod val="75000"/>
-                <a:lumOff val="25000"/>
-              </a:schemeClr>
-            </a:solidFill>
-            <a:prstDash val="solid"/>
-            <a:round/>
-            <a:headEnd type="none" w="med" len="med"/>
-            <a:tailEnd type="triangle"/>
-          </a:ln>
-          <a:effectLst/>
-        </p:spPr>
-      </p:cxnSp>
-      <p:cxnSp>
-        <p:nvCxnSpPr>
-          <p:cNvPr id="33" name="直線矢印コネクタ 32">
-            <a:extLst>
-              <a:ext uri="{FF2B5EF4-FFF2-40B4-BE49-F238E27FC236}">
-                <a16:creationId xmlns:a16="http://schemas.microsoft.com/office/drawing/2014/main" id="{26EF2CBA-DD21-A3A6-D377-F872E60E28EE}"/>
-              </a:ext>
-            </a:extLst>
-          </p:cNvPr>
-          <p:cNvCxnSpPr>
-            <a:cxnSpLocks/>
-            <a:endCxn id="13" idx="0"/>
-          </p:cNvCxnSpPr>
-          <p:nvPr/>
-        </p:nvCxnSpPr>
-        <p:spPr bwMode="auto">
-          <a:xfrm>
-            <a:off x="7862272" y="2348988"/>
-            <a:ext cx="675002" cy="360004"/>
-          </a:xfrm>
-          <a:prstGeom prst="straightConnector1">
-            <a:avLst/>
-          </a:prstGeom>
-          <a:noFill/>
-          <a:ln w="9525" cap="flat" cmpd="sng" algn="ctr">
-            <a:solidFill>
-              <a:schemeClr val="tx1">
-                <a:lumMod val="75000"/>
-                <a:lumOff val="25000"/>
-              </a:schemeClr>
-            </a:solidFill>
-            <a:prstDash val="solid"/>
-            <a:round/>
-            <a:headEnd type="none" w="med" len="med"/>
-            <a:tailEnd type="triangle"/>
-          </a:ln>
-          <a:effectLst/>
-        </p:spPr>
-      </p:cxnSp>
-      <p:cxnSp>
-        <p:nvCxnSpPr>
-          <p:cNvPr id="34" name="直線矢印コネクタ 33">
-            <a:extLst>
-              <a:ext uri="{FF2B5EF4-FFF2-40B4-BE49-F238E27FC236}">
-                <a16:creationId xmlns:a16="http://schemas.microsoft.com/office/drawing/2014/main" id="{F11ECC10-B78B-633C-4329-B401A2A37DA9}"/>
-              </a:ext>
-            </a:extLst>
-          </p:cNvPr>
-          <p:cNvCxnSpPr>
-            <a:cxnSpLocks/>
-            <a:endCxn id="12" idx="0"/>
-          </p:cNvCxnSpPr>
-          <p:nvPr/>
-        </p:nvCxnSpPr>
-        <p:spPr bwMode="auto">
-          <a:xfrm flipH="1">
-            <a:off x="7187259" y="2348988"/>
-            <a:ext cx="675013" cy="360004"/>
-          </a:xfrm>
-          <a:prstGeom prst="straightConnector1">
-            <a:avLst/>
-          </a:prstGeom>
-          <a:noFill/>
-          <a:ln w="9525" cap="flat" cmpd="sng" algn="ctr">
-            <a:solidFill>
-              <a:schemeClr val="tx1">
-                <a:lumMod val="75000"/>
-                <a:lumOff val="25000"/>
-              </a:schemeClr>
-            </a:solidFill>
-            <a:prstDash val="solid"/>
-            <a:round/>
-            <a:headEnd type="none" w="med" len="med"/>
-            <a:tailEnd type="triangle"/>
-          </a:ln>
-          <a:effectLst/>
-        </p:spPr>
-      </p:cxnSp>
-      <p:sp>
-        <p:nvSpPr>
-          <p:cNvPr id="72" name="四角形: 角を丸くする 71">
-            <a:extLst>
-              <a:ext uri="{FF2B5EF4-FFF2-40B4-BE49-F238E27FC236}">
-                <a16:creationId xmlns:a16="http://schemas.microsoft.com/office/drawing/2014/main" id="{63000EB3-B894-2C65-1FF7-C66E94FE5DA2}"/>
-              </a:ext>
-            </a:extLst>
-          </p:cNvPr>
-          <p:cNvSpPr/>
-          <p:nvPr/>
-        </p:nvSpPr>
-        <p:spPr bwMode="auto">
-          <a:xfrm>
-            <a:off x="0" y="1988984"/>
-            <a:ext cx="1080012" cy="360004"/>
-          </a:xfrm>
-          <a:prstGeom prst="roundRect">
-            <a:avLst/>
-          </a:prstGeom>
-          <a:noFill/>
-          <a:ln>
-            <a:noFill/>
-            <a:headEnd/>
-            <a:tailEnd type="triangle" w="sm" len="med"/>
-          </a:ln>
-          <a:effectLst/>
-        </p:spPr>
-        <p:style>
-          <a:lnRef idx="1">
-            <a:schemeClr val="accent2"/>
-          </a:lnRef>
-          <a:fillRef idx="2">
-            <a:schemeClr val="accent2"/>
-          </a:fillRef>
-          <a:effectRef idx="1">
-            <a:schemeClr val="accent2"/>
-          </a:effectRef>
-          <a:fontRef idx="minor">
-            <a:schemeClr val="dk1"/>
-          </a:fontRef>
-        </p:style>
-        <p:txBody>
-          <a:bodyPr rot="0" spcFirstLastPara="0" vertOverflow="overflow" horzOverflow="overflow" vert="horz" wrap="none" lIns="91440" tIns="45720" rIns="91440" bIns="45720" numCol="1" spcCol="0" rtlCol="0" fromWordArt="0" anchor="ctr" anchorCtr="0" forceAA="0" compatLnSpc="1">
-            <a:prstTxWarp prst="textNoShape">
-              <a:avLst/>
-            </a:prstTxWarp>
-            <a:noAutofit/>
-          </a:bodyPr>
-          <a:lstStyle/>
-          <a:p>
-            <a:pPr algn="ctr"/>
-            <a:r>
-              <a:rPr kumimoji="1" lang="ja-JP" altLang="en-US" dirty="0">
-                <a:solidFill>
-                  <a:schemeClr val="tx1">
-                    <a:lumMod val="75000"/>
-                    <a:lumOff val="25000"/>
-                  </a:schemeClr>
-                </a:solidFill>
-                <a:latin typeface="+mn-ea"/>
-              </a:rPr>
-              <a:t>３点</a:t>
-            </a:r>
-          </a:p>
-        </p:txBody>
-      </p:sp>
-      <p:sp>
-        <p:nvSpPr>
-          <p:cNvPr id="73" name="四角形: 角を丸くする 72">
-            <a:extLst>
-              <a:ext uri="{FF2B5EF4-FFF2-40B4-BE49-F238E27FC236}">
-                <a16:creationId xmlns:a16="http://schemas.microsoft.com/office/drawing/2014/main" id="{64954E3A-4D67-EDA9-C3B4-3554BCE86956}"/>
-              </a:ext>
-            </a:extLst>
-          </p:cNvPr>
-          <p:cNvSpPr/>
-          <p:nvPr/>
-        </p:nvSpPr>
-        <p:spPr bwMode="auto">
-          <a:xfrm>
-            <a:off x="32185" y="2708992"/>
-            <a:ext cx="1080012" cy="360004"/>
-          </a:xfrm>
-          <a:prstGeom prst="roundRect">
-            <a:avLst/>
-          </a:prstGeom>
-          <a:noFill/>
-          <a:ln>
-            <a:noFill/>
-            <a:headEnd/>
-            <a:tailEnd type="triangle" w="sm" len="med"/>
-          </a:ln>
-          <a:effectLst/>
-        </p:spPr>
-        <p:style>
-          <a:lnRef idx="1">
-            <a:schemeClr val="accent2"/>
-          </a:lnRef>
-          <a:fillRef idx="2">
-            <a:schemeClr val="accent2"/>
-          </a:fillRef>
-          <a:effectRef idx="1">
-            <a:schemeClr val="accent2"/>
-          </a:effectRef>
-          <a:fontRef idx="minor">
-            <a:schemeClr val="dk1"/>
-          </a:fontRef>
-        </p:style>
-        <p:txBody>
-          <a:bodyPr rot="0" spcFirstLastPara="0" vertOverflow="overflow" horzOverflow="overflow" vert="horz" wrap="none" lIns="91440" tIns="45720" rIns="91440" bIns="45720" numCol="1" spcCol="0" rtlCol="0" fromWordArt="0" anchor="ctr" anchorCtr="0" forceAA="0" compatLnSpc="1">
-            <a:prstTxWarp prst="textNoShape">
-              <a:avLst/>
-            </a:prstTxWarp>
-            <a:noAutofit/>
-          </a:bodyPr>
-          <a:lstStyle/>
-          <a:p>
-            <a:pPr algn="ctr"/>
+              <a:rPr lang="ja-JP" altLang="en-US" dirty="0"/>
+              <a:t>論文のイントロは典型的には</a:t>
+            </a:r>
             <a:r>
               <a:rPr lang="ja-JP" altLang="en-US" dirty="0">
                 <a:solidFill>
-                  <a:schemeClr val="tx1">
-                    <a:lumMod val="75000"/>
-                    <a:lumOff val="25000"/>
-                  </a:schemeClr>
+                  <a:schemeClr val="accent5"/>
                 </a:solidFill>
-                <a:latin typeface="+mn-ea"/>
               </a:rPr>
-              <a:t>イントロ</a:t>
-            </a:r>
-            <a:endParaRPr kumimoji="1" lang="ja-JP" altLang="en-US" dirty="0">
+              <a:t>６パラグラフ前後</a:t>
+            </a:r>
+            <a:endParaRPr lang="en-US" altLang="ja-JP" dirty="0">
               <a:solidFill>
-                <a:schemeClr val="tx1">
-                  <a:lumMod val="75000"/>
-                  <a:lumOff val="25000"/>
-                </a:schemeClr>
+                <a:schemeClr val="accent5"/>
               </a:solidFill>
-              <a:latin typeface="+mn-ea"/>
             </a:endParaRPr>
+          </a:p>
+          <a:p>
+            <a:r>
+              <a:rPr lang="ja-JP" altLang="en-US" dirty="0"/>
+              <a:t>これに対応する</a:t>
+            </a:r>
+            <a:r>
+              <a:rPr lang="ja-JP" altLang="en-US" dirty="0">
+                <a:solidFill>
+                  <a:schemeClr val="accent5"/>
+                </a:solidFill>
+              </a:rPr>
+              <a:t>６点程度の項目</a:t>
+            </a:r>
+            <a:r>
+              <a:rPr lang="ja-JP" altLang="en-US" dirty="0"/>
+              <a:t>からなるプロットを作る</a:t>
+            </a:r>
+            <a:endParaRPr lang="en-US" altLang="ja-JP" dirty="0">
+              <a:solidFill>
+                <a:schemeClr val="accent5"/>
+              </a:solidFill>
+            </a:endParaRPr>
+          </a:p>
+          <a:p>
+            <a:pPr lvl="1"/>
+            <a:r>
+              <a:rPr lang="ja-JP" altLang="en-US" dirty="0"/>
+              <a:t>各パラグラフで何を話すかをまとめる</a:t>
+            </a:r>
+            <a:endParaRPr lang="en-US" altLang="ja-JP" dirty="0"/>
+          </a:p>
+          <a:p>
+            <a:pPr lvl="1"/>
+            <a:r>
+              <a:rPr lang="ja-JP" altLang="en-US" dirty="0"/>
+              <a:t>各項目は各パラグラフのトピック・センテンスの内容に対応する</a:t>
+            </a:r>
+            <a:endParaRPr lang="en-US" altLang="ja-JP" dirty="0"/>
+          </a:p>
+          <a:p>
+            <a:pPr lvl="1"/>
+            <a:r>
+              <a:rPr lang="ja-JP" altLang="en-US" dirty="0"/>
+              <a:t>トピック・センテンスだけを繋げて読んでも意味が通るように</a:t>
+            </a:r>
+            <a:endParaRPr lang="en-US" altLang="ja-JP" dirty="0"/>
+          </a:p>
+          <a:p>
+            <a:r>
+              <a:rPr lang="ja-JP" altLang="en-US" dirty="0"/>
+              <a:t>イントロプロットも３点プロットから派生させて作る</a:t>
+            </a:r>
+            <a:endParaRPr lang="en-US" altLang="ja-JP" dirty="0"/>
+          </a:p>
+          <a:p>
+            <a:pPr lvl="1"/>
+            <a:r>
+              <a:rPr lang="ja-JP" altLang="en-US" dirty="0"/>
+              <a:t>３点プロットの各項目に，より詳細を肉付けしていく</a:t>
+            </a:r>
+            <a:endParaRPr lang="en-US" altLang="ja-JP" dirty="0"/>
           </a:p>
         </p:txBody>
       </p:sp>
     </p:spTree>
     <p:extLst>
       <p:ext uri="{BB962C8B-B14F-4D97-AF65-F5344CB8AC3E}">
-        <p14:creationId xmlns:p14="http://schemas.microsoft.com/office/powerpoint/2010/main" val="357553926"/>
+        <p14:creationId xmlns:p14="http://schemas.microsoft.com/office/powerpoint/2010/main" val="1796504870"/>
       </p:ext>
     </p:extLst>
   </p:cSld>
@@ -12186,12 +11186,8 @@
           <a:lstStyle/>
           <a:p>
             <a:r>
-              <a:rPr lang="ja-JP" altLang="en-US" dirty="0"/>
-              <a:t>イントロ</a:t>
-            </a:r>
-            <a:r>
               <a:rPr kumimoji="1" lang="ja-JP" altLang="en-US" dirty="0"/>
-              <a:t>プロット時の配分</a:t>
+              <a:t>詳細度と論理構造</a:t>
             </a:r>
           </a:p>
         </p:txBody>
@@ -12214,8 +11210,8 @@
         </p:nvSpPr>
         <p:spPr>
           <a:xfrm>
-            <a:off x="611956" y="3519001"/>
-            <a:ext cx="8280092" cy="2969726"/>
+            <a:off x="611956" y="3429000"/>
+            <a:ext cx="8280092" cy="3059727"/>
           </a:xfrm>
         </p:spPr>
         <p:txBody>
@@ -12223,61 +11219,42 @@
           <a:lstStyle/>
           <a:p>
             <a:r>
-              <a:rPr lang="ja-JP" altLang="en-US" sz="1800" dirty="0"/>
-              <a:t>イントロ</a:t>
-            </a:r>
-            <a:r>
-              <a:rPr kumimoji="1" lang="ja-JP" altLang="en-US" sz="1800" dirty="0"/>
-              <a:t>プロット時の配分には自由度がある</a:t>
-            </a:r>
-            <a:endParaRPr kumimoji="1" lang="en-US" altLang="ja-JP" sz="1800" dirty="0"/>
+              <a:rPr kumimoji="1" lang="ja-JP" altLang="en-US" dirty="0"/>
+              <a:t>ツリーの上下は説明の詳細度に対応している</a:t>
+            </a:r>
+            <a:endParaRPr kumimoji="1" lang="en-US" altLang="ja-JP" dirty="0"/>
           </a:p>
           <a:p>
             <a:pPr lvl="1"/>
             <a:r>
-              <a:rPr kumimoji="1" lang="ja-JP" altLang="en-US" sz="1800" dirty="0"/>
-              <a:t>３点のどこをどれだけ詳しく話すかは，論文ごとに異なる</a:t>
-            </a:r>
-            <a:endParaRPr kumimoji="1" lang="en-US" altLang="ja-JP" sz="1800" dirty="0"/>
-          </a:p>
-          <a:p>
-            <a:r>
-              <a:rPr kumimoji="1" lang="ja-JP" altLang="en-US" sz="1800" dirty="0"/>
-              <a:t>たとえば，</a:t>
-            </a:r>
-            <a:endParaRPr kumimoji="1" lang="en-US" altLang="ja-JP" sz="1800" dirty="0"/>
+              <a:rPr kumimoji="1" lang="ja-JP" altLang="en-US" dirty="0"/>
+              <a:t>上の階層は下の階層の要約になっている</a:t>
+            </a:r>
+            <a:endParaRPr kumimoji="1" lang="en-US" altLang="ja-JP" dirty="0"/>
           </a:p>
           <a:p>
             <a:pPr lvl="1"/>
             <a:r>
-              <a:rPr kumimoji="1" lang="ja-JP" altLang="en-US" sz="1800" dirty="0"/>
-              <a:t>背景は１つのままで，提案を増やす事が多い（上の図の例）</a:t>
-            </a:r>
-            <a:endParaRPr kumimoji="1" lang="en-US" altLang="ja-JP" sz="1800" dirty="0"/>
-          </a:p>
-          <a:p>
-            <a:pPr lvl="1"/>
-            <a:r>
-              <a:rPr kumimoji="1" lang="ja-JP" altLang="en-US" sz="1800" dirty="0"/>
-              <a:t>あまり一般的ではない話題の場合，背景が多めの配分になる事も</a:t>
-            </a:r>
-            <a:endParaRPr kumimoji="1" lang="en-US" altLang="ja-JP" sz="1800" dirty="0"/>
-          </a:p>
-          <a:p>
-            <a:pPr lvl="1"/>
-            <a:r>
-              <a:rPr kumimoji="1" lang="ja-JP" altLang="en-US" sz="1800" dirty="0"/>
-              <a:t>逆に課題の発見や整理こそが大事な場合，提案は自明なため短くなる</a:t>
-            </a:r>
-          </a:p>
-        </p:txBody>
-      </p:sp>
-      <p:sp>
-        <p:nvSpPr>
-          <p:cNvPr id="19" name="四角形: 角を丸くする 18">
-            <a:extLst>
-              <a:ext uri="{FF2B5EF4-FFF2-40B4-BE49-F238E27FC236}">
-                <a16:creationId xmlns:a16="http://schemas.microsoft.com/office/drawing/2014/main" id="{2EEE0849-75EC-0EEC-A121-858C97D62C77}"/>
+              <a:rPr kumimoji="1" lang="ja-JP" altLang="en-US" dirty="0"/>
+              <a:t>下の階層は上の階層をより詳しく述べている</a:t>
+            </a:r>
+            <a:endParaRPr kumimoji="1" lang="en-US" altLang="ja-JP" dirty="0"/>
+          </a:p>
+          <a:p>
+            <a:r>
+              <a:rPr kumimoji="1" lang="ja-JP" altLang="en-US" dirty="0"/>
+              <a:t>３点プロットから初めて，論理ツリーの関係が保たれているかをチェックする</a:t>
+            </a:r>
+            <a:endParaRPr kumimoji="1" lang="en-US" altLang="ja-JP" dirty="0"/>
+          </a:p>
+        </p:txBody>
+      </p:sp>
+      <p:sp>
+        <p:nvSpPr>
+          <p:cNvPr id="5" name="四角形: 角を丸くする 4">
+            <a:extLst>
+              <a:ext uri="{FF2B5EF4-FFF2-40B4-BE49-F238E27FC236}">
+                <a16:creationId xmlns:a16="http://schemas.microsoft.com/office/drawing/2014/main" id="{A50DA5F5-C778-6B70-50A5-BDCCDC565AE9}"/>
               </a:ext>
             </a:extLst>
           </p:cNvPr>
@@ -12286,7 +11263,7 @@
         </p:nvSpPr>
         <p:spPr bwMode="auto">
           <a:xfrm>
-            <a:off x="4403201" y="1268976"/>
+            <a:off x="4442234" y="1268976"/>
             <a:ext cx="1440015" cy="360004"/>
           </a:xfrm>
           <a:prstGeom prst="roundRect">
@@ -12338,10 +11315,10 @@
       </p:sp>
       <p:sp>
         <p:nvSpPr>
-          <p:cNvPr id="20" name="四角形: 角を丸くする 19">
-            <a:extLst>
-              <a:ext uri="{FF2B5EF4-FFF2-40B4-BE49-F238E27FC236}">
-                <a16:creationId xmlns:a16="http://schemas.microsoft.com/office/drawing/2014/main" id="{BAD5C687-09C7-5752-065A-0E9419D409B6}"/>
+          <p:cNvPr id="6" name="四角形: 角を丸くする 5">
+            <a:extLst>
+              <a:ext uri="{FF2B5EF4-FFF2-40B4-BE49-F238E27FC236}">
+                <a16:creationId xmlns:a16="http://schemas.microsoft.com/office/drawing/2014/main" id="{4B23A1F7-367F-D520-DF12-10FC2F8ED74D}"/>
               </a:ext>
             </a:extLst>
           </p:cNvPr>
@@ -12350,8 +11327,8 @@
         </p:nvSpPr>
         <p:spPr bwMode="auto">
           <a:xfrm>
-            <a:off x="1253166" y="1988984"/>
-            <a:ext cx="990011" cy="360004"/>
+            <a:off x="1922206" y="1988984"/>
+            <a:ext cx="1029776" cy="360004"/>
           </a:xfrm>
           <a:prstGeom prst="roundRect">
             <a:avLst/>
@@ -12402,10 +11379,10 @@
       </p:sp>
       <p:sp>
         <p:nvSpPr>
-          <p:cNvPr id="22" name="四角形: 角を丸くする 21">
-            <a:extLst>
-              <a:ext uri="{FF2B5EF4-FFF2-40B4-BE49-F238E27FC236}">
-                <a16:creationId xmlns:a16="http://schemas.microsoft.com/office/drawing/2014/main" id="{FF6D4719-831E-0C39-54DD-ADD9CB655222}"/>
+          <p:cNvPr id="7" name="四角形: 角を丸くする 6">
+            <a:extLst>
+              <a:ext uri="{FF2B5EF4-FFF2-40B4-BE49-F238E27FC236}">
+                <a16:creationId xmlns:a16="http://schemas.microsoft.com/office/drawing/2014/main" id="{75D3B56E-8B37-B816-5612-7F4D069A3C26}"/>
               </a:ext>
             </a:extLst>
           </p:cNvPr>
@@ -12414,7 +11391,7 @@
         </p:nvSpPr>
         <p:spPr bwMode="auto">
           <a:xfrm>
-            <a:off x="3233188" y="1988984"/>
+            <a:off x="4622236" y="1988984"/>
             <a:ext cx="1080012" cy="360004"/>
           </a:xfrm>
           <a:prstGeom prst="roundRect">
@@ -12466,10 +11443,10 @@
       </p:sp>
       <p:sp>
         <p:nvSpPr>
-          <p:cNvPr id="23" name="四角形: 角を丸くする 22">
-            <a:extLst>
-              <a:ext uri="{FF2B5EF4-FFF2-40B4-BE49-F238E27FC236}">
-                <a16:creationId xmlns:a16="http://schemas.microsoft.com/office/drawing/2014/main" id="{3554FF05-B976-1511-4572-9C67A6A82486}"/>
+          <p:cNvPr id="8" name="四角形: 角を丸くする 7">
+            <a:extLst>
+              <a:ext uri="{FF2B5EF4-FFF2-40B4-BE49-F238E27FC236}">
+                <a16:creationId xmlns:a16="http://schemas.microsoft.com/office/drawing/2014/main" id="{211FAF2E-5D34-04A8-6100-EB31A657A56C}"/>
               </a:ext>
             </a:extLst>
           </p:cNvPr>
@@ -12478,8 +11455,8 @@
         </p:nvSpPr>
         <p:spPr bwMode="auto">
           <a:xfrm>
-            <a:off x="6653226" y="1988984"/>
-            <a:ext cx="990011" cy="360004"/>
+            <a:off x="7322266" y="1988984"/>
+            <a:ext cx="1080012" cy="360004"/>
           </a:xfrm>
           <a:prstGeom prst="roundRect">
             <a:avLst/>
@@ -12530,10 +11507,10 @@
       </p:sp>
       <p:sp>
         <p:nvSpPr>
-          <p:cNvPr id="25" name="四角形: 角を丸くする 24">
-            <a:extLst>
-              <a:ext uri="{FF2B5EF4-FFF2-40B4-BE49-F238E27FC236}">
-                <a16:creationId xmlns:a16="http://schemas.microsoft.com/office/drawing/2014/main" id="{1C9DE02F-B00A-2AD8-1212-2A438A6D71DC}"/>
+          <p:cNvPr id="9" name="四角形: 角を丸くする 8">
+            <a:extLst>
+              <a:ext uri="{FF2B5EF4-FFF2-40B4-BE49-F238E27FC236}">
+                <a16:creationId xmlns:a16="http://schemas.microsoft.com/office/drawing/2014/main" id="{93407E4E-1C86-C163-2B1B-8D685A8E57E9}"/>
               </a:ext>
             </a:extLst>
           </p:cNvPr>
@@ -12542,7 +11519,7 @@
         </p:nvSpPr>
         <p:spPr bwMode="auto">
           <a:xfrm>
-            <a:off x="1253166" y="2683224"/>
+            <a:off x="1292199" y="2708992"/>
             <a:ext cx="990000" cy="360004"/>
           </a:xfrm>
           <a:prstGeom prst="roundRect">
@@ -12578,23 +11555,26 @@
           <a:p>
             <a:pPr algn="ctr"/>
             <a:r>
-              <a:rPr kumimoji="1" lang="ja-JP" altLang="en-US" b="1" dirty="0">
+              <a:rPr kumimoji="1" lang="ja-JP" altLang="en-US" dirty="0">
                 <a:solidFill>
-                  <a:schemeClr val="accent2"/>
+                  <a:schemeClr val="tx1">
+                    <a:lumMod val="75000"/>
+                    <a:lumOff val="25000"/>
+                  </a:schemeClr>
                 </a:solidFill>
                 <a:latin typeface="+mn-ea"/>
               </a:rPr>
-              <a:t>背景</a:t>
-            </a:r>
-          </a:p>
-        </p:txBody>
-      </p:sp>
-      <p:sp>
-        <p:nvSpPr>
-          <p:cNvPr id="27" name="四角形: 角を丸くする 26">
-            <a:extLst>
-              <a:ext uri="{FF2B5EF4-FFF2-40B4-BE49-F238E27FC236}">
-                <a16:creationId xmlns:a16="http://schemas.microsoft.com/office/drawing/2014/main" id="{3081119F-3203-B7F2-D0BE-CFCDF3788C14}"/>
+              <a:t>背景１</a:t>
+            </a:r>
+          </a:p>
+        </p:txBody>
+      </p:sp>
+      <p:sp>
+        <p:nvSpPr>
+          <p:cNvPr id="10" name="四角形: 角を丸くする 9">
+            <a:extLst>
+              <a:ext uri="{FF2B5EF4-FFF2-40B4-BE49-F238E27FC236}">
+                <a16:creationId xmlns:a16="http://schemas.microsoft.com/office/drawing/2014/main" id="{82D88C54-BC59-B5FC-EE72-AD115A0D30AA}"/>
               </a:ext>
             </a:extLst>
           </p:cNvPr>
@@ -12603,7 +11583,7 @@
         </p:nvSpPr>
         <p:spPr bwMode="auto">
           <a:xfrm>
-            <a:off x="2603181" y="2695362"/>
+            <a:off x="3992229" y="2708992"/>
             <a:ext cx="990000" cy="360004"/>
           </a:xfrm>
           <a:prstGeom prst="roundRect">
@@ -12639,23 +11619,26 @@
           <a:p>
             <a:pPr algn="ctr"/>
             <a:r>
-              <a:rPr kumimoji="1" lang="ja-JP" altLang="en-US" b="1" dirty="0">
+              <a:rPr kumimoji="1" lang="ja-JP" altLang="en-US" dirty="0">
                 <a:solidFill>
-                  <a:schemeClr val="accent5"/>
+                  <a:schemeClr val="tx1">
+                    <a:lumMod val="75000"/>
+                    <a:lumOff val="25000"/>
+                  </a:schemeClr>
                 </a:solidFill>
                 <a:latin typeface="+mn-ea"/>
               </a:rPr>
-              <a:t>既存手法</a:t>
-            </a:r>
-          </a:p>
-        </p:txBody>
-      </p:sp>
-      <p:sp>
-        <p:nvSpPr>
-          <p:cNvPr id="28" name="四角形: 角を丸くする 27">
-            <a:extLst>
-              <a:ext uri="{FF2B5EF4-FFF2-40B4-BE49-F238E27FC236}">
-                <a16:creationId xmlns:a16="http://schemas.microsoft.com/office/drawing/2014/main" id="{00DB25A1-F13D-A0E0-29C7-B522B53A5838}"/>
+              <a:t>課題１</a:t>
+            </a:r>
+          </a:p>
+        </p:txBody>
+      </p:sp>
+      <p:sp>
+        <p:nvSpPr>
+          <p:cNvPr id="11" name="四角形: 角を丸くする 10">
+            <a:extLst>
+              <a:ext uri="{FF2B5EF4-FFF2-40B4-BE49-F238E27FC236}">
+                <a16:creationId xmlns:a16="http://schemas.microsoft.com/office/drawing/2014/main" id="{F8B10BA8-6DA6-5BA2-5E86-8434AD3DD359}"/>
               </a:ext>
             </a:extLst>
           </p:cNvPr>
@@ -12664,7 +11647,7 @@
         </p:nvSpPr>
         <p:spPr bwMode="auto">
           <a:xfrm>
-            <a:off x="3953196" y="2708992"/>
+            <a:off x="5342244" y="2708992"/>
             <a:ext cx="990000" cy="360004"/>
           </a:xfrm>
           <a:prstGeom prst="roundRect">
@@ -12700,23 +11683,26 @@
           <a:p>
             <a:pPr algn="ctr"/>
             <a:r>
-              <a:rPr kumimoji="1" lang="ja-JP" altLang="en-US" b="1" dirty="0">
+              <a:rPr kumimoji="1" lang="ja-JP" altLang="en-US" dirty="0">
                 <a:solidFill>
-                  <a:schemeClr val="accent5"/>
+                  <a:schemeClr val="tx1">
+                    <a:lumMod val="75000"/>
+                    <a:lumOff val="25000"/>
+                  </a:schemeClr>
                 </a:solidFill>
                 <a:latin typeface="+mn-ea"/>
               </a:rPr>
-              <a:t>その問題</a:t>
-            </a:r>
-          </a:p>
-        </p:txBody>
-      </p:sp>
-      <p:sp>
-        <p:nvSpPr>
-          <p:cNvPr id="31" name="四角形: 角を丸くする 30">
-            <a:extLst>
-              <a:ext uri="{FF2B5EF4-FFF2-40B4-BE49-F238E27FC236}">
-                <a16:creationId xmlns:a16="http://schemas.microsoft.com/office/drawing/2014/main" id="{8FDF68CB-163F-17E8-CD80-96C662D7448E}"/>
+              <a:t>課題２</a:t>
+            </a:r>
+          </a:p>
+        </p:txBody>
+      </p:sp>
+      <p:sp>
+        <p:nvSpPr>
+          <p:cNvPr id="12" name="四角形: 角を丸くする 11">
+            <a:extLst>
+              <a:ext uri="{FF2B5EF4-FFF2-40B4-BE49-F238E27FC236}">
+                <a16:creationId xmlns:a16="http://schemas.microsoft.com/office/drawing/2014/main" id="{C1267ECA-BCDF-6FCA-548E-B3E5AADFB8A7}"/>
               </a:ext>
             </a:extLst>
           </p:cNvPr>
@@ -12725,7 +11711,7 @@
         </p:nvSpPr>
         <p:spPr bwMode="auto">
           <a:xfrm>
-            <a:off x="5292008" y="2708992"/>
+            <a:off x="6692259" y="2708992"/>
             <a:ext cx="990000" cy="360004"/>
           </a:xfrm>
           <a:prstGeom prst="roundRect">
@@ -12761,25 +11747,26 @@
           <a:p>
             <a:pPr algn="ctr"/>
             <a:r>
-              <a:rPr kumimoji="1" lang="ja-JP" altLang="en-US" b="1" dirty="0">
+              <a:rPr kumimoji="1" lang="ja-JP" altLang="en-US" dirty="0">
                 <a:solidFill>
-                  <a:schemeClr val="accent3">
+                  <a:schemeClr val="tx1">
                     <a:lumMod val="75000"/>
+                    <a:lumOff val="25000"/>
                   </a:schemeClr>
                 </a:solidFill>
                 <a:latin typeface="+mn-ea"/>
               </a:rPr>
-              <a:t>洞察</a:t>
-            </a:r>
-          </a:p>
-        </p:txBody>
-      </p:sp>
-      <p:sp>
-        <p:nvSpPr>
-          <p:cNvPr id="32" name="四角形: 角を丸くする 31">
-            <a:extLst>
-              <a:ext uri="{FF2B5EF4-FFF2-40B4-BE49-F238E27FC236}">
-                <a16:creationId xmlns:a16="http://schemas.microsoft.com/office/drawing/2014/main" id="{EDE8C294-3C05-1998-FF2A-0E1E2D766273}"/>
+              <a:t>提案１</a:t>
+            </a:r>
+          </a:p>
+        </p:txBody>
+      </p:sp>
+      <p:sp>
+        <p:nvSpPr>
+          <p:cNvPr id="13" name="四角形: 角を丸くする 12">
+            <a:extLst>
+              <a:ext uri="{FF2B5EF4-FFF2-40B4-BE49-F238E27FC236}">
+                <a16:creationId xmlns:a16="http://schemas.microsoft.com/office/drawing/2014/main" id="{5E8EA23F-38D9-7A84-7214-0A900EB79ACC}"/>
               </a:ext>
             </a:extLst>
           </p:cNvPr>
@@ -12788,7 +11775,7 @@
         </p:nvSpPr>
         <p:spPr bwMode="auto">
           <a:xfrm>
-            <a:off x="6653226" y="2708992"/>
+            <a:off x="8042274" y="2708992"/>
             <a:ext cx="990000" cy="360004"/>
           </a:xfrm>
           <a:prstGeom prst="roundRect">
@@ -12824,39 +11811,100 @@
           <a:p>
             <a:pPr algn="ctr"/>
             <a:r>
-              <a:rPr kumimoji="1" lang="ja-JP" altLang="en-US" b="1" dirty="0">
+              <a:rPr kumimoji="1" lang="ja-JP" altLang="en-US" dirty="0">
                 <a:solidFill>
-                  <a:schemeClr val="accent3">
+                  <a:schemeClr val="tx1">
                     <a:lumMod val="75000"/>
+                    <a:lumOff val="25000"/>
                   </a:schemeClr>
                 </a:solidFill>
                 <a:latin typeface="+mn-ea"/>
               </a:rPr>
-              <a:t>アイデア</a:t>
+              <a:t>提案２</a:t>
+            </a:r>
+          </a:p>
+        </p:txBody>
+      </p:sp>
+      <p:sp>
+        <p:nvSpPr>
+          <p:cNvPr id="14" name="四角形: 角を丸くする 13">
+            <a:extLst>
+              <a:ext uri="{FF2B5EF4-FFF2-40B4-BE49-F238E27FC236}">
+                <a16:creationId xmlns:a16="http://schemas.microsoft.com/office/drawing/2014/main" id="{205B21BA-1915-A50D-7424-F842FAA5D522}"/>
+              </a:ext>
+            </a:extLst>
+          </p:cNvPr>
+          <p:cNvSpPr/>
+          <p:nvPr/>
+        </p:nvSpPr>
+        <p:spPr bwMode="auto">
+          <a:xfrm>
+            <a:off x="2642214" y="2708992"/>
+            <a:ext cx="990000" cy="360004"/>
+          </a:xfrm>
+          <a:prstGeom prst="roundRect">
+            <a:avLst/>
+          </a:prstGeom>
+          <a:ln>
+            <a:headEnd/>
+            <a:tailEnd type="triangle" w="sm" len="med"/>
+          </a:ln>
+        </p:spPr>
+        <p:style>
+          <a:lnRef idx="1">
+            <a:schemeClr val="accent2"/>
+          </a:lnRef>
+          <a:fillRef idx="2">
+            <a:schemeClr val="accent2"/>
+          </a:fillRef>
+          <a:effectRef idx="1">
+            <a:schemeClr val="accent2"/>
+          </a:effectRef>
+          <a:fontRef idx="minor">
+            <a:schemeClr val="dk1"/>
+          </a:fontRef>
+        </p:style>
+        <p:txBody>
+          <a:bodyPr rot="0" spcFirstLastPara="0" vertOverflow="overflow" horzOverflow="overflow" vert="horz" wrap="none" lIns="91440" tIns="45720" rIns="91440" bIns="45720" numCol="1" spcCol="0" rtlCol="0" fromWordArt="0" anchor="ctr" anchorCtr="0" forceAA="0" compatLnSpc="1">
+            <a:prstTxWarp prst="textNoShape">
+              <a:avLst/>
+            </a:prstTxWarp>
+            <a:noAutofit/>
+          </a:bodyPr>
+          <a:lstStyle/>
+          <a:p>
+            <a:pPr algn="ctr"/>
+            <a:r>
+              <a:rPr kumimoji="1" lang="ja-JP" altLang="en-US" dirty="0">
+                <a:solidFill>
+                  <a:schemeClr val="tx1">
+                    <a:lumMod val="75000"/>
+                    <a:lumOff val="25000"/>
+                  </a:schemeClr>
+                </a:solidFill>
+                <a:latin typeface="+mn-ea"/>
+              </a:rPr>
+              <a:t>背景２</a:t>
             </a:r>
           </a:p>
         </p:txBody>
       </p:sp>
       <p:cxnSp>
         <p:nvCxnSpPr>
-          <p:cNvPr id="36" name="直線矢印コネクタ 35">
-            <a:extLst>
-              <a:ext uri="{FF2B5EF4-FFF2-40B4-BE49-F238E27FC236}">
-                <a16:creationId xmlns:a16="http://schemas.microsoft.com/office/drawing/2014/main" id="{07C3EC9D-3605-A64C-67C8-6C57C4B83E8C}"/>
-              </a:ext>
-            </a:extLst>
-          </p:cNvPr>
-          <p:cNvCxnSpPr>
-            <a:cxnSpLocks/>
-            <a:stCxn id="19" idx="2"/>
-            <a:endCxn id="22" idx="0"/>
-          </p:cNvCxnSpPr>
+          <p:cNvPr id="17" name="直線矢印コネクタ 16">
+            <a:extLst>
+              <a:ext uri="{FF2B5EF4-FFF2-40B4-BE49-F238E27FC236}">
+                <a16:creationId xmlns:a16="http://schemas.microsoft.com/office/drawing/2014/main" id="{2FC7AF24-5A95-7CAD-8ECE-8DE7773BB1D8}"/>
+              </a:ext>
+            </a:extLst>
+          </p:cNvPr>
+          <p:cNvCxnSpPr/>
           <p:nvPr/>
         </p:nvCxnSpPr>
         <p:spPr bwMode="auto">
-          <a:xfrm flipH="1">
-            <a:off x="3773194" y="1628980"/>
-            <a:ext cx="1350015" cy="360004"/>
+          <a:xfrm>
+            <a:off x="5162242" y="1628980"/>
+            <a:ext cx="0" cy="360003"/>
           </a:xfrm>
           <a:prstGeom prst="straightConnector1">
             <a:avLst/>
@@ -12879,24 +11927,24 @@
       </p:cxnSp>
       <p:cxnSp>
         <p:nvCxnSpPr>
-          <p:cNvPr id="37" name="直線矢印コネクタ 36">
-            <a:extLst>
-              <a:ext uri="{FF2B5EF4-FFF2-40B4-BE49-F238E27FC236}">
-                <a16:creationId xmlns:a16="http://schemas.microsoft.com/office/drawing/2014/main" id="{B0F8B33B-2B72-C17E-E7FA-D06C294B94D4}"/>
+          <p:cNvPr id="18" name="直線矢印コネクタ 17">
+            <a:extLst>
+              <a:ext uri="{FF2B5EF4-FFF2-40B4-BE49-F238E27FC236}">
+                <a16:creationId xmlns:a16="http://schemas.microsoft.com/office/drawing/2014/main" id="{6FD5B76A-C8CE-35ED-ECDC-66F278CC4DC7}"/>
               </a:ext>
             </a:extLst>
           </p:cNvPr>
           <p:cNvCxnSpPr>
             <a:cxnSpLocks/>
-            <a:stCxn id="19" idx="2"/>
-            <a:endCxn id="20" idx="0"/>
+            <a:stCxn id="5" idx="2"/>
+            <a:endCxn id="6" idx="0"/>
           </p:cNvCxnSpPr>
           <p:nvPr/>
         </p:nvCxnSpPr>
         <p:spPr bwMode="auto">
           <a:xfrm flipH="1">
-            <a:off x="1748172" y="1628980"/>
-            <a:ext cx="3375037" cy="360004"/>
+            <a:off x="2437094" y="1628980"/>
+            <a:ext cx="2725148" cy="360004"/>
           </a:xfrm>
           <a:prstGeom prst="straightConnector1">
             <a:avLst/>
@@ -12919,24 +11967,24 @@
       </p:cxnSp>
       <p:cxnSp>
         <p:nvCxnSpPr>
-          <p:cNvPr id="38" name="直線矢印コネクタ 37">
-            <a:extLst>
-              <a:ext uri="{FF2B5EF4-FFF2-40B4-BE49-F238E27FC236}">
-                <a16:creationId xmlns:a16="http://schemas.microsoft.com/office/drawing/2014/main" id="{D94D4187-0DC6-15F2-F004-80B4B3329AA7}"/>
+          <p:cNvPr id="21" name="直線矢印コネクタ 20">
+            <a:extLst>
+              <a:ext uri="{FF2B5EF4-FFF2-40B4-BE49-F238E27FC236}">
+                <a16:creationId xmlns:a16="http://schemas.microsoft.com/office/drawing/2014/main" id="{0425EBCC-6E96-297F-1981-7064E477A567}"/>
               </a:ext>
             </a:extLst>
           </p:cNvPr>
           <p:cNvCxnSpPr>
             <a:cxnSpLocks/>
-            <a:stCxn id="19" idx="2"/>
-            <a:endCxn id="23" idx="0"/>
+            <a:stCxn id="5" idx="2"/>
+            <a:endCxn id="8" idx="0"/>
           </p:cNvCxnSpPr>
           <p:nvPr/>
         </p:nvCxnSpPr>
         <p:spPr bwMode="auto">
           <a:xfrm>
-            <a:off x="5123209" y="1628980"/>
-            <a:ext cx="2025023" cy="360004"/>
+            <a:off x="5162242" y="1628980"/>
+            <a:ext cx="2700030" cy="360004"/>
           </a:xfrm>
           <a:prstGeom prst="straightConnector1">
             <a:avLst/>
@@ -12959,24 +12007,24 @@
       </p:cxnSp>
       <p:cxnSp>
         <p:nvCxnSpPr>
-          <p:cNvPr id="39" name="直線矢印コネクタ 38">
-            <a:extLst>
-              <a:ext uri="{FF2B5EF4-FFF2-40B4-BE49-F238E27FC236}">
-                <a16:creationId xmlns:a16="http://schemas.microsoft.com/office/drawing/2014/main" id="{A214842E-9068-35F9-3BF9-D85202347709}"/>
+          <p:cNvPr id="24" name="直線矢印コネクタ 23">
+            <a:extLst>
+              <a:ext uri="{FF2B5EF4-FFF2-40B4-BE49-F238E27FC236}">
+                <a16:creationId xmlns:a16="http://schemas.microsoft.com/office/drawing/2014/main" id="{E7CC3F3A-DB7F-4591-190A-56AD3B24EE0B}"/>
               </a:ext>
             </a:extLst>
           </p:cNvPr>
           <p:cNvCxnSpPr>
             <a:cxnSpLocks/>
-            <a:stCxn id="20" idx="2"/>
-            <a:endCxn id="25" idx="0"/>
+            <a:stCxn id="6" idx="2"/>
+            <a:endCxn id="9" idx="0"/>
           </p:cNvCxnSpPr>
           <p:nvPr/>
         </p:nvCxnSpPr>
         <p:spPr bwMode="auto">
           <a:xfrm flipH="1">
-            <a:off x="1748166" y="2348988"/>
-            <a:ext cx="6" cy="334236"/>
+            <a:off x="1787199" y="2348988"/>
+            <a:ext cx="649895" cy="360004"/>
           </a:xfrm>
           <a:prstGeom prst="straightConnector1">
             <a:avLst/>
@@ -12999,24 +12047,24 @@
       </p:cxnSp>
       <p:cxnSp>
         <p:nvCxnSpPr>
-          <p:cNvPr id="41" name="直線矢印コネクタ 40">
-            <a:extLst>
-              <a:ext uri="{FF2B5EF4-FFF2-40B4-BE49-F238E27FC236}">
-                <a16:creationId xmlns:a16="http://schemas.microsoft.com/office/drawing/2014/main" id="{3482F275-9D3A-4A57-AB5E-AEFB96C07901}"/>
+          <p:cNvPr id="26" name="直線矢印コネクタ 25">
+            <a:extLst>
+              <a:ext uri="{FF2B5EF4-FFF2-40B4-BE49-F238E27FC236}">
+                <a16:creationId xmlns:a16="http://schemas.microsoft.com/office/drawing/2014/main" id="{F42B04D7-592A-6183-C36F-02F533BF5CF5}"/>
               </a:ext>
             </a:extLst>
           </p:cNvPr>
           <p:cNvCxnSpPr>
             <a:cxnSpLocks/>
-            <a:stCxn id="22" idx="2"/>
-            <a:endCxn id="28" idx="0"/>
+            <a:stCxn id="6" idx="2"/>
+            <a:endCxn id="14" idx="0"/>
           </p:cNvCxnSpPr>
           <p:nvPr/>
         </p:nvCxnSpPr>
         <p:spPr bwMode="auto">
           <a:xfrm>
-            <a:off x="3773194" y="2348988"/>
-            <a:ext cx="675002" cy="360004"/>
+            <a:off x="2437094" y="2348988"/>
+            <a:ext cx="700120" cy="360004"/>
           </a:xfrm>
           <a:prstGeom prst="straightConnector1">
             <a:avLst/>
@@ -13039,24 +12087,23 @@
       </p:cxnSp>
       <p:cxnSp>
         <p:nvCxnSpPr>
-          <p:cNvPr id="42" name="直線矢印コネクタ 41">
-            <a:extLst>
-              <a:ext uri="{FF2B5EF4-FFF2-40B4-BE49-F238E27FC236}">
-                <a16:creationId xmlns:a16="http://schemas.microsoft.com/office/drawing/2014/main" id="{F455CAC9-923B-6862-EC95-BDF9E3407F63}"/>
+          <p:cNvPr id="29" name="直線矢印コネクタ 28">
+            <a:extLst>
+              <a:ext uri="{FF2B5EF4-FFF2-40B4-BE49-F238E27FC236}">
+                <a16:creationId xmlns:a16="http://schemas.microsoft.com/office/drawing/2014/main" id="{63A42914-3B9C-2617-A1F3-C2918EC57146}"/>
               </a:ext>
             </a:extLst>
           </p:cNvPr>
           <p:cNvCxnSpPr>
             <a:cxnSpLocks/>
-            <a:stCxn id="22" idx="2"/>
-            <a:endCxn id="27" idx="0"/>
+            <a:endCxn id="11" idx="0"/>
           </p:cNvCxnSpPr>
           <p:nvPr/>
         </p:nvCxnSpPr>
         <p:spPr bwMode="auto">
-          <a:xfrm flipH="1">
-            <a:off x="3098181" y="2348988"/>
-            <a:ext cx="675013" cy="346374"/>
+          <a:xfrm>
+            <a:off x="5162242" y="2348988"/>
+            <a:ext cx="675002" cy="360004"/>
           </a:xfrm>
           <a:prstGeom prst="straightConnector1">
             <a:avLst/>
@@ -13079,24 +12126,24 @@
       </p:cxnSp>
       <p:cxnSp>
         <p:nvCxnSpPr>
-          <p:cNvPr id="43" name="直線矢印コネクタ 42">
-            <a:extLst>
-              <a:ext uri="{FF2B5EF4-FFF2-40B4-BE49-F238E27FC236}">
-                <a16:creationId xmlns:a16="http://schemas.microsoft.com/office/drawing/2014/main" id="{542246E7-E24E-FA79-3D02-A262C3D2BBEE}"/>
+          <p:cNvPr id="30" name="直線矢印コネクタ 29">
+            <a:extLst>
+              <a:ext uri="{FF2B5EF4-FFF2-40B4-BE49-F238E27FC236}">
+                <a16:creationId xmlns:a16="http://schemas.microsoft.com/office/drawing/2014/main" id="{16887226-34ED-BE47-8D2F-88F00D308F5F}"/>
               </a:ext>
             </a:extLst>
           </p:cNvPr>
           <p:cNvCxnSpPr>
             <a:cxnSpLocks/>
-            <a:stCxn id="23" idx="2"/>
-            <a:endCxn id="32" idx="0"/>
+            <a:stCxn id="7" idx="2"/>
+            <a:endCxn id="10" idx="0"/>
           </p:cNvCxnSpPr>
           <p:nvPr/>
         </p:nvCxnSpPr>
         <p:spPr bwMode="auto">
           <a:xfrm flipH="1">
-            <a:off x="7148226" y="2348988"/>
-            <a:ext cx="6" cy="360004"/>
+            <a:off x="4487229" y="2348988"/>
+            <a:ext cx="675013" cy="360004"/>
           </a:xfrm>
           <a:prstGeom prst="straightConnector1">
             <a:avLst/>
@@ -13119,24 +12166,23 @@
       </p:cxnSp>
       <p:cxnSp>
         <p:nvCxnSpPr>
-          <p:cNvPr id="44" name="直線矢印コネクタ 43">
-            <a:extLst>
-              <a:ext uri="{FF2B5EF4-FFF2-40B4-BE49-F238E27FC236}">
-                <a16:creationId xmlns:a16="http://schemas.microsoft.com/office/drawing/2014/main" id="{DBDA4000-A502-E1B9-4D8D-45CBA4DEE417}"/>
+          <p:cNvPr id="33" name="直線矢印コネクタ 32">
+            <a:extLst>
+              <a:ext uri="{FF2B5EF4-FFF2-40B4-BE49-F238E27FC236}">
+                <a16:creationId xmlns:a16="http://schemas.microsoft.com/office/drawing/2014/main" id="{26EF2CBA-DD21-A3A6-D377-F872E60E28EE}"/>
               </a:ext>
             </a:extLst>
           </p:cNvPr>
           <p:cNvCxnSpPr>
             <a:cxnSpLocks/>
-            <a:stCxn id="23" idx="2"/>
-            <a:endCxn id="31" idx="0"/>
+            <a:endCxn id="13" idx="0"/>
           </p:cNvCxnSpPr>
           <p:nvPr/>
         </p:nvCxnSpPr>
         <p:spPr bwMode="auto">
-          <a:xfrm flipH="1">
-            <a:off x="5787008" y="2348988"/>
-            <a:ext cx="1361224" cy="360004"/>
+          <a:xfrm>
+            <a:off x="7862272" y="2348988"/>
+            <a:ext cx="675002" cy="360004"/>
           </a:xfrm>
           <a:prstGeom prst="straightConnector1">
             <a:avLst/>
@@ -13157,89 +12203,25 @@
           <a:effectLst/>
         </p:spPr>
       </p:cxnSp>
-      <p:sp>
-        <p:nvSpPr>
-          <p:cNvPr id="57" name="四角形: 角を丸くする 56">
-            <a:extLst>
-              <a:ext uri="{FF2B5EF4-FFF2-40B4-BE49-F238E27FC236}">
-                <a16:creationId xmlns:a16="http://schemas.microsoft.com/office/drawing/2014/main" id="{0C0D2DAC-C98B-2F2A-286E-C3551D774EE5}"/>
-              </a:ext>
-            </a:extLst>
-          </p:cNvPr>
-          <p:cNvSpPr/>
-          <p:nvPr/>
-        </p:nvSpPr>
-        <p:spPr bwMode="auto">
-          <a:xfrm>
-            <a:off x="8003241" y="2708992"/>
-            <a:ext cx="990000" cy="360004"/>
-          </a:xfrm>
-          <a:prstGeom prst="roundRect">
-            <a:avLst/>
-          </a:prstGeom>
-          <a:ln>
-            <a:headEnd/>
-            <a:tailEnd type="triangle" w="sm" len="med"/>
-          </a:ln>
-        </p:spPr>
-        <p:style>
-          <a:lnRef idx="1">
-            <a:schemeClr val="accent3"/>
-          </a:lnRef>
-          <a:fillRef idx="2">
-            <a:schemeClr val="accent3"/>
-          </a:fillRef>
-          <a:effectRef idx="1">
-            <a:schemeClr val="accent3"/>
-          </a:effectRef>
-          <a:fontRef idx="minor">
-            <a:schemeClr val="dk1"/>
-          </a:fontRef>
-        </p:style>
-        <p:txBody>
-          <a:bodyPr rot="0" spcFirstLastPara="0" vertOverflow="overflow" horzOverflow="overflow" vert="horz" wrap="none" lIns="91440" tIns="45720" rIns="91440" bIns="45720" numCol="1" spcCol="0" rtlCol="0" fromWordArt="0" anchor="ctr" anchorCtr="0" forceAA="0" compatLnSpc="1">
-            <a:prstTxWarp prst="textNoShape">
-              <a:avLst/>
-            </a:prstTxWarp>
-            <a:noAutofit/>
-          </a:bodyPr>
-          <a:lstStyle/>
-          <a:p>
-            <a:pPr algn="ctr"/>
-            <a:r>
-              <a:rPr kumimoji="1" lang="ja-JP" altLang="en-US" b="1" dirty="0">
-                <a:solidFill>
-                  <a:schemeClr val="accent3">
-                    <a:lumMod val="75000"/>
-                  </a:schemeClr>
-                </a:solidFill>
-                <a:latin typeface="+mn-ea"/>
-              </a:rPr>
-              <a:t>評価結果</a:t>
-            </a:r>
-          </a:p>
-        </p:txBody>
-      </p:sp>
       <p:cxnSp>
         <p:nvCxnSpPr>
-          <p:cNvPr id="58" name="直線矢印コネクタ 57">
-            <a:extLst>
-              <a:ext uri="{FF2B5EF4-FFF2-40B4-BE49-F238E27FC236}">
-                <a16:creationId xmlns:a16="http://schemas.microsoft.com/office/drawing/2014/main" id="{98292862-FBFC-1FDA-FBDB-65DF89A3C745}"/>
+          <p:cNvPr id="34" name="直線矢印コネクタ 33">
+            <a:extLst>
+              <a:ext uri="{FF2B5EF4-FFF2-40B4-BE49-F238E27FC236}">
+                <a16:creationId xmlns:a16="http://schemas.microsoft.com/office/drawing/2014/main" id="{F11ECC10-B78B-633C-4329-B401A2A37DA9}"/>
               </a:ext>
             </a:extLst>
           </p:cNvPr>
           <p:cNvCxnSpPr>
             <a:cxnSpLocks/>
-            <a:stCxn id="23" idx="2"/>
-            <a:endCxn id="57" idx="0"/>
+            <a:endCxn id="12" idx="0"/>
           </p:cNvCxnSpPr>
           <p:nvPr/>
         </p:nvCxnSpPr>
         <p:spPr bwMode="auto">
-          <a:xfrm>
-            <a:off x="7148232" y="2348988"/>
-            <a:ext cx="1350009" cy="360004"/>
+          <a:xfrm flipH="1">
+            <a:off x="7187259" y="2348988"/>
+            <a:ext cx="675013" cy="360004"/>
           </a:xfrm>
           <a:prstGeom prst="straightConnector1">
             <a:avLst/>
@@ -13262,10 +12244,10 @@
       </p:cxnSp>
       <p:sp>
         <p:nvSpPr>
-          <p:cNvPr id="89" name="四角形: 角を丸くする 88">
-            <a:extLst>
-              <a:ext uri="{FF2B5EF4-FFF2-40B4-BE49-F238E27FC236}">
-                <a16:creationId xmlns:a16="http://schemas.microsoft.com/office/drawing/2014/main" id="{BF7EB89D-1A2D-E4F9-EEA8-639756123507}"/>
+          <p:cNvPr id="72" name="四角形: 角を丸くする 71">
+            <a:extLst>
+              <a:ext uri="{FF2B5EF4-FFF2-40B4-BE49-F238E27FC236}">
+                <a16:creationId xmlns:a16="http://schemas.microsoft.com/office/drawing/2014/main" id="{63000EB3-B894-2C65-1FF7-C66E94FE5DA2}"/>
               </a:ext>
             </a:extLst>
           </p:cNvPr>
@@ -13274,7 +12256,7 @@
         </p:nvSpPr>
         <p:spPr bwMode="auto">
           <a:xfrm>
-            <a:off x="31269" y="1988984"/>
+            <a:off x="0" y="1988984"/>
             <a:ext cx="1080012" cy="360004"/>
           </a:xfrm>
           <a:prstGeom prst="roundRect">
@@ -13329,10 +12311,10 @@
       </p:sp>
       <p:sp>
         <p:nvSpPr>
-          <p:cNvPr id="90" name="四角形: 角を丸くする 89">
-            <a:extLst>
-              <a:ext uri="{FF2B5EF4-FFF2-40B4-BE49-F238E27FC236}">
-                <a16:creationId xmlns:a16="http://schemas.microsoft.com/office/drawing/2014/main" id="{7E56385C-CB2C-3809-CCB5-9CB3668B9F73}"/>
+          <p:cNvPr id="73" name="四角形: 角を丸くする 72">
+            <a:extLst>
+              <a:ext uri="{FF2B5EF4-FFF2-40B4-BE49-F238E27FC236}">
+                <a16:creationId xmlns:a16="http://schemas.microsoft.com/office/drawing/2014/main" id="{64954E3A-4D67-EDA9-C3B4-3554BCE86956}"/>
               </a:ext>
             </a:extLst>
           </p:cNvPr>
@@ -13341,7 +12323,7 @@
         </p:nvSpPr>
         <p:spPr bwMode="auto">
           <a:xfrm>
-            <a:off x="63454" y="2708992"/>
+            <a:off x="32185" y="2708992"/>
             <a:ext cx="1080012" cy="360004"/>
           </a:xfrm>
           <a:prstGeom prst="roundRect">
@@ -13380,7 +12362,7 @@
           <a:p>
             <a:pPr algn="ctr"/>
             <a:r>
-              <a:rPr kumimoji="1" lang="ja-JP" altLang="en-US" dirty="0">
+              <a:rPr lang="ja-JP" altLang="en-US" dirty="0">
                 <a:solidFill>
                   <a:schemeClr val="tx1">
                     <a:lumMod val="75000"/>
@@ -13391,13 +12373,22 @@
               </a:rPr>
               <a:t>イントロ</a:t>
             </a:r>
+            <a:endParaRPr kumimoji="1" lang="ja-JP" altLang="en-US" dirty="0">
+              <a:solidFill>
+                <a:schemeClr val="tx1">
+                  <a:lumMod val="75000"/>
+                  <a:lumOff val="25000"/>
+                </a:schemeClr>
+              </a:solidFill>
+              <a:latin typeface="+mn-ea"/>
+            </a:endParaRPr>
           </a:p>
         </p:txBody>
       </p:sp>
     </p:spTree>
     <p:extLst>
       <p:ext uri="{BB962C8B-B14F-4D97-AF65-F5344CB8AC3E}">
-        <p14:creationId xmlns:p14="http://schemas.microsoft.com/office/powerpoint/2010/main" val="3688885714"/>
+        <p14:creationId xmlns:p14="http://schemas.microsoft.com/office/powerpoint/2010/main" val="357553926"/>
       </p:ext>
     </p:extLst>
   </p:cSld>
@@ -13615,7 +12606,7 @@
           <p:cNvPr id="2" name="タイトル 1">
             <a:extLst>
               <a:ext uri="{FF2B5EF4-FFF2-40B4-BE49-F238E27FC236}">
-                <a16:creationId xmlns:a16="http://schemas.microsoft.com/office/drawing/2014/main" id="{2719BBCA-CA4F-4773-E09D-3876AD40A638}"/>
+                <a16:creationId xmlns:a16="http://schemas.microsoft.com/office/drawing/2014/main" id="{18A42B14-CF0C-96E2-5CF7-6662DFA3735D}"/>
               </a:ext>
             </a:extLst>
           </p:cNvPr>
@@ -13632,8 +12623,12 @@
           <a:lstStyle/>
           <a:p>
             <a:r>
+              <a:rPr lang="ja-JP" altLang="en-US" dirty="0"/>
+              <a:t>イントロ</a:t>
+            </a:r>
+            <a:r>
               <a:rPr kumimoji="1" lang="ja-JP" altLang="en-US" dirty="0"/>
-              <a:t>イントロプロットと全体プロット</a:t>
+              <a:t>プロット時の配分</a:t>
             </a:r>
           </a:p>
         </p:txBody>
@@ -13643,7 +12638,7 @@
           <p:cNvPr id="3" name="テキスト プレースホルダー 2">
             <a:extLst>
               <a:ext uri="{FF2B5EF4-FFF2-40B4-BE49-F238E27FC236}">
-                <a16:creationId xmlns:a16="http://schemas.microsoft.com/office/drawing/2014/main" id="{E2641AA1-1A0A-9B61-5A99-7EE0B80BC37B}"/>
+                <a16:creationId xmlns:a16="http://schemas.microsoft.com/office/drawing/2014/main" id="{AAB0013E-6128-536A-AD5E-A87E6DA3282A}"/>
               </a:ext>
             </a:extLst>
           </p:cNvPr>
@@ -13654,122 +12649,1192 @@
             <p:ph type="body" sz="quarter" idx="10"/>
           </p:nvPr>
         </p:nvSpPr>
-        <p:spPr/>
+        <p:spPr>
+          <a:xfrm>
+            <a:off x="611956" y="3519001"/>
+            <a:ext cx="8280092" cy="2969726"/>
+          </a:xfrm>
+        </p:spPr>
         <p:txBody>
           <a:bodyPr/>
           <a:lstStyle/>
           <a:p>
-            <a:pPr marL="457200" indent="-457200">
-              <a:buFont typeface="+mj-lt"/>
-              <a:buAutoNum type="arabicPeriod"/>
-            </a:pPr>
+            <a:r>
+              <a:rPr lang="ja-JP" altLang="en-US" sz="1800" dirty="0"/>
+              <a:t>イントロ</a:t>
+            </a:r>
             <a:r>
               <a:rPr kumimoji="1" lang="ja-JP" altLang="en-US" sz="1800" dirty="0"/>
-              <a:t>イントロの重要な役割の１つは全体を</a:t>
-            </a:r>
-            <a:r>
-              <a:rPr lang="ja-JP" altLang="en-US" sz="1800" dirty="0"/>
-              <a:t>要約して紹介すること</a:t>
-            </a:r>
-            <a:endParaRPr lang="en-US" altLang="ja-JP" sz="1800" dirty="0"/>
+              <a:t>プロット時の配分には自由度がある</a:t>
+            </a:r>
+            <a:endParaRPr kumimoji="1" lang="en-US" altLang="ja-JP" sz="1800" dirty="0"/>
           </a:p>
           <a:p>
             <a:pPr lvl="1"/>
             <a:r>
               <a:rPr kumimoji="1" lang="ja-JP" altLang="en-US" sz="1800" dirty="0"/>
-              <a:t>したがって，全体プロットは「基本的には」イントロプロットをより詳細化して作ることになる</a:t>
+              <a:t>３点のどこをどれだけ詳しく話すかは，論文ごとに異なる</a:t>
             </a:r>
             <a:endParaRPr kumimoji="1" lang="en-US" altLang="ja-JP" sz="1800" dirty="0"/>
           </a:p>
           <a:p>
-            <a:pPr marL="457200" indent="-457200">
-              <a:buFont typeface="+mj-lt"/>
-              <a:buAutoNum type="arabicPeriod"/>
-            </a:pPr>
             <a:r>
               <a:rPr kumimoji="1" lang="ja-JP" altLang="en-US" sz="1800" dirty="0"/>
-              <a:t>イントロの</a:t>
-            </a:r>
-            <a:r>
-              <a:rPr lang="ja-JP" altLang="en-US" sz="1800" dirty="0"/>
-              <a:t>もう１つの役割は</a:t>
-            </a:r>
-            <a:r>
-              <a:rPr kumimoji="1" lang="ja-JP" altLang="en-US" sz="1800" dirty="0">
+              <a:t>たとえば，</a:t>
+            </a:r>
+            <a:endParaRPr kumimoji="1" lang="en-US" altLang="ja-JP" sz="1800" dirty="0"/>
+          </a:p>
+          <a:p>
+            <a:pPr lvl="1"/>
+            <a:r>
+              <a:rPr kumimoji="1" lang="ja-JP" altLang="en-US" sz="1800" dirty="0"/>
+              <a:t>背景は１つのままで，提案を増やす事が多い（上の図の例）</a:t>
+            </a:r>
+            <a:endParaRPr kumimoji="1" lang="en-US" altLang="ja-JP" sz="1800" dirty="0"/>
+          </a:p>
+          <a:p>
+            <a:pPr lvl="1"/>
+            <a:r>
+              <a:rPr kumimoji="1" lang="ja-JP" altLang="en-US" sz="1800" dirty="0"/>
+              <a:t>あまり一般的ではない話題の場合，背景が多めの配分になる事も</a:t>
+            </a:r>
+            <a:endParaRPr kumimoji="1" lang="en-US" altLang="ja-JP" sz="1800" dirty="0"/>
+          </a:p>
+          <a:p>
+            <a:pPr lvl="1"/>
+            <a:r>
+              <a:rPr kumimoji="1" lang="ja-JP" altLang="en-US" sz="1800" dirty="0"/>
+              <a:t>逆に課題の発見や整理こそが大事な場合，提案は自明なため短くなる</a:t>
+            </a:r>
+          </a:p>
+        </p:txBody>
+      </p:sp>
+      <p:sp>
+        <p:nvSpPr>
+          <p:cNvPr id="19" name="四角形: 角を丸くする 18">
+            <a:extLst>
+              <a:ext uri="{FF2B5EF4-FFF2-40B4-BE49-F238E27FC236}">
+                <a16:creationId xmlns:a16="http://schemas.microsoft.com/office/drawing/2014/main" id="{2EEE0849-75EC-0EEC-A121-858C97D62C77}"/>
+              </a:ext>
+            </a:extLst>
+          </p:cNvPr>
+          <p:cNvSpPr/>
+          <p:nvPr/>
+        </p:nvSpPr>
+        <p:spPr bwMode="auto">
+          <a:xfrm>
+            <a:off x="4403201" y="1268976"/>
+            <a:ext cx="1440015" cy="360004"/>
+          </a:xfrm>
+          <a:prstGeom prst="roundRect">
+            <a:avLst/>
+          </a:prstGeom>
+          <a:ln>
+            <a:headEnd/>
+            <a:tailEnd type="triangle" w="sm" len="med"/>
+          </a:ln>
+        </p:spPr>
+        <p:style>
+          <a:lnRef idx="1">
+            <a:schemeClr val="accent4"/>
+          </a:lnRef>
+          <a:fillRef idx="2">
+            <a:schemeClr val="accent4"/>
+          </a:fillRef>
+          <a:effectRef idx="1">
+            <a:schemeClr val="accent4"/>
+          </a:effectRef>
+          <a:fontRef idx="minor">
+            <a:schemeClr val="dk1"/>
+          </a:fontRef>
+        </p:style>
+        <p:txBody>
+          <a:bodyPr rot="0" spcFirstLastPara="0" vertOverflow="overflow" horzOverflow="overflow" vert="horz" wrap="none" lIns="91440" tIns="45720" rIns="91440" bIns="45720" numCol="1" spcCol="0" rtlCol="0" fromWordArt="0" anchor="ctr" anchorCtr="0" forceAA="0" compatLnSpc="1">
+            <a:prstTxWarp prst="textNoShape">
+              <a:avLst/>
+            </a:prstTxWarp>
+            <a:noAutofit/>
+          </a:bodyPr>
+          <a:lstStyle/>
+          <a:p>
+            <a:pPr algn="ctr"/>
+            <a:r>
+              <a:rPr kumimoji="1" lang="ja-JP" altLang="en-US" dirty="0">
+                <a:solidFill>
+                  <a:schemeClr val="tx1">
+                    <a:lumMod val="75000"/>
+                    <a:lumOff val="25000"/>
+                  </a:schemeClr>
+                </a:solidFill>
+                <a:latin typeface="+mn-ea"/>
+              </a:rPr>
+              <a:t>目標規定文</a:t>
+            </a:r>
+          </a:p>
+        </p:txBody>
+      </p:sp>
+      <p:sp>
+        <p:nvSpPr>
+          <p:cNvPr id="20" name="四角形: 角を丸くする 19">
+            <a:extLst>
+              <a:ext uri="{FF2B5EF4-FFF2-40B4-BE49-F238E27FC236}">
+                <a16:creationId xmlns:a16="http://schemas.microsoft.com/office/drawing/2014/main" id="{BAD5C687-09C7-5752-065A-0E9419D409B6}"/>
+              </a:ext>
+            </a:extLst>
+          </p:cNvPr>
+          <p:cNvSpPr/>
+          <p:nvPr/>
+        </p:nvSpPr>
+        <p:spPr bwMode="auto">
+          <a:xfrm>
+            <a:off x="1253166" y="1988984"/>
+            <a:ext cx="990011" cy="360004"/>
+          </a:xfrm>
+          <a:prstGeom prst="roundRect">
+            <a:avLst/>
+          </a:prstGeom>
+          <a:ln>
+            <a:headEnd/>
+            <a:tailEnd type="triangle" w="sm" len="med"/>
+          </a:ln>
+        </p:spPr>
+        <p:style>
+          <a:lnRef idx="1">
+            <a:schemeClr val="accent2"/>
+          </a:lnRef>
+          <a:fillRef idx="2">
+            <a:schemeClr val="accent2"/>
+          </a:fillRef>
+          <a:effectRef idx="1">
+            <a:schemeClr val="accent2"/>
+          </a:effectRef>
+          <a:fontRef idx="minor">
+            <a:schemeClr val="dk1"/>
+          </a:fontRef>
+        </p:style>
+        <p:txBody>
+          <a:bodyPr rot="0" spcFirstLastPara="0" vertOverflow="overflow" horzOverflow="overflow" vert="horz" wrap="none" lIns="91440" tIns="45720" rIns="91440" bIns="45720" numCol="1" spcCol="0" rtlCol="0" fromWordArt="0" anchor="ctr" anchorCtr="0" forceAA="0" compatLnSpc="1">
+            <a:prstTxWarp prst="textNoShape">
+              <a:avLst/>
+            </a:prstTxWarp>
+            <a:noAutofit/>
+          </a:bodyPr>
+          <a:lstStyle/>
+          <a:p>
+            <a:pPr algn="ctr"/>
+            <a:r>
+              <a:rPr kumimoji="1" lang="ja-JP" altLang="en-US" dirty="0">
+                <a:solidFill>
+                  <a:schemeClr val="tx1">
+                    <a:lumMod val="75000"/>
+                    <a:lumOff val="25000"/>
+                  </a:schemeClr>
+                </a:solidFill>
+                <a:latin typeface="+mn-ea"/>
+              </a:rPr>
+              <a:t>背景</a:t>
+            </a:r>
+          </a:p>
+        </p:txBody>
+      </p:sp>
+      <p:sp>
+        <p:nvSpPr>
+          <p:cNvPr id="22" name="四角形: 角を丸くする 21">
+            <a:extLst>
+              <a:ext uri="{FF2B5EF4-FFF2-40B4-BE49-F238E27FC236}">
+                <a16:creationId xmlns:a16="http://schemas.microsoft.com/office/drawing/2014/main" id="{FF6D4719-831E-0C39-54DD-ADD9CB655222}"/>
+              </a:ext>
+            </a:extLst>
+          </p:cNvPr>
+          <p:cNvSpPr/>
+          <p:nvPr/>
+        </p:nvSpPr>
+        <p:spPr bwMode="auto">
+          <a:xfrm>
+            <a:off x="3233188" y="1988984"/>
+            <a:ext cx="1080012" cy="360004"/>
+          </a:xfrm>
+          <a:prstGeom prst="roundRect">
+            <a:avLst/>
+          </a:prstGeom>
+          <a:ln>
+            <a:headEnd/>
+            <a:tailEnd type="triangle" w="sm" len="med"/>
+          </a:ln>
+        </p:spPr>
+        <p:style>
+          <a:lnRef idx="1">
+            <a:schemeClr val="accent5"/>
+          </a:lnRef>
+          <a:fillRef idx="2">
+            <a:schemeClr val="accent5"/>
+          </a:fillRef>
+          <a:effectRef idx="1">
+            <a:schemeClr val="accent5"/>
+          </a:effectRef>
+          <a:fontRef idx="minor">
+            <a:schemeClr val="dk1"/>
+          </a:fontRef>
+        </p:style>
+        <p:txBody>
+          <a:bodyPr rot="0" spcFirstLastPara="0" vertOverflow="overflow" horzOverflow="overflow" vert="horz" wrap="none" lIns="91440" tIns="45720" rIns="91440" bIns="45720" numCol="1" spcCol="0" rtlCol="0" fromWordArt="0" anchor="ctr" anchorCtr="0" forceAA="0" compatLnSpc="1">
+            <a:prstTxWarp prst="textNoShape">
+              <a:avLst/>
+            </a:prstTxWarp>
+            <a:noAutofit/>
+          </a:bodyPr>
+          <a:lstStyle/>
+          <a:p>
+            <a:pPr algn="ctr"/>
+            <a:r>
+              <a:rPr kumimoji="1" lang="ja-JP" altLang="en-US" dirty="0">
+                <a:solidFill>
+                  <a:schemeClr val="tx1">
+                    <a:lumMod val="75000"/>
+                    <a:lumOff val="25000"/>
+                  </a:schemeClr>
+                </a:solidFill>
+                <a:latin typeface="+mn-ea"/>
+              </a:rPr>
+              <a:t>課題</a:t>
+            </a:r>
+          </a:p>
+        </p:txBody>
+      </p:sp>
+      <p:sp>
+        <p:nvSpPr>
+          <p:cNvPr id="23" name="四角形: 角を丸くする 22">
+            <a:extLst>
+              <a:ext uri="{FF2B5EF4-FFF2-40B4-BE49-F238E27FC236}">
+                <a16:creationId xmlns:a16="http://schemas.microsoft.com/office/drawing/2014/main" id="{3554FF05-B976-1511-4572-9C67A6A82486}"/>
+              </a:ext>
+            </a:extLst>
+          </p:cNvPr>
+          <p:cNvSpPr/>
+          <p:nvPr/>
+        </p:nvSpPr>
+        <p:spPr bwMode="auto">
+          <a:xfrm>
+            <a:off x="6653226" y="1988984"/>
+            <a:ext cx="990011" cy="360004"/>
+          </a:xfrm>
+          <a:prstGeom prst="roundRect">
+            <a:avLst/>
+          </a:prstGeom>
+          <a:ln>
+            <a:headEnd/>
+            <a:tailEnd type="triangle" w="sm" len="med"/>
+          </a:ln>
+        </p:spPr>
+        <p:style>
+          <a:lnRef idx="1">
+            <a:schemeClr val="accent3"/>
+          </a:lnRef>
+          <a:fillRef idx="2">
+            <a:schemeClr val="accent3"/>
+          </a:fillRef>
+          <a:effectRef idx="1">
+            <a:schemeClr val="accent3"/>
+          </a:effectRef>
+          <a:fontRef idx="minor">
+            <a:schemeClr val="dk1"/>
+          </a:fontRef>
+        </p:style>
+        <p:txBody>
+          <a:bodyPr rot="0" spcFirstLastPara="0" vertOverflow="overflow" horzOverflow="overflow" vert="horz" wrap="none" lIns="91440" tIns="45720" rIns="91440" bIns="45720" numCol="1" spcCol="0" rtlCol="0" fromWordArt="0" anchor="ctr" anchorCtr="0" forceAA="0" compatLnSpc="1">
+            <a:prstTxWarp prst="textNoShape">
+              <a:avLst/>
+            </a:prstTxWarp>
+            <a:noAutofit/>
+          </a:bodyPr>
+          <a:lstStyle/>
+          <a:p>
+            <a:pPr algn="ctr"/>
+            <a:r>
+              <a:rPr kumimoji="1" lang="ja-JP" altLang="en-US" dirty="0">
+                <a:solidFill>
+                  <a:schemeClr val="tx1">
+                    <a:lumMod val="75000"/>
+                    <a:lumOff val="25000"/>
+                  </a:schemeClr>
+                </a:solidFill>
+                <a:latin typeface="+mn-ea"/>
+              </a:rPr>
+              <a:t>提案</a:t>
+            </a:r>
+          </a:p>
+        </p:txBody>
+      </p:sp>
+      <p:sp>
+        <p:nvSpPr>
+          <p:cNvPr id="25" name="四角形: 角を丸くする 24">
+            <a:extLst>
+              <a:ext uri="{FF2B5EF4-FFF2-40B4-BE49-F238E27FC236}">
+                <a16:creationId xmlns:a16="http://schemas.microsoft.com/office/drawing/2014/main" id="{1C9DE02F-B00A-2AD8-1212-2A438A6D71DC}"/>
+              </a:ext>
+            </a:extLst>
+          </p:cNvPr>
+          <p:cNvSpPr/>
+          <p:nvPr/>
+        </p:nvSpPr>
+        <p:spPr bwMode="auto">
+          <a:xfrm>
+            <a:off x="1253166" y="2683224"/>
+            <a:ext cx="990000" cy="360004"/>
+          </a:xfrm>
+          <a:prstGeom prst="roundRect">
+            <a:avLst/>
+          </a:prstGeom>
+          <a:ln>
+            <a:headEnd/>
+            <a:tailEnd type="triangle" w="sm" len="med"/>
+          </a:ln>
+        </p:spPr>
+        <p:style>
+          <a:lnRef idx="1">
+            <a:schemeClr val="accent2"/>
+          </a:lnRef>
+          <a:fillRef idx="2">
+            <a:schemeClr val="accent2"/>
+          </a:fillRef>
+          <a:effectRef idx="1">
+            <a:schemeClr val="accent2"/>
+          </a:effectRef>
+          <a:fontRef idx="minor">
+            <a:schemeClr val="dk1"/>
+          </a:fontRef>
+        </p:style>
+        <p:txBody>
+          <a:bodyPr rot="0" spcFirstLastPara="0" vertOverflow="overflow" horzOverflow="overflow" vert="horz" wrap="none" lIns="91440" tIns="45720" rIns="91440" bIns="45720" numCol="1" spcCol="0" rtlCol="0" fromWordArt="0" anchor="ctr" anchorCtr="0" forceAA="0" compatLnSpc="1">
+            <a:prstTxWarp prst="textNoShape">
+              <a:avLst/>
+            </a:prstTxWarp>
+            <a:noAutofit/>
+          </a:bodyPr>
+          <a:lstStyle/>
+          <a:p>
+            <a:pPr algn="ctr"/>
+            <a:r>
+              <a:rPr kumimoji="1" lang="ja-JP" altLang="en-US" b="1" dirty="0">
+                <a:solidFill>
+                  <a:schemeClr val="accent2"/>
+                </a:solidFill>
+                <a:latin typeface="+mn-ea"/>
+              </a:rPr>
+              <a:t>背景</a:t>
+            </a:r>
+          </a:p>
+        </p:txBody>
+      </p:sp>
+      <p:sp>
+        <p:nvSpPr>
+          <p:cNvPr id="27" name="四角形: 角を丸くする 26">
+            <a:extLst>
+              <a:ext uri="{FF2B5EF4-FFF2-40B4-BE49-F238E27FC236}">
+                <a16:creationId xmlns:a16="http://schemas.microsoft.com/office/drawing/2014/main" id="{3081119F-3203-B7F2-D0BE-CFCDF3788C14}"/>
+              </a:ext>
+            </a:extLst>
+          </p:cNvPr>
+          <p:cNvSpPr/>
+          <p:nvPr/>
+        </p:nvSpPr>
+        <p:spPr bwMode="auto">
+          <a:xfrm>
+            <a:off x="2603181" y="2695362"/>
+            <a:ext cx="990000" cy="360004"/>
+          </a:xfrm>
+          <a:prstGeom prst="roundRect">
+            <a:avLst/>
+          </a:prstGeom>
+          <a:ln>
+            <a:headEnd/>
+            <a:tailEnd type="triangle" w="sm" len="med"/>
+          </a:ln>
+        </p:spPr>
+        <p:style>
+          <a:lnRef idx="1">
+            <a:schemeClr val="accent5"/>
+          </a:lnRef>
+          <a:fillRef idx="2">
+            <a:schemeClr val="accent5"/>
+          </a:fillRef>
+          <a:effectRef idx="1">
+            <a:schemeClr val="accent5"/>
+          </a:effectRef>
+          <a:fontRef idx="minor">
+            <a:schemeClr val="dk1"/>
+          </a:fontRef>
+        </p:style>
+        <p:txBody>
+          <a:bodyPr rot="0" spcFirstLastPara="0" vertOverflow="overflow" horzOverflow="overflow" vert="horz" wrap="none" lIns="91440" tIns="45720" rIns="91440" bIns="45720" numCol="1" spcCol="0" rtlCol="0" fromWordArt="0" anchor="ctr" anchorCtr="0" forceAA="0" compatLnSpc="1">
+            <a:prstTxWarp prst="textNoShape">
+              <a:avLst/>
+            </a:prstTxWarp>
+            <a:noAutofit/>
+          </a:bodyPr>
+          <a:lstStyle/>
+          <a:p>
+            <a:pPr algn="ctr"/>
+            <a:r>
+              <a:rPr kumimoji="1" lang="ja-JP" altLang="en-US" b="1" dirty="0">
                 <a:solidFill>
                   <a:schemeClr val="accent5"/>
                 </a:solidFill>
+                <a:latin typeface="+mn-ea"/>
               </a:rPr>
-              <a:t>読者や聴衆の興味をひくこと</a:t>
-            </a:r>
-            <a:endParaRPr kumimoji="1" lang="en-US" altLang="ja-JP" sz="1800" dirty="0"/>
-          </a:p>
-          <a:p>
-            <a:pPr lvl="1"/>
-            <a:r>
-              <a:rPr lang="ja-JP" altLang="en-US" sz="1800" dirty="0"/>
-              <a:t>読者や聴衆が興味を持つような点を強調する必要がある</a:t>
-            </a:r>
-            <a:endParaRPr lang="en-US" altLang="ja-JP" sz="1800" dirty="0"/>
-          </a:p>
-          <a:p>
-            <a:pPr lvl="2"/>
-            <a:r>
-              <a:rPr lang="ja-JP" altLang="en-US" sz="1800" dirty="0"/>
-              <a:t>問題や提案の核心部分，華々しい結果など</a:t>
-            </a:r>
-            <a:endParaRPr lang="en-US" altLang="ja-JP" sz="1800" dirty="0"/>
-          </a:p>
-          <a:p>
-            <a:pPr lvl="2"/>
-            <a:r>
-              <a:rPr lang="ja-JP" altLang="en-US" sz="1800" dirty="0"/>
-              <a:t>「</a:t>
-            </a:r>
-            <a:r>
-              <a:rPr lang="en-US" altLang="ja-JP" sz="1800" dirty="0"/>
-              <a:t>200%</a:t>
-            </a:r>
-            <a:r>
-              <a:rPr lang="ja-JP" altLang="en-US" sz="1800" dirty="0"/>
-              <a:t>性能向上しました」→ 「すごいな，どうやったんだろ？」</a:t>
-            </a:r>
-            <a:endParaRPr lang="en-US" altLang="ja-JP" sz="1800" dirty="0"/>
-          </a:p>
-          <a:p>
-            <a:pPr lvl="1"/>
-            <a:r>
-              <a:rPr kumimoji="1" lang="ja-JP" altLang="en-US" sz="1800" dirty="0"/>
-              <a:t>このため，「</a:t>
-            </a:r>
-            <a:r>
-              <a:rPr kumimoji="1" lang="ja-JP" altLang="en-US" sz="1800" dirty="0">
+              <a:t>既存手法</a:t>
+            </a:r>
+          </a:p>
+        </p:txBody>
+      </p:sp>
+      <p:sp>
+        <p:nvSpPr>
+          <p:cNvPr id="28" name="四角形: 角を丸くする 27">
+            <a:extLst>
+              <a:ext uri="{FF2B5EF4-FFF2-40B4-BE49-F238E27FC236}">
+                <a16:creationId xmlns:a16="http://schemas.microsoft.com/office/drawing/2014/main" id="{00DB25A1-F13D-A0E0-29C7-B522B53A5838}"/>
+              </a:ext>
+            </a:extLst>
+          </p:cNvPr>
+          <p:cNvSpPr/>
+          <p:nvPr/>
+        </p:nvSpPr>
+        <p:spPr bwMode="auto">
+          <a:xfrm>
+            <a:off x="3953196" y="2708992"/>
+            <a:ext cx="990000" cy="360004"/>
+          </a:xfrm>
+          <a:prstGeom prst="roundRect">
+            <a:avLst/>
+          </a:prstGeom>
+          <a:ln>
+            <a:headEnd/>
+            <a:tailEnd type="triangle" w="sm" len="med"/>
+          </a:ln>
+        </p:spPr>
+        <p:style>
+          <a:lnRef idx="1">
+            <a:schemeClr val="accent5"/>
+          </a:lnRef>
+          <a:fillRef idx="2">
+            <a:schemeClr val="accent5"/>
+          </a:fillRef>
+          <a:effectRef idx="1">
+            <a:schemeClr val="accent5"/>
+          </a:effectRef>
+          <a:fontRef idx="minor">
+            <a:schemeClr val="dk1"/>
+          </a:fontRef>
+        </p:style>
+        <p:txBody>
+          <a:bodyPr rot="0" spcFirstLastPara="0" vertOverflow="overflow" horzOverflow="overflow" vert="horz" wrap="none" lIns="91440" tIns="45720" rIns="91440" bIns="45720" numCol="1" spcCol="0" rtlCol="0" fromWordArt="0" anchor="ctr" anchorCtr="0" forceAA="0" compatLnSpc="1">
+            <a:prstTxWarp prst="textNoShape">
+              <a:avLst/>
+            </a:prstTxWarp>
+            <a:noAutofit/>
+          </a:bodyPr>
+          <a:lstStyle/>
+          <a:p>
+            <a:pPr algn="ctr"/>
+            <a:r>
+              <a:rPr kumimoji="1" lang="ja-JP" altLang="en-US" b="1" dirty="0">
                 <a:solidFill>
                   <a:schemeClr val="accent5"/>
                 </a:solidFill>
+                <a:latin typeface="+mn-ea"/>
               </a:rPr>
-              <a:t>イントロプロットを詳細化したもの＝全体プロット」ではない</a:t>
-            </a:r>
-            <a:r>
-              <a:rPr kumimoji="1" lang="ja-JP" altLang="en-US" sz="1800" dirty="0"/>
-              <a:t>と考えた方がよい</a:t>
-            </a:r>
-            <a:endParaRPr kumimoji="1" lang="en-US" altLang="ja-JP" sz="1800" dirty="0"/>
-          </a:p>
-          <a:p>
-            <a:pPr lvl="2"/>
-            <a:r>
-              <a:rPr kumimoji="1" lang="ja-JP" altLang="en-US" sz="1800" dirty="0"/>
-              <a:t>イントロでは問題の深刻さや提案のすごさをより強調して重きを置くから</a:t>
-            </a:r>
-            <a:endParaRPr kumimoji="1" lang="en-US" altLang="ja-JP" sz="1800" dirty="0"/>
+              <a:t>その問題</a:t>
+            </a:r>
+          </a:p>
+        </p:txBody>
+      </p:sp>
+      <p:sp>
+        <p:nvSpPr>
+          <p:cNvPr id="31" name="四角形: 角を丸くする 30">
+            <a:extLst>
+              <a:ext uri="{FF2B5EF4-FFF2-40B4-BE49-F238E27FC236}">
+                <a16:creationId xmlns:a16="http://schemas.microsoft.com/office/drawing/2014/main" id="{8FDF68CB-163F-17E8-CD80-96C662D7448E}"/>
+              </a:ext>
+            </a:extLst>
+          </p:cNvPr>
+          <p:cNvSpPr/>
+          <p:nvPr/>
+        </p:nvSpPr>
+        <p:spPr bwMode="auto">
+          <a:xfrm>
+            <a:off x="5292008" y="2708992"/>
+            <a:ext cx="990000" cy="360004"/>
+          </a:xfrm>
+          <a:prstGeom prst="roundRect">
+            <a:avLst/>
+          </a:prstGeom>
+          <a:ln>
+            <a:headEnd/>
+            <a:tailEnd type="triangle" w="sm" len="med"/>
+          </a:ln>
+        </p:spPr>
+        <p:style>
+          <a:lnRef idx="1">
+            <a:schemeClr val="accent3"/>
+          </a:lnRef>
+          <a:fillRef idx="2">
+            <a:schemeClr val="accent3"/>
+          </a:fillRef>
+          <a:effectRef idx="1">
+            <a:schemeClr val="accent3"/>
+          </a:effectRef>
+          <a:fontRef idx="minor">
+            <a:schemeClr val="dk1"/>
+          </a:fontRef>
+        </p:style>
+        <p:txBody>
+          <a:bodyPr rot="0" spcFirstLastPara="0" vertOverflow="overflow" horzOverflow="overflow" vert="horz" wrap="none" lIns="91440" tIns="45720" rIns="91440" bIns="45720" numCol="1" spcCol="0" rtlCol="0" fromWordArt="0" anchor="ctr" anchorCtr="0" forceAA="0" compatLnSpc="1">
+            <a:prstTxWarp prst="textNoShape">
+              <a:avLst/>
+            </a:prstTxWarp>
+            <a:noAutofit/>
+          </a:bodyPr>
+          <a:lstStyle/>
+          <a:p>
+            <a:pPr algn="ctr"/>
+            <a:r>
+              <a:rPr kumimoji="1" lang="ja-JP" altLang="en-US" b="1" dirty="0">
+                <a:solidFill>
+                  <a:schemeClr val="accent3">
+                    <a:lumMod val="75000"/>
+                  </a:schemeClr>
+                </a:solidFill>
+                <a:latin typeface="+mn-ea"/>
+              </a:rPr>
+              <a:t>洞察</a:t>
+            </a:r>
+          </a:p>
+        </p:txBody>
+      </p:sp>
+      <p:sp>
+        <p:nvSpPr>
+          <p:cNvPr id="32" name="四角形: 角を丸くする 31">
+            <a:extLst>
+              <a:ext uri="{FF2B5EF4-FFF2-40B4-BE49-F238E27FC236}">
+                <a16:creationId xmlns:a16="http://schemas.microsoft.com/office/drawing/2014/main" id="{EDE8C294-3C05-1998-FF2A-0E1E2D766273}"/>
+              </a:ext>
+            </a:extLst>
+          </p:cNvPr>
+          <p:cNvSpPr/>
+          <p:nvPr/>
+        </p:nvSpPr>
+        <p:spPr bwMode="auto">
+          <a:xfrm>
+            <a:off x="6653226" y="2708992"/>
+            <a:ext cx="990000" cy="360004"/>
+          </a:xfrm>
+          <a:prstGeom prst="roundRect">
+            <a:avLst/>
+          </a:prstGeom>
+          <a:ln>
+            <a:headEnd/>
+            <a:tailEnd type="triangle" w="sm" len="med"/>
+          </a:ln>
+        </p:spPr>
+        <p:style>
+          <a:lnRef idx="1">
+            <a:schemeClr val="accent3"/>
+          </a:lnRef>
+          <a:fillRef idx="2">
+            <a:schemeClr val="accent3"/>
+          </a:fillRef>
+          <a:effectRef idx="1">
+            <a:schemeClr val="accent3"/>
+          </a:effectRef>
+          <a:fontRef idx="minor">
+            <a:schemeClr val="dk1"/>
+          </a:fontRef>
+        </p:style>
+        <p:txBody>
+          <a:bodyPr rot="0" spcFirstLastPara="0" vertOverflow="overflow" horzOverflow="overflow" vert="horz" wrap="none" lIns="91440" tIns="45720" rIns="91440" bIns="45720" numCol="1" spcCol="0" rtlCol="0" fromWordArt="0" anchor="ctr" anchorCtr="0" forceAA="0" compatLnSpc="1">
+            <a:prstTxWarp prst="textNoShape">
+              <a:avLst/>
+            </a:prstTxWarp>
+            <a:noAutofit/>
+          </a:bodyPr>
+          <a:lstStyle/>
+          <a:p>
+            <a:pPr algn="ctr"/>
+            <a:r>
+              <a:rPr kumimoji="1" lang="ja-JP" altLang="en-US" b="1" dirty="0">
+                <a:solidFill>
+                  <a:schemeClr val="accent3">
+                    <a:lumMod val="75000"/>
+                  </a:schemeClr>
+                </a:solidFill>
+                <a:latin typeface="+mn-ea"/>
+              </a:rPr>
+              <a:t>アイデア</a:t>
+            </a:r>
+          </a:p>
+        </p:txBody>
+      </p:sp>
+      <p:cxnSp>
+        <p:nvCxnSpPr>
+          <p:cNvPr id="36" name="直線矢印コネクタ 35">
+            <a:extLst>
+              <a:ext uri="{FF2B5EF4-FFF2-40B4-BE49-F238E27FC236}">
+                <a16:creationId xmlns:a16="http://schemas.microsoft.com/office/drawing/2014/main" id="{07C3EC9D-3605-A64C-67C8-6C57C4B83E8C}"/>
+              </a:ext>
+            </a:extLst>
+          </p:cNvPr>
+          <p:cNvCxnSpPr>
+            <a:cxnSpLocks/>
+            <a:stCxn id="19" idx="2"/>
+            <a:endCxn id="22" idx="0"/>
+          </p:cNvCxnSpPr>
+          <p:nvPr/>
+        </p:nvCxnSpPr>
+        <p:spPr bwMode="auto">
+          <a:xfrm flipH="1">
+            <a:off x="3773194" y="1628980"/>
+            <a:ext cx="1350015" cy="360004"/>
+          </a:xfrm>
+          <a:prstGeom prst="straightConnector1">
+            <a:avLst/>
+          </a:prstGeom>
+          <a:noFill/>
+          <a:ln w="9525" cap="flat" cmpd="sng" algn="ctr">
+            <a:solidFill>
+              <a:schemeClr val="tx1">
+                <a:lumMod val="75000"/>
+                <a:lumOff val="25000"/>
+              </a:schemeClr>
+            </a:solidFill>
+            <a:prstDash val="solid"/>
+            <a:round/>
+            <a:headEnd type="none" w="med" len="med"/>
+            <a:tailEnd type="triangle"/>
+          </a:ln>
+          <a:effectLst/>
+        </p:spPr>
+      </p:cxnSp>
+      <p:cxnSp>
+        <p:nvCxnSpPr>
+          <p:cNvPr id="37" name="直線矢印コネクタ 36">
+            <a:extLst>
+              <a:ext uri="{FF2B5EF4-FFF2-40B4-BE49-F238E27FC236}">
+                <a16:creationId xmlns:a16="http://schemas.microsoft.com/office/drawing/2014/main" id="{B0F8B33B-2B72-C17E-E7FA-D06C294B94D4}"/>
+              </a:ext>
+            </a:extLst>
+          </p:cNvPr>
+          <p:cNvCxnSpPr>
+            <a:cxnSpLocks/>
+            <a:stCxn id="19" idx="2"/>
+            <a:endCxn id="20" idx="0"/>
+          </p:cNvCxnSpPr>
+          <p:nvPr/>
+        </p:nvCxnSpPr>
+        <p:spPr bwMode="auto">
+          <a:xfrm flipH="1">
+            <a:off x="1748172" y="1628980"/>
+            <a:ext cx="3375037" cy="360004"/>
+          </a:xfrm>
+          <a:prstGeom prst="straightConnector1">
+            <a:avLst/>
+          </a:prstGeom>
+          <a:noFill/>
+          <a:ln w="9525" cap="flat" cmpd="sng" algn="ctr">
+            <a:solidFill>
+              <a:schemeClr val="tx1">
+                <a:lumMod val="75000"/>
+                <a:lumOff val="25000"/>
+              </a:schemeClr>
+            </a:solidFill>
+            <a:prstDash val="solid"/>
+            <a:round/>
+            <a:headEnd type="none" w="med" len="med"/>
+            <a:tailEnd type="triangle"/>
+          </a:ln>
+          <a:effectLst/>
+        </p:spPr>
+      </p:cxnSp>
+      <p:cxnSp>
+        <p:nvCxnSpPr>
+          <p:cNvPr id="38" name="直線矢印コネクタ 37">
+            <a:extLst>
+              <a:ext uri="{FF2B5EF4-FFF2-40B4-BE49-F238E27FC236}">
+                <a16:creationId xmlns:a16="http://schemas.microsoft.com/office/drawing/2014/main" id="{D94D4187-0DC6-15F2-F004-80B4B3329AA7}"/>
+              </a:ext>
+            </a:extLst>
+          </p:cNvPr>
+          <p:cNvCxnSpPr>
+            <a:cxnSpLocks/>
+            <a:stCxn id="19" idx="2"/>
+            <a:endCxn id="23" idx="0"/>
+          </p:cNvCxnSpPr>
+          <p:nvPr/>
+        </p:nvCxnSpPr>
+        <p:spPr bwMode="auto">
+          <a:xfrm>
+            <a:off x="5123209" y="1628980"/>
+            <a:ext cx="2025023" cy="360004"/>
+          </a:xfrm>
+          <a:prstGeom prst="straightConnector1">
+            <a:avLst/>
+          </a:prstGeom>
+          <a:noFill/>
+          <a:ln w="9525" cap="flat" cmpd="sng" algn="ctr">
+            <a:solidFill>
+              <a:schemeClr val="tx1">
+                <a:lumMod val="75000"/>
+                <a:lumOff val="25000"/>
+              </a:schemeClr>
+            </a:solidFill>
+            <a:prstDash val="solid"/>
+            <a:round/>
+            <a:headEnd type="none" w="med" len="med"/>
+            <a:tailEnd type="triangle"/>
+          </a:ln>
+          <a:effectLst/>
+        </p:spPr>
+      </p:cxnSp>
+      <p:cxnSp>
+        <p:nvCxnSpPr>
+          <p:cNvPr id="39" name="直線矢印コネクタ 38">
+            <a:extLst>
+              <a:ext uri="{FF2B5EF4-FFF2-40B4-BE49-F238E27FC236}">
+                <a16:creationId xmlns:a16="http://schemas.microsoft.com/office/drawing/2014/main" id="{A214842E-9068-35F9-3BF9-D85202347709}"/>
+              </a:ext>
+            </a:extLst>
+          </p:cNvPr>
+          <p:cNvCxnSpPr>
+            <a:cxnSpLocks/>
+            <a:stCxn id="20" idx="2"/>
+            <a:endCxn id="25" idx="0"/>
+          </p:cNvCxnSpPr>
+          <p:nvPr/>
+        </p:nvCxnSpPr>
+        <p:spPr bwMode="auto">
+          <a:xfrm flipH="1">
+            <a:off x="1748166" y="2348988"/>
+            <a:ext cx="6" cy="334236"/>
+          </a:xfrm>
+          <a:prstGeom prst="straightConnector1">
+            <a:avLst/>
+          </a:prstGeom>
+          <a:noFill/>
+          <a:ln w="9525" cap="flat" cmpd="sng" algn="ctr">
+            <a:solidFill>
+              <a:schemeClr val="tx1">
+                <a:lumMod val="75000"/>
+                <a:lumOff val="25000"/>
+              </a:schemeClr>
+            </a:solidFill>
+            <a:prstDash val="solid"/>
+            <a:round/>
+            <a:headEnd type="none" w="med" len="med"/>
+            <a:tailEnd type="triangle"/>
+          </a:ln>
+          <a:effectLst/>
+        </p:spPr>
+      </p:cxnSp>
+      <p:cxnSp>
+        <p:nvCxnSpPr>
+          <p:cNvPr id="41" name="直線矢印コネクタ 40">
+            <a:extLst>
+              <a:ext uri="{FF2B5EF4-FFF2-40B4-BE49-F238E27FC236}">
+                <a16:creationId xmlns:a16="http://schemas.microsoft.com/office/drawing/2014/main" id="{3482F275-9D3A-4A57-AB5E-AEFB96C07901}"/>
+              </a:ext>
+            </a:extLst>
+          </p:cNvPr>
+          <p:cNvCxnSpPr>
+            <a:cxnSpLocks/>
+            <a:stCxn id="22" idx="2"/>
+            <a:endCxn id="28" idx="0"/>
+          </p:cNvCxnSpPr>
+          <p:nvPr/>
+        </p:nvCxnSpPr>
+        <p:spPr bwMode="auto">
+          <a:xfrm>
+            <a:off x="3773194" y="2348988"/>
+            <a:ext cx="675002" cy="360004"/>
+          </a:xfrm>
+          <a:prstGeom prst="straightConnector1">
+            <a:avLst/>
+          </a:prstGeom>
+          <a:noFill/>
+          <a:ln w="9525" cap="flat" cmpd="sng" algn="ctr">
+            <a:solidFill>
+              <a:schemeClr val="tx1">
+                <a:lumMod val="75000"/>
+                <a:lumOff val="25000"/>
+              </a:schemeClr>
+            </a:solidFill>
+            <a:prstDash val="solid"/>
+            <a:round/>
+            <a:headEnd type="none" w="med" len="med"/>
+            <a:tailEnd type="triangle"/>
+          </a:ln>
+          <a:effectLst/>
+        </p:spPr>
+      </p:cxnSp>
+      <p:cxnSp>
+        <p:nvCxnSpPr>
+          <p:cNvPr id="42" name="直線矢印コネクタ 41">
+            <a:extLst>
+              <a:ext uri="{FF2B5EF4-FFF2-40B4-BE49-F238E27FC236}">
+                <a16:creationId xmlns:a16="http://schemas.microsoft.com/office/drawing/2014/main" id="{F455CAC9-923B-6862-EC95-BDF9E3407F63}"/>
+              </a:ext>
+            </a:extLst>
+          </p:cNvPr>
+          <p:cNvCxnSpPr>
+            <a:cxnSpLocks/>
+            <a:stCxn id="22" idx="2"/>
+            <a:endCxn id="27" idx="0"/>
+          </p:cNvCxnSpPr>
+          <p:nvPr/>
+        </p:nvCxnSpPr>
+        <p:spPr bwMode="auto">
+          <a:xfrm flipH="1">
+            <a:off x="3098181" y="2348988"/>
+            <a:ext cx="675013" cy="346374"/>
+          </a:xfrm>
+          <a:prstGeom prst="straightConnector1">
+            <a:avLst/>
+          </a:prstGeom>
+          <a:noFill/>
+          <a:ln w="9525" cap="flat" cmpd="sng" algn="ctr">
+            <a:solidFill>
+              <a:schemeClr val="tx1">
+                <a:lumMod val="75000"/>
+                <a:lumOff val="25000"/>
+              </a:schemeClr>
+            </a:solidFill>
+            <a:prstDash val="solid"/>
+            <a:round/>
+            <a:headEnd type="none" w="med" len="med"/>
+            <a:tailEnd type="triangle"/>
+          </a:ln>
+          <a:effectLst/>
+        </p:spPr>
+      </p:cxnSp>
+      <p:cxnSp>
+        <p:nvCxnSpPr>
+          <p:cNvPr id="43" name="直線矢印コネクタ 42">
+            <a:extLst>
+              <a:ext uri="{FF2B5EF4-FFF2-40B4-BE49-F238E27FC236}">
+                <a16:creationId xmlns:a16="http://schemas.microsoft.com/office/drawing/2014/main" id="{542246E7-E24E-FA79-3D02-A262C3D2BBEE}"/>
+              </a:ext>
+            </a:extLst>
+          </p:cNvPr>
+          <p:cNvCxnSpPr>
+            <a:cxnSpLocks/>
+            <a:stCxn id="23" idx="2"/>
+            <a:endCxn id="32" idx="0"/>
+          </p:cNvCxnSpPr>
+          <p:nvPr/>
+        </p:nvCxnSpPr>
+        <p:spPr bwMode="auto">
+          <a:xfrm flipH="1">
+            <a:off x="7148226" y="2348988"/>
+            <a:ext cx="6" cy="360004"/>
+          </a:xfrm>
+          <a:prstGeom prst="straightConnector1">
+            <a:avLst/>
+          </a:prstGeom>
+          <a:noFill/>
+          <a:ln w="9525" cap="flat" cmpd="sng" algn="ctr">
+            <a:solidFill>
+              <a:schemeClr val="tx1">
+                <a:lumMod val="75000"/>
+                <a:lumOff val="25000"/>
+              </a:schemeClr>
+            </a:solidFill>
+            <a:prstDash val="solid"/>
+            <a:round/>
+            <a:headEnd type="none" w="med" len="med"/>
+            <a:tailEnd type="triangle"/>
+          </a:ln>
+          <a:effectLst/>
+        </p:spPr>
+      </p:cxnSp>
+      <p:cxnSp>
+        <p:nvCxnSpPr>
+          <p:cNvPr id="44" name="直線矢印コネクタ 43">
+            <a:extLst>
+              <a:ext uri="{FF2B5EF4-FFF2-40B4-BE49-F238E27FC236}">
+                <a16:creationId xmlns:a16="http://schemas.microsoft.com/office/drawing/2014/main" id="{DBDA4000-A502-E1B9-4D8D-45CBA4DEE417}"/>
+              </a:ext>
+            </a:extLst>
+          </p:cNvPr>
+          <p:cNvCxnSpPr>
+            <a:cxnSpLocks/>
+            <a:stCxn id="23" idx="2"/>
+            <a:endCxn id="31" idx="0"/>
+          </p:cNvCxnSpPr>
+          <p:nvPr/>
+        </p:nvCxnSpPr>
+        <p:spPr bwMode="auto">
+          <a:xfrm flipH="1">
+            <a:off x="5787008" y="2348988"/>
+            <a:ext cx="1361224" cy="360004"/>
+          </a:xfrm>
+          <a:prstGeom prst="straightConnector1">
+            <a:avLst/>
+          </a:prstGeom>
+          <a:noFill/>
+          <a:ln w="9525" cap="flat" cmpd="sng" algn="ctr">
+            <a:solidFill>
+              <a:schemeClr val="tx1">
+                <a:lumMod val="75000"/>
+                <a:lumOff val="25000"/>
+              </a:schemeClr>
+            </a:solidFill>
+            <a:prstDash val="solid"/>
+            <a:round/>
+            <a:headEnd type="none" w="med" len="med"/>
+            <a:tailEnd type="triangle"/>
+          </a:ln>
+          <a:effectLst/>
+        </p:spPr>
+      </p:cxnSp>
+      <p:sp>
+        <p:nvSpPr>
+          <p:cNvPr id="57" name="四角形: 角を丸くする 56">
+            <a:extLst>
+              <a:ext uri="{FF2B5EF4-FFF2-40B4-BE49-F238E27FC236}">
+                <a16:creationId xmlns:a16="http://schemas.microsoft.com/office/drawing/2014/main" id="{0C0D2DAC-C98B-2F2A-286E-C3551D774EE5}"/>
+              </a:ext>
+            </a:extLst>
+          </p:cNvPr>
+          <p:cNvSpPr/>
+          <p:nvPr/>
+        </p:nvSpPr>
+        <p:spPr bwMode="auto">
+          <a:xfrm>
+            <a:off x="8003241" y="2708992"/>
+            <a:ext cx="990000" cy="360004"/>
+          </a:xfrm>
+          <a:prstGeom prst="roundRect">
+            <a:avLst/>
+          </a:prstGeom>
+          <a:ln>
+            <a:headEnd/>
+            <a:tailEnd type="triangle" w="sm" len="med"/>
+          </a:ln>
+        </p:spPr>
+        <p:style>
+          <a:lnRef idx="1">
+            <a:schemeClr val="accent3"/>
+          </a:lnRef>
+          <a:fillRef idx="2">
+            <a:schemeClr val="accent3"/>
+          </a:fillRef>
+          <a:effectRef idx="1">
+            <a:schemeClr val="accent3"/>
+          </a:effectRef>
+          <a:fontRef idx="minor">
+            <a:schemeClr val="dk1"/>
+          </a:fontRef>
+        </p:style>
+        <p:txBody>
+          <a:bodyPr rot="0" spcFirstLastPara="0" vertOverflow="overflow" horzOverflow="overflow" vert="horz" wrap="none" lIns="91440" tIns="45720" rIns="91440" bIns="45720" numCol="1" spcCol="0" rtlCol="0" fromWordArt="0" anchor="ctr" anchorCtr="0" forceAA="0" compatLnSpc="1">
+            <a:prstTxWarp prst="textNoShape">
+              <a:avLst/>
+            </a:prstTxWarp>
+            <a:noAutofit/>
+          </a:bodyPr>
+          <a:lstStyle/>
+          <a:p>
+            <a:pPr algn="ctr"/>
+            <a:r>
+              <a:rPr kumimoji="1" lang="ja-JP" altLang="en-US" b="1" dirty="0">
+                <a:solidFill>
+                  <a:schemeClr val="accent3">
+                    <a:lumMod val="75000"/>
+                  </a:schemeClr>
+                </a:solidFill>
+                <a:latin typeface="+mn-ea"/>
+              </a:rPr>
+              <a:t>評価結果</a:t>
+            </a:r>
+          </a:p>
+        </p:txBody>
+      </p:sp>
+      <p:cxnSp>
+        <p:nvCxnSpPr>
+          <p:cNvPr id="58" name="直線矢印コネクタ 57">
+            <a:extLst>
+              <a:ext uri="{FF2B5EF4-FFF2-40B4-BE49-F238E27FC236}">
+                <a16:creationId xmlns:a16="http://schemas.microsoft.com/office/drawing/2014/main" id="{98292862-FBFC-1FDA-FBDB-65DF89A3C745}"/>
+              </a:ext>
+            </a:extLst>
+          </p:cNvPr>
+          <p:cNvCxnSpPr>
+            <a:cxnSpLocks/>
+            <a:stCxn id="23" idx="2"/>
+            <a:endCxn id="57" idx="0"/>
+          </p:cNvCxnSpPr>
+          <p:nvPr/>
+        </p:nvCxnSpPr>
+        <p:spPr bwMode="auto">
+          <a:xfrm>
+            <a:off x="7148232" y="2348988"/>
+            <a:ext cx="1350009" cy="360004"/>
+          </a:xfrm>
+          <a:prstGeom prst="straightConnector1">
+            <a:avLst/>
+          </a:prstGeom>
+          <a:noFill/>
+          <a:ln w="9525" cap="flat" cmpd="sng" algn="ctr">
+            <a:solidFill>
+              <a:schemeClr val="tx1">
+                <a:lumMod val="75000"/>
+                <a:lumOff val="25000"/>
+              </a:schemeClr>
+            </a:solidFill>
+            <a:prstDash val="solid"/>
+            <a:round/>
+            <a:headEnd type="none" w="med" len="med"/>
+            <a:tailEnd type="triangle"/>
+          </a:ln>
+          <a:effectLst/>
+        </p:spPr>
+      </p:cxnSp>
+      <p:sp>
+        <p:nvSpPr>
+          <p:cNvPr id="89" name="四角形: 角を丸くする 88">
+            <a:extLst>
+              <a:ext uri="{FF2B5EF4-FFF2-40B4-BE49-F238E27FC236}">
+                <a16:creationId xmlns:a16="http://schemas.microsoft.com/office/drawing/2014/main" id="{BF7EB89D-1A2D-E4F9-EEA8-639756123507}"/>
+              </a:ext>
+            </a:extLst>
+          </p:cNvPr>
+          <p:cNvSpPr/>
+          <p:nvPr/>
+        </p:nvSpPr>
+        <p:spPr bwMode="auto">
+          <a:xfrm>
+            <a:off x="31269" y="1988984"/>
+            <a:ext cx="1080012" cy="360004"/>
+          </a:xfrm>
+          <a:prstGeom prst="roundRect">
+            <a:avLst/>
+          </a:prstGeom>
+          <a:noFill/>
+          <a:ln>
+            <a:noFill/>
+            <a:headEnd/>
+            <a:tailEnd type="triangle" w="sm" len="med"/>
+          </a:ln>
+          <a:effectLst/>
+        </p:spPr>
+        <p:style>
+          <a:lnRef idx="1">
+            <a:schemeClr val="accent2"/>
+          </a:lnRef>
+          <a:fillRef idx="2">
+            <a:schemeClr val="accent2"/>
+          </a:fillRef>
+          <a:effectRef idx="1">
+            <a:schemeClr val="accent2"/>
+          </a:effectRef>
+          <a:fontRef idx="minor">
+            <a:schemeClr val="dk1"/>
+          </a:fontRef>
+        </p:style>
+        <p:txBody>
+          <a:bodyPr rot="0" spcFirstLastPara="0" vertOverflow="overflow" horzOverflow="overflow" vert="horz" wrap="none" lIns="91440" tIns="45720" rIns="91440" bIns="45720" numCol="1" spcCol="0" rtlCol="0" fromWordArt="0" anchor="ctr" anchorCtr="0" forceAA="0" compatLnSpc="1">
+            <a:prstTxWarp prst="textNoShape">
+              <a:avLst/>
+            </a:prstTxWarp>
+            <a:noAutofit/>
+          </a:bodyPr>
+          <a:lstStyle/>
+          <a:p>
+            <a:pPr algn="ctr"/>
+            <a:r>
+              <a:rPr kumimoji="1" lang="ja-JP" altLang="en-US" dirty="0">
+                <a:solidFill>
+                  <a:schemeClr val="tx1">
+                    <a:lumMod val="75000"/>
+                    <a:lumOff val="25000"/>
+                  </a:schemeClr>
+                </a:solidFill>
+                <a:latin typeface="+mn-ea"/>
+              </a:rPr>
+              <a:t>３点</a:t>
+            </a:r>
+          </a:p>
+        </p:txBody>
+      </p:sp>
+      <p:sp>
+        <p:nvSpPr>
+          <p:cNvPr id="90" name="四角形: 角を丸くする 89">
+            <a:extLst>
+              <a:ext uri="{FF2B5EF4-FFF2-40B4-BE49-F238E27FC236}">
+                <a16:creationId xmlns:a16="http://schemas.microsoft.com/office/drawing/2014/main" id="{7E56385C-CB2C-3809-CCB5-9CB3668B9F73}"/>
+              </a:ext>
+            </a:extLst>
+          </p:cNvPr>
+          <p:cNvSpPr/>
+          <p:nvPr/>
+        </p:nvSpPr>
+        <p:spPr bwMode="auto">
+          <a:xfrm>
+            <a:off x="63454" y="2708992"/>
+            <a:ext cx="1080012" cy="360004"/>
+          </a:xfrm>
+          <a:prstGeom prst="roundRect">
+            <a:avLst/>
+          </a:prstGeom>
+          <a:noFill/>
+          <a:ln>
+            <a:noFill/>
+            <a:headEnd/>
+            <a:tailEnd type="triangle" w="sm" len="med"/>
+          </a:ln>
+          <a:effectLst/>
+        </p:spPr>
+        <p:style>
+          <a:lnRef idx="1">
+            <a:schemeClr val="accent2"/>
+          </a:lnRef>
+          <a:fillRef idx="2">
+            <a:schemeClr val="accent2"/>
+          </a:fillRef>
+          <a:effectRef idx="1">
+            <a:schemeClr val="accent2"/>
+          </a:effectRef>
+          <a:fontRef idx="minor">
+            <a:schemeClr val="dk1"/>
+          </a:fontRef>
+        </p:style>
+        <p:txBody>
+          <a:bodyPr rot="0" spcFirstLastPara="0" vertOverflow="overflow" horzOverflow="overflow" vert="horz" wrap="none" lIns="91440" tIns="45720" rIns="91440" bIns="45720" numCol="1" spcCol="0" rtlCol="0" fromWordArt="0" anchor="ctr" anchorCtr="0" forceAA="0" compatLnSpc="1">
+            <a:prstTxWarp prst="textNoShape">
+              <a:avLst/>
+            </a:prstTxWarp>
+            <a:noAutofit/>
+          </a:bodyPr>
+          <a:lstStyle/>
+          <a:p>
+            <a:pPr algn="ctr"/>
+            <a:r>
+              <a:rPr kumimoji="1" lang="ja-JP" altLang="en-US" dirty="0">
+                <a:solidFill>
+                  <a:schemeClr val="tx1">
+                    <a:lumMod val="75000"/>
+                    <a:lumOff val="25000"/>
+                  </a:schemeClr>
+                </a:solidFill>
+                <a:latin typeface="+mn-ea"/>
+              </a:rPr>
+              <a:t>イントロ</a:t>
+            </a:r>
           </a:p>
         </p:txBody>
       </p:sp>
     </p:spTree>
     <p:extLst>
       <p:ext uri="{BB962C8B-B14F-4D97-AF65-F5344CB8AC3E}">
-        <p14:creationId xmlns:p14="http://schemas.microsoft.com/office/powerpoint/2010/main" val="3764317816"/>
+        <p14:creationId xmlns:p14="http://schemas.microsoft.com/office/powerpoint/2010/main" val="3688885714"/>
       </p:ext>
     </p:extLst>
   </p:cSld>
@@ -13809,7 +13874,7 @@
           <p:cNvPr id="2" name="タイトル 1">
             <a:extLst>
               <a:ext uri="{FF2B5EF4-FFF2-40B4-BE49-F238E27FC236}">
-                <a16:creationId xmlns:a16="http://schemas.microsoft.com/office/drawing/2014/main" id="{EC155717-5332-FF55-D8D6-3A7D8E56683B}"/>
+                <a16:creationId xmlns:a16="http://schemas.microsoft.com/office/drawing/2014/main" id="{2719BBCA-CA4F-4773-E09D-3876AD40A638}"/>
               </a:ext>
             </a:extLst>
           </p:cNvPr>
@@ -13827,7 +13892,7 @@
           <a:p>
             <a:r>
               <a:rPr kumimoji="1" lang="ja-JP" altLang="en-US" dirty="0"/>
-              <a:t>イントロと全体のプロットで構造が違う例</a:t>
+              <a:t>イントロプロットと全体プロット</a:t>
             </a:r>
           </a:p>
         </p:txBody>
@@ -13837,7 +13902,7 @@
           <p:cNvPr id="3" name="テキスト プレースホルダー 2">
             <a:extLst>
               <a:ext uri="{FF2B5EF4-FFF2-40B4-BE49-F238E27FC236}">
-                <a16:creationId xmlns:a16="http://schemas.microsoft.com/office/drawing/2014/main" id="{EB1B3AEE-0F55-221C-53D1-F2E09EE602A3}"/>
+                <a16:creationId xmlns:a16="http://schemas.microsoft.com/office/drawing/2014/main" id="{E2641AA1-1A0A-9B61-5A99-7EE0B80BC37B}"/>
               </a:ext>
             </a:extLst>
           </p:cNvPr>
@@ -13853,41 +13918,117 @@
           <a:bodyPr/>
           <a:lstStyle/>
           <a:p>
-            <a:r>
-              <a:rPr lang="ja-JP" altLang="en-US" dirty="0"/>
-              <a:t>イントロの最初の１～２パラグラフ</a:t>
-            </a:r>
-            <a:endParaRPr lang="en-US" altLang="ja-JP" dirty="0"/>
+            <a:pPr marL="457200" indent="-457200">
+              <a:buFont typeface="+mj-lt"/>
+              <a:buAutoNum type="arabicPeriod"/>
+            </a:pPr>
+            <a:r>
+              <a:rPr kumimoji="1" lang="ja-JP" altLang="en-US" sz="1800" dirty="0"/>
+              <a:t>イントロの重要な役割の１つは全体を</a:t>
+            </a:r>
+            <a:r>
+              <a:rPr lang="ja-JP" altLang="en-US" sz="1800" dirty="0"/>
+              <a:t>要約して紹介すること</a:t>
+            </a:r>
+            <a:endParaRPr lang="en-US" altLang="ja-JP" sz="1800" dirty="0"/>
           </a:p>
           <a:p>
             <a:pPr lvl="1"/>
             <a:r>
-              <a:rPr lang="ja-JP" altLang="en-US" dirty="0"/>
-              <a:t>研究全体の背景として論文のどこかでは１度言わなければならない内容であることが多い</a:t>
-            </a:r>
-            <a:endParaRPr lang="en-US" altLang="ja-JP" dirty="0"/>
+              <a:rPr kumimoji="1" lang="ja-JP" altLang="en-US" sz="1800" dirty="0"/>
+              <a:t>したがって，全体プロットは「基本的には」イントロプロットをより詳細化して作ることになる</a:t>
+            </a:r>
+            <a:endParaRPr kumimoji="1" lang="en-US" altLang="ja-JP" sz="1800" dirty="0"/>
+          </a:p>
+          <a:p>
+            <a:pPr marL="457200" indent="-457200">
+              <a:buFont typeface="+mj-lt"/>
+              <a:buAutoNum type="arabicPeriod"/>
+            </a:pPr>
+            <a:r>
+              <a:rPr kumimoji="1" lang="ja-JP" altLang="en-US" sz="1800" dirty="0"/>
+              <a:t>イントロの</a:t>
+            </a:r>
+            <a:r>
+              <a:rPr lang="ja-JP" altLang="en-US" sz="1800" dirty="0"/>
+              <a:t>もう１つの役割は</a:t>
+            </a:r>
+            <a:r>
+              <a:rPr kumimoji="1" lang="ja-JP" altLang="en-US" sz="1800" dirty="0">
+                <a:solidFill>
+                  <a:schemeClr val="accent5"/>
+                </a:solidFill>
+              </a:rPr>
+              <a:t>読者や聴衆の興味をひくこと</a:t>
+            </a:r>
+            <a:endParaRPr kumimoji="1" lang="en-US" altLang="ja-JP" sz="1800" dirty="0"/>
           </a:p>
           <a:p>
             <a:pPr lvl="1"/>
             <a:r>
-              <a:rPr lang="ja-JP" altLang="en-US" dirty="0"/>
-              <a:t>しかし，非常に一般的であるか，あるいは本筋には関係なかったりして論文本文ではそれ以降登場しない事がある</a:t>
-            </a:r>
-            <a:endParaRPr lang="en-US" altLang="ja-JP" dirty="0"/>
-          </a:p>
-          <a:p>
-            <a:r>
-              <a:rPr lang="ja-JP" altLang="en-US" dirty="0"/>
-              <a:t>このような場合，イントロのパラグラフの構造と全体の章構成は異なってくる</a:t>
-            </a:r>
-            <a:endParaRPr lang="en-US" altLang="ja-JP" dirty="0"/>
+              <a:rPr lang="ja-JP" altLang="en-US" sz="1800" dirty="0"/>
+              <a:t>読者や聴衆が興味を持つような点を強調する必要がある</a:t>
+            </a:r>
+            <a:endParaRPr lang="en-US" altLang="ja-JP" sz="1800" dirty="0"/>
+          </a:p>
+          <a:p>
+            <a:pPr lvl="2"/>
+            <a:r>
+              <a:rPr lang="ja-JP" altLang="en-US" sz="1800" dirty="0"/>
+              <a:t>問題や提案の核心部分，華々しい結果など</a:t>
+            </a:r>
+            <a:endParaRPr lang="en-US" altLang="ja-JP" sz="1800" dirty="0"/>
+          </a:p>
+          <a:p>
+            <a:pPr lvl="2"/>
+            <a:r>
+              <a:rPr lang="ja-JP" altLang="en-US" sz="1800" dirty="0"/>
+              <a:t>「</a:t>
+            </a:r>
+            <a:r>
+              <a:rPr lang="en-US" altLang="ja-JP" sz="1800" dirty="0"/>
+              <a:t>200%</a:t>
+            </a:r>
+            <a:r>
+              <a:rPr lang="ja-JP" altLang="en-US" sz="1800" dirty="0"/>
+              <a:t>性能向上しました」→ 「すごいな，どうやったんだろ？」</a:t>
+            </a:r>
+            <a:endParaRPr lang="en-US" altLang="ja-JP" sz="1800" dirty="0"/>
+          </a:p>
+          <a:p>
+            <a:pPr lvl="1"/>
+            <a:r>
+              <a:rPr kumimoji="1" lang="ja-JP" altLang="en-US" sz="1800" dirty="0"/>
+              <a:t>このため，「</a:t>
+            </a:r>
+            <a:r>
+              <a:rPr kumimoji="1" lang="ja-JP" altLang="en-US" sz="1800" dirty="0">
+                <a:solidFill>
+                  <a:schemeClr val="accent5"/>
+                </a:solidFill>
+              </a:rPr>
+              <a:t>イントロプロットを詳細化したもの＝全体プロット」ではない</a:t>
+            </a:r>
+            <a:r>
+              <a:rPr kumimoji="1" lang="ja-JP" altLang="en-US" sz="1800" dirty="0"/>
+              <a:t>と考えた方がよい</a:t>
+            </a:r>
+            <a:endParaRPr kumimoji="1" lang="en-US" altLang="ja-JP" sz="1800" dirty="0"/>
+          </a:p>
+          <a:p>
+            <a:pPr lvl="2"/>
+            <a:r>
+              <a:rPr kumimoji="1" lang="ja-JP" altLang="en-US" sz="1800" dirty="0"/>
+              <a:t>イントロでは問題の深刻さや提案のすごさをより強調して重きを置くから</a:t>
+            </a:r>
+            <a:endParaRPr kumimoji="1" lang="en-US" altLang="ja-JP" sz="1800" dirty="0"/>
           </a:p>
         </p:txBody>
       </p:sp>
     </p:spTree>
     <p:extLst>
       <p:ext uri="{BB962C8B-B14F-4D97-AF65-F5344CB8AC3E}">
-        <p14:creationId xmlns:p14="http://schemas.microsoft.com/office/powerpoint/2010/main" val="2367068981"/>
+        <p14:creationId xmlns:p14="http://schemas.microsoft.com/office/powerpoint/2010/main" val="3764317816"/>
       </p:ext>
     </p:extLst>
   </p:cSld>
@@ -13924,10 +14065,10 @@
       </p:grpSpPr>
       <p:sp>
         <p:nvSpPr>
-          <p:cNvPr id="4" name="タイトル 3">
-            <a:extLst>
-              <a:ext uri="{FF2B5EF4-FFF2-40B4-BE49-F238E27FC236}">
-                <a16:creationId xmlns:a16="http://schemas.microsoft.com/office/drawing/2014/main" id="{84F42E09-269D-6700-69C9-4DCC825C99A7}"/>
+          <p:cNvPr id="2" name="タイトル 1">
+            <a:extLst>
+              <a:ext uri="{FF2B5EF4-FFF2-40B4-BE49-F238E27FC236}">
+                <a16:creationId xmlns:a16="http://schemas.microsoft.com/office/drawing/2014/main" id="{EC155717-5332-FF55-D8D6-3A7D8E56683B}"/>
               </a:ext>
             </a:extLst>
           </p:cNvPr>
@@ -13944,22 +14085,82 @@
           <a:lstStyle/>
           <a:p>
             <a:r>
-              <a:rPr lang="ja-JP" altLang="en-US" b="1" dirty="0"/>
-              <a:t>全体プロット</a:t>
-            </a:r>
+              <a:rPr kumimoji="1" lang="ja-JP" altLang="en-US" dirty="0"/>
+              <a:t>イントロと全体のプロットで構造が違う例</a:t>
+            </a:r>
+          </a:p>
+        </p:txBody>
+      </p:sp>
+      <p:sp>
+        <p:nvSpPr>
+          <p:cNvPr id="3" name="テキスト プレースホルダー 2">
+            <a:extLst>
+              <a:ext uri="{FF2B5EF4-FFF2-40B4-BE49-F238E27FC236}">
+                <a16:creationId xmlns:a16="http://schemas.microsoft.com/office/drawing/2014/main" id="{EB1B3AEE-0F55-221C-53D1-F2E09EE602A3}"/>
+              </a:ext>
+            </a:extLst>
+          </p:cNvPr>
+          <p:cNvSpPr>
+            <a:spLocks noGrp="1"/>
+          </p:cNvSpPr>
+          <p:nvPr>
+            <p:ph type="body" sz="quarter" idx="10"/>
+          </p:nvPr>
+        </p:nvSpPr>
+        <p:spPr/>
+        <p:txBody>
+          <a:bodyPr/>
+          <a:lstStyle/>
+          <a:p>
+            <a:r>
+              <a:rPr lang="ja-JP" altLang="en-US" dirty="0"/>
+              <a:t>イントロの最初の１～２パラグラフ</a:t>
+            </a:r>
+            <a:endParaRPr lang="en-US" altLang="ja-JP" dirty="0"/>
+          </a:p>
+          <a:p>
+            <a:pPr lvl="1"/>
+            <a:r>
+              <a:rPr lang="ja-JP" altLang="en-US" dirty="0"/>
+              <a:t>研究全体の背景として論文のどこかでは１度言わなければならない内容であることが多い</a:t>
+            </a:r>
+            <a:endParaRPr lang="en-US" altLang="ja-JP" dirty="0"/>
+          </a:p>
+          <a:p>
+            <a:pPr lvl="1"/>
+            <a:r>
+              <a:rPr lang="ja-JP" altLang="en-US" dirty="0"/>
+              <a:t>しかし，非常に一般的であるか，あるいは本筋には関係なかったりして論文本文ではそれ以降登場しない事がある</a:t>
+            </a:r>
+            <a:endParaRPr lang="en-US" altLang="ja-JP" dirty="0"/>
+          </a:p>
+          <a:p>
+            <a:r>
+              <a:rPr lang="ja-JP" altLang="en-US" dirty="0"/>
+              <a:t>このような場合，イントロのパラグラフの構造と全体の章構成は異なってくる</a:t>
+            </a:r>
+            <a:endParaRPr lang="en-US" altLang="ja-JP" dirty="0"/>
           </a:p>
         </p:txBody>
       </p:sp>
     </p:spTree>
     <p:extLst>
       <p:ext uri="{BB962C8B-B14F-4D97-AF65-F5344CB8AC3E}">
-        <p14:creationId xmlns:p14="http://schemas.microsoft.com/office/powerpoint/2010/main" val="3653181482"/>
+        <p14:creationId xmlns:p14="http://schemas.microsoft.com/office/powerpoint/2010/main" val="2367068981"/>
       </p:ext>
     </p:extLst>
   </p:cSld>
   <p:clrMapOvr>
     <a:masterClrMapping/>
   </p:clrMapOvr>
+  <mc:AlternateContent xmlns:mc="http://schemas.openxmlformats.org/markup-compatibility/2006" xmlns:p14="http://schemas.microsoft.com/office/powerpoint/2010/main">
+    <mc:Choice Requires="p14">
+      <p:transition p14:dur="10"/>
+    </mc:Choice>
+    <mc:Fallback xmlns="">
+      <p:transition/>
+    </mc:Fallback>
+  </mc:AlternateContent>
 </p:sld>
 </file>
 
@@ -13985,7 +14186,7 @@
           <p:cNvPr id="4" name="タイトル 3">
             <a:extLst>
               <a:ext uri="{FF2B5EF4-FFF2-40B4-BE49-F238E27FC236}">
-                <a16:creationId xmlns:a16="http://schemas.microsoft.com/office/drawing/2014/main" id="{753D130F-9E8D-16A8-53A6-8697A34BBC23}"/>
+                <a16:creationId xmlns:a16="http://schemas.microsoft.com/office/drawing/2014/main" id="{84F42E09-269D-6700-69C9-4DCC825C99A7}"/>
               </a:ext>
             </a:extLst>
           </p:cNvPr>
@@ -14005,110 +14206,19 @@
               <a:rPr lang="ja-JP" altLang="en-US" b="1" dirty="0"/>
               <a:t>全体プロット</a:t>
             </a:r>
-            <a:endParaRPr lang="ja-JP" altLang="en-US" dirty="0"/>
-          </a:p>
-        </p:txBody>
-      </p:sp>
-      <p:sp>
-        <p:nvSpPr>
-          <p:cNvPr id="5" name="テキスト プレースホルダー 4">
-            <a:extLst>
-              <a:ext uri="{FF2B5EF4-FFF2-40B4-BE49-F238E27FC236}">
-                <a16:creationId xmlns:a16="http://schemas.microsoft.com/office/drawing/2014/main" id="{220629E9-D9B3-68BB-D88A-B953DAE0018E}"/>
-              </a:ext>
-            </a:extLst>
-          </p:cNvPr>
-          <p:cNvSpPr>
-            <a:spLocks noGrp="1"/>
-          </p:cNvSpPr>
-          <p:nvPr>
-            <p:ph type="body" sz="quarter" idx="10"/>
-          </p:nvPr>
-        </p:nvSpPr>
-        <p:spPr/>
-        <p:txBody>
-          <a:bodyPr/>
-          <a:lstStyle/>
-          <a:p>
-            <a:r>
-              <a:rPr lang="ja-JP" altLang="en-US" dirty="0"/>
-              <a:t>論文やスライド全体のプロット</a:t>
-            </a:r>
-            <a:endParaRPr lang="en-US" altLang="ja-JP" dirty="0"/>
-          </a:p>
-          <a:p>
-            <a:pPr lvl="1"/>
-            <a:r>
-              <a:rPr lang="ja-JP" altLang="en-US" dirty="0"/>
-              <a:t>特に項目数などの形式はない：</a:t>
-            </a:r>
-            <a:endParaRPr lang="en-US" altLang="ja-JP" dirty="0"/>
-          </a:p>
-          <a:p>
-            <a:pPr lvl="2"/>
-            <a:r>
-              <a:rPr lang="ja-JP" altLang="en-US" dirty="0"/>
-              <a:t>基本的には３点プロットから派生させて考える</a:t>
-            </a:r>
-            <a:endParaRPr lang="en-US" altLang="ja-JP" dirty="0"/>
-          </a:p>
-          <a:p>
-            <a:pPr lvl="2"/>
-            <a:r>
-              <a:rPr lang="ja-JP" altLang="en-US" dirty="0"/>
-              <a:t>イントロプロットでは省略されるような実装の詳細なども入る</a:t>
-            </a:r>
-            <a:endParaRPr lang="en-US" altLang="ja-JP" dirty="0"/>
-          </a:p>
-          <a:p>
-            <a:r>
-              <a:rPr lang="ja-JP" altLang="en-US" dirty="0"/>
-              <a:t>３点プロットは，いわば「プロットのプロット」</a:t>
-            </a:r>
-            <a:endParaRPr lang="en-US" altLang="ja-JP" dirty="0"/>
-          </a:p>
-          <a:p>
-            <a:pPr lvl="1"/>
-            <a:r>
-              <a:rPr lang="ja-JP" altLang="en-US" dirty="0"/>
-              <a:t>基本的には３点プロットで整理した内容をもとに，</a:t>
-            </a:r>
-            <a:br>
-              <a:rPr lang="en-US" altLang="ja-JP" dirty="0"/>
-            </a:br>
-            <a:r>
-              <a:rPr lang="ja-JP" altLang="en-US" dirty="0"/>
-              <a:t>肉付けして全体プロットを作る</a:t>
-            </a:r>
-            <a:endParaRPr lang="en-US" altLang="ja-JP" dirty="0"/>
-          </a:p>
-          <a:p>
-            <a:pPr lvl="1"/>
-            <a:r>
-              <a:rPr lang="ja-JP" altLang="en-US" dirty="0"/>
-              <a:t>いきなり全体プロットを作るのは難しい</a:t>
-            </a:r>
           </a:p>
         </p:txBody>
       </p:sp>
     </p:spTree>
     <p:extLst>
       <p:ext uri="{BB962C8B-B14F-4D97-AF65-F5344CB8AC3E}">
-        <p14:creationId xmlns:p14="http://schemas.microsoft.com/office/powerpoint/2010/main" val="57573531"/>
+        <p14:creationId xmlns:p14="http://schemas.microsoft.com/office/powerpoint/2010/main" val="3653181482"/>
       </p:ext>
     </p:extLst>
   </p:cSld>
   <p:clrMapOvr>
     <a:masterClrMapping/>
   </p:clrMapOvr>
-  <mc:AlternateContent xmlns:mc="http://schemas.openxmlformats.org/markup-compatibility/2006" xmlns:p14="http://schemas.microsoft.com/office/powerpoint/2010/main">
-    <mc:Choice Requires="p14">
-      <p:transition p14:dur="10"/>
-    </mc:Choice>
-    <mc:Fallback xmlns="">
-      <p:transition/>
-    </mc:Fallback>
-  </mc:AlternateContent>
 </p:sld>
 </file>
 
@@ -14152,7 +14262,7 @@
           <a:p>
             <a:r>
               <a:rPr lang="ja-JP" altLang="en-US" b="1" dirty="0"/>
-              <a:t>全体プロットの構成</a:t>
+              <a:t>全体プロット</a:t>
             </a:r>
             <a:endParaRPr lang="ja-JP" altLang="en-US" dirty="0"/>
           </a:p>
@@ -14181,73 +14291,69 @@
           <a:p>
             <a:r>
               <a:rPr lang="ja-JP" altLang="en-US" dirty="0"/>
-              <a:t>論文用：以下を</a:t>
-            </a:r>
-            <a:r>
-              <a:rPr kumimoji="1" lang="ja-JP" altLang="en-US" dirty="0"/>
-              <a:t>箇条書きにまとめる</a:t>
+              <a:t>論文やスライド全体のプロット</a:t>
             </a:r>
             <a:endParaRPr lang="en-US" altLang="ja-JP" dirty="0"/>
           </a:p>
           <a:p>
             <a:pPr lvl="1"/>
             <a:r>
-              <a:rPr kumimoji="1" lang="ja-JP" altLang="en-US" dirty="0"/>
-              <a:t>論文の </a:t>
-            </a:r>
-            <a:r>
-              <a:rPr kumimoji="1" lang="en-US" altLang="ja-JP" dirty="0"/>
-              <a:t>subsubsection </a:t>
-            </a:r>
-            <a:r>
-              <a:rPr kumimoji="1" lang="ja-JP" altLang="en-US" dirty="0"/>
-              <a:t>までの節タイトル</a:t>
-            </a:r>
-            <a:endParaRPr kumimoji="1" lang="en-US" altLang="ja-JP" dirty="0"/>
+              <a:rPr lang="ja-JP" altLang="en-US" dirty="0"/>
+              <a:t>特に項目数などの形式はない：</a:t>
+            </a:r>
+            <a:endParaRPr lang="en-US" altLang="ja-JP" dirty="0"/>
+          </a:p>
+          <a:p>
+            <a:pPr lvl="2"/>
+            <a:r>
+              <a:rPr lang="ja-JP" altLang="en-US" dirty="0"/>
+              <a:t>基本的には３点プロットやイントロプロットから派生させて考える</a:t>
+            </a:r>
+            <a:endParaRPr lang="en-US" altLang="ja-JP" dirty="0"/>
+          </a:p>
+          <a:p>
+            <a:pPr lvl="2"/>
+            <a:r>
+              <a:rPr lang="ja-JP" altLang="en-US" dirty="0"/>
+              <a:t>イントロプロットでは省略されるような実装の詳細なども入る</a:t>
+            </a:r>
+            <a:endParaRPr lang="en-US" altLang="ja-JP" dirty="0"/>
+          </a:p>
+          <a:p>
+            <a:r>
+              <a:rPr lang="ja-JP" altLang="en-US" dirty="0"/>
+              <a:t>３点プロットは，いわば「プロットのプロット」</a:t>
+            </a:r>
+            <a:endParaRPr lang="en-US" altLang="ja-JP" dirty="0"/>
           </a:p>
           <a:p>
             <a:pPr lvl="1"/>
             <a:r>
-              <a:rPr kumimoji="1" lang="ja-JP" altLang="en-US" dirty="0"/>
-              <a:t>そこで何を話すか</a:t>
-            </a:r>
-            <a:endParaRPr kumimoji="1" lang="en-US" altLang="ja-JP" dirty="0"/>
-          </a:p>
-          <a:p>
-            <a:r>
               <a:rPr lang="ja-JP" altLang="en-US" dirty="0"/>
-              <a:t>スライド用：以下を</a:t>
-            </a:r>
-            <a:r>
-              <a:rPr kumimoji="1" lang="ja-JP" altLang="en-US" dirty="0"/>
-              <a:t>箇条書きにまとめる</a:t>
+              <a:t>基本的には３点プロットで整理した内容をもとに，</a:t>
+            </a:r>
+            <a:br>
+              <a:rPr lang="en-US" altLang="ja-JP" dirty="0"/>
+            </a:br>
+            <a:r>
+              <a:rPr lang="ja-JP" altLang="en-US" dirty="0"/>
+              <a:t>肉付けして全体プロットを作る</a:t>
             </a:r>
             <a:endParaRPr lang="en-US" altLang="ja-JP" dirty="0"/>
           </a:p>
           <a:p>
             <a:pPr lvl="1"/>
             <a:r>
-              <a:rPr kumimoji="1" lang="ja-JP" altLang="en-US" dirty="0"/>
-              <a:t>スライドの各ページのタイトル</a:t>
-            </a:r>
-            <a:endParaRPr kumimoji="1" lang="en-US" altLang="ja-JP" dirty="0"/>
-          </a:p>
-          <a:p>
-            <a:pPr lvl="1"/>
-            <a:r>
-              <a:rPr kumimoji="1" lang="ja-JP" altLang="en-US" dirty="0"/>
-              <a:t>そこで何を話すか</a:t>
-            </a:r>
-          </a:p>
-          <a:p>
-            <a:endParaRPr lang="ja-JP" altLang="en-US" dirty="0"/>
+              <a:rPr lang="ja-JP" altLang="en-US" dirty="0"/>
+              <a:t>いきなり全体プロットを作るのは難しい</a:t>
+            </a:r>
           </a:p>
         </p:txBody>
       </p:sp>
     </p:spTree>
     <p:extLst>
       <p:ext uri="{BB962C8B-B14F-4D97-AF65-F5344CB8AC3E}">
-        <p14:creationId xmlns:p14="http://schemas.microsoft.com/office/powerpoint/2010/main" val="492338302"/>
+        <p14:creationId xmlns:p14="http://schemas.microsoft.com/office/powerpoint/2010/main" val="57573531"/>
       </p:ext>
     </p:extLst>
   </p:cSld>
@@ -14284,7 +14390,13 @@
       </p:grpSpPr>
       <p:sp>
         <p:nvSpPr>
-          <p:cNvPr id="2" name="タイトル 1"/>
+          <p:cNvPr id="4" name="タイトル 3">
+            <a:extLst>
+              <a:ext uri="{FF2B5EF4-FFF2-40B4-BE49-F238E27FC236}">
+                <a16:creationId xmlns:a16="http://schemas.microsoft.com/office/drawing/2014/main" id="{753D130F-9E8D-16A8-53A6-8697A34BBC23}"/>
+              </a:ext>
+            </a:extLst>
+          </p:cNvPr>
           <p:cNvSpPr>
             <a:spLocks noGrp="1"/>
           </p:cNvSpPr>
@@ -14298,15 +14410,22 @@
           <a:lstStyle/>
           <a:p>
             <a:r>
-              <a:rPr kumimoji="1" lang="ja-JP" altLang="en-US" dirty="0"/>
-              <a:t>スライド用プロットの流れの例</a:t>
-            </a:r>
-          </a:p>
-        </p:txBody>
-      </p:sp>
-      <p:sp>
-        <p:nvSpPr>
-          <p:cNvPr id="3" name="テキスト プレースホルダー 2"/>
+              <a:rPr lang="ja-JP" altLang="en-US" b="1" dirty="0"/>
+              <a:t>全体プロットの構成</a:t>
+            </a:r>
+            <a:endParaRPr lang="ja-JP" altLang="en-US" dirty="0"/>
+          </a:p>
+        </p:txBody>
+      </p:sp>
+      <p:sp>
+        <p:nvSpPr>
+          <p:cNvPr id="5" name="テキスト プレースホルダー 4">
+            <a:extLst>
+              <a:ext uri="{FF2B5EF4-FFF2-40B4-BE49-F238E27FC236}">
+                <a16:creationId xmlns:a16="http://schemas.microsoft.com/office/drawing/2014/main" id="{220629E9-D9B3-68BB-D88A-B953DAE0018E}"/>
+              </a:ext>
+            </a:extLst>
+          </p:cNvPr>
           <p:cNvSpPr>
             <a:spLocks noGrp="1"/>
           </p:cNvSpPr>
@@ -14314,160 +14433,80 @@
             <p:ph type="body" sz="quarter" idx="10"/>
           </p:nvPr>
         </p:nvSpPr>
-        <p:spPr>
-          <a:xfrm>
-            <a:off x="611956" y="1268976"/>
-            <a:ext cx="8280092" cy="5039749"/>
-          </a:xfrm>
-        </p:spPr>
+        <p:spPr/>
         <p:txBody>
           <a:bodyPr/>
           <a:lstStyle/>
           <a:p>
-            <a:pPr marL="817200" lvl="1" indent="-457200">
-              <a:buFont typeface="+mj-lt"/>
-              <a:buAutoNum type="arabicPeriod"/>
-            </a:pPr>
+            <a:r>
+              <a:rPr lang="ja-JP" altLang="en-US" dirty="0"/>
+              <a:t>論文用：以下を</a:t>
+            </a:r>
             <a:r>
               <a:rPr kumimoji="1" lang="ja-JP" altLang="en-US" dirty="0"/>
-              <a:t>イントロ</a:t>
+              <a:t>箇条書きにまとめる</a:t>
+            </a:r>
+            <a:endParaRPr lang="en-US" altLang="ja-JP" dirty="0"/>
+          </a:p>
+          <a:p>
+            <a:pPr lvl="1"/>
+            <a:r>
+              <a:rPr kumimoji="1" lang="ja-JP" altLang="en-US" dirty="0"/>
+              <a:t>論文の </a:t>
+            </a:r>
+            <a:r>
+              <a:rPr kumimoji="1" lang="en-US" altLang="ja-JP" dirty="0"/>
+              <a:t>subsubsection </a:t>
+            </a:r>
+            <a:r>
+              <a:rPr kumimoji="1" lang="ja-JP" altLang="en-US" dirty="0"/>
+              <a:t>までの節タイトル</a:t>
             </a:r>
             <a:endParaRPr kumimoji="1" lang="en-US" altLang="ja-JP" dirty="0"/>
           </a:p>
           <a:p>
-            <a:pPr marL="817200" lvl="1" indent="-457200">
-              <a:buFont typeface="+mj-lt"/>
-              <a:buAutoNum type="arabicPeriod"/>
-            </a:pPr>
+            <a:pPr lvl="1"/>
             <a:r>
               <a:rPr kumimoji="1" lang="ja-JP" altLang="en-US" dirty="0"/>
-              <a:t>背景となる問題</a:t>
+              <a:t>そこで何を話すか</a:t>
             </a:r>
             <a:endParaRPr kumimoji="1" lang="en-US" altLang="ja-JP" dirty="0"/>
           </a:p>
           <a:p>
-            <a:pPr marL="817200" lvl="1" indent="-457200">
-              <a:buFont typeface="+mj-lt"/>
-              <a:buAutoNum type="arabicPeriod"/>
-            </a:pPr>
+            <a:r>
+              <a:rPr lang="ja-JP" altLang="en-US" dirty="0"/>
+              <a:t>スライド用：以下を</a:t>
+            </a:r>
             <a:r>
               <a:rPr kumimoji="1" lang="ja-JP" altLang="en-US" dirty="0"/>
-              <a:t>既存</a:t>
-            </a:r>
-            <a:r>
-              <a:rPr lang="ja-JP" altLang="en-US" dirty="0"/>
-              <a:t>手法</a:t>
+              <a:t>箇条書きにまとめる</a:t>
             </a:r>
             <a:endParaRPr lang="en-US" altLang="ja-JP" dirty="0"/>
           </a:p>
           <a:p>
-            <a:pPr marL="1177200" lvl="2" indent="-457200">
-              <a:buFont typeface="+mj-lt"/>
-              <a:buAutoNum type="arabicPeriod"/>
-            </a:pPr>
-            <a:r>
-              <a:rPr lang="ja-JP" altLang="en-US" dirty="0"/>
-              <a:t>既存手法の説明</a:t>
-            </a:r>
-            <a:endParaRPr lang="en-US" altLang="ja-JP" dirty="0"/>
-          </a:p>
-          <a:p>
-            <a:pPr marL="1177200" lvl="2" indent="-457200">
-              <a:buFont typeface="+mj-lt"/>
-              <a:buAutoNum type="arabicPeriod"/>
-            </a:pPr>
-            <a:r>
-              <a:rPr lang="ja-JP" altLang="en-US" dirty="0"/>
-              <a:t>既存手法の問題</a:t>
-            </a:r>
-            <a:endParaRPr lang="en-US" altLang="ja-JP" dirty="0"/>
-          </a:p>
-          <a:p>
-            <a:pPr marL="817200" lvl="1" indent="-457200">
-              <a:buFont typeface="+mj-lt"/>
-              <a:buAutoNum type="arabicPeriod"/>
-            </a:pPr>
+            <a:pPr lvl="1"/>
             <a:r>
               <a:rPr kumimoji="1" lang="ja-JP" altLang="en-US" dirty="0"/>
-              <a:t>提案手法</a:t>
+              <a:t>スライドの各ページのタイトル</a:t>
             </a:r>
             <a:endParaRPr kumimoji="1" lang="en-US" altLang="ja-JP" dirty="0"/>
           </a:p>
           <a:p>
-            <a:pPr marL="1177200" lvl="2" indent="-457200">
-              <a:buFont typeface="+mj-lt"/>
-              <a:buAutoNum type="arabicPeriod"/>
-            </a:pPr>
+            <a:pPr lvl="1"/>
             <a:r>
               <a:rPr kumimoji="1" lang="ja-JP" altLang="en-US" dirty="0"/>
-              <a:t>アイデア</a:t>
-            </a:r>
-            <a:endParaRPr kumimoji="1" lang="en-US" altLang="ja-JP" dirty="0"/>
-          </a:p>
-          <a:p>
-            <a:pPr marL="1177200" lvl="2" indent="-457200">
-              <a:buFont typeface="+mj-lt"/>
-              <a:buAutoNum type="arabicPeriod"/>
-            </a:pPr>
-            <a:r>
-              <a:rPr kumimoji="1" lang="ja-JP" altLang="en-US" dirty="0"/>
-              <a:t>実装：構成，動作，例</a:t>
-            </a:r>
-            <a:endParaRPr kumimoji="1" lang="en-US" altLang="ja-JP" dirty="0"/>
-          </a:p>
-          <a:p>
-            <a:pPr marL="1177200" lvl="2" indent="-457200">
-              <a:buFont typeface="+mj-lt"/>
-              <a:buAutoNum type="arabicPeriod"/>
-            </a:pPr>
-            <a:r>
-              <a:rPr kumimoji="1" lang="ja-JP" altLang="en-US" dirty="0"/>
-              <a:t>既存手法との比較</a:t>
-            </a:r>
-            <a:endParaRPr kumimoji="1" lang="en-US" altLang="ja-JP" dirty="0"/>
-          </a:p>
-          <a:p>
-            <a:pPr marL="817200" lvl="1" indent="-457200">
-              <a:buFont typeface="+mj-lt"/>
-              <a:buAutoNum type="arabicPeriod"/>
-            </a:pPr>
-            <a:r>
-              <a:rPr kumimoji="1" lang="ja-JP" altLang="en-US" dirty="0"/>
-              <a:t>評価</a:t>
-            </a:r>
-            <a:endParaRPr kumimoji="1" lang="en-US" altLang="ja-JP" dirty="0"/>
-          </a:p>
-          <a:p>
-            <a:pPr marL="817200" lvl="1" indent="-457200">
-              <a:buFont typeface="+mj-lt"/>
-              <a:buAutoNum type="arabicPeriod"/>
-            </a:pPr>
-            <a:r>
-              <a:rPr kumimoji="1" lang="ja-JP" altLang="en-US" dirty="0"/>
-              <a:t>まとめ</a:t>
-            </a:r>
-            <a:endParaRPr kumimoji="1" lang="en-US" altLang="ja-JP" dirty="0"/>
-          </a:p>
-          <a:p>
-            <a:pPr marL="817200" lvl="1" indent="-457200">
-              <a:buFont typeface="+mj-lt"/>
-              <a:buAutoNum type="arabicPeriod"/>
-            </a:pPr>
-            <a:endParaRPr lang="en-US" altLang="ja-JP" dirty="0"/>
-          </a:p>
-          <a:p>
-            <a:pPr lvl="1"/>
-            <a:r>
-              <a:rPr kumimoji="1" lang="ja-JP" altLang="en-US" dirty="0"/>
-              <a:t>たとえば上記それぞれの項目に１～４ページ程度を割り当てる</a:t>
-            </a:r>
+              <a:t>そこで何を話すか</a:t>
+            </a:r>
+          </a:p>
+          <a:p>
+            <a:endParaRPr lang="ja-JP" altLang="en-US" dirty="0"/>
           </a:p>
         </p:txBody>
       </p:sp>
     </p:spTree>
     <p:extLst>
       <p:ext uri="{BB962C8B-B14F-4D97-AF65-F5344CB8AC3E}">
-        <p14:creationId xmlns:p14="http://schemas.microsoft.com/office/powerpoint/2010/main" val="2044035977"/>
+        <p14:creationId xmlns:p14="http://schemas.microsoft.com/office/powerpoint/2010/main" val="492338302"/>
       </p:ext>
     </p:extLst>
   </p:cSld>
@@ -14504,13 +14543,7 @@
       </p:grpSpPr>
       <p:sp>
         <p:nvSpPr>
-          <p:cNvPr id="6" name="タイトル 5">
-            <a:extLst>
-              <a:ext uri="{FF2B5EF4-FFF2-40B4-BE49-F238E27FC236}">
-                <a16:creationId xmlns:a16="http://schemas.microsoft.com/office/drawing/2014/main" id="{8747E992-D7C8-B607-3243-8F1C4EBCDADD}"/>
-              </a:ext>
-            </a:extLst>
-          </p:cNvPr>
+          <p:cNvPr id="2" name="タイトル 1"/>
           <p:cNvSpPr>
             <a:spLocks noGrp="1"/>
           </p:cNvSpPr>
@@ -14524,8 +14557,168 @@
           <a:lstStyle/>
           <a:p>
             <a:r>
-              <a:rPr lang="ja-JP" altLang="en-US" b="1" dirty="0"/>
-              <a:t>プロットから文章へ</a:t>
+              <a:rPr kumimoji="1" lang="ja-JP" altLang="en-US" dirty="0"/>
+              <a:t>スライド用プロットの流れの例</a:t>
+            </a:r>
+          </a:p>
+        </p:txBody>
+      </p:sp>
+      <p:sp>
+        <p:nvSpPr>
+          <p:cNvPr id="3" name="テキスト プレースホルダー 2"/>
+          <p:cNvSpPr>
+            <a:spLocks noGrp="1"/>
+          </p:cNvSpPr>
+          <p:nvPr>
+            <p:ph type="body" sz="quarter" idx="10"/>
+          </p:nvPr>
+        </p:nvSpPr>
+        <p:spPr>
+          <a:xfrm>
+            <a:off x="611956" y="1268976"/>
+            <a:ext cx="8280092" cy="5039749"/>
+          </a:xfrm>
+        </p:spPr>
+        <p:txBody>
+          <a:bodyPr/>
+          <a:lstStyle/>
+          <a:p>
+            <a:pPr marL="817200" lvl="1" indent="-457200">
+              <a:buFont typeface="+mj-lt"/>
+              <a:buAutoNum type="arabicPeriod"/>
+            </a:pPr>
+            <a:r>
+              <a:rPr kumimoji="1" lang="ja-JP" altLang="en-US" dirty="0"/>
+              <a:t>イントロ</a:t>
+            </a:r>
+            <a:endParaRPr kumimoji="1" lang="en-US" altLang="ja-JP" dirty="0"/>
+          </a:p>
+          <a:p>
+            <a:pPr marL="817200" lvl="1" indent="-457200">
+              <a:buFont typeface="+mj-lt"/>
+              <a:buAutoNum type="arabicPeriod"/>
+            </a:pPr>
+            <a:r>
+              <a:rPr kumimoji="1" lang="ja-JP" altLang="en-US" dirty="0"/>
+              <a:t>背景となる問題</a:t>
+            </a:r>
+            <a:endParaRPr kumimoji="1" lang="en-US" altLang="ja-JP" dirty="0"/>
+          </a:p>
+          <a:p>
+            <a:pPr marL="817200" lvl="1" indent="-457200">
+              <a:buFont typeface="+mj-lt"/>
+              <a:buAutoNum type="arabicPeriod"/>
+            </a:pPr>
+            <a:r>
+              <a:rPr kumimoji="1" lang="ja-JP" altLang="en-US" dirty="0"/>
+              <a:t>既存</a:t>
+            </a:r>
+            <a:r>
+              <a:rPr lang="ja-JP" altLang="en-US" dirty="0"/>
+              <a:t>手法</a:t>
+            </a:r>
+            <a:endParaRPr lang="en-US" altLang="ja-JP" dirty="0"/>
+          </a:p>
+          <a:p>
+            <a:pPr marL="1177200" lvl="2" indent="-457200">
+              <a:buFont typeface="+mj-lt"/>
+              <a:buAutoNum type="arabicPeriod"/>
+            </a:pPr>
+            <a:r>
+              <a:rPr lang="ja-JP" altLang="en-US" dirty="0"/>
+              <a:t>既存手法の説明</a:t>
+            </a:r>
+            <a:endParaRPr lang="en-US" altLang="ja-JP" dirty="0"/>
+          </a:p>
+          <a:p>
+            <a:pPr marL="1177200" lvl="2" indent="-457200">
+              <a:buFont typeface="+mj-lt"/>
+              <a:buAutoNum type="arabicPeriod"/>
+            </a:pPr>
+            <a:r>
+              <a:rPr lang="ja-JP" altLang="en-US" dirty="0"/>
+              <a:t>既存手法の問題</a:t>
+            </a:r>
+            <a:endParaRPr lang="en-US" altLang="ja-JP" dirty="0"/>
+          </a:p>
+          <a:p>
+            <a:pPr marL="817200" lvl="1" indent="-457200">
+              <a:buFont typeface="+mj-lt"/>
+              <a:buAutoNum type="arabicPeriod"/>
+            </a:pPr>
+            <a:r>
+              <a:rPr kumimoji="1" lang="ja-JP" altLang="en-US" dirty="0"/>
+              <a:t>提案手法</a:t>
+            </a:r>
+            <a:endParaRPr kumimoji="1" lang="en-US" altLang="ja-JP" dirty="0"/>
+          </a:p>
+          <a:p>
+            <a:pPr marL="1177200" lvl="2" indent="-457200">
+              <a:buFont typeface="+mj-lt"/>
+              <a:buAutoNum type="arabicPeriod"/>
+            </a:pPr>
+            <a:r>
+              <a:rPr kumimoji="1" lang="ja-JP" altLang="en-US" dirty="0"/>
+              <a:t>アイデア</a:t>
+            </a:r>
+            <a:endParaRPr kumimoji="1" lang="en-US" altLang="ja-JP" dirty="0"/>
+          </a:p>
+          <a:p>
+            <a:pPr marL="1177200" lvl="2" indent="-457200">
+              <a:buFont typeface="+mj-lt"/>
+              <a:buAutoNum type="arabicPeriod"/>
+            </a:pPr>
+            <a:r>
+              <a:rPr kumimoji="1" lang="ja-JP" altLang="en-US" dirty="0"/>
+              <a:t>実装：構成，動作，例</a:t>
+            </a:r>
+            <a:endParaRPr kumimoji="1" lang="en-US" altLang="ja-JP" dirty="0"/>
+          </a:p>
+          <a:p>
+            <a:pPr marL="1177200" lvl="2" indent="-457200">
+              <a:buFont typeface="+mj-lt"/>
+              <a:buAutoNum type="arabicPeriod"/>
+            </a:pPr>
+            <a:r>
+              <a:rPr kumimoji="1" lang="ja-JP" altLang="en-US" dirty="0"/>
+              <a:t>既存手法との比較</a:t>
+            </a:r>
+            <a:endParaRPr kumimoji="1" lang="en-US" altLang="ja-JP" dirty="0"/>
+          </a:p>
+          <a:p>
+            <a:pPr marL="817200" lvl="1" indent="-457200">
+              <a:buFont typeface="+mj-lt"/>
+              <a:buAutoNum type="arabicPeriod"/>
+            </a:pPr>
+            <a:r>
+              <a:rPr kumimoji="1" lang="ja-JP" altLang="en-US" dirty="0"/>
+              <a:t>評価</a:t>
+            </a:r>
+            <a:endParaRPr kumimoji="1" lang="en-US" altLang="ja-JP" dirty="0"/>
+          </a:p>
+          <a:p>
+            <a:pPr marL="817200" lvl="1" indent="-457200">
+              <a:buFont typeface="+mj-lt"/>
+              <a:buAutoNum type="arabicPeriod"/>
+            </a:pPr>
+            <a:r>
+              <a:rPr kumimoji="1" lang="ja-JP" altLang="en-US" dirty="0"/>
+              <a:t>まとめ</a:t>
+            </a:r>
+            <a:endParaRPr kumimoji="1" lang="en-US" altLang="ja-JP" dirty="0"/>
+          </a:p>
+          <a:p>
+            <a:pPr marL="817200" lvl="1" indent="-457200">
+              <a:buFont typeface="+mj-lt"/>
+              <a:buAutoNum type="arabicPeriod"/>
+            </a:pPr>
+            <a:endParaRPr lang="en-US" altLang="ja-JP" dirty="0"/>
+          </a:p>
+          <a:p>
+            <a:pPr lvl="1"/>
+            <a:r>
+              <a:rPr kumimoji="1" lang="ja-JP" altLang="en-US" dirty="0"/>
+              <a:t>たとえば上記それぞれの項目に１～４ページ程度を割り当てる</a:t>
             </a:r>
           </a:p>
         </p:txBody>
@@ -14533,13 +14726,21 @@
     </p:spTree>
     <p:extLst>
       <p:ext uri="{BB962C8B-B14F-4D97-AF65-F5344CB8AC3E}">
-        <p14:creationId xmlns:p14="http://schemas.microsoft.com/office/powerpoint/2010/main" val="2482668500"/>
+        <p14:creationId xmlns:p14="http://schemas.microsoft.com/office/powerpoint/2010/main" val="2044035977"/>
       </p:ext>
     </p:extLst>
   </p:cSld>
   <p:clrMapOvr>
     <a:masterClrMapping/>
   </p:clrMapOvr>
+  <mc:AlternateContent xmlns:mc="http://schemas.openxmlformats.org/markup-compatibility/2006" xmlns:p14="http://schemas.microsoft.com/office/powerpoint/2010/main">
+    <mc:Choice Requires="p14">
+      <p:transition p14:dur="10"/>
+    </mc:Choice>
+    <mc:Fallback xmlns="">
+      <p:transition/>
+    </mc:Fallback>
+  </mc:AlternateContent>
 </p:sld>
 </file>
 
@@ -14562,10 +14763,10 @@
       </p:grpSpPr>
       <p:sp>
         <p:nvSpPr>
-          <p:cNvPr id="4" name="タイトル 3">
-            <a:extLst>
-              <a:ext uri="{FF2B5EF4-FFF2-40B4-BE49-F238E27FC236}">
-                <a16:creationId xmlns:a16="http://schemas.microsoft.com/office/drawing/2014/main" id="{6562E51A-24AB-589C-C10B-60BA2743CF86}"/>
+          <p:cNvPr id="6" name="タイトル 5">
+            <a:extLst>
+              <a:ext uri="{FF2B5EF4-FFF2-40B4-BE49-F238E27FC236}">
+                <a16:creationId xmlns:a16="http://schemas.microsoft.com/office/drawing/2014/main" id="{8747E992-D7C8-B607-3243-8F1C4EBCDADD}"/>
               </a:ext>
             </a:extLst>
           </p:cNvPr>
@@ -14582,6 +14783,64 @@
           <a:lstStyle/>
           <a:p>
             <a:r>
+              <a:rPr lang="ja-JP" altLang="en-US" b="1" dirty="0"/>
+              <a:t>プロットから文章へ</a:t>
+            </a:r>
+          </a:p>
+        </p:txBody>
+      </p:sp>
+    </p:spTree>
+    <p:extLst>
+      <p:ext uri="{BB962C8B-B14F-4D97-AF65-F5344CB8AC3E}">
+        <p14:creationId xmlns:p14="http://schemas.microsoft.com/office/powerpoint/2010/main" val="2482668500"/>
+      </p:ext>
+    </p:extLst>
+  </p:cSld>
+  <p:clrMapOvr>
+    <a:masterClrMapping/>
+  </p:clrMapOvr>
+</p:sld>
+</file>
+
+<file path=ppt/slides/slide48.xml><?xml version="1.0" encoding="utf-8"?>
+<p:sld xmlns:a="http://schemas.openxmlformats.org/drawingml/2006/main" xmlns:r="http://schemas.openxmlformats.org/officeDocument/2006/relationships" xmlns:p="http://schemas.openxmlformats.org/presentationml/2006/main">
+  <p:cSld>
+    <p:spTree>
+      <p:nvGrpSpPr>
+        <p:cNvPr id="1" name=""/>
+        <p:cNvGrpSpPr/>
+        <p:nvPr/>
+      </p:nvGrpSpPr>
+      <p:grpSpPr>
+        <a:xfrm>
+          <a:off x="0" y="0"/>
+          <a:ext cx="0" cy="0"/>
+          <a:chOff x="0" y="0"/>
+          <a:chExt cx="0" cy="0"/>
+        </a:xfrm>
+      </p:grpSpPr>
+      <p:sp>
+        <p:nvSpPr>
+          <p:cNvPr id="4" name="タイトル 3">
+            <a:extLst>
+              <a:ext uri="{FF2B5EF4-FFF2-40B4-BE49-F238E27FC236}">
+                <a16:creationId xmlns:a16="http://schemas.microsoft.com/office/drawing/2014/main" id="{6562E51A-24AB-589C-C10B-60BA2743CF86}"/>
+              </a:ext>
+            </a:extLst>
+          </p:cNvPr>
+          <p:cNvSpPr>
+            <a:spLocks noGrp="1"/>
+          </p:cNvSpPr>
+          <p:nvPr>
+            <p:ph type="title"/>
+          </p:nvPr>
+        </p:nvSpPr>
+        <p:spPr/>
+        <p:txBody>
+          <a:bodyPr/>
+          <a:lstStyle/>
+          <a:p>
+            <a:r>
               <a:rPr lang="ja-JP" altLang="en-US" dirty="0"/>
               <a:t>プロットから文章やスライドへ</a:t>
             </a:r>
@@ -14716,7 +14975,7 @@
             <a:fld id="{D2D8002D-B5B0-4BAC-B1F6-782DDCCE6D9C}" type="slidenum">
               <a:rPr kumimoji="1" lang="ja-JP" altLang="en-US" smtClean="0"/>
               <a:pPr/>
-              <a:t>47</a:t>
+              <a:t>48</a:t>
             </a:fld>
             <a:endParaRPr kumimoji="1" lang="ja-JP" altLang="en-US"/>
           </a:p>
@@ -14743,7 +15002,7 @@
 </p:sld>
 </file>
 
-<file path=ppt/slides/slide48.xml><?xml version="1.0" encoding="utf-8"?>
+<file path=ppt/slides/slide49.xml><?xml version="1.0" encoding="utf-8"?>
 <p:sld xmlns:a="http://schemas.openxmlformats.org/drawingml/2006/main" xmlns:r="http://schemas.openxmlformats.org/officeDocument/2006/relationships" xmlns:p="http://schemas.openxmlformats.org/presentationml/2006/main">
   <p:cSld>
     <p:spTree>
@@ -14969,7 +15228,203 @@
 </p:sld>
 </file>
 
-<file path=ppt/slides/slide49.xml><?xml version="1.0" encoding="utf-8"?>
+<file path=ppt/slides/slide5.xml><?xml version="1.0" encoding="utf-8"?>
+<p:sld xmlns:a="http://schemas.openxmlformats.org/drawingml/2006/main" xmlns:r="http://schemas.openxmlformats.org/officeDocument/2006/relationships" xmlns:p="http://schemas.openxmlformats.org/presentationml/2006/main">
+  <p:cSld>
+    <p:spTree>
+      <p:nvGrpSpPr>
+        <p:cNvPr id="1" name=""/>
+        <p:cNvGrpSpPr/>
+        <p:nvPr/>
+      </p:nvGrpSpPr>
+      <p:grpSpPr>
+        <a:xfrm>
+          <a:off x="0" y="0"/>
+          <a:ext cx="0" cy="0"/>
+          <a:chOff x="0" y="0"/>
+          <a:chExt cx="0" cy="0"/>
+        </a:xfrm>
+      </p:grpSpPr>
+      <p:sp>
+        <p:nvSpPr>
+          <p:cNvPr id="2" name="タイトル 1">
+            <a:extLst>
+              <a:ext uri="{FF2B5EF4-FFF2-40B4-BE49-F238E27FC236}">
+                <a16:creationId xmlns:a16="http://schemas.microsoft.com/office/drawing/2014/main" id="{F6FC41B6-7C48-38E1-C9EB-ECA1128D425A}"/>
+              </a:ext>
+            </a:extLst>
+          </p:cNvPr>
+          <p:cNvSpPr>
+            <a:spLocks noGrp="1"/>
+          </p:cNvSpPr>
+          <p:nvPr>
+            <p:ph type="title"/>
+          </p:nvPr>
+        </p:nvSpPr>
+        <p:spPr/>
+        <p:txBody>
+          <a:bodyPr/>
+          <a:lstStyle/>
+          <a:p>
+            <a:r>
+              <a:rPr kumimoji="1" lang="ja-JP" altLang="en-US" dirty="0"/>
+              <a:t>プロットにはいろいろタイプがある</a:t>
+            </a:r>
+            <a:br>
+              <a:rPr kumimoji="1" lang="en-US" altLang="ja-JP" dirty="0"/>
+            </a:br>
+            <a:r>
+              <a:rPr lang="ja-JP" altLang="en-US" sz="1800" dirty="0"/>
+              <a:t>論文や発表スライドの作成段階に応じて，これらを作る</a:t>
+            </a:r>
+            <a:endParaRPr kumimoji="1" lang="ja-JP" altLang="en-US" dirty="0"/>
+          </a:p>
+        </p:txBody>
+      </p:sp>
+      <p:sp>
+        <p:nvSpPr>
+          <p:cNvPr id="3" name="テキスト プレースホルダー 2">
+            <a:extLst>
+              <a:ext uri="{FF2B5EF4-FFF2-40B4-BE49-F238E27FC236}">
+                <a16:creationId xmlns:a16="http://schemas.microsoft.com/office/drawing/2014/main" id="{9B1D87CA-355E-1DFA-F216-9E50E51D1105}"/>
+              </a:ext>
+            </a:extLst>
+          </p:cNvPr>
+          <p:cNvSpPr>
+            <a:spLocks noGrp="1"/>
+          </p:cNvSpPr>
+          <p:nvPr>
+            <p:ph type="body" sz="quarter" idx="10"/>
+          </p:nvPr>
+        </p:nvSpPr>
+        <p:spPr/>
+        <p:txBody>
+          <a:bodyPr/>
+          <a:lstStyle/>
+          <a:p>
+            <a:pPr marL="457200" indent="-457200">
+              <a:buFont typeface="+mj-lt"/>
+              <a:buAutoNum type="arabicPeriod"/>
+            </a:pPr>
+            <a:r>
+              <a:rPr kumimoji="1" lang="ja-JP" altLang="en-US" dirty="0"/>
+              <a:t>３点プロット</a:t>
+            </a:r>
+            <a:endParaRPr kumimoji="1" lang="en-US" altLang="ja-JP" dirty="0"/>
+          </a:p>
+          <a:p>
+            <a:pPr lvl="1"/>
+            <a:r>
+              <a:rPr kumimoji="1" lang="ja-JP" altLang="en-US" dirty="0"/>
+              <a:t>話全体を３つの項目にまとめた形のプロット</a:t>
+            </a:r>
+            <a:endParaRPr kumimoji="1" lang="en-US" altLang="ja-JP" dirty="0"/>
+          </a:p>
+          <a:p>
+            <a:pPr lvl="1"/>
+            <a:r>
+              <a:rPr kumimoji="1" lang="ja-JP" altLang="en-US" dirty="0"/>
+              <a:t>イントロ</a:t>
+            </a:r>
+            <a:r>
+              <a:rPr kumimoji="1" lang="en-US" altLang="ja-JP" dirty="0"/>
+              <a:t>/</a:t>
+            </a:r>
+            <a:r>
+              <a:rPr kumimoji="1" lang="ja-JP" altLang="en-US" dirty="0"/>
+              <a:t>全体プロットと比べると抽象的な内容になる</a:t>
+            </a:r>
+            <a:endParaRPr kumimoji="1" lang="en-US" altLang="ja-JP" dirty="0"/>
+          </a:p>
+          <a:p>
+            <a:pPr marL="457200" indent="-457200">
+              <a:buFont typeface="+mj-lt"/>
+              <a:buAutoNum type="arabicPeriod"/>
+            </a:pPr>
+            <a:r>
+              <a:rPr kumimoji="1" lang="ja-JP" altLang="en-US" dirty="0"/>
+              <a:t>イントロプロット</a:t>
+            </a:r>
+            <a:endParaRPr kumimoji="1" lang="en-US" altLang="ja-JP" dirty="0"/>
+          </a:p>
+          <a:p>
+            <a:pPr lvl="1"/>
+            <a:r>
+              <a:rPr lang="ja-JP" altLang="en-US" dirty="0"/>
+              <a:t>論文やスライドのイントロのプロット</a:t>
+            </a:r>
+            <a:endParaRPr lang="en-US" altLang="ja-JP" dirty="0"/>
+          </a:p>
+          <a:p>
+            <a:pPr marL="457200" indent="-457200">
+              <a:buFont typeface="+mj-lt"/>
+              <a:buAutoNum type="arabicPeriod"/>
+            </a:pPr>
+            <a:r>
+              <a:rPr kumimoji="1" lang="ja-JP" altLang="en-US" dirty="0"/>
+              <a:t>全体プロット</a:t>
+            </a:r>
+            <a:endParaRPr kumimoji="1" lang="en-US" altLang="ja-JP" dirty="0"/>
+          </a:p>
+          <a:p>
+            <a:pPr lvl="1"/>
+            <a:r>
+              <a:rPr lang="ja-JP" altLang="en-US" dirty="0"/>
+              <a:t>論文やスライド全体のプロット</a:t>
+            </a:r>
+            <a:endParaRPr kumimoji="1" lang="en-US" altLang="ja-JP" dirty="0"/>
+          </a:p>
+          <a:p>
+            <a:pPr marL="457200" indent="-457200">
+              <a:buFont typeface="+mj-lt"/>
+              <a:buAutoNum type="arabicPeriod"/>
+            </a:pPr>
+            <a:r>
+              <a:rPr kumimoji="1" lang="ja-JP" altLang="en-US" dirty="0"/>
+              <a:t>目標規定文</a:t>
+            </a:r>
+            <a:endParaRPr kumimoji="1" lang="en-US" altLang="ja-JP" dirty="0"/>
+          </a:p>
+          <a:p>
+            <a:pPr lvl="1"/>
+            <a:r>
+              <a:rPr kumimoji="1" lang="ja-JP" altLang="en-US" dirty="0"/>
+              <a:t>論文やスライドの内容を１文で表したもの</a:t>
+            </a:r>
+            <a:endParaRPr kumimoji="1" lang="en-US" altLang="ja-JP" dirty="0"/>
+          </a:p>
+          <a:p>
+            <a:pPr lvl="1"/>
+            <a:r>
+              <a:rPr lang="ja-JP" altLang="en-US" dirty="0"/>
+              <a:t>ここではプロットの一種と考えている</a:t>
+            </a:r>
+            <a:endParaRPr kumimoji="1" lang="en-US" altLang="ja-JP" sz="1600" dirty="0"/>
+          </a:p>
+        </p:txBody>
+      </p:sp>
+    </p:spTree>
+    <p:extLst>
+      <p:ext uri="{BB962C8B-B14F-4D97-AF65-F5344CB8AC3E}">
+        <p14:creationId xmlns:p14="http://schemas.microsoft.com/office/powerpoint/2010/main" val="4229679149"/>
+      </p:ext>
+    </p:extLst>
+  </p:cSld>
+  <p:clrMapOvr>
+    <a:masterClrMapping/>
+  </p:clrMapOvr>
+  <mc:AlternateContent xmlns:mc="http://schemas.openxmlformats.org/markup-compatibility/2006" xmlns:p14="http://schemas.microsoft.com/office/powerpoint/2010/main">
+    <mc:Choice Requires="p14">
+      <p:transition p14:dur="10"/>
+    </mc:Choice>
+    <mc:Fallback xmlns="">
+      <p:transition/>
+    </mc:Fallback>
+  </mc:AlternateContent>
+</p:sld>
+</file>
+
+<file path=ppt/slides/slide50.xml><?xml version="1.0" encoding="utf-8"?>
 <p:sld xmlns:a="http://schemas.openxmlformats.org/drawingml/2006/main" xmlns:r="http://schemas.openxmlformats.org/officeDocument/2006/relationships" xmlns:p="http://schemas.openxmlformats.org/presentationml/2006/main">
   <p:cSld>
     <p:spTree>
@@ -18555,203 +19010,7 @@
 </p:sld>
 </file>
 
-<file path=ppt/slides/slide5.xml><?xml version="1.0" encoding="utf-8"?>
-<p:sld xmlns:a="http://schemas.openxmlformats.org/drawingml/2006/main" xmlns:r="http://schemas.openxmlformats.org/officeDocument/2006/relationships" xmlns:p="http://schemas.openxmlformats.org/presentationml/2006/main">
-  <p:cSld>
-    <p:spTree>
-      <p:nvGrpSpPr>
-        <p:cNvPr id="1" name=""/>
-        <p:cNvGrpSpPr/>
-        <p:nvPr/>
-      </p:nvGrpSpPr>
-      <p:grpSpPr>
-        <a:xfrm>
-          <a:off x="0" y="0"/>
-          <a:ext cx="0" cy="0"/>
-          <a:chOff x="0" y="0"/>
-          <a:chExt cx="0" cy="0"/>
-        </a:xfrm>
-      </p:grpSpPr>
-      <p:sp>
-        <p:nvSpPr>
-          <p:cNvPr id="2" name="タイトル 1">
-            <a:extLst>
-              <a:ext uri="{FF2B5EF4-FFF2-40B4-BE49-F238E27FC236}">
-                <a16:creationId xmlns:a16="http://schemas.microsoft.com/office/drawing/2014/main" id="{F6FC41B6-7C48-38E1-C9EB-ECA1128D425A}"/>
-              </a:ext>
-            </a:extLst>
-          </p:cNvPr>
-          <p:cNvSpPr>
-            <a:spLocks noGrp="1"/>
-          </p:cNvSpPr>
-          <p:nvPr>
-            <p:ph type="title"/>
-          </p:nvPr>
-        </p:nvSpPr>
-        <p:spPr/>
-        <p:txBody>
-          <a:bodyPr/>
-          <a:lstStyle/>
-          <a:p>
-            <a:r>
-              <a:rPr kumimoji="1" lang="ja-JP" altLang="en-US" dirty="0"/>
-              <a:t>プロットのタイプ</a:t>
-            </a:r>
-            <a:br>
-              <a:rPr kumimoji="1" lang="en-US" altLang="ja-JP" dirty="0"/>
-            </a:br>
-            <a:r>
-              <a:rPr lang="ja-JP" altLang="en-US" sz="1800" dirty="0"/>
-              <a:t>論文や発表スライドの作成段階に応じて，これらを作る</a:t>
-            </a:r>
-            <a:endParaRPr kumimoji="1" lang="ja-JP" altLang="en-US" dirty="0"/>
-          </a:p>
-        </p:txBody>
-      </p:sp>
-      <p:sp>
-        <p:nvSpPr>
-          <p:cNvPr id="3" name="テキスト プレースホルダー 2">
-            <a:extLst>
-              <a:ext uri="{FF2B5EF4-FFF2-40B4-BE49-F238E27FC236}">
-                <a16:creationId xmlns:a16="http://schemas.microsoft.com/office/drawing/2014/main" id="{9B1D87CA-355E-1DFA-F216-9E50E51D1105}"/>
-              </a:ext>
-            </a:extLst>
-          </p:cNvPr>
-          <p:cNvSpPr>
-            <a:spLocks noGrp="1"/>
-          </p:cNvSpPr>
-          <p:nvPr>
-            <p:ph type="body" sz="quarter" idx="10"/>
-          </p:nvPr>
-        </p:nvSpPr>
-        <p:spPr/>
-        <p:txBody>
-          <a:bodyPr/>
-          <a:lstStyle/>
-          <a:p>
-            <a:pPr marL="457200" indent="-457200">
-              <a:buFont typeface="+mj-lt"/>
-              <a:buAutoNum type="arabicPeriod"/>
-            </a:pPr>
-            <a:r>
-              <a:rPr kumimoji="1" lang="ja-JP" altLang="en-US" dirty="0"/>
-              <a:t>３点プロット</a:t>
-            </a:r>
-            <a:endParaRPr kumimoji="1" lang="en-US" altLang="ja-JP" dirty="0"/>
-          </a:p>
-          <a:p>
-            <a:pPr lvl="1"/>
-            <a:r>
-              <a:rPr kumimoji="1" lang="ja-JP" altLang="en-US" dirty="0"/>
-              <a:t>話全体を３つの項目にまとめた形のプロット</a:t>
-            </a:r>
-            <a:endParaRPr kumimoji="1" lang="en-US" altLang="ja-JP" dirty="0"/>
-          </a:p>
-          <a:p>
-            <a:pPr lvl="1"/>
-            <a:r>
-              <a:rPr kumimoji="1" lang="ja-JP" altLang="en-US" dirty="0"/>
-              <a:t>イントロ</a:t>
-            </a:r>
-            <a:r>
-              <a:rPr kumimoji="1" lang="en-US" altLang="ja-JP" dirty="0"/>
-              <a:t>/</a:t>
-            </a:r>
-            <a:r>
-              <a:rPr kumimoji="1" lang="ja-JP" altLang="en-US" dirty="0"/>
-              <a:t>全体プロットと比べると抽象的な内容になる</a:t>
-            </a:r>
-            <a:endParaRPr kumimoji="1" lang="en-US" altLang="ja-JP" dirty="0"/>
-          </a:p>
-          <a:p>
-            <a:pPr marL="457200" indent="-457200">
-              <a:buFont typeface="+mj-lt"/>
-              <a:buAutoNum type="arabicPeriod"/>
-            </a:pPr>
-            <a:r>
-              <a:rPr kumimoji="1" lang="ja-JP" altLang="en-US" dirty="0"/>
-              <a:t>イントロプロット</a:t>
-            </a:r>
-            <a:endParaRPr kumimoji="1" lang="en-US" altLang="ja-JP" dirty="0"/>
-          </a:p>
-          <a:p>
-            <a:pPr lvl="1"/>
-            <a:r>
-              <a:rPr lang="ja-JP" altLang="en-US" dirty="0"/>
-              <a:t>論文やスライドのイントロのプロット</a:t>
-            </a:r>
-            <a:endParaRPr lang="en-US" altLang="ja-JP" dirty="0"/>
-          </a:p>
-          <a:p>
-            <a:pPr marL="457200" indent="-457200">
-              <a:buFont typeface="+mj-lt"/>
-              <a:buAutoNum type="arabicPeriod"/>
-            </a:pPr>
-            <a:r>
-              <a:rPr kumimoji="1" lang="ja-JP" altLang="en-US" dirty="0"/>
-              <a:t>全体プロット</a:t>
-            </a:r>
-            <a:endParaRPr kumimoji="1" lang="en-US" altLang="ja-JP" dirty="0"/>
-          </a:p>
-          <a:p>
-            <a:pPr lvl="1"/>
-            <a:r>
-              <a:rPr lang="ja-JP" altLang="en-US" dirty="0"/>
-              <a:t>論文やスライド全体のプロット</a:t>
-            </a:r>
-            <a:endParaRPr kumimoji="1" lang="en-US" altLang="ja-JP" dirty="0"/>
-          </a:p>
-          <a:p>
-            <a:pPr marL="457200" indent="-457200">
-              <a:buFont typeface="+mj-lt"/>
-              <a:buAutoNum type="arabicPeriod"/>
-            </a:pPr>
-            <a:r>
-              <a:rPr kumimoji="1" lang="ja-JP" altLang="en-US" dirty="0"/>
-              <a:t>目標規定文</a:t>
-            </a:r>
-            <a:endParaRPr kumimoji="1" lang="en-US" altLang="ja-JP" dirty="0"/>
-          </a:p>
-          <a:p>
-            <a:pPr lvl="1"/>
-            <a:r>
-              <a:rPr kumimoji="1" lang="ja-JP" altLang="en-US" dirty="0"/>
-              <a:t>論文やスライドの内容を１文で表したもの</a:t>
-            </a:r>
-            <a:endParaRPr kumimoji="1" lang="en-US" altLang="ja-JP" dirty="0"/>
-          </a:p>
-          <a:p>
-            <a:pPr lvl="1"/>
-            <a:r>
-              <a:rPr lang="ja-JP" altLang="en-US" dirty="0"/>
-              <a:t>ここではプロットの一種と考えている</a:t>
-            </a:r>
-            <a:endParaRPr kumimoji="1" lang="en-US" altLang="ja-JP" sz="1600" dirty="0"/>
-          </a:p>
-        </p:txBody>
-      </p:sp>
-    </p:spTree>
-    <p:extLst>
-      <p:ext uri="{BB962C8B-B14F-4D97-AF65-F5344CB8AC3E}">
-        <p14:creationId xmlns:p14="http://schemas.microsoft.com/office/powerpoint/2010/main" val="4229679149"/>
-      </p:ext>
-    </p:extLst>
-  </p:cSld>
-  <p:clrMapOvr>
-    <a:masterClrMapping/>
-  </p:clrMapOvr>
-  <mc:AlternateContent xmlns:mc="http://schemas.openxmlformats.org/markup-compatibility/2006" xmlns:p14="http://schemas.microsoft.com/office/powerpoint/2010/main">
-    <mc:Choice Requires="p14">
-      <p:transition p14:dur="10"/>
-    </mc:Choice>
-    <mc:Fallback xmlns="">
-      <p:transition/>
-    </mc:Fallback>
-  </mc:AlternateContent>
-</p:sld>
-</file>
-
-<file path=ppt/slides/slide50.xml><?xml version="1.0" encoding="utf-8"?>
+<file path=ppt/slides/slide51.xml><?xml version="1.0" encoding="utf-8"?>
 <p:sld xmlns:a="http://schemas.openxmlformats.org/drawingml/2006/main" xmlns:r="http://schemas.openxmlformats.org/officeDocument/2006/relationships" xmlns:p="http://schemas.openxmlformats.org/presentationml/2006/main">
   <p:cSld>
     <p:spTree>
@@ -22337,7 +22596,7 @@
 </p:sld>
 </file>
 
-<file path=ppt/slides/slide51.xml><?xml version="1.0" encoding="utf-8"?>
+<file path=ppt/slides/slide52.xml><?xml version="1.0" encoding="utf-8"?>
 <p:sld xmlns:a="http://schemas.openxmlformats.org/drawingml/2006/main" xmlns:r="http://schemas.openxmlformats.org/officeDocument/2006/relationships" xmlns:p="http://schemas.openxmlformats.org/presentationml/2006/main">
   <p:cSld>
     <p:spTree>
@@ -22395,7 +22654,7 @@
 </p:sld>
 </file>
 
-<file path=ppt/slides/slide52.xml><?xml version="1.0" encoding="utf-8"?>
+<file path=ppt/slides/slide53.xml><?xml version="1.0" encoding="utf-8"?>
 <p:sld xmlns:a="http://schemas.openxmlformats.org/drawingml/2006/main" xmlns:r="http://schemas.openxmlformats.org/officeDocument/2006/relationships" xmlns:p="http://schemas.openxmlformats.org/presentationml/2006/main">
   <p:cSld>
     <p:spTree>

--- a/plot.pptx
+++ b/plot.pptx
@@ -5,7 +5,7 @@
     <p:sldMasterId id="2147483669" r:id="rId1"/>
   </p:sldMasterIdLst>
   <p:notesMasterIdLst>
-    <p:notesMasterId r:id="rId55"/>
+    <p:notesMasterId r:id="rId59"/>
   </p:notesMasterIdLst>
   <p:sldIdLst>
     <p:sldId id="440" r:id="rId2"/>
@@ -35,32 +35,36 @@
     <p:sldId id="492" r:id="rId26"/>
     <p:sldId id="493" r:id="rId27"/>
     <p:sldId id="496" r:id="rId28"/>
-    <p:sldId id="450" r:id="rId29"/>
-    <p:sldId id="473" r:id="rId30"/>
-    <p:sldId id="474" r:id="rId31"/>
-    <p:sldId id="475" r:id="rId32"/>
-    <p:sldId id="477" r:id="rId33"/>
-    <p:sldId id="453" r:id="rId34"/>
-    <p:sldId id="444" r:id="rId35"/>
-    <p:sldId id="445" r:id="rId36"/>
-    <p:sldId id="460" r:id="rId37"/>
-    <p:sldId id="459" r:id="rId38"/>
-    <p:sldId id="461" r:id="rId39"/>
-    <p:sldId id="447" r:id="rId40"/>
-    <p:sldId id="462" r:id="rId41"/>
-    <p:sldId id="485" r:id="rId42"/>
-    <p:sldId id="486" r:id="rId43"/>
-    <p:sldId id="463" r:id="rId44"/>
-    <p:sldId id="464" r:id="rId45"/>
-    <p:sldId id="466" r:id="rId46"/>
-    <p:sldId id="269" r:id="rId47"/>
-    <p:sldId id="478" r:id="rId48"/>
-    <p:sldId id="479" r:id="rId49"/>
-    <p:sldId id="481" r:id="rId50"/>
-    <p:sldId id="482" r:id="rId51"/>
-    <p:sldId id="483" r:id="rId52"/>
-    <p:sldId id="471" r:id="rId53"/>
-    <p:sldId id="472" r:id="rId54"/>
+    <p:sldId id="498" r:id="rId29"/>
+    <p:sldId id="450" r:id="rId30"/>
+    <p:sldId id="473" r:id="rId31"/>
+    <p:sldId id="474" r:id="rId32"/>
+    <p:sldId id="499" r:id="rId33"/>
+    <p:sldId id="475" r:id="rId34"/>
+    <p:sldId id="477" r:id="rId35"/>
+    <p:sldId id="500" r:id="rId36"/>
+    <p:sldId id="501" r:id="rId37"/>
+    <p:sldId id="453" r:id="rId38"/>
+    <p:sldId id="444" r:id="rId39"/>
+    <p:sldId id="445" r:id="rId40"/>
+    <p:sldId id="460" r:id="rId41"/>
+    <p:sldId id="459" r:id="rId42"/>
+    <p:sldId id="461" r:id="rId43"/>
+    <p:sldId id="447" r:id="rId44"/>
+    <p:sldId id="462" r:id="rId45"/>
+    <p:sldId id="485" r:id="rId46"/>
+    <p:sldId id="486" r:id="rId47"/>
+    <p:sldId id="463" r:id="rId48"/>
+    <p:sldId id="464" r:id="rId49"/>
+    <p:sldId id="466" r:id="rId50"/>
+    <p:sldId id="269" r:id="rId51"/>
+    <p:sldId id="478" r:id="rId52"/>
+    <p:sldId id="479" r:id="rId53"/>
+    <p:sldId id="481" r:id="rId54"/>
+    <p:sldId id="482" r:id="rId55"/>
+    <p:sldId id="483" r:id="rId56"/>
+    <p:sldId id="471" r:id="rId57"/>
+    <p:sldId id="472" r:id="rId58"/>
   </p:sldIdLst>
   <p:sldSz cx="9144000" cy="6858000" type="screen4x3"/>
   <p:notesSz cx="6858000" cy="9144000"/>
@@ -160,6 +164,103 @@
     </a:lvl9pPr>
   </p:defaultTextStyle>
   <p:extLst>
+    <p:ext uri="{521415D9-36F7-43E2-AB2F-B90AF26B5E84}">
+      <p14:sectionLst xmlns:p14="http://schemas.microsoft.com/office/powerpoint/2010/main">
+        <p14:section name="既定のセクション" id="{2D7AF132-9E9E-4A45-8AA6-98786872AA43}">
+          <p14:sldIdLst>
+            <p14:sldId id="440"/>
+            <p14:sldId id="456"/>
+          </p14:sldIdLst>
+        </p14:section>
+        <p14:section name="はじめに" id="{141DB1A1-2D4E-43C0-B32B-9931086137E7}">
+          <p14:sldIdLst>
+            <p14:sldId id="484"/>
+            <p14:sldId id="441"/>
+            <p14:sldId id="446"/>
+            <p14:sldId id="487"/>
+            <p14:sldId id="465"/>
+            <p14:sldId id="468"/>
+            <p14:sldId id="480"/>
+          </p14:sldIdLst>
+        </p14:section>
+        <p14:section name="3点プロットとは" id="{96CE2952-309E-4F6A-BECA-BBF988A05B77}">
+          <p14:sldIdLst>
+            <p14:sldId id="451"/>
+            <p14:sldId id="469"/>
+            <p14:sldId id="448"/>
+            <p14:sldId id="497"/>
+            <p14:sldId id="458"/>
+            <p14:sldId id="443"/>
+            <p14:sldId id="454"/>
+            <p14:sldId id="442"/>
+            <p14:sldId id="494"/>
+            <p14:sldId id="495"/>
+            <p14:sldId id="455"/>
+          </p14:sldIdLst>
+        </p14:section>
+        <p14:section name="3点プロットの作り方" id="{3498FC3D-51FD-4A79-839C-9C544F52BFE3}">
+          <p14:sldIdLst>
+            <p14:sldId id="470"/>
+            <p14:sldId id="449"/>
+            <p14:sldId id="491"/>
+            <p14:sldId id="467"/>
+            <p14:sldId id="492"/>
+            <p14:sldId id="493"/>
+            <p14:sldId id="496"/>
+            <p14:sldId id="498"/>
+            <p14:sldId id="450"/>
+            <p14:sldId id="473"/>
+            <p14:sldId id="474"/>
+            <p14:sldId id="499"/>
+            <p14:sldId id="475"/>
+            <p14:sldId id="477"/>
+            <p14:sldId id="500"/>
+            <p14:sldId id="501"/>
+          </p14:sldIdLst>
+        </p14:section>
+        <p14:section name="目標規定文" id="{284AE921-44E1-4DBA-8D29-147CFA080259}">
+          <p14:sldIdLst>
+            <p14:sldId id="453"/>
+            <p14:sldId id="444"/>
+            <p14:sldId id="445"/>
+            <p14:sldId id="460"/>
+          </p14:sldIdLst>
+        </p14:section>
+        <p14:section name="イントロプロット" id="{81FBFB54-D905-45A9-AE2B-8C81EC85EAFE}">
+          <p14:sldIdLst>
+            <p14:sldId id="459"/>
+            <p14:sldId id="461"/>
+            <p14:sldId id="447"/>
+            <p14:sldId id="462"/>
+            <p14:sldId id="485"/>
+            <p14:sldId id="486"/>
+          </p14:sldIdLst>
+        </p14:section>
+        <p14:section name="全体プロット" id="{D9DAA516-481C-4D90-9148-9FD0CEE7BBDD}">
+          <p14:sldIdLst>
+            <p14:sldId id="463"/>
+            <p14:sldId id="464"/>
+            <p14:sldId id="466"/>
+            <p14:sldId id="269"/>
+          </p14:sldIdLst>
+        </p14:section>
+        <p14:section name="プロットから文章へ" id="{E7A38C92-3702-4B66-8B64-BDA664695DED}">
+          <p14:sldIdLst>
+            <p14:sldId id="478"/>
+            <p14:sldId id="479"/>
+            <p14:sldId id="481"/>
+            <p14:sldId id="482"/>
+            <p14:sldId id="483"/>
+          </p14:sldIdLst>
+        </p14:section>
+        <p14:section name="まとめ" id="{A7541428-A07C-4FB5-AE28-58C19E8A3BC6}">
+          <p14:sldIdLst>
+            <p14:sldId id="471"/>
+            <p14:sldId id="472"/>
+          </p14:sldIdLst>
+        </p14:section>
+      </p14:sectionLst>
+    </p:ext>
     <p:ext uri="{EFAFB233-063F-42B5-8137-9DF3F51BA10A}">
       <p15:sldGuideLst xmlns:p15="http://schemas.microsoft.com/office/powerpoint/2012/main">
         <p15:guide id="1" orient="horz" pos="2160">
@@ -3147,8 +3248,8 @@
               <a:t>プロットの作り方 </a:t>
             </a:r>
             <a:r>
-              <a:rPr kumimoji="1" lang="en-US" altLang="ja-JP" sz="2800"/>
-              <a:t>v10</a:t>
+              <a:rPr kumimoji="1" lang="en-US" altLang="ja-JP" sz="2800" dirty="0"/>
+              <a:t>v11</a:t>
             </a:r>
             <a:endParaRPr kumimoji="1" lang="ja-JP" altLang="en-US" sz="2800" dirty="0"/>
           </a:p>
@@ -3616,7 +3717,7 @@
             </a:pPr>
             <a:r>
               <a:rPr kumimoji="1" lang="ja-JP" altLang="en-US" dirty="0"/>
-              <a:t>箇条書きを作る上での形式的なポイント</a:t>
+              <a:t>箇条書きの作り方</a:t>
             </a:r>
           </a:p>
         </p:txBody>
@@ -3737,7 +3838,7 @@
             <a:pPr lvl="1"/>
             <a:r>
               <a:rPr kumimoji="1" lang="ja-JP" altLang="en-US" dirty="0"/>
-              <a:t>課題や提案に共通する背景や，共通して取り組んでいる問題</a:t>
+              <a:t>課題と提案に共通する背景や，それらが共通して取り組んでいる問題</a:t>
             </a:r>
             <a:endParaRPr kumimoji="1" lang="en-US" altLang="ja-JP" dirty="0"/>
           </a:p>
@@ -4933,7 +5034,7 @@
           <a:p>
             <a:r>
               <a:rPr lang="ja-JP" altLang="en-US" dirty="0"/>
-              <a:t>たとえば，前縦の例の課題の場合：</a:t>
+              <a:t>たとえば，前述の例の課題の場合：</a:t>
             </a:r>
             <a:endParaRPr lang="en-US" altLang="ja-JP" dirty="0"/>
           </a:p>
@@ -5079,7 +5180,7 @@
             </a:pPr>
             <a:r>
               <a:rPr kumimoji="1" lang="ja-JP" altLang="en-US" dirty="0"/>
-              <a:t>既存手法がある場合（基本的にはこの形に）</a:t>
+              <a:t>既存手法がある場合：</a:t>
             </a:r>
             <a:endParaRPr kumimoji="1" lang="en-US" altLang="ja-JP" dirty="0"/>
           </a:p>
@@ -5088,6 +5189,14 @@
             <a:r>
               <a:rPr kumimoji="1" lang="ja-JP" altLang="en-US" dirty="0"/>
               <a:t>「背景」で提示した問題を解決する </a:t>
+            </a:r>
+            <a:endParaRPr kumimoji="1" lang="en-US" altLang="ja-JP" dirty="0"/>
+          </a:p>
+          <a:p>
+            <a:pPr lvl="2"/>
+            <a:r>
+              <a:rPr kumimoji="1" lang="ja-JP" altLang="en-US" dirty="0"/>
+              <a:t>（基本的にはこの形になることが多い）</a:t>
             </a:r>
             <a:endParaRPr kumimoji="1" lang="en-US" altLang="ja-JP" dirty="0"/>
           </a:p>
@@ -5098,7 +5207,7 @@
             </a:pPr>
             <a:r>
               <a:rPr kumimoji="1" lang="ja-JP" altLang="en-US" dirty="0"/>
-              <a:t>既存手法がない場合，こちらになることもある</a:t>
+              <a:t>既存手法がない場合：</a:t>
             </a:r>
             <a:endParaRPr kumimoji="1" lang="en-US" altLang="ja-JP" dirty="0"/>
           </a:p>
@@ -5232,7 +5341,7 @@
             </a:pPr>
             <a:r>
               <a:rPr kumimoji="1" lang="ja-JP" altLang="en-US" sz="1800" dirty="0"/>
-              <a:t>３点プロットを作ったら以下が満たされているかを確認：</a:t>
+              <a:t>３点プロットを作ったら，以下が満たされているかを確認する：</a:t>
             </a:r>
             <a:endParaRPr kumimoji="1" lang="en-US" altLang="ja-JP" sz="1800" dirty="0"/>
           </a:p>
@@ -5283,7 +5392,7 @@
             </a:pPr>
             <a:r>
               <a:rPr kumimoji="1" lang="ja-JP" altLang="en-US" sz="1800" dirty="0"/>
-              <a:t>提案は上記の問題を「どのように」「なぜ」解決するかを示す文を含んでいる</a:t>
+              <a:t>提案は，上記の問題が「どのように」「なぜ」解決されるのかを示す文を含んでいる</a:t>
             </a:r>
             <a:endParaRPr kumimoji="1" lang="en-US" altLang="ja-JP" sz="1800" dirty="0"/>
           </a:p>
@@ -5312,7 +5421,7 @@
             </a:pPr>
             <a:r>
               <a:rPr kumimoji="1" lang="ja-JP" altLang="en-US" sz="1800" dirty="0"/>
-              <a:t>１行を越えるような長い修飾節を含んだ文をふくんではならない</a:t>
+              <a:t>１行を越えるような長い修飾節を含んだ文を含んではならない</a:t>
             </a:r>
             <a:endParaRPr kumimoji="1" lang="en-US" altLang="ja-JP" sz="1800" dirty="0"/>
           </a:p>
@@ -5628,7 +5737,7 @@
             </a:pPr>
             <a:r>
               <a:rPr kumimoji="1" lang="ja-JP" altLang="en-US" dirty="0"/>
-              <a:t>箇条書きを作る上でのポイント</a:t>
+              <a:t>箇条書きの作り方</a:t>
             </a:r>
             <a:endParaRPr kumimoji="1" lang="en-US" altLang="ja-JP" dirty="0"/>
           </a:p>
@@ -5639,8 +5748,16 @@
             </a:pPr>
             <a:r>
               <a:rPr kumimoji="1" lang="ja-JP" altLang="en-US" dirty="0"/>
-              <a:t>チェック・リスト</a:t>
-            </a:r>
+              <a:t>余談：なぜ箇条書きにまとめるのか？</a:t>
+            </a:r>
+            <a:endParaRPr kumimoji="1" lang="en-US" altLang="ja-JP" dirty="0"/>
+          </a:p>
+          <a:p>
+            <a:pPr marL="817200" lvl="1" indent="-457200">
+              <a:buFont typeface="+mj-lt"/>
+              <a:buAutoNum type="arabicPeriod"/>
+            </a:pPr>
+            <a:endParaRPr kumimoji="1" lang="en-US" altLang="ja-JP" dirty="0"/>
           </a:p>
         </p:txBody>
       </p:sp>
@@ -6428,8 +6545,79 @@
                   <a:schemeClr val="accent5"/>
                 </a:solidFill>
               </a:rPr>
-              <a:t>箇条書きを作る上でのポイント</a:t>
-            </a:r>
+              <a:t>箇条書きの作り方</a:t>
+            </a:r>
+            <a:endParaRPr kumimoji="1" lang="en-US" altLang="ja-JP" dirty="0">
+              <a:solidFill>
+                <a:schemeClr val="accent5"/>
+              </a:solidFill>
+            </a:endParaRPr>
+          </a:p>
+          <a:p>
+            <a:pPr marL="1177200" lvl="2" indent="-457200">
+              <a:buFont typeface="+mj-lt"/>
+              <a:buAutoNum type="arabicPeriod"/>
+            </a:pPr>
+            <a:r>
+              <a:rPr kumimoji="1" lang="ja-JP" altLang="en-US" dirty="0"/>
+              <a:t>親子関係の作り方</a:t>
+            </a:r>
+            <a:endParaRPr kumimoji="1" lang="en-US" altLang="ja-JP" dirty="0"/>
+          </a:p>
+          <a:p>
+            <a:pPr marL="1177200" lvl="2" indent="-457200">
+              <a:buFont typeface="+mj-lt"/>
+              <a:buAutoNum type="arabicPeriod"/>
+            </a:pPr>
+            <a:r>
+              <a:rPr kumimoji="1" lang="ja-JP" altLang="en-US" dirty="0"/>
+              <a:t>文を短くする</a:t>
+            </a:r>
+            <a:endParaRPr kumimoji="1" lang="en-US" altLang="ja-JP" dirty="0"/>
+          </a:p>
+          <a:p>
+            <a:pPr marL="1177200" lvl="2" indent="-457200">
+              <a:buFont typeface="+mj-lt"/>
+              <a:buAutoNum type="arabicPeriod"/>
+            </a:pPr>
+            <a:r>
+              <a:rPr kumimoji="1" lang="ja-JP" altLang="en-US" dirty="0"/>
+              <a:t>インデントにぶらさげる項目数</a:t>
+            </a:r>
+            <a:endParaRPr kumimoji="1" lang="en-US" altLang="ja-JP" dirty="0"/>
+          </a:p>
+          <a:p>
+            <a:pPr marL="1177200" lvl="2" indent="-457200">
+              <a:buFont typeface="+mj-lt"/>
+              <a:buAutoNum type="arabicPeriod"/>
+            </a:pPr>
+            <a:r>
+              <a:rPr kumimoji="1" lang="ja-JP" altLang="en-US" dirty="0"/>
+              <a:t>親子関係における「階段」</a:t>
+            </a:r>
+            <a:endParaRPr kumimoji="1" lang="en-US" altLang="ja-JP" dirty="0"/>
+          </a:p>
+          <a:p>
+            <a:pPr marL="457200" indent="-457200">
+              <a:buFont typeface="+mj-lt"/>
+              <a:buAutoNum type="arabicPeriod"/>
+            </a:pPr>
+            <a:r>
+              <a:rPr kumimoji="1" lang="ja-JP" altLang="en-US" dirty="0"/>
+              <a:t>余談：なぜ箇条書きにまとめるのか？</a:t>
+            </a:r>
+            <a:endParaRPr kumimoji="1" lang="en-US" altLang="ja-JP" dirty="0"/>
+          </a:p>
+          <a:p>
+            <a:pPr marL="1177200" lvl="2" indent="-457200">
+              <a:buFont typeface="+mj-lt"/>
+              <a:buAutoNum type="arabicPeriod"/>
+            </a:pPr>
+            <a:endParaRPr kumimoji="1" lang="ja-JP" altLang="en-US" dirty="0">
+              <a:solidFill>
+                <a:schemeClr val="accent5"/>
+              </a:solidFill>
+            </a:endParaRPr>
           </a:p>
         </p:txBody>
       </p:sp>
@@ -6526,37 +6714,37 @@
           <a:lstStyle/>
           <a:p>
             <a:r>
-              <a:rPr kumimoji="1" lang="ja-JP" altLang="en-US" dirty="0"/>
+              <a:rPr kumimoji="1" lang="ja-JP" altLang="en-US" sz="1800" dirty="0"/>
               <a:t>インデントされた子要素の部分と，その親の関係</a:t>
             </a:r>
-            <a:endParaRPr kumimoji="1" lang="en-US" altLang="ja-JP" dirty="0"/>
+            <a:endParaRPr kumimoji="1" lang="en-US" altLang="ja-JP" sz="1800" dirty="0"/>
           </a:p>
           <a:p>
             <a:pPr lvl="1"/>
             <a:r>
-              <a:rPr kumimoji="1" lang="ja-JP" altLang="en-US" dirty="0"/>
-              <a:t>子項目は，親項目のなんらかの詳細を説明する必要がある</a:t>
-            </a:r>
-            <a:endParaRPr kumimoji="1" lang="en-US" altLang="ja-JP" dirty="0"/>
+              <a:rPr kumimoji="1" lang="ja-JP" altLang="en-US" sz="1800" dirty="0"/>
+              <a:t>子項目は，その親項目のなんらかの詳細を説明する</a:t>
+            </a:r>
+            <a:endParaRPr kumimoji="1" lang="en-US" altLang="ja-JP" sz="1800" dirty="0"/>
           </a:p>
           <a:p>
             <a:pPr lvl="1"/>
             <a:r>
-              <a:rPr kumimoji="1" lang="ja-JP" altLang="en-US" dirty="0"/>
-              <a:t>親項目は，子項目をまとめた内容となる</a:t>
-            </a:r>
-            <a:endParaRPr kumimoji="1" lang="en-US" altLang="ja-JP" dirty="0"/>
-          </a:p>
-          <a:p>
-            <a:r>
-              <a:rPr kumimoji="1" lang="ja-JP" altLang="en-US" dirty="0">
+              <a:rPr kumimoji="1" lang="ja-JP" altLang="en-US" sz="1800" dirty="0"/>
+              <a:t>親項目は，その子項目をまとめた内容となる</a:t>
+            </a:r>
+            <a:endParaRPr kumimoji="1" lang="en-US" altLang="ja-JP" sz="1800" dirty="0"/>
+          </a:p>
+          <a:p>
+            <a:r>
+              <a:rPr kumimoji="1" lang="ja-JP" altLang="en-US" sz="1800" dirty="0">
                 <a:solidFill>
                   <a:schemeClr val="accent5"/>
                 </a:solidFill>
               </a:rPr>
-              <a:t>最初は各項目の先頭に一言にまとめた属性をつけて作ると良い</a:t>
-            </a:r>
-            <a:endParaRPr kumimoji="1" lang="en-US" altLang="ja-JP" dirty="0">
+              <a:t>各項目の先頭に一言にまとめた属性をつけて作ると確認しやすい</a:t>
+            </a:r>
+            <a:endParaRPr kumimoji="1" lang="en-US" altLang="ja-JP" sz="1800" dirty="0">
               <a:solidFill>
                 <a:schemeClr val="accent5"/>
               </a:solidFill>
@@ -6565,30 +6753,30 @@
           <a:p>
             <a:pPr lvl="1"/>
             <a:r>
-              <a:rPr kumimoji="1" lang="ja-JP" altLang="en-US" dirty="0"/>
-              <a:t>子は親の何であるのかを属性としてつけると，確認がしやすい</a:t>
-            </a:r>
-            <a:endParaRPr kumimoji="1" lang="en-US" altLang="ja-JP" dirty="0"/>
+              <a:rPr kumimoji="1" lang="ja-JP" altLang="en-US" sz="1800" dirty="0"/>
+              <a:t>子から見て親の何であるのかを属性としてつける</a:t>
+            </a:r>
+            <a:endParaRPr kumimoji="1" lang="en-US" altLang="ja-JP" sz="1800" dirty="0"/>
           </a:p>
           <a:p>
             <a:pPr lvl="1"/>
             <a:r>
-              <a:rPr kumimoji="1" lang="ja-JP" altLang="en-US" dirty="0"/>
+              <a:rPr kumimoji="1" lang="ja-JP" altLang="en-US" sz="1800" dirty="0"/>
               <a:t>「問題：」「理由：」「結果：」「目的：」「例：」「詳細：」など</a:t>
             </a:r>
-            <a:endParaRPr kumimoji="1" lang="en-US" altLang="ja-JP" dirty="0"/>
-          </a:p>
-          <a:p>
-            <a:r>
-              <a:rPr kumimoji="1" lang="ja-JP" altLang="en-US" dirty="0"/>
+            <a:endParaRPr kumimoji="1" lang="en-US" altLang="ja-JP" sz="1800" dirty="0"/>
+          </a:p>
+          <a:p>
+            <a:r>
+              <a:rPr kumimoji="1" lang="ja-JP" altLang="en-US" sz="1800" dirty="0"/>
               <a:t>属性をつけた例：</a:t>
             </a:r>
-            <a:endParaRPr kumimoji="1" lang="en-US" altLang="ja-JP" dirty="0"/>
+            <a:endParaRPr kumimoji="1" lang="en-US" altLang="ja-JP" sz="1800" dirty="0"/>
           </a:p>
           <a:p>
             <a:pPr lvl="1"/>
             <a:r>
-              <a:rPr lang="ja-JP" altLang="en-US" dirty="0">
+              <a:rPr lang="ja-JP" altLang="en-US" sz="1800" dirty="0">
                 <a:solidFill>
                   <a:schemeClr val="accent5"/>
                 </a:solidFill>
@@ -6596,15 +6784,15 @@
               <a:t>背景：</a:t>
             </a:r>
             <a:r>
-              <a:rPr lang="ja-JP" altLang="en-US" dirty="0"/>
+              <a:rPr lang="ja-JP" altLang="en-US" sz="1800" dirty="0"/>
               <a:t>ベクトル命令 </a:t>
             </a:r>
-            <a:endParaRPr lang="en-US" altLang="ja-JP" dirty="0"/>
+            <a:endParaRPr lang="en-US" altLang="ja-JP" sz="1800" dirty="0"/>
           </a:p>
           <a:p>
             <a:pPr lvl="2"/>
             <a:r>
-              <a:rPr lang="ja-JP" altLang="en-US" dirty="0">
+              <a:rPr lang="ja-JP" altLang="en-US" sz="1800" dirty="0">
                 <a:solidFill>
                   <a:schemeClr val="accent5"/>
                 </a:solidFill>
@@ -6612,15 +6800,15 @@
               <a:t>詳細：</a:t>
             </a:r>
             <a:r>
-              <a:rPr lang="ja-JP" altLang="en-US" dirty="0"/>
+              <a:rPr lang="ja-JP" altLang="en-US" sz="1800" dirty="0"/>
               <a:t>単一の命令で可変長の複数データを処理する命令の方式 </a:t>
             </a:r>
-            <a:endParaRPr lang="en-US" altLang="ja-JP" dirty="0"/>
+            <a:endParaRPr lang="en-US" altLang="ja-JP" sz="1800" dirty="0"/>
           </a:p>
           <a:p>
             <a:pPr lvl="2"/>
             <a:r>
-              <a:rPr lang="ja-JP" altLang="en-US" dirty="0">
+              <a:rPr lang="ja-JP" altLang="en-US" sz="1800" dirty="0">
                 <a:solidFill>
                   <a:schemeClr val="accent5"/>
                 </a:solidFill>
@@ -6628,15 +6816,15 @@
               <a:t>目的：</a:t>
             </a:r>
             <a:r>
-              <a:rPr lang="ja-JP" altLang="en-US" dirty="0"/>
+              <a:rPr lang="ja-JP" altLang="en-US" sz="1800" dirty="0"/>
               <a:t>データ並列性のある処理を対象 </a:t>
             </a:r>
-            <a:endParaRPr lang="en-US" altLang="ja-JP" dirty="0"/>
+            <a:endParaRPr lang="en-US" altLang="ja-JP" sz="1800" dirty="0"/>
           </a:p>
           <a:p>
             <a:pPr lvl="2"/>
             <a:r>
-              <a:rPr lang="ja-JP" altLang="en-US" dirty="0">
+              <a:rPr lang="ja-JP" altLang="en-US" sz="1800" dirty="0">
                 <a:solidFill>
                   <a:schemeClr val="accent5"/>
                 </a:solidFill>
@@ -6644,14 +6832,14 @@
               <a:t>例：</a:t>
             </a:r>
             <a:r>
-              <a:rPr lang="en-US" altLang="ja-JP" dirty="0"/>
+              <a:rPr lang="en-US" altLang="ja-JP" sz="1800" dirty="0"/>
               <a:t>RISC-V </a:t>
             </a:r>
             <a:r>
-              <a:rPr lang="ja-JP" altLang="en-US" dirty="0"/>
+              <a:rPr lang="ja-JP" altLang="en-US" sz="1800" dirty="0"/>
               <a:t>ベクトル拡張などの形で実装されている </a:t>
             </a:r>
-            <a:endParaRPr kumimoji="1" lang="ja-JP" altLang="en-US" dirty="0"/>
+            <a:endParaRPr kumimoji="1" lang="ja-JP" altLang="en-US" sz="1800" dirty="0"/>
           </a:p>
         </p:txBody>
       </p:sp>
@@ -6716,7 +6904,7 @@
           <a:p>
             <a:r>
               <a:rPr kumimoji="1" lang="ja-JP" altLang="en-US" dirty="0"/>
-              <a:t>箇条書きを作る際の形式上の注意</a:t>
+              <a:t>文を短くする</a:t>
             </a:r>
           </a:p>
         </p:txBody>
@@ -6803,35 +6991,12 @@
             </a:r>
             <a:endParaRPr kumimoji="1" lang="en-US" altLang="ja-JP" dirty="0"/>
           </a:p>
-          <a:p>
-            <a:r>
-              <a:rPr kumimoji="1" lang="ja-JP" altLang="en-US" dirty="0"/>
-              <a:t>一つの項目にぶら下げる項目は３つまで</a:t>
-            </a:r>
-            <a:endParaRPr kumimoji="1" lang="en-US" altLang="ja-JP" dirty="0"/>
-          </a:p>
-          <a:p>
-            <a:pPr lvl="1"/>
-            <a:r>
-              <a:rPr kumimoji="1" lang="ja-JP" altLang="en-US" dirty="0"/>
-              <a:t>４つ以上の項目が同じレベルに並んでいる場合は，それらをインデントにまとめる</a:t>
-            </a:r>
-            <a:endParaRPr kumimoji="1" lang="en-US" altLang="ja-JP" dirty="0"/>
-          </a:p>
-          <a:p>
-            <a:pPr lvl="1"/>
-            <a:r>
-              <a:rPr kumimoji="1" lang="ja-JP" altLang="en-US" dirty="0"/>
-              <a:t>３つより多いと関係が曖昧になるし，理解しづらい</a:t>
-            </a:r>
-            <a:endParaRPr kumimoji="1" lang="en-US" altLang="ja-JP" dirty="0"/>
-          </a:p>
         </p:txBody>
       </p:sp>
     </p:spTree>
     <p:extLst>
       <p:ext uri="{BB962C8B-B14F-4D97-AF65-F5344CB8AC3E}">
-        <p14:creationId xmlns:p14="http://schemas.microsoft.com/office/powerpoint/2010/main" val="2930707725"/>
+        <p14:creationId xmlns:p14="http://schemas.microsoft.com/office/powerpoint/2010/main" val="3140530035"/>
       </p:ext>
     </p:extLst>
   </p:cSld>
@@ -6871,7 +7036,7 @@
           <p:cNvPr id="2" name="タイトル 1">
             <a:extLst>
               <a:ext uri="{FF2B5EF4-FFF2-40B4-BE49-F238E27FC236}">
-                <a16:creationId xmlns:a16="http://schemas.microsoft.com/office/drawing/2014/main" id="{18633F85-70F7-1520-347A-55817D433DB1}"/>
+                <a16:creationId xmlns:a16="http://schemas.microsoft.com/office/drawing/2014/main" id="{5DE9EB6D-DB2F-3B8D-2437-AD77ADB2FF9E}"/>
               </a:ext>
             </a:extLst>
           </p:cNvPr>
@@ -6889,7 +7054,7 @@
           <a:p>
             <a:r>
               <a:rPr kumimoji="1" lang="ja-JP" altLang="en-US" dirty="0"/>
-              <a:t>箇条書きの親子関係における「階段」</a:t>
+              <a:t>インデントにぶらさげる項目数</a:t>
             </a:r>
           </a:p>
         </p:txBody>
@@ -6899,7 +7064,7 @@
           <p:cNvPr id="3" name="テキスト プレースホルダー 2">
             <a:extLst>
               <a:ext uri="{FF2B5EF4-FFF2-40B4-BE49-F238E27FC236}">
-                <a16:creationId xmlns:a16="http://schemas.microsoft.com/office/drawing/2014/main" id="{5BFE0EBB-6CB2-FCEF-7A6E-3613D8524427}"/>
+                <a16:creationId xmlns:a16="http://schemas.microsoft.com/office/drawing/2014/main" id="{18D77FC6-6ACE-F5A6-179B-013437541EA6}"/>
               </a:ext>
             </a:extLst>
           </p:cNvPr>
@@ -6916,181 +7081,33 @@
           <a:lstStyle/>
           <a:p>
             <a:r>
-              <a:rPr kumimoji="1" lang="en-US" altLang="ja-JP" sz="1800" dirty="0"/>
-              <a:t>A </a:t>
-            </a:r>
-            <a:r>
-              <a:rPr kumimoji="1" lang="ja-JP" altLang="en-US" sz="1800" dirty="0"/>
-              <a:t>→ </a:t>
-            </a:r>
-            <a:r>
-              <a:rPr kumimoji="1" lang="en-US" altLang="ja-JP" sz="1800" dirty="0"/>
-              <a:t>B </a:t>
-            </a:r>
-            <a:r>
-              <a:rPr kumimoji="1" lang="ja-JP" altLang="en-US" sz="1800" dirty="0"/>
-              <a:t>→ </a:t>
-            </a:r>
-            <a:r>
-              <a:rPr kumimoji="1" lang="en-US" altLang="ja-JP" sz="1800" dirty="0"/>
-              <a:t>C </a:t>
-            </a:r>
-            <a:r>
-              <a:rPr kumimoji="1" lang="ja-JP" altLang="en-US" sz="1800" dirty="0"/>
-              <a:t>のような演繹の関係を下のような「階段」のような箇条書きにしてしまいがちだが，これは良くない</a:t>
-            </a:r>
-            <a:endParaRPr kumimoji="1" lang="en-US" altLang="ja-JP" sz="1800" dirty="0"/>
+              <a:rPr kumimoji="1" lang="ja-JP" altLang="en-US" dirty="0"/>
+              <a:t>一つの項目にぶら下げる項目は３つまで</a:t>
+            </a:r>
+            <a:endParaRPr kumimoji="1" lang="en-US" altLang="ja-JP" dirty="0"/>
           </a:p>
           <a:p>
             <a:pPr lvl="1"/>
             <a:r>
-              <a:rPr kumimoji="1" lang="ja-JP" altLang="en-US" sz="1800" dirty="0"/>
-              <a:t>（親子関係は基本的に 概要</a:t>
-            </a:r>
-            <a:r>
-              <a:rPr kumimoji="1" lang="en-US" altLang="ja-JP" sz="1800" dirty="0"/>
-              <a:t>&lt;-&gt;</a:t>
-            </a:r>
-            <a:r>
-              <a:rPr kumimoji="1" lang="ja-JP" altLang="en-US" sz="1800" dirty="0"/>
-              <a:t>詳細 を表すもの）</a:t>
-            </a:r>
-            <a:br>
-              <a:rPr kumimoji="1" lang="en-US" altLang="ja-JP" sz="1800" dirty="0"/>
-            </a:br>
-            <a:endParaRPr kumimoji="1" lang="en-US" altLang="ja-JP" sz="1800" dirty="0"/>
+              <a:rPr kumimoji="1" lang="ja-JP" altLang="en-US" dirty="0"/>
+              <a:t>４つ以上の項目が同じレベルに並んでいる場合は，それらをインデントにまとめる</a:t>
+            </a:r>
+            <a:endParaRPr kumimoji="1" lang="en-US" altLang="ja-JP" dirty="0"/>
           </a:p>
           <a:p>
             <a:pPr lvl="1"/>
             <a:r>
-              <a:rPr kumimoji="1" lang="en-US" altLang="ja-JP" sz="1800" dirty="0"/>
-              <a:t>A</a:t>
-            </a:r>
-            <a:r>
-              <a:rPr kumimoji="1" lang="ja-JP" altLang="en-US" sz="1800" dirty="0"/>
-              <a:t>：～</a:t>
-            </a:r>
-            <a:endParaRPr kumimoji="1" lang="en-US" altLang="ja-JP" sz="1800" dirty="0"/>
-          </a:p>
-          <a:p>
-            <a:pPr lvl="2"/>
-            <a:r>
-              <a:rPr kumimoji="1" lang="en-US" altLang="ja-JP" sz="1800" dirty="0"/>
-              <a:t>B</a:t>
-            </a:r>
-            <a:r>
-              <a:rPr kumimoji="1" lang="ja-JP" altLang="en-US" sz="1800" dirty="0"/>
-              <a:t>：～</a:t>
-            </a:r>
-          </a:p>
-          <a:p>
-            <a:pPr lvl="3"/>
-            <a:r>
-              <a:rPr kumimoji="1" lang="en-US" altLang="ja-JP" sz="1800" dirty="0"/>
-              <a:t>C</a:t>
-            </a:r>
-            <a:r>
-              <a:rPr kumimoji="1" lang="ja-JP" altLang="en-US" sz="1800" dirty="0"/>
-              <a:t>：～</a:t>
-            </a:r>
-            <a:endParaRPr kumimoji="1" lang="en-US" altLang="ja-JP" sz="1800" dirty="0"/>
-          </a:p>
-          <a:p>
-            <a:r>
-              <a:rPr kumimoji="1" lang="ja-JP" altLang="en-US" sz="1800" dirty="0"/>
-              <a:t>このような場合は </a:t>
-            </a:r>
-            <a:r>
-              <a:rPr kumimoji="1" lang="en-US" altLang="ja-JP" sz="1800" dirty="0"/>
-              <a:t>A </a:t>
-            </a:r>
-            <a:r>
-              <a:rPr kumimoji="1" lang="ja-JP" altLang="en-US" sz="1800" dirty="0"/>
-              <a:t>→ </a:t>
-            </a:r>
-            <a:r>
-              <a:rPr kumimoji="1" lang="en-US" altLang="ja-JP" sz="1800" dirty="0"/>
-              <a:t>B </a:t>
-            </a:r>
-            <a:r>
-              <a:rPr kumimoji="1" lang="ja-JP" altLang="en-US" sz="1800" dirty="0"/>
-              <a:t>→ </a:t>
-            </a:r>
-            <a:r>
-              <a:rPr kumimoji="1" lang="en-US" altLang="ja-JP" sz="1800" dirty="0"/>
-              <a:t>C </a:t>
-            </a:r>
-            <a:r>
-              <a:rPr kumimoji="1" lang="ja-JP" altLang="en-US" sz="1800" dirty="0"/>
-              <a:t>の主張を一言にまとめたものを（</a:t>
-            </a:r>
-            <a:r>
-              <a:rPr kumimoji="1" lang="en-US" altLang="ja-JP" sz="1800" dirty="0"/>
-              <a:t>X</a:t>
-            </a:r>
-            <a:r>
-              <a:rPr kumimoji="1" lang="ja-JP" altLang="en-US" sz="1800" dirty="0"/>
-              <a:t>）を作り，その下にぶらさげる</a:t>
-            </a:r>
-            <a:br>
-              <a:rPr kumimoji="1" lang="en-US" altLang="ja-JP" sz="1800" dirty="0"/>
-            </a:br>
-            <a:endParaRPr kumimoji="1" lang="en-US" altLang="ja-JP" sz="1800" dirty="0"/>
-          </a:p>
-          <a:p>
-            <a:pPr lvl="1"/>
-            <a:r>
-              <a:rPr kumimoji="1" lang="en-US" altLang="ja-JP" sz="1800" dirty="0"/>
-              <a:t>X</a:t>
-            </a:r>
-            <a:r>
-              <a:rPr kumimoji="1" lang="ja-JP" altLang="en-US" sz="1800" dirty="0"/>
-              <a:t>：</a:t>
-            </a:r>
-            <a:endParaRPr kumimoji="1" lang="en-US" altLang="ja-JP" sz="1800" dirty="0"/>
-          </a:p>
-          <a:p>
-            <a:pPr lvl="2"/>
-            <a:r>
-              <a:rPr lang="en-US" altLang="ja-JP" sz="1800" dirty="0"/>
-              <a:t>A</a:t>
-            </a:r>
-            <a:r>
-              <a:rPr lang="ja-JP" altLang="en-US" sz="1800" dirty="0"/>
-              <a:t>：～</a:t>
-            </a:r>
-            <a:endParaRPr lang="en-US" altLang="ja-JP" sz="1800" dirty="0"/>
-          </a:p>
-          <a:p>
-            <a:pPr lvl="2"/>
-            <a:r>
-              <a:rPr lang="en-US" altLang="ja-JP" sz="1800" dirty="0"/>
-              <a:t>B</a:t>
-            </a:r>
-            <a:r>
-              <a:rPr lang="ja-JP" altLang="en-US" sz="1800" dirty="0"/>
-              <a:t>：～</a:t>
-            </a:r>
-            <a:endParaRPr lang="en-US" altLang="ja-JP" sz="1800" dirty="0"/>
-          </a:p>
-          <a:p>
-            <a:pPr lvl="2"/>
-            <a:r>
-              <a:rPr lang="en-US" altLang="ja-JP" sz="1800" dirty="0"/>
-              <a:t>C</a:t>
-            </a:r>
-            <a:r>
-              <a:rPr lang="ja-JP" altLang="en-US" sz="1800" dirty="0"/>
-              <a:t>：～</a:t>
-            </a:r>
-            <a:endParaRPr kumimoji="1" lang="en-US" altLang="ja-JP" sz="1800" dirty="0"/>
+              <a:rPr kumimoji="1" lang="ja-JP" altLang="en-US" dirty="0"/>
+              <a:t>３つより多いと関係が曖昧になるし，理解しづらい</a:t>
+            </a:r>
+            <a:endParaRPr kumimoji="1" lang="en-US" altLang="ja-JP" dirty="0"/>
           </a:p>
         </p:txBody>
       </p:sp>
     </p:spTree>
     <p:extLst>
       <p:ext uri="{BB962C8B-B14F-4D97-AF65-F5344CB8AC3E}">
-        <p14:creationId xmlns:p14="http://schemas.microsoft.com/office/powerpoint/2010/main" val="383915911"/>
+        <p14:creationId xmlns:p14="http://schemas.microsoft.com/office/powerpoint/2010/main" val="2930707725"/>
       </p:ext>
     </p:extLst>
   </p:cSld>
@@ -7200,42 +7217,7 @@
           <a:p>
             <a:r>
               <a:rPr kumimoji="1" lang="ja-JP" altLang="en-US" dirty="0"/>
-              <a:t>演繹の関係にある要素の書き換えの例</a:t>
-            </a:r>
-            <a:br>
-              <a:rPr kumimoji="1" lang="en-US" altLang="ja-JP" dirty="0"/>
-            </a:br>
-            <a:r>
-              <a:rPr kumimoji="1" lang="en-US" altLang="ja-JP" sz="2000" dirty="0"/>
-              <a:t>A</a:t>
-            </a:r>
-            <a:r>
-              <a:rPr kumimoji="1" lang="ja-JP" altLang="en-US" sz="2000" dirty="0"/>
-              <a:t>→</a:t>
-            </a:r>
-            <a:r>
-              <a:rPr kumimoji="1" lang="en-US" altLang="ja-JP" sz="2000" dirty="0"/>
-              <a:t>B</a:t>
-            </a:r>
-            <a:r>
-              <a:rPr kumimoji="1" lang="ja-JP" altLang="en-US" sz="2000" dirty="0"/>
-              <a:t>→</a:t>
-            </a:r>
-            <a:r>
-              <a:rPr kumimoji="1" lang="en-US" altLang="ja-JP" sz="2000" dirty="0"/>
-              <a:t>C </a:t>
-            </a:r>
-            <a:r>
-              <a:rPr kumimoji="1" lang="ja-JP" altLang="en-US" sz="2000" dirty="0"/>
-              <a:t>を </a:t>
-            </a:r>
-            <a:r>
-              <a:rPr kumimoji="1" lang="en-US" altLang="ja-JP" sz="2000" dirty="0"/>
-              <a:t>X </a:t>
-            </a:r>
-            <a:r>
-              <a:rPr kumimoji="1" lang="ja-JP" altLang="en-US" sz="2000" dirty="0"/>
-              <a:t>の下に展開</a:t>
+              <a:t>箇条書きの親子関係における「階段」</a:t>
             </a:r>
           </a:p>
         </p:txBody>
@@ -7263,33 +7245,43 @@
           <a:p>
             <a:r>
               <a:rPr kumimoji="1" lang="en-US" altLang="ja-JP" sz="1800" dirty="0"/>
-              <a:t>A</a:t>
+              <a:t>A </a:t>
             </a:r>
             <a:r>
               <a:rPr kumimoji="1" lang="ja-JP" altLang="en-US" sz="1800" dirty="0"/>
-              <a:t>：人間の脳の一時記憶の大きさには限りがある</a:t>
-            </a:r>
+              <a:t>→ </a:t>
+            </a:r>
+            <a:r>
+              <a:rPr kumimoji="1" lang="en-US" altLang="ja-JP" sz="1800" dirty="0"/>
+              <a:t>B </a:t>
+            </a:r>
+            <a:r>
+              <a:rPr kumimoji="1" lang="ja-JP" altLang="en-US" sz="1800" dirty="0"/>
+              <a:t>→ </a:t>
+            </a:r>
+            <a:r>
+              <a:rPr kumimoji="1" lang="en-US" altLang="ja-JP" sz="1800" dirty="0"/>
+              <a:t>C </a:t>
+            </a:r>
+            <a:r>
+              <a:rPr kumimoji="1" lang="ja-JP" altLang="en-US" sz="1800" dirty="0"/>
+              <a:t>のような演繹の関係を下のような「階段」のような箇条書きにしてしまいがちだが，これは良くない</a:t>
+            </a:r>
+            <a:endParaRPr kumimoji="1" lang="en-US" altLang="ja-JP" sz="1800" dirty="0"/>
           </a:p>
           <a:p>
             <a:pPr lvl="1"/>
             <a:r>
+              <a:rPr kumimoji="1" lang="ja-JP" altLang="en-US" sz="1800" dirty="0"/>
+              <a:t>（親子関係は基本的に 概要</a:t>
+            </a:r>
+            <a:r>
               <a:rPr kumimoji="1" lang="en-US" altLang="ja-JP" sz="1800" dirty="0"/>
-              <a:t>B</a:t>
+              <a:t>&lt;-&gt;</a:t>
             </a:r>
             <a:r>
               <a:rPr kumimoji="1" lang="ja-JP" altLang="en-US" sz="1800" dirty="0"/>
-              <a:t>：このため，人間は５～７個以上の事柄を一度に把握できない</a:t>
-            </a:r>
-          </a:p>
-          <a:p>
-            <a:pPr lvl="2"/>
-            <a:r>
-              <a:rPr kumimoji="1" lang="en-US" altLang="ja-JP" sz="1800" dirty="0"/>
-              <a:t>C</a:t>
-            </a:r>
-            <a:r>
-              <a:rPr kumimoji="1" lang="ja-JP" altLang="en-US" sz="1800" dirty="0"/>
-              <a:t>：したがって，余裕を持って３個程度以内にするのがよい</a:t>
+              <a:t>詳細 を表すもの）</a:t>
             </a:r>
             <a:br>
               <a:rPr kumimoji="1" lang="en-US" altLang="ja-JP" sz="1800" dirty="0"/>
@@ -7297,46 +7289,127 @@
             <a:endParaRPr kumimoji="1" lang="en-US" altLang="ja-JP" sz="1800" dirty="0"/>
           </a:p>
           <a:p>
+            <a:pPr lvl="1"/>
+            <a:r>
+              <a:rPr kumimoji="1" lang="en-US" altLang="ja-JP" sz="1800" dirty="0"/>
+              <a:t>A</a:t>
+            </a:r>
+            <a:r>
+              <a:rPr kumimoji="1" lang="ja-JP" altLang="en-US" sz="1800" dirty="0"/>
+              <a:t>：～</a:t>
+            </a:r>
+            <a:endParaRPr kumimoji="1" lang="en-US" altLang="ja-JP" sz="1800" dirty="0"/>
+          </a:p>
+          <a:p>
+            <a:pPr lvl="2"/>
+            <a:r>
+              <a:rPr kumimoji="1" lang="en-US" altLang="ja-JP" sz="1800" dirty="0"/>
+              <a:t>B</a:t>
+            </a:r>
+            <a:r>
+              <a:rPr kumimoji="1" lang="ja-JP" altLang="en-US" sz="1800" dirty="0"/>
+              <a:t>：～</a:t>
+            </a:r>
+          </a:p>
+          <a:p>
+            <a:pPr lvl="3"/>
+            <a:r>
+              <a:rPr kumimoji="1" lang="en-US" altLang="ja-JP" sz="1800" dirty="0"/>
+              <a:t>C</a:t>
+            </a:r>
+            <a:r>
+              <a:rPr kumimoji="1" lang="ja-JP" altLang="en-US" sz="1800" dirty="0"/>
+              <a:t>：～</a:t>
+            </a:r>
+            <a:endParaRPr kumimoji="1" lang="en-US" altLang="ja-JP" sz="1800" dirty="0"/>
+          </a:p>
+          <a:p>
+            <a:r>
+              <a:rPr kumimoji="1" lang="ja-JP" altLang="en-US" sz="1800" dirty="0"/>
+              <a:t>このような場合は </a:t>
+            </a:r>
+            <a:r>
+              <a:rPr kumimoji="1" lang="en-US" altLang="ja-JP" sz="1800" dirty="0"/>
+              <a:t>A </a:t>
+            </a:r>
+            <a:r>
+              <a:rPr kumimoji="1" lang="ja-JP" altLang="en-US" sz="1800" dirty="0"/>
+              <a:t>→ </a:t>
+            </a:r>
+            <a:r>
+              <a:rPr kumimoji="1" lang="en-US" altLang="ja-JP" sz="1800" dirty="0"/>
+              <a:t>B </a:t>
+            </a:r>
+            <a:r>
+              <a:rPr kumimoji="1" lang="ja-JP" altLang="en-US" sz="1800" dirty="0"/>
+              <a:t>→ </a:t>
+            </a:r>
+            <a:r>
+              <a:rPr kumimoji="1" lang="en-US" altLang="ja-JP" sz="1800" dirty="0"/>
+              <a:t>C </a:t>
+            </a:r>
+            <a:r>
+              <a:rPr kumimoji="1" lang="ja-JP" altLang="en-US" sz="1800" dirty="0"/>
+              <a:t>の主張を一言にまとめたものを（</a:t>
+            </a:r>
             <a:r>
               <a:rPr kumimoji="1" lang="en-US" altLang="ja-JP" sz="1800" dirty="0"/>
               <a:t>X</a:t>
             </a:r>
             <a:r>
               <a:rPr kumimoji="1" lang="ja-JP" altLang="en-US" sz="1800" dirty="0"/>
-              <a:t>：１項目にぶら下げる項目の数は少なめにする</a:t>
-            </a:r>
+              <a:t>）を作り，その下にぶらさげる</a:t>
+            </a:r>
+            <a:br>
+              <a:rPr kumimoji="1" lang="en-US" altLang="ja-JP" sz="1800" dirty="0"/>
+            </a:br>
+            <a:endParaRPr kumimoji="1" lang="en-US" altLang="ja-JP" sz="1800" dirty="0"/>
           </a:p>
           <a:p>
             <a:pPr lvl="1"/>
             <a:r>
               <a:rPr kumimoji="1" lang="en-US" altLang="ja-JP" sz="1800" dirty="0"/>
+              <a:t>X</a:t>
+            </a:r>
+            <a:r>
+              <a:rPr kumimoji="1" lang="ja-JP" altLang="en-US" sz="1800" dirty="0"/>
+              <a:t>：</a:t>
+            </a:r>
+            <a:endParaRPr kumimoji="1" lang="en-US" altLang="ja-JP" sz="1800" dirty="0"/>
+          </a:p>
+          <a:p>
+            <a:pPr lvl="2"/>
+            <a:r>
+              <a:rPr lang="en-US" altLang="ja-JP" sz="1800" dirty="0"/>
               <a:t>A</a:t>
             </a:r>
             <a:r>
-              <a:rPr kumimoji="1" lang="ja-JP" altLang="en-US" sz="1800" dirty="0"/>
-              <a:t>：人間の脳の一時記憶の大きさには限りがある</a:t>
-            </a:r>
-          </a:p>
-          <a:p>
-            <a:pPr lvl="1"/>
-            <a:r>
-              <a:rPr kumimoji="1" lang="en-US" altLang="ja-JP" sz="1800" dirty="0"/>
+              <a:rPr lang="ja-JP" altLang="en-US" sz="1800" dirty="0"/>
+              <a:t>：～</a:t>
+            </a:r>
+            <a:endParaRPr lang="en-US" altLang="ja-JP" sz="1800" dirty="0"/>
+          </a:p>
+          <a:p>
+            <a:pPr lvl="2"/>
+            <a:r>
+              <a:rPr lang="en-US" altLang="ja-JP" sz="1800" dirty="0"/>
               <a:t>B</a:t>
             </a:r>
             <a:r>
-              <a:rPr kumimoji="1" lang="ja-JP" altLang="en-US" sz="1800" dirty="0"/>
-              <a:t>：このため，人間は５～７個以上の事柄を一度に把握できない</a:t>
-            </a:r>
-          </a:p>
-          <a:p>
-            <a:pPr lvl="1"/>
-            <a:r>
-              <a:rPr kumimoji="1" lang="en-US" altLang="ja-JP" sz="1800" dirty="0"/>
+              <a:rPr lang="ja-JP" altLang="en-US" sz="1800" dirty="0"/>
+              <a:t>：～</a:t>
+            </a:r>
+            <a:endParaRPr lang="en-US" altLang="ja-JP" sz="1800" dirty="0"/>
+          </a:p>
+          <a:p>
+            <a:pPr lvl="2"/>
+            <a:r>
+              <a:rPr lang="en-US" altLang="ja-JP" sz="1800" dirty="0"/>
               <a:t>C</a:t>
             </a:r>
             <a:r>
-              <a:rPr kumimoji="1" lang="ja-JP" altLang="en-US" sz="1800" dirty="0"/>
-              <a:t>：したがって，余裕を持って３個程度以内にするのがよい</a:t>
+              <a:rPr lang="ja-JP" altLang="en-US" sz="1800" dirty="0"/>
+              <a:t>：～</a:t>
             </a:r>
             <a:endParaRPr kumimoji="1" lang="en-US" altLang="ja-JP" sz="1800" dirty="0"/>
           </a:p>
@@ -7345,7 +7418,7 @@
     </p:spTree>
     <p:extLst>
       <p:ext uri="{BB962C8B-B14F-4D97-AF65-F5344CB8AC3E}">
-        <p14:creationId xmlns:p14="http://schemas.microsoft.com/office/powerpoint/2010/main" val="2952692009"/>
+        <p14:creationId xmlns:p14="http://schemas.microsoft.com/office/powerpoint/2010/main" val="383915911"/>
       </p:ext>
     </p:extLst>
   </p:cSld>
@@ -7385,6 +7458,387 @@
           <p:cNvPr id="2" name="タイトル 1">
             <a:extLst>
               <a:ext uri="{FF2B5EF4-FFF2-40B4-BE49-F238E27FC236}">
+                <a16:creationId xmlns:a16="http://schemas.microsoft.com/office/drawing/2014/main" id="{18633F85-70F7-1520-347A-55817D433DB1}"/>
+              </a:ext>
+            </a:extLst>
+          </p:cNvPr>
+          <p:cNvSpPr>
+            <a:spLocks noGrp="1"/>
+          </p:cNvSpPr>
+          <p:nvPr>
+            <p:ph type="title"/>
+          </p:nvPr>
+        </p:nvSpPr>
+        <p:spPr/>
+        <p:txBody>
+          <a:bodyPr/>
+          <a:lstStyle/>
+          <a:p>
+            <a:r>
+              <a:rPr kumimoji="1" lang="ja-JP" altLang="en-US" dirty="0"/>
+              <a:t>演繹の関係にある要素の書き換えの例</a:t>
+            </a:r>
+            <a:br>
+              <a:rPr kumimoji="1" lang="en-US" altLang="ja-JP" dirty="0"/>
+            </a:br>
+            <a:r>
+              <a:rPr kumimoji="1" lang="en-US" altLang="ja-JP" sz="2000" dirty="0"/>
+              <a:t>A</a:t>
+            </a:r>
+            <a:r>
+              <a:rPr kumimoji="1" lang="ja-JP" altLang="en-US" sz="2000" dirty="0"/>
+              <a:t>→</a:t>
+            </a:r>
+            <a:r>
+              <a:rPr kumimoji="1" lang="en-US" altLang="ja-JP" sz="2000" dirty="0"/>
+              <a:t>B</a:t>
+            </a:r>
+            <a:r>
+              <a:rPr kumimoji="1" lang="ja-JP" altLang="en-US" sz="2000" dirty="0"/>
+              <a:t>→</a:t>
+            </a:r>
+            <a:r>
+              <a:rPr kumimoji="1" lang="en-US" altLang="ja-JP" sz="2000" dirty="0"/>
+              <a:t>C </a:t>
+            </a:r>
+            <a:r>
+              <a:rPr kumimoji="1" lang="ja-JP" altLang="en-US" sz="2000" dirty="0"/>
+              <a:t>を </a:t>
+            </a:r>
+            <a:r>
+              <a:rPr kumimoji="1" lang="en-US" altLang="ja-JP" sz="2000" dirty="0"/>
+              <a:t>X </a:t>
+            </a:r>
+            <a:r>
+              <a:rPr kumimoji="1" lang="ja-JP" altLang="en-US" sz="2000" dirty="0"/>
+              <a:t>の下に展開</a:t>
+            </a:r>
+          </a:p>
+        </p:txBody>
+      </p:sp>
+      <p:sp>
+        <p:nvSpPr>
+          <p:cNvPr id="3" name="テキスト プレースホルダー 2">
+            <a:extLst>
+              <a:ext uri="{FF2B5EF4-FFF2-40B4-BE49-F238E27FC236}">
+                <a16:creationId xmlns:a16="http://schemas.microsoft.com/office/drawing/2014/main" id="{5BFE0EBB-6CB2-FCEF-7A6E-3613D8524427}"/>
+              </a:ext>
+            </a:extLst>
+          </p:cNvPr>
+          <p:cNvSpPr>
+            <a:spLocks noGrp="1"/>
+          </p:cNvSpPr>
+          <p:nvPr>
+            <p:ph type="body" sz="quarter" idx="10"/>
+          </p:nvPr>
+        </p:nvSpPr>
+        <p:spPr/>
+        <p:txBody>
+          <a:bodyPr/>
+          <a:lstStyle/>
+          <a:p>
+            <a:pPr marL="0" indent="0">
+              <a:buNone/>
+            </a:pPr>
+            <a:r>
+              <a:rPr kumimoji="1" lang="ja-JP" altLang="en-US" sz="1800" dirty="0"/>
+              <a:t>各インデントレベルに１つだけ項目がある階段が出来てしまっている</a:t>
+            </a:r>
+            <a:endParaRPr kumimoji="1" lang="en-US" altLang="ja-JP" sz="1800" dirty="0"/>
+          </a:p>
+          <a:p>
+            <a:r>
+              <a:rPr kumimoji="1" lang="en-US" altLang="ja-JP" sz="1800" dirty="0"/>
+              <a:t>A</a:t>
+            </a:r>
+            <a:r>
+              <a:rPr kumimoji="1" lang="ja-JP" altLang="en-US" sz="1800" dirty="0"/>
+              <a:t>：人間の脳の一時記憶の大きさには限りがある</a:t>
+            </a:r>
+          </a:p>
+          <a:p>
+            <a:pPr lvl="1"/>
+            <a:r>
+              <a:rPr kumimoji="1" lang="en-US" altLang="ja-JP" sz="1800" dirty="0"/>
+              <a:t>B</a:t>
+            </a:r>
+            <a:r>
+              <a:rPr kumimoji="1" lang="ja-JP" altLang="en-US" sz="1800" dirty="0"/>
+              <a:t>：このため，人間は５～７個以上の事柄を一度に把握できない</a:t>
+            </a:r>
+          </a:p>
+          <a:p>
+            <a:pPr lvl="2"/>
+            <a:r>
+              <a:rPr kumimoji="1" lang="en-US" altLang="ja-JP" sz="1800" dirty="0"/>
+              <a:t>C</a:t>
+            </a:r>
+            <a:r>
+              <a:rPr kumimoji="1" lang="ja-JP" altLang="en-US" sz="1800" dirty="0"/>
+              <a:t>：したがって，余裕を持って３個程度以内にするのがよい</a:t>
+            </a:r>
+            <a:endParaRPr kumimoji="1" lang="en-US" altLang="ja-JP" sz="1800" dirty="0"/>
+          </a:p>
+          <a:p>
+            <a:pPr marL="0" indent="0">
+              <a:buNone/>
+            </a:pPr>
+            <a:br>
+              <a:rPr kumimoji="1" lang="en-US" altLang="ja-JP" sz="1800" dirty="0"/>
+            </a:br>
+            <a:br>
+              <a:rPr kumimoji="1" lang="en-US" altLang="ja-JP" sz="1800" dirty="0"/>
+            </a:br>
+            <a:r>
+              <a:rPr kumimoji="1" lang="en-US" altLang="ja-JP" sz="1800" dirty="0"/>
+              <a:t>X </a:t>
+            </a:r>
+            <a:r>
+              <a:rPr kumimoji="1" lang="ja-JP" altLang="en-US" sz="1800" dirty="0"/>
+              <a:t>に全体をまとめる一言を入れて，その下に並列にぶら下げると良い</a:t>
+            </a:r>
+            <a:endParaRPr kumimoji="1" lang="en-US" altLang="ja-JP" sz="1800" dirty="0"/>
+          </a:p>
+          <a:p>
+            <a:r>
+              <a:rPr kumimoji="1" lang="en-US" altLang="ja-JP" sz="1800" dirty="0"/>
+              <a:t>X</a:t>
+            </a:r>
+            <a:r>
+              <a:rPr kumimoji="1" lang="ja-JP" altLang="en-US" sz="1800" dirty="0"/>
+              <a:t>：１項目にぶら下げる項目の数は少なめにする</a:t>
+            </a:r>
+          </a:p>
+          <a:p>
+            <a:pPr lvl="1"/>
+            <a:r>
+              <a:rPr kumimoji="1" lang="en-US" altLang="ja-JP" sz="1800" dirty="0"/>
+              <a:t>A</a:t>
+            </a:r>
+            <a:r>
+              <a:rPr kumimoji="1" lang="ja-JP" altLang="en-US" sz="1800" dirty="0"/>
+              <a:t>：人間の脳の一時記憶の大きさには限りがある</a:t>
+            </a:r>
+          </a:p>
+          <a:p>
+            <a:pPr lvl="1"/>
+            <a:r>
+              <a:rPr kumimoji="1" lang="en-US" altLang="ja-JP" sz="1800" dirty="0"/>
+              <a:t>B</a:t>
+            </a:r>
+            <a:r>
+              <a:rPr kumimoji="1" lang="ja-JP" altLang="en-US" sz="1800" dirty="0"/>
+              <a:t>：このため，人間は５～７個以上の事柄を一度に把握できない</a:t>
+            </a:r>
+          </a:p>
+          <a:p>
+            <a:pPr lvl="1"/>
+            <a:r>
+              <a:rPr kumimoji="1" lang="en-US" altLang="ja-JP" sz="1800" dirty="0"/>
+              <a:t>C</a:t>
+            </a:r>
+            <a:r>
+              <a:rPr kumimoji="1" lang="ja-JP" altLang="en-US" sz="1800" dirty="0"/>
+              <a:t>：したがって，余裕を持って３個程度以内にするのがよい</a:t>
+            </a:r>
+            <a:endParaRPr kumimoji="1" lang="en-US" altLang="ja-JP" sz="1800" dirty="0"/>
+          </a:p>
+        </p:txBody>
+      </p:sp>
+    </p:spTree>
+    <p:extLst>
+      <p:ext uri="{BB962C8B-B14F-4D97-AF65-F5344CB8AC3E}">
+        <p14:creationId xmlns:p14="http://schemas.microsoft.com/office/powerpoint/2010/main" val="2952692009"/>
+      </p:ext>
+    </p:extLst>
+  </p:cSld>
+  <p:clrMapOvr>
+    <a:masterClrMapping/>
+  </p:clrMapOvr>
+  <mc:AlternateContent xmlns:mc="http://schemas.openxmlformats.org/markup-compatibility/2006" xmlns:p14="http://schemas.microsoft.com/office/powerpoint/2010/main">
+    <mc:Choice Requires="p14">
+      <p:transition p14:dur="10"/>
+    </mc:Choice>
+    <mc:Fallback xmlns="">
+      <p:transition/>
+    </mc:Fallback>
+  </mc:AlternateContent>
+</p:sld>
+</file>
+
+<file path=ppt/slides/slide32.xml><?xml version="1.0" encoding="utf-8"?>
+<p:sld xmlns:a="http://schemas.openxmlformats.org/drawingml/2006/main" xmlns:r="http://schemas.openxmlformats.org/officeDocument/2006/relationships" xmlns:p="http://schemas.openxmlformats.org/presentationml/2006/main">
+  <p:cSld>
+    <p:spTree>
+      <p:nvGrpSpPr>
+        <p:cNvPr id="1" name=""/>
+        <p:cNvGrpSpPr/>
+        <p:nvPr/>
+      </p:nvGrpSpPr>
+      <p:grpSpPr>
+        <a:xfrm>
+          <a:off x="0" y="0"/>
+          <a:ext cx="0" cy="0"/>
+          <a:chOff x="0" y="0"/>
+          <a:chExt cx="0" cy="0"/>
+        </a:xfrm>
+      </p:grpSpPr>
+      <p:sp>
+        <p:nvSpPr>
+          <p:cNvPr id="6" name="タイトル 5">
+            <a:extLst>
+              <a:ext uri="{FF2B5EF4-FFF2-40B4-BE49-F238E27FC236}">
+                <a16:creationId xmlns:a16="http://schemas.microsoft.com/office/drawing/2014/main" id="{0C5C5263-A46C-250C-79B4-37EF4633D8AE}"/>
+              </a:ext>
+            </a:extLst>
+          </p:cNvPr>
+          <p:cNvSpPr>
+            <a:spLocks noGrp="1"/>
+          </p:cNvSpPr>
+          <p:nvPr>
+            <p:ph type="title"/>
+          </p:nvPr>
+        </p:nvSpPr>
+        <p:spPr/>
+        <p:txBody>
+          <a:bodyPr/>
+          <a:lstStyle/>
+          <a:p>
+            <a:r>
+              <a:rPr kumimoji="1" lang="ja-JP" altLang="en-US" dirty="0"/>
+              <a:t>３点プロットの目次</a:t>
+            </a:r>
+          </a:p>
+        </p:txBody>
+      </p:sp>
+      <p:sp>
+        <p:nvSpPr>
+          <p:cNvPr id="7" name="テキスト プレースホルダー 6">
+            <a:extLst>
+              <a:ext uri="{FF2B5EF4-FFF2-40B4-BE49-F238E27FC236}">
+                <a16:creationId xmlns:a16="http://schemas.microsoft.com/office/drawing/2014/main" id="{12EFEECB-8119-A100-9FB5-F471FDE43EF4}"/>
+              </a:ext>
+            </a:extLst>
+          </p:cNvPr>
+          <p:cNvSpPr>
+            <a:spLocks noGrp="1"/>
+          </p:cNvSpPr>
+          <p:nvPr>
+            <p:ph type="body" sz="quarter" idx="10"/>
+          </p:nvPr>
+        </p:nvSpPr>
+        <p:spPr/>
+        <p:txBody>
+          <a:bodyPr/>
+          <a:lstStyle/>
+          <a:p>
+            <a:pPr marL="457200" indent="-457200">
+              <a:buFont typeface="+mj-lt"/>
+              <a:buAutoNum type="arabicPeriod"/>
+            </a:pPr>
+            <a:r>
+              <a:rPr kumimoji="1" lang="ja-JP" altLang="en-US" dirty="0"/>
+              <a:t>３点プロットとは</a:t>
+            </a:r>
+            <a:endParaRPr kumimoji="1" lang="en-US" altLang="ja-JP" dirty="0"/>
+          </a:p>
+          <a:p>
+            <a:pPr marL="457200" indent="-457200">
+              <a:buFont typeface="+mj-lt"/>
+              <a:buAutoNum type="arabicPeriod"/>
+            </a:pPr>
+            <a:r>
+              <a:rPr kumimoji="1" lang="ja-JP" altLang="en-US" dirty="0"/>
+              <a:t>作り方</a:t>
+            </a:r>
+            <a:endParaRPr kumimoji="1" lang="en-US" altLang="ja-JP" dirty="0"/>
+          </a:p>
+          <a:p>
+            <a:pPr marL="817200" lvl="1" indent="-457200">
+              <a:buFont typeface="+mj-lt"/>
+              <a:buAutoNum type="arabicPeriod"/>
+            </a:pPr>
+            <a:r>
+              <a:rPr kumimoji="1" lang="ja-JP" altLang="en-US" dirty="0"/>
+              <a:t>内容のまとめかた</a:t>
+            </a:r>
+            <a:endParaRPr kumimoji="1" lang="en-US" altLang="ja-JP" dirty="0"/>
+          </a:p>
+          <a:p>
+            <a:pPr marL="817200" lvl="1" indent="-457200">
+              <a:buFont typeface="+mj-lt"/>
+              <a:buAutoNum type="arabicPeriod"/>
+            </a:pPr>
+            <a:r>
+              <a:rPr kumimoji="1" lang="ja-JP" altLang="en-US" dirty="0"/>
+              <a:t>箇条書きを作る上でのポイント</a:t>
+            </a:r>
+            <a:endParaRPr kumimoji="1" lang="en-US" altLang="ja-JP" dirty="0"/>
+          </a:p>
+          <a:p>
+            <a:pPr marL="457200" indent="-457200">
+              <a:buFont typeface="+mj-lt"/>
+              <a:buAutoNum type="arabicPeriod"/>
+            </a:pPr>
+            <a:r>
+              <a:rPr kumimoji="1" lang="ja-JP" altLang="en-US" dirty="0">
+                <a:solidFill>
+                  <a:schemeClr val="accent5"/>
+                </a:solidFill>
+              </a:rPr>
+              <a:t>余談：なぜ箇条書きにまとめるのか？</a:t>
+            </a:r>
+            <a:endParaRPr kumimoji="1" lang="en-US" altLang="ja-JP" dirty="0">
+              <a:solidFill>
+                <a:schemeClr val="accent5"/>
+              </a:solidFill>
+            </a:endParaRPr>
+          </a:p>
+        </p:txBody>
+      </p:sp>
+    </p:spTree>
+    <p:extLst>
+      <p:ext uri="{BB962C8B-B14F-4D97-AF65-F5344CB8AC3E}">
+        <p14:creationId xmlns:p14="http://schemas.microsoft.com/office/powerpoint/2010/main" val="2145350165"/>
+      </p:ext>
+    </p:extLst>
+  </p:cSld>
+  <p:clrMapOvr>
+    <a:masterClrMapping/>
+  </p:clrMapOvr>
+  <mc:AlternateContent xmlns:mc="http://schemas.openxmlformats.org/markup-compatibility/2006" xmlns:p14="http://schemas.microsoft.com/office/powerpoint/2010/main">
+    <mc:Choice Requires="p14">
+      <p:transition p14:dur="10"/>
+    </mc:Choice>
+    <mc:Fallback xmlns="">
+      <p:transition/>
+    </mc:Fallback>
+  </mc:AlternateContent>
+</p:sld>
+</file>
+
+<file path=ppt/slides/slide33.xml><?xml version="1.0" encoding="utf-8"?>
+<p:sld xmlns:a="http://schemas.openxmlformats.org/drawingml/2006/main" xmlns:r="http://schemas.openxmlformats.org/officeDocument/2006/relationships" xmlns:p="http://schemas.openxmlformats.org/presentationml/2006/main">
+  <p:cSld>
+    <p:spTree>
+      <p:nvGrpSpPr>
+        <p:cNvPr id="1" name=""/>
+        <p:cNvGrpSpPr/>
+        <p:nvPr/>
+      </p:nvGrpSpPr>
+      <p:grpSpPr>
+        <a:xfrm>
+          <a:off x="0" y="0"/>
+          <a:ext cx="0" cy="0"/>
+          <a:chOff x="0" y="0"/>
+          <a:chExt cx="0" cy="0"/>
+        </a:xfrm>
+      </p:grpSpPr>
+      <p:sp>
+        <p:nvSpPr>
+          <p:cNvPr id="2" name="タイトル 1">
+            <a:extLst>
+              <a:ext uri="{FF2B5EF4-FFF2-40B4-BE49-F238E27FC236}">
                 <a16:creationId xmlns:a16="http://schemas.microsoft.com/office/drawing/2014/main" id="{64BB83DF-1CFC-5FD2-B694-21F787AF43F9}"/>
               </a:ext>
             </a:extLst>
@@ -7527,7 +7981,7 @@
 </p:sld>
 </file>
 
-<file path=ppt/slides/slide32.xml><?xml version="1.0" encoding="utf-8"?>
+<file path=ppt/slides/slide34.xml><?xml version="1.0" encoding="utf-8"?>
 <p:sld xmlns:a="http://schemas.openxmlformats.org/drawingml/2006/main" xmlns:r="http://schemas.openxmlformats.org/officeDocument/2006/relationships" xmlns:p="http://schemas.openxmlformats.org/presentationml/2006/main">
   <p:cSld>
     <p:spTree>
@@ -10448,226 +10902,6 @@
 </p:sld>
 </file>
 
-<file path=ppt/slides/slide33.xml><?xml version="1.0" encoding="utf-8"?>
-<p:sld xmlns:a="http://schemas.openxmlformats.org/drawingml/2006/main" xmlns:r="http://schemas.openxmlformats.org/officeDocument/2006/relationships" xmlns:p="http://schemas.openxmlformats.org/presentationml/2006/main">
-  <p:cSld>
-    <p:spTree>
-      <p:nvGrpSpPr>
-        <p:cNvPr id="1" name=""/>
-        <p:cNvGrpSpPr/>
-        <p:nvPr/>
-      </p:nvGrpSpPr>
-      <p:grpSpPr>
-        <a:xfrm>
-          <a:off x="0" y="0"/>
-          <a:ext cx="0" cy="0"/>
-          <a:chOff x="0" y="0"/>
-          <a:chExt cx="0" cy="0"/>
-        </a:xfrm>
-      </p:grpSpPr>
-      <p:sp>
-        <p:nvSpPr>
-          <p:cNvPr id="4" name="タイトル 3">
-            <a:extLst>
-              <a:ext uri="{FF2B5EF4-FFF2-40B4-BE49-F238E27FC236}">
-                <a16:creationId xmlns:a16="http://schemas.microsoft.com/office/drawing/2014/main" id="{84F42E09-269D-6700-69C9-4DCC825C99A7}"/>
-              </a:ext>
-            </a:extLst>
-          </p:cNvPr>
-          <p:cNvSpPr>
-            <a:spLocks noGrp="1"/>
-          </p:cNvSpPr>
-          <p:nvPr>
-            <p:ph type="title"/>
-          </p:nvPr>
-        </p:nvSpPr>
-        <p:spPr/>
-        <p:txBody>
-          <a:bodyPr/>
-          <a:lstStyle/>
-          <a:p>
-            <a:r>
-              <a:rPr lang="ja-JP" altLang="en-US" b="1" dirty="0"/>
-              <a:t>目標規定文</a:t>
-            </a:r>
-          </a:p>
-        </p:txBody>
-      </p:sp>
-    </p:spTree>
-    <p:extLst>
-      <p:ext uri="{BB962C8B-B14F-4D97-AF65-F5344CB8AC3E}">
-        <p14:creationId xmlns:p14="http://schemas.microsoft.com/office/powerpoint/2010/main" val="1222142208"/>
-      </p:ext>
-    </p:extLst>
-  </p:cSld>
-  <p:clrMapOvr>
-    <a:masterClrMapping/>
-  </p:clrMapOvr>
-</p:sld>
-</file>
-
-<file path=ppt/slides/slide34.xml><?xml version="1.0" encoding="utf-8"?>
-<p:sld xmlns:a="http://schemas.openxmlformats.org/drawingml/2006/main" xmlns:r="http://schemas.openxmlformats.org/officeDocument/2006/relationships" xmlns:p="http://schemas.openxmlformats.org/presentationml/2006/main">
-  <p:cSld>
-    <p:spTree>
-      <p:nvGrpSpPr>
-        <p:cNvPr id="1" name=""/>
-        <p:cNvGrpSpPr/>
-        <p:nvPr/>
-      </p:nvGrpSpPr>
-      <p:grpSpPr>
-        <a:xfrm>
-          <a:off x="0" y="0"/>
-          <a:ext cx="0" cy="0"/>
-          <a:chOff x="0" y="0"/>
-          <a:chExt cx="0" cy="0"/>
-        </a:xfrm>
-      </p:grpSpPr>
-      <p:sp>
-        <p:nvSpPr>
-          <p:cNvPr id="2" name="タイトル 1">
-            <a:extLst>
-              <a:ext uri="{FF2B5EF4-FFF2-40B4-BE49-F238E27FC236}">
-                <a16:creationId xmlns:a16="http://schemas.microsoft.com/office/drawing/2014/main" id="{3791F58A-EC2D-D89A-CA40-DDF514198B8F}"/>
-              </a:ext>
-            </a:extLst>
-          </p:cNvPr>
-          <p:cNvSpPr>
-            <a:spLocks noGrp="1"/>
-          </p:cNvSpPr>
-          <p:nvPr>
-            <p:ph type="title"/>
-          </p:nvPr>
-        </p:nvSpPr>
-        <p:spPr/>
-        <p:txBody>
-          <a:bodyPr/>
-          <a:lstStyle/>
-          <a:p>
-            <a:r>
-              <a:rPr kumimoji="1" lang="ja-JP" altLang="en-US" dirty="0"/>
-              <a:t>目標規定文</a:t>
-            </a:r>
-            <a:endParaRPr kumimoji="1" lang="en-US" altLang="ja-JP" dirty="0"/>
-          </a:p>
-        </p:txBody>
-      </p:sp>
-      <p:sp>
-        <p:nvSpPr>
-          <p:cNvPr id="3" name="テキスト プレースホルダー 2">
-            <a:extLst>
-              <a:ext uri="{FF2B5EF4-FFF2-40B4-BE49-F238E27FC236}">
-                <a16:creationId xmlns:a16="http://schemas.microsoft.com/office/drawing/2014/main" id="{CE8C17F2-3701-6FE8-3F1E-E482EBDA33C7}"/>
-              </a:ext>
-            </a:extLst>
-          </p:cNvPr>
-          <p:cNvSpPr>
-            <a:spLocks noGrp="1"/>
-          </p:cNvSpPr>
-          <p:nvPr>
-            <p:ph type="body" sz="quarter" idx="10"/>
-          </p:nvPr>
-        </p:nvSpPr>
-        <p:spPr/>
-        <p:txBody>
-          <a:bodyPr/>
-          <a:lstStyle/>
-          <a:p>
-            <a:r>
-              <a:rPr kumimoji="1" lang="ja-JP" altLang="en-US" dirty="0"/>
-              <a:t>目標規定文</a:t>
-            </a:r>
-            <a:endParaRPr kumimoji="1" lang="en-US" altLang="ja-JP" dirty="0"/>
-          </a:p>
-          <a:p>
-            <a:pPr lvl="1"/>
-            <a:r>
-              <a:rPr kumimoji="1" lang="ja-JP" altLang="en-US" dirty="0"/>
-              <a:t>その文章の主張を</a:t>
-            </a:r>
-            <a:r>
-              <a:rPr kumimoji="1" lang="ja-JP" altLang="en-US" dirty="0">
-                <a:solidFill>
-                  <a:schemeClr val="accent5"/>
-                </a:solidFill>
-              </a:rPr>
-              <a:t>１つの文</a:t>
-            </a:r>
-            <a:r>
-              <a:rPr kumimoji="1" lang="ja-JP" altLang="en-US" dirty="0"/>
-              <a:t>の形にまとめたもの</a:t>
-            </a:r>
-            <a:endParaRPr kumimoji="1" lang="en-US" altLang="ja-JP" dirty="0"/>
-          </a:p>
-          <a:p>
-            <a:pPr lvl="2"/>
-            <a:r>
-              <a:rPr kumimoji="1" lang="ja-JP" altLang="en-US" dirty="0"/>
-              <a:t>目標規定文は「理科系の作文技術」より</a:t>
-            </a:r>
-            <a:endParaRPr kumimoji="1" lang="en-US" altLang="ja-JP" dirty="0"/>
-          </a:p>
-          <a:p>
-            <a:pPr lvl="1"/>
-            <a:r>
-              <a:rPr kumimoji="1" lang="ja-JP" altLang="en-US" dirty="0"/>
-              <a:t>もっとも短い形のプロットとも言える</a:t>
-            </a:r>
-            <a:endParaRPr kumimoji="1" lang="en-US" altLang="ja-JP" dirty="0"/>
-          </a:p>
-          <a:p>
-            <a:r>
-              <a:rPr kumimoji="1" lang="ja-JP" altLang="en-US" dirty="0"/>
-              <a:t>「理科系の作文技術」の説明</a:t>
-            </a:r>
-            <a:endParaRPr kumimoji="1" lang="en-US" altLang="ja-JP" dirty="0"/>
-          </a:p>
-          <a:p>
-            <a:pPr lvl="1"/>
-            <a:r>
-              <a:rPr kumimoji="1" lang="ja-JP" altLang="en-US" dirty="0"/>
-              <a:t>「自分は何を目標としてその文章を書くのか，そこで何を主張しようとするのかを熟考して，それを一つの文にまとめて書いてみることを勧める」</a:t>
-            </a:r>
-            <a:endParaRPr kumimoji="1" lang="en-US" altLang="ja-JP" dirty="0"/>
-          </a:p>
-          <a:p>
-            <a:pPr lvl="1"/>
-            <a:r>
-              <a:rPr kumimoji="1" lang="ja-JP" altLang="en-US" dirty="0"/>
-              <a:t>「主題に関してあることを主張し，または否定しようとする意思を明示した文」（コーベットによる </a:t>
-            </a:r>
-            <a:r>
-              <a:rPr kumimoji="1" lang="en-US" altLang="ja-JP" dirty="0"/>
-              <a:t>thesis </a:t>
-            </a:r>
-            <a:r>
-              <a:rPr kumimoji="1" lang="ja-JP" altLang="en-US" dirty="0"/>
-              <a:t>の説明）</a:t>
-            </a:r>
-          </a:p>
-        </p:txBody>
-      </p:sp>
-    </p:spTree>
-    <p:extLst>
-      <p:ext uri="{BB962C8B-B14F-4D97-AF65-F5344CB8AC3E}">
-        <p14:creationId xmlns:p14="http://schemas.microsoft.com/office/powerpoint/2010/main" val="2967336231"/>
-      </p:ext>
-    </p:extLst>
-  </p:cSld>
-  <p:clrMapOvr>
-    <a:masterClrMapping/>
-  </p:clrMapOvr>
-  <mc:AlternateContent xmlns:mc="http://schemas.openxmlformats.org/markup-compatibility/2006" xmlns:p14="http://schemas.microsoft.com/office/powerpoint/2010/main">
-    <mc:Choice Requires="p14">
-      <p:transition p14:dur="10"/>
-    </mc:Choice>
-    <mc:Fallback xmlns="">
-      <p:transition/>
-    </mc:Fallback>
-  </mc:AlternateContent>
-</p:sld>
-</file>
-
 <file path=ppt/slides/slide35.xml><?xml version="1.0" encoding="utf-8"?>
 <p:sld xmlns:a="http://schemas.openxmlformats.org/drawingml/2006/main" xmlns:r="http://schemas.openxmlformats.org/officeDocument/2006/relationships" xmlns:p="http://schemas.openxmlformats.org/presentationml/2006/main">
   <p:cSld>
@@ -10690,7 +10924,7 @@
           <p:cNvPr id="2" name="タイトル 1">
             <a:extLst>
               <a:ext uri="{FF2B5EF4-FFF2-40B4-BE49-F238E27FC236}">
-                <a16:creationId xmlns:a16="http://schemas.microsoft.com/office/drawing/2014/main" id="{B136B8D4-A45A-E900-4740-4ADDB700695F}"/>
+                <a16:creationId xmlns:a16="http://schemas.microsoft.com/office/drawing/2014/main" id="{3E23F118-75F0-BDFC-5FFA-F5FE41C7BF81}"/>
               </a:ext>
             </a:extLst>
           </p:cNvPr>
@@ -10708,7 +10942,7 @@
           <a:p>
             <a:r>
               <a:rPr kumimoji="1" lang="ja-JP" altLang="en-US" dirty="0"/>
-              <a:t>目標規定文</a:t>
+              <a:t>階層化を意識することの重要さ</a:t>
             </a:r>
           </a:p>
         </p:txBody>
@@ -10718,7 +10952,7 @@
           <p:cNvPr id="3" name="テキスト プレースホルダー 2">
             <a:extLst>
               <a:ext uri="{FF2B5EF4-FFF2-40B4-BE49-F238E27FC236}">
-                <a16:creationId xmlns:a16="http://schemas.microsoft.com/office/drawing/2014/main" id="{7C58FC4A-17A5-A2DE-03F7-FEC5E8E2DC4D}"/>
+                <a16:creationId xmlns:a16="http://schemas.microsoft.com/office/drawing/2014/main" id="{E4ECAB0C-7CCC-15B8-FC24-9C791856E219}"/>
               </a:ext>
             </a:extLst>
           </p:cNvPr>
@@ -10736,7 +10970,7 @@
           <a:p>
             <a:r>
               <a:rPr kumimoji="1" lang="ja-JP" altLang="en-US" dirty="0"/>
-              <a:t>目標からトップダウンに構成を作る</a:t>
+              <a:t>論理の階層化は，複雑な事象を考えるための必須スキル</a:t>
             </a:r>
             <a:endParaRPr kumimoji="1" lang="en-US" altLang="ja-JP" dirty="0"/>
           </a:p>
@@ -10744,7 +10978,7 @@
             <a:pPr lvl="1"/>
             <a:r>
               <a:rPr kumimoji="1" lang="ja-JP" altLang="en-US" dirty="0"/>
-              <a:t>目標規定文を作り，その目標に収束するように文章全体の構想を練る</a:t>
+              <a:t>思考の規模をスケールさせる事ができる</a:t>
             </a:r>
             <a:endParaRPr kumimoji="1" lang="en-US" altLang="ja-JP" dirty="0"/>
           </a:p>
@@ -10752,38 +10986,69 @@
             <a:pPr lvl="1"/>
             <a:r>
               <a:rPr kumimoji="1" lang="ja-JP" altLang="en-US" dirty="0"/>
-              <a:t>この目標に繋がる内容のみを全体の構成に残す</a:t>
+              <a:t>一定以上の経験をもつ人は，普段の思考からこの階層化を行っていると思って良い</a:t>
             </a:r>
             <a:endParaRPr kumimoji="1" lang="en-US" altLang="ja-JP" dirty="0"/>
           </a:p>
           <a:p>
-            <a:pPr lvl="2"/>
             <a:r>
               <a:rPr kumimoji="1" lang="ja-JP" altLang="en-US" dirty="0"/>
-              <a:t>「関係はしているが，あってもなくても良い」みたいなものは入れてはいけない</a:t>
+              <a:t>なので，まともな論文や説明は階層化された形で書かれている</a:t>
             </a:r>
             <a:endParaRPr kumimoji="1" lang="en-US" altLang="ja-JP" dirty="0"/>
           </a:p>
           <a:p>
             <a:r>
               <a:rPr kumimoji="1" lang="ja-JP" altLang="en-US" dirty="0"/>
-              <a:t>主張全体を論理的なツリーとして表した際のルートにあたる</a:t>
+              <a:t>逆に，この階層化がなされていない説明を読むことは苦痛である</a:t>
             </a:r>
             <a:endParaRPr kumimoji="1" lang="en-US" altLang="ja-JP" dirty="0"/>
           </a:p>
           <a:p>
             <a:pPr lvl="1"/>
             <a:r>
+              <a:rPr kumimoji="1" lang="ja-JP" altLang="en-US" dirty="0">
+                <a:solidFill>
+                  <a:schemeClr val="accent5"/>
+                </a:solidFill>
+              </a:rPr>
+              <a:t>誤字脱字文法ミスだらけの文章を読まされるのと同等以上の</a:t>
+            </a:r>
+            <a:br>
+              <a:rPr kumimoji="1" lang="en-US" altLang="ja-JP" dirty="0">
+                <a:solidFill>
+                  <a:schemeClr val="accent5"/>
+                </a:solidFill>
+              </a:rPr>
+            </a:br>
+            <a:r>
+              <a:rPr kumimoji="1" lang="ja-JP" altLang="en-US" dirty="0">
+                <a:solidFill>
+                  <a:schemeClr val="accent5"/>
+                </a:solidFill>
+              </a:rPr>
+              <a:t>きつさがある</a:t>
+            </a:r>
+            <a:endParaRPr kumimoji="1" lang="en-US" altLang="ja-JP" dirty="0">
+              <a:solidFill>
+                <a:schemeClr val="accent5"/>
+              </a:solidFill>
+            </a:endParaRPr>
+          </a:p>
+          <a:p>
+            <a:pPr lvl="1"/>
+            <a:r>
               <a:rPr kumimoji="1" lang="ja-JP" altLang="en-US" dirty="0"/>
-              <a:t>これをさらに短くまとめたものがタイトルになる</a:t>
-            </a:r>
+              <a:t>査読者などの読み手はそう感じると想定してほしい</a:t>
+            </a:r>
+            <a:endParaRPr kumimoji="1" lang="en-US" altLang="ja-JP" dirty="0"/>
           </a:p>
         </p:txBody>
       </p:sp>
     </p:spTree>
     <p:extLst>
       <p:ext uri="{BB962C8B-B14F-4D97-AF65-F5344CB8AC3E}">
-        <p14:creationId xmlns:p14="http://schemas.microsoft.com/office/powerpoint/2010/main" val="3839336830"/>
+        <p14:creationId xmlns:p14="http://schemas.microsoft.com/office/powerpoint/2010/main" val="1293870336"/>
       </p:ext>
     </p:extLst>
   </p:cSld>
@@ -10823,7 +11088,7 @@
           <p:cNvPr id="2" name="タイトル 1">
             <a:extLst>
               <a:ext uri="{FF2B5EF4-FFF2-40B4-BE49-F238E27FC236}">
-                <a16:creationId xmlns:a16="http://schemas.microsoft.com/office/drawing/2014/main" id="{D4345327-D154-8FE3-0EEE-96EFAAA82DEF}"/>
+                <a16:creationId xmlns:a16="http://schemas.microsoft.com/office/drawing/2014/main" id="{EF611EE5-3E11-1E17-9A26-488B18EDA4C5}"/>
               </a:ext>
             </a:extLst>
           </p:cNvPr>
@@ -10841,7 +11106,7 @@
           <a:p>
             <a:r>
               <a:rPr kumimoji="1" lang="ja-JP" altLang="en-US" dirty="0"/>
-              <a:t>３点プロットと目標規定文の関係</a:t>
+              <a:t>参考</a:t>
             </a:r>
           </a:p>
         </p:txBody>
@@ -10851,7 +11116,7 @@
           <p:cNvPr id="3" name="テキスト プレースホルダー 2">
             <a:extLst>
               <a:ext uri="{FF2B5EF4-FFF2-40B4-BE49-F238E27FC236}">
-                <a16:creationId xmlns:a16="http://schemas.microsoft.com/office/drawing/2014/main" id="{FF0B682A-46CB-4093-1B0E-581FD7CB3A90}"/>
+                <a16:creationId xmlns:a16="http://schemas.microsoft.com/office/drawing/2014/main" id="{5B034FA1-AC07-C3CF-FEAE-79C1971E6E74}"/>
               </a:ext>
             </a:extLst>
           </p:cNvPr>
@@ -10868,33 +11133,112 @@
           <a:lstStyle/>
           <a:p>
             <a:r>
-              <a:rPr kumimoji="1" lang="ja-JP" altLang="en-US" dirty="0"/>
-              <a:t>作り方：</a:t>
-            </a:r>
-            <a:endParaRPr kumimoji="1" lang="en-US" altLang="ja-JP" dirty="0"/>
+              <a:rPr kumimoji="1" lang="ja-JP" altLang="en-US" sz="1800" dirty="0"/>
+              <a:t>バーバラ ミント：</a:t>
+            </a:r>
+            <a:br>
+              <a:rPr kumimoji="1" lang="en-US" altLang="ja-JP" sz="1800" dirty="0"/>
+            </a:br>
+            <a:r>
+              <a:rPr kumimoji="1" lang="ja-JP" altLang="en-US" sz="1800" dirty="0"/>
+              <a:t>「考える技術・書く技術</a:t>
+            </a:r>
+            <a:r>
+              <a:rPr kumimoji="1" lang="en-US" altLang="ja-JP" sz="1800" dirty="0"/>
+              <a:t>―</a:t>
+            </a:r>
+            <a:r>
+              <a:rPr kumimoji="1" lang="ja-JP" altLang="en-US" sz="1800" dirty="0"/>
+              <a:t>問題解決力を伸ばすピラミッド原則」</a:t>
+            </a:r>
+            <a:br>
+              <a:rPr kumimoji="1" lang="en-US" altLang="ja-JP" sz="1800" dirty="0"/>
+            </a:br>
+            <a:r>
+              <a:rPr kumimoji="1" lang="ja-JP" altLang="en-US" sz="1800" dirty="0"/>
+              <a:t>（原題：</a:t>
+            </a:r>
+            <a:r>
+              <a:rPr kumimoji="1" lang="en-US" altLang="ja-JP" sz="1800" dirty="0"/>
+              <a:t>The Pyramid Principle: Logic in Writing and Thinking</a:t>
+            </a:r>
+            <a:r>
+              <a:rPr kumimoji="1" lang="ja-JP" altLang="en-US" sz="1800" dirty="0"/>
+              <a:t>）</a:t>
+            </a:r>
+            <a:br>
+              <a:rPr kumimoji="1" lang="en-US" altLang="ja-JP" sz="1800" dirty="0"/>
+            </a:br>
+            <a:endParaRPr kumimoji="1" lang="en-US" altLang="ja-JP" sz="1800" dirty="0"/>
           </a:p>
           <a:p>
             <a:pPr lvl="1"/>
             <a:r>
-              <a:rPr kumimoji="1" lang="ja-JP" altLang="en-US" dirty="0"/>
-              <a:t>３点プロットが出来たら，そこからさらに真に重要な項目を抽出</a:t>
-            </a:r>
-            <a:endParaRPr kumimoji="1" lang="en-US" altLang="ja-JP" dirty="0"/>
+              <a:rPr kumimoji="1" lang="ja-JP" altLang="en-US" sz="1800" dirty="0"/>
+              <a:t>思考や文章を書く際の論理の階層化について書かれている</a:t>
+            </a:r>
+            <a:endParaRPr kumimoji="1" lang="en-US" altLang="ja-JP" sz="1800" dirty="0"/>
           </a:p>
           <a:p>
             <a:pPr lvl="1"/>
             <a:r>
-              <a:rPr kumimoji="1" lang="ja-JP" altLang="en-US" dirty="0"/>
-              <a:t>それらを繋げて目標規定文にする</a:t>
-            </a:r>
-            <a:endParaRPr kumimoji="1" lang="en-US" altLang="ja-JP" dirty="0"/>
+              <a:rPr kumimoji="1" lang="ja-JP" altLang="en-US" sz="1800" dirty="0"/>
+              <a:t>マッキンゼー社内でライティング指導をしていた方が書いている</a:t>
+            </a:r>
+            <a:endParaRPr kumimoji="1" lang="en-US" altLang="ja-JP" sz="1800" dirty="0"/>
+          </a:p>
+          <a:p>
+            <a:pPr lvl="1"/>
+            <a:r>
+              <a:rPr kumimoji="1" lang="ja-JP" altLang="en-US" sz="1800" dirty="0"/>
+              <a:t>このページまで読んできた人は，「ピラミッド」が何を意味するのかは察しがつくのでは</a:t>
+            </a:r>
+            <a:endParaRPr kumimoji="1" lang="en-US" altLang="ja-JP" sz="1800" dirty="0"/>
+          </a:p>
+          <a:p>
+            <a:r>
+              <a:rPr kumimoji="1" lang="ja-JP" altLang="en-US" sz="1800" dirty="0"/>
+              <a:t>塩谷の感想（読んだのは</a:t>
+            </a:r>
+            <a:r>
+              <a:rPr kumimoji="1" lang="en-US" altLang="ja-JP" sz="1800" dirty="0"/>
+              <a:t>10</a:t>
+            </a:r>
+            <a:r>
+              <a:rPr kumimoji="1" lang="ja-JP" altLang="en-US" sz="1800" dirty="0"/>
+              <a:t>年以上前だが）</a:t>
+            </a:r>
+            <a:endParaRPr kumimoji="1" lang="en-US" altLang="ja-JP" sz="1800" dirty="0"/>
+          </a:p>
+          <a:p>
+            <a:pPr lvl="1"/>
+            <a:r>
+              <a:rPr kumimoji="1" lang="ja-JP" altLang="en-US" sz="1800" dirty="0"/>
+              <a:t>翻訳版はかなり読みづらいし，内容もかなり冗長さを感じる</a:t>
+            </a:r>
+            <a:endParaRPr kumimoji="1" lang="en-US" altLang="ja-JP" sz="1800" dirty="0"/>
+          </a:p>
+          <a:p>
+            <a:pPr lvl="1"/>
+            <a:r>
+              <a:rPr kumimoji="1" lang="ja-JP" altLang="en-US" sz="1800" dirty="0"/>
+              <a:t>でも大事なことが書かれていると思う</a:t>
+            </a:r>
+            <a:endParaRPr kumimoji="1" lang="en-US" altLang="ja-JP" sz="1800" dirty="0"/>
+          </a:p>
+          <a:p>
+            <a:pPr lvl="1"/>
+            <a:r>
+              <a:rPr kumimoji="1" lang="ja-JP" altLang="en-US" sz="1800" dirty="0"/>
+              <a:t>後述の「理科系の作文技術」と，もっとも大事な部分では同じ事を言っていると思う</a:t>
+            </a:r>
           </a:p>
         </p:txBody>
       </p:sp>
     </p:spTree>
     <p:extLst>
       <p:ext uri="{BB962C8B-B14F-4D97-AF65-F5344CB8AC3E}">
-        <p14:creationId xmlns:p14="http://schemas.microsoft.com/office/powerpoint/2010/main" val="1730200020"/>
+        <p14:creationId xmlns:p14="http://schemas.microsoft.com/office/powerpoint/2010/main" val="1201039015"/>
       </p:ext>
     </p:extLst>
   </p:cSld>
@@ -10952,7 +11296,7 @@
           <a:p>
             <a:r>
               <a:rPr lang="ja-JP" altLang="en-US" b="1" dirty="0"/>
-              <a:t>イントロプロット</a:t>
+              <a:t>目標規定文</a:t>
             </a:r>
           </a:p>
         </p:txBody>
@@ -10960,7 +11304,7 @@
     </p:spTree>
     <p:extLst>
       <p:ext uri="{BB962C8B-B14F-4D97-AF65-F5344CB8AC3E}">
-        <p14:creationId xmlns:p14="http://schemas.microsoft.com/office/powerpoint/2010/main" val="1393778451"/>
+        <p14:creationId xmlns:p14="http://schemas.microsoft.com/office/powerpoint/2010/main" val="1222142208"/>
       </p:ext>
     </p:extLst>
   </p:cSld>
@@ -10989,10 +11333,10 @@
       </p:grpSpPr>
       <p:sp>
         <p:nvSpPr>
-          <p:cNvPr id="4" name="タイトル 3">
-            <a:extLst>
-              <a:ext uri="{FF2B5EF4-FFF2-40B4-BE49-F238E27FC236}">
-                <a16:creationId xmlns:a16="http://schemas.microsoft.com/office/drawing/2014/main" id="{2C10D4AA-048C-67DA-1625-6F8D77C161AF}"/>
+          <p:cNvPr id="2" name="タイトル 1">
+            <a:extLst>
+              <a:ext uri="{FF2B5EF4-FFF2-40B4-BE49-F238E27FC236}">
+                <a16:creationId xmlns:a16="http://schemas.microsoft.com/office/drawing/2014/main" id="{3791F58A-EC2D-D89A-CA40-DDF514198B8F}"/>
               </a:ext>
             </a:extLst>
           </p:cNvPr>
@@ -11009,18 +11353,19 @@
           <a:lstStyle/>
           <a:p>
             <a:r>
-              <a:rPr lang="ja-JP" altLang="en-US" dirty="0"/>
-              <a:t>イントロプロット</a:t>
-            </a:r>
-          </a:p>
-        </p:txBody>
-      </p:sp>
-      <p:sp>
-        <p:nvSpPr>
-          <p:cNvPr id="5" name="テキスト プレースホルダー 4">
-            <a:extLst>
-              <a:ext uri="{FF2B5EF4-FFF2-40B4-BE49-F238E27FC236}">
-                <a16:creationId xmlns:a16="http://schemas.microsoft.com/office/drawing/2014/main" id="{A0D92A2D-1570-9CE4-B7FF-F750001C61B8}"/>
+              <a:rPr kumimoji="1" lang="ja-JP" altLang="en-US" dirty="0"/>
+              <a:t>目標規定文</a:t>
+            </a:r>
+            <a:endParaRPr kumimoji="1" lang="en-US" altLang="ja-JP" dirty="0"/>
+          </a:p>
+        </p:txBody>
+      </p:sp>
+      <p:sp>
+        <p:nvSpPr>
+          <p:cNvPr id="3" name="テキスト プレースホルダー 2">
+            <a:extLst>
+              <a:ext uri="{FF2B5EF4-FFF2-40B4-BE49-F238E27FC236}">
+                <a16:creationId xmlns:a16="http://schemas.microsoft.com/office/drawing/2014/main" id="{CE8C17F2-3701-6FE8-3F1E-E482EBDA33C7}"/>
               </a:ext>
             </a:extLst>
           </p:cNvPr>
@@ -11037,99 +11382,83 @@
           <a:lstStyle/>
           <a:p>
             <a:r>
-              <a:rPr lang="ja-JP" altLang="en-US" dirty="0"/>
-              <a:t>イントロプロットはイントロを書く際に作る</a:t>
-            </a:r>
-            <a:endParaRPr lang="en-US" altLang="ja-JP" dirty="0"/>
+              <a:rPr kumimoji="1" lang="ja-JP" altLang="en-US" dirty="0"/>
+              <a:t>目標規定文</a:t>
+            </a:r>
+            <a:endParaRPr kumimoji="1" lang="en-US" altLang="ja-JP" dirty="0"/>
           </a:p>
           <a:p>
             <a:pPr lvl="1"/>
             <a:r>
-              <a:rPr lang="ja-JP" altLang="en-US" dirty="0"/>
-              <a:t>論文のイントロは典型的には</a:t>
-            </a:r>
-            <a:r>
-              <a:rPr lang="ja-JP" altLang="en-US" dirty="0">
+              <a:rPr kumimoji="1" lang="ja-JP" altLang="en-US" dirty="0"/>
+              <a:t>その文章の主張を</a:t>
+            </a:r>
+            <a:r>
+              <a:rPr kumimoji="1" lang="ja-JP" altLang="en-US" dirty="0">
                 <a:solidFill>
                   <a:schemeClr val="accent5"/>
                 </a:solidFill>
               </a:rPr>
-              <a:t>６パラグラフ前後</a:t>
-            </a:r>
-            <a:endParaRPr lang="en-US" altLang="ja-JP" dirty="0">
-              <a:solidFill>
-                <a:schemeClr val="accent5"/>
-              </a:solidFill>
-            </a:endParaRPr>
-          </a:p>
-          <a:p>
-            <a:r>
-              <a:rPr lang="ja-JP" altLang="en-US" dirty="0"/>
-              <a:t>これに対応する</a:t>
-            </a:r>
-            <a:r>
-              <a:rPr lang="ja-JP" altLang="en-US" dirty="0">
-                <a:solidFill>
-                  <a:schemeClr val="accent5"/>
-                </a:solidFill>
-              </a:rPr>
-              <a:t>６点程度の項目</a:t>
-            </a:r>
-            <a:r>
-              <a:rPr lang="ja-JP" altLang="en-US" dirty="0"/>
-              <a:t>からなるプロットを作る</a:t>
-            </a:r>
-            <a:endParaRPr lang="en-US" altLang="ja-JP" dirty="0">
-              <a:solidFill>
-                <a:schemeClr val="accent5"/>
-              </a:solidFill>
-            </a:endParaRPr>
+              <a:t>１つの文</a:t>
+            </a:r>
+            <a:r>
+              <a:rPr kumimoji="1" lang="ja-JP" altLang="en-US" dirty="0"/>
+              <a:t>の形にまとめたもの</a:t>
+            </a:r>
+            <a:endParaRPr kumimoji="1" lang="en-US" altLang="ja-JP" dirty="0"/>
+          </a:p>
+          <a:p>
+            <a:pPr lvl="2"/>
+            <a:r>
+              <a:rPr kumimoji="1" lang="ja-JP" altLang="en-US" dirty="0"/>
+              <a:t>目標規定文は「理科系の作文技術」より</a:t>
+            </a:r>
+            <a:endParaRPr kumimoji="1" lang="en-US" altLang="ja-JP" dirty="0"/>
           </a:p>
           <a:p>
             <a:pPr lvl="1"/>
             <a:r>
-              <a:rPr lang="ja-JP" altLang="en-US" dirty="0"/>
-              <a:t>各パラグラフで何を話すかをまとめる</a:t>
-            </a:r>
-            <a:endParaRPr lang="en-US" altLang="ja-JP" dirty="0"/>
+              <a:rPr kumimoji="1" lang="ja-JP" altLang="en-US" dirty="0"/>
+              <a:t>もっとも短い形のプロットとも言える</a:t>
+            </a:r>
+            <a:endParaRPr kumimoji="1" lang="en-US" altLang="ja-JP" dirty="0"/>
+          </a:p>
+          <a:p>
+            <a:r>
+              <a:rPr kumimoji="1" lang="ja-JP" altLang="en-US" dirty="0"/>
+              <a:t>「理科系の作文技術」の説明</a:t>
+            </a:r>
+            <a:endParaRPr kumimoji="1" lang="en-US" altLang="ja-JP" dirty="0"/>
           </a:p>
           <a:p>
             <a:pPr lvl="1"/>
             <a:r>
-              <a:rPr lang="ja-JP" altLang="en-US" dirty="0"/>
-              <a:t>各項目は各パラグラフのトピック・センテンスの内容に対応する</a:t>
-            </a:r>
-            <a:endParaRPr lang="en-US" altLang="ja-JP" dirty="0"/>
+              <a:rPr kumimoji="1" lang="ja-JP" altLang="en-US" dirty="0"/>
+              <a:t>「自分は何を目標としてその文章を書くのか，そこで何を主張しようとするのかを熟考して，それを一つの文にまとめて書いてみることを勧める」</a:t>
+            </a:r>
+            <a:endParaRPr kumimoji="1" lang="en-US" altLang="ja-JP" dirty="0"/>
           </a:p>
           <a:p>
             <a:pPr lvl="1"/>
             <a:r>
-              <a:rPr lang="ja-JP" altLang="en-US" dirty="0"/>
-              <a:t>トピック・センテンスだけを繋げて読んでも意味が通るように</a:t>
-            </a:r>
-            <a:endParaRPr lang="en-US" altLang="ja-JP" dirty="0"/>
-          </a:p>
-          <a:p>
-            <a:r>
-              <a:rPr lang="ja-JP" altLang="en-US" dirty="0"/>
-              <a:t>イントロプロットも３点プロットから派生させて作る</a:t>
-            </a:r>
-            <a:endParaRPr lang="en-US" altLang="ja-JP" dirty="0"/>
-          </a:p>
-          <a:p>
-            <a:pPr lvl="1"/>
-            <a:r>
-              <a:rPr lang="ja-JP" altLang="en-US" dirty="0"/>
-              <a:t>３点プロットの各項目に，より詳細を肉付けしていく</a:t>
-            </a:r>
-            <a:endParaRPr lang="en-US" altLang="ja-JP" dirty="0"/>
+              <a:rPr kumimoji="1" lang="ja-JP" altLang="en-US" dirty="0"/>
+              <a:t>「主題に関してあることを主張し，または否定しようとする意思を明示した文」（コーベットによる </a:t>
+            </a:r>
+            <a:r>
+              <a:rPr kumimoji="1" lang="en-US" altLang="ja-JP" dirty="0"/>
+              <a:t>thesis </a:t>
+            </a:r>
+            <a:r>
+              <a:rPr kumimoji="1" lang="ja-JP" altLang="en-US" dirty="0"/>
+              <a:t>の説明）</a:t>
+            </a:r>
           </a:p>
         </p:txBody>
       </p:sp>
     </p:spTree>
     <p:extLst>
       <p:ext uri="{BB962C8B-B14F-4D97-AF65-F5344CB8AC3E}">
-        <p14:creationId xmlns:p14="http://schemas.microsoft.com/office/powerpoint/2010/main" val="1796504870"/>
+        <p14:creationId xmlns:p14="http://schemas.microsoft.com/office/powerpoint/2010/main" val="2967336231"/>
       </p:ext>
     </p:extLst>
   </p:cSld>
@@ -11169,7 +11498,7 @@
           <p:cNvPr id="2" name="タイトル 1">
             <a:extLst>
               <a:ext uri="{FF2B5EF4-FFF2-40B4-BE49-F238E27FC236}">
-                <a16:creationId xmlns:a16="http://schemas.microsoft.com/office/drawing/2014/main" id="{18A42B14-CF0C-96E2-5CF7-6662DFA3735D}"/>
+                <a16:creationId xmlns:a16="http://schemas.microsoft.com/office/drawing/2014/main" id="{B136B8D4-A45A-E900-4740-4ADDB700695F}"/>
               </a:ext>
             </a:extLst>
           </p:cNvPr>
@@ -11187,7 +11516,7 @@
           <a:p>
             <a:r>
               <a:rPr kumimoji="1" lang="ja-JP" altLang="en-US" dirty="0"/>
-              <a:t>詳細度と論理構造</a:t>
+              <a:t>目標規定文</a:t>
             </a:r>
           </a:p>
         </p:txBody>
@@ -11197,7 +11526,7 @@
           <p:cNvPr id="3" name="テキスト プレースホルダー 2">
             <a:extLst>
               <a:ext uri="{FF2B5EF4-FFF2-40B4-BE49-F238E27FC236}">
-                <a16:creationId xmlns:a16="http://schemas.microsoft.com/office/drawing/2014/main" id="{AAB0013E-6128-536A-AD5E-A87E6DA3282A}"/>
+                <a16:creationId xmlns:a16="http://schemas.microsoft.com/office/drawing/2014/main" id="{7C58FC4A-17A5-A2DE-03F7-FEC5E8E2DC4D}"/>
               </a:ext>
             </a:extLst>
           </p:cNvPr>
@@ -11208,19 +11537,14 @@
             <p:ph type="body" sz="quarter" idx="10"/>
           </p:nvPr>
         </p:nvSpPr>
-        <p:spPr>
-          <a:xfrm>
-            <a:off x="611956" y="3429000"/>
-            <a:ext cx="8280092" cy="3059727"/>
-          </a:xfrm>
-        </p:spPr>
+        <p:spPr/>
         <p:txBody>
           <a:bodyPr/>
           <a:lstStyle/>
           <a:p>
             <a:r>
               <a:rPr kumimoji="1" lang="ja-JP" altLang="en-US" dirty="0"/>
-              <a:t>ツリーの上下は説明の詳細度に対応している</a:t>
+              <a:t>目標からトップダウンに構成を作る</a:t>
             </a:r>
             <a:endParaRPr kumimoji="1" lang="en-US" altLang="ja-JP" dirty="0"/>
           </a:p>
@@ -11228,7 +11552,7 @@
             <a:pPr lvl="1"/>
             <a:r>
               <a:rPr kumimoji="1" lang="ja-JP" altLang="en-US" dirty="0"/>
-              <a:t>上の階層は下の階層の要約になっている</a:t>
+              <a:t>目標規定文を作り，その目標に収束するように文章全体の構想を練る</a:t>
             </a:r>
             <a:endParaRPr kumimoji="1" lang="en-US" altLang="ja-JP" dirty="0"/>
           </a:p>
@@ -11236,1159 +11560,38 @@
             <a:pPr lvl="1"/>
             <a:r>
               <a:rPr kumimoji="1" lang="ja-JP" altLang="en-US" dirty="0"/>
-              <a:t>下の階層は上の階層をより詳しく述べている</a:t>
+              <a:t>この目標に繋がる内容のみを全体の構成に残す</a:t>
             </a:r>
             <a:endParaRPr kumimoji="1" lang="en-US" altLang="ja-JP" dirty="0"/>
           </a:p>
           <a:p>
+            <a:pPr lvl="2"/>
             <a:r>
               <a:rPr kumimoji="1" lang="ja-JP" altLang="en-US" dirty="0"/>
-              <a:t>３点プロットから初めて，論理ツリーの関係が保たれているかをチェックする</a:t>
+              <a:t>「関係はしているが，あってもなくても良い」みたいなものは入れてはいけない</a:t>
             </a:r>
             <a:endParaRPr kumimoji="1" lang="en-US" altLang="ja-JP" dirty="0"/>
           </a:p>
-        </p:txBody>
-      </p:sp>
-      <p:sp>
-        <p:nvSpPr>
-          <p:cNvPr id="5" name="四角形: 角を丸くする 4">
-            <a:extLst>
-              <a:ext uri="{FF2B5EF4-FFF2-40B4-BE49-F238E27FC236}">
-                <a16:creationId xmlns:a16="http://schemas.microsoft.com/office/drawing/2014/main" id="{A50DA5F5-C778-6B70-50A5-BDCCDC565AE9}"/>
-              </a:ext>
-            </a:extLst>
-          </p:cNvPr>
-          <p:cNvSpPr/>
-          <p:nvPr/>
-        </p:nvSpPr>
-        <p:spPr bwMode="auto">
-          <a:xfrm>
-            <a:off x="4442234" y="1268976"/>
-            <a:ext cx="1440015" cy="360004"/>
-          </a:xfrm>
-          <a:prstGeom prst="roundRect">
-            <a:avLst/>
-          </a:prstGeom>
-          <a:ln>
-            <a:headEnd/>
-            <a:tailEnd type="triangle" w="sm" len="med"/>
-          </a:ln>
-        </p:spPr>
-        <p:style>
-          <a:lnRef idx="1">
-            <a:schemeClr val="accent4"/>
-          </a:lnRef>
-          <a:fillRef idx="2">
-            <a:schemeClr val="accent4"/>
-          </a:fillRef>
-          <a:effectRef idx="1">
-            <a:schemeClr val="accent4"/>
-          </a:effectRef>
-          <a:fontRef idx="minor">
-            <a:schemeClr val="dk1"/>
-          </a:fontRef>
-        </p:style>
-        <p:txBody>
-          <a:bodyPr rot="0" spcFirstLastPara="0" vertOverflow="overflow" horzOverflow="overflow" vert="horz" wrap="none" lIns="91440" tIns="45720" rIns="91440" bIns="45720" numCol="1" spcCol="0" rtlCol="0" fromWordArt="0" anchor="ctr" anchorCtr="0" forceAA="0" compatLnSpc="1">
-            <a:prstTxWarp prst="textNoShape">
-              <a:avLst/>
-            </a:prstTxWarp>
-            <a:noAutofit/>
-          </a:bodyPr>
-          <a:lstStyle/>
-          <a:p>
-            <a:pPr algn="ctr"/>
-            <a:r>
-              <a:rPr kumimoji="1" lang="ja-JP" altLang="en-US" dirty="0">
-                <a:solidFill>
-                  <a:schemeClr val="tx1">
-                    <a:lumMod val="75000"/>
-                    <a:lumOff val="25000"/>
-                  </a:schemeClr>
-                </a:solidFill>
-                <a:latin typeface="+mn-ea"/>
-              </a:rPr>
-              <a:t>目標規定文</a:t>
-            </a:r>
-          </a:p>
-        </p:txBody>
-      </p:sp>
-      <p:sp>
-        <p:nvSpPr>
-          <p:cNvPr id="6" name="四角形: 角を丸くする 5">
-            <a:extLst>
-              <a:ext uri="{FF2B5EF4-FFF2-40B4-BE49-F238E27FC236}">
-                <a16:creationId xmlns:a16="http://schemas.microsoft.com/office/drawing/2014/main" id="{4B23A1F7-367F-D520-DF12-10FC2F8ED74D}"/>
-              </a:ext>
-            </a:extLst>
-          </p:cNvPr>
-          <p:cNvSpPr/>
-          <p:nvPr/>
-        </p:nvSpPr>
-        <p:spPr bwMode="auto">
-          <a:xfrm>
-            <a:off x="1922206" y="1988984"/>
-            <a:ext cx="1029776" cy="360004"/>
-          </a:xfrm>
-          <a:prstGeom prst="roundRect">
-            <a:avLst/>
-          </a:prstGeom>
-          <a:ln>
-            <a:headEnd/>
-            <a:tailEnd type="triangle" w="sm" len="med"/>
-          </a:ln>
-        </p:spPr>
-        <p:style>
-          <a:lnRef idx="1">
-            <a:schemeClr val="accent2"/>
-          </a:lnRef>
-          <a:fillRef idx="2">
-            <a:schemeClr val="accent2"/>
-          </a:fillRef>
-          <a:effectRef idx="1">
-            <a:schemeClr val="accent2"/>
-          </a:effectRef>
-          <a:fontRef idx="minor">
-            <a:schemeClr val="dk1"/>
-          </a:fontRef>
-        </p:style>
-        <p:txBody>
-          <a:bodyPr rot="0" spcFirstLastPara="0" vertOverflow="overflow" horzOverflow="overflow" vert="horz" wrap="none" lIns="91440" tIns="45720" rIns="91440" bIns="45720" numCol="1" spcCol="0" rtlCol="0" fromWordArt="0" anchor="ctr" anchorCtr="0" forceAA="0" compatLnSpc="1">
-            <a:prstTxWarp prst="textNoShape">
-              <a:avLst/>
-            </a:prstTxWarp>
-            <a:noAutofit/>
-          </a:bodyPr>
-          <a:lstStyle/>
-          <a:p>
-            <a:pPr algn="ctr"/>
-            <a:r>
-              <a:rPr kumimoji="1" lang="ja-JP" altLang="en-US" dirty="0">
-                <a:solidFill>
-                  <a:schemeClr val="tx1">
-                    <a:lumMod val="75000"/>
-                    <a:lumOff val="25000"/>
-                  </a:schemeClr>
-                </a:solidFill>
-                <a:latin typeface="+mn-ea"/>
-              </a:rPr>
-              <a:t>背景</a:t>
-            </a:r>
-          </a:p>
-        </p:txBody>
-      </p:sp>
-      <p:sp>
-        <p:nvSpPr>
-          <p:cNvPr id="7" name="四角形: 角を丸くする 6">
-            <a:extLst>
-              <a:ext uri="{FF2B5EF4-FFF2-40B4-BE49-F238E27FC236}">
-                <a16:creationId xmlns:a16="http://schemas.microsoft.com/office/drawing/2014/main" id="{75D3B56E-8B37-B816-5612-7F4D069A3C26}"/>
-              </a:ext>
-            </a:extLst>
-          </p:cNvPr>
-          <p:cNvSpPr/>
-          <p:nvPr/>
-        </p:nvSpPr>
-        <p:spPr bwMode="auto">
-          <a:xfrm>
-            <a:off x="4622236" y="1988984"/>
-            <a:ext cx="1080012" cy="360004"/>
-          </a:xfrm>
-          <a:prstGeom prst="roundRect">
-            <a:avLst/>
-          </a:prstGeom>
-          <a:ln>
-            <a:headEnd/>
-            <a:tailEnd type="triangle" w="sm" len="med"/>
-          </a:ln>
-        </p:spPr>
-        <p:style>
-          <a:lnRef idx="1">
-            <a:schemeClr val="accent5"/>
-          </a:lnRef>
-          <a:fillRef idx="2">
-            <a:schemeClr val="accent5"/>
-          </a:fillRef>
-          <a:effectRef idx="1">
-            <a:schemeClr val="accent5"/>
-          </a:effectRef>
-          <a:fontRef idx="minor">
-            <a:schemeClr val="dk1"/>
-          </a:fontRef>
-        </p:style>
-        <p:txBody>
-          <a:bodyPr rot="0" spcFirstLastPara="0" vertOverflow="overflow" horzOverflow="overflow" vert="horz" wrap="none" lIns="91440" tIns="45720" rIns="91440" bIns="45720" numCol="1" spcCol="0" rtlCol="0" fromWordArt="0" anchor="ctr" anchorCtr="0" forceAA="0" compatLnSpc="1">
-            <a:prstTxWarp prst="textNoShape">
-              <a:avLst/>
-            </a:prstTxWarp>
-            <a:noAutofit/>
-          </a:bodyPr>
-          <a:lstStyle/>
-          <a:p>
-            <a:pPr algn="ctr"/>
-            <a:r>
-              <a:rPr kumimoji="1" lang="ja-JP" altLang="en-US" dirty="0">
-                <a:solidFill>
-                  <a:schemeClr val="tx1">
-                    <a:lumMod val="75000"/>
-                    <a:lumOff val="25000"/>
-                  </a:schemeClr>
-                </a:solidFill>
-                <a:latin typeface="+mn-ea"/>
-              </a:rPr>
-              <a:t>課題</a:t>
-            </a:r>
-          </a:p>
-        </p:txBody>
-      </p:sp>
-      <p:sp>
-        <p:nvSpPr>
-          <p:cNvPr id="8" name="四角形: 角を丸くする 7">
-            <a:extLst>
-              <a:ext uri="{FF2B5EF4-FFF2-40B4-BE49-F238E27FC236}">
-                <a16:creationId xmlns:a16="http://schemas.microsoft.com/office/drawing/2014/main" id="{211FAF2E-5D34-04A8-6100-EB31A657A56C}"/>
-              </a:ext>
-            </a:extLst>
-          </p:cNvPr>
-          <p:cNvSpPr/>
-          <p:nvPr/>
-        </p:nvSpPr>
-        <p:spPr bwMode="auto">
-          <a:xfrm>
-            <a:off x="7322266" y="1988984"/>
-            <a:ext cx="1080012" cy="360004"/>
-          </a:xfrm>
-          <a:prstGeom prst="roundRect">
-            <a:avLst/>
-          </a:prstGeom>
-          <a:ln>
-            <a:headEnd/>
-            <a:tailEnd type="triangle" w="sm" len="med"/>
-          </a:ln>
-        </p:spPr>
-        <p:style>
-          <a:lnRef idx="1">
-            <a:schemeClr val="accent3"/>
-          </a:lnRef>
-          <a:fillRef idx="2">
-            <a:schemeClr val="accent3"/>
-          </a:fillRef>
-          <a:effectRef idx="1">
-            <a:schemeClr val="accent3"/>
-          </a:effectRef>
-          <a:fontRef idx="minor">
-            <a:schemeClr val="dk1"/>
-          </a:fontRef>
-        </p:style>
-        <p:txBody>
-          <a:bodyPr rot="0" spcFirstLastPara="0" vertOverflow="overflow" horzOverflow="overflow" vert="horz" wrap="none" lIns="91440" tIns="45720" rIns="91440" bIns="45720" numCol="1" spcCol="0" rtlCol="0" fromWordArt="0" anchor="ctr" anchorCtr="0" forceAA="0" compatLnSpc="1">
-            <a:prstTxWarp prst="textNoShape">
-              <a:avLst/>
-            </a:prstTxWarp>
-            <a:noAutofit/>
-          </a:bodyPr>
-          <a:lstStyle/>
-          <a:p>
-            <a:pPr algn="ctr"/>
-            <a:r>
-              <a:rPr kumimoji="1" lang="ja-JP" altLang="en-US" dirty="0">
-                <a:solidFill>
-                  <a:schemeClr val="tx1">
-                    <a:lumMod val="75000"/>
-                    <a:lumOff val="25000"/>
-                  </a:schemeClr>
-                </a:solidFill>
-                <a:latin typeface="+mn-ea"/>
-              </a:rPr>
-              <a:t>提案</a:t>
-            </a:r>
-          </a:p>
-        </p:txBody>
-      </p:sp>
-      <p:sp>
-        <p:nvSpPr>
-          <p:cNvPr id="9" name="四角形: 角を丸くする 8">
-            <a:extLst>
-              <a:ext uri="{FF2B5EF4-FFF2-40B4-BE49-F238E27FC236}">
-                <a16:creationId xmlns:a16="http://schemas.microsoft.com/office/drawing/2014/main" id="{93407E4E-1C86-C163-2B1B-8D685A8E57E9}"/>
-              </a:ext>
-            </a:extLst>
-          </p:cNvPr>
-          <p:cNvSpPr/>
-          <p:nvPr/>
-        </p:nvSpPr>
-        <p:spPr bwMode="auto">
-          <a:xfrm>
-            <a:off x="1292199" y="2708992"/>
-            <a:ext cx="990000" cy="360004"/>
-          </a:xfrm>
-          <a:prstGeom prst="roundRect">
-            <a:avLst/>
-          </a:prstGeom>
-          <a:ln>
-            <a:headEnd/>
-            <a:tailEnd type="triangle" w="sm" len="med"/>
-          </a:ln>
-        </p:spPr>
-        <p:style>
-          <a:lnRef idx="1">
-            <a:schemeClr val="accent2"/>
-          </a:lnRef>
-          <a:fillRef idx="2">
-            <a:schemeClr val="accent2"/>
-          </a:fillRef>
-          <a:effectRef idx="1">
-            <a:schemeClr val="accent2"/>
-          </a:effectRef>
-          <a:fontRef idx="minor">
-            <a:schemeClr val="dk1"/>
-          </a:fontRef>
-        </p:style>
-        <p:txBody>
-          <a:bodyPr rot="0" spcFirstLastPara="0" vertOverflow="overflow" horzOverflow="overflow" vert="horz" wrap="none" lIns="91440" tIns="45720" rIns="91440" bIns="45720" numCol="1" spcCol="0" rtlCol="0" fromWordArt="0" anchor="ctr" anchorCtr="0" forceAA="0" compatLnSpc="1">
-            <a:prstTxWarp prst="textNoShape">
-              <a:avLst/>
-            </a:prstTxWarp>
-            <a:noAutofit/>
-          </a:bodyPr>
-          <a:lstStyle/>
-          <a:p>
-            <a:pPr algn="ctr"/>
-            <a:r>
-              <a:rPr kumimoji="1" lang="ja-JP" altLang="en-US" dirty="0">
-                <a:solidFill>
-                  <a:schemeClr val="tx1">
-                    <a:lumMod val="75000"/>
-                    <a:lumOff val="25000"/>
-                  </a:schemeClr>
-                </a:solidFill>
-                <a:latin typeface="+mn-ea"/>
-              </a:rPr>
-              <a:t>背景１</a:t>
-            </a:r>
-          </a:p>
-        </p:txBody>
-      </p:sp>
-      <p:sp>
-        <p:nvSpPr>
-          <p:cNvPr id="10" name="四角形: 角を丸くする 9">
-            <a:extLst>
-              <a:ext uri="{FF2B5EF4-FFF2-40B4-BE49-F238E27FC236}">
-                <a16:creationId xmlns:a16="http://schemas.microsoft.com/office/drawing/2014/main" id="{82D88C54-BC59-B5FC-EE72-AD115A0D30AA}"/>
-              </a:ext>
-            </a:extLst>
-          </p:cNvPr>
-          <p:cNvSpPr/>
-          <p:nvPr/>
-        </p:nvSpPr>
-        <p:spPr bwMode="auto">
-          <a:xfrm>
-            <a:off x="3992229" y="2708992"/>
-            <a:ext cx="990000" cy="360004"/>
-          </a:xfrm>
-          <a:prstGeom prst="roundRect">
-            <a:avLst/>
-          </a:prstGeom>
-          <a:ln>
-            <a:headEnd/>
-            <a:tailEnd type="triangle" w="sm" len="med"/>
-          </a:ln>
-        </p:spPr>
-        <p:style>
-          <a:lnRef idx="1">
-            <a:schemeClr val="accent5"/>
-          </a:lnRef>
-          <a:fillRef idx="2">
-            <a:schemeClr val="accent5"/>
-          </a:fillRef>
-          <a:effectRef idx="1">
-            <a:schemeClr val="accent5"/>
-          </a:effectRef>
-          <a:fontRef idx="minor">
-            <a:schemeClr val="dk1"/>
-          </a:fontRef>
-        </p:style>
-        <p:txBody>
-          <a:bodyPr rot="0" spcFirstLastPara="0" vertOverflow="overflow" horzOverflow="overflow" vert="horz" wrap="none" lIns="91440" tIns="45720" rIns="91440" bIns="45720" numCol="1" spcCol="0" rtlCol="0" fromWordArt="0" anchor="ctr" anchorCtr="0" forceAA="0" compatLnSpc="1">
-            <a:prstTxWarp prst="textNoShape">
-              <a:avLst/>
-            </a:prstTxWarp>
-            <a:noAutofit/>
-          </a:bodyPr>
-          <a:lstStyle/>
-          <a:p>
-            <a:pPr algn="ctr"/>
-            <a:r>
-              <a:rPr kumimoji="1" lang="ja-JP" altLang="en-US" dirty="0">
-                <a:solidFill>
-                  <a:schemeClr val="tx1">
-                    <a:lumMod val="75000"/>
-                    <a:lumOff val="25000"/>
-                  </a:schemeClr>
-                </a:solidFill>
-                <a:latin typeface="+mn-ea"/>
-              </a:rPr>
-              <a:t>課題１</a:t>
-            </a:r>
-          </a:p>
-        </p:txBody>
-      </p:sp>
-      <p:sp>
-        <p:nvSpPr>
-          <p:cNvPr id="11" name="四角形: 角を丸くする 10">
-            <a:extLst>
-              <a:ext uri="{FF2B5EF4-FFF2-40B4-BE49-F238E27FC236}">
-                <a16:creationId xmlns:a16="http://schemas.microsoft.com/office/drawing/2014/main" id="{F8B10BA8-6DA6-5BA2-5E86-8434AD3DD359}"/>
-              </a:ext>
-            </a:extLst>
-          </p:cNvPr>
-          <p:cNvSpPr/>
-          <p:nvPr/>
-        </p:nvSpPr>
-        <p:spPr bwMode="auto">
-          <a:xfrm>
-            <a:off x="5342244" y="2708992"/>
-            <a:ext cx="990000" cy="360004"/>
-          </a:xfrm>
-          <a:prstGeom prst="roundRect">
-            <a:avLst/>
-          </a:prstGeom>
-          <a:ln>
-            <a:headEnd/>
-            <a:tailEnd type="triangle" w="sm" len="med"/>
-          </a:ln>
-        </p:spPr>
-        <p:style>
-          <a:lnRef idx="1">
-            <a:schemeClr val="accent5"/>
-          </a:lnRef>
-          <a:fillRef idx="2">
-            <a:schemeClr val="accent5"/>
-          </a:fillRef>
-          <a:effectRef idx="1">
-            <a:schemeClr val="accent5"/>
-          </a:effectRef>
-          <a:fontRef idx="minor">
-            <a:schemeClr val="dk1"/>
-          </a:fontRef>
-        </p:style>
-        <p:txBody>
-          <a:bodyPr rot="0" spcFirstLastPara="0" vertOverflow="overflow" horzOverflow="overflow" vert="horz" wrap="none" lIns="91440" tIns="45720" rIns="91440" bIns="45720" numCol="1" spcCol="0" rtlCol="0" fromWordArt="0" anchor="ctr" anchorCtr="0" forceAA="0" compatLnSpc="1">
-            <a:prstTxWarp prst="textNoShape">
-              <a:avLst/>
-            </a:prstTxWarp>
-            <a:noAutofit/>
-          </a:bodyPr>
-          <a:lstStyle/>
-          <a:p>
-            <a:pPr algn="ctr"/>
-            <a:r>
-              <a:rPr kumimoji="1" lang="ja-JP" altLang="en-US" dirty="0">
-                <a:solidFill>
-                  <a:schemeClr val="tx1">
-                    <a:lumMod val="75000"/>
-                    <a:lumOff val="25000"/>
-                  </a:schemeClr>
-                </a:solidFill>
-                <a:latin typeface="+mn-ea"/>
-              </a:rPr>
-              <a:t>課題２</a:t>
-            </a:r>
-          </a:p>
-        </p:txBody>
-      </p:sp>
-      <p:sp>
-        <p:nvSpPr>
-          <p:cNvPr id="12" name="四角形: 角を丸くする 11">
-            <a:extLst>
-              <a:ext uri="{FF2B5EF4-FFF2-40B4-BE49-F238E27FC236}">
-                <a16:creationId xmlns:a16="http://schemas.microsoft.com/office/drawing/2014/main" id="{C1267ECA-BCDF-6FCA-548E-B3E5AADFB8A7}"/>
-              </a:ext>
-            </a:extLst>
-          </p:cNvPr>
-          <p:cNvSpPr/>
-          <p:nvPr/>
-        </p:nvSpPr>
-        <p:spPr bwMode="auto">
-          <a:xfrm>
-            <a:off x="6692259" y="2708992"/>
-            <a:ext cx="990000" cy="360004"/>
-          </a:xfrm>
-          <a:prstGeom prst="roundRect">
-            <a:avLst/>
-          </a:prstGeom>
-          <a:ln>
-            <a:headEnd/>
-            <a:tailEnd type="triangle" w="sm" len="med"/>
-          </a:ln>
-        </p:spPr>
-        <p:style>
-          <a:lnRef idx="1">
-            <a:schemeClr val="accent3"/>
-          </a:lnRef>
-          <a:fillRef idx="2">
-            <a:schemeClr val="accent3"/>
-          </a:fillRef>
-          <a:effectRef idx="1">
-            <a:schemeClr val="accent3"/>
-          </a:effectRef>
-          <a:fontRef idx="minor">
-            <a:schemeClr val="dk1"/>
-          </a:fontRef>
-        </p:style>
-        <p:txBody>
-          <a:bodyPr rot="0" spcFirstLastPara="0" vertOverflow="overflow" horzOverflow="overflow" vert="horz" wrap="none" lIns="91440" tIns="45720" rIns="91440" bIns="45720" numCol="1" spcCol="0" rtlCol="0" fromWordArt="0" anchor="ctr" anchorCtr="0" forceAA="0" compatLnSpc="1">
-            <a:prstTxWarp prst="textNoShape">
-              <a:avLst/>
-            </a:prstTxWarp>
-            <a:noAutofit/>
-          </a:bodyPr>
-          <a:lstStyle/>
-          <a:p>
-            <a:pPr algn="ctr"/>
-            <a:r>
-              <a:rPr kumimoji="1" lang="ja-JP" altLang="en-US" dirty="0">
-                <a:solidFill>
-                  <a:schemeClr val="tx1">
-                    <a:lumMod val="75000"/>
-                    <a:lumOff val="25000"/>
-                  </a:schemeClr>
-                </a:solidFill>
-                <a:latin typeface="+mn-ea"/>
-              </a:rPr>
-              <a:t>提案１</a:t>
-            </a:r>
-          </a:p>
-        </p:txBody>
-      </p:sp>
-      <p:sp>
-        <p:nvSpPr>
-          <p:cNvPr id="13" name="四角形: 角を丸くする 12">
-            <a:extLst>
-              <a:ext uri="{FF2B5EF4-FFF2-40B4-BE49-F238E27FC236}">
-                <a16:creationId xmlns:a16="http://schemas.microsoft.com/office/drawing/2014/main" id="{5E8EA23F-38D9-7A84-7214-0A900EB79ACC}"/>
-              </a:ext>
-            </a:extLst>
-          </p:cNvPr>
-          <p:cNvSpPr/>
-          <p:nvPr/>
-        </p:nvSpPr>
-        <p:spPr bwMode="auto">
-          <a:xfrm>
-            <a:off x="8042274" y="2708992"/>
-            <a:ext cx="990000" cy="360004"/>
-          </a:xfrm>
-          <a:prstGeom prst="roundRect">
-            <a:avLst/>
-          </a:prstGeom>
-          <a:ln>
-            <a:headEnd/>
-            <a:tailEnd type="triangle" w="sm" len="med"/>
-          </a:ln>
-        </p:spPr>
-        <p:style>
-          <a:lnRef idx="1">
-            <a:schemeClr val="accent3"/>
-          </a:lnRef>
-          <a:fillRef idx="2">
-            <a:schemeClr val="accent3"/>
-          </a:fillRef>
-          <a:effectRef idx="1">
-            <a:schemeClr val="accent3"/>
-          </a:effectRef>
-          <a:fontRef idx="minor">
-            <a:schemeClr val="dk1"/>
-          </a:fontRef>
-        </p:style>
-        <p:txBody>
-          <a:bodyPr rot="0" spcFirstLastPara="0" vertOverflow="overflow" horzOverflow="overflow" vert="horz" wrap="none" lIns="91440" tIns="45720" rIns="91440" bIns="45720" numCol="1" spcCol="0" rtlCol="0" fromWordArt="0" anchor="ctr" anchorCtr="0" forceAA="0" compatLnSpc="1">
-            <a:prstTxWarp prst="textNoShape">
-              <a:avLst/>
-            </a:prstTxWarp>
-            <a:noAutofit/>
-          </a:bodyPr>
-          <a:lstStyle/>
-          <a:p>
-            <a:pPr algn="ctr"/>
-            <a:r>
-              <a:rPr kumimoji="1" lang="ja-JP" altLang="en-US" dirty="0">
-                <a:solidFill>
-                  <a:schemeClr val="tx1">
-                    <a:lumMod val="75000"/>
-                    <a:lumOff val="25000"/>
-                  </a:schemeClr>
-                </a:solidFill>
-                <a:latin typeface="+mn-ea"/>
-              </a:rPr>
-              <a:t>提案２</a:t>
-            </a:r>
-          </a:p>
-        </p:txBody>
-      </p:sp>
-      <p:sp>
-        <p:nvSpPr>
-          <p:cNvPr id="14" name="四角形: 角を丸くする 13">
-            <a:extLst>
-              <a:ext uri="{FF2B5EF4-FFF2-40B4-BE49-F238E27FC236}">
-                <a16:creationId xmlns:a16="http://schemas.microsoft.com/office/drawing/2014/main" id="{205B21BA-1915-A50D-7424-F842FAA5D522}"/>
-              </a:ext>
-            </a:extLst>
-          </p:cNvPr>
-          <p:cNvSpPr/>
-          <p:nvPr/>
-        </p:nvSpPr>
-        <p:spPr bwMode="auto">
-          <a:xfrm>
-            <a:off x="2642214" y="2708992"/>
-            <a:ext cx="990000" cy="360004"/>
-          </a:xfrm>
-          <a:prstGeom prst="roundRect">
-            <a:avLst/>
-          </a:prstGeom>
-          <a:ln>
-            <a:headEnd/>
-            <a:tailEnd type="triangle" w="sm" len="med"/>
-          </a:ln>
-        </p:spPr>
-        <p:style>
-          <a:lnRef idx="1">
-            <a:schemeClr val="accent2"/>
-          </a:lnRef>
-          <a:fillRef idx="2">
-            <a:schemeClr val="accent2"/>
-          </a:fillRef>
-          <a:effectRef idx="1">
-            <a:schemeClr val="accent2"/>
-          </a:effectRef>
-          <a:fontRef idx="minor">
-            <a:schemeClr val="dk1"/>
-          </a:fontRef>
-        </p:style>
-        <p:txBody>
-          <a:bodyPr rot="0" spcFirstLastPara="0" vertOverflow="overflow" horzOverflow="overflow" vert="horz" wrap="none" lIns="91440" tIns="45720" rIns="91440" bIns="45720" numCol="1" spcCol="0" rtlCol="0" fromWordArt="0" anchor="ctr" anchorCtr="0" forceAA="0" compatLnSpc="1">
-            <a:prstTxWarp prst="textNoShape">
-              <a:avLst/>
-            </a:prstTxWarp>
-            <a:noAutofit/>
-          </a:bodyPr>
-          <a:lstStyle/>
-          <a:p>
-            <a:pPr algn="ctr"/>
-            <a:r>
-              <a:rPr kumimoji="1" lang="ja-JP" altLang="en-US" dirty="0">
-                <a:solidFill>
-                  <a:schemeClr val="tx1">
-                    <a:lumMod val="75000"/>
-                    <a:lumOff val="25000"/>
-                  </a:schemeClr>
-                </a:solidFill>
-                <a:latin typeface="+mn-ea"/>
-              </a:rPr>
-              <a:t>背景２</a:t>
-            </a:r>
-          </a:p>
-        </p:txBody>
-      </p:sp>
-      <p:cxnSp>
-        <p:nvCxnSpPr>
-          <p:cNvPr id="17" name="直線矢印コネクタ 16">
-            <a:extLst>
-              <a:ext uri="{FF2B5EF4-FFF2-40B4-BE49-F238E27FC236}">
-                <a16:creationId xmlns:a16="http://schemas.microsoft.com/office/drawing/2014/main" id="{2FC7AF24-5A95-7CAD-8ECE-8DE7773BB1D8}"/>
-              </a:ext>
-            </a:extLst>
-          </p:cNvPr>
-          <p:cNvCxnSpPr/>
-          <p:nvPr/>
-        </p:nvCxnSpPr>
-        <p:spPr bwMode="auto">
-          <a:xfrm>
-            <a:off x="5162242" y="1628980"/>
-            <a:ext cx="0" cy="360003"/>
-          </a:xfrm>
-          <a:prstGeom prst="straightConnector1">
-            <a:avLst/>
-          </a:prstGeom>
-          <a:noFill/>
-          <a:ln w="9525" cap="flat" cmpd="sng" algn="ctr">
-            <a:solidFill>
-              <a:schemeClr val="tx1">
-                <a:lumMod val="75000"/>
-                <a:lumOff val="25000"/>
-              </a:schemeClr>
-            </a:solidFill>
-            <a:prstDash val="solid"/>
-            <a:round/>
-            <a:headEnd type="none" w="med" len="med"/>
-            <a:tailEnd type="triangle"/>
-          </a:ln>
-          <a:effectLst/>
-        </p:spPr>
-      </p:cxnSp>
-      <p:cxnSp>
-        <p:nvCxnSpPr>
-          <p:cNvPr id="18" name="直線矢印コネクタ 17">
-            <a:extLst>
-              <a:ext uri="{FF2B5EF4-FFF2-40B4-BE49-F238E27FC236}">
-                <a16:creationId xmlns:a16="http://schemas.microsoft.com/office/drawing/2014/main" id="{6FD5B76A-C8CE-35ED-ECDC-66F278CC4DC7}"/>
-              </a:ext>
-            </a:extLst>
-          </p:cNvPr>
-          <p:cNvCxnSpPr>
-            <a:cxnSpLocks/>
-            <a:stCxn id="5" idx="2"/>
-            <a:endCxn id="6" idx="0"/>
-          </p:cNvCxnSpPr>
-          <p:nvPr/>
-        </p:nvCxnSpPr>
-        <p:spPr bwMode="auto">
-          <a:xfrm flipH="1">
-            <a:off x="2437094" y="1628980"/>
-            <a:ext cx="2725148" cy="360004"/>
-          </a:xfrm>
-          <a:prstGeom prst="straightConnector1">
-            <a:avLst/>
-          </a:prstGeom>
-          <a:noFill/>
-          <a:ln w="9525" cap="flat" cmpd="sng" algn="ctr">
-            <a:solidFill>
-              <a:schemeClr val="tx1">
-                <a:lumMod val="75000"/>
-                <a:lumOff val="25000"/>
-              </a:schemeClr>
-            </a:solidFill>
-            <a:prstDash val="solid"/>
-            <a:round/>
-            <a:headEnd type="none" w="med" len="med"/>
-            <a:tailEnd type="triangle"/>
-          </a:ln>
-          <a:effectLst/>
-        </p:spPr>
-      </p:cxnSp>
-      <p:cxnSp>
-        <p:nvCxnSpPr>
-          <p:cNvPr id="21" name="直線矢印コネクタ 20">
-            <a:extLst>
-              <a:ext uri="{FF2B5EF4-FFF2-40B4-BE49-F238E27FC236}">
-                <a16:creationId xmlns:a16="http://schemas.microsoft.com/office/drawing/2014/main" id="{0425EBCC-6E96-297F-1981-7064E477A567}"/>
-              </a:ext>
-            </a:extLst>
-          </p:cNvPr>
-          <p:cNvCxnSpPr>
-            <a:cxnSpLocks/>
-            <a:stCxn id="5" idx="2"/>
-            <a:endCxn id="8" idx="0"/>
-          </p:cNvCxnSpPr>
-          <p:nvPr/>
-        </p:nvCxnSpPr>
-        <p:spPr bwMode="auto">
-          <a:xfrm>
-            <a:off x="5162242" y="1628980"/>
-            <a:ext cx="2700030" cy="360004"/>
-          </a:xfrm>
-          <a:prstGeom prst="straightConnector1">
-            <a:avLst/>
-          </a:prstGeom>
-          <a:noFill/>
-          <a:ln w="9525" cap="flat" cmpd="sng" algn="ctr">
-            <a:solidFill>
-              <a:schemeClr val="tx1">
-                <a:lumMod val="75000"/>
-                <a:lumOff val="25000"/>
-              </a:schemeClr>
-            </a:solidFill>
-            <a:prstDash val="solid"/>
-            <a:round/>
-            <a:headEnd type="none" w="med" len="med"/>
-            <a:tailEnd type="triangle"/>
-          </a:ln>
-          <a:effectLst/>
-        </p:spPr>
-      </p:cxnSp>
-      <p:cxnSp>
-        <p:nvCxnSpPr>
-          <p:cNvPr id="24" name="直線矢印コネクタ 23">
-            <a:extLst>
-              <a:ext uri="{FF2B5EF4-FFF2-40B4-BE49-F238E27FC236}">
-                <a16:creationId xmlns:a16="http://schemas.microsoft.com/office/drawing/2014/main" id="{E7CC3F3A-DB7F-4591-190A-56AD3B24EE0B}"/>
-              </a:ext>
-            </a:extLst>
-          </p:cNvPr>
-          <p:cNvCxnSpPr>
-            <a:cxnSpLocks/>
-            <a:stCxn id="6" idx="2"/>
-            <a:endCxn id="9" idx="0"/>
-          </p:cNvCxnSpPr>
-          <p:nvPr/>
-        </p:nvCxnSpPr>
-        <p:spPr bwMode="auto">
-          <a:xfrm flipH="1">
-            <a:off x="1787199" y="2348988"/>
-            <a:ext cx="649895" cy="360004"/>
-          </a:xfrm>
-          <a:prstGeom prst="straightConnector1">
-            <a:avLst/>
-          </a:prstGeom>
-          <a:noFill/>
-          <a:ln w="9525" cap="flat" cmpd="sng" algn="ctr">
-            <a:solidFill>
-              <a:schemeClr val="tx1">
-                <a:lumMod val="75000"/>
-                <a:lumOff val="25000"/>
-              </a:schemeClr>
-            </a:solidFill>
-            <a:prstDash val="solid"/>
-            <a:round/>
-            <a:headEnd type="none" w="med" len="med"/>
-            <a:tailEnd type="triangle"/>
-          </a:ln>
-          <a:effectLst/>
-        </p:spPr>
-      </p:cxnSp>
-      <p:cxnSp>
-        <p:nvCxnSpPr>
-          <p:cNvPr id="26" name="直線矢印コネクタ 25">
-            <a:extLst>
-              <a:ext uri="{FF2B5EF4-FFF2-40B4-BE49-F238E27FC236}">
-                <a16:creationId xmlns:a16="http://schemas.microsoft.com/office/drawing/2014/main" id="{F42B04D7-592A-6183-C36F-02F533BF5CF5}"/>
-              </a:ext>
-            </a:extLst>
-          </p:cNvPr>
-          <p:cNvCxnSpPr>
-            <a:cxnSpLocks/>
-            <a:stCxn id="6" idx="2"/>
-            <a:endCxn id="14" idx="0"/>
-          </p:cNvCxnSpPr>
-          <p:nvPr/>
-        </p:nvCxnSpPr>
-        <p:spPr bwMode="auto">
-          <a:xfrm>
-            <a:off x="2437094" y="2348988"/>
-            <a:ext cx="700120" cy="360004"/>
-          </a:xfrm>
-          <a:prstGeom prst="straightConnector1">
-            <a:avLst/>
-          </a:prstGeom>
-          <a:noFill/>
-          <a:ln w="9525" cap="flat" cmpd="sng" algn="ctr">
-            <a:solidFill>
-              <a:schemeClr val="tx1">
-                <a:lumMod val="75000"/>
-                <a:lumOff val="25000"/>
-              </a:schemeClr>
-            </a:solidFill>
-            <a:prstDash val="solid"/>
-            <a:round/>
-            <a:headEnd type="none" w="med" len="med"/>
-            <a:tailEnd type="triangle"/>
-          </a:ln>
-          <a:effectLst/>
-        </p:spPr>
-      </p:cxnSp>
-      <p:cxnSp>
-        <p:nvCxnSpPr>
-          <p:cNvPr id="29" name="直線矢印コネクタ 28">
-            <a:extLst>
-              <a:ext uri="{FF2B5EF4-FFF2-40B4-BE49-F238E27FC236}">
-                <a16:creationId xmlns:a16="http://schemas.microsoft.com/office/drawing/2014/main" id="{63A42914-3B9C-2617-A1F3-C2918EC57146}"/>
-              </a:ext>
-            </a:extLst>
-          </p:cNvPr>
-          <p:cNvCxnSpPr>
-            <a:cxnSpLocks/>
-            <a:endCxn id="11" idx="0"/>
-          </p:cNvCxnSpPr>
-          <p:nvPr/>
-        </p:nvCxnSpPr>
-        <p:spPr bwMode="auto">
-          <a:xfrm>
-            <a:off x="5162242" y="2348988"/>
-            <a:ext cx="675002" cy="360004"/>
-          </a:xfrm>
-          <a:prstGeom prst="straightConnector1">
-            <a:avLst/>
-          </a:prstGeom>
-          <a:noFill/>
-          <a:ln w="9525" cap="flat" cmpd="sng" algn="ctr">
-            <a:solidFill>
-              <a:schemeClr val="tx1">
-                <a:lumMod val="75000"/>
-                <a:lumOff val="25000"/>
-              </a:schemeClr>
-            </a:solidFill>
-            <a:prstDash val="solid"/>
-            <a:round/>
-            <a:headEnd type="none" w="med" len="med"/>
-            <a:tailEnd type="triangle"/>
-          </a:ln>
-          <a:effectLst/>
-        </p:spPr>
-      </p:cxnSp>
-      <p:cxnSp>
-        <p:nvCxnSpPr>
-          <p:cNvPr id="30" name="直線矢印コネクタ 29">
-            <a:extLst>
-              <a:ext uri="{FF2B5EF4-FFF2-40B4-BE49-F238E27FC236}">
-                <a16:creationId xmlns:a16="http://schemas.microsoft.com/office/drawing/2014/main" id="{16887226-34ED-BE47-8D2F-88F00D308F5F}"/>
-              </a:ext>
-            </a:extLst>
-          </p:cNvPr>
-          <p:cNvCxnSpPr>
-            <a:cxnSpLocks/>
-            <a:stCxn id="7" idx="2"/>
-            <a:endCxn id="10" idx="0"/>
-          </p:cNvCxnSpPr>
-          <p:nvPr/>
-        </p:nvCxnSpPr>
-        <p:spPr bwMode="auto">
-          <a:xfrm flipH="1">
-            <a:off x="4487229" y="2348988"/>
-            <a:ext cx="675013" cy="360004"/>
-          </a:xfrm>
-          <a:prstGeom prst="straightConnector1">
-            <a:avLst/>
-          </a:prstGeom>
-          <a:noFill/>
-          <a:ln w="9525" cap="flat" cmpd="sng" algn="ctr">
-            <a:solidFill>
-              <a:schemeClr val="tx1">
-                <a:lumMod val="75000"/>
-                <a:lumOff val="25000"/>
-              </a:schemeClr>
-            </a:solidFill>
-            <a:prstDash val="solid"/>
-            <a:round/>
-            <a:headEnd type="none" w="med" len="med"/>
-            <a:tailEnd type="triangle"/>
-          </a:ln>
-          <a:effectLst/>
-        </p:spPr>
-      </p:cxnSp>
-      <p:cxnSp>
-        <p:nvCxnSpPr>
-          <p:cNvPr id="33" name="直線矢印コネクタ 32">
-            <a:extLst>
-              <a:ext uri="{FF2B5EF4-FFF2-40B4-BE49-F238E27FC236}">
-                <a16:creationId xmlns:a16="http://schemas.microsoft.com/office/drawing/2014/main" id="{26EF2CBA-DD21-A3A6-D377-F872E60E28EE}"/>
-              </a:ext>
-            </a:extLst>
-          </p:cNvPr>
-          <p:cNvCxnSpPr>
-            <a:cxnSpLocks/>
-            <a:endCxn id="13" idx="0"/>
-          </p:cNvCxnSpPr>
-          <p:nvPr/>
-        </p:nvCxnSpPr>
-        <p:spPr bwMode="auto">
-          <a:xfrm>
-            <a:off x="7862272" y="2348988"/>
-            <a:ext cx="675002" cy="360004"/>
-          </a:xfrm>
-          <a:prstGeom prst="straightConnector1">
-            <a:avLst/>
-          </a:prstGeom>
-          <a:noFill/>
-          <a:ln w="9525" cap="flat" cmpd="sng" algn="ctr">
-            <a:solidFill>
-              <a:schemeClr val="tx1">
-                <a:lumMod val="75000"/>
-                <a:lumOff val="25000"/>
-              </a:schemeClr>
-            </a:solidFill>
-            <a:prstDash val="solid"/>
-            <a:round/>
-            <a:headEnd type="none" w="med" len="med"/>
-            <a:tailEnd type="triangle"/>
-          </a:ln>
-          <a:effectLst/>
-        </p:spPr>
-      </p:cxnSp>
-      <p:cxnSp>
-        <p:nvCxnSpPr>
-          <p:cNvPr id="34" name="直線矢印コネクタ 33">
-            <a:extLst>
-              <a:ext uri="{FF2B5EF4-FFF2-40B4-BE49-F238E27FC236}">
-                <a16:creationId xmlns:a16="http://schemas.microsoft.com/office/drawing/2014/main" id="{F11ECC10-B78B-633C-4329-B401A2A37DA9}"/>
-              </a:ext>
-            </a:extLst>
-          </p:cNvPr>
-          <p:cNvCxnSpPr>
-            <a:cxnSpLocks/>
-            <a:endCxn id="12" idx="0"/>
-          </p:cNvCxnSpPr>
-          <p:nvPr/>
-        </p:nvCxnSpPr>
-        <p:spPr bwMode="auto">
-          <a:xfrm flipH="1">
-            <a:off x="7187259" y="2348988"/>
-            <a:ext cx="675013" cy="360004"/>
-          </a:xfrm>
-          <a:prstGeom prst="straightConnector1">
-            <a:avLst/>
-          </a:prstGeom>
-          <a:noFill/>
-          <a:ln w="9525" cap="flat" cmpd="sng" algn="ctr">
-            <a:solidFill>
-              <a:schemeClr val="tx1">
-                <a:lumMod val="75000"/>
-                <a:lumOff val="25000"/>
-              </a:schemeClr>
-            </a:solidFill>
-            <a:prstDash val="solid"/>
-            <a:round/>
-            <a:headEnd type="none" w="med" len="med"/>
-            <a:tailEnd type="triangle"/>
-          </a:ln>
-          <a:effectLst/>
-        </p:spPr>
-      </p:cxnSp>
-      <p:sp>
-        <p:nvSpPr>
-          <p:cNvPr id="72" name="四角形: 角を丸くする 71">
-            <a:extLst>
-              <a:ext uri="{FF2B5EF4-FFF2-40B4-BE49-F238E27FC236}">
-                <a16:creationId xmlns:a16="http://schemas.microsoft.com/office/drawing/2014/main" id="{63000EB3-B894-2C65-1FF7-C66E94FE5DA2}"/>
-              </a:ext>
-            </a:extLst>
-          </p:cNvPr>
-          <p:cNvSpPr/>
-          <p:nvPr/>
-        </p:nvSpPr>
-        <p:spPr bwMode="auto">
-          <a:xfrm>
-            <a:off x="0" y="1988984"/>
-            <a:ext cx="1080012" cy="360004"/>
-          </a:xfrm>
-          <a:prstGeom prst="roundRect">
-            <a:avLst/>
-          </a:prstGeom>
-          <a:noFill/>
-          <a:ln>
-            <a:noFill/>
-            <a:headEnd/>
-            <a:tailEnd type="triangle" w="sm" len="med"/>
-          </a:ln>
-          <a:effectLst/>
-        </p:spPr>
-        <p:style>
-          <a:lnRef idx="1">
-            <a:schemeClr val="accent2"/>
-          </a:lnRef>
-          <a:fillRef idx="2">
-            <a:schemeClr val="accent2"/>
-          </a:fillRef>
-          <a:effectRef idx="1">
-            <a:schemeClr val="accent2"/>
-          </a:effectRef>
-          <a:fontRef idx="minor">
-            <a:schemeClr val="dk1"/>
-          </a:fontRef>
-        </p:style>
-        <p:txBody>
-          <a:bodyPr rot="0" spcFirstLastPara="0" vertOverflow="overflow" horzOverflow="overflow" vert="horz" wrap="none" lIns="91440" tIns="45720" rIns="91440" bIns="45720" numCol="1" spcCol="0" rtlCol="0" fromWordArt="0" anchor="ctr" anchorCtr="0" forceAA="0" compatLnSpc="1">
-            <a:prstTxWarp prst="textNoShape">
-              <a:avLst/>
-            </a:prstTxWarp>
-            <a:noAutofit/>
-          </a:bodyPr>
-          <a:lstStyle/>
-          <a:p>
-            <a:pPr algn="ctr"/>
-            <a:r>
-              <a:rPr kumimoji="1" lang="ja-JP" altLang="en-US" dirty="0">
-                <a:solidFill>
-                  <a:schemeClr val="tx1">
-                    <a:lumMod val="75000"/>
-                    <a:lumOff val="25000"/>
-                  </a:schemeClr>
-                </a:solidFill>
-                <a:latin typeface="+mn-ea"/>
-              </a:rPr>
-              <a:t>３点</a:t>
-            </a:r>
-          </a:p>
-        </p:txBody>
-      </p:sp>
-      <p:sp>
-        <p:nvSpPr>
-          <p:cNvPr id="73" name="四角形: 角を丸くする 72">
-            <a:extLst>
-              <a:ext uri="{FF2B5EF4-FFF2-40B4-BE49-F238E27FC236}">
-                <a16:creationId xmlns:a16="http://schemas.microsoft.com/office/drawing/2014/main" id="{64954E3A-4D67-EDA9-C3B4-3554BCE86956}"/>
-              </a:ext>
-            </a:extLst>
-          </p:cNvPr>
-          <p:cNvSpPr/>
-          <p:nvPr/>
-        </p:nvSpPr>
-        <p:spPr bwMode="auto">
-          <a:xfrm>
-            <a:off x="32185" y="2708992"/>
-            <a:ext cx="1080012" cy="360004"/>
-          </a:xfrm>
-          <a:prstGeom prst="roundRect">
-            <a:avLst/>
-          </a:prstGeom>
-          <a:noFill/>
-          <a:ln>
-            <a:noFill/>
-            <a:headEnd/>
-            <a:tailEnd type="triangle" w="sm" len="med"/>
-          </a:ln>
-          <a:effectLst/>
-        </p:spPr>
-        <p:style>
-          <a:lnRef idx="1">
-            <a:schemeClr val="accent2"/>
-          </a:lnRef>
-          <a:fillRef idx="2">
-            <a:schemeClr val="accent2"/>
-          </a:fillRef>
-          <a:effectRef idx="1">
-            <a:schemeClr val="accent2"/>
-          </a:effectRef>
-          <a:fontRef idx="minor">
-            <a:schemeClr val="dk1"/>
-          </a:fontRef>
-        </p:style>
-        <p:txBody>
-          <a:bodyPr rot="0" spcFirstLastPara="0" vertOverflow="overflow" horzOverflow="overflow" vert="horz" wrap="none" lIns="91440" tIns="45720" rIns="91440" bIns="45720" numCol="1" spcCol="0" rtlCol="0" fromWordArt="0" anchor="ctr" anchorCtr="0" forceAA="0" compatLnSpc="1">
-            <a:prstTxWarp prst="textNoShape">
-              <a:avLst/>
-            </a:prstTxWarp>
-            <a:noAutofit/>
-          </a:bodyPr>
-          <a:lstStyle/>
-          <a:p>
-            <a:pPr algn="ctr"/>
-            <a:r>
-              <a:rPr lang="ja-JP" altLang="en-US" dirty="0">
-                <a:solidFill>
-                  <a:schemeClr val="tx1">
-                    <a:lumMod val="75000"/>
-                    <a:lumOff val="25000"/>
-                  </a:schemeClr>
-                </a:solidFill>
-                <a:latin typeface="+mn-ea"/>
-              </a:rPr>
-              <a:t>イントロ</a:t>
-            </a:r>
-            <a:endParaRPr kumimoji="1" lang="ja-JP" altLang="en-US" dirty="0">
-              <a:solidFill>
-                <a:schemeClr val="tx1">
-                  <a:lumMod val="75000"/>
-                  <a:lumOff val="25000"/>
-                </a:schemeClr>
-              </a:solidFill>
-              <a:latin typeface="+mn-ea"/>
-            </a:endParaRPr>
+          <a:p>
+            <a:r>
+              <a:rPr kumimoji="1" lang="ja-JP" altLang="en-US" dirty="0"/>
+              <a:t>主張全体を論理的なツリーとして表した際のルートにあたる</a:t>
+            </a:r>
+            <a:endParaRPr kumimoji="1" lang="en-US" altLang="ja-JP" dirty="0"/>
+          </a:p>
+          <a:p>
+            <a:pPr lvl="1"/>
+            <a:r>
+              <a:rPr kumimoji="1" lang="ja-JP" altLang="en-US" dirty="0"/>
+              <a:t>これをさらに短くまとめたものがタイトルになる</a:t>
+            </a:r>
           </a:p>
         </p:txBody>
       </p:sp>
     </p:spTree>
     <p:extLst>
       <p:ext uri="{BB962C8B-B14F-4D97-AF65-F5344CB8AC3E}">
-        <p14:creationId xmlns:p14="http://schemas.microsoft.com/office/powerpoint/2010/main" val="357553926"/>
+        <p14:creationId xmlns:p14="http://schemas.microsoft.com/office/powerpoint/2010/main" val="3839336830"/>
       </p:ext>
     </p:extLst>
   </p:cSld>
@@ -12606,6 +11809,1611 @@
           <p:cNvPr id="2" name="タイトル 1">
             <a:extLst>
               <a:ext uri="{FF2B5EF4-FFF2-40B4-BE49-F238E27FC236}">
+                <a16:creationId xmlns:a16="http://schemas.microsoft.com/office/drawing/2014/main" id="{D4345327-D154-8FE3-0EEE-96EFAAA82DEF}"/>
+              </a:ext>
+            </a:extLst>
+          </p:cNvPr>
+          <p:cNvSpPr>
+            <a:spLocks noGrp="1"/>
+          </p:cNvSpPr>
+          <p:nvPr>
+            <p:ph type="title"/>
+          </p:nvPr>
+        </p:nvSpPr>
+        <p:spPr/>
+        <p:txBody>
+          <a:bodyPr/>
+          <a:lstStyle/>
+          <a:p>
+            <a:r>
+              <a:rPr kumimoji="1" lang="ja-JP" altLang="en-US" dirty="0"/>
+              <a:t>３点プロットと目標規定文の関係</a:t>
+            </a:r>
+          </a:p>
+        </p:txBody>
+      </p:sp>
+      <p:sp>
+        <p:nvSpPr>
+          <p:cNvPr id="3" name="テキスト プレースホルダー 2">
+            <a:extLst>
+              <a:ext uri="{FF2B5EF4-FFF2-40B4-BE49-F238E27FC236}">
+                <a16:creationId xmlns:a16="http://schemas.microsoft.com/office/drawing/2014/main" id="{FF0B682A-46CB-4093-1B0E-581FD7CB3A90}"/>
+              </a:ext>
+            </a:extLst>
+          </p:cNvPr>
+          <p:cNvSpPr>
+            <a:spLocks noGrp="1"/>
+          </p:cNvSpPr>
+          <p:nvPr>
+            <p:ph type="body" sz="quarter" idx="10"/>
+          </p:nvPr>
+        </p:nvSpPr>
+        <p:spPr/>
+        <p:txBody>
+          <a:bodyPr/>
+          <a:lstStyle/>
+          <a:p>
+            <a:r>
+              <a:rPr kumimoji="1" lang="ja-JP" altLang="en-US" dirty="0"/>
+              <a:t>作り方：</a:t>
+            </a:r>
+            <a:endParaRPr kumimoji="1" lang="en-US" altLang="ja-JP" dirty="0"/>
+          </a:p>
+          <a:p>
+            <a:pPr lvl="1"/>
+            <a:r>
+              <a:rPr kumimoji="1" lang="ja-JP" altLang="en-US" dirty="0"/>
+              <a:t>３点プロットが出来たら，そこからさらに真に重要な項目を抽出</a:t>
+            </a:r>
+            <a:endParaRPr kumimoji="1" lang="en-US" altLang="ja-JP" dirty="0"/>
+          </a:p>
+          <a:p>
+            <a:pPr lvl="1"/>
+            <a:r>
+              <a:rPr kumimoji="1" lang="ja-JP" altLang="en-US" dirty="0"/>
+              <a:t>それらを繋げて目標規定文にする</a:t>
+            </a:r>
+            <a:endParaRPr kumimoji="1" lang="en-US" altLang="ja-JP" dirty="0"/>
+          </a:p>
+        </p:txBody>
+      </p:sp>
+    </p:spTree>
+    <p:extLst>
+      <p:ext uri="{BB962C8B-B14F-4D97-AF65-F5344CB8AC3E}">
+        <p14:creationId xmlns:p14="http://schemas.microsoft.com/office/powerpoint/2010/main" val="1730200020"/>
+      </p:ext>
+    </p:extLst>
+  </p:cSld>
+  <p:clrMapOvr>
+    <a:masterClrMapping/>
+  </p:clrMapOvr>
+  <mc:AlternateContent xmlns:mc="http://schemas.openxmlformats.org/markup-compatibility/2006" xmlns:p14="http://schemas.microsoft.com/office/powerpoint/2010/main">
+    <mc:Choice Requires="p14">
+      <p:transition p14:dur="10"/>
+    </mc:Choice>
+    <mc:Fallback xmlns="">
+      <p:transition/>
+    </mc:Fallback>
+  </mc:AlternateContent>
+</p:sld>
+</file>
+
+<file path=ppt/slides/slide41.xml><?xml version="1.0" encoding="utf-8"?>
+<p:sld xmlns:a="http://schemas.openxmlformats.org/drawingml/2006/main" xmlns:r="http://schemas.openxmlformats.org/officeDocument/2006/relationships" xmlns:p="http://schemas.openxmlformats.org/presentationml/2006/main">
+  <p:cSld>
+    <p:spTree>
+      <p:nvGrpSpPr>
+        <p:cNvPr id="1" name=""/>
+        <p:cNvGrpSpPr/>
+        <p:nvPr/>
+      </p:nvGrpSpPr>
+      <p:grpSpPr>
+        <a:xfrm>
+          <a:off x="0" y="0"/>
+          <a:ext cx="0" cy="0"/>
+          <a:chOff x="0" y="0"/>
+          <a:chExt cx="0" cy="0"/>
+        </a:xfrm>
+      </p:grpSpPr>
+      <p:sp>
+        <p:nvSpPr>
+          <p:cNvPr id="4" name="タイトル 3">
+            <a:extLst>
+              <a:ext uri="{FF2B5EF4-FFF2-40B4-BE49-F238E27FC236}">
+                <a16:creationId xmlns:a16="http://schemas.microsoft.com/office/drawing/2014/main" id="{84F42E09-269D-6700-69C9-4DCC825C99A7}"/>
+              </a:ext>
+            </a:extLst>
+          </p:cNvPr>
+          <p:cNvSpPr>
+            <a:spLocks noGrp="1"/>
+          </p:cNvSpPr>
+          <p:nvPr>
+            <p:ph type="title"/>
+          </p:nvPr>
+        </p:nvSpPr>
+        <p:spPr/>
+        <p:txBody>
+          <a:bodyPr/>
+          <a:lstStyle/>
+          <a:p>
+            <a:r>
+              <a:rPr lang="ja-JP" altLang="en-US" b="1" dirty="0"/>
+              <a:t>イントロプロット</a:t>
+            </a:r>
+          </a:p>
+        </p:txBody>
+      </p:sp>
+    </p:spTree>
+    <p:extLst>
+      <p:ext uri="{BB962C8B-B14F-4D97-AF65-F5344CB8AC3E}">
+        <p14:creationId xmlns:p14="http://schemas.microsoft.com/office/powerpoint/2010/main" val="1393778451"/>
+      </p:ext>
+    </p:extLst>
+  </p:cSld>
+  <p:clrMapOvr>
+    <a:masterClrMapping/>
+  </p:clrMapOvr>
+</p:sld>
+</file>
+
+<file path=ppt/slides/slide42.xml><?xml version="1.0" encoding="utf-8"?>
+<p:sld xmlns:a="http://schemas.openxmlformats.org/drawingml/2006/main" xmlns:r="http://schemas.openxmlformats.org/officeDocument/2006/relationships" xmlns:p="http://schemas.openxmlformats.org/presentationml/2006/main">
+  <p:cSld>
+    <p:spTree>
+      <p:nvGrpSpPr>
+        <p:cNvPr id="1" name=""/>
+        <p:cNvGrpSpPr/>
+        <p:nvPr/>
+      </p:nvGrpSpPr>
+      <p:grpSpPr>
+        <a:xfrm>
+          <a:off x="0" y="0"/>
+          <a:ext cx="0" cy="0"/>
+          <a:chOff x="0" y="0"/>
+          <a:chExt cx="0" cy="0"/>
+        </a:xfrm>
+      </p:grpSpPr>
+      <p:sp>
+        <p:nvSpPr>
+          <p:cNvPr id="4" name="タイトル 3">
+            <a:extLst>
+              <a:ext uri="{FF2B5EF4-FFF2-40B4-BE49-F238E27FC236}">
+                <a16:creationId xmlns:a16="http://schemas.microsoft.com/office/drawing/2014/main" id="{2C10D4AA-048C-67DA-1625-6F8D77C161AF}"/>
+              </a:ext>
+            </a:extLst>
+          </p:cNvPr>
+          <p:cNvSpPr>
+            <a:spLocks noGrp="1"/>
+          </p:cNvSpPr>
+          <p:nvPr>
+            <p:ph type="title"/>
+          </p:nvPr>
+        </p:nvSpPr>
+        <p:spPr/>
+        <p:txBody>
+          <a:bodyPr/>
+          <a:lstStyle/>
+          <a:p>
+            <a:r>
+              <a:rPr lang="ja-JP" altLang="en-US" dirty="0"/>
+              <a:t>イントロプロット</a:t>
+            </a:r>
+          </a:p>
+        </p:txBody>
+      </p:sp>
+      <p:sp>
+        <p:nvSpPr>
+          <p:cNvPr id="5" name="テキスト プレースホルダー 4">
+            <a:extLst>
+              <a:ext uri="{FF2B5EF4-FFF2-40B4-BE49-F238E27FC236}">
+                <a16:creationId xmlns:a16="http://schemas.microsoft.com/office/drawing/2014/main" id="{A0D92A2D-1570-9CE4-B7FF-F750001C61B8}"/>
+              </a:ext>
+            </a:extLst>
+          </p:cNvPr>
+          <p:cNvSpPr>
+            <a:spLocks noGrp="1"/>
+          </p:cNvSpPr>
+          <p:nvPr>
+            <p:ph type="body" sz="quarter" idx="10"/>
+          </p:nvPr>
+        </p:nvSpPr>
+        <p:spPr/>
+        <p:txBody>
+          <a:bodyPr/>
+          <a:lstStyle/>
+          <a:p>
+            <a:r>
+              <a:rPr lang="ja-JP" altLang="en-US" dirty="0"/>
+              <a:t>イントロプロットはイントロを書く際に作る</a:t>
+            </a:r>
+            <a:endParaRPr lang="en-US" altLang="ja-JP" dirty="0"/>
+          </a:p>
+          <a:p>
+            <a:pPr lvl="1"/>
+            <a:r>
+              <a:rPr lang="ja-JP" altLang="en-US" dirty="0"/>
+              <a:t>論文のイントロは典型的には</a:t>
+            </a:r>
+            <a:r>
+              <a:rPr lang="ja-JP" altLang="en-US" dirty="0">
+                <a:solidFill>
+                  <a:schemeClr val="accent5"/>
+                </a:solidFill>
+              </a:rPr>
+              <a:t>６パラグラフ前後</a:t>
+            </a:r>
+            <a:endParaRPr lang="en-US" altLang="ja-JP" dirty="0">
+              <a:solidFill>
+                <a:schemeClr val="accent5"/>
+              </a:solidFill>
+            </a:endParaRPr>
+          </a:p>
+          <a:p>
+            <a:r>
+              <a:rPr lang="ja-JP" altLang="en-US" dirty="0"/>
+              <a:t>これに対応する</a:t>
+            </a:r>
+            <a:r>
+              <a:rPr lang="ja-JP" altLang="en-US" dirty="0">
+                <a:solidFill>
+                  <a:schemeClr val="accent5"/>
+                </a:solidFill>
+              </a:rPr>
+              <a:t>６点程度の項目</a:t>
+            </a:r>
+            <a:r>
+              <a:rPr lang="ja-JP" altLang="en-US" dirty="0"/>
+              <a:t>からなるプロットを作る</a:t>
+            </a:r>
+            <a:endParaRPr lang="en-US" altLang="ja-JP" dirty="0">
+              <a:solidFill>
+                <a:schemeClr val="accent5"/>
+              </a:solidFill>
+            </a:endParaRPr>
+          </a:p>
+          <a:p>
+            <a:pPr lvl="1"/>
+            <a:r>
+              <a:rPr lang="ja-JP" altLang="en-US" dirty="0"/>
+              <a:t>各パラグラフで何を話すかをまとめる</a:t>
+            </a:r>
+            <a:endParaRPr lang="en-US" altLang="ja-JP" dirty="0"/>
+          </a:p>
+          <a:p>
+            <a:pPr lvl="1"/>
+            <a:r>
+              <a:rPr lang="ja-JP" altLang="en-US" dirty="0"/>
+              <a:t>各項目は各パラグラフのトピック・センテンスの内容に対応する</a:t>
+            </a:r>
+            <a:endParaRPr lang="en-US" altLang="ja-JP" dirty="0"/>
+          </a:p>
+          <a:p>
+            <a:pPr lvl="1"/>
+            <a:r>
+              <a:rPr lang="ja-JP" altLang="en-US" dirty="0"/>
+              <a:t>トピック・センテンスだけを繋げて読んでも意味が通るように</a:t>
+            </a:r>
+            <a:endParaRPr lang="en-US" altLang="ja-JP" dirty="0"/>
+          </a:p>
+          <a:p>
+            <a:r>
+              <a:rPr lang="ja-JP" altLang="en-US" dirty="0"/>
+              <a:t>イントロプロットも３点プロットから派生させて作る</a:t>
+            </a:r>
+            <a:endParaRPr lang="en-US" altLang="ja-JP" dirty="0"/>
+          </a:p>
+          <a:p>
+            <a:pPr lvl="1"/>
+            <a:r>
+              <a:rPr lang="ja-JP" altLang="en-US" dirty="0"/>
+              <a:t>３点プロットの各項目に，より詳細を肉付けしていく</a:t>
+            </a:r>
+            <a:endParaRPr lang="en-US" altLang="ja-JP" dirty="0"/>
+          </a:p>
+        </p:txBody>
+      </p:sp>
+    </p:spTree>
+    <p:extLst>
+      <p:ext uri="{BB962C8B-B14F-4D97-AF65-F5344CB8AC3E}">
+        <p14:creationId xmlns:p14="http://schemas.microsoft.com/office/powerpoint/2010/main" val="1796504870"/>
+      </p:ext>
+    </p:extLst>
+  </p:cSld>
+  <p:clrMapOvr>
+    <a:masterClrMapping/>
+  </p:clrMapOvr>
+  <mc:AlternateContent xmlns:mc="http://schemas.openxmlformats.org/markup-compatibility/2006" xmlns:p14="http://schemas.microsoft.com/office/powerpoint/2010/main">
+    <mc:Choice Requires="p14">
+      <p:transition p14:dur="10"/>
+    </mc:Choice>
+    <mc:Fallback xmlns="">
+      <p:transition/>
+    </mc:Fallback>
+  </mc:AlternateContent>
+</p:sld>
+</file>
+
+<file path=ppt/slides/slide43.xml><?xml version="1.0" encoding="utf-8"?>
+<p:sld xmlns:a="http://schemas.openxmlformats.org/drawingml/2006/main" xmlns:r="http://schemas.openxmlformats.org/officeDocument/2006/relationships" xmlns:p="http://schemas.openxmlformats.org/presentationml/2006/main">
+  <p:cSld>
+    <p:spTree>
+      <p:nvGrpSpPr>
+        <p:cNvPr id="1" name=""/>
+        <p:cNvGrpSpPr/>
+        <p:nvPr/>
+      </p:nvGrpSpPr>
+      <p:grpSpPr>
+        <a:xfrm>
+          <a:off x="0" y="0"/>
+          <a:ext cx="0" cy="0"/>
+          <a:chOff x="0" y="0"/>
+          <a:chExt cx="0" cy="0"/>
+        </a:xfrm>
+      </p:grpSpPr>
+      <p:sp>
+        <p:nvSpPr>
+          <p:cNvPr id="2" name="タイトル 1">
+            <a:extLst>
+              <a:ext uri="{FF2B5EF4-FFF2-40B4-BE49-F238E27FC236}">
+                <a16:creationId xmlns:a16="http://schemas.microsoft.com/office/drawing/2014/main" id="{18A42B14-CF0C-96E2-5CF7-6662DFA3735D}"/>
+              </a:ext>
+            </a:extLst>
+          </p:cNvPr>
+          <p:cNvSpPr>
+            <a:spLocks noGrp="1"/>
+          </p:cNvSpPr>
+          <p:nvPr>
+            <p:ph type="title"/>
+          </p:nvPr>
+        </p:nvSpPr>
+        <p:spPr/>
+        <p:txBody>
+          <a:bodyPr/>
+          <a:lstStyle/>
+          <a:p>
+            <a:r>
+              <a:rPr kumimoji="1" lang="ja-JP" altLang="en-US" dirty="0"/>
+              <a:t>詳細度と論理構造</a:t>
+            </a:r>
+          </a:p>
+        </p:txBody>
+      </p:sp>
+      <p:sp>
+        <p:nvSpPr>
+          <p:cNvPr id="3" name="テキスト プレースホルダー 2">
+            <a:extLst>
+              <a:ext uri="{FF2B5EF4-FFF2-40B4-BE49-F238E27FC236}">
+                <a16:creationId xmlns:a16="http://schemas.microsoft.com/office/drawing/2014/main" id="{AAB0013E-6128-536A-AD5E-A87E6DA3282A}"/>
+              </a:ext>
+            </a:extLst>
+          </p:cNvPr>
+          <p:cNvSpPr>
+            <a:spLocks noGrp="1"/>
+          </p:cNvSpPr>
+          <p:nvPr>
+            <p:ph type="body" sz="quarter" idx="10"/>
+          </p:nvPr>
+        </p:nvSpPr>
+        <p:spPr>
+          <a:xfrm>
+            <a:off x="611956" y="3429000"/>
+            <a:ext cx="8280092" cy="3059727"/>
+          </a:xfrm>
+        </p:spPr>
+        <p:txBody>
+          <a:bodyPr/>
+          <a:lstStyle/>
+          <a:p>
+            <a:r>
+              <a:rPr kumimoji="1" lang="ja-JP" altLang="en-US" dirty="0"/>
+              <a:t>ツリーの上下は説明の詳細度に対応している</a:t>
+            </a:r>
+            <a:endParaRPr kumimoji="1" lang="en-US" altLang="ja-JP" dirty="0"/>
+          </a:p>
+          <a:p>
+            <a:pPr lvl="1"/>
+            <a:r>
+              <a:rPr kumimoji="1" lang="ja-JP" altLang="en-US" dirty="0"/>
+              <a:t>上の階層は下の階層の要約になっている</a:t>
+            </a:r>
+            <a:endParaRPr kumimoji="1" lang="en-US" altLang="ja-JP" dirty="0"/>
+          </a:p>
+          <a:p>
+            <a:pPr lvl="1"/>
+            <a:r>
+              <a:rPr kumimoji="1" lang="ja-JP" altLang="en-US" dirty="0"/>
+              <a:t>下の階層は上の階層をより詳しく述べている</a:t>
+            </a:r>
+            <a:endParaRPr kumimoji="1" lang="en-US" altLang="ja-JP" dirty="0"/>
+          </a:p>
+          <a:p>
+            <a:r>
+              <a:rPr kumimoji="1" lang="ja-JP" altLang="en-US" dirty="0"/>
+              <a:t>３点プロットから初めて，論理ツリーの関係が保たれているかをチェックする</a:t>
+            </a:r>
+            <a:endParaRPr kumimoji="1" lang="en-US" altLang="ja-JP" dirty="0"/>
+          </a:p>
+        </p:txBody>
+      </p:sp>
+      <p:sp>
+        <p:nvSpPr>
+          <p:cNvPr id="5" name="四角形: 角を丸くする 4">
+            <a:extLst>
+              <a:ext uri="{FF2B5EF4-FFF2-40B4-BE49-F238E27FC236}">
+                <a16:creationId xmlns:a16="http://schemas.microsoft.com/office/drawing/2014/main" id="{A50DA5F5-C778-6B70-50A5-BDCCDC565AE9}"/>
+              </a:ext>
+            </a:extLst>
+          </p:cNvPr>
+          <p:cNvSpPr/>
+          <p:nvPr/>
+        </p:nvSpPr>
+        <p:spPr bwMode="auto">
+          <a:xfrm>
+            <a:off x="4442234" y="1268976"/>
+            <a:ext cx="1440015" cy="360004"/>
+          </a:xfrm>
+          <a:prstGeom prst="roundRect">
+            <a:avLst/>
+          </a:prstGeom>
+          <a:ln>
+            <a:headEnd/>
+            <a:tailEnd type="triangle" w="sm" len="med"/>
+          </a:ln>
+        </p:spPr>
+        <p:style>
+          <a:lnRef idx="1">
+            <a:schemeClr val="accent4"/>
+          </a:lnRef>
+          <a:fillRef idx="2">
+            <a:schemeClr val="accent4"/>
+          </a:fillRef>
+          <a:effectRef idx="1">
+            <a:schemeClr val="accent4"/>
+          </a:effectRef>
+          <a:fontRef idx="minor">
+            <a:schemeClr val="dk1"/>
+          </a:fontRef>
+        </p:style>
+        <p:txBody>
+          <a:bodyPr rot="0" spcFirstLastPara="0" vertOverflow="overflow" horzOverflow="overflow" vert="horz" wrap="none" lIns="91440" tIns="45720" rIns="91440" bIns="45720" numCol="1" spcCol="0" rtlCol="0" fromWordArt="0" anchor="ctr" anchorCtr="0" forceAA="0" compatLnSpc="1">
+            <a:prstTxWarp prst="textNoShape">
+              <a:avLst/>
+            </a:prstTxWarp>
+            <a:noAutofit/>
+          </a:bodyPr>
+          <a:lstStyle/>
+          <a:p>
+            <a:pPr algn="ctr"/>
+            <a:r>
+              <a:rPr kumimoji="1" lang="ja-JP" altLang="en-US" dirty="0">
+                <a:solidFill>
+                  <a:schemeClr val="tx1">
+                    <a:lumMod val="75000"/>
+                    <a:lumOff val="25000"/>
+                  </a:schemeClr>
+                </a:solidFill>
+                <a:latin typeface="+mn-ea"/>
+              </a:rPr>
+              <a:t>目標規定文</a:t>
+            </a:r>
+          </a:p>
+        </p:txBody>
+      </p:sp>
+      <p:sp>
+        <p:nvSpPr>
+          <p:cNvPr id="6" name="四角形: 角を丸くする 5">
+            <a:extLst>
+              <a:ext uri="{FF2B5EF4-FFF2-40B4-BE49-F238E27FC236}">
+                <a16:creationId xmlns:a16="http://schemas.microsoft.com/office/drawing/2014/main" id="{4B23A1F7-367F-D520-DF12-10FC2F8ED74D}"/>
+              </a:ext>
+            </a:extLst>
+          </p:cNvPr>
+          <p:cNvSpPr/>
+          <p:nvPr/>
+        </p:nvSpPr>
+        <p:spPr bwMode="auto">
+          <a:xfrm>
+            <a:off x="1922206" y="1988984"/>
+            <a:ext cx="1029776" cy="360004"/>
+          </a:xfrm>
+          <a:prstGeom prst="roundRect">
+            <a:avLst/>
+          </a:prstGeom>
+          <a:ln>
+            <a:headEnd/>
+            <a:tailEnd type="triangle" w="sm" len="med"/>
+          </a:ln>
+        </p:spPr>
+        <p:style>
+          <a:lnRef idx="1">
+            <a:schemeClr val="accent2"/>
+          </a:lnRef>
+          <a:fillRef idx="2">
+            <a:schemeClr val="accent2"/>
+          </a:fillRef>
+          <a:effectRef idx="1">
+            <a:schemeClr val="accent2"/>
+          </a:effectRef>
+          <a:fontRef idx="minor">
+            <a:schemeClr val="dk1"/>
+          </a:fontRef>
+        </p:style>
+        <p:txBody>
+          <a:bodyPr rot="0" spcFirstLastPara="0" vertOverflow="overflow" horzOverflow="overflow" vert="horz" wrap="none" lIns="91440" tIns="45720" rIns="91440" bIns="45720" numCol="1" spcCol="0" rtlCol="0" fromWordArt="0" anchor="ctr" anchorCtr="0" forceAA="0" compatLnSpc="1">
+            <a:prstTxWarp prst="textNoShape">
+              <a:avLst/>
+            </a:prstTxWarp>
+            <a:noAutofit/>
+          </a:bodyPr>
+          <a:lstStyle/>
+          <a:p>
+            <a:pPr algn="ctr"/>
+            <a:r>
+              <a:rPr kumimoji="1" lang="ja-JP" altLang="en-US" dirty="0">
+                <a:solidFill>
+                  <a:schemeClr val="tx1">
+                    <a:lumMod val="75000"/>
+                    <a:lumOff val="25000"/>
+                  </a:schemeClr>
+                </a:solidFill>
+                <a:latin typeface="+mn-ea"/>
+              </a:rPr>
+              <a:t>背景</a:t>
+            </a:r>
+          </a:p>
+        </p:txBody>
+      </p:sp>
+      <p:sp>
+        <p:nvSpPr>
+          <p:cNvPr id="7" name="四角形: 角を丸くする 6">
+            <a:extLst>
+              <a:ext uri="{FF2B5EF4-FFF2-40B4-BE49-F238E27FC236}">
+                <a16:creationId xmlns:a16="http://schemas.microsoft.com/office/drawing/2014/main" id="{75D3B56E-8B37-B816-5612-7F4D069A3C26}"/>
+              </a:ext>
+            </a:extLst>
+          </p:cNvPr>
+          <p:cNvSpPr/>
+          <p:nvPr/>
+        </p:nvSpPr>
+        <p:spPr bwMode="auto">
+          <a:xfrm>
+            <a:off x="4622236" y="1988984"/>
+            <a:ext cx="1080012" cy="360004"/>
+          </a:xfrm>
+          <a:prstGeom prst="roundRect">
+            <a:avLst/>
+          </a:prstGeom>
+          <a:ln>
+            <a:headEnd/>
+            <a:tailEnd type="triangle" w="sm" len="med"/>
+          </a:ln>
+        </p:spPr>
+        <p:style>
+          <a:lnRef idx="1">
+            <a:schemeClr val="accent5"/>
+          </a:lnRef>
+          <a:fillRef idx="2">
+            <a:schemeClr val="accent5"/>
+          </a:fillRef>
+          <a:effectRef idx="1">
+            <a:schemeClr val="accent5"/>
+          </a:effectRef>
+          <a:fontRef idx="minor">
+            <a:schemeClr val="dk1"/>
+          </a:fontRef>
+        </p:style>
+        <p:txBody>
+          <a:bodyPr rot="0" spcFirstLastPara="0" vertOverflow="overflow" horzOverflow="overflow" vert="horz" wrap="none" lIns="91440" tIns="45720" rIns="91440" bIns="45720" numCol="1" spcCol="0" rtlCol="0" fromWordArt="0" anchor="ctr" anchorCtr="0" forceAA="0" compatLnSpc="1">
+            <a:prstTxWarp prst="textNoShape">
+              <a:avLst/>
+            </a:prstTxWarp>
+            <a:noAutofit/>
+          </a:bodyPr>
+          <a:lstStyle/>
+          <a:p>
+            <a:pPr algn="ctr"/>
+            <a:r>
+              <a:rPr kumimoji="1" lang="ja-JP" altLang="en-US" dirty="0">
+                <a:solidFill>
+                  <a:schemeClr val="tx1">
+                    <a:lumMod val="75000"/>
+                    <a:lumOff val="25000"/>
+                  </a:schemeClr>
+                </a:solidFill>
+                <a:latin typeface="+mn-ea"/>
+              </a:rPr>
+              <a:t>課題</a:t>
+            </a:r>
+          </a:p>
+        </p:txBody>
+      </p:sp>
+      <p:sp>
+        <p:nvSpPr>
+          <p:cNvPr id="8" name="四角形: 角を丸くする 7">
+            <a:extLst>
+              <a:ext uri="{FF2B5EF4-FFF2-40B4-BE49-F238E27FC236}">
+                <a16:creationId xmlns:a16="http://schemas.microsoft.com/office/drawing/2014/main" id="{211FAF2E-5D34-04A8-6100-EB31A657A56C}"/>
+              </a:ext>
+            </a:extLst>
+          </p:cNvPr>
+          <p:cNvSpPr/>
+          <p:nvPr/>
+        </p:nvSpPr>
+        <p:spPr bwMode="auto">
+          <a:xfrm>
+            <a:off x="7322266" y="1988984"/>
+            <a:ext cx="1080012" cy="360004"/>
+          </a:xfrm>
+          <a:prstGeom prst="roundRect">
+            <a:avLst/>
+          </a:prstGeom>
+          <a:ln>
+            <a:headEnd/>
+            <a:tailEnd type="triangle" w="sm" len="med"/>
+          </a:ln>
+        </p:spPr>
+        <p:style>
+          <a:lnRef idx="1">
+            <a:schemeClr val="accent3"/>
+          </a:lnRef>
+          <a:fillRef idx="2">
+            <a:schemeClr val="accent3"/>
+          </a:fillRef>
+          <a:effectRef idx="1">
+            <a:schemeClr val="accent3"/>
+          </a:effectRef>
+          <a:fontRef idx="minor">
+            <a:schemeClr val="dk1"/>
+          </a:fontRef>
+        </p:style>
+        <p:txBody>
+          <a:bodyPr rot="0" spcFirstLastPara="0" vertOverflow="overflow" horzOverflow="overflow" vert="horz" wrap="none" lIns="91440" tIns="45720" rIns="91440" bIns="45720" numCol="1" spcCol="0" rtlCol="0" fromWordArt="0" anchor="ctr" anchorCtr="0" forceAA="0" compatLnSpc="1">
+            <a:prstTxWarp prst="textNoShape">
+              <a:avLst/>
+            </a:prstTxWarp>
+            <a:noAutofit/>
+          </a:bodyPr>
+          <a:lstStyle/>
+          <a:p>
+            <a:pPr algn="ctr"/>
+            <a:r>
+              <a:rPr kumimoji="1" lang="ja-JP" altLang="en-US" dirty="0">
+                <a:solidFill>
+                  <a:schemeClr val="tx1">
+                    <a:lumMod val="75000"/>
+                    <a:lumOff val="25000"/>
+                  </a:schemeClr>
+                </a:solidFill>
+                <a:latin typeface="+mn-ea"/>
+              </a:rPr>
+              <a:t>提案</a:t>
+            </a:r>
+          </a:p>
+        </p:txBody>
+      </p:sp>
+      <p:sp>
+        <p:nvSpPr>
+          <p:cNvPr id="9" name="四角形: 角を丸くする 8">
+            <a:extLst>
+              <a:ext uri="{FF2B5EF4-FFF2-40B4-BE49-F238E27FC236}">
+                <a16:creationId xmlns:a16="http://schemas.microsoft.com/office/drawing/2014/main" id="{93407E4E-1C86-C163-2B1B-8D685A8E57E9}"/>
+              </a:ext>
+            </a:extLst>
+          </p:cNvPr>
+          <p:cNvSpPr/>
+          <p:nvPr/>
+        </p:nvSpPr>
+        <p:spPr bwMode="auto">
+          <a:xfrm>
+            <a:off x="1292199" y="2708992"/>
+            <a:ext cx="990000" cy="360004"/>
+          </a:xfrm>
+          <a:prstGeom prst="roundRect">
+            <a:avLst/>
+          </a:prstGeom>
+          <a:ln>
+            <a:headEnd/>
+            <a:tailEnd type="triangle" w="sm" len="med"/>
+          </a:ln>
+        </p:spPr>
+        <p:style>
+          <a:lnRef idx="1">
+            <a:schemeClr val="accent2"/>
+          </a:lnRef>
+          <a:fillRef idx="2">
+            <a:schemeClr val="accent2"/>
+          </a:fillRef>
+          <a:effectRef idx="1">
+            <a:schemeClr val="accent2"/>
+          </a:effectRef>
+          <a:fontRef idx="minor">
+            <a:schemeClr val="dk1"/>
+          </a:fontRef>
+        </p:style>
+        <p:txBody>
+          <a:bodyPr rot="0" spcFirstLastPara="0" vertOverflow="overflow" horzOverflow="overflow" vert="horz" wrap="none" lIns="91440" tIns="45720" rIns="91440" bIns="45720" numCol="1" spcCol="0" rtlCol="0" fromWordArt="0" anchor="ctr" anchorCtr="0" forceAA="0" compatLnSpc="1">
+            <a:prstTxWarp prst="textNoShape">
+              <a:avLst/>
+            </a:prstTxWarp>
+            <a:noAutofit/>
+          </a:bodyPr>
+          <a:lstStyle/>
+          <a:p>
+            <a:pPr algn="ctr"/>
+            <a:r>
+              <a:rPr kumimoji="1" lang="ja-JP" altLang="en-US" dirty="0">
+                <a:solidFill>
+                  <a:schemeClr val="tx1">
+                    <a:lumMod val="75000"/>
+                    <a:lumOff val="25000"/>
+                  </a:schemeClr>
+                </a:solidFill>
+                <a:latin typeface="+mn-ea"/>
+              </a:rPr>
+              <a:t>背景１</a:t>
+            </a:r>
+          </a:p>
+        </p:txBody>
+      </p:sp>
+      <p:sp>
+        <p:nvSpPr>
+          <p:cNvPr id="10" name="四角形: 角を丸くする 9">
+            <a:extLst>
+              <a:ext uri="{FF2B5EF4-FFF2-40B4-BE49-F238E27FC236}">
+                <a16:creationId xmlns:a16="http://schemas.microsoft.com/office/drawing/2014/main" id="{82D88C54-BC59-B5FC-EE72-AD115A0D30AA}"/>
+              </a:ext>
+            </a:extLst>
+          </p:cNvPr>
+          <p:cNvSpPr/>
+          <p:nvPr/>
+        </p:nvSpPr>
+        <p:spPr bwMode="auto">
+          <a:xfrm>
+            <a:off x="3992229" y="2708992"/>
+            <a:ext cx="990000" cy="360004"/>
+          </a:xfrm>
+          <a:prstGeom prst="roundRect">
+            <a:avLst/>
+          </a:prstGeom>
+          <a:ln>
+            <a:headEnd/>
+            <a:tailEnd type="triangle" w="sm" len="med"/>
+          </a:ln>
+        </p:spPr>
+        <p:style>
+          <a:lnRef idx="1">
+            <a:schemeClr val="accent5"/>
+          </a:lnRef>
+          <a:fillRef idx="2">
+            <a:schemeClr val="accent5"/>
+          </a:fillRef>
+          <a:effectRef idx="1">
+            <a:schemeClr val="accent5"/>
+          </a:effectRef>
+          <a:fontRef idx="minor">
+            <a:schemeClr val="dk1"/>
+          </a:fontRef>
+        </p:style>
+        <p:txBody>
+          <a:bodyPr rot="0" spcFirstLastPara="0" vertOverflow="overflow" horzOverflow="overflow" vert="horz" wrap="none" lIns="91440" tIns="45720" rIns="91440" bIns="45720" numCol="1" spcCol="0" rtlCol="0" fromWordArt="0" anchor="ctr" anchorCtr="0" forceAA="0" compatLnSpc="1">
+            <a:prstTxWarp prst="textNoShape">
+              <a:avLst/>
+            </a:prstTxWarp>
+            <a:noAutofit/>
+          </a:bodyPr>
+          <a:lstStyle/>
+          <a:p>
+            <a:pPr algn="ctr"/>
+            <a:r>
+              <a:rPr kumimoji="1" lang="ja-JP" altLang="en-US" dirty="0">
+                <a:solidFill>
+                  <a:schemeClr val="tx1">
+                    <a:lumMod val="75000"/>
+                    <a:lumOff val="25000"/>
+                  </a:schemeClr>
+                </a:solidFill>
+                <a:latin typeface="+mn-ea"/>
+              </a:rPr>
+              <a:t>課題１</a:t>
+            </a:r>
+          </a:p>
+        </p:txBody>
+      </p:sp>
+      <p:sp>
+        <p:nvSpPr>
+          <p:cNvPr id="11" name="四角形: 角を丸くする 10">
+            <a:extLst>
+              <a:ext uri="{FF2B5EF4-FFF2-40B4-BE49-F238E27FC236}">
+                <a16:creationId xmlns:a16="http://schemas.microsoft.com/office/drawing/2014/main" id="{F8B10BA8-6DA6-5BA2-5E86-8434AD3DD359}"/>
+              </a:ext>
+            </a:extLst>
+          </p:cNvPr>
+          <p:cNvSpPr/>
+          <p:nvPr/>
+        </p:nvSpPr>
+        <p:spPr bwMode="auto">
+          <a:xfrm>
+            <a:off x="5342244" y="2708992"/>
+            <a:ext cx="990000" cy="360004"/>
+          </a:xfrm>
+          <a:prstGeom prst="roundRect">
+            <a:avLst/>
+          </a:prstGeom>
+          <a:ln>
+            <a:headEnd/>
+            <a:tailEnd type="triangle" w="sm" len="med"/>
+          </a:ln>
+        </p:spPr>
+        <p:style>
+          <a:lnRef idx="1">
+            <a:schemeClr val="accent5"/>
+          </a:lnRef>
+          <a:fillRef idx="2">
+            <a:schemeClr val="accent5"/>
+          </a:fillRef>
+          <a:effectRef idx="1">
+            <a:schemeClr val="accent5"/>
+          </a:effectRef>
+          <a:fontRef idx="minor">
+            <a:schemeClr val="dk1"/>
+          </a:fontRef>
+        </p:style>
+        <p:txBody>
+          <a:bodyPr rot="0" spcFirstLastPara="0" vertOverflow="overflow" horzOverflow="overflow" vert="horz" wrap="none" lIns="91440" tIns="45720" rIns="91440" bIns="45720" numCol="1" spcCol="0" rtlCol="0" fromWordArt="0" anchor="ctr" anchorCtr="0" forceAA="0" compatLnSpc="1">
+            <a:prstTxWarp prst="textNoShape">
+              <a:avLst/>
+            </a:prstTxWarp>
+            <a:noAutofit/>
+          </a:bodyPr>
+          <a:lstStyle/>
+          <a:p>
+            <a:pPr algn="ctr"/>
+            <a:r>
+              <a:rPr kumimoji="1" lang="ja-JP" altLang="en-US" dirty="0">
+                <a:solidFill>
+                  <a:schemeClr val="tx1">
+                    <a:lumMod val="75000"/>
+                    <a:lumOff val="25000"/>
+                  </a:schemeClr>
+                </a:solidFill>
+                <a:latin typeface="+mn-ea"/>
+              </a:rPr>
+              <a:t>課題２</a:t>
+            </a:r>
+          </a:p>
+        </p:txBody>
+      </p:sp>
+      <p:sp>
+        <p:nvSpPr>
+          <p:cNvPr id="12" name="四角形: 角を丸くする 11">
+            <a:extLst>
+              <a:ext uri="{FF2B5EF4-FFF2-40B4-BE49-F238E27FC236}">
+                <a16:creationId xmlns:a16="http://schemas.microsoft.com/office/drawing/2014/main" id="{C1267ECA-BCDF-6FCA-548E-B3E5AADFB8A7}"/>
+              </a:ext>
+            </a:extLst>
+          </p:cNvPr>
+          <p:cNvSpPr/>
+          <p:nvPr/>
+        </p:nvSpPr>
+        <p:spPr bwMode="auto">
+          <a:xfrm>
+            <a:off x="6692259" y="2708992"/>
+            <a:ext cx="990000" cy="360004"/>
+          </a:xfrm>
+          <a:prstGeom prst="roundRect">
+            <a:avLst/>
+          </a:prstGeom>
+          <a:ln>
+            <a:headEnd/>
+            <a:tailEnd type="triangle" w="sm" len="med"/>
+          </a:ln>
+        </p:spPr>
+        <p:style>
+          <a:lnRef idx="1">
+            <a:schemeClr val="accent3"/>
+          </a:lnRef>
+          <a:fillRef idx="2">
+            <a:schemeClr val="accent3"/>
+          </a:fillRef>
+          <a:effectRef idx="1">
+            <a:schemeClr val="accent3"/>
+          </a:effectRef>
+          <a:fontRef idx="minor">
+            <a:schemeClr val="dk1"/>
+          </a:fontRef>
+        </p:style>
+        <p:txBody>
+          <a:bodyPr rot="0" spcFirstLastPara="0" vertOverflow="overflow" horzOverflow="overflow" vert="horz" wrap="none" lIns="91440" tIns="45720" rIns="91440" bIns="45720" numCol="1" spcCol="0" rtlCol="0" fromWordArt="0" anchor="ctr" anchorCtr="0" forceAA="0" compatLnSpc="1">
+            <a:prstTxWarp prst="textNoShape">
+              <a:avLst/>
+            </a:prstTxWarp>
+            <a:noAutofit/>
+          </a:bodyPr>
+          <a:lstStyle/>
+          <a:p>
+            <a:pPr algn="ctr"/>
+            <a:r>
+              <a:rPr kumimoji="1" lang="ja-JP" altLang="en-US" dirty="0">
+                <a:solidFill>
+                  <a:schemeClr val="tx1">
+                    <a:lumMod val="75000"/>
+                    <a:lumOff val="25000"/>
+                  </a:schemeClr>
+                </a:solidFill>
+                <a:latin typeface="+mn-ea"/>
+              </a:rPr>
+              <a:t>提案１</a:t>
+            </a:r>
+          </a:p>
+        </p:txBody>
+      </p:sp>
+      <p:sp>
+        <p:nvSpPr>
+          <p:cNvPr id="13" name="四角形: 角を丸くする 12">
+            <a:extLst>
+              <a:ext uri="{FF2B5EF4-FFF2-40B4-BE49-F238E27FC236}">
+                <a16:creationId xmlns:a16="http://schemas.microsoft.com/office/drawing/2014/main" id="{5E8EA23F-38D9-7A84-7214-0A900EB79ACC}"/>
+              </a:ext>
+            </a:extLst>
+          </p:cNvPr>
+          <p:cNvSpPr/>
+          <p:nvPr/>
+        </p:nvSpPr>
+        <p:spPr bwMode="auto">
+          <a:xfrm>
+            <a:off x="8042274" y="2708992"/>
+            <a:ext cx="990000" cy="360004"/>
+          </a:xfrm>
+          <a:prstGeom prst="roundRect">
+            <a:avLst/>
+          </a:prstGeom>
+          <a:ln>
+            <a:headEnd/>
+            <a:tailEnd type="triangle" w="sm" len="med"/>
+          </a:ln>
+        </p:spPr>
+        <p:style>
+          <a:lnRef idx="1">
+            <a:schemeClr val="accent3"/>
+          </a:lnRef>
+          <a:fillRef idx="2">
+            <a:schemeClr val="accent3"/>
+          </a:fillRef>
+          <a:effectRef idx="1">
+            <a:schemeClr val="accent3"/>
+          </a:effectRef>
+          <a:fontRef idx="minor">
+            <a:schemeClr val="dk1"/>
+          </a:fontRef>
+        </p:style>
+        <p:txBody>
+          <a:bodyPr rot="0" spcFirstLastPara="0" vertOverflow="overflow" horzOverflow="overflow" vert="horz" wrap="none" lIns="91440" tIns="45720" rIns="91440" bIns="45720" numCol="1" spcCol="0" rtlCol="0" fromWordArt="0" anchor="ctr" anchorCtr="0" forceAA="0" compatLnSpc="1">
+            <a:prstTxWarp prst="textNoShape">
+              <a:avLst/>
+            </a:prstTxWarp>
+            <a:noAutofit/>
+          </a:bodyPr>
+          <a:lstStyle/>
+          <a:p>
+            <a:pPr algn="ctr"/>
+            <a:r>
+              <a:rPr kumimoji="1" lang="ja-JP" altLang="en-US" dirty="0">
+                <a:solidFill>
+                  <a:schemeClr val="tx1">
+                    <a:lumMod val="75000"/>
+                    <a:lumOff val="25000"/>
+                  </a:schemeClr>
+                </a:solidFill>
+                <a:latin typeface="+mn-ea"/>
+              </a:rPr>
+              <a:t>提案２</a:t>
+            </a:r>
+          </a:p>
+        </p:txBody>
+      </p:sp>
+      <p:sp>
+        <p:nvSpPr>
+          <p:cNvPr id="14" name="四角形: 角を丸くする 13">
+            <a:extLst>
+              <a:ext uri="{FF2B5EF4-FFF2-40B4-BE49-F238E27FC236}">
+                <a16:creationId xmlns:a16="http://schemas.microsoft.com/office/drawing/2014/main" id="{205B21BA-1915-A50D-7424-F842FAA5D522}"/>
+              </a:ext>
+            </a:extLst>
+          </p:cNvPr>
+          <p:cNvSpPr/>
+          <p:nvPr/>
+        </p:nvSpPr>
+        <p:spPr bwMode="auto">
+          <a:xfrm>
+            <a:off x="2642214" y="2708992"/>
+            <a:ext cx="990000" cy="360004"/>
+          </a:xfrm>
+          <a:prstGeom prst="roundRect">
+            <a:avLst/>
+          </a:prstGeom>
+          <a:ln>
+            <a:headEnd/>
+            <a:tailEnd type="triangle" w="sm" len="med"/>
+          </a:ln>
+        </p:spPr>
+        <p:style>
+          <a:lnRef idx="1">
+            <a:schemeClr val="accent2"/>
+          </a:lnRef>
+          <a:fillRef idx="2">
+            <a:schemeClr val="accent2"/>
+          </a:fillRef>
+          <a:effectRef idx="1">
+            <a:schemeClr val="accent2"/>
+          </a:effectRef>
+          <a:fontRef idx="minor">
+            <a:schemeClr val="dk1"/>
+          </a:fontRef>
+        </p:style>
+        <p:txBody>
+          <a:bodyPr rot="0" spcFirstLastPara="0" vertOverflow="overflow" horzOverflow="overflow" vert="horz" wrap="none" lIns="91440" tIns="45720" rIns="91440" bIns="45720" numCol="1" spcCol="0" rtlCol="0" fromWordArt="0" anchor="ctr" anchorCtr="0" forceAA="0" compatLnSpc="1">
+            <a:prstTxWarp prst="textNoShape">
+              <a:avLst/>
+            </a:prstTxWarp>
+            <a:noAutofit/>
+          </a:bodyPr>
+          <a:lstStyle/>
+          <a:p>
+            <a:pPr algn="ctr"/>
+            <a:r>
+              <a:rPr kumimoji="1" lang="ja-JP" altLang="en-US" dirty="0">
+                <a:solidFill>
+                  <a:schemeClr val="tx1">
+                    <a:lumMod val="75000"/>
+                    <a:lumOff val="25000"/>
+                  </a:schemeClr>
+                </a:solidFill>
+                <a:latin typeface="+mn-ea"/>
+              </a:rPr>
+              <a:t>背景２</a:t>
+            </a:r>
+          </a:p>
+        </p:txBody>
+      </p:sp>
+      <p:cxnSp>
+        <p:nvCxnSpPr>
+          <p:cNvPr id="17" name="直線矢印コネクタ 16">
+            <a:extLst>
+              <a:ext uri="{FF2B5EF4-FFF2-40B4-BE49-F238E27FC236}">
+                <a16:creationId xmlns:a16="http://schemas.microsoft.com/office/drawing/2014/main" id="{2FC7AF24-5A95-7CAD-8ECE-8DE7773BB1D8}"/>
+              </a:ext>
+            </a:extLst>
+          </p:cNvPr>
+          <p:cNvCxnSpPr/>
+          <p:nvPr/>
+        </p:nvCxnSpPr>
+        <p:spPr bwMode="auto">
+          <a:xfrm>
+            <a:off x="5162242" y="1628980"/>
+            <a:ext cx="0" cy="360003"/>
+          </a:xfrm>
+          <a:prstGeom prst="straightConnector1">
+            <a:avLst/>
+          </a:prstGeom>
+          <a:noFill/>
+          <a:ln w="9525" cap="flat" cmpd="sng" algn="ctr">
+            <a:solidFill>
+              <a:schemeClr val="tx1">
+                <a:lumMod val="75000"/>
+                <a:lumOff val="25000"/>
+              </a:schemeClr>
+            </a:solidFill>
+            <a:prstDash val="solid"/>
+            <a:round/>
+            <a:headEnd type="none" w="med" len="med"/>
+            <a:tailEnd type="triangle"/>
+          </a:ln>
+          <a:effectLst/>
+        </p:spPr>
+      </p:cxnSp>
+      <p:cxnSp>
+        <p:nvCxnSpPr>
+          <p:cNvPr id="18" name="直線矢印コネクタ 17">
+            <a:extLst>
+              <a:ext uri="{FF2B5EF4-FFF2-40B4-BE49-F238E27FC236}">
+                <a16:creationId xmlns:a16="http://schemas.microsoft.com/office/drawing/2014/main" id="{6FD5B76A-C8CE-35ED-ECDC-66F278CC4DC7}"/>
+              </a:ext>
+            </a:extLst>
+          </p:cNvPr>
+          <p:cNvCxnSpPr>
+            <a:cxnSpLocks/>
+            <a:stCxn id="5" idx="2"/>
+            <a:endCxn id="6" idx="0"/>
+          </p:cNvCxnSpPr>
+          <p:nvPr/>
+        </p:nvCxnSpPr>
+        <p:spPr bwMode="auto">
+          <a:xfrm flipH="1">
+            <a:off x="2437094" y="1628980"/>
+            <a:ext cx="2725148" cy="360004"/>
+          </a:xfrm>
+          <a:prstGeom prst="straightConnector1">
+            <a:avLst/>
+          </a:prstGeom>
+          <a:noFill/>
+          <a:ln w="9525" cap="flat" cmpd="sng" algn="ctr">
+            <a:solidFill>
+              <a:schemeClr val="tx1">
+                <a:lumMod val="75000"/>
+                <a:lumOff val="25000"/>
+              </a:schemeClr>
+            </a:solidFill>
+            <a:prstDash val="solid"/>
+            <a:round/>
+            <a:headEnd type="none" w="med" len="med"/>
+            <a:tailEnd type="triangle"/>
+          </a:ln>
+          <a:effectLst/>
+        </p:spPr>
+      </p:cxnSp>
+      <p:cxnSp>
+        <p:nvCxnSpPr>
+          <p:cNvPr id="21" name="直線矢印コネクタ 20">
+            <a:extLst>
+              <a:ext uri="{FF2B5EF4-FFF2-40B4-BE49-F238E27FC236}">
+                <a16:creationId xmlns:a16="http://schemas.microsoft.com/office/drawing/2014/main" id="{0425EBCC-6E96-297F-1981-7064E477A567}"/>
+              </a:ext>
+            </a:extLst>
+          </p:cNvPr>
+          <p:cNvCxnSpPr>
+            <a:cxnSpLocks/>
+            <a:stCxn id="5" idx="2"/>
+            <a:endCxn id="8" idx="0"/>
+          </p:cNvCxnSpPr>
+          <p:nvPr/>
+        </p:nvCxnSpPr>
+        <p:spPr bwMode="auto">
+          <a:xfrm>
+            <a:off x="5162242" y="1628980"/>
+            <a:ext cx="2700030" cy="360004"/>
+          </a:xfrm>
+          <a:prstGeom prst="straightConnector1">
+            <a:avLst/>
+          </a:prstGeom>
+          <a:noFill/>
+          <a:ln w="9525" cap="flat" cmpd="sng" algn="ctr">
+            <a:solidFill>
+              <a:schemeClr val="tx1">
+                <a:lumMod val="75000"/>
+                <a:lumOff val="25000"/>
+              </a:schemeClr>
+            </a:solidFill>
+            <a:prstDash val="solid"/>
+            <a:round/>
+            <a:headEnd type="none" w="med" len="med"/>
+            <a:tailEnd type="triangle"/>
+          </a:ln>
+          <a:effectLst/>
+        </p:spPr>
+      </p:cxnSp>
+      <p:cxnSp>
+        <p:nvCxnSpPr>
+          <p:cNvPr id="24" name="直線矢印コネクタ 23">
+            <a:extLst>
+              <a:ext uri="{FF2B5EF4-FFF2-40B4-BE49-F238E27FC236}">
+                <a16:creationId xmlns:a16="http://schemas.microsoft.com/office/drawing/2014/main" id="{E7CC3F3A-DB7F-4591-190A-56AD3B24EE0B}"/>
+              </a:ext>
+            </a:extLst>
+          </p:cNvPr>
+          <p:cNvCxnSpPr>
+            <a:cxnSpLocks/>
+            <a:stCxn id="6" idx="2"/>
+            <a:endCxn id="9" idx="0"/>
+          </p:cNvCxnSpPr>
+          <p:nvPr/>
+        </p:nvCxnSpPr>
+        <p:spPr bwMode="auto">
+          <a:xfrm flipH="1">
+            <a:off x="1787199" y="2348988"/>
+            <a:ext cx="649895" cy="360004"/>
+          </a:xfrm>
+          <a:prstGeom prst="straightConnector1">
+            <a:avLst/>
+          </a:prstGeom>
+          <a:noFill/>
+          <a:ln w="9525" cap="flat" cmpd="sng" algn="ctr">
+            <a:solidFill>
+              <a:schemeClr val="tx1">
+                <a:lumMod val="75000"/>
+                <a:lumOff val="25000"/>
+              </a:schemeClr>
+            </a:solidFill>
+            <a:prstDash val="solid"/>
+            <a:round/>
+            <a:headEnd type="none" w="med" len="med"/>
+            <a:tailEnd type="triangle"/>
+          </a:ln>
+          <a:effectLst/>
+        </p:spPr>
+      </p:cxnSp>
+      <p:cxnSp>
+        <p:nvCxnSpPr>
+          <p:cNvPr id="26" name="直線矢印コネクタ 25">
+            <a:extLst>
+              <a:ext uri="{FF2B5EF4-FFF2-40B4-BE49-F238E27FC236}">
+                <a16:creationId xmlns:a16="http://schemas.microsoft.com/office/drawing/2014/main" id="{F42B04D7-592A-6183-C36F-02F533BF5CF5}"/>
+              </a:ext>
+            </a:extLst>
+          </p:cNvPr>
+          <p:cNvCxnSpPr>
+            <a:cxnSpLocks/>
+            <a:stCxn id="6" idx="2"/>
+            <a:endCxn id="14" idx="0"/>
+          </p:cNvCxnSpPr>
+          <p:nvPr/>
+        </p:nvCxnSpPr>
+        <p:spPr bwMode="auto">
+          <a:xfrm>
+            <a:off x="2437094" y="2348988"/>
+            <a:ext cx="700120" cy="360004"/>
+          </a:xfrm>
+          <a:prstGeom prst="straightConnector1">
+            <a:avLst/>
+          </a:prstGeom>
+          <a:noFill/>
+          <a:ln w="9525" cap="flat" cmpd="sng" algn="ctr">
+            <a:solidFill>
+              <a:schemeClr val="tx1">
+                <a:lumMod val="75000"/>
+                <a:lumOff val="25000"/>
+              </a:schemeClr>
+            </a:solidFill>
+            <a:prstDash val="solid"/>
+            <a:round/>
+            <a:headEnd type="none" w="med" len="med"/>
+            <a:tailEnd type="triangle"/>
+          </a:ln>
+          <a:effectLst/>
+        </p:spPr>
+      </p:cxnSp>
+      <p:cxnSp>
+        <p:nvCxnSpPr>
+          <p:cNvPr id="29" name="直線矢印コネクタ 28">
+            <a:extLst>
+              <a:ext uri="{FF2B5EF4-FFF2-40B4-BE49-F238E27FC236}">
+                <a16:creationId xmlns:a16="http://schemas.microsoft.com/office/drawing/2014/main" id="{63A42914-3B9C-2617-A1F3-C2918EC57146}"/>
+              </a:ext>
+            </a:extLst>
+          </p:cNvPr>
+          <p:cNvCxnSpPr>
+            <a:cxnSpLocks/>
+            <a:endCxn id="11" idx="0"/>
+          </p:cNvCxnSpPr>
+          <p:nvPr/>
+        </p:nvCxnSpPr>
+        <p:spPr bwMode="auto">
+          <a:xfrm>
+            <a:off x="5162242" y="2348988"/>
+            <a:ext cx="675002" cy="360004"/>
+          </a:xfrm>
+          <a:prstGeom prst="straightConnector1">
+            <a:avLst/>
+          </a:prstGeom>
+          <a:noFill/>
+          <a:ln w="9525" cap="flat" cmpd="sng" algn="ctr">
+            <a:solidFill>
+              <a:schemeClr val="tx1">
+                <a:lumMod val="75000"/>
+                <a:lumOff val="25000"/>
+              </a:schemeClr>
+            </a:solidFill>
+            <a:prstDash val="solid"/>
+            <a:round/>
+            <a:headEnd type="none" w="med" len="med"/>
+            <a:tailEnd type="triangle"/>
+          </a:ln>
+          <a:effectLst/>
+        </p:spPr>
+      </p:cxnSp>
+      <p:cxnSp>
+        <p:nvCxnSpPr>
+          <p:cNvPr id="30" name="直線矢印コネクタ 29">
+            <a:extLst>
+              <a:ext uri="{FF2B5EF4-FFF2-40B4-BE49-F238E27FC236}">
+                <a16:creationId xmlns:a16="http://schemas.microsoft.com/office/drawing/2014/main" id="{16887226-34ED-BE47-8D2F-88F00D308F5F}"/>
+              </a:ext>
+            </a:extLst>
+          </p:cNvPr>
+          <p:cNvCxnSpPr>
+            <a:cxnSpLocks/>
+            <a:stCxn id="7" idx="2"/>
+            <a:endCxn id="10" idx="0"/>
+          </p:cNvCxnSpPr>
+          <p:nvPr/>
+        </p:nvCxnSpPr>
+        <p:spPr bwMode="auto">
+          <a:xfrm flipH="1">
+            <a:off x="4487229" y="2348988"/>
+            <a:ext cx="675013" cy="360004"/>
+          </a:xfrm>
+          <a:prstGeom prst="straightConnector1">
+            <a:avLst/>
+          </a:prstGeom>
+          <a:noFill/>
+          <a:ln w="9525" cap="flat" cmpd="sng" algn="ctr">
+            <a:solidFill>
+              <a:schemeClr val="tx1">
+                <a:lumMod val="75000"/>
+                <a:lumOff val="25000"/>
+              </a:schemeClr>
+            </a:solidFill>
+            <a:prstDash val="solid"/>
+            <a:round/>
+            <a:headEnd type="none" w="med" len="med"/>
+            <a:tailEnd type="triangle"/>
+          </a:ln>
+          <a:effectLst/>
+        </p:spPr>
+      </p:cxnSp>
+      <p:cxnSp>
+        <p:nvCxnSpPr>
+          <p:cNvPr id="33" name="直線矢印コネクタ 32">
+            <a:extLst>
+              <a:ext uri="{FF2B5EF4-FFF2-40B4-BE49-F238E27FC236}">
+                <a16:creationId xmlns:a16="http://schemas.microsoft.com/office/drawing/2014/main" id="{26EF2CBA-DD21-A3A6-D377-F872E60E28EE}"/>
+              </a:ext>
+            </a:extLst>
+          </p:cNvPr>
+          <p:cNvCxnSpPr>
+            <a:cxnSpLocks/>
+            <a:endCxn id="13" idx="0"/>
+          </p:cNvCxnSpPr>
+          <p:nvPr/>
+        </p:nvCxnSpPr>
+        <p:spPr bwMode="auto">
+          <a:xfrm>
+            <a:off x="7862272" y="2348988"/>
+            <a:ext cx="675002" cy="360004"/>
+          </a:xfrm>
+          <a:prstGeom prst="straightConnector1">
+            <a:avLst/>
+          </a:prstGeom>
+          <a:noFill/>
+          <a:ln w="9525" cap="flat" cmpd="sng" algn="ctr">
+            <a:solidFill>
+              <a:schemeClr val="tx1">
+                <a:lumMod val="75000"/>
+                <a:lumOff val="25000"/>
+              </a:schemeClr>
+            </a:solidFill>
+            <a:prstDash val="solid"/>
+            <a:round/>
+            <a:headEnd type="none" w="med" len="med"/>
+            <a:tailEnd type="triangle"/>
+          </a:ln>
+          <a:effectLst/>
+        </p:spPr>
+      </p:cxnSp>
+      <p:cxnSp>
+        <p:nvCxnSpPr>
+          <p:cNvPr id="34" name="直線矢印コネクタ 33">
+            <a:extLst>
+              <a:ext uri="{FF2B5EF4-FFF2-40B4-BE49-F238E27FC236}">
+                <a16:creationId xmlns:a16="http://schemas.microsoft.com/office/drawing/2014/main" id="{F11ECC10-B78B-633C-4329-B401A2A37DA9}"/>
+              </a:ext>
+            </a:extLst>
+          </p:cNvPr>
+          <p:cNvCxnSpPr>
+            <a:cxnSpLocks/>
+            <a:endCxn id="12" idx="0"/>
+          </p:cNvCxnSpPr>
+          <p:nvPr/>
+        </p:nvCxnSpPr>
+        <p:spPr bwMode="auto">
+          <a:xfrm flipH="1">
+            <a:off x="7187259" y="2348988"/>
+            <a:ext cx="675013" cy="360004"/>
+          </a:xfrm>
+          <a:prstGeom prst="straightConnector1">
+            <a:avLst/>
+          </a:prstGeom>
+          <a:noFill/>
+          <a:ln w="9525" cap="flat" cmpd="sng" algn="ctr">
+            <a:solidFill>
+              <a:schemeClr val="tx1">
+                <a:lumMod val="75000"/>
+                <a:lumOff val="25000"/>
+              </a:schemeClr>
+            </a:solidFill>
+            <a:prstDash val="solid"/>
+            <a:round/>
+            <a:headEnd type="none" w="med" len="med"/>
+            <a:tailEnd type="triangle"/>
+          </a:ln>
+          <a:effectLst/>
+        </p:spPr>
+      </p:cxnSp>
+      <p:sp>
+        <p:nvSpPr>
+          <p:cNvPr id="72" name="四角形: 角を丸くする 71">
+            <a:extLst>
+              <a:ext uri="{FF2B5EF4-FFF2-40B4-BE49-F238E27FC236}">
+                <a16:creationId xmlns:a16="http://schemas.microsoft.com/office/drawing/2014/main" id="{63000EB3-B894-2C65-1FF7-C66E94FE5DA2}"/>
+              </a:ext>
+            </a:extLst>
+          </p:cNvPr>
+          <p:cNvSpPr/>
+          <p:nvPr/>
+        </p:nvSpPr>
+        <p:spPr bwMode="auto">
+          <a:xfrm>
+            <a:off x="0" y="1988984"/>
+            <a:ext cx="1080012" cy="360004"/>
+          </a:xfrm>
+          <a:prstGeom prst="roundRect">
+            <a:avLst/>
+          </a:prstGeom>
+          <a:noFill/>
+          <a:ln>
+            <a:noFill/>
+            <a:headEnd/>
+            <a:tailEnd type="triangle" w="sm" len="med"/>
+          </a:ln>
+          <a:effectLst/>
+        </p:spPr>
+        <p:style>
+          <a:lnRef idx="1">
+            <a:schemeClr val="accent2"/>
+          </a:lnRef>
+          <a:fillRef idx="2">
+            <a:schemeClr val="accent2"/>
+          </a:fillRef>
+          <a:effectRef idx="1">
+            <a:schemeClr val="accent2"/>
+          </a:effectRef>
+          <a:fontRef idx="minor">
+            <a:schemeClr val="dk1"/>
+          </a:fontRef>
+        </p:style>
+        <p:txBody>
+          <a:bodyPr rot="0" spcFirstLastPara="0" vertOverflow="overflow" horzOverflow="overflow" vert="horz" wrap="none" lIns="91440" tIns="45720" rIns="91440" bIns="45720" numCol="1" spcCol="0" rtlCol="0" fromWordArt="0" anchor="ctr" anchorCtr="0" forceAA="0" compatLnSpc="1">
+            <a:prstTxWarp prst="textNoShape">
+              <a:avLst/>
+            </a:prstTxWarp>
+            <a:noAutofit/>
+          </a:bodyPr>
+          <a:lstStyle/>
+          <a:p>
+            <a:pPr algn="ctr"/>
+            <a:r>
+              <a:rPr kumimoji="1" lang="ja-JP" altLang="en-US" dirty="0">
+                <a:solidFill>
+                  <a:schemeClr val="tx1">
+                    <a:lumMod val="75000"/>
+                    <a:lumOff val="25000"/>
+                  </a:schemeClr>
+                </a:solidFill>
+                <a:latin typeface="+mn-ea"/>
+              </a:rPr>
+              <a:t>３点</a:t>
+            </a:r>
+          </a:p>
+        </p:txBody>
+      </p:sp>
+      <p:sp>
+        <p:nvSpPr>
+          <p:cNvPr id="73" name="四角形: 角を丸くする 72">
+            <a:extLst>
+              <a:ext uri="{FF2B5EF4-FFF2-40B4-BE49-F238E27FC236}">
+                <a16:creationId xmlns:a16="http://schemas.microsoft.com/office/drawing/2014/main" id="{64954E3A-4D67-EDA9-C3B4-3554BCE86956}"/>
+              </a:ext>
+            </a:extLst>
+          </p:cNvPr>
+          <p:cNvSpPr/>
+          <p:nvPr/>
+        </p:nvSpPr>
+        <p:spPr bwMode="auto">
+          <a:xfrm>
+            <a:off x="32185" y="2708992"/>
+            <a:ext cx="1080012" cy="360004"/>
+          </a:xfrm>
+          <a:prstGeom prst="roundRect">
+            <a:avLst/>
+          </a:prstGeom>
+          <a:noFill/>
+          <a:ln>
+            <a:noFill/>
+            <a:headEnd/>
+            <a:tailEnd type="triangle" w="sm" len="med"/>
+          </a:ln>
+          <a:effectLst/>
+        </p:spPr>
+        <p:style>
+          <a:lnRef idx="1">
+            <a:schemeClr val="accent2"/>
+          </a:lnRef>
+          <a:fillRef idx="2">
+            <a:schemeClr val="accent2"/>
+          </a:fillRef>
+          <a:effectRef idx="1">
+            <a:schemeClr val="accent2"/>
+          </a:effectRef>
+          <a:fontRef idx="minor">
+            <a:schemeClr val="dk1"/>
+          </a:fontRef>
+        </p:style>
+        <p:txBody>
+          <a:bodyPr rot="0" spcFirstLastPara="0" vertOverflow="overflow" horzOverflow="overflow" vert="horz" wrap="none" lIns="91440" tIns="45720" rIns="91440" bIns="45720" numCol="1" spcCol="0" rtlCol="0" fromWordArt="0" anchor="ctr" anchorCtr="0" forceAA="0" compatLnSpc="1">
+            <a:prstTxWarp prst="textNoShape">
+              <a:avLst/>
+            </a:prstTxWarp>
+            <a:noAutofit/>
+          </a:bodyPr>
+          <a:lstStyle/>
+          <a:p>
+            <a:pPr algn="ctr"/>
+            <a:r>
+              <a:rPr lang="ja-JP" altLang="en-US" dirty="0">
+                <a:solidFill>
+                  <a:schemeClr val="tx1">
+                    <a:lumMod val="75000"/>
+                    <a:lumOff val="25000"/>
+                  </a:schemeClr>
+                </a:solidFill>
+                <a:latin typeface="+mn-ea"/>
+              </a:rPr>
+              <a:t>イントロ</a:t>
+            </a:r>
+            <a:endParaRPr kumimoji="1" lang="ja-JP" altLang="en-US" dirty="0">
+              <a:solidFill>
+                <a:schemeClr val="tx1">
+                  <a:lumMod val="75000"/>
+                  <a:lumOff val="25000"/>
+                </a:schemeClr>
+              </a:solidFill>
+              <a:latin typeface="+mn-ea"/>
+            </a:endParaRPr>
+          </a:p>
+        </p:txBody>
+      </p:sp>
+    </p:spTree>
+    <p:extLst>
+      <p:ext uri="{BB962C8B-B14F-4D97-AF65-F5344CB8AC3E}">
+        <p14:creationId xmlns:p14="http://schemas.microsoft.com/office/powerpoint/2010/main" val="357553926"/>
+      </p:ext>
+    </p:extLst>
+  </p:cSld>
+  <p:clrMapOvr>
+    <a:masterClrMapping/>
+  </p:clrMapOvr>
+  <mc:AlternateContent xmlns:mc="http://schemas.openxmlformats.org/markup-compatibility/2006" xmlns:p14="http://schemas.microsoft.com/office/powerpoint/2010/main">
+    <mc:Choice Requires="p14">
+      <p:transition p14:dur="10"/>
+    </mc:Choice>
+    <mc:Fallback xmlns="">
+      <p:transition/>
+    </mc:Fallback>
+  </mc:AlternateContent>
+</p:sld>
+</file>
+
+<file path=ppt/slides/slide44.xml><?xml version="1.0" encoding="utf-8"?>
+<p:sld xmlns:a="http://schemas.openxmlformats.org/drawingml/2006/main" xmlns:r="http://schemas.openxmlformats.org/officeDocument/2006/relationships" xmlns:p="http://schemas.openxmlformats.org/presentationml/2006/main">
+  <p:cSld>
+    <p:spTree>
+      <p:nvGrpSpPr>
+        <p:cNvPr id="1" name=""/>
+        <p:cNvGrpSpPr/>
+        <p:nvPr/>
+      </p:nvGrpSpPr>
+      <p:grpSpPr>
+        <a:xfrm>
+          <a:off x="0" y="0"/>
+          <a:ext cx="0" cy="0"/>
+          <a:chOff x="0" y="0"/>
+          <a:chExt cx="0" cy="0"/>
+        </a:xfrm>
+      </p:grpSpPr>
+      <p:sp>
+        <p:nvSpPr>
+          <p:cNvPr id="2" name="タイトル 1">
+            <a:extLst>
+              <a:ext uri="{FF2B5EF4-FFF2-40B4-BE49-F238E27FC236}">
                 <a16:creationId xmlns:a16="http://schemas.microsoft.com/office/drawing/2014/main" id="{18A42B14-CF0C-96E2-5CF7-6662DFA3735D}"/>
               </a:ext>
             </a:extLst>
@@ -13852,525 +14660,6 @@
 </p:sld>
 </file>
 
-<file path=ppt/slides/slide41.xml><?xml version="1.0" encoding="utf-8"?>
-<p:sld xmlns:a="http://schemas.openxmlformats.org/drawingml/2006/main" xmlns:r="http://schemas.openxmlformats.org/officeDocument/2006/relationships" xmlns:p="http://schemas.openxmlformats.org/presentationml/2006/main">
-  <p:cSld>
-    <p:spTree>
-      <p:nvGrpSpPr>
-        <p:cNvPr id="1" name=""/>
-        <p:cNvGrpSpPr/>
-        <p:nvPr/>
-      </p:nvGrpSpPr>
-      <p:grpSpPr>
-        <a:xfrm>
-          <a:off x="0" y="0"/>
-          <a:ext cx="0" cy="0"/>
-          <a:chOff x="0" y="0"/>
-          <a:chExt cx="0" cy="0"/>
-        </a:xfrm>
-      </p:grpSpPr>
-      <p:sp>
-        <p:nvSpPr>
-          <p:cNvPr id="2" name="タイトル 1">
-            <a:extLst>
-              <a:ext uri="{FF2B5EF4-FFF2-40B4-BE49-F238E27FC236}">
-                <a16:creationId xmlns:a16="http://schemas.microsoft.com/office/drawing/2014/main" id="{2719BBCA-CA4F-4773-E09D-3876AD40A638}"/>
-              </a:ext>
-            </a:extLst>
-          </p:cNvPr>
-          <p:cNvSpPr>
-            <a:spLocks noGrp="1"/>
-          </p:cNvSpPr>
-          <p:nvPr>
-            <p:ph type="title"/>
-          </p:nvPr>
-        </p:nvSpPr>
-        <p:spPr/>
-        <p:txBody>
-          <a:bodyPr/>
-          <a:lstStyle/>
-          <a:p>
-            <a:r>
-              <a:rPr kumimoji="1" lang="ja-JP" altLang="en-US" dirty="0"/>
-              <a:t>イントロプロットと全体プロット</a:t>
-            </a:r>
-          </a:p>
-        </p:txBody>
-      </p:sp>
-      <p:sp>
-        <p:nvSpPr>
-          <p:cNvPr id="3" name="テキスト プレースホルダー 2">
-            <a:extLst>
-              <a:ext uri="{FF2B5EF4-FFF2-40B4-BE49-F238E27FC236}">
-                <a16:creationId xmlns:a16="http://schemas.microsoft.com/office/drawing/2014/main" id="{E2641AA1-1A0A-9B61-5A99-7EE0B80BC37B}"/>
-              </a:ext>
-            </a:extLst>
-          </p:cNvPr>
-          <p:cNvSpPr>
-            <a:spLocks noGrp="1"/>
-          </p:cNvSpPr>
-          <p:nvPr>
-            <p:ph type="body" sz="quarter" idx="10"/>
-          </p:nvPr>
-        </p:nvSpPr>
-        <p:spPr/>
-        <p:txBody>
-          <a:bodyPr/>
-          <a:lstStyle/>
-          <a:p>
-            <a:pPr marL="457200" indent="-457200">
-              <a:buFont typeface="+mj-lt"/>
-              <a:buAutoNum type="arabicPeriod"/>
-            </a:pPr>
-            <a:r>
-              <a:rPr kumimoji="1" lang="ja-JP" altLang="en-US" sz="1800" dirty="0"/>
-              <a:t>イントロの重要な役割の１つは全体を</a:t>
-            </a:r>
-            <a:r>
-              <a:rPr lang="ja-JP" altLang="en-US" sz="1800" dirty="0"/>
-              <a:t>要約して紹介すること</a:t>
-            </a:r>
-            <a:endParaRPr lang="en-US" altLang="ja-JP" sz="1800" dirty="0"/>
-          </a:p>
-          <a:p>
-            <a:pPr lvl="1"/>
-            <a:r>
-              <a:rPr kumimoji="1" lang="ja-JP" altLang="en-US" sz="1800" dirty="0"/>
-              <a:t>したがって，全体プロットは「基本的には」イントロプロットをより詳細化して作ることになる</a:t>
-            </a:r>
-            <a:endParaRPr kumimoji="1" lang="en-US" altLang="ja-JP" sz="1800" dirty="0"/>
-          </a:p>
-          <a:p>
-            <a:pPr marL="457200" indent="-457200">
-              <a:buFont typeface="+mj-lt"/>
-              <a:buAutoNum type="arabicPeriod"/>
-            </a:pPr>
-            <a:r>
-              <a:rPr kumimoji="1" lang="ja-JP" altLang="en-US" sz="1800" dirty="0"/>
-              <a:t>イントロの</a:t>
-            </a:r>
-            <a:r>
-              <a:rPr lang="ja-JP" altLang="en-US" sz="1800" dirty="0"/>
-              <a:t>もう１つの役割は</a:t>
-            </a:r>
-            <a:r>
-              <a:rPr kumimoji="1" lang="ja-JP" altLang="en-US" sz="1800" dirty="0">
-                <a:solidFill>
-                  <a:schemeClr val="accent5"/>
-                </a:solidFill>
-              </a:rPr>
-              <a:t>読者や聴衆の興味をひくこと</a:t>
-            </a:r>
-            <a:endParaRPr kumimoji="1" lang="en-US" altLang="ja-JP" sz="1800" dirty="0"/>
-          </a:p>
-          <a:p>
-            <a:pPr lvl="1"/>
-            <a:r>
-              <a:rPr lang="ja-JP" altLang="en-US" sz="1800" dirty="0"/>
-              <a:t>読者や聴衆が興味を持つような点を強調する必要がある</a:t>
-            </a:r>
-            <a:endParaRPr lang="en-US" altLang="ja-JP" sz="1800" dirty="0"/>
-          </a:p>
-          <a:p>
-            <a:pPr lvl="2"/>
-            <a:r>
-              <a:rPr lang="ja-JP" altLang="en-US" sz="1800" dirty="0"/>
-              <a:t>問題や提案の核心部分，華々しい結果など</a:t>
-            </a:r>
-            <a:endParaRPr lang="en-US" altLang="ja-JP" sz="1800" dirty="0"/>
-          </a:p>
-          <a:p>
-            <a:pPr lvl="2"/>
-            <a:r>
-              <a:rPr lang="ja-JP" altLang="en-US" sz="1800" dirty="0"/>
-              <a:t>「</a:t>
-            </a:r>
-            <a:r>
-              <a:rPr lang="en-US" altLang="ja-JP" sz="1800" dirty="0"/>
-              <a:t>200%</a:t>
-            </a:r>
-            <a:r>
-              <a:rPr lang="ja-JP" altLang="en-US" sz="1800" dirty="0"/>
-              <a:t>性能向上しました」→ 「すごいな，どうやったんだろ？」</a:t>
-            </a:r>
-            <a:endParaRPr lang="en-US" altLang="ja-JP" sz="1800" dirty="0"/>
-          </a:p>
-          <a:p>
-            <a:pPr lvl="1"/>
-            <a:r>
-              <a:rPr kumimoji="1" lang="ja-JP" altLang="en-US" sz="1800" dirty="0"/>
-              <a:t>このため，「</a:t>
-            </a:r>
-            <a:r>
-              <a:rPr kumimoji="1" lang="ja-JP" altLang="en-US" sz="1800" dirty="0">
-                <a:solidFill>
-                  <a:schemeClr val="accent5"/>
-                </a:solidFill>
-              </a:rPr>
-              <a:t>イントロプロットを詳細化したもの＝全体プロット」ではない</a:t>
-            </a:r>
-            <a:r>
-              <a:rPr kumimoji="1" lang="ja-JP" altLang="en-US" sz="1800" dirty="0"/>
-              <a:t>と考えた方がよい</a:t>
-            </a:r>
-            <a:endParaRPr kumimoji="1" lang="en-US" altLang="ja-JP" sz="1800" dirty="0"/>
-          </a:p>
-          <a:p>
-            <a:pPr lvl="2"/>
-            <a:r>
-              <a:rPr kumimoji="1" lang="ja-JP" altLang="en-US" sz="1800" dirty="0"/>
-              <a:t>イントロでは問題の深刻さや提案のすごさをより強調して重きを置くから</a:t>
-            </a:r>
-            <a:endParaRPr kumimoji="1" lang="en-US" altLang="ja-JP" sz="1800" dirty="0"/>
-          </a:p>
-        </p:txBody>
-      </p:sp>
-    </p:spTree>
-    <p:extLst>
-      <p:ext uri="{BB962C8B-B14F-4D97-AF65-F5344CB8AC3E}">
-        <p14:creationId xmlns:p14="http://schemas.microsoft.com/office/powerpoint/2010/main" val="3764317816"/>
-      </p:ext>
-    </p:extLst>
-  </p:cSld>
-  <p:clrMapOvr>
-    <a:masterClrMapping/>
-  </p:clrMapOvr>
-  <mc:AlternateContent xmlns:mc="http://schemas.openxmlformats.org/markup-compatibility/2006" xmlns:p14="http://schemas.microsoft.com/office/powerpoint/2010/main">
-    <mc:Choice Requires="p14">
-      <p:transition p14:dur="10"/>
-    </mc:Choice>
-    <mc:Fallback xmlns="">
-      <p:transition/>
-    </mc:Fallback>
-  </mc:AlternateContent>
-</p:sld>
-</file>
-
-<file path=ppt/slides/slide42.xml><?xml version="1.0" encoding="utf-8"?>
-<p:sld xmlns:a="http://schemas.openxmlformats.org/drawingml/2006/main" xmlns:r="http://schemas.openxmlformats.org/officeDocument/2006/relationships" xmlns:p="http://schemas.openxmlformats.org/presentationml/2006/main">
-  <p:cSld>
-    <p:spTree>
-      <p:nvGrpSpPr>
-        <p:cNvPr id="1" name=""/>
-        <p:cNvGrpSpPr/>
-        <p:nvPr/>
-      </p:nvGrpSpPr>
-      <p:grpSpPr>
-        <a:xfrm>
-          <a:off x="0" y="0"/>
-          <a:ext cx="0" cy="0"/>
-          <a:chOff x="0" y="0"/>
-          <a:chExt cx="0" cy="0"/>
-        </a:xfrm>
-      </p:grpSpPr>
-      <p:sp>
-        <p:nvSpPr>
-          <p:cNvPr id="2" name="タイトル 1">
-            <a:extLst>
-              <a:ext uri="{FF2B5EF4-FFF2-40B4-BE49-F238E27FC236}">
-                <a16:creationId xmlns:a16="http://schemas.microsoft.com/office/drawing/2014/main" id="{EC155717-5332-FF55-D8D6-3A7D8E56683B}"/>
-              </a:ext>
-            </a:extLst>
-          </p:cNvPr>
-          <p:cNvSpPr>
-            <a:spLocks noGrp="1"/>
-          </p:cNvSpPr>
-          <p:nvPr>
-            <p:ph type="title"/>
-          </p:nvPr>
-        </p:nvSpPr>
-        <p:spPr/>
-        <p:txBody>
-          <a:bodyPr/>
-          <a:lstStyle/>
-          <a:p>
-            <a:r>
-              <a:rPr kumimoji="1" lang="ja-JP" altLang="en-US" dirty="0"/>
-              <a:t>イントロと全体のプロットで構造が違う例</a:t>
-            </a:r>
-          </a:p>
-        </p:txBody>
-      </p:sp>
-      <p:sp>
-        <p:nvSpPr>
-          <p:cNvPr id="3" name="テキスト プレースホルダー 2">
-            <a:extLst>
-              <a:ext uri="{FF2B5EF4-FFF2-40B4-BE49-F238E27FC236}">
-                <a16:creationId xmlns:a16="http://schemas.microsoft.com/office/drawing/2014/main" id="{EB1B3AEE-0F55-221C-53D1-F2E09EE602A3}"/>
-              </a:ext>
-            </a:extLst>
-          </p:cNvPr>
-          <p:cNvSpPr>
-            <a:spLocks noGrp="1"/>
-          </p:cNvSpPr>
-          <p:nvPr>
-            <p:ph type="body" sz="quarter" idx="10"/>
-          </p:nvPr>
-        </p:nvSpPr>
-        <p:spPr/>
-        <p:txBody>
-          <a:bodyPr/>
-          <a:lstStyle/>
-          <a:p>
-            <a:r>
-              <a:rPr lang="ja-JP" altLang="en-US" dirty="0"/>
-              <a:t>イントロの最初の１～２パラグラフ</a:t>
-            </a:r>
-            <a:endParaRPr lang="en-US" altLang="ja-JP" dirty="0"/>
-          </a:p>
-          <a:p>
-            <a:pPr lvl="1"/>
-            <a:r>
-              <a:rPr lang="ja-JP" altLang="en-US" dirty="0"/>
-              <a:t>研究全体の背景として論文のどこかでは１度言わなければならない内容であることが多い</a:t>
-            </a:r>
-            <a:endParaRPr lang="en-US" altLang="ja-JP" dirty="0"/>
-          </a:p>
-          <a:p>
-            <a:pPr lvl="1"/>
-            <a:r>
-              <a:rPr lang="ja-JP" altLang="en-US" dirty="0"/>
-              <a:t>しかし，非常に一般的であるか，あるいは本筋には関係なかったりして論文本文ではそれ以降登場しない事がある</a:t>
-            </a:r>
-            <a:endParaRPr lang="en-US" altLang="ja-JP" dirty="0"/>
-          </a:p>
-          <a:p>
-            <a:r>
-              <a:rPr lang="ja-JP" altLang="en-US" dirty="0"/>
-              <a:t>このような場合，イントロのパラグラフの構造と全体の章構成は異なってくる</a:t>
-            </a:r>
-            <a:endParaRPr lang="en-US" altLang="ja-JP" dirty="0"/>
-          </a:p>
-        </p:txBody>
-      </p:sp>
-    </p:spTree>
-    <p:extLst>
-      <p:ext uri="{BB962C8B-B14F-4D97-AF65-F5344CB8AC3E}">
-        <p14:creationId xmlns:p14="http://schemas.microsoft.com/office/powerpoint/2010/main" val="2367068981"/>
-      </p:ext>
-    </p:extLst>
-  </p:cSld>
-  <p:clrMapOvr>
-    <a:masterClrMapping/>
-  </p:clrMapOvr>
-  <mc:AlternateContent xmlns:mc="http://schemas.openxmlformats.org/markup-compatibility/2006" xmlns:p14="http://schemas.microsoft.com/office/powerpoint/2010/main">
-    <mc:Choice Requires="p14">
-      <p:transition p14:dur="10"/>
-    </mc:Choice>
-    <mc:Fallback xmlns="">
-      <p:transition/>
-    </mc:Fallback>
-  </mc:AlternateContent>
-</p:sld>
-</file>
-
-<file path=ppt/slides/slide43.xml><?xml version="1.0" encoding="utf-8"?>
-<p:sld xmlns:a="http://schemas.openxmlformats.org/drawingml/2006/main" xmlns:r="http://schemas.openxmlformats.org/officeDocument/2006/relationships" xmlns:p="http://schemas.openxmlformats.org/presentationml/2006/main">
-  <p:cSld>
-    <p:spTree>
-      <p:nvGrpSpPr>
-        <p:cNvPr id="1" name=""/>
-        <p:cNvGrpSpPr/>
-        <p:nvPr/>
-      </p:nvGrpSpPr>
-      <p:grpSpPr>
-        <a:xfrm>
-          <a:off x="0" y="0"/>
-          <a:ext cx="0" cy="0"/>
-          <a:chOff x="0" y="0"/>
-          <a:chExt cx="0" cy="0"/>
-        </a:xfrm>
-      </p:grpSpPr>
-      <p:sp>
-        <p:nvSpPr>
-          <p:cNvPr id="4" name="タイトル 3">
-            <a:extLst>
-              <a:ext uri="{FF2B5EF4-FFF2-40B4-BE49-F238E27FC236}">
-                <a16:creationId xmlns:a16="http://schemas.microsoft.com/office/drawing/2014/main" id="{84F42E09-269D-6700-69C9-4DCC825C99A7}"/>
-              </a:ext>
-            </a:extLst>
-          </p:cNvPr>
-          <p:cNvSpPr>
-            <a:spLocks noGrp="1"/>
-          </p:cNvSpPr>
-          <p:nvPr>
-            <p:ph type="title"/>
-          </p:nvPr>
-        </p:nvSpPr>
-        <p:spPr/>
-        <p:txBody>
-          <a:bodyPr/>
-          <a:lstStyle/>
-          <a:p>
-            <a:r>
-              <a:rPr lang="ja-JP" altLang="en-US" b="1" dirty="0"/>
-              <a:t>全体プロット</a:t>
-            </a:r>
-          </a:p>
-        </p:txBody>
-      </p:sp>
-    </p:spTree>
-    <p:extLst>
-      <p:ext uri="{BB962C8B-B14F-4D97-AF65-F5344CB8AC3E}">
-        <p14:creationId xmlns:p14="http://schemas.microsoft.com/office/powerpoint/2010/main" val="3653181482"/>
-      </p:ext>
-    </p:extLst>
-  </p:cSld>
-  <p:clrMapOvr>
-    <a:masterClrMapping/>
-  </p:clrMapOvr>
-</p:sld>
-</file>
-
-<file path=ppt/slides/slide44.xml><?xml version="1.0" encoding="utf-8"?>
-<p:sld xmlns:a="http://schemas.openxmlformats.org/drawingml/2006/main" xmlns:r="http://schemas.openxmlformats.org/officeDocument/2006/relationships" xmlns:p="http://schemas.openxmlformats.org/presentationml/2006/main">
-  <p:cSld>
-    <p:spTree>
-      <p:nvGrpSpPr>
-        <p:cNvPr id="1" name=""/>
-        <p:cNvGrpSpPr/>
-        <p:nvPr/>
-      </p:nvGrpSpPr>
-      <p:grpSpPr>
-        <a:xfrm>
-          <a:off x="0" y="0"/>
-          <a:ext cx="0" cy="0"/>
-          <a:chOff x="0" y="0"/>
-          <a:chExt cx="0" cy="0"/>
-        </a:xfrm>
-      </p:grpSpPr>
-      <p:sp>
-        <p:nvSpPr>
-          <p:cNvPr id="4" name="タイトル 3">
-            <a:extLst>
-              <a:ext uri="{FF2B5EF4-FFF2-40B4-BE49-F238E27FC236}">
-                <a16:creationId xmlns:a16="http://schemas.microsoft.com/office/drawing/2014/main" id="{753D130F-9E8D-16A8-53A6-8697A34BBC23}"/>
-              </a:ext>
-            </a:extLst>
-          </p:cNvPr>
-          <p:cNvSpPr>
-            <a:spLocks noGrp="1"/>
-          </p:cNvSpPr>
-          <p:nvPr>
-            <p:ph type="title"/>
-          </p:nvPr>
-        </p:nvSpPr>
-        <p:spPr/>
-        <p:txBody>
-          <a:bodyPr/>
-          <a:lstStyle/>
-          <a:p>
-            <a:r>
-              <a:rPr lang="ja-JP" altLang="en-US" b="1" dirty="0"/>
-              <a:t>全体プロット</a:t>
-            </a:r>
-            <a:endParaRPr lang="ja-JP" altLang="en-US" dirty="0"/>
-          </a:p>
-        </p:txBody>
-      </p:sp>
-      <p:sp>
-        <p:nvSpPr>
-          <p:cNvPr id="5" name="テキスト プレースホルダー 4">
-            <a:extLst>
-              <a:ext uri="{FF2B5EF4-FFF2-40B4-BE49-F238E27FC236}">
-                <a16:creationId xmlns:a16="http://schemas.microsoft.com/office/drawing/2014/main" id="{220629E9-D9B3-68BB-D88A-B953DAE0018E}"/>
-              </a:ext>
-            </a:extLst>
-          </p:cNvPr>
-          <p:cNvSpPr>
-            <a:spLocks noGrp="1"/>
-          </p:cNvSpPr>
-          <p:nvPr>
-            <p:ph type="body" sz="quarter" idx="10"/>
-          </p:nvPr>
-        </p:nvSpPr>
-        <p:spPr/>
-        <p:txBody>
-          <a:bodyPr/>
-          <a:lstStyle/>
-          <a:p>
-            <a:r>
-              <a:rPr lang="ja-JP" altLang="en-US" dirty="0"/>
-              <a:t>論文やスライド全体のプロット</a:t>
-            </a:r>
-            <a:endParaRPr lang="en-US" altLang="ja-JP" dirty="0"/>
-          </a:p>
-          <a:p>
-            <a:pPr lvl="1"/>
-            <a:r>
-              <a:rPr lang="ja-JP" altLang="en-US" dirty="0"/>
-              <a:t>特に項目数などの形式はない：</a:t>
-            </a:r>
-            <a:endParaRPr lang="en-US" altLang="ja-JP" dirty="0"/>
-          </a:p>
-          <a:p>
-            <a:pPr lvl="2"/>
-            <a:r>
-              <a:rPr lang="ja-JP" altLang="en-US" dirty="0"/>
-              <a:t>基本的には３点プロットやイントロプロットから派生させて考える</a:t>
-            </a:r>
-            <a:endParaRPr lang="en-US" altLang="ja-JP" dirty="0"/>
-          </a:p>
-          <a:p>
-            <a:pPr lvl="2"/>
-            <a:r>
-              <a:rPr lang="ja-JP" altLang="en-US" dirty="0"/>
-              <a:t>イントロプロットでは省略されるような実装の詳細なども入る</a:t>
-            </a:r>
-            <a:endParaRPr lang="en-US" altLang="ja-JP" dirty="0"/>
-          </a:p>
-          <a:p>
-            <a:r>
-              <a:rPr lang="ja-JP" altLang="en-US" dirty="0"/>
-              <a:t>３点プロットは，いわば「プロットのプロット」</a:t>
-            </a:r>
-            <a:endParaRPr lang="en-US" altLang="ja-JP" dirty="0"/>
-          </a:p>
-          <a:p>
-            <a:pPr lvl="1"/>
-            <a:r>
-              <a:rPr lang="ja-JP" altLang="en-US" dirty="0"/>
-              <a:t>基本的には３点プロットで整理した内容をもとに，</a:t>
-            </a:r>
-            <a:br>
-              <a:rPr lang="en-US" altLang="ja-JP" dirty="0"/>
-            </a:br>
-            <a:r>
-              <a:rPr lang="ja-JP" altLang="en-US" dirty="0"/>
-              <a:t>肉付けして全体プロットを作る</a:t>
-            </a:r>
-            <a:endParaRPr lang="en-US" altLang="ja-JP" dirty="0"/>
-          </a:p>
-          <a:p>
-            <a:pPr lvl="1"/>
-            <a:r>
-              <a:rPr lang="ja-JP" altLang="en-US" dirty="0"/>
-              <a:t>いきなり全体プロットを作るのは難しい</a:t>
-            </a:r>
-          </a:p>
-        </p:txBody>
-      </p:sp>
-    </p:spTree>
-    <p:extLst>
-      <p:ext uri="{BB962C8B-B14F-4D97-AF65-F5344CB8AC3E}">
-        <p14:creationId xmlns:p14="http://schemas.microsoft.com/office/powerpoint/2010/main" val="57573531"/>
-      </p:ext>
-    </p:extLst>
-  </p:cSld>
-  <p:clrMapOvr>
-    <a:masterClrMapping/>
-  </p:clrMapOvr>
-  <mc:AlternateContent xmlns:mc="http://schemas.openxmlformats.org/markup-compatibility/2006" xmlns:p14="http://schemas.microsoft.com/office/powerpoint/2010/main">
-    <mc:Choice Requires="p14">
-      <p:transition p14:dur="10"/>
-    </mc:Choice>
-    <mc:Fallback xmlns="">
-      <p:transition/>
-    </mc:Fallback>
-  </mc:AlternateContent>
-</p:sld>
-</file>
-
 <file path=ppt/slides/slide45.xml><?xml version="1.0" encoding="utf-8"?>
 <p:sld xmlns:a="http://schemas.openxmlformats.org/drawingml/2006/main" xmlns:r="http://schemas.openxmlformats.org/officeDocument/2006/relationships" xmlns:p="http://schemas.openxmlformats.org/presentationml/2006/main">
   <p:cSld>
@@ -14390,10 +14679,10 @@
       </p:grpSpPr>
       <p:sp>
         <p:nvSpPr>
-          <p:cNvPr id="4" name="タイトル 3">
-            <a:extLst>
-              <a:ext uri="{FF2B5EF4-FFF2-40B4-BE49-F238E27FC236}">
-                <a16:creationId xmlns:a16="http://schemas.microsoft.com/office/drawing/2014/main" id="{753D130F-9E8D-16A8-53A6-8697A34BBC23}"/>
+          <p:cNvPr id="2" name="タイトル 1">
+            <a:extLst>
+              <a:ext uri="{FF2B5EF4-FFF2-40B4-BE49-F238E27FC236}">
+                <a16:creationId xmlns:a16="http://schemas.microsoft.com/office/drawing/2014/main" id="{2719BBCA-CA4F-4773-E09D-3876AD40A638}"/>
               </a:ext>
             </a:extLst>
           </p:cNvPr>
@@ -14410,19 +14699,18 @@
           <a:lstStyle/>
           <a:p>
             <a:r>
-              <a:rPr lang="ja-JP" altLang="en-US" b="1" dirty="0"/>
-              <a:t>全体プロットの構成</a:t>
-            </a:r>
-            <a:endParaRPr lang="ja-JP" altLang="en-US" dirty="0"/>
-          </a:p>
-        </p:txBody>
-      </p:sp>
-      <p:sp>
-        <p:nvSpPr>
-          <p:cNvPr id="5" name="テキスト プレースホルダー 4">
-            <a:extLst>
-              <a:ext uri="{FF2B5EF4-FFF2-40B4-BE49-F238E27FC236}">
-                <a16:creationId xmlns:a16="http://schemas.microsoft.com/office/drawing/2014/main" id="{220629E9-D9B3-68BB-D88A-B953DAE0018E}"/>
+              <a:rPr kumimoji="1" lang="ja-JP" altLang="en-US" dirty="0"/>
+              <a:t>イントロプロットと全体プロット</a:t>
+            </a:r>
+          </a:p>
+        </p:txBody>
+      </p:sp>
+      <p:sp>
+        <p:nvSpPr>
+          <p:cNvPr id="3" name="テキスト プレースホルダー 2">
+            <a:extLst>
+              <a:ext uri="{FF2B5EF4-FFF2-40B4-BE49-F238E27FC236}">
+                <a16:creationId xmlns:a16="http://schemas.microsoft.com/office/drawing/2014/main" id="{E2641AA1-1A0A-9B61-5A99-7EE0B80BC37B}"/>
               </a:ext>
             </a:extLst>
           </p:cNvPr>
@@ -14438,75 +14726,117 @@
           <a:bodyPr/>
           <a:lstStyle/>
           <a:p>
-            <a:r>
-              <a:rPr lang="ja-JP" altLang="en-US" dirty="0"/>
-              <a:t>論文用：以下を</a:t>
-            </a:r>
-            <a:r>
-              <a:rPr kumimoji="1" lang="ja-JP" altLang="en-US" dirty="0"/>
-              <a:t>箇条書きにまとめる</a:t>
-            </a:r>
-            <a:endParaRPr lang="en-US" altLang="ja-JP" dirty="0"/>
+            <a:pPr marL="457200" indent="-457200">
+              <a:buFont typeface="+mj-lt"/>
+              <a:buAutoNum type="arabicPeriod"/>
+            </a:pPr>
+            <a:r>
+              <a:rPr kumimoji="1" lang="ja-JP" altLang="en-US" sz="1800" dirty="0"/>
+              <a:t>イントロの重要な役割の１つは全体を</a:t>
+            </a:r>
+            <a:r>
+              <a:rPr lang="ja-JP" altLang="en-US" sz="1800" dirty="0"/>
+              <a:t>要約して紹介すること</a:t>
+            </a:r>
+            <a:endParaRPr lang="en-US" altLang="ja-JP" sz="1800" dirty="0"/>
           </a:p>
           <a:p>
             <a:pPr lvl="1"/>
             <a:r>
-              <a:rPr kumimoji="1" lang="ja-JP" altLang="en-US" dirty="0"/>
-              <a:t>論文の </a:t>
-            </a:r>
-            <a:r>
-              <a:rPr kumimoji="1" lang="en-US" altLang="ja-JP" dirty="0"/>
-              <a:t>subsubsection </a:t>
-            </a:r>
-            <a:r>
-              <a:rPr kumimoji="1" lang="ja-JP" altLang="en-US" dirty="0"/>
-              <a:t>までの節タイトル</a:t>
-            </a:r>
-            <a:endParaRPr kumimoji="1" lang="en-US" altLang="ja-JP" dirty="0"/>
+              <a:rPr kumimoji="1" lang="ja-JP" altLang="en-US" sz="1800" dirty="0"/>
+              <a:t>したがって，全体プロットは「基本的には」イントロプロットをより詳細化して作ることになる</a:t>
+            </a:r>
+            <a:endParaRPr kumimoji="1" lang="en-US" altLang="ja-JP" sz="1800" dirty="0"/>
+          </a:p>
+          <a:p>
+            <a:pPr marL="457200" indent="-457200">
+              <a:buFont typeface="+mj-lt"/>
+              <a:buAutoNum type="arabicPeriod"/>
+            </a:pPr>
+            <a:r>
+              <a:rPr kumimoji="1" lang="ja-JP" altLang="en-US" sz="1800" dirty="0"/>
+              <a:t>イントロの</a:t>
+            </a:r>
+            <a:r>
+              <a:rPr lang="ja-JP" altLang="en-US" sz="1800" dirty="0"/>
+              <a:t>もう１つの役割は</a:t>
+            </a:r>
+            <a:r>
+              <a:rPr kumimoji="1" lang="ja-JP" altLang="en-US" sz="1800" dirty="0">
+                <a:solidFill>
+                  <a:schemeClr val="accent5"/>
+                </a:solidFill>
+              </a:rPr>
+              <a:t>読者や聴衆の興味をひくこと</a:t>
+            </a:r>
+            <a:endParaRPr kumimoji="1" lang="en-US" altLang="ja-JP" sz="1800" dirty="0"/>
           </a:p>
           <a:p>
             <a:pPr lvl="1"/>
             <a:r>
-              <a:rPr kumimoji="1" lang="ja-JP" altLang="en-US" dirty="0"/>
-              <a:t>そこで何を話すか</a:t>
-            </a:r>
-            <a:endParaRPr kumimoji="1" lang="en-US" altLang="ja-JP" dirty="0"/>
-          </a:p>
-          <a:p>
-            <a:r>
-              <a:rPr lang="ja-JP" altLang="en-US" dirty="0"/>
-              <a:t>スライド用：以下を</a:t>
-            </a:r>
-            <a:r>
-              <a:rPr kumimoji="1" lang="ja-JP" altLang="en-US" dirty="0"/>
-              <a:t>箇条書きにまとめる</a:t>
-            </a:r>
-            <a:endParaRPr lang="en-US" altLang="ja-JP" dirty="0"/>
+              <a:rPr lang="ja-JP" altLang="en-US" sz="1800" dirty="0"/>
+              <a:t>読者や聴衆が興味を持つような点を強調する必要がある</a:t>
+            </a:r>
+            <a:endParaRPr lang="en-US" altLang="ja-JP" sz="1800" dirty="0"/>
+          </a:p>
+          <a:p>
+            <a:pPr lvl="2"/>
+            <a:r>
+              <a:rPr lang="ja-JP" altLang="en-US" sz="1800" dirty="0"/>
+              <a:t>問題や提案の核心部分，華々しい結果など</a:t>
+            </a:r>
+            <a:endParaRPr lang="en-US" altLang="ja-JP" sz="1800" dirty="0"/>
+          </a:p>
+          <a:p>
+            <a:pPr lvl="2"/>
+            <a:r>
+              <a:rPr lang="ja-JP" altLang="en-US" sz="1800" dirty="0"/>
+              <a:t>「</a:t>
+            </a:r>
+            <a:r>
+              <a:rPr lang="en-US" altLang="ja-JP" sz="1800" dirty="0"/>
+              <a:t>200%</a:t>
+            </a:r>
+            <a:r>
+              <a:rPr lang="ja-JP" altLang="en-US" sz="1800" dirty="0"/>
+              <a:t>性能向上しました」→ 「すごいな，どうやったんだろ？」</a:t>
+            </a:r>
+            <a:endParaRPr lang="en-US" altLang="ja-JP" sz="1800" dirty="0"/>
           </a:p>
           <a:p>
             <a:pPr lvl="1"/>
             <a:r>
-              <a:rPr kumimoji="1" lang="ja-JP" altLang="en-US" dirty="0"/>
-              <a:t>スライドの各ページのタイトル</a:t>
-            </a:r>
-            <a:endParaRPr kumimoji="1" lang="en-US" altLang="ja-JP" dirty="0"/>
-          </a:p>
-          <a:p>
-            <a:pPr lvl="1"/>
-            <a:r>
-              <a:rPr kumimoji="1" lang="ja-JP" altLang="en-US" dirty="0"/>
-              <a:t>そこで何を話すか</a:t>
-            </a:r>
-          </a:p>
-          <a:p>
-            <a:endParaRPr lang="ja-JP" altLang="en-US" dirty="0"/>
+              <a:rPr kumimoji="1" lang="ja-JP" altLang="en-US" sz="1800" dirty="0"/>
+              <a:t>このため，「</a:t>
+            </a:r>
+            <a:r>
+              <a:rPr kumimoji="1" lang="ja-JP" altLang="en-US" sz="1800" dirty="0">
+                <a:solidFill>
+                  <a:schemeClr val="accent5"/>
+                </a:solidFill>
+              </a:rPr>
+              <a:t>イントロプロットを詳細化したもの＝全体プロット」ではない</a:t>
+            </a:r>
+            <a:r>
+              <a:rPr kumimoji="1" lang="ja-JP" altLang="en-US" sz="1800" dirty="0"/>
+              <a:t>と考えた方がよい</a:t>
+            </a:r>
+            <a:endParaRPr kumimoji="1" lang="en-US" altLang="ja-JP" sz="1800" dirty="0"/>
+          </a:p>
+          <a:p>
+            <a:pPr lvl="2"/>
+            <a:r>
+              <a:rPr kumimoji="1" lang="ja-JP" altLang="en-US" sz="1800" dirty="0"/>
+              <a:t>イントロでは問題の深刻さや提案のすごさをより強調して重きを置くから</a:t>
+            </a:r>
+            <a:endParaRPr kumimoji="1" lang="en-US" altLang="ja-JP" sz="1800" dirty="0"/>
           </a:p>
         </p:txBody>
       </p:sp>
     </p:spTree>
     <p:extLst>
       <p:ext uri="{BB962C8B-B14F-4D97-AF65-F5344CB8AC3E}">
-        <p14:creationId xmlns:p14="http://schemas.microsoft.com/office/powerpoint/2010/main" val="492338302"/>
+        <p14:creationId xmlns:p14="http://schemas.microsoft.com/office/powerpoint/2010/main" val="3764317816"/>
       </p:ext>
     </p:extLst>
   </p:cSld>
@@ -14543,7 +14873,13 @@
       </p:grpSpPr>
       <p:sp>
         <p:nvSpPr>
-          <p:cNvPr id="2" name="タイトル 1"/>
+          <p:cNvPr id="2" name="タイトル 1">
+            <a:extLst>
+              <a:ext uri="{FF2B5EF4-FFF2-40B4-BE49-F238E27FC236}">
+                <a16:creationId xmlns:a16="http://schemas.microsoft.com/office/drawing/2014/main" id="{EC155717-5332-FF55-D8D6-3A7D8E56683B}"/>
+              </a:ext>
+            </a:extLst>
+          </p:cNvPr>
           <p:cNvSpPr>
             <a:spLocks noGrp="1"/>
           </p:cNvSpPr>
@@ -14558,14 +14894,20 @@
           <a:p>
             <a:r>
               <a:rPr kumimoji="1" lang="ja-JP" altLang="en-US" dirty="0"/>
-              <a:t>スライド用プロットの流れの例</a:t>
-            </a:r>
-          </a:p>
-        </p:txBody>
-      </p:sp>
-      <p:sp>
-        <p:nvSpPr>
-          <p:cNvPr id="3" name="テキスト プレースホルダー 2"/>
+              <a:t>イントロと全体のプロットで構造が違う例</a:t>
+            </a:r>
+          </a:p>
+        </p:txBody>
+      </p:sp>
+      <p:sp>
+        <p:nvSpPr>
+          <p:cNvPr id="3" name="テキスト プレースホルダー 2">
+            <a:extLst>
+              <a:ext uri="{FF2B5EF4-FFF2-40B4-BE49-F238E27FC236}">
+                <a16:creationId xmlns:a16="http://schemas.microsoft.com/office/drawing/2014/main" id="{EB1B3AEE-0F55-221C-53D1-F2E09EE602A3}"/>
+              </a:ext>
+            </a:extLst>
+          </p:cNvPr>
           <p:cNvSpPr>
             <a:spLocks noGrp="1"/>
           </p:cNvSpPr>
@@ -14573,160 +14915,46 @@
             <p:ph type="body" sz="quarter" idx="10"/>
           </p:nvPr>
         </p:nvSpPr>
-        <p:spPr>
-          <a:xfrm>
-            <a:off x="611956" y="1268976"/>
-            <a:ext cx="8280092" cy="5039749"/>
-          </a:xfrm>
-        </p:spPr>
+        <p:spPr/>
         <p:txBody>
           <a:bodyPr/>
           <a:lstStyle/>
           <a:p>
-            <a:pPr marL="817200" lvl="1" indent="-457200">
-              <a:buFont typeface="+mj-lt"/>
-              <a:buAutoNum type="arabicPeriod"/>
-            </a:pPr>
-            <a:r>
-              <a:rPr kumimoji="1" lang="ja-JP" altLang="en-US" dirty="0"/>
-              <a:t>イントロ</a:t>
-            </a:r>
-            <a:endParaRPr kumimoji="1" lang="en-US" altLang="ja-JP" dirty="0"/>
-          </a:p>
-          <a:p>
-            <a:pPr marL="817200" lvl="1" indent="-457200">
-              <a:buFont typeface="+mj-lt"/>
-              <a:buAutoNum type="arabicPeriod"/>
-            </a:pPr>
-            <a:r>
-              <a:rPr kumimoji="1" lang="ja-JP" altLang="en-US" dirty="0"/>
-              <a:t>背景となる問題</a:t>
-            </a:r>
-            <a:endParaRPr kumimoji="1" lang="en-US" altLang="ja-JP" dirty="0"/>
-          </a:p>
-          <a:p>
-            <a:pPr marL="817200" lvl="1" indent="-457200">
-              <a:buFont typeface="+mj-lt"/>
-              <a:buAutoNum type="arabicPeriod"/>
-            </a:pPr>
-            <a:r>
-              <a:rPr kumimoji="1" lang="ja-JP" altLang="en-US" dirty="0"/>
-              <a:t>既存</a:t>
-            </a:r>
             <a:r>
               <a:rPr lang="ja-JP" altLang="en-US" dirty="0"/>
-              <a:t>手法</a:t>
+              <a:t>イントロの最初の１～２パラグラフ</a:t>
             </a:r>
             <a:endParaRPr lang="en-US" altLang="ja-JP" dirty="0"/>
           </a:p>
           <a:p>
-            <a:pPr marL="1177200" lvl="2" indent="-457200">
-              <a:buFont typeface="+mj-lt"/>
-              <a:buAutoNum type="arabicPeriod"/>
-            </a:pPr>
+            <a:pPr lvl="1"/>
             <a:r>
               <a:rPr lang="ja-JP" altLang="en-US" dirty="0"/>
-              <a:t>既存手法の説明</a:t>
+              <a:t>研究全体の背景として論文のどこかでは１度言わなければならない内容であることが多い</a:t>
             </a:r>
             <a:endParaRPr lang="en-US" altLang="ja-JP" dirty="0"/>
           </a:p>
           <a:p>
-            <a:pPr marL="1177200" lvl="2" indent="-457200">
-              <a:buFont typeface="+mj-lt"/>
-              <a:buAutoNum type="arabicPeriod"/>
-            </a:pPr>
+            <a:pPr lvl="1"/>
             <a:r>
               <a:rPr lang="ja-JP" altLang="en-US" dirty="0"/>
-              <a:t>既存手法の問題</a:t>
+              <a:t>しかし，非常に一般的であるか，あるいは本筋には関係なかったりして論文本文ではそれ以降登場しない事がある</a:t>
             </a:r>
             <a:endParaRPr lang="en-US" altLang="ja-JP" dirty="0"/>
           </a:p>
           <a:p>
-            <a:pPr marL="817200" lvl="1" indent="-457200">
-              <a:buFont typeface="+mj-lt"/>
-              <a:buAutoNum type="arabicPeriod"/>
-            </a:pPr>
-            <a:r>
-              <a:rPr kumimoji="1" lang="ja-JP" altLang="en-US" dirty="0"/>
-              <a:t>提案手法</a:t>
-            </a:r>
-            <a:endParaRPr kumimoji="1" lang="en-US" altLang="ja-JP" dirty="0"/>
-          </a:p>
-          <a:p>
-            <a:pPr marL="1177200" lvl="2" indent="-457200">
-              <a:buFont typeface="+mj-lt"/>
-              <a:buAutoNum type="arabicPeriod"/>
-            </a:pPr>
-            <a:r>
-              <a:rPr kumimoji="1" lang="ja-JP" altLang="en-US" dirty="0"/>
-              <a:t>アイデア</a:t>
-            </a:r>
-            <a:endParaRPr kumimoji="1" lang="en-US" altLang="ja-JP" dirty="0"/>
-          </a:p>
-          <a:p>
-            <a:pPr marL="1177200" lvl="2" indent="-457200">
-              <a:buFont typeface="+mj-lt"/>
-              <a:buAutoNum type="arabicPeriod"/>
-            </a:pPr>
-            <a:r>
-              <a:rPr kumimoji="1" lang="ja-JP" altLang="en-US" dirty="0"/>
-              <a:t>実装：構成，動作，例</a:t>
-            </a:r>
-            <a:endParaRPr kumimoji="1" lang="en-US" altLang="ja-JP" dirty="0"/>
-          </a:p>
-          <a:p>
-            <a:pPr marL="1177200" lvl="2" indent="-457200">
-              <a:buFont typeface="+mj-lt"/>
-              <a:buAutoNum type="arabicPeriod"/>
-            </a:pPr>
-            <a:r>
-              <a:rPr kumimoji="1" lang="ja-JP" altLang="en-US" dirty="0"/>
-              <a:t>既存手法との比較</a:t>
-            </a:r>
-            <a:endParaRPr kumimoji="1" lang="en-US" altLang="ja-JP" dirty="0"/>
-          </a:p>
-          <a:p>
-            <a:pPr marL="817200" lvl="1" indent="-457200">
-              <a:buFont typeface="+mj-lt"/>
-              <a:buAutoNum type="arabicPeriod"/>
-            </a:pPr>
-            <a:r>
-              <a:rPr kumimoji="1" lang="ja-JP" altLang="en-US" dirty="0"/>
-              <a:t>評価</a:t>
-            </a:r>
-            <a:endParaRPr kumimoji="1" lang="en-US" altLang="ja-JP" dirty="0"/>
-          </a:p>
-          <a:p>
-            <a:pPr marL="817200" lvl="1" indent="-457200">
-              <a:buFont typeface="+mj-lt"/>
-              <a:buAutoNum type="arabicPeriod"/>
-            </a:pPr>
-            <a:r>
-              <a:rPr kumimoji="1" lang="ja-JP" altLang="en-US" dirty="0"/>
-              <a:t>まとめ</a:t>
-            </a:r>
-            <a:endParaRPr kumimoji="1" lang="en-US" altLang="ja-JP" dirty="0"/>
-          </a:p>
-          <a:p>
-            <a:pPr marL="817200" lvl="1" indent="-457200">
-              <a:buFont typeface="+mj-lt"/>
-              <a:buAutoNum type="arabicPeriod"/>
-            </a:pPr>
+            <a:r>
+              <a:rPr lang="ja-JP" altLang="en-US" dirty="0"/>
+              <a:t>このような場合，イントロのパラグラフの構造と全体の章構成は異なってくる</a:t>
+            </a:r>
             <a:endParaRPr lang="en-US" altLang="ja-JP" dirty="0"/>
-          </a:p>
-          <a:p>
-            <a:pPr lvl="1"/>
-            <a:r>
-              <a:rPr kumimoji="1" lang="ja-JP" altLang="en-US" dirty="0"/>
-              <a:t>たとえば上記それぞれの項目に１～４ページ程度を割り当てる</a:t>
-            </a:r>
           </a:p>
         </p:txBody>
       </p:sp>
     </p:spTree>
     <p:extLst>
       <p:ext uri="{BB962C8B-B14F-4D97-AF65-F5344CB8AC3E}">
-        <p14:creationId xmlns:p14="http://schemas.microsoft.com/office/powerpoint/2010/main" val="2044035977"/>
+        <p14:creationId xmlns:p14="http://schemas.microsoft.com/office/powerpoint/2010/main" val="2367068981"/>
       </p:ext>
     </p:extLst>
   </p:cSld>
@@ -14763,10 +14991,10 @@
       </p:grpSpPr>
       <p:sp>
         <p:nvSpPr>
-          <p:cNvPr id="6" name="タイトル 5">
-            <a:extLst>
-              <a:ext uri="{FF2B5EF4-FFF2-40B4-BE49-F238E27FC236}">
-                <a16:creationId xmlns:a16="http://schemas.microsoft.com/office/drawing/2014/main" id="{8747E992-D7C8-B607-3243-8F1C4EBCDADD}"/>
+          <p:cNvPr id="4" name="タイトル 3">
+            <a:extLst>
+              <a:ext uri="{FF2B5EF4-FFF2-40B4-BE49-F238E27FC236}">
+                <a16:creationId xmlns:a16="http://schemas.microsoft.com/office/drawing/2014/main" id="{84F42E09-269D-6700-69C9-4DCC825C99A7}"/>
               </a:ext>
             </a:extLst>
           </p:cNvPr>
@@ -14784,7 +15012,7 @@
           <a:p>
             <a:r>
               <a:rPr lang="ja-JP" altLang="en-US" b="1" dirty="0"/>
-              <a:t>プロットから文章へ</a:t>
+              <a:t>全体プロット</a:t>
             </a:r>
           </a:p>
         </p:txBody>
@@ -14792,7 +15020,7 @@
     </p:spTree>
     <p:extLst>
       <p:ext uri="{BB962C8B-B14F-4D97-AF65-F5344CB8AC3E}">
-        <p14:creationId xmlns:p14="http://schemas.microsoft.com/office/powerpoint/2010/main" val="2482668500"/>
+        <p14:creationId xmlns:p14="http://schemas.microsoft.com/office/powerpoint/2010/main" val="3653181482"/>
       </p:ext>
     </p:extLst>
   </p:cSld>
@@ -14824,7 +15052,7 @@
           <p:cNvPr id="4" name="タイトル 3">
             <a:extLst>
               <a:ext uri="{FF2B5EF4-FFF2-40B4-BE49-F238E27FC236}">
-                <a16:creationId xmlns:a16="http://schemas.microsoft.com/office/drawing/2014/main" id="{6562E51A-24AB-589C-C10B-60BA2743CF86}"/>
+                <a16:creationId xmlns:a16="http://schemas.microsoft.com/office/drawing/2014/main" id="{753D130F-9E8D-16A8-53A6-8697A34BBC23}"/>
               </a:ext>
             </a:extLst>
           </p:cNvPr>
@@ -14841,9 +15069,10 @@
           <a:lstStyle/>
           <a:p>
             <a:r>
-              <a:rPr lang="ja-JP" altLang="en-US" dirty="0"/>
-              <a:t>プロットから文章やスライドへ</a:t>
-            </a:r>
+              <a:rPr lang="ja-JP" altLang="en-US" b="1" dirty="0"/>
+              <a:t>全体プロット</a:t>
+            </a:r>
+            <a:endParaRPr lang="ja-JP" altLang="en-US" dirty="0"/>
           </a:p>
         </p:txBody>
       </p:sp>
@@ -14852,7 +15081,7 @@
           <p:cNvPr id="5" name="テキスト プレースホルダー 4">
             <a:extLst>
               <a:ext uri="{FF2B5EF4-FFF2-40B4-BE49-F238E27FC236}">
-                <a16:creationId xmlns:a16="http://schemas.microsoft.com/office/drawing/2014/main" id="{24288186-ECCC-F136-8196-B4294566CB12}"/>
+                <a16:creationId xmlns:a16="http://schemas.microsoft.com/office/drawing/2014/main" id="{220629E9-D9B3-68BB-D88A-B953DAE0018E}"/>
               </a:ext>
             </a:extLst>
           </p:cNvPr>
@@ -14870,7 +15099,7 @@
           <a:p>
             <a:r>
               <a:rPr lang="ja-JP" altLang="en-US" dirty="0"/>
-              <a:t>プロットと文章の違い：</a:t>
+              <a:t>論文やスライド全体のプロット</a:t>
             </a:r>
             <a:endParaRPr lang="en-US" altLang="ja-JP" dirty="0"/>
           </a:p>
@@ -14878,7 +15107,7 @@
             <a:pPr lvl="1"/>
             <a:r>
               <a:rPr lang="ja-JP" altLang="en-US" dirty="0"/>
-              <a:t>プロットは論理の階層構造を単に表せば良い</a:t>
+              <a:t>特に項目数などの形式はない：</a:t>
             </a:r>
             <a:endParaRPr lang="en-US" altLang="ja-JP" dirty="0"/>
           </a:p>
@@ -14886,7 +15115,7 @@
             <a:pPr lvl="2"/>
             <a:r>
               <a:rPr lang="ja-JP" altLang="en-US" dirty="0"/>
-              <a:t>子は親にぶら下がっている事で視覚的に論理関係がわかる</a:t>
+              <a:t>基本的には３点プロットやイントロプロットから派生させて考える</a:t>
             </a:r>
             <a:endParaRPr lang="en-US" altLang="ja-JP" dirty="0"/>
           </a:p>
@@ -14894,97 +15123,45 @@
             <a:pPr lvl="2"/>
             <a:r>
               <a:rPr lang="ja-JP" altLang="en-US" dirty="0"/>
-              <a:t>つなぎの言葉は通常あまり書かない</a:t>
+              <a:t>イントロプロットでは省略されるような実装の詳細なども入る</a:t>
             </a:r>
             <a:endParaRPr lang="en-US" altLang="ja-JP" dirty="0"/>
           </a:p>
           <a:p>
+            <a:r>
+              <a:rPr lang="ja-JP" altLang="en-US" dirty="0"/>
+              <a:t>３点プロットは，いわば「プロットのプロット」</a:t>
+            </a:r>
+            <a:endParaRPr lang="en-US" altLang="ja-JP" dirty="0"/>
+          </a:p>
+          <a:p>
             <a:pPr lvl="1"/>
             <a:r>
               <a:rPr lang="ja-JP" altLang="en-US" dirty="0"/>
-              <a:t>しかし，文章（スライド）は基本的にシーケンシャル</a:t>
-            </a:r>
-            <a:endParaRPr lang="en-US" altLang="ja-JP" dirty="0"/>
-          </a:p>
-          <a:p>
-            <a:pPr lvl="2"/>
-            <a:r>
-              <a:rPr lang="ja-JP" altLang="en-US" dirty="0"/>
-              <a:t>文章は前から後ろにむかって順に読むもの</a:t>
-            </a:r>
-            <a:endParaRPr lang="en-US" altLang="ja-JP" dirty="0"/>
-          </a:p>
-          <a:p>
-            <a:pPr lvl="2"/>
-            <a:r>
-              <a:rPr lang="ja-JP" altLang="en-US" dirty="0">
-                <a:solidFill>
-                  <a:schemeClr val="accent5"/>
-                </a:solidFill>
-              </a:rPr>
-              <a:t>前から読んでわかる順序に論理を展開し，それぞれにつなぎを入れる必要がある</a:t>
-            </a:r>
-            <a:endParaRPr lang="en-US" altLang="ja-JP" dirty="0">
-              <a:solidFill>
-                <a:schemeClr val="accent5"/>
-              </a:solidFill>
-            </a:endParaRPr>
-          </a:p>
-          <a:p>
-            <a:r>
-              <a:rPr lang="ja-JP" altLang="en-US" dirty="0"/>
-              <a:t>課題：</a:t>
+              <a:t>基本的には３点プロットで整理した内容をもとに，</a:t>
             </a:r>
             <a:br>
               <a:rPr lang="en-US" altLang="ja-JP" dirty="0"/>
             </a:br>
             <a:r>
               <a:rPr lang="ja-JP" altLang="en-US" dirty="0"/>
-              <a:t>プロットの論理をどのようにシーケンシャルな文章に展開するか？</a:t>
+              <a:t>肉付けして全体プロットを作る</a:t>
             </a:r>
             <a:endParaRPr lang="en-US" altLang="ja-JP" dirty="0"/>
           </a:p>
-        </p:txBody>
-      </p:sp>
-      <p:sp>
-        <p:nvSpPr>
-          <p:cNvPr id="2" name="スライド番号プレースホルダー 1">
-            <a:extLst>
-              <a:ext uri="{FF2B5EF4-FFF2-40B4-BE49-F238E27FC236}">
-                <a16:creationId xmlns:a16="http://schemas.microsoft.com/office/drawing/2014/main" id="{CFEF9DC9-89E4-71EE-05DF-89E205E66070}"/>
-              </a:ext>
-            </a:extLst>
-          </p:cNvPr>
-          <p:cNvSpPr>
-            <a:spLocks noGrp="1"/>
-          </p:cNvSpPr>
-          <p:nvPr>
-            <p:ph type="sldNum" sz="quarter" idx="4294967295"/>
-          </p:nvPr>
-        </p:nvSpPr>
-        <p:spPr>
-          <a:xfrm>
-            <a:off x="8531225" y="6308725"/>
-            <a:ext cx="612775" cy="549275"/>
-          </a:xfrm>
-        </p:spPr>
-        <p:txBody>
-          <a:bodyPr/>
-          <a:lstStyle/>
-          <a:p>
-            <a:fld id="{D2D8002D-B5B0-4BAC-B1F6-782DDCCE6D9C}" type="slidenum">
-              <a:rPr kumimoji="1" lang="ja-JP" altLang="en-US" smtClean="0"/>
-              <a:pPr/>
-              <a:t>48</a:t>
-            </a:fld>
-            <a:endParaRPr kumimoji="1" lang="ja-JP" altLang="en-US"/>
+          <a:p>
+            <a:pPr lvl="1"/>
+            <a:r>
+              <a:rPr lang="ja-JP" altLang="en-US" dirty="0"/>
+              <a:t>いきなり全体プロットを作るのは難しい</a:t>
+            </a:r>
           </a:p>
         </p:txBody>
       </p:sp>
     </p:spTree>
     <p:extLst>
       <p:ext uri="{BB962C8B-B14F-4D97-AF65-F5344CB8AC3E}">
-        <p14:creationId xmlns:p14="http://schemas.microsoft.com/office/powerpoint/2010/main" val="4034395818"/>
+        <p14:creationId xmlns:p14="http://schemas.microsoft.com/office/powerpoint/2010/main" val="57573531"/>
       </p:ext>
     </p:extLst>
   </p:cSld>
@@ -15021,10 +15198,10 @@
       </p:grpSpPr>
       <p:sp>
         <p:nvSpPr>
-          <p:cNvPr id="2" name="タイトル 1">
-            <a:extLst>
-              <a:ext uri="{FF2B5EF4-FFF2-40B4-BE49-F238E27FC236}">
-                <a16:creationId xmlns:a16="http://schemas.microsoft.com/office/drawing/2014/main" id="{76460A38-7213-E877-786C-852C28C01C66}"/>
+          <p:cNvPr id="4" name="タイトル 3">
+            <a:extLst>
+              <a:ext uri="{FF2B5EF4-FFF2-40B4-BE49-F238E27FC236}">
+                <a16:creationId xmlns:a16="http://schemas.microsoft.com/office/drawing/2014/main" id="{753D130F-9E8D-16A8-53A6-8697A34BBC23}"/>
               </a:ext>
             </a:extLst>
           </p:cNvPr>
@@ -15041,18 +15218,19 @@
           <a:lstStyle/>
           <a:p>
             <a:r>
-              <a:rPr lang="ja-JP" altLang="en-US" dirty="0"/>
-              <a:t>階層構造の展開の仕方</a:t>
-            </a:r>
-          </a:p>
-        </p:txBody>
-      </p:sp>
-      <p:sp>
-        <p:nvSpPr>
-          <p:cNvPr id="3" name="テキスト プレースホルダー 2">
-            <a:extLst>
-              <a:ext uri="{FF2B5EF4-FFF2-40B4-BE49-F238E27FC236}">
-                <a16:creationId xmlns:a16="http://schemas.microsoft.com/office/drawing/2014/main" id="{4A2003D6-4613-30B4-79F2-1A98EFDA3166}"/>
+              <a:rPr lang="ja-JP" altLang="en-US" b="1" dirty="0"/>
+              <a:t>全体プロットの構成</a:t>
+            </a:r>
+            <a:endParaRPr lang="ja-JP" altLang="en-US" dirty="0"/>
+          </a:p>
+        </p:txBody>
+      </p:sp>
+      <p:sp>
+        <p:nvSpPr>
+          <p:cNvPr id="5" name="テキスト プレースホルダー 4">
+            <a:extLst>
+              <a:ext uri="{FF2B5EF4-FFF2-40B4-BE49-F238E27FC236}">
+                <a16:creationId xmlns:a16="http://schemas.microsoft.com/office/drawing/2014/main" id="{220629E9-D9B3-68BB-D88A-B953DAE0018E}"/>
               </a:ext>
             </a:extLst>
           </p:cNvPr>
@@ -15063,154 +15241,80 @@
             <p:ph type="body" sz="quarter" idx="10"/>
           </p:nvPr>
         </p:nvSpPr>
-        <p:spPr>
-          <a:xfrm>
-            <a:off x="521955" y="1358977"/>
-            <a:ext cx="8280092" cy="5219751"/>
-          </a:xfrm>
-        </p:spPr>
+        <p:spPr/>
         <p:txBody>
           <a:bodyPr/>
           <a:lstStyle/>
           <a:p>
             <a:r>
               <a:rPr lang="ja-JP" altLang="en-US" dirty="0"/>
-              <a:t>上から順に各階層にある話題を紹介したあと，１つずつ潜っていく</a:t>
+              <a:t>論文用：以下を</a:t>
+            </a:r>
+            <a:r>
+              <a:rPr kumimoji="1" lang="ja-JP" altLang="en-US" dirty="0"/>
+              <a:t>箇条書きにまとめる</a:t>
             </a:r>
             <a:endParaRPr lang="en-US" altLang="ja-JP" dirty="0"/>
           </a:p>
           <a:p>
             <a:pPr lvl="1"/>
             <a:r>
+              <a:rPr kumimoji="1" lang="ja-JP" altLang="en-US" dirty="0"/>
+              <a:t>論文の </a:t>
+            </a:r>
+            <a:r>
+              <a:rPr kumimoji="1" lang="en-US" altLang="ja-JP" dirty="0"/>
+              <a:t>subsubsection </a:t>
+            </a:r>
+            <a:r>
+              <a:rPr kumimoji="1" lang="ja-JP" altLang="en-US" dirty="0"/>
+              <a:t>までの節タイトル</a:t>
+            </a:r>
+            <a:endParaRPr kumimoji="1" lang="en-US" altLang="ja-JP" dirty="0"/>
+          </a:p>
+          <a:p>
+            <a:pPr lvl="1"/>
+            <a:r>
+              <a:rPr kumimoji="1" lang="ja-JP" altLang="en-US" dirty="0"/>
+              <a:t>そこで何を話すか</a:t>
+            </a:r>
+            <a:endParaRPr kumimoji="1" lang="en-US" altLang="ja-JP" dirty="0"/>
+          </a:p>
+          <a:p>
+            <a:r>
               <a:rPr lang="ja-JP" altLang="en-US" dirty="0"/>
-              <a:t>典型的なやりかた：以下を再帰的に繰り返す</a:t>
+              <a:t>スライド用：以下を</a:t>
+            </a:r>
+            <a:r>
+              <a:rPr kumimoji="1" lang="ja-JP" altLang="en-US" dirty="0"/>
+              <a:t>箇条書きにまとめる</a:t>
             </a:r>
             <a:endParaRPr lang="en-US" altLang="ja-JP" dirty="0"/>
           </a:p>
           <a:p>
-            <a:pPr lvl="2"/>
-            <a:r>
-              <a:rPr lang="ja-JP" altLang="en-US" dirty="0"/>
-              <a:t>登場人物（子）の紹介と，子同士の関係を説明</a:t>
-            </a:r>
-            <a:endParaRPr lang="en-US" altLang="ja-JP" dirty="0"/>
-          </a:p>
-          <a:p>
-            <a:pPr lvl="2"/>
-            <a:r>
-              <a:rPr lang="ja-JP" altLang="en-US" dirty="0"/>
-              <a:t>各子の詳細を順に説明</a:t>
-            </a:r>
-            <a:endParaRPr lang="en-US" altLang="ja-JP" dirty="0"/>
-          </a:p>
-          <a:p>
-            <a:r>
-              <a:rPr lang="ja-JP" altLang="en-US" dirty="0"/>
-              <a:t>典型例：</a:t>
-            </a:r>
-            <a:endParaRPr lang="en-US" altLang="ja-JP" dirty="0"/>
-          </a:p>
-          <a:p>
             <a:pPr lvl="1"/>
             <a:r>
-              <a:rPr lang="ja-JP" altLang="en-US" dirty="0"/>
-              <a:t>イントロで論文全体の話題を紹介</a:t>
-            </a:r>
-            <a:endParaRPr lang="en-US" altLang="ja-JP" dirty="0"/>
+              <a:rPr kumimoji="1" lang="ja-JP" altLang="en-US" dirty="0"/>
+              <a:t>スライドの各ページのタイトル</a:t>
+            </a:r>
+            <a:endParaRPr kumimoji="1" lang="en-US" altLang="ja-JP" dirty="0"/>
           </a:p>
           <a:p>
             <a:pPr lvl="1"/>
             <a:r>
-              <a:rPr lang="ja-JP" altLang="en-US" dirty="0"/>
-              <a:t>２節の冒頭で背景全体を簡単に説明</a:t>
-            </a:r>
-            <a:endParaRPr lang="en-US" altLang="ja-JP" dirty="0"/>
-          </a:p>
-          <a:p>
-            <a:pPr lvl="1"/>
-            <a:r>
-              <a:rPr lang="ja-JP" altLang="en-US" dirty="0"/>
-              <a:t>２</a:t>
-            </a:r>
-            <a:r>
-              <a:rPr lang="en-US" altLang="ja-JP" dirty="0"/>
-              <a:t>.1</a:t>
-            </a:r>
-            <a:r>
-              <a:rPr lang="ja-JP" altLang="en-US" dirty="0"/>
-              <a:t>節で背景の１つめを説明</a:t>
-            </a:r>
-            <a:endParaRPr lang="en-US" altLang="ja-JP" dirty="0"/>
-          </a:p>
-          <a:p>
-            <a:pPr lvl="1"/>
-            <a:r>
-              <a:rPr lang="ja-JP" altLang="en-US" dirty="0"/>
-              <a:t>２</a:t>
-            </a:r>
-            <a:r>
-              <a:rPr lang="en-US" altLang="ja-JP" dirty="0"/>
-              <a:t>.2</a:t>
-            </a:r>
-            <a:r>
-              <a:rPr lang="ja-JP" altLang="en-US" dirty="0"/>
-              <a:t>節で背景の２つめを説明</a:t>
-            </a:r>
-            <a:endParaRPr lang="en-US" altLang="ja-JP" dirty="0"/>
-          </a:p>
-          <a:p>
-            <a:pPr lvl="1"/>
-            <a:r>
-              <a:rPr lang="ja-JP" altLang="en-US" dirty="0"/>
-              <a:t>３節の冒頭で背景との関係と共に既存手法全体を簡単に説明</a:t>
-            </a:r>
-            <a:endParaRPr lang="en-US" altLang="ja-JP" dirty="0"/>
-          </a:p>
-          <a:p>
-            <a:pPr lvl="1"/>
-            <a:r>
-              <a:rPr lang="ja-JP" altLang="en-US" dirty="0"/>
-              <a:t>３</a:t>
-            </a:r>
-            <a:r>
-              <a:rPr lang="en-US" altLang="ja-JP" dirty="0"/>
-              <a:t>.</a:t>
-            </a:r>
-            <a:r>
-              <a:rPr lang="ja-JP" altLang="en-US" dirty="0"/>
-              <a:t>２節で既存手法の１つめを説明</a:t>
-            </a:r>
-            <a:endParaRPr lang="en-US" altLang="ja-JP" dirty="0"/>
-          </a:p>
-          <a:p>
-            <a:pPr lvl="1"/>
-            <a:r>
-              <a:rPr lang="ja-JP" altLang="en-US" dirty="0"/>
-              <a:t>３</a:t>
-            </a:r>
-            <a:r>
-              <a:rPr lang="en-US" altLang="ja-JP" dirty="0"/>
-              <a:t>.</a:t>
-            </a:r>
-            <a:r>
-              <a:rPr lang="ja-JP" altLang="en-US" dirty="0"/>
-              <a:t>２節で既存手法の２つめを説明</a:t>
-            </a:r>
-            <a:endParaRPr lang="en-US" altLang="ja-JP" dirty="0"/>
-          </a:p>
-          <a:p>
-            <a:pPr lvl="1"/>
-            <a:r>
-              <a:rPr lang="ja-JP" altLang="en-US" dirty="0"/>
-              <a:t>･･･</a:t>
-            </a:r>
+              <a:rPr kumimoji="1" lang="ja-JP" altLang="en-US" dirty="0"/>
+              <a:t>そこで何を話すか</a:t>
+            </a:r>
+          </a:p>
+          <a:p>
+            <a:endParaRPr lang="ja-JP" altLang="en-US" dirty="0"/>
           </a:p>
         </p:txBody>
       </p:sp>
     </p:spTree>
     <p:extLst>
       <p:ext uri="{BB962C8B-B14F-4D97-AF65-F5344CB8AC3E}">
-        <p14:creationId xmlns:p14="http://schemas.microsoft.com/office/powerpoint/2010/main" val="1427431068"/>
+        <p14:creationId xmlns:p14="http://schemas.microsoft.com/office/powerpoint/2010/main" val="492338302"/>
       </p:ext>
     </p:extLst>
   </p:cSld>
@@ -15425,6 +15529,710 @@
 </file>
 
 <file path=ppt/slides/slide50.xml><?xml version="1.0" encoding="utf-8"?>
+<p:sld xmlns:a="http://schemas.openxmlformats.org/drawingml/2006/main" xmlns:r="http://schemas.openxmlformats.org/officeDocument/2006/relationships" xmlns:p="http://schemas.openxmlformats.org/presentationml/2006/main">
+  <p:cSld>
+    <p:spTree>
+      <p:nvGrpSpPr>
+        <p:cNvPr id="1" name=""/>
+        <p:cNvGrpSpPr/>
+        <p:nvPr/>
+      </p:nvGrpSpPr>
+      <p:grpSpPr>
+        <a:xfrm>
+          <a:off x="0" y="0"/>
+          <a:ext cx="0" cy="0"/>
+          <a:chOff x="0" y="0"/>
+          <a:chExt cx="0" cy="0"/>
+        </a:xfrm>
+      </p:grpSpPr>
+      <p:sp>
+        <p:nvSpPr>
+          <p:cNvPr id="2" name="タイトル 1"/>
+          <p:cNvSpPr>
+            <a:spLocks noGrp="1"/>
+          </p:cNvSpPr>
+          <p:nvPr>
+            <p:ph type="title"/>
+          </p:nvPr>
+        </p:nvSpPr>
+        <p:spPr/>
+        <p:txBody>
+          <a:bodyPr/>
+          <a:lstStyle/>
+          <a:p>
+            <a:r>
+              <a:rPr kumimoji="1" lang="ja-JP" altLang="en-US" dirty="0"/>
+              <a:t>スライド用プロットの流れの例</a:t>
+            </a:r>
+          </a:p>
+        </p:txBody>
+      </p:sp>
+      <p:sp>
+        <p:nvSpPr>
+          <p:cNvPr id="3" name="テキスト プレースホルダー 2"/>
+          <p:cNvSpPr>
+            <a:spLocks noGrp="1"/>
+          </p:cNvSpPr>
+          <p:nvPr>
+            <p:ph type="body" sz="quarter" idx="10"/>
+          </p:nvPr>
+        </p:nvSpPr>
+        <p:spPr>
+          <a:xfrm>
+            <a:off x="611956" y="1268976"/>
+            <a:ext cx="8280092" cy="5039749"/>
+          </a:xfrm>
+        </p:spPr>
+        <p:txBody>
+          <a:bodyPr/>
+          <a:lstStyle/>
+          <a:p>
+            <a:pPr marL="817200" lvl="1" indent="-457200">
+              <a:buFont typeface="+mj-lt"/>
+              <a:buAutoNum type="arabicPeriod"/>
+            </a:pPr>
+            <a:r>
+              <a:rPr kumimoji="1" lang="ja-JP" altLang="en-US" dirty="0"/>
+              <a:t>イントロ</a:t>
+            </a:r>
+            <a:endParaRPr kumimoji="1" lang="en-US" altLang="ja-JP" dirty="0"/>
+          </a:p>
+          <a:p>
+            <a:pPr marL="817200" lvl="1" indent="-457200">
+              <a:buFont typeface="+mj-lt"/>
+              <a:buAutoNum type="arabicPeriod"/>
+            </a:pPr>
+            <a:r>
+              <a:rPr kumimoji="1" lang="ja-JP" altLang="en-US" dirty="0"/>
+              <a:t>背景となる問題</a:t>
+            </a:r>
+            <a:endParaRPr kumimoji="1" lang="en-US" altLang="ja-JP" dirty="0"/>
+          </a:p>
+          <a:p>
+            <a:pPr marL="817200" lvl="1" indent="-457200">
+              <a:buFont typeface="+mj-lt"/>
+              <a:buAutoNum type="arabicPeriod"/>
+            </a:pPr>
+            <a:r>
+              <a:rPr kumimoji="1" lang="ja-JP" altLang="en-US" dirty="0"/>
+              <a:t>既存</a:t>
+            </a:r>
+            <a:r>
+              <a:rPr lang="ja-JP" altLang="en-US" dirty="0"/>
+              <a:t>手法</a:t>
+            </a:r>
+            <a:endParaRPr lang="en-US" altLang="ja-JP" dirty="0"/>
+          </a:p>
+          <a:p>
+            <a:pPr marL="1177200" lvl="2" indent="-457200">
+              <a:buFont typeface="+mj-lt"/>
+              <a:buAutoNum type="arabicPeriod"/>
+            </a:pPr>
+            <a:r>
+              <a:rPr lang="ja-JP" altLang="en-US" dirty="0"/>
+              <a:t>既存手法の説明</a:t>
+            </a:r>
+            <a:endParaRPr lang="en-US" altLang="ja-JP" dirty="0"/>
+          </a:p>
+          <a:p>
+            <a:pPr marL="1177200" lvl="2" indent="-457200">
+              <a:buFont typeface="+mj-lt"/>
+              <a:buAutoNum type="arabicPeriod"/>
+            </a:pPr>
+            <a:r>
+              <a:rPr lang="ja-JP" altLang="en-US" dirty="0"/>
+              <a:t>既存手法の問題</a:t>
+            </a:r>
+            <a:endParaRPr lang="en-US" altLang="ja-JP" dirty="0"/>
+          </a:p>
+          <a:p>
+            <a:pPr marL="817200" lvl="1" indent="-457200">
+              <a:buFont typeface="+mj-lt"/>
+              <a:buAutoNum type="arabicPeriod"/>
+            </a:pPr>
+            <a:r>
+              <a:rPr kumimoji="1" lang="ja-JP" altLang="en-US" dirty="0"/>
+              <a:t>提案手法</a:t>
+            </a:r>
+            <a:endParaRPr kumimoji="1" lang="en-US" altLang="ja-JP" dirty="0"/>
+          </a:p>
+          <a:p>
+            <a:pPr marL="1177200" lvl="2" indent="-457200">
+              <a:buFont typeface="+mj-lt"/>
+              <a:buAutoNum type="arabicPeriod"/>
+            </a:pPr>
+            <a:r>
+              <a:rPr kumimoji="1" lang="ja-JP" altLang="en-US" dirty="0"/>
+              <a:t>アイデア</a:t>
+            </a:r>
+            <a:endParaRPr kumimoji="1" lang="en-US" altLang="ja-JP" dirty="0"/>
+          </a:p>
+          <a:p>
+            <a:pPr marL="1177200" lvl="2" indent="-457200">
+              <a:buFont typeface="+mj-lt"/>
+              <a:buAutoNum type="arabicPeriod"/>
+            </a:pPr>
+            <a:r>
+              <a:rPr kumimoji="1" lang="ja-JP" altLang="en-US" dirty="0"/>
+              <a:t>実装：構成，動作，例</a:t>
+            </a:r>
+            <a:endParaRPr kumimoji="1" lang="en-US" altLang="ja-JP" dirty="0"/>
+          </a:p>
+          <a:p>
+            <a:pPr marL="1177200" lvl="2" indent="-457200">
+              <a:buFont typeface="+mj-lt"/>
+              <a:buAutoNum type="arabicPeriod"/>
+            </a:pPr>
+            <a:r>
+              <a:rPr kumimoji="1" lang="ja-JP" altLang="en-US" dirty="0"/>
+              <a:t>既存手法との比較</a:t>
+            </a:r>
+            <a:endParaRPr kumimoji="1" lang="en-US" altLang="ja-JP" dirty="0"/>
+          </a:p>
+          <a:p>
+            <a:pPr marL="817200" lvl="1" indent="-457200">
+              <a:buFont typeface="+mj-lt"/>
+              <a:buAutoNum type="arabicPeriod"/>
+            </a:pPr>
+            <a:r>
+              <a:rPr kumimoji="1" lang="ja-JP" altLang="en-US" dirty="0"/>
+              <a:t>評価</a:t>
+            </a:r>
+            <a:endParaRPr kumimoji="1" lang="en-US" altLang="ja-JP" dirty="0"/>
+          </a:p>
+          <a:p>
+            <a:pPr marL="817200" lvl="1" indent="-457200">
+              <a:buFont typeface="+mj-lt"/>
+              <a:buAutoNum type="arabicPeriod"/>
+            </a:pPr>
+            <a:r>
+              <a:rPr kumimoji="1" lang="ja-JP" altLang="en-US" dirty="0"/>
+              <a:t>まとめ</a:t>
+            </a:r>
+            <a:endParaRPr kumimoji="1" lang="en-US" altLang="ja-JP" dirty="0"/>
+          </a:p>
+          <a:p>
+            <a:pPr marL="817200" lvl="1" indent="-457200">
+              <a:buFont typeface="+mj-lt"/>
+              <a:buAutoNum type="arabicPeriod"/>
+            </a:pPr>
+            <a:endParaRPr lang="en-US" altLang="ja-JP" dirty="0"/>
+          </a:p>
+          <a:p>
+            <a:pPr lvl="1"/>
+            <a:r>
+              <a:rPr kumimoji="1" lang="ja-JP" altLang="en-US" dirty="0"/>
+              <a:t>たとえば上記それぞれの項目に１～４ページ程度を割り当てる</a:t>
+            </a:r>
+          </a:p>
+        </p:txBody>
+      </p:sp>
+    </p:spTree>
+    <p:extLst>
+      <p:ext uri="{BB962C8B-B14F-4D97-AF65-F5344CB8AC3E}">
+        <p14:creationId xmlns:p14="http://schemas.microsoft.com/office/powerpoint/2010/main" val="2044035977"/>
+      </p:ext>
+    </p:extLst>
+  </p:cSld>
+  <p:clrMapOvr>
+    <a:masterClrMapping/>
+  </p:clrMapOvr>
+  <mc:AlternateContent xmlns:mc="http://schemas.openxmlformats.org/markup-compatibility/2006" xmlns:p14="http://schemas.microsoft.com/office/powerpoint/2010/main">
+    <mc:Choice Requires="p14">
+      <p:transition p14:dur="10"/>
+    </mc:Choice>
+    <mc:Fallback xmlns="">
+      <p:transition/>
+    </mc:Fallback>
+  </mc:AlternateContent>
+</p:sld>
+</file>
+
+<file path=ppt/slides/slide51.xml><?xml version="1.0" encoding="utf-8"?>
+<p:sld xmlns:a="http://schemas.openxmlformats.org/drawingml/2006/main" xmlns:r="http://schemas.openxmlformats.org/officeDocument/2006/relationships" xmlns:p="http://schemas.openxmlformats.org/presentationml/2006/main">
+  <p:cSld>
+    <p:spTree>
+      <p:nvGrpSpPr>
+        <p:cNvPr id="1" name=""/>
+        <p:cNvGrpSpPr/>
+        <p:nvPr/>
+      </p:nvGrpSpPr>
+      <p:grpSpPr>
+        <a:xfrm>
+          <a:off x="0" y="0"/>
+          <a:ext cx="0" cy="0"/>
+          <a:chOff x="0" y="0"/>
+          <a:chExt cx="0" cy="0"/>
+        </a:xfrm>
+      </p:grpSpPr>
+      <p:sp>
+        <p:nvSpPr>
+          <p:cNvPr id="6" name="タイトル 5">
+            <a:extLst>
+              <a:ext uri="{FF2B5EF4-FFF2-40B4-BE49-F238E27FC236}">
+                <a16:creationId xmlns:a16="http://schemas.microsoft.com/office/drawing/2014/main" id="{8747E992-D7C8-B607-3243-8F1C4EBCDADD}"/>
+              </a:ext>
+            </a:extLst>
+          </p:cNvPr>
+          <p:cNvSpPr>
+            <a:spLocks noGrp="1"/>
+          </p:cNvSpPr>
+          <p:nvPr>
+            <p:ph type="title"/>
+          </p:nvPr>
+        </p:nvSpPr>
+        <p:spPr/>
+        <p:txBody>
+          <a:bodyPr/>
+          <a:lstStyle/>
+          <a:p>
+            <a:r>
+              <a:rPr lang="ja-JP" altLang="en-US" b="1" dirty="0"/>
+              <a:t>プロットから文章へ</a:t>
+            </a:r>
+          </a:p>
+        </p:txBody>
+      </p:sp>
+    </p:spTree>
+    <p:extLst>
+      <p:ext uri="{BB962C8B-B14F-4D97-AF65-F5344CB8AC3E}">
+        <p14:creationId xmlns:p14="http://schemas.microsoft.com/office/powerpoint/2010/main" val="2482668500"/>
+      </p:ext>
+    </p:extLst>
+  </p:cSld>
+  <p:clrMapOvr>
+    <a:masterClrMapping/>
+  </p:clrMapOvr>
+</p:sld>
+</file>
+
+<file path=ppt/slides/slide52.xml><?xml version="1.0" encoding="utf-8"?>
+<p:sld xmlns:a="http://schemas.openxmlformats.org/drawingml/2006/main" xmlns:r="http://schemas.openxmlformats.org/officeDocument/2006/relationships" xmlns:p="http://schemas.openxmlformats.org/presentationml/2006/main">
+  <p:cSld>
+    <p:spTree>
+      <p:nvGrpSpPr>
+        <p:cNvPr id="1" name=""/>
+        <p:cNvGrpSpPr/>
+        <p:nvPr/>
+      </p:nvGrpSpPr>
+      <p:grpSpPr>
+        <a:xfrm>
+          <a:off x="0" y="0"/>
+          <a:ext cx="0" cy="0"/>
+          <a:chOff x="0" y="0"/>
+          <a:chExt cx="0" cy="0"/>
+        </a:xfrm>
+      </p:grpSpPr>
+      <p:sp>
+        <p:nvSpPr>
+          <p:cNvPr id="4" name="タイトル 3">
+            <a:extLst>
+              <a:ext uri="{FF2B5EF4-FFF2-40B4-BE49-F238E27FC236}">
+                <a16:creationId xmlns:a16="http://schemas.microsoft.com/office/drawing/2014/main" id="{6562E51A-24AB-589C-C10B-60BA2743CF86}"/>
+              </a:ext>
+            </a:extLst>
+          </p:cNvPr>
+          <p:cNvSpPr>
+            <a:spLocks noGrp="1"/>
+          </p:cNvSpPr>
+          <p:nvPr>
+            <p:ph type="title"/>
+          </p:nvPr>
+        </p:nvSpPr>
+        <p:spPr/>
+        <p:txBody>
+          <a:bodyPr/>
+          <a:lstStyle/>
+          <a:p>
+            <a:r>
+              <a:rPr lang="ja-JP" altLang="en-US" dirty="0"/>
+              <a:t>プロットから文章やスライドへ</a:t>
+            </a:r>
+          </a:p>
+        </p:txBody>
+      </p:sp>
+      <p:sp>
+        <p:nvSpPr>
+          <p:cNvPr id="5" name="テキスト プレースホルダー 4">
+            <a:extLst>
+              <a:ext uri="{FF2B5EF4-FFF2-40B4-BE49-F238E27FC236}">
+                <a16:creationId xmlns:a16="http://schemas.microsoft.com/office/drawing/2014/main" id="{24288186-ECCC-F136-8196-B4294566CB12}"/>
+              </a:ext>
+            </a:extLst>
+          </p:cNvPr>
+          <p:cNvSpPr>
+            <a:spLocks noGrp="1"/>
+          </p:cNvSpPr>
+          <p:nvPr>
+            <p:ph type="body" sz="quarter" idx="10"/>
+          </p:nvPr>
+        </p:nvSpPr>
+        <p:spPr/>
+        <p:txBody>
+          <a:bodyPr/>
+          <a:lstStyle/>
+          <a:p>
+            <a:r>
+              <a:rPr lang="ja-JP" altLang="en-US" dirty="0"/>
+              <a:t>プロットと文章の違い：</a:t>
+            </a:r>
+            <a:endParaRPr lang="en-US" altLang="ja-JP" dirty="0"/>
+          </a:p>
+          <a:p>
+            <a:pPr lvl="1"/>
+            <a:r>
+              <a:rPr lang="ja-JP" altLang="en-US" dirty="0"/>
+              <a:t>プロットは論理の階層構造を単に表せば良い</a:t>
+            </a:r>
+            <a:endParaRPr lang="en-US" altLang="ja-JP" dirty="0"/>
+          </a:p>
+          <a:p>
+            <a:pPr lvl="2"/>
+            <a:r>
+              <a:rPr lang="ja-JP" altLang="en-US" dirty="0"/>
+              <a:t>子は親にぶら下がっている事で視覚的に論理関係がわかる</a:t>
+            </a:r>
+            <a:endParaRPr lang="en-US" altLang="ja-JP" dirty="0"/>
+          </a:p>
+          <a:p>
+            <a:pPr lvl="2"/>
+            <a:r>
+              <a:rPr lang="ja-JP" altLang="en-US" dirty="0"/>
+              <a:t>つなぎの言葉は通常あまり書かない</a:t>
+            </a:r>
+            <a:endParaRPr lang="en-US" altLang="ja-JP" dirty="0"/>
+          </a:p>
+          <a:p>
+            <a:pPr lvl="1"/>
+            <a:r>
+              <a:rPr lang="ja-JP" altLang="en-US" dirty="0"/>
+              <a:t>しかし，文章（スライド）は基本的にシーケンシャル</a:t>
+            </a:r>
+            <a:endParaRPr lang="en-US" altLang="ja-JP" dirty="0"/>
+          </a:p>
+          <a:p>
+            <a:pPr lvl="2"/>
+            <a:r>
+              <a:rPr lang="ja-JP" altLang="en-US" dirty="0"/>
+              <a:t>文章は前から後ろにむかって順に読むもの</a:t>
+            </a:r>
+            <a:endParaRPr lang="en-US" altLang="ja-JP" dirty="0"/>
+          </a:p>
+          <a:p>
+            <a:pPr lvl="2"/>
+            <a:r>
+              <a:rPr lang="ja-JP" altLang="en-US" dirty="0">
+                <a:solidFill>
+                  <a:schemeClr val="accent5"/>
+                </a:solidFill>
+              </a:rPr>
+              <a:t>前から読んでわかる順序に論理を展開し，それぞれにつなぎを入れる必要がある</a:t>
+            </a:r>
+            <a:endParaRPr lang="en-US" altLang="ja-JP" dirty="0">
+              <a:solidFill>
+                <a:schemeClr val="accent5"/>
+              </a:solidFill>
+            </a:endParaRPr>
+          </a:p>
+          <a:p>
+            <a:r>
+              <a:rPr lang="ja-JP" altLang="en-US" dirty="0"/>
+              <a:t>課題：</a:t>
+            </a:r>
+            <a:br>
+              <a:rPr lang="en-US" altLang="ja-JP" dirty="0"/>
+            </a:br>
+            <a:r>
+              <a:rPr lang="ja-JP" altLang="en-US" dirty="0"/>
+              <a:t>プロットの論理をどのようにシーケンシャルな文章に展開するか？</a:t>
+            </a:r>
+            <a:endParaRPr lang="en-US" altLang="ja-JP" dirty="0"/>
+          </a:p>
+        </p:txBody>
+      </p:sp>
+      <p:sp>
+        <p:nvSpPr>
+          <p:cNvPr id="2" name="スライド番号プレースホルダー 1">
+            <a:extLst>
+              <a:ext uri="{FF2B5EF4-FFF2-40B4-BE49-F238E27FC236}">
+                <a16:creationId xmlns:a16="http://schemas.microsoft.com/office/drawing/2014/main" id="{CFEF9DC9-89E4-71EE-05DF-89E205E66070}"/>
+              </a:ext>
+            </a:extLst>
+          </p:cNvPr>
+          <p:cNvSpPr>
+            <a:spLocks noGrp="1"/>
+          </p:cNvSpPr>
+          <p:nvPr>
+            <p:ph type="sldNum" sz="quarter" idx="4294967295"/>
+          </p:nvPr>
+        </p:nvSpPr>
+        <p:spPr>
+          <a:xfrm>
+            <a:off x="8531225" y="6308725"/>
+            <a:ext cx="612775" cy="549275"/>
+          </a:xfrm>
+        </p:spPr>
+        <p:txBody>
+          <a:bodyPr/>
+          <a:lstStyle/>
+          <a:p>
+            <a:fld id="{D2D8002D-B5B0-4BAC-B1F6-782DDCCE6D9C}" type="slidenum">
+              <a:rPr kumimoji="1" lang="ja-JP" altLang="en-US" smtClean="0"/>
+              <a:pPr/>
+              <a:t>52</a:t>
+            </a:fld>
+            <a:endParaRPr kumimoji="1" lang="ja-JP" altLang="en-US"/>
+          </a:p>
+        </p:txBody>
+      </p:sp>
+    </p:spTree>
+    <p:extLst>
+      <p:ext uri="{BB962C8B-B14F-4D97-AF65-F5344CB8AC3E}">
+        <p14:creationId xmlns:p14="http://schemas.microsoft.com/office/powerpoint/2010/main" val="4034395818"/>
+      </p:ext>
+    </p:extLst>
+  </p:cSld>
+  <p:clrMapOvr>
+    <a:masterClrMapping/>
+  </p:clrMapOvr>
+  <mc:AlternateContent xmlns:mc="http://schemas.openxmlformats.org/markup-compatibility/2006" xmlns:p14="http://schemas.microsoft.com/office/powerpoint/2010/main">
+    <mc:Choice Requires="p14">
+      <p:transition p14:dur="10"/>
+    </mc:Choice>
+    <mc:Fallback xmlns="">
+      <p:transition/>
+    </mc:Fallback>
+  </mc:AlternateContent>
+</p:sld>
+</file>
+
+<file path=ppt/slides/slide53.xml><?xml version="1.0" encoding="utf-8"?>
+<p:sld xmlns:a="http://schemas.openxmlformats.org/drawingml/2006/main" xmlns:r="http://schemas.openxmlformats.org/officeDocument/2006/relationships" xmlns:p="http://schemas.openxmlformats.org/presentationml/2006/main">
+  <p:cSld>
+    <p:spTree>
+      <p:nvGrpSpPr>
+        <p:cNvPr id="1" name=""/>
+        <p:cNvGrpSpPr/>
+        <p:nvPr/>
+      </p:nvGrpSpPr>
+      <p:grpSpPr>
+        <a:xfrm>
+          <a:off x="0" y="0"/>
+          <a:ext cx="0" cy="0"/>
+          <a:chOff x="0" y="0"/>
+          <a:chExt cx="0" cy="0"/>
+        </a:xfrm>
+      </p:grpSpPr>
+      <p:sp>
+        <p:nvSpPr>
+          <p:cNvPr id="2" name="タイトル 1">
+            <a:extLst>
+              <a:ext uri="{FF2B5EF4-FFF2-40B4-BE49-F238E27FC236}">
+                <a16:creationId xmlns:a16="http://schemas.microsoft.com/office/drawing/2014/main" id="{76460A38-7213-E877-786C-852C28C01C66}"/>
+              </a:ext>
+            </a:extLst>
+          </p:cNvPr>
+          <p:cNvSpPr>
+            <a:spLocks noGrp="1"/>
+          </p:cNvSpPr>
+          <p:nvPr>
+            <p:ph type="title"/>
+          </p:nvPr>
+        </p:nvSpPr>
+        <p:spPr/>
+        <p:txBody>
+          <a:bodyPr/>
+          <a:lstStyle/>
+          <a:p>
+            <a:r>
+              <a:rPr lang="ja-JP" altLang="en-US" dirty="0"/>
+              <a:t>階層構造の展開の仕方</a:t>
+            </a:r>
+          </a:p>
+        </p:txBody>
+      </p:sp>
+      <p:sp>
+        <p:nvSpPr>
+          <p:cNvPr id="3" name="テキスト プレースホルダー 2">
+            <a:extLst>
+              <a:ext uri="{FF2B5EF4-FFF2-40B4-BE49-F238E27FC236}">
+                <a16:creationId xmlns:a16="http://schemas.microsoft.com/office/drawing/2014/main" id="{4A2003D6-4613-30B4-79F2-1A98EFDA3166}"/>
+              </a:ext>
+            </a:extLst>
+          </p:cNvPr>
+          <p:cNvSpPr>
+            <a:spLocks noGrp="1"/>
+          </p:cNvSpPr>
+          <p:nvPr>
+            <p:ph type="body" sz="quarter" idx="10"/>
+          </p:nvPr>
+        </p:nvSpPr>
+        <p:spPr>
+          <a:xfrm>
+            <a:off x="521955" y="1358977"/>
+            <a:ext cx="8280092" cy="5219751"/>
+          </a:xfrm>
+        </p:spPr>
+        <p:txBody>
+          <a:bodyPr/>
+          <a:lstStyle/>
+          <a:p>
+            <a:r>
+              <a:rPr lang="ja-JP" altLang="en-US" dirty="0"/>
+              <a:t>上から順に各階層にある話題を紹介したあと，１つずつ潜っていく</a:t>
+            </a:r>
+            <a:endParaRPr lang="en-US" altLang="ja-JP" dirty="0"/>
+          </a:p>
+          <a:p>
+            <a:pPr lvl="1"/>
+            <a:r>
+              <a:rPr lang="ja-JP" altLang="en-US" dirty="0"/>
+              <a:t>典型的なやりかた：以下を再帰的に繰り返す</a:t>
+            </a:r>
+            <a:endParaRPr lang="en-US" altLang="ja-JP" dirty="0"/>
+          </a:p>
+          <a:p>
+            <a:pPr lvl="2"/>
+            <a:r>
+              <a:rPr lang="ja-JP" altLang="en-US" dirty="0"/>
+              <a:t>登場人物（子）の紹介と，子同士の関係を説明</a:t>
+            </a:r>
+            <a:endParaRPr lang="en-US" altLang="ja-JP" dirty="0"/>
+          </a:p>
+          <a:p>
+            <a:pPr lvl="2"/>
+            <a:r>
+              <a:rPr lang="ja-JP" altLang="en-US" dirty="0"/>
+              <a:t>各子の詳細を順に説明</a:t>
+            </a:r>
+            <a:endParaRPr lang="en-US" altLang="ja-JP" dirty="0"/>
+          </a:p>
+          <a:p>
+            <a:r>
+              <a:rPr lang="ja-JP" altLang="en-US" dirty="0"/>
+              <a:t>典型例：</a:t>
+            </a:r>
+            <a:endParaRPr lang="en-US" altLang="ja-JP" dirty="0"/>
+          </a:p>
+          <a:p>
+            <a:pPr lvl="1"/>
+            <a:r>
+              <a:rPr lang="ja-JP" altLang="en-US" dirty="0"/>
+              <a:t>イントロで論文全体の話題を紹介</a:t>
+            </a:r>
+            <a:endParaRPr lang="en-US" altLang="ja-JP" dirty="0"/>
+          </a:p>
+          <a:p>
+            <a:pPr lvl="1"/>
+            <a:r>
+              <a:rPr lang="ja-JP" altLang="en-US" dirty="0"/>
+              <a:t>２節の冒頭で背景全体を簡単に説明</a:t>
+            </a:r>
+            <a:endParaRPr lang="en-US" altLang="ja-JP" dirty="0"/>
+          </a:p>
+          <a:p>
+            <a:pPr lvl="1"/>
+            <a:r>
+              <a:rPr lang="ja-JP" altLang="en-US" dirty="0"/>
+              <a:t>２</a:t>
+            </a:r>
+            <a:r>
+              <a:rPr lang="en-US" altLang="ja-JP" dirty="0"/>
+              <a:t>.1</a:t>
+            </a:r>
+            <a:r>
+              <a:rPr lang="ja-JP" altLang="en-US" dirty="0"/>
+              <a:t>節で背景の１つめを説明</a:t>
+            </a:r>
+            <a:endParaRPr lang="en-US" altLang="ja-JP" dirty="0"/>
+          </a:p>
+          <a:p>
+            <a:pPr lvl="1"/>
+            <a:r>
+              <a:rPr lang="ja-JP" altLang="en-US" dirty="0"/>
+              <a:t>２</a:t>
+            </a:r>
+            <a:r>
+              <a:rPr lang="en-US" altLang="ja-JP" dirty="0"/>
+              <a:t>.2</a:t>
+            </a:r>
+            <a:r>
+              <a:rPr lang="ja-JP" altLang="en-US" dirty="0"/>
+              <a:t>節で背景の２つめを説明</a:t>
+            </a:r>
+            <a:endParaRPr lang="en-US" altLang="ja-JP" dirty="0"/>
+          </a:p>
+          <a:p>
+            <a:pPr lvl="1"/>
+            <a:r>
+              <a:rPr lang="ja-JP" altLang="en-US" dirty="0"/>
+              <a:t>３節の冒頭で背景との関係と共に既存手法全体を簡単に説明</a:t>
+            </a:r>
+            <a:endParaRPr lang="en-US" altLang="ja-JP" dirty="0"/>
+          </a:p>
+          <a:p>
+            <a:pPr lvl="1"/>
+            <a:r>
+              <a:rPr lang="ja-JP" altLang="en-US" dirty="0"/>
+              <a:t>３</a:t>
+            </a:r>
+            <a:r>
+              <a:rPr lang="en-US" altLang="ja-JP" dirty="0"/>
+              <a:t>.</a:t>
+            </a:r>
+            <a:r>
+              <a:rPr lang="ja-JP" altLang="en-US" dirty="0"/>
+              <a:t>２節で既存手法の１つめを説明</a:t>
+            </a:r>
+            <a:endParaRPr lang="en-US" altLang="ja-JP" dirty="0"/>
+          </a:p>
+          <a:p>
+            <a:pPr lvl="1"/>
+            <a:r>
+              <a:rPr lang="ja-JP" altLang="en-US" dirty="0"/>
+              <a:t>３</a:t>
+            </a:r>
+            <a:r>
+              <a:rPr lang="en-US" altLang="ja-JP" dirty="0"/>
+              <a:t>.</a:t>
+            </a:r>
+            <a:r>
+              <a:rPr lang="ja-JP" altLang="en-US" dirty="0"/>
+              <a:t>２節で既存手法の２つめを説明</a:t>
+            </a:r>
+            <a:endParaRPr lang="en-US" altLang="ja-JP" dirty="0"/>
+          </a:p>
+          <a:p>
+            <a:pPr lvl="1"/>
+            <a:r>
+              <a:rPr lang="ja-JP" altLang="en-US" dirty="0"/>
+              <a:t>･･･</a:t>
+            </a:r>
+          </a:p>
+        </p:txBody>
+      </p:sp>
+    </p:spTree>
+    <p:extLst>
+      <p:ext uri="{BB962C8B-B14F-4D97-AF65-F5344CB8AC3E}">
+        <p14:creationId xmlns:p14="http://schemas.microsoft.com/office/powerpoint/2010/main" val="1427431068"/>
+      </p:ext>
+    </p:extLst>
+  </p:cSld>
+  <p:clrMapOvr>
+    <a:masterClrMapping/>
+  </p:clrMapOvr>
+  <mc:AlternateContent xmlns:mc="http://schemas.openxmlformats.org/markup-compatibility/2006" xmlns:p14="http://schemas.microsoft.com/office/powerpoint/2010/main">
+    <mc:Choice Requires="p14">
+      <p:transition p14:dur="10"/>
+    </mc:Choice>
+    <mc:Fallback xmlns="">
+      <p:transition/>
+    </mc:Fallback>
+  </mc:AlternateContent>
+</p:sld>
+</file>
+
+<file path=ppt/slides/slide54.xml><?xml version="1.0" encoding="utf-8"?>
 <p:sld xmlns:a="http://schemas.openxmlformats.org/drawingml/2006/main" xmlns:r="http://schemas.openxmlformats.org/officeDocument/2006/relationships" xmlns:p="http://schemas.openxmlformats.org/presentationml/2006/main">
   <p:cSld>
     <p:spTree>
@@ -19010,7 +19818,7 @@
 </p:sld>
 </file>
 
-<file path=ppt/slides/slide51.xml><?xml version="1.0" encoding="utf-8"?>
+<file path=ppt/slides/slide55.xml><?xml version="1.0" encoding="utf-8"?>
 <p:sld xmlns:a="http://schemas.openxmlformats.org/drawingml/2006/main" xmlns:r="http://schemas.openxmlformats.org/officeDocument/2006/relationships" xmlns:p="http://schemas.openxmlformats.org/presentationml/2006/main">
   <p:cSld>
     <p:spTree>
@@ -22596,7 +23404,7 @@
 </p:sld>
 </file>
 
-<file path=ppt/slides/slide52.xml><?xml version="1.0" encoding="utf-8"?>
+<file path=ppt/slides/slide56.xml><?xml version="1.0" encoding="utf-8"?>
 <p:sld xmlns:a="http://schemas.openxmlformats.org/drawingml/2006/main" xmlns:r="http://schemas.openxmlformats.org/officeDocument/2006/relationships" xmlns:p="http://schemas.openxmlformats.org/presentationml/2006/main">
   <p:cSld>
     <p:spTree>
@@ -22654,7 +23462,7 @@
 </p:sld>
 </file>
 
-<file path=ppt/slides/slide53.xml><?xml version="1.0" encoding="utf-8"?>
+<file path=ppt/slides/slide57.xml><?xml version="1.0" encoding="utf-8"?>
 <p:sld xmlns:a="http://schemas.openxmlformats.org/drawingml/2006/main" xmlns:r="http://schemas.openxmlformats.org/officeDocument/2006/relationships" xmlns:p="http://schemas.openxmlformats.org/presentationml/2006/main">
   <p:cSld>
     <p:spTree>

--- a/plot.pptx
+++ b/plot.pptx
@@ -5,7 +5,7 @@
     <p:sldMasterId id="2147483669" r:id="rId1"/>
   </p:sldMasterIdLst>
   <p:notesMasterIdLst>
-    <p:notesMasterId r:id="rId59"/>
+    <p:notesMasterId r:id="rId60"/>
   </p:notesMasterIdLst>
   <p:sldIdLst>
     <p:sldId id="440" r:id="rId2"/>
@@ -25,46 +25,47 @@
     <p:sldId id="443" r:id="rId16"/>
     <p:sldId id="454" r:id="rId17"/>
     <p:sldId id="442" r:id="rId18"/>
-    <p:sldId id="494" r:id="rId19"/>
-    <p:sldId id="495" r:id="rId20"/>
-    <p:sldId id="455" r:id="rId21"/>
-    <p:sldId id="470" r:id="rId22"/>
-    <p:sldId id="449" r:id="rId23"/>
-    <p:sldId id="491" r:id="rId24"/>
-    <p:sldId id="467" r:id="rId25"/>
-    <p:sldId id="492" r:id="rId26"/>
-    <p:sldId id="493" r:id="rId27"/>
-    <p:sldId id="496" r:id="rId28"/>
-    <p:sldId id="498" r:id="rId29"/>
-    <p:sldId id="450" r:id="rId30"/>
-    <p:sldId id="473" r:id="rId31"/>
-    <p:sldId id="474" r:id="rId32"/>
-    <p:sldId id="499" r:id="rId33"/>
-    <p:sldId id="475" r:id="rId34"/>
-    <p:sldId id="477" r:id="rId35"/>
-    <p:sldId id="500" r:id="rId36"/>
-    <p:sldId id="501" r:id="rId37"/>
-    <p:sldId id="453" r:id="rId38"/>
-    <p:sldId id="444" r:id="rId39"/>
-    <p:sldId id="445" r:id="rId40"/>
-    <p:sldId id="460" r:id="rId41"/>
-    <p:sldId id="459" r:id="rId42"/>
-    <p:sldId id="461" r:id="rId43"/>
-    <p:sldId id="447" r:id="rId44"/>
-    <p:sldId id="462" r:id="rId45"/>
-    <p:sldId id="485" r:id="rId46"/>
-    <p:sldId id="486" r:id="rId47"/>
-    <p:sldId id="463" r:id="rId48"/>
-    <p:sldId id="464" r:id="rId49"/>
-    <p:sldId id="466" r:id="rId50"/>
-    <p:sldId id="269" r:id="rId51"/>
-    <p:sldId id="478" r:id="rId52"/>
-    <p:sldId id="479" r:id="rId53"/>
-    <p:sldId id="481" r:id="rId54"/>
-    <p:sldId id="482" r:id="rId55"/>
-    <p:sldId id="483" r:id="rId56"/>
-    <p:sldId id="471" r:id="rId57"/>
-    <p:sldId id="472" r:id="rId58"/>
+    <p:sldId id="502" r:id="rId19"/>
+    <p:sldId id="494" r:id="rId20"/>
+    <p:sldId id="495" r:id="rId21"/>
+    <p:sldId id="455" r:id="rId22"/>
+    <p:sldId id="470" r:id="rId23"/>
+    <p:sldId id="449" r:id="rId24"/>
+    <p:sldId id="491" r:id="rId25"/>
+    <p:sldId id="467" r:id="rId26"/>
+    <p:sldId id="492" r:id="rId27"/>
+    <p:sldId id="493" r:id="rId28"/>
+    <p:sldId id="496" r:id="rId29"/>
+    <p:sldId id="498" r:id="rId30"/>
+    <p:sldId id="450" r:id="rId31"/>
+    <p:sldId id="473" r:id="rId32"/>
+    <p:sldId id="474" r:id="rId33"/>
+    <p:sldId id="499" r:id="rId34"/>
+    <p:sldId id="475" r:id="rId35"/>
+    <p:sldId id="477" r:id="rId36"/>
+    <p:sldId id="500" r:id="rId37"/>
+    <p:sldId id="501" r:id="rId38"/>
+    <p:sldId id="453" r:id="rId39"/>
+    <p:sldId id="444" r:id="rId40"/>
+    <p:sldId id="445" r:id="rId41"/>
+    <p:sldId id="460" r:id="rId42"/>
+    <p:sldId id="459" r:id="rId43"/>
+    <p:sldId id="461" r:id="rId44"/>
+    <p:sldId id="447" r:id="rId45"/>
+    <p:sldId id="462" r:id="rId46"/>
+    <p:sldId id="485" r:id="rId47"/>
+    <p:sldId id="486" r:id="rId48"/>
+    <p:sldId id="463" r:id="rId49"/>
+    <p:sldId id="464" r:id="rId50"/>
+    <p:sldId id="466" r:id="rId51"/>
+    <p:sldId id="269" r:id="rId52"/>
+    <p:sldId id="478" r:id="rId53"/>
+    <p:sldId id="479" r:id="rId54"/>
+    <p:sldId id="481" r:id="rId55"/>
+    <p:sldId id="482" r:id="rId56"/>
+    <p:sldId id="483" r:id="rId57"/>
+    <p:sldId id="471" r:id="rId58"/>
+    <p:sldId id="472" r:id="rId59"/>
   </p:sldIdLst>
   <p:sldSz cx="9144000" cy="6858000" type="screen4x3"/>
   <p:notesSz cx="6858000" cy="9144000"/>
@@ -193,6 +194,7 @@
             <p14:sldId id="443"/>
             <p14:sldId id="454"/>
             <p14:sldId id="442"/>
+            <p14:sldId id="502"/>
             <p14:sldId id="494"/>
             <p14:sldId id="495"/>
             <p14:sldId id="455"/>
@@ -364,7 +366,7 @@
           <a:p>
             <a:fld id="{2ABE53D4-1A7B-4FFE-8A95-4265B045F058}" type="datetimeFigureOut">
               <a:rPr kumimoji="1" lang="ja-JP" altLang="en-US" smtClean="0"/>
-              <a:t>2022/11/30</a:t>
+              <a:t>2022/12/7</a:t>
             </a:fld>
             <a:endParaRPr kumimoji="1" lang="ja-JP" altLang="en-US"/>
           </a:p>
@@ -3248,8 +3250,8 @@
               <a:t>プロットの作り方 </a:t>
             </a:r>
             <a:r>
-              <a:rPr kumimoji="1" lang="en-US" altLang="ja-JP" sz="2800" dirty="0"/>
-              <a:t>v11</a:t>
+              <a:rPr kumimoji="1" lang="en-US" altLang="ja-JP" sz="2800"/>
+              <a:t>v12</a:t>
             </a:r>
             <a:endParaRPr kumimoji="1" lang="ja-JP" altLang="en-US" sz="2800" dirty="0"/>
           </a:p>
@@ -3821,14 +3823,14 @@
               <a:buAutoNum type="arabicPeriod"/>
             </a:pPr>
             <a:r>
-              <a:rPr kumimoji="1" lang="ja-JP" altLang="en-US" dirty="0">
+              <a:rPr kumimoji="1" lang="ja-JP" altLang="en-US" sz="1800" dirty="0">
                 <a:solidFill>
                   <a:schemeClr val="accent5"/>
                 </a:solidFill>
               </a:rPr>
               <a:t>背景：主張全体の背景や問題を説明する</a:t>
             </a:r>
-            <a:endParaRPr kumimoji="1" lang="en-US" altLang="ja-JP" dirty="0">
+            <a:endParaRPr kumimoji="1" lang="en-US" altLang="ja-JP" sz="1800" dirty="0">
               <a:solidFill>
                 <a:schemeClr val="accent5"/>
               </a:solidFill>
@@ -3837,26 +3839,26 @@
           <a:p>
             <a:pPr lvl="1"/>
             <a:r>
-              <a:rPr kumimoji="1" lang="ja-JP" altLang="en-US" dirty="0"/>
+              <a:rPr kumimoji="1" lang="ja-JP" altLang="en-US" sz="1800" dirty="0"/>
               <a:t>課題と提案に共通する背景や，それらが共通して取り組んでいる問題</a:t>
             </a:r>
-            <a:endParaRPr kumimoji="1" lang="en-US" altLang="ja-JP" dirty="0"/>
+            <a:endParaRPr kumimoji="1" lang="en-US" altLang="ja-JP" sz="1800" dirty="0"/>
           </a:p>
           <a:p>
             <a:pPr lvl="1"/>
             <a:r>
-              <a:rPr kumimoji="1" lang="ja-JP" altLang="en-US" dirty="0"/>
+              <a:rPr kumimoji="1" lang="ja-JP" altLang="en-US" sz="1800" dirty="0"/>
               <a:t>その問題に対する既存手法</a:t>
             </a:r>
-            <a:endParaRPr kumimoji="1" lang="en-US" altLang="ja-JP" dirty="0"/>
+            <a:endParaRPr kumimoji="1" lang="en-US" altLang="ja-JP" sz="1800" dirty="0"/>
           </a:p>
           <a:p>
             <a:pPr lvl="2"/>
             <a:r>
-              <a:rPr kumimoji="1" lang="ja-JP" altLang="en-US" dirty="0"/>
+              <a:rPr kumimoji="1" lang="ja-JP" altLang="en-US" sz="1800" dirty="0"/>
               <a:t>（この既存手法の説明は課題の方に書くこともある）</a:t>
             </a:r>
-            <a:endParaRPr kumimoji="1" lang="en-US" altLang="ja-JP" dirty="0"/>
+            <a:endParaRPr kumimoji="1" lang="en-US" altLang="ja-JP" sz="1800" dirty="0"/>
           </a:p>
           <a:p>
             <a:pPr marL="457200" indent="-457200">
@@ -3864,14 +3866,14 @@
               <a:buAutoNum type="arabicPeriod"/>
             </a:pPr>
             <a:r>
-              <a:rPr kumimoji="1" lang="ja-JP" altLang="en-US" dirty="0">
+              <a:rPr kumimoji="1" lang="ja-JP" altLang="en-US" sz="1800" dirty="0">
                 <a:solidFill>
                   <a:schemeClr val="accent5"/>
                 </a:solidFill>
               </a:rPr>
               <a:t>課題：解決しようとしている課題を説明する</a:t>
             </a:r>
-            <a:endParaRPr kumimoji="1" lang="en-US" altLang="ja-JP" dirty="0">
+            <a:endParaRPr kumimoji="1" lang="en-US" altLang="ja-JP" sz="1800" dirty="0">
               <a:solidFill>
                 <a:schemeClr val="accent5"/>
               </a:solidFill>
@@ -3880,18 +3882,18 @@
           <a:p>
             <a:pPr lvl="1"/>
             <a:r>
-              <a:rPr kumimoji="1" lang="ja-JP" altLang="en-US" dirty="0"/>
+              <a:rPr kumimoji="1" lang="ja-JP" altLang="en-US" sz="1800" dirty="0"/>
               <a:t>既存手法の問題点</a:t>
             </a:r>
-            <a:endParaRPr kumimoji="1" lang="en-US" altLang="ja-JP" dirty="0"/>
+            <a:endParaRPr kumimoji="1" lang="en-US" altLang="ja-JP" sz="1800" dirty="0"/>
           </a:p>
           <a:p>
             <a:pPr lvl="1"/>
             <a:r>
-              <a:rPr kumimoji="1" lang="ja-JP" altLang="en-US" dirty="0"/>
+              <a:rPr kumimoji="1" lang="ja-JP" altLang="en-US" sz="1800" dirty="0"/>
               <a:t>既存手法がない場合は，背景の中の着目する問題を掘り下げる</a:t>
             </a:r>
-            <a:endParaRPr kumimoji="1" lang="en-US" altLang="ja-JP" dirty="0"/>
+            <a:endParaRPr kumimoji="1" lang="en-US" altLang="ja-JP" sz="1800" dirty="0"/>
           </a:p>
           <a:p>
             <a:pPr marL="457200" indent="-457200">
@@ -3899,14 +3901,14 @@
               <a:buAutoNum type="arabicPeriod"/>
             </a:pPr>
             <a:r>
-              <a:rPr kumimoji="1" lang="ja-JP" altLang="en-US" dirty="0">
+              <a:rPr kumimoji="1" lang="ja-JP" altLang="en-US" sz="1800" dirty="0">
                 <a:solidFill>
                   <a:schemeClr val="accent5"/>
                 </a:solidFill>
               </a:rPr>
               <a:t>提案：課題であげられた問題を解決する提案手法を説明する</a:t>
             </a:r>
-            <a:endParaRPr kumimoji="1" lang="en-US" altLang="ja-JP" dirty="0">
+            <a:endParaRPr kumimoji="1" lang="en-US" altLang="ja-JP" sz="1800" dirty="0">
               <a:solidFill>
                 <a:schemeClr val="accent5"/>
               </a:solidFill>
@@ -3915,31 +3917,31 @@
           <a:p>
             <a:pPr lvl="1"/>
             <a:r>
-              <a:rPr kumimoji="1" lang="ja-JP" altLang="en-US" dirty="0"/>
+              <a:rPr kumimoji="1" lang="ja-JP" altLang="en-US" sz="1800" dirty="0"/>
               <a:t>課題に対する洞察や観察</a:t>
             </a:r>
-            <a:endParaRPr kumimoji="1" lang="en-US" altLang="ja-JP" dirty="0"/>
+            <a:endParaRPr kumimoji="1" lang="en-US" altLang="ja-JP" sz="1800" dirty="0"/>
           </a:p>
           <a:p>
             <a:pPr lvl="1"/>
             <a:r>
-              <a:rPr kumimoji="1" lang="ja-JP" altLang="en-US" dirty="0"/>
+              <a:rPr kumimoji="1" lang="ja-JP" altLang="en-US" sz="1800" dirty="0"/>
               <a:t>キーとなるアイデア</a:t>
             </a:r>
-            <a:endParaRPr kumimoji="1" lang="en-US" altLang="ja-JP" dirty="0"/>
+            <a:endParaRPr kumimoji="1" lang="en-US" altLang="ja-JP" sz="1800" dirty="0"/>
           </a:p>
           <a:p>
             <a:pPr lvl="1"/>
             <a:r>
-              <a:rPr kumimoji="1" lang="ja-JP" altLang="en-US" dirty="0"/>
+              <a:rPr kumimoji="1" lang="ja-JP" altLang="en-US" sz="1800" dirty="0"/>
               <a:t>なぜ </a:t>
             </a:r>
             <a:r>
-              <a:rPr kumimoji="1" lang="en-US" altLang="ja-JP" dirty="0"/>
+              <a:rPr kumimoji="1" lang="en-US" altLang="ja-JP" sz="1800" dirty="0"/>
               <a:t>&amp; </a:t>
             </a:r>
             <a:r>
-              <a:rPr kumimoji="1" lang="ja-JP" altLang="en-US" dirty="0"/>
+              <a:rPr kumimoji="1" lang="ja-JP" altLang="en-US" sz="1800" dirty="0"/>
               <a:t>どのように課題を解決できるのか</a:t>
             </a:r>
           </a:p>
@@ -4957,7 +4959,7 @@
           <p:cNvPr id="2" name="タイトル 1">
             <a:extLst>
               <a:ext uri="{FF2B5EF4-FFF2-40B4-BE49-F238E27FC236}">
-                <a16:creationId xmlns:a16="http://schemas.microsoft.com/office/drawing/2014/main" id="{0D8148F9-96F5-47D8-BABC-0992A5317442}"/>
+                <a16:creationId xmlns:a16="http://schemas.microsoft.com/office/drawing/2014/main" id="{4E691AB9-EB73-E7D5-1F53-E3DB980F59E5}"/>
               </a:ext>
             </a:extLst>
           </p:cNvPr>
@@ -4975,7 +4977,7 @@
           <a:p>
             <a:r>
               <a:rPr kumimoji="1" lang="ja-JP" altLang="en-US" dirty="0"/>
-              <a:t>課題について</a:t>
+              <a:t>背景について</a:t>
             </a:r>
           </a:p>
         </p:txBody>
@@ -4985,7 +4987,7 @@
           <p:cNvPr id="3" name="テキスト プレースホルダー 2">
             <a:extLst>
               <a:ext uri="{FF2B5EF4-FFF2-40B4-BE49-F238E27FC236}">
-                <a16:creationId xmlns:a16="http://schemas.microsoft.com/office/drawing/2014/main" id="{F99D6A1E-A2D8-5CC6-FE5C-A06B02DCAF52}"/>
+                <a16:creationId xmlns:a16="http://schemas.microsoft.com/office/drawing/2014/main" id="{129E117A-6DB6-BF8B-772E-8A11F989FE48}"/>
               </a:ext>
             </a:extLst>
           </p:cNvPr>
@@ -5002,34 +5004,26 @@
           <a:lstStyle/>
           <a:p>
             <a:r>
-              <a:rPr lang="ja-JP" altLang="en-US" dirty="0">
-                <a:solidFill>
-                  <a:schemeClr val="accent5"/>
-                </a:solidFill>
-              </a:rPr>
-              <a:t>「課題」は，良くない事を示すネガティブな語句や文を必ず含む</a:t>
-            </a:r>
-            <a:endParaRPr lang="en-US" altLang="ja-JP" dirty="0">
-              <a:solidFill>
-                <a:schemeClr val="accent5"/>
-              </a:solidFill>
-            </a:endParaRPr>
+              <a:rPr kumimoji="1" lang="ja-JP" altLang="en-US" dirty="0"/>
+              <a:t>「背景」はプロット全体の議論の場を設定する</a:t>
+            </a:r>
+            <a:endParaRPr kumimoji="1" lang="en-US" altLang="ja-JP" dirty="0"/>
           </a:p>
           <a:p>
             <a:pPr lvl="1"/>
             <a:r>
-              <a:rPr lang="ja-JP" altLang="en-US" dirty="0"/>
-              <a:t>「～が悪い」「～できない」など</a:t>
-            </a:r>
-            <a:endParaRPr lang="en-US" altLang="ja-JP" dirty="0"/>
+              <a:rPr kumimoji="1" lang="ja-JP" altLang="en-US" dirty="0"/>
+              <a:t>まず，何についての話題なのか</a:t>
+            </a:r>
+            <a:endParaRPr kumimoji="1" lang="en-US" altLang="ja-JP" dirty="0"/>
           </a:p>
           <a:p>
             <a:pPr lvl="1"/>
             <a:r>
-              <a:rPr lang="ja-JP" altLang="en-US" dirty="0"/>
-              <a:t>これにより，なにが問題であるのかを明示する</a:t>
-            </a:r>
-            <a:endParaRPr lang="en-US" altLang="ja-JP" dirty="0"/>
+              <a:rPr kumimoji="1" lang="ja-JP" altLang="en-US" dirty="0"/>
+              <a:t>その話題において何が主に問題となるのかや，目的は何なのか</a:t>
+            </a:r>
+            <a:endParaRPr kumimoji="1" lang="en-US" altLang="ja-JP" dirty="0"/>
           </a:p>
           <a:p>
             <a:r>
@@ -5041,49 +5035,85 @@
           <a:p>
             <a:pPr lvl="1"/>
             <a:r>
+              <a:rPr lang="ja-JP" altLang="en-US" sz="2000" dirty="0"/>
+              <a:t>「キャッシュ」</a:t>
+            </a:r>
+            <a:endParaRPr lang="en-US" altLang="ja-JP" sz="2000" dirty="0"/>
+          </a:p>
+          <a:p>
+            <a:pPr lvl="1"/>
+            <a:r>
+              <a:rPr lang="ja-JP" altLang="en-US" sz="2000" dirty="0"/>
+              <a:t>「</a:t>
+            </a:r>
+            <a:r>
+              <a:rPr kumimoji="1" lang="ja-JP" altLang="en-US" dirty="0"/>
+              <a:t>早いプリフェッチによるレイテンシの隠蔽</a:t>
+            </a:r>
+            <a:r>
+              <a:rPr lang="ja-JP" altLang="en-US" sz="2000" dirty="0"/>
+              <a:t>」</a:t>
+            </a:r>
+            <a:endParaRPr kumimoji="1" lang="en-US" altLang="ja-JP" dirty="0"/>
+          </a:p>
+          <a:p>
+            <a:pPr lvl="1"/>
+            <a:r>
+              <a:rPr lang="ja-JP" altLang="en-US" sz="2000" dirty="0"/>
+              <a:t>「</a:t>
+            </a:r>
+            <a:r>
+              <a:rPr lang="en-US" altLang="ja-JP" dirty="0"/>
+              <a:t>SIMT </a:t>
+            </a:r>
+            <a:r>
               <a:rPr lang="ja-JP" altLang="en-US" dirty="0"/>
-              <a:t>「従来のスカラ化では制約があり効果的にまとめられない 」</a:t>
+              <a:t>アーキテクチャにおける冗長な演算</a:t>
+            </a:r>
+            <a:r>
+              <a:rPr lang="ja-JP" altLang="en-US" sz="2000" dirty="0"/>
+              <a:t>」</a:t>
             </a:r>
             <a:endParaRPr lang="en-US" altLang="ja-JP" dirty="0"/>
           </a:p>
           <a:p>
             <a:pPr lvl="1"/>
             <a:r>
-              <a:rPr kumimoji="1" lang="ja-JP" altLang="en-US" dirty="0"/>
-              <a:t>「性能向上の機会が大きく失われている」</a:t>
-            </a:r>
-            <a:endParaRPr kumimoji="1" lang="en-US" altLang="ja-JP" dirty="0"/>
+              <a:rPr lang="ja-JP" altLang="en-US" sz="2000" dirty="0"/>
+              <a:t>「</a:t>
+            </a:r>
+            <a:r>
+              <a:rPr kumimoji="1" lang="ja-JP" altLang="en-US" sz="2000" dirty="0"/>
+              <a:t>命令キャッシュ・ミス数を使った性能の見積もり</a:t>
+            </a:r>
+            <a:r>
+              <a:rPr lang="ja-JP" altLang="en-US" sz="2000" dirty="0"/>
+              <a:t>」</a:t>
+            </a:r>
+            <a:endParaRPr kumimoji="1" lang="en-US" altLang="ja-JP" sz="2000" dirty="0"/>
           </a:p>
           <a:p>
             <a:pPr lvl="1"/>
             <a:r>
+              <a:rPr lang="ja-JP" altLang="en-US" sz="2000" dirty="0"/>
+              <a:t>「</a:t>
+            </a:r>
+            <a:r>
               <a:rPr lang="ja-JP" altLang="en-US" dirty="0"/>
-              <a:t>「複雑さが爆発する 」</a:t>
-            </a:r>
-            <a:endParaRPr lang="en-US" altLang="ja-JP" dirty="0"/>
-          </a:p>
-          <a:p>
-            <a:pPr lvl="1"/>
-            <a:r>
-              <a:rPr kumimoji="1" lang="ja-JP" altLang="en-US" dirty="0"/>
-              <a:t>「</a:t>
-            </a:r>
-            <a:r>
-              <a:rPr kumimoji="1" lang="ja-JP" altLang="en-US" sz="2000" dirty="0"/>
-              <a:t>シミュレーションには長い時間かかる</a:t>
-            </a:r>
-            <a:r>
-              <a:rPr kumimoji="1" lang="ja-JP" altLang="en-US" dirty="0"/>
+              <a:t>ベクトル命令</a:t>
+            </a:r>
+            <a:r>
+              <a:rPr lang="ja-JP" altLang="en-US" sz="2000" dirty="0"/>
               <a:t>」</a:t>
             </a:r>
-            <a:endParaRPr kumimoji="1" lang="en-US" altLang="ja-JP" dirty="0"/>
+            <a:endParaRPr kumimoji="1" lang="ja-JP" altLang="en-US" dirty="0"/>
           </a:p>
         </p:txBody>
       </p:sp>
     </p:spTree>
     <p:extLst>
       <p:ext uri="{BB962C8B-B14F-4D97-AF65-F5344CB8AC3E}">
-        <p14:creationId xmlns:p14="http://schemas.microsoft.com/office/powerpoint/2010/main" val="1845051389"/>
+        <p14:creationId xmlns:p14="http://schemas.microsoft.com/office/powerpoint/2010/main" val="4102329378"/>
       </p:ext>
     </p:extLst>
   </p:cSld>
@@ -5141,7 +5171,7 @@
           <a:p>
             <a:r>
               <a:rPr kumimoji="1" lang="ja-JP" altLang="en-US" dirty="0"/>
-              <a:t>項目間の関係</a:t>
+              <a:t>課題について</a:t>
             </a:r>
           </a:p>
         </p:txBody>
@@ -5168,77 +5198,79 @@
           <a:lstStyle/>
           <a:p>
             <a:r>
+              <a:rPr lang="ja-JP" altLang="en-US" dirty="0">
+                <a:solidFill>
+                  <a:schemeClr val="accent5"/>
+                </a:solidFill>
+              </a:rPr>
+              <a:t>「課題」は，良くない事を示すネガティブな語句や文を必ず含む</a:t>
+            </a:r>
+            <a:endParaRPr lang="en-US" altLang="ja-JP" dirty="0">
+              <a:solidFill>
+                <a:schemeClr val="accent5"/>
+              </a:solidFill>
+            </a:endParaRPr>
+          </a:p>
+          <a:p>
+            <a:pPr lvl="1"/>
+            <a:r>
+              <a:rPr lang="ja-JP" altLang="en-US" dirty="0"/>
+              <a:t>「～が悪い」「～できない」など</a:t>
+            </a:r>
+            <a:endParaRPr lang="en-US" altLang="ja-JP" dirty="0"/>
+          </a:p>
+          <a:p>
+            <a:pPr lvl="1"/>
+            <a:r>
+              <a:rPr lang="ja-JP" altLang="en-US" dirty="0"/>
+              <a:t>これにより，なにが問題であるのかを明示する</a:t>
+            </a:r>
+            <a:endParaRPr lang="en-US" altLang="ja-JP" dirty="0"/>
+          </a:p>
+          <a:p>
+            <a:r>
+              <a:rPr lang="ja-JP" altLang="en-US" dirty="0"/>
+              <a:t>たとえば，前述の例の課題の場合：</a:t>
+            </a:r>
+            <a:endParaRPr lang="en-US" altLang="ja-JP" dirty="0"/>
+          </a:p>
+          <a:p>
+            <a:pPr lvl="1"/>
+            <a:r>
+              <a:rPr lang="ja-JP" altLang="en-US" dirty="0"/>
+              <a:t>「従来のスカラ化では制約があり効果的にまとめられない 」</a:t>
+            </a:r>
+            <a:endParaRPr lang="en-US" altLang="ja-JP" dirty="0"/>
+          </a:p>
+          <a:p>
+            <a:pPr lvl="1"/>
+            <a:r>
               <a:rPr kumimoji="1" lang="ja-JP" altLang="en-US" dirty="0"/>
-              <a:t>「課題」に書く内容は，「背景」で提示した問題に対応させる</a:t>
+              <a:t>「性能向上の機会が大きく失われている」</a:t>
             </a:r>
             <a:endParaRPr kumimoji="1" lang="en-US" altLang="ja-JP" dirty="0"/>
           </a:p>
           <a:p>
-            <a:pPr marL="817200" lvl="1" indent="-457200">
-              <a:buFont typeface="+mj-lt"/>
-              <a:buAutoNum type="arabicPeriod"/>
-            </a:pPr>
+            <a:pPr lvl="1"/>
+            <a:r>
+              <a:rPr lang="ja-JP" altLang="en-US" dirty="0"/>
+              <a:t>「複雑さが爆発する 」</a:t>
+            </a:r>
+            <a:endParaRPr lang="en-US" altLang="ja-JP" dirty="0"/>
+          </a:p>
+          <a:p>
+            <a:pPr lvl="1"/>
             <a:r>
               <a:rPr kumimoji="1" lang="ja-JP" altLang="en-US" dirty="0"/>
-              <a:t>既存手法がある場合：</a:t>
-            </a:r>
-            <a:endParaRPr kumimoji="1" lang="en-US" altLang="ja-JP" dirty="0"/>
-          </a:p>
-          <a:p>
-            <a:pPr lvl="2"/>
+              <a:t>「</a:t>
+            </a:r>
+            <a:r>
+              <a:rPr kumimoji="1" lang="ja-JP" altLang="en-US" sz="2000" dirty="0"/>
+              <a:t>シミュレーションには長い時間かかる</a:t>
+            </a:r>
             <a:r>
               <a:rPr kumimoji="1" lang="ja-JP" altLang="en-US" dirty="0"/>
-              <a:t>「背景」で提示した問題を解決する </a:t>
-            </a:r>
-            <a:endParaRPr kumimoji="1" lang="en-US" altLang="ja-JP" dirty="0"/>
-          </a:p>
-          <a:p>
-            <a:pPr lvl="2"/>
-            <a:r>
-              <a:rPr kumimoji="1" lang="ja-JP" altLang="en-US" dirty="0"/>
-              <a:t>（基本的にはこの形になることが多い）</a:t>
-            </a:r>
-            <a:endParaRPr kumimoji="1" lang="en-US" altLang="ja-JP" dirty="0"/>
-          </a:p>
-          <a:p>
-            <a:pPr marL="817200" lvl="1" indent="-457200">
-              <a:buFont typeface="+mj-lt"/>
-              <a:buAutoNum type="arabicPeriod"/>
-            </a:pPr>
-            <a:r>
-              <a:rPr kumimoji="1" lang="ja-JP" altLang="en-US" dirty="0"/>
-              <a:t>既存手法がない場合：</a:t>
-            </a:r>
-            <a:endParaRPr kumimoji="1" lang="en-US" altLang="ja-JP" dirty="0"/>
-          </a:p>
-          <a:p>
-            <a:pPr lvl="2"/>
-            <a:r>
-              <a:rPr kumimoji="1" lang="ja-JP" altLang="en-US" dirty="0"/>
-              <a:t>「背景」の特定の問題に着目して掘り下げる</a:t>
-            </a:r>
-            <a:endParaRPr kumimoji="1" lang="en-US" altLang="ja-JP" dirty="0"/>
-          </a:p>
-          <a:p>
-            <a:r>
-              <a:rPr kumimoji="1" lang="ja-JP" altLang="en-US" dirty="0"/>
-              <a:t>「提案」では，「背景」と「課題」で提示した問題に対応させる</a:t>
-            </a:r>
-            <a:endParaRPr kumimoji="1" lang="en-US" altLang="ja-JP" dirty="0"/>
-          </a:p>
-          <a:p>
-            <a:pPr lvl="1"/>
-            <a:r>
-              <a:rPr kumimoji="1" lang="ja-JP" altLang="en-US" dirty="0"/>
-              <a:t>基本的には「課題」で提示した問題を解決する方法を書く</a:t>
-            </a:r>
-            <a:endParaRPr kumimoji="1" lang="en-US" altLang="ja-JP" dirty="0"/>
-          </a:p>
-          <a:p>
-            <a:pPr lvl="1"/>
-            <a:r>
-              <a:rPr kumimoji="1" lang="ja-JP" altLang="en-US" dirty="0"/>
-              <a:t>そうすれば，普通は自然と「背景」の問題にも対応する</a:t>
+              <a:t>」</a:t>
             </a:r>
             <a:endParaRPr kumimoji="1" lang="en-US" altLang="ja-JP" dirty="0"/>
           </a:p>
@@ -5247,7 +5279,7 @@
     </p:spTree>
     <p:extLst>
       <p:ext uri="{BB962C8B-B14F-4D97-AF65-F5344CB8AC3E}">
-        <p14:creationId xmlns:p14="http://schemas.microsoft.com/office/powerpoint/2010/main" val="3708283417"/>
+        <p14:creationId xmlns:p14="http://schemas.microsoft.com/office/powerpoint/2010/main" val="1845051389"/>
       </p:ext>
     </p:extLst>
   </p:cSld>
@@ -5340,17 +5372,17 @@
               <a:buNone/>
             </a:pPr>
             <a:r>
-              <a:rPr kumimoji="1" lang="ja-JP" altLang="en-US" sz="1800" dirty="0"/>
+              <a:rPr kumimoji="1" lang="ja-JP" altLang="en-US" sz="1600" dirty="0"/>
               <a:t>３点プロットを作ったら，以下が満たされているかを確認する：</a:t>
             </a:r>
-            <a:endParaRPr kumimoji="1" lang="en-US" altLang="ja-JP" sz="1800" dirty="0"/>
-          </a:p>
-          <a:p>
-            <a:r>
-              <a:rPr kumimoji="1" lang="ja-JP" altLang="en-US" sz="1800" dirty="0"/>
+            <a:endParaRPr kumimoji="1" lang="en-US" altLang="ja-JP" sz="1600" dirty="0"/>
+          </a:p>
+          <a:p>
+            <a:r>
+              <a:rPr kumimoji="1" lang="ja-JP" altLang="en-US" sz="1600" dirty="0"/>
               <a:t>内容に関するチェック：</a:t>
             </a:r>
-            <a:endParaRPr kumimoji="1" lang="en-US" altLang="ja-JP" sz="1800" dirty="0"/>
+            <a:endParaRPr kumimoji="1" lang="en-US" altLang="ja-JP" sz="1600" dirty="0"/>
           </a:p>
           <a:p>
             <a:pPr marL="817200" lvl="1" indent="-457200">
@@ -5358,10 +5390,10 @@
               <a:buAutoNum type="arabicPeriod"/>
             </a:pPr>
             <a:r>
-              <a:rPr kumimoji="1" lang="ja-JP" altLang="en-US" sz="1800" dirty="0"/>
+              <a:rPr kumimoji="1" lang="ja-JP" altLang="en-US" sz="1600" dirty="0"/>
               <a:t>背景，課題，提案の３項目から構成されている</a:t>
             </a:r>
-            <a:endParaRPr kumimoji="1" lang="en-US" altLang="ja-JP" sz="1800" dirty="0"/>
+            <a:endParaRPr kumimoji="1" lang="en-US" altLang="ja-JP" sz="1600" dirty="0"/>
           </a:p>
           <a:p>
             <a:pPr marL="817200" lvl="1" indent="-457200">
@@ -5369,10 +5401,10 @@
               <a:buAutoNum type="arabicPeriod"/>
             </a:pPr>
             <a:r>
-              <a:rPr kumimoji="1" lang="ja-JP" altLang="en-US" sz="1800" dirty="0"/>
-              <a:t>背景は課題と提案の双方の話題を包含している</a:t>
-            </a:r>
-            <a:endParaRPr kumimoji="1" lang="en-US" altLang="ja-JP" sz="1800" dirty="0"/>
+              <a:rPr kumimoji="1" lang="ja-JP" altLang="en-US" sz="1600" dirty="0"/>
+              <a:t>背景は，プロット全体の話題が何であるのかを説明している</a:t>
+            </a:r>
+            <a:endParaRPr kumimoji="1" lang="en-US" altLang="ja-JP" sz="1600" dirty="0"/>
           </a:p>
           <a:p>
             <a:pPr marL="817200" lvl="1" indent="-457200">
@@ -5380,10 +5412,10 @@
               <a:buAutoNum type="arabicPeriod"/>
             </a:pPr>
             <a:r>
-              <a:rPr kumimoji="1" lang="ja-JP" altLang="en-US" sz="1800" dirty="0"/>
-              <a:t>課題は「～が悪い」「～が遅い」などの問題を直接示す文を含んでいる</a:t>
-            </a:r>
-            <a:endParaRPr kumimoji="1" lang="en-US" altLang="ja-JP" sz="1800" dirty="0"/>
+              <a:rPr kumimoji="1" lang="ja-JP" altLang="en-US" sz="1600" dirty="0"/>
+              <a:t>課題は，「～が悪い」「～が遅い」などの問題を直接示す文を含んでいる</a:t>
+            </a:r>
+            <a:endParaRPr kumimoji="1" lang="en-US" altLang="ja-JP" sz="1600" dirty="0"/>
           </a:p>
           <a:p>
             <a:pPr marL="817200" lvl="1" indent="-457200">
@@ -5391,17 +5423,17 @@
               <a:buAutoNum type="arabicPeriod"/>
             </a:pPr>
             <a:r>
-              <a:rPr kumimoji="1" lang="ja-JP" altLang="en-US" sz="1800" dirty="0"/>
+              <a:rPr kumimoji="1" lang="ja-JP" altLang="en-US" sz="1600" dirty="0"/>
               <a:t>提案は，上記の問題が「どのように」「なぜ」解決されるのかを示す文を含んでいる</a:t>
             </a:r>
-            <a:endParaRPr kumimoji="1" lang="en-US" altLang="ja-JP" sz="1800" dirty="0"/>
-          </a:p>
-          <a:p>
-            <a:r>
-              <a:rPr kumimoji="1" lang="ja-JP" altLang="en-US" sz="1800" dirty="0"/>
+            <a:endParaRPr kumimoji="1" lang="en-US" altLang="ja-JP" sz="1600" dirty="0"/>
+          </a:p>
+          <a:p>
+            <a:r>
+              <a:rPr kumimoji="1" lang="ja-JP" altLang="en-US" sz="1600" dirty="0"/>
               <a:t>形式に関するチェック：</a:t>
             </a:r>
-            <a:endParaRPr kumimoji="1" lang="en-US" altLang="ja-JP" sz="1800" dirty="0"/>
+            <a:endParaRPr kumimoji="1" lang="en-US" altLang="ja-JP" sz="1600" dirty="0"/>
           </a:p>
           <a:p>
             <a:pPr marL="817200" lvl="1" indent="-457200">
@@ -5409,10 +5441,10 @@
               <a:buAutoNum type="arabicPeriod" startAt="5"/>
             </a:pPr>
             <a:r>
-              <a:rPr kumimoji="1" lang="ja-JP" altLang="en-US" sz="1800" dirty="0"/>
+              <a:rPr kumimoji="1" lang="ja-JP" altLang="en-US" sz="1600" dirty="0"/>
               <a:t>各箇条書きは複文を含んではならない</a:t>
             </a:r>
-            <a:endParaRPr kumimoji="1" lang="en-US" altLang="ja-JP" sz="1800" dirty="0"/>
+            <a:endParaRPr kumimoji="1" lang="en-US" altLang="ja-JP" sz="1600" dirty="0"/>
           </a:p>
           <a:p>
             <a:pPr marL="817200" lvl="1" indent="-457200">
@@ -5420,10 +5452,10 @@
               <a:buAutoNum type="arabicPeriod" startAt="5"/>
             </a:pPr>
             <a:r>
-              <a:rPr kumimoji="1" lang="ja-JP" altLang="en-US" sz="1800" dirty="0"/>
+              <a:rPr kumimoji="1" lang="ja-JP" altLang="en-US" sz="1600" dirty="0"/>
               <a:t>１行を越えるような長い修飾節を含んだ文を含んではならない</a:t>
             </a:r>
-            <a:endParaRPr kumimoji="1" lang="en-US" altLang="ja-JP" sz="1800" dirty="0"/>
+            <a:endParaRPr kumimoji="1" lang="en-US" altLang="ja-JP" sz="1600" dirty="0"/>
           </a:p>
           <a:p>
             <a:pPr marL="817200" lvl="1" indent="-457200">
@@ -5431,10 +5463,10 @@
               <a:buAutoNum type="arabicPeriod" startAt="5"/>
             </a:pPr>
             <a:r>
-              <a:rPr kumimoji="1" lang="ja-JP" altLang="en-US" sz="1800" dirty="0"/>
+              <a:rPr kumimoji="1" lang="ja-JP" altLang="en-US" sz="1600" dirty="0"/>
               <a:t>４つ以上の項目を並列に並べてはいけない</a:t>
             </a:r>
-            <a:endParaRPr kumimoji="1" lang="en-US" altLang="ja-JP" sz="1800" dirty="0"/>
+            <a:endParaRPr kumimoji="1" lang="en-US" altLang="ja-JP" sz="1600" dirty="0"/>
           </a:p>
           <a:p>
             <a:pPr marL="817200" lvl="1" indent="-457200">
@@ -5442,10 +5474,10 @@
               <a:buAutoNum type="arabicPeriod" startAt="5"/>
             </a:pPr>
             <a:r>
-              <a:rPr lang="ja-JP" altLang="en-US" sz="1800" dirty="0"/>
+              <a:rPr lang="ja-JP" altLang="en-US" sz="1600" dirty="0"/>
               <a:t>箇条書きの親子関係で説明されている「階段」を作ってはいけない</a:t>
             </a:r>
-            <a:endParaRPr kumimoji="1" lang="en-US" altLang="ja-JP" sz="1800" dirty="0"/>
+            <a:endParaRPr kumimoji="1" lang="en-US" altLang="ja-JP" sz="1600" dirty="0"/>
           </a:p>
         </p:txBody>
       </p:sp>
@@ -5492,7 +5524,7 @@
           <p:cNvPr id="2" name="タイトル 1">
             <a:extLst>
               <a:ext uri="{FF2B5EF4-FFF2-40B4-BE49-F238E27FC236}">
-                <a16:creationId xmlns:a16="http://schemas.microsoft.com/office/drawing/2014/main" id="{CF2EC29A-53FA-8B96-FE9A-0EF13AEC926F}"/>
+                <a16:creationId xmlns:a16="http://schemas.microsoft.com/office/drawing/2014/main" id="{0D8148F9-96F5-47D8-BABC-0992A5317442}"/>
               </a:ext>
             </a:extLst>
           </p:cNvPr>
@@ -5510,7 +5542,7 @@
           <a:p>
             <a:r>
               <a:rPr kumimoji="1" lang="ja-JP" altLang="en-US" dirty="0"/>
-              <a:t>応用：４点プロット</a:t>
+              <a:t>項目間の関係</a:t>
             </a:r>
           </a:p>
         </p:txBody>
@@ -5520,7 +5552,7 @@
           <p:cNvPr id="3" name="テキスト プレースホルダー 2">
             <a:extLst>
               <a:ext uri="{FF2B5EF4-FFF2-40B4-BE49-F238E27FC236}">
-                <a16:creationId xmlns:a16="http://schemas.microsoft.com/office/drawing/2014/main" id="{181521BF-22BE-74E1-30FF-6AFF99DD6C71}"/>
+                <a16:creationId xmlns:a16="http://schemas.microsoft.com/office/drawing/2014/main" id="{F99D6A1E-A2D8-5CC6-FE5C-A06B02DCAF52}"/>
               </a:ext>
             </a:extLst>
           </p:cNvPr>
@@ -5531,27 +5563,75 @@
             <p:ph type="body" sz="quarter" idx="10"/>
           </p:nvPr>
         </p:nvSpPr>
-        <p:spPr>
-          <a:xfrm>
-            <a:off x="341953" y="1088974"/>
-            <a:ext cx="8550095" cy="5219751"/>
-          </a:xfrm>
-        </p:spPr>
+        <p:spPr/>
         <p:txBody>
           <a:bodyPr/>
           <a:lstStyle/>
           <a:p>
             <a:r>
               <a:rPr kumimoji="1" lang="ja-JP" altLang="en-US" dirty="0"/>
-              <a:t>洞察を加えた４点プロットの形でもよい</a:t>
+              <a:t>「課題」に書く内容は，「背景」で提示した問題に対応させる</a:t>
             </a:r>
             <a:endParaRPr kumimoji="1" lang="en-US" altLang="ja-JP" dirty="0"/>
           </a:p>
           <a:p>
+            <a:pPr marL="817200" lvl="1" indent="-457200">
+              <a:buFont typeface="+mj-lt"/>
+              <a:buAutoNum type="arabicPeriod"/>
+            </a:pPr>
+            <a:r>
+              <a:rPr kumimoji="1" lang="ja-JP" altLang="en-US" dirty="0"/>
+              <a:t>既存手法がある場合：</a:t>
+            </a:r>
+            <a:endParaRPr kumimoji="1" lang="en-US" altLang="ja-JP" dirty="0"/>
+          </a:p>
+          <a:p>
+            <a:pPr lvl="2"/>
+            <a:r>
+              <a:rPr kumimoji="1" lang="ja-JP" altLang="en-US" dirty="0"/>
+              <a:t>「背景」で提示した問題を解決する </a:t>
+            </a:r>
+            <a:endParaRPr kumimoji="1" lang="en-US" altLang="ja-JP" dirty="0"/>
+          </a:p>
+          <a:p>
+            <a:pPr lvl="2"/>
+            <a:r>
+              <a:rPr kumimoji="1" lang="ja-JP" altLang="en-US" dirty="0"/>
+              <a:t>（基本的にはこの形になることが多い）</a:t>
+            </a:r>
+            <a:endParaRPr kumimoji="1" lang="en-US" altLang="ja-JP" dirty="0"/>
+          </a:p>
+          <a:p>
+            <a:pPr marL="817200" lvl="1" indent="-457200">
+              <a:buFont typeface="+mj-lt"/>
+              <a:buAutoNum type="arabicPeriod"/>
+            </a:pPr>
+            <a:r>
+              <a:rPr kumimoji="1" lang="ja-JP" altLang="en-US" dirty="0"/>
+              <a:t>既存手法がない場合：</a:t>
+            </a:r>
+            <a:endParaRPr kumimoji="1" lang="en-US" altLang="ja-JP" dirty="0"/>
+          </a:p>
+          <a:p>
+            <a:pPr lvl="2"/>
+            <a:r>
+              <a:rPr kumimoji="1" lang="ja-JP" altLang="en-US" dirty="0"/>
+              <a:t>「背景」の特定の問題に着目して掘り下げる</a:t>
+            </a:r>
+            <a:endParaRPr kumimoji="1" lang="en-US" altLang="ja-JP" dirty="0"/>
+          </a:p>
+          <a:p>
+            <a:r>
+              <a:rPr kumimoji="1" lang="ja-JP" altLang="en-US" dirty="0"/>
+              <a:t>「提案」では，「背景」と「課題」で提示した問題に対応させる</a:t>
+            </a:r>
+            <a:endParaRPr kumimoji="1" lang="en-US" altLang="ja-JP" dirty="0"/>
+          </a:p>
+          <a:p>
             <a:pPr lvl="1"/>
             <a:r>
               <a:rPr kumimoji="1" lang="ja-JP" altLang="en-US" dirty="0"/>
-              <a:t>背景</a:t>
+              <a:t>基本的には「課題」で提示した問題を解決する方法を書く</a:t>
             </a:r>
             <a:endParaRPr kumimoji="1" lang="en-US" altLang="ja-JP" dirty="0"/>
           </a:p>
@@ -5559,62 +5639,16 @@
             <a:pPr lvl="1"/>
             <a:r>
               <a:rPr kumimoji="1" lang="ja-JP" altLang="en-US" dirty="0"/>
-              <a:t>課題</a:t>
+              <a:t>そうすれば，普通は自然と「背景」の問題にも対応する</a:t>
             </a:r>
             <a:endParaRPr kumimoji="1" lang="en-US" altLang="ja-JP" dirty="0"/>
-          </a:p>
-          <a:p>
-            <a:pPr lvl="1"/>
-            <a:r>
-              <a:rPr kumimoji="1" lang="ja-JP" altLang="en-US" dirty="0">
-                <a:solidFill>
-                  <a:schemeClr val="accent5"/>
-                </a:solidFill>
-              </a:rPr>
-              <a:t>洞察</a:t>
-            </a:r>
-            <a:endParaRPr kumimoji="1" lang="en-US" altLang="ja-JP" dirty="0">
-              <a:solidFill>
-                <a:schemeClr val="accent5"/>
-              </a:solidFill>
-            </a:endParaRPr>
-          </a:p>
-          <a:p>
-            <a:pPr lvl="2"/>
-            <a:r>
-              <a:rPr kumimoji="1" lang="ja-JP" altLang="en-US" dirty="0"/>
-              <a:t>課題に対する新しい観察結果や，課題の核心の新しい解釈など</a:t>
-            </a:r>
-            <a:endParaRPr kumimoji="1" lang="en-US" altLang="ja-JP" dirty="0"/>
-          </a:p>
-          <a:p>
-            <a:pPr lvl="1"/>
-            <a:r>
-              <a:rPr kumimoji="1" lang="ja-JP" altLang="en-US" dirty="0"/>
-              <a:t>提案</a:t>
-            </a:r>
-            <a:endParaRPr kumimoji="1" lang="en-US" altLang="ja-JP" dirty="0"/>
-          </a:p>
-          <a:p>
-            <a:r>
-              <a:rPr kumimoji="1" lang="ja-JP" altLang="en-US" dirty="0"/>
-              <a:t>洞察は課題や提案の下にぶら下がることもある</a:t>
-            </a:r>
-            <a:endParaRPr kumimoji="1" lang="en-US" altLang="ja-JP" dirty="0"/>
-          </a:p>
-          <a:p>
-            <a:pPr lvl="1"/>
-            <a:r>
-              <a:rPr kumimoji="1" lang="ja-JP" altLang="en-US" dirty="0"/>
-              <a:t>小泉くんの例での「早すぎるプリフェッチ」は洞察でもある</a:t>
-            </a:r>
           </a:p>
         </p:txBody>
       </p:sp>
     </p:spTree>
     <p:extLst>
       <p:ext uri="{BB962C8B-B14F-4D97-AF65-F5344CB8AC3E}">
-        <p14:creationId xmlns:p14="http://schemas.microsoft.com/office/powerpoint/2010/main" val="1477190036"/>
+        <p14:creationId xmlns:p14="http://schemas.microsoft.com/office/powerpoint/2010/main" val="3708283417"/>
       </p:ext>
     </p:extLst>
   </p:cSld>
@@ -5651,10 +5685,10 @@
       </p:grpSpPr>
       <p:sp>
         <p:nvSpPr>
-          <p:cNvPr id="6" name="タイトル 5">
-            <a:extLst>
-              <a:ext uri="{FF2B5EF4-FFF2-40B4-BE49-F238E27FC236}">
-                <a16:creationId xmlns:a16="http://schemas.microsoft.com/office/drawing/2014/main" id="{0C5C5263-A46C-250C-79B4-37EF4633D8AE}"/>
+          <p:cNvPr id="2" name="タイトル 1">
+            <a:extLst>
+              <a:ext uri="{FF2B5EF4-FFF2-40B4-BE49-F238E27FC236}">
+                <a16:creationId xmlns:a16="http://schemas.microsoft.com/office/drawing/2014/main" id="{CF2EC29A-53FA-8B96-FE9A-0EF13AEC926F}"/>
               </a:ext>
             </a:extLst>
           </p:cNvPr>
@@ -5672,17 +5706,17 @@
           <a:p>
             <a:r>
               <a:rPr kumimoji="1" lang="ja-JP" altLang="en-US" dirty="0"/>
-              <a:t>３点プロットの目次</a:t>
-            </a:r>
-          </a:p>
-        </p:txBody>
-      </p:sp>
-      <p:sp>
-        <p:nvSpPr>
-          <p:cNvPr id="7" name="テキスト プレースホルダー 6">
-            <a:extLst>
-              <a:ext uri="{FF2B5EF4-FFF2-40B4-BE49-F238E27FC236}">
-                <a16:creationId xmlns:a16="http://schemas.microsoft.com/office/drawing/2014/main" id="{12EFEECB-8119-A100-9FB5-F471FDE43EF4}"/>
+              <a:t>応用：４点プロット</a:t>
+            </a:r>
+          </a:p>
+        </p:txBody>
+      </p:sp>
+      <p:sp>
+        <p:nvSpPr>
+          <p:cNvPr id="3" name="テキスト プレースホルダー 2">
+            <a:extLst>
+              <a:ext uri="{FF2B5EF4-FFF2-40B4-BE49-F238E27FC236}">
+                <a16:creationId xmlns:a16="http://schemas.microsoft.com/office/drawing/2014/main" id="{181521BF-22BE-74E1-30FF-6AFF99DD6C71}"/>
               </a:ext>
             </a:extLst>
           </p:cNvPr>
@@ -5693,78 +5727,90 @@
             <p:ph type="body" sz="quarter" idx="10"/>
           </p:nvPr>
         </p:nvSpPr>
-        <p:spPr/>
+        <p:spPr>
+          <a:xfrm>
+            <a:off x="341953" y="1088974"/>
+            <a:ext cx="8550095" cy="5219751"/>
+          </a:xfrm>
+        </p:spPr>
         <p:txBody>
           <a:bodyPr/>
           <a:lstStyle/>
           <a:p>
-            <a:pPr marL="457200" indent="-457200">
-              <a:buFont typeface="+mj-lt"/>
-              <a:buAutoNum type="arabicPeriod"/>
-            </a:pPr>
             <a:r>
               <a:rPr kumimoji="1" lang="ja-JP" altLang="en-US" dirty="0"/>
-              <a:t>３点プロットとは</a:t>
+              <a:t>洞察を加えた４点プロットの形でもよい</a:t>
             </a:r>
             <a:endParaRPr kumimoji="1" lang="en-US" altLang="ja-JP" dirty="0"/>
           </a:p>
           <a:p>
-            <a:pPr marL="457200" indent="-457200">
-              <a:buFont typeface="+mj-lt"/>
-              <a:buAutoNum type="arabicPeriod"/>
-            </a:pPr>
-            <a:r>
-              <a:rPr kumimoji="1" lang="ja-JP" altLang="en-US" b="1" dirty="0"/>
-              <a:t>作り方</a:t>
-            </a:r>
-            <a:endParaRPr kumimoji="1" lang="en-US" altLang="ja-JP" b="1" dirty="0"/>
-          </a:p>
-          <a:p>
-            <a:pPr marL="817200" lvl="1" indent="-457200">
-              <a:buFont typeface="+mj-lt"/>
-              <a:buAutoNum type="arabicPeriod"/>
-            </a:pPr>
+            <a:pPr lvl="1"/>
             <a:r>
               <a:rPr kumimoji="1" lang="ja-JP" altLang="en-US" dirty="0"/>
-              <a:t>内容のまとめかた</a:t>
+              <a:t>背景</a:t>
             </a:r>
             <a:endParaRPr kumimoji="1" lang="en-US" altLang="ja-JP" dirty="0"/>
           </a:p>
           <a:p>
-            <a:pPr marL="817200" lvl="1" indent="-457200">
-              <a:buFont typeface="+mj-lt"/>
-              <a:buAutoNum type="arabicPeriod"/>
-            </a:pPr>
+            <a:pPr lvl="1"/>
             <a:r>
               <a:rPr kumimoji="1" lang="ja-JP" altLang="en-US" dirty="0"/>
-              <a:t>箇条書きの作り方</a:t>
+              <a:t>課題</a:t>
             </a:r>
             <a:endParaRPr kumimoji="1" lang="en-US" altLang="ja-JP" dirty="0"/>
           </a:p>
           <a:p>
-            <a:pPr marL="457200" indent="-457200">
-              <a:buFont typeface="+mj-lt"/>
-              <a:buAutoNum type="arabicPeriod"/>
-            </a:pPr>
+            <a:pPr lvl="1"/>
+            <a:r>
+              <a:rPr kumimoji="1" lang="ja-JP" altLang="en-US" dirty="0">
+                <a:solidFill>
+                  <a:schemeClr val="accent5"/>
+                </a:solidFill>
+              </a:rPr>
+              <a:t>洞察</a:t>
+            </a:r>
+            <a:endParaRPr kumimoji="1" lang="en-US" altLang="ja-JP" dirty="0">
+              <a:solidFill>
+                <a:schemeClr val="accent5"/>
+              </a:solidFill>
+            </a:endParaRPr>
+          </a:p>
+          <a:p>
+            <a:pPr lvl="2"/>
             <a:r>
               <a:rPr kumimoji="1" lang="ja-JP" altLang="en-US" dirty="0"/>
-              <a:t>余談：なぜ箇条書きにまとめるのか？</a:t>
+              <a:t>課題に対する新しい観察結果や，課題の核心の新しい解釈など</a:t>
             </a:r>
             <a:endParaRPr kumimoji="1" lang="en-US" altLang="ja-JP" dirty="0"/>
           </a:p>
           <a:p>
-            <a:pPr marL="817200" lvl="1" indent="-457200">
-              <a:buFont typeface="+mj-lt"/>
-              <a:buAutoNum type="arabicPeriod"/>
-            </a:pPr>
+            <a:pPr lvl="1"/>
+            <a:r>
+              <a:rPr kumimoji="1" lang="ja-JP" altLang="en-US" dirty="0"/>
+              <a:t>提案</a:t>
+            </a:r>
             <a:endParaRPr kumimoji="1" lang="en-US" altLang="ja-JP" dirty="0"/>
+          </a:p>
+          <a:p>
+            <a:r>
+              <a:rPr kumimoji="1" lang="ja-JP" altLang="en-US" dirty="0"/>
+              <a:t>洞察は課題や提案の下にぶら下がることもある</a:t>
+            </a:r>
+            <a:endParaRPr kumimoji="1" lang="en-US" altLang="ja-JP" dirty="0"/>
+          </a:p>
+          <a:p>
+            <a:pPr lvl="1"/>
+            <a:r>
+              <a:rPr kumimoji="1" lang="ja-JP" altLang="en-US" dirty="0"/>
+              <a:t>小泉くんの例での「早すぎるプリフェッチ」は洞察でもある</a:t>
+            </a:r>
           </a:p>
         </p:txBody>
       </p:sp>
     </p:spTree>
     <p:extLst>
       <p:ext uri="{BB962C8B-B14F-4D97-AF65-F5344CB8AC3E}">
-        <p14:creationId xmlns:p14="http://schemas.microsoft.com/office/powerpoint/2010/main" val="1183582949"/>
+        <p14:creationId xmlns:p14="http://schemas.microsoft.com/office/powerpoint/2010/main" val="1477190036"/>
       </p:ext>
     </p:extLst>
   </p:cSld>
@@ -5801,10 +5847,10 @@
       </p:grpSpPr>
       <p:sp>
         <p:nvSpPr>
-          <p:cNvPr id="2" name="タイトル 1">
-            <a:extLst>
-              <a:ext uri="{FF2B5EF4-FFF2-40B4-BE49-F238E27FC236}">
-                <a16:creationId xmlns:a16="http://schemas.microsoft.com/office/drawing/2014/main" id="{5495249E-5784-30A1-9425-0AD2EDA550D0}"/>
+          <p:cNvPr id="6" name="タイトル 5">
+            <a:extLst>
+              <a:ext uri="{FF2B5EF4-FFF2-40B4-BE49-F238E27FC236}">
+                <a16:creationId xmlns:a16="http://schemas.microsoft.com/office/drawing/2014/main" id="{0C5C5263-A46C-250C-79B4-37EF4633D8AE}"/>
               </a:ext>
             </a:extLst>
           </p:cNvPr>
@@ -5822,22 +5868,17 @@
           <a:p>
             <a:r>
               <a:rPr kumimoji="1" lang="ja-JP" altLang="en-US" dirty="0"/>
-              <a:t>とりあえず，この形</a:t>
-            </a:r>
-            <a:r>
-              <a:rPr lang="ja-JP" altLang="en-US" dirty="0"/>
-              <a:t>にまとめる事を目指す</a:t>
-            </a:r>
-            <a:endParaRPr kumimoji="1" lang="ja-JP" altLang="en-US" dirty="0"/>
-          </a:p>
-        </p:txBody>
-      </p:sp>
-      <p:sp>
-        <p:nvSpPr>
-          <p:cNvPr id="3" name="テキスト プレースホルダー 2">
-            <a:extLst>
-              <a:ext uri="{FF2B5EF4-FFF2-40B4-BE49-F238E27FC236}">
-                <a16:creationId xmlns:a16="http://schemas.microsoft.com/office/drawing/2014/main" id="{434C8495-CDEB-3716-81CF-61358DAF8B15}"/>
+              <a:t>３点プロットの目次</a:t>
+            </a:r>
+          </a:p>
+        </p:txBody>
+      </p:sp>
+      <p:sp>
+        <p:nvSpPr>
+          <p:cNvPr id="7" name="テキスト プレースホルダー 6">
+            <a:extLst>
+              <a:ext uri="{FF2B5EF4-FFF2-40B4-BE49-F238E27FC236}">
+                <a16:creationId xmlns:a16="http://schemas.microsoft.com/office/drawing/2014/main" id="{12EFEECB-8119-A100-9FB5-F471FDE43EF4}"/>
               </a:ext>
             </a:extLst>
           </p:cNvPr>
@@ -5853,47 +5894,13 @@
           <a:bodyPr/>
           <a:lstStyle/>
           <a:p>
-            <a:pPr marL="0" indent="0">
-              <a:buNone/>
-            </a:pPr>
-            <a:r>
-              <a:rPr kumimoji="1" lang="ja-JP" altLang="en-US" dirty="0"/>
-              <a:t>「～」となっているところは，一つの文ないしは名詞による説明</a:t>
-            </a:r>
-            <a:endParaRPr kumimoji="1" lang="en-US" altLang="ja-JP" dirty="0"/>
-          </a:p>
-          <a:p>
             <a:pPr marL="457200" indent="-457200">
               <a:buFont typeface="+mj-lt"/>
               <a:buAutoNum type="arabicPeriod"/>
             </a:pPr>
             <a:r>
               <a:rPr kumimoji="1" lang="ja-JP" altLang="en-US" dirty="0"/>
-              <a:t>背景：「～」</a:t>
-            </a:r>
-            <a:endParaRPr kumimoji="1" lang="en-US" altLang="ja-JP" dirty="0"/>
-          </a:p>
-          <a:p>
-            <a:pPr lvl="1"/>
-            <a:r>
-              <a:rPr kumimoji="1" lang="ja-JP" altLang="en-US" dirty="0"/>
-              <a:t>「～」</a:t>
-            </a:r>
-            <a:r>
-              <a:rPr lang="en-US" altLang="ja-JP" dirty="0"/>
-              <a:t>= </a:t>
-            </a:r>
-            <a:r>
-              <a:rPr kumimoji="1" lang="ja-JP" altLang="en-US" dirty="0"/>
-              <a:t>背景を説明する１つの文</a:t>
-            </a:r>
-            <a:endParaRPr kumimoji="1" lang="en-US" altLang="ja-JP" dirty="0"/>
-          </a:p>
-          <a:p>
-            <a:pPr lvl="1"/>
-            <a:r>
-              <a:rPr kumimoji="1" lang="ja-JP" altLang="en-US" dirty="0"/>
-              <a:t>「～」･･･</a:t>
+              <a:t>３点プロットとは</a:t>
             </a:r>
             <a:endParaRPr kumimoji="1" lang="en-US" altLang="ja-JP" dirty="0"/>
           </a:p>
@@ -5903,24 +5910,30 @@
               <a:buAutoNum type="arabicPeriod"/>
             </a:pPr>
             <a:r>
+              <a:rPr kumimoji="1" lang="ja-JP" altLang="en-US" b="1" dirty="0"/>
+              <a:t>作り方</a:t>
+            </a:r>
+            <a:endParaRPr kumimoji="1" lang="en-US" altLang="ja-JP" b="1" dirty="0"/>
+          </a:p>
+          <a:p>
+            <a:pPr marL="817200" lvl="1" indent="-457200">
+              <a:buFont typeface="+mj-lt"/>
+              <a:buAutoNum type="arabicPeriod"/>
+            </a:pPr>
+            <a:r>
               <a:rPr kumimoji="1" lang="ja-JP" altLang="en-US" dirty="0"/>
-              <a:t>課題：「～」</a:t>
+              <a:t>内容のまとめかた</a:t>
             </a:r>
             <a:endParaRPr kumimoji="1" lang="en-US" altLang="ja-JP" dirty="0"/>
           </a:p>
           <a:p>
-            <a:pPr lvl="1"/>
+            <a:pPr marL="817200" lvl="1" indent="-457200">
+              <a:buFont typeface="+mj-lt"/>
+              <a:buAutoNum type="arabicPeriod"/>
+            </a:pPr>
             <a:r>
               <a:rPr kumimoji="1" lang="ja-JP" altLang="en-US" dirty="0"/>
-              <a:t>「～」</a:t>
-            </a:r>
-            <a:endParaRPr kumimoji="1" lang="en-US" altLang="ja-JP" dirty="0"/>
-          </a:p>
-          <a:p>
-            <a:pPr lvl="1"/>
-            <a:r>
-              <a:rPr kumimoji="1" lang="ja-JP" altLang="en-US" dirty="0"/>
-              <a:t>「～」</a:t>
+              <a:t>箇条書きの作り方</a:t>
             </a:r>
             <a:endParaRPr kumimoji="1" lang="en-US" altLang="ja-JP" dirty="0"/>
           </a:p>
@@ -5931,24 +5944,15 @@
             </a:pPr>
             <a:r>
               <a:rPr kumimoji="1" lang="ja-JP" altLang="en-US" dirty="0"/>
-              <a:t>提案：「～」</a:t>
+              <a:t>余談：なぜ箇条書きにまとめるのか？</a:t>
             </a:r>
             <a:endParaRPr kumimoji="1" lang="en-US" altLang="ja-JP" dirty="0"/>
           </a:p>
           <a:p>
-            <a:pPr lvl="1"/>
-            <a:r>
-              <a:rPr kumimoji="1" lang="ja-JP" altLang="en-US" dirty="0"/>
-              <a:t>「～」</a:t>
-            </a:r>
-            <a:endParaRPr kumimoji="1" lang="en-US" altLang="ja-JP" dirty="0"/>
-          </a:p>
-          <a:p>
-            <a:pPr lvl="1"/>
-            <a:r>
-              <a:rPr kumimoji="1" lang="ja-JP" altLang="en-US" dirty="0"/>
-              <a:t>「～」</a:t>
-            </a:r>
+            <a:pPr marL="817200" lvl="1" indent="-457200">
+              <a:buFont typeface="+mj-lt"/>
+              <a:buAutoNum type="arabicPeriod"/>
+            </a:pPr>
             <a:endParaRPr kumimoji="1" lang="en-US" altLang="ja-JP" dirty="0"/>
           </a:p>
         </p:txBody>
@@ -5956,7 +5960,7 @@
     </p:spTree>
     <p:extLst>
       <p:ext uri="{BB962C8B-B14F-4D97-AF65-F5344CB8AC3E}">
-        <p14:creationId xmlns:p14="http://schemas.microsoft.com/office/powerpoint/2010/main" val="490123942"/>
+        <p14:creationId xmlns:p14="http://schemas.microsoft.com/office/powerpoint/2010/main" val="1183582949"/>
       </p:ext>
     </p:extLst>
   </p:cSld>
@@ -5996,7 +6000,7 @@
           <p:cNvPr id="2" name="タイトル 1">
             <a:extLst>
               <a:ext uri="{FF2B5EF4-FFF2-40B4-BE49-F238E27FC236}">
-                <a16:creationId xmlns:a16="http://schemas.microsoft.com/office/drawing/2014/main" id="{EA0C8582-08B9-D921-E55A-28F7D17A4943}"/>
+                <a16:creationId xmlns:a16="http://schemas.microsoft.com/office/drawing/2014/main" id="{5495249E-5784-30A1-9425-0AD2EDA550D0}"/>
               </a:ext>
             </a:extLst>
           </p:cNvPr>
@@ -6014,8 +6018,13 @@
           <a:p>
             <a:r>
               <a:rPr kumimoji="1" lang="ja-JP" altLang="en-US" dirty="0"/>
-              <a:t>作り方の例</a:t>
-            </a:r>
+              <a:t>とりあえず，この形</a:t>
+            </a:r>
+            <a:r>
+              <a:rPr lang="ja-JP" altLang="en-US" dirty="0"/>
+              <a:t>にまとめる事を目指す</a:t>
+            </a:r>
+            <a:endParaRPr kumimoji="1" lang="ja-JP" altLang="en-US" dirty="0"/>
           </a:p>
         </p:txBody>
       </p:sp>
@@ -6024,7 +6033,7 @@
           <p:cNvPr id="3" name="テキスト プレースホルダー 2">
             <a:extLst>
               <a:ext uri="{FF2B5EF4-FFF2-40B4-BE49-F238E27FC236}">
-                <a16:creationId xmlns:a16="http://schemas.microsoft.com/office/drawing/2014/main" id="{2F868795-944F-D087-1C44-2954EC432ED7}"/>
+                <a16:creationId xmlns:a16="http://schemas.microsoft.com/office/drawing/2014/main" id="{434C8495-CDEB-3716-81CF-61358DAF8B15}"/>
               </a:ext>
             </a:extLst>
           </p:cNvPr>
@@ -6040,38 +6049,66 @@
           <a:bodyPr/>
           <a:lstStyle/>
           <a:p>
+            <a:pPr marL="0" indent="0">
+              <a:buNone/>
+            </a:pPr>
             <a:r>
               <a:rPr kumimoji="1" lang="ja-JP" altLang="en-US" dirty="0"/>
-              <a:t>作り方の例</a:t>
+              <a:t>「～」となっているところは，一つの文ないしは名詞による説明</a:t>
             </a:r>
             <a:endParaRPr kumimoji="1" lang="en-US" altLang="ja-JP" dirty="0"/>
           </a:p>
           <a:p>
-            <a:pPr marL="817200" lvl="1" indent="-457200">
+            <a:pPr marL="457200" indent="-457200">
               <a:buFont typeface="+mj-lt"/>
               <a:buAutoNum type="arabicPeriod"/>
             </a:pPr>
             <a:r>
               <a:rPr kumimoji="1" lang="ja-JP" altLang="en-US" dirty="0"/>
-              <a:t>ボトムアップな作り方</a:t>
+              <a:t>背景：「～」</a:t>
             </a:r>
             <a:endParaRPr kumimoji="1" lang="en-US" altLang="ja-JP" dirty="0"/>
           </a:p>
           <a:p>
-            <a:pPr marL="817200" lvl="1" indent="-457200">
+            <a:pPr lvl="1"/>
+            <a:r>
+              <a:rPr kumimoji="1" lang="ja-JP" altLang="en-US" dirty="0"/>
+              <a:t>「～」</a:t>
+            </a:r>
+            <a:r>
+              <a:rPr lang="en-US" altLang="ja-JP" dirty="0"/>
+              <a:t>= </a:t>
+            </a:r>
+            <a:r>
+              <a:rPr kumimoji="1" lang="ja-JP" altLang="en-US" dirty="0"/>
+              <a:t>背景を説明する１つの文</a:t>
+            </a:r>
+            <a:endParaRPr kumimoji="1" lang="en-US" altLang="ja-JP" dirty="0"/>
+          </a:p>
+          <a:p>
+            <a:pPr lvl="1"/>
+            <a:r>
+              <a:rPr kumimoji="1" lang="ja-JP" altLang="en-US" dirty="0"/>
+              <a:t>「～」･･･</a:t>
+            </a:r>
+            <a:endParaRPr kumimoji="1" lang="en-US" altLang="ja-JP" dirty="0"/>
+          </a:p>
+          <a:p>
+            <a:pPr marL="457200" indent="-457200">
               <a:buFont typeface="+mj-lt"/>
               <a:buAutoNum type="arabicPeriod"/>
             </a:pPr>
             <a:r>
               <a:rPr kumimoji="1" lang="ja-JP" altLang="en-US" dirty="0"/>
-              <a:t>課題から掘り下げる作り方</a:t>
+              <a:t>課題：「～」</a:t>
             </a:r>
             <a:endParaRPr kumimoji="1" lang="en-US" altLang="ja-JP" dirty="0"/>
           </a:p>
           <a:p>
+            <a:pPr lvl="1"/>
             <a:r>
               <a:rPr kumimoji="1" lang="ja-JP" altLang="en-US" dirty="0"/>
-              <a:t>やりやすいようにやれば良いし，上記を組み合わせても良い</a:t>
+              <a:t>「～」</a:t>
             </a:r>
             <a:endParaRPr kumimoji="1" lang="en-US" altLang="ja-JP" dirty="0"/>
           </a:p>
@@ -6079,15 +6116,43 @@
             <a:pPr lvl="1"/>
             <a:r>
               <a:rPr kumimoji="1" lang="ja-JP" altLang="en-US" dirty="0"/>
-              <a:t>他にも色々なやり方があると思う</a:t>
-            </a:r>
+              <a:t>「～」</a:t>
+            </a:r>
+            <a:endParaRPr kumimoji="1" lang="en-US" altLang="ja-JP" dirty="0"/>
+          </a:p>
+          <a:p>
+            <a:pPr marL="457200" indent="-457200">
+              <a:buFont typeface="+mj-lt"/>
+              <a:buAutoNum type="arabicPeriod"/>
+            </a:pPr>
+            <a:r>
+              <a:rPr kumimoji="1" lang="ja-JP" altLang="en-US" dirty="0"/>
+              <a:t>提案：「～」</a:t>
+            </a:r>
+            <a:endParaRPr kumimoji="1" lang="en-US" altLang="ja-JP" dirty="0"/>
+          </a:p>
+          <a:p>
+            <a:pPr lvl="1"/>
+            <a:r>
+              <a:rPr kumimoji="1" lang="ja-JP" altLang="en-US" dirty="0"/>
+              <a:t>「～」</a:t>
+            </a:r>
+            <a:endParaRPr kumimoji="1" lang="en-US" altLang="ja-JP" dirty="0"/>
+          </a:p>
+          <a:p>
+            <a:pPr lvl="1"/>
+            <a:r>
+              <a:rPr kumimoji="1" lang="ja-JP" altLang="en-US" dirty="0"/>
+              <a:t>「～」</a:t>
+            </a:r>
+            <a:endParaRPr kumimoji="1" lang="en-US" altLang="ja-JP" dirty="0"/>
           </a:p>
         </p:txBody>
       </p:sp>
     </p:spTree>
     <p:extLst>
       <p:ext uri="{BB962C8B-B14F-4D97-AF65-F5344CB8AC3E}">
-        <p14:creationId xmlns:p14="http://schemas.microsoft.com/office/powerpoint/2010/main" val="2513044852"/>
+        <p14:creationId xmlns:p14="http://schemas.microsoft.com/office/powerpoint/2010/main" val="490123942"/>
       </p:ext>
     </p:extLst>
   </p:cSld>
@@ -6127,7 +6192,7 @@
           <p:cNvPr id="2" name="タイトル 1">
             <a:extLst>
               <a:ext uri="{FF2B5EF4-FFF2-40B4-BE49-F238E27FC236}">
-                <a16:creationId xmlns:a16="http://schemas.microsoft.com/office/drawing/2014/main" id="{2EAFEEDE-7519-82C1-375C-36DCE07D4199}"/>
+                <a16:creationId xmlns:a16="http://schemas.microsoft.com/office/drawing/2014/main" id="{EA0C8582-08B9-D921-E55A-28F7D17A4943}"/>
               </a:ext>
             </a:extLst>
           </p:cNvPr>
@@ -6145,9 +6210,8 @@
           <a:p>
             <a:r>
               <a:rPr kumimoji="1" lang="ja-JP" altLang="en-US" dirty="0"/>
-              <a:t>ボトムアップな方法</a:t>
-            </a:r>
-            <a:endParaRPr kumimoji="1" lang="en-US" altLang="ja-JP" dirty="0"/>
+              <a:t>作り方の例</a:t>
+            </a:r>
           </a:p>
         </p:txBody>
       </p:sp>
@@ -6156,7 +6220,7 @@
           <p:cNvPr id="3" name="テキスト プレースホルダー 2">
             <a:extLst>
               <a:ext uri="{FF2B5EF4-FFF2-40B4-BE49-F238E27FC236}">
-                <a16:creationId xmlns:a16="http://schemas.microsoft.com/office/drawing/2014/main" id="{593C2F59-3A8A-F156-C9E0-6898AC8EE921}"/>
+                <a16:creationId xmlns:a16="http://schemas.microsoft.com/office/drawing/2014/main" id="{2F868795-944F-D087-1C44-2954EC432ED7}"/>
               </a:ext>
             </a:extLst>
           </p:cNvPr>
@@ -6172,34 +6236,11 @@
           <a:bodyPr/>
           <a:lstStyle/>
           <a:p>
-            <a:pPr marL="457200" indent="-457200">
-              <a:buFont typeface="+mj-lt"/>
-              <a:buAutoNum type="arabicPeriod"/>
-            </a:pPr>
             <a:r>
               <a:rPr kumimoji="1" lang="ja-JP" altLang="en-US" dirty="0"/>
-              <a:t>まずは思いつく関連しそうな項目をたくさん書き出してみる</a:t>
+              <a:t>作り方の例</a:t>
             </a:r>
             <a:endParaRPr kumimoji="1" lang="en-US" altLang="ja-JP" dirty="0"/>
-          </a:p>
-          <a:p>
-            <a:pPr lvl="1"/>
-            <a:r>
-              <a:rPr kumimoji="1" lang="ja-JP" altLang="en-US" dirty="0"/>
-              <a:t>名詞や短文の形にして並べてみる</a:t>
-            </a:r>
-            <a:endParaRPr kumimoji="1" lang="en-US" altLang="ja-JP" dirty="0"/>
-          </a:p>
-          <a:p>
-            <a:pPr marL="457200" indent="-457200">
-              <a:buFont typeface="+mj-lt"/>
-              <a:buAutoNum type="arabicPeriod"/>
-            </a:pPr>
-            <a:r>
-              <a:rPr lang="ja-JP" altLang="en-US" dirty="0"/>
-              <a:t>各項目を整理</a:t>
-            </a:r>
-            <a:endParaRPr lang="en-US" altLang="ja-JP" dirty="0"/>
           </a:p>
           <a:p>
             <a:pPr marL="817200" lvl="1" indent="-457200">
@@ -6208,25 +6249,9 @@
             </a:pPr>
             <a:r>
               <a:rPr kumimoji="1" lang="ja-JP" altLang="en-US" dirty="0"/>
-              <a:t>関係する項目同士をくくって親子にまとめる</a:t>
+              <a:t>ボトムアップな作り方</a:t>
             </a:r>
             <a:endParaRPr kumimoji="1" lang="en-US" altLang="ja-JP" dirty="0"/>
-          </a:p>
-          <a:p>
-            <a:pPr lvl="2"/>
-            <a:r>
-              <a:rPr lang="ja-JP" altLang="en-US" dirty="0"/>
-              <a:t>それらを一言で表した，まとめの短文（親）を作る</a:t>
-            </a:r>
-            <a:endParaRPr lang="en-US" altLang="ja-JP" dirty="0"/>
-          </a:p>
-          <a:p>
-            <a:pPr lvl="2"/>
-            <a:r>
-              <a:rPr lang="ja-JP" altLang="en-US" dirty="0"/>
-              <a:t>親の下に，それらを子項目としてインデントして置く</a:t>
-            </a:r>
-            <a:endParaRPr lang="en-US" altLang="ja-JP" dirty="0"/>
           </a:p>
           <a:p>
             <a:pPr marL="817200" lvl="1" indent="-457200">
@@ -6235,51 +6260,30 @@
             </a:pPr>
             <a:r>
               <a:rPr kumimoji="1" lang="ja-JP" altLang="en-US" dirty="0"/>
-              <a:t>内容が冗長なものをマージしたり削除する</a:t>
+              <a:t>課題から掘り下げる作り方</a:t>
             </a:r>
             <a:endParaRPr kumimoji="1" lang="en-US" altLang="ja-JP" dirty="0"/>
           </a:p>
           <a:p>
-            <a:pPr marL="457200" indent="-457200">
-              <a:buFont typeface="+mj-lt"/>
-              <a:buAutoNum type="arabicPeriod"/>
-            </a:pPr>
             <a:r>
               <a:rPr kumimoji="1" lang="ja-JP" altLang="en-US" dirty="0"/>
-              <a:t>ある程度まとまったら，それらを背景，課題，提案に分類する</a:t>
+              <a:t>やりやすいようにやれば良いし，上記を組み合わせても良い</a:t>
             </a:r>
             <a:endParaRPr kumimoji="1" lang="en-US" altLang="ja-JP" dirty="0"/>
           </a:p>
           <a:p>
             <a:pPr lvl="1"/>
             <a:r>
-              <a:rPr lang="ja-JP" altLang="en-US" dirty="0"/>
-              <a:t>このとき，「</a:t>
-            </a:r>
-            <a:r>
               <a:rPr kumimoji="1" lang="ja-JP" altLang="en-US" dirty="0"/>
-              <a:t>項目間の関係</a:t>
-            </a:r>
-            <a:r>
-              <a:rPr lang="ja-JP" altLang="en-US" dirty="0"/>
-              <a:t>」のページで説明した関連を意識する</a:t>
-            </a:r>
-            <a:endParaRPr lang="en-US" altLang="ja-JP" dirty="0"/>
-          </a:p>
-          <a:p>
-            <a:pPr lvl="1"/>
-            <a:r>
-              <a:rPr lang="ja-JP" altLang="en-US" dirty="0"/>
-              <a:t>うまく分類して関係を説明できない時は，本質的に関係ない可能性がある</a:t>
-            </a:r>
-            <a:endParaRPr lang="en-US" altLang="ja-JP" dirty="0"/>
+              <a:t>他にも色々なやり方があると思う</a:t>
+            </a:r>
           </a:p>
         </p:txBody>
       </p:sp>
     </p:spTree>
     <p:extLst>
       <p:ext uri="{BB962C8B-B14F-4D97-AF65-F5344CB8AC3E}">
-        <p14:creationId xmlns:p14="http://schemas.microsoft.com/office/powerpoint/2010/main" val="2082905723"/>
+        <p14:creationId xmlns:p14="http://schemas.microsoft.com/office/powerpoint/2010/main" val="2513044852"/>
       </p:ext>
     </p:extLst>
   </p:cSld>
@@ -6319,7 +6323,7 @@
           <p:cNvPr id="2" name="タイトル 1">
             <a:extLst>
               <a:ext uri="{FF2B5EF4-FFF2-40B4-BE49-F238E27FC236}">
-                <a16:creationId xmlns:a16="http://schemas.microsoft.com/office/drawing/2014/main" id="{D33E61C1-04CD-5B6F-96DC-30874C5379A3}"/>
+                <a16:creationId xmlns:a16="http://schemas.microsoft.com/office/drawing/2014/main" id="{2EAFEEDE-7519-82C1-375C-36DCE07D4199}"/>
               </a:ext>
             </a:extLst>
           </p:cNvPr>
@@ -6337,8 +6341,9 @@
           <a:p>
             <a:r>
               <a:rPr kumimoji="1" lang="ja-JP" altLang="en-US" dirty="0"/>
-              <a:t>課題から掘り下げる方法</a:t>
-            </a:r>
+              <a:t>ボトムアップな方法</a:t>
+            </a:r>
+            <a:endParaRPr kumimoji="1" lang="en-US" altLang="ja-JP" dirty="0"/>
           </a:p>
         </p:txBody>
       </p:sp>
@@ -6347,7 +6352,7 @@
           <p:cNvPr id="3" name="テキスト プレースホルダー 2">
             <a:extLst>
               <a:ext uri="{FF2B5EF4-FFF2-40B4-BE49-F238E27FC236}">
-                <a16:creationId xmlns:a16="http://schemas.microsoft.com/office/drawing/2014/main" id="{A0CF7D23-E71C-A48D-C43B-CC9B31E9C54B}"/>
+                <a16:creationId xmlns:a16="http://schemas.microsoft.com/office/drawing/2014/main" id="{593C2F59-3A8A-F156-C9E0-6898AC8EE921}"/>
               </a:ext>
             </a:extLst>
           </p:cNvPr>
@@ -6363,9 +6368,13 @@
           <a:bodyPr/>
           <a:lstStyle/>
           <a:p>
+            <a:pPr marL="457200" indent="-457200">
+              <a:buFont typeface="+mj-lt"/>
+              <a:buAutoNum type="arabicPeriod"/>
+            </a:pPr>
             <a:r>
               <a:rPr kumimoji="1" lang="ja-JP" altLang="en-US" dirty="0"/>
-              <a:t>まず「課題」は何であるのかから考える</a:t>
+              <a:t>まずは思いつく関連しそうな項目をたくさん書き出してみる</a:t>
             </a:r>
             <a:endParaRPr kumimoji="1" lang="en-US" altLang="ja-JP" dirty="0"/>
           </a:p>
@@ -6373,52 +6382,100 @@
             <a:pPr lvl="1"/>
             <a:r>
               <a:rPr kumimoji="1" lang="ja-JP" altLang="en-US" dirty="0"/>
-              <a:t>なにが問題なのかを端的にまとめる</a:t>
+              <a:t>名詞や短文の形にして並べてみる</a:t>
             </a:r>
             <a:endParaRPr kumimoji="1" lang="en-US" altLang="ja-JP" dirty="0"/>
           </a:p>
           <a:p>
+            <a:pPr marL="457200" indent="-457200">
+              <a:buFont typeface="+mj-lt"/>
+              <a:buAutoNum type="arabicPeriod"/>
+            </a:pPr>
+            <a:r>
+              <a:rPr lang="ja-JP" altLang="en-US" dirty="0"/>
+              <a:t>各項目を整理</a:t>
+            </a:r>
+            <a:endParaRPr lang="en-US" altLang="ja-JP" dirty="0"/>
+          </a:p>
+          <a:p>
+            <a:pPr marL="817200" lvl="1" indent="-457200">
+              <a:buFont typeface="+mj-lt"/>
+              <a:buAutoNum type="arabicPeriod"/>
+            </a:pPr>
+            <a:r>
+              <a:rPr kumimoji="1" lang="ja-JP" altLang="en-US" dirty="0"/>
+              <a:t>関係する項目同士をくくって親子にまとめる</a:t>
+            </a:r>
+            <a:endParaRPr kumimoji="1" lang="en-US" altLang="ja-JP" dirty="0"/>
+          </a:p>
+          <a:p>
+            <a:pPr lvl="2"/>
+            <a:r>
+              <a:rPr lang="ja-JP" altLang="en-US" dirty="0"/>
+              <a:t>それらを一言で表した，まとめの短文（親）を作る</a:t>
+            </a:r>
+            <a:endParaRPr lang="en-US" altLang="ja-JP" dirty="0"/>
+          </a:p>
+          <a:p>
+            <a:pPr lvl="2"/>
+            <a:r>
+              <a:rPr lang="ja-JP" altLang="en-US" dirty="0"/>
+              <a:t>親の下に，それらを子項目としてインデントして置く</a:t>
+            </a:r>
+            <a:endParaRPr lang="en-US" altLang="ja-JP" dirty="0"/>
+          </a:p>
+          <a:p>
+            <a:pPr marL="817200" lvl="1" indent="-457200">
+              <a:buFont typeface="+mj-lt"/>
+              <a:buAutoNum type="arabicPeriod"/>
+            </a:pPr>
+            <a:r>
+              <a:rPr kumimoji="1" lang="ja-JP" altLang="en-US" dirty="0"/>
+              <a:t>内容が冗長なものをマージしたり削除する</a:t>
+            </a:r>
+            <a:endParaRPr kumimoji="1" lang="en-US" altLang="ja-JP" dirty="0"/>
+          </a:p>
+          <a:p>
+            <a:pPr marL="457200" indent="-457200">
+              <a:buFont typeface="+mj-lt"/>
+              <a:buAutoNum type="arabicPeriod"/>
+            </a:pPr>
+            <a:r>
+              <a:rPr kumimoji="1" lang="ja-JP" altLang="en-US" dirty="0"/>
+              <a:t>ある程度まとまったら，それらを背景，課題，提案に分類する</a:t>
+            </a:r>
+            <a:endParaRPr kumimoji="1" lang="en-US" altLang="ja-JP" dirty="0"/>
+          </a:p>
+          <a:p>
             <a:pPr lvl="1"/>
             <a:r>
+              <a:rPr lang="ja-JP" altLang="en-US" dirty="0"/>
+              <a:t>このとき，「</a:t>
+            </a:r>
+            <a:r>
               <a:rPr kumimoji="1" lang="ja-JP" altLang="en-US" dirty="0"/>
-              <a:t>「～が悪い」「～が遅い」「～の効率がよくない」などの形の</a:t>
-            </a:r>
-            <a:br>
-              <a:rPr kumimoji="1" lang="en-US" altLang="ja-JP" dirty="0"/>
-            </a:br>
-            <a:r>
-              <a:rPr kumimoji="1" lang="ja-JP" altLang="en-US" dirty="0"/>
-              <a:t>１文に出来るとよい</a:t>
-            </a:r>
-            <a:endParaRPr kumimoji="1" lang="en-US" altLang="ja-JP" dirty="0"/>
-          </a:p>
-          <a:p>
-            <a:r>
-              <a:rPr kumimoji="1" lang="ja-JP" altLang="en-US" dirty="0"/>
-              <a:t>次にそれを「提案」がどのように解決しているのか考える</a:t>
-            </a:r>
-            <a:endParaRPr kumimoji="1" lang="en-US" altLang="ja-JP" dirty="0"/>
+              <a:t>項目間の関係</a:t>
+            </a:r>
+            <a:r>
+              <a:rPr lang="ja-JP" altLang="en-US" dirty="0"/>
+              <a:t>」のページで説明した関連を意識する</a:t>
+            </a:r>
+            <a:endParaRPr lang="en-US" altLang="ja-JP" dirty="0"/>
           </a:p>
           <a:p>
             <a:pPr lvl="1"/>
             <a:r>
-              <a:rPr kumimoji="1" lang="ja-JP" altLang="en-US" dirty="0"/>
-              <a:t>上でまとめた問題が，「どのように」「なぜ」解決されているのかをまとめる</a:t>
-            </a:r>
-            <a:endParaRPr kumimoji="1" lang="en-US" altLang="ja-JP" dirty="0"/>
-          </a:p>
-          <a:p>
-            <a:r>
-              <a:rPr kumimoji="1" lang="ja-JP" altLang="en-US" dirty="0"/>
-              <a:t>それら「課題」と「提案」を包含する「背景」を考える</a:t>
-            </a:r>
+              <a:rPr lang="ja-JP" altLang="en-US" dirty="0"/>
+              <a:t>うまく分類して関係を説明できない時は，本質的に関係ない可能性がある</a:t>
+            </a:r>
+            <a:endParaRPr lang="en-US" altLang="ja-JP" dirty="0"/>
           </a:p>
         </p:txBody>
       </p:sp>
     </p:spTree>
     <p:extLst>
       <p:ext uri="{BB962C8B-B14F-4D97-AF65-F5344CB8AC3E}">
-        <p14:creationId xmlns:p14="http://schemas.microsoft.com/office/powerpoint/2010/main" val="2178183126"/>
+        <p14:creationId xmlns:p14="http://schemas.microsoft.com/office/powerpoint/2010/main" val="2082905723"/>
       </p:ext>
     </p:extLst>
   </p:cSld>
@@ -6455,10 +6512,10 @@
       </p:grpSpPr>
       <p:sp>
         <p:nvSpPr>
-          <p:cNvPr id="6" name="タイトル 5">
-            <a:extLst>
-              <a:ext uri="{FF2B5EF4-FFF2-40B4-BE49-F238E27FC236}">
-                <a16:creationId xmlns:a16="http://schemas.microsoft.com/office/drawing/2014/main" id="{0C5C5263-A46C-250C-79B4-37EF4633D8AE}"/>
+          <p:cNvPr id="2" name="タイトル 1">
+            <a:extLst>
+              <a:ext uri="{FF2B5EF4-FFF2-40B4-BE49-F238E27FC236}">
+                <a16:creationId xmlns:a16="http://schemas.microsoft.com/office/drawing/2014/main" id="{D33E61C1-04CD-5B6F-96DC-30874C5379A3}"/>
               </a:ext>
             </a:extLst>
           </p:cNvPr>
@@ -6476,17 +6533,17 @@
           <a:p>
             <a:r>
               <a:rPr kumimoji="1" lang="ja-JP" altLang="en-US" dirty="0"/>
-              <a:t>３点プロットの目次</a:t>
-            </a:r>
-          </a:p>
-        </p:txBody>
-      </p:sp>
-      <p:sp>
-        <p:nvSpPr>
-          <p:cNvPr id="7" name="テキスト プレースホルダー 6">
-            <a:extLst>
-              <a:ext uri="{FF2B5EF4-FFF2-40B4-BE49-F238E27FC236}">
-                <a16:creationId xmlns:a16="http://schemas.microsoft.com/office/drawing/2014/main" id="{12EFEECB-8119-A100-9FB5-F471FDE43EF4}"/>
+              <a:t>課題から掘り下げる方法</a:t>
+            </a:r>
+          </a:p>
+        </p:txBody>
+      </p:sp>
+      <p:sp>
+        <p:nvSpPr>
+          <p:cNvPr id="3" name="テキスト プレースホルダー 2">
+            <a:extLst>
+              <a:ext uri="{FF2B5EF4-FFF2-40B4-BE49-F238E27FC236}">
+                <a16:creationId xmlns:a16="http://schemas.microsoft.com/office/drawing/2014/main" id="{A0CF7D23-E71C-A48D-C43B-CC9B31E9C54B}"/>
               </a:ext>
             </a:extLst>
           </p:cNvPr>
@@ -6502,129 +6559,62 @@
           <a:bodyPr/>
           <a:lstStyle/>
           <a:p>
-            <a:pPr marL="457200" indent="-457200">
-              <a:buFont typeface="+mj-lt"/>
-              <a:buAutoNum type="arabicPeriod"/>
-            </a:pPr>
             <a:r>
               <a:rPr kumimoji="1" lang="ja-JP" altLang="en-US" dirty="0"/>
-              <a:t>３点プロットとは</a:t>
+              <a:t>まず「課題」は何であるのかから考える</a:t>
             </a:r>
             <a:endParaRPr kumimoji="1" lang="en-US" altLang="ja-JP" dirty="0"/>
           </a:p>
           <a:p>
-            <a:pPr marL="457200" indent="-457200">
-              <a:buFont typeface="+mj-lt"/>
-              <a:buAutoNum type="arabicPeriod"/>
-            </a:pPr>
+            <a:pPr lvl="1"/>
             <a:r>
               <a:rPr kumimoji="1" lang="ja-JP" altLang="en-US" dirty="0"/>
-              <a:t>作り方</a:t>
+              <a:t>なにが問題なのかを端的にまとめる</a:t>
             </a:r>
             <a:endParaRPr kumimoji="1" lang="en-US" altLang="ja-JP" dirty="0"/>
           </a:p>
           <a:p>
-            <a:pPr marL="817200" lvl="1" indent="-457200">
-              <a:buFont typeface="+mj-lt"/>
-              <a:buAutoNum type="arabicPeriod"/>
-            </a:pPr>
+            <a:pPr lvl="1"/>
             <a:r>
               <a:rPr kumimoji="1" lang="ja-JP" altLang="en-US" dirty="0"/>
-              <a:t>内容のまとめかた</a:t>
+              <a:t>「～が悪い」「～が遅い」「～の効率がよくない」などの形の</a:t>
+            </a:r>
+            <a:br>
+              <a:rPr kumimoji="1" lang="en-US" altLang="ja-JP" dirty="0"/>
+            </a:br>
+            <a:r>
+              <a:rPr kumimoji="1" lang="ja-JP" altLang="en-US" dirty="0"/>
+              <a:t>１文に出来るとよい</a:t>
             </a:r>
             <a:endParaRPr kumimoji="1" lang="en-US" altLang="ja-JP" dirty="0"/>
           </a:p>
           <a:p>
-            <a:pPr marL="817200" lvl="1" indent="-457200">
-              <a:buFont typeface="+mj-lt"/>
-              <a:buAutoNum type="arabicPeriod"/>
-            </a:pPr>
-            <a:r>
-              <a:rPr kumimoji="1" lang="ja-JP" altLang="en-US" dirty="0">
-                <a:solidFill>
-                  <a:schemeClr val="accent5"/>
-                </a:solidFill>
-              </a:rPr>
-              <a:t>箇条書きの作り方</a:t>
-            </a:r>
-            <a:endParaRPr kumimoji="1" lang="en-US" altLang="ja-JP" dirty="0">
-              <a:solidFill>
-                <a:schemeClr val="accent5"/>
-              </a:solidFill>
-            </a:endParaRPr>
-          </a:p>
-          <a:p>
-            <a:pPr marL="1177200" lvl="2" indent="-457200">
-              <a:buFont typeface="+mj-lt"/>
-              <a:buAutoNum type="arabicPeriod"/>
-            </a:pPr>
             <a:r>
               <a:rPr kumimoji="1" lang="ja-JP" altLang="en-US" dirty="0"/>
-              <a:t>親子関係の作り方</a:t>
+              <a:t>次にそれを「提案」がどのように解決しているのか考える</a:t>
             </a:r>
             <a:endParaRPr kumimoji="1" lang="en-US" altLang="ja-JP" dirty="0"/>
           </a:p>
           <a:p>
-            <a:pPr marL="1177200" lvl="2" indent="-457200">
-              <a:buFont typeface="+mj-lt"/>
-              <a:buAutoNum type="arabicPeriod"/>
-            </a:pPr>
+            <a:pPr lvl="1"/>
             <a:r>
               <a:rPr kumimoji="1" lang="ja-JP" altLang="en-US" dirty="0"/>
-              <a:t>文を短くする</a:t>
+              <a:t>上でまとめた問題が，「どのように」「なぜ」解決されているのかをまとめる</a:t>
             </a:r>
             <a:endParaRPr kumimoji="1" lang="en-US" altLang="ja-JP" dirty="0"/>
           </a:p>
           <a:p>
-            <a:pPr marL="1177200" lvl="2" indent="-457200">
-              <a:buFont typeface="+mj-lt"/>
-              <a:buAutoNum type="arabicPeriod"/>
-            </a:pPr>
             <a:r>
               <a:rPr kumimoji="1" lang="ja-JP" altLang="en-US" dirty="0"/>
-              <a:t>インデントにぶらさげる項目数</a:t>
-            </a:r>
-            <a:endParaRPr kumimoji="1" lang="en-US" altLang="ja-JP" dirty="0"/>
-          </a:p>
-          <a:p>
-            <a:pPr marL="1177200" lvl="2" indent="-457200">
-              <a:buFont typeface="+mj-lt"/>
-              <a:buAutoNum type="arabicPeriod"/>
-            </a:pPr>
-            <a:r>
-              <a:rPr kumimoji="1" lang="ja-JP" altLang="en-US" dirty="0"/>
-              <a:t>親子関係における「階段」</a:t>
-            </a:r>
-            <a:endParaRPr kumimoji="1" lang="en-US" altLang="ja-JP" dirty="0"/>
-          </a:p>
-          <a:p>
-            <a:pPr marL="457200" indent="-457200">
-              <a:buFont typeface="+mj-lt"/>
-              <a:buAutoNum type="arabicPeriod"/>
-            </a:pPr>
-            <a:r>
-              <a:rPr kumimoji="1" lang="ja-JP" altLang="en-US" dirty="0"/>
-              <a:t>余談：なぜ箇条書きにまとめるのか？</a:t>
-            </a:r>
-            <a:endParaRPr kumimoji="1" lang="en-US" altLang="ja-JP" dirty="0"/>
-          </a:p>
-          <a:p>
-            <a:pPr marL="1177200" lvl="2" indent="-457200">
-              <a:buFont typeface="+mj-lt"/>
-              <a:buAutoNum type="arabicPeriod"/>
-            </a:pPr>
-            <a:endParaRPr kumimoji="1" lang="ja-JP" altLang="en-US" dirty="0">
-              <a:solidFill>
-                <a:schemeClr val="accent5"/>
-              </a:solidFill>
-            </a:endParaRPr>
+              <a:t>それら「課題」と「提案」を包含する「背景」を考える</a:t>
+            </a:r>
           </a:p>
         </p:txBody>
       </p:sp>
     </p:spTree>
     <p:extLst>
       <p:ext uri="{BB962C8B-B14F-4D97-AF65-F5344CB8AC3E}">
-        <p14:creationId xmlns:p14="http://schemas.microsoft.com/office/powerpoint/2010/main" val="4293421149"/>
+        <p14:creationId xmlns:p14="http://schemas.microsoft.com/office/powerpoint/2010/main" val="2178183126"/>
       </p:ext>
     </p:extLst>
   </p:cSld>
@@ -6661,10 +6651,10 @@
       </p:grpSpPr>
       <p:sp>
         <p:nvSpPr>
-          <p:cNvPr id="2" name="タイトル 1">
-            <a:extLst>
-              <a:ext uri="{FF2B5EF4-FFF2-40B4-BE49-F238E27FC236}">
-                <a16:creationId xmlns:a16="http://schemas.microsoft.com/office/drawing/2014/main" id="{2D384302-F54A-9C8E-5AA3-51A3FDA55C22}"/>
+          <p:cNvPr id="6" name="タイトル 5">
+            <a:extLst>
+              <a:ext uri="{FF2B5EF4-FFF2-40B4-BE49-F238E27FC236}">
+                <a16:creationId xmlns:a16="http://schemas.microsoft.com/office/drawing/2014/main" id="{0C5C5263-A46C-250C-79B4-37EF4633D8AE}"/>
               </a:ext>
             </a:extLst>
           </p:cNvPr>
@@ -6682,17 +6672,17 @@
           <a:p>
             <a:r>
               <a:rPr kumimoji="1" lang="ja-JP" altLang="en-US" dirty="0"/>
-              <a:t>箇条書きの親子関係の作り方</a:t>
-            </a:r>
-          </a:p>
-        </p:txBody>
-      </p:sp>
-      <p:sp>
-        <p:nvSpPr>
-          <p:cNvPr id="3" name="テキスト プレースホルダー 2">
-            <a:extLst>
-              <a:ext uri="{FF2B5EF4-FFF2-40B4-BE49-F238E27FC236}">
-                <a16:creationId xmlns:a16="http://schemas.microsoft.com/office/drawing/2014/main" id="{5B575639-CD76-8A5D-040E-E5DC9EBDA9EB}"/>
+              <a:t>３点プロットの目次</a:t>
+            </a:r>
+          </a:p>
+        </p:txBody>
+      </p:sp>
+      <p:sp>
+        <p:nvSpPr>
+          <p:cNvPr id="7" name="テキスト プレースホルダー 6">
+            <a:extLst>
+              <a:ext uri="{FF2B5EF4-FFF2-40B4-BE49-F238E27FC236}">
+                <a16:creationId xmlns:a16="http://schemas.microsoft.com/office/drawing/2014/main" id="{12EFEECB-8119-A100-9FB5-F471FDE43EF4}"/>
               </a:ext>
             </a:extLst>
           </p:cNvPr>
@@ -6703,150 +6693,134 @@
             <p:ph type="body" sz="quarter" idx="10"/>
           </p:nvPr>
         </p:nvSpPr>
-        <p:spPr>
-          <a:xfrm>
-            <a:off x="431954" y="1088974"/>
-            <a:ext cx="8460094" cy="5219751"/>
-          </a:xfrm>
-        </p:spPr>
+        <p:spPr/>
         <p:txBody>
           <a:bodyPr/>
           <a:lstStyle/>
           <a:p>
-            <a:r>
-              <a:rPr kumimoji="1" lang="ja-JP" altLang="en-US" sz="1800" dirty="0"/>
-              <a:t>インデントされた子要素の部分と，その親の関係</a:t>
-            </a:r>
-            <a:endParaRPr kumimoji="1" lang="en-US" altLang="ja-JP" sz="1800" dirty="0"/>
-          </a:p>
-          <a:p>
-            <a:pPr lvl="1"/>
-            <a:r>
-              <a:rPr kumimoji="1" lang="ja-JP" altLang="en-US" sz="1800" dirty="0"/>
-              <a:t>子項目は，その親項目のなんらかの詳細を説明する</a:t>
-            </a:r>
-            <a:endParaRPr kumimoji="1" lang="en-US" altLang="ja-JP" sz="1800" dirty="0"/>
-          </a:p>
-          <a:p>
-            <a:pPr lvl="1"/>
-            <a:r>
-              <a:rPr kumimoji="1" lang="ja-JP" altLang="en-US" sz="1800" dirty="0"/>
-              <a:t>親項目は，その子項目をまとめた内容となる</a:t>
-            </a:r>
-            <a:endParaRPr kumimoji="1" lang="en-US" altLang="ja-JP" sz="1800" dirty="0"/>
-          </a:p>
-          <a:p>
-            <a:r>
-              <a:rPr kumimoji="1" lang="ja-JP" altLang="en-US" sz="1800" dirty="0">
+            <a:pPr marL="457200" indent="-457200">
+              <a:buFont typeface="+mj-lt"/>
+              <a:buAutoNum type="arabicPeriod"/>
+            </a:pPr>
+            <a:r>
+              <a:rPr kumimoji="1" lang="ja-JP" altLang="en-US" dirty="0"/>
+              <a:t>３点プロットとは</a:t>
+            </a:r>
+            <a:endParaRPr kumimoji="1" lang="en-US" altLang="ja-JP" dirty="0"/>
+          </a:p>
+          <a:p>
+            <a:pPr marL="457200" indent="-457200">
+              <a:buFont typeface="+mj-lt"/>
+              <a:buAutoNum type="arabicPeriod"/>
+            </a:pPr>
+            <a:r>
+              <a:rPr kumimoji="1" lang="ja-JP" altLang="en-US" dirty="0"/>
+              <a:t>作り方</a:t>
+            </a:r>
+            <a:endParaRPr kumimoji="1" lang="en-US" altLang="ja-JP" dirty="0"/>
+          </a:p>
+          <a:p>
+            <a:pPr marL="817200" lvl="1" indent="-457200">
+              <a:buFont typeface="+mj-lt"/>
+              <a:buAutoNum type="arabicPeriod"/>
+            </a:pPr>
+            <a:r>
+              <a:rPr kumimoji="1" lang="ja-JP" altLang="en-US" dirty="0"/>
+              <a:t>内容のまとめかた</a:t>
+            </a:r>
+            <a:endParaRPr kumimoji="1" lang="en-US" altLang="ja-JP" dirty="0"/>
+          </a:p>
+          <a:p>
+            <a:pPr marL="817200" lvl="1" indent="-457200">
+              <a:buFont typeface="+mj-lt"/>
+              <a:buAutoNum type="arabicPeriod"/>
+            </a:pPr>
+            <a:r>
+              <a:rPr kumimoji="1" lang="ja-JP" altLang="en-US" dirty="0">
                 <a:solidFill>
                   <a:schemeClr val="accent5"/>
                 </a:solidFill>
               </a:rPr>
-              <a:t>各項目の先頭に一言にまとめた属性をつけて作ると確認しやすい</a:t>
-            </a:r>
-            <a:endParaRPr kumimoji="1" lang="en-US" altLang="ja-JP" sz="1800" dirty="0">
+              <a:t>箇条書きの作り方</a:t>
+            </a:r>
+            <a:endParaRPr kumimoji="1" lang="en-US" altLang="ja-JP" dirty="0">
               <a:solidFill>
                 <a:schemeClr val="accent5"/>
               </a:solidFill>
             </a:endParaRPr>
           </a:p>
           <a:p>
-            <a:pPr lvl="1"/>
-            <a:r>
-              <a:rPr kumimoji="1" lang="ja-JP" altLang="en-US" sz="1800" dirty="0"/>
-              <a:t>子から見て親の何であるのかを属性としてつける</a:t>
-            </a:r>
-            <a:endParaRPr kumimoji="1" lang="en-US" altLang="ja-JP" sz="1800" dirty="0"/>
-          </a:p>
-          <a:p>
-            <a:pPr lvl="1"/>
-            <a:r>
-              <a:rPr kumimoji="1" lang="ja-JP" altLang="en-US" sz="1800" dirty="0"/>
-              <a:t>「問題：」「理由：」「結果：」「目的：」「例：」「詳細：」など</a:t>
-            </a:r>
-            <a:endParaRPr kumimoji="1" lang="en-US" altLang="ja-JP" sz="1800" dirty="0"/>
-          </a:p>
-          <a:p>
-            <a:r>
-              <a:rPr kumimoji="1" lang="ja-JP" altLang="en-US" sz="1800" dirty="0"/>
-              <a:t>属性をつけた例：</a:t>
-            </a:r>
-            <a:endParaRPr kumimoji="1" lang="en-US" altLang="ja-JP" sz="1800" dirty="0"/>
-          </a:p>
-          <a:p>
-            <a:pPr lvl="1"/>
-            <a:r>
-              <a:rPr lang="ja-JP" altLang="en-US" sz="1800" dirty="0">
-                <a:solidFill>
-                  <a:schemeClr val="accent5"/>
-                </a:solidFill>
-              </a:rPr>
-              <a:t>背景：</a:t>
-            </a:r>
-            <a:r>
-              <a:rPr lang="ja-JP" altLang="en-US" sz="1800" dirty="0"/>
-              <a:t>ベクトル命令 </a:t>
-            </a:r>
-            <a:endParaRPr lang="en-US" altLang="ja-JP" sz="1800" dirty="0"/>
-          </a:p>
-          <a:p>
-            <a:pPr lvl="2"/>
-            <a:r>
-              <a:rPr lang="ja-JP" altLang="en-US" sz="1800" dirty="0">
-                <a:solidFill>
-                  <a:schemeClr val="accent5"/>
-                </a:solidFill>
-              </a:rPr>
-              <a:t>詳細：</a:t>
-            </a:r>
-            <a:r>
-              <a:rPr lang="ja-JP" altLang="en-US" sz="1800" dirty="0"/>
-              <a:t>単一の命令で可変長の複数データを処理する命令の方式 </a:t>
-            </a:r>
-            <a:endParaRPr lang="en-US" altLang="ja-JP" sz="1800" dirty="0"/>
-          </a:p>
-          <a:p>
-            <a:pPr lvl="2"/>
-            <a:r>
-              <a:rPr lang="ja-JP" altLang="en-US" sz="1800" dirty="0">
-                <a:solidFill>
-                  <a:schemeClr val="accent5"/>
-                </a:solidFill>
-              </a:rPr>
-              <a:t>目的：</a:t>
-            </a:r>
-            <a:r>
-              <a:rPr lang="ja-JP" altLang="en-US" sz="1800" dirty="0"/>
-              <a:t>データ並列性のある処理を対象 </a:t>
-            </a:r>
-            <a:endParaRPr lang="en-US" altLang="ja-JP" sz="1800" dirty="0"/>
-          </a:p>
-          <a:p>
-            <a:pPr lvl="2"/>
-            <a:r>
-              <a:rPr lang="ja-JP" altLang="en-US" sz="1800" dirty="0">
-                <a:solidFill>
-                  <a:schemeClr val="accent5"/>
-                </a:solidFill>
-              </a:rPr>
-              <a:t>例：</a:t>
-            </a:r>
-            <a:r>
-              <a:rPr lang="en-US" altLang="ja-JP" sz="1800" dirty="0"/>
-              <a:t>RISC-V </a:t>
-            </a:r>
-            <a:r>
-              <a:rPr lang="ja-JP" altLang="en-US" sz="1800" dirty="0"/>
-              <a:t>ベクトル拡張などの形で実装されている </a:t>
-            </a:r>
-            <a:endParaRPr kumimoji="1" lang="ja-JP" altLang="en-US" sz="1800" dirty="0"/>
+            <a:pPr marL="1177200" lvl="2" indent="-457200">
+              <a:buFont typeface="+mj-lt"/>
+              <a:buAutoNum type="arabicPeriod"/>
+            </a:pPr>
+            <a:r>
+              <a:rPr kumimoji="1" lang="ja-JP" altLang="en-US" dirty="0"/>
+              <a:t>親子関係の作り方</a:t>
+            </a:r>
+            <a:endParaRPr kumimoji="1" lang="en-US" altLang="ja-JP" dirty="0"/>
+          </a:p>
+          <a:p>
+            <a:pPr marL="1177200" lvl="2" indent="-457200">
+              <a:buFont typeface="+mj-lt"/>
+              <a:buAutoNum type="arabicPeriod"/>
+            </a:pPr>
+            <a:r>
+              <a:rPr kumimoji="1" lang="ja-JP" altLang="en-US" dirty="0"/>
+              <a:t>文を短くする</a:t>
+            </a:r>
+            <a:endParaRPr kumimoji="1" lang="en-US" altLang="ja-JP" dirty="0"/>
+          </a:p>
+          <a:p>
+            <a:pPr marL="1177200" lvl="2" indent="-457200">
+              <a:buFont typeface="+mj-lt"/>
+              <a:buAutoNum type="arabicPeriod"/>
+            </a:pPr>
+            <a:r>
+              <a:rPr kumimoji="1" lang="ja-JP" altLang="en-US" dirty="0"/>
+              <a:t>インデントにぶらさげる項目数</a:t>
+            </a:r>
+            <a:endParaRPr kumimoji="1" lang="en-US" altLang="ja-JP" dirty="0"/>
+          </a:p>
+          <a:p>
+            <a:pPr marL="1177200" lvl="2" indent="-457200">
+              <a:buFont typeface="+mj-lt"/>
+              <a:buAutoNum type="arabicPeriod"/>
+            </a:pPr>
+            <a:r>
+              <a:rPr kumimoji="1" lang="ja-JP" altLang="en-US" dirty="0"/>
+              <a:t>親子関係における「階段」</a:t>
+            </a:r>
+            <a:endParaRPr kumimoji="1" lang="en-US" altLang="ja-JP" dirty="0"/>
+          </a:p>
+          <a:p>
+            <a:pPr marL="457200" indent="-457200">
+              <a:buFont typeface="+mj-lt"/>
+              <a:buAutoNum type="arabicPeriod"/>
+            </a:pPr>
+            <a:r>
+              <a:rPr kumimoji="1" lang="ja-JP" altLang="en-US" dirty="0"/>
+              <a:t>余談：なぜ箇条書きにまとめるのか？</a:t>
+            </a:r>
+            <a:endParaRPr kumimoji="1" lang="en-US" altLang="ja-JP" dirty="0"/>
+          </a:p>
+          <a:p>
+            <a:pPr marL="1177200" lvl="2" indent="-457200">
+              <a:buFont typeface="+mj-lt"/>
+              <a:buAutoNum type="arabicPeriod"/>
+            </a:pPr>
+            <a:endParaRPr kumimoji="1" lang="ja-JP" altLang="en-US" dirty="0">
+              <a:solidFill>
+                <a:schemeClr val="accent5"/>
+              </a:solidFill>
+            </a:endParaRPr>
           </a:p>
         </p:txBody>
       </p:sp>
     </p:spTree>
     <p:extLst>
       <p:ext uri="{BB962C8B-B14F-4D97-AF65-F5344CB8AC3E}">
-        <p14:creationId xmlns:p14="http://schemas.microsoft.com/office/powerpoint/2010/main" val="2006340699"/>
+        <p14:creationId xmlns:p14="http://schemas.microsoft.com/office/powerpoint/2010/main" val="4293421149"/>
       </p:ext>
     </p:extLst>
   </p:cSld>
@@ -6886,7 +6860,7 @@
           <p:cNvPr id="2" name="タイトル 1">
             <a:extLst>
               <a:ext uri="{FF2B5EF4-FFF2-40B4-BE49-F238E27FC236}">
-                <a16:creationId xmlns:a16="http://schemas.microsoft.com/office/drawing/2014/main" id="{5DE9EB6D-DB2F-3B8D-2437-AD77ADB2FF9E}"/>
+                <a16:creationId xmlns:a16="http://schemas.microsoft.com/office/drawing/2014/main" id="{2D384302-F54A-9C8E-5AA3-51A3FDA55C22}"/>
               </a:ext>
             </a:extLst>
           </p:cNvPr>
@@ -6904,7 +6878,7 @@
           <a:p>
             <a:r>
               <a:rPr kumimoji="1" lang="ja-JP" altLang="en-US" dirty="0"/>
-              <a:t>文を短くする</a:t>
+              <a:t>箇条書きの親子関係の作り方</a:t>
             </a:r>
           </a:p>
         </p:txBody>
@@ -6914,7 +6888,7 @@
           <p:cNvPr id="3" name="テキスト プレースホルダー 2">
             <a:extLst>
               <a:ext uri="{FF2B5EF4-FFF2-40B4-BE49-F238E27FC236}">
-                <a16:creationId xmlns:a16="http://schemas.microsoft.com/office/drawing/2014/main" id="{18D77FC6-6ACE-F5A6-179B-013437541EA6}"/>
+                <a16:creationId xmlns:a16="http://schemas.microsoft.com/office/drawing/2014/main" id="{5B575639-CD76-8A5D-040E-E5DC9EBDA9EB}"/>
               </a:ext>
             </a:extLst>
           </p:cNvPr>
@@ -6925,20 +6899,48 @@
             <p:ph type="body" sz="quarter" idx="10"/>
           </p:nvPr>
         </p:nvSpPr>
-        <p:spPr/>
+        <p:spPr>
+          <a:xfrm>
+            <a:off x="431954" y="1088974"/>
+            <a:ext cx="8460094" cy="5219751"/>
+          </a:xfrm>
+        </p:spPr>
         <p:txBody>
           <a:bodyPr/>
           <a:lstStyle/>
           <a:p>
             <a:r>
-              <a:rPr kumimoji="1" lang="ja-JP" altLang="en-US" dirty="0">
+              <a:rPr kumimoji="1" lang="ja-JP" altLang="en-US" sz="1800" dirty="0"/>
+              <a:t>インデントされた子要素の部分と，その親の関係</a:t>
+            </a:r>
+            <a:endParaRPr kumimoji="1" lang="en-US" altLang="ja-JP" sz="1800" dirty="0"/>
+          </a:p>
+          <a:p>
+            <a:pPr lvl="1"/>
+            <a:r>
+              <a:rPr kumimoji="1" lang="ja-JP" altLang="en-US" sz="1800" dirty="0"/>
+              <a:t>子項目は，その親項目のなんらかの詳細を説明する</a:t>
+            </a:r>
+            <a:endParaRPr kumimoji="1" lang="en-US" altLang="ja-JP" sz="1800" dirty="0"/>
+          </a:p>
+          <a:p>
+            <a:pPr lvl="1"/>
+            <a:r>
+              <a:rPr kumimoji="1" lang="ja-JP" altLang="en-US" sz="1800" dirty="0"/>
+              <a:t>親項目は，その子項目をまとめた内容となる</a:t>
+            </a:r>
+            <a:endParaRPr kumimoji="1" lang="en-US" altLang="ja-JP" sz="1800" dirty="0"/>
+          </a:p>
+          <a:p>
+            <a:r>
+              <a:rPr kumimoji="1" lang="ja-JP" altLang="en-US" sz="1800" dirty="0">
                 <a:solidFill>
                   <a:schemeClr val="accent5"/>
                 </a:solidFill>
               </a:rPr>
-              <a:t>複文を使うのは原則禁止</a:t>
-            </a:r>
-            <a:endParaRPr kumimoji="1" lang="en-US" altLang="ja-JP" dirty="0">
+              <a:t>各項目の先頭に一言にまとめた属性をつけて作ると確認しやすい</a:t>
+            </a:r>
+            <a:endParaRPr kumimoji="1" lang="en-US" altLang="ja-JP" sz="1800" dirty="0">
               <a:solidFill>
                 <a:schemeClr val="accent5"/>
               </a:solidFill>
@@ -6947,56 +6949,100 @@
           <a:p>
             <a:pPr lvl="1"/>
             <a:r>
-              <a:rPr kumimoji="1" lang="ja-JP" altLang="en-US" dirty="0"/>
-              <a:t>複数の文を繋げて１つの文にしてしまうと，関係が良くわからなくなりがち</a:t>
-            </a:r>
-            <a:endParaRPr kumimoji="1" lang="en-US" altLang="ja-JP" dirty="0"/>
+              <a:rPr kumimoji="1" lang="ja-JP" altLang="en-US" sz="1800" dirty="0"/>
+              <a:t>子から見て親の何であるのかを属性としてつける</a:t>
+            </a:r>
+            <a:endParaRPr kumimoji="1" lang="en-US" altLang="ja-JP" sz="1800" dirty="0"/>
           </a:p>
           <a:p>
             <a:pPr lvl="1"/>
             <a:r>
-              <a:rPr kumimoji="1" lang="ja-JP" altLang="en-US" dirty="0"/>
-              <a:t>最初は単文のみで作る</a:t>
-            </a:r>
-            <a:endParaRPr kumimoji="1" lang="en-US" altLang="ja-JP" dirty="0"/>
+              <a:rPr kumimoji="1" lang="ja-JP" altLang="en-US" sz="1800" dirty="0"/>
+              <a:t>「問題：」「理由：」「結果：」「目的：」「例：」「詳細：」など</a:t>
+            </a:r>
+            <a:endParaRPr kumimoji="1" lang="en-US" altLang="ja-JP" sz="1800" dirty="0"/>
+          </a:p>
+          <a:p>
+            <a:r>
+              <a:rPr kumimoji="1" lang="ja-JP" altLang="en-US" sz="1800" dirty="0"/>
+              <a:t>属性をつけた例：</a:t>
+            </a:r>
+            <a:endParaRPr kumimoji="1" lang="en-US" altLang="ja-JP" sz="1800" dirty="0"/>
+          </a:p>
+          <a:p>
+            <a:pPr lvl="1"/>
+            <a:r>
+              <a:rPr lang="ja-JP" altLang="en-US" sz="1800" dirty="0">
+                <a:solidFill>
+                  <a:schemeClr val="accent5"/>
+                </a:solidFill>
+              </a:rPr>
+              <a:t>背景：</a:t>
+            </a:r>
+            <a:r>
+              <a:rPr lang="ja-JP" altLang="en-US" sz="1800" dirty="0"/>
+              <a:t>ベクトル命令 </a:t>
+            </a:r>
+            <a:endParaRPr lang="en-US" altLang="ja-JP" sz="1800" dirty="0"/>
           </a:p>
           <a:p>
             <a:pPr lvl="2"/>
             <a:r>
-              <a:rPr kumimoji="1" lang="ja-JP" altLang="en-US" dirty="0"/>
-              <a:t>どうしても複文を入れる場合は，１行に収まる長さまで</a:t>
-            </a:r>
-            <a:endParaRPr kumimoji="1" lang="en-US" altLang="ja-JP" dirty="0"/>
+              <a:rPr lang="ja-JP" altLang="en-US" sz="1800" dirty="0">
+                <a:solidFill>
+                  <a:schemeClr val="accent5"/>
+                </a:solidFill>
+              </a:rPr>
+              <a:t>詳細：</a:t>
+            </a:r>
+            <a:r>
+              <a:rPr lang="ja-JP" altLang="en-US" sz="1800" dirty="0"/>
+              <a:t>単一の命令で可変長の複数データを処理する命令の方式 </a:t>
+            </a:r>
+            <a:endParaRPr lang="en-US" altLang="ja-JP" sz="1800" dirty="0"/>
           </a:p>
           <a:p>
             <a:pPr lvl="2"/>
             <a:r>
-              <a:rPr kumimoji="1" lang="ja-JP" altLang="en-US" dirty="0"/>
-              <a:t>３文以上からなる複文は常に禁止</a:t>
-            </a:r>
-            <a:endParaRPr kumimoji="1" lang="en-US" altLang="ja-JP" dirty="0"/>
-          </a:p>
-          <a:p>
-            <a:r>
-              <a:rPr kumimoji="1" lang="ja-JP" altLang="en-US" dirty="0"/>
-              <a:t>同様の理由により，長い修飾節を持った文も使わない</a:t>
-            </a:r>
-            <a:endParaRPr kumimoji="1" lang="en-US" altLang="ja-JP" dirty="0"/>
-          </a:p>
-          <a:p>
-            <a:pPr lvl="1"/>
-            <a:r>
-              <a:rPr kumimoji="1" lang="ja-JP" altLang="en-US" dirty="0"/>
-              <a:t>長くなってしまう場合は，インデントをしてぶら下げると良い</a:t>
-            </a:r>
-            <a:endParaRPr kumimoji="1" lang="en-US" altLang="ja-JP" dirty="0"/>
+              <a:rPr lang="ja-JP" altLang="en-US" sz="1800" dirty="0">
+                <a:solidFill>
+                  <a:schemeClr val="accent5"/>
+                </a:solidFill>
+              </a:rPr>
+              <a:t>目的：</a:t>
+            </a:r>
+            <a:r>
+              <a:rPr lang="ja-JP" altLang="en-US" sz="1800" dirty="0"/>
+              <a:t>データ並列性のある処理を対象 </a:t>
+            </a:r>
+            <a:endParaRPr lang="en-US" altLang="ja-JP" sz="1800" dirty="0"/>
+          </a:p>
+          <a:p>
+            <a:pPr lvl="2"/>
+            <a:r>
+              <a:rPr lang="ja-JP" altLang="en-US" sz="1800" dirty="0">
+                <a:solidFill>
+                  <a:schemeClr val="accent5"/>
+                </a:solidFill>
+              </a:rPr>
+              <a:t>例：</a:t>
+            </a:r>
+            <a:r>
+              <a:rPr lang="en-US" altLang="ja-JP" sz="1800" dirty="0"/>
+              <a:t>RISC-V </a:t>
+            </a:r>
+            <a:r>
+              <a:rPr lang="ja-JP" altLang="en-US" sz="1800" dirty="0"/>
+              <a:t>ベクトル拡張などの形で実装されている </a:t>
+            </a:r>
+            <a:endParaRPr kumimoji="1" lang="ja-JP" altLang="en-US" sz="1800" dirty="0"/>
           </a:p>
         </p:txBody>
       </p:sp>
     </p:spTree>
     <p:extLst>
       <p:ext uri="{BB962C8B-B14F-4D97-AF65-F5344CB8AC3E}">
-        <p14:creationId xmlns:p14="http://schemas.microsoft.com/office/powerpoint/2010/main" val="3140530035"/>
+        <p14:creationId xmlns:p14="http://schemas.microsoft.com/office/powerpoint/2010/main" val="2006340699"/>
       </p:ext>
     </p:extLst>
   </p:cSld>
@@ -7054,7 +7100,7 @@
           <a:p>
             <a:r>
               <a:rPr kumimoji="1" lang="ja-JP" altLang="en-US" dirty="0"/>
-              <a:t>インデントにぶらさげる項目数</a:t>
+              <a:t>文を短くする</a:t>
             </a:r>
           </a:p>
         </p:txBody>
@@ -7081,8 +7127,24 @@
           <a:lstStyle/>
           <a:p>
             <a:r>
+              <a:rPr kumimoji="1" lang="ja-JP" altLang="en-US" dirty="0">
+                <a:solidFill>
+                  <a:schemeClr val="accent5"/>
+                </a:solidFill>
+              </a:rPr>
+              <a:t>複文を使うのは原則禁止</a:t>
+            </a:r>
+            <a:endParaRPr kumimoji="1" lang="en-US" altLang="ja-JP" dirty="0">
+              <a:solidFill>
+                <a:schemeClr val="accent5"/>
+              </a:solidFill>
+            </a:endParaRPr>
+          </a:p>
+          <a:p>
+            <a:pPr lvl="1"/>
+            <a:r>
               <a:rPr kumimoji="1" lang="ja-JP" altLang="en-US" dirty="0"/>
-              <a:t>一つの項目にぶら下げる項目は３つまで</a:t>
+              <a:t>複数の文を繋げて１つの文にしてしまうと，関係が良くわからなくなりがち</a:t>
             </a:r>
             <a:endParaRPr kumimoji="1" lang="en-US" altLang="ja-JP" dirty="0"/>
           </a:p>
@@ -7090,15 +7152,38 @@
             <a:pPr lvl="1"/>
             <a:r>
               <a:rPr kumimoji="1" lang="ja-JP" altLang="en-US" dirty="0"/>
-              <a:t>４つ以上の項目が同じレベルに並んでいる場合は，それらをインデントにまとめる</a:t>
+              <a:t>最初は単文のみで作る</a:t>
             </a:r>
             <a:endParaRPr kumimoji="1" lang="en-US" altLang="ja-JP" dirty="0"/>
           </a:p>
           <a:p>
+            <a:pPr lvl="2"/>
+            <a:r>
+              <a:rPr kumimoji="1" lang="ja-JP" altLang="en-US" dirty="0"/>
+              <a:t>どうしても複文を入れる場合は，１行に収まる長さまで</a:t>
+            </a:r>
+            <a:endParaRPr kumimoji="1" lang="en-US" altLang="ja-JP" dirty="0"/>
+          </a:p>
+          <a:p>
+            <a:pPr lvl="2"/>
+            <a:r>
+              <a:rPr kumimoji="1" lang="ja-JP" altLang="en-US" dirty="0"/>
+              <a:t>３文以上からなる複文は常に禁止</a:t>
+            </a:r>
+            <a:endParaRPr kumimoji="1" lang="en-US" altLang="ja-JP" dirty="0"/>
+          </a:p>
+          <a:p>
+            <a:r>
+              <a:rPr kumimoji="1" lang="ja-JP" altLang="en-US" dirty="0"/>
+              <a:t>同様の理由により，長い修飾節を持った文も使わない</a:t>
+            </a:r>
+            <a:endParaRPr kumimoji="1" lang="en-US" altLang="ja-JP" dirty="0"/>
+          </a:p>
+          <a:p>
             <a:pPr lvl="1"/>
             <a:r>
               <a:rPr kumimoji="1" lang="ja-JP" altLang="en-US" dirty="0"/>
-              <a:t>３つより多いと関係が曖昧になるし，理解しづらい</a:t>
+              <a:t>長くなってしまう場合は，インデントをしてぶら下げると良い</a:t>
             </a:r>
             <a:endParaRPr kumimoji="1" lang="en-US" altLang="ja-JP" dirty="0"/>
           </a:p>
@@ -7107,7 +7192,7 @@
     </p:spTree>
     <p:extLst>
       <p:ext uri="{BB962C8B-B14F-4D97-AF65-F5344CB8AC3E}">
-        <p14:creationId xmlns:p14="http://schemas.microsoft.com/office/powerpoint/2010/main" val="2930707725"/>
+        <p14:creationId xmlns:p14="http://schemas.microsoft.com/office/powerpoint/2010/main" val="3140530035"/>
       </p:ext>
     </p:extLst>
   </p:cSld>
@@ -7199,7 +7284,7 @@
           <p:cNvPr id="2" name="タイトル 1">
             <a:extLst>
               <a:ext uri="{FF2B5EF4-FFF2-40B4-BE49-F238E27FC236}">
-                <a16:creationId xmlns:a16="http://schemas.microsoft.com/office/drawing/2014/main" id="{18633F85-70F7-1520-347A-55817D433DB1}"/>
+                <a16:creationId xmlns:a16="http://schemas.microsoft.com/office/drawing/2014/main" id="{5DE9EB6D-DB2F-3B8D-2437-AD77ADB2FF9E}"/>
               </a:ext>
             </a:extLst>
           </p:cNvPr>
@@ -7217,7 +7302,7 @@
           <a:p>
             <a:r>
               <a:rPr kumimoji="1" lang="ja-JP" altLang="en-US" dirty="0"/>
-              <a:t>箇条書きの親子関係における「階段」</a:t>
+              <a:t>インデントにぶらさげる項目数</a:t>
             </a:r>
           </a:p>
         </p:txBody>
@@ -7227,7 +7312,7 @@
           <p:cNvPr id="3" name="テキスト プレースホルダー 2">
             <a:extLst>
               <a:ext uri="{FF2B5EF4-FFF2-40B4-BE49-F238E27FC236}">
-                <a16:creationId xmlns:a16="http://schemas.microsoft.com/office/drawing/2014/main" id="{5BFE0EBB-6CB2-FCEF-7A6E-3613D8524427}"/>
+                <a16:creationId xmlns:a16="http://schemas.microsoft.com/office/drawing/2014/main" id="{18D77FC6-6ACE-F5A6-179B-013437541EA6}"/>
               </a:ext>
             </a:extLst>
           </p:cNvPr>
@@ -7244,181 +7329,33 @@
           <a:lstStyle/>
           <a:p>
             <a:r>
-              <a:rPr kumimoji="1" lang="en-US" altLang="ja-JP" sz="1800" dirty="0"/>
-              <a:t>A </a:t>
-            </a:r>
-            <a:r>
-              <a:rPr kumimoji="1" lang="ja-JP" altLang="en-US" sz="1800" dirty="0"/>
-              <a:t>→ </a:t>
-            </a:r>
-            <a:r>
-              <a:rPr kumimoji="1" lang="en-US" altLang="ja-JP" sz="1800" dirty="0"/>
-              <a:t>B </a:t>
-            </a:r>
-            <a:r>
-              <a:rPr kumimoji="1" lang="ja-JP" altLang="en-US" sz="1800" dirty="0"/>
-              <a:t>→ </a:t>
-            </a:r>
-            <a:r>
-              <a:rPr kumimoji="1" lang="en-US" altLang="ja-JP" sz="1800" dirty="0"/>
-              <a:t>C </a:t>
-            </a:r>
-            <a:r>
-              <a:rPr kumimoji="1" lang="ja-JP" altLang="en-US" sz="1800" dirty="0"/>
-              <a:t>のような演繹の関係を下のような「階段」のような箇条書きにしてしまいがちだが，これは良くない</a:t>
-            </a:r>
-            <a:endParaRPr kumimoji="1" lang="en-US" altLang="ja-JP" sz="1800" dirty="0"/>
+              <a:rPr kumimoji="1" lang="ja-JP" altLang="en-US" dirty="0"/>
+              <a:t>一つの項目にぶら下げる項目は３つまで</a:t>
+            </a:r>
+            <a:endParaRPr kumimoji="1" lang="en-US" altLang="ja-JP" dirty="0"/>
           </a:p>
           <a:p>
             <a:pPr lvl="1"/>
             <a:r>
-              <a:rPr kumimoji="1" lang="ja-JP" altLang="en-US" sz="1800" dirty="0"/>
-              <a:t>（親子関係は基本的に 概要</a:t>
-            </a:r>
-            <a:r>
-              <a:rPr kumimoji="1" lang="en-US" altLang="ja-JP" sz="1800" dirty="0"/>
-              <a:t>&lt;-&gt;</a:t>
-            </a:r>
-            <a:r>
-              <a:rPr kumimoji="1" lang="ja-JP" altLang="en-US" sz="1800" dirty="0"/>
-              <a:t>詳細 を表すもの）</a:t>
-            </a:r>
-            <a:br>
-              <a:rPr kumimoji="1" lang="en-US" altLang="ja-JP" sz="1800" dirty="0"/>
-            </a:br>
-            <a:endParaRPr kumimoji="1" lang="en-US" altLang="ja-JP" sz="1800" dirty="0"/>
+              <a:rPr kumimoji="1" lang="ja-JP" altLang="en-US" dirty="0"/>
+              <a:t>４つ以上の項目が同じレベルに並んでいる場合は，それらをインデントにまとめる</a:t>
+            </a:r>
+            <a:endParaRPr kumimoji="1" lang="en-US" altLang="ja-JP" dirty="0"/>
           </a:p>
           <a:p>
             <a:pPr lvl="1"/>
             <a:r>
-              <a:rPr kumimoji="1" lang="en-US" altLang="ja-JP" sz="1800" dirty="0"/>
-              <a:t>A</a:t>
-            </a:r>
-            <a:r>
-              <a:rPr kumimoji="1" lang="ja-JP" altLang="en-US" sz="1800" dirty="0"/>
-              <a:t>：～</a:t>
-            </a:r>
-            <a:endParaRPr kumimoji="1" lang="en-US" altLang="ja-JP" sz="1800" dirty="0"/>
-          </a:p>
-          <a:p>
-            <a:pPr lvl="2"/>
-            <a:r>
-              <a:rPr kumimoji="1" lang="en-US" altLang="ja-JP" sz="1800" dirty="0"/>
-              <a:t>B</a:t>
-            </a:r>
-            <a:r>
-              <a:rPr kumimoji="1" lang="ja-JP" altLang="en-US" sz="1800" dirty="0"/>
-              <a:t>：～</a:t>
-            </a:r>
-          </a:p>
-          <a:p>
-            <a:pPr lvl="3"/>
-            <a:r>
-              <a:rPr kumimoji="1" lang="en-US" altLang="ja-JP" sz="1800" dirty="0"/>
-              <a:t>C</a:t>
-            </a:r>
-            <a:r>
-              <a:rPr kumimoji="1" lang="ja-JP" altLang="en-US" sz="1800" dirty="0"/>
-              <a:t>：～</a:t>
-            </a:r>
-            <a:endParaRPr kumimoji="1" lang="en-US" altLang="ja-JP" sz="1800" dirty="0"/>
-          </a:p>
-          <a:p>
-            <a:r>
-              <a:rPr kumimoji="1" lang="ja-JP" altLang="en-US" sz="1800" dirty="0"/>
-              <a:t>このような場合は </a:t>
-            </a:r>
-            <a:r>
-              <a:rPr kumimoji="1" lang="en-US" altLang="ja-JP" sz="1800" dirty="0"/>
-              <a:t>A </a:t>
-            </a:r>
-            <a:r>
-              <a:rPr kumimoji="1" lang="ja-JP" altLang="en-US" sz="1800" dirty="0"/>
-              <a:t>→ </a:t>
-            </a:r>
-            <a:r>
-              <a:rPr kumimoji="1" lang="en-US" altLang="ja-JP" sz="1800" dirty="0"/>
-              <a:t>B </a:t>
-            </a:r>
-            <a:r>
-              <a:rPr kumimoji="1" lang="ja-JP" altLang="en-US" sz="1800" dirty="0"/>
-              <a:t>→ </a:t>
-            </a:r>
-            <a:r>
-              <a:rPr kumimoji="1" lang="en-US" altLang="ja-JP" sz="1800" dirty="0"/>
-              <a:t>C </a:t>
-            </a:r>
-            <a:r>
-              <a:rPr kumimoji="1" lang="ja-JP" altLang="en-US" sz="1800" dirty="0"/>
-              <a:t>の主張を一言にまとめたものを（</a:t>
-            </a:r>
-            <a:r>
-              <a:rPr kumimoji="1" lang="en-US" altLang="ja-JP" sz="1800" dirty="0"/>
-              <a:t>X</a:t>
-            </a:r>
-            <a:r>
-              <a:rPr kumimoji="1" lang="ja-JP" altLang="en-US" sz="1800" dirty="0"/>
-              <a:t>）を作り，その下にぶらさげる</a:t>
-            </a:r>
-            <a:br>
-              <a:rPr kumimoji="1" lang="en-US" altLang="ja-JP" sz="1800" dirty="0"/>
-            </a:br>
-            <a:endParaRPr kumimoji="1" lang="en-US" altLang="ja-JP" sz="1800" dirty="0"/>
-          </a:p>
-          <a:p>
-            <a:pPr lvl="1"/>
-            <a:r>
-              <a:rPr kumimoji="1" lang="en-US" altLang="ja-JP" sz="1800" dirty="0"/>
-              <a:t>X</a:t>
-            </a:r>
-            <a:r>
-              <a:rPr kumimoji="1" lang="ja-JP" altLang="en-US" sz="1800" dirty="0"/>
-              <a:t>：</a:t>
-            </a:r>
-            <a:endParaRPr kumimoji="1" lang="en-US" altLang="ja-JP" sz="1800" dirty="0"/>
-          </a:p>
-          <a:p>
-            <a:pPr lvl="2"/>
-            <a:r>
-              <a:rPr lang="en-US" altLang="ja-JP" sz="1800" dirty="0"/>
-              <a:t>A</a:t>
-            </a:r>
-            <a:r>
-              <a:rPr lang="ja-JP" altLang="en-US" sz="1800" dirty="0"/>
-              <a:t>：～</a:t>
-            </a:r>
-            <a:endParaRPr lang="en-US" altLang="ja-JP" sz="1800" dirty="0"/>
-          </a:p>
-          <a:p>
-            <a:pPr lvl="2"/>
-            <a:r>
-              <a:rPr lang="en-US" altLang="ja-JP" sz="1800" dirty="0"/>
-              <a:t>B</a:t>
-            </a:r>
-            <a:r>
-              <a:rPr lang="ja-JP" altLang="en-US" sz="1800" dirty="0"/>
-              <a:t>：～</a:t>
-            </a:r>
-            <a:endParaRPr lang="en-US" altLang="ja-JP" sz="1800" dirty="0"/>
-          </a:p>
-          <a:p>
-            <a:pPr lvl="2"/>
-            <a:r>
-              <a:rPr lang="en-US" altLang="ja-JP" sz="1800" dirty="0"/>
-              <a:t>C</a:t>
-            </a:r>
-            <a:r>
-              <a:rPr lang="ja-JP" altLang="en-US" sz="1800" dirty="0"/>
-              <a:t>：～</a:t>
-            </a:r>
-            <a:endParaRPr kumimoji="1" lang="en-US" altLang="ja-JP" sz="1800" dirty="0"/>
+              <a:rPr kumimoji="1" lang="ja-JP" altLang="en-US" dirty="0"/>
+              <a:t>３つより多いと関係が曖昧になるし，理解しづらい</a:t>
+            </a:r>
+            <a:endParaRPr kumimoji="1" lang="en-US" altLang="ja-JP" dirty="0"/>
           </a:p>
         </p:txBody>
       </p:sp>
     </p:spTree>
     <p:extLst>
       <p:ext uri="{BB962C8B-B14F-4D97-AF65-F5344CB8AC3E}">
-        <p14:creationId xmlns:p14="http://schemas.microsoft.com/office/powerpoint/2010/main" val="383915911"/>
+        <p14:creationId xmlns:p14="http://schemas.microsoft.com/office/powerpoint/2010/main" val="2930707725"/>
       </p:ext>
     </p:extLst>
   </p:cSld>
@@ -7476,42 +7413,7 @@
           <a:p>
             <a:r>
               <a:rPr kumimoji="1" lang="ja-JP" altLang="en-US" dirty="0"/>
-              <a:t>演繹の関係にある要素の書き換えの例</a:t>
-            </a:r>
-            <a:br>
-              <a:rPr kumimoji="1" lang="en-US" altLang="ja-JP" dirty="0"/>
-            </a:br>
-            <a:r>
-              <a:rPr kumimoji="1" lang="en-US" altLang="ja-JP" sz="2000" dirty="0"/>
-              <a:t>A</a:t>
-            </a:r>
-            <a:r>
-              <a:rPr kumimoji="1" lang="ja-JP" altLang="en-US" sz="2000" dirty="0"/>
-              <a:t>→</a:t>
-            </a:r>
-            <a:r>
-              <a:rPr kumimoji="1" lang="en-US" altLang="ja-JP" sz="2000" dirty="0"/>
-              <a:t>B</a:t>
-            </a:r>
-            <a:r>
-              <a:rPr kumimoji="1" lang="ja-JP" altLang="en-US" sz="2000" dirty="0"/>
-              <a:t>→</a:t>
-            </a:r>
-            <a:r>
-              <a:rPr kumimoji="1" lang="en-US" altLang="ja-JP" sz="2000" dirty="0"/>
-              <a:t>C </a:t>
-            </a:r>
-            <a:r>
-              <a:rPr kumimoji="1" lang="ja-JP" altLang="en-US" sz="2000" dirty="0"/>
-              <a:t>を </a:t>
-            </a:r>
-            <a:r>
-              <a:rPr kumimoji="1" lang="en-US" altLang="ja-JP" sz="2000" dirty="0"/>
-              <a:t>X </a:t>
-            </a:r>
-            <a:r>
-              <a:rPr kumimoji="1" lang="ja-JP" altLang="en-US" sz="2000" dirty="0"/>
-              <a:t>の下に展開</a:t>
+              <a:t>箇条書きの親子関係における「階段」</a:t>
             </a:r>
           </a:p>
         </p:txBody>
@@ -7537,109 +7439,173 @@
           <a:bodyPr/>
           <a:lstStyle/>
           <a:p>
-            <a:pPr marL="0" indent="0">
-              <a:buNone/>
-            </a:pPr>
+            <a:r>
+              <a:rPr kumimoji="1" lang="en-US" altLang="ja-JP" sz="1800" dirty="0"/>
+              <a:t>A </a:t>
+            </a:r>
             <a:r>
               <a:rPr kumimoji="1" lang="ja-JP" altLang="en-US" sz="1800" dirty="0"/>
-              <a:t>各インデントレベルに１つだけ項目がある階段が出来てしまっている</a:t>
+              <a:t>→ </a:t>
+            </a:r>
+            <a:r>
+              <a:rPr kumimoji="1" lang="en-US" altLang="ja-JP" sz="1800" dirty="0"/>
+              <a:t>B </a:t>
+            </a:r>
+            <a:r>
+              <a:rPr kumimoji="1" lang="ja-JP" altLang="en-US" sz="1800" dirty="0"/>
+              <a:t>→ </a:t>
+            </a:r>
+            <a:r>
+              <a:rPr kumimoji="1" lang="en-US" altLang="ja-JP" sz="1800" dirty="0"/>
+              <a:t>C </a:t>
+            </a:r>
+            <a:r>
+              <a:rPr kumimoji="1" lang="ja-JP" altLang="en-US" sz="1800" dirty="0"/>
+              <a:t>のような演繹の関係を下のような「階段」のような箇条書きにしてしまいがちだが，これは良くない</a:t>
             </a:r>
             <a:endParaRPr kumimoji="1" lang="en-US" altLang="ja-JP" sz="1800" dirty="0"/>
           </a:p>
           <a:p>
+            <a:pPr lvl="1"/>
+            <a:r>
+              <a:rPr kumimoji="1" lang="ja-JP" altLang="en-US" sz="1800" dirty="0"/>
+              <a:t>（親子関係は基本的に 概要</a:t>
+            </a:r>
             <a:r>
               <a:rPr kumimoji="1" lang="en-US" altLang="ja-JP" sz="1800" dirty="0"/>
-              <a:t>A</a:t>
+              <a:t>&lt;-&gt;</a:t>
             </a:r>
             <a:r>
               <a:rPr kumimoji="1" lang="ja-JP" altLang="en-US" sz="1800" dirty="0"/>
-              <a:t>：人間の脳の一時記憶の大きさには限りがある</a:t>
-            </a:r>
-          </a:p>
-          <a:p>
-            <a:pPr lvl="1"/>
-            <a:r>
-              <a:rPr kumimoji="1" lang="en-US" altLang="ja-JP" sz="1800" dirty="0"/>
-              <a:t>B</a:t>
-            </a:r>
-            <a:r>
-              <a:rPr kumimoji="1" lang="ja-JP" altLang="en-US" sz="1800" dirty="0"/>
-              <a:t>：このため，人間は５～７個以上の事柄を一度に把握できない</a:t>
-            </a:r>
-          </a:p>
-          <a:p>
-            <a:pPr lvl="2"/>
-            <a:r>
-              <a:rPr kumimoji="1" lang="en-US" altLang="ja-JP" sz="1800" dirty="0"/>
-              <a:t>C</a:t>
-            </a:r>
-            <a:r>
-              <a:rPr kumimoji="1" lang="ja-JP" altLang="en-US" sz="1800" dirty="0"/>
-              <a:t>：したがって，余裕を持って３個程度以内にするのがよい</a:t>
-            </a:r>
-            <a:endParaRPr kumimoji="1" lang="en-US" altLang="ja-JP" sz="1800" dirty="0"/>
-          </a:p>
-          <a:p>
-            <a:pPr marL="0" indent="0">
-              <a:buNone/>
-            </a:pPr>
+              <a:t>詳細 を表すもの）</a:t>
+            </a:r>
             <a:br>
               <a:rPr kumimoji="1" lang="en-US" altLang="ja-JP" sz="1800" dirty="0"/>
             </a:br>
+            <a:endParaRPr kumimoji="1" lang="en-US" altLang="ja-JP" sz="1800" dirty="0"/>
+          </a:p>
+          <a:p>
+            <a:pPr lvl="1"/>
+            <a:r>
+              <a:rPr kumimoji="1" lang="en-US" altLang="ja-JP" sz="1800" dirty="0"/>
+              <a:t>A</a:t>
+            </a:r>
+            <a:r>
+              <a:rPr kumimoji="1" lang="ja-JP" altLang="en-US" sz="1800" dirty="0"/>
+              <a:t>：～</a:t>
+            </a:r>
+            <a:endParaRPr kumimoji="1" lang="en-US" altLang="ja-JP" sz="1800" dirty="0"/>
+          </a:p>
+          <a:p>
+            <a:pPr lvl="2"/>
+            <a:r>
+              <a:rPr kumimoji="1" lang="en-US" altLang="ja-JP" sz="1800" dirty="0"/>
+              <a:t>B</a:t>
+            </a:r>
+            <a:r>
+              <a:rPr kumimoji="1" lang="ja-JP" altLang="en-US" sz="1800" dirty="0"/>
+              <a:t>：～</a:t>
+            </a:r>
+          </a:p>
+          <a:p>
+            <a:pPr lvl="3"/>
+            <a:r>
+              <a:rPr kumimoji="1" lang="en-US" altLang="ja-JP" sz="1800" dirty="0"/>
+              <a:t>C</a:t>
+            </a:r>
+            <a:r>
+              <a:rPr kumimoji="1" lang="ja-JP" altLang="en-US" sz="1800" dirty="0"/>
+              <a:t>：～</a:t>
+            </a:r>
+            <a:endParaRPr kumimoji="1" lang="en-US" altLang="ja-JP" sz="1800" dirty="0"/>
+          </a:p>
+          <a:p>
+            <a:r>
+              <a:rPr kumimoji="1" lang="ja-JP" altLang="en-US" sz="1800" dirty="0"/>
+              <a:t>このような場合は </a:t>
+            </a:r>
+            <a:r>
+              <a:rPr kumimoji="1" lang="en-US" altLang="ja-JP" sz="1800" dirty="0"/>
+              <a:t>A </a:t>
+            </a:r>
+            <a:r>
+              <a:rPr kumimoji="1" lang="ja-JP" altLang="en-US" sz="1800" dirty="0"/>
+              <a:t>→ </a:t>
+            </a:r>
+            <a:r>
+              <a:rPr kumimoji="1" lang="en-US" altLang="ja-JP" sz="1800" dirty="0"/>
+              <a:t>B </a:t>
+            </a:r>
+            <a:r>
+              <a:rPr kumimoji="1" lang="ja-JP" altLang="en-US" sz="1800" dirty="0"/>
+              <a:t>→ </a:t>
+            </a:r>
+            <a:r>
+              <a:rPr kumimoji="1" lang="en-US" altLang="ja-JP" sz="1800" dirty="0"/>
+              <a:t>C </a:t>
+            </a:r>
+            <a:r>
+              <a:rPr kumimoji="1" lang="ja-JP" altLang="en-US" sz="1800" dirty="0"/>
+              <a:t>の主張を一言にまとめたものを（</a:t>
+            </a:r>
+            <a:r>
+              <a:rPr kumimoji="1" lang="en-US" altLang="ja-JP" sz="1800" dirty="0"/>
+              <a:t>X</a:t>
+            </a:r>
+            <a:r>
+              <a:rPr kumimoji="1" lang="ja-JP" altLang="en-US" sz="1800" dirty="0"/>
+              <a:t>）を作り，その下にぶらさげる</a:t>
+            </a:r>
             <a:br>
               <a:rPr kumimoji="1" lang="en-US" altLang="ja-JP" sz="1800" dirty="0"/>
             </a:br>
-            <a:r>
-              <a:rPr kumimoji="1" lang="en-US" altLang="ja-JP" sz="1800" dirty="0"/>
-              <a:t>X </a:t>
-            </a:r>
-            <a:r>
-              <a:rPr kumimoji="1" lang="ja-JP" altLang="en-US" sz="1800" dirty="0"/>
-              <a:t>に全体をまとめる一言を入れて，その下に並列にぶら下げると良い</a:t>
-            </a:r>
             <a:endParaRPr kumimoji="1" lang="en-US" altLang="ja-JP" sz="1800" dirty="0"/>
           </a:p>
           <a:p>
+            <a:pPr lvl="1"/>
             <a:r>
               <a:rPr kumimoji="1" lang="en-US" altLang="ja-JP" sz="1800" dirty="0"/>
               <a:t>X</a:t>
             </a:r>
             <a:r>
               <a:rPr kumimoji="1" lang="ja-JP" altLang="en-US" sz="1800" dirty="0"/>
-              <a:t>：１項目にぶら下げる項目の数は少なめにする</a:t>
-            </a:r>
-          </a:p>
-          <a:p>
-            <a:pPr lvl="1"/>
-            <a:r>
-              <a:rPr kumimoji="1" lang="en-US" altLang="ja-JP" sz="1800" dirty="0"/>
+              <a:t>：</a:t>
+            </a:r>
+            <a:endParaRPr kumimoji="1" lang="en-US" altLang="ja-JP" sz="1800" dirty="0"/>
+          </a:p>
+          <a:p>
+            <a:pPr lvl="2"/>
+            <a:r>
+              <a:rPr lang="en-US" altLang="ja-JP" sz="1800" dirty="0"/>
               <a:t>A</a:t>
             </a:r>
             <a:r>
-              <a:rPr kumimoji="1" lang="ja-JP" altLang="en-US" sz="1800" dirty="0"/>
-              <a:t>：人間の脳の一時記憶の大きさには限りがある</a:t>
-            </a:r>
-          </a:p>
-          <a:p>
-            <a:pPr lvl="1"/>
-            <a:r>
-              <a:rPr kumimoji="1" lang="en-US" altLang="ja-JP" sz="1800" dirty="0"/>
+              <a:rPr lang="ja-JP" altLang="en-US" sz="1800" dirty="0"/>
+              <a:t>：～</a:t>
+            </a:r>
+            <a:endParaRPr lang="en-US" altLang="ja-JP" sz="1800" dirty="0"/>
+          </a:p>
+          <a:p>
+            <a:pPr lvl="2"/>
+            <a:r>
+              <a:rPr lang="en-US" altLang="ja-JP" sz="1800" dirty="0"/>
               <a:t>B</a:t>
             </a:r>
             <a:r>
-              <a:rPr kumimoji="1" lang="ja-JP" altLang="en-US" sz="1800" dirty="0"/>
-              <a:t>：このため，人間は５～７個以上の事柄を一度に把握できない</a:t>
-            </a:r>
-          </a:p>
-          <a:p>
-            <a:pPr lvl="1"/>
-            <a:r>
-              <a:rPr kumimoji="1" lang="en-US" altLang="ja-JP" sz="1800" dirty="0"/>
+              <a:rPr lang="ja-JP" altLang="en-US" sz="1800" dirty="0"/>
+              <a:t>：～</a:t>
+            </a:r>
+            <a:endParaRPr lang="en-US" altLang="ja-JP" sz="1800" dirty="0"/>
+          </a:p>
+          <a:p>
+            <a:pPr lvl="2"/>
+            <a:r>
+              <a:rPr lang="en-US" altLang="ja-JP" sz="1800" dirty="0"/>
               <a:t>C</a:t>
             </a:r>
             <a:r>
-              <a:rPr kumimoji="1" lang="ja-JP" altLang="en-US" sz="1800" dirty="0"/>
-              <a:t>：したがって，余裕を持って３個程度以内にするのがよい</a:t>
+              <a:rPr lang="ja-JP" altLang="en-US" sz="1800" dirty="0"/>
+              <a:t>：～</a:t>
             </a:r>
             <a:endParaRPr kumimoji="1" lang="en-US" altLang="ja-JP" sz="1800" dirty="0"/>
           </a:p>
@@ -7648,7 +7614,7 @@
     </p:spTree>
     <p:extLst>
       <p:ext uri="{BB962C8B-B14F-4D97-AF65-F5344CB8AC3E}">
-        <p14:creationId xmlns:p14="http://schemas.microsoft.com/office/powerpoint/2010/main" val="2952692009"/>
+        <p14:creationId xmlns:p14="http://schemas.microsoft.com/office/powerpoint/2010/main" val="383915911"/>
       </p:ext>
     </p:extLst>
   </p:cSld>
@@ -7685,10 +7651,10 @@
       </p:grpSpPr>
       <p:sp>
         <p:nvSpPr>
-          <p:cNvPr id="6" name="タイトル 5">
-            <a:extLst>
-              <a:ext uri="{FF2B5EF4-FFF2-40B4-BE49-F238E27FC236}">
-                <a16:creationId xmlns:a16="http://schemas.microsoft.com/office/drawing/2014/main" id="{0C5C5263-A46C-250C-79B4-37EF4633D8AE}"/>
+          <p:cNvPr id="2" name="タイトル 1">
+            <a:extLst>
+              <a:ext uri="{FF2B5EF4-FFF2-40B4-BE49-F238E27FC236}">
+                <a16:creationId xmlns:a16="http://schemas.microsoft.com/office/drawing/2014/main" id="{18633F85-70F7-1520-347A-55817D433DB1}"/>
               </a:ext>
             </a:extLst>
           </p:cNvPr>
@@ -7706,17 +7672,52 @@
           <a:p>
             <a:r>
               <a:rPr kumimoji="1" lang="ja-JP" altLang="en-US" dirty="0"/>
-              <a:t>３点プロットの目次</a:t>
-            </a:r>
-          </a:p>
-        </p:txBody>
-      </p:sp>
-      <p:sp>
-        <p:nvSpPr>
-          <p:cNvPr id="7" name="テキスト プレースホルダー 6">
-            <a:extLst>
-              <a:ext uri="{FF2B5EF4-FFF2-40B4-BE49-F238E27FC236}">
-                <a16:creationId xmlns:a16="http://schemas.microsoft.com/office/drawing/2014/main" id="{12EFEECB-8119-A100-9FB5-F471FDE43EF4}"/>
+              <a:t>演繹の関係にある要素の書き換えの例</a:t>
+            </a:r>
+            <a:br>
+              <a:rPr kumimoji="1" lang="en-US" altLang="ja-JP" dirty="0"/>
+            </a:br>
+            <a:r>
+              <a:rPr kumimoji="1" lang="en-US" altLang="ja-JP" sz="2000" dirty="0"/>
+              <a:t>A</a:t>
+            </a:r>
+            <a:r>
+              <a:rPr kumimoji="1" lang="ja-JP" altLang="en-US" sz="2000" dirty="0"/>
+              <a:t>→</a:t>
+            </a:r>
+            <a:r>
+              <a:rPr kumimoji="1" lang="en-US" altLang="ja-JP" sz="2000" dirty="0"/>
+              <a:t>B</a:t>
+            </a:r>
+            <a:r>
+              <a:rPr kumimoji="1" lang="ja-JP" altLang="en-US" sz="2000" dirty="0"/>
+              <a:t>→</a:t>
+            </a:r>
+            <a:r>
+              <a:rPr kumimoji="1" lang="en-US" altLang="ja-JP" sz="2000" dirty="0"/>
+              <a:t>C </a:t>
+            </a:r>
+            <a:r>
+              <a:rPr kumimoji="1" lang="ja-JP" altLang="en-US" sz="2000" dirty="0"/>
+              <a:t>を </a:t>
+            </a:r>
+            <a:r>
+              <a:rPr kumimoji="1" lang="en-US" altLang="ja-JP" sz="2000" dirty="0"/>
+              <a:t>X </a:t>
+            </a:r>
+            <a:r>
+              <a:rPr kumimoji="1" lang="ja-JP" altLang="en-US" sz="2000" dirty="0"/>
+              <a:t>の下に展開</a:t>
+            </a:r>
+          </a:p>
+        </p:txBody>
+      </p:sp>
+      <p:sp>
+        <p:nvSpPr>
+          <p:cNvPr id="3" name="テキスト プレースホルダー 2">
+            <a:extLst>
+              <a:ext uri="{FF2B5EF4-FFF2-40B4-BE49-F238E27FC236}">
+                <a16:creationId xmlns:a16="http://schemas.microsoft.com/office/drawing/2014/main" id="{5BFE0EBB-6CB2-FCEF-7A6E-3613D8524427}"/>
               </a:ext>
             </a:extLst>
           </p:cNvPr>
@@ -7732,74 +7733,118 @@
           <a:bodyPr/>
           <a:lstStyle/>
           <a:p>
-            <a:pPr marL="457200" indent="-457200">
-              <a:buFont typeface="+mj-lt"/>
-              <a:buAutoNum type="arabicPeriod"/>
+            <a:pPr marL="0" indent="0">
+              <a:buNone/>
             </a:pPr>
             <a:r>
-              <a:rPr kumimoji="1" lang="ja-JP" altLang="en-US" dirty="0"/>
-              <a:t>３点プロットとは</a:t>
-            </a:r>
-            <a:endParaRPr kumimoji="1" lang="en-US" altLang="ja-JP" dirty="0"/>
-          </a:p>
-          <a:p>
-            <a:pPr marL="457200" indent="-457200">
-              <a:buFont typeface="+mj-lt"/>
-              <a:buAutoNum type="arabicPeriod"/>
+              <a:rPr kumimoji="1" lang="ja-JP" altLang="en-US" sz="1800" dirty="0"/>
+              <a:t>各インデントレベルに１つだけ項目がある階段が出来てしまっている</a:t>
+            </a:r>
+            <a:endParaRPr kumimoji="1" lang="en-US" altLang="ja-JP" sz="1800" dirty="0"/>
+          </a:p>
+          <a:p>
+            <a:r>
+              <a:rPr kumimoji="1" lang="en-US" altLang="ja-JP" sz="1800" dirty="0"/>
+              <a:t>A</a:t>
+            </a:r>
+            <a:r>
+              <a:rPr kumimoji="1" lang="ja-JP" altLang="en-US" sz="1800" dirty="0"/>
+              <a:t>：人間の脳の一時記憶の大きさには限りがある</a:t>
+            </a:r>
+          </a:p>
+          <a:p>
+            <a:pPr lvl="1"/>
+            <a:r>
+              <a:rPr kumimoji="1" lang="en-US" altLang="ja-JP" sz="1800" dirty="0"/>
+              <a:t>B</a:t>
+            </a:r>
+            <a:r>
+              <a:rPr kumimoji="1" lang="ja-JP" altLang="en-US" sz="1800" dirty="0"/>
+              <a:t>：このため，人間は５～７個以上の事柄を一度に把握できない</a:t>
+            </a:r>
+          </a:p>
+          <a:p>
+            <a:pPr lvl="2"/>
+            <a:r>
+              <a:rPr kumimoji="1" lang="en-US" altLang="ja-JP" sz="1800" dirty="0"/>
+              <a:t>C</a:t>
+            </a:r>
+            <a:r>
+              <a:rPr kumimoji="1" lang="ja-JP" altLang="en-US" sz="1800" dirty="0"/>
+              <a:t>：したがって，余裕を持って３個程度以内にするのがよい</a:t>
+            </a:r>
+            <a:endParaRPr kumimoji="1" lang="en-US" altLang="ja-JP" sz="1800" dirty="0"/>
+          </a:p>
+          <a:p>
+            <a:pPr marL="0" indent="0">
+              <a:buNone/>
             </a:pPr>
-            <a:r>
-              <a:rPr kumimoji="1" lang="ja-JP" altLang="en-US" dirty="0"/>
-              <a:t>作り方</a:t>
-            </a:r>
-            <a:endParaRPr kumimoji="1" lang="en-US" altLang="ja-JP" dirty="0"/>
-          </a:p>
-          <a:p>
-            <a:pPr marL="817200" lvl="1" indent="-457200">
-              <a:buFont typeface="+mj-lt"/>
-              <a:buAutoNum type="arabicPeriod"/>
-            </a:pPr>
-            <a:r>
-              <a:rPr kumimoji="1" lang="ja-JP" altLang="en-US" dirty="0"/>
-              <a:t>内容のまとめかた</a:t>
-            </a:r>
-            <a:endParaRPr kumimoji="1" lang="en-US" altLang="ja-JP" dirty="0"/>
-          </a:p>
-          <a:p>
-            <a:pPr marL="817200" lvl="1" indent="-457200">
-              <a:buFont typeface="+mj-lt"/>
-              <a:buAutoNum type="arabicPeriod"/>
-            </a:pPr>
-            <a:r>
-              <a:rPr kumimoji="1" lang="ja-JP" altLang="en-US" dirty="0"/>
-              <a:t>箇条書きを作る上でのポイント</a:t>
-            </a:r>
-            <a:endParaRPr kumimoji="1" lang="en-US" altLang="ja-JP" dirty="0"/>
-          </a:p>
-          <a:p>
-            <a:pPr marL="457200" indent="-457200">
-              <a:buFont typeface="+mj-lt"/>
-              <a:buAutoNum type="arabicPeriod"/>
-            </a:pPr>
-            <a:r>
-              <a:rPr kumimoji="1" lang="ja-JP" altLang="en-US" dirty="0">
-                <a:solidFill>
-                  <a:schemeClr val="accent5"/>
-                </a:solidFill>
-              </a:rPr>
-              <a:t>余談：なぜ箇条書きにまとめるのか？</a:t>
-            </a:r>
-            <a:endParaRPr kumimoji="1" lang="en-US" altLang="ja-JP" dirty="0">
-              <a:solidFill>
-                <a:schemeClr val="accent5"/>
-              </a:solidFill>
-            </a:endParaRPr>
+            <a:br>
+              <a:rPr kumimoji="1" lang="en-US" altLang="ja-JP" sz="1800" dirty="0"/>
+            </a:br>
+            <a:br>
+              <a:rPr kumimoji="1" lang="en-US" altLang="ja-JP" sz="1800" dirty="0"/>
+            </a:br>
+            <a:r>
+              <a:rPr kumimoji="1" lang="en-US" altLang="ja-JP" sz="1800" dirty="0"/>
+              <a:t>X </a:t>
+            </a:r>
+            <a:r>
+              <a:rPr kumimoji="1" lang="ja-JP" altLang="en-US" sz="1800" dirty="0"/>
+              <a:t>に全体をまとめる一言を入れて，その下に並列にぶら下げると良い</a:t>
+            </a:r>
+            <a:endParaRPr kumimoji="1" lang="en-US" altLang="ja-JP" sz="1800" dirty="0"/>
+          </a:p>
+          <a:p>
+            <a:r>
+              <a:rPr kumimoji="1" lang="en-US" altLang="ja-JP" sz="1800" dirty="0"/>
+              <a:t>X</a:t>
+            </a:r>
+            <a:r>
+              <a:rPr kumimoji="1" lang="ja-JP" altLang="en-US" sz="1800" dirty="0"/>
+              <a:t>：１項目にぶら下げる項目の数は少なめにする</a:t>
+            </a:r>
+          </a:p>
+          <a:p>
+            <a:pPr lvl="1"/>
+            <a:r>
+              <a:rPr kumimoji="1" lang="en-US" altLang="ja-JP" sz="1800" dirty="0"/>
+              <a:t>A</a:t>
+            </a:r>
+            <a:r>
+              <a:rPr kumimoji="1" lang="ja-JP" altLang="en-US" sz="1800" dirty="0"/>
+              <a:t>：人間の脳の一時記憶の大きさには限りがある</a:t>
+            </a:r>
+          </a:p>
+          <a:p>
+            <a:pPr lvl="1"/>
+            <a:r>
+              <a:rPr kumimoji="1" lang="en-US" altLang="ja-JP" sz="1800" dirty="0"/>
+              <a:t>B</a:t>
+            </a:r>
+            <a:r>
+              <a:rPr kumimoji="1" lang="ja-JP" altLang="en-US" sz="1800" dirty="0"/>
+              <a:t>：このため，人間は５～７個以上の事柄を一度に把握できない</a:t>
+            </a:r>
+          </a:p>
+          <a:p>
+            <a:pPr lvl="1"/>
+            <a:r>
+              <a:rPr kumimoji="1" lang="en-US" altLang="ja-JP" sz="1800" dirty="0"/>
+              <a:t>C</a:t>
+            </a:r>
+            <a:r>
+              <a:rPr kumimoji="1" lang="ja-JP" altLang="en-US" sz="1800" dirty="0"/>
+              <a:t>：したがって，余裕を持って３個程度以内にするのがよい</a:t>
+            </a:r>
+            <a:endParaRPr kumimoji="1" lang="en-US" altLang="ja-JP" sz="1800" dirty="0"/>
           </a:p>
         </p:txBody>
       </p:sp>
     </p:spTree>
     <p:extLst>
       <p:ext uri="{BB962C8B-B14F-4D97-AF65-F5344CB8AC3E}">
-        <p14:creationId xmlns:p14="http://schemas.microsoft.com/office/powerpoint/2010/main" val="2145350165"/>
+        <p14:creationId xmlns:p14="http://schemas.microsoft.com/office/powerpoint/2010/main" val="2952692009"/>
       </p:ext>
     </p:extLst>
   </p:cSld>
@@ -7836,6 +7881,157 @@
       </p:grpSpPr>
       <p:sp>
         <p:nvSpPr>
+          <p:cNvPr id="6" name="タイトル 5">
+            <a:extLst>
+              <a:ext uri="{FF2B5EF4-FFF2-40B4-BE49-F238E27FC236}">
+                <a16:creationId xmlns:a16="http://schemas.microsoft.com/office/drawing/2014/main" id="{0C5C5263-A46C-250C-79B4-37EF4633D8AE}"/>
+              </a:ext>
+            </a:extLst>
+          </p:cNvPr>
+          <p:cNvSpPr>
+            <a:spLocks noGrp="1"/>
+          </p:cNvSpPr>
+          <p:nvPr>
+            <p:ph type="title"/>
+          </p:nvPr>
+        </p:nvSpPr>
+        <p:spPr/>
+        <p:txBody>
+          <a:bodyPr/>
+          <a:lstStyle/>
+          <a:p>
+            <a:r>
+              <a:rPr kumimoji="1" lang="ja-JP" altLang="en-US" dirty="0"/>
+              <a:t>３点プロットの目次</a:t>
+            </a:r>
+          </a:p>
+        </p:txBody>
+      </p:sp>
+      <p:sp>
+        <p:nvSpPr>
+          <p:cNvPr id="7" name="テキスト プレースホルダー 6">
+            <a:extLst>
+              <a:ext uri="{FF2B5EF4-FFF2-40B4-BE49-F238E27FC236}">
+                <a16:creationId xmlns:a16="http://schemas.microsoft.com/office/drawing/2014/main" id="{12EFEECB-8119-A100-9FB5-F471FDE43EF4}"/>
+              </a:ext>
+            </a:extLst>
+          </p:cNvPr>
+          <p:cNvSpPr>
+            <a:spLocks noGrp="1"/>
+          </p:cNvSpPr>
+          <p:nvPr>
+            <p:ph type="body" sz="quarter" idx="10"/>
+          </p:nvPr>
+        </p:nvSpPr>
+        <p:spPr/>
+        <p:txBody>
+          <a:bodyPr/>
+          <a:lstStyle/>
+          <a:p>
+            <a:pPr marL="457200" indent="-457200">
+              <a:buFont typeface="+mj-lt"/>
+              <a:buAutoNum type="arabicPeriod"/>
+            </a:pPr>
+            <a:r>
+              <a:rPr kumimoji="1" lang="ja-JP" altLang="en-US" dirty="0"/>
+              <a:t>３点プロットとは</a:t>
+            </a:r>
+            <a:endParaRPr kumimoji="1" lang="en-US" altLang="ja-JP" dirty="0"/>
+          </a:p>
+          <a:p>
+            <a:pPr marL="457200" indent="-457200">
+              <a:buFont typeface="+mj-lt"/>
+              <a:buAutoNum type="arabicPeriod"/>
+            </a:pPr>
+            <a:r>
+              <a:rPr kumimoji="1" lang="ja-JP" altLang="en-US" dirty="0"/>
+              <a:t>作り方</a:t>
+            </a:r>
+            <a:endParaRPr kumimoji="1" lang="en-US" altLang="ja-JP" dirty="0"/>
+          </a:p>
+          <a:p>
+            <a:pPr marL="817200" lvl="1" indent="-457200">
+              <a:buFont typeface="+mj-lt"/>
+              <a:buAutoNum type="arabicPeriod"/>
+            </a:pPr>
+            <a:r>
+              <a:rPr kumimoji="1" lang="ja-JP" altLang="en-US" dirty="0"/>
+              <a:t>内容のまとめかた</a:t>
+            </a:r>
+            <a:endParaRPr kumimoji="1" lang="en-US" altLang="ja-JP" dirty="0"/>
+          </a:p>
+          <a:p>
+            <a:pPr marL="817200" lvl="1" indent="-457200">
+              <a:buFont typeface="+mj-lt"/>
+              <a:buAutoNum type="arabicPeriod"/>
+            </a:pPr>
+            <a:r>
+              <a:rPr kumimoji="1" lang="ja-JP" altLang="en-US" dirty="0"/>
+              <a:t>箇条書きを作る上でのポイント</a:t>
+            </a:r>
+            <a:endParaRPr kumimoji="1" lang="en-US" altLang="ja-JP" dirty="0"/>
+          </a:p>
+          <a:p>
+            <a:pPr marL="457200" indent="-457200">
+              <a:buFont typeface="+mj-lt"/>
+              <a:buAutoNum type="arabicPeriod"/>
+            </a:pPr>
+            <a:r>
+              <a:rPr kumimoji="1" lang="ja-JP" altLang="en-US" dirty="0">
+                <a:solidFill>
+                  <a:schemeClr val="accent5"/>
+                </a:solidFill>
+              </a:rPr>
+              <a:t>余談：なぜ箇条書きにまとめるのか？</a:t>
+            </a:r>
+            <a:endParaRPr kumimoji="1" lang="en-US" altLang="ja-JP" dirty="0">
+              <a:solidFill>
+                <a:schemeClr val="accent5"/>
+              </a:solidFill>
+            </a:endParaRPr>
+          </a:p>
+        </p:txBody>
+      </p:sp>
+    </p:spTree>
+    <p:extLst>
+      <p:ext uri="{BB962C8B-B14F-4D97-AF65-F5344CB8AC3E}">
+        <p14:creationId xmlns:p14="http://schemas.microsoft.com/office/powerpoint/2010/main" val="2145350165"/>
+      </p:ext>
+    </p:extLst>
+  </p:cSld>
+  <p:clrMapOvr>
+    <a:masterClrMapping/>
+  </p:clrMapOvr>
+  <mc:AlternateContent xmlns:mc="http://schemas.openxmlformats.org/markup-compatibility/2006" xmlns:p14="http://schemas.microsoft.com/office/powerpoint/2010/main">
+    <mc:Choice Requires="p14">
+      <p:transition p14:dur="10"/>
+    </mc:Choice>
+    <mc:Fallback xmlns="">
+      <p:transition/>
+    </mc:Fallback>
+  </mc:AlternateContent>
+</p:sld>
+</file>
+
+<file path=ppt/slides/slide34.xml><?xml version="1.0" encoding="utf-8"?>
+<p:sld xmlns:a="http://schemas.openxmlformats.org/drawingml/2006/main" xmlns:r="http://schemas.openxmlformats.org/officeDocument/2006/relationships" xmlns:p="http://schemas.openxmlformats.org/presentationml/2006/main">
+  <p:cSld>
+    <p:spTree>
+      <p:nvGrpSpPr>
+        <p:cNvPr id="1" name=""/>
+        <p:cNvGrpSpPr/>
+        <p:nvPr/>
+      </p:nvGrpSpPr>
+      <p:grpSpPr>
+        <a:xfrm>
+          <a:off x="0" y="0"/>
+          <a:ext cx="0" cy="0"/>
+          <a:chOff x="0" y="0"/>
+          <a:chExt cx="0" cy="0"/>
+        </a:xfrm>
+      </p:grpSpPr>
+      <p:sp>
+        <p:nvSpPr>
           <p:cNvPr id="2" name="タイトル 1">
             <a:extLst>
               <a:ext uri="{FF2B5EF4-FFF2-40B4-BE49-F238E27FC236}">
@@ -7981,7 +8177,7 @@
 </p:sld>
 </file>
 
-<file path=ppt/slides/slide34.xml><?xml version="1.0" encoding="utf-8"?>
+<file path=ppt/slides/slide35.xml><?xml version="1.0" encoding="utf-8"?>
 <p:sld xmlns:a="http://schemas.openxmlformats.org/drawingml/2006/main" xmlns:r="http://schemas.openxmlformats.org/officeDocument/2006/relationships" xmlns:p="http://schemas.openxmlformats.org/presentationml/2006/main">
   <p:cSld>
     <p:spTree>
@@ -10902,170 +11098,6 @@
 </p:sld>
 </file>
 
-<file path=ppt/slides/slide35.xml><?xml version="1.0" encoding="utf-8"?>
-<p:sld xmlns:a="http://schemas.openxmlformats.org/drawingml/2006/main" xmlns:r="http://schemas.openxmlformats.org/officeDocument/2006/relationships" xmlns:p="http://schemas.openxmlformats.org/presentationml/2006/main">
-  <p:cSld>
-    <p:spTree>
-      <p:nvGrpSpPr>
-        <p:cNvPr id="1" name=""/>
-        <p:cNvGrpSpPr/>
-        <p:nvPr/>
-      </p:nvGrpSpPr>
-      <p:grpSpPr>
-        <a:xfrm>
-          <a:off x="0" y="0"/>
-          <a:ext cx="0" cy="0"/>
-          <a:chOff x="0" y="0"/>
-          <a:chExt cx="0" cy="0"/>
-        </a:xfrm>
-      </p:grpSpPr>
-      <p:sp>
-        <p:nvSpPr>
-          <p:cNvPr id="2" name="タイトル 1">
-            <a:extLst>
-              <a:ext uri="{FF2B5EF4-FFF2-40B4-BE49-F238E27FC236}">
-                <a16:creationId xmlns:a16="http://schemas.microsoft.com/office/drawing/2014/main" id="{3E23F118-75F0-BDFC-5FFA-F5FE41C7BF81}"/>
-              </a:ext>
-            </a:extLst>
-          </p:cNvPr>
-          <p:cNvSpPr>
-            <a:spLocks noGrp="1"/>
-          </p:cNvSpPr>
-          <p:nvPr>
-            <p:ph type="title"/>
-          </p:nvPr>
-        </p:nvSpPr>
-        <p:spPr/>
-        <p:txBody>
-          <a:bodyPr/>
-          <a:lstStyle/>
-          <a:p>
-            <a:r>
-              <a:rPr kumimoji="1" lang="ja-JP" altLang="en-US" dirty="0"/>
-              <a:t>階層化を意識することの重要さ</a:t>
-            </a:r>
-          </a:p>
-        </p:txBody>
-      </p:sp>
-      <p:sp>
-        <p:nvSpPr>
-          <p:cNvPr id="3" name="テキスト プレースホルダー 2">
-            <a:extLst>
-              <a:ext uri="{FF2B5EF4-FFF2-40B4-BE49-F238E27FC236}">
-                <a16:creationId xmlns:a16="http://schemas.microsoft.com/office/drawing/2014/main" id="{E4ECAB0C-7CCC-15B8-FC24-9C791856E219}"/>
-              </a:ext>
-            </a:extLst>
-          </p:cNvPr>
-          <p:cNvSpPr>
-            <a:spLocks noGrp="1"/>
-          </p:cNvSpPr>
-          <p:nvPr>
-            <p:ph type="body" sz="quarter" idx="10"/>
-          </p:nvPr>
-        </p:nvSpPr>
-        <p:spPr/>
-        <p:txBody>
-          <a:bodyPr/>
-          <a:lstStyle/>
-          <a:p>
-            <a:r>
-              <a:rPr kumimoji="1" lang="ja-JP" altLang="en-US" dirty="0"/>
-              <a:t>論理の階層化は，複雑な事象を考えるための必須スキル</a:t>
-            </a:r>
-            <a:endParaRPr kumimoji="1" lang="en-US" altLang="ja-JP" dirty="0"/>
-          </a:p>
-          <a:p>
-            <a:pPr lvl="1"/>
-            <a:r>
-              <a:rPr kumimoji="1" lang="ja-JP" altLang="en-US" dirty="0"/>
-              <a:t>思考の規模をスケールさせる事ができる</a:t>
-            </a:r>
-            <a:endParaRPr kumimoji="1" lang="en-US" altLang="ja-JP" dirty="0"/>
-          </a:p>
-          <a:p>
-            <a:pPr lvl="1"/>
-            <a:r>
-              <a:rPr kumimoji="1" lang="ja-JP" altLang="en-US" dirty="0"/>
-              <a:t>一定以上の経験をもつ人は，普段の思考からこの階層化を行っていると思って良い</a:t>
-            </a:r>
-            <a:endParaRPr kumimoji="1" lang="en-US" altLang="ja-JP" dirty="0"/>
-          </a:p>
-          <a:p>
-            <a:r>
-              <a:rPr kumimoji="1" lang="ja-JP" altLang="en-US" dirty="0"/>
-              <a:t>なので，まともな論文や説明は階層化された形で書かれている</a:t>
-            </a:r>
-            <a:endParaRPr kumimoji="1" lang="en-US" altLang="ja-JP" dirty="0"/>
-          </a:p>
-          <a:p>
-            <a:r>
-              <a:rPr kumimoji="1" lang="ja-JP" altLang="en-US" dirty="0"/>
-              <a:t>逆に，この階層化がなされていない説明を読むことは苦痛である</a:t>
-            </a:r>
-            <a:endParaRPr kumimoji="1" lang="en-US" altLang="ja-JP" dirty="0"/>
-          </a:p>
-          <a:p>
-            <a:pPr lvl="1"/>
-            <a:r>
-              <a:rPr kumimoji="1" lang="ja-JP" altLang="en-US" dirty="0">
-                <a:solidFill>
-                  <a:schemeClr val="accent5"/>
-                </a:solidFill>
-              </a:rPr>
-              <a:t>誤字脱字文法ミスだらけの文章を読まされるのと同等以上の</a:t>
-            </a:r>
-            <a:br>
-              <a:rPr kumimoji="1" lang="en-US" altLang="ja-JP" dirty="0">
-                <a:solidFill>
-                  <a:schemeClr val="accent5"/>
-                </a:solidFill>
-              </a:rPr>
-            </a:br>
-            <a:r>
-              <a:rPr kumimoji="1" lang="ja-JP" altLang="en-US" dirty="0">
-                <a:solidFill>
-                  <a:schemeClr val="accent5"/>
-                </a:solidFill>
-              </a:rPr>
-              <a:t>きつさがある</a:t>
-            </a:r>
-            <a:endParaRPr kumimoji="1" lang="en-US" altLang="ja-JP" dirty="0">
-              <a:solidFill>
-                <a:schemeClr val="accent5"/>
-              </a:solidFill>
-            </a:endParaRPr>
-          </a:p>
-          <a:p>
-            <a:pPr lvl="1"/>
-            <a:r>
-              <a:rPr kumimoji="1" lang="ja-JP" altLang="en-US" dirty="0"/>
-              <a:t>査読者などの読み手はそう感じると想定してほしい</a:t>
-            </a:r>
-            <a:endParaRPr kumimoji="1" lang="en-US" altLang="ja-JP" dirty="0"/>
-          </a:p>
-        </p:txBody>
-      </p:sp>
-    </p:spTree>
-    <p:extLst>
-      <p:ext uri="{BB962C8B-B14F-4D97-AF65-F5344CB8AC3E}">
-        <p14:creationId xmlns:p14="http://schemas.microsoft.com/office/powerpoint/2010/main" val="1293870336"/>
-      </p:ext>
-    </p:extLst>
-  </p:cSld>
-  <p:clrMapOvr>
-    <a:masterClrMapping/>
-  </p:clrMapOvr>
-  <mc:AlternateContent xmlns:mc="http://schemas.openxmlformats.org/markup-compatibility/2006" xmlns:p14="http://schemas.microsoft.com/office/powerpoint/2010/main">
-    <mc:Choice Requires="p14">
-      <p:transition p14:dur="10"/>
-    </mc:Choice>
-    <mc:Fallback xmlns="">
-      <p:transition/>
-    </mc:Fallback>
-  </mc:AlternateContent>
-</p:sld>
-</file>
-
 <file path=ppt/slides/slide36.xml><?xml version="1.0" encoding="utf-8"?>
 <p:sld xmlns:a="http://schemas.openxmlformats.org/drawingml/2006/main" xmlns:r="http://schemas.openxmlformats.org/officeDocument/2006/relationships" xmlns:p="http://schemas.openxmlformats.org/presentationml/2006/main">
   <p:cSld>
@@ -11088,7 +11120,7 @@
           <p:cNvPr id="2" name="タイトル 1">
             <a:extLst>
               <a:ext uri="{FF2B5EF4-FFF2-40B4-BE49-F238E27FC236}">
-                <a16:creationId xmlns:a16="http://schemas.microsoft.com/office/drawing/2014/main" id="{EF611EE5-3E11-1E17-9A26-488B18EDA4C5}"/>
+                <a16:creationId xmlns:a16="http://schemas.microsoft.com/office/drawing/2014/main" id="{3E23F118-75F0-BDFC-5FFA-F5FE41C7BF81}"/>
               </a:ext>
             </a:extLst>
           </p:cNvPr>
@@ -11106,7 +11138,7 @@
           <a:p>
             <a:r>
               <a:rPr kumimoji="1" lang="ja-JP" altLang="en-US" dirty="0"/>
-              <a:t>参考</a:t>
+              <a:t>階層化を意識することの重要さ</a:t>
             </a:r>
           </a:p>
         </p:txBody>
@@ -11116,7 +11148,7 @@
           <p:cNvPr id="3" name="テキスト プレースホルダー 2">
             <a:extLst>
               <a:ext uri="{FF2B5EF4-FFF2-40B4-BE49-F238E27FC236}">
-                <a16:creationId xmlns:a16="http://schemas.microsoft.com/office/drawing/2014/main" id="{5B034FA1-AC07-C3CF-FEAE-79C1971E6E74}"/>
+                <a16:creationId xmlns:a16="http://schemas.microsoft.com/office/drawing/2014/main" id="{E4ECAB0C-7CCC-15B8-FC24-9C791856E219}"/>
               </a:ext>
             </a:extLst>
           </p:cNvPr>
@@ -11133,112 +11165,86 @@
           <a:lstStyle/>
           <a:p>
             <a:r>
-              <a:rPr kumimoji="1" lang="ja-JP" altLang="en-US" sz="1800" dirty="0"/>
-              <a:t>バーバラ ミント：</a:t>
+              <a:rPr kumimoji="1" lang="ja-JP" altLang="en-US" dirty="0"/>
+              <a:t>論理の階層化は，複雑な事象を考えるための必須スキル</a:t>
+            </a:r>
+            <a:endParaRPr kumimoji="1" lang="en-US" altLang="ja-JP" dirty="0"/>
+          </a:p>
+          <a:p>
+            <a:pPr lvl="1"/>
+            <a:r>
+              <a:rPr kumimoji="1" lang="ja-JP" altLang="en-US" dirty="0"/>
+              <a:t>思考の規模をスケールさせる事ができる</a:t>
+            </a:r>
+            <a:endParaRPr kumimoji="1" lang="en-US" altLang="ja-JP" dirty="0"/>
+          </a:p>
+          <a:p>
+            <a:pPr lvl="1"/>
+            <a:r>
+              <a:rPr kumimoji="1" lang="ja-JP" altLang="en-US" dirty="0"/>
+              <a:t>一定以上の経験をもつ人は，普段の思考からこの階層化を行っていると思って良い</a:t>
+            </a:r>
+            <a:endParaRPr kumimoji="1" lang="en-US" altLang="ja-JP" dirty="0"/>
+          </a:p>
+          <a:p>
+            <a:r>
+              <a:rPr kumimoji="1" lang="ja-JP" altLang="en-US" dirty="0"/>
+              <a:t>なので，まともな論文や説明は階層化された形で書かれている</a:t>
+            </a:r>
+            <a:endParaRPr kumimoji="1" lang="en-US" altLang="ja-JP" dirty="0"/>
+          </a:p>
+          <a:p>
+            <a:r>
+              <a:rPr kumimoji="1" lang="ja-JP" altLang="en-US" dirty="0"/>
+              <a:t>逆に，この階層化がなされていない説明を読むことは苦痛である</a:t>
+            </a:r>
+            <a:endParaRPr kumimoji="1" lang="en-US" altLang="ja-JP" dirty="0"/>
+          </a:p>
+          <a:p>
+            <a:pPr lvl="1"/>
+            <a:r>
+              <a:rPr kumimoji="1" lang="ja-JP" altLang="en-US" dirty="0">
+                <a:solidFill>
+                  <a:schemeClr val="accent5"/>
+                </a:solidFill>
+              </a:rPr>
+              <a:t>誤字脱字文法ミスだらけの文章を読まされるのと同等以上の</a:t>
             </a:r>
             <a:br>
-              <a:rPr kumimoji="1" lang="en-US" altLang="ja-JP" sz="1800" dirty="0"/>
+              <a:rPr kumimoji="1" lang="en-US" altLang="ja-JP" dirty="0">
+                <a:solidFill>
+                  <a:schemeClr val="accent5"/>
+                </a:solidFill>
+              </a:rPr>
             </a:br>
             <a:r>
-              <a:rPr kumimoji="1" lang="ja-JP" altLang="en-US" sz="1800" dirty="0"/>
-              <a:t>「考える技術・書く技術</a:t>
-            </a:r>
-            <a:r>
-              <a:rPr kumimoji="1" lang="en-US" altLang="ja-JP" sz="1800" dirty="0"/>
-              <a:t>―</a:t>
-            </a:r>
-            <a:r>
-              <a:rPr kumimoji="1" lang="ja-JP" altLang="en-US" sz="1800" dirty="0"/>
-              <a:t>問題解決力を伸ばすピラミッド原則」</a:t>
-            </a:r>
-            <a:br>
-              <a:rPr kumimoji="1" lang="en-US" altLang="ja-JP" sz="1800" dirty="0"/>
-            </a:br>
-            <a:r>
-              <a:rPr kumimoji="1" lang="ja-JP" altLang="en-US" sz="1800" dirty="0"/>
-              <a:t>（原題：</a:t>
-            </a:r>
-            <a:r>
-              <a:rPr kumimoji="1" lang="en-US" altLang="ja-JP" sz="1800" dirty="0"/>
-              <a:t>The Pyramid Principle: Logic in Writing and Thinking</a:t>
-            </a:r>
-            <a:r>
-              <a:rPr kumimoji="1" lang="ja-JP" altLang="en-US" sz="1800" dirty="0"/>
-              <a:t>）</a:t>
-            </a:r>
-            <a:br>
-              <a:rPr kumimoji="1" lang="en-US" altLang="ja-JP" sz="1800" dirty="0"/>
-            </a:br>
-            <a:endParaRPr kumimoji="1" lang="en-US" altLang="ja-JP" sz="1800" dirty="0"/>
+              <a:rPr kumimoji="1" lang="ja-JP" altLang="en-US" dirty="0">
+                <a:solidFill>
+                  <a:schemeClr val="accent5"/>
+                </a:solidFill>
+              </a:rPr>
+              <a:t>きつさがある</a:t>
+            </a:r>
+            <a:endParaRPr kumimoji="1" lang="en-US" altLang="ja-JP" dirty="0">
+              <a:solidFill>
+                <a:schemeClr val="accent5"/>
+              </a:solidFill>
+            </a:endParaRPr>
           </a:p>
           <a:p>
             <a:pPr lvl="1"/>
             <a:r>
-              <a:rPr kumimoji="1" lang="ja-JP" altLang="en-US" sz="1800" dirty="0"/>
-              <a:t>思考や文章を書く際の論理の階層化について書かれている</a:t>
-            </a:r>
-            <a:endParaRPr kumimoji="1" lang="en-US" altLang="ja-JP" sz="1800" dirty="0"/>
-          </a:p>
-          <a:p>
-            <a:pPr lvl="1"/>
-            <a:r>
-              <a:rPr kumimoji="1" lang="ja-JP" altLang="en-US" sz="1800" dirty="0"/>
-              <a:t>マッキンゼー社内でライティング指導をしていた方が書いている</a:t>
-            </a:r>
-            <a:endParaRPr kumimoji="1" lang="en-US" altLang="ja-JP" sz="1800" dirty="0"/>
-          </a:p>
-          <a:p>
-            <a:pPr lvl="1"/>
-            <a:r>
-              <a:rPr kumimoji="1" lang="ja-JP" altLang="en-US" sz="1800" dirty="0"/>
-              <a:t>このページまで読んできた人は，「ピラミッド」が何を意味するのかは察しがつくのでは</a:t>
-            </a:r>
-            <a:endParaRPr kumimoji="1" lang="en-US" altLang="ja-JP" sz="1800" dirty="0"/>
-          </a:p>
-          <a:p>
-            <a:r>
-              <a:rPr kumimoji="1" lang="ja-JP" altLang="en-US" sz="1800" dirty="0"/>
-              <a:t>塩谷の感想（読んだのは</a:t>
-            </a:r>
-            <a:r>
-              <a:rPr kumimoji="1" lang="en-US" altLang="ja-JP" sz="1800" dirty="0"/>
-              <a:t>10</a:t>
-            </a:r>
-            <a:r>
-              <a:rPr kumimoji="1" lang="ja-JP" altLang="en-US" sz="1800" dirty="0"/>
-              <a:t>年以上前だが）</a:t>
-            </a:r>
-            <a:endParaRPr kumimoji="1" lang="en-US" altLang="ja-JP" sz="1800" dirty="0"/>
-          </a:p>
-          <a:p>
-            <a:pPr lvl="1"/>
-            <a:r>
-              <a:rPr kumimoji="1" lang="ja-JP" altLang="en-US" sz="1800" dirty="0"/>
-              <a:t>翻訳版はかなり読みづらいし，内容もかなり冗長さを感じる</a:t>
-            </a:r>
-            <a:endParaRPr kumimoji="1" lang="en-US" altLang="ja-JP" sz="1800" dirty="0"/>
-          </a:p>
-          <a:p>
-            <a:pPr lvl="1"/>
-            <a:r>
-              <a:rPr kumimoji="1" lang="ja-JP" altLang="en-US" sz="1800" dirty="0"/>
-              <a:t>でも大事なことが書かれていると思う</a:t>
-            </a:r>
-            <a:endParaRPr kumimoji="1" lang="en-US" altLang="ja-JP" sz="1800" dirty="0"/>
-          </a:p>
-          <a:p>
-            <a:pPr lvl="1"/>
-            <a:r>
-              <a:rPr kumimoji="1" lang="ja-JP" altLang="en-US" sz="1800" dirty="0"/>
-              <a:t>後述の「理科系の作文技術」と，もっとも大事な部分では同じ事を言っていると思う</a:t>
-            </a:r>
+              <a:rPr kumimoji="1" lang="ja-JP" altLang="en-US" dirty="0"/>
+              <a:t>査読者などの読み手はそう感じると想定してほしい</a:t>
+            </a:r>
+            <a:endParaRPr kumimoji="1" lang="en-US" altLang="ja-JP" dirty="0"/>
           </a:p>
         </p:txBody>
       </p:sp>
     </p:spTree>
     <p:extLst>
       <p:ext uri="{BB962C8B-B14F-4D97-AF65-F5344CB8AC3E}">
-        <p14:creationId xmlns:p14="http://schemas.microsoft.com/office/powerpoint/2010/main" val="1201039015"/>
+        <p14:creationId xmlns:p14="http://schemas.microsoft.com/office/powerpoint/2010/main" val="1293870336"/>
       </p:ext>
     </p:extLst>
   </p:cSld>
@@ -11275,10 +11281,10 @@
       </p:grpSpPr>
       <p:sp>
         <p:nvSpPr>
-          <p:cNvPr id="4" name="タイトル 3">
-            <a:extLst>
-              <a:ext uri="{FF2B5EF4-FFF2-40B4-BE49-F238E27FC236}">
-                <a16:creationId xmlns:a16="http://schemas.microsoft.com/office/drawing/2014/main" id="{84F42E09-269D-6700-69C9-4DCC825C99A7}"/>
+          <p:cNvPr id="2" name="タイトル 1">
+            <a:extLst>
+              <a:ext uri="{FF2B5EF4-FFF2-40B4-BE49-F238E27FC236}">
+                <a16:creationId xmlns:a16="http://schemas.microsoft.com/office/drawing/2014/main" id="{EF611EE5-3E11-1E17-9A26-488B18EDA4C5}"/>
               </a:ext>
             </a:extLst>
           </p:cNvPr>
@@ -11295,8 +11301,132 @@
           <a:lstStyle/>
           <a:p>
             <a:r>
-              <a:rPr lang="ja-JP" altLang="en-US" b="1" dirty="0"/>
-              <a:t>目標規定文</a:t>
+              <a:rPr kumimoji="1" lang="ja-JP" altLang="en-US" dirty="0"/>
+              <a:t>参考</a:t>
+            </a:r>
+          </a:p>
+        </p:txBody>
+      </p:sp>
+      <p:sp>
+        <p:nvSpPr>
+          <p:cNvPr id="3" name="テキスト プレースホルダー 2">
+            <a:extLst>
+              <a:ext uri="{FF2B5EF4-FFF2-40B4-BE49-F238E27FC236}">
+                <a16:creationId xmlns:a16="http://schemas.microsoft.com/office/drawing/2014/main" id="{5B034FA1-AC07-C3CF-FEAE-79C1971E6E74}"/>
+              </a:ext>
+            </a:extLst>
+          </p:cNvPr>
+          <p:cNvSpPr>
+            <a:spLocks noGrp="1"/>
+          </p:cNvSpPr>
+          <p:nvPr>
+            <p:ph type="body" sz="quarter" idx="10"/>
+          </p:nvPr>
+        </p:nvSpPr>
+        <p:spPr/>
+        <p:txBody>
+          <a:bodyPr/>
+          <a:lstStyle/>
+          <a:p>
+            <a:r>
+              <a:rPr kumimoji="1" lang="ja-JP" altLang="en-US" sz="1800" dirty="0"/>
+              <a:t>バーバラ ミント：</a:t>
+            </a:r>
+            <a:br>
+              <a:rPr kumimoji="1" lang="en-US" altLang="ja-JP" sz="1800" dirty="0"/>
+            </a:br>
+            <a:r>
+              <a:rPr kumimoji="1" lang="ja-JP" altLang="en-US" sz="1800" dirty="0"/>
+              <a:t>「考える技術・書く技術</a:t>
+            </a:r>
+            <a:r>
+              <a:rPr kumimoji="1" lang="en-US" altLang="ja-JP" sz="1800" dirty="0"/>
+              <a:t>―</a:t>
+            </a:r>
+            <a:r>
+              <a:rPr kumimoji="1" lang="ja-JP" altLang="en-US" sz="1800" dirty="0"/>
+              <a:t>問題解決力を伸ばすピラミッド原則」</a:t>
+            </a:r>
+            <a:br>
+              <a:rPr kumimoji="1" lang="en-US" altLang="ja-JP" sz="1800" dirty="0"/>
+            </a:br>
+            <a:r>
+              <a:rPr kumimoji="1" lang="ja-JP" altLang="en-US" sz="1800" dirty="0"/>
+              <a:t>（原題：</a:t>
+            </a:r>
+            <a:r>
+              <a:rPr kumimoji="1" lang="en-US" altLang="ja-JP" sz="1800" dirty="0"/>
+              <a:t>The Pyramid Principle: Logic in Writing and Thinking</a:t>
+            </a:r>
+            <a:r>
+              <a:rPr kumimoji="1" lang="ja-JP" altLang="en-US" sz="1800" dirty="0"/>
+              <a:t>）</a:t>
+            </a:r>
+            <a:br>
+              <a:rPr kumimoji="1" lang="en-US" altLang="ja-JP" sz="1800" dirty="0"/>
+            </a:br>
+            <a:endParaRPr kumimoji="1" lang="en-US" altLang="ja-JP" sz="1800" dirty="0"/>
+          </a:p>
+          <a:p>
+            <a:pPr lvl="1"/>
+            <a:r>
+              <a:rPr kumimoji="1" lang="ja-JP" altLang="en-US" sz="1800" dirty="0"/>
+              <a:t>思考や文章を書く際の論理の階層化について書かれている</a:t>
+            </a:r>
+            <a:endParaRPr kumimoji="1" lang="en-US" altLang="ja-JP" sz="1800" dirty="0"/>
+          </a:p>
+          <a:p>
+            <a:pPr lvl="1"/>
+            <a:r>
+              <a:rPr kumimoji="1" lang="ja-JP" altLang="en-US" sz="1800" dirty="0"/>
+              <a:t>マッキンゼー社内でライティング指導をしていた方が書いている</a:t>
+            </a:r>
+            <a:endParaRPr kumimoji="1" lang="en-US" altLang="ja-JP" sz="1800" dirty="0"/>
+          </a:p>
+          <a:p>
+            <a:pPr lvl="1"/>
+            <a:r>
+              <a:rPr kumimoji="1" lang="ja-JP" altLang="en-US" sz="1800" dirty="0"/>
+              <a:t>このページまで読んできた人は，「ピラミッド」が何を意味するのかは察しがつくのでは</a:t>
+            </a:r>
+            <a:endParaRPr kumimoji="1" lang="en-US" altLang="ja-JP" sz="1800" dirty="0"/>
+          </a:p>
+          <a:p>
+            <a:r>
+              <a:rPr kumimoji="1" lang="ja-JP" altLang="en-US" sz="1800" dirty="0"/>
+              <a:t>塩谷の感想（読んだのは</a:t>
+            </a:r>
+            <a:r>
+              <a:rPr kumimoji="1" lang="en-US" altLang="ja-JP" sz="1800" dirty="0"/>
+              <a:t>10</a:t>
+            </a:r>
+            <a:r>
+              <a:rPr kumimoji="1" lang="ja-JP" altLang="en-US" sz="1800" dirty="0"/>
+              <a:t>年以上前だが）</a:t>
+            </a:r>
+            <a:endParaRPr kumimoji="1" lang="en-US" altLang="ja-JP" sz="1800" dirty="0"/>
+          </a:p>
+          <a:p>
+            <a:pPr lvl="1"/>
+            <a:r>
+              <a:rPr kumimoji="1" lang="ja-JP" altLang="en-US" sz="1800" dirty="0"/>
+              <a:t>翻訳版はかなり読みづらいし，内容もかなり冗長さを感じる</a:t>
+            </a:r>
+            <a:endParaRPr kumimoji="1" lang="en-US" altLang="ja-JP" sz="1800" dirty="0"/>
+          </a:p>
+          <a:p>
+            <a:pPr lvl="1"/>
+            <a:r>
+              <a:rPr kumimoji="1" lang="ja-JP" altLang="en-US" sz="1800" dirty="0"/>
+              <a:t>でも大事なことが書かれていると思う</a:t>
+            </a:r>
+            <a:endParaRPr kumimoji="1" lang="en-US" altLang="ja-JP" sz="1800" dirty="0"/>
+          </a:p>
+          <a:p>
+            <a:pPr lvl="1"/>
+            <a:r>
+              <a:rPr kumimoji="1" lang="ja-JP" altLang="en-US" sz="1800" dirty="0"/>
+              <a:t>後述の「理科系の作文技術」と，もっとも大事な部分では同じ事を言っていると思う</a:t>
             </a:r>
           </a:p>
         </p:txBody>
@@ -11304,13 +11434,21 @@
     </p:spTree>
     <p:extLst>
       <p:ext uri="{BB962C8B-B14F-4D97-AF65-F5344CB8AC3E}">
-        <p14:creationId xmlns:p14="http://schemas.microsoft.com/office/powerpoint/2010/main" val="1222142208"/>
+        <p14:creationId xmlns:p14="http://schemas.microsoft.com/office/powerpoint/2010/main" val="1201039015"/>
       </p:ext>
     </p:extLst>
   </p:cSld>
   <p:clrMapOvr>
     <a:masterClrMapping/>
   </p:clrMapOvr>
+  <mc:AlternateContent xmlns:mc="http://schemas.openxmlformats.org/markup-compatibility/2006" xmlns:p14="http://schemas.microsoft.com/office/powerpoint/2010/main">
+    <mc:Choice Requires="p14">
+      <p:transition p14:dur="10"/>
+    </mc:Choice>
+    <mc:Fallback xmlns="">
+      <p:transition/>
+    </mc:Fallback>
+  </mc:AlternateContent>
 </p:sld>
 </file>
 
@@ -11333,10 +11471,10 @@
       </p:grpSpPr>
       <p:sp>
         <p:nvSpPr>
-          <p:cNvPr id="2" name="タイトル 1">
-            <a:extLst>
-              <a:ext uri="{FF2B5EF4-FFF2-40B4-BE49-F238E27FC236}">
-                <a16:creationId xmlns:a16="http://schemas.microsoft.com/office/drawing/2014/main" id="{3791F58A-EC2D-D89A-CA40-DDF514198B8F}"/>
+          <p:cNvPr id="4" name="タイトル 3">
+            <a:extLst>
+              <a:ext uri="{FF2B5EF4-FFF2-40B4-BE49-F238E27FC236}">
+                <a16:creationId xmlns:a16="http://schemas.microsoft.com/office/drawing/2014/main" id="{84F42E09-269D-6700-69C9-4DCC825C99A7}"/>
               </a:ext>
             </a:extLst>
           </p:cNvPr>
@@ -11353,104 +11491,8 @@
           <a:lstStyle/>
           <a:p>
             <a:r>
-              <a:rPr kumimoji="1" lang="ja-JP" altLang="en-US" dirty="0"/>
+              <a:rPr lang="ja-JP" altLang="en-US" b="1" dirty="0"/>
               <a:t>目標規定文</a:t>
-            </a:r>
-            <a:endParaRPr kumimoji="1" lang="en-US" altLang="ja-JP" dirty="0"/>
-          </a:p>
-        </p:txBody>
-      </p:sp>
-      <p:sp>
-        <p:nvSpPr>
-          <p:cNvPr id="3" name="テキスト プレースホルダー 2">
-            <a:extLst>
-              <a:ext uri="{FF2B5EF4-FFF2-40B4-BE49-F238E27FC236}">
-                <a16:creationId xmlns:a16="http://schemas.microsoft.com/office/drawing/2014/main" id="{CE8C17F2-3701-6FE8-3F1E-E482EBDA33C7}"/>
-              </a:ext>
-            </a:extLst>
-          </p:cNvPr>
-          <p:cNvSpPr>
-            <a:spLocks noGrp="1"/>
-          </p:cNvSpPr>
-          <p:nvPr>
-            <p:ph type="body" sz="quarter" idx="10"/>
-          </p:nvPr>
-        </p:nvSpPr>
-        <p:spPr/>
-        <p:txBody>
-          <a:bodyPr/>
-          <a:lstStyle/>
-          <a:p>
-            <a:r>
-              <a:rPr kumimoji="1" lang="ja-JP" altLang="en-US" dirty="0"/>
-              <a:t>目標規定文</a:t>
-            </a:r>
-            <a:endParaRPr kumimoji="1" lang="en-US" altLang="ja-JP" dirty="0"/>
-          </a:p>
-          <a:p>
-            <a:pPr lvl="1"/>
-            <a:r>
-              <a:rPr kumimoji="1" lang="ja-JP" altLang="en-US" dirty="0"/>
-              <a:t>その文章の主張を</a:t>
-            </a:r>
-            <a:r>
-              <a:rPr kumimoji="1" lang="ja-JP" altLang="en-US" dirty="0">
-                <a:solidFill>
-                  <a:schemeClr val="accent5"/>
-                </a:solidFill>
-              </a:rPr>
-              <a:t>１つの文</a:t>
-            </a:r>
-            <a:r>
-              <a:rPr kumimoji="1" lang="ja-JP" altLang="en-US" dirty="0"/>
-              <a:t>の形にまとめたもの</a:t>
-            </a:r>
-            <a:endParaRPr kumimoji="1" lang="en-US" altLang="ja-JP" dirty="0"/>
-          </a:p>
-          <a:p>
-            <a:pPr lvl="2"/>
-            <a:r>
-              <a:rPr kumimoji="1" lang="ja-JP" altLang="en-US" dirty="0"/>
-              <a:t>目標規定文は「理科系の作文技術」より</a:t>
-            </a:r>
-            <a:endParaRPr kumimoji="1" lang="en-US" altLang="ja-JP" dirty="0"/>
-          </a:p>
-          <a:p>
-            <a:pPr lvl="1"/>
-            <a:r>
-              <a:rPr kumimoji="1" lang="ja-JP" altLang="en-US" dirty="0"/>
-              <a:t>もっとも短い形のプロットとも言える</a:t>
-            </a:r>
-            <a:endParaRPr kumimoji="1" lang="en-US" altLang="ja-JP" dirty="0"/>
-          </a:p>
-          <a:p>
-            <a:r>
-              <a:rPr kumimoji="1" lang="ja-JP" altLang="en-US" dirty="0"/>
-              <a:t>「理科系の作文技術」の説明</a:t>
-            </a:r>
-            <a:endParaRPr kumimoji="1" lang="en-US" altLang="ja-JP" dirty="0"/>
-          </a:p>
-          <a:p>
-            <a:pPr lvl="1"/>
-            <a:r>
-              <a:rPr kumimoji="1" lang="ja-JP" altLang="en-US" dirty="0"/>
-              <a:t>「自分は何を目標としてその文章を書くのか，そこで何を主張しようとするのかを熟考して，それを一つの文にまとめて書いてみることを勧める」</a:t>
-            </a:r>
-            <a:endParaRPr kumimoji="1" lang="en-US" altLang="ja-JP" dirty="0"/>
-          </a:p>
-          <a:p>
-            <a:pPr lvl="1"/>
-            <a:r>
-              <a:rPr kumimoji="1" lang="ja-JP" altLang="en-US" dirty="0"/>
-              <a:t>「主題に関してあることを主張し，または否定しようとする意思を明示した文」（コーベットによる </a:t>
-            </a:r>
-            <a:r>
-              <a:rPr kumimoji="1" lang="en-US" altLang="ja-JP" dirty="0"/>
-              <a:t>thesis </a:t>
-            </a:r>
-            <a:r>
-              <a:rPr kumimoji="1" lang="ja-JP" altLang="en-US" dirty="0"/>
-              <a:t>の説明）</a:t>
             </a:r>
           </a:p>
         </p:txBody>
@@ -11458,21 +11500,13 @@
     </p:spTree>
     <p:extLst>
       <p:ext uri="{BB962C8B-B14F-4D97-AF65-F5344CB8AC3E}">
-        <p14:creationId xmlns:p14="http://schemas.microsoft.com/office/powerpoint/2010/main" val="2967336231"/>
+        <p14:creationId xmlns:p14="http://schemas.microsoft.com/office/powerpoint/2010/main" val="1222142208"/>
       </p:ext>
     </p:extLst>
   </p:cSld>
   <p:clrMapOvr>
     <a:masterClrMapping/>
   </p:clrMapOvr>
-  <mc:AlternateContent xmlns:mc="http://schemas.openxmlformats.org/markup-compatibility/2006" xmlns:p14="http://schemas.microsoft.com/office/powerpoint/2010/main">
-    <mc:Choice Requires="p14">
-      <p:transition p14:dur="10"/>
-    </mc:Choice>
-    <mc:Fallback xmlns="">
-      <p:transition/>
-    </mc:Fallback>
-  </mc:AlternateContent>
 </p:sld>
 </file>
 
@@ -11498,7 +11532,7 @@
           <p:cNvPr id="2" name="タイトル 1">
             <a:extLst>
               <a:ext uri="{FF2B5EF4-FFF2-40B4-BE49-F238E27FC236}">
-                <a16:creationId xmlns:a16="http://schemas.microsoft.com/office/drawing/2014/main" id="{B136B8D4-A45A-E900-4740-4ADDB700695F}"/>
+                <a16:creationId xmlns:a16="http://schemas.microsoft.com/office/drawing/2014/main" id="{3791F58A-EC2D-D89A-CA40-DDF514198B8F}"/>
               </a:ext>
             </a:extLst>
           </p:cNvPr>
@@ -11518,6 +11552,7 @@
               <a:rPr kumimoji="1" lang="ja-JP" altLang="en-US" dirty="0"/>
               <a:t>目標規定文</a:t>
             </a:r>
+            <a:endParaRPr kumimoji="1" lang="en-US" altLang="ja-JP" dirty="0"/>
           </a:p>
         </p:txBody>
       </p:sp>
@@ -11526,7 +11561,7 @@
           <p:cNvPr id="3" name="テキスト プレースホルダー 2">
             <a:extLst>
               <a:ext uri="{FF2B5EF4-FFF2-40B4-BE49-F238E27FC236}">
-                <a16:creationId xmlns:a16="http://schemas.microsoft.com/office/drawing/2014/main" id="{7C58FC4A-17A5-A2DE-03F7-FEC5E8E2DC4D}"/>
+                <a16:creationId xmlns:a16="http://schemas.microsoft.com/office/drawing/2014/main" id="{CE8C17F2-3701-6FE8-3F1E-E482EBDA33C7}"/>
               </a:ext>
             </a:extLst>
           </p:cNvPr>
@@ -11544,7 +11579,7 @@
           <a:p>
             <a:r>
               <a:rPr kumimoji="1" lang="ja-JP" altLang="en-US" dirty="0"/>
-              <a:t>目標からトップダウンに構成を作る</a:t>
+              <a:t>目標規定文</a:t>
             </a:r>
             <a:endParaRPr kumimoji="1" lang="en-US" altLang="ja-JP" dirty="0"/>
           </a:p>
@@ -11552,30 +11587,50 @@
             <a:pPr lvl="1"/>
             <a:r>
               <a:rPr kumimoji="1" lang="ja-JP" altLang="en-US" dirty="0"/>
-              <a:t>目標規定文を作り，その目標に収束するように文章全体の構想を練る</a:t>
+              <a:t>その文章の主張を</a:t>
+            </a:r>
+            <a:r>
+              <a:rPr kumimoji="1" lang="ja-JP" altLang="en-US" dirty="0">
+                <a:solidFill>
+                  <a:schemeClr val="accent5"/>
+                </a:solidFill>
+              </a:rPr>
+              <a:t>１つの文</a:t>
+            </a:r>
+            <a:r>
+              <a:rPr kumimoji="1" lang="ja-JP" altLang="en-US" dirty="0"/>
+              <a:t>の形にまとめたもの</a:t>
             </a:r>
             <a:endParaRPr kumimoji="1" lang="en-US" altLang="ja-JP" dirty="0"/>
           </a:p>
           <a:p>
+            <a:pPr lvl="2"/>
+            <a:r>
+              <a:rPr kumimoji="1" lang="ja-JP" altLang="en-US" dirty="0"/>
+              <a:t>目標規定文は「理科系の作文技術」より</a:t>
+            </a:r>
+            <a:endParaRPr kumimoji="1" lang="en-US" altLang="ja-JP" dirty="0"/>
+          </a:p>
+          <a:p>
             <a:pPr lvl="1"/>
             <a:r>
               <a:rPr kumimoji="1" lang="ja-JP" altLang="en-US" dirty="0"/>
-              <a:t>この目標に繋がる内容のみを全体の構成に残す</a:t>
+              <a:t>もっとも短い形のプロットとも言える</a:t>
             </a:r>
             <a:endParaRPr kumimoji="1" lang="en-US" altLang="ja-JP" dirty="0"/>
           </a:p>
           <a:p>
-            <a:pPr lvl="2"/>
             <a:r>
               <a:rPr kumimoji="1" lang="ja-JP" altLang="en-US" dirty="0"/>
-              <a:t>「関係はしているが，あってもなくても良い」みたいなものは入れてはいけない</a:t>
+              <a:t>「理科系の作文技術」の説明</a:t>
             </a:r>
             <a:endParaRPr kumimoji="1" lang="en-US" altLang="ja-JP" dirty="0"/>
           </a:p>
           <a:p>
+            <a:pPr lvl="1"/>
             <a:r>
               <a:rPr kumimoji="1" lang="ja-JP" altLang="en-US" dirty="0"/>
-              <a:t>主張全体を論理的なツリーとして表した際のルートにあたる</a:t>
+              <a:t>「自分は何を目標としてその文章を書くのか，そこで何を主張しようとするのかを熟考して，それを一つの文にまとめて書いてみることを勧める」</a:t>
             </a:r>
             <a:endParaRPr kumimoji="1" lang="en-US" altLang="ja-JP" dirty="0"/>
           </a:p>
@@ -11583,7 +11638,15 @@
             <a:pPr lvl="1"/>
             <a:r>
               <a:rPr kumimoji="1" lang="ja-JP" altLang="en-US" dirty="0"/>
-              <a:t>これをさらに短くまとめたものがタイトルになる</a:t>
+              <a:t>「主題に関してあることを主張し，または否定しようとする意思を明示した文」（コーベットによる </a:t>
+            </a:r>
+            <a:r>
+              <a:rPr kumimoji="1" lang="en-US" altLang="ja-JP" dirty="0"/>
+              <a:t>thesis </a:t>
+            </a:r>
+            <a:r>
+              <a:rPr kumimoji="1" lang="ja-JP" altLang="en-US" dirty="0"/>
+              <a:t>の説明）</a:t>
             </a:r>
           </a:p>
         </p:txBody>
@@ -11591,7 +11654,7 @@
     </p:spTree>
     <p:extLst>
       <p:ext uri="{BB962C8B-B14F-4D97-AF65-F5344CB8AC3E}">
-        <p14:creationId xmlns:p14="http://schemas.microsoft.com/office/powerpoint/2010/main" val="3839336830"/>
+        <p14:creationId xmlns:p14="http://schemas.microsoft.com/office/powerpoint/2010/main" val="2967336231"/>
       </p:ext>
     </p:extLst>
   </p:cSld>
@@ -11809,7 +11872,7 @@
           <p:cNvPr id="2" name="タイトル 1">
             <a:extLst>
               <a:ext uri="{FF2B5EF4-FFF2-40B4-BE49-F238E27FC236}">
-                <a16:creationId xmlns:a16="http://schemas.microsoft.com/office/drawing/2014/main" id="{D4345327-D154-8FE3-0EEE-96EFAAA82DEF}"/>
+                <a16:creationId xmlns:a16="http://schemas.microsoft.com/office/drawing/2014/main" id="{B136B8D4-A45A-E900-4740-4ADDB700695F}"/>
               </a:ext>
             </a:extLst>
           </p:cNvPr>
@@ -11827,7 +11890,7 @@
           <a:p>
             <a:r>
               <a:rPr kumimoji="1" lang="ja-JP" altLang="en-US" dirty="0"/>
-              <a:t>３点プロットと目標規定文の関係</a:t>
+              <a:t>目標規定文</a:t>
             </a:r>
           </a:p>
         </p:txBody>
@@ -11837,7 +11900,7 @@
           <p:cNvPr id="3" name="テキスト プレースホルダー 2">
             <a:extLst>
               <a:ext uri="{FF2B5EF4-FFF2-40B4-BE49-F238E27FC236}">
-                <a16:creationId xmlns:a16="http://schemas.microsoft.com/office/drawing/2014/main" id="{FF0B682A-46CB-4093-1B0E-581FD7CB3A90}"/>
+                <a16:creationId xmlns:a16="http://schemas.microsoft.com/office/drawing/2014/main" id="{7C58FC4A-17A5-A2DE-03F7-FEC5E8E2DC4D}"/>
               </a:ext>
             </a:extLst>
           </p:cNvPr>
@@ -11855,7 +11918,7 @@
           <a:p>
             <a:r>
               <a:rPr kumimoji="1" lang="ja-JP" altLang="en-US" dirty="0"/>
-              <a:t>作り方：</a:t>
+              <a:t>目標からトップダウンに構成を作る</a:t>
             </a:r>
             <a:endParaRPr kumimoji="1" lang="en-US" altLang="ja-JP" dirty="0"/>
           </a:p>
@@ -11863,7 +11926,7 @@
             <a:pPr lvl="1"/>
             <a:r>
               <a:rPr kumimoji="1" lang="ja-JP" altLang="en-US" dirty="0"/>
-              <a:t>３点プロットが出来たら，そこからさらに真に重要な項目を抽出</a:t>
+              <a:t>目標規定文を作り，その目標に収束するように文章全体の構想を練る</a:t>
             </a:r>
             <a:endParaRPr kumimoji="1" lang="en-US" altLang="ja-JP" dirty="0"/>
           </a:p>
@@ -11871,16 +11934,38 @@
             <a:pPr lvl="1"/>
             <a:r>
               <a:rPr kumimoji="1" lang="ja-JP" altLang="en-US" dirty="0"/>
-              <a:t>それらを繋げて目標規定文にする</a:t>
+              <a:t>この目標に繋がる内容のみを全体の構成に残す</a:t>
             </a:r>
             <a:endParaRPr kumimoji="1" lang="en-US" altLang="ja-JP" dirty="0"/>
+          </a:p>
+          <a:p>
+            <a:pPr lvl="2"/>
+            <a:r>
+              <a:rPr kumimoji="1" lang="ja-JP" altLang="en-US" dirty="0"/>
+              <a:t>「関係はしているが，あってもなくても良い」みたいなものは入れてはいけない</a:t>
+            </a:r>
+            <a:endParaRPr kumimoji="1" lang="en-US" altLang="ja-JP" dirty="0"/>
+          </a:p>
+          <a:p>
+            <a:r>
+              <a:rPr kumimoji="1" lang="ja-JP" altLang="en-US" dirty="0"/>
+              <a:t>主張全体を論理的なツリーとして表した際のルートにあたる</a:t>
+            </a:r>
+            <a:endParaRPr kumimoji="1" lang="en-US" altLang="ja-JP" dirty="0"/>
+          </a:p>
+          <a:p>
+            <a:pPr lvl="1"/>
+            <a:r>
+              <a:rPr kumimoji="1" lang="ja-JP" altLang="en-US" dirty="0"/>
+              <a:t>これをさらに短くまとめたものがタイトルになる</a:t>
+            </a:r>
           </a:p>
         </p:txBody>
       </p:sp>
     </p:spTree>
     <p:extLst>
       <p:ext uri="{BB962C8B-B14F-4D97-AF65-F5344CB8AC3E}">
-        <p14:creationId xmlns:p14="http://schemas.microsoft.com/office/powerpoint/2010/main" val="1730200020"/>
+        <p14:creationId xmlns:p14="http://schemas.microsoft.com/office/powerpoint/2010/main" val="3839336830"/>
       </p:ext>
     </p:extLst>
   </p:cSld>
@@ -11917,6 +12002,117 @@
       </p:grpSpPr>
       <p:sp>
         <p:nvSpPr>
+          <p:cNvPr id="2" name="タイトル 1">
+            <a:extLst>
+              <a:ext uri="{FF2B5EF4-FFF2-40B4-BE49-F238E27FC236}">
+                <a16:creationId xmlns:a16="http://schemas.microsoft.com/office/drawing/2014/main" id="{D4345327-D154-8FE3-0EEE-96EFAAA82DEF}"/>
+              </a:ext>
+            </a:extLst>
+          </p:cNvPr>
+          <p:cNvSpPr>
+            <a:spLocks noGrp="1"/>
+          </p:cNvSpPr>
+          <p:nvPr>
+            <p:ph type="title"/>
+          </p:nvPr>
+        </p:nvSpPr>
+        <p:spPr/>
+        <p:txBody>
+          <a:bodyPr/>
+          <a:lstStyle/>
+          <a:p>
+            <a:r>
+              <a:rPr kumimoji="1" lang="ja-JP" altLang="en-US" dirty="0"/>
+              <a:t>３点プロットと目標規定文の関係</a:t>
+            </a:r>
+          </a:p>
+        </p:txBody>
+      </p:sp>
+      <p:sp>
+        <p:nvSpPr>
+          <p:cNvPr id="3" name="テキスト プレースホルダー 2">
+            <a:extLst>
+              <a:ext uri="{FF2B5EF4-FFF2-40B4-BE49-F238E27FC236}">
+                <a16:creationId xmlns:a16="http://schemas.microsoft.com/office/drawing/2014/main" id="{FF0B682A-46CB-4093-1B0E-581FD7CB3A90}"/>
+              </a:ext>
+            </a:extLst>
+          </p:cNvPr>
+          <p:cNvSpPr>
+            <a:spLocks noGrp="1"/>
+          </p:cNvSpPr>
+          <p:nvPr>
+            <p:ph type="body" sz="quarter" idx="10"/>
+          </p:nvPr>
+        </p:nvSpPr>
+        <p:spPr/>
+        <p:txBody>
+          <a:bodyPr/>
+          <a:lstStyle/>
+          <a:p>
+            <a:r>
+              <a:rPr kumimoji="1" lang="ja-JP" altLang="en-US" dirty="0"/>
+              <a:t>作り方：</a:t>
+            </a:r>
+            <a:endParaRPr kumimoji="1" lang="en-US" altLang="ja-JP" dirty="0"/>
+          </a:p>
+          <a:p>
+            <a:pPr lvl="1"/>
+            <a:r>
+              <a:rPr kumimoji="1" lang="ja-JP" altLang="en-US" dirty="0"/>
+              <a:t>３点プロットが出来たら，そこからさらに真に重要な項目を抽出</a:t>
+            </a:r>
+            <a:endParaRPr kumimoji="1" lang="en-US" altLang="ja-JP" dirty="0"/>
+          </a:p>
+          <a:p>
+            <a:pPr lvl="1"/>
+            <a:r>
+              <a:rPr kumimoji="1" lang="ja-JP" altLang="en-US" dirty="0"/>
+              <a:t>それらを繋げて目標規定文にする</a:t>
+            </a:r>
+            <a:endParaRPr kumimoji="1" lang="en-US" altLang="ja-JP" dirty="0"/>
+          </a:p>
+        </p:txBody>
+      </p:sp>
+    </p:spTree>
+    <p:extLst>
+      <p:ext uri="{BB962C8B-B14F-4D97-AF65-F5344CB8AC3E}">
+        <p14:creationId xmlns:p14="http://schemas.microsoft.com/office/powerpoint/2010/main" val="1730200020"/>
+      </p:ext>
+    </p:extLst>
+  </p:cSld>
+  <p:clrMapOvr>
+    <a:masterClrMapping/>
+  </p:clrMapOvr>
+  <mc:AlternateContent xmlns:mc="http://schemas.openxmlformats.org/markup-compatibility/2006" xmlns:p14="http://schemas.microsoft.com/office/powerpoint/2010/main">
+    <mc:Choice Requires="p14">
+      <p:transition p14:dur="10"/>
+    </mc:Choice>
+    <mc:Fallback xmlns="">
+      <p:transition/>
+    </mc:Fallback>
+  </mc:AlternateContent>
+</p:sld>
+</file>
+
+<file path=ppt/slides/slide42.xml><?xml version="1.0" encoding="utf-8"?>
+<p:sld xmlns:a="http://schemas.openxmlformats.org/drawingml/2006/main" xmlns:r="http://schemas.openxmlformats.org/officeDocument/2006/relationships" xmlns:p="http://schemas.openxmlformats.org/presentationml/2006/main">
+  <p:cSld>
+    <p:spTree>
+      <p:nvGrpSpPr>
+        <p:cNvPr id="1" name=""/>
+        <p:cNvGrpSpPr/>
+        <p:nvPr/>
+      </p:nvGrpSpPr>
+      <p:grpSpPr>
+        <a:xfrm>
+          <a:off x="0" y="0"/>
+          <a:ext cx="0" cy="0"/>
+          <a:chOff x="0" y="0"/>
+          <a:chExt cx="0" cy="0"/>
+        </a:xfrm>
+      </p:grpSpPr>
+      <p:sp>
+        <p:nvSpPr>
           <p:cNvPr id="4" name="タイトル 3">
             <a:extLst>
               <a:ext uri="{FF2B5EF4-FFF2-40B4-BE49-F238E27FC236}">
@@ -11956,7 +12152,7 @@
 </p:sld>
 </file>
 
-<file path=ppt/slides/slide42.xml><?xml version="1.0" encoding="utf-8"?>
+<file path=ppt/slides/slide43.xml><?xml version="1.0" encoding="utf-8"?>
 <p:sld xmlns:a="http://schemas.openxmlformats.org/drawingml/2006/main" xmlns:r="http://schemas.openxmlformats.org/officeDocument/2006/relationships" xmlns:p="http://schemas.openxmlformats.org/presentationml/2006/main">
   <p:cSld>
     <p:spTree>
@@ -12133,7 +12329,7 @@
 </p:sld>
 </file>
 
-<file path=ppt/slides/slide43.xml><?xml version="1.0" encoding="utf-8"?>
+<file path=ppt/slides/slide44.xml><?xml version="1.0" encoding="utf-8"?>
 <p:sld xmlns:a="http://schemas.openxmlformats.org/drawingml/2006/main" xmlns:r="http://schemas.openxmlformats.org/officeDocument/2006/relationships" xmlns:p="http://schemas.openxmlformats.org/presentationml/2006/main">
   <p:cSld>
     <p:spTree>
@@ -13392,7 +13588,7 @@
 </p:sld>
 </file>
 
-<file path=ppt/slides/slide44.xml><?xml version="1.0" encoding="utf-8"?>
+<file path=ppt/slides/slide45.xml><?xml version="1.0" encoding="utf-8"?>
 <p:sld xmlns:a="http://schemas.openxmlformats.org/drawingml/2006/main" xmlns:r="http://schemas.openxmlformats.org/officeDocument/2006/relationships" xmlns:p="http://schemas.openxmlformats.org/presentationml/2006/main">
   <p:cSld>
     <p:spTree>
@@ -14660,200 +14856,6 @@
 </p:sld>
 </file>
 
-<file path=ppt/slides/slide45.xml><?xml version="1.0" encoding="utf-8"?>
-<p:sld xmlns:a="http://schemas.openxmlformats.org/drawingml/2006/main" xmlns:r="http://schemas.openxmlformats.org/officeDocument/2006/relationships" xmlns:p="http://schemas.openxmlformats.org/presentationml/2006/main">
-  <p:cSld>
-    <p:spTree>
-      <p:nvGrpSpPr>
-        <p:cNvPr id="1" name=""/>
-        <p:cNvGrpSpPr/>
-        <p:nvPr/>
-      </p:nvGrpSpPr>
-      <p:grpSpPr>
-        <a:xfrm>
-          <a:off x="0" y="0"/>
-          <a:ext cx="0" cy="0"/>
-          <a:chOff x="0" y="0"/>
-          <a:chExt cx="0" cy="0"/>
-        </a:xfrm>
-      </p:grpSpPr>
-      <p:sp>
-        <p:nvSpPr>
-          <p:cNvPr id="2" name="タイトル 1">
-            <a:extLst>
-              <a:ext uri="{FF2B5EF4-FFF2-40B4-BE49-F238E27FC236}">
-                <a16:creationId xmlns:a16="http://schemas.microsoft.com/office/drawing/2014/main" id="{2719BBCA-CA4F-4773-E09D-3876AD40A638}"/>
-              </a:ext>
-            </a:extLst>
-          </p:cNvPr>
-          <p:cNvSpPr>
-            <a:spLocks noGrp="1"/>
-          </p:cNvSpPr>
-          <p:nvPr>
-            <p:ph type="title"/>
-          </p:nvPr>
-        </p:nvSpPr>
-        <p:spPr/>
-        <p:txBody>
-          <a:bodyPr/>
-          <a:lstStyle/>
-          <a:p>
-            <a:r>
-              <a:rPr kumimoji="1" lang="ja-JP" altLang="en-US" dirty="0"/>
-              <a:t>イントロプロットと全体プロット</a:t>
-            </a:r>
-          </a:p>
-        </p:txBody>
-      </p:sp>
-      <p:sp>
-        <p:nvSpPr>
-          <p:cNvPr id="3" name="テキスト プレースホルダー 2">
-            <a:extLst>
-              <a:ext uri="{FF2B5EF4-FFF2-40B4-BE49-F238E27FC236}">
-                <a16:creationId xmlns:a16="http://schemas.microsoft.com/office/drawing/2014/main" id="{E2641AA1-1A0A-9B61-5A99-7EE0B80BC37B}"/>
-              </a:ext>
-            </a:extLst>
-          </p:cNvPr>
-          <p:cNvSpPr>
-            <a:spLocks noGrp="1"/>
-          </p:cNvSpPr>
-          <p:nvPr>
-            <p:ph type="body" sz="quarter" idx="10"/>
-          </p:nvPr>
-        </p:nvSpPr>
-        <p:spPr/>
-        <p:txBody>
-          <a:bodyPr/>
-          <a:lstStyle/>
-          <a:p>
-            <a:pPr marL="457200" indent="-457200">
-              <a:buFont typeface="+mj-lt"/>
-              <a:buAutoNum type="arabicPeriod"/>
-            </a:pPr>
-            <a:r>
-              <a:rPr kumimoji="1" lang="ja-JP" altLang="en-US" sz="1800" dirty="0"/>
-              <a:t>イントロの重要な役割の１つは全体を</a:t>
-            </a:r>
-            <a:r>
-              <a:rPr lang="ja-JP" altLang="en-US" sz="1800" dirty="0"/>
-              <a:t>要約して紹介すること</a:t>
-            </a:r>
-            <a:endParaRPr lang="en-US" altLang="ja-JP" sz="1800" dirty="0"/>
-          </a:p>
-          <a:p>
-            <a:pPr lvl="1"/>
-            <a:r>
-              <a:rPr kumimoji="1" lang="ja-JP" altLang="en-US" sz="1800" dirty="0"/>
-              <a:t>したがって，全体プロットは「基本的には」イントロプロットをより詳細化して作ることになる</a:t>
-            </a:r>
-            <a:endParaRPr kumimoji="1" lang="en-US" altLang="ja-JP" sz="1800" dirty="0"/>
-          </a:p>
-          <a:p>
-            <a:pPr marL="457200" indent="-457200">
-              <a:buFont typeface="+mj-lt"/>
-              <a:buAutoNum type="arabicPeriod"/>
-            </a:pPr>
-            <a:r>
-              <a:rPr kumimoji="1" lang="ja-JP" altLang="en-US" sz="1800" dirty="0"/>
-              <a:t>イントロの</a:t>
-            </a:r>
-            <a:r>
-              <a:rPr lang="ja-JP" altLang="en-US" sz="1800" dirty="0"/>
-              <a:t>もう１つの役割は</a:t>
-            </a:r>
-            <a:r>
-              <a:rPr kumimoji="1" lang="ja-JP" altLang="en-US" sz="1800" dirty="0">
-                <a:solidFill>
-                  <a:schemeClr val="accent5"/>
-                </a:solidFill>
-              </a:rPr>
-              <a:t>読者や聴衆の興味をひくこと</a:t>
-            </a:r>
-            <a:endParaRPr kumimoji="1" lang="en-US" altLang="ja-JP" sz="1800" dirty="0"/>
-          </a:p>
-          <a:p>
-            <a:pPr lvl="1"/>
-            <a:r>
-              <a:rPr lang="ja-JP" altLang="en-US" sz="1800" dirty="0"/>
-              <a:t>読者や聴衆が興味を持つような点を強調する必要がある</a:t>
-            </a:r>
-            <a:endParaRPr lang="en-US" altLang="ja-JP" sz="1800" dirty="0"/>
-          </a:p>
-          <a:p>
-            <a:pPr lvl="2"/>
-            <a:r>
-              <a:rPr lang="ja-JP" altLang="en-US" sz="1800" dirty="0"/>
-              <a:t>問題や提案の核心部分，華々しい結果など</a:t>
-            </a:r>
-            <a:endParaRPr lang="en-US" altLang="ja-JP" sz="1800" dirty="0"/>
-          </a:p>
-          <a:p>
-            <a:pPr lvl="2"/>
-            <a:r>
-              <a:rPr lang="ja-JP" altLang="en-US" sz="1800" dirty="0"/>
-              <a:t>「</a:t>
-            </a:r>
-            <a:r>
-              <a:rPr lang="en-US" altLang="ja-JP" sz="1800" dirty="0"/>
-              <a:t>200%</a:t>
-            </a:r>
-            <a:r>
-              <a:rPr lang="ja-JP" altLang="en-US" sz="1800" dirty="0"/>
-              <a:t>性能向上しました」→ 「すごいな，どうやったんだろ？」</a:t>
-            </a:r>
-            <a:endParaRPr lang="en-US" altLang="ja-JP" sz="1800" dirty="0"/>
-          </a:p>
-          <a:p>
-            <a:pPr lvl="1"/>
-            <a:r>
-              <a:rPr kumimoji="1" lang="ja-JP" altLang="en-US" sz="1800" dirty="0"/>
-              <a:t>このため，「</a:t>
-            </a:r>
-            <a:r>
-              <a:rPr kumimoji="1" lang="ja-JP" altLang="en-US" sz="1800" dirty="0">
-                <a:solidFill>
-                  <a:schemeClr val="accent5"/>
-                </a:solidFill>
-              </a:rPr>
-              <a:t>イントロプロットを詳細化したもの＝全体プロット」ではない</a:t>
-            </a:r>
-            <a:r>
-              <a:rPr kumimoji="1" lang="ja-JP" altLang="en-US" sz="1800" dirty="0"/>
-              <a:t>と考えた方がよい</a:t>
-            </a:r>
-            <a:endParaRPr kumimoji="1" lang="en-US" altLang="ja-JP" sz="1800" dirty="0"/>
-          </a:p>
-          <a:p>
-            <a:pPr lvl="2"/>
-            <a:r>
-              <a:rPr kumimoji="1" lang="ja-JP" altLang="en-US" sz="1800" dirty="0"/>
-              <a:t>イントロでは問題の深刻さや提案のすごさをより強調して重きを置くから</a:t>
-            </a:r>
-            <a:endParaRPr kumimoji="1" lang="en-US" altLang="ja-JP" sz="1800" dirty="0"/>
-          </a:p>
-        </p:txBody>
-      </p:sp>
-    </p:spTree>
-    <p:extLst>
-      <p:ext uri="{BB962C8B-B14F-4D97-AF65-F5344CB8AC3E}">
-        <p14:creationId xmlns:p14="http://schemas.microsoft.com/office/powerpoint/2010/main" val="3764317816"/>
-      </p:ext>
-    </p:extLst>
-  </p:cSld>
-  <p:clrMapOvr>
-    <a:masterClrMapping/>
-  </p:clrMapOvr>
-  <mc:AlternateContent xmlns:mc="http://schemas.openxmlformats.org/markup-compatibility/2006" xmlns:p14="http://schemas.microsoft.com/office/powerpoint/2010/main">
-    <mc:Choice Requires="p14">
-      <p:transition p14:dur="10"/>
-    </mc:Choice>
-    <mc:Fallback xmlns="">
-      <p:transition/>
-    </mc:Fallback>
-  </mc:AlternateContent>
-</p:sld>
-</file>
-
 <file path=ppt/slides/slide46.xml><?xml version="1.0" encoding="utf-8"?>
 <p:sld xmlns:a="http://schemas.openxmlformats.org/drawingml/2006/main" xmlns:r="http://schemas.openxmlformats.org/officeDocument/2006/relationships" xmlns:p="http://schemas.openxmlformats.org/presentationml/2006/main">
   <p:cSld>
@@ -14876,7 +14878,7 @@
           <p:cNvPr id="2" name="タイトル 1">
             <a:extLst>
               <a:ext uri="{FF2B5EF4-FFF2-40B4-BE49-F238E27FC236}">
-                <a16:creationId xmlns:a16="http://schemas.microsoft.com/office/drawing/2014/main" id="{EC155717-5332-FF55-D8D6-3A7D8E56683B}"/>
+                <a16:creationId xmlns:a16="http://schemas.microsoft.com/office/drawing/2014/main" id="{2719BBCA-CA4F-4773-E09D-3876AD40A638}"/>
               </a:ext>
             </a:extLst>
           </p:cNvPr>
@@ -14894,7 +14896,7 @@
           <a:p>
             <a:r>
               <a:rPr kumimoji="1" lang="ja-JP" altLang="en-US" dirty="0"/>
-              <a:t>イントロと全体のプロットで構造が違う例</a:t>
+              <a:t>イントロプロットと全体プロット</a:t>
             </a:r>
           </a:p>
         </p:txBody>
@@ -14904,7 +14906,7 @@
           <p:cNvPr id="3" name="テキスト プレースホルダー 2">
             <a:extLst>
               <a:ext uri="{FF2B5EF4-FFF2-40B4-BE49-F238E27FC236}">
-                <a16:creationId xmlns:a16="http://schemas.microsoft.com/office/drawing/2014/main" id="{EB1B3AEE-0F55-221C-53D1-F2E09EE602A3}"/>
+                <a16:creationId xmlns:a16="http://schemas.microsoft.com/office/drawing/2014/main" id="{E2641AA1-1A0A-9B61-5A99-7EE0B80BC37B}"/>
               </a:ext>
             </a:extLst>
           </p:cNvPr>
@@ -14920,41 +14922,117 @@
           <a:bodyPr/>
           <a:lstStyle/>
           <a:p>
-            <a:r>
-              <a:rPr lang="ja-JP" altLang="en-US" dirty="0"/>
-              <a:t>イントロの最初の１～２パラグラフ</a:t>
-            </a:r>
-            <a:endParaRPr lang="en-US" altLang="ja-JP" dirty="0"/>
+            <a:pPr marL="457200" indent="-457200">
+              <a:buFont typeface="+mj-lt"/>
+              <a:buAutoNum type="arabicPeriod"/>
+            </a:pPr>
+            <a:r>
+              <a:rPr kumimoji="1" lang="ja-JP" altLang="en-US" sz="1800" dirty="0"/>
+              <a:t>イントロの重要な役割の１つは全体を</a:t>
+            </a:r>
+            <a:r>
+              <a:rPr lang="ja-JP" altLang="en-US" sz="1800" dirty="0"/>
+              <a:t>要約して紹介すること</a:t>
+            </a:r>
+            <a:endParaRPr lang="en-US" altLang="ja-JP" sz="1800" dirty="0"/>
           </a:p>
           <a:p>
             <a:pPr lvl="1"/>
             <a:r>
-              <a:rPr lang="ja-JP" altLang="en-US" dirty="0"/>
-              <a:t>研究全体の背景として論文のどこかでは１度言わなければならない内容であることが多い</a:t>
-            </a:r>
-            <a:endParaRPr lang="en-US" altLang="ja-JP" dirty="0"/>
+              <a:rPr kumimoji="1" lang="ja-JP" altLang="en-US" sz="1800" dirty="0"/>
+              <a:t>したがって，全体プロットは「基本的には」イントロプロットをより詳細化して作ることになる</a:t>
+            </a:r>
+            <a:endParaRPr kumimoji="1" lang="en-US" altLang="ja-JP" sz="1800" dirty="0"/>
+          </a:p>
+          <a:p>
+            <a:pPr marL="457200" indent="-457200">
+              <a:buFont typeface="+mj-lt"/>
+              <a:buAutoNum type="arabicPeriod"/>
+            </a:pPr>
+            <a:r>
+              <a:rPr kumimoji="1" lang="ja-JP" altLang="en-US" sz="1800" dirty="0"/>
+              <a:t>イントロの</a:t>
+            </a:r>
+            <a:r>
+              <a:rPr lang="ja-JP" altLang="en-US" sz="1800" dirty="0"/>
+              <a:t>もう１つの役割は</a:t>
+            </a:r>
+            <a:r>
+              <a:rPr kumimoji="1" lang="ja-JP" altLang="en-US" sz="1800" dirty="0">
+                <a:solidFill>
+                  <a:schemeClr val="accent5"/>
+                </a:solidFill>
+              </a:rPr>
+              <a:t>読者や聴衆の興味をひくこと</a:t>
+            </a:r>
+            <a:endParaRPr kumimoji="1" lang="en-US" altLang="ja-JP" sz="1800" dirty="0"/>
           </a:p>
           <a:p>
             <a:pPr lvl="1"/>
             <a:r>
-              <a:rPr lang="ja-JP" altLang="en-US" dirty="0"/>
-              <a:t>しかし，非常に一般的であるか，あるいは本筋には関係なかったりして論文本文ではそれ以降登場しない事がある</a:t>
-            </a:r>
-            <a:endParaRPr lang="en-US" altLang="ja-JP" dirty="0"/>
-          </a:p>
-          <a:p>
-            <a:r>
-              <a:rPr lang="ja-JP" altLang="en-US" dirty="0"/>
-              <a:t>このような場合，イントロのパラグラフの構造と全体の章構成は異なってくる</a:t>
-            </a:r>
-            <a:endParaRPr lang="en-US" altLang="ja-JP" dirty="0"/>
+              <a:rPr lang="ja-JP" altLang="en-US" sz="1800" dirty="0"/>
+              <a:t>読者や聴衆が興味を持つような点を強調する必要がある</a:t>
+            </a:r>
+            <a:endParaRPr lang="en-US" altLang="ja-JP" sz="1800" dirty="0"/>
+          </a:p>
+          <a:p>
+            <a:pPr lvl="2"/>
+            <a:r>
+              <a:rPr lang="ja-JP" altLang="en-US" sz="1800" dirty="0"/>
+              <a:t>問題や提案の核心部分，華々しい結果など</a:t>
+            </a:r>
+            <a:endParaRPr lang="en-US" altLang="ja-JP" sz="1800" dirty="0"/>
+          </a:p>
+          <a:p>
+            <a:pPr lvl="2"/>
+            <a:r>
+              <a:rPr lang="ja-JP" altLang="en-US" sz="1800" dirty="0"/>
+              <a:t>「</a:t>
+            </a:r>
+            <a:r>
+              <a:rPr lang="en-US" altLang="ja-JP" sz="1800" dirty="0"/>
+              <a:t>200%</a:t>
+            </a:r>
+            <a:r>
+              <a:rPr lang="ja-JP" altLang="en-US" sz="1800" dirty="0"/>
+              <a:t>性能向上しました」→ 「すごいな，どうやったんだろ？」</a:t>
+            </a:r>
+            <a:endParaRPr lang="en-US" altLang="ja-JP" sz="1800" dirty="0"/>
+          </a:p>
+          <a:p>
+            <a:pPr lvl="1"/>
+            <a:r>
+              <a:rPr kumimoji="1" lang="ja-JP" altLang="en-US" sz="1800" dirty="0"/>
+              <a:t>このため，「</a:t>
+            </a:r>
+            <a:r>
+              <a:rPr kumimoji="1" lang="ja-JP" altLang="en-US" sz="1800" dirty="0">
+                <a:solidFill>
+                  <a:schemeClr val="accent5"/>
+                </a:solidFill>
+              </a:rPr>
+              <a:t>イントロプロットを詳細化したもの＝全体プロット」ではない</a:t>
+            </a:r>
+            <a:r>
+              <a:rPr kumimoji="1" lang="ja-JP" altLang="en-US" sz="1800" dirty="0"/>
+              <a:t>と考えた方がよい</a:t>
+            </a:r>
+            <a:endParaRPr kumimoji="1" lang="en-US" altLang="ja-JP" sz="1800" dirty="0"/>
+          </a:p>
+          <a:p>
+            <a:pPr lvl="2"/>
+            <a:r>
+              <a:rPr kumimoji="1" lang="ja-JP" altLang="en-US" sz="1800" dirty="0"/>
+              <a:t>イントロでは問題の深刻さや提案のすごさをより強調して重きを置くから</a:t>
+            </a:r>
+            <a:endParaRPr kumimoji="1" lang="en-US" altLang="ja-JP" sz="1800" dirty="0"/>
           </a:p>
         </p:txBody>
       </p:sp>
     </p:spTree>
     <p:extLst>
       <p:ext uri="{BB962C8B-B14F-4D97-AF65-F5344CB8AC3E}">
-        <p14:creationId xmlns:p14="http://schemas.microsoft.com/office/powerpoint/2010/main" val="2367068981"/>
+        <p14:creationId xmlns:p14="http://schemas.microsoft.com/office/powerpoint/2010/main" val="3764317816"/>
       </p:ext>
     </p:extLst>
   </p:cSld>
@@ -14991,10 +15069,10 @@
       </p:grpSpPr>
       <p:sp>
         <p:nvSpPr>
-          <p:cNvPr id="4" name="タイトル 3">
-            <a:extLst>
-              <a:ext uri="{FF2B5EF4-FFF2-40B4-BE49-F238E27FC236}">
-                <a16:creationId xmlns:a16="http://schemas.microsoft.com/office/drawing/2014/main" id="{84F42E09-269D-6700-69C9-4DCC825C99A7}"/>
+          <p:cNvPr id="2" name="タイトル 1">
+            <a:extLst>
+              <a:ext uri="{FF2B5EF4-FFF2-40B4-BE49-F238E27FC236}">
+                <a16:creationId xmlns:a16="http://schemas.microsoft.com/office/drawing/2014/main" id="{EC155717-5332-FF55-D8D6-3A7D8E56683B}"/>
               </a:ext>
             </a:extLst>
           </p:cNvPr>
@@ -15011,22 +15089,82 @@
           <a:lstStyle/>
           <a:p>
             <a:r>
-              <a:rPr lang="ja-JP" altLang="en-US" b="1" dirty="0"/>
-              <a:t>全体プロット</a:t>
-            </a:r>
+              <a:rPr kumimoji="1" lang="ja-JP" altLang="en-US" dirty="0"/>
+              <a:t>イントロと全体のプロットで構造が違う例</a:t>
+            </a:r>
+          </a:p>
+        </p:txBody>
+      </p:sp>
+      <p:sp>
+        <p:nvSpPr>
+          <p:cNvPr id="3" name="テキスト プレースホルダー 2">
+            <a:extLst>
+              <a:ext uri="{FF2B5EF4-FFF2-40B4-BE49-F238E27FC236}">
+                <a16:creationId xmlns:a16="http://schemas.microsoft.com/office/drawing/2014/main" id="{EB1B3AEE-0F55-221C-53D1-F2E09EE602A3}"/>
+              </a:ext>
+            </a:extLst>
+          </p:cNvPr>
+          <p:cNvSpPr>
+            <a:spLocks noGrp="1"/>
+          </p:cNvSpPr>
+          <p:nvPr>
+            <p:ph type="body" sz="quarter" idx="10"/>
+          </p:nvPr>
+        </p:nvSpPr>
+        <p:spPr/>
+        <p:txBody>
+          <a:bodyPr/>
+          <a:lstStyle/>
+          <a:p>
+            <a:r>
+              <a:rPr lang="ja-JP" altLang="en-US" dirty="0"/>
+              <a:t>イントロの最初の１～２パラグラフ</a:t>
+            </a:r>
+            <a:endParaRPr lang="en-US" altLang="ja-JP" dirty="0"/>
+          </a:p>
+          <a:p>
+            <a:pPr lvl="1"/>
+            <a:r>
+              <a:rPr lang="ja-JP" altLang="en-US" dirty="0"/>
+              <a:t>研究全体の背景として論文のどこかでは１度言わなければならない内容であることが多い</a:t>
+            </a:r>
+            <a:endParaRPr lang="en-US" altLang="ja-JP" dirty="0"/>
+          </a:p>
+          <a:p>
+            <a:pPr lvl="1"/>
+            <a:r>
+              <a:rPr lang="ja-JP" altLang="en-US" dirty="0"/>
+              <a:t>しかし，非常に一般的であるか，あるいは本筋には関係なかったりして論文本文ではそれ以降登場しない事がある</a:t>
+            </a:r>
+            <a:endParaRPr lang="en-US" altLang="ja-JP" dirty="0"/>
+          </a:p>
+          <a:p>
+            <a:r>
+              <a:rPr lang="ja-JP" altLang="en-US" dirty="0"/>
+              <a:t>このような場合，イントロのパラグラフの構造と全体の章構成は異なってくる</a:t>
+            </a:r>
+            <a:endParaRPr lang="en-US" altLang="ja-JP" dirty="0"/>
           </a:p>
         </p:txBody>
       </p:sp>
     </p:spTree>
     <p:extLst>
       <p:ext uri="{BB962C8B-B14F-4D97-AF65-F5344CB8AC3E}">
-        <p14:creationId xmlns:p14="http://schemas.microsoft.com/office/powerpoint/2010/main" val="3653181482"/>
+        <p14:creationId xmlns:p14="http://schemas.microsoft.com/office/powerpoint/2010/main" val="2367068981"/>
       </p:ext>
     </p:extLst>
   </p:cSld>
   <p:clrMapOvr>
     <a:masterClrMapping/>
   </p:clrMapOvr>
+  <mc:AlternateContent xmlns:mc="http://schemas.openxmlformats.org/markup-compatibility/2006" xmlns:p14="http://schemas.microsoft.com/office/powerpoint/2010/main">
+    <mc:Choice Requires="p14">
+      <p:transition p14:dur="10"/>
+    </mc:Choice>
+    <mc:Fallback xmlns="">
+      <p:transition/>
+    </mc:Fallback>
+  </mc:AlternateContent>
 </p:sld>
 </file>
 
@@ -15052,7 +15190,7 @@
           <p:cNvPr id="4" name="タイトル 3">
             <a:extLst>
               <a:ext uri="{FF2B5EF4-FFF2-40B4-BE49-F238E27FC236}">
-                <a16:creationId xmlns:a16="http://schemas.microsoft.com/office/drawing/2014/main" id="{753D130F-9E8D-16A8-53A6-8697A34BBC23}"/>
+                <a16:creationId xmlns:a16="http://schemas.microsoft.com/office/drawing/2014/main" id="{84F42E09-269D-6700-69C9-4DCC825C99A7}"/>
               </a:ext>
             </a:extLst>
           </p:cNvPr>
@@ -15072,110 +15210,19 @@
               <a:rPr lang="ja-JP" altLang="en-US" b="1" dirty="0"/>
               <a:t>全体プロット</a:t>
             </a:r>
-            <a:endParaRPr lang="ja-JP" altLang="en-US" dirty="0"/>
-          </a:p>
-        </p:txBody>
-      </p:sp>
-      <p:sp>
-        <p:nvSpPr>
-          <p:cNvPr id="5" name="テキスト プレースホルダー 4">
-            <a:extLst>
-              <a:ext uri="{FF2B5EF4-FFF2-40B4-BE49-F238E27FC236}">
-                <a16:creationId xmlns:a16="http://schemas.microsoft.com/office/drawing/2014/main" id="{220629E9-D9B3-68BB-D88A-B953DAE0018E}"/>
-              </a:ext>
-            </a:extLst>
-          </p:cNvPr>
-          <p:cNvSpPr>
-            <a:spLocks noGrp="1"/>
-          </p:cNvSpPr>
-          <p:nvPr>
-            <p:ph type="body" sz="quarter" idx="10"/>
-          </p:nvPr>
-        </p:nvSpPr>
-        <p:spPr/>
-        <p:txBody>
-          <a:bodyPr/>
-          <a:lstStyle/>
-          <a:p>
-            <a:r>
-              <a:rPr lang="ja-JP" altLang="en-US" dirty="0"/>
-              <a:t>論文やスライド全体のプロット</a:t>
-            </a:r>
-            <a:endParaRPr lang="en-US" altLang="ja-JP" dirty="0"/>
-          </a:p>
-          <a:p>
-            <a:pPr lvl="1"/>
-            <a:r>
-              <a:rPr lang="ja-JP" altLang="en-US" dirty="0"/>
-              <a:t>特に項目数などの形式はない：</a:t>
-            </a:r>
-            <a:endParaRPr lang="en-US" altLang="ja-JP" dirty="0"/>
-          </a:p>
-          <a:p>
-            <a:pPr lvl="2"/>
-            <a:r>
-              <a:rPr lang="ja-JP" altLang="en-US" dirty="0"/>
-              <a:t>基本的には３点プロットやイントロプロットから派生させて考える</a:t>
-            </a:r>
-            <a:endParaRPr lang="en-US" altLang="ja-JP" dirty="0"/>
-          </a:p>
-          <a:p>
-            <a:pPr lvl="2"/>
-            <a:r>
-              <a:rPr lang="ja-JP" altLang="en-US" dirty="0"/>
-              <a:t>イントロプロットでは省略されるような実装の詳細なども入る</a:t>
-            </a:r>
-            <a:endParaRPr lang="en-US" altLang="ja-JP" dirty="0"/>
-          </a:p>
-          <a:p>
-            <a:r>
-              <a:rPr lang="ja-JP" altLang="en-US" dirty="0"/>
-              <a:t>３点プロットは，いわば「プロットのプロット」</a:t>
-            </a:r>
-            <a:endParaRPr lang="en-US" altLang="ja-JP" dirty="0"/>
-          </a:p>
-          <a:p>
-            <a:pPr lvl="1"/>
-            <a:r>
-              <a:rPr lang="ja-JP" altLang="en-US" dirty="0"/>
-              <a:t>基本的には３点プロットで整理した内容をもとに，</a:t>
-            </a:r>
-            <a:br>
-              <a:rPr lang="en-US" altLang="ja-JP" dirty="0"/>
-            </a:br>
-            <a:r>
-              <a:rPr lang="ja-JP" altLang="en-US" dirty="0"/>
-              <a:t>肉付けして全体プロットを作る</a:t>
-            </a:r>
-            <a:endParaRPr lang="en-US" altLang="ja-JP" dirty="0"/>
-          </a:p>
-          <a:p>
-            <a:pPr lvl="1"/>
-            <a:r>
-              <a:rPr lang="ja-JP" altLang="en-US" dirty="0"/>
-              <a:t>いきなり全体プロットを作るのは難しい</a:t>
-            </a:r>
           </a:p>
         </p:txBody>
       </p:sp>
     </p:spTree>
     <p:extLst>
       <p:ext uri="{BB962C8B-B14F-4D97-AF65-F5344CB8AC3E}">
-        <p14:creationId xmlns:p14="http://schemas.microsoft.com/office/powerpoint/2010/main" val="57573531"/>
+        <p14:creationId xmlns:p14="http://schemas.microsoft.com/office/powerpoint/2010/main" val="3653181482"/>
       </p:ext>
     </p:extLst>
   </p:cSld>
   <p:clrMapOvr>
     <a:masterClrMapping/>
   </p:clrMapOvr>
-  <mc:AlternateContent xmlns:mc="http://schemas.openxmlformats.org/markup-compatibility/2006" xmlns:p14="http://schemas.microsoft.com/office/powerpoint/2010/main">
-    <mc:Choice Requires="p14">
-      <p:transition p14:dur="10"/>
-    </mc:Choice>
-    <mc:Fallback xmlns="">
-      <p:transition/>
-    </mc:Fallback>
-  </mc:AlternateContent>
 </p:sld>
 </file>
 
@@ -15219,7 +15266,7 @@
           <a:p>
             <a:r>
               <a:rPr lang="ja-JP" altLang="en-US" b="1" dirty="0"/>
-              <a:t>全体プロットの構成</a:t>
+              <a:t>全体プロット</a:t>
             </a:r>
             <a:endParaRPr lang="ja-JP" altLang="en-US" dirty="0"/>
           </a:p>
@@ -15248,73 +15295,69 @@
           <a:p>
             <a:r>
               <a:rPr lang="ja-JP" altLang="en-US" dirty="0"/>
-              <a:t>論文用：以下を</a:t>
-            </a:r>
-            <a:r>
-              <a:rPr kumimoji="1" lang="ja-JP" altLang="en-US" dirty="0"/>
-              <a:t>箇条書きにまとめる</a:t>
+              <a:t>論文やスライド全体のプロット</a:t>
             </a:r>
             <a:endParaRPr lang="en-US" altLang="ja-JP" dirty="0"/>
           </a:p>
           <a:p>
             <a:pPr lvl="1"/>
             <a:r>
-              <a:rPr kumimoji="1" lang="ja-JP" altLang="en-US" dirty="0"/>
-              <a:t>論文の </a:t>
-            </a:r>
-            <a:r>
-              <a:rPr kumimoji="1" lang="en-US" altLang="ja-JP" dirty="0"/>
-              <a:t>subsubsection </a:t>
-            </a:r>
-            <a:r>
-              <a:rPr kumimoji="1" lang="ja-JP" altLang="en-US" dirty="0"/>
-              <a:t>までの節タイトル</a:t>
-            </a:r>
-            <a:endParaRPr kumimoji="1" lang="en-US" altLang="ja-JP" dirty="0"/>
+              <a:rPr lang="ja-JP" altLang="en-US" dirty="0"/>
+              <a:t>特に項目数などの形式はない：</a:t>
+            </a:r>
+            <a:endParaRPr lang="en-US" altLang="ja-JP" dirty="0"/>
+          </a:p>
+          <a:p>
+            <a:pPr lvl="2"/>
+            <a:r>
+              <a:rPr lang="ja-JP" altLang="en-US" dirty="0"/>
+              <a:t>基本的には３点プロットやイントロプロットから派生させて考える</a:t>
+            </a:r>
+            <a:endParaRPr lang="en-US" altLang="ja-JP" dirty="0"/>
+          </a:p>
+          <a:p>
+            <a:pPr lvl="2"/>
+            <a:r>
+              <a:rPr lang="ja-JP" altLang="en-US" dirty="0"/>
+              <a:t>イントロプロットでは省略されるような実装の詳細なども入る</a:t>
+            </a:r>
+            <a:endParaRPr lang="en-US" altLang="ja-JP" dirty="0"/>
+          </a:p>
+          <a:p>
+            <a:r>
+              <a:rPr lang="ja-JP" altLang="en-US" dirty="0"/>
+              <a:t>３点プロットは，いわば「プロットのプロット」</a:t>
+            </a:r>
+            <a:endParaRPr lang="en-US" altLang="ja-JP" dirty="0"/>
           </a:p>
           <a:p>
             <a:pPr lvl="1"/>
             <a:r>
-              <a:rPr kumimoji="1" lang="ja-JP" altLang="en-US" dirty="0"/>
-              <a:t>そこで何を話すか</a:t>
-            </a:r>
-            <a:endParaRPr kumimoji="1" lang="en-US" altLang="ja-JP" dirty="0"/>
-          </a:p>
-          <a:p>
-            <a:r>
               <a:rPr lang="ja-JP" altLang="en-US" dirty="0"/>
-              <a:t>スライド用：以下を</a:t>
-            </a:r>
-            <a:r>
-              <a:rPr kumimoji="1" lang="ja-JP" altLang="en-US" dirty="0"/>
-              <a:t>箇条書きにまとめる</a:t>
+              <a:t>基本的には３点プロットで整理した内容をもとに，</a:t>
+            </a:r>
+            <a:br>
+              <a:rPr lang="en-US" altLang="ja-JP" dirty="0"/>
+            </a:br>
+            <a:r>
+              <a:rPr lang="ja-JP" altLang="en-US" dirty="0"/>
+              <a:t>肉付けして全体プロットを作る</a:t>
             </a:r>
             <a:endParaRPr lang="en-US" altLang="ja-JP" dirty="0"/>
           </a:p>
           <a:p>
             <a:pPr lvl="1"/>
             <a:r>
-              <a:rPr kumimoji="1" lang="ja-JP" altLang="en-US" dirty="0"/>
-              <a:t>スライドの各ページのタイトル</a:t>
-            </a:r>
-            <a:endParaRPr kumimoji="1" lang="en-US" altLang="ja-JP" dirty="0"/>
-          </a:p>
-          <a:p>
-            <a:pPr lvl="1"/>
-            <a:r>
-              <a:rPr kumimoji="1" lang="ja-JP" altLang="en-US" dirty="0"/>
-              <a:t>そこで何を話すか</a:t>
-            </a:r>
-          </a:p>
-          <a:p>
-            <a:endParaRPr lang="ja-JP" altLang="en-US" dirty="0"/>
+              <a:rPr lang="ja-JP" altLang="en-US" dirty="0"/>
+              <a:t>いきなり全体プロットを作るのは難しい</a:t>
+            </a:r>
           </a:p>
         </p:txBody>
       </p:sp>
     </p:spTree>
     <p:extLst>
       <p:ext uri="{BB962C8B-B14F-4D97-AF65-F5344CB8AC3E}">
-        <p14:creationId xmlns:p14="http://schemas.microsoft.com/office/powerpoint/2010/main" val="492338302"/>
+        <p14:creationId xmlns:p14="http://schemas.microsoft.com/office/powerpoint/2010/main" val="57573531"/>
       </p:ext>
     </p:extLst>
   </p:cSld>
@@ -15547,7 +15590,13 @@
       </p:grpSpPr>
       <p:sp>
         <p:nvSpPr>
-          <p:cNvPr id="2" name="タイトル 1"/>
+          <p:cNvPr id="4" name="タイトル 3">
+            <a:extLst>
+              <a:ext uri="{FF2B5EF4-FFF2-40B4-BE49-F238E27FC236}">
+                <a16:creationId xmlns:a16="http://schemas.microsoft.com/office/drawing/2014/main" id="{753D130F-9E8D-16A8-53A6-8697A34BBC23}"/>
+              </a:ext>
+            </a:extLst>
+          </p:cNvPr>
           <p:cNvSpPr>
             <a:spLocks noGrp="1"/>
           </p:cNvSpPr>
@@ -15561,15 +15610,22 @@
           <a:lstStyle/>
           <a:p>
             <a:r>
-              <a:rPr kumimoji="1" lang="ja-JP" altLang="en-US" dirty="0"/>
-              <a:t>スライド用プロットの流れの例</a:t>
-            </a:r>
-          </a:p>
-        </p:txBody>
-      </p:sp>
-      <p:sp>
-        <p:nvSpPr>
-          <p:cNvPr id="3" name="テキスト プレースホルダー 2"/>
+              <a:rPr lang="ja-JP" altLang="en-US" b="1" dirty="0"/>
+              <a:t>全体プロットの構成</a:t>
+            </a:r>
+            <a:endParaRPr lang="ja-JP" altLang="en-US" dirty="0"/>
+          </a:p>
+        </p:txBody>
+      </p:sp>
+      <p:sp>
+        <p:nvSpPr>
+          <p:cNvPr id="5" name="テキスト プレースホルダー 4">
+            <a:extLst>
+              <a:ext uri="{FF2B5EF4-FFF2-40B4-BE49-F238E27FC236}">
+                <a16:creationId xmlns:a16="http://schemas.microsoft.com/office/drawing/2014/main" id="{220629E9-D9B3-68BB-D88A-B953DAE0018E}"/>
+              </a:ext>
+            </a:extLst>
+          </p:cNvPr>
           <p:cNvSpPr>
             <a:spLocks noGrp="1"/>
           </p:cNvSpPr>
@@ -15577,160 +15633,80 @@
             <p:ph type="body" sz="quarter" idx="10"/>
           </p:nvPr>
         </p:nvSpPr>
-        <p:spPr>
-          <a:xfrm>
-            <a:off x="611956" y="1268976"/>
-            <a:ext cx="8280092" cy="5039749"/>
-          </a:xfrm>
-        </p:spPr>
+        <p:spPr/>
         <p:txBody>
           <a:bodyPr/>
           <a:lstStyle/>
           <a:p>
-            <a:pPr marL="817200" lvl="1" indent="-457200">
-              <a:buFont typeface="+mj-lt"/>
-              <a:buAutoNum type="arabicPeriod"/>
-            </a:pPr>
+            <a:r>
+              <a:rPr lang="ja-JP" altLang="en-US" dirty="0"/>
+              <a:t>論文用：以下を</a:t>
+            </a:r>
             <a:r>
               <a:rPr kumimoji="1" lang="ja-JP" altLang="en-US" dirty="0"/>
-              <a:t>イントロ</a:t>
+              <a:t>箇条書きにまとめる</a:t>
+            </a:r>
+            <a:endParaRPr lang="en-US" altLang="ja-JP" dirty="0"/>
+          </a:p>
+          <a:p>
+            <a:pPr lvl="1"/>
+            <a:r>
+              <a:rPr kumimoji="1" lang="ja-JP" altLang="en-US" dirty="0"/>
+              <a:t>論文の </a:t>
+            </a:r>
+            <a:r>
+              <a:rPr kumimoji="1" lang="en-US" altLang="ja-JP" dirty="0"/>
+              <a:t>subsubsection </a:t>
+            </a:r>
+            <a:r>
+              <a:rPr kumimoji="1" lang="ja-JP" altLang="en-US" dirty="0"/>
+              <a:t>までの節タイトル</a:t>
             </a:r>
             <a:endParaRPr kumimoji="1" lang="en-US" altLang="ja-JP" dirty="0"/>
           </a:p>
           <a:p>
-            <a:pPr marL="817200" lvl="1" indent="-457200">
-              <a:buFont typeface="+mj-lt"/>
-              <a:buAutoNum type="arabicPeriod"/>
-            </a:pPr>
+            <a:pPr lvl="1"/>
             <a:r>
               <a:rPr kumimoji="1" lang="ja-JP" altLang="en-US" dirty="0"/>
-              <a:t>背景となる問題</a:t>
+              <a:t>そこで何を話すか</a:t>
             </a:r>
             <a:endParaRPr kumimoji="1" lang="en-US" altLang="ja-JP" dirty="0"/>
           </a:p>
           <a:p>
-            <a:pPr marL="817200" lvl="1" indent="-457200">
-              <a:buFont typeface="+mj-lt"/>
-              <a:buAutoNum type="arabicPeriod"/>
-            </a:pPr>
+            <a:r>
+              <a:rPr lang="ja-JP" altLang="en-US" dirty="0"/>
+              <a:t>スライド用：以下を</a:t>
+            </a:r>
             <a:r>
               <a:rPr kumimoji="1" lang="ja-JP" altLang="en-US" dirty="0"/>
-              <a:t>既存</a:t>
-            </a:r>
-            <a:r>
-              <a:rPr lang="ja-JP" altLang="en-US" dirty="0"/>
-              <a:t>手法</a:t>
+              <a:t>箇条書きにまとめる</a:t>
             </a:r>
             <a:endParaRPr lang="en-US" altLang="ja-JP" dirty="0"/>
           </a:p>
           <a:p>
-            <a:pPr marL="1177200" lvl="2" indent="-457200">
-              <a:buFont typeface="+mj-lt"/>
-              <a:buAutoNum type="arabicPeriod"/>
-            </a:pPr>
-            <a:r>
-              <a:rPr lang="ja-JP" altLang="en-US" dirty="0"/>
-              <a:t>既存手法の説明</a:t>
-            </a:r>
-            <a:endParaRPr lang="en-US" altLang="ja-JP" dirty="0"/>
-          </a:p>
-          <a:p>
-            <a:pPr marL="1177200" lvl="2" indent="-457200">
-              <a:buFont typeface="+mj-lt"/>
-              <a:buAutoNum type="arabicPeriod"/>
-            </a:pPr>
-            <a:r>
-              <a:rPr lang="ja-JP" altLang="en-US" dirty="0"/>
-              <a:t>既存手法の問題</a:t>
-            </a:r>
-            <a:endParaRPr lang="en-US" altLang="ja-JP" dirty="0"/>
-          </a:p>
-          <a:p>
-            <a:pPr marL="817200" lvl="1" indent="-457200">
-              <a:buFont typeface="+mj-lt"/>
-              <a:buAutoNum type="arabicPeriod"/>
-            </a:pPr>
+            <a:pPr lvl="1"/>
             <a:r>
               <a:rPr kumimoji="1" lang="ja-JP" altLang="en-US" dirty="0"/>
-              <a:t>提案手法</a:t>
+              <a:t>スライドの各ページのタイトル</a:t>
             </a:r>
             <a:endParaRPr kumimoji="1" lang="en-US" altLang="ja-JP" dirty="0"/>
           </a:p>
           <a:p>
-            <a:pPr marL="1177200" lvl="2" indent="-457200">
-              <a:buFont typeface="+mj-lt"/>
-              <a:buAutoNum type="arabicPeriod"/>
-            </a:pPr>
+            <a:pPr lvl="1"/>
             <a:r>
               <a:rPr kumimoji="1" lang="ja-JP" altLang="en-US" dirty="0"/>
-              <a:t>アイデア</a:t>
-            </a:r>
-            <a:endParaRPr kumimoji="1" lang="en-US" altLang="ja-JP" dirty="0"/>
-          </a:p>
-          <a:p>
-            <a:pPr marL="1177200" lvl="2" indent="-457200">
-              <a:buFont typeface="+mj-lt"/>
-              <a:buAutoNum type="arabicPeriod"/>
-            </a:pPr>
-            <a:r>
-              <a:rPr kumimoji="1" lang="ja-JP" altLang="en-US" dirty="0"/>
-              <a:t>実装：構成，動作，例</a:t>
-            </a:r>
-            <a:endParaRPr kumimoji="1" lang="en-US" altLang="ja-JP" dirty="0"/>
-          </a:p>
-          <a:p>
-            <a:pPr marL="1177200" lvl="2" indent="-457200">
-              <a:buFont typeface="+mj-lt"/>
-              <a:buAutoNum type="arabicPeriod"/>
-            </a:pPr>
-            <a:r>
-              <a:rPr kumimoji="1" lang="ja-JP" altLang="en-US" dirty="0"/>
-              <a:t>既存手法との比較</a:t>
-            </a:r>
-            <a:endParaRPr kumimoji="1" lang="en-US" altLang="ja-JP" dirty="0"/>
-          </a:p>
-          <a:p>
-            <a:pPr marL="817200" lvl="1" indent="-457200">
-              <a:buFont typeface="+mj-lt"/>
-              <a:buAutoNum type="arabicPeriod"/>
-            </a:pPr>
-            <a:r>
-              <a:rPr kumimoji="1" lang="ja-JP" altLang="en-US" dirty="0"/>
-              <a:t>評価</a:t>
-            </a:r>
-            <a:endParaRPr kumimoji="1" lang="en-US" altLang="ja-JP" dirty="0"/>
-          </a:p>
-          <a:p>
-            <a:pPr marL="817200" lvl="1" indent="-457200">
-              <a:buFont typeface="+mj-lt"/>
-              <a:buAutoNum type="arabicPeriod"/>
-            </a:pPr>
-            <a:r>
-              <a:rPr kumimoji="1" lang="ja-JP" altLang="en-US" dirty="0"/>
-              <a:t>まとめ</a:t>
-            </a:r>
-            <a:endParaRPr kumimoji="1" lang="en-US" altLang="ja-JP" dirty="0"/>
-          </a:p>
-          <a:p>
-            <a:pPr marL="817200" lvl="1" indent="-457200">
-              <a:buFont typeface="+mj-lt"/>
-              <a:buAutoNum type="arabicPeriod"/>
-            </a:pPr>
-            <a:endParaRPr lang="en-US" altLang="ja-JP" dirty="0"/>
-          </a:p>
-          <a:p>
-            <a:pPr lvl="1"/>
-            <a:r>
-              <a:rPr kumimoji="1" lang="ja-JP" altLang="en-US" dirty="0"/>
-              <a:t>たとえば上記それぞれの項目に１～４ページ程度を割り当てる</a:t>
-            </a:r>
+              <a:t>そこで何を話すか</a:t>
+            </a:r>
+          </a:p>
+          <a:p>
+            <a:endParaRPr lang="ja-JP" altLang="en-US" dirty="0"/>
           </a:p>
         </p:txBody>
       </p:sp>
     </p:spTree>
     <p:extLst>
       <p:ext uri="{BB962C8B-B14F-4D97-AF65-F5344CB8AC3E}">
-        <p14:creationId xmlns:p14="http://schemas.microsoft.com/office/powerpoint/2010/main" val="2044035977"/>
+        <p14:creationId xmlns:p14="http://schemas.microsoft.com/office/powerpoint/2010/main" val="492338302"/>
       </p:ext>
     </p:extLst>
   </p:cSld>
@@ -15767,13 +15743,7 @@
       </p:grpSpPr>
       <p:sp>
         <p:nvSpPr>
-          <p:cNvPr id="6" name="タイトル 5">
-            <a:extLst>
-              <a:ext uri="{FF2B5EF4-FFF2-40B4-BE49-F238E27FC236}">
-                <a16:creationId xmlns:a16="http://schemas.microsoft.com/office/drawing/2014/main" id="{8747E992-D7C8-B607-3243-8F1C4EBCDADD}"/>
-              </a:ext>
-            </a:extLst>
-          </p:cNvPr>
+          <p:cNvPr id="2" name="タイトル 1"/>
           <p:cNvSpPr>
             <a:spLocks noGrp="1"/>
           </p:cNvSpPr>
@@ -15787,8 +15757,168 @@
           <a:lstStyle/>
           <a:p>
             <a:r>
-              <a:rPr lang="ja-JP" altLang="en-US" b="1" dirty="0"/>
-              <a:t>プロットから文章へ</a:t>
+              <a:rPr kumimoji="1" lang="ja-JP" altLang="en-US" dirty="0"/>
+              <a:t>スライド用プロットの流れの例</a:t>
+            </a:r>
+          </a:p>
+        </p:txBody>
+      </p:sp>
+      <p:sp>
+        <p:nvSpPr>
+          <p:cNvPr id="3" name="テキスト プレースホルダー 2"/>
+          <p:cNvSpPr>
+            <a:spLocks noGrp="1"/>
+          </p:cNvSpPr>
+          <p:nvPr>
+            <p:ph type="body" sz="quarter" idx="10"/>
+          </p:nvPr>
+        </p:nvSpPr>
+        <p:spPr>
+          <a:xfrm>
+            <a:off x="611956" y="1268976"/>
+            <a:ext cx="8280092" cy="5039749"/>
+          </a:xfrm>
+        </p:spPr>
+        <p:txBody>
+          <a:bodyPr/>
+          <a:lstStyle/>
+          <a:p>
+            <a:pPr marL="817200" lvl="1" indent="-457200">
+              <a:buFont typeface="+mj-lt"/>
+              <a:buAutoNum type="arabicPeriod"/>
+            </a:pPr>
+            <a:r>
+              <a:rPr kumimoji="1" lang="ja-JP" altLang="en-US" dirty="0"/>
+              <a:t>イントロ</a:t>
+            </a:r>
+            <a:endParaRPr kumimoji="1" lang="en-US" altLang="ja-JP" dirty="0"/>
+          </a:p>
+          <a:p>
+            <a:pPr marL="817200" lvl="1" indent="-457200">
+              <a:buFont typeface="+mj-lt"/>
+              <a:buAutoNum type="arabicPeriod"/>
+            </a:pPr>
+            <a:r>
+              <a:rPr kumimoji="1" lang="ja-JP" altLang="en-US" dirty="0"/>
+              <a:t>背景となる問題</a:t>
+            </a:r>
+            <a:endParaRPr kumimoji="1" lang="en-US" altLang="ja-JP" dirty="0"/>
+          </a:p>
+          <a:p>
+            <a:pPr marL="817200" lvl="1" indent="-457200">
+              <a:buFont typeface="+mj-lt"/>
+              <a:buAutoNum type="arabicPeriod"/>
+            </a:pPr>
+            <a:r>
+              <a:rPr kumimoji="1" lang="ja-JP" altLang="en-US" dirty="0"/>
+              <a:t>既存</a:t>
+            </a:r>
+            <a:r>
+              <a:rPr lang="ja-JP" altLang="en-US" dirty="0"/>
+              <a:t>手法</a:t>
+            </a:r>
+            <a:endParaRPr lang="en-US" altLang="ja-JP" dirty="0"/>
+          </a:p>
+          <a:p>
+            <a:pPr marL="1177200" lvl="2" indent="-457200">
+              <a:buFont typeface="+mj-lt"/>
+              <a:buAutoNum type="arabicPeriod"/>
+            </a:pPr>
+            <a:r>
+              <a:rPr lang="ja-JP" altLang="en-US" dirty="0"/>
+              <a:t>既存手法の説明</a:t>
+            </a:r>
+            <a:endParaRPr lang="en-US" altLang="ja-JP" dirty="0"/>
+          </a:p>
+          <a:p>
+            <a:pPr marL="1177200" lvl="2" indent="-457200">
+              <a:buFont typeface="+mj-lt"/>
+              <a:buAutoNum type="arabicPeriod"/>
+            </a:pPr>
+            <a:r>
+              <a:rPr lang="ja-JP" altLang="en-US" dirty="0"/>
+              <a:t>既存手法の問題</a:t>
+            </a:r>
+            <a:endParaRPr lang="en-US" altLang="ja-JP" dirty="0"/>
+          </a:p>
+          <a:p>
+            <a:pPr marL="817200" lvl="1" indent="-457200">
+              <a:buFont typeface="+mj-lt"/>
+              <a:buAutoNum type="arabicPeriod"/>
+            </a:pPr>
+            <a:r>
+              <a:rPr kumimoji="1" lang="ja-JP" altLang="en-US" dirty="0"/>
+              <a:t>提案手法</a:t>
+            </a:r>
+            <a:endParaRPr kumimoji="1" lang="en-US" altLang="ja-JP" dirty="0"/>
+          </a:p>
+          <a:p>
+            <a:pPr marL="1177200" lvl="2" indent="-457200">
+              <a:buFont typeface="+mj-lt"/>
+              <a:buAutoNum type="arabicPeriod"/>
+            </a:pPr>
+            <a:r>
+              <a:rPr kumimoji="1" lang="ja-JP" altLang="en-US" dirty="0"/>
+              <a:t>アイデア</a:t>
+            </a:r>
+            <a:endParaRPr kumimoji="1" lang="en-US" altLang="ja-JP" dirty="0"/>
+          </a:p>
+          <a:p>
+            <a:pPr marL="1177200" lvl="2" indent="-457200">
+              <a:buFont typeface="+mj-lt"/>
+              <a:buAutoNum type="arabicPeriod"/>
+            </a:pPr>
+            <a:r>
+              <a:rPr kumimoji="1" lang="ja-JP" altLang="en-US" dirty="0"/>
+              <a:t>実装：構成，動作，例</a:t>
+            </a:r>
+            <a:endParaRPr kumimoji="1" lang="en-US" altLang="ja-JP" dirty="0"/>
+          </a:p>
+          <a:p>
+            <a:pPr marL="1177200" lvl="2" indent="-457200">
+              <a:buFont typeface="+mj-lt"/>
+              <a:buAutoNum type="arabicPeriod"/>
+            </a:pPr>
+            <a:r>
+              <a:rPr kumimoji="1" lang="ja-JP" altLang="en-US" dirty="0"/>
+              <a:t>既存手法との比較</a:t>
+            </a:r>
+            <a:endParaRPr kumimoji="1" lang="en-US" altLang="ja-JP" dirty="0"/>
+          </a:p>
+          <a:p>
+            <a:pPr marL="817200" lvl="1" indent="-457200">
+              <a:buFont typeface="+mj-lt"/>
+              <a:buAutoNum type="arabicPeriod"/>
+            </a:pPr>
+            <a:r>
+              <a:rPr kumimoji="1" lang="ja-JP" altLang="en-US" dirty="0"/>
+              <a:t>評価</a:t>
+            </a:r>
+            <a:endParaRPr kumimoji="1" lang="en-US" altLang="ja-JP" dirty="0"/>
+          </a:p>
+          <a:p>
+            <a:pPr marL="817200" lvl="1" indent="-457200">
+              <a:buFont typeface="+mj-lt"/>
+              <a:buAutoNum type="arabicPeriod"/>
+            </a:pPr>
+            <a:r>
+              <a:rPr kumimoji="1" lang="ja-JP" altLang="en-US" dirty="0"/>
+              <a:t>まとめ</a:t>
+            </a:r>
+            <a:endParaRPr kumimoji="1" lang="en-US" altLang="ja-JP" dirty="0"/>
+          </a:p>
+          <a:p>
+            <a:pPr marL="817200" lvl="1" indent="-457200">
+              <a:buFont typeface="+mj-lt"/>
+              <a:buAutoNum type="arabicPeriod"/>
+            </a:pPr>
+            <a:endParaRPr lang="en-US" altLang="ja-JP" dirty="0"/>
+          </a:p>
+          <a:p>
+            <a:pPr lvl="1"/>
+            <a:r>
+              <a:rPr kumimoji="1" lang="ja-JP" altLang="en-US" dirty="0"/>
+              <a:t>たとえば上記それぞれの項目に１～４ページ程度を割り当てる</a:t>
             </a:r>
           </a:p>
         </p:txBody>
@@ -15796,13 +15926,21 @@
     </p:spTree>
     <p:extLst>
       <p:ext uri="{BB962C8B-B14F-4D97-AF65-F5344CB8AC3E}">
-        <p14:creationId xmlns:p14="http://schemas.microsoft.com/office/powerpoint/2010/main" val="2482668500"/>
+        <p14:creationId xmlns:p14="http://schemas.microsoft.com/office/powerpoint/2010/main" val="2044035977"/>
       </p:ext>
     </p:extLst>
   </p:cSld>
   <p:clrMapOvr>
     <a:masterClrMapping/>
   </p:clrMapOvr>
+  <mc:AlternateContent xmlns:mc="http://schemas.openxmlformats.org/markup-compatibility/2006" xmlns:p14="http://schemas.microsoft.com/office/powerpoint/2010/main">
+    <mc:Choice Requires="p14">
+      <p:transition p14:dur="10"/>
+    </mc:Choice>
+    <mc:Fallback xmlns="">
+      <p:transition/>
+    </mc:Fallback>
+  </mc:AlternateContent>
 </p:sld>
 </file>
 
@@ -15825,10 +15963,10 @@
       </p:grpSpPr>
       <p:sp>
         <p:nvSpPr>
-          <p:cNvPr id="4" name="タイトル 3">
-            <a:extLst>
-              <a:ext uri="{FF2B5EF4-FFF2-40B4-BE49-F238E27FC236}">
-                <a16:creationId xmlns:a16="http://schemas.microsoft.com/office/drawing/2014/main" id="{6562E51A-24AB-589C-C10B-60BA2743CF86}"/>
+          <p:cNvPr id="6" name="タイトル 5">
+            <a:extLst>
+              <a:ext uri="{FF2B5EF4-FFF2-40B4-BE49-F238E27FC236}">
+                <a16:creationId xmlns:a16="http://schemas.microsoft.com/office/drawing/2014/main" id="{8747E992-D7C8-B607-3243-8F1C4EBCDADD}"/>
               </a:ext>
             </a:extLst>
           </p:cNvPr>
@@ -15845,6 +15983,64 @@
           <a:lstStyle/>
           <a:p>
             <a:r>
+              <a:rPr lang="ja-JP" altLang="en-US" b="1" dirty="0"/>
+              <a:t>プロットから文章へ</a:t>
+            </a:r>
+          </a:p>
+        </p:txBody>
+      </p:sp>
+    </p:spTree>
+    <p:extLst>
+      <p:ext uri="{BB962C8B-B14F-4D97-AF65-F5344CB8AC3E}">
+        <p14:creationId xmlns:p14="http://schemas.microsoft.com/office/powerpoint/2010/main" val="2482668500"/>
+      </p:ext>
+    </p:extLst>
+  </p:cSld>
+  <p:clrMapOvr>
+    <a:masterClrMapping/>
+  </p:clrMapOvr>
+</p:sld>
+</file>
+
+<file path=ppt/slides/slide53.xml><?xml version="1.0" encoding="utf-8"?>
+<p:sld xmlns:a="http://schemas.openxmlformats.org/drawingml/2006/main" xmlns:r="http://schemas.openxmlformats.org/officeDocument/2006/relationships" xmlns:p="http://schemas.openxmlformats.org/presentationml/2006/main">
+  <p:cSld>
+    <p:spTree>
+      <p:nvGrpSpPr>
+        <p:cNvPr id="1" name=""/>
+        <p:cNvGrpSpPr/>
+        <p:nvPr/>
+      </p:nvGrpSpPr>
+      <p:grpSpPr>
+        <a:xfrm>
+          <a:off x="0" y="0"/>
+          <a:ext cx="0" cy="0"/>
+          <a:chOff x="0" y="0"/>
+          <a:chExt cx="0" cy="0"/>
+        </a:xfrm>
+      </p:grpSpPr>
+      <p:sp>
+        <p:nvSpPr>
+          <p:cNvPr id="4" name="タイトル 3">
+            <a:extLst>
+              <a:ext uri="{FF2B5EF4-FFF2-40B4-BE49-F238E27FC236}">
+                <a16:creationId xmlns:a16="http://schemas.microsoft.com/office/drawing/2014/main" id="{6562E51A-24AB-589C-C10B-60BA2743CF86}"/>
+              </a:ext>
+            </a:extLst>
+          </p:cNvPr>
+          <p:cNvSpPr>
+            <a:spLocks noGrp="1"/>
+          </p:cNvSpPr>
+          <p:nvPr>
+            <p:ph type="title"/>
+          </p:nvPr>
+        </p:nvSpPr>
+        <p:spPr/>
+        <p:txBody>
+          <a:bodyPr/>
+          <a:lstStyle/>
+          <a:p>
+            <a:r>
               <a:rPr lang="ja-JP" altLang="en-US" dirty="0"/>
               <a:t>プロットから文章やスライドへ</a:t>
             </a:r>
@@ -15979,7 +16175,7 @@
             <a:fld id="{D2D8002D-B5B0-4BAC-B1F6-782DDCCE6D9C}" type="slidenum">
               <a:rPr kumimoji="1" lang="ja-JP" altLang="en-US" smtClean="0"/>
               <a:pPr/>
-              <a:t>52</a:t>
+              <a:t>53</a:t>
             </a:fld>
             <a:endParaRPr kumimoji="1" lang="ja-JP" altLang="en-US"/>
           </a:p>
@@ -16006,7 +16202,7 @@
 </p:sld>
 </file>
 
-<file path=ppt/slides/slide53.xml><?xml version="1.0" encoding="utf-8"?>
+<file path=ppt/slides/slide54.xml><?xml version="1.0" encoding="utf-8"?>
 <p:sld xmlns:a="http://schemas.openxmlformats.org/drawingml/2006/main" xmlns:r="http://schemas.openxmlformats.org/officeDocument/2006/relationships" xmlns:p="http://schemas.openxmlformats.org/presentationml/2006/main">
   <p:cSld>
     <p:spTree>
@@ -16232,7 +16428,7 @@
 </p:sld>
 </file>
 
-<file path=ppt/slides/slide54.xml><?xml version="1.0" encoding="utf-8"?>
+<file path=ppt/slides/slide55.xml><?xml version="1.0" encoding="utf-8"?>
 <p:sld xmlns:a="http://schemas.openxmlformats.org/drawingml/2006/main" xmlns:r="http://schemas.openxmlformats.org/officeDocument/2006/relationships" xmlns:p="http://schemas.openxmlformats.org/presentationml/2006/main">
   <p:cSld>
     <p:spTree>
@@ -19818,7 +20014,7 @@
 </p:sld>
 </file>
 
-<file path=ppt/slides/slide55.xml><?xml version="1.0" encoding="utf-8"?>
+<file path=ppt/slides/slide56.xml><?xml version="1.0" encoding="utf-8"?>
 <p:sld xmlns:a="http://schemas.openxmlformats.org/drawingml/2006/main" xmlns:r="http://schemas.openxmlformats.org/officeDocument/2006/relationships" xmlns:p="http://schemas.openxmlformats.org/presentationml/2006/main">
   <p:cSld>
     <p:spTree>
@@ -23404,7 +23600,7 @@
 </p:sld>
 </file>
 
-<file path=ppt/slides/slide56.xml><?xml version="1.0" encoding="utf-8"?>
+<file path=ppt/slides/slide57.xml><?xml version="1.0" encoding="utf-8"?>
 <p:sld xmlns:a="http://schemas.openxmlformats.org/drawingml/2006/main" xmlns:r="http://schemas.openxmlformats.org/officeDocument/2006/relationships" xmlns:p="http://schemas.openxmlformats.org/presentationml/2006/main">
   <p:cSld>
     <p:spTree>
@@ -23462,7 +23658,7 @@
 </p:sld>
 </file>
 
-<file path=ppt/slides/slide57.xml><?xml version="1.0" encoding="utf-8"?>
+<file path=ppt/slides/slide58.xml><?xml version="1.0" encoding="utf-8"?>
 <p:sld xmlns:a="http://schemas.openxmlformats.org/drawingml/2006/main" xmlns:r="http://schemas.openxmlformats.org/officeDocument/2006/relationships" xmlns:p="http://schemas.openxmlformats.org/presentationml/2006/main">
   <p:cSld>
     <p:spTree>

--- a/plot.pptx
+++ b/plot.pptx
@@ -5,67 +5,68 @@
     <p:sldMasterId id="2147483669" r:id="rId1"/>
   </p:sldMasterIdLst>
   <p:notesMasterIdLst>
-    <p:notesMasterId r:id="rId60"/>
+    <p:notesMasterId r:id="rId61"/>
   </p:notesMasterIdLst>
   <p:sldIdLst>
     <p:sldId id="440" r:id="rId2"/>
     <p:sldId id="456" r:id="rId3"/>
     <p:sldId id="484" r:id="rId4"/>
     <p:sldId id="441" r:id="rId5"/>
-    <p:sldId id="446" r:id="rId6"/>
-    <p:sldId id="487" r:id="rId7"/>
-    <p:sldId id="465" r:id="rId8"/>
-    <p:sldId id="468" r:id="rId9"/>
-    <p:sldId id="480" r:id="rId10"/>
-    <p:sldId id="451" r:id="rId11"/>
-    <p:sldId id="469" r:id="rId12"/>
-    <p:sldId id="448" r:id="rId13"/>
-    <p:sldId id="497" r:id="rId14"/>
-    <p:sldId id="458" r:id="rId15"/>
-    <p:sldId id="443" r:id="rId16"/>
-    <p:sldId id="454" r:id="rId17"/>
-    <p:sldId id="442" r:id="rId18"/>
-    <p:sldId id="502" r:id="rId19"/>
-    <p:sldId id="494" r:id="rId20"/>
-    <p:sldId id="495" r:id="rId21"/>
-    <p:sldId id="455" r:id="rId22"/>
-    <p:sldId id="470" r:id="rId23"/>
-    <p:sldId id="449" r:id="rId24"/>
-    <p:sldId id="491" r:id="rId25"/>
-    <p:sldId id="467" r:id="rId26"/>
-    <p:sldId id="492" r:id="rId27"/>
-    <p:sldId id="493" r:id="rId28"/>
-    <p:sldId id="496" r:id="rId29"/>
-    <p:sldId id="498" r:id="rId30"/>
-    <p:sldId id="450" r:id="rId31"/>
-    <p:sldId id="473" r:id="rId32"/>
-    <p:sldId id="474" r:id="rId33"/>
-    <p:sldId id="499" r:id="rId34"/>
-    <p:sldId id="475" r:id="rId35"/>
-    <p:sldId id="477" r:id="rId36"/>
-    <p:sldId id="500" r:id="rId37"/>
-    <p:sldId id="501" r:id="rId38"/>
-    <p:sldId id="453" r:id="rId39"/>
-    <p:sldId id="444" r:id="rId40"/>
-    <p:sldId id="445" r:id="rId41"/>
-    <p:sldId id="460" r:id="rId42"/>
-    <p:sldId id="459" r:id="rId43"/>
-    <p:sldId id="461" r:id="rId44"/>
-    <p:sldId id="447" r:id="rId45"/>
-    <p:sldId id="462" r:id="rId46"/>
-    <p:sldId id="485" r:id="rId47"/>
-    <p:sldId id="486" r:id="rId48"/>
-    <p:sldId id="463" r:id="rId49"/>
-    <p:sldId id="464" r:id="rId50"/>
-    <p:sldId id="466" r:id="rId51"/>
-    <p:sldId id="269" r:id="rId52"/>
-    <p:sldId id="478" r:id="rId53"/>
-    <p:sldId id="479" r:id="rId54"/>
-    <p:sldId id="481" r:id="rId55"/>
-    <p:sldId id="482" r:id="rId56"/>
-    <p:sldId id="483" r:id="rId57"/>
-    <p:sldId id="471" r:id="rId58"/>
-    <p:sldId id="472" r:id="rId59"/>
+    <p:sldId id="503" r:id="rId6"/>
+    <p:sldId id="446" r:id="rId7"/>
+    <p:sldId id="487" r:id="rId8"/>
+    <p:sldId id="465" r:id="rId9"/>
+    <p:sldId id="468" r:id="rId10"/>
+    <p:sldId id="480" r:id="rId11"/>
+    <p:sldId id="451" r:id="rId12"/>
+    <p:sldId id="469" r:id="rId13"/>
+    <p:sldId id="448" r:id="rId14"/>
+    <p:sldId id="497" r:id="rId15"/>
+    <p:sldId id="458" r:id="rId16"/>
+    <p:sldId id="443" r:id="rId17"/>
+    <p:sldId id="454" r:id="rId18"/>
+    <p:sldId id="442" r:id="rId19"/>
+    <p:sldId id="502" r:id="rId20"/>
+    <p:sldId id="494" r:id="rId21"/>
+    <p:sldId id="495" r:id="rId22"/>
+    <p:sldId id="455" r:id="rId23"/>
+    <p:sldId id="470" r:id="rId24"/>
+    <p:sldId id="449" r:id="rId25"/>
+    <p:sldId id="491" r:id="rId26"/>
+    <p:sldId id="467" r:id="rId27"/>
+    <p:sldId id="492" r:id="rId28"/>
+    <p:sldId id="493" r:id="rId29"/>
+    <p:sldId id="496" r:id="rId30"/>
+    <p:sldId id="498" r:id="rId31"/>
+    <p:sldId id="450" r:id="rId32"/>
+    <p:sldId id="473" r:id="rId33"/>
+    <p:sldId id="474" r:id="rId34"/>
+    <p:sldId id="499" r:id="rId35"/>
+    <p:sldId id="475" r:id="rId36"/>
+    <p:sldId id="477" r:id="rId37"/>
+    <p:sldId id="500" r:id="rId38"/>
+    <p:sldId id="501" r:id="rId39"/>
+    <p:sldId id="453" r:id="rId40"/>
+    <p:sldId id="444" r:id="rId41"/>
+    <p:sldId id="445" r:id="rId42"/>
+    <p:sldId id="460" r:id="rId43"/>
+    <p:sldId id="459" r:id="rId44"/>
+    <p:sldId id="461" r:id="rId45"/>
+    <p:sldId id="447" r:id="rId46"/>
+    <p:sldId id="462" r:id="rId47"/>
+    <p:sldId id="485" r:id="rId48"/>
+    <p:sldId id="486" r:id="rId49"/>
+    <p:sldId id="463" r:id="rId50"/>
+    <p:sldId id="464" r:id="rId51"/>
+    <p:sldId id="466" r:id="rId52"/>
+    <p:sldId id="269" r:id="rId53"/>
+    <p:sldId id="478" r:id="rId54"/>
+    <p:sldId id="479" r:id="rId55"/>
+    <p:sldId id="481" r:id="rId56"/>
+    <p:sldId id="482" r:id="rId57"/>
+    <p:sldId id="483" r:id="rId58"/>
+    <p:sldId id="471" r:id="rId59"/>
+    <p:sldId id="472" r:id="rId60"/>
   </p:sldIdLst>
   <p:sldSz cx="9144000" cy="6858000" type="screen4x3"/>
   <p:notesSz cx="6858000" cy="9144000"/>
@@ -177,6 +178,7 @@
           <p14:sldIdLst>
             <p14:sldId id="484"/>
             <p14:sldId id="441"/>
+            <p14:sldId id="503"/>
             <p14:sldId id="446"/>
             <p14:sldId id="487"/>
             <p14:sldId id="465"/>
@@ -366,7 +368,7 @@
           <a:p>
             <a:fld id="{2ABE53D4-1A7B-4FFE-8A95-4265B045F058}" type="datetimeFigureOut">
               <a:rPr kumimoji="1" lang="ja-JP" altLang="en-US" smtClean="0"/>
-              <a:t>2022/12/7</a:t>
+              <a:t>2022/12/10</a:t>
             </a:fld>
             <a:endParaRPr kumimoji="1" lang="ja-JP" altLang="en-US"/>
           </a:p>
@@ -3251,7 +3253,7 @@
             </a:r>
             <a:r>
               <a:rPr kumimoji="1" lang="en-US" altLang="ja-JP" sz="2800"/>
-              <a:t>v12</a:t>
+              <a:t>v13</a:t>
             </a:r>
             <a:endParaRPr kumimoji="1" lang="ja-JP" altLang="en-US" sz="2800" dirty="0"/>
           </a:p>
@@ -3575,10 +3577,10 @@
       </p:grpSpPr>
       <p:sp>
         <p:nvSpPr>
-          <p:cNvPr id="4" name="タイトル 3">
-            <a:extLst>
-              <a:ext uri="{FF2B5EF4-FFF2-40B4-BE49-F238E27FC236}">
-                <a16:creationId xmlns:a16="http://schemas.microsoft.com/office/drawing/2014/main" id="{0D2A82C6-DA1C-4233-E35B-A8BA1309BA85}"/>
+          <p:cNvPr id="2" name="タイトル 1">
+            <a:extLst>
+              <a:ext uri="{FF2B5EF4-FFF2-40B4-BE49-F238E27FC236}">
+                <a16:creationId xmlns:a16="http://schemas.microsoft.com/office/drawing/2014/main" id="{B70F51C2-EEAA-9214-0B65-47FF08BE573E}"/>
               </a:ext>
             </a:extLst>
           </p:cNvPr>
@@ -3595,8 +3597,99 @@
           <a:lstStyle/>
           <a:p>
             <a:r>
-              <a:rPr lang="ja-JP" altLang="en-US" b="1" dirty="0"/>
+              <a:rPr kumimoji="1" lang="ja-JP" altLang="en-US" dirty="0"/>
+              <a:t>全体の目次</a:t>
+            </a:r>
+          </a:p>
+        </p:txBody>
+      </p:sp>
+      <p:sp>
+        <p:nvSpPr>
+          <p:cNvPr id="3" name="テキスト プレースホルダー 2">
+            <a:extLst>
+              <a:ext uri="{FF2B5EF4-FFF2-40B4-BE49-F238E27FC236}">
+                <a16:creationId xmlns:a16="http://schemas.microsoft.com/office/drawing/2014/main" id="{9CB1C79B-10E6-3D35-2C88-555DEFFB6C5A}"/>
+              </a:ext>
+            </a:extLst>
+          </p:cNvPr>
+          <p:cNvSpPr>
+            <a:spLocks noGrp="1"/>
+          </p:cNvSpPr>
+          <p:nvPr>
+            <p:ph type="body" sz="quarter" idx="10"/>
+          </p:nvPr>
+        </p:nvSpPr>
+        <p:spPr/>
+        <p:txBody>
+          <a:bodyPr/>
+          <a:lstStyle/>
+          <a:p>
+            <a:pPr marL="457200" indent="-457200">
+              <a:buFont typeface="+mj-lt"/>
+              <a:buAutoNum type="arabicPeriod"/>
+            </a:pPr>
+            <a:r>
+              <a:rPr kumimoji="1" lang="ja-JP" altLang="en-US" dirty="0"/>
+              <a:t>プロットの作り方</a:t>
+            </a:r>
+            <a:endParaRPr kumimoji="1" lang="en-US" altLang="ja-JP" dirty="0"/>
+          </a:p>
+          <a:p>
+            <a:pPr marL="817200" lvl="1" indent="-457200">
+              <a:buFont typeface="+mj-lt"/>
+              <a:buAutoNum type="arabicPeriod"/>
+            </a:pPr>
+            <a:r>
+              <a:rPr kumimoji="1" lang="ja-JP" altLang="en-US" dirty="0"/>
               <a:t>３点プロット</a:t>
+            </a:r>
+            <a:endParaRPr kumimoji="1" lang="en-US" altLang="ja-JP" dirty="0"/>
+          </a:p>
+          <a:p>
+            <a:pPr marL="817200" lvl="1" indent="-457200">
+              <a:buFont typeface="+mj-lt"/>
+              <a:buAutoNum type="arabicPeriod"/>
+            </a:pPr>
+            <a:r>
+              <a:rPr kumimoji="1" lang="ja-JP" altLang="en-US" dirty="0"/>
+              <a:t>目標規定文</a:t>
+            </a:r>
+            <a:endParaRPr kumimoji="1" lang="en-US" altLang="ja-JP" dirty="0"/>
+          </a:p>
+          <a:p>
+            <a:pPr marL="817200" lvl="1" indent="-457200">
+              <a:buFont typeface="+mj-lt"/>
+              <a:buAutoNum type="arabicPeriod"/>
+            </a:pPr>
+            <a:r>
+              <a:rPr kumimoji="1" lang="ja-JP" altLang="en-US" dirty="0"/>
+              <a:t>イントロプロット</a:t>
+            </a:r>
+            <a:endParaRPr kumimoji="1" lang="en-US" altLang="ja-JP" dirty="0"/>
+          </a:p>
+          <a:p>
+            <a:pPr marL="817200" lvl="1" indent="-457200">
+              <a:buFont typeface="+mj-lt"/>
+              <a:buAutoNum type="arabicPeriod"/>
+            </a:pPr>
+            <a:r>
+              <a:rPr lang="ja-JP" altLang="en-US" dirty="0"/>
+              <a:t>全体</a:t>
+            </a:r>
+            <a:r>
+              <a:rPr kumimoji="1" lang="ja-JP" altLang="en-US" dirty="0"/>
+              <a:t>プロット</a:t>
+            </a:r>
+            <a:endParaRPr kumimoji="1" lang="en-US" altLang="ja-JP" dirty="0"/>
+          </a:p>
+          <a:p>
+            <a:pPr marL="457200" indent="-457200">
+              <a:buFont typeface="+mj-lt"/>
+              <a:buAutoNum type="arabicPeriod"/>
+            </a:pPr>
+            <a:r>
+              <a:rPr kumimoji="1" lang="ja-JP" altLang="en-US" dirty="0"/>
+              <a:t>プロットから文章へ</a:t>
             </a:r>
           </a:p>
         </p:txBody>
@@ -3604,13 +3697,21 @@
     </p:spTree>
     <p:extLst>
       <p:ext uri="{BB962C8B-B14F-4D97-AF65-F5344CB8AC3E}">
-        <p14:creationId xmlns:p14="http://schemas.microsoft.com/office/powerpoint/2010/main" val="2327510675"/>
+        <p14:creationId xmlns:p14="http://schemas.microsoft.com/office/powerpoint/2010/main" val="3494943832"/>
       </p:ext>
     </p:extLst>
   </p:cSld>
   <p:clrMapOvr>
     <a:masterClrMapping/>
   </p:clrMapOvr>
+  <mc:AlternateContent xmlns:mc="http://schemas.openxmlformats.org/markup-compatibility/2006" xmlns:p14="http://schemas.microsoft.com/office/powerpoint/2010/main">
+    <mc:Choice Requires="p14">
+      <p:transition p14:dur="10"/>
+    </mc:Choice>
+    <mc:Fallback xmlns="">
+      <p:transition/>
+    </mc:Fallback>
+  </mc:AlternateContent>
 </p:sld>
 </file>
 
@@ -3633,10 +3734,10 @@
       </p:grpSpPr>
       <p:sp>
         <p:nvSpPr>
-          <p:cNvPr id="6" name="タイトル 5">
-            <a:extLst>
-              <a:ext uri="{FF2B5EF4-FFF2-40B4-BE49-F238E27FC236}">
-                <a16:creationId xmlns:a16="http://schemas.microsoft.com/office/drawing/2014/main" id="{0C5C5263-A46C-250C-79B4-37EF4633D8AE}"/>
+          <p:cNvPr id="4" name="タイトル 3">
+            <a:extLst>
+              <a:ext uri="{FF2B5EF4-FFF2-40B4-BE49-F238E27FC236}">
+                <a16:creationId xmlns:a16="http://schemas.microsoft.com/office/drawing/2014/main" id="{0D2A82C6-DA1C-4233-E35B-A8BA1309BA85}"/>
               </a:ext>
             </a:extLst>
           </p:cNvPr>
@@ -3653,73 +3754,8 @@
           <a:lstStyle/>
           <a:p>
             <a:r>
-              <a:rPr kumimoji="1" lang="ja-JP" altLang="en-US" dirty="0"/>
-              <a:t>３点プロットの目次</a:t>
-            </a:r>
-          </a:p>
-        </p:txBody>
-      </p:sp>
-      <p:sp>
-        <p:nvSpPr>
-          <p:cNvPr id="7" name="テキスト プレースホルダー 6">
-            <a:extLst>
-              <a:ext uri="{FF2B5EF4-FFF2-40B4-BE49-F238E27FC236}">
-                <a16:creationId xmlns:a16="http://schemas.microsoft.com/office/drawing/2014/main" id="{12EFEECB-8119-A100-9FB5-F471FDE43EF4}"/>
-              </a:ext>
-            </a:extLst>
-          </p:cNvPr>
-          <p:cNvSpPr>
-            <a:spLocks noGrp="1"/>
-          </p:cNvSpPr>
-          <p:nvPr>
-            <p:ph type="body" sz="quarter" idx="10"/>
-          </p:nvPr>
-        </p:nvSpPr>
-        <p:spPr/>
-        <p:txBody>
-          <a:bodyPr/>
-          <a:lstStyle/>
-          <a:p>
-            <a:pPr marL="457200" indent="-457200">
-              <a:buFont typeface="+mj-lt"/>
-              <a:buAutoNum type="arabicPeriod"/>
-            </a:pPr>
-            <a:r>
-              <a:rPr kumimoji="1" lang="ja-JP" altLang="en-US" dirty="0"/>
-              <a:t>３点プロットとは</a:t>
-            </a:r>
-            <a:endParaRPr kumimoji="1" lang="en-US" altLang="ja-JP" dirty="0"/>
-          </a:p>
-          <a:p>
-            <a:pPr marL="457200" indent="-457200">
-              <a:buFont typeface="+mj-lt"/>
-              <a:buAutoNum type="arabicPeriod"/>
-            </a:pPr>
-            <a:r>
-              <a:rPr kumimoji="1" lang="ja-JP" altLang="en-US" dirty="0"/>
-              <a:t>作り方</a:t>
-            </a:r>
-            <a:endParaRPr kumimoji="1" lang="en-US" altLang="ja-JP" dirty="0"/>
-          </a:p>
-          <a:p>
-            <a:pPr marL="817200" lvl="1" indent="-457200">
-              <a:buFont typeface="+mj-lt"/>
-              <a:buAutoNum type="arabicPeriod"/>
-            </a:pPr>
-            <a:r>
-              <a:rPr kumimoji="1" lang="ja-JP" altLang="en-US" dirty="0"/>
-              <a:t>内容のまとめかた</a:t>
-            </a:r>
-            <a:endParaRPr kumimoji="1" lang="en-US" altLang="ja-JP" dirty="0"/>
-          </a:p>
-          <a:p>
-            <a:pPr marL="817200" lvl="1" indent="-457200">
-              <a:buFont typeface="+mj-lt"/>
-              <a:buAutoNum type="arabicPeriod"/>
-            </a:pPr>
-            <a:r>
-              <a:rPr kumimoji="1" lang="ja-JP" altLang="en-US" dirty="0"/>
-              <a:t>箇条書きの作り方</a:t>
+              <a:rPr lang="ja-JP" altLang="en-US" b="1" dirty="0"/>
+              <a:t>３点プロット</a:t>
             </a:r>
           </a:p>
         </p:txBody>
@@ -3727,21 +3763,13 @@
     </p:spTree>
     <p:extLst>
       <p:ext uri="{BB962C8B-B14F-4D97-AF65-F5344CB8AC3E}">
-        <p14:creationId xmlns:p14="http://schemas.microsoft.com/office/powerpoint/2010/main" val="132425648"/>
+        <p14:creationId xmlns:p14="http://schemas.microsoft.com/office/powerpoint/2010/main" val="2327510675"/>
       </p:ext>
     </p:extLst>
   </p:cSld>
   <p:clrMapOvr>
     <a:masterClrMapping/>
   </p:clrMapOvr>
-  <mc:AlternateContent xmlns:mc="http://schemas.openxmlformats.org/markup-compatibility/2006" xmlns:p14="http://schemas.microsoft.com/office/powerpoint/2010/main">
-    <mc:Choice Requires="p14">
-      <p:transition p14:dur="10"/>
-    </mc:Choice>
-    <mc:Fallback xmlns="">
-      <p:transition/>
-    </mc:Fallback>
-  </mc:AlternateContent>
 </p:sld>
 </file>
 
@@ -3764,10 +3792,10 @@
       </p:grpSpPr>
       <p:sp>
         <p:nvSpPr>
-          <p:cNvPr id="2" name="タイトル 1">
-            <a:extLst>
-              <a:ext uri="{FF2B5EF4-FFF2-40B4-BE49-F238E27FC236}">
-                <a16:creationId xmlns:a16="http://schemas.microsoft.com/office/drawing/2014/main" id="{5495249E-5784-30A1-9425-0AD2EDA550D0}"/>
+          <p:cNvPr id="6" name="タイトル 5">
+            <a:extLst>
+              <a:ext uri="{FF2B5EF4-FFF2-40B4-BE49-F238E27FC236}">
+                <a16:creationId xmlns:a16="http://schemas.microsoft.com/office/drawing/2014/main" id="{0C5C5263-A46C-250C-79B4-37EF4633D8AE}"/>
               </a:ext>
             </a:extLst>
           </p:cNvPr>
@@ -3785,24 +3813,17 @@
           <a:p>
             <a:r>
               <a:rPr kumimoji="1" lang="ja-JP" altLang="en-US" dirty="0"/>
-              <a:t>３点プロット：</a:t>
-            </a:r>
-            <a:br>
-              <a:rPr kumimoji="1" lang="en-US" altLang="ja-JP" dirty="0"/>
-            </a:br>
-            <a:r>
-              <a:rPr kumimoji="1" lang="ja-JP" altLang="en-US" dirty="0"/>
-              <a:t>背景，課題，提案の３点で話の筋をまとめる</a:t>
-            </a:r>
-          </a:p>
-        </p:txBody>
-      </p:sp>
-      <p:sp>
-        <p:nvSpPr>
-          <p:cNvPr id="3" name="テキスト プレースホルダー 2">
-            <a:extLst>
-              <a:ext uri="{FF2B5EF4-FFF2-40B4-BE49-F238E27FC236}">
-                <a16:creationId xmlns:a16="http://schemas.microsoft.com/office/drawing/2014/main" id="{434C8495-CDEB-3716-81CF-61358DAF8B15}"/>
+              <a:t>３点プロットの目次</a:t>
+            </a:r>
+          </a:p>
+        </p:txBody>
+      </p:sp>
+      <p:sp>
+        <p:nvSpPr>
+          <p:cNvPr id="7" name="テキスト プレースホルダー 6">
+            <a:extLst>
+              <a:ext uri="{FF2B5EF4-FFF2-40B4-BE49-F238E27FC236}">
+                <a16:creationId xmlns:a16="http://schemas.microsoft.com/office/drawing/2014/main" id="{12EFEECB-8119-A100-9FB5-F471FDE43EF4}"/>
               </a:ext>
             </a:extLst>
           </p:cNvPr>
@@ -3823,42 +3844,10 @@
               <a:buAutoNum type="arabicPeriod"/>
             </a:pPr>
             <a:r>
-              <a:rPr kumimoji="1" lang="ja-JP" altLang="en-US" sz="1800" dirty="0">
-                <a:solidFill>
-                  <a:schemeClr val="accent5"/>
-                </a:solidFill>
-              </a:rPr>
-              <a:t>背景：主張全体の背景や問題を説明する</a:t>
-            </a:r>
-            <a:endParaRPr kumimoji="1" lang="en-US" altLang="ja-JP" sz="1800" dirty="0">
-              <a:solidFill>
-                <a:schemeClr val="accent5"/>
-              </a:solidFill>
-            </a:endParaRPr>
-          </a:p>
-          <a:p>
-            <a:pPr lvl="1"/>
-            <a:r>
-              <a:rPr kumimoji="1" lang="ja-JP" altLang="en-US" sz="1800" dirty="0"/>
-              <a:t>課題と提案に共通する背景や，それらが共通して取り組んでいる問題</a:t>
-            </a:r>
-            <a:endParaRPr kumimoji="1" lang="en-US" altLang="ja-JP" sz="1800" dirty="0"/>
-          </a:p>
-          <a:p>
-            <a:pPr lvl="1"/>
-            <a:r>
-              <a:rPr kumimoji="1" lang="ja-JP" altLang="en-US" sz="1800" dirty="0"/>
-              <a:t>その問題に対する既存手法</a:t>
-            </a:r>
-            <a:endParaRPr kumimoji="1" lang="en-US" altLang="ja-JP" sz="1800" dirty="0"/>
-          </a:p>
-          <a:p>
-            <a:pPr lvl="2"/>
-            <a:r>
-              <a:rPr kumimoji="1" lang="ja-JP" altLang="en-US" sz="1800" dirty="0"/>
-              <a:t>（この既存手法の説明は課題の方に書くこともある）</a:t>
-            </a:r>
-            <a:endParaRPr kumimoji="1" lang="en-US" altLang="ja-JP" sz="1800" dirty="0"/>
+              <a:rPr kumimoji="1" lang="ja-JP" altLang="en-US" dirty="0"/>
+              <a:t>３点プロットとは</a:t>
+            </a:r>
+            <a:endParaRPr kumimoji="1" lang="en-US" altLang="ja-JP" dirty="0"/>
           </a:p>
           <a:p>
             <a:pPr marL="457200" indent="-457200">
@@ -3866,83 +3855,30 @@
               <a:buAutoNum type="arabicPeriod"/>
             </a:pPr>
             <a:r>
-              <a:rPr kumimoji="1" lang="ja-JP" altLang="en-US" sz="1800" dirty="0">
-                <a:solidFill>
-                  <a:schemeClr val="accent5"/>
-                </a:solidFill>
-              </a:rPr>
-              <a:t>課題：解決しようとしている課題を説明する</a:t>
-            </a:r>
-            <a:endParaRPr kumimoji="1" lang="en-US" altLang="ja-JP" sz="1800" dirty="0">
-              <a:solidFill>
-                <a:schemeClr val="accent5"/>
-              </a:solidFill>
-            </a:endParaRPr>
-          </a:p>
-          <a:p>
-            <a:pPr lvl="1"/>
-            <a:r>
-              <a:rPr kumimoji="1" lang="ja-JP" altLang="en-US" sz="1800" dirty="0"/>
-              <a:t>既存手法の問題点</a:t>
-            </a:r>
-            <a:endParaRPr kumimoji="1" lang="en-US" altLang="ja-JP" sz="1800" dirty="0"/>
-          </a:p>
-          <a:p>
-            <a:pPr lvl="1"/>
-            <a:r>
-              <a:rPr kumimoji="1" lang="ja-JP" altLang="en-US" sz="1800" dirty="0"/>
-              <a:t>既存手法がない場合は，背景の中の着目する問題を掘り下げる</a:t>
-            </a:r>
-            <a:endParaRPr kumimoji="1" lang="en-US" altLang="ja-JP" sz="1800" dirty="0"/>
-          </a:p>
-          <a:p>
-            <a:pPr marL="457200" indent="-457200">
+              <a:rPr kumimoji="1" lang="ja-JP" altLang="en-US" dirty="0"/>
+              <a:t>作り方</a:t>
+            </a:r>
+            <a:endParaRPr kumimoji="1" lang="en-US" altLang="ja-JP" dirty="0"/>
+          </a:p>
+          <a:p>
+            <a:pPr marL="817200" lvl="1" indent="-457200">
               <a:buFont typeface="+mj-lt"/>
               <a:buAutoNum type="arabicPeriod"/>
             </a:pPr>
             <a:r>
-              <a:rPr kumimoji="1" lang="ja-JP" altLang="en-US" sz="1800" dirty="0">
-                <a:solidFill>
-                  <a:schemeClr val="accent5"/>
-                </a:solidFill>
-              </a:rPr>
-              <a:t>提案：課題であげられた問題を解決する提案手法を説明する</a:t>
-            </a:r>
-            <a:endParaRPr kumimoji="1" lang="en-US" altLang="ja-JP" sz="1800" dirty="0">
-              <a:solidFill>
-                <a:schemeClr val="accent5"/>
-              </a:solidFill>
-            </a:endParaRPr>
-          </a:p>
-          <a:p>
-            <a:pPr lvl="1"/>
-            <a:r>
-              <a:rPr kumimoji="1" lang="ja-JP" altLang="en-US" sz="1800" dirty="0"/>
-              <a:t>課題に対する洞察や観察</a:t>
-            </a:r>
-            <a:endParaRPr kumimoji="1" lang="en-US" altLang="ja-JP" sz="1800" dirty="0"/>
-          </a:p>
-          <a:p>
-            <a:pPr lvl="1"/>
-            <a:r>
-              <a:rPr kumimoji="1" lang="ja-JP" altLang="en-US" sz="1800" dirty="0"/>
-              <a:t>キーとなるアイデア</a:t>
-            </a:r>
-            <a:endParaRPr kumimoji="1" lang="en-US" altLang="ja-JP" sz="1800" dirty="0"/>
-          </a:p>
-          <a:p>
-            <a:pPr lvl="1"/>
-            <a:r>
-              <a:rPr kumimoji="1" lang="ja-JP" altLang="en-US" sz="1800" dirty="0"/>
-              <a:t>なぜ </a:t>
-            </a:r>
-            <a:r>
-              <a:rPr kumimoji="1" lang="en-US" altLang="ja-JP" sz="1800" dirty="0"/>
-              <a:t>&amp; </a:t>
-            </a:r>
-            <a:r>
-              <a:rPr kumimoji="1" lang="ja-JP" altLang="en-US" sz="1800" dirty="0"/>
-              <a:t>どのように課題を解決できるのか</a:t>
+              <a:rPr kumimoji="1" lang="ja-JP" altLang="en-US" dirty="0"/>
+              <a:t>内容のまとめかた</a:t>
+            </a:r>
+            <a:endParaRPr kumimoji="1" lang="en-US" altLang="ja-JP" dirty="0"/>
+          </a:p>
+          <a:p>
+            <a:pPr marL="817200" lvl="1" indent="-457200">
+              <a:buFont typeface="+mj-lt"/>
+              <a:buAutoNum type="arabicPeriod"/>
+            </a:pPr>
+            <a:r>
+              <a:rPr kumimoji="1" lang="ja-JP" altLang="en-US" dirty="0"/>
+              <a:t>箇条書きの作り方</a:t>
             </a:r>
           </a:p>
         </p:txBody>
@@ -3950,7 +3886,7 @@
     </p:spTree>
     <p:extLst>
       <p:ext uri="{BB962C8B-B14F-4D97-AF65-F5344CB8AC3E}">
-        <p14:creationId xmlns:p14="http://schemas.microsoft.com/office/powerpoint/2010/main" val="416234846"/>
+        <p14:creationId xmlns:p14="http://schemas.microsoft.com/office/powerpoint/2010/main" val="132425648"/>
       </p:ext>
     </p:extLst>
   </p:cSld>
@@ -3990,7 +3926,7 @@
           <p:cNvPr id="2" name="タイトル 1">
             <a:extLst>
               <a:ext uri="{FF2B5EF4-FFF2-40B4-BE49-F238E27FC236}">
-                <a16:creationId xmlns:a16="http://schemas.microsoft.com/office/drawing/2014/main" id="{7D722A8C-B31F-1470-2A2C-B9925BC500E2}"/>
+                <a16:creationId xmlns:a16="http://schemas.microsoft.com/office/drawing/2014/main" id="{5495249E-5784-30A1-9425-0AD2EDA550D0}"/>
               </a:ext>
             </a:extLst>
           </p:cNvPr>
@@ -4007,25 +3943,16 @@
           <a:lstStyle/>
           <a:p>
             <a:r>
-              <a:rPr lang="ja-JP" altLang="en-US" sz="2400" dirty="0"/>
-              <a:t>例１：セットアソシアティブ・キャッシュ</a:t>
+              <a:rPr kumimoji="1" lang="ja-JP" altLang="en-US" dirty="0"/>
+              <a:t>３点プロット：</a:t>
             </a:r>
             <a:br>
-              <a:rPr lang="en-US" altLang="ja-JP" sz="2400" dirty="0"/>
+              <a:rPr kumimoji="1" lang="en-US" altLang="ja-JP" dirty="0"/>
             </a:br>
             <a:r>
-              <a:rPr lang="ja-JP" altLang="en-US" sz="2400" dirty="0"/>
-              <a:t>　　　 </a:t>
-            </a:r>
-            <a:r>
-              <a:rPr lang="en-US" altLang="ja-JP" sz="2400" dirty="0"/>
-              <a:t>= </a:t>
-            </a:r>
-            <a:r>
-              <a:rPr lang="ja-JP" altLang="en-US" sz="2400" dirty="0"/>
-              <a:t>既存手法があるパターン</a:t>
-            </a:r>
-            <a:endParaRPr kumimoji="1" lang="ja-JP" altLang="en-US" sz="1600" dirty="0"/>
+              <a:rPr kumimoji="1" lang="ja-JP" altLang="en-US" dirty="0"/>
+              <a:t>背景，課題，提案の３点で話の筋をまとめる</a:t>
+            </a:r>
           </a:p>
         </p:txBody>
       </p:sp>
@@ -4034,7 +3961,7 @@
           <p:cNvPr id="3" name="テキスト プレースホルダー 2">
             <a:extLst>
               <a:ext uri="{FF2B5EF4-FFF2-40B4-BE49-F238E27FC236}">
-                <a16:creationId xmlns:a16="http://schemas.microsoft.com/office/drawing/2014/main" id="{1641E495-BDDF-0AEA-8CA3-8A46CF1746DE}"/>
+                <a16:creationId xmlns:a16="http://schemas.microsoft.com/office/drawing/2014/main" id="{434C8495-CDEB-3716-81CF-61358DAF8B15}"/>
               </a:ext>
             </a:extLst>
           </p:cNvPr>
@@ -4050,103 +3977,131 @@
           <a:bodyPr/>
           <a:lstStyle/>
           <a:p>
-            <a:r>
-              <a:rPr lang="ja-JP" altLang="en-US" sz="1600" dirty="0"/>
-              <a:t>背景：キャッシュ</a:t>
-            </a:r>
-            <a:endParaRPr lang="en-US" altLang="ja-JP" sz="1600" dirty="0"/>
+            <a:pPr marL="457200" indent="-457200">
+              <a:buFont typeface="+mj-lt"/>
+              <a:buAutoNum type="arabicPeriod"/>
+            </a:pPr>
+            <a:r>
+              <a:rPr kumimoji="1" lang="ja-JP" altLang="en-US" sz="1800" dirty="0">
+                <a:solidFill>
+                  <a:schemeClr val="accent5"/>
+                </a:solidFill>
+              </a:rPr>
+              <a:t>背景：主張全体の背景や問題を説明する</a:t>
+            </a:r>
+            <a:endParaRPr kumimoji="1" lang="en-US" altLang="ja-JP" sz="1800" dirty="0">
+              <a:solidFill>
+                <a:schemeClr val="accent5"/>
+              </a:solidFill>
+            </a:endParaRPr>
           </a:p>
           <a:p>
             <a:pPr lvl="1"/>
             <a:r>
-              <a:rPr lang="ja-JP" altLang="en-US" sz="1600" dirty="0"/>
-              <a:t>目的：プロセッサとメイン・メモリ間の速度差の解消</a:t>
-            </a:r>
-            <a:endParaRPr lang="en-US" altLang="ja-JP" sz="1600" dirty="0"/>
+              <a:rPr kumimoji="1" lang="ja-JP" altLang="en-US" sz="1800" dirty="0"/>
+              <a:t>課題と提案に共通する背景や，それらが共通して取り組んでいる問題</a:t>
+            </a:r>
+            <a:endParaRPr kumimoji="1" lang="en-US" altLang="ja-JP" sz="1800" dirty="0"/>
           </a:p>
           <a:p>
             <a:pPr lvl="1"/>
             <a:r>
-              <a:rPr lang="ja-JP" altLang="en-US" sz="1600" dirty="0"/>
-              <a:t>構造：高速</a:t>
-            </a:r>
-            <a:r>
-              <a:rPr lang="en-US" altLang="ja-JP" sz="1600" dirty="0"/>
-              <a:t>/</a:t>
-            </a:r>
-            <a:r>
-              <a:rPr lang="ja-JP" altLang="en-US" sz="1600" dirty="0"/>
-              <a:t>小容量なメモリであり，メイン・メモリの一部を保持</a:t>
-            </a:r>
-            <a:endParaRPr lang="en-US" altLang="ja-JP" sz="1600" dirty="0"/>
-          </a:p>
-          <a:p>
-            <a:r>
-              <a:rPr lang="ja-JP" altLang="en-US" sz="1600" dirty="0"/>
-              <a:t>課題：既存のキャッシュは性能 </a:t>
-            </a:r>
-            <a:r>
-              <a:rPr lang="en-US" altLang="ja-JP" sz="1600" dirty="0"/>
-              <a:t>or </a:t>
-            </a:r>
-            <a:r>
-              <a:rPr lang="ja-JP" altLang="en-US" sz="1600" dirty="0"/>
-              <a:t>複雑さに問題がある</a:t>
-            </a:r>
-            <a:endParaRPr lang="en-US" altLang="ja-JP" sz="1600" dirty="0"/>
+              <a:rPr kumimoji="1" lang="ja-JP" altLang="en-US" sz="1800" dirty="0"/>
+              <a:t>その問題に対する既存手法</a:t>
+            </a:r>
+            <a:endParaRPr kumimoji="1" lang="en-US" altLang="ja-JP" sz="1800" dirty="0"/>
+          </a:p>
+          <a:p>
+            <a:pPr lvl="2"/>
+            <a:r>
+              <a:rPr kumimoji="1" lang="ja-JP" altLang="en-US" sz="1800" dirty="0"/>
+              <a:t>（この既存手法の説明は課題の方に書くこともある）</a:t>
+            </a:r>
+            <a:endParaRPr kumimoji="1" lang="en-US" altLang="ja-JP" sz="1800" dirty="0"/>
+          </a:p>
+          <a:p>
+            <a:pPr marL="457200" indent="-457200">
+              <a:buFont typeface="+mj-lt"/>
+              <a:buAutoNum type="arabicPeriod"/>
+            </a:pPr>
+            <a:r>
+              <a:rPr kumimoji="1" lang="ja-JP" altLang="en-US" sz="1800" dirty="0">
+                <a:solidFill>
+                  <a:schemeClr val="accent5"/>
+                </a:solidFill>
+              </a:rPr>
+              <a:t>課題：解決しようとしている課題を説明する</a:t>
+            </a:r>
+            <a:endParaRPr kumimoji="1" lang="en-US" altLang="ja-JP" sz="1800" dirty="0">
+              <a:solidFill>
+                <a:schemeClr val="accent5"/>
+              </a:solidFill>
+            </a:endParaRPr>
           </a:p>
           <a:p>
             <a:pPr lvl="1"/>
             <a:r>
-              <a:rPr lang="ja-JP" altLang="en-US" sz="1600" dirty="0"/>
-              <a:t>ダイレクト・マップ：単純だが，競合によるヒット率低下が大きい</a:t>
-            </a:r>
-            <a:endParaRPr lang="en-US" altLang="ja-JP" sz="1600" dirty="0"/>
+              <a:rPr kumimoji="1" lang="ja-JP" altLang="en-US" sz="1800" dirty="0"/>
+              <a:t>既存手法の問題点</a:t>
+            </a:r>
+            <a:endParaRPr kumimoji="1" lang="en-US" altLang="ja-JP" sz="1800" dirty="0"/>
           </a:p>
           <a:p>
             <a:pPr lvl="1"/>
             <a:r>
-              <a:rPr lang="ja-JP" altLang="en-US" sz="1600" dirty="0"/>
-              <a:t>フルアソシアティブ：ヒット率は高いが，大量の比較器が必要</a:t>
-            </a:r>
-            <a:endParaRPr lang="en-US" altLang="ja-JP" sz="1600" dirty="0"/>
-          </a:p>
-          <a:p>
-            <a:r>
-              <a:rPr lang="ja-JP" altLang="en-US" sz="1600" dirty="0"/>
-              <a:t>提案：セットアソシアティブ・キャッシュ</a:t>
-            </a:r>
-            <a:endParaRPr lang="en-US" altLang="ja-JP" sz="1600" dirty="0"/>
+              <a:rPr kumimoji="1" lang="ja-JP" altLang="en-US" sz="1800" dirty="0"/>
+              <a:t>既存手法がない場合は，背景の中の着目する問題を掘り下げる</a:t>
+            </a:r>
+            <a:endParaRPr kumimoji="1" lang="en-US" altLang="ja-JP" sz="1800" dirty="0"/>
+          </a:p>
+          <a:p>
+            <a:pPr marL="457200" indent="-457200">
+              <a:buFont typeface="+mj-lt"/>
+              <a:buAutoNum type="arabicPeriod"/>
+            </a:pPr>
+            <a:r>
+              <a:rPr kumimoji="1" lang="ja-JP" altLang="en-US" sz="1800" dirty="0">
+                <a:solidFill>
+                  <a:schemeClr val="accent5"/>
+                </a:solidFill>
+              </a:rPr>
+              <a:t>提案：課題であげられた問題を解決する提案手法を説明する</a:t>
+            </a:r>
+            <a:endParaRPr kumimoji="1" lang="en-US" altLang="ja-JP" sz="1800" dirty="0">
+              <a:solidFill>
+                <a:schemeClr val="accent5"/>
+              </a:solidFill>
+            </a:endParaRPr>
           </a:p>
           <a:p>
             <a:pPr lvl="1"/>
             <a:r>
-              <a:rPr kumimoji="1" lang="ja-JP" altLang="en-US" sz="1600" dirty="0"/>
-              <a:t>手法：複数のラインを同時に保持するセットを用いる</a:t>
-            </a:r>
-            <a:endParaRPr kumimoji="1" lang="en-US" altLang="ja-JP" sz="1600" dirty="0"/>
+              <a:rPr kumimoji="1" lang="ja-JP" altLang="en-US" sz="1800" dirty="0"/>
+              <a:t>課題に対する洞察や観察</a:t>
+            </a:r>
+            <a:endParaRPr kumimoji="1" lang="en-US" altLang="ja-JP" sz="1800" dirty="0"/>
           </a:p>
           <a:p>
             <a:pPr lvl="1"/>
             <a:r>
-              <a:rPr kumimoji="1" lang="ja-JP" altLang="en-US" sz="1600" dirty="0"/>
-              <a:t>効果：</a:t>
-            </a:r>
-            <a:endParaRPr kumimoji="1" lang="en-US" altLang="ja-JP" sz="1600" dirty="0"/>
-          </a:p>
-          <a:p>
-            <a:pPr lvl="2"/>
-            <a:r>
-              <a:rPr kumimoji="1" lang="ja-JP" altLang="en-US" sz="1600" dirty="0"/>
-              <a:t>ダイレクトマップと比べて競合にある程度耐性があるため，ヒット率が高い</a:t>
-            </a:r>
-            <a:endParaRPr kumimoji="1" lang="en-US" altLang="ja-JP" sz="1600" dirty="0"/>
-          </a:p>
-          <a:p>
-            <a:pPr lvl="2"/>
-            <a:r>
-              <a:rPr kumimoji="1" lang="ja-JP" altLang="en-US" sz="1600" dirty="0"/>
-              <a:t>フルアソシアティブに比べて比較器の数は大幅に少なく単純</a:t>
+              <a:rPr kumimoji="1" lang="ja-JP" altLang="en-US" sz="1800" dirty="0"/>
+              <a:t>キーとなるアイデア</a:t>
+            </a:r>
+            <a:endParaRPr kumimoji="1" lang="en-US" altLang="ja-JP" sz="1800" dirty="0"/>
+          </a:p>
+          <a:p>
+            <a:pPr lvl="1"/>
+            <a:r>
+              <a:rPr kumimoji="1" lang="ja-JP" altLang="en-US" sz="1800" dirty="0"/>
+              <a:t>なぜ </a:t>
+            </a:r>
+            <a:r>
+              <a:rPr kumimoji="1" lang="en-US" altLang="ja-JP" sz="1800" dirty="0"/>
+              <a:t>&amp; </a:t>
+            </a:r>
+            <a:r>
+              <a:rPr kumimoji="1" lang="ja-JP" altLang="en-US" sz="1800" dirty="0"/>
+              <a:t>どのように課題を解決できるのか</a:t>
             </a:r>
           </a:p>
         </p:txBody>
@@ -4154,7 +4109,7 @@
     </p:spTree>
     <p:extLst>
       <p:ext uri="{BB962C8B-B14F-4D97-AF65-F5344CB8AC3E}">
-        <p14:creationId xmlns:p14="http://schemas.microsoft.com/office/powerpoint/2010/main" val="2585240271"/>
+        <p14:creationId xmlns:p14="http://schemas.microsoft.com/office/powerpoint/2010/main" val="416234846"/>
       </p:ext>
     </p:extLst>
   </p:cSld>
@@ -4194,7 +4149,7 @@
           <p:cNvPr id="2" name="タイトル 1">
             <a:extLst>
               <a:ext uri="{FF2B5EF4-FFF2-40B4-BE49-F238E27FC236}">
-                <a16:creationId xmlns:a16="http://schemas.microsoft.com/office/drawing/2014/main" id="{BF3F0A8B-B8DC-DEBB-64FC-E1E342572693}"/>
+                <a16:creationId xmlns:a16="http://schemas.microsoft.com/office/drawing/2014/main" id="{7D722A8C-B31F-1470-2A2C-B9925BC500E2}"/>
               </a:ext>
             </a:extLst>
           </p:cNvPr>
@@ -4211,30 +4166,25 @@
           <a:lstStyle/>
           <a:p>
             <a:r>
-              <a:rPr lang="ja-JP" altLang="en-US" dirty="0"/>
-              <a:t>例２：</a:t>
-            </a:r>
-            <a:r>
-              <a:rPr kumimoji="1" lang="ja-JP" altLang="en-US" dirty="0"/>
-              <a:t>小泉くんの </a:t>
-            </a:r>
-            <a:r>
-              <a:rPr lang="en-US" altLang="ja-JP" dirty="0"/>
-              <a:t>DATE</a:t>
-            </a:r>
-            <a:r>
-              <a:rPr lang="ja-JP" altLang="en-US" dirty="0"/>
-              <a:t> </a:t>
-            </a:r>
-            <a:r>
-              <a:rPr lang="en-US" altLang="ja-JP" dirty="0"/>
+              <a:rPr lang="ja-JP" altLang="en-US" sz="2400" dirty="0"/>
+              <a:t>例１：セットアソシアティブ・キャッシュ</a:t>
+            </a:r>
+            <a:br>
+              <a:rPr lang="en-US" altLang="ja-JP" sz="2400" dirty="0"/>
+            </a:br>
+            <a:r>
+              <a:rPr lang="ja-JP" altLang="en-US" sz="2400" dirty="0"/>
+              <a:t>　　　 </a:t>
+            </a:r>
+            <a:r>
+              <a:rPr lang="en-US" altLang="ja-JP" sz="2400" dirty="0"/>
               <a:t>= </a:t>
             </a:r>
             <a:r>
-              <a:rPr lang="ja-JP" altLang="en-US" dirty="0"/>
+              <a:rPr lang="ja-JP" altLang="en-US" sz="2400" dirty="0"/>
               <a:t>既存手法があるパターン</a:t>
             </a:r>
-            <a:endParaRPr kumimoji="1" lang="ja-JP" altLang="en-US" dirty="0"/>
+            <a:endParaRPr kumimoji="1" lang="ja-JP" altLang="en-US" sz="1600" dirty="0"/>
           </a:p>
         </p:txBody>
       </p:sp>
@@ -4243,7 +4193,7 @@
           <p:cNvPr id="3" name="テキスト プレースホルダー 2">
             <a:extLst>
               <a:ext uri="{FF2B5EF4-FFF2-40B4-BE49-F238E27FC236}">
-                <a16:creationId xmlns:a16="http://schemas.microsoft.com/office/drawing/2014/main" id="{131A464B-82C4-26C6-5295-D721A3F69E63}"/>
+                <a16:creationId xmlns:a16="http://schemas.microsoft.com/office/drawing/2014/main" id="{1641E495-BDDF-0AEA-8CA3-8A46CF1746DE}"/>
               </a:ext>
             </a:extLst>
           </p:cNvPr>
@@ -4260,87 +4210,110 @@
           <a:lstStyle/>
           <a:p>
             <a:r>
-              <a:rPr kumimoji="1" lang="ja-JP" altLang="en-US" dirty="0"/>
-              <a:t>背景：早いプリフェッチによるレイテンシの隠蔽</a:t>
-            </a:r>
-            <a:endParaRPr kumimoji="1" lang="en-US" altLang="ja-JP" dirty="0"/>
+              <a:rPr lang="ja-JP" altLang="en-US" sz="1600" dirty="0"/>
+              <a:t>背景：キャッシュ</a:t>
+            </a:r>
+            <a:endParaRPr lang="en-US" altLang="ja-JP" sz="1600" dirty="0"/>
           </a:p>
           <a:p>
             <a:pPr lvl="1"/>
             <a:r>
-              <a:rPr kumimoji="1" lang="ja-JP" altLang="en-US" dirty="0"/>
-              <a:t>プリフェッチ：キャッシュにデータを先読みしておく技術</a:t>
-            </a:r>
-            <a:endParaRPr kumimoji="1" lang="en-US" altLang="ja-JP" dirty="0"/>
+              <a:rPr lang="ja-JP" altLang="en-US" sz="1600" dirty="0"/>
+              <a:t>目的：プロセッサとメイン・メモリ間の速度差の解消</a:t>
+            </a:r>
+            <a:endParaRPr lang="en-US" altLang="ja-JP" sz="1600" dirty="0"/>
           </a:p>
           <a:p>
             <a:pPr lvl="1"/>
             <a:r>
-              <a:rPr kumimoji="1" lang="ja-JP" altLang="en-US" dirty="0"/>
-              <a:t>多くの既存研究では十分に早くプリフェッチすることを重視</a:t>
-            </a:r>
-            <a:endParaRPr kumimoji="1" lang="en-US" altLang="ja-JP" dirty="0"/>
+              <a:rPr lang="ja-JP" altLang="en-US" sz="1600" dirty="0"/>
+              <a:t>構造：高速</a:t>
+            </a:r>
+            <a:r>
+              <a:rPr lang="en-US" altLang="ja-JP" sz="1600" dirty="0"/>
+              <a:t>/</a:t>
+            </a:r>
+            <a:r>
+              <a:rPr lang="ja-JP" altLang="en-US" sz="1600" dirty="0"/>
+              <a:t>小容量なメモリであり，メイン・メモリの一部を保持</a:t>
+            </a:r>
+            <a:endParaRPr lang="en-US" altLang="ja-JP" sz="1600" dirty="0"/>
+          </a:p>
+          <a:p>
+            <a:r>
+              <a:rPr lang="ja-JP" altLang="en-US" sz="1600" dirty="0"/>
+              <a:t>課題：既存のキャッシュは性能 </a:t>
+            </a:r>
+            <a:r>
+              <a:rPr lang="en-US" altLang="ja-JP" sz="1600" dirty="0"/>
+              <a:t>or </a:t>
+            </a:r>
+            <a:r>
+              <a:rPr lang="ja-JP" altLang="en-US" sz="1600" dirty="0"/>
+              <a:t>複雑さに問題がある</a:t>
+            </a:r>
+            <a:endParaRPr lang="en-US" altLang="ja-JP" sz="1600" dirty="0"/>
+          </a:p>
+          <a:p>
+            <a:pPr lvl="1"/>
+            <a:r>
+              <a:rPr lang="ja-JP" altLang="en-US" sz="1600" dirty="0"/>
+              <a:t>ダイレクト・マップ：単純だが，競合によるヒット率低下が大きい</a:t>
+            </a:r>
+            <a:endParaRPr lang="en-US" altLang="ja-JP" sz="1600" dirty="0"/>
+          </a:p>
+          <a:p>
+            <a:pPr lvl="1"/>
+            <a:r>
+              <a:rPr lang="ja-JP" altLang="en-US" sz="1600" dirty="0"/>
+              <a:t>フルアソシアティブ：ヒット率は高いが，大量の比較器が必要</a:t>
+            </a:r>
+            <a:endParaRPr lang="en-US" altLang="ja-JP" sz="1600" dirty="0"/>
+          </a:p>
+          <a:p>
+            <a:r>
+              <a:rPr lang="ja-JP" altLang="en-US" sz="1600" dirty="0"/>
+              <a:t>提案：セットアソシアティブ・キャッシュ</a:t>
+            </a:r>
+            <a:endParaRPr lang="en-US" altLang="ja-JP" sz="1600" dirty="0"/>
+          </a:p>
+          <a:p>
+            <a:pPr lvl="1"/>
+            <a:r>
+              <a:rPr kumimoji="1" lang="ja-JP" altLang="en-US" sz="1600" dirty="0"/>
+              <a:t>手法：複数のラインを同時に保持するセットを用いる</a:t>
+            </a:r>
+            <a:endParaRPr kumimoji="1" lang="en-US" altLang="ja-JP" sz="1600" dirty="0"/>
+          </a:p>
+          <a:p>
+            <a:pPr lvl="1"/>
+            <a:r>
+              <a:rPr kumimoji="1" lang="ja-JP" altLang="en-US" sz="1600" dirty="0"/>
+              <a:t>効果：</a:t>
+            </a:r>
+            <a:endParaRPr kumimoji="1" lang="en-US" altLang="ja-JP" sz="1600" dirty="0"/>
           </a:p>
           <a:p>
             <a:pPr lvl="2"/>
             <a:r>
-              <a:rPr kumimoji="1" lang="ja-JP" altLang="en-US" dirty="0"/>
-              <a:t>メモリ・アクセスのレイテンシを有効に隠蔽するため</a:t>
-            </a:r>
-            <a:endParaRPr kumimoji="1" lang="en-US" altLang="ja-JP" dirty="0"/>
+              <a:rPr kumimoji="1" lang="ja-JP" altLang="en-US" sz="1600" dirty="0"/>
+              <a:t>ダイレクトマップと比べて競合にある程度耐性があるため，ヒット率が高い</a:t>
+            </a:r>
+            <a:endParaRPr kumimoji="1" lang="en-US" altLang="ja-JP" sz="1600" dirty="0"/>
           </a:p>
           <a:p>
             <a:pPr lvl="2"/>
             <a:r>
-              <a:rPr kumimoji="1" lang="ja-JP" altLang="en-US" dirty="0"/>
-              <a:t>通常はなるべく遠い未来のアドレスを予測してプリフェッチ</a:t>
-            </a:r>
-            <a:endParaRPr kumimoji="1" lang="en-US" altLang="ja-JP" dirty="0"/>
-          </a:p>
-          <a:p>
-            <a:r>
-              <a:rPr kumimoji="1" lang="ja-JP" altLang="en-US" dirty="0"/>
-              <a:t>課題：早すぎるプリフェッチ</a:t>
-            </a:r>
-            <a:endParaRPr kumimoji="1" lang="en-US" altLang="ja-JP" dirty="0"/>
-          </a:p>
-          <a:p>
-            <a:pPr lvl="1"/>
-            <a:r>
-              <a:rPr kumimoji="1" lang="ja-JP" altLang="en-US" dirty="0"/>
-              <a:t>早すぎると，使用される前にキャッシュから追い出される</a:t>
-            </a:r>
-            <a:endParaRPr kumimoji="1" lang="en-US" altLang="ja-JP" dirty="0"/>
-          </a:p>
-          <a:p>
-            <a:pPr lvl="1"/>
-            <a:r>
-              <a:rPr kumimoji="1" lang="ja-JP" altLang="en-US" dirty="0"/>
-              <a:t>これにより性能向上の機会が大きく失われている</a:t>
-            </a:r>
-            <a:endParaRPr kumimoji="1" lang="en-US" altLang="ja-JP" dirty="0"/>
-          </a:p>
-          <a:p>
-            <a:r>
-              <a:rPr kumimoji="1" lang="ja-JP" altLang="en-US" dirty="0"/>
-              <a:t>提案：プリフェッチを遅らせる</a:t>
-            </a:r>
-            <a:endParaRPr kumimoji="1" lang="en-US" altLang="ja-JP" dirty="0"/>
-          </a:p>
-          <a:p>
-            <a:pPr lvl="1"/>
-            <a:r>
-              <a:rPr kumimoji="1" lang="ja-JP" altLang="en-US" dirty="0"/>
-              <a:t>データが参照されるタイミングまであえて遅らせる</a:t>
-            </a:r>
-            <a:endParaRPr kumimoji="1" lang="en-US" altLang="ja-JP" dirty="0"/>
+              <a:rPr kumimoji="1" lang="ja-JP" altLang="en-US" sz="1600" dirty="0"/>
+              <a:t>フルアソシアティブに比べて比較器の数は大幅に少なく単純</a:t>
+            </a:r>
           </a:p>
         </p:txBody>
       </p:sp>
     </p:spTree>
     <p:extLst>
       <p:ext uri="{BB962C8B-B14F-4D97-AF65-F5344CB8AC3E}">
-        <p14:creationId xmlns:p14="http://schemas.microsoft.com/office/powerpoint/2010/main" val="614302534"/>
+        <p14:creationId xmlns:p14="http://schemas.microsoft.com/office/powerpoint/2010/main" val="2585240271"/>
       </p:ext>
     </p:extLst>
   </p:cSld>
@@ -4380,7 +4353,7 @@
           <p:cNvPr id="2" name="タイトル 1">
             <a:extLst>
               <a:ext uri="{FF2B5EF4-FFF2-40B4-BE49-F238E27FC236}">
-                <a16:creationId xmlns:a16="http://schemas.microsoft.com/office/drawing/2014/main" id="{7D722A8C-B31F-1470-2A2C-B9925BC500E2}"/>
+                <a16:creationId xmlns:a16="http://schemas.microsoft.com/office/drawing/2014/main" id="{BF3F0A8B-B8DC-DEBB-64FC-E1E342572693}"/>
               </a:ext>
             </a:extLst>
           </p:cNvPr>
@@ -4397,25 +4370,30 @@
           <a:lstStyle/>
           <a:p>
             <a:r>
-              <a:rPr lang="ja-JP" altLang="en-US" sz="2400" dirty="0"/>
-              <a:t>例３：小田喜くんの輪講の例 </a:t>
-            </a:r>
-            <a:r>
-              <a:rPr lang="en-US" altLang="ja-JP" sz="2400" dirty="0"/>
+              <a:rPr lang="ja-JP" altLang="en-US" dirty="0"/>
+              <a:t>例２：</a:t>
+            </a:r>
+            <a:r>
+              <a:rPr kumimoji="1" lang="ja-JP" altLang="en-US" dirty="0"/>
+              <a:t>小泉くんの </a:t>
+            </a:r>
+            <a:r>
+              <a:rPr lang="en-US" altLang="ja-JP" dirty="0"/>
+              <a:t>DATE</a:t>
+            </a:r>
+            <a:r>
+              <a:rPr lang="ja-JP" altLang="en-US" dirty="0"/>
+              <a:t> </a:t>
+            </a:r>
+            <a:r>
+              <a:rPr lang="en-US" altLang="ja-JP" dirty="0"/>
               <a:t>= </a:t>
             </a:r>
             <a:r>
-              <a:rPr lang="ja-JP" altLang="en-US" sz="2400" dirty="0"/>
+              <a:rPr lang="ja-JP" altLang="en-US" dirty="0"/>
               <a:t>既存手法があるパターン</a:t>
             </a:r>
-            <a:br>
-              <a:rPr lang="en-US" altLang="ja-JP" sz="2400" dirty="0"/>
-            </a:br>
-            <a:r>
-              <a:rPr lang="ja-JP" altLang="en-US" sz="1600" dirty="0"/>
-              <a:t>（輪講なので具体的なアイデアがまだない事に注意）</a:t>
-            </a:r>
-            <a:endParaRPr kumimoji="1" lang="ja-JP" altLang="en-US" sz="1600" dirty="0"/>
+            <a:endParaRPr kumimoji="1" lang="ja-JP" altLang="en-US" dirty="0"/>
           </a:p>
         </p:txBody>
       </p:sp>
@@ -4424,7 +4402,7 @@
           <p:cNvPr id="3" name="テキスト プレースホルダー 2">
             <a:extLst>
               <a:ext uri="{FF2B5EF4-FFF2-40B4-BE49-F238E27FC236}">
-                <a16:creationId xmlns:a16="http://schemas.microsoft.com/office/drawing/2014/main" id="{1641E495-BDDF-0AEA-8CA3-8A46CF1746DE}"/>
+                <a16:creationId xmlns:a16="http://schemas.microsoft.com/office/drawing/2014/main" id="{131A464B-82C4-26C6-5295-D721A3F69E63}"/>
               </a:ext>
             </a:extLst>
           </p:cNvPr>
@@ -4441,98 +4419,87 @@
           <a:lstStyle/>
           <a:p>
             <a:r>
-              <a:rPr lang="ja-JP" altLang="en-US" dirty="0"/>
-              <a:t>背景：</a:t>
-            </a:r>
-            <a:r>
-              <a:rPr lang="en-US" altLang="ja-JP" dirty="0"/>
-              <a:t>SIMT </a:t>
-            </a:r>
-            <a:r>
-              <a:rPr lang="ja-JP" altLang="en-US" dirty="0"/>
-              <a:t>アーキテクチャにおける冗長な演算</a:t>
-            </a:r>
-            <a:endParaRPr lang="en-US" altLang="ja-JP" dirty="0"/>
+              <a:rPr kumimoji="1" lang="ja-JP" altLang="en-US" dirty="0"/>
+              <a:t>背景：早いプリフェッチによるレイテンシの隠蔽</a:t>
+            </a:r>
+            <a:endParaRPr kumimoji="1" lang="en-US" altLang="ja-JP" dirty="0"/>
           </a:p>
           <a:p>
             <a:pPr lvl="1"/>
             <a:r>
-              <a:rPr lang="en-US" altLang="ja-JP" dirty="0"/>
-              <a:t>SIMT(D) </a:t>
-            </a:r>
-            <a:r>
-              <a:rPr lang="ja-JP" altLang="en-US" dirty="0"/>
-              <a:t>では基本的には複数のデータに対して同じ演算を行う </a:t>
-            </a:r>
-            <a:endParaRPr lang="en-US" altLang="ja-JP" dirty="0"/>
+              <a:rPr kumimoji="1" lang="ja-JP" altLang="en-US" dirty="0"/>
+              <a:t>プリフェッチ：キャッシュにデータを先読みしておく技術</a:t>
+            </a:r>
+            <a:endParaRPr kumimoji="1" lang="en-US" altLang="ja-JP" dirty="0"/>
           </a:p>
           <a:p>
             <a:pPr lvl="1"/>
             <a:r>
-              <a:rPr lang="ja-JP" altLang="en-US" dirty="0"/>
-              <a:t>しかし </a:t>
-            </a:r>
-            <a:r>
-              <a:rPr lang="en-US" altLang="ja-JP" dirty="0"/>
-              <a:t>SIMT </a:t>
-            </a:r>
-            <a:r>
-              <a:rPr lang="ja-JP" altLang="en-US" dirty="0"/>
-              <a:t>では全く同じ冗長な演算を複数のレーンで行っている場合があり無駄 </a:t>
-            </a:r>
-            <a:endParaRPr lang="en-US" altLang="ja-JP" dirty="0"/>
-          </a:p>
-          <a:p>
-            <a:r>
-              <a:rPr lang="ja-JP" altLang="en-US" dirty="0"/>
-              <a:t>課題：スカラ化とその問題 </a:t>
-            </a:r>
-            <a:endParaRPr lang="en-US" altLang="ja-JP" dirty="0"/>
+              <a:rPr kumimoji="1" lang="ja-JP" altLang="en-US" dirty="0"/>
+              <a:t>多くの既存研究では十分に早くプリフェッチすることを重視</a:t>
+            </a:r>
+            <a:endParaRPr kumimoji="1" lang="en-US" altLang="ja-JP" dirty="0"/>
+          </a:p>
+          <a:p>
+            <a:pPr lvl="2"/>
+            <a:r>
+              <a:rPr kumimoji="1" lang="ja-JP" altLang="en-US" dirty="0"/>
+              <a:t>メモリ・アクセスのレイテンシを有効に隠蔽するため</a:t>
+            </a:r>
+            <a:endParaRPr kumimoji="1" lang="en-US" altLang="ja-JP" dirty="0"/>
+          </a:p>
+          <a:p>
+            <a:pPr lvl="2"/>
+            <a:r>
+              <a:rPr kumimoji="1" lang="ja-JP" altLang="en-US" dirty="0"/>
+              <a:t>通常はなるべく遠い未来のアドレスを予測してプリフェッチ</a:t>
+            </a:r>
+            <a:endParaRPr kumimoji="1" lang="en-US" altLang="ja-JP" dirty="0"/>
+          </a:p>
+          <a:p>
+            <a:r>
+              <a:rPr kumimoji="1" lang="ja-JP" altLang="en-US" dirty="0"/>
+              <a:t>課題：早すぎるプリフェッチ</a:t>
+            </a:r>
+            <a:endParaRPr kumimoji="1" lang="en-US" altLang="ja-JP" dirty="0"/>
           </a:p>
           <a:p>
             <a:pPr lvl="1"/>
             <a:r>
-              <a:rPr lang="ja-JP" altLang="en-US" dirty="0"/>
-              <a:t>冗長な演算を１つの演算にまとめるスカラ化が提案されている </a:t>
-            </a:r>
-            <a:endParaRPr lang="en-US" altLang="ja-JP" dirty="0"/>
+              <a:rPr kumimoji="1" lang="ja-JP" altLang="en-US" dirty="0"/>
+              <a:t>早すぎると，使用される前にキャッシュから追い出される</a:t>
+            </a:r>
+            <a:endParaRPr kumimoji="1" lang="en-US" altLang="ja-JP" dirty="0"/>
           </a:p>
           <a:p>
             <a:pPr lvl="1"/>
             <a:r>
-              <a:rPr lang="ja-JP" altLang="en-US" dirty="0"/>
-              <a:t>しかし，従来のスカラ化では制約があり効果的に演算をまとめられない </a:t>
-            </a:r>
-            <a:endParaRPr lang="en-US" altLang="ja-JP" dirty="0"/>
-          </a:p>
-          <a:p>
-            <a:r>
-              <a:rPr lang="ja-JP" altLang="en-US" dirty="0"/>
-              <a:t>提案：スカラ化の改良 </a:t>
-            </a:r>
-            <a:endParaRPr lang="en-US" altLang="ja-JP" dirty="0"/>
+              <a:rPr kumimoji="1" lang="ja-JP" altLang="en-US" dirty="0"/>
+              <a:t>これにより性能向上の機会が大きく失われている</a:t>
+            </a:r>
+            <a:endParaRPr kumimoji="1" lang="en-US" altLang="ja-JP" dirty="0"/>
+          </a:p>
+          <a:p>
+            <a:r>
+              <a:rPr kumimoji="1" lang="ja-JP" altLang="en-US" dirty="0"/>
+              <a:t>提案：プリフェッチを遅らせる</a:t>
+            </a:r>
+            <a:endParaRPr kumimoji="1" lang="en-US" altLang="ja-JP" dirty="0"/>
           </a:p>
           <a:p>
             <a:pPr lvl="1"/>
             <a:r>
-              <a:rPr lang="en-US" altLang="ja-JP" dirty="0"/>
-              <a:t>Temporal SIMT </a:t>
-            </a:r>
-            <a:r>
-              <a:rPr lang="ja-JP" altLang="en-US" dirty="0"/>
-              <a:t>と動的なスカラ化の組み合わせにより実現 </a:t>
-            </a:r>
-            <a:br>
-              <a:rPr lang="ja-JP" altLang="en-US" dirty="0"/>
-            </a:br>
-            <a:endParaRPr kumimoji="1" lang="ja-JP" altLang="en-US" dirty="0"/>
+              <a:rPr kumimoji="1" lang="ja-JP" altLang="en-US" dirty="0"/>
+              <a:t>データが参照されるタイミングまであえて遅らせる</a:t>
+            </a:r>
+            <a:endParaRPr kumimoji="1" lang="en-US" altLang="ja-JP" dirty="0"/>
           </a:p>
         </p:txBody>
       </p:sp>
     </p:spTree>
     <p:extLst>
       <p:ext uri="{BB962C8B-B14F-4D97-AF65-F5344CB8AC3E}">
-        <p14:creationId xmlns:p14="http://schemas.microsoft.com/office/powerpoint/2010/main" val="1140155702"/>
+        <p14:creationId xmlns:p14="http://schemas.microsoft.com/office/powerpoint/2010/main" val="614302534"/>
       </p:ext>
     </p:extLst>
   </p:cSld>
@@ -4572,7 +4539,7 @@
           <p:cNvPr id="2" name="タイトル 1">
             <a:extLst>
               <a:ext uri="{FF2B5EF4-FFF2-40B4-BE49-F238E27FC236}">
-                <a16:creationId xmlns:a16="http://schemas.microsoft.com/office/drawing/2014/main" id="{51BE99DC-6509-D745-923D-01B9E613F224}"/>
+                <a16:creationId xmlns:a16="http://schemas.microsoft.com/office/drawing/2014/main" id="{7D722A8C-B31F-1470-2A2C-B9925BC500E2}"/>
               </a:ext>
             </a:extLst>
           </p:cNvPr>
@@ -4589,17 +4556,25 @@
           <a:lstStyle/>
           <a:p>
             <a:r>
-              <a:rPr kumimoji="1" lang="ja-JP" altLang="en-US" dirty="0"/>
-              <a:t>例４：出川くんの </a:t>
-            </a:r>
-            <a:r>
-              <a:rPr kumimoji="1" lang="en-US" altLang="ja-JP" dirty="0"/>
-              <a:t>ICCD = </a:t>
-            </a:r>
-            <a:r>
-              <a:rPr kumimoji="1" lang="ja-JP" altLang="en-US" dirty="0"/>
-              <a:t>既存手法がないパターン</a:t>
-            </a:r>
+              <a:rPr lang="ja-JP" altLang="en-US" sz="2400" dirty="0"/>
+              <a:t>例３：小田喜くんの輪講の例 </a:t>
+            </a:r>
+            <a:r>
+              <a:rPr lang="en-US" altLang="ja-JP" sz="2400" dirty="0"/>
+              <a:t>= </a:t>
+            </a:r>
+            <a:r>
+              <a:rPr lang="ja-JP" altLang="en-US" sz="2400" dirty="0"/>
+              <a:t>既存手法があるパターン</a:t>
+            </a:r>
+            <a:br>
+              <a:rPr lang="en-US" altLang="ja-JP" sz="2400" dirty="0"/>
+            </a:br>
+            <a:r>
+              <a:rPr lang="ja-JP" altLang="en-US" sz="1600" dirty="0"/>
+              <a:t>（輪講なので具体的なアイデアがまだない事に注意）</a:t>
+            </a:r>
+            <a:endParaRPr kumimoji="1" lang="ja-JP" altLang="en-US" sz="1600" dirty="0"/>
           </a:p>
         </p:txBody>
       </p:sp>
@@ -4608,7 +4583,7 @@
           <p:cNvPr id="3" name="テキスト プレースホルダー 2">
             <a:extLst>
               <a:ext uri="{FF2B5EF4-FFF2-40B4-BE49-F238E27FC236}">
-                <a16:creationId xmlns:a16="http://schemas.microsoft.com/office/drawing/2014/main" id="{ED93E0D1-8160-8125-E3C9-AED3AEC7F3C7}"/>
+                <a16:creationId xmlns:a16="http://schemas.microsoft.com/office/drawing/2014/main" id="{1641E495-BDDF-0AEA-8CA3-8A46CF1746DE}"/>
               </a:ext>
             </a:extLst>
           </p:cNvPr>
@@ -4619,105 +4594,104 @@
             <p:ph type="body" sz="quarter" idx="10"/>
           </p:nvPr>
         </p:nvSpPr>
-        <p:spPr>
-          <a:xfrm>
-            <a:off x="431954" y="1088974"/>
-            <a:ext cx="8460094" cy="5219751"/>
-          </a:xfrm>
-        </p:spPr>
+        <p:spPr/>
         <p:txBody>
           <a:bodyPr/>
           <a:lstStyle/>
           <a:p>
             <a:r>
-              <a:rPr kumimoji="1" lang="ja-JP" altLang="en-US" sz="1600" dirty="0"/>
-              <a:t>背景：命令キャッシュ・ミス数を使った性能の見積もり</a:t>
-            </a:r>
-            <a:endParaRPr kumimoji="1" lang="en-US" altLang="ja-JP" sz="1600" dirty="0"/>
+              <a:rPr lang="ja-JP" altLang="en-US" dirty="0"/>
+              <a:t>背景：</a:t>
+            </a:r>
+            <a:r>
+              <a:rPr lang="en-US" altLang="ja-JP" dirty="0"/>
+              <a:t>SIMT </a:t>
+            </a:r>
+            <a:r>
+              <a:rPr lang="ja-JP" altLang="en-US" dirty="0"/>
+              <a:t>アーキテクチャにおける冗長な演算</a:t>
+            </a:r>
+            <a:endParaRPr lang="en-US" altLang="ja-JP" dirty="0"/>
           </a:p>
           <a:p>
             <a:pPr lvl="1"/>
             <a:r>
-              <a:rPr kumimoji="1" lang="ja-JP" altLang="en-US" sz="1600" dirty="0"/>
-              <a:t>従来，命令キャッシュに関わる研究ではミス数が主要な評価項目だった</a:t>
-            </a:r>
-            <a:endParaRPr kumimoji="1" lang="en-US" altLang="ja-JP" sz="1600" dirty="0"/>
+              <a:rPr lang="en-US" altLang="ja-JP" dirty="0"/>
+              <a:t>SIMT(D) </a:t>
+            </a:r>
+            <a:r>
+              <a:rPr lang="ja-JP" altLang="en-US" dirty="0"/>
+              <a:t>では基本的には複数のデータに対して同じ演算を行う </a:t>
+            </a:r>
+            <a:endParaRPr lang="en-US" altLang="ja-JP" dirty="0"/>
           </a:p>
           <a:p>
             <a:pPr lvl="1"/>
             <a:r>
-              <a:rPr kumimoji="1" lang="ja-JP" altLang="en-US" sz="1600" dirty="0"/>
-              <a:t>理由：ミス数が減ると基本的には実行時間が短くなるため</a:t>
-            </a:r>
-            <a:endParaRPr kumimoji="1" lang="en-US" altLang="ja-JP" sz="1600" dirty="0"/>
-          </a:p>
-          <a:p>
-            <a:r>
-              <a:rPr kumimoji="1" lang="ja-JP" altLang="en-US" sz="1600" dirty="0"/>
-              <a:t>課題：精度とシミュレーション時間</a:t>
-            </a:r>
-            <a:endParaRPr kumimoji="1" lang="en-US" altLang="ja-JP" sz="1600" dirty="0"/>
+              <a:rPr lang="ja-JP" altLang="en-US" dirty="0"/>
+              <a:t>しかし </a:t>
+            </a:r>
+            <a:r>
+              <a:rPr lang="en-US" altLang="ja-JP" dirty="0"/>
+              <a:t>SIMT </a:t>
+            </a:r>
+            <a:r>
+              <a:rPr lang="ja-JP" altLang="en-US" dirty="0"/>
+              <a:t>では全く同じ冗長な演算を複数のレーンで行っている場合があり無駄 </a:t>
+            </a:r>
+            <a:endParaRPr lang="en-US" altLang="ja-JP" dirty="0"/>
+          </a:p>
+          <a:p>
+            <a:r>
+              <a:rPr lang="ja-JP" altLang="en-US" dirty="0"/>
+              <a:t>課題：スカラ化とその問題 </a:t>
+            </a:r>
+            <a:endParaRPr lang="en-US" altLang="ja-JP" dirty="0"/>
           </a:p>
           <a:p>
             <a:pPr lvl="1"/>
             <a:r>
-              <a:rPr kumimoji="1" lang="ja-JP" altLang="en-US" sz="1600" dirty="0"/>
-              <a:t>動機：</a:t>
-            </a:r>
-            <a:endParaRPr kumimoji="1" lang="en-US" altLang="ja-JP" sz="1600" dirty="0"/>
-          </a:p>
-          <a:p>
-            <a:pPr lvl="2"/>
-            <a:r>
-              <a:rPr kumimoji="1" lang="ja-JP" altLang="en-US" sz="1600" dirty="0"/>
-              <a:t>現代の複雑化したプロセッサではミス数と実行時間が直接相関しない</a:t>
-            </a:r>
-            <a:endParaRPr kumimoji="1" lang="en-US" altLang="ja-JP" sz="1600" dirty="0"/>
-          </a:p>
-          <a:p>
-            <a:pPr lvl="2"/>
-            <a:r>
-              <a:rPr kumimoji="1" lang="ja-JP" altLang="en-US" sz="1600" dirty="0"/>
-              <a:t>精度よい性能見積もりのためにはプロセッサ全体のシミュレーションが必要</a:t>
-            </a:r>
-            <a:endParaRPr kumimoji="1" lang="en-US" altLang="ja-JP" sz="1600" dirty="0"/>
+              <a:rPr lang="ja-JP" altLang="en-US" dirty="0"/>
+              <a:t>冗長な演算を１つの演算にまとめるスカラ化が提案されている </a:t>
+            </a:r>
+            <a:endParaRPr lang="en-US" altLang="ja-JP" dirty="0"/>
           </a:p>
           <a:p>
             <a:pPr lvl="1"/>
             <a:r>
-              <a:rPr kumimoji="1" lang="ja-JP" altLang="en-US" sz="1600" dirty="0"/>
-              <a:t>問題：しかしそのようなシミュレーションには長い時間かかる</a:t>
-            </a:r>
-            <a:endParaRPr kumimoji="1" lang="en-US" altLang="ja-JP" sz="1600" dirty="0"/>
-          </a:p>
-          <a:p>
-            <a:r>
-              <a:rPr kumimoji="1" lang="ja-JP" altLang="en-US" sz="1600" dirty="0"/>
-              <a:t>提案：命令キャッシュ・ミス数に代わる新たな指針</a:t>
-            </a:r>
-            <a:endParaRPr kumimoji="1" lang="en-US" altLang="ja-JP" sz="1600" dirty="0"/>
+              <a:rPr lang="ja-JP" altLang="en-US" dirty="0"/>
+              <a:t>しかし，従来のスカラ化では制約があり効果的に演算をまとめられない </a:t>
+            </a:r>
+            <a:endParaRPr lang="en-US" altLang="ja-JP" dirty="0"/>
+          </a:p>
+          <a:p>
+            <a:r>
+              <a:rPr lang="ja-JP" altLang="en-US" dirty="0"/>
+              <a:t>提案：スカラ化の改良 </a:t>
+            </a:r>
+            <a:endParaRPr lang="en-US" altLang="ja-JP" dirty="0"/>
           </a:p>
           <a:p>
             <a:pPr lvl="1"/>
             <a:r>
-              <a:rPr kumimoji="1" lang="ja-JP" altLang="en-US" sz="1600" dirty="0"/>
-              <a:t>手法：新たな指針と，その指針を使った高速な性能見積もり</a:t>
-            </a:r>
-            <a:endParaRPr kumimoji="1" lang="en-US" altLang="ja-JP" sz="1600" dirty="0"/>
-          </a:p>
-          <a:p>
-            <a:pPr lvl="1"/>
-            <a:r>
-              <a:rPr kumimoji="1" lang="ja-JP" altLang="en-US" sz="1600" dirty="0"/>
-              <a:t>効果：２桁短い時間でシミュレーションとほぼ同じ精度の性能見積もりを実現</a:t>
-            </a:r>
+              <a:rPr lang="en-US" altLang="ja-JP" dirty="0"/>
+              <a:t>Temporal SIMT </a:t>
+            </a:r>
+            <a:r>
+              <a:rPr lang="ja-JP" altLang="en-US" dirty="0"/>
+              <a:t>と動的なスカラ化の組み合わせにより実現 </a:t>
+            </a:r>
+            <a:br>
+              <a:rPr lang="ja-JP" altLang="en-US" dirty="0"/>
+            </a:br>
+            <a:endParaRPr kumimoji="1" lang="ja-JP" altLang="en-US" dirty="0"/>
           </a:p>
         </p:txBody>
       </p:sp>
     </p:spTree>
     <p:extLst>
       <p:ext uri="{BB962C8B-B14F-4D97-AF65-F5344CB8AC3E}">
-        <p14:creationId xmlns:p14="http://schemas.microsoft.com/office/powerpoint/2010/main" val="2676903609"/>
+        <p14:creationId xmlns:p14="http://schemas.microsoft.com/office/powerpoint/2010/main" val="1140155702"/>
       </p:ext>
     </p:extLst>
   </p:cSld>
@@ -4757,7 +4731,7 @@
           <p:cNvPr id="2" name="タイトル 1">
             <a:extLst>
               <a:ext uri="{FF2B5EF4-FFF2-40B4-BE49-F238E27FC236}">
-                <a16:creationId xmlns:a16="http://schemas.microsoft.com/office/drawing/2014/main" id="{48EBA81F-A6DD-0466-EAE8-DED8906E9E0C}"/>
+                <a16:creationId xmlns:a16="http://schemas.microsoft.com/office/drawing/2014/main" id="{51BE99DC-6509-D745-923D-01B9E613F224}"/>
               </a:ext>
             </a:extLst>
           </p:cNvPr>
@@ -4774,18 +4748,17 @@
           <a:lstStyle/>
           <a:p>
             <a:r>
-              <a:rPr lang="ja-JP" altLang="en-US" dirty="0"/>
-              <a:t>例５：木村さんの輪講 </a:t>
-            </a:r>
-            <a:r>
-              <a:rPr lang="en-US" altLang="ja-JP" dirty="0"/>
-              <a:t>= </a:t>
-            </a:r>
-            <a:r>
-              <a:rPr lang="ja-JP" altLang="en-US" dirty="0"/>
+              <a:rPr kumimoji="1" lang="ja-JP" altLang="en-US" dirty="0"/>
+              <a:t>例４：出川くんの </a:t>
+            </a:r>
+            <a:r>
+              <a:rPr kumimoji="1" lang="en-US" altLang="ja-JP" dirty="0"/>
+              <a:t>ICCD = </a:t>
+            </a:r>
+            <a:r>
+              <a:rPr kumimoji="1" lang="ja-JP" altLang="en-US" dirty="0"/>
               <a:t>既存手法がないパターン</a:t>
             </a:r>
-            <a:endParaRPr kumimoji="1" lang="ja-JP" altLang="en-US" sz="1800" dirty="0"/>
           </a:p>
         </p:txBody>
       </p:sp>
@@ -4794,7 +4767,7 @@
           <p:cNvPr id="3" name="テキスト プレースホルダー 2">
             <a:extLst>
               <a:ext uri="{FF2B5EF4-FFF2-40B4-BE49-F238E27FC236}">
-                <a16:creationId xmlns:a16="http://schemas.microsoft.com/office/drawing/2014/main" id="{3FEEAC1E-C94E-1099-5C11-AF237D70AFA5}"/>
+                <a16:creationId xmlns:a16="http://schemas.microsoft.com/office/drawing/2014/main" id="{ED93E0D1-8160-8125-E3C9-AED3AEC7F3C7}"/>
               </a:ext>
             </a:extLst>
           </p:cNvPr>
@@ -4805,121 +4778,105 @@
             <p:ph type="body" sz="quarter" idx="10"/>
           </p:nvPr>
         </p:nvSpPr>
-        <p:spPr/>
+        <p:spPr>
+          <a:xfrm>
+            <a:off x="431954" y="1088974"/>
+            <a:ext cx="8460094" cy="5219751"/>
+          </a:xfrm>
+        </p:spPr>
         <p:txBody>
           <a:bodyPr/>
           <a:lstStyle/>
           <a:p>
             <a:r>
-              <a:rPr lang="ja-JP" altLang="en-US" dirty="0"/>
-              <a:t>背景：ベクトル命令 </a:t>
-            </a:r>
-            <a:endParaRPr lang="en-US" altLang="ja-JP" dirty="0"/>
+              <a:rPr kumimoji="1" lang="ja-JP" altLang="en-US" sz="1600" dirty="0"/>
+              <a:t>背景：命令キャッシュ・ミス数を使った性能の見積もり</a:t>
+            </a:r>
+            <a:endParaRPr kumimoji="1" lang="en-US" altLang="ja-JP" sz="1600" dirty="0"/>
           </a:p>
           <a:p>
             <a:pPr lvl="1"/>
             <a:r>
-              <a:rPr lang="ja-JP" altLang="en-US" dirty="0"/>
-              <a:t>単一の命令で可変長の複数データを処理する命令の方式 </a:t>
-            </a:r>
-            <a:endParaRPr lang="en-US" altLang="ja-JP" dirty="0"/>
+              <a:rPr kumimoji="1" lang="ja-JP" altLang="en-US" sz="1600" dirty="0"/>
+              <a:t>従来，命令キャッシュに関わる研究ではミス数が主要な評価項目だった</a:t>
+            </a:r>
+            <a:endParaRPr kumimoji="1" lang="en-US" altLang="ja-JP" sz="1600" dirty="0"/>
           </a:p>
           <a:p>
             <a:pPr lvl="1"/>
             <a:r>
-              <a:rPr lang="ja-JP" altLang="en-US" dirty="0"/>
-              <a:t>データ並列性のある処理を対象 </a:t>
-            </a:r>
-            <a:endParaRPr lang="en-US" altLang="ja-JP" dirty="0"/>
+              <a:rPr kumimoji="1" lang="ja-JP" altLang="en-US" sz="1600" dirty="0"/>
+              <a:t>理由：ミス数が減ると基本的には実行時間が短くなるため</a:t>
+            </a:r>
+            <a:endParaRPr kumimoji="1" lang="en-US" altLang="ja-JP" sz="1600" dirty="0"/>
+          </a:p>
+          <a:p>
+            <a:r>
+              <a:rPr kumimoji="1" lang="ja-JP" altLang="en-US" sz="1600" dirty="0"/>
+              <a:t>課題：精度とシミュレーション時間</a:t>
+            </a:r>
+            <a:endParaRPr kumimoji="1" lang="en-US" altLang="ja-JP" sz="1600" dirty="0"/>
           </a:p>
           <a:p>
             <a:pPr lvl="1"/>
             <a:r>
-              <a:rPr lang="ja-JP" altLang="en-US" dirty="0"/>
-              <a:t>例：</a:t>
-            </a:r>
-            <a:r>
-              <a:rPr lang="en-US" altLang="ja-JP" dirty="0"/>
-              <a:t>RISC-V </a:t>
-            </a:r>
-            <a:r>
-              <a:rPr lang="ja-JP" altLang="en-US" dirty="0"/>
-              <a:t>ベクトル拡張など</a:t>
-            </a:r>
-            <a:endParaRPr lang="en-US" altLang="ja-JP" dirty="0"/>
-          </a:p>
-          <a:p>
-            <a:r>
-              <a:rPr lang="ja-JP" altLang="en-US" dirty="0"/>
-              <a:t>課題：ベクトル命令の実装コスト </a:t>
-            </a:r>
-            <a:endParaRPr lang="en-US" altLang="ja-JP" dirty="0"/>
+              <a:rPr kumimoji="1" lang="ja-JP" altLang="en-US" sz="1600" dirty="0"/>
+              <a:t>動機：</a:t>
+            </a:r>
+            <a:endParaRPr kumimoji="1" lang="en-US" altLang="ja-JP" sz="1600" dirty="0"/>
+          </a:p>
+          <a:p>
+            <a:pPr lvl="2"/>
+            <a:r>
+              <a:rPr kumimoji="1" lang="ja-JP" altLang="en-US" sz="1600" dirty="0"/>
+              <a:t>現代の複雑化したプロセッサではミス数と実行時間が直接相関しない</a:t>
+            </a:r>
+            <a:endParaRPr kumimoji="1" lang="en-US" altLang="ja-JP" sz="1600" dirty="0"/>
+          </a:p>
+          <a:p>
+            <a:pPr lvl="2"/>
+            <a:r>
+              <a:rPr kumimoji="1" lang="ja-JP" altLang="en-US" sz="1600" dirty="0"/>
+              <a:t>精度よい性能見積もりのためにはプロセッサ全体のシミュレーションが必要</a:t>
+            </a:r>
+            <a:endParaRPr kumimoji="1" lang="en-US" altLang="ja-JP" sz="1600" dirty="0"/>
           </a:p>
           <a:p>
             <a:pPr lvl="1"/>
             <a:r>
-              <a:rPr lang="ja-JP" altLang="en-US" dirty="0"/>
-              <a:t>ベクトル命令では１つの命令が多数のアクセスを発生させる</a:t>
-            </a:r>
-            <a:endParaRPr lang="en-US" altLang="ja-JP" dirty="0"/>
+              <a:rPr kumimoji="1" lang="ja-JP" altLang="en-US" sz="1600" dirty="0"/>
+              <a:t>問題：しかしそのようなシミュレーションには長い時間かかる</a:t>
+            </a:r>
+            <a:endParaRPr kumimoji="1" lang="en-US" altLang="ja-JP" sz="1600" dirty="0"/>
+          </a:p>
+          <a:p>
+            <a:r>
+              <a:rPr kumimoji="1" lang="ja-JP" altLang="en-US" sz="1600" dirty="0"/>
+              <a:t>提案：命令キャッシュ・ミス数に代わる新たな指針</a:t>
+            </a:r>
+            <a:endParaRPr kumimoji="1" lang="en-US" altLang="ja-JP" sz="1600" dirty="0"/>
           </a:p>
           <a:p>
             <a:pPr lvl="1"/>
             <a:r>
-              <a:rPr lang="ja-JP" altLang="en-US" dirty="0"/>
-              <a:t>従来の作り方で </a:t>
-            </a:r>
-            <a:r>
-              <a:rPr lang="en-US" altLang="ja-JP" dirty="0"/>
-              <a:t>out-of-order </a:t>
-            </a:r>
-            <a:r>
-              <a:rPr lang="ja-JP" altLang="en-US" dirty="0"/>
-              <a:t>プロセッサ上に実装すると，複雑さが爆発する </a:t>
-            </a:r>
-            <a:endParaRPr lang="en-US" altLang="ja-JP" dirty="0"/>
-          </a:p>
-          <a:p>
-            <a:r>
-              <a:rPr lang="ja-JP" altLang="en-US" dirty="0"/>
-              <a:t>提案：ベクトル命令の実装の複雑さを下げる</a:t>
-            </a:r>
-            <a:endParaRPr lang="en-US" altLang="ja-JP" dirty="0"/>
+              <a:rPr kumimoji="1" lang="ja-JP" altLang="en-US" sz="1600" dirty="0"/>
+              <a:t>手法：新たな指針と，その指針を使った高速な性能見積もり</a:t>
+            </a:r>
+            <a:endParaRPr kumimoji="1" lang="en-US" altLang="ja-JP" sz="1600" dirty="0"/>
           </a:p>
           <a:p>
             <a:pPr lvl="1"/>
             <a:r>
-              <a:rPr kumimoji="1" lang="ja-JP" altLang="en-US" dirty="0"/>
-              <a:t>部分的な </a:t>
-            </a:r>
-            <a:r>
-              <a:rPr kumimoji="1" lang="en-US" altLang="ja-JP" dirty="0"/>
-              <a:t>in-order </a:t>
-            </a:r>
-            <a:r>
-              <a:rPr kumimoji="1" lang="ja-JP" altLang="en-US" dirty="0"/>
-              <a:t>実行の導入による複雑さの緩和</a:t>
-            </a:r>
-            <a:endParaRPr kumimoji="1" lang="en-US" altLang="ja-JP" dirty="0"/>
-          </a:p>
-          <a:p>
-            <a:pPr lvl="1"/>
-            <a:r>
-              <a:rPr lang="en-US" altLang="ja-JP" dirty="0"/>
-              <a:t>in-order/out-of-order </a:t>
-            </a:r>
-            <a:r>
-              <a:rPr lang="ja-JP" altLang="en-US" dirty="0"/>
-              <a:t>部の軽量な同期方法の提案</a:t>
-            </a:r>
-            <a:endParaRPr kumimoji="1" lang="ja-JP" altLang="en-US" dirty="0"/>
+              <a:rPr kumimoji="1" lang="ja-JP" altLang="en-US" sz="1600" dirty="0"/>
+              <a:t>効果：２桁短い時間でシミュレーションとほぼ同じ精度の性能見積もりを実現</a:t>
+            </a:r>
           </a:p>
         </p:txBody>
       </p:sp>
     </p:spTree>
     <p:extLst>
       <p:ext uri="{BB962C8B-B14F-4D97-AF65-F5344CB8AC3E}">
-        <p14:creationId xmlns:p14="http://schemas.microsoft.com/office/powerpoint/2010/main" val="217282455"/>
+        <p14:creationId xmlns:p14="http://schemas.microsoft.com/office/powerpoint/2010/main" val="2676903609"/>
       </p:ext>
     </p:extLst>
   </p:cSld>
@@ -4959,7 +4916,7 @@
           <p:cNvPr id="2" name="タイトル 1">
             <a:extLst>
               <a:ext uri="{FF2B5EF4-FFF2-40B4-BE49-F238E27FC236}">
-                <a16:creationId xmlns:a16="http://schemas.microsoft.com/office/drawing/2014/main" id="{4E691AB9-EB73-E7D5-1F53-E3DB980F59E5}"/>
+                <a16:creationId xmlns:a16="http://schemas.microsoft.com/office/drawing/2014/main" id="{48EBA81F-A6DD-0466-EAE8-DED8906E9E0C}"/>
               </a:ext>
             </a:extLst>
           </p:cNvPr>
@@ -4976,9 +4933,18 @@
           <a:lstStyle/>
           <a:p>
             <a:r>
-              <a:rPr kumimoji="1" lang="ja-JP" altLang="en-US" dirty="0"/>
-              <a:t>背景について</a:t>
-            </a:r>
+              <a:rPr lang="ja-JP" altLang="en-US" dirty="0"/>
+              <a:t>例５：木村さんの輪講 </a:t>
+            </a:r>
+            <a:r>
+              <a:rPr lang="en-US" altLang="ja-JP" dirty="0"/>
+              <a:t>= </a:t>
+            </a:r>
+            <a:r>
+              <a:rPr lang="ja-JP" altLang="en-US" dirty="0"/>
+              <a:t>既存手法がないパターン</a:t>
+            </a:r>
+            <a:endParaRPr kumimoji="1" lang="ja-JP" altLang="en-US" sz="1800" dirty="0"/>
           </a:p>
         </p:txBody>
       </p:sp>
@@ -4987,7 +4953,7 @@
           <p:cNvPr id="3" name="テキスト プレースホルダー 2">
             <a:extLst>
               <a:ext uri="{FF2B5EF4-FFF2-40B4-BE49-F238E27FC236}">
-                <a16:creationId xmlns:a16="http://schemas.microsoft.com/office/drawing/2014/main" id="{129E117A-6DB6-BF8B-772E-8A11F989FE48}"/>
+                <a16:creationId xmlns:a16="http://schemas.microsoft.com/office/drawing/2014/main" id="{3FEEAC1E-C94E-1099-5C11-AF237D70AFA5}"/>
               </a:ext>
             </a:extLst>
           </p:cNvPr>
@@ -5004,107 +4970,106 @@
           <a:lstStyle/>
           <a:p>
             <a:r>
+              <a:rPr lang="ja-JP" altLang="en-US" dirty="0"/>
+              <a:t>背景：ベクトル命令 </a:t>
+            </a:r>
+            <a:endParaRPr lang="en-US" altLang="ja-JP" dirty="0"/>
+          </a:p>
+          <a:p>
+            <a:pPr lvl="1"/>
+            <a:r>
+              <a:rPr lang="ja-JP" altLang="en-US" dirty="0"/>
+              <a:t>単一の命令で可変長の複数データを処理する命令の方式 </a:t>
+            </a:r>
+            <a:endParaRPr lang="en-US" altLang="ja-JP" dirty="0"/>
+          </a:p>
+          <a:p>
+            <a:pPr lvl="1"/>
+            <a:r>
+              <a:rPr lang="ja-JP" altLang="en-US" dirty="0"/>
+              <a:t>データ並列性のある処理を対象 </a:t>
+            </a:r>
+            <a:endParaRPr lang="en-US" altLang="ja-JP" dirty="0"/>
+          </a:p>
+          <a:p>
+            <a:pPr lvl="1"/>
+            <a:r>
+              <a:rPr lang="ja-JP" altLang="en-US" dirty="0"/>
+              <a:t>例：</a:t>
+            </a:r>
+            <a:r>
+              <a:rPr lang="en-US" altLang="ja-JP" dirty="0"/>
+              <a:t>RISC-V </a:t>
+            </a:r>
+            <a:r>
+              <a:rPr lang="ja-JP" altLang="en-US" dirty="0"/>
+              <a:t>ベクトル拡張など</a:t>
+            </a:r>
+            <a:endParaRPr lang="en-US" altLang="ja-JP" dirty="0"/>
+          </a:p>
+          <a:p>
+            <a:r>
+              <a:rPr lang="ja-JP" altLang="en-US" dirty="0"/>
+              <a:t>課題：ベクトル命令の実装コスト </a:t>
+            </a:r>
+            <a:endParaRPr lang="en-US" altLang="ja-JP" dirty="0"/>
+          </a:p>
+          <a:p>
+            <a:pPr lvl="1"/>
+            <a:r>
+              <a:rPr lang="ja-JP" altLang="en-US" dirty="0"/>
+              <a:t>ベクトル命令では１つの命令が多数のアクセスを発生させる</a:t>
+            </a:r>
+            <a:endParaRPr lang="en-US" altLang="ja-JP" dirty="0"/>
+          </a:p>
+          <a:p>
+            <a:pPr lvl="1"/>
+            <a:r>
+              <a:rPr lang="ja-JP" altLang="en-US" dirty="0"/>
+              <a:t>従来の作り方で </a:t>
+            </a:r>
+            <a:r>
+              <a:rPr lang="en-US" altLang="ja-JP" dirty="0"/>
+              <a:t>out-of-order </a:t>
+            </a:r>
+            <a:r>
+              <a:rPr lang="ja-JP" altLang="en-US" dirty="0"/>
+              <a:t>プロセッサ上に実装すると，複雑さが爆発する </a:t>
+            </a:r>
+            <a:endParaRPr lang="en-US" altLang="ja-JP" dirty="0"/>
+          </a:p>
+          <a:p>
+            <a:r>
+              <a:rPr lang="ja-JP" altLang="en-US" dirty="0"/>
+              <a:t>提案：ベクトル命令の実装の複雑さを下げる</a:t>
+            </a:r>
+            <a:endParaRPr lang="en-US" altLang="ja-JP" dirty="0"/>
+          </a:p>
+          <a:p>
+            <a:pPr lvl="1"/>
+            <a:r>
               <a:rPr kumimoji="1" lang="ja-JP" altLang="en-US" dirty="0"/>
-              <a:t>「背景」はプロット全体の議論の場を設定する</a:t>
+              <a:t>部分的な </a:t>
+            </a:r>
+            <a:r>
+              <a:rPr kumimoji="1" lang="en-US" altLang="ja-JP" dirty="0"/>
+              <a:t>in-order </a:t>
+            </a:r>
+            <a:r>
+              <a:rPr kumimoji="1" lang="ja-JP" altLang="en-US" dirty="0"/>
+              <a:t>実行の導入による複雑さの緩和</a:t>
             </a:r>
             <a:endParaRPr kumimoji="1" lang="en-US" altLang="ja-JP" dirty="0"/>
           </a:p>
           <a:p>
             <a:pPr lvl="1"/>
             <a:r>
-              <a:rPr kumimoji="1" lang="ja-JP" altLang="en-US" dirty="0"/>
-              <a:t>まず，何についての話題なのか</a:t>
-            </a:r>
-            <a:endParaRPr kumimoji="1" lang="en-US" altLang="ja-JP" dirty="0"/>
-          </a:p>
-          <a:p>
-            <a:pPr lvl="1"/>
-            <a:r>
-              <a:rPr kumimoji="1" lang="ja-JP" altLang="en-US" dirty="0"/>
-              <a:t>その話題において何が主に問題となるのかや，目的は何なのか</a:t>
-            </a:r>
-            <a:endParaRPr kumimoji="1" lang="en-US" altLang="ja-JP" dirty="0"/>
-          </a:p>
-          <a:p>
+              <a:rPr lang="en-US" altLang="ja-JP" dirty="0"/>
+              <a:t>in-order/out-of-order </a:t>
+            </a:r>
             <a:r>
               <a:rPr lang="ja-JP" altLang="en-US" dirty="0"/>
-              <a:t>たとえば，前述の例の課題の場合：</a:t>
-            </a:r>
-            <a:endParaRPr lang="en-US" altLang="ja-JP" dirty="0"/>
-          </a:p>
-          <a:p>
-            <a:pPr lvl="1"/>
-            <a:r>
-              <a:rPr lang="ja-JP" altLang="en-US" sz="2000" dirty="0"/>
-              <a:t>「キャッシュ」</a:t>
-            </a:r>
-            <a:endParaRPr lang="en-US" altLang="ja-JP" sz="2000" dirty="0"/>
-          </a:p>
-          <a:p>
-            <a:pPr lvl="1"/>
-            <a:r>
-              <a:rPr lang="ja-JP" altLang="en-US" sz="2000" dirty="0"/>
-              <a:t>「</a:t>
-            </a:r>
-            <a:r>
-              <a:rPr kumimoji="1" lang="ja-JP" altLang="en-US" dirty="0"/>
-              <a:t>早いプリフェッチによるレイテンシの隠蔽</a:t>
-            </a:r>
-            <a:r>
-              <a:rPr lang="ja-JP" altLang="en-US" sz="2000" dirty="0"/>
-              <a:t>」</a:t>
-            </a:r>
-            <a:endParaRPr kumimoji="1" lang="en-US" altLang="ja-JP" dirty="0"/>
-          </a:p>
-          <a:p>
-            <a:pPr lvl="1"/>
-            <a:r>
-              <a:rPr lang="ja-JP" altLang="en-US" sz="2000" dirty="0"/>
-              <a:t>「</a:t>
-            </a:r>
-            <a:r>
-              <a:rPr lang="en-US" altLang="ja-JP" dirty="0"/>
-              <a:t>SIMT </a:t>
-            </a:r>
-            <a:r>
-              <a:rPr lang="ja-JP" altLang="en-US" dirty="0"/>
-              <a:t>アーキテクチャにおける冗長な演算</a:t>
-            </a:r>
-            <a:r>
-              <a:rPr lang="ja-JP" altLang="en-US" sz="2000" dirty="0"/>
-              <a:t>」</a:t>
-            </a:r>
-            <a:endParaRPr lang="en-US" altLang="ja-JP" dirty="0"/>
-          </a:p>
-          <a:p>
-            <a:pPr lvl="1"/>
-            <a:r>
-              <a:rPr lang="ja-JP" altLang="en-US" sz="2000" dirty="0"/>
-              <a:t>「</a:t>
-            </a:r>
-            <a:r>
-              <a:rPr kumimoji="1" lang="ja-JP" altLang="en-US" sz="2000" dirty="0"/>
-              <a:t>命令キャッシュ・ミス数を使った性能の見積もり</a:t>
-            </a:r>
-            <a:r>
-              <a:rPr lang="ja-JP" altLang="en-US" sz="2000" dirty="0"/>
-              <a:t>」</a:t>
-            </a:r>
-            <a:endParaRPr kumimoji="1" lang="en-US" altLang="ja-JP" sz="2000" dirty="0"/>
-          </a:p>
-          <a:p>
-            <a:pPr lvl="1"/>
-            <a:r>
-              <a:rPr lang="ja-JP" altLang="en-US" sz="2000" dirty="0"/>
-              <a:t>「</a:t>
-            </a:r>
-            <a:r>
-              <a:rPr lang="ja-JP" altLang="en-US" dirty="0"/>
-              <a:t>ベクトル命令</a:t>
-            </a:r>
-            <a:r>
-              <a:rPr lang="ja-JP" altLang="en-US" sz="2000" dirty="0"/>
-              <a:t>」</a:t>
+              <a:t>部の軽量な同期方法の提案</a:t>
             </a:r>
             <a:endParaRPr kumimoji="1" lang="ja-JP" altLang="en-US" dirty="0"/>
           </a:p>
@@ -5113,7 +5078,7 @@
     </p:spTree>
     <p:extLst>
       <p:ext uri="{BB962C8B-B14F-4D97-AF65-F5344CB8AC3E}">
-        <p14:creationId xmlns:p14="http://schemas.microsoft.com/office/powerpoint/2010/main" val="4102329378"/>
+        <p14:creationId xmlns:p14="http://schemas.microsoft.com/office/powerpoint/2010/main" val="217282455"/>
       </p:ext>
     </p:extLst>
   </p:cSld>
@@ -5153,7 +5118,7 @@
           <p:cNvPr id="2" name="タイトル 1">
             <a:extLst>
               <a:ext uri="{FF2B5EF4-FFF2-40B4-BE49-F238E27FC236}">
-                <a16:creationId xmlns:a16="http://schemas.microsoft.com/office/drawing/2014/main" id="{0D8148F9-96F5-47D8-BABC-0992A5317442}"/>
+                <a16:creationId xmlns:a16="http://schemas.microsoft.com/office/drawing/2014/main" id="{4E691AB9-EB73-E7D5-1F53-E3DB980F59E5}"/>
               </a:ext>
             </a:extLst>
           </p:cNvPr>
@@ -5171,7 +5136,7 @@
           <a:p>
             <a:r>
               <a:rPr kumimoji="1" lang="ja-JP" altLang="en-US" dirty="0"/>
-              <a:t>課題について</a:t>
+              <a:t>背景について</a:t>
             </a:r>
           </a:p>
         </p:txBody>
@@ -5181,7 +5146,7 @@
           <p:cNvPr id="3" name="テキスト プレースホルダー 2">
             <a:extLst>
               <a:ext uri="{FF2B5EF4-FFF2-40B4-BE49-F238E27FC236}">
-                <a16:creationId xmlns:a16="http://schemas.microsoft.com/office/drawing/2014/main" id="{F99D6A1E-A2D8-5CC6-FE5C-A06B02DCAF52}"/>
+                <a16:creationId xmlns:a16="http://schemas.microsoft.com/office/drawing/2014/main" id="{129E117A-6DB6-BF8B-772E-8A11F989FE48}"/>
               </a:ext>
             </a:extLst>
           </p:cNvPr>
@@ -5198,34 +5163,26 @@
           <a:lstStyle/>
           <a:p>
             <a:r>
-              <a:rPr lang="ja-JP" altLang="en-US" dirty="0">
-                <a:solidFill>
-                  <a:schemeClr val="accent5"/>
-                </a:solidFill>
-              </a:rPr>
-              <a:t>「課題」は，良くない事を示すネガティブな語句や文を必ず含む</a:t>
-            </a:r>
-            <a:endParaRPr lang="en-US" altLang="ja-JP" dirty="0">
-              <a:solidFill>
-                <a:schemeClr val="accent5"/>
-              </a:solidFill>
-            </a:endParaRPr>
+              <a:rPr kumimoji="1" lang="ja-JP" altLang="en-US" dirty="0"/>
+              <a:t>「背景」はプロット全体の議論の場を設定する</a:t>
+            </a:r>
+            <a:endParaRPr kumimoji="1" lang="en-US" altLang="ja-JP" dirty="0"/>
           </a:p>
           <a:p>
             <a:pPr lvl="1"/>
             <a:r>
-              <a:rPr lang="ja-JP" altLang="en-US" dirty="0"/>
-              <a:t>「～が悪い」「～できない」など</a:t>
-            </a:r>
-            <a:endParaRPr lang="en-US" altLang="ja-JP" dirty="0"/>
+              <a:rPr kumimoji="1" lang="ja-JP" altLang="en-US" dirty="0"/>
+              <a:t>まず，何についての話題なのか</a:t>
+            </a:r>
+            <a:endParaRPr kumimoji="1" lang="en-US" altLang="ja-JP" dirty="0"/>
           </a:p>
           <a:p>
             <a:pPr lvl="1"/>
             <a:r>
-              <a:rPr lang="ja-JP" altLang="en-US" dirty="0"/>
-              <a:t>これにより，なにが問題であるのかを明示する</a:t>
-            </a:r>
-            <a:endParaRPr lang="en-US" altLang="ja-JP" dirty="0"/>
+              <a:rPr kumimoji="1" lang="ja-JP" altLang="en-US" dirty="0"/>
+              <a:t>その話題において何が主に問題となるのかや，目的は何なのか</a:t>
+            </a:r>
+            <a:endParaRPr kumimoji="1" lang="en-US" altLang="ja-JP" dirty="0"/>
           </a:p>
           <a:p>
             <a:r>
@@ -5237,49 +5194,85 @@
           <a:p>
             <a:pPr lvl="1"/>
             <a:r>
+              <a:rPr lang="ja-JP" altLang="en-US" sz="2000" dirty="0"/>
+              <a:t>「キャッシュ」</a:t>
+            </a:r>
+            <a:endParaRPr lang="en-US" altLang="ja-JP" sz="2000" dirty="0"/>
+          </a:p>
+          <a:p>
+            <a:pPr lvl="1"/>
+            <a:r>
+              <a:rPr lang="ja-JP" altLang="en-US" sz="2000" dirty="0"/>
+              <a:t>「</a:t>
+            </a:r>
+            <a:r>
+              <a:rPr kumimoji="1" lang="ja-JP" altLang="en-US" dirty="0"/>
+              <a:t>早いプリフェッチによるレイテンシの隠蔽</a:t>
+            </a:r>
+            <a:r>
+              <a:rPr lang="ja-JP" altLang="en-US" sz="2000" dirty="0"/>
+              <a:t>」</a:t>
+            </a:r>
+            <a:endParaRPr kumimoji="1" lang="en-US" altLang="ja-JP" dirty="0"/>
+          </a:p>
+          <a:p>
+            <a:pPr lvl="1"/>
+            <a:r>
+              <a:rPr lang="ja-JP" altLang="en-US" sz="2000" dirty="0"/>
+              <a:t>「</a:t>
+            </a:r>
+            <a:r>
+              <a:rPr lang="en-US" altLang="ja-JP" dirty="0"/>
+              <a:t>SIMT </a:t>
+            </a:r>
+            <a:r>
               <a:rPr lang="ja-JP" altLang="en-US" dirty="0"/>
-              <a:t>「従来のスカラ化では制約があり効果的にまとめられない 」</a:t>
+              <a:t>アーキテクチャにおける冗長な演算</a:t>
+            </a:r>
+            <a:r>
+              <a:rPr lang="ja-JP" altLang="en-US" sz="2000" dirty="0"/>
+              <a:t>」</a:t>
             </a:r>
             <a:endParaRPr lang="en-US" altLang="ja-JP" dirty="0"/>
           </a:p>
           <a:p>
             <a:pPr lvl="1"/>
             <a:r>
-              <a:rPr kumimoji="1" lang="ja-JP" altLang="en-US" dirty="0"/>
-              <a:t>「性能向上の機会が大きく失われている」</a:t>
-            </a:r>
-            <a:endParaRPr kumimoji="1" lang="en-US" altLang="ja-JP" dirty="0"/>
+              <a:rPr lang="ja-JP" altLang="en-US" sz="2000" dirty="0"/>
+              <a:t>「</a:t>
+            </a:r>
+            <a:r>
+              <a:rPr kumimoji="1" lang="ja-JP" altLang="en-US" sz="2000" dirty="0"/>
+              <a:t>命令キャッシュ・ミス数を使った性能の見積もり</a:t>
+            </a:r>
+            <a:r>
+              <a:rPr lang="ja-JP" altLang="en-US" sz="2000" dirty="0"/>
+              <a:t>」</a:t>
+            </a:r>
+            <a:endParaRPr kumimoji="1" lang="en-US" altLang="ja-JP" sz="2000" dirty="0"/>
           </a:p>
           <a:p>
             <a:pPr lvl="1"/>
             <a:r>
+              <a:rPr lang="ja-JP" altLang="en-US" sz="2000" dirty="0"/>
+              <a:t>「</a:t>
+            </a:r>
+            <a:r>
               <a:rPr lang="ja-JP" altLang="en-US" dirty="0"/>
-              <a:t>「複雑さが爆発する 」</a:t>
-            </a:r>
-            <a:endParaRPr lang="en-US" altLang="ja-JP" dirty="0"/>
-          </a:p>
-          <a:p>
-            <a:pPr lvl="1"/>
-            <a:r>
-              <a:rPr kumimoji="1" lang="ja-JP" altLang="en-US" dirty="0"/>
-              <a:t>「</a:t>
-            </a:r>
-            <a:r>
-              <a:rPr kumimoji="1" lang="ja-JP" altLang="en-US" sz="2000" dirty="0"/>
-              <a:t>シミュレーションには長い時間かかる</a:t>
-            </a:r>
-            <a:r>
-              <a:rPr kumimoji="1" lang="ja-JP" altLang="en-US" dirty="0"/>
+              <a:t>ベクトル命令</a:t>
+            </a:r>
+            <a:r>
+              <a:rPr lang="ja-JP" altLang="en-US" sz="2000" dirty="0"/>
               <a:t>」</a:t>
             </a:r>
-            <a:endParaRPr kumimoji="1" lang="en-US" altLang="ja-JP" dirty="0"/>
+            <a:endParaRPr kumimoji="1" lang="ja-JP" altLang="en-US" dirty="0"/>
           </a:p>
         </p:txBody>
       </p:sp>
     </p:spTree>
     <p:extLst>
       <p:ext uri="{BB962C8B-B14F-4D97-AF65-F5344CB8AC3E}">
-        <p14:creationId xmlns:p14="http://schemas.microsoft.com/office/powerpoint/2010/main" val="1845051389"/>
+        <p14:creationId xmlns:p14="http://schemas.microsoft.com/office/powerpoint/2010/main" val="4102329378"/>
       </p:ext>
     </p:extLst>
   </p:cSld>
@@ -5339,6 +5332,7 @@
               <a:rPr kumimoji="1" lang="ja-JP" altLang="en-US" dirty="0"/>
               <a:t>３点プロットのチェック・リスト</a:t>
             </a:r>
+            <a:endParaRPr kumimoji="1" lang="ja-JP" altLang="en-US" sz="1600" dirty="0"/>
           </a:p>
         </p:txBody>
       </p:sp>
@@ -5360,8 +5354,8 @@
         </p:nvSpPr>
         <p:spPr>
           <a:xfrm>
-            <a:off x="431954" y="1088974"/>
-            <a:ext cx="8460094" cy="5219751"/>
+            <a:off x="251952" y="1088974"/>
+            <a:ext cx="8730097" cy="5219751"/>
           </a:xfrm>
         </p:spPr>
         <p:txBody>
@@ -5374,6 +5368,13 @@
             <a:r>
               <a:rPr kumimoji="1" lang="ja-JP" altLang="en-US" sz="1600" dirty="0"/>
               <a:t>３点プロットを作ったら，以下が満たされているかを確認する：</a:t>
+            </a:r>
+            <a:br>
+              <a:rPr kumimoji="1" lang="en-US" altLang="ja-JP" sz="1600" dirty="0"/>
+            </a:br>
+            <a:r>
+              <a:rPr kumimoji="1" lang="ja-JP" altLang="en-US" sz="1600" dirty="0"/>
+              <a:t>（「形式に関するチェック」については，他のタイプのプロットでも同様に確認する）</a:t>
             </a:r>
             <a:endParaRPr kumimoji="1" lang="en-US" altLang="ja-JP" sz="1600" dirty="0"/>
           </a:p>
@@ -5542,7 +5543,7 @@
           <a:p>
             <a:r>
               <a:rPr kumimoji="1" lang="ja-JP" altLang="en-US" dirty="0"/>
-              <a:t>項目間の関係</a:t>
+              <a:t>課題について</a:t>
             </a:r>
           </a:p>
         </p:txBody>
@@ -5569,77 +5570,79 @@
           <a:lstStyle/>
           <a:p>
             <a:r>
+              <a:rPr lang="ja-JP" altLang="en-US" dirty="0">
+                <a:solidFill>
+                  <a:schemeClr val="accent5"/>
+                </a:solidFill>
+              </a:rPr>
+              <a:t>「課題」は，良くない事を示すネガティブな語句や文を必ず含む</a:t>
+            </a:r>
+            <a:endParaRPr lang="en-US" altLang="ja-JP" dirty="0">
+              <a:solidFill>
+                <a:schemeClr val="accent5"/>
+              </a:solidFill>
+            </a:endParaRPr>
+          </a:p>
+          <a:p>
+            <a:pPr lvl="1"/>
+            <a:r>
+              <a:rPr lang="ja-JP" altLang="en-US" dirty="0"/>
+              <a:t>「～が悪い」「～できない」など</a:t>
+            </a:r>
+            <a:endParaRPr lang="en-US" altLang="ja-JP" dirty="0"/>
+          </a:p>
+          <a:p>
+            <a:pPr lvl="1"/>
+            <a:r>
+              <a:rPr lang="ja-JP" altLang="en-US" dirty="0"/>
+              <a:t>これにより，なにが問題であるのかを明示する</a:t>
+            </a:r>
+            <a:endParaRPr lang="en-US" altLang="ja-JP" dirty="0"/>
+          </a:p>
+          <a:p>
+            <a:r>
+              <a:rPr lang="ja-JP" altLang="en-US" dirty="0"/>
+              <a:t>たとえば，前述の例の課題の場合：</a:t>
+            </a:r>
+            <a:endParaRPr lang="en-US" altLang="ja-JP" dirty="0"/>
+          </a:p>
+          <a:p>
+            <a:pPr lvl="1"/>
+            <a:r>
+              <a:rPr lang="ja-JP" altLang="en-US" dirty="0"/>
+              <a:t>「従来のスカラ化では制約があり効果的にまとめられない 」</a:t>
+            </a:r>
+            <a:endParaRPr lang="en-US" altLang="ja-JP" dirty="0"/>
+          </a:p>
+          <a:p>
+            <a:pPr lvl="1"/>
+            <a:r>
               <a:rPr kumimoji="1" lang="ja-JP" altLang="en-US" dirty="0"/>
-              <a:t>「課題」に書く内容は，「背景」で提示した問題に対応させる</a:t>
+              <a:t>「性能向上の機会が大きく失われている」</a:t>
             </a:r>
             <a:endParaRPr kumimoji="1" lang="en-US" altLang="ja-JP" dirty="0"/>
           </a:p>
           <a:p>
-            <a:pPr marL="817200" lvl="1" indent="-457200">
-              <a:buFont typeface="+mj-lt"/>
-              <a:buAutoNum type="arabicPeriod"/>
-            </a:pPr>
+            <a:pPr lvl="1"/>
+            <a:r>
+              <a:rPr lang="ja-JP" altLang="en-US" dirty="0"/>
+              <a:t>「複雑さが爆発する 」</a:t>
+            </a:r>
+            <a:endParaRPr lang="en-US" altLang="ja-JP" dirty="0"/>
+          </a:p>
+          <a:p>
+            <a:pPr lvl="1"/>
             <a:r>
               <a:rPr kumimoji="1" lang="ja-JP" altLang="en-US" dirty="0"/>
-              <a:t>既存手法がある場合：</a:t>
-            </a:r>
-            <a:endParaRPr kumimoji="1" lang="en-US" altLang="ja-JP" dirty="0"/>
-          </a:p>
-          <a:p>
-            <a:pPr lvl="2"/>
+              <a:t>「</a:t>
+            </a:r>
+            <a:r>
+              <a:rPr kumimoji="1" lang="ja-JP" altLang="en-US" sz="2000" dirty="0"/>
+              <a:t>シミュレーションには長い時間かかる</a:t>
+            </a:r>
             <a:r>
               <a:rPr kumimoji="1" lang="ja-JP" altLang="en-US" dirty="0"/>
-              <a:t>「背景」で提示した問題を解決する </a:t>
-            </a:r>
-            <a:endParaRPr kumimoji="1" lang="en-US" altLang="ja-JP" dirty="0"/>
-          </a:p>
-          <a:p>
-            <a:pPr lvl="2"/>
-            <a:r>
-              <a:rPr kumimoji="1" lang="ja-JP" altLang="en-US" dirty="0"/>
-              <a:t>（基本的にはこの形になることが多い）</a:t>
-            </a:r>
-            <a:endParaRPr kumimoji="1" lang="en-US" altLang="ja-JP" dirty="0"/>
-          </a:p>
-          <a:p>
-            <a:pPr marL="817200" lvl="1" indent="-457200">
-              <a:buFont typeface="+mj-lt"/>
-              <a:buAutoNum type="arabicPeriod"/>
-            </a:pPr>
-            <a:r>
-              <a:rPr kumimoji="1" lang="ja-JP" altLang="en-US" dirty="0"/>
-              <a:t>既存手法がない場合：</a:t>
-            </a:r>
-            <a:endParaRPr kumimoji="1" lang="en-US" altLang="ja-JP" dirty="0"/>
-          </a:p>
-          <a:p>
-            <a:pPr lvl="2"/>
-            <a:r>
-              <a:rPr kumimoji="1" lang="ja-JP" altLang="en-US" dirty="0"/>
-              <a:t>「背景」の特定の問題に着目して掘り下げる</a:t>
-            </a:r>
-            <a:endParaRPr kumimoji="1" lang="en-US" altLang="ja-JP" dirty="0"/>
-          </a:p>
-          <a:p>
-            <a:r>
-              <a:rPr kumimoji="1" lang="ja-JP" altLang="en-US" dirty="0"/>
-              <a:t>「提案」では，「背景」と「課題」で提示した問題に対応させる</a:t>
-            </a:r>
-            <a:endParaRPr kumimoji="1" lang="en-US" altLang="ja-JP" dirty="0"/>
-          </a:p>
-          <a:p>
-            <a:pPr lvl="1"/>
-            <a:r>
-              <a:rPr kumimoji="1" lang="ja-JP" altLang="en-US" dirty="0"/>
-              <a:t>基本的には「課題」で提示した問題を解決する方法を書く</a:t>
-            </a:r>
-            <a:endParaRPr kumimoji="1" lang="en-US" altLang="ja-JP" dirty="0"/>
-          </a:p>
-          <a:p>
-            <a:pPr lvl="1"/>
-            <a:r>
-              <a:rPr kumimoji="1" lang="ja-JP" altLang="en-US" dirty="0"/>
-              <a:t>そうすれば，普通は自然と「背景」の問題にも対応する</a:t>
+              <a:t>」</a:t>
             </a:r>
             <a:endParaRPr kumimoji="1" lang="en-US" altLang="ja-JP" dirty="0"/>
           </a:p>
@@ -5648,7 +5651,7 @@
     </p:spTree>
     <p:extLst>
       <p:ext uri="{BB962C8B-B14F-4D97-AF65-F5344CB8AC3E}">
-        <p14:creationId xmlns:p14="http://schemas.microsoft.com/office/powerpoint/2010/main" val="3708283417"/>
+        <p14:creationId xmlns:p14="http://schemas.microsoft.com/office/powerpoint/2010/main" val="1845051389"/>
       </p:ext>
     </p:extLst>
   </p:cSld>
@@ -5688,7 +5691,7 @@
           <p:cNvPr id="2" name="タイトル 1">
             <a:extLst>
               <a:ext uri="{FF2B5EF4-FFF2-40B4-BE49-F238E27FC236}">
-                <a16:creationId xmlns:a16="http://schemas.microsoft.com/office/drawing/2014/main" id="{CF2EC29A-53FA-8B96-FE9A-0EF13AEC926F}"/>
+                <a16:creationId xmlns:a16="http://schemas.microsoft.com/office/drawing/2014/main" id="{0D8148F9-96F5-47D8-BABC-0992A5317442}"/>
               </a:ext>
             </a:extLst>
           </p:cNvPr>
@@ -5706,7 +5709,7 @@
           <a:p>
             <a:r>
               <a:rPr kumimoji="1" lang="ja-JP" altLang="en-US" dirty="0"/>
-              <a:t>応用：４点プロット</a:t>
+              <a:t>項目間の関係</a:t>
             </a:r>
           </a:p>
         </p:txBody>
@@ -5716,7 +5719,7 @@
           <p:cNvPr id="3" name="テキスト プレースホルダー 2">
             <a:extLst>
               <a:ext uri="{FF2B5EF4-FFF2-40B4-BE49-F238E27FC236}">
-                <a16:creationId xmlns:a16="http://schemas.microsoft.com/office/drawing/2014/main" id="{181521BF-22BE-74E1-30FF-6AFF99DD6C71}"/>
+                <a16:creationId xmlns:a16="http://schemas.microsoft.com/office/drawing/2014/main" id="{F99D6A1E-A2D8-5CC6-FE5C-A06B02DCAF52}"/>
               </a:ext>
             </a:extLst>
           </p:cNvPr>
@@ -5727,27 +5730,75 @@
             <p:ph type="body" sz="quarter" idx="10"/>
           </p:nvPr>
         </p:nvSpPr>
-        <p:spPr>
-          <a:xfrm>
-            <a:off x="341953" y="1088974"/>
-            <a:ext cx="8550095" cy="5219751"/>
-          </a:xfrm>
-        </p:spPr>
+        <p:spPr/>
         <p:txBody>
           <a:bodyPr/>
           <a:lstStyle/>
           <a:p>
             <a:r>
               <a:rPr kumimoji="1" lang="ja-JP" altLang="en-US" dirty="0"/>
-              <a:t>洞察を加えた４点プロットの形でもよい</a:t>
+              <a:t>「課題」に書く内容は，「背景」で提示した問題に対応させる</a:t>
             </a:r>
             <a:endParaRPr kumimoji="1" lang="en-US" altLang="ja-JP" dirty="0"/>
           </a:p>
           <a:p>
+            <a:pPr marL="817200" lvl="1" indent="-457200">
+              <a:buFont typeface="+mj-lt"/>
+              <a:buAutoNum type="arabicPeriod"/>
+            </a:pPr>
+            <a:r>
+              <a:rPr kumimoji="1" lang="ja-JP" altLang="en-US" dirty="0"/>
+              <a:t>既存手法がある場合：</a:t>
+            </a:r>
+            <a:endParaRPr kumimoji="1" lang="en-US" altLang="ja-JP" dirty="0"/>
+          </a:p>
+          <a:p>
+            <a:pPr lvl="2"/>
+            <a:r>
+              <a:rPr kumimoji="1" lang="ja-JP" altLang="en-US" dirty="0"/>
+              <a:t>「背景」で提示した問題を解決する </a:t>
+            </a:r>
+            <a:endParaRPr kumimoji="1" lang="en-US" altLang="ja-JP" dirty="0"/>
+          </a:p>
+          <a:p>
+            <a:pPr lvl="2"/>
+            <a:r>
+              <a:rPr kumimoji="1" lang="ja-JP" altLang="en-US" dirty="0"/>
+              <a:t>（基本的にはこの形になることが多い）</a:t>
+            </a:r>
+            <a:endParaRPr kumimoji="1" lang="en-US" altLang="ja-JP" dirty="0"/>
+          </a:p>
+          <a:p>
+            <a:pPr marL="817200" lvl="1" indent="-457200">
+              <a:buFont typeface="+mj-lt"/>
+              <a:buAutoNum type="arabicPeriod"/>
+            </a:pPr>
+            <a:r>
+              <a:rPr kumimoji="1" lang="ja-JP" altLang="en-US" dirty="0"/>
+              <a:t>既存手法がない場合：</a:t>
+            </a:r>
+            <a:endParaRPr kumimoji="1" lang="en-US" altLang="ja-JP" dirty="0"/>
+          </a:p>
+          <a:p>
+            <a:pPr lvl="2"/>
+            <a:r>
+              <a:rPr kumimoji="1" lang="ja-JP" altLang="en-US" dirty="0"/>
+              <a:t>「背景」の特定の問題に着目して掘り下げる</a:t>
+            </a:r>
+            <a:endParaRPr kumimoji="1" lang="en-US" altLang="ja-JP" dirty="0"/>
+          </a:p>
+          <a:p>
+            <a:r>
+              <a:rPr kumimoji="1" lang="ja-JP" altLang="en-US" dirty="0"/>
+              <a:t>「提案」では，「背景」と「課題」で提示した問題に対応させる</a:t>
+            </a:r>
+            <a:endParaRPr kumimoji="1" lang="en-US" altLang="ja-JP" dirty="0"/>
+          </a:p>
+          <a:p>
             <a:pPr lvl="1"/>
             <a:r>
               <a:rPr kumimoji="1" lang="ja-JP" altLang="en-US" dirty="0"/>
-              <a:t>背景</a:t>
+              <a:t>基本的には「課題」で提示した問題を解決する方法を書く</a:t>
             </a:r>
             <a:endParaRPr kumimoji="1" lang="en-US" altLang="ja-JP" dirty="0"/>
           </a:p>
@@ -5755,62 +5806,16 @@
             <a:pPr lvl="1"/>
             <a:r>
               <a:rPr kumimoji="1" lang="ja-JP" altLang="en-US" dirty="0"/>
-              <a:t>課題</a:t>
+              <a:t>そうすれば，普通は自然と「背景」の問題にも対応する</a:t>
             </a:r>
             <a:endParaRPr kumimoji="1" lang="en-US" altLang="ja-JP" dirty="0"/>
-          </a:p>
-          <a:p>
-            <a:pPr lvl="1"/>
-            <a:r>
-              <a:rPr kumimoji="1" lang="ja-JP" altLang="en-US" dirty="0">
-                <a:solidFill>
-                  <a:schemeClr val="accent5"/>
-                </a:solidFill>
-              </a:rPr>
-              <a:t>洞察</a:t>
-            </a:r>
-            <a:endParaRPr kumimoji="1" lang="en-US" altLang="ja-JP" dirty="0">
-              <a:solidFill>
-                <a:schemeClr val="accent5"/>
-              </a:solidFill>
-            </a:endParaRPr>
-          </a:p>
-          <a:p>
-            <a:pPr lvl="2"/>
-            <a:r>
-              <a:rPr kumimoji="1" lang="ja-JP" altLang="en-US" dirty="0"/>
-              <a:t>課題に対する新しい観察結果や，課題の核心の新しい解釈など</a:t>
-            </a:r>
-            <a:endParaRPr kumimoji="1" lang="en-US" altLang="ja-JP" dirty="0"/>
-          </a:p>
-          <a:p>
-            <a:pPr lvl="1"/>
-            <a:r>
-              <a:rPr kumimoji="1" lang="ja-JP" altLang="en-US" dirty="0"/>
-              <a:t>提案</a:t>
-            </a:r>
-            <a:endParaRPr kumimoji="1" lang="en-US" altLang="ja-JP" dirty="0"/>
-          </a:p>
-          <a:p>
-            <a:r>
-              <a:rPr kumimoji="1" lang="ja-JP" altLang="en-US" dirty="0"/>
-              <a:t>洞察は課題や提案の下にぶら下がることもある</a:t>
-            </a:r>
-            <a:endParaRPr kumimoji="1" lang="en-US" altLang="ja-JP" dirty="0"/>
-          </a:p>
-          <a:p>
-            <a:pPr lvl="1"/>
-            <a:r>
-              <a:rPr kumimoji="1" lang="ja-JP" altLang="en-US" dirty="0"/>
-              <a:t>小泉くんの例での「早すぎるプリフェッチ」は洞察でもある</a:t>
-            </a:r>
           </a:p>
         </p:txBody>
       </p:sp>
     </p:spTree>
     <p:extLst>
       <p:ext uri="{BB962C8B-B14F-4D97-AF65-F5344CB8AC3E}">
-        <p14:creationId xmlns:p14="http://schemas.microsoft.com/office/powerpoint/2010/main" val="1477190036"/>
+        <p14:creationId xmlns:p14="http://schemas.microsoft.com/office/powerpoint/2010/main" val="3708283417"/>
       </p:ext>
     </p:extLst>
   </p:cSld>
@@ -5847,10 +5852,10 @@
       </p:grpSpPr>
       <p:sp>
         <p:nvSpPr>
-          <p:cNvPr id="6" name="タイトル 5">
-            <a:extLst>
-              <a:ext uri="{FF2B5EF4-FFF2-40B4-BE49-F238E27FC236}">
-                <a16:creationId xmlns:a16="http://schemas.microsoft.com/office/drawing/2014/main" id="{0C5C5263-A46C-250C-79B4-37EF4633D8AE}"/>
+          <p:cNvPr id="2" name="タイトル 1">
+            <a:extLst>
+              <a:ext uri="{FF2B5EF4-FFF2-40B4-BE49-F238E27FC236}">
+                <a16:creationId xmlns:a16="http://schemas.microsoft.com/office/drawing/2014/main" id="{CF2EC29A-53FA-8B96-FE9A-0EF13AEC926F}"/>
               </a:ext>
             </a:extLst>
           </p:cNvPr>
@@ -5868,17 +5873,17 @@
           <a:p>
             <a:r>
               <a:rPr kumimoji="1" lang="ja-JP" altLang="en-US" dirty="0"/>
-              <a:t>３点プロットの目次</a:t>
-            </a:r>
-          </a:p>
-        </p:txBody>
-      </p:sp>
-      <p:sp>
-        <p:nvSpPr>
-          <p:cNvPr id="7" name="テキスト プレースホルダー 6">
-            <a:extLst>
-              <a:ext uri="{FF2B5EF4-FFF2-40B4-BE49-F238E27FC236}">
-                <a16:creationId xmlns:a16="http://schemas.microsoft.com/office/drawing/2014/main" id="{12EFEECB-8119-A100-9FB5-F471FDE43EF4}"/>
+              <a:t>応用：４点プロット</a:t>
+            </a:r>
+          </a:p>
+        </p:txBody>
+      </p:sp>
+      <p:sp>
+        <p:nvSpPr>
+          <p:cNvPr id="3" name="テキスト プレースホルダー 2">
+            <a:extLst>
+              <a:ext uri="{FF2B5EF4-FFF2-40B4-BE49-F238E27FC236}">
+                <a16:creationId xmlns:a16="http://schemas.microsoft.com/office/drawing/2014/main" id="{181521BF-22BE-74E1-30FF-6AFF99DD6C71}"/>
               </a:ext>
             </a:extLst>
           </p:cNvPr>
@@ -5889,78 +5894,90 @@
             <p:ph type="body" sz="quarter" idx="10"/>
           </p:nvPr>
         </p:nvSpPr>
-        <p:spPr/>
+        <p:spPr>
+          <a:xfrm>
+            <a:off x="341953" y="1088974"/>
+            <a:ext cx="8550095" cy="5219751"/>
+          </a:xfrm>
+        </p:spPr>
         <p:txBody>
           <a:bodyPr/>
           <a:lstStyle/>
           <a:p>
-            <a:pPr marL="457200" indent="-457200">
-              <a:buFont typeface="+mj-lt"/>
-              <a:buAutoNum type="arabicPeriod"/>
-            </a:pPr>
             <a:r>
               <a:rPr kumimoji="1" lang="ja-JP" altLang="en-US" dirty="0"/>
-              <a:t>３点プロットとは</a:t>
+              <a:t>洞察を加えた４点プロットの形でもよい</a:t>
             </a:r>
             <a:endParaRPr kumimoji="1" lang="en-US" altLang="ja-JP" dirty="0"/>
           </a:p>
           <a:p>
-            <a:pPr marL="457200" indent="-457200">
-              <a:buFont typeface="+mj-lt"/>
-              <a:buAutoNum type="arabicPeriod"/>
-            </a:pPr>
-            <a:r>
-              <a:rPr kumimoji="1" lang="ja-JP" altLang="en-US" b="1" dirty="0"/>
-              <a:t>作り方</a:t>
-            </a:r>
-            <a:endParaRPr kumimoji="1" lang="en-US" altLang="ja-JP" b="1" dirty="0"/>
-          </a:p>
-          <a:p>
-            <a:pPr marL="817200" lvl="1" indent="-457200">
-              <a:buFont typeface="+mj-lt"/>
-              <a:buAutoNum type="arabicPeriod"/>
-            </a:pPr>
+            <a:pPr lvl="1"/>
             <a:r>
               <a:rPr kumimoji="1" lang="ja-JP" altLang="en-US" dirty="0"/>
-              <a:t>内容のまとめかた</a:t>
+              <a:t>背景</a:t>
             </a:r>
             <a:endParaRPr kumimoji="1" lang="en-US" altLang="ja-JP" dirty="0"/>
           </a:p>
           <a:p>
-            <a:pPr marL="817200" lvl="1" indent="-457200">
-              <a:buFont typeface="+mj-lt"/>
-              <a:buAutoNum type="arabicPeriod"/>
-            </a:pPr>
+            <a:pPr lvl="1"/>
             <a:r>
               <a:rPr kumimoji="1" lang="ja-JP" altLang="en-US" dirty="0"/>
-              <a:t>箇条書きの作り方</a:t>
+              <a:t>課題</a:t>
             </a:r>
             <a:endParaRPr kumimoji="1" lang="en-US" altLang="ja-JP" dirty="0"/>
           </a:p>
           <a:p>
-            <a:pPr marL="457200" indent="-457200">
-              <a:buFont typeface="+mj-lt"/>
-              <a:buAutoNum type="arabicPeriod"/>
-            </a:pPr>
+            <a:pPr lvl="1"/>
+            <a:r>
+              <a:rPr kumimoji="1" lang="ja-JP" altLang="en-US" dirty="0">
+                <a:solidFill>
+                  <a:schemeClr val="accent5"/>
+                </a:solidFill>
+              </a:rPr>
+              <a:t>洞察</a:t>
+            </a:r>
+            <a:endParaRPr kumimoji="1" lang="en-US" altLang="ja-JP" dirty="0">
+              <a:solidFill>
+                <a:schemeClr val="accent5"/>
+              </a:solidFill>
+            </a:endParaRPr>
+          </a:p>
+          <a:p>
+            <a:pPr lvl="2"/>
             <a:r>
               <a:rPr kumimoji="1" lang="ja-JP" altLang="en-US" dirty="0"/>
-              <a:t>余談：なぜ箇条書きにまとめるのか？</a:t>
+              <a:t>課題に対する新しい観察結果や，課題の核心の新しい解釈など</a:t>
             </a:r>
             <a:endParaRPr kumimoji="1" lang="en-US" altLang="ja-JP" dirty="0"/>
           </a:p>
           <a:p>
-            <a:pPr marL="817200" lvl="1" indent="-457200">
-              <a:buFont typeface="+mj-lt"/>
-              <a:buAutoNum type="arabicPeriod"/>
-            </a:pPr>
+            <a:pPr lvl="1"/>
+            <a:r>
+              <a:rPr kumimoji="1" lang="ja-JP" altLang="en-US" dirty="0"/>
+              <a:t>提案</a:t>
+            </a:r>
             <a:endParaRPr kumimoji="1" lang="en-US" altLang="ja-JP" dirty="0"/>
+          </a:p>
+          <a:p>
+            <a:r>
+              <a:rPr kumimoji="1" lang="ja-JP" altLang="en-US" dirty="0"/>
+              <a:t>洞察は課題や提案の下にぶら下がることもある</a:t>
+            </a:r>
+            <a:endParaRPr kumimoji="1" lang="en-US" altLang="ja-JP" dirty="0"/>
+          </a:p>
+          <a:p>
+            <a:pPr lvl="1"/>
+            <a:r>
+              <a:rPr kumimoji="1" lang="ja-JP" altLang="en-US" dirty="0"/>
+              <a:t>小泉くんの例での「早すぎるプリフェッチ」は洞察でもある</a:t>
+            </a:r>
           </a:p>
         </p:txBody>
       </p:sp>
     </p:spTree>
     <p:extLst>
       <p:ext uri="{BB962C8B-B14F-4D97-AF65-F5344CB8AC3E}">
-        <p14:creationId xmlns:p14="http://schemas.microsoft.com/office/powerpoint/2010/main" val="1183582949"/>
+        <p14:creationId xmlns:p14="http://schemas.microsoft.com/office/powerpoint/2010/main" val="1477190036"/>
       </p:ext>
     </p:extLst>
   </p:cSld>
@@ -5997,10 +6014,10 @@
       </p:grpSpPr>
       <p:sp>
         <p:nvSpPr>
-          <p:cNvPr id="2" name="タイトル 1">
-            <a:extLst>
-              <a:ext uri="{FF2B5EF4-FFF2-40B4-BE49-F238E27FC236}">
-                <a16:creationId xmlns:a16="http://schemas.microsoft.com/office/drawing/2014/main" id="{5495249E-5784-30A1-9425-0AD2EDA550D0}"/>
+          <p:cNvPr id="6" name="タイトル 5">
+            <a:extLst>
+              <a:ext uri="{FF2B5EF4-FFF2-40B4-BE49-F238E27FC236}">
+                <a16:creationId xmlns:a16="http://schemas.microsoft.com/office/drawing/2014/main" id="{0C5C5263-A46C-250C-79B4-37EF4633D8AE}"/>
               </a:ext>
             </a:extLst>
           </p:cNvPr>
@@ -6018,22 +6035,17 @@
           <a:p>
             <a:r>
               <a:rPr kumimoji="1" lang="ja-JP" altLang="en-US" dirty="0"/>
-              <a:t>とりあえず，この形</a:t>
-            </a:r>
-            <a:r>
-              <a:rPr lang="ja-JP" altLang="en-US" dirty="0"/>
-              <a:t>にまとめる事を目指す</a:t>
-            </a:r>
-            <a:endParaRPr kumimoji="1" lang="ja-JP" altLang="en-US" dirty="0"/>
-          </a:p>
-        </p:txBody>
-      </p:sp>
-      <p:sp>
-        <p:nvSpPr>
-          <p:cNvPr id="3" name="テキスト プレースホルダー 2">
-            <a:extLst>
-              <a:ext uri="{FF2B5EF4-FFF2-40B4-BE49-F238E27FC236}">
-                <a16:creationId xmlns:a16="http://schemas.microsoft.com/office/drawing/2014/main" id="{434C8495-CDEB-3716-81CF-61358DAF8B15}"/>
+              <a:t>３点プロットの目次</a:t>
+            </a:r>
+          </a:p>
+        </p:txBody>
+      </p:sp>
+      <p:sp>
+        <p:nvSpPr>
+          <p:cNvPr id="7" name="テキスト プレースホルダー 6">
+            <a:extLst>
+              <a:ext uri="{FF2B5EF4-FFF2-40B4-BE49-F238E27FC236}">
+                <a16:creationId xmlns:a16="http://schemas.microsoft.com/office/drawing/2014/main" id="{12EFEECB-8119-A100-9FB5-F471FDE43EF4}"/>
               </a:ext>
             </a:extLst>
           </p:cNvPr>
@@ -6049,47 +6061,13 @@
           <a:bodyPr/>
           <a:lstStyle/>
           <a:p>
-            <a:pPr marL="0" indent="0">
-              <a:buNone/>
-            </a:pPr>
-            <a:r>
-              <a:rPr kumimoji="1" lang="ja-JP" altLang="en-US" dirty="0"/>
-              <a:t>「～」となっているところは，一つの文ないしは名詞による説明</a:t>
-            </a:r>
-            <a:endParaRPr kumimoji="1" lang="en-US" altLang="ja-JP" dirty="0"/>
-          </a:p>
-          <a:p>
             <a:pPr marL="457200" indent="-457200">
               <a:buFont typeface="+mj-lt"/>
               <a:buAutoNum type="arabicPeriod"/>
             </a:pPr>
             <a:r>
               <a:rPr kumimoji="1" lang="ja-JP" altLang="en-US" dirty="0"/>
-              <a:t>背景：「～」</a:t>
-            </a:r>
-            <a:endParaRPr kumimoji="1" lang="en-US" altLang="ja-JP" dirty="0"/>
-          </a:p>
-          <a:p>
-            <a:pPr lvl="1"/>
-            <a:r>
-              <a:rPr kumimoji="1" lang="ja-JP" altLang="en-US" dirty="0"/>
-              <a:t>「～」</a:t>
-            </a:r>
-            <a:r>
-              <a:rPr lang="en-US" altLang="ja-JP" dirty="0"/>
-              <a:t>= </a:t>
-            </a:r>
-            <a:r>
-              <a:rPr kumimoji="1" lang="ja-JP" altLang="en-US" dirty="0"/>
-              <a:t>背景を説明する１つの文</a:t>
-            </a:r>
-            <a:endParaRPr kumimoji="1" lang="en-US" altLang="ja-JP" dirty="0"/>
-          </a:p>
-          <a:p>
-            <a:pPr lvl="1"/>
-            <a:r>
-              <a:rPr kumimoji="1" lang="ja-JP" altLang="en-US" dirty="0"/>
-              <a:t>「～」･･･</a:t>
+              <a:t>３点プロットとは</a:t>
             </a:r>
             <a:endParaRPr kumimoji="1" lang="en-US" altLang="ja-JP" dirty="0"/>
           </a:p>
@@ -6099,24 +6077,30 @@
               <a:buAutoNum type="arabicPeriod"/>
             </a:pPr>
             <a:r>
+              <a:rPr kumimoji="1" lang="ja-JP" altLang="en-US" b="1" dirty="0"/>
+              <a:t>作り方</a:t>
+            </a:r>
+            <a:endParaRPr kumimoji="1" lang="en-US" altLang="ja-JP" b="1" dirty="0"/>
+          </a:p>
+          <a:p>
+            <a:pPr marL="817200" lvl="1" indent="-457200">
+              <a:buFont typeface="+mj-lt"/>
+              <a:buAutoNum type="arabicPeriod"/>
+            </a:pPr>
+            <a:r>
               <a:rPr kumimoji="1" lang="ja-JP" altLang="en-US" dirty="0"/>
-              <a:t>課題：「～」</a:t>
+              <a:t>内容のまとめかた</a:t>
             </a:r>
             <a:endParaRPr kumimoji="1" lang="en-US" altLang="ja-JP" dirty="0"/>
           </a:p>
           <a:p>
-            <a:pPr lvl="1"/>
+            <a:pPr marL="817200" lvl="1" indent="-457200">
+              <a:buFont typeface="+mj-lt"/>
+              <a:buAutoNum type="arabicPeriod"/>
+            </a:pPr>
             <a:r>
               <a:rPr kumimoji="1" lang="ja-JP" altLang="en-US" dirty="0"/>
-              <a:t>「～」</a:t>
-            </a:r>
-            <a:endParaRPr kumimoji="1" lang="en-US" altLang="ja-JP" dirty="0"/>
-          </a:p>
-          <a:p>
-            <a:pPr lvl="1"/>
-            <a:r>
-              <a:rPr kumimoji="1" lang="ja-JP" altLang="en-US" dirty="0"/>
-              <a:t>「～」</a:t>
+              <a:t>箇条書きの作り方</a:t>
             </a:r>
             <a:endParaRPr kumimoji="1" lang="en-US" altLang="ja-JP" dirty="0"/>
           </a:p>
@@ -6127,24 +6111,15 @@
             </a:pPr>
             <a:r>
               <a:rPr kumimoji="1" lang="ja-JP" altLang="en-US" dirty="0"/>
-              <a:t>提案：「～」</a:t>
+              <a:t>余談：なぜ箇条書きにまとめるのか？</a:t>
             </a:r>
             <a:endParaRPr kumimoji="1" lang="en-US" altLang="ja-JP" dirty="0"/>
           </a:p>
           <a:p>
-            <a:pPr lvl="1"/>
-            <a:r>
-              <a:rPr kumimoji="1" lang="ja-JP" altLang="en-US" dirty="0"/>
-              <a:t>「～」</a:t>
-            </a:r>
-            <a:endParaRPr kumimoji="1" lang="en-US" altLang="ja-JP" dirty="0"/>
-          </a:p>
-          <a:p>
-            <a:pPr lvl="1"/>
-            <a:r>
-              <a:rPr kumimoji="1" lang="ja-JP" altLang="en-US" dirty="0"/>
-              <a:t>「～」</a:t>
-            </a:r>
+            <a:pPr marL="817200" lvl="1" indent="-457200">
+              <a:buFont typeface="+mj-lt"/>
+              <a:buAutoNum type="arabicPeriod"/>
+            </a:pPr>
             <a:endParaRPr kumimoji="1" lang="en-US" altLang="ja-JP" dirty="0"/>
           </a:p>
         </p:txBody>
@@ -6152,7 +6127,7 @@
     </p:spTree>
     <p:extLst>
       <p:ext uri="{BB962C8B-B14F-4D97-AF65-F5344CB8AC3E}">
-        <p14:creationId xmlns:p14="http://schemas.microsoft.com/office/powerpoint/2010/main" val="490123942"/>
+        <p14:creationId xmlns:p14="http://schemas.microsoft.com/office/powerpoint/2010/main" val="1183582949"/>
       </p:ext>
     </p:extLst>
   </p:cSld>
@@ -6192,7 +6167,7 @@
           <p:cNvPr id="2" name="タイトル 1">
             <a:extLst>
               <a:ext uri="{FF2B5EF4-FFF2-40B4-BE49-F238E27FC236}">
-                <a16:creationId xmlns:a16="http://schemas.microsoft.com/office/drawing/2014/main" id="{EA0C8582-08B9-D921-E55A-28F7D17A4943}"/>
+                <a16:creationId xmlns:a16="http://schemas.microsoft.com/office/drawing/2014/main" id="{5495249E-5784-30A1-9425-0AD2EDA550D0}"/>
               </a:ext>
             </a:extLst>
           </p:cNvPr>
@@ -6210,8 +6185,13 @@
           <a:p>
             <a:r>
               <a:rPr kumimoji="1" lang="ja-JP" altLang="en-US" dirty="0"/>
-              <a:t>作り方の例</a:t>
-            </a:r>
+              <a:t>とりあえず，この形</a:t>
+            </a:r>
+            <a:r>
+              <a:rPr lang="ja-JP" altLang="en-US" dirty="0"/>
+              <a:t>にまとめる事を目指す</a:t>
+            </a:r>
+            <a:endParaRPr kumimoji="1" lang="ja-JP" altLang="en-US" dirty="0"/>
           </a:p>
         </p:txBody>
       </p:sp>
@@ -6220,7 +6200,7 @@
           <p:cNvPr id="3" name="テキスト プレースホルダー 2">
             <a:extLst>
               <a:ext uri="{FF2B5EF4-FFF2-40B4-BE49-F238E27FC236}">
-                <a16:creationId xmlns:a16="http://schemas.microsoft.com/office/drawing/2014/main" id="{2F868795-944F-D087-1C44-2954EC432ED7}"/>
+                <a16:creationId xmlns:a16="http://schemas.microsoft.com/office/drawing/2014/main" id="{434C8495-CDEB-3716-81CF-61358DAF8B15}"/>
               </a:ext>
             </a:extLst>
           </p:cNvPr>
@@ -6236,38 +6216,66 @@
           <a:bodyPr/>
           <a:lstStyle/>
           <a:p>
+            <a:pPr marL="0" indent="0">
+              <a:buNone/>
+            </a:pPr>
             <a:r>
               <a:rPr kumimoji="1" lang="ja-JP" altLang="en-US" dirty="0"/>
-              <a:t>作り方の例</a:t>
+              <a:t>「～」となっているところは，一つの文ないしは名詞による説明</a:t>
             </a:r>
             <a:endParaRPr kumimoji="1" lang="en-US" altLang="ja-JP" dirty="0"/>
           </a:p>
           <a:p>
-            <a:pPr marL="817200" lvl="1" indent="-457200">
+            <a:pPr marL="457200" indent="-457200">
               <a:buFont typeface="+mj-lt"/>
               <a:buAutoNum type="arabicPeriod"/>
             </a:pPr>
             <a:r>
               <a:rPr kumimoji="1" lang="ja-JP" altLang="en-US" dirty="0"/>
-              <a:t>ボトムアップな作り方</a:t>
+              <a:t>背景：「～」</a:t>
             </a:r>
             <a:endParaRPr kumimoji="1" lang="en-US" altLang="ja-JP" dirty="0"/>
           </a:p>
           <a:p>
-            <a:pPr marL="817200" lvl="1" indent="-457200">
+            <a:pPr lvl="1"/>
+            <a:r>
+              <a:rPr kumimoji="1" lang="ja-JP" altLang="en-US" dirty="0"/>
+              <a:t>「～」</a:t>
+            </a:r>
+            <a:r>
+              <a:rPr lang="en-US" altLang="ja-JP" dirty="0"/>
+              <a:t>= </a:t>
+            </a:r>
+            <a:r>
+              <a:rPr kumimoji="1" lang="ja-JP" altLang="en-US" dirty="0"/>
+              <a:t>背景を説明する１つの文</a:t>
+            </a:r>
+            <a:endParaRPr kumimoji="1" lang="en-US" altLang="ja-JP" dirty="0"/>
+          </a:p>
+          <a:p>
+            <a:pPr lvl="1"/>
+            <a:r>
+              <a:rPr kumimoji="1" lang="ja-JP" altLang="en-US" dirty="0"/>
+              <a:t>「～」･･･</a:t>
+            </a:r>
+            <a:endParaRPr kumimoji="1" lang="en-US" altLang="ja-JP" dirty="0"/>
+          </a:p>
+          <a:p>
+            <a:pPr marL="457200" indent="-457200">
               <a:buFont typeface="+mj-lt"/>
               <a:buAutoNum type="arabicPeriod"/>
             </a:pPr>
             <a:r>
               <a:rPr kumimoji="1" lang="ja-JP" altLang="en-US" dirty="0"/>
-              <a:t>課題から掘り下げる作り方</a:t>
+              <a:t>課題：「～」</a:t>
             </a:r>
             <a:endParaRPr kumimoji="1" lang="en-US" altLang="ja-JP" dirty="0"/>
           </a:p>
           <a:p>
+            <a:pPr lvl="1"/>
             <a:r>
               <a:rPr kumimoji="1" lang="ja-JP" altLang="en-US" dirty="0"/>
-              <a:t>やりやすいようにやれば良いし，上記を組み合わせても良い</a:t>
+              <a:t>「～」</a:t>
             </a:r>
             <a:endParaRPr kumimoji="1" lang="en-US" altLang="ja-JP" dirty="0"/>
           </a:p>
@@ -6275,15 +6283,43 @@
             <a:pPr lvl="1"/>
             <a:r>
               <a:rPr kumimoji="1" lang="ja-JP" altLang="en-US" dirty="0"/>
-              <a:t>他にも色々なやり方があると思う</a:t>
-            </a:r>
+              <a:t>「～」</a:t>
+            </a:r>
+            <a:endParaRPr kumimoji="1" lang="en-US" altLang="ja-JP" dirty="0"/>
+          </a:p>
+          <a:p>
+            <a:pPr marL="457200" indent="-457200">
+              <a:buFont typeface="+mj-lt"/>
+              <a:buAutoNum type="arabicPeriod"/>
+            </a:pPr>
+            <a:r>
+              <a:rPr kumimoji="1" lang="ja-JP" altLang="en-US" dirty="0"/>
+              <a:t>提案：「～」</a:t>
+            </a:r>
+            <a:endParaRPr kumimoji="1" lang="en-US" altLang="ja-JP" dirty="0"/>
+          </a:p>
+          <a:p>
+            <a:pPr lvl="1"/>
+            <a:r>
+              <a:rPr kumimoji="1" lang="ja-JP" altLang="en-US" dirty="0"/>
+              <a:t>「～」</a:t>
+            </a:r>
+            <a:endParaRPr kumimoji="1" lang="en-US" altLang="ja-JP" dirty="0"/>
+          </a:p>
+          <a:p>
+            <a:pPr lvl="1"/>
+            <a:r>
+              <a:rPr kumimoji="1" lang="ja-JP" altLang="en-US" dirty="0"/>
+              <a:t>「～」</a:t>
+            </a:r>
+            <a:endParaRPr kumimoji="1" lang="en-US" altLang="ja-JP" dirty="0"/>
           </a:p>
         </p:txBody>
       </p:sp>
     </p:spTree>
     <p:extLst>
       <p:ext uri="{BB962C8B-B14F-4D97-AF65-F5344CB8AC3E}">
-        <p14:creationId xmlns:p14="http://schemas.microsoft.com/office/powerpoint/2010/main" val="2513044852"/>
+        <p14:creationId xmlns:p14="http://schemas.microsoft.com/office/powerpoint/2010/main" val="490123942"/>
       </p:ext>
     </p:extLst>
   </p:cSld>
@@ -6323,7 +6359,7 @@
           <p:cNvPr id="2" name="タイトル 1">
             <a:extLst>
               <a:ext uri="{FF2B5EF4-FFF2-40B4-BE49-F238E27FC236}">
-                <a16:creationId xmlns:a16="http://schemas.microsoft.com/office/drawing/2014/main" id="{2EAFEEDE-7519-82C1-375C-36DCE07D4199}"/>
+                <a16:creationId xmlns:a16="http://schemas.microsoft.com/office/drawing/2014/main" id="{EA0C8582-08B9-D921-E55A-28F7D17A4943}"/>
               </a:ext>
             </a:extLst>
           </p:cNvPr>
@@ -6341,9 +6377,8 @@
           <a:p>
             <a:r>
               <a:rPr kumimoji="1" lang="ja-JP" altLang="en-US" dirty="0"/>
-              <a:t>ボトムアップな方法</a:t>
-            </a:r>
-            <a:endParaRPr kumimoji="1" lang="en-US" altLang="ja-JP" dirty="0"/>
+              <a:t>作り方の例</a:t>
+            </a:r>
           </a:p>
         </p:txBody>
       </p:sp>
@@ -6352,7 +6387,7 @@
           <p:cNvPr id="3" name="テキスト プレースホルダー 2">
             <a:extLst>
               <a:ext uri="{FF2B5EF4-FFF2-40B4-BE49-F238E27FC236}">
-                <a16:creationId xmlns:a16="http://schemas.microsoft.com/office/drawing/2014/main" id="{593C2F59-3A8A-F156-C9E0-6898AC8EE921}"/>
+                <a16:creationId xmlns:a16="http://schemas.microsoft.com/office/drawing/2014/main" id="{2F868795-944F-D087-1C44-2954EC432ED7}"/>
               </a:ext>
             </a:extLst>
           </p:cNvPr>
@@ -6368,34 +6403,11 @@
           <a:bodyPr/>
           <a:lstStyle/>
           <a:p>
-            <a:pPr marL="457200" indent="-457200">
-              <a:buFont typeface="+mj-lt"/>
-              <a:buAutoNum type="arabicPeriod"/>
-            </a:pPr>
             <a:r>
               <a:rPr kumimoji="1" lang="ja-JP" altLang="en-US" dirty="0"/>
-              <a:t>まずは思いつく関連しそうな項目をたくさん書き出してみる</a:t>
+              <a:t>作り方の例</a:t>
             </a:r>
             <a:endParaRPr kumimoji="1" lang="en-US" altLang="ja-JP" dirty="0"/>
-          </a:p>
-          <a:p>
-            <a:pPr lvl="1"/>
-            <a:r>
-              <a:rPr kumimoji="1" lang="ja-JP" altLang="en-US" dirty="0"/>
-              <a:t>名詞や短文の形にして並べてみる</a:t>
-            </a:r>
-            <a:endParaRPr kumimoji="1" lang="en-US" altLang="ja-JP" dirty="0"/>
-          </a:p>
-          <a:p>
-            <a:pPr marL="457200" indent="-457200">
-              <a:buFont typeface="+mj-lt"/>
-              <a:buAutoNum type="arabicPeriod"/>
-            </a:pPr>
-            <a:r>
-              <a:rPr lang="ja-JP" altLang="en-US" dirty="0"/>
-              <a:t>各項目を整理</a:t>
-            </a:r>
-            <a:endParaRPr lang="en-US" altLang="ja-JP" dirty="0"/>
           </a:p>
           <a:p>
             <a:pPr marL="817200" lvl="1" indent="-457200">
@@ -6404,25 +6416,9 @@
             </a:pPr>
             <a:r>
               <a:rPr kumimoji="1" lang="ja-JP" altLang="en-US" dirty="0"/>
-              <a:t>関係する項目同士をくくって親子にまとめる</a:t>
+              <a:t>ボトムアップな作り方</a:t>
             </a:r>
             <a:endParaRPr kumimoji="1" lang="en-US" altLang="ja-JP" dirty="0"/>
-          </a:p>
-          <a:p>
-            <a:pPr lvl="2"/>
-            <a:r>
-              <a:rPr lang="ja-JP" altLang="en-US" dirty="0"/>
-              <a:t>それらを一言で表した，まとめの短文（親）を作る</a:t>
-            </a:r>
-            <a:endParaRPr lang="en-US" altLang="ja-JP" dirty="0"/>
-          </a:p>
-          <a:p>
-            <a:pPr lvl="2"/>
-            <a:r>
-              <a:rPr lang="ja-JP" altLang="en-US" dirty="0"/>
-              <a:t>親の下に，それらを子項目としてインデントして置く</a:t>
-            </a:r>
-            <a:endParaRPr lang="en-US" altLang="ja-JP" dirty="0"/>
           </a:p>
           <a:p>
             <a:pPr marL="817200" lvl="1" indent="-457200">
@@ -6431,51 +6427,30 @@
             </a:pPr>
             <a:r>
               <a:rPr kumimoji="1" lang="ja-JP" altLang="en-US" dirty="0"/>
-              <a:t>内容が冗長なものをマージしたり削除する</a:t>
+              <a:t>課題から掘り下げる作り方</a:t>
             </a:r>
             <a:endParaRPr kumimoji="1" lang="en-US" altLang="ja-JP" dirty="0"/>
           </a:p>
           <a:p>
-            <a:pPr marL="457200" indent="-457200">
-              <a:buFont typeface="+mj-lt"/>
-              <a:buAutoNum type="arabicPeriod"/>
-            </a:pPr>
             <a:r>
               <a:rPr kumimoji="1" lang="ja-JP" altLang="en-US" dirty="0"/>
-              <a:t>ある程度まとまったら，それらを背景，課題，提案に分類する</a:t>
+              <a:t>やりやすいようにやれば良いし，上記を組み合わせても良い</a:t>
             </a:r>
             <a:endParaRPr kumimoji="1" lang="en-US" altLang="ja-JP" dirty="0"/>
           </a:p>
           <a:p>
             <a:pPr lvl="1"/>
             <a:r>
-              <a:rPr lang="ja-JP" altLang="en-US" dirty="0"/>
-              <a:t>このとき，「</a:t>
-            </a:r>
-            <a:r>
               <a:rPr kumimoji="1" lang="ja-JP" altLang="en-US" dirty="0"/>
-              <a:t>項目間の関係</a:t>
-            </a:r>
-            <a:r>
-              <a:rPr lang="ja-JP" altLang="en-US" dirty="0"/>
-              <a:t>」のページで説明した関連を意識する</a:t>
-            </a:r>
-            <a:endParaRPr lang="en-US" altLang="ja-JP" dirty="0"/>
-          </a:p>
-          <a:p>
-            <a:pPr lvl="1"/>
-            <a:r>
-              <a:rPr lang="ja-JP" altLang="en-US" dirty="0"/>
-              <a:t>うまく分類して関係を説明できない時は，本質的に関係ない可能性がある</a:t>
-            </a:r>
-            <a:endParaRPr lang="en-US" altLang="ja-JP" dirty="0"/>
+              <a:t>他にも色々なやり方があると思う</a:t>
+            </a:r>
           </a:p>
         </p:txBody>
       </p:sp>
     </p:spTree>
     <p:extLst>
       <p:ext uri="{BB962C8B-B14F-4D97-AF65-F5344CB8AC3E}">
-        <p14:creationId xmlns:p14="http://schemas.microsoft.com/office/powerpoint/2010/main" val="2082905723"/>
+        <p14:creationId xmlns:p14="http://schemas.microsoft.com/office/powerpoint/2010/main" val="2513044852"/>
       </p:ext>
     </p:extLst>
   </p:cSld>
@@ -6515,7 +6490,7 @@
           <p:cNvPr id="2" name="タイトル 1">
             <a:extLst>
               <a:ext uri="{FF2B5EF4-FFF2-40B4-BE49-F238E27FC236}">
-                <a16:creationId xmlns:a16="http://schemas.microsoft.com/office/drawing/2014/main" id="{D33E61C1-04CD-5B6F-96DC-30874C5379A3}"/>
+                <a16:creationId xmlns:a16="http://schemas.microsoft.com/office/drawing/2014/main" id="{2EAFEEDE-7519-82C1-375C-36DCE07D4199}"/>
               </a:ext>
             </a:extLst>
           </p:cNvPr>
@@ -6533,8 +6508,9 @@
           <a:p>
             <a:r>
               <a:rPr kumimoji="1" lang="ja-JP" altLang="en-US" dirty="0"/>
-              <a:t>課題から掘り下げる方法</a:t>
-            </a:r>
+              <a:t>ボトムアップな方法</a:t>
+            </a:r>
+            <a:endParaRPr kumimoji="1" lang="en-US" altLang="ja-JP" dirty="0"/>
           </a:p>
         </p:txBody>
       </p:sp>
@@ -6543,7 +6519,7 @@
           <p:cNvPr id="3" name="テキスト プレースホルダー 2">
             <a:extLst>
               <a:ext uri="{FF2B5EF4-FFF2-40B4-BE49-F238E27FC236}">
-                <a16:creationId xmlns:a16="http://schemas.microsoft.com/office/drawing/2014/main" id="{A0CF7D23-E71C-A48D-C43B-CC9B31E9C54B}"/>
+                <a16:creationId xmlns:a16="http://schemas.microsoft.com/office/drawing/2014/main" id="{593C2F59-3A8A-F156-C9E0-6898AC8EE921}"/>
               </a:ext>
             </a:extLst>
           </p:cNvPr>
@@ -6559,9 +6535,13 @@
           <a:bodyPr/>
           <a:lstStyle/>
           <a:p>
+            <a:pPr marL="457200" indent="-457200">
+              <a:buFont typeface="+mj-lt"/>
+              <a:buAutoNum type="arabicPeriod"/>
+            </a:pPr>
             <a:r>
               <a:rPr kumimoji="1" lang="ja-JP" altLang="en-US" dirty="0"/>
-              <a:t>まず「課題」は何であるのかから考える</a:t>
+              <a:t>まずは思いつく関連しそうな項目をたくさん書き出してみる</a:t>
             </a:r>
             <a:endParaRPr kumimoji="1" lang="en-US" altLang="ja-JP" dirty="0"/>
           </a:p>
@@ -6569,52 +6549,100 @@
             <a:pPr lvl="1"/>
             <a:r>
               <a:rPr kumimoji="1" lang="ja-JP" altLang="en-US" dirty="0"/>
-              <a:t>なにが問題なのかを端的にまとめる</a:t>
+              <a:t>名詞や短文の形にして並べてみる</a:t>
             </a:r>
             <a:endParaRPr kumimoji="1" lang="en-US" altLang="ja-JP" dirty="0"/>
           </a:p>
           <a:p>
+            <a:pPr marL="457200" indent="-457200">
+              <a:buFont typeface="+mj-lt"/>
+              <a:buAutoNum type="arabicPeriod"/>
+            </a:pPr>
+            <a:r>
+              <a:rPr lang="ja-JP" altLang="en-US" dirty="0"/>
+              <a:t>各項目を整理</a:t>
+            </a:r>
+            <a:endParaRPr lang="en-US" altLang="ja-JP" dirty="0"/>
+          </a:p>
+          <a:p>
+            <a:pPr marL="817200" lvl="1" indent="-457200">
+              <a:buFont typeface="+mj-lt"/>
+              <a:buAutoNum type="arabicPeriod"/>
+            </a:pPr>
+            <a:r>
+              <a:rPr kumimoji="1" lang="ja-JP" altLang="en-US" dirty="0"/>
+              <a:t>関係する項目同士をくくって親子にまとめる</a:t>
+            </a:r>
+            <a:endParaRPr kumimoji="1" lang="en-US" altLang="ja-JP" dirty="0"/>
+          </a:p>
+          <a:p>
+            <a:pPr lvl="2"/>
+            <a:r>
+              <a:rPr lang="ja-JP" altLang="en-US" dirty="0"/>
+              <a:t>それらを一言で表した，まとめの短文（親）を作る</a:t>
+            </a:r>
+            <a:endParaRPr lang="en-US" altLang="ja-JP" dirty="0"/>
+          </a:p>
+          <a:p>
+            <a:pPr lvl="2"/>
+            <a:r>
+              <a:rPr lang="ja-JP" altLang="en-US" dirty="0"/>
+              <a:t>親の下に，それらを子項目としてインデントして置く</a:t>
+            </a:r>
+            <a:endParaRPr lang="en-US" altLang="ja-JP" dirty="0"/>
+          </a:p>
+          <a:p>
+            <a:pPr marL="817200" lvl="1" indent="-457200">
+              <a:buFont typeface="+mj-lt"/>
+              <a:buAutoNum type="arabicPeriod"/>
+            </a:pPr>
+            <a:r>
+              <a:rPr kumimoji="1" lang="ja-JP" altLang="en-US" dirty="0"/>
+              <a:t>内容が冗長なものをマージしたり削除する</a:t>
+            </a:r>
+            <a:endParaRPr kumimoji="1" lang="en-US" altLang="ja-JP" dirty="0"/>
+          </a:p>
+          <a:p>
+            <a:pPr marL="457200" indent="-457200">
+              <a:buFont typeface="+mj-lt"/>
+              <a:buAutoNum type="arabicPeriod"/>
+            </a:pPr>
+            <a:r>
+              <a:rPr kumimoji="1" lang="ja-JP" altLang="en-US" dirty="0"/>
+              <a:t>ある程度まとまったら，それらを背景，課題，提案に分類する</a:t>
+            </a:r>
+            <a:endParaRPr kumimoji="1" lang="en-US" altLang="ja-JP" dirty="0"/>
+          </a:p>
+          <a:p>
             <a:pPr lvl="1"/>
             <a:r>
+              <a:rPr lang="ja-JP" altLang="en-US" dirty="0"/>
+              <a:t>このとき，「</a:t>
+            </a:r>
+            <a:r>
               <a:rPr kumimoji="1" lang="ja-JP" altLang="en-US" dirty="0"/>
-              <a:t>「～が悪い」「～が遅い」「～の効率がよくない」などの形の</a:t>
-            </a:r>
-            <a:br>
-              <a:rPr kumimoji="1" lang="en-US" altLang="ja-JP" dirty="0"/>
-            </a:br>
-            <a:r>
-              <a:rPr kumimoji="1" lang="ja-JP" altLang="en-US" dirty="0"/>
-              <a:t>１文に出来るとよい</a:t>
-            </a:r>
-            <a:endParaRPr kumimoji="1" lang="en-US" altLang="ja-JP" dirty="0"/>
-          </a:p>
-          <a:p>
-            <a:r>
-              <a:rPr kumimoji="1" lang="ja-JP" altLang="en-US" dirty="0"/>
-              <a:t>次にそれを「提案」がどのように解決しているのか考える</a:t>
-            </a:r>
-            <a:endParaRPr kumimoji="1" lang="en-US" altLang="ja-JP" dirty="0"/>
+              <a:t>項目間の関係</a:t>
+            </a:r>
+            <a:r>
+              <a:rPr lang="ja-JP" altLang="en-US" dirty="0"/>
+              <a:t>」のページで説明した関連を意識する</a:t>
+            </a:r>
+            <a:endParaRPr lang="en-US" altLang="ja-JP" dirty="0"/>
           </a:p>
           <a:p>
             <a:pPr lvl="1"/>
             <a:r>
-              <a:rPr kumimoji="1" lang="ja-JP" altLang="en-US" dirty="0"/>
-              <a:t>上でまとめた問題が，「どのように」「なぜ」解決されているのかをまとめる</a:t>
-            </a:r>
-            <a:endParaRPr kumimoji="1" lang="en-US" altLang="ja-JP" dirty="0"/>
-          </a:p>
-          <a:p>
-            <a:r>
-              <a:rPr kumimoji="1" lang="ja-JP" altLang="en-US" dirty="0"/>
-              <a:t>それら「課題」と「提案」を包含する「背景」を考える</a:t>
-            </a:r>
+              <a:rPr lang="ja-JP" altLang="en-US" dirty="0"/>
+              <a:t>うまく分類して関係を説明できない時は，本質的に関係ない可能性がある</a:t>
+            </a:r>
+            <a:endParaRPr lang="en-US" altLang="ja-JP" dirty="0"/>
           </a:p>
         </p:txBody>
       </p:sp>
     </p:spTree>
     <p:extLst>
       <p:ext uri="{BB962C8B-B14F-4D97-AF65-F5344CB8AC3E}">
-        <p14:creationId xmlns:p14="http://schemas.microsoft.com/office/powerpoint/2010/main" val="2178183126"/>
+        <p14:creationId xmlns:p14="http://schemas.microsoft.com/office/powerpoint/2010/main" val="2082905723"/>
       </p:ext>
     </p:extLst>
   </p:cSld>
@@ -6651,10 +6679,10 @@
       </p:grpSpPr>
       <p:sp>
         <p:nvSpPr>
-          <p:cNvPr id="6" name="タイトル 5">
-            <a:extLst>
-              <a:ext uri="{FF2B5EF4-FFF2-40B4-BE49-F238E27FC236}">
-                <a16:creationId xmlns:a16="http://schemas.microsoft.com/office/drawing/2014/main" id="{0C5C5263-A46C-250C-79B4-37EF4633D8AE}"/>
+          <p:cNvPr id="2" name="タイトル 1">
+            <a:extLst>
+              <a:ext uri="{FF2B5EF4-FFF2-40B4-BE49-F238E27FC236}">
+                <a16:creationId xmlns:a16="http://schemas.microsoft.com/office/drawing/2014/main" id="{D33E61C1-04CD-5B6F-96DC-30874C5379A3}"/>
               </a:ext>
             </a:extLst>
           </p:cNvPr>
@@ -6672,17 +6700,17 @@
           <a:p>
             <a:r>
               <a:rPr kumimoji="1" lang="ja-JP" altLang="en-US" dirty="0"/>
-              <a:t>３点プロットの目次</a:t>
-            </a:r>
-          </a:p>
-        </p:txBody>
-      </p:sp>
-      <p:sp>
-        <p:nvSpPr>
-          <p:cNvPr id="7" name="テキスト プレースホルダー 6">
-            <a:extLst>
-              <a:ext uri="{FF2B5EF4-FFF2-40B4-BE49-F238E27FC236}">
-                <a16:creationId xmlns:a16="http://schemas.microsoft.com/office/drawing/2014/main" id="{12EFEECB-8119-A100-9FB5-F471FDE43EF4}"/>
+              <a:t>課題から掘り下げる方法</a:t>
+            </a:r>
+          </a:p>
+        </p:txBody>
+      </p:sp>
+      <p:sp>
+        <p:nvSpPr>
+          <p:cNvPr id="3" name="テキスト プレースホルダー 2">
+            <a:extLst>
+              <a:ext uri="{FF2B5EF4-FFF2-40B4-BE49-F238E27FC236}">
+                <a16:creationId xmlns:a16="http://schemas.microsoft.com/office/drawing/2014/main" id="{A0CF7D23-E71C-A48D-C43B-CC9B31E9C54B}"/>
               </a:ext>
             </a:extLst>
           </p:cNvPr>
@@ -6698,129 +6726,62 @@
           <a:bodyPr/>
           <a:lstStyle/>
           <a:p>
-            <a:pPr marL="457200" indent="-457200">
-              <a:buFont typeface="+mj-lt"/>
-              <a:buAutoNum type="arabicPeriod"/>
-            </a:pPr>
             <a:r>
               <a:rPr kumimoji="1" lang="ja-JP" altLang="en-US" dirty="0"/>
-              <a:t>３点プロットとは</a:t>
+              <a:t>まず「課題」は何であるのかから考える</a:t>
             </a:r>
             <a:endParaRPr kumimoji="1" lang="en-US" altLang="ja-JP" dirty="0"/>
           </a:p>
           <a:p>
-            <a:pPr marL="457200" indent="-457200">
-              <a:buFont typeface="+mj-lt"/>
-              <a:buAutoNum type="arabicPeriod"/>
-            </a:pPr>
+            <a:pPr lvl="1"/>
             <a:r>
               <a:rPr kumimoji="1" lang="ja-JP" altLang="en-US" dirty="0"/>
-              <a:t>作り方</a:t>
+              <a:t>なにが問題なのかを端的にまとめる</a:t>
             </a:r>
             <a:endParaRPr kumimoji="1" lang="en-US" altLang="ja-JP" dirty="0"/>
           </a:p>
           <a:p>
-            <a:pPr marL="817200" lvl="1" indent="-457200">
-              <a:buFont typeface="+mj-lt"/>
-              <a:buAutoNum type="arabicPeriod"/>
-            </a:pPr>
+            <a:pPr lvl="1"/>
             <a:r>
               <a:rPr kumimoji="1" lang="ja-JP" altLang="en-US" dirty="0"/>
-              <a:t>内容のまとめかた</a:t>
+              <a:t>「～が悪い」「～が遅い」「～の効率がよくない」などの形の</a:t>
+            </a:r>
+            <a:br>
+              <a:rPr kumimoji="1" lang="en-US" altLang="ja-JP" dirty="0"/>
+            </a:br>
+            <a:r>
+              <a:rPr kumimoji="1" lang="ja-JP" altLang="en-US" dirty="0"/>
+              <a:t>１文に出来るとよい</a:t>
             </a:r>
             <a:endParaRPr kumimoji="1" lang="en-US" altLang="ja-JP" dirty="0"/>
           </a:p>
           <a:p>
-            <a:pPr marL="817200" lvl="1" indent="-457200">
-              <a:buFont typeface="+mj-lt"/>
-              <a:buAutoNum type="arabicPeriod"/>
-            </a:pPr>
-            <a:r>
-              <a:rPr kumimoji="1" lang="ja-JP" altLang="en-US" dirty="0">
-                <a:solidFill>
-                  <a:schemeClr val="accent5"/>
-                </a:solidFill>
-              </a:rPr>
-              <a:t>箇条書きの作り方</a:t>
-            </a:r>
-            <a:endParaRPr kumimoji="1" lang="en-US" altLang="ja-JP" dirty="0">
-              <a:solidFill>
-                <a:schemeClr val="accent5"/>
-              </a:solidFill>
-            </a:endParaRPr>
-          </a:p>
-          <a:p>
-            <a:pPr marL="1177200" lvl="2" indent="-457200">
-              <a:buFont typeface="+mj-lt"/>
-              <a:buAutoNum type="arabicPeriod"/>
-            </a:pPr>
             <a:r>
               <a:rPr kumimoji="1" lang="ja-JP" altLang="en-US" dirty="0"/>
-              <a:t>親子関係の作り方</a:t>
+              <a:t>次にそれを「提案」がどのように解決しているのか考える</a:t>
             </a:r>
             <a:endParaRPr kumimoji="1" lang="en-US" altLang="ja-JP" dirty="0"/>
           </a:p>
           <a:p>
-            <a:pPr marL="1177200" lvl="2" indent="-457200">
-              <a:buFont typeface="+mj-lt"/>
-              <a:buAutoNum type="arabicPeriod"/>
-            </a:pPr>
+            <a:pPr lvl="1"/>
             <a:r>
               <a:rPr kumimoji="1" lang="ja-JP" altLang="en-US" dirty="0"/>
-              <a:t>文を短くする</a:t>
+              <a:t>上でまとめた問題が，「どのように」「なぜ」解決されているのかをまとめる</a:t>
             </a:r>
             <a:endParaRPr kumimoji="1" lang="en-US" altLang="ja-JP" dirty="0"/>
           </a:p>
           <a:p>
-            <a:pPr marL="1177200" lvl="2" indent="-457200">
-              <a:buFont typeface="+mj-lt"/>
-              <a:buAutoNum type="arabicPeriod"/>
-            </a:pPr>
             <a:r>
               <a:rPr kumimoji="1" lang="ja-JP" altLang="en-US" dirty="0"/>
-              <a:t>インデントにぶらさげる項目数</a:t>
-            </a:r>
-            <a:endParaRPr kumimoji="1" lang="en-US" altLang="ja-JP" dirty="0"/>
-          </a:p>
-          <a:p>
-            <a:pPr marL="1177200" lvl="2" indent="-457200">
-              <a:buFont typeface="+mj-lt"/>
-              <a:buAutoNum type="arabicPeriod"/>
-            </a:pPr>
-            <a:r>
-              <a:rPr kumimoji="1" lang="ja-JP" altLang="en-US" dirty="0"/>
-              <a:t>親子関係における「階段」</a:t>
-            </a:r>
-            <a:endParaRPr kumimoji="1" lang="en-US" altLang="ja-JP" dirty="0"/>
-          </a:p>
-          <a:p>
-            <a:pPr marL="457200" indent="-457200">
-              <a:buFont typeface="+mj-lt"/>
-              <a:buAutoNum type="arabicPeriod"/>
-            </a:pPr>
-            <a:r>
-              <a:rPr kumimoji="1" lang="ja-JP" altLang="en-US" dirty="0"/>
-              <a:t>余談：なぜ箇条書きにまとめるのか？</a:t>
-            </a:r>
-            <a:endParaRPr kumimoji="1" lang="en-US" altLang="ja-JP" dirty="0"/>
-          </a:p>
-          <a:p>
-            <a:pPr marL="1177200" lvl="2" indent="-457200">
-              <a:buFont typeface="+mj-lt"/>
-              <a:buAutoNum type="arabicPeriod"/>
-            </a:pPr>
-            <a:endParaRPr kumimoji="1" lang="ja-JP" altLang="en-US" dirty="0">
-              <a:solidFill>
-                <a:schemeClr val="accent5"/>
-              </a:solidFill>
-            </a:endParaRPr>
+              <a:t>それら「課題」と「提案」を包含する「背景」を考える</a:t>
+            </a:r>
           </a:p>
         </p:txBody>
       </p:sp>
     </p:spTree>
     <p:extLst>
       <p:ext uri="{BB962C8B-B14F-4D97-AF65-F5344CB8AC3E}">
-        <p14:creationId xmlns:p14="http://schemas.microsoft.com/office/powerpoint/2010/main" val="4293421149"/>
+        <p14:creationId xmlns:p14="http://schemas.microsoft.com/office/powerpoint/2010/main" val="2178183126"/>
       </p:ext>
     </p:extLst>
   </p:cSld>
@@ -6857,10 +6818,10 @@
       </p:grpSpPr>
       <p:sp>
         <p:nvSpPr>
-          <p:cNvPr id="2" name="タイトル 1">
-            <a:extLst>
-              <a:ext uri="{FF2B5EF4-FFF2-40B4-BE49-F238E27FC236}">
-                <a16:creationId xmlns:a16="http://schemas.microsoft.com/office/drawing/2014/main" id="{2D384302-F54A-9C8E-5AA3-51A3FDA55C22}"/>
+          <p:cNvPr id="6" name="タイトル 5">
+            <a:extLst>
+              <a:ext uri="{FF2B5EF4-FFF2-40B4-BE49-F238E27FC236}">
+                <a16:creationId xmlns:a16="http://schemas.microsoft.com/office/drawing/2014/main" id="{0C5C5263-A46C-250C-79B4-37EF4633D8AE}"/>
               </a:ext>
             </a:extLst>
           </p:cNvPr>
@@ -6878,17 +6839,17 @@
           <a:p>
             <a:r>
               <a:rPr kumimoji="1" lang="ja-JP" altLang="en-US" dirty="0"/>
-              <a:t>箇条書きの親子関係の作り方</a:t>
-            </a:r>
-          </a:p>
-        </p:txBody>
-      </p:sp>
-      <p:sp>
-        <p:nvSpPr>
-          <p:cNvPr id="3" name="テキスト プレースホルダー 2">
-            <a:extLst>
-              <a:ext uri="{FF2B5EF4-FFF2-40B4-BE49-F238E27FC236}">
-                <a16:creationId xmlns:a16="http://schemas.microsoft.com/office/drawing/2014/main" id="{5B575639-CD76-8A5D-040E-E5DC9EBDA9EB}"/>
+              <a:t>３点プロットの目次</a:t>
+            </a:r>
+          </a:p>
+        </p:txBody>
+      </p:sp>
+      <p:sp>
+        <p:nvSpPr>
+          <p:cNvPr id="7" name="テキスト プレースホルダー 6">
+            <a:extLst>
+              <a:ext uri="{FF2B5EF4-FFF2-40B4-BE49-F238E27FC236}">
+                <a16:creationId xmlns:a16="http://schemas.microsoft.com/office/drawing/2014/main" id="{12EFEECB-8119-A100-9FB5-F471FDE43EF4}"/>
               </a:ext>
             </a:extLst>
           </p:cNvPr>
@@ -6899,150 +6860,134 @@
             <p:ph type="body" sz="quarter" idx="10"/>
           </p:nvPr>
         </p:nvSpPr>
-        <p:spPr>
-          <a:xfrm>
-            <a:off x="431954" y="1088974"/>
-            <a:ext cx="8460094" cy="5219751"/>
-          </a:xfrm>
-        </p:spPr>
+        <p:spPr/>
         <p:txBody>
           <a:bodyPr/>
           <a:lstStyle/>
           <a:p>
-            <a:r>
-              <a:rPr kumimoji="1" lang="ja-JP" altLang="en-US" sz="1800" dirty="0"/>
-              <a:t>インデントされた子要素の部分と，その親の関係</a:t>
-            </a:r>
-            <a:endParaRPr kumimoji="1" lang="en-US" altLang="ja-JP" sz="1800" dirty="0"/>
-          </a:p>
-          <a:p>
-            <a:pPr lvl="1"/>
-            <a:r>
-              <a:rPr kumimoji="1" lang="ja-JP" altLang="en-US" sz="1800" dirty="0"/>
-              <a:t>子項目は，その親項目のなんらかの詳細を説明する</a:t>
-            </a:r>
-            <a:endParaRPr kumimoji="1" lang="en-US" altLang="ja-JP" sz="1800" dirty="0"/>
-          </a:p>
-          <a:p>
-            <a:pPr lvl="1"/>
-            <a:r>
-              <a:rPr kumimoji="1" lang="ja-JP" altLang="en-US" sz="1800" dirty="0"/>
-              <a:t>親項目は，その子項目をまとめた内容となる</a:t>
-            </a:r>
-            <a:endParaRPr kumimoji="1" lang="en-US" altLang="ja-JP" sz="1800" dirty="0"/>
-          </a:p>
-          <a:p>
-            <a:r>
-              <a:rPr kumimoji="1" lang="ja-JP" altLang="en-US" sz="1800" dirty="0">
+            <a:pPr marL="457200" indent="-457200">
+              <a:buFont typeface="+mj-lt"/>
+              <a:buAutoNum type="arabicPeriod"/>
+            </a:pPr>
+            <a:r>
+              <a:rPr kumimoji="1" lang="ja-JP" altLang="en-US" dirty="0"/>
+              <a:t>３点プロットとは</a:t>
+            </a:r>
+            <a:endParaRPr kumimoji="1" lang="en-US" altLang="ja-JP" dirty="0"/>
+          </a:p>
+          <a:p>
+            <a:pPr marL="457200" indent="-457200">
+              <a:buFont typeface="+mj-lt"/>
+              <a:buAutoNum type="arabicPeriod"/>
+            </a:pPr>
+            <a:r>
+              <a:rPr kumimoji="1" lang="ja-JP" altLang="en-US" dirty="0"/>
+              <a:t>作り方</a:t>
+            </a:r>
+            <a:endParaRPr kumimoji="1" lang="en-US" altLang="ja-JP" dirty="0"/>
+          </a:p>
+          <a:p>
+            <a:pPr marL="817200" lvl="1" indent="-457200">
+              <a:buFont typeface="+mj-lt"/>
+              <a:buAutoNum type="arabicPeriod"/>
+            </a:pPr>
+            <a:r>
+              <a:rPr kumimoji="1" lang="ja-JP" altLang="en-US" dirty="0"/>
+              <a:t>内容のまとめかた</a:t>
+            </a:r>
+            <a:endParaRPr kumimoji="1" lang="en-US" altLang="ja-JP" dirty="0"/>
+          </a:p>
+          <a:p>
+            <a:pPr marL="817200" lvl="1" indent="-457200">
+              <a:buFont typeface="+mj-lt"/>
+              <a:buAutoNum type="arabicPeriod"/>
+            </a:pPr>
+            <a:r>
+              <a:rPr kumimoji="1" lang="ja-JP" altLang="en-US" dirty="0">
                 <a:solidFill>
                   <a:schemeClr val="accent5"/>
                 </a:solidFill>
               </a:rPr>
-              <a:t>各項目の先頭に一言にまとめた属性をつけて作ると確認しやすい</a:t>
-            </a:r>
-            <a:endParaRPr kumimoji="1" lang="en-US" altLang="ja-JP" sz="1800" dirty="0">
+              <a:t>箇条書きの作り方</a:t>
+            </a:r>
+            <a:endParaRPr kumimoji="1" lang="en-US" altLang="ja-JP" dirty="0">
               <a:solidFill>
                 <a:schemeClr val="accent5"/>
               </a:solidFill>
             </a:endParaRPr>
           </a:p>
           <a:p>
-            <a:pPr lvl="1"/>
-            <a:r>
-              <a:rPr kumimoji="1" lang="ja-JP" altLang="en-US" sz="1800" dirty="0"/>
-              <a:t>子から見て親の何であるのかを属性としてつける</a:t>
-            </a:r>
-            <a:endParaRPr kumimoji="1" lang="en-US" altLang="ja-JP" sz="1800" dirty="0"/>
-          </a:p>
-          <a:p>
-            <a:pPr lvl="1"/>
-            <a:r>
-              <a:rPr kumimoji="1" lang="ja-JP" altLang="en-US" sz="1800" dirty="0"/>
-              <a:t>「問題：」「理由：」「結果：」「目的：」「例：」「詳細：」など</a:t>
-            </a:r>
-            <a:endParaRPr kumimoji="1" lang="en-US" altLang="ja-JP" sz="1800" dirty="0"/>
-          </a:p>
-          <a:p>
-            <a:r>
-              <a:rPr kumimoji="1" lang="ja-JP" altLang="en-US" sz="1800" dirty="0"/>
-              <a:t>属性をつけた例：</a:t>
-            </a:r>
-            <a:endParaRPr kumimoji="1" lang="en-US" altLang="ja-JP" sz="1800" dirty="0"/>
-          </a:p>
-          <a:p>
-            <a:pPr lvl="1"/>
-            <a:r>
-              <a:rPr lang="ja-JP" altLang="en-US" sz="1800" dirty="0">
-                <a:solidFill>
-                  <a:schemeClr val="accent5"/>
-                </a:solidFill>
-              </a:rPr>
-              <a:t>背景：</a:t>
-            </a:r>
-            <a:r>
-              <a:rPr lang="ja-JP" altLang="en-US" sz="1800" dirty="0"/>
-              <a:t>ベクトル命令 </a:t>
-            </a:r>
-            <a:endParaRPr lang="en-US" altLang="ja-JP" sz="1800" dirty="0"/>
-          </a:p>
-          <a:p>
-            <a:pPr lvl="2"/>
-            <a:r>
-              <a:rPr lang="ja-JP" altLang="en-US" sz="1800" dirty="0">
-                <a:solidFill>
-                  <a:schemeClr val="accent5"/>
-                </a:solidFill>
-              </a:rPr>
-              <a:t>詳細：</a:t>
-            </a:r>
-            <a:r>
-              <a:rPr lang="ja-JP" altLang="en-US" sz="1800" dirty="0"/>
-              <a:t>単一の命令で可変長の複数データを処理する命令の方式 </a:t>
-            </a:r>
-            <a:endParaRPr lang="en-US" altLang="ja-JP" sz="1800" dirty="0"/>
-          </a:p>
-          <a:p>
-            <a:pPr lvl="2"/>
-            <a:r>
-              <a:rPr lang="ja-JP" altLang="en-US" sz="1800" dirty="0">
-                <a:solidFill>
-                  <a:schemeClr val="accent5"/>
-                </a:solidFill>
-              </a:rPr>
-              <a:t>目的：</a:t>
-            </a:r>
-            <a:r>
-              <a:rPr lang="ja-JP" altLang="en-US" sz="1800" dirty="0"/>
-              <a:t>データ並列性のある処理を対象 </a:t>
-            </a:r>
-            <a:endParaRPr lang="en-US" altLang="ja-JP" sz="1800" dirty="0"/>
-          </a:p>
-          <a:p>
-            <a:pPr lvl="2"/>
-            <a:r>
-              <a:rPr lang="ja-JP" altLang="en-US" sz="1800" dirty="0">
-                <a:solidFill>
-                  <a:schemeClr val="accent5"/>
-                </a:solidFill>
-              </a:rPr>
-              <a:t>例：</a:t>
-            </a:r>
-            <a:r>
-              <a:rPr lang="en-US" altLang="ja-JP" sz="1800" dirty="0"/>
-              <a:t>RISC-V </a:t>
-            </a:r>
-            <a:r>
-              <a:rPr lang="ja-JP" altLang="en-US" sz="1800" dirty="0"/>
-              <a:t>ベクトル拡張などの形で実装されている </a:t>
-            </a:r>
-            <a:endParaRPr kumimoji="1" lang="ja-JP" altLang="en-US" sz="1800" dirty="0"/>
+            <a:pPr marL="1177200" lvl="2" indent="-457200">
+              <a:buFont typeface="+mj-lt"/>
+              <a:buAutoNum type="arabicPeriod"/>
+            </a:pPr>
+            <a:r>
+              <a:rPr kumimoji="1" lang="ja-JP" altLang="en-US" dirty="0"/>
+              <a:t>親子関係の作り方</a:t>
+            </a:r>
+            <a:endParaRPr kumimoji="1" lang="en-US" altLang="ja-JP" dirty="0"/>
+          </a:p>
+          <a:p>
+            <a:pPr marL="1177200" lvl="2" indent="-457200">
+              <a:buFont typeface="+mj-lt"/>
+              <a:buAutoNum type="arabicPeriod"/>
+            </a:pPr>
+            <a:r>
+              <a:rPr kumimoji="1" lang="ja-JP" altLang="en-US" dirty="0"/>
+              <a:t>文を短くする</a:t>
+            </a:r>
+            <a:endParaRPr kumimoji="1" lang="en-US" altLang="ja-JP" dirty="0"/>
+          </a:p>
+          <a:p>
+            <a:pPr marL="1177200" lvl="2" indent="-457200">
+              <a:buFont typeface="+mj-lt"/>
+              <a:buAutoNum type="arabicPeriod"/>
+            </a:pPr>
+            <a:r>
+              <a:rPr kumimoji="1" lang="ja-JP" altLang="en-US" dirty="0"/>
+              <a:t>インデントにぶらさげる項目数</a:t>
+            </a:r>
+            <a:endParaRPr kumimoji="1" lang="en-US" altLang="ja-JP" dirty="0"/>
+          </a:p>
+          <a:p>
+            <a:pPr marL="1177200" lvl="2" indent="-457200">
+              <a:buFont typeface="+mj-lt"/>
+              <a:buAutoNum type="arabicPeriod"/>
+            </a:pPr>
+            <a:r>
+              <a:rPr kumimoji="1" lang="ja-JP" altLang="en-US" dirty="0"/>
+              <a:t>親子関係における「階段」</a:t>
+            </a:r>
+            <a:endParaRPr kumimoji="1" lang="en-US" altLang="ja-JP" dirty="0"/>
+          </a:p>
+          <a:p>
+            <a:pPr marL="457200" indent="-457200">
+              <a:buFont typeface="+mj-lt"/>
+              <a:buAutoNum type="arabicPeriod"/>
+            </a:pPr>
+            <a:r>
+              <a:rPr kumimoji="1" lang="ja-JP" altLang="en-US" dirty="0"/>
+              <a:t>余談：なぜ箇条書きにまとめるのか？</a:t>
+            </a:r>
+            <a:endParaRPr kumimoji="1" lang="en-US" altLang="ja-JP" dirty="0"/>
+          </a:p>
+          <a:p>
+            <a:pPr marL="1177200" lvl="2" indent="-457200">
+              <a:buFont typeface="+mj-lt"/>
+              <a:buAutoNum type="arabicPeriod"/>
+            </a:pPr>
+            <a:endParaRPr kumimoji="1" lang="ja-JP" altLang="en-US" dirty="0">
+              <a:solidFill>
+                <a:schemeClr val="accent5"/>
+              </a:solidFill>
+            </a:endParaRPr>
           </a:p>
         </p:txBody>
       </p:sp>
     </p:spTree>
     <p:extLst>
       <p:ext uri="{BB962C8B-B14F-4D97-AF65-F5344CB8AC3E}">
-        <p14:creationId xmlns:p14="http://schemas.microsoft.com/office/powerpoint/2010/main" val="2006340699"/>
+        <p14:creationId xmlns:p14="http://schemas.microsoft.com/office/powerpoint/2010/main" val="4293421149"/>
       </p:ext>
     </p:extLst>
   </p:cSld>
@@ -7082,7 +7027,7 @@
           <p:cNvPr id="2" name="タイトル 1">
             <a:extLst>
               <a:ext uri="{FF2B5EF4-FFF2-40B4-BE49-F238E27FC236}">
-                <a16:creationId xmlns:a16="http://schemas.microsoft.com/office/drawing/2014/main" id="{5DE9EB6D-DB2F-3B8D-2437-AD77ADB2FF9E}"/>
+                <a16:creationId xmlns:a16="http://schemas.microsoft.com/office/drawing/2014/main" id="{2D384302-F54A-9C8E-5AA3-51A3FDA55C22}"/>
               </a:ext>
             </a:extLst>
           </p:cNvPr>
@@ -7100,7 +7045,7 @@
           <a:p>
             <a:r>
               <a:rPr kumimoji="1" lang="ja-JP" altLang="en-US" dirty="0"/>
-              <a:t>文を短くする</a:t>
+              <a:t>箇条書きの親子関係の作り方</a:t>
             </a:r>
           </a:p>
         </p:txBody>
@@ -7110,7 +7055,7 @@
           <p:cNvPr id="3" name="テキスト プレースホルダー 2">
             <a:extLst>
               <a:ext uri="{FF2B5EF4-FFF2-40B4-BE49-F238E27FC236}">
-                <a16:creationId xmlns:a16="http://schemas.microsoft.com/office/drawing/2014/main" id="{18D77FC6-6ACE-F5A6-179B-013437541EA6}"/>
+                <a16:creationId xmlns:a16="http://schemas.microsoft.com/office/drawing/2014/main" id="{5B575639-CD76-8A5D-040E-E5DC9EBDA9EB}"/>
               </a:ext>
             </a:extLst>
           </p:cNvPr>
@@ -7121,20 +7066,48 @@
             <p:ph type="body" sz="quarter" idx="10"/>
           </p:nvPr>
         </p:nvSpPr>
-        <p:spPr/>
+        <p:spPr>
+          <a:xfrm>
+            <a:off x="431954" y="1088974"/>
+            <a:ext cx="8460094" cy="5219751"/>
+          </a:xfrm>
+        </p:spPr>
         <p:txBody>
           <a:bodyPr/>
           <a:lstStyle/>
           <a:p>
             <a:r>
-              <a:rPr kumimoji="1" lang="ja-JP" altLang="en-US" dirty="0">
+              <a:rPr kumimoji="1" lang="ja-JP" altLang="en-US" sz="1800" dirty="0"/>
+              <a:t>インデントされた子要素の部分と，その親の関係</a:t>
+            </a:r>
+            <a:endParaRPr kumimoji="1" lang="en-US" altLang="ja-JP" sz="1800" dirty="0"/>
+          </a:p>
+          <a:p>
+            <a:pPr lvl="1"/>
+            <a:r>
+              <a:rPr kumimoji="1" lang="ja-JP" altLang="en-US" sz="1800" dirty="0"/>
+              <a:t>子項目は，その親項目のなんらかの詳細を説明する</a:t>
+            </a:r>
+            <a:endParaRPr kumimoji="1" lang="en-US" altLang="ja-JP" sz="1800" dirty="0"/>
+          </a:p>
+          <a:p>
+            <a:pPr lvl="1"/>
+            <a:r>
+              <a:rPr kumimoji="1" lang="ja-JP" altLang="en-US" sz="1800" dirty="0"/>
+              <a:t>親項目は，その子項目をまとめた内容となる</a:t>
+            </a:r>
+            <a:endParaRPr kumimoji="1" lang="en-US" altLang="ja-JP" sz="1800" dirty="0"/>
+          </a:p>
+          <a:p>
+            <a:r>
+              <a:rPr kumimoji="1" lang="ja-JP" altLang="en-US" sz="1800" dirty="0">
                 <a:solidFill>
                   <a:schemeClr val="accent5"/>
                 </a:solidFill>
               </a:rPr>
-              <a:t>複文を使うのは原則禁止</a:t>
-            </a:r>
-            <a:endParaRPr kumimoji="1" lang="en-US" altLang="ja-JP" dirty="0">
+              <a:t>各項目の先頭に一言にまとめた属性をつけて作ると確認しやすい</a:t>
+            </a:r>
+            <a:endParaRPr kumimoji="1" lang="en-US" altLang="ja-JP" sz="1800" dirty="0">
               <a:solidFill>
                 <a:schemeClr val="accent5"/>
               </a:solidFill>
@@ -7143,56 +7116,100 @@
           <a:p>
             <a:pPr lvl="1"/>
             <a:r>
-              <a:rPr kumimoji="1" lang="ja-JP" altLang="en-US" dirty="0"/>
-              <a:t>複数の文を繋げて１つの文にしてしまうと，関係が良くわからなくなりがち</a:t>
-            </a:r>
-            <a:endParaRPr kumimoji="1" lang="en-US" altLang="ja-JP" dirty="0"/>
+              <a:rPr kumimoji="1" lang="ja-JP" altLang="en-US" sz="1800" dirty="0"/>
+              <a:t>子から見て親の何であるのかを属性としてつける</a:t>
+            </a:r>
+            <a:endParaRPr kumimoji="1" lang="en-US" altLang="ja-JP" sz="1800" dirty="0"/>
           </a:p>
           <a:p>
             <a:pPr lvl="1"/>
             <a:r>
-              <a:rPr kumimoji="1" lang="ja-JP" altLang="en-US" dirty="0"/>
-              <a:t>最初は単文のみで作る</a:t>
-            </a:r>
-            <a:endParaRPr kumimoji="1" lang="en-US" altLang="ja-JP" dirty="0"/>
+              <a:rPr kumimoji="1" lang="ja-JP" altLang="en-US" sz="1800" dirty="0"/>
+              <a:t>「問題：」「理由：」「結果：」「目的：」「例：」「詳細：」など</a:t>
+            </a:r>
+            <a:endParaRPr kumimoji="1" lang="en-US" altLang="ja-JP" sz="1800" dirty="0"/>
+          </a:p>
+          <a:p>
+            <a:r>
+              <a:rPr kumimoji="1" lang="ja-JP" altLang="en-US" sz="1800" dirty="0"/>
+              <a:t>属性をつけた例：</a:t>
+            </a:r>
+            <a:endParaRPr kumimoji="1" lang="en-US" altLang="ja-JP" sz="1800" dirty="0"/>
+          </a:p>
+          <a:p>
+            <a:pPr lvl="1"/>
+            <a:r>
+              <a:rPr lang="ja-JP" altLang="en-US" sz="1800" dirty="0">
+                <a:solidFill>
+                  <a:schemeClr val="accent5"/>
+                </a:solidFill>
+              </a:rPr>
+              <a:t>背景：</a:t>
+            </a:r>
+            <a:r>
+              <a:rPr lang="ja-JP" altLang="en-US" sz="1800" dirty="0"/>
+              <a:t>ベクトル命令 </a:t>
+            </a:r>
+            <a:endParaRPr lang="en-US" altLang="ja-JP" sz="1800" dirty="0"/>
           </a:p>
           <a:p>
             <a:pPr lvl="2"/>
             <a:r>
-              <a:rPr kumimoji="1" lang="ja-JP" altLang="en-US" dirty="0"/>
-              <a:t>どうしても複文を入れる場合は，１行に収まる長さまで</a:t>
-            </a:r>
-            <a:endParaRPr kumimoji="1" lang="en-US" altLang="ja-JP" dirty="0"/>
+              <a:rPr lang="ja-JP" altLang="en-US" sz="1800" dirty="0">
+                <a:solidFill>
+                  <a:schemeClr val="accent5"/>
+                </a:solidFill>
+              </a:rPr>
+              <a:t>詳細：</a:t>
+            </a:r>
+            <a:r>
+              <a:rPr lang="ja-JP" altLang="en-US" sz="1800" dirty="0"/>
+              <a:t>単一の命令で可変長の複数データを処理する命令の方式 </a:t>
+            </a:r>
+            <a:endParaRPr lang="en-US" altLang="ja-JP" sz="1800" dirty="0"/>
           </a:p>
           <a:p>
             <a:pPr lvl="2"/>
             <a:r>
-              <a:rPr kumimoji="1" lang="ja-JP" altLang="en-US" dirty="0"/>
-              <a:t>３文以上からなる複文は常に禁止</a:t>
-            </a:r>
-            <a:endParaRPr kumimoji="1" lang="en-US" altLang="ja-JP" dirty="0"/>
-          </a:p>
-          <a:p>
-            <a:r>
-              <a:rPr kumimoji="1" lang="ja-JP" altLang="en-US" dirty="0"/>
-              <a:t>同様の理由により，長い修飾節を持った文も使わない</a:t>
-            </a:r>
-            <a:endParaRPr kumimoji="1" lang="en-US" altLang="ja-JP" dirty="0"/>
-          </a:p>
-          <a:p>
-            <a:pPr lvl="1"/>
-            <a:r>
-              <a:rPr kumimoji="1" lang="ja-JP" altLang="en-US" dirty="0"/>
-              <a:t>長くなってしまう場合は，インデントをしてぶら下げると良い</a:t>
-            </a:r>
-            <a:endParaRPr kumimoji="1" lang="en-US" altLang="ja-JP" dirty="0"/>
+              <a:rPr lang="ja-JP" altLang="en-US" sz="1800" dirty="0">
+                <a:solidFill>
+                  <a:schemeClr val="accent5"/>
+                </a:solidFill>
+              </a:rPr>
+              <a:t>目的：</a:t>
+            </a:r>
+            <a:r>
+              <a:rPr lang="ja-JP" altLang="en-US" sz="1800" dirty="0"/>
+              <a:t>データ並列性のある処理を対象 </a:t>
+            </a:r>
+            <a:endParaRPr lang="en-US" altLang="ja-JP" sz="1800" dirty="0"/>
+          </a:p>
+          <a:p>
+            <a:pPr lvl="2"/>
+            <a:r>
+              <a:rPr lang="ja-JP" altLang="en-US" sz="1800" dirty="0">
+                <a:solidFill>
+                  <a:schemeClr val="accent5"/>
+                </a:solidFill>
+              </a:rPr>
+              <a:t>例：</a:t>
+            </a:r>
+            <a:r>
+              <a:rPr lang="en-US" altLang="ja-JP" sz="1800" dirty="0"/>
+              <a:t>RISC-V </a:t>
+            </a:r>
+            <a:r>
+              <a:rPr lang="ja-JP" altLang="en-US" sz="1800" dirty="0"/>
+              <a:t>ベクトル拡張などの形で実装されている </a:t>
+            </a:r>
+            <a:endParaRPr kumimoji="1" lang="ja-JP" altLang="en-US" sz="1800" dirty="0"/>
           </a:p>
         </p:txBody>
       </p:sp>
     </p:spTree>
     <p:extLst>
       <p:ext uri="{BB962C8B-B14F-4D97-AF65-F5344CB8AC3E}">
-        <p14:creationId xmlns:p14="http://schemas.microsoft.com/office/powerpoint/2010/main" val="3140530035"/>
+        <p14:creationId xmlns:p14="http://schemas.microsoft.com/office/powerpoint/2010/main" val="2006340699"/>
       </p:ext>
     </p:extLst>
   </p:cSld>
@@ -7302,7 +7319,7 @@
           <a:p>
             <a:r>
               <a:rPr kumimoji="1" lang="ja-JP" altLang="en-US" dirty="0"/>
-              <a:t>インデントにぶらさげる項目数</a:t>
+              <a:t>文を短くする</a:t>
             </a:r>
           </a:p>
         </p:txBody>
@@ -7329,8 +7346,24 @@
           <a:lstStyle/>
           <a:p>
             <a:r>
+              <a:rPr kumimoji="1" lang="ja-JP" altLang="en-US" dirty="0">
+                <a:solidFill>
+                  <a:schemeClr val="accent5"/>
+                </a:solidFill>
+              </a:rPr>
+              <a:t>複文を使うのは原則禁止</a:t>
+            </a:r>
+            <a:endParaRPr kumimoji="1" lang="en-US" altLang="ja-JP" dirty="0">
+              <a:solidFill>
+                <a:schemeClr val="accent5"/>
+              </a:solidFill>
+            </a:endParaRPr>
+          </a:p>
+          <a:p>
+            <a:pPr lvl="1"/>
+            <a:r>
               <a:rPr kumimoji="1" lang="ja-JP" altLang="en-US" dirty="0"/>
-              <a:t>一つの項目にぶら下げる項目は３つまで</a:t>
+              <a:t>複数の文を繋げて１つの文にしてしまうと，関係が良くわからなくなりがち</a:t>
             </a:r>
             <a:endParaRPr kumimoji="1" lang="en-US" altLang="ja-JP" dirty="0"/>
           </a:p>
@@ -7338,15 +7371,38 @@
             <a:pPr lvl="1"/>
             <a:r>
               <a:rPr kumimoji="1" lang="ja-JP" altLang="en-US" dirty="0"/>
-              <a:t>４つ以上の項目が同じレベルに並んでいる場合は，それらをインデントにまとめる</a:t>
+              <a:t>最初は単文のみで作る</a:t>
             </a:r>
             <a:endParaRPr kumimoji="1" lang="en-US" altLang="ja-JP" dirty="0"/>
           </a:p>
           <a:p>
+            <a:pPr lvl="2"/>
+            <a:r>
+              <a:rPr kumimoji="1" lang="ja-JP" altLang="en-US" dirty="0"/>
+              <a:t>どうしても複文を入れる場合は，１行に収まる長さまで</a:t>
+            </a:r>
+            <a:endParaRPr kumimoji="1" lang="en-US" altLang="ja-JP" dirty="0"/>
+          </a:p>
+          <a:p>
+            <a:pPr lvl="2"/>
+            <a:r>
+              <a:rPr kumimoji="1" lang="ja-JP" altLang="en-US" dirty="0"/>
+              <a:t>３文以上からなる複文は常に禁止</a:t>
+            </a:r>
+            <a:endParaRPr kumimoji="1" lang="en-US" altLang="ja-JP" dirty="0"/>
+          </a:p>
+          <a:p>
+            <a:r>
+              <a:rPr kumimoji="1" lang="ja-JP" altLang="en-US" dirty="0"/>
+              <a:t>同様の理由により，長い修飾節を持った文も使わない</a:t>
+            </a:r>
+            <a:endParaRPr kumimoji="1" lang="en-US" altLang="ja-JP" dirty="0"/>
+          </a:p>
+          <a:p>
             <a:pPr lvl="1"/>
             <a:r>
               <a:rPr kumimoji="1" lang="ja-JP" altLang="en-US" dirty="0"/>
-              <a:t>３つより多いと関係が曖昧になるし，理解しづらい</a:t>
+              <a:t>長くなってしまう場合は，インデントをしてぶら下げると良い</a:t>
             </a:r>
             <a:endParaRPr kumimoji="1" lang="en-US" altLang="ja-JP" dirty="0"/>
           </a:p>
@@ -7355,7 +7411,7 @@
     </p:spTree>
     <p:extLst>
       <p:ext uri="{BB962C8B-B14F-4D97-AF65-F5344CB8AC3E}">
-        <p14:creationId xmlns:p14="http://schemas.microsoft.com/office/powerpoint/2010/main" val="2930707725"/>
+        <p14:creationId xmlns:p14="http://schemas.microsoft.com/office/powerpoint/2010/main" val="3140530035"/>
       </p:ext>
     </p:extLst>
   </p:cSld>
@@ -7395,7 +7451,7 @@
           <p:cNvPr id="2" name="タイトル 1">
             <a:extLst>
               <a:ext uri="{FF2B5EF4-FFF2-40B4-BE49-F238E27FC236}">
-                <a16:creationId xmlns:a16="http://schemas.microsoft.com/office/drawing/2014/main" id="{18633F85-70F7-1520-347A-55817D433DB1}"/>
+                <a16:creationId xmlns:a16="http://schemas.microsoft.com/office/drawing/2014/main" id="{5DE9EB6D-DB2F-3B8D-2437-AD77ADB2FF9E}"/>
               </a:ext>
             </a:extLst>
           </p:cNvPr>
@@ -7413,7 +7469,7 @@
           <a:p>
             <a:r>
               <a:rPr kumimoji="1" lang="ja-JP" altLang="en-US" dirty="0"/>
-              <a:t>箇条書きの親子関係における「階段」</a:t>
+              <a:t>インデントにぶらさげる項目数</a:t>
             </a:r>
           </a:p>
         </p:txBody>
@@ -7423,7 +7479,7 @@
           <p:cNvPr id="3" name="テキスト プレースホルダー 2">
             <a:extLst>
               <a:ext uri="{FF2B5EF4-FFF2-40B4-BE49-F238E27FC236}">
-                <a16:creationId xmlns:a16="http://schemas.microsoft.com/office/drawing/2014/main" id="{5BFE0EBB-6CB2-FCEF-7A6E-3613D8524427}"/>
+                <a16:creationId xmlns:a16="http://schemas.microsoft.com/office/drawing/2014/main" id="{18D77FC6-6ACE-F5A6-179B-013437541EA6}"/>
               </a:ext>
             </a:extLst>
           </p:cNvPr>
@@ -7440,181 +7496,33 @@
           <a:lstStyle/>
           <a:p>
             <a:r>
-              <a:rPr kumimoji="1" lang="en-US" altLang="ja-JP" sz="1800" dirty="0"/>
-              <a:t>A </a:t>
-            </a:r>
-            <a:r>
-              <a:rPr kumimoji="1" lang="ja-JP" altLang="en-US" sz="1800" dirty="0"/>
-              <a:t>→ </a:t>
-            </a:r>
-            <a:r>
-              <a:rPr kumimoji="1" lang="en-US" altLang="ja-JP" sz="1800" dirty="0"/>
-              <a:t>B </a:t>
-            </a:r>
-            <a:r>
-              <a:rPr kumimoji="1" lang="ja-JP" altLang="en-US" sz="1800" dirty="0"/>
-              <a:t>→ </a:t>
-            </a:r>
-            <a:r>
-              <a:rPr kumimoji="1" lang="en-US" altLang="ja-JP" sz="1800" dirty="0"/>
-              <a:t>C </a:t>
-            </a:r>
-            <a:r>
-              <a:rPr kumimoji="1" lang="ja-JP" altLang="en-US" sz="1800" dirty="0"/>
-              <a:t>のような演繹の関係を下のような「階段」のような箇条書きにしてしまいがちだが，これは良くない</a:t>
-            </a:r>
-            <a:endParaRPr kumimoji="1" lang="en-US" altLang="ja-JP" sz="1800" dirty="0"/>
+              <a:rPr kumimoji="1" lang="ja-JP" altLang="en-US" dirty="0"/>
+              <a:t>一つの項目にぶら下げる項目は３つまで</a:t>
+            </a:r>
+            <a:endParaRPr kumimoji="1" lang="en-US" altLang="ja-JP" dirty="0"/>
           </a:p>
           <a:p>
             <a:pPr lvl="1"/>
             <a:r>
-              <a:rPr kumimoji="1" lang="ja-JP" altLang="en-US" sz="1800" dirty="0"/>
-              <a:t>（親子関係は基本的に 概要</a:t>
-            </a:r>
-            <a:r>
-              <a:rPr kumimoji="1" lang="en-US" altLang="ja-JP" sz="1800" dirty="0"/>
-              <a:t>&lt;-&gt;</a:t>
-            </a:r>
-            <a:r>
-              <a:rPr kumimoji="1" lang="ja-JP" altLang="en-US" sz="1800" dirty="0"/>
-              <a:t>詳細 を表すもの）</a:t>
-            </a:r>
-            <a:br>
-              <a:rPr kumimoji="1" lang="en-US" altLang="ja-JP" sz="1800" dirty="0"/>
-            </a:br>
-            <a:endParaRPr kumimoji="1" lang="en-US" altLang="ja-JP" sz="1800" dirty="0"/>
+              <a:rPr kumimoji="1" lang="ja-JP" altLang="en-US" dirty="0"/>
+              <a:t>４つ以上の項目が同じレベルに並んでいる場合は，それらをインデントにまとめる</a:t>
+            </a:r>
+            <a:endParaRPr kumimoji="1" lang="en-US" altLang="ja-JP" dirty="0"/>
           </a:p>
           <a:p>
             <a:pPr lvl="1"/>
             <a:r>
-              <a:rPr kumimoji="1" lang="en-US" altLang="ja-JP" sz="1800" dirty="0"/>
-              <a:t>A</a:t>
-            </a:r>
-            <a:r>
-              <a:rPr kumimoji="1" lang="ja-JP" altLang="en-US" sz="1800" dirty="0"/>
-              <a:t>：～</a:t>
-            </a:r>
-            <a:endParaRPr kumimoji="1" lang="en-US" altLang="ja-JP" sz="1800" dirty="0"/>
-          </a:p>
-          <a:p>
-            <a:pPr lvl="2"/>
-            <a:r>
-              <a:rPr kumimoji="1" lang="en-US" altLang="ja-JP" sz="1800" dirty="0"/>
-              <a:t>B</a:t>
-            </a:r>
-            <a:r>
-              <a:rPr kumimoji="1" lang="ja-JP" altLang="en-US" sz="1800" dirty="0"/>
-              <a:t>：～</a:t>
-            </a:r>
-          </a:p>
-          <a:p>
-            <a:pPr lvl="3"/>
-            <a:r>
-              <a:rPr kumimoji="1" lang="en-US" altLang="ja-JP" sz="1800" dirty="0"/>
-              <a:t>C</a:t>
-            </a:r>
-            <a:r>
-              <a:rPr kumimoji="1" lang="ja-JP" altLang="en-US" sz="1800" dirty="0"/>
-              <a:t>：～</a:t>
-            </a:r>
-            <a:endParaRPr kumimoji="1" lang="en-US" altLang="ja-JP" sz="1800" dirty="0"/>
-          </a:p>
-          <a:p>
-            <a:r>
-              <a:rPr kumimoji="1" lang="ja-JP" altLang="en-US" sz="1800" dirty="0"/>
-              <a:t>このような場合は </a:t>
-            </a:r>
-            <a:r>
-              <a:rPr kumimoji="1" lang="en-US" altLang="ja-JP" sz="1800" dirty="0"/>
-              <a:t>A </a:t>
-            </a:r>
-            <a:r>
-              <a:rPr kumimoji="1" lang="ja-JP" altLang="en-US" sz="1800" dirty="0"/>
-              <a:t>→ </a:t>
-            </a:r>
-            <a:r>
-              <a:rPr kumimoji="1" lang="en-US" altLang="ja-JP" sz="1800" dirty="0"/>
-              <a:t>B </a:t>
-            </a:r>
-            <a:r>
-              <a:rPr kumimoji="1" lang="ja-JP" altLang="en-US" sz="1800" dirty="0"/>
-              <a:t>→ </a:t>
-            </a:r>
-            <a:r>
-              <a:rPr kumimoji="1" lang="en-US" altLang="ja-JP" sz="1800" dirty="0"/>
-              <a:t>C </a:t>
-            </a:r>
-            <a:r>
-              <a:rPr kumimoji="1" lang="ja-JP" altLang="en-US" sz="1800" dirty="0"/>
-              <a:t>の主張を一言にまとめたものを（</a:t>
-            </a:r>
-            <a:r>
-              <a:rPr kumimoji="1" lang="en-US" altLang="ja-JP" sz="1800" dirty="0"/>
-              <a:t>X</a:t>
-            </a:r>
-            <a:r>
-              <a:rPr kumimoji="1" lang="ja-JP" altLang="en-US" sz="1800" dirty="0"/>
-              <a:t>）を作り，その下にぶらさげる</a:t>
-            </a:r>
-            <a:br>
-              <a:rPr kumimoji="1" lang="en-US" altLang="ja-JP" sz="1800" dirty="0"/>
-            </a:br>
-            <a:endParaRPr kumimoji="1" lang="en-US" altLang="ja-JP" sz="1800" dirty="0"/>
-          </a:p>
-          <a:p>
-            <a:pPr lvl="1"/>
-            <a:r>
-              <a:rPr kumimoji="1" lang="en-US" altLang="ja-JP" sz="1800" dirty="0"/>
-              <a:t>X</a:t>
-            </a:r>
-            <a:r>
-              <a:rPr kumimoji="1" lang="ja-JP" altLang="en-US" sz="1800" dirty="0"/>
-              <a:t>：</a:t>
-            </a:r>
-            <a:endParaRPr kumimoji="1" lang="en-US" altLang="ja-JP" sz="1800" dirty="0"/>
-          </a:p>
-          <a:p>
-            <a:pPr lvl="2"/>
-            <a:r>
-              <a:rPr lang="en-US" altLang="ja-JP" sz="1800" dirty="0"/>
-              <a:t>A</a:t>
-            </a:r>
-            <a:r>
-              <a:rPr lang="ja-JP" altLang="en-US" sz="1800" dirty="0"/>
-              <a:t>：～</a:t>
-            </a:r>
-            <a:endParaRPr lang="en-US" altLang="ja-JP" sz="1800" dirty="0"/>
-          </a:p>
-          <a:p>
-            <a:pPr lvl="2"/>
-            <a:r>
-              <a:rPr lang="en-US" altLang="ja-JP" sz="1800" dirty="0"/>
-              <a:t>B</a:t>
-            </a:r>
-            <a:r>
-              <a:rPr lang="ja-JP" altLang="en-US" sz="1800" dirty="0"/>
-              <a:t>：～</a:t>
-            </a:r>
-            <a:endParaRPr lang="en-US" altLang="ja-JP" sz="1800" dirty="0"/>
-          </a:p>
-          <a:p>
-            <a:pPr lvl="2"/>
-            <a:r>
-              <a:rPr lang="en-US" altLang="ja-JP" sz="1800" dirty="0"/>
-              <a:t>C</a:t>
-            </a:r>
-            <a:r>
-              <a:rPr lang="ja-JP" altLang="en-US" sz="1800" dirty="0"/>
-              <a:t>：～</a:t>
-            </a:r>
-            <a:endParaRPr kumimoji="1" lang="en-US" altLang="ja-JP" sz="1800" dirty="0"/>
+              <a:rPr kumimoji="1" lang="ja-JP" altLang="en-US" dirty="0"/>
+              <a:t>３つより多いと関係が曖昧になるし，理解しづらい</a:t>
+            </a:r>
+            <a:endParaRPr kumimoji="1" lang="en-US" altLang="ja-JP" dirty="0"/>
           </a:p>
         </p:txBody>
       </p:sp>
     </p:spTree>
     <p:extLst>
       <p:ext uri="{BB962C8B-B14F-4D97-AF65-F5344CB8AC3E}">
-        <p14:creationId xmlns:p14="http://schemas.microsoft.com/office/powerpoint/2010/main" val="383915911"/>
+        <p14:creationId xmlns:p14="http://schemas.microsoft.com/office/powerpoint/2010/main" val="2930707725"/>
       </p:ext>
     </p:extLst>
   </p:cSld>
@@ -7672,42 +7580,7 @@
           <a:p>
             <a:r>
               <a:rPr kumimoji="1" lang="ja-JP" altLang="en-US" dirty="0"/>
-              <a:t>演繹の関係にある要素の書き換えの例</a:t>
-            </a:r>
-            <a:br>
-              <a:rPr kumimoji="1" lang="en-US" altLang="ja-JP" dirty="0"/>
-            </a:br>
-            <a:r>
-              <a:rPr kumimoji="1" lang="en-US" altLang="ja-JP" sz="2000" dirty="0"/>
-              <a:t>A</a:t>
-            </a:r>
-            <a:r>
-              <a:rPr kumimoji="1" lang="ja-JP" altLang="en-US" sz="2000" dirty="0"/>
-              <a:t>→</a:t>
-            </a:r>
-            <a:r>
-              <a:rPr kumimoji="1" lang="en-US" altLang="ja-JP" sz="2000" dirty="0"/>
-              <a:t>B</a:t>
-            </a:r>
-            <a:r>
-              <a:rPr kumimoji="1" lang="ja-JP" altLang="en-US" sz="2000" dirty="0"/>
-              <a:t>→</a:t>
-            </a:r>
-            <a:r>
-              <a:rPr kumimoji="1" lang="en-US" altLang="ja-JP" sz="2000" dirty="0"/>
-              <a:t>C </a:t>
-            </a:r>
-            <a:r>
-              <a:rPr kumimoji="1" lang="ja-JP" altLang="en-US" sz="2000" dirty="0"/>
-              <a:t>を </a:t>
-            </a:r>
-            <a:r>
-              <a:rPr kumimoji="1" lang="en-US" altLang="ja-JP" sz="2000" dirty="0"/>
-              <a:t>X </a:t>
-            </a:r>
-            <a:r>
-              <a:rPr kumimoji="1" lang="ja-JP" altLang="en-US" sz="2000" dirty="0"/>
-              <a:t>の下に展開</a:t>
+              <a:t>箇条書きの親子関係における「階段」</a:t>
             </a:r>
           </a:p>
         </p:txBody>
@@ -7733,109 +7606,173 @@
           <a:bodyPr/>
           <a:lstStyle/>
           <a:p>
-            <a:pPr marL="0" indent="0">
-              <a:buNone/>
-            </a:pPr>
+            <a:r>
+              <a:rPr kumimoji="1" lang="en-US" altLang="ja-JP" sz="1800" dirty="0"/>
+              <a:t>A </a:t>
+            </a:r>
             <a:r>
               <a:rPr kumimoji="1" lang="ja-JP" altLang="en-US" sz="1800" dirty="0"/>
-              <a:t>各インデントレベルに１つだけ項目がある階段が出来てしまっている</a:t>
+              <a:t>→ </a:t>
+            </a:r>
+            <a:r>
+              <a:rPr kumimoji="1" lang="en-US" altLang="ja-JP" sz="1800" dirty="0"/>
+              <a:t>B </a:t>
+            </a:r>
+            <a:r>
+              <a:rPr kumimoji="1" lang="ja-JP" altLang="en-US" sz="1800" dirty="0"/>
+              <a:t>→ </a:t>
+            </a:r>
+            <a:r>
+              <a:rPr kumimoji="1" lang="en-US" altLang="ja-JP" sz="1800" dirty="0"/>
+              <a:t>C </a:t>
+            </a:r>
+            <a:r>
+              <a:rPr kumimoji="1" lang="ja-JP" altLang="en-US" sz="1800" dirty="0"/>
+              <a:t>のような演繹の関係を下のような「階段」のような箇条書きにしてしまいがちだが，これは良くない</a:t>
             </a:r>
             <a:endParaRPr kumimoji="1" lang="en-US" altLang="ja-JP" sz="1800" dirty="0"/>
           </a:p>
           <a:p>
+            <a:pPr lvl="1"/>
+            <a:r>
+              <a:rPr kumimoji="1" lang="ja-JP" altLang="en-US" sz="1800" dirty="0"/>
+              <a:t>（親子関係は基本的に 概要</a:t>
+            </a:r>
             <a:r>
               <a:rPr kumimoji="1" lang="en-US" altLang="ja-JP" sz="1800" dirty="0"/>
-              <a:t>A</a:t>
+              <a:t>&lt;-&gt;</a:t>
             </a:r>
             <a:r>
               <a:rPr kumimoji="1" lang="ja-JP" altLang="en-US" sz="1800" dirty="0"/>
-              <a:t>：人間の脳の一時記憶の大きさには限りがある</a:t>
-            </a:r>
-          </a:p>
-          <a:p>
-            <a:pPr lvl="1"/>
-            <a:r>
-              <a:rPr kumimoji="1" lang="en-US" altLang="ja-JP" sz="1800" dirty="0"/>
-              <a:t>B</a:t>
-            </a:r>
-            <a:r>
-              <a:rPr kumimoji="1" lang="ja-JP" altLang="en-US" sz="1800" dirty="0"/>
-              <a:t>：このため，人間は５～７個以上の事柄を一度に把握できない</a:t>
-            </a:r>
-          </a:p>
-          <a:p>
-            <a:pPr lvl="2"/>
-            <a:r>
-              <a:rPr kumimoji="1" lang="en-US" altLang="ja-JP" sz="1800" dirty="0"/>
-              <a:t>C</a:t>
-            </a:r>
-            <a:r>
-              <a:rPr kumimoji="1" lang="ja-JP" altLang="en-US" sz="1800" dirty="0"/>
-              <a:t>：したがって，余裕を持って３個程度以内にするのがよい</a:t>
-            </a:r>
-            <a:endParaRPr kumimoji="1" lang="en-US" altLang="ja-JP" sz="1800" dirty="0"/>
-          </a:p>
-          <a:p>
-            <a:pPr marL="0" indent="0">
-              <a:buNone/>
-            </a:pPr>
+              <a:t>詳細 を表すもの）</a:t>
+            </a:r>
             <a:br>
               <a:rPr kumimoji="1" lang="en-US" altLang="ja-JP" sz="1800" dirty="0"/>
             </a:br>
+            <a:endParaRPr kumimoji="1" lang="en-US" altLang="ja-JP" sz="1800" dirty="0"/>
+          </a:p>
+          <a:p>
+            <a:pPr lvl="1"/>
+            <a:r>
+              <a:rPr kumimoji="1" lang="en-US" altLang="ja-JP" sz="1800" dirty="0"/>
+              <a:t>A</a:t>
+            </a:r>
+            <a:r>
+              <a:rPr kumimoji="1" lang="ja-JP" altLang="en-US" sz="1800" dirty="0"/>
+              <a:t>：～</a:t>
+            </a:r>
+            <a:endParaRPr kumimoji="1" lang="en-US" altLang="ja-JP" sz="1800" dirty="0"/>
+          </a:p>
+          <a:p>
+            <a:pPr lvl="2"/>
+            <a:r>
+              <a:rPr kumimoji="1" lang="en-US" altLang="ja-JP" sz="1800" dirty="0"/>
+              <a:t>B</a:t>
+            </a:r>
+            <a:r>
+              <a:rPr kumimoji="1" lang="ja-JP" altLang="en-US" sz="1800" dirty="0"/>
+              <a:t>：～</a:t>
+            </a:r>
+          </a:p>
+          <a:p>
+            <a:pPr lvl="3"/>
+            <a:r>
+              <a:rPr kumimoji="1" lang="en-US" altLang="ja-JP" sz="1800" dirty="0"/>
+              <a:t>C</a:t>
+            </a:r>
+            <a:r>
+              <a:rPr kumimoji="1" lang="ja-JP" altLang="en-US" sz="1800" dirty="0"/>
+              <a:t>：～</a:t>
+            </a:r>
+            <a:endParaRPr kumimoji="1" lang="en-US" altLang="ja-JP" sz="1800" dirty="0"/>
+          </a:p>
+          <a:p>
+            <a:r>
+              <a:rPr kumimoji="1" lang="ja-JP" altLang="en-US" sz="1800" dirty="0"/>
+              <a:t>このような場合は </a:t>
+            </a:r>
+            <a:r>
+              <a:rPr kumimoji="1" lang="en-US" altLang="ja-JP" sz="1800" dirty="0"/>
+              <a:t>A </a:t>
+            </a:r>
+            <a:r>
+              <a:rPr kumimoji="1" lang="ja-JP" altLang="en-US" sz="1800" dirty="0"/>
+              <a:t>→ </a:t>
+            </a:r>
+            <a:r>
+              <a:rPr kumimoji="1" lang="en-US" altLang="ja-JP" sz="1800" dirty="0"/>
+              <a:t>B </a:t>
+            </a:r>
+            <a:r>
+              <a:rPr kumimoji="1" lang="ja-JP" altLang="en-US" sz="1800" dirty="0"/>
+              <a:t>→ </a:t>
+            </a:r>
+            <a:r>
+              <a:rPr kumimoji="1" lang="en-US" altLang="ja-JP" sz="1800" dirty="0"/>
+              <a:t>C </a:t>
+            </a:r>
+            <a:r>
+              <a:rPr kumimoji="1" lang="ja-JP" altLang="en-US" sz="1800" dirty="0"/>
+              <a:t>の主張を一言にまとめたものを（</a:t>
+            </a:r>
+            <a:r>
+              <a:rPr kumimoji="1" lang="en-US" altLang="ja-JP" sz="1800" dirty="0"/>
+              <a:t>X</a:t>
+            </a:r>
+            <a:r>
+              <a:rPr kumimoji="1" lang="ja-JP" altLang="en-US" sz="1800" dirty="0"/>
+              <a:t>）を作り，その下にぶらさげる</a:t>
+            </a:r>
             <a:br>
               <a:rPr kumimoji="1" lang="en-US" altLang="ja-JP" sz="1800" dirty="0"/>
             </a:br>
-            <a:r>
-              <a:rPr kumimoji="1" lang="en-US" altLang="ja-JP" sz="1800" dirty="0"/>
-              <a:t>X </a:t>
-            </a:r>
-            <a:r>
-              <a:rPr kumimoji="1" lang="ja-JP" altLang="en-US" sz="1800" dirty="0"/>
-              <a:t>に全体をまとめる一言を入れて，その下に並列にぶら下げると良い</a:t>
-            </a:r>
             <a:endParaRPr kumimoji="1" lang="en-US" altLang="ja-JP" sz="1800" dirty="0"/>
           </a:p>
           <a:p>
+            <a:pPr lvl="1"/>
             <a:r>
               <a:rPr kumimoji="1" lang="en-US" altLang="ja-JP" sz="1800" dirty="0"/>
               <a:t>X</a:t>
             </a:r>
             <a:r>
               <a:rPr kumimoji="1" lang="ja-JP" altLang="en-US" sz="1800" dirty="0"/>
-              <a:t>：１項目にぶら下げる項目の数は少なめにする</a:t>
-            </a:r>
-          </a:p>
-          <a:p>
-            <a:pPr lvl="1"/>
-            <a:r>
-              <a:rPr kumimoji="1" lang="en-US" altLang="ja-JP" sz="1800" dirty="0"/>
+              <a:t>：</a:t>
+            </a:r>
+            <a:endParaRPr kumimoji="1" lang="en-US" altLang="ja-JP" sz="1800" dirty="0"/>
+          </a:p>
+          <a:p>
+            <a:pPr lvl="2"/>
+            <a:r>
+              <a:rPr lang="en-US" altLang="ja-JP" sz="1800" dirty="0"/>
               <a:t>A</a:t>
             </a:r>
             <a:r>
-              <a:rPr kumimoji="1" lang="ja-JP" altLang="en-US" sz="1800" dirty="0"/>
-              <a:t>：人間の脳の一時記憶の大きさには限りがある</a:t>
-            </a:r>
-          </a:p>
-          <a:p>
-            <a:pPr lvl="1"/>
-            <a:r>
-              <a:rPr kumimoji="1" lang="en-US" altLang="ja-JP" sz="1800" dirty="0"/>
+              <a:rPr lang="ja-JP" altLang="en-US" sz="1800" dirty="0"/>
+              <a:t>：～</a:t>
+            </a:r>
+            <a:endParaRPr lang="en-US" altLang="ja-JP" sz="1800" dirty="0"/>
+          </a:p>
+          <a:p>
+            <a:pPr lvl="2"/>
+            <a:r>
+              <a:rPr lang="en-US" altLang="ja-JP" sz="1800" dirty="0"/>
               <a:t>B</a:t>
             </a:r>
             <a:r>
-              <a:rPr kumimoji="1" lang="ja-JP" altLang="en-US" sz="1800" dirty="0"/>
-              <a:t>：このため，人間は５～７個以上の事柄を一度に把握できない</a:t>
-            </a:r>
-          </a:p>
-          <a:p>
-            <a:pPr lvl="1"/>
-            <a:r>
-              <a:rPr kumimoji="1" lang="en-US" altLang="ja-JP" sz="1800" dirty="0"/>
+              <a:rPr lang="ja-JP" altLang="en-US" sz="1800" dirty="0"/>
+              <a:t>：～</a:t>
+            </a:r>
+            <a:endParaRPr lang="en-US" altLang="ja-JP" sz="1800" dirty="0"/>
+          </a:p>
+          <a:p>
+            <a:pPr lvl="2"/>
+            <a:r>
+              <a:rPr lang="en-US" altLang="ja-JP" sz="1800" dirty="0"/>
               <a:t>C</a:t>
             </a:r>
             <a:r>
-              <a:rPr kumimoji="1" lang="ja-JP" altLang="en-US" sz="1800" dirty="0"/>
-              <a:t>：したがって，余裕を持って３個程度以内にするのがよい</a:t>
+              <a:rPr lang="ja-JP" altLang="en-US" sz="1800" dirty="0"/>
+              <a:t>：～</a:t>
             </a:r>
             <a:endParaRPr kumimoji="1" lang="en-US" altLang="ja-JP" sz="1800" dirty="0"/>
           </a:p>
@@ -7844,7 +7781,7 @@
     </p:spTree>
     <p:extLst>
       <p:ext uri="{BB962C8B-B14F-4D97-AF65-F5344CB8AC3E}">
-        <p14:creationId xmlns:p14="http://schemas.microsoft.com/office/powerpoint/2010/main" val="2952692009"/>
+        <p14:creationId xmlns:p14="http://schemas.microsoft.com/office/powerpoint/2010/main" val="383915911"/>
       </p:ext>
     </p:extLst>
   </p:cSld>
@@ -7881,10 +7818,10 @@
       </p:grpSpPr>
       <p:sp>
         <p:nvSpPr>
-          <p:cNvPr id="6" name="タイトル 5">
-            <a:extLst>
-              <a:ext uri="{FF2B5EF4-FFF2-40B4-BE49-F238E27FC236}">
-                <a16:creationId xmlns:a16="http://schemas.microsoft.com/office/drawing/2014/main" id="{0C5C5263-A46C-250C-79B4-37EF4633D8AE}"/>
+          <p:cNvPr id="2" name="タイトル 1">
+            <a:extLst>
+              <a:ext uri="{FF2B5EF4-FFF2-40B4-BE49-F238E27FC236}">
+                <a16:creationId xmlns:a16="http://schemas.microsoft.com/office/drawing/2014/main" id="{18633F85-70F7-1520-347A-55817D433DB1}"/>
               </a:ext>
             </a:extLst>
           </p:cNvPr>
@@ -7902,17 +7839,52 @@
           <a:p>
             <a:r>
               <a:rPr kumimoji="1" lang="ja-JP" altLang="en-US" dirty="0"/>
-              <a:t>３点プロットの目次</a:t>
-            </a:r>
-          </a:p>
-        </p:txBody>
-      </p:sp>
-      <p:sp>
-        <p:nvSpPr>
-          <p:cNvPr id="7" name="テキスト プレースホルダー 6">
-            <a:extLst>
-              <a:ext uri="{FF2B5EF4-FFF2-40B4-BE49-F238E27FC236}">
-                <a16:creationId xmlns:a16="http://schemas.microsoft.com/office/drawing/2014/main" id="{12EFEECB-8119-A100-9FB5-F471FDE43EF4}"/>
+              <a:t>演繹の関係にある要素の書き換えの例</a:t>
+            </a:r>
+            <a:br>
+              <a:rPr kumimoji="1" lang="en-US" altLang="ja-JP" dirty="0"/>
+            </a:br>
+            <a:r>
+              <a:rPr kumimoji="1" lang="en-US" altLang="ja-JP" sz="2000" dirty="0"/>
+              <a:t>A</a:t>
+            </a:r>
+            <a:r>
+              <a:rPr kumimoji="1" lang="ja-JP" altLang="en-US" sz="2000" dirty="0"/>
+              <a:t>→</a:t>
+            </a:r>
+            <a:r>
+              <a:rPr kumimoji="1" lang="en-US" altLang="ja-JP" sz="2000" dirty="0"/>
+              <a:t>B</a:t>
+            </a:r>
+            <a:r>
+              <a:rPr kumimoji="1" lang="ja-JP" altLang="en-US" sz="2000" dirty="0"/>
+              <a:t>→</a:t>
+            </a:r>
+            <a:r>
+              <a:rPr kumimoji="1" lang="en-US" altLang="ja-JP" sz="2000" dirty="0"/>
+              <a:t>C </a:t>
+            </a:r>
+            <a:r>
+              <a:rPr kumimoji="1" lang="ja-JP" altLang="en-US" sz="2000" dirty="0"/>
+              <a:t>を </a:t>
+            </a:r>
+            <a:r>
+              <a:rPr kumimoji="1" lang="en-US" altLang="ja-JP" sz="2000" dirty="0"/>
+              <a:t>X </a:t>
+            </a:r>
+            <a:r>
+              <a:rPr kumimoji="1" lang="ja-JP" altLang="en-US" sz="2000" dirty="0"/>
+              <a:t>の下に展開</a:t>
+            </a:r>
+          </a:p>
+        </p:txBody>
+      </p:sp>
+      <p:sp>
+        <p:nvSpPr>
+          <p:cNvPr id="3" name="テキスト プレースホルダー 2">
+            <a:extLst>
+              <a:ext uri="{FF2B5EF4-FFF2-40B4-BE49-F238E27FC236}">
+                <a16:creationId xmlns:a16="http://schemas.microsoft.com/office/drawing/2014/main" id="{5BFE0EBB-6CB2-FCEF-7A6E-3613D8524427}"/>
               </a:ext>
             </a:extLst>
           </p:cNvPr>
@@ -7928,74 +7900,118 @@
           <a:bodyPr/>
           <a:lstStyle/>
           <a:p>
-            <a:pPr marL="457200" indent="-457200">
-              <a:buFont typeface="+mj-lt"/>
-              <a:buAutoNum type="arabicPeriod"/>
+            <a:pPr marL="0" indent="0">
+              <a:buNone/>
             </a:pPr>
             <a:r>
-              <a:rPr kumimoji="1" lang="ja-JP" altLang="en-US" dirty="0"/>
-              <a:t>３点プロットとは</a:t>
-            </a:r>
-            <a:endParaRPr kumimoji="1" lang="en-US" altLang="ja-JP" dirty="0"/>
-          </a:p>
-          <a:p>
-            <a:pPr marL="457200" indent="-457200">
-              <a:buFont typeface="+mj-lt"/>
-              <a:buAutoNum type="arabicPeriod"/>
+              <a:rPr kumimoji="1" lang="ja-JP" altLang="en-US" sz="1800" dirty="0"/>
+              <a:t>各インデントレベルに１つだけ項目がある階段が出来てしまっている</a:t>
+            </a:r>
+            <a:endParaRPr kumimoji="1" lang="en-US" altLang="ja-JP" sz="1800" dirty="0"/>
+          </a:p>
+          <a:p>
+            <a:r>
+              <a:rPr kumimoji="1" lang="en-US" altLang="ja-JP" sz="1800" dirty="0"/>
+              <a:t>A</a:t>
+            </a:r>
+            <a:r>
+              <a:rPr kumimoji="1" lang="ja-JP" altLang="en-US" sz="1800" dirty="0"/>
+              <a:t>：人間の脳の一時記憶の大きさには限りがある</a:t>
+            </a:r>
+          </a:p>
+          <a:p>
+            <a:pPr lvl="1"/>
+            <a:r>
+              <a:rPr kumimoji="1" lang="en-US" altLang="ja-JP" sz="1800" dirty="0"/>
+              <a:t>B</a:t>
+            </a:r>
+            <a:r>
+              <a:rPr kumimoji="1" lang="ja-JP" altLang="en-US" sz="1800" dirty="0"/>
+              <a:t>：このため，人間は５～７個以上の事柄を一度に把握できない</a:t>
+            </a:r>
+          </a:p>
+          <a:p>
+            <a:pPr lvl="2"/>
+            <a:r>
+              <a:rPr kumimoji="1" lang="en-US" altLang="ja-JP" sz="1800" dirty="0"/>
+              <a:t>C</a:t>
+            </a:r>
+            <a:r>
+              <a:rPr kumimoji="1" lang="ja-JP" altLang="en-US" sz="1800" dirty="0"/>
+              <a:t>：したがって，余裕を持って３個程度以内にするのがよい</a:t>
+            </a:r>
+            <a:endParaRPr kumimoji="1" lang="en-US" altLang="ja-JP" sz="1800" dirty="0"/>
+          </a:p>
+          <a:p>
+            <a:pPr marL="0" indent="0">
+              <a:buNone/>
             </a:pPr>
-            <a:r>
-              <a:rPr kumimoji="1" lang="ja-JP" altLang="en-US" dirty="0"/>
-              <a:t>作り方</a:t>
-            </a:r>
-            <a:endParaRPr kumimoji="1" lang="en-US" altLang="ja-JP" dirty="0"/>
-          </a:p>
-          <a:p>
-            <a:pPr marL="817200" lvl="1" indent="-457200">
-              <a:buFont typeface="+mj-lt"/>
-              <a:buAutoNum type="arabicPeriod"/>
-            </a:pPr>
-            <a:r>
-              <a:rPr kumimoji="1" lang="ja-JP" altLang="en-US" dirty="0"/>
-              <a:t>内容のまとめかた</a:t>
-            </a:r>
-            <a:endParaRPr kumimoji="1" lang="en-US" altLang="ja-JP" dirty="0"/>
-          </a:p>
-          <a:p>
-            <a:pPr marL="817200" lvl="1" indent="-457200">
-              <a:buFont typeface="+mj-lt"/>
-              <a:buAutoNum type="arabicPeriod"/>
-            </a:pPr>
-            <a:r>
-              <a:rPr kumimoji="1" lang="ja-JP" altLang="en-US" dirty="0"/>
-              <a:t>箇条書きを作る上でのポイント</a:t>
-            </a:r>
-            <a:endParaRPr kumimoji="1" lang="en-US" altLang="ja-JP" dirty="0"/>
-          </a:p>
-          <a:p>
-            <a:pPr marL="457200" indent="-457200">
-              <a:buFont typeface="+mj-lt"/>
-              <a:buAutoNum type="arabicPeriod"/>
-            </a:pPr>
-            <a:r>
-              <a:rPr kumimoji="1" lang="ja-JP" altLang="en-US" dirty="0">
-                <a:solidFill>
-                  <a:schemeClr val="accent5"/>
-                </a:solidFill>
-              </a:rPr>
-              <a:t>余談：なぜ箇条書きにまとめるのか？</a:t>
-            </a:r>
-            <a:endParaRPr kumimoji="1" lang="en-US" altLang="ja-JP" dirty="0">
-              <a:solidFill>
-                <a:schemeClr val="accent5"/>
-              </a:solidFill>
-            </a:endParaRPr>
+            <a:br>
+              <a:rPr kumimoji="1" lang="en-US" altLang="ja-JP" sz="1800" dirty="0"/>
+            </a:br>
+            <a:br>
+              <a:rPr kumimoji="1" lang="en-US" altLang="ja-JP" sz="1800" dirty="0"/>
+            </a:br>
+            <a:r>
+              <a:rPr kumimoji="1" lang="en-US" altLang="ja-JP" sz="1800" dirty="0"/>
+              <a:t>X </a:t>
+            </a:r>
+            <a:r>
+              <a:rPr kumimoji="1" lang="ja-JP" altLang="en-US" sz="1800" dirty="0"/>
+              <a:t>に全体をまとめる一言を入れて，その下に並列にぶら下げると良い</a:t>
+            </a:r>
+            <a:endParaRPr kumimoji="1" lang="en-US" altLang="ja-JP" sz="1800" dirty="0"/>
+          </a:p>
+          <a:p>
+            <a:r>
+              <a:rPr kumimoji="1" lang="en-US" altLang="ja-JP" sz="1800" dirty="0"/>
+              <a:t>X</a:t>
+            </a:r>
+            <a:r>
+              <a:rPr kumimoji="1" lang="ja-JP" altLang="en-US" sz="1800" dirty="0"/>
+              <a:t>：１項目にぶら下げる項目の数は少なめにする</a:t>
+            </a:r>
+          </a:p>
+          <a:p>
+            <a:pPr lvl="1"/>
+            <a:r>
+              <a:rPr kumimoji="1" lang="en-US" altLang="ja-JP" sz="1800" dirty="0"/>
+              <a:t>A</a:t>
+            </a:r>
+            <a:r>
+              <a:rPr kumimoji="1" lang="ja-JP" altLang="en-US" sz="1800" dirty="0"/>
+              <a:t>：人間の脳の一時記憶の大きさには限りがある</a:t>
+            </a:r>
+          </a:p>
+          <a:p>
+            <a:pPr lvl="1"/>
+            <a:r>
+              <a:rPr kumimoji="1" lang="en-US" altLang="ja-JP" sz="1800" dirty="0"/>
+              <a:t>B</a:t>
+            </a:r>
+            <a:r>
+              <a:rPr kumimoji="1" lang="ja-JP" altLang="en-US" sz="1800" dirty="0"/>
+              <a:t>：このため，人間は５～７個以上の事柄を一度に把握できない</a:t>
+            </a:r>
+          </a:p>
+          <a:p>
+            <a:pPr lvl="1"/>
+            <a:r>
+              <a:rPr kumimoji="1" lang="en-US" altLang="ja-JP" sz="1800" dirty="0"/>
+              <a:t>C</a:t>
+            </a:r>
+            <a:r>
+              <a:rPr kumimoji="1" lang="ja-JP" altLang="en-US" sz="1800" dirty="0"/>
+              <a:t>：したがって，余裕を持って３個程度以内にするのがよい</a:t>
+            </a:r>
+            <a:endParaRPr kumimoji="1" lang="en-US" altLang="ja-JP" sz="1800" dirty="0"/>
           </a:p>
         </p:txBody>
       </p:sp>
     </p:spTree>
     <p:extLst>
       <p:ext uri="{BB962C8B-B14F-4D97-AF65-F5344CB8AC3E}">
-        <p14:creationId xmlns:p14="http://schemas.microsoft.com/office/powerpoint/2010/main" val="2145350165"/>
+        <p14:creationId xmlns:p14="http://schemas.microsoft.com/office/powerpoint/2010/main" val="2952692009"/>
       </p:ext>
     </p:extLst>
   </p:cSld>
@@ -8032,6 +8048,157 @@
       </p:grpSpPr>
       <p:sp>
         <p:nvSpPr>
+          <p:cNvPr id="6" name="タイトル 5">
+            <a:extLst>
+              <a:ext uri="{FF2B5EF4-FFF2-40B4-BE49-F238E27FC236}">
+                <a16:creationId xmlns:a16="http://schemas.microsoft.com/office/drawing/2014/main" id="{0C5C5263-A46C-250C-79B4-37EF4633D8AE}"/>
+              </a:ext>
+            </a:extLst>
+          </p:cNvPr>
+          <p:cNvSpPr>
+            <a:spLocks noGrp="1"/>
+          </p:cNvSpPr>
+          <p:nvPr>
+            <p:ph type="title"/>
+          </p:nvPr>
+        </p:nvSpPr>
+        <p:spPr/>
+        <p:txBody>
+          <a:bodyPr/>
+          <a:lstStyle/>
+          <a:p>
+            <a:r>
+              <a:rPr kumimoji="1" lang="ja-JP" altLang="en-US" dirty="0"/>
+              <a:t>３点プロットの目次</a:t>
+            </a:r>
+          </a:p>
+        </p:txBody>
+      </p:sp>
+      <p:sp>
+        <p:nvSpPr>
+          <p:cNvPr id="7" name="テキスト プレースホルダー 6">
+            <a:extLst>
+              <a:ext uri="{FF2B5EF4-FFF2-40B4-BE49-F238E27FC236}">
+                <a16:creationId xmlns:a16="http://schemas.microsoft.com/office/drawing/2014/main" id="{12EFEECB-8119-A100-9FB5-F471FDE43EF4}"/>
+              </a:ext>
+            </a:extLst>
+          </p:cNvPr>
+          <p:cNvSpPr>
+            <a:spLocks noGrp="1"/>
+          </p:cNvSpPr>
+          <p:nvPr>
+            <p:ph type="body" sz="quarter" idx="10"/>
+          </p:nvPr>
+        </p:nvSpPr>
+        <p:spPr/>
+        <p:txBody>
+          <a:bodyPr/>
+          <a:lstStyle/>
+          <a:p>
+            <a:pPr marL="457200" indent="-457200">
+              <a:buFont typeface="+mj-lt"/>
+              <a:buAutoNum type="arabicPeriod"/>
+            </a:pPr>
+            <a:r>
+              <a:rPr kumimoji="1" lang="ja-JP" altLang="en-US" dirty="0"/>
+              <a:t>３点プロットとは</a:t>
+            </a:r>
+            <a:endParaRPr kumimoji="1" lang="en-US" altLang="ja-JP" dirty="0"/>
+          </a:p>
+          <a:p>
+            <a:pPr marL="457200" indent="-457200">
+              <a:buFont typeface="+mj-lt"/>
+              <a:buAutoNum type="arabicPeriod"/>
+            </a:pPr>
+            <a:r>
+              <a:rPr kumimoji="1" lang="ja-JP" altLang="en-US" dirty="0"/>
+              <a:t>作り方</a:t>
+            </a:r>
+            <a:endParaRPr kumimoji="1" lang="en-US" altLang="ja-JP" dirty="0"/>
+          </a:p>
+          <a:p>
+            <a:pPr marL="817200" lvl="1" indent="-457200">
+              <a:buFont typeface="+mj-lt"/>
+              <a:buAutoNum type="arabicPeriod"/>
+            </a:pPr>
+            <a:r>
+              <a:rPr kumimoji="1" lang="ja-JP" altLang="en-US" dirty="0"/>
+              <a:t>内容のまとめかた</a:t>
+            </a:r>
+            <a:endParaRPr kumimoji="1" lang="en-US" altLang="ja-JP" dirty="0"/>
+          </a:p>
+          <a:p>
+            <a:pPr marL="817200" lvl="1" indent="-457200">
+              <a:buFont typeface="+mj-lt"/>
+              <a:buAutoNum type="arabicPeriod"/>
+            </a:pPr>
+            <a:r>
+              <a:rPr kumimoji="1" lang="ja-JP" altLang="en-US" dirty="0"/>
+              <a:t>箇条書きを作る上でのポイント</a:t>
+            </a:r>
+            <a:endParaRPr kumimoji="1" lang="en-US" altLang="ja-JP" dirty="0"/>
+          </a:p>
+          <a:p>
+            <a:pPr marL="457200" indent="-457200">
+              <a:buFont typeface="+mj-lt"/>
+              <a:buAutoNum type="arabicPeriod"/>
+            </a:pPr>
+            <a:r>
+              <a:rPr kumimoji="1" lang="ja-JP" altLang="en-US" dirty="0">
+                <a:solidFill>
+                  <a:schemeClr val="accent5"/>
+                </a:solidFill>
+              </a:rPr>
+              <a:t>余談：なぜ箇条書きにまとめるのか？</a:t>
+            </a:r>
+            <a:endParaRPr kumimoji="1" lang="en-US" altLang="ja-JP" dirty="0">
+              <a:solidFill>
+                <a:schemeClr val="accent5"/>
+              </a:solidFill>
+            </a:endParaRPr>
+          </a:p>
+        </p:txBody>
+      </p:sp>
+    </p:spTree>
+    <p:extLst>
+      <p:ext uri="{BB962C8B-B14F-4D97-AF65-F5344CB8AC3E}">
+        <p14:creationId xmlns:p14="http://schemas.microsoft.com/office/powerpoint/2010/main" val="2145350165"/>
+      </p:ext>
+    </p:extLst>
+  </p:cSld>
+  <p:clrMapOvr>
+    <a:masterClrMapping/>
+  </p:clrMapOvr>
+  <mc:AlternateContent xmlns:mc="http://schemas.openxmlformats.org/markup-compatibility/2006" xmlns:p14="http://schemas.microsoft.com/office/powerpoint/2010/main">
+    <mc:Choice Requires="p14">
+      <p:transition p14:dur="10"/>
+    </mc:Choice>
+    <mc:Fallback xmlns="">
+      <p:transition/>
+    </mc:Fallback>
+  </mc:AlternateContent>
+</p:sld>
+</file>
+
+<file path=ppt/slides/slide35.xml><?xml version="1.0" encoding="utf-8"?>
+<p:sld xmlns:a="http://schemas.openxmlformats.org/drawingml/2006/main" xmlns:r="http://schemas.openxmlformats.org/officeDocument/2006/relationships" xmlns:p="http://schemas.openxmlformats.org/presentationml/2006/main">
+  <p:cSld>
+    <p:spTree>
+      <p:nvGrpSpPr>
+        <p:cNvPr id="1" name=""/>
+        <p:cNvGrpSpPr/>
+        <p:nvPr/>
+      </p:nvGrpSpPr>
+      <p:grpSpPr>
+        <a:xfrm>
+          <a:off x="0" y="0"/>
+          <a:ext cx="0" cy="0"/>
+          <a:chOff x="0" y="0"/>
+          <a:chExt cx="0" cy="0"/>
+        </a:xfrm>
+      </p:grpSpPr>
+      <p:sp>
+        <p:nvSpPr>
           <p:cNvPr id="2" name="タイトル 1">
             <a:extLst>
               <a:ext uri="{FF2B5EF4-FFF2-40B4-BE49-F238E27FC236}">
@@ -8177,7 +8344,7 @@
 </p:sld>
 </file>
 
-<file path=ppt/slides/slide35.xml><?xml version="1.0" encoding="utf-8"?>
+<file path=ppt/slides/slide36.xml><?xml version="1.0" encoding="utf-8"?>
 <p:sld xmlns:a="http://schemas.openxmlformats.org/drawingml/2006/main" xmlns:r="http://schemas.openxmlformats.org/officeDocument/2006/relationships" xmlns:p="http://schemas.openxmlformats.org/presentationml/2006/main">
   <p:cSld>
     <p:spTree>
@@ -11098,170 +11265,6 @@
 </p:sld>
 </file>
 
-<file path=ppt/slides/slide36.xml><?xml version="1.0" encoding="utf-8"?>
-<p:sld xmlns:a="http://schemas.openxmlformats.org/drawingml/2006/main" xmlns:r="http://schemas.openxmlformats.org/officeDocument/2006/relationships" xmlns:p="http://schemas.openxmlformats.org/presentationml/2006/main">
-  <p:cSld>
-    <p:spTree>
-      <p:nvGrpSpPr>
-        <p:cNvPr id="1" name=""/>
-        <p:cNvGrpSpPr/>
-        <p:nvPr/>
-      </p:nvGrpSpPr>
-      <p:grpSpPr>
-        <a:xfrm>
-          <a:off x="0" y="0"/>
-          <a:ext cx="0" cy="0"/>
-          <a:chOff x="0" y="0"/>
-          <a:chExt cx="0" cy="0"/>
-        </a:xfrm>
-      </p:grpSpPr>
-      <p:sp>
-        <p:nvSpPr>
-          <p:cNvPr id="2" name="タイトル 1">
-            <a:extLst>
-              <a:ext uri="{FF2B5EF4-FFF2-40B4-BE49-F238E27FC236}">
-                <a16:creationId xmlns:a16="http://schemas.microsoft.com/office/drawing/2014/main" id="{3E23F118-75F0-BDFC-5FFA-F5FE41C7BF81}"/>
-              </a:ext>
-            </a:extLst>
-          </p:cNvPr>
-          <p:cNvSpPr>
-            <a:spLocks noGrp="1"/>
-          </p:cNvSpPr>
-          <p:nvPr>
-            <p:ph type="title"/>
-          </p:nvPr>
-        </p:nvSpPr>
-        <p:spPr/>
-        <p:txBody>
-          <a:bodyPr/>
-          <a:lstStyle/>
-          <a:p>
-            <a:r>
-              <a:rPr kumimoji="1" lang="ja-JP" altLang="en-US" dirty="0"/>
-              <a:t>階層化を意識することの重要さ</a:t>
-            </a:r>
-          </a:p>
-        </p:txBody>
-      </p:sp>
-      <p:sp>
-        <p:nvSpPr>
-          <p:cNvPr id="3" name="テキスト プレースホルダー 2">
-            <a:extLst>
-              <a:ext uri="{FF2B5EF4-FFF2-40B4-BE49-F238E27FC236}">
-                <a16:creationId xmlns:a16="http://schemas.microsoft.com/office/drawing/2014/main" id="{E4ECAB0C-7CCC-15B8-FC24-9C791856E219}"/>
-              </a:ext>
-            </a:extLst>
-          </p:cNvPr>
-          <p:cNvSpPr>
-            <a:spLocks noGrp="1"/>
-          </p:cNvSpPr>
-          <p:nvPr>
-            <p:ph type="body" sz="quarter" idx="10"/>
-          </p:nvPr>
-        </p:nvSpPr>
-        <p:spPr/>
-        <p:txBody>
-          <a:bodyPr/>
-          <a:lstStyle/>
-          <a:p>
-            <a:r>
-              <a:rPr kumimoji="1" lang="ja-JP" altLang="en-US" dirty="0"/>
-              <a:t>論理の階層化は，複雑な事象を考えるための必須スキル</a:t>
-            </a:r>
-            <a:endParaRPr kumimoji="1" lang="en-US" altLang="ja-JP" dirty="0"/>
-          </a:p>
-          <a:p>
-            <a:pPr lvl="1"/>
-            <a:r>
-              <a:rPr kumimoji="1" lang="ja-JP" altLang="en-US" dirty="0"/>
-              <a:t>思考の規模をスケールさせる事ができる</a:t>
-            </a:r>
-            <a:endParaRPr kumimoji="1" lang="en-US" altLang="ja-JP" dirty="0"/>
-          </a:p>
-          <a:p>
-            <a:pPr lvl="1"/>
-            <a:r>
-              <a:rPr kumimoji="1" lang="ja-JP" altLang="en-US" dirty="0"/>
-              <a:t>一定以上の経験をもつ人は，普段の思考からこの階層化を行っていると思って良い</a:t>
-            </a:r>
-            <a:endParaRPr kumimoji="1" lang="en-US" altLang="ja-JP" dirty="0"/>
-          </a:p>
-          <a:p>
-            <a:r>
-              <a:rPr kumimoji="1" lang="ja-JP" altLang="en-US" dirty="0"/>
-              <a:t>なので，まともな論文や説明は階層化された形で書かれている</a:t>
-            </a:r>
-            <a:endParaRPr kumimoji="1" lang="en-US" altLang="ja-JP" dirty="0"/>
-          </a:p>
-          <a:p>
-            <a:r>
-              <a:rPr kumimoji="1" lang="ja-JP" altLang="en-US" dirty="0"/>
-              <a:t>逆に，この階層化がなされていない説明を読むことは苦痛である</a:t>
-            </a:r>
-            <a:endParaRPr kumimoji="1" lang="en-US" altLang="ja-JP" dirty="0"/>
-          </a:p>
-          <a:p>
-            <a:pPr lvl="1"/>
-            <a:r>
-              <a:rPr kumimoji="1" lang="ja-JP" altLang="en-US" dirty="0">
-                <a:solidFill>
-                  <a:schemeClr val="accent5"/>
-                </a:solidFill>
-              </a:rPr>
-              <a:t>誤字脱字文法ミスだらけの文章を読まされるのと同等以上の</a:t>
-            </a:r>
-            <a:br>
-              <a:rPr kumimoji="1" lang="en-US" altLang="ja-JP" dirty="0">
-                <a:solidFill>
-                  <a:schemeClr val="accent5"/>
-                </a:solidFill>
-              </a:rPr>
-            </a:br>
-            <a:r>
-              <a:rPr kumimoji="1" lang="ja-JP" altLang="en-US" dirty="0">
-                <a:solidFill>
-                  <a:schemeClr val="accent5"/>
-                </a:solidFill>
-              </a:rPr>
-              <a:t>きつさがある</a:t>
-            </a:r>
-            <a:endParaRPr kumimoji="1" lang="en-US" altLang="ja-JP" dirty="0">
-              <a:solidFill>
-                <a:schemeClr val="accent5"/>
-              </a:solidFill>
-            </a:endParaRPr>
-          </a:p>
-          <a:p>
-            <a:pPr lvl="1"/>
-            <a:r>
-              <a:rPr kumimoji="1" lang="ja-JP" altLang="en-US" dirty="0"/>
-              <a:t>査読者などの読み手はそう感じると想定してほしい</a:t>
-            </a:r>
-            <a:endParaRPr kumimoji="1" lang="en-US" altLang="ja-JP" dirty="0"/>
-          </a:p>
-        </p:txBody>
-      </p:sp>
-    </p:spTree>
-    <p:extLst>
-      <p:ext uri="{BB962C8B-B14F-4D97-AF65-F5344CB8AC3E}">
-        <p14:creationId xmlns:p14="http://schemas.microsoft.com/office/powerpoint/2010/main" val="1293870336"/>
-      </p:ext>
-    </p:extLst>
-  </p:cSld>
-  <p:clrMapOvr>
-    <a:masterClrMapping/>
-  </p:clrMapOvr>
-  <mc:AlternateContent xmlns:mc="http://schemas.openxmlformats.org/markup-compatibility/2006" xmlns:p14="http://schemas.microsoft.com/office/powerpoint/2010/main">
-    <mc:Choice Requires="p14">
-      <p:transition p14:dur="10"/>
-    </mc:Choice>
-    <mc:Fallback xmlns="">
-      <p:transition/>
-    </mc:Fallback>
-  </mc:AlternateContent>
-</p:sld>
-</file>
-
 <file path=ppt/slides/slide37.xml><?xml version="1.0" encoding="utf-8"?>
 <p:sld xmlns:a="http://schemas.openxmlformats.org/drawingml/2006/main" xmlns:r="http://schemas.openxmlformats.org/officeDocument/2006/relationships" xmlns:p="http://schemas.openxmlformats.org/presentationml/2006/main">
   <p:cSld>
@@ -11284,7 +11287,7 @@
           <p:cNvPr id="2" name="タイトル 1">
             <a:extLst>
               <a:ext uri="{FF2B5EF4-FFF2-40B4-BE49-F238E27FC236}">
-                <a16:creationId xmlns:a16="http://schemas.microsoft.com/office/drawing/2014/main" id="{EF611EE5-3E11-1E17-9A26-488B18EDA4C5}"/>
+                <a16:creationId xmlns:a16="http://schemas.microsoft.com/office/drawing/2014/main" id="{3E23F118-75F0-BDFC-5FFA-F5FE41C7BF81}"/>
               </a:ext>
             </a:extLst>
           </p:cNvPr>
@@ -11302,7 +11305,7 @@
           <a:p>
             <a:r>
               <a:rPr kumimoji="1" lang="ja-JP" altLang="en-US" dirty="0"/>
-              <a:t>参考</a:t>
+              <a:t>階層化を意識することの重要さ</a:t>
             </a:r>
           </a:p>
         </p:txBody>
@@ -11312,7 +11315,7 @@
           <p:cNvPr id="3" name="テキスト プレースホルダー 2">
             <a:extLst>
               <a:ext uri="{FF2B5EF4-FFF2-40B4-BE49-F238E27FC236}">
-                <a16:creationId xmlns:a16="http://schemas.microsoft.com/office/drawing/2014/main" id="{5B034FA1-AC07-C3CF-FEAE-79C1971E6E74}"/>
+                <a16:creationId xmlns:a16="http://schemas.microsoft.com/office/drawing/2014/main" id="{E4ECAB0C-7CCC-15B8-FC24-9C791856E219}"/>
               </a:ext>
             </a:extLst>
           </p:cNvPr>
@@ -11329,112 +11332,86 @@
           <a:lstStyle/>
           <a:p>
             <a:r>
-              <a:rPr kumimoji="1" lang="ja-JP" altLang="en-US" sz="1800" dirty="0"/>
-              <a:t>バーバラ ミント：</a:t>
+              <a:rPr kumimoji="1" lang="ja-JP" altLang="en-US" dirty="0"/>
+              <a:t>論理の階層化は，複雑な事象を考えるための必須スキル</a:t>
+            </a:r>
+            <a:endParaRPr kumimoji="1" lang="en-US" altLang="ja-JP" dirty="0"/>
+          </a:p>
+          <a:p>
+            <a:pPr lvl="1"/>
+            <a:r>
+              <a:rPr kumimoji="1" lang="ja-JP" altLang="en-US" dirty="0"/>
+              <a:t>思考の規模をスケールさせる事ができる</a:t>
+            </a:r>
+            <a:endParaRPr kumimoji="1" lang="en-US" altLang="ja-JP" dirty="0"/>
+          </a:p>
+          <a:p>
+            <a:pPr lvl="1"/>
+            <a:r>
+              <a:rPr kumimoji="1" lang="ja-JP" altLang="en-US" dirty="0"/>
+              <a:t>一定以上の経験をもつ人は，普段の思考からこの階層化を行っていると思って良い</a:t>
+            </a:r>
+            <a:endParaRPr kumimoji="1" lang="en-US" altLang="ja-JP" dirty="0"/>
+          </a:p>
+          <a:p>
+            <a:r>
+              <a:rPr kumimoji="1" lang="ja-JP" altLang="en-US" dirty="0"/>
+              <a:t>なので，まともな論文や説明は階層化された形で書かれている</a:t>
+            </a:r>
+            <a:endParaRPr kumimoji="1" lang="en-US" altLang="ja-JP" dirty="0"/>
+          </a:p>
+          <a:p>
+            <a:r>
+              <a:rPr kumimoji="1" lang="ja-JP" altLang="en-US" dirty="0"/>
+              <a:t>逆に，この階層化がなされていない説明を読むことは苦痛である</a:t>
+            </a:r>
+            <a:endParaRPr kumimoji="1" lang="en-US" altLang="ja-JP" dirty="0"/>
+          </a:p>
+          <a:p>
+            <a:pPr lvl="1"/>
+            <a:r>
+              <a:rPr kumimoji="1" lang="ja-JP" altLang="en-US" dirty="0">
+                <a:solidFill>
+                  <a:schemeClr val="accent5"/>
+                </a:solidFill>
+              </a:rPr>
+              <a:t>誤字脱字文法ミスだらけの文章を読まされるのと同等以上の</a:t>
             </a:r>
             <a:br>
-              <a:rPr kumimoji="1" lang="en-US" altLang="ja-JP" sz="1800" dirty="0"/>
+              <a:rPr kumimoji="1" lang="en-US" altLang="ja-JP" dirty="0">
+                <a:solidFill>
+                  <a:schemeClr val="accent5"/>
+                </a:solidFill>
+              </a:rPr>
             </a:br>
             <a:r>
-              <a:rPr kumimoji="1" lang="ja-JP" altLang="en-US" sz="1800" dirty="0"/>
-              <a:t>「考える技術・書く技術</a:t>
-            </a:r>
-            <a:r>
-              <a:rPr kumimoji="1" lang="en-US" altLang="ja-JP" sz="1800" dirty="0"/>
-              <a:t>―</a:t>
-            </a:r>
-            <a:r>
-              <a:rPr kumimoji="1" lang="ja-JP" altLang="en-US" sz="1800" dirty="0"/>
-              <a:t>問題解決力を伸ばすピラミッド原則」</a:t>
-            </a:r>
-            <a:br>
-              <a:rPr kumimoji="1" lang="en-US" altLang="ja-JP" sz="1800" dirty="0"/>
-            </a:br>
-            <a:r>
-              <a:rPr kumimoji="1" lang="ja-JP" altLang="en-US" sz="1800" dirty="0"/>
-              <a:t>（原題：</a:t>
-            </a:r>
-            <a:r>
-              <a:rPr kumimoji="1" lang="en-US" altLang="ja-JP" sz="1800" dirty="0"/>
-              <a:t>The Pyramid Principle: Logic in Writing and Thinking</a:t>
-            </a:r>
-            <a:r>
-              <a:rPr kumimoji="1" lang="ja-JP" altLang="en-US" sz="1800" dirty="0"/>
-              <a:t>）</a:t>
-            </a:r>
-            <a:br>
-              <a:rPr kumimoji="1" lang="en-US" altLang="ja-JP" sz="1800" dirty="0"/>
-            </a:br>
-            <a:endParaRPr kumimoji="1" lang="en-US" altLang="ja-JP" sz="1800" dirty="0"/>
+              <a:rPr kumimoji="1" lang="ja-JP" altLang="en-US" dirty="0">
+                <a:solidFill>
+                  <a:schemeClr val="accent5"/>
+                </a:solidFill>
+              </a:rPr>
+              <a:t>きつさがある</a:t>
+            </a:r>
+            <a:endParaRPr kumimoji="1" lang="en-US" altLang="ja-JP" dirty="0">
+              <a:solidFill>
+                <a:schemeClr val="accent5"/>
+              </a:solidFill>
+            </a:endParaRPr>
           </a:p>
           <a:p>
             <a:pPr lvl="1"/>
             <a:r>
-              <a:rPr kumimoji="1" lang="ja-JP" altLang="en-US" sz="1800" dirty="0"/>
-              <a:t>思考や文章を書く際の論理の階層化について書かれている</a:t>
-            </a:r>
-            <a:endParaRPr kumimoji="1" lang="en-US" altLang="ja-JP" sz="1800" dirty="0"/>
-          </a:p>
-          <a:p>
-            <a:pPr lvl="1"/>
-            <a:r>
-              <a:rPr kumimoji="1" lang="ja-JP" altLang="en-US" sz="1800" dirty="0"/>
-              <a:t>マッキンゼー社内でライティング指導をしていた方が書いている</a:t>
-            </a:r>
-            <a:endParaRPr kumimoji="1" lang="en-US" altLang="ja-JP" sz="1800" dirty="0"/>
-          </a:p>
-          <a:p>
-            <a:pPr lvl="1"/>
-            <a:r>
-              <a:rPr kumimoji="1" lang="ja-JP" altLang="en-US" sz="1800" dirty="0"/>
-              <a:t>このページまで読んできた人は，「ピラミッド」が何を意味するのかは察しがつくのでは</a:t>
-            </a:r>
-            <a:endParaRPr kumimoji="1" lang="en-US" altLang="ja-JP" sz="1800" dirty="0"/>
-          </a:p>
-          <a:p>
-            <a:r>
-              <a:rPr kumimoji="1" lang="ja-JP" altLang="en-US" sz="1800" dirty="0"/>
-              <a:t>塩谷の感想（読んだのは</a:t>
-            </a:r>
-            <a:r>
-              <a:rPr kumimoji="1" lang="en-US" altLang="ja-JP" sz="1800" dirty="0"/>
-              <a:t>10</a:t>
-            </a:r>
-            <a:r>
-              <a:rPr kumimoji="1" lang="ja-JP" altLang="en-US" sz="1800" dirty="0"/>
-              <a:t>年以上前だが）</a:t>
-            </a:r>
-            <a:endParaRPr kumimoji="1" lang="en-US" altLang="ja-JP" sz="1800" dirty="0"/>
-          </a:p>
-          <a:p>
-            <a:pPr lvl="1"/>
-            <a:r>
-              <a:rPr kumimoji="1" lang="ja-JP" altLang="en-US" sz="1800" dirty="0"/>
-              <a:t>翻訳版はかなり読みづらいし，内容もかなり冗長さを感じる</a:t>
-            </a:r>
-            <a:endParaRPr kumimoji="1" lang="en-US" altLang="ja-JP" sz="1800" dirty="0"/>
-          </a:p>
-          <a:p>
-            <a:pPr lvl="1"/>
-            <a:r>
-              <a:rPr kumimoji="1" lang="ja-JP" altLang="en-US" sz="1800" dirty="0"/>
-              <a:t>でも大事なことが書かれていると思う</a:t>
-            </a:r>
-            <a:endParaRPr kumimoji="1" lang="en-US" altLang="ja-JP" sz="1800" dirty="0"/>
-          </a:p>
-          <a:p>
-            <a:pPr lvl="1"/>
-            <a:r>
-              <a:rPr kumimoji="1" lang="ja-JP" altLang="en-US" sz="1800" dirty="0"/>
-              <a:t>後述の「理科系の作文技術」と，もっとも大事な部分では同じ事を言っていると思う</a:t>
-            </a:r>
+              <a:rPr kumimoji="1" lang="ja-JP" altLang="en-US" dirty="0"/>
+              <a:t>査読者などの読み手はそう感じると想定してほしい</a:t>
+            </a:r>
+            <a:endParaRPr kumimoji="1" lang="en-US" altLang="ja-JP" dirty="0"/>
           </a:p>
         </p:txBody>
       </p:sp>
     </p:spTree>
     <p:extLst>
       <p:ext uri="{BB962C8B-B14F-4D97-AF65-F5344CB8AC3E}">
-        <p14:creationId xmlns:p14="http://schemas.microsoft.com/office/powerpoint/2010/main" val="1201039015"/>
+        <p14:creationId xmlns:p14="http://schemas.microsoft.com/office/powerpoint/2010/main" val="1293870336"/>
       </p:ext>
     </p:extLst>
   </p:cSld>
@@ -11471,10 +11448,10 @@
       </p:grpSpPr>
       <p:sp>
         <p:nvSpPr>
-          <p:cNvPr id="4" name="タイトル 3">
-            <a:extLst>
-              <a:ext uri="{FF2B5EF4-FFF2-40B4-BE49-F238E27FC236}">
-                <a16:creationId xmlns:a16="http://schemas.microsoft.com/office/drawing/2014/main" id="{84F42E09-269D-6700-69C9-4DCC825C99A7}"/>
+          <p:cNvPr id="2" name="タイトル 1">
+            <a:extLst>
+              <a:ext uri="{FF2B5EF4-FFF2-40B4-BE49-F238E27FC236}">
+                <a16:creationId xmlns:a16="http://schemas.microsoft.com/office/drawing/2014/main" id="{EF611EE5-3E11-1E17-9A26-488B18EDA4C5}"/>
               </a:ext>
             </a:extLst>
           </p:cNvPr>
@@ -11491,8 +11468,132 @@
           <a:lstStyle/>
           <a:p>
             <a:r>
-              <a:rPr lang="ja-JP" altLang="en-US" b="1" dirty="0"/>
-              <a:t>目標規定文</a:t>
+              <a:rPr kumimoji="1" lang="ja-JP" altLang="en-US" dirty="0"/>
+              <a:t>参考</a:t>
+            </a:r>
+          </a:p>
+        </p:txBody>
+      </p:sp>
+      <p:sp>
+        <p:nvSpPr>
+          <p:cNvPr id="3" name="テキスト プレースホルダー 2">
+            <a:extLst>
+              <a:ext uri="{FF2B5EF4-FFF2-40B4-BE49-F238E27FC236}">
+                <a16:creationId xmlns:a16="http://schemas.microsoft.com/office/drawing/2014/main" id="{5B034FA1-AC07-C3CF-FEAE-79C1971E6E74}"/>
+              </a:ext>
+            </a:extLst>
+          </p:cNvPr>
+          <p:cNvSpPr>
+            <a:spLocks noGrp="1"/>
+          </p:cNvSpPr>
+          <p:nvPr>
+            <p:ph type="body" sz="quarter" idx="10"/>
+          </p:nvPr>
+        </p:nvSpPr>
+        <p:spPr/>
+        <p:txBody>
+          <a:bodyPr/>
+          <a:lstStyle/>
+          <a:p>
+            <a:r>
+              <a:rPr kumimoji="1" lang="ja-JP" altLang="en-US" sz="1800" dirty="0"/>
+              <a:t>バーバラ ミント：</a:t>
+            </a:r>
+            <a:br>
+              <a:rPr kumimoji="1" lang="en-US" altLang="ja-JP" sz="1800" dirty="0"/>
+            </a:br>
+            <a:r>
+              <a:rPr kumimoji="1" lang="ja-JP" altLang="en-US" sz="1800" dirty="0"/>
+              <a:t>「考える技術・書く技術</a:t>
+            </a:r>
+            <a:r>
+              <a:rPr kumimoji="1" lang="en-US" altLang="ja-JP" sz="1800" dirty="0"/>
+              <a:t>―</a:t>
+            </a:r>
+            <a:r>
+              <a:rPr kumimoji="1" lang="ja-JP" altLang="en-US" sz="1800" dirty="0"/>
+              <a:t>問題解決力を伸ばすピラミッド原則」</a:t>
+            </a:r>
+            <a:br>
+              <a:rPr kumimoji="1" lang="en-US" altLang="ja-JP" sz="1800" dirty="0"/>
+            </a:br>
+            <a:r>
+              <a:rPr kumimoji="1" lang="ja-JP" altLang="en-US" sz="1800" dirty="0"/>
+              <a:t>（原題：</a:t>
+            </a:r>
+            <a:r>
+              <a:rPr kumimoji="1" lang="en-US" altLang="ja-JP" sz="1800" dirty="0"/>
+              <a:t>The Pyramid Principle: Logic in Writing and Thinking</a:t>
+            </a:r>
+            <a:r>
+              <a:rPr kumimoji="1" lang="ja-JP" altLang="en-US" sz="1800" dirty="0"/>
+              <a:t>）</a:t>
+            </a:r>
+            <a:br>
+              <a:rPr kumimoji="1" lang="en-US" altLang="ja-JP" sz="1800" dirty="0"/>
+            </a:br>
+            <a:endParaRPr kumimoji="1" lang="en-US" altLang="ja-JP" sz="1800" dirty="0"/>
+          </a:p>
+          <a:p>
+            <a:pPr lvl="1"/>
+            <a:r>
+              <a:rPr kumimoji="1" lang="ja-JP" altLang="en-US" sz="1800" dirty="0"/>
+              <a:t>思考や文章を書く際の論理の階層化について書かれている</a:t>
+            </a:r>
+            <a:endParaRPr kumimoji="1" lang="en-US" altLang="ja-JP" sz="1800" dirty="0"/>
+          </a:p>
+          <a:p>
+            <a:pPr lvl="1"/>
+            <a:r>
+              <a:rPr kumimoji="1" lang="ja-JP" altLang="en-US" sz="1800" dirty="0"/>
+              <a:t>マッキンゼー社内でライティング指導をしていた方が書いている</a:t>
+            </a:r>
+            <a:endParaRPr kumimoji="1" lang="en-US" altLang="ja-JP" sz="1800" dirty="0"/>
+          </a:p>
+          <a:p>
+            <a:pPr lvl="1"/>
+            <a:r>
+              <a:rPr kumimoji="1" lang="ja-JP" altLang="en-US" sz="1800" dirty="0"/>
+              <a:t>このページまで読んできた人は，「ピラミッド」が何を意味するのかは察しがつくのでは</a:t>
+            </a:r>
+            <a:endParaRPr kumimoji="1" lang="en-US" altLang="ja-JP" sz="1800" dirty="0"/>
+          </a:p>
+          <a:p>
+            <a:r>
+              <a:rPr kumimoji="1" lang="ja-JP" altLang="en-US" sz="1800" dirty="0"/>
+              <a:t>塩谷の感想（読んだのは</a:t>
+            </a:r>
+            <a:r>
+              <a:rPr kumimoji="1" lang="en-US" altLang="ja-JP" sz="1800" dirty="0"/>
+              <a:t>10</a:t>
+            </a:r>
+            <a:r>
+              <a:rPr kumimoji="1" lang="ja-JP" altLang="en-US" sz="1800" dirty="0"/>
+              <a:t>年以上前だが）</a:t>
+            </a:r>
+            <a:endParaRPr kumimoji="1" lang="en-US" altLang="ja-JP" sz="1800" dirty="0"/>
+          </a:p>
+          <a:p>
+            <a:pPr lvl="1"/>
+            <a:r>
+              <a:rPr kumimoji="1" lang="ja-JP" altLang="en-US" sz="1800" dirty="0"/>
+              <a:t>翻訳版はかなり読みづらいし，内容もかなり冗長さを感じる</a:t>
+            </a:r>
+            <a:endParaRPr kumimoji="1" lang="en-US" altLang="ja-JP" sz="1800" dirty="0"/>
+          </a:p>
+          <a:p>
+            <a:pPr lvl="1"/>
+            <a:r>
+              <a:rPr kumimoji="1" lang="ja-JP" altLang="en-US" sz="1800" dirty="0"/>
+              <a:t>でも大事なことが書かれていると思う</a:t>
+            </a:r>
+            <a:endParaRPr kumimoji="1" lang="en-US" altLang="ja-JP" sz="1800" dirty="0"/>
+          </a:p>
+          <a:p>
+            <a:pPr lvl="1"/>
+            <a:r>
+              <a:rPr kumimoji="1" lang="ja-JP" altLang="en-US" sz="1800" dirty="0"/>
+              <a:t>後述の「理科系の作文技術」と，もっとも大事な部分では同じ事を言っていると思う</a:t>
             </a:r>
           </a:p>
         </p:txBody>
@@ -11500,13 +11601,21 @@
     </p:spTree>
     <p:extLst>
       <p:ext uri="{BB962C8B-B14F-4D97-AF65-F5344CB8AC3E}">
-        <p14:creationId xmlns:p14="http://schemas.microsoft.com/office/powerpoint/2010/main" val="1222142208"/>
+        <p14:creationId xmlns:p14="http://schemas.microsoft.com/office/powerpoint/2010/main" val="1201039015"/>
       </p:ext>
     </p:extLst>
   </p:cSld>
   <p:clrMapOvr>
     <a:masterClrMapping/>
   </p:clrMapOvr>
+  <mc:AlternateContent xmlns:mc="http://schemas.openxmlformats.org/markup-compatibility/2006" xmlns:p14="http://schemas.microsoft.com/office/powerpoint/2010/main">
+    <mc:Choice Requires="p14">
+      <p:transition p14:dur="10"/>
+    </mc:Choice>
+    <mc:Fallback xmlns="">
+      <p:transition/>
+    </mc:Fallback>
+  </mc:AlternateContent>
 </p:sld>
 </file>
 
@@ -11529,10 +11638,10 @@
       </p:grpSpPr>
       <p:sp>
         <p:nvSpPr>
-          <p:cNvPr id="2" name="タイトル 1">
-            <a:extLst>
-              <a:ext uri="{FF2B5EF4-FFF2-40B4-BE49-F238E27FC236}">
-                <a16:creationId xmlns:a16="http://schemas.microsoft.com/office/drawing/2014/main" id="{3791F58A-EC2D-D89A-CA40-DDF514198B8F}"/>
+          <p:cNvPr id="4" name="タイトル 3">
+            <a:extLst>
+              <a:ext uri="{FF2B5EF4-FFF2-40B4-BE49-F238E27FC236}">
+                <a16:creationId xmlns:a16="http://schemas.microsoft.com/office/drawing/2014/main" id="{84F42E09-269D-6700-69C9-4DCC825C99A7}"/>
               </a:ext>
             </a:extLst>
           </p:cNvPr>
@@ -11549,104 +11658,8 @@
           <a:lstStyle/>
           <a:p>
             <a:r>
-              <a:rPr kumimoji="1" lang="ja-JP" altLang="en-US" dirty="0"/>
+              <a:rPr lang="ja-JP" altLang="en-US" b="1" dirty="0"/>
               <a:t>目標規定文</a:t>
-            </a:r>
-            <a:endParaRPr kumimoji="1" lang="en-US" altLang="ja-JP" dirty="0"/>
-          </a:p>
-        </p:txBody>
-      </p:sp>
-      <p:sp>
-        <p:nvSpPr>
-          <p:cNvPr id="3" name="テキスト プレースホルダー 2">
-            <a:extLst>
-              <a:ext uri="{FF2B5EF4-FFF2-40B4-BE49-F238E27FC236}">
-                <a16:creationId xmlns:a16="http://schemas.microsoft.com/office/drawing/2014/main" id="{CE8C17F2-3701-6FE8-3F1E-E482EBDA33C7}"/>
-              </a:ext>
-            </a:extLst>
-          </p:cNvPr>
-          <p:cNvSpPr>
-            <a:spLocks noGrp="1"/>
-          </p:cNvSpPr>
-          <p:nvPr>
-            <p:ph type="body" sz="quarter" idx="10"/>
-          </p:nvPr>
-        </p:nvSpPr>
-        <p:spPr/>
-        <p:txBody>
-          <a:bodyPr/>
-          <a:lstStyle/>
-          <a:p>
-            <a:r>
-              <a:rPr kumimoji="1" lang="ja-JP" altLang="en-US" dirty="0"/>
-              <a:t>目標規定文</a:t>
-            </a:r>
-            <a:endParaRPr kumimoji="1" lang="en-US" altLang="ja-JP" dirty="0"/>
-          </a:p>
-          <a:p>
-            <a:pPr lvl="1"/>
-            <a:r>
-              <a:rPr kumimoji="1" lang="ja-JP" altLang="en-US" dirty="0"/>
-              <a:t>その文章の主張を</a:t>
-            </a:r>
-            <a:r>
-              <a:rPr kumimoji="1" lang="ja-JP" altLang="en-US" dirty="0">
-                <a:solidFill>
-                  <a:schemeClr val="accent5"/>
-                </a:solidFill>
-              </a:rPr>
-              <a:t>１つの文</a:t>
-            </a:r>
-            <a:r>
-              <a:rPr kumimoji="1" lang="ja-JP" altLang="en-US" dirty="0"/>
-              <a:t>の形にまとめたもの</a:t>
-            </a:r>
-            <a:endParaRPr kumimoji="1" lang="en-US" altLang="ja-JP" dirty="0"/>
-          </a:p>
-          <a:p>
-            <a:pPr lvl="2"/>
-            <a:r>
-              <a:rPr kumimoji="1" lang="ja-JP" altLang="en-US" dirty="0"/>
-              <a:t>目標規定文は「理科系の作文技術」より</a:t>
-            </a:r>
-            <a:endParaRPr kumimoji="1" lang="en-US" altLang="ja-JP" dirty="0"/>
-          </a:p>
-          <a:p>
-            <a:pPr lvl="1"/>
-            <a:r>
-              <a:rPr kumimoji="1" lang="ja-JP" altLang="en-US" dirty="0"/>
-              <a:t>もっとも短い形のプロットとも言える</a:t>
-            </a:r>
-            <a:endParaRPr kumimoji="1" lang="en-US" altLang="ja-JP" dirty="0"/>
-          </a:p>
-          <a:p>
-            <a:r>
-              <a:rPr kumimoji="1" lang="ja-JP" altLang="en-US" dirty="0"/>
-              <a:t>「理科系の作文技術」の説明</a:t>
-            </a:r>
-            <a:endParaRPr kumimoji="1" lang="en-US" altLang="ja-JP" dirty="0"/>
-          </a:p>
-          <a:p>
-            <a:pPr lvl="1"/>
-            <a:r>
-              <a:rPr kumimoji="1" lang="ja-JP" altLang="en-US" dirty="0"/>
-              <a:t>「自分は何を目標としてその文章を書くのか，そこで何を主張しようとするのかを熟考して，それを一つの文にまとめて書いてみることを勧める」</a:t>
-            </a:r>
-            <a:endParaRPr kumimoji="1" lang="en-US" altLang="ja-JP" dirty="0"/>
-          </a:p>
-          <a:p>
-            <a:pPr lvl="1"/>
-            <a:r>
-              <a:rPr kumimoji="1" lang="ja-JP" altLang="en-US" dirty="0"/>
-              <a:t>「主題に関してあることを主張し，または否定しようとする意思を明示した文」（コーベットによる </a:t>
-            </a:r>
-            <a:r>
-              <a:rPr kumimoji="1" lang="en-US" altLang="ja-JP" dirty="0"/>
-              <a:t>thesis </a:t>
-            </a:r>
-            <a:r>
-              <a:rPr kumimoji="1" lang="ja-JP" altLang="en-US" dirty="0"/>
-              <a:t>の説明）</a:t>
             </a:r>
           </a:p>
         </p:txBody>
@@ -11654,21 +11667,13 @@
     </p:spTree>
     <p:extLst>
       <p:ext uri="{BB962C8B-B14F-4D97-AF65-F5344CB8AC3E}">
-        <p14:creationId xmlns:p14="http://schemas.microsoft.com/office/powerpoint/2010/main" val="2967336231"/>
+        <p14:creationId xmlns:p14="http://schemas.microsoft.com/office/powerpoint/2010/main" val="1222142208"/>
       </p:ext>
     </p:extLst>
   </p:cSld>
   <p:clrMapOvr>
     <a:masterClrMapping/>
   </p:clrMapOvr>
-  <mc:AlternateContent xmlns:mc="http://schemas.openxmlformats.org/markup-compatibility/2006" xmlns:p14="http://schemas.microsoft.com/office/powerpoint/2010/main">
-    <mc:Choice Requires="p14">
-      <p:transition p14:dur="10"/>
-    </mc:Choice>
-    <mc:Fallback xmlns="">
-      <p:transition/>
-    </mc:Fallback>
-  </mc:AlternateContent>
 </p:sld>
 </file>
 
@@ -11747,12 +11752,16 @@
           <a:p>
             <a:pPr lvl="1"/>
             <a:r>
+              <a:rPr kumimoji="1" lang="ja-JP" altLang="en-US" dirty="0"/>
+              <a:t>文章の</a:t>
+            </a:r>
+            <a:r>
               <a:rPr kumimoji="1" lang="ja-JP" altLang="en-US" dirty="0">
                 <a:solidFill>
                   <a:schemeClr val="accent5"/>
                 </a:solidFill>
               </a:rPr>
-              <a:t>話の筋</a:t>
+              <a:t>論理構造</a:t>
             </a:r>
             <a:r>
               <a:rPr kumimoji="1" lang="ja-JP" altLang="en-US" dirty="0"/>
@@ -11776,54 +11785,38 @@
             <a:pPr lvl="1"/>
             <a:r>
               <a:rPr kumimoji="1" lang="ja-JP" altLang="en-US" dirty="0"/>
+              <a:t>話の筋をまとめたもの，と考えてもよい</a:t>
+            </a:r>
+            <a:endParaRPr kumimoji="1" lang="en-US" altLang="ja-JP" dirty="0"/>
+          </a:p>
+          <a:p>
+            <a:r>
+              <a:rPr kumimoji="1" lang="ja-JP" altLang="en-US" dirty="0"/>
               <a:t>文章や発表スライドを書く前に，まずプロットを作る必要がある</a:t>
             </a:r>
             <a:endParaRPr kumimoji="1" lang="en-US" altLang="ja-JP" dirty="0"/>
           </a:p>
           <a:p>
+            <a:pPr lvl="1"/>
+            <a:r>
+              <a:rPr kumimoji="1" lang="ja-JP" altLang="en-US" dirty="0"/>
+              <a:t>これはいわば文章やスライドの設計図にあたるもの</a:t>
+            </a:r>
+            <a:endParaRPr kumimoji="1" lang="en-US" altLang="ja-JP" dirty="0"/>
+          </a:p>
+          <a:p>
+            <a:pPr lvl="1"/>
+            <a:r>
+              <a:rPr kumimoji="1" lang="ja-JP" altLang="en-US" dirty="0"/>
+              <a:t>いきなり文章を前から順に書き始めてはいけない</a:t>
+            </a:r>
+            <a:endParaRPr kumimoji="1" lang="en-US" altLang="ja-JP" dirty="0"/>
+          </a:p>
+          <a:p>
             <a:pPr lvl="2"/>
             <a:r>
               <a:rPr kumimoji="1" lang="ja-JP" altLang="en-US" dirty="0"/>
-              <a:t>いわば文章やスライドの設計図にあたるもの</a:t>
-            </a:r>
-            <a:endParaRPr kumimoji="1" lang="en-US" altLang="ja-JP" dirty="0"/>
-          </a:p>
-          <a:p>
-            <a:r>
-              <a:rPr kumimoji="1" lang="ja-JP" altLang="en-US" dirty="0"/>
-              <a:t>なぜプロットを作るのか：</a:t>
-            </a:r>
-            <a:endParaRPr kumimoji="1" lang="en-US" altLang="ja-JP" dirty="0"/>
-          </a:p>
-          <a:p>
-            <a:pPr lvl="1"/>
-            <a:r>
-              <a:rPr kumimoji="1" lang="ja-JP" altLang="en-US" dirty="0"/>
-              <a:t>話の筋を整理し，その筋に収束するように全体を構成する</a:t>
-            </a:r>
-            <a:endParaRPr kumimoji="1" lang="en-US" altLang="ja-JP" dirty="0"/>
-          </a:p>
-          <a:p>
-            <a:pPr lvl="1"/>
-            <a:r>
-              <a:rPr kumimoji="1" lang="ja-JP" altLang="en-US" dirty="0"/>
-              <a:t>そうすることで，主張を明確に示すことができる</a:t>
-            </a:r>
-            <a:endParaRPr kumimoji="1" lang="en-US" altLang="ja-JP" dirty="0"/>
-          </a:p>
-          <a:p>
-            <a:pPr lvl="2"/>
-            <a:r>
-              <a:rPr kumimoji="1" lang="ja-JP" altLang="en-US" dirty="0"/>
-              <a:t>そうしないと，「言いたいことがなんとなく適当に並べられた良くわからないもの」が出来上がる</a:t>
-            </a:r>
-            <a:endParaRPr kumimoji="1" lang="en-US" altLang="ja-JP" dirty="0"/>
-          </a:p>
-          <a:p>
-            <a:pPr lvl="2"/>
-            <a:r>
-              <a:rPr kumimoji="1" lang="ja-JP" altLang="en-US" dirty="0"/>
-              <a:t>設計図なしで建物を建てるとヒドい事になるのと同じ</a:t>
+              <a:t>論理的な構造をきちんと設計したあとで書き始める</a:t>
             </a:r>
             <a:endParaRPr kumimoji="1" lang="en-US" altLang="ja-JP" dirty="0"/>
           </a:p>
@@ -11872,7 +11865,7 @@
           <p:cNvPr id="2" name="タイトル 1">
             <a:extLst>
               <a:ext uri="{FF2B5EF4-FFF2-40B4-BE49-F238E27FC236}">
-                <a16:creationId xmlns:a16="http://schemas.microsoft.com/office/drawing/2014/main" id="{B136B8D4-A45A-E900-4740-4ADDB700695F}"/>
+                <a16:creationId xmlns:a16="http://schemas.microsoft.com/office/drawing/2014/main" id="{3791F58A-EC2D-D89A-CA40-DDF514198B8F}"/>
               </a:ext>
             </a:extLst>
           </p:cNvPr>
@@ -11892,6 +11885,7 @@
               <a:rPr kumimoji="1" lang="ja-JP" altLang="en-US" dirty="0"/>
               <a:t>目標規定文</a:t>
             </a:r>
+            <a:endParaRPr kumimoji="1" lang="en-US" altLang="ja-JP" dirty="0"/>
           </a:p>
         </p:txBody>
       </p:sp>
@@ -11900,7 +11894,7 @@
           <p:cNvPr id="3" name="テキスト プレースホルダー 2">
             <a:extLst>
               <a:ext uri="{FF2B5EF4-FFF2-40B4-BE49-F238E27FC236}">
-                <a16:creationId xmlns:a16="http://schemas.microsoft.com/office/drawing/2014/main" id="{7C58FC4A-17A5-A2DE-03F7-FEC5E8E2DC4D}"/>
+                <a16:creationId xmlns:a16="http://schemas.microsoft.com/office/drawing/2014/main" id="{CE8C17F2-3701-6FE8-3F1E-E482EBDA33C7}"/>
               </a:ext>
             </a:extLst>
           </p:cNvPr>
@@ -11918,7 +11912,7 @@
           <a:p>
             <a:r>
               <a:rPr kumimoji="1" lang="ja-JP" altLang="en-US" dirty="0"/>
-              <a:t>目標からトップダウンに構成を作る</a:t>
+              <a:t>目標規定文</a:t>
             </a:r>
             <a:endParaRPr kumimoji="1" lang="en-US" altLang="ja-JP" dirty="0"/>
           </a:p>
@@ -11926,30 +11920,50 @@
             <a:pPr lvl="1"/>
             <a:r>
               <a:rPr kumimoji="1" lang="ja-JP" altLang="en-US" dirty="0"/>
-              <a:t>目標規定文を作り，その目標に収束するように文章全体の構想を練る</a:t>
+              <a:t>その文章の主張を</a:t>
+            </a:r>
+            <a:r>
+              <a:rPr kumimoji="1" lang="ja-JP" altLang="en-US" dirty="0">
+                <a:solidFill>
+                  <a:schemeClr val="accent5"/>
+                </a:solidFill>
+              </a:rPr>
+              <a:t>１つの文</a:t>
+            </a:r>
+            <a:r>
+              <a:rPr kumimoji="1" lang="ja-JP" altLang="en-US" dirty="0"/>
+              <a:t>の形にまとめたもの</a:t>
             </a:r>
             <a:endParaRPr kumimoji="1" lang="en-US" altLang="ja-JP" dirty="0"/>
           </a:p>
           <a:p>
+            <a:pPr lvl="2"/>
+            <a:r>
+              <a:rPr kumimoji="1" lang="ja-JP" altLang="en-US" dirty="0"/>
+              <a:t>目標規定文は「理科系の作文技術」より</a:t>
+            </a:r>
+            <a:endParaRPr kumimoji="1" lang="en-US" altLang="ja-JP" dirty="0"/>
+          </a:p>
+          <a:p>
             <a:pPr lvl="1"/>
             <a:r>
               <a:rPr kumimoji="1" lang="ja-JP" altLang="en-US" dirty="0"/>
-              <a:t>この目標に繋がる内容のみを全体の構成に残す</a:t>
+              <a:t>もっとも短い形のプロットとも言える</a:t>
             </a:r>
             <a:endParaRPr kumimoji="1" lang="en-US" altLang="ja-JP" dirty="0"/>
           </a:p>
           <a:p>
-            <a:pPr lvl="2"/>
             <a:r>
               <a:rPr kumimoji="1" lang="ja-JP" altLang="en-US" dirty="0"/>
-              <a:t>「関係はしているが，あってもなくても良い」みたいなものは入れてはいけない</a:t>
+              <a:t>「理科系の作文技術」の説明</a:t>
             </a:r>
             <a:endParaRPr kumimoji="1" lang="en-US" altLang="ja-JP" dirty="0"/>
           </a:p>
           <a:p>
+            <a:pPr lvl="1"/>
             <a:r>
               <a:rPr kumimoji="1" lang="ja-JP" altLang="en-US" dirty="0"/>
-              <a:t>主張全体を論理的なツリーとして表した際のルートにあたる</a:t>
+              <a:t>「自分は何を目標としてその文章を書くのか，そこで何を主張しようとするのかを熟考して，それを一つの文にまとめて書いてみることを勧める」</a:t>
             </a:r>
             <a:endParaRPr kumimoji="1" lang="en-US" altLang="ja-JP" dirty="0"/>
           </a:p>
@@ -11957,7 +11971,15 @@
             <a:pPr lvl="1"/>
             <a:r>
               <a:rPr kumimoji="1" lang="ja-JP" altLang="en-US" dirty="0"/>
-              <a:t>これをさらに短くまとめたものがタイトルになる</a:t>
+              <a:t>「主題に関してあることを主張し，または否定しようとする意思を明示した文」（コーベットによる </a:t>
+            </a:r>
+            <a:r>
+              <a:rPr kumimoji="1" lang="en-US" altLang="ja-JP" dirty="0"/>
+              <a:t>thesis </a:t>
+            </a:r>
+            <a:r>
+              <a:rPr kumimoji="1" lang="ja-JP" altLang="en-US" dirty="0"/>
+              <a:t>の説明）</a:t>
             </a:r>
           </a:p>
         </p:txBody>
@@ -11965,7 +11987,7 @@
     </p:spTree>
     <p:extLst>
       <p:ext uri="{BB962C8B-B14F-4D97-AF65-F5344CB8AC3E}">
-        <p14:creationId xmlns:p14="http://schemas.microsoft.com/office/powerpoint/2010/main" val="3839336830"/>
+        <p14:creationId xmlns:p14="http://schemas.microsoft.com/office/powerpoint/2010/main" val="2967336231"/>
       </p:ext>
     </p:extLst>
   </p:cSld>
@@ -12005,7 +12027,7 @@
           <p:cNvPr id="2" name="タイトル 1">
             <a:extLst>
               <a:ext uri="{FF2B5EF4-FFF2-40B4-BE49-F238E27FC236}">
-                <a16:creationId xmlns:a16="http://schemas.microsoft.com/office/drawing/2014/main" id="{D4345327-D154-8FE3-0EEE-96EFAAA82DEF}"/>
+                <a16:creationId xmlns:a16="http://schemas.microsoft.com/office/drawing/2014/main" id="{B136B8D4-A45A-E900-4740-4ADDB700695F}"/>
               </a:ext>
             </a:extLst>
           </p:cNvPr>
@@ -12023,7 +12045,7 @@
           <a:p>
             <a:r>
               <a:rPr kumimoji="1" lang="ja-JP" altLang="en-US" dirty="0"/>
-              <a:t>３点プロットと目標規定文の関係</a:t>
+              <a:t>目標規定文</a:t>
             </a:r>
           </a:p>
         </p:txBody>
@@ -12033,7 +12055,7 @@
           <p:cNvPr id="3" name="テキスト プレースホルダー 2">
             <a:extLst>
               <a:ext uri="{FF2B5EF4-FFF2-40B4-BE49-F238E27FC236}">
-                <a16:creationId xmlns:a16="http://schemas.microsoft.com/office/drawing/2014/main" id="{FF0B682A-46CB-4093-1B0E-581FD7CB3A90}"/>
+                <a16:creationId xmlns:a16="http://schemas.microsoft.com/office/drawing/2014/main" id="{7C58FC4A-17A5-A2DE-03F7-FEC5E8E2DC4D}"/>
               </a:ext>
             </a:extLst>
           </p:cNvPr>
@@ -12051,7 +12073,7 @@
           <a:p>
             <a:r>
               <a:rPr kumimoji="1" lang="ja-JP" altLang="en-US" dirty="0"/>
-              <a:t>作り方：</a:t>
+              <a:t>目標からトップダウンに構成を作る</a:t>
             </a:r>
             <a:endParaRPr kumimoji="1" lang="en-US" altLang="ja-JP" dirty="0"/>
           </a:p>
@@ -12059,7 +12081,7 @@
             <a:pPr lvl="1"/>
             <a:r>
               <a:rPr kumimoji="1" lang="ja-JP" altLang="en-US" dirty="0"/>
-              <a:t>３点プロットが出来たら，そこからさらに真に重要な項目を抽出</a:t>
+              <a:t>目標規定文を作り，その目標に収束するように文章全体の構想を練る</a:t>
             </a:r>
             <a:endParaRPr kumimoji="1" lang="en-US" altLang="ja-JP" dirty="0"/>
           </a:p>
@@ -12067,16 +12089,38 @@
             <a:pPr lvl="1"/>
             <a:r>
               <a:rPr kumimoji="1" lang="ja-JP" altLang="en-US" dirty="0"/>
-              <a:t>それらを繋げて目標規定文にする</a:t>
+              <a:t>この目標に繋がる内容のみを全体の構成に残す</a:t>
             </a:r>
             <a:endParaRPr kumimoji="1" lang="en-US" altLang="ja-JP" dirty="0"/>
+          </a:p>
+          <a:p>
+            <a:pPr lvl="2"/>
+            <a:r>
+              <a:rPr kumimoji="1" lang="ja-JP" altLang="en-US" dirty="0"/>
+              <a:t>「関係はしているが，あってもなくても良い」みたいなものは入れてはいけない</a:t>
+            </a:r>
+            <a:endParaRPr kumimoji="1" lang="en-US" altLang="ja-JP" dirty="0"/>
+          </a:p>
+          <a:p>
+            <a:r>
+              <a:rPr kumimoji="1" lang="ja-JP" altLang="en-US" dirty="0"/>
+              <a:t>主張全体を論理的なツリーとして表した際のルートにあたる</a:t>
+            </a:r>
+            <a:endParaRPr kumimoji="1" lang="en-US" altLang="ja-JP" dirty="0"/>
+          </a:p>
+          <a:p>
+            <a:pPr lvl="1"/>
+            <a:r>
+              <a:rPr kumimoji="1" lang="ja-JP" altLang="en-US" dirty="0"/>
+              <a:t>これをさらに短くまとめたものがタイトルになる</a:t>
+            </a:r>
           </a:p>
         </p:txBody>
       </p:sp>
     </p:spTree>
     <p:extLst>
       <p:ext uri="{BB962C8B-B14F-4D97-AF65-F5344CB8AC3E}">
-        <p14:creationId xmlns:p14="http://schemas.microsoft.com/office/powerpoint/2010/main" val="1730200020"/>
+        <p14:creationId xmlns:p14="http://schemas.microsoft.com/office/powerpoint/2010/main" val="3839336830"/>
       </p:ext>
     </p:extLst>
   </p:cSld>
@@ -12113,6 +12157,117 @@
       </p:grpSpPr>
       <p:sp>
         <p:nvSpPr>
+          <p:cNvPr id="2" name="タイトル 1">
+            <a:extLst>
+              <a:ext uri="{FF2B5EF4-FFF2-40B4-BE49-F238E27FC236}">
+                <a16:creationId xmlns:a16="http://schemas.microsoft.com/office/drawing/2014/main" id="{D4345327-D154-8FE3-0EEE-96EFAAA82DEF}"/>
+              </a:ext>
+            </a:extLst>
+          </p:cNvPr>
+          <p:cNvSpPr>
+            <a:spLocks noGrp="1"/>
+          </p:cNvSpPr>
+          <p:nvPr>
+            <p:ph type="title"/>
+          </p:nvPr>
+        </p:nvSpPr>
+        <p:spPr/>
+        <p:txBody>
+          <a:bodyPr/>
+          <a:lstStyle/>
+          <a:p>
+            <a:r>
+              <a:rPr kumimoji="1" lang="ja-JP" altLang="en-US" dirty="0"/>
+              <a:t>３点プロットと目標規定文の関係</a:t>
+            </a:r>
+          </a:p>
+        </p:txBody>
+      </p:sp>
+      <p:sp>
+        <p:nvSpPr>
+          <p:cNvPr id="3" name="テキスト プレースホルダー 2">
+            <a:extLst>
+              <a:ext uri="{FF2B5EF4-FFF2-40B4-BE49-F238E27FC236}">
+                <a16:creationId xmlns:a16="http://schemas.microsoft.com/office/drawing/2014/main" id="{FF0B682A-46CB-4093-1B0E-581FD7CB3A90}"/>
+              </a:ext>
+            </a:extLst>
+          </p:cNvPr>
+          <p:cNvSpPr>
+            <a:spLocks noGrp="1"/>
+          </p:cNvSpPr>
+          <p:nvPr>
+            <p:ph type="body" sz="quarter" idx="10"/>
+          </p:nvPr>
+        </p:nvSpPr>
+        <p:spPr/>
+        <p:txBody>
+          <a:bodyPr/>
+          <a:lstStyle/>
+          <a:p>
+            <a:r>
+              <a:rPr kumimoji="1" lang="ja-JP" altLang="en-US" dirty="0"/>
+              <a:t>作り方：</a:t>
+            </a:r>
+            <a:endParaRPr kumimoji="1" lang="en-US" altLang="ja-JP" dirty="0"/>
+          </a:p>
+          <a:p>
+            <a:pPr lvl="1"/>
+            <a:r>
+              <a:rPr kumimoji="1" lang="ja-JP" altLang="en-US" dirty="0"/>
+              <a:t>３点プロットが出来たら，そこからさらに真に重要な項目を抽出</a:t>
+            </a:r>
+            <a:endParaRPr kumimoji="1" lang="en-US" altLang="ja-JP" dirty="0"/>
+          </a:p>
+          <a:p>
+            <a:pPr lvl="1"/>
+            <a:r>
+              <a:rPr kumimoji="1" lang="ja-JP" altLang="en-US" dirty="0"/>
+              <a:t>それらを繋げて目標規定文にする</a:t>
+            </a:r>
+            <a:endParaRPr kumimoji="1" lang="en-US" altLang="ja-JP" dirty="0"/>
+          </a:p>
+        </p:txBody>
+      </p:sp>
+    </p:spTree>
+    <p:extLst>
+      <p:ext uri="{BB962C8B-B14F-4D97-AF65-F5344CB8AC3E}">
+        <p14:creationId xmlns:p14="http://schemas.microsoft.com/office/powerpoint/2010/main" val="1730200020"/>
+      </p:ext>
+    </p:extLst>
+  </p:cSld>
+  <p:clrMapOvr>
+    <a:masterClrMapping/>
+  </p:clrMapOvr>
+  <mc:AlternateContent xmlns:mc="http://schemas.openxmlformats.org/markup-compatibility/2006" xmlns:p14="http://schemas.microsoft.com/office/powerpoint/2010/main">
+    <mc:Choice Requires="p14">
+      <p:transition p14:dur="10"/>
+    </mc:Choice>
+    <mc:Fallback xmlns="">
+      <p:transition/>
+    </mc:Fallback>
+  </mc:AlternateContent>
+</p:sld>
+</file>
+
+<file path=ppt/slides/slide43.xml><?xml version="1.0" encoding="utf-8"?>
+<p:sld xmlns:a="http://schemas.openxmlformats.org/drawingml/2006/main" xmlns:r="http://schemas.openxmlformats.org/officeDocument/2006/relationships" xmlns:p="http://schemas.openxmlformats.org/presentationml/2006/main">
+  <p:cSld>
+    <p:spTree>
+      <p:nvGrpSpPr>
+        <p:cNvPr id="1" name=""/>
+        <p:cNvGrpSpPr/>
+        <p:nvPr/>
+      </p:nvGrpSpPr>
+      <p:grpSpPr>
+        <a:xfrm>
+          <a:off x="0" y="0"/>
+          <a:ext cx="0" cy="0"/>
+          <a:chOff x="0" y="0"/>
+          <a:chExt cx="0" cy="0"/>
+        </a:xfrm>
+      </p:grpSpPr>
+      <p:sp>
+        <p:nvSpPr>
           <p:cNvPr id="4" name="タイトル 3">
             <a:extLst>
               <a:ext uri="{FF2B5EF4-FFF2-40B4-BE49-F238E27FC236}">
@@ -12152,7 +12307,7 @@
 </p:sld>
 </file>
 
-<file path=ppt/slides/slide43.xml><?xml version="1.0" encoding="utf-8"?>
+<file path=ppt/slides/slide44.xml><?xml version="1.0" encoding="utf-8"?>
 <p:sld xmlns:a="http://schemas.openxmlformats.org/drawingml/2006/main" xmlns:r="http://schemas.openxmlformats.org/officeDocument/2006/relationships" xmlns:p="http://schemas.openxmlformats.org/presentationml/2006/main">
   <p:cSld>
     <p:spTree>
@@ -12329,7 +12484,7 @@
 </p:sld>
 </file>
 
-<file path=ppt/slides/slide44.xml><?xml version="1.0" encoding="utf-8"?>
+<file path=ppt/slides/slide45.xml><?xml version="1.0" encoding="utf-8"?>
 <p:sld xmlns:a="http://schemas.openxmlformats.org/drawingml/2006/main" xmlns:r="http://schemas.openxmlformats.org/officeDocument/2006/relationships" xmlns:p="http://schemas.openxmlformats.org/presentationml/2006/main">
   <p:cSld>
     <p:spTree>
@@ -13588,7 +13743,7 @@
 </p:sld>
 </file>
 
-<file path=ppt/slides/slide45.xml><?xml version="1.0" encoding="utf-8"?>
+<file path=ppt/slides/slide46.xml><?xml version="1.0" encoding="utf-8"?>
 <p:sld xmlns:a="http://schemas.openxmlformats.org/drawingml/2006/main" xmlns:r="http://schemas.openxmlformats.org/officeDocument/2006/relationships" xmlns:p="http://schemas.openxmlformats.org/presentationml/2006/main">
   <p:cSld>
     <p:spTree>
@@ -14856,200 +15011,6 @@
 </p:sld>
 </file>
 
-<file path=ppt/slides/slide46.xml><?xml version="1.0" encoding="utf-8"?>
-<p:sld xmlns:a="http://schemas.openxmlformats.org/drawingml/2006/main" xmlns:r="http://schemas.openxmlformats.org/officeDocument/2006/relationships" xmlns:p="http://schemas.openxmlformats.org/presentationml/2006/main">
-  <p:cSld>
-    <p:spTree>
-      <p:nvGrpSpPr>
-        <p:cNvPr id="1" name=""/>
-        <p:cNvGrpSpPr/>
-        <p:nvPr/>
-      </p:nvGrpSpPr>
-      <p:grpSpPr>
-        <a:xfrm>
-          <a:off x="0" y="0"/>
-          <a:ext cx="0" cy="0"/>
-          <a:chOff x="0" y="0"/>
-          <a:chExt cx="0" cy="0"/>
-        </a:xfrm>
-      </p:grpSpPr>
-      <p:sp>
-        <p:nvSpPr>
-          <p:cNvPr id="2" name="タイトル 1">
-            <a:extLst>
-              <a:ext uri="{FF2B5EF4-FFF2-40B4-BE49-F238E27FC236}">
-                <a16:creationId xmlns:a16="http://schemas.microsoft.com/office/drawing/2014/main" id="{2719BBCA-CA4F-4773-E09D-3876AD40A638}"/>
-              </a:ext>
-            </a:extLst>
-          </p:cNvPr>
-          <p:cNvSpPr>
-            <a:spLocks noGrp="1"/>
-          </p:cNvSpPr>
-          <p:nvPr>
-            <p:ph type="title"/>
-          </p:nvPr>
-        </p:nvSpPr>
-        <p:spPr/>
-        <p:txBody>
-          <a:bodyPr/>
-          <a:lstStyle/>
-          <a:p>
-            <a:r>
-              <a:rPr kumimoji="1" lang="ja-JP" altLang="en-US" dirty="0"/>
-              <a:t>イントロプロットと全体プロット</a:t>
-            </a:r>
-          </a:p>
-        </p:txBody>
-      </p:sp>
-      <p:sp>
-        <p:nvSpPr>
-          <p:cNvPr id="3" name="テキスト プレースホルダー 2">
-            <a:extLst>
-              <a:ext uri="{FF2B5EF4-FFF2-40B4-BE49-F238E27FC236}">
-                <a16:creationId xmlns:a16="http://schemas.microsoft.com/office/drawing/2014/main" id="{E2641AA1-1A0A-9B61-5A99-7EE0B80BC37B}"/>
-              </a:ext>
-            </a:extLst>
-          </p:cNvPr>
-          <p:cNvSpPr>
-            <a:spLocks noGrp="1"/>
-          </p:cNvSpPr>
-          <p:nvPr>
-            <p:ph type="body" sz="quarter" idx="10"/>
-          </p:nvPr>
-        </p:nvSpPr>
-        <p:spPr/>
-        <p:txBody>
-          <a:bodyPr/>
-          <a:lstStyle/>
-          <a:p>
-            <a:pPr marL="457200" indent="-457200">
-              <a:buFont typeface="+mj-lt"/>
-              <a:buAutoNum type="arabicPeriod"/>
-            </a:pPr>
-            <a:r>
-              <a:rPr kumimoji="1" lang="ja-JP" altLang="en-US" sz="1800" dirty="0"/>
-              <a:t>イントロの重要な役割の１つは全体を</a:t>
-            </a:r>
-            <a:r>
-              <a:rPr lang="ja-JP" altLang="en-US" sz="1800" dirty="0"/>
-              <a:t>要約して紹介すること</a:t>
-            </a:r>
-            <a:endParaRPr lang="en-US" altLang="ja-JP" sz="1800" dirty="0"/>
-          </a:p>
-          <a:p>
-            <a:pPr lvl="1"/>
-            <a:r>
-              <a:rPr kumimoji="1" lang="ja-JP" altLang="en-US" sz="1800" dirty="0"/>
-              <a:t>したがって，全体プロットは「基本的には」イントロプロットをより詳細化して作ることになる</a:t>
-            </a:r>
-            <a:endParaRPr kumimoji="1" lang="en-US" altLang="ja-JP" sz="1800" dirty="0"/>
-          </a:p>
-          <a:p>
-            <a:pPr marL="457200" indent="-457200">
-              <a:buFont typeface="+mj-lt"/>
-              <a:buAutoNum type="arabicPeriod"/>
-            </a:pPr>
-            <a:r>
-              <a:rPr kumimoji="1" lang="ja-JP" altLang="en-US" sz="1800" dirty="0"/>
-              <a:t>イントロの</a:t>
-            </a:r>
-            <a:r>
-              <a:rPr lang="ja-JP" altLang="en-US" sz="1800" dirty="0"/>
-              <a:t>もう１つの役割は</a:t>
-            </a:r>
-            <a:r>
-              <a:rPr kumimoji="1" lang="ja-JP" altLang="en-US" sz="1800" dirty="0">
-                <a:solidFill>
-                  <a:schemeClr val="accent5"/>
-                </a:solidFill>
-              </a:rPr>
-              <a:t>読者や聴衆の興味をひくこと</a:t>
-            </a:r>
-            <a:endParaRPr kumimoji="1" lang="en-US" altLang="ja-JP" sz="1800" dirty="0"/>
-          </a:p>
-          <a:p>
-            <a:pPr lvl="1"/>
-            <a:r>
-              <a:rPr lang="ja-JP" altLang="en-US" sz="1800" dirty="0"/>
-              <a:t>読者や聴衆が興味を持つような点を強調する必要がある</a:t>
-            </a:r>
-            <a:endParaRPr lang="en-US" altLang="ja-JP" sz="1800" dirty="0"/>
-          </a:p>
-          <a:p>
-            <a:pPr lvl="2"/>
-            <a:r>
-              <a:rPr lang="ja-JP" altLang="en-US" sz="1800" dirty="0"/>
-              <a:t>問題や提案の核心部分，華々しい結果など</a:t>
-            </a:r>
-            <a:endParaRPr lang="en-US" altLang="ja-JP" sz="1800" dirty="0"/>
-          </a:p>
-          <a:p>
-            <a:pPr lvl="2"/>
-            <a:r>
-              <a:rPr lang="ja-JP" altLang="en-US" sz="1800" dirty="0"/>
-              <a:t>「</a:t>
-            </a:r>
-            <a:r>
-              <a:rPr lang="en-US" altLang="ja-JP" sz="1800" dirty="0"/>
-              <a:t>200%</a:t>
-            </a:r>
-            <a:r>
-              <a:rPr lang="ja-JP" altLang="en-US" sz="1800" dirty="0"/>
-              <a:t>性能向上しました」→ 「すごいな，どうやったんだろ？」</a:t>
-            </a:r>
-            <a:endParaRPr lang="en-US" altLang="ja-JP" sz="1800" dirty="0"/>
-          </a:p>
-          <a:p>
-            <a:pPr lvl="1"/>
-            <a:r>
-              <a:rPr kumimoji="1" lang="ja-JP" altLang="en-US" sz="1800" dirty="0"/>
-              <a:t>このため，「</a:t>
-            </a:r>
-            <a:r>
-              <a:rPr kumimoji="1" lang="ja-JP" altLang="en-US" sz="1800" dirty="0">
-                <a:solidFill>
-                  <a:schemeClr val="accent5"/>
-                </a:solidFill>
-              </a:rPr>
-              <a:t>イントロプロットを詳細化したもの＝全体プロット」ではない</a:t>
-            </a:r>
-            <a:r>
-              <a:rPr kumimoji="1" lang="ja-JP" altLang="en-US" sz="1800" dirty="0"/>
-              <a:t>と考えた方がよい</a:t>
-            </a:r>
-            <a:endParaRPr kumimoji="1" lang="en-US" altLang="ja-JP" sz="1800" dirty="0"/>
-          </a:p>
-          <a:p>
-            <a:pPr lvl="2"/>
-            <a:r>
-              <a:rPr kumimoji="1" lang="ja-JP" altLang="en-US" sz="1800" dirty="0"/>
-              <a:t>イントロでは問題の深刻さや提案のすごさをより強調して重きを置くから</a:t>
-            </a:r>
-            <a:endParaRPr kumimoji="1" lang="en-US" altLang="ja-JP" sz="1800" dirty="0"/>
-          </a:p>
-        </p:txBody>
-      </p:sp>
-    </p:spTree>
-    <p:extLst>
-      <p:ext uri="{BB962C8B-B14F-4D97-AF65-F5344CB8AC3E}">
-        <p14:creationId xmlns:p14="http://schemas.microsoft.com/office/powerpoint/2010/main" val="3764317816"/>
-      </p:ext>
-    </p:extLst>
-  </p:cSld>
-  <p:clrMapOvr>
-    <a:masterClrMapping/>
-  </p:clrMapOvr>
-  <mc:AlternateContent xmlns:mc="http://schemas.openxmlformats.org/markup-compatibility/2006" xmlns:p14="http://schemas.microsoft.com/office/powerpoint/2010/main">
-    <mc:Choice Requires="p14">
-      <p:transition p14:dur="10"/>
-    </mc:Choice>
-    <mc:Fallback xmlns="">
-      <p:transition/>
-    </mc:Fallback>
-  </mc:AlternateContent>
-</p:sld>
-</file>
-
 <file path=ppt/slides/slide47.xml><?xml version="1.0" encoding="utf-8"?>
 <p:sld xmlns:a="http://schemas.openxmlformats.org/drawingml/2006/main" xmlns:r="http://schemas.openxmlformats.org/officeDocument/2006/relationships" xmlns:p="http://schemas.openxmlformats.org/presentationml/2006/main">
   <p:cSld>
@@ -15072,7 +15033,7 @@
           <p:cNvPr id="2" name="タイトル 1">
             <a:extLst>
               <a:ext uri="{FF2B5EF4-FFF2-40B4-BE49-F238E27FC236}">
-                <a16:creationId xmlns:a16="http://schemas.microsoft.com/office/drawing/2014/main" id="{EC155717-5332-FF55-D8D6-3A7D8E56683B}"/>
+                <a16:creationId xmlns:a16="http://schemas.microsoft.com/office/drawing/2014/main" id="{2719BBCA-CA4F-4773-E09D-3876AD40A638}"/>
               </a:ext>
             </a:extLst>
           </p:cNvPr>
@@ -15090,7 +15051,7 @@
           <a:p>
             <a:r>
               <a:rPr kumimoji="1" lang="ja-JP" altLang="en-US" dirty="0"/>
-              <a:t>イントロと全体のプロットで構造が違う例</a:t>
+              <a:t>イントロプロットと全体プロット</a:t>
             </a:r>
           </a:p>
         </p:txBody>
@@ -15100,7 +15061,7 @@
           <p:cNvPr id="3" name="テキスト プレースホルダー 2">
             <a:extLst>
               <a:ext uri="{FF2B5EF4-FFF2-40B4-BE49-F238E27FC236}">
-                <a16:creationId xmlns:a16="http://schemas.microsoft.com/office/drawing/2014/main" id="{EB1B3AEE-0F55-221C-53D1-F2E09EE602A3}"/>
+                <a16:creationId xmlns:a16="http://schemas.microsoft.com/office/drawing/2014/main" id="{E2641AA1-1A0A-9B61-5A99-7EE0B80BC37B}"/>
               </a:ext>
             </a:extLst>
           </p:cNvPr>
@@ -15116,41 +15077,117 @@
           <a:bodyPr/>
           <a:lstStyle/>
           <a:p>
-            <a:r>
-              <a:rPr lang="ja-JP" altLang="en-US" dirty="0"/>
-              <a:t>イントロの最初の１～２パラグラフ</a:t>
-            </a:r>
-            <a:endParaRPr lang="en-US" altLang="ja-JP" dirty="0"/>
+            <a:pPr marL="457200" indent="-457200">
+              <a:buFont typeface="+mj-lt"/>
+              <a:buAutoNum type="arabicPeriod"/>
+            </a:pPr>
+            <a:r>
+              <a:rPr kumimoji="1" lang="ja-JP" altLang="en-US" sz="1800" dirty="0"/>
+              <a:t>イントロの重要な役割の１つは全体を</a:t>
+            </a:r>
+            <a:r>
+              <a:rPr lang="ja-JP" altLang="en-US" sz="1800" dirty="0"/>
+              <a:t>要約して紹介すること</a:t>
+            </a:r>
+            <a:endParaRPr lang="en-US" altLang="ja-JP" sz="1800" dirty="0"/>
           </a:p>
           <a:p>
             <a:pPr lvl="1"/>
             <a:r>
-              <a:rPr lang="ja-JP" altLang="en-US" dirty="0"/>
-              <a:t>研究全体の背景として論文のどこかでは１度言わなければならない内容であることが多い</a:t>
-            </a:r>
-            <a:endParaRPr lang="en-US" altLang="ja-JP" dirty="0"/>
+              <a:rPr kumimoji="1" lang="ja-JP" altLang="en-US" sz="1800" dirty="0"/>
+              <a:t>したがって，全体プロットは「基本的には」イントロプロットをより詳細化して作ることになる</a:t>
+            </a:r>
+            <a:endParaRPr kumimoji="1" lang="en-US" altLang="ja-JP" sz="1800" dirty="0"/>
+          </a:p>
+          <a:p>
+            <a:pPr marL="457200" indent="-457200">
+              <a:buFont typeface="+mj-lt"/>
+              <a:buAutoNum type="arabicPeriod"/>
+            </a:pPr>
+            <a:r>
+              <a:rPr kumimoji="1" lang="ja-JP" altLang="en-US" sz="1800" dirty="0"/>
+              <a:t>イントロの</a:t>
+            </a:r>
+            <a:r>
+              <a:rPr lang="ja-JP" altLang="en-US" sz="1800" dirty="0"/>
+              <a:t>もう１つの役割は</a:t>
+            </a:r>
+            <a:r>
+              <a:rPr kumimoji="1" lang="ja-JP" altLang="en-US" sz="1800" dirty="0">
+                <a:solidFill>
+                  <a:schemeClr val="accent5"/>
+                </a:solidFill>
+              </a:rPr>
+              <a:t>読者や聴衆の興味をひくこと</a:t>
+            </a:r>
+            <a:endParaRPr kumimoji="1" lang="en-US" altLang="ja-JP" sz="1800" dirty="0"/>
           </a:p>
           <a:p>
             <a:pPr lvl="1"/>
             <a:r>
-              <a:rPr lang="ja-JP" altLang="en-US" dirty="0"/>
-              <a:t>しかし，非常に一般的であるか，あるいは本筋には関係なかったりして論文本文ではそれ以降登場しない事がある</a:t>
-            </a:r>
-            <a:endParaRPr lang="en-US" altLang="ja-JP" dirty="0"/>
-          </a:p>
-          <a:p>
-            <a:r>
-              <a:rPr lang="ja-JP" altLang="en-US" dirty="0"/>
-              <a:t>このような場合，イントロのパラグラフの構造と全体の章構成は異なってくる</a:t>
-            </a:r>
-            <a:endParaRPr lang="en-US" altLang="ja-JP" dirty="0"/>
+              <a:rPr lang="ja-JP" altLang="en-US" sz="1800" dirty="0"/>
+              <a:t>読者や聴衆が興味を持つような点を強調する必要がある</a:t>
+            </a:r>
+            <a:endParaRPr lang="en-US" altLang="ja-JP" sz="1800" dirty="0"/>
+          </a:p>
+          <a:p>
+            <a:pPr lvl="2"/>
+            <a:r>
+              <a:rPr lang="ja-JP" altLang="en-US" sz="1800" dirty="0"/>
+              <a:t>問題や提案の核心部分，華々しい結果など</a:t>
+            </a:r>
+            <a:endParaRPr lang="en-US" altLang="ja-JP" sz="1800" dirty="0"/>
+          </a:p>
+          <a:p>
+            <a:pPr lvl="2"/>
+            <a:r>
+              <a:rPr lang="ja-JP" altLang="en-US" sz="1800" dirty="0"/>
+              <a:t>「</a:t>
+            </a:r>
+            <a:r>
+              <a:rPr lang="en-US" altLang="ja-JP" sz="1800" dirty="0"/>
+              <a:t>200%</a:t>
+            </a:r>
+            <a:r>
+              <a:rPr lang="ja-JP" altLang="en-US" sz="1800" dirty="0"/>
+              <a:t>性能向上しました」→ 「すごいな，どうやったんだろ？」</a:t>
+            </a:r>
+            <a:endParaRPr lang="en-US" altLang="ja-JP" sz="1800" dirty="0"/>
+          </a:p>
+          <a:p>
+            <a:pPr lvl="1"/>
+            <a:r>
+              <a:rPr kumimoji="1" lang="ja-JP" altLang="en-US" sz="1800" dirty="0"/>
+              <a:t>このため，「</a:t>
+            </a:r>
+            <a:r>
+              <a:rPr kumimoji="1" lang="ja-JP" altLang="en-US" sz="1800" dirty="0">
+                <a:solidFill>
+                  <a:schemeClr val="accent5"/>
+                </a:solidFill>
+              </a:rPr>
+              <a:t>イントロプロットを詳細化したもの＝全体プロット」ではない</a:t>
+            </a:r>
+            <a:r>
+              <a:rPr kumimoji="1" lang="ja-JP" altLang="en-US" sz="1800" dirty="0"/>
+              <a:t>と考えた方がよい</a:t>
+            </a:r>
+            <a:endParaRPr kumimoji="1" lang="en-US" altLang="ja-JP" sz="1800" dirty="0"/>
+          </a:p>
+          <a:p>
+            <a:pPr lvl="2"/>
+            <a:r>
+              <a:rPr kumimoji="1" lang="ja-JP" altLang="en-US" sz="1800" dirty="0"/>
+              <a:t>イントロでは問題の深刻さや提案のすごさをより強調して重きを置くから</a:t>
+            </a:r>
+            <a:endParaRPr kumimoji="1" lang="en-US" altLang="ja-JP" sz="1800" dirty="0"/>
           </a:p>
         </p:txBody>
       </p:sp>
     </p:spTree>
     <p:extLst>
       <p:ext uri="{BB962C8B-B14F-4D97-AF65-F5344CB8AC3E}">
-        <p14:creationId xmlns:p14="http://schemas.microsoft.com/office/powerpoint/2010/main" val="2367068981"/>
+        <p14:creationId xmlns:p14="http://schemas.microsoft.com/office/powerpoint/2010/main" val="3764317816"/>
       </p:ext>
     </p:extLst>
   </p:cSld>
@@ -15187,10 +15224,10 @@
       </p:grpSpPr>
       <p:sp>
         <p:nvSpPr>
-          <p:cNvPr id="4" name="タイトル 3">
-            <a:extLst>
-              <a:ext uri="{FF2B5EF4-FFF2-40B4-BE49-F238E27FC236}">
-                <a16:creationId xmlns:a16="http://schemas.microsoft.com/office/drawing/2014/main" id="{84F42E09-269D-6700-69C9-4DCC825C99A7}"/>
+          <p:cNvPr id="2" name="タイトル 1">
+            <a:extLst>
+              <a:ext uri="{FF2B5EF4-FFF2-40B4-BE49-F238E27FC236}">
+                <a16:creationId xmlns:a16="http://schemas.microsoft.com/office/drawing/2014/main" id="{EC155717-5332-FF55-D8D6-3A7D8E56683B}"/>
               </a:ext>
             </a:extLst>
           </p:cNvPr>
@@ -15207,22 +15244,82 @@
           <a:lstStyle/>
           <a:p>
             <a:r>
-              <a:rPr lang="ja-JP" altLang="en-US" b="1" dirty="0"/>
-              <a:t>全体プロット</a:t>
-            </a:r>
+              <a:rPr kumimoji="1" lang="ja-JP" altLang="en-US" dirty="0"/>
+              <a:t>イントロと全体のプロットで構造が違う例</a:t>
+            </a:r>
+          </a:p>
+        </p:txBody>
+      </p:sp>
+      <p:sp>
+        <p:nvSpPr>
+          <p:cNvPr id="3" name="テキスト プレースホルダー 2">
+            <a:extLst>
+              <a:ext uri="{FF2B5EF4-FFF2-40B4-BE49-F238E27FC236}">
+                <a16:creationId xmlns:a16="http://schemas.microsoft.com/office/drawing/2014/main" id="{EB1B3AEE-0F55-221C-53D1-F2E09EE602A3}"/>
+              </a:ext>
+            </a:extLst>
+          </p:cNvPr>
+          <p:cNvSpPr>
+            <a:spLocks noGrp="1"/>
+          </p:cNvSpPr>
+          <p:nvPr>
+            <p:ph type="body" sz="quarter" idx="10"/>
+          </p:nvPr>
+        </p:nvSpPr>
+        <p:spPr/>
+        <p:txBody>
+          <a:bodyPr/>
+          <a:lstStyle/>
+          <a:p>
+            <a:r>
+              <a:rPr lang="ja-JP" altLang="en-US" dirty="0"/>
+              <a:t>イントロの最初の１～２パラグラフ</a:t>
+            </a:r>
+            <a:endParaRPr lang="en-US" altLang="ja-JP" dirty="0"/>
+          </a:p>
+          <a:p>
+            <a:pPr lvl="1"/>
+            <a:r>
+              <a:rPr lang="ja-JP" altLang="en-US" dirty="0"/>
+              <a:t>研究全体の背景として論文のどこかでは１度言わなければならない内容であることが多い</a:t>
+            </a:r>
+            <a:endParaRPr lang="en-US" altLang="ja-JP" dirty="0"/>
+          </a:p>
+          <a:p>
+            <a:pPr lvl="1"/>
+            <a:r>
+              <a:rPr lang="ja-JP" altLang="en-US" dirty="0"/>
+              <a:t>しかし，非常に一般的であるか，あるいは本筋には関係なかったりして論文本文ではそれ以降登場しない事がある</a:t>
+            </a:r>
+            <a:endParaRPr lang="en-US" altLang="ja-JP" dirty="0"/>
+          </a:p>
+          <a:p>
+            <a:r>
+              <a:rPr lang="ja-JP" altLang="en-US" dirty="0"/>
+              <a:t>このような場合，イントロのパラグラフの構造と全体の章構成は異なってくる</a:t>
+            </a:r>
+            <a:endParaRPr lang="en-US" altLang="ja-JP" dirty="0"/>
           </a:p>
         </p:txBody>
       </p:sp>
     </p:spTree>
     <p:extLst>
       <p:ext uri="{BB962C8B-B14F-4D97-AF65-F5344CB8AC3E}">
-        <p14:creationId xmlns:p14="http://schemas.microsoft.com/office/powerpoint/2010/main" val="3653181482"/>
+        <p14:creationId xmlns:p14="http://schemas.microsoft.com/office/powerpoint/2010/main" val="2367068981"/>
       </p:ext>
     </p:extLst>
   </p:cSld>
   <p:clrMapOvr>
     <a:masterClrMapping/>
   </p:clrMapOvr>
+  <mc:AlternateContent xmlns:mc="http://schemas.openxmlformats.org/markup-compatibility/2006" xmlns:p14="http://schemas.microsoft.com/office/powerpoint/2010/main">
+    <mc:Choice Requires="p14">
+      <p:transition p14:dur="10"/>
+    </mc:Choice>
+    <mc:Fallback xmlns="">
+      <p:transition/>
+    </mc:Fallback>
+  </mc:AlternateContent>
 </p:sld>
 </file>
 
@@ -15248,7 +15345,7 @@
           <p:cNvPr id="4" name="タイトル 3">
             <a:extLst>
               <a:ext uri="{FF2B5EF4-FFF2-40B4-BE49-F238E27FC236}">
-                <a16:creationId xmlns:a16="http://schemas.microsoft.com/office/drawing/2014/main" id="{753D130F-9E8D-16A8-53A6-8697A34BBC23}"/>
+                <a16:creationId xmlns:a16="http://schemas.microsoft.com/office/drawing/2014/main" id="{84F42E09-269D-6700-69C9-4DCC825C99A7}"/>
               </a:ext>
             </a:extLst>
           </p:cNvPr>
@@ -15268,110 +15365,19 @@
               <a:rPr lang="ja-JP" altLang="en-US" b="1" dirty="0"/>
               <a:t>全体プロット</a:t>
             </a:r>
-            <a:endParaRPr lang="ja-JP" altLang="en-US" dirty="0"/>
-          </a:p>
-        </p:txBody>
-      </p:sp>
-      <p:sp>
-        <p:nvSpPr>
-          <p:cNvPr id="5" name="テキスト プレースホルダー 4">
-            <a:extLst>
-              <a:ext uri="{FF2B5EF4-FFF2-40B4-BE49-F238E27FC236}">
-                <a16:creationId xmlns:a16="http://schemas.microsoft.com/office/drawing/2014/main" id="{220629E9-D9B3-68BB-D88A-B953DAE0018E}"/>
-              </a:ext>
-            </a:extLst>
-          </p:cNvPr>
-          <p:cNvSpPr>
-            <a:spLocks noGrp="1"/>
-          </p:cNvSpPr>
-          <p:nvPr>
-            <p:ph type="body" sz="quarter" idx="10"/>
-          </p:nvPr>
-        </p:nvSpPr>
-        <p:spPr/>
-        <p:txBody>
-          <a:bodyPr/>
-          <a:lstStyle/>
-          <a:p>
-            <a:r>
-              <a:rPr lang="ja-JP" altLang="en-US" dirty="0"/>
-              <a:t>論文やスライド全体のプロット</a:t>
-            </a:r>
-            <a:endParaRPr lang="en-US" altLang="ja-JP" dirty="0"/>
-          </a:p>
-          <a:p>
-            <a:pPr lvl="1"/>
-            <a:r>
-              <a:rPr lang="ja-JP" altLang="en-US" dirty="0"/>
-              <a:t>特に項目数などの形式はない：</a:t>
-            </a:r>
-            <a:endParaRPr lang="en-US" altLang="ja-JP" dirty="0"/>
-          </a:p>
-          <a:p>
-            <a:pPr lvl="2"/>
-            <a:r>
-              <a:rPr lang="ja-JP" altLang="en-US" dirty="0"/>
-              <a:t>基本的には３点プロットやイントロプロットから派生させて考える</a:t>
-            </a:r>
-            <a:endParaRPr lang="en-US" altLang="ja-JP" dirty="0"/>
-          </a:p>
-          <a:p>
-            <a:pPr lvl="2"/>
-            <a:r>
-              <a:rPr lang="ja-JP" altLang="en-US" dirty="0"/>
-              <a:t>イントロプロットでは省略されるような実装の詳細なども入る</a:t>
-            </a:r>
-            <a:endParaRPr lang="en-US" altLang="ja-JP" dirty="0"/>
-          </a:p>
-          <a:p>
-            <a:r>
-              <a:rPr lang="ja-JP" altLang="en-US" dirty="0"/>
-              <a:t>３点プロットは，いわば「プロットのプロット」</a:t>
-            </a:r>
-            <a:endParaRPr lang="en-US" altLang="ja-JP" dirty="0"/>
-          </a:p>
-          <a:p>
-            <a:pPr lvl="1"/>
-            <a:r>
-              <a:rPr lang="ja-JP" altLang="en-US" dirty="0"/>
-              <a:t>基本的には３点プロットで整理した内容をもとに，</a:t>
-            </a:r>
-            <a:br>
-              <a:rPr lang="en-US" altLang="ja-JP" dirty="0"/>
-            </a:br>
-            <a:r>
-              <a:rPr lang="ja-JP" altLang="en-US" dirty="0"/>
-              <a:t>肉付けして全体プロットを作る</a:t>
-            </a:r>
-            <a:endParaRPr lang="en-US" altLang="ja-JP" dirty="0"/>
-          </a:p>
-          <a:p>
-            <a:pPr lvl="1"/>
-            <a:r>
-              <a:rPr lang="ja-JP" altLang="en-US" dirty="0"/>
-              <a:t>いきなり全体プロットを作るのは難しい</a:t>
-            </a:r>
           </a:p>
         </p:txBody>
       </p:sp>
     </p:spTree>
     <p:extLst>
       <p:ext uri="{BB962C8B-B14F-4D97-AF65-F5344CB8AC3E}">
-        <p14:creationId xmlns:p14="http://schemas.microsoft.com/office/powerpoint/2010/main" val="57573531"/>
+        <p14:creationId xmlns:p14="http://schemas.microsoft.com/office/powerpoint/2010/main" val="3653181482"/>
       </p:ext>
     </p:extLst>
   </p:cSld>
   <p:clrMapOvr>
     <a:masterClrMapping/>
   </p:clrMapOvr>
-  <mc:AlternateContent xmlns:mc="http://schemas.openxmlformats.org/markup-compatibility/2006" xmlns:p14="http://schemas.microsoft.com/office/powerpoint/2010/main">
-    <mc:Choice Requires="p14">
-      <p:transition p14:dur="10"/>
-    </mc:Choice>
-    <mc:Fallback xmlns="">
-      <p:transition/>
-    </mc:Fallback>
-  </mc:AlternateContent>
 </p:sld>
 </file>
 
@@ -15397,7 +15403,7 @@
           <p:cNvPr id="2" name="タイトル 1">
             <a:extLst>
               <a:ext uri="{FF2B5EF4-FFF2-40B4-BE49-F238E27FC236}">
-                <a16:creationId xmlns:a16="http://schemas.microsoft.com/office/drawing/2014/main" id="{F6FC41B6-7C48-38E1-C9EB-ECA1128D425A}"/>
+                <a16:creationId xmlns:a16="http://schemas.microsoft.com/office/drawing/2014/main" id="{6F6D54E2-554A-2DE1-0641-8571CB261681}"/>
               </a:ext>
             </a:extLst>
           </p:cNvPr>
@@ -15414,15 +15420,8 @@
           <a:lstStyle/>
           <a:p>
             <a:r>
-              <a:rPr kumimoji="1" lang="ja-JP" altLang="en-US" dirty="0"/>
-              <a:t>プロットにはいろいろタイプがある</a:t>
-            </a:r>
-            <a:br>
-              <a:rPr kumimoji="1" lang="en-US" altLang="ja-JP" dirty="0"/>
-            </a:br>
-            <a:r>
-              <a:rPr lang="ja-JP" altLang="en-US" sz="1800" dirty="0"/>
-              <a:t>論文や発表スライドの作成段階に応じて，これらを作る</a:t>
+              <a:rPr kumimoji="1" lang="ja-JP" altLang="en-US" sz="2800" dirty="0"/>
+              <a:t>なぜプロットを作るのか？</a:t>
             </a:r>
             <a:endParaRPr kumimoji="1" lang="ja-JP" altLang="en-US" dirty="0"/>
           </a:p>
@@ -15433,7 +15432,7 @@
           <p:cNvPr id="3" name="テキスト プレースホルダー 2">
             <a:extLst>
               <a:ext uri="{FF2B5EF4-FFF2-40B4-BE49-F238E27FC236}">
-                <a16:creationId xmlns:a16="http://schemas.microsoft.com/office/drawing/2014/main" id="{9B1D87CA-355E-1DFA-F216-9E50E51D1105}"/>
+                <a16:creationId xmlns:a16="http://schemas.microsoft.com/office/drawing/2014/main" id="{96129A60-2006-F8F6-D5E2-DC4EE215FB00}"/>
               </a:ext>
             </a:extLst>
           </p:cNvPr>
@@ -15449,111 +15448,72 @@
           <a:bodyPr/>
           <a:lstStyle/>
           <a:p>
-            <a:pPr marL="457200" indent="-457200">
-              <a:buFont typeface="+mj-lt"/>
-              <a:buAutoNum type="arabicPeriod"/>
-            </a:pPr>
-            <a:r>
-              <a:rPr kumimoji="1" lang="ja-JP" altLang="en-US" dirty="0"/>
-              <a:t>３点プロット</a:t>
-            </a:r>
-            <a:endParaRPr kumimoji="1" lang="en-US" altLang="ja-JP" dirty="0"/>
+            <a:r>
+              <a:rPr kumimoji="1" lang="ja-JP" altLang="en-US" sz="1800" dirty="0"/>
+              <a:t>話の筋を整理するため</a:t>
+            </a:r>
+            <a:endParaRPr kumimoji="1" lang="en-US" altLang="ja-JP" sz="1800" dirty="0"/>
           </a:p>
           <a:p>
             <a:pPr lvl="1"/>
             <a:r>
-              <a:rPr kumimoji="1" lang="ja-JP" altLang="en-US" dirty="0"/>
-              <a:t>話全体を３つの項目にまとめた形のプロット</a:t>
-            </a:r>
-            <a:endParaRPr kumimoji="1" lang="en-US" altLang="ja-JP" dirty="0"/>
+              <a:rPr kumimoji="1" lang="ja-JP" altLang="en-US" sz="1800" dirty="0"/>
+              <a:t>何が背景で，何が課題で，何をどう解決したのかを明確にする</a:t>
+            </a:r>
+            <a:endParaRPr kumimoji="1" lang="en-US" altLang="ja-JP" sz="1800" dirty="0"/>
+          </a:p>
+          <a:p>
+            <a:r>
+              <a:rPr kumimoji="1" lang="ja-JP" altLang="en-US" sz="1800" dirty="0"/>
+              <a:t>その筋に収束するよう文章全体を書くと，主張を明確に示すことが出来る</a:t>
+            </a:r>
+            <a:endParaRPr kumimoji="1" lang="en-US" altLang="ja-JP" sz="1800" dirty="0"/>
           </a:p>
           <a:p>
             <a:pPr lvl="1"/>
             <a:r>
-              <a:rPr kumimoji="1" lang="ja-JP" altLang="en-US" dirty="0"/>
-              <a:t>イントロ</a:t>
-            </a:r>
-            <a:r>
-              <a:rPr kumimoji="1" lang="en-US" altLang="ja-JP" dirty="0"/>
-              <a:t>/</a:t>
-            </a:r>
-            <a:r>
-              <a:rPr kumimoji="1" lang="ja-JP" altLang="en-US" dirty="0"/>
-              <a:t>全体プロットと比べると抽象的な内容になる</a:t>
-            </a:r>
-            <a:endParaRPr kumimoji="1" lang="en-US" altLang="ja-JP" dirty="0"/>
-          </a:p>
-          <a:p>
-            <a:pPr marL="457200" indent="-457200">
-              <a:buFont typeface="+mj-lt"/>
-              <a:buAutoNum type="arabicPeriod"/>
-            </a:pPr>
-            <a:r>
-              <a:rPr kumimoji="1" lang="ja-JP" altLang="en-US" dirty="0"/>
-              <a:t>イントロプロット</a:t>
-            </a:r>
-            <a:endParaRPr kumimoji="1" lang="en-US" altLang="ja-JP" dirty="0"/>
+              <a:rPr kumimoji="1" lang="ja-JP" altLang="en-US" sz="1800" dirty="0"/>
+              <a:t>逆にそうしないと，「言いたいことがなんとなく適当に並べられた良くわからないもの」が出来上がる</a:t>
+            </a:r>
+            <a:endParaRPr kumimoji="1" lang="en-US" altLang="ja-JP" sz="1800" dirty="0"/>
           </a:p>
           <a:p>
             <a:pPr lvl="1"/>
             <a:r>
-              <a:rPr lang="ja-JP" altLang="en-US" dirty="0"/>
-              <a:t>論文やスライドのイントロのプロット</a:t>
-            </a:r>
-            <a:endParaRPr lang="en-US" altLang="ja-JP" dirty="0"/>
-          </a:p>
-          <a:p>
-            <a:pPr marL="457200" indent="-457200">
-              <a:buFont typeface="+mj-lt"/>
-              <a:buAutoNum type="arabicPeriod"/>
-            </a:pPr>
-            <a:r>
-              <a:rPr kumimoji="1" lang="ja-JP" altLang="en-US" dirty="0"/>
-              <a:t>全体プロット</a:t>
-            </a:r>
-            <a:endParaRPr kumimoji="1" lang="en-US" altLang="ja-JP" dirty="0"/>
+              <a:rPr kumimoji="1" lang="ja-JP" altLang="en-US" sz="1800" dirty="0"/>
+              <a:t>設計図なしで建物を建てるとヒドい事になるのと同じ</a:t>
+            </a:r>
+            <a:endParaRPr kumimoji="1" lang="en-US" altLang="ja-JP" sz="1800" dirty="0"/>
+          </a:p>
+          <a:p>
+            <a:r>
+              <a:rPr kumimoji="1" lang="ja-JP" altLang="en-US" sz="1800" dirty="0"/>
+              <a:t>論文の章構成レベルの設計をしているとも言える</a:t>
+            </a:r>
+            <a:endParaRPr kumimoji="1" lang="en-US" altLang="ja-JP" sz="1800" dirty="0"/>
           </a:p>
           <a:p>
             <a:pPr lvl="1"/>
             <a:r>
-              <a:rPr lang="ja-JP" altLang="en-US" dirty="0"/>
-              <a:t>論文やスライド全体のプロット</a:t>
-            </a:r>
-            <a:endParaRPr kumimoji="1" lang="en-US" altLang="ja-JP" dirty="0"/>
-          </a:p>
-          <a:p>
-            <a:pPr marL="457200" indent="-457200">
-              <a:buFont typeface="+mj-lt"/>
-              <a:buAutoNum type="arabicPeriod"/>
-            </a:pPr>
-            <a:r>
-              <a:rPr kumimoji="1" lang="ja-JP" altLang="en-US" dirty="0"/>
-              <a:t>目標規定文</a:t>
-            </a:r>
-            <a:endParaRPr kumimoji="1" lang="en-US" altLang="ja-JP" dirty="0"/>
+              <a:rPr kumimoji="1" lang="ja-JP" altLang="en-US" sz="1800" dirty="0"/>
+              <a:t>これを先にやっておかないと，後から大きな手戻りが発生する</a:t>
+            </a:r>
+            <a:endParaRPr kumimoji="1" lang="en-US" altLang="ja-JP" sz="1800" dirty="0"/>
           </a:p>
           <a:p>
             <a:pPr lvl="1"/>
             <a:r>
-              <a:rPr kumimoji="1" lang="ja-JP" altLang="en-US" dirty="0"/>
-              <a:t>論文やスライドの内容を１文で表したもの</a:t>
-            </a:r>
-            <a:endParaRPr kumimoji="1" lang="en-US" altLang="ja-JP" dirty="0"/>
-          </a:p>
-          <a:p>
-            <a:pPr lvl="1"/>
-            <a:r>
-              <a:rPr lang="ja-JP" altLang="en-US" dirty="0"/>
-              <a:t>ここではプロットの一種と考えている</a:t>
-            </a:r>
-            <a:endParaRPr kumimoji="1" lang="en-US" altLang="ja-JP" sz="1600" dirty="0"/>
+              <a:rPr kumimoji="1" lang="ja-JP" altLang="en-US" sz="1800" dirty="0"/>
+              <a:t>文章の修正がローカルですまない</a:t>
+            </a:r>
+            <a:endParaRPr kumimoji="1" lang="en-US" altLang="ja-JP" sz="1800" dirty="0"/>
           </a:p>
         </p:txBody>
       </p:sp>
     </p:spTree>
     <p:extLst>
       <p:ext uri="{BB962C8B-B14F-4D97-AF65-F5344CB8AC3E}">
-        <p14:creationId xmlns:p14="http://schemas.microsoft.com/office/powerpoint/2010/main" val="4229679149"/>
+        <p14:creationId xmlns:p14="http://schemas.microsoft.com/office/powerpoint/2010/main" val="247579979"/>
       </p:ext>
     </p:extLst>
   </p:cSld>
@@ -15611,7 +15571,7 @@
           <a:p>
             <a:r>
               <a:rPr lang="ja-JP" altLang="en-US" b="1" dirty="0"/>
-              <a:t>全体プロットの構成</a:t>
+              <a:t>全体プロット</a:t>
             </a:r>
             <a:endParaRPr lang="ja-JP" altLang="en-US" dirty="0"/>
           </a:p>
@@ -15640,73 +15600,69 @@
           <a:p>
             <a:r>
               <a:rPr lang="ja-JP" altLang="en-US" dirty="0"/>
-              <a:t>論文用：以下を</a:t>
-            </a:r>
-            <a:r>
-              <a:rPr kumimoji="1" lang="ja-JP" altLang="en-US" dirty="0"/>
-              <a:t>箇条書きにまとめる</a:t>
+              <a:t>論文やスライド全体のプロット</a:t>
             </a:r>
             <a:endParaRPr lang="en-US" altLang="ja-JP" dirty="0"/>
           </a:p>
           <a:p>
             <a:pPr lvl="1"/>
             <a:r>
-              <a:rPr kumimoji="1" lang="ja-JP" altLang="en-US" dirty="0"/>
-              <a:t>論文の </a:t>
-            </a:r>
-            <a:r>
-              <a:rPr kumimoji="1" lang="en-US" altLang="ja-JP" dirty="0"/>
-              <a:t>subsubsection </a:t>
-            </a:r>
-            <a:r>
-              <a:rPr kumimoji="1" lang="ja-JP" altLang="en-US" dirty="0"/>
-              <a:t>までの節タイトル</a:t>
-            </a:r>
-            <a:endParaRPr kumimoji="1" lang="en-US" altLang="ja-JP" dirty="0"/>
+              <a:rPr lang="ja-JP" altLang="en-US" dirty="0"/>
+              <a:t>特に項目数などの形式はない：</a:t>
+            </a:r>
+            <a:endParaRPr lang="en-US" altLang="ja-JP" dirty="0"/>
+          </a:p>
+          <a:p>
+            <a:pPr lvl="2"/>
+            <a:r>
+              <a:rPr lang="ja-JP" altLang="en-US" dirty="0"/>
+              <a:t>基本的には３点プロットやイントロプロットから派生させて考える</a:t>
+            </a:r>
+            <a:endParaRPr lang="en-US" altLang="ja-JP" dirty="0"/>
+          </a:p>
+          <a:p>
+            <a:pPr lvl="2"/>
+            <a:r>
+              <a:rPr lang="ja-JP" altLang="en-US" dirty="0"/>
+              <a:t>イントロプロットでは省略されるような実装の詳細なども入る</a:t>
+            </a:r>
+            <a:endParaRPr lang="en-US" altLang="ja-JP" dirty="0"/>
+          </a:p>
+          <a:p>
+            <a:r>
+              <a:rPr lang="ja-JP" altLang="en-US" dirty="0"/>
+              <a:t>３点プロットは，いわば「プロットのプロット」</a:t>
+            </a:r>
+            <a:endParaRPr lang="en-US" altLang="ja-JP" dirty="0"/>
           </a:p>
           <a:p>
             <a:pPr lvl="1"/>
             <a:r>
-              <a:rPr kumimoji="1" lang="ja-JP" altLang="en-US" dirty="0"/>
-              <a:t>そこで何を話すか</a:t>
-            </a:r>
-            <a:endParaRPr kumimoji="1" lang="en-US" altLang="ja-JP" dirty="0"/>
-          </a:p>
-          <a:p>
-            <a:r>
               <a:rPr lang="ja-JP" altLang="en-US" dirty="0"/>
-              <a:t>スライド用：以下を</a:t>
-            </a:r>
-            <a:r>
-              <a:rPr kumimoji="1" lang="ja-JP" altLang="en-US" dirty="0"/>
-              <a:t>箇条書きにまとめる</a:t>
+              <a:t>基本的には３点プロットで整理した内容をもとに，</a:t>
+            </a:r>
+            <a:br>
+              <a:rPr lang="en-US" altLang="ja-JP" dirty="0"/>
+            </a:br>
+            <a:r>
+              <a:rPr lang="ja-JP" altLang="en-US" dirty="0"/>
+              <a:t>肉付けして全体プロットを作る</a:t>
             </a:r>
             <a:endParaRPr lang="en-US" altLang="ja-JP" dirty="0"/>
           </a:p>
           <a:p>
             <a:pPr lvl="1"/>
             <a:r>
-              <a:rPr kumimoji="1" lang="ja-JP" altLang="en-US" dirty="0"/>
-              <a:t>スライドの各ページのタイトル</a:t>
-            </a:r>
-            <a:endParaRPr kumimoji="1" lang="en-US" altLang="ja-JP" dirty="0"/>
-          </a:p>
-          <a:p>
-            <a:pPr lvl="1"/>
-            <a:r>
-              <a:rPr kumimoji="1" lang="ja-JP" altLang="en-US" dirty="0"/>
-              <a:t>そこで何を話すか</a:t>
-            </a:r>
-          </a:p>
-          <a:p>
-            <a:endParaRPr lang="ja-JP" altLang="en-US" dirty="0"/>
+              <a:rPr lang="ja-JP" altLang="en-US" dirty="0"/>
+              <a:t>いきなり全体プロットを作るのは難しい</a:t>
+            </a:r>
           </a:p>
         </p:txBody>
       </p:sp>
     </p:spTree>
     <p:extLst>
       <p:ext uri="{BB962C8B-B14F-4D97-AF65-F5344CB8AC3E}">
-        <p14:creationId xmlns:p14="http://schemas.microsoft.com/office/powerpoint/2010/main" val="492338302"/>
+        <p14:creationId xmlns:p14="http://schemas.microsoft.com/office/powerpoint/2010/main" val="57573531"/>
       </p:ext>
     </p:extLst>
   </p:cSld>
@@ -15743,7 +15699,13 @@
       </p:grpSpPr>
       <p:sp>
         <p:nvSpPr>
-          <p:cNvPr id="2" name="タイトル 1"/>
+          <p:cNvPr id="4" name="タイトル 3">
+            <a:extLst>
+              <a:ext uri="{FF2B5EF4-FFF2-40B4-BE49-F238E27FC236}">
+                <a16:creationId xmlns:a16="http://schemas.microsoft.com/office/drawing/2014/main" id="{753D130F-9E8D-16A8-53A6-8697A34BBC23}"/>
+              </a:ext>
+            </a:extLst>
+          </p:cNvPr>
           <p:cNvSpPr>
             <a:spLocks noGrp="1"/>
           </p:cNvSpPr>
@@ -15757,15 +15719,22 @@
           <a:lstStyle/>
           <a:p>
             <a:r>
-              <a:rPr kumimoji="1" lang="ja-JP" altLang="en-US" dirty="0"/>
-              <a:t>スライド用プロットの流れの例</a:t>
-            </a:r>
-          </a:p>
-        </p:txBody>
-      </p:sp>
-      <p:sp>
-        <p:nvSpPr>
-          <p:cNvPr id="3" name="テキスト プレースホルダー 2"/>
+              <a:rPr lang="ja-JP" altLang="en-US" b="1" dirty="0"/>
+              <a:t>全体プロットの構成</a:t>
+            </a:r>
+            <a:endParaRPr lang="ja-JP" altLang="en-US" dirty="0"/>
+          </a:p>
+        </p:txBody>
+      </p:sp>
+      <p:sp>
+        <p:nvSpPr>
+          <p:cNvPr id="5" name="テキスト プレースホルダー 4">
+            <a:extLst>
+              <a:ext uri="{FF2B5EF4-FFF2-40B4-BE49-F238E27FC236}">
+                <a16:creationId xmlns:a16="http://schemas.microsoft.com/office/drawing/2014/main" id="{220629E9-D9B3-68BB-D88A-B953DAE0018E}"/>
+              </a:ext>
+            </a:extLst>
+          </p:cNvPr>
           <p:cNvSpPr>
             <a:spLocks noGrp="1"/>
           </p:cNvSpPr>
@@ -15773,160 +15742,80 @@
             <p:ph type="body" sz="quarter" idx="10"/>
           </p:nvPr>
         </p:nvSpPr>
-        <p:spPr>
-          <a:xfrm>
-            <a:off x="611956" y="1268976"/>
-            <a:ext cx="8280092" cy="5039749"/>
-          </a:xfrm>
-        </p:spPr>
+        <p:spPr/>
         <p:txBody>
           <a:bodyPr/>
           <a:lstStyle/>
           <a:p>
-            <a:pPr marL="817200" lvl="1" indent="-457200">
-              <a:buFont typeface="+mj-lt"/>
-              <a:buAutoNum type="arabicPeriod"/>
-            </a:pPr>
+            <a:r>
+              <a:rPr lang="ja-JP" altLang="en-US" dirty="0"/>
+              <a:t>論文用：以下を</a:t>
+            </a:r>
             <a:r>
               <a:rPr kumimoji="1" lang="ja-JP" altLang="en-US" dirty="0"/>
-              <a:t>イントロ</a:t>
+              <a:t>箇条書きにまとめる</a:t>
+            </a:r>
+            <a:endParaRPr lang="en-US" altLang="ja-JP" dirty="0"/>
+          </a:p>
+          <a:p>
+            <a:pPr lvl="1"/>
+            <a:r>
+              <a:rPr kumimoji="1" lang="ja-JP" altLang="en-US" dirty="0"/>
+              <a:t>論文の </a:t>
+            </a:r>
+            <a:r>
+              <a:rPr kumimoji="1" lang="en-US" altLang="ja-JP" dirty="0"/>
+              <a:t>subsubsection </a:t>
+            </a:r>
+            <a:r>
+              <a:rPr kumimoji="1" lang="ja-JP" altLang="en-US" dirty="0"/>
+              <a:t>までの節タイトル</a:t>
             </a:r>
             <a:endParaRPr kumimoji="1" lang="en-US" altLang="ja-JP" dirty="0"/>
           </a:p>
           <a:p>
-            <a:pPr marL="817200" lvl="1" indent="-457200">
-              <a:buFont typeface="+mj-lt"/>
-              <a:buAutoNum type="arabicPeriod"/>
-            </a:pPr>
+            <a:pPr lvl="1"/>
             <a:r>
               <a:rPr kumimoji="1" lang="ja-JP" altLang="en-US" dirty="0"/>
-              <a:t>背景となる問題</a:t>
+              <a:t>そこで何を話すか</a:t>
             </a:r>
             <a:endParaRPr kumimoji="1" lang="en-US" altLang="ja-JP" dirty="0"/>
           </a:p>
           <a:p>
-            <a:pPr marL="817200" lvl="1" indent="-457200">
-              <a:buFont typeface="+mj-lt"/>
-              <a:buAutoNum type="arabicPeriod"/>
-            </a:pPr>
+            <a:r>
+              <a:rPr lang="ja-JP" altLang="en-US" dirty="0"/>
+              <a:t>スライド用：以下を</a:t>
+            </a:r>
             <a:r>
               <a:rPr kumimoji="1" lang="ja-JP" altLang="en-US" dirty="0"/>
-              <a:t>既存</a:t>
-            </a:r>
-            <a:r>
-              <a:rPr lang="ja-JP" altLang="en-US" dirty="0"/>
-              <a:t>手法</a:t>
+              <a:t>箇条書きにまとめる</a:t>
             </a:r>
             <a:endParaRPr lang="en-US" altLang="ja-JP" dirty="0"/>
           </a:p>
           <a:p>
-            <a:pPr marL="1177200" lvl="2" indent="-457200">
-              <a:buFont typeface="+mj-lt"/>
-              <a:buAutoNum type="arabicPeriod"/>
-            </a:pPr>
-            <a:r>
-              <a:rPr lang="ja-JP" altLang="en-US" dirty="0"/>
-              <a:t>既存手法の説明</a:t>
-            </a:r>
-            <a:endParaRPr lang="en-US" altLang="ja-JP" dirty="0"/>
-          </a:p>
-          <a:p>
-            <a:pPr marL="1177200" lvl="2" indent="-457200">
-              <a:buFont typeface="+mj-lt"/>
-              <a:buAutoNum type="arabicPeriod"/>
-            </a:pPr>
-            <a:r>
-              <a:rPr lang="ja-JP" altLang="en-US" dirty="0"/>
-              <a:t>既存手法の問題</a:t>
-            </a:r>
-            <a:endParaRPr lang="en-US" altLang="ja-JP" dirty="0"/>
-          </a:p>
-          <a:p>
-            <a:pPr marL="817200" lvl="1" indent="-457200">
-              <a:buFont typeface="+mj-lt"/>
-              <a:buAutoNum type="arabicPeriod"/>
-            </a:pPr>
+            <a:pPr lvl="1"/>
             <a:r>
               <a:rPr kumimoji="1" lang="ja-JP" altLang="en-US" dirty="0"/>
-              <a:t>提案手法</a:t>
+              <a:t>スライドの各ページのタイトル</a:t>
             </a:r>
             <a:endParaRPr kumimoji="1" lang="en-US" altLang="ja-JP" dirty="0"/>
           </a:p>
           <a:p>
-            <a:pPr marL="1177200" lvl="2" indent="-457200">
-              <a:buFont typeface="+mj-lt"/>
-              <a:buAutoNum type="arabicPeriod"/>
-            </a:pPr>
+            <a:pPr lvl="1"/>
             <a:r>
               <a:rPr kumimoji="1" lang="ja-JP" altLang="en-US" dirty="0"/>
-              <a:t>アイデア</a:t>
-            </a:r>
-            <a:endParaRPr kumimoji="1" lang="en-US" altLang="ja-JP" dirty="0"/>
-          </a:p>
-          <a:p>
-            <a:pPr marL="1177200" lvl="2" indent="-457200">
-              <a:buFont typeface="+mj-lt"/>
-              <a:buAutoNum type="arabicPeriod"/>
-            </a:pPr>
-            <a:r>
-              <a:rPr kumimoji="1" lang="ja-JP" altLang="en-US" dirty="0"/>
-              <a:t>実装：構成，動作，例</a:t>
-            </a:r>
-            <a:endParaRPr kumimoji="1" lang="en-US" altLang="ja-JP" dirty="0"/>
-          </a:p>
-          <a:p>
-            <a:pPr marL="1177200" lvl="2" indent="-457200">
-              <a:buFont typeface="+mj-lt"/>
-              <a:buAutoNum type="arabicPeriod"/>
-            </a:pPr>
-            <a:r>
-              <a:rPr kumimoji="1" lang="ja-JP" altLang="en-US" dirty="0"/>
-              <a:t>既存手法との比較</a:t>
-            </a:r>
-            <a:endParaRPr kumimoji="1" lang="en-US" altLang="ja-JP" dirty="0"/>
-          </a:p>
-          <a:p>
-            <a:pPr marL="817200" lvl="1" indent="-457200">
-              <a:buFont typeface="+mj-lt"/>
-              <a:buAutoNum type="arabicPeriod"/>
-            </a:pPr>
-            <a:r>
-              <a:rPr kumimoji="1" lang="ja-JP" altLang="en-US" dirty="0"/>
-              <a:t>評価</a:t>
-            </a:r>
-            <a:endParaRPr kumimoji="1" lang="en-US" altLang="ja-JP" dirty="0"/>
-          </a:p>
-          <a:p>
-            <a:pPr marL="817200" lvl="1" indent="-457200">
-              <a:buFont typeface="+mj-lt"/>
-              <a:buAutoNum type="arabicPeriod"/>
-            </a:pPr>
-            <a:r>
-              <a:rPr kumimoji="1" lang="ja-JP" altLang="en-US" dirty="0"/>
-              <a:t>まとめ</a:t>
-            </a:r>
-            <a:endParaRPr kumimoji="1" lang="en-US" altLang="ja-JP" dirty="0"/>
-          </a:p>
-          <a:p>
-            <a:pPr marL="817200" lvl="1" indent="-457200">
-              <a:buFont typeface="+mj-lt"/>
-              <a:buAutoNum type="arabicPeriod"/>
-            </a:pPr>
-            <a:endParaRPr lang="en-US" altLang="ja-JP" dirty="0"/>
-          </a:p>
-          <a:p>
-            <a:pPr lvl="1"/>
-            <a:r>
-              <a:rPr kumimoji="1" lang="ja-JP" altLang="en-US" dirty="0"/>
-              <a:t>たとえば上記それぞれの項目に１～４ページ程度を割り当てる</a:t>
-            </a:r>
+              <a:t>そこで何を話すか</a:t>
+            </a:r>
+          </a:p>
+          <a:p>
+            <a:endParaRPr lang="ja-JP" altLang="en-US" dirty="0"/>
           </a:p>
         </p:txBody>
       </p:sp>
     </p:spTree>
     <p:extLst>
       <p:ext uri="{BB962C8B-B14F-4D97-AF65-F5344CB8AC3E}">
-        <p14:creationId xmlns:p14="http://schemas.microsoft.com/office/powerpoint/2010/main" val="2044035977"/>
+        <p14:creationId xmlns:p14="http://schemas.microsoft.com/office/powerpoint/2010/main" val="492338302"/>
       </p:ext>
     </p:extLst>
   </p:cSld>
@@ -15963,13 +15852,7 @@
       </p:grpSpPr>
       <p:sp>
         <p:nvSpPr>
-          <p:cNvPr id="6" name="タイトル 5">
-            <a:extLst>
-              <a:ext uri="{FF2B5EF4-FFF2-40B4-BE49-F238E27FC236}">
-                <a16:creationId xmlns:a16="http://schemas.microsoft.com/office/drawing/2014/main" id="{8747E992-D7C8-B607-3243-8F1C4EBCDADD}"/>
-              </a:ext>
-            </a:extLst>
-          </p:cNvPr>
+          <p:cNvPr id="2" name="タイトル 1"/>
           <p:cNvSpPr>
             <a:spLocks noGrp="1"/>
           </p:cNvSpPr>
@@ -15983,8 +15866,168 @@
           <a:lstStyle/>
           <a:p>
             <a:r>
-              <a:rPr lang="ja-JP" altLang="en-US" b="1" dirty="0"/>
-              <a:t>プロットから文章へ</a:t>
+              <a:rPr kumimoji="1" lang="ja-JP" altLang="en-US" dirty="0"/>
+              <a:t>スライド用プロットの流れの例</a:t>
+            </a:r>
+          </a:p>
+        </p:txBody>
+      </p:sp>
+      <p:sp>
+        <p:nvSpPr>
+          <p:cNvPr id="3" name="テキスト プレースホルダー 2"/>
+          <p:cNvSpPr>
+            <a:spLocks noGrp="1"/>
+          </p:cNvSpPr>
+          <p:nvPr>
+            <p:ph type="body" sz="quarter" idx="10"/>
+          </p:nvPr>
+        </p:nvSpPr>
+        <p:spPr>
+          <a:xfrm>
+            <a:off x="611956" y="1268976"/>
+            <a:ext cx="8280092" cy="5039749"/>
+          </a:xfrm>
+        </p:spPr>
+        <p:txBody>
+          <a:bodyPr/>
+          <a:lstStyle/>
+          <a:p>
+            <a:pPr marL="817200" lvl="1" indent="-457200">
+              <a:buFont typeface="+mj-lt"/>
+              <a:buAutoNum type="arabicPeriod"/>
+            </a:pPr>
+            <a:r>
+              <a:rPr kumimoji="1" lang="ja-JP" altLang="en-US" dirty="0"/>
+              <a:t>イントロ</a:t>
+            </a:r>
+            <a:endParaRPr kumimoji="1" lang="en-US" altLang="ja-JP" dirty="0"/>
+          </a:p>
+          <a:p>
+            <a:pPr marL="817200" lvl="1" indent="-457200">
+              <a:buFont typeface="+mj-lt"/>
+              <a:buAutoNum type="arabicPeriod"/>
+            </a:pPr>
+            <a:r>
+              <a:rPr kumimoji="1" lang="ja-JP" altLang="en-US" dirty="0"/>
+              <a:t>背景となる問題</a:t>
+            </a:r>
+            <a:endParaRPr kumimoji="1" lang="en-US" altLang="ja-JP" dirty="0"/>
+          </a:p>
+          <a:p>
+            <a:pPr marL="817200" lvl="1" indent="-457200">
+              <a:buFont typeface="+mj-lt"/>
+              <a:buAutoNum type="arabicPeriod"/>
+            </a:pPr>
+            <a:r>
+              <a:rPr kumimoji="1" lang="ja-JP" altLang="en-US" dirty="0"/>
+              <a:t>既存</a:t>
+            </a:r>
+            <a:r>
+              <a:rPr lang="ja-JP" altLang="en-US" dirty="0"/>
+              <a:t>手法</a:t>
+            </a:r>
+            <a:endParaRPr lang="en-US" altLang="ja-JP" dirty="0"/>
+          </a:p>
+          <a:p>
+            <a:pPr marL="1177200" lvl="2" indent="-457200">
+              <a:buFont typeface="+mj-lt"/>
+              <a:buAutoNum type="arabicPeriod"/>
+            </a:pPr>
+            <a:r>
+              <a:rPr lang="ja-JP" altLang="en-US" dirty="0"/>
+              <a:t>既存手法の説明</a:t>
+            </a:r>
+            <a:endParaRPr lang="en-US" altLang="ja-JP" dirty="0"/>
+          </a:p>
+          <a:p>
+            <a:pPr marL="1177200" lvl="2" indent="-457200">
+              <a:buFont typeface="+mj-lt"/>
+              <a:buAutoNum type="arabicPeriod"/>
+            </a:pPr>
+            <a:r>
+              <a:rPr lang="ja-JP" altLang="en-US" dirty="0"/>
+              <a:t>既存手法の問題</a:t>
+            </a:r>
+            <a:endParaRPr lang="en-US" altLang="ja-JP" dirty="0"/>
+          </a:p>
+          <a:p>
+            <a:pPr marL="817200" lvl="1" indent="-457200">
+              <a:buFont typeface="+mj-lt"/>
+              <a:buAutoNum type="arabicPeriod"/>
+            </a:pPr>
+            <a:r>
+              <a:rPr kumimoji="1" lang="ja-JP" altLang="en-US" dirty="0"/>
+              <a:t>提案手法</a:t>
+            </a:r>
+            <a:endParaRPr kumimoji="1" lang="en-US" altLang="ja-JP" dirty="0"/>
+          </a:p>
+          <a:p>
+            <a:pPr marL="1177200" lvl="2" indent="-457200">
+              <a:buFont typeface="+mj-lt"/>
+              <a:buAutoNum type="arabicPeriod"/>
+            </a:pPr>
+            <a:r>
+              <a:rPr kumimoji="1" lang="ja-JP" altLang="en-US" dirty="0"/>
+              <a:t>アイデア</a:t>
+            </a:r>
+            <a:endParaRPr kumimoji="1" lang="en-US" altLang="ja-JP" dirty="0"/>
+          </a:p>
+          <a:p>
+            <a:pPr marL="1177200" lvl="2" indent="-457200">
+              <a:buFont typeface="+mj-lt"/>
+              <a:buAutoNum type="arabicPeriod"/>
+            </a:pPr>
+            <a:r>
+              <a:rPr kumimoji="1" lang="ja-JP" altLang="en-US" dirty="0"/>
+              <a:t>実装：構成，動作，例</a:t>
+            </a:r>
+            <a:endParaRPr kumimoji="1" lang="en-US" altLang="ja-JP" dirty="0"/>
+          </a:p>
+          <a:p>
+            <a:pPr marL="1177200" lvl="2" indent="-457200">
+              <a:buFont typeface="+mj-lt"/>
+              <a:buAutoNum type="arabicPeriod"/>
+            </a:pPr>
+            <a:r>
+              <a:rPr kumimoji="1" lang="ja-JP" altLang="en-US" dirty="0"/>
+              <a:t>既存手法との比較</a:t>
+            </a:r>
+            <a:endParaRPr kumimoji="1" lang="en-US" altLang="ja-JP" dirty="0"/>
+          </a:p>
+          <a:p>
+            <a:pPr marL="817200" lvl="1" indent="-457200">
+              <a:buFont typeface="+mj-lt"/>
+              <a:buAutoNum type="arabicPeriod"/>
+            </a:pPr>
+            <a:r>
+              <a:rPr kumimoji="1" lang="ja-JP" altLang="en-US" dirty="0"/>
+              <a:t>評価</a:t>
+            </a:r>
+            <a:endParaRPr kumimoji="1" lang="en-US" altLang="ja-JP" dirty="0"/>
+          </a:p>
+          <a:p>
+            <a:pPr marL="817200" lvl="1" indent="-457200">
+              <a:buFont typeface="+mj-lt"/>
+              <a:buAutoNum type="arabicPeriod"/>
+            </a:pPr>
+            <a:r>
+              <a:rPr kumimoji="1" lang="ja-JP" altLang="en-US" dirty="0"/>
+              <a:t>まとめ</a:t>
+            </a:r>
+            <a:endParaRPr kumimoji="1" lang="en-US" altLang="ja-JP" dirty="0"/>
+          </a:p>
+          <a:p>
+            <a:pPr marL="817200" lvl="1" indent="-457200">
+              <a:buFont typeface="+mj-lt"/>
+              <a:buAutoNum type="arabicPeriod"/>
+            </a:pPr>
+            <a:endParaRPr lang="en-US" altLang="ja-JP" dirty="0"/>
+          </a:p>
+          <a:p>
+            <a:pPr lvl="1"/>
+            <a:r>
+              <a:rPr kumimoji="1" lang="ja-JP" altLang="en-US" dirty="0"/>
+              <a:t>たとえば上記それぞれの項目に１～４ページ程度を割り当てる</a:t>
             </a:r>
           </a:p>
         </p:txBody>
@@ -15992,13 +16035,21 @@
     </p:spTree>
     <p:extLst>
       <p:ext uri="{BB962C8B-B14F-4D97-AF65-F5344CB8AC3E}">
-        <p14:creationId xmlns:p14="http://schemas.microsoft.com/office/powerpoint/2010/main" val="2482668500"/>
+        <p14:creationId xmlns:p14="http://schemas.microsoft.com/office/powerpoint/2010/main" val="2044035977"/>
       </p:ext>
     </p:extLst>
   </p:cSld>
   <p:clrMapOvr>
     <a:masterClrMapping/>
   </p:clrMapOvr>
+  <mc:AlternateContent xmlns:mc="http://schemas.openxmlformats.org/markup-compatibility/2006" xmlns:p14="http://schemas.microsoft.com/office/powerpoint/2010/main">
+    <mc:Choice Requires="p14">
+      <p:transition p14:dur="10"/>
+    </mc:Choice>
+    <mc:Fallback xmlns="">
+      <p:transition/>
+    </mc:Fallback>
+  </mc:AlternateContent>
 </p:sld>
 </file>
 
@@ -16021,10 +16072,10 @@
       </p:grpSpPr>
       <p:sp>
         <p:nvSpPr>
-          <p:cNvPr id="4" name="タイトル 3">
-            <a:extLst>
-              <a:ext uri="{FF2B5EF4-FFF2-40B4-BE49-F238E27FC236}">
-                <a16:creationId xmlns:a16="http://schemas.microsoft.com/office/drawing/2014/main" id="{6562E51A-24AB-589C-C10B-60BA2743CF86}"/>
+          <p:cNvPr id="6" name="タイトル 5">
+            <a:extLst>
+              <a:ext uri="{FF2B5EF4-FFF2-40B4-BE49-F238E27FC236}">
+                <a16:creationId xmlns:a16="http://schemas.microsoft.com/office/drawing/2014/main" id="{8747E992-D7C8-B607-3243-8F1C4EBCDADD}"/>
               </a:ext>
             </a:extLst>
           </p:cNvPr>
@@ -16041,6 +16092,64 @@
           <a:lstStyle/>
           <a:p>
             <a:r>
+              <a:rPr lang="ja-JP" altLang="en-US" b="1" dirty="0"/>
+              <a:t>プロットから文章へ</a:t>
+            </a:r>
+          </a:p>
+        </p:txBody>
+      </p:sp>
+    </p:spTree>
+    <p:extLst>
+      <p:ext uri="{BB962C8B-B14F-4D97-AF65-F5344CB8AC3E}">
+        <p14:creationId xmlns:p14="http://schemas.microsoft.com/office/powerpoint/2010/main" val="2482668500"/>
+      </p:ext>
+    </p:extLst>
+  </p:cSld>
+  <p:clrMapOvr>
+    <a:masterClrMapping/>
+  </p:clrMapOvr>
+</p:sld>
+</file>
+
+<file path=ppt/slides/slide54.xml><?xml version="1.0" encoding="utf-8"?>
+<p:sld xmlns:a="http://schemas.openxmlformats.org/drawingml/2006/main" xmlns:r="http://schemas.openxmlformats.org/officeDocument/2006/relationships" xmlns:p="http://schemas.openxmlformats.org/presentationml/2006/main">
+  <p:cSld>
+    <p:spTree>
+      <p:nvGrpSpPr>
+        <p:cNvPr id="1" name=""/>
+        <p:cNvGrpSpPr/>
+        <p:nvPr/>
+      </p:nvGrpSpPr>
+      <p:grpSpPr>
+        <a:xfrm>
+          <a:off x="0" y="0"/>
+          <a:ext cx="0" cy="0"/>
+          <a:chOff x="0" y="0"/>
+          <a:chExt cx="0" cy="0"/>
+        </a:xfrm>
+      </p:grpSpPr>
+      <p:sp>
+        <p:nvSpPr>
+          <p:cNvPr id="4" name="タイトル 3">
+            <a:extLst>
+              <a:ext uri="{FF2B5EF4-FFF2-40B4-BE49-F238E27FC236}">
+                <a16:creationId xmlns:a16="http://schemas.microsoft.com/office/drawing/2014/main" id="{6562E51A-24AB-589C-C10B-60BA2743CF86}"/>
+              </a:ext>
+            </a:extLst>
+          </p:cNvPr>
+          <p:cNvSpPr>
+            <a:spLocks noGrp="1"/>
+          </p:cNvSpPr>
+          <p:nvPr>
+            <p:ph type="title"/>
+          </p:nvPr>
+        </p:nvSpPr>
+        <p:spPr/>
+        <p:txBody>
+          <a:bodyPr/>
+          <a:lstStyle/>
+          <a:p>
+            <a:r>
               <a:rPr lang="ja-JP" altLang="en-US" dirty="0"/>
               <a:t>プロットから文章やスライドへ</a:t>
             </a:r>
@@ -16175,7 +16284,7 @@
             <a:fld id="{D2D8002D-B5B0-4BAC-B1F6-782DDCCE6D9C}" type="slidenum">
               <a:rPr kumimoji="1" lang="ja-JP" altLang="en-US" smtClean="0"/>
               <a:pPr/>
-              <a:t>53</a:t>
+              <a:t>54</a:t>
             </a:fld>
             <a:endParaRPr kumimoji="1" lang="ja-JP" altLang="en-US"/>
           </a:p>
@@ -16202,7 +16311,7 @@
 </p:sld>
 </file>
 
-<file path=ppt/slides/slide54.xml><?xml version="1.0" encoding="utf-8"?>
+<file path=ppt/slides/slide55.xml><?xml version="1.0" encoding="utf-8"?>
 <p:sld xmlns:a="http://schemas.openxmlformats.org/drawingml/2006/main" xmlns:r="http://schemas.openxmlformats.org/officeDocument/2006/relationships" xmlns:p="http://schemas.openxmlformats.org/presentationml/2006/main">
   <p:cSld>
     <p:spTree>
@@ -16428,7 +16537,7 @@
 </p:sld>
 </file>
 
-<file path=ppt/slides/slide55.xml><?xml version="1.0" encoding="utf-8"?>
+<file path=ppt/slides/slide56.xml><?xml version="1.0" encoding="utf-8"?>
 <p:sld xmlns:a="http://schemas.openxmlformats.org/drawingml/2006/main" xmlns:r="http://schemas.openxmlformats.org/officeDocument/2006/relationships" xmlns:p="http://schemas.openxmlformats.org/presentationml/2006/main">
   <p:cSld>
     <p:spTree>
@@ -20014,7 +20123,7 @@
 </p:sld>
 </file>
 
-<file path=ppt/slides/slide56.xml><?xml version="1.0" encoding="utf-8"?>
+<file path=ppt/slides/slide57.xml><?xml version="1.0" encoding="utf-8"?>
 <p:sld xmlns:a="http://schemas.openxmlformats.org/drawingml/2006/main" xmlns:r="http://schemas.openxmlformats.org/officeDocument/2006/relationships" xmlns:p="http://schemas.openxmlformats.org/presentationml/2006/main">
   <p:cSld>
     <p:spTree>
@@ -23600,7 +23709,7 @@
 </p:sld>
 </file>
 
-<file path=ppt/slides/slide57.xml><?xml version="1.0" encoding="utf-8"?>
+<file path=ppt/slides/slide58.xml><?xml version="1.0" encoding="utf-8"?>
 <p:sld xmlns:a="http://schemas.openxmlformats.org/drawingml/2006/main" xmlns:r="http://schemas.openxmlformats.org/officeDocument/2006/relationships" xmlns:p="http://schemas.openxmlformats.org/presentationml/2006/main">
   <p:cSld>
     <p:spTree>
@@ -23658,7 +23767,7 @@
 </p:sld>
 </file>
 
-<file path=ppt/slides/slide58.xml><?xml version="1.0" encoding="utf-8"?>
+<file path=ppt/slides/slide59.xml><?xml version="1.0" encoding="utf-8"?>
 <p:sld xmlns:a="http://schemas.openxmlformats.org/drawingml/2006/main" xmlns:r="http://schemas.openxmlformats.org/officeDocument/2006/relationships" xmlns:p="http://schemas.openxmlformats.org/presentationml/2006/main">
   <p:cSld>
     <p:spTree>
@@ -23814,10 +23923,10 @@
       </p:grpSpPr>
       <p:sp>
         <p:nvSpPr>
-          <p:cNvPr id="4" name="タイトル 3">
-            <a:extLst>
-              <a:ext uri="{FF2B5EF4-FFF2-40B4-BE49-F238E27FC236}">
-                <a16:creationId xmlns:a16="http://schemas.microsoft.com/office/drawing/2014/main" id="{B2C224BE-1AFB-746F-3613-EB76E3C658DF}"/>
+          <p:cNvPr id="2" name="タイトル 1">
+            <a:extLst>
+              <a:ext uri="{FF2B5EF4-FFF2-40B4-BE49-F238E27FC236}">
+                <a16:creationId xmlns:a16="http://schemas.microsoft.com/office/drawing/2014/main" id="{F6FC41B6-7C48-38E1-C9EB-ECA1128D425A}"/>
               </a:ext>
             </a:extLst>
           </p:cNvPr>
@@ -23834,19 +23943,26 @@
           <a:lstStyle/>
           <a:p>
             <a:r>
-              <a:rPr lang="ja-JP" altLang="en-US" dirty="0"/>
-              <a:t>３点プロットとは</a:t>
-            </a:r>
-            <a:endParaRPr lang="en-US" altLang="ja-JP" dirty="0"/>
-          </a:p>
-        </p:txBody>
-      </p:sp>
-      <p:sp>
-        <p:nvSpPr>
-          <p:cNvPr id="5" name="テキスト プレースホルダー 4">
-            <a:extLst>
-              <a:ext uri="{FF2B5EF4-FFF2-40B4-BE49-F238E27FC236}">
-                <a16:creationId xmlns:a16="http://schemas.microsoft.com/office/drawing/2014/main" id="{5DCC2B0F-B02D-6E87-29E0-B6AA749A872C}"/>
+              <a:rPr kumimoji="1" lang="ja-JP" altLang="en-US" dirty="0"/>
+              <a:t>プロットにはいろいろタイプがある</a:t>
+            </a:r>
+            <a:br>
+              <a:rPr kumimoji="1" lang="en-US" altLang="ja-JP" dirty="0"/>
+            </a:br>
+            <a:r>
+              <a:rPr lang="ja-JP" altLang="en-US" sz="1800" dirty="0"/>
+              <a:t>論文や発表スライドの作成段階に応じて，これらを作る</a:t>
+            </a:r>
+            <a:endParaRPr kumimoji="1" lang="ja-JP" altLang="en-US" dirty="0"/>
+          </a:p>
+        </p:txBody>
+      </p:sp>
+      <p:sp>
+        <p:nvSpPr>
+          <p:cNvPr id="3" name="テキスト プレースホルダー 2">
+            <a:extLst>
+              <a:ext uri="{FF2B5EF4-FFF2-40B4-BE49-F238E27FC236}">
+                <a16:creationId xmlns:a16="http://schemas.microsoft.com/office/drawing/2014/main" id="{9B1D87CA-355E-1DFA-F216-9E50E51D1105}"/>
               </a:ext>
             </a:extLst>
           </p:cNvPr>
@@ -23862,49 +23978,111 @@
           <a:bodyPr/>
           <a:lstStyle/>
           <a:p>
-            <a:r>
-              <a:rPr lang="ja-JP" altLang="en-US" dirty="0">
-                <a:solidFill>
-                  <a:schemeClr val="accent5"/>
-                </a:solidFill>
-              </a:rPr>
-              <a:t>３点プロットはいわば「プロットのプロット」</a:t>
-            </a:r>
-            <a:endParaRPr lang="en-US" altLang="ja-JP" dirty="0">
-              <a:solidFill>
-                <a:schemeClr val="accent5"/>
-              </a:solidFill>
-            </a:endParaRPr>
+            <a:pPr marL="457200" indent="-457200">
+              <a:buFont typeface="+mj-lt"/>
+              <a:buAutoNum type="arabicPeriod"/>
+            </a:pPr>
+            <a:r>
+              <a:rPr kumimoji="1" lang="ja-JP" altLang="en-US" dirty="0"/>
+              <a:t>３点プロット</a:t>
+            </a:r>
+            <a:endParaRPr kumimoji="1" lang="en-US" altLang="ja-JP" dirty="0"/>
           </a:p>
           <a:p>
             <a:pPr lvl="1"/>
             <a:r>
+              <a:rPr kumimoji="1" lang="ja-JP" altLang="en-US" dirty="0"/>
+              <a:t>話全体を３つの項目にまとめた形のプロット</a:t>
+            </a:r>
+            <a:endParaRPr kumimoji="1" lang="en-US" altLang="ja-JP" dirty="0"/>
+          </a:p>
+          <a:p>
+            <a:pPr lvl="1"/>
+            <a:r>
+              <a:rPr kumimoji="1" lang="ja-JP" altLang="en-US" dirty="0"/>
+              <a:t>イントロ</a:t>
+            </a:r>
+            <a:r>
+              <a:rPr kumimoji="1" lang="en-US" altLang="ja-JP" dirty="0"/>
+              <a:t>/</a:t>
+            </a:r>
+            <a:r>
+              <a:rPr kumimoji="1" lang="ja-JP" altLang="en-US" dirty="0"/>
+              <a:t>全体プロットと比べると抽象的な内容になる</a:t>
+            </a:r>
+            <a:endParaRPr kumimoji="1" lang="en-US" altLang="ja-JP" dirty="0"/>
+          </a:p>
+          <a:p>
+            <a:pPr marL="457200" indent="-457200">
+              <a:buFont typeface="+mj-lt"/>
+              <a:buAutoNum type="arabicPeriod"/>
+            </a:pPr>
+            <a:r>
+              <a:rPr kumimoji="1" lang="ja-JP" altLang="en-US" dirty="0"/>
+              <a:t>イントロプロット</a:t>
+            </a:r>
+            <a:endParaRPr kumimoji="1" lang="en-US" altLang="ja-JP" dirty="0"/>
+          </a:p>
+          <a:p>
+            <a:pPr lvl="1"/>
+            <a:r>
               <a:rPr lang="ja-JP" altLang="en-US" dirty="0"/>
-              <a:t>「背景→課題→提案」の３要素が何なのかをまとめたもの</a:t>
+              <a:t>論文やスライドのイントロのプロット</a:t>
             </a:r>
             <a:endParaRPr lang="en-US" altLang="ja-JP" dirty="0"/>
           </a:p>
           <a:p>
+            <a:pPr marL="457200" indent="-457200">
+              <a:buFont typeface="+mj-lt"/>
+              <a:buAutoNum type="arabicPeriod"/>
+            </a:pPr>
+            <a:r>
+              <a:rPr kumimoji="1" lang="ja-JP" altLang="en-US" dirty="0"/>
+              <a:t>全体プロット</a:t>
+            </a:r>
+            <a:endParaRPr kumimoji="1" lang="en-US" altLang="ja-JP" dirty="0"/>
+          </a:p>
+          <a:p>
             <a:pPr lvl="1"/>
             <a:r>
               <a:rPr lang="ja-JP" altLang="en-US" dirty="0"/>
-              <a:t>各要素が何なのかをはっきりさせ，その流れを明確にする</a:t>
-            </a:r>
-            <a:endParaRPr lang="en-US" altLang="ja-JP" dirty="0"/>
+              <a:t>論文やスライド全体のプロット</a:t>
+            </a:r>
+            <a:endParaRPr kumimoji="1" lang="en-US" altLang="ja-JP" dirty="0"/>
+          </a:p>
+          <a:p>
+            <a:pPr marL="457200" indent="-457200">
+              <a:buFont typeface="+mj-lt"/>
+              <a:buAutoNum type="arabicPeriod"/>
+            </a:pPr>
+            <a:r>
+              <a:rPr kumimoji="1" lang="ja-JP" altLang="en-US" dirty="0"/>
+              <a:t>目標規定文</a:t>
+            </a:r>
+            <a:endParaRPr kumimoji="1" lang="en-US" altLang="ja-JP" dirty="0"/>
           </a:p>
           <a:p>
             <a:pPr lvl="1"/>
             <a:r>
+              <a:rPr kumimoji="1" lang="ja-JP" altLang="en-US" dirty="0"/>
+              <a:t>論文やスライドの内容を１文で表したもの</a:t>
+            </a:r>
+            <a:endParaRPr kumimoji="1" lang="en-US" altLang="ja-JP" dirty="0"/>
+          </a:p>
+          <a:p>
+            <a:pPr lvl="1"/>
+            <a:r>
               <a:rPr lang="ja-JP" altLang="en-US" dirty="0"/>
-              <a:t>これを膨らませて全体プロットなどを作る</a:t>
-            </a:r>
+              <a:t>ここではプロットの一種と考えている</a:t>
+            </a:r>
+            <a:endParaRPr kumimoji="1" lang="en-US" altLang="ja-JP" sz="1600" dirty="0"/>
           </a:p>
         </p:txBody>
       </p:sp>
     </p:spTree>
     <p:extLst>
       <p:ext uri="{BB962C8B-B14F-4D97-AF65-F5344CB8AC3E}">
-        <p14:creationId xmlns:p14="http://schemas.microsoft.com/office/powerpoint/2010/main" val="1390950572"/>
+        <p14:creationId xmlns:p14="http://schemas.microsoft.com/office/powerpoint/2010/main" val="4229679149"/>
       </p:ext>
     </p:extLst>
   </p:cSld>
@@ -23962,8 +24140,9 @@
           <a:p>
             <a:r>
               <a:rPr lang="ja-JP" altLang="en-US" dirty="0"/>
-              <a:t>まず３点プロットから作り始める</a:t>
-            </a:r>
+              <a:t>３点プロットとは</a:t>
+            </a:r>
+            <a:endParaRPr lang="en-US" altLang="ja-JP" dirty="0"/>
           </a:p>
         </p:txBody>
       </p:sp>
@@ -23989,62 +24168,12 @@
           <a:lstStyle/>
           <a:p>
             <a:r>
-              <a:rPr lang="ja-JP" altLang="en-US" dirty="0"/>
-              <a:t>イントロプロットや全体</a:t>
-            </a:r>
-            <a:r>
-              <a:rPr kumimoji="1" lang="ja-JP" altLang="en-US" dirty="0"/>
-              <a:t>プロットをいきなり作るのは難しい</a:t>
-            </a:r>
-            <a:endParaRPr lang="en-US" altLang="ja-JP" dirty="0"/>
-          </a:p>
-          <a:p>
-            <a:pPr lvl="1"/>
-            <a:r>
-              <a:rPr lang="ja-JP" altLang="en-US" dirty="0"/>
-              <a:t>自由度が高すぎて，いきなりまとめるのが難しい</a:t>
-            </a:r>
-            <a:endParaRPr lang="en-US" altLang="ja-JP" dirty="0"/>
-          </a:p>
-          <a:p>
-            <a:r>
-              <a:rPr lang="ja-JP" altLang="en-US" dirty="0"/>
-              <a:t>目標規定文を最初に作るのも難しい</a:t>
-            </a:r>
-            <a:endParaRPr lang="en-US" altLang="ja-JP" dirty="0"/>
-          </a:p>
-          <a:p>
-            <a:pPr lvl="1"/>
-            <a:r>
-              <a:rPr lang="ja-JP" altLang="en-US" dirty="0"/>
-              <a:t>本当に大事な事だけを１つの文に集約</a:t>
-            </a:r>
-            <a:r>
-              <a:rPr lang="en-US" altLang="ja-JP" dirty="0"/>
-              <a:t>/</a:t>
-            </a:r>
-            <a:r>
-              <a:rPr lang="ja-JP" altLang="en-US" dirty="0"/>
-              <a:t>圧縮する必要がある</a:t>
-            </a:r>
-            <a:endParaRPr lang="en-US" altLang="ja-JP" dirty="0"/>
-          </a:p>
-          <a:p>
-            <a:pPr lvl="1"/>
-            <a:r>
-              <a:rPr lang="ja-JP" altLang="en-US" dirty="0"/>
-              <a:t>しかし，何が真に大事なのかは最初はわからない</a:t>
-            </a:r>
-            <a:endParaRPr lang="en-US" altLang="ja-JP" dirty="0"/>
-          </a:p>
-          <a:p>
-            <a:r>
               <a:rPr lang="ja-JP" altLang="en-US" dirty="0">
                 <a:solidFill>
                   <a:schemeClr val="accent5"/>
                 </a:solidFill>
               </a:rPr>
-              <a:t>３点プロットが規模的に最初に手をつけるのにちょうどよい</a:t>
+              <a:t>３点プロットはいわば「プロットのプロット」</a:t>
             </a:r>
             <a:endParaRPr lang="en-US" altLang="ja-JP" dirty="0">
               <a:solidFill>
@@ -24056,7 +24185,7 @@
             <a:pPr lvl="1"/>
             <a:r>
               <a:rPr lang="ja-JP" altLang="en-US" dirty="0"/>
-              <a:t>規模が小さくかつ形式が決まっているので，考えやすい</a:t>
+              <a:t>「背景→課題→提案」の３要素が何なのかをまとめたもの</a:t>
             </a:r>
             <a:endParaRPr lang="en-US" altLang="ja-JP" dirty="0"/>
           </a:p>
@@ -24064,7 +24193,7 @@
             <a:pPr lvl="1"/>
             <a:r>
               <a:rPr lang="ja-JP" altLang="en-US" dirty="0"/>
-              <a:t>典型的にはスライド１枚程度にまとめる</a:t>
+              <a:t>各要素が何なのかをはっきりさせ，その流れを明確にする</a:t>
             </a:r>
             <a:endParaRPr lang="en-US" altLang="ja-JP" dirty="0"/>
           </a:p>
@@ -24072,20 +24201,15 @@
             <a:pPr lvl="1"/>
             <a:r>
               <a:rPr lang="ja-JP" altLang="en-US" dirty="0"/>
-              <a:t>短いので，まず取っ掛かりとして始めやすい</a:t>
-            </a:r>
-            <a:endParaRPr lang="en-US" altLang="ja-JP" dirty="0">
-              <a:solidFill>
-                <a:schemeClr val="accent5"/>
-              </a:solidFill>
-            </a:endParaRPr>
+              <a:t>これを膨らませて全体プロットなどを作る</a:t>
+            </a:r>
           </a:p>
         </p:txBody>
       </p:sp>
     </p:spTree>
     <p:extLst>
       <p:ext uri="{BB962C8B-B14F-4D97-AF65-F5344CB8AC3E}">
-        <p14:creationId xmlns:p14="http://schemas.microsoft.com/office/powerpoint/2010/main" val="2651193988"/>
+        <p14:creationId xmlns:p14="http://schemas.microsoft.com/office/powerpoint/2010/main" val="1390950572"/>
       </p:ext>
     </p:extLst>
   </p:cSld>
@@ -24122,6 +24246,187 @@
       </p:grpSpPr>
       <p:sp>
         <p:nvSpPr>
+          <p:cNvPr id="4" name="タイトル 3">
+            <a:extLst>
+              <a:ext uri="{FF2B5EF4-FFF2-40B4-BE49-F238E27FC236}">
+                <a16:creationId xmlns:a16="http://schemas.microsoft.com/office/drawing/2014/main" id="{B2C224BE-1AFB-746F-3613-EB76E3C658DF}"/>
+              </a:ext>
+            </a:extLst>
+          </p:cNvPr>
+          <p:cNvSpPr>
+            <a:spLocks noGrp="1"/>
+          </p:cNvSpPr>
+          <p:nvPr>
+            <p:ph type="title"/>
+          </p:nvPr>
+        </p:nvSpPr>
+        <p:spPr/>
+        <p:txBody>
+          <a:bodyPr/>
+          <a:lstStyle/>
+          <a:p>
+            <a:r>
+              <a:rPr lang="ja-JP" altLang="en-US" dirty="0"/>
+              <a:t>まず３点プロットから作り始める</a:t>
+            </a:r>
+          </a:p>
+        </p:txBody>
+      </p:sp>
+      <p:sp>
+        <p:nvSpPr>
+          <p:cNvPr id="5" name="テキスト プレースホルダー 4">
+            <a:extLst>
+              <a:ext uri="{FF2B5EF4-FFF2-40B4-BE49-F238E27FC236}">
+                <a16:creationId xmlns:a16="http://schemas.microsoft.com/office/drawing/2014/main" id="{5DCC2B0F-B02D-6E87-29E0-B6AA749A872C}"/>
+              </a:ext>
+            </a:extLst>
+          </p:cNvPr>
+          <p:cNvSpPr>
+            <a:spLocks noGrp="1"/>
+          </p:cNvSpPr>
+          <p:nvPr>
+            <p:ph type="body" sz="quarter" idx="10"/>
+          </p:nvPr>
+        </p:nvSpPr>
+        <p:spPr/>
+        <p:txBody>
+          <a:bodyPr/>
+          <a:lstStyle/>
+          <a:p>
+            <a:r>
+              <a:rPr lang="ja-JP" altLang="en-US" dirty="0"/>
+              <a:t>イントロプロットや全体</a:t>
+            </a:r>
+            <a:r>
+              <a:rPr kumimoji="1" lang="ja-JP" altLang="en-US" dirty="0"/>
+              <a:t>プロットをいきなり作るのは難しい</a:t>
+            </a:r>
+            <a:endParaRPr lang="en-US" altLang="ja-JP" dirty="0"/>
+          </a:p>
+          <a:p>
+            <a:pPr lvl="1"/>
+            <a:r>
+              <a:rPr lang="ja-JP" altLang="en-US" dirty="0"/>
+              <a:t>自由度が高すぎて，いきなりまとめるのが難しい</a:t>
+            </a:r>
+            <a:endParaRPr lang="en-US" altLang="ja-JP" dirty="0"/>
+          </a:p>
+          <a:p>
+            <a:r>
+              <a:rPr lang="ja-JP" altLang="en-US" dirty="0"/>
+              <a:t>目標規定文を最初に作るのも難しい</a:t>
+            </a:r>
+            <a:endParaRPr lang="en-US" altLang="ja-JP" dirty="0"/>
+          </a:p>
+          <a:p>
+            <a:pPr lvl="1"/>
+            <a:r>
+              <a:rPr lang="ja-JP" altLang="en-US" dirty="0"/>
+              <a:t>本当に大事な事だけを１つの文に集約</a:t>
+            </a:r>
+            <a:r>
+              <a:rPr lang="en-US" altLang="ja-JP" dirty="0"/>
+              <a:t>/</a:t>
+            </a:r>
+            <a:r>
+              <a:rPr lang="ja-JP" altLang="en-US" dirty="0"/>
+              <a:t>圧縮する必要がある</a:t>
+            </a:r>
+            <a:endParaRPr lang="en-US" altLang="ja-JP" dirty="0"/>
+          </a:p>
+          <a:p>
+            <a:pPr lvl="1"/>
+            <a:r>
+              <a:rPr lang="ja-JP" altLang="en-US" dirty="0"/>
+              <a:t>しかし，何が真に大事なのかは最初はわからない</a:t>
+            </a:r>
+            <a:endParaRPr lang="en-US" altLang="ja-JP" dirty="0"/>
+          </a:p>
+          <a:p>
+            <a:r>
+              <a:rPr lang="ja-JP" altLang="en-US" dirty="0">
+                <a:solidFill>
+                  <a:schemeClr val="accent5"/>
+                </a:solidFill>
+              </a:rPr>
+              <a:t>３点プロットが規模的に最初に手をつけるのにちょうどよい</a:t>
+            </a:r>
+            <a:endParaRPr lang="en-US" altLang="ja-JP" dirty="0">
+              <a:solidFill>
+                <a:schemeClr val="accent5"/>
+              </a:solidFill>
+            </a:endParaRPr>
+          </a:p>
+          <a:p>
+            <a:pPr lvl="1"/>
+            <a:r>
+              <a:rPr lang="ja-JP" altLang="en-US" dirty="0"/>
+              <a:t>規模が小さくかつ形式が決まっているので，考えやすい</a:t>
+            </a:r>
+            <a:endParaRPr lang="en-US" altLang="ja-JP" dirty="0"/>
+          </a:p>
+          <a:p>
+            <a:pPr lvl="1"/>
+            <a:r>
+              <a:rPr lang="ja-JP" altLang="en-US" dirty="0"/>
+              <a:t>典型的にはスライド１枚程度にまとめる</a:t>
+            </a:r>
+            <a:endParaRPr lang="en-US" altLang="ja-JP" dirty="0"/>
+          </a:p>
+          <a:p>
+            <a:pPr lvl="1"/>
+            <a:r>
+              <a:rPr lang="ja-JP" altLang="en-US" dirty="0"/>
+              <a:t>短いので，まず取っ掛かりとして始めやすい</a:t>
+            </a:r>
+            <a:endParaRPr lang="en-US" altLang="ja-JP" dirty="0">
+              <a:solidFill>
+                <a:schemeClr val="accent5"/>
+              </a:solidFill>
+            </a:endParaRPr>
+          </a:p>
+        </p:txBody>
+      </p:sp>
+    </p:spTree>
+    <p:extLst>
+      <p:ext uri="{BB962C8B-B14F-4D97-AF65-F5344CB8AC3E}">
+        <p14:creationId xmlns:p14="http://schemas.microsoft.com/office/powerpoint/2010/main" val="2651193988"/>
+      </p:ext>
+    </p:extLst>
+  </p:cSld>
+  <p:clrMapOvr>
+    <a:masterClrMapping/>
+  </p:clrMapOvr>
+  <mc:AlternateContent xmlns:mc="http://schemas.openxmlformats.org/markup-compatibility/2006" xmlns:p14="http://schemas.microsoft.com/office/powerpoint/2010/main">
+    <mc:Choice Requires="p14">
+      <p:transition p14:dur="10"/>
+    </mc:Choice>
+    <mc:Fallback xmlns="">
+      <p:transition/>
+    </mc:Fallback>
+  </mc:AlternateContent>
+</p:sld>
+</file>
+
+<file path=ppt/slides/slide9.xml><?xml version="1.0" encoding="utf-8"?>
+<p:sld xmlns:a="http://schemas.openxmlformats.org/drawingml/2006/main" xmlns:r="http://schemas.openxmlformats.org/officeDocument/2006/relationships" xmlns:p="http://schemas.openxmlformats.org/presentationml/2006/main">
+  <p:cSld>
+    <p:spTree>
+      <p:nvGrpSpPr>
+        <p:cNvPr id="1" name=""/>
+        <p:cNvGrpSpPr/>
+        <p:nvPr/>
+      </p:nvGrpSpPr>
+      <p:grpSpPr>
+        <a:xfrm>
+          <a:off x="0" y="0"/>
+          <a:ext cx="0" cy="0"/>
+          <a:chOff x="0" y="0"/>
+          <a:chExt cx="0" cy="0"/>
+        </a:xfrm>
+      </p:grpSpPr>
+      <p:sp>
+        <p:nvSpPr>
           <p:cNvPr id="2" name="タイトル 1">
             <a:extLst>
               <a:ext uri="{FF2B5EF4-FFF2-40B4-BE49-F238E27FC236}">
@@ -27048,163 +27353,6 @@
     <p:extLst>
       <p:ext uri="{BB962C8B-B14F-4D97-AF65-F5344CB8AC3E}">
         <p14:creationId xmlns:p14="http://schemas.microsoft.com/office/powerpoint/2010/main" val="3314145948"/>
-      </p:ext>
-    </p:extLst>
-  </p:cSld>
-  <p:clrMapOvr>
-    <a:masterClrMapping/>
-  </p:clrMapOvr>
-  <mc:AlternateContent xmlns:mc="http://schemas.openxmlformats.org/markup-compatibility/2006" xmlns:p14="http://schemas.microsoft.com/office/powerpoint/2010/main">
-    <mc:Choice Requires="p14">
-      <p:transition p14:dur="10"/>
-    </mc:Choice>
-    <mc:Fallback xmlns="">
-      <p:transition/>
-    </mc:Fallback>
-  </mc:AlternateContent>
-</p:sld>
-</file>
-
-<file path=ppt/slides/slide9.xml><?xml version="1.0" encoding="utf-8"?>
-<p:sld xmlns:a="http://schemas.openxmlformats.org/drawingml/2006/main" xmlns:r="http://schemas.openxmlformats.org/officeDocument/2006/relationships" xmlns:p="http://schemas.openxmlformats.org/presentationml/2006/main">
-  <p:cSld>
-    <p:spTree>
-      <p:nvGrpSpPr>
-        <p:cNvPr id="1" name=""/>
-        <p:cNvGrpSpPr/>
-        <p:nvPr/>
-      </p:nvGrpSpPr>
-      <p:grpSpPr>
-        <a:xfrm>
-          <a:off x="0" y="0"/>
-          <a:ext cx="0" cy="0"/>
-          <a:chOff x="0" y="0"/>
-          <a:chExt cx="0" cy="0"/>
-        </a:xfrm>
-      </p:grpSpPr>
-      <p:sp>
-        <p:nvSpPr>
-          <p:cNvPr id="2" name="タイトル 1">
-            <a:extLst>
-              <a:ext uri="{FF2B5EF4-FFF2-40B4-BE49-F238E27FC236}">
-                <a16:creationId xmlns:a16="http://schemas.microsoft.com/office/drawing/2014/main" id="{B70F51C2-EEAA-9214-0B65-47FF08BE573E}"/>
-              </a:ext>
-            </a:extLst>
-          </p:cNvPr>
-          <p:cNvSpPr>
-            <a:spLocks noGrp="1"/>
-          </p:cNvSpPr>
-          <p:nvPr>
-            <p:ph type="title"/>
-          </p:nvPr>
-        </p:nvSpPr>
-        <p:spPr/>
-        <p:txBody>
-          <a:bodyPr/>
-          <a:lstStyle/>
-          <a:p>
-            <a:r>
-              <a:rPr kumimoji="1" lang="ja-JP" altLang="en-US" dirty="0"/>
-              <a:t>全体の目次</a:t>
-            </a:r>
-          </a:p>
-        </p:txBody>
-      </p:sp>
-      <p:sp>
-        <p:nvSpPr>
-          <p:cNvPr id="3" name="テキスト プレースホルダー 2">
-            <a:extLst>
-              <a:ext uri="{FF2B5EF4-FFF2-40B4-BE49-F238E27FC236}">
-                <a16:creationId xmlns:a16="http://schemas.microsoft.com/office/drawing/2014/main" id="{9CB1C79B-10E6-3D35-2C88-555DEFFB6C5A}"/>
-              </a:ext>
-            </a:extLst>
-          </p:cNvPr>
-          <p:cNvSpPr>
-            <a:spLocks noGrp="1"/>
-          </p:cNvSpPr>
-          <p:nvPr>
-            <p:ph type="body" sz="quarter" idx="10"/>
-          </p:nvPr>
-        </p:nvSpPr>
-        <p:spPr/>
-        <p:txBody>
-          <a:bodyPr/>
-          <a:lstStyle/>
-          <a:p>
-            <a:pPr marL="457200" indent="-457200">
-              <a:buFont typeface="+mj-lt"/>
-              <a:buAutoNum type="arabicPeriod"/>
-            </a:pPr>
-            <a:r>
-              <a:rPr kumimoji="1" lang="ja-JP" altLang="en-US" dirty="0"/>
-              <a:t>プロットの作り方</a:t>
-            </a:r>
-            <a:endParaRPr kumimoji="1" lang="en-US" altLang="ja-JP" dirty="0"/>
-          </a:p>
-          <a:p>
-            <a:pPr marL="817200" lvl="1" indent="-457200">
-              <a:buFont typeface="+mj-lt"/>
-              <a:buAutoNum type="arabicPeriod"/>
-            </a:pPr>
-            <a:r>
-              <a:rPr kumimoji="1" lang="ja-JP" altLang="en-US" dirty="0"/>
-              <a:t>３点プロット</a:t>
-            </a:r>
-            <a:endParaRPr kumimoji="1" lang="en-US" altLang="ja-JP" dirty="0"/>
-          </a:p>
-          <a:p>
-            <a:pPr marL="817200" lvl="1" indent="-457200">
-              <a:buFont typeface="+mj-lt"/>
-              <a:buAutoNum type="arabicPeriod"/>
-            </a:pPr>
-            <a:r>
-              <a:rPr kumimoji="1" lang="ja-JP" altLang="en-US" dirty="0"/>
-              <a:t>目標規定文</a:t>
-            </a:r>
-            <a:endParaRPr kumimoji="1" lang="en-US" altLang="ja-JP" dirty="0"/>
-          </a:p>
-          <a:p>
-            <a:pPr marL="817200" lvl="1" indent="-457200">
-              <a:buFont typeface="+mj-lt"/>
-              <a:buAutoNum type="arabicPeriod"/>
-            </a:pPr>
-            <a:r>
-              <a:rPr kumimoji="1" lang="ja-JP" altLang="en-US" dirty="0"/>
-              <a:t>イントロプロット</a:t>
-            </a:r>
-            <a:endParaRPr kumimoji="1" lang="en-US" altLang="ja-JP" dirty="0"/>
-          </a:p>
-          <a:p>
-            <a:pPr marL="817200" lvl="1" indent="-457200">
-              <a:buFont typeface="+mj-lt"/>
-              <a:buAutoNum type="arabicPeriod"/>
-            </a:pPr>
-            <a:r>
-              <a:rPr lang="ja-JP" altLang="en-US" dirty="0"/>
-              <a:t>全体</a:t>
-            </a:r>
-            <a:r>
-              <a:rPr kumimoji="1" lang="ja-JP" altLang="en-US" dirty="0"/>
-              <a:t>プロット</a:t>
-            </a:r>
-            <a:endParaRPr kumimoji="1" lang="en-US" altLang="ja-JP" dirty="0"/>
-          </a:p>
-          <a:p>
-            <a:pPr marL="457200" indent="-457200">
-              <a:buFont typeface="+mj-lt"/>
-              <a:buAutoNum type="arabicPeriod"/>
-            </a:pPr>
-            <a:r>
-              <a:rPr kumimoji="1" lang="ja-JP" altLang="en-US" dirty="0"/>
-              <a:t>プロットから文章へ</a:t>
-            </a:r>
-          </a:p>
-        </p:txBody>
-      </p:sp>
-    </p:spTree>
-    <p:extLst>
-      <p:ext uri="{BB962C8B-B14F-4D97-AF65-F5344CB8AC3E}">
-        <p14:creationId xmlns:p14="http://schemas.microsoft.com/office/powerpoint/2010/main" val="3494943832"/>
       </p:ext>
     </p:extLst>
   </p:cSld>

--- a/plot.pptx
+++ b/plot.pptx
@@ -5,7 +5,7 @@
     <p:sldMasterId id="2147483669" r:id="rId1"/>
   </p:sldMasterIdLst>
   <p:notesMasterIdLst>
-    <p:notesMasterId r:id="rId69"/>
+    <p:notesMasterId r:id="rId74"/>
   </p:notesMasterIdLst>
   <p:sldIdLst>
     <p:sldId id="440" r:id="rId2"/>
@@ -59,22 +59,27 @@
     <p:sldId id="459" r:id="rId50"/>
     <p:sldId id="461" r:id="rId51"/>
     <p:sldId id="447" r:id="rId52"/>
-    <p:sldId id="462" r:id="rId53"/>
-    <p:sldId id="514" r:id="rId54"/>
-    <p:sldId id="463" r:id="rId55"/>
-    <p:sldId id="464" r:id="rId56"/>
-    <p:sldId id="515" r:id="rId57"/>
-    <p:sldId id="505" r:id="rId58"/>
-    <p:sldId id="466" r:id="rId59"/>
-    <p:sldId id="269" r:id="rId60"/>
-    <p:sldId id="478" r:id="rId61"/>
-    <p:sldId id="479" r:id="rId62"/>
-    <p:sldId id="481" r:id="rId63"/>
-    <p:sldId id="482" r:id="rId64"/>
-    <p:sldId id="483" r:id="rId65"/>
-    <p:sldId id="512" r:id="rId66"/>
-    <p:sldId id="471" r:id="rId67"/>
-    <p:sldId id="472" r:id="rId68"/>
+    <p:sldId id="520" r:id="rId53"/>
+    <p:sldId id="462" r:id="rId54"/>
+    <p:sldId id="514" r:id="rId55"/>
+    <p:sldId id="519" r:id="rId56"/>
+    <p:sldId id="522" r:id="rId57"/>
+    <p:sldId id="518" r:id="rId58"/>
+    <p:sldId id="521" r:id="rId59"/>
+    <p:sldId id="463" r:id="rId60"/>
+    <p:sldId id="464" r:id="rId61"/>
+    <p:sldId id="515" r:id="rId62"/>
+    <p:sldId id="505" r:id="rId63"/>
+    <p:sldId id="466" r:id="rId64"/>
+    <p:sldId id="269" r:id="rId65"/>
+    <p:sldId id="478" r:id="rId66"/>
+    <p:sldId id="479" r:id="rId67"/>
+    <p:sldId id="481" r:id="rId68"/>
+    <p:sldId id="482" r:id="rId69"/>
+    <p:sldId id="483" r:id="rId70"/>
+    <p:sldId id="512" r:id="rId71"/>
+    <p:sldId id="471" r:id="rId72"/>
+    <p:sldId id="472" r:id="rId73"/>
   </p:sldIdLst>
   <p:sldSz cx="9144000" cy="6858000" type="screen4x3"/>
   <p:notesSz cx="6858000" cy="9144000"/>
@@ -249,8 +254,13 @@
             <p14:sldId id="459"/>
             <p14:sldId id="461"/>
             <p14:sldId id="447"/>
+            <p14:sldId id="520"/>
             <p14:sldId id="462"/>
             <p14:sldId id="514"/>
+            <p14:sldId id="519"/>
+            <p14:sldId id="522"/>
+            <p14:sldId id="518"/>
+            <p14:sldId id="521"/>
           </p14:sldIdLst>
         </p14:section>
         <p14:section name="全体プロット" id="{D9DAA516-481C-4D90-9148-9FD0CEE7BBDD}">
@@ -3268,8 +3278,8 @@
               <a:t>プロットの作り方 </a:t>
             </a:r>
             <a:r>
-              <a:rPr kumimoji="1" lang="en-US" altLang="ja-JP" sz="2800"/>
-              <a:t>v15</a:t>
+              <a:rPr kumimoji="1" lang="en-US" altLang="ja-JP" sz="2800" dirty="0"/>
+              <a:t>v16</a:t>
             </a:r>
             <a:endParaRPr kumimoji="1" lang="ja-JP" altLang="en-US" sz="2800" dirty="0"/>
           </a:p>
@@ -5425,7 +5435,7 @@
             </a:pPr>
             <a:r>
               <a:rPr kumimoji="1" lang="ja-JP" altLang="en-US" sz="1600" dirty="0"/>
-              <a:t>背景は，プロット全体の話題が何であるのかを説明している</a:t>
+              <a:t>背景は，課題と提案に向けて話題を絞り込んでいる</a:t>
             </a:r>
             <a:endParaRPr kumimoji="1" lang="en-US" altLang="ja-JP" sz="1600" dirty="0"/>
           </a:p>
@@ -15601,15 +15611,31 @@
           <a:p>
             <a:pPr lvl="1"/>
             <a:r>
+              <a:rPr lang="ja-JP" altLang="en-US" dirty="0">
+                <a:solidFill>
+                  <a:schemeClr val="accent5"/>
+                </a:solidFill>
+              </a:rPr>
+              <a:t>６点の項目だけを繋げて読んでも意味が通るようにする</a:t>
+            </a:r>
+            <a:endParaRPr lang="en-US" altLang="ja-JP" dirty="0">
+              <a:solidFill>
+                <a:schemeClr val="accent5"/>
+              </a:solidFill>
+            </a:endParaRPr>
+          </a:p>
+          <a:p>
+            <a:r>
               <a:rPr lang="ja-JP" altLang="en-US" dirty="0"/>
-              <a:t>トピック・センテンスだけを繋げて読んでも意味が通るように</a:t>
+              <a:t>イントロプロットは３点プロットから派生させて作る</a:t>
             </a:r>
             <a:endParaRPr lang="en-US" altLang="ja-JP" dirty="0"/>
           </a:p>
           <a:p>
+            <a:pPr lvl="1"/>
             <a:r>
               <a:rPr lang="ja-JP" altLang="en-US" dirty="0"/>
-              <a:t>イントロプロットも３点プロットから派生させて作る</a:t>
+              <a:t>基本的には３点プロットの各項目に，より詳細を肉付けしていく</a:t>
             </a:r>
             <a:endParaRPr lang="en-US" altLang="ja-JP" dirty="0"/>
           </a:p>
@@ -15617,7 +15643,7 @@
             <a:pPr lvl="1"/>
             <a:r>
               <a:rPr lang="ja-JP" altLang="en-US" dirty="0"/>
-              <a:t>３点プロットの各項目に，より詳細を肉付けしていく</a:t>
+              <a:t>ただし役割や目的の違いにより，作り方が異なる部分もある</a:t>
             </a:r>
             <a:endParaRPr lang="en-US" altLang="ja-JP" dirty="0"/>
           </a:p>
@@ -16925,7 +16951,7 @@
           <p:cNvPr id="2" name="タイトル 1">
             <a:extLst>
               <a:ext uri="{FF2B5EF4-FFF2-40B4-BE49-F238E27FC236}">
-                <a16:creationId xmlns:a16="http://schemas.microsoft.com/office/drawing/2014/main" id="{18A42B14-CF0C-96E2-5CF7-6662DFA3735D}"/>
+                <a16:creationId xmlns:a16="http://schemas.microsoft.com/office/drawing/2014/main" id="{63E386B1-944B-F305-11DF-CDC9CE227ECF}"/>
               </a:ext>
             </a:extLst>
           </p:cNvPr>
@@ -16942,13 +16968,10 @@
           <a:lstStyle/>
           <a:p>
             <a:r>
-              <a:rPr lang="ja-JP" altLang="en-US" dirty="0"/>
-              <a:t>イントロ</a:t>
-            </a:r>
-            <a:r>
               <a:rPr kumimoji="1" lang="ja-JP" altLang="en-US" dirty="0"/>
-              <a:t>プロット時の配分</a:t>
-            </a:r>
+              <a:t>イントロプロットと３点プロットの違い</a:t>
+            </a:r>
+            <a:endParaRPr kumimoji="1" lang="en-US" dirty="0"/>
           </a:p>
         </p:txBody>
       </p:sp>
@@ -16957,7 +16980,7 @@
           <p:cNvPr id="3" name="テキスト プレースホルダー 2">
             <a:extLst>
               <a:ext uri="{FF2B5EF4-FFF2-40B4-BE49-F238E27FC236}">
-                <a16:creationId xmlns:a16="http://schemas.microsoft.com/office/drawing/2014/main" id="{AAB0013E-6128-536A-AD5E-A87E6DA3282A}"/>
+                <a16:creationId xmlns:a16="http://schemas.microsoft.com/office/drawing/2014/main" id="{09860C68-9762-1214-2A2A-9ED3A6715D11}"/>
               </a:ext>
             </a:extLst>
           </p:cNvPr>
@@ -16968,1192 +16991,56 @@
             <p:ph type="body" sz="quarter" idx="10"/>
           </p:nvPr>
         </p:nvSpPr>
-        <p:spPr>
-          <a:xfrm>
-            <a:off x="611956" y="3519001"/>
-            <a:ext cx="8280092" cy="2969726"/>
-          </a:xfrm>
-        </p:spPr>
+        <p:spPr/>
         <p:txBody>
           <a:bodyPr/>
           <a:lstStyle/>
           <a:p>
             <a:r>
-              <a:rPr lang="ja-JP" altLang="en-US" sz="1800" dirty="0"/>
-              <a:t>イントロ</a:t>
-            </a:r>
-            <a:r>
-              <a:rPr kumimoji="1" lang="ja-JP" altLang="en-US" sz="1800" dirty="0"/>
-              <a:t>プロット時の配分には自由度がある</a:t>
-            </a:r>
-            <a:endParaRPr kumimoji="1" lang="en-US" altLang="ja-JP" sz="1800" dirty="0"/>
-          </a:p>
-          <a:p>
-            <a:pPr lvl="1"/>
-            <a:r>
-              <a:rPr kumimoji="1" lang="ja-JP" altLang="en-US" sz="1800" dirty="0"/>
-              <a:t>３点のどこをどれだけ詳しく話すかは，論文ごとに異なる</a:t>
-            </a:r>
-            <a:endParaRPr kumimoji="1" lang="en-US" altLang="ja-JP" sz="1800" dirty="0"/>
-          </a:p>
-          <a:p>
-            <a:r>
-              <a:rPr kumimoji="1" lang="ja-JP" altLang="en-US" sz="1800" dirty="0"/>
-              <a:t>たとえば，</a:t>
-            </a:r>
-            <a:endParaRPr kumimoji="1" lang="en-US" altLang="ja-JP" sz="1800" dirty="0"/>
-          </a:p>
-          <a:p>
-            <a:pPr lvl="1"/>
-            <a:r>
-              <a:rPr kumimoji="1" lang="ja-JP" altLang="en-US" sz="1800" dirty="0"/>
-              <a:t>背景は１つのままで，提案を増やす事が多い（上の図の例）</a:t>
-            </a:r>
-            <a:endParaRPr kumimoji="1" lang="en-US" altLang="ja-JP" sz="1800" dirty="0"/>
-          </a:p>
-          <a:p>
-            <a:pPr lvl="1"/>
-            <a:r>
-              <a:rPr kumimoji="1" lang="ja-JP" altLang="en-US" sz="1800" dirty="0"/>
-              <a:t>あまり一般的ではない話題の場合，背景が多めの配分になる事も</a:t>
-            </a:r>
-            <a:endParaRPr kumimoji="1" lang="en-US" altLang="ja-JP" sz="1800" dirty="0"/>
-          </a:p>
-          <a:p>
-            <a:pPr lvl="1"/>
-            <a:r>
-              <a:rPr kumimoji="1" lang="ja-JP" altLang="en-US" sz="1800" dirty="0"/>
-              <a:t>逆に課題の発見や整理こそが大事な場合，提案は自明なため短くなる</a:t>
-            </a:r>
-          </a:p>
-        </p:txBody>
-      </p:sp>
-      <p:sp>
-        <p:nvSpPr>
-          <p:cNvPr id="19" name="四角形: 角を丸くする 18">
-            <a:extLst>
-              <a:ext uri="{FF2B5EF4-FFF2-40B4-BE49-F238E27FC236}">
-                <a16:creationId xmlns:a16="http://schemas.microsoft.com/office/drawing/2014/main" id="{2EEE0849-75EC-0EEC-A121-858C97D62C77}"/>
-              </a:ext>
-            </a:extLst>
-          </p:cNvPr>
-          <p:cNvSpPr/>
-          <p:nvPr/>
-        </p:nvSpPr>
-        <p:spPr bwMode="auto">
-          <a:xfrm>
-            <a:off x="4403201" y="1268976"/>
-            <a:ext cx="1440015" cy="360004"/>
-          </a:xfrm>
-          <a:prstGeom prst="roundRect">
-            <a:avLst/>
-          </a:prstGeom>
-          <a:ln>
-            <a:headEnd/>
-            <a:tailEnd type="triangle" w="sm" len="med"/>
-          </a:ln>
-        </p:spPr>
-        <p:style>
-          <a:lnRef idx="1">
-            <a:schemeClr val="accent4"/>
-          </a:lnRef>
-          <a:fillRef idx="2">
-            <a:schemeClr val="accent4"/>
-          </a:fillRef>
-          <a:effectRef idx="1">
-            <a:schemeClr val="accent4"/>
-          </a:effectRef>
-          <a:fontRef idx="minor">
-            <a:schemeClr val="dk1"/>
-          </a:fontRef>
-        </p:style>
-        <p:txBody>
-          <a:bodyPr rot="0" spcFirstLastPara="0" vertOverflow="overflow" horzOverflow="overflow" vert="horz" wrap="none" lIns="91440" tIns="45720" rIns="91440" bIns="45720" numCol="1" spcCol="0" rtlCol="0" fromWordArt="0" anchor="ctr" anchorCtr="0" forceAA="0" compatLnSpc="1">
-            <a:prstTxWarp prst="textNoShape">
-              <a:avLst/>
-            </a:prstTxWarp>
-            <a:noAutofit/>
-          </a:bodyPr>
-          <a:lstStyle/>
-          <a:p>
-            <a:pPr algn="ctr"/>
-            <a:r>
-              <a:rPr kumimoji="1" lang="ja-JP" altLang="en-US" dirty="0">
-                <a:solidFill>
-                  <a:schemeClr val="tx1">
-                    <a:lumMod val="75000"/>
-                    <a:lumOff val="25000"/>
-                  </a:schemeClr>
-                </a:solidFill>
-                <a:latin typeface="+mn-ea"/>
-              </a:rPr>
-              <a:t>目標規定文</a:t>
-            </a:r>
-          </a:p>
-        </p:txBody>
-      </p:sp>
-      <p:sp>
-        <p:nvSpPr>
-          <p:cNvPr id="20" name="四角形: 角を丸くする 19">
-            <a:extLst>
-              <a:ext uri="{FF2B5EF4-FFF2-40B4-BE49-F238E27FC236}">
-                <a16:creationId xmlns:a16="http://schemas.microsoft.com/office/drawing/2014/main" id="{BAD5C687-09C7-5752-065A-0E9419D409B6}"/>
-              </a:ext>
-            </a:extLst>
-          </p:cNvPr>
-          <p:cNvSpPr/>
-          <p:nvPr/>
-        </p:nvSpPr>
-        <p:spPr bwMode="auto">
-          <a:xfrm>
-            <a:off x="1253166" y="1988984"/>
-            <a:ext cx="990011" cy="360004"/>
-          </a:xfrm>
-          <a:prstGeom prst="roundRect">
-            <a:avLst/>
-          </a:prstGeom>
-          <a:ln>
-            <a:headEnd/>
-            <a:tailEnd type="triangle" w="sm" len="med"/>
-          </a:ln>
-        </p:spPr>
-        <p:style>
-          <a:lnRef idx="1">
-            <a:schemeClr val="accent2"/>
-          </a:lnRef>
-          <a:fillRef idx="2">
-            <a:schemeClr val="accent2"/>
-          </a:fillRef>
-          <a:effectRef idx="1">
-            <a:schemeClr val="accent2"/>
-          </a:effectRef>
-          <a:fontRef idx="minor">
-            <a:schemeClr val="dk1"/>
-          </a:fontRef>
-        </p:style>
-        <p:txBody>
-          <a:bodyPr rot="0" spcFirstLastPara="0" vertOverflow="overflow" horzOverflow="overflow" vert="horz" wrap="none" lIns="91440" tIns="45720" rIns="91440" bIns="45720" numCol="1" spcCol="0" rtlCol="0" fromWordArt="0" anchor="ctr" anchorCtr="0" forceAA="0" compatLnSpc="1">
-            <a:prstTxWarp prst="textNoShape">
-              <a:avLst/>
-            </a:prstTxWarp>
-            <a:noAutofit/>
-          </a:bodyPr>
-          <a:lstStyle/>
-          <a:p>
-            <a:pPr algn="ctr"/>
-            <a:r>
-              <a:rPr kumimoji="1" lang="ja-JP" altLang="en-US" dirty="0">
-                <a:solidFill>
-                  <a:schemeClr val="tx1">
-                    <a:lumMod val="75000"/>
-                    <a:lumOff val="25000"/>
-                  </a:schemeClr>
-                </a:solidFill>
-                <a:latin typeface="+mn-ea"/>
-              </a:rPr>
-              <a:t>背景</a:t>
-            </a:r>
-          </a:p>
-        </p:txBody>
-      </p:sp>
-      <p:sp>
-        <p:nvSpPr>
-          <p:cNvPr id="22" name="四角形: 角を丸くする 21">
-            <a:extLst>
-              <a:ext uri="{FF2B5EF4-FFF2-40B4-BE49-F238E27FC236}">
-                <a16:creationId xmlns:a16="http://schemas.microsoft.com/office/drawing/2014/main" id="{FF6D4719-831E-0C39-54DD-ADD9CB655222}"/>
-              </a:ext>
-            </a:extLst>
-          </p:cNvPr>
-          <p:cNvSpPr/>
-          <p:nvPr/>
-        </p:nvSpPr>
-        <p:spPr bwMode="auto">
-          <a:xfrm>
-            <a:off x="3233188" y="1988984"/>
-            <a:ext cx="1080012" cy="360004"/>
-          </a:xfrm>
-          <a:prstGeom prst="roundRect">
-            <a:avLst/>
-          </a:prstGeom>
-          <a:ln>
-            <a:headEnd/>
-            <a:tailEnd type="triangle" w="sm" len="med"/>
-          </a:ln>
-        </p:spPr>
-        <p:style>
-          <a:lnRef idx="1">
-            <a:schemeClr val="accent5"/>
-          </a:lnRef>
-          <a:fillRef idx="2">
-            <a:schemeClr val="accent5"/>
-          </a:fillRef>
-          <a:effectRef idx="1">
-            <a:schemeClr val="accent5"/>
-          </a:effectRef>
-          <a:fontRef idx="minor">
-            <a:schemeClr val="dk1"/>
-          </a:fontRef>
-        </p:style>
-        <p:txBody>
-          <a:bodyPr rot="0" spcFirstLastPara="0" vertOverflow="overflow" horzOverflow="overflow" vert="horz" wrap="none" lIns="91440" tIns="45720" rIns="91440" bIns="45720" numCol="1" spcCol="0" rtlCol="0" fromWordArt="0" anchor="ctr" anchorCtr="0" forceAA="0" compatLnSpc="1">
-            <a:prstTxWarp prst="textNoShape">
-              <a:avLst/>
-            </a:prstTxWarp>
-            <a:noAutofit/>
-          </a:bodyPr>
-          <a:lstStyle/>
-          <a:p>
-            <a:pPr algn="ctr"/>
-            <a:r>
-              <a:rPr kumimoji="1" lang="ja-JP" altLang="en-US" dirty="0">
-                <a:solidFill>
-                  <a:schemeClr val="tx1">
-                    <a:lumMod val="75000"/>
-                    <a:lumOff val="25000"/>
-                  </a:schemeClr>
-                </a:solidFill>
-                <a:latin typeface="+mn-ea"/>
-              </a:rPr>
-              <a:t>課題</a:t>
-            </a:r>
-          </a:p>
-        </p:txBody>
-      </p:sp>
-      <p:sp>
-        <p:nvSpPr>
-          <p:cNvPr id="23" name="四角形: 角を丸くする 22">
-            <a:extLst>
-              <a:ext uri="{FF2B5EF4-FFF2-40B4-BE49-F238E27FC236}">
-                <a16:creationId xmlns:a16="http://schemas.microsoft.com/office/drawing/2014/main" id="{3554FF05-B976-1511-4572-9C67A6A82486}"/>
-              </a:ext>
-            </a:extLst>
-          </p:cNvPr>
-          <p:cNvSpPr/>
-          <p:nvPr/>
-        </p:nvSpPr>
-        <p:spPr bwMode="auto">
-          <a:xfrm>
-            <a:off x="6653226" y="1988984"/>
-            <a:ext cx="990011" cy="360004"/>
-          </a:xfrm>
-          <a:prstGeom prst="roundRect">
-            <a:avLst/>
-          </a:prstGeom>
-          <a:ln>
-            <a:headEnd/>
-            <a:tailEnd type="triangle" w="sm" len="med"/>
-          </a:ln>
-        </p:spPr>
-        <p:style>
-          <a:lnRef idx="1">
-            <a:schemeClr val="accent3"/>
-          </a:lnRef>
-          <a:fillRef idx="2">
-            <a:schemeClr val="accent3"/>
-          </a:fillRef>
-          <a:effectRef idx="1">
-            <a:schemeClr val="accent3"/>
-          </a:effectRef>
-          <a:fontRef idx="minor">
-            <a:schemeClr val="dk1"/>
-          </a:fontRef>
-        </p:style>
-        <p:txBody>
-          <a:bodyPr rot="0" spcFirstLastPara="0" vertOverflow="overflow" horzOverflow="overflow" vert="horz" wrap="none" lIns="91440" tIns="45720" rIns="91440" bIns="45720" numCol="1" spcCol="0" rtlCol="0" fromWordArt="0" anchor="ctr" anchorCtr="0" forceAA="0" compatLnSpc="1">
-            <a:prstTxWarp prst="textNoShape">
-              <a:avLst/>
-            </a:prstTxWarp>
-            <a:noAutofit/>
-          </a:bodyPr>
-          <a:lstStyle/>
-          <a:p>
-            <a:pPr algn="ctr"/>
-            <a:r>
-              <a:rPr kumimoji="1" lang="ja-JP" altLang="en-US" dirty="0">
-                <a:solidFill>
-                  <a:schemeClr val="tx1">
-                    <a:lumMod val="75000"/>
-                    <a:lumOff val="25000"/>
-                  </a:schemeClr>
-                </a:solidFill>
-                <a:latin typeface="+mn-ea"/>
-              </a:rPr>
-              <a:t>提案</a:t>
-            </a:r>
-          </a:p>
-        </p:txBody>
-      </p:sp>
-      <p:sp>
-        <p:nvSpPr>
-          <p:cNvPr id="25" name="四角形: 角を丸くする 24">
-            <a:extLst>
-              <a:ext uri="{FF2B5EF4-FFF2-40B4-BE49-F238E27FC236}">
-                <a16:creationId xmlns:a16="http://schemas.microsoft.com/office/drawing/2014/main" id="{1C9DE02F-B00A-2AD8-1212-2A438A6D71DC}"/>
-              </a:ext>
-            </a:extLst>
-          </p:cNvPr>
-          <p:cNvSpPr/>
-          <p:nvPr/>
-        </p:nvSpPr>
-        <p:spPr bwMode="auto">
-          <a:xfrm>
-            <a:off x="1253166" y="2683224"/>
-            <a:ext cx="990000" cy="360004"/>
-          </a:xfrm>
-          <a:prstGeom prst="roundRect">
-            <a:avLst/>
-          </a:prstGeom>
-          <a:ln>
-            <a:headEnd/>
-            <a:tailEnd type="triangle" w="sm" len="med"/>
-          </a:ln>
-        </p:spPr>
-        <p:style>
-          <a:lnRef idx="1">
-            <a:schemeClr val="accent2"/>
-          </a:lnRef>
-          <a:fillRef idx="2">
-            <a:schemeClr val="accent2"/>
-          </a:fillRef>
-          <a:effectRef idx="1">
-            <a:schemeClr val="accent2"/>
-          </a:effectRef>
-          <a:fontRef idx="minor">
-            <a:schemeClr val="dk1"/>
-          </a:fontRef>
-        </p:style>
-        <p:txBody>
-          <a:bodyPr rot="0" spcFirstLastPara="0" vertOverflow="overflow" horzOverflow="overflow" vert="horz" wrap="none" lIns="91440" tIns="45720" rIns="91440" bIns="45720" numCol="1" spcCol="0" rtlCol="0" fromWordArt="0" anchor="ctr" anchorCtr="0" forceAA="0" compatLnSpc="1">
-            <a:prstTxWarp prst="textNoShape">
-              <a:avLst/>
-            </a:prstTxWarp>
-            <a:noAutofit/>
-          </a:bodyPr>
-          <a:lstStyle/>
-          <a:p>
-            <a:pPr algn="ctr"/>
-            <a:r>
-              <a:rPr kumimoji="1" lang="ja-JP" altLang="en-US" b="1" dirty="0">
-                <a:solidFill>
-                  <a:schemeClr val="accent2"/>
-                </a:solidFill>
-                <a:latin typeface="+mn-ea"/>
-              </a:rPr>
-              <a:t>背景</a:t>
-            </a:r>
-          </a:p>
-        </p:txBody>
-      </p:sp>
-      <p:sp>
-        <p:nvSpPr>
-          <p:cNvPr id="27" name="四角形: 角を丸くする 26">
-            <a:extLst>
-              <a:ext uri="{FF2B5EF4-FFF2-40B4-BE49-F238E27FC236}">
-                <a16:creationId xmlns:a16="http://schemas.microsoft.com/office/drawing/2014/main" id="{3081119F-3203-B7F2-D0BE-CFCDF3788C14}"/>
-              </a:ext>
-            </a:extLst>
-          </p:cNvPr>
-          <p:cNvSpPr/>
-          <p:nvPr/>
-        </p:nvSpPr>
-        <p:spPr bwMode="auto">
-          <a:xfrm>
-            <a:off x="2603181" y="2695362"/>
-            <a:ext cx="990000" cy="360004"/>
-          </a:xfrm>
-          <a:prstGeom prst="roundRect">
-            <a:avLst/>
-          </a:prstGeom>
-          <a:ln>
-            <a:headEnd/>
-            <a:tailEnd type="triangle" w="sm" len="med"/>
-          </a:ln>
-        </p:spPr>
-        <p:style>
-          <a:lnRef idx="1">
-            <a:schemeClr val="accent5"/>
-          </a:lnRef>
-          <a:fillRef idx="2">
-            <a:schemeClr val="accent5"/>
-          </a:fillRef>
-          <a:effectRef idx="1">
-            <a:schemeClr val="accent5"/>
-          </a:effectRef>
-          <a:fontRef idx="minor">
-            <a:schemeClr val="dk1"/>
-          </a:fontRef>
-        </p:style>
-        <p:txBody>
-          <a:bodyPr rot="0" spcFirstLastPara="0" vertOverflow="overflow" horzOverflow="overflow" vert="horz" wrap="none" lIns="91440" tIns="45720" rIns="91440" bIns="45720" numCol="1" spcCol="0" rtlCol="0" fromWordArt="0" anchor="ctr" anchorCtr="0" forceAA="0" compatLnSpc="1">
-            <a:prstTxWarp prst="textNoShape">
-              <a:avLst/>
-            </a:prstTxWarp>
-            <a:noAutofit/>
-          </a:bodyPr>
-          <a:lstStyle/>
-          <a:p>
-            <a:pPr algn="ctr"/>
-            <a:r>
-              <a:rPr kumimoji="1" lang="ja-JP" altLang="en-US" b="1" dirty="0">
-                <a:solidFill>
-                  <a:schemeClr val="accent5"/>
-                </a:solidFill>
-                <a:latin typeface="+mn-ea"/>
-              </a:rPr>
-              <a:t>既存手法</a:t>
-            </a:r>
-          </a:p>
-        </p:txBody>
-      </p:sp>
-      <p:sp>
-        <p:nvSpPr>
-          <p:cNvPr id="28" name="四角形: 角を丸くする 27">
-            <a:extLst>
-              <a:ext uri="{FF2B5EF4-FFF2-40B4-BE49-F238E27FC236}">
-                <a16:creationId xmlns:a16="http://schemas.microsoft.com/office/drawing/2014/main" id="{00DB25A1-F13D-A0E0-29C7-B522B53A5838}"/>
-              </a:ext>
-            </a:extLst>
-          </p:cNvPr>
-          <p:cNvSpPr/>
-          <p:nvPr/>
-        </p:nvSpPr>
-        <p:spPr bwMode="auto">
-          <a:xfrm>
-            <a:off x="3953196" y="2708992"/>
-            <a:ext cx="990000" cy="360004"/>
-          </a:xfrm>
-          <a:prstGeom prst="roundRect">
-            <a:avLst/>
-          </a:prstGeom>
-          <a:ln>
-            <a:headEnd/>
-            <a:tailEnd type="triangle" w="sm" len="med"/>
-          </a:ln>
-        </p:spPr>
-        <p:style>
-          <a:lnRef idx="1">
-            <a:schemeClr val="accent5"/>
-          </a:lnRef>
-          <a:fillRef idx="2">
-            <a:schemeClr val="accent5"/>
-          </a:fillRef>
-          <a:effectRef idx="1">
-            <a:schemeClr val="accent5"/>
-          </a:effectRef>
-          <a:fontRef idx="minor">
-            <a:schemeClr val="dk1"/>
-          </a:fontRef>
-        </p:style>
-        <p:txBody>
-          <a:bodyPr rot="0" spcFirstLastPara="0" vertOverflow="overflow" horzOverflow="overflow" vert="horz" wrap="none" lIns="91440" tIns="45720" rIns="91440" bIns="45720" numCol="1" spcCol="0" rtlCol="0" fromWordArt="0" anchor="ctr" anchorCtr="0" forceAA="0" compatLnSpc="1">
-            <a:prstTxWarp prst="textNoShape">
-              <a:avLst/>
-            </a:prstTxWarp>
-            <a:noAutofit/>
-          </a:bodyPr>
-          <a:lstStyle/>
-          <a:p>
-            <a:pPr algn="ctr"/>
-            <a:r>
-              <a:rPr kumimoji="1" lang="ja-JP" altLang="en-US" b="1" dirty="0">
-                <a:solidFill>
-                  <a:schemeClr val="accent5"/>
-                </a:solidFill>
-                <a:latin typeface="+mn-ea"/>
-              </a:rPr>
-              <a:t>その問題</a:t>
-            </a:r>
-          </a:p>
-        </p:txBody>
-      </p:sp>
-      <p:sp>
-        <p:nvSpPr>
-          <p:cNvPr id="31" name="四角形: 角を丸くする 30">
-            <a:extLst>
-              <a:ext uri="{FF2B5EF4-FFF2-40B4-BE49-F238E27FC236}">
-                <a16:creationId xmlns:a16="http://schemas.microsoft.com/office/drawing/2014/main" id="{8FDF68CB-163F-17E8-CD80-96C662D7448E}"/>
-              </a:ext>
-            </a:extLst>
-          </p:cNvPr>
-          <p:cNvSpPr/>
-          <p:nvPr/>
-        </p:nvSpPr>
-        <p:spPr bwMode="auto">
-          <a:xfrm>
-            <a:off x="5292008" y="2708992"/>
-            <a:ext cx="990000" cy="360004"/>
-          </a:xfrm>
-          <a:prstGeom prst="roundRect">
-            <a:avLst/>
-          </a:prstGeom>
-          <a:ln>
-            <a:headEnd/>
-            <a:tailEnd type="triangle" w="sm" len="med"/>
-          </a:ln>
-        </p:spPr>
-        <p:style>
-          <a:lnRef idx="1">
-            <a:schemeClr val="accent3"/>
-          </a:lnRef>
-          <a:fillRef idx="2">
-            <a:schemeClr val="accent3"/>
-          </a:fillRef>
-          <a:effectRef idx="1">
-            <a:schemeClr val="accent3"/>
-          </a:effectRef>
-          <a:fontRef idx="minor">
-            <a:schemeClr val="dk1"/>
-          </a:fontRef>
-        </p:style>
-        <p:txBody>
-          <a:bodyPr rot="0" spcFirstLastPara="0" vertOverflow="overflow" horzOverflow="overflow" vert="horz" wrap="none" lIns="91440" tIns="45720" rIns="91440" bIns="45720" numCol="1" spcCol="0" rtlCol="0" fromWordArt="0" anchor="ctr" anchorCtr="0" forceAA="0" compatLnSpc="1">
-            <a:prstTxWarp prst="textNoShape">
-              <a:avLst/>
-            </a:prstTxWarp>
-            <a:noAutofit/>
-          </a:bodyPr>
-          <a:lstStyle/>
-          <a:p>
-            <a:pPr algn="ctr"/>
-            <a:r>
-              <a:rPr kumimoji="1" lang="ja-JP" altLang="en-US" b="1" dirty="0">
-                <a:solidFill>
-                  <a:schemeClr val="accent3">
-                    <a:lumMod val="75000"/>
-                  </a:schemeClr>
-                </a:solidFill>
-                <a:latin typeface="+mn-ea"/>
-              </a:rPr>
-              <a:t>洞察</a:t>
-            </a:r>
-          </a:p>
-        </p:txBody>
-      </p:sp>
-      <p:sp>
-        <p:nvSpPr>
-          <p:cNvPr id="32" name="四角形: 角を丸くする 31">
-            <a:extLst>
-              <a:ext uri="{FF2B5EF4-FFF2-40B4-BE49-F238E27FC236}">
-                <a16:creationId xmlns:a16="http://schemas.microsoft.com/office/drawing/2014/main" id="{EDE8C294-3C05-1998-FF2A-0E1E2D766273}"/>
-              </a:ext>
-            </a:extLst>
-          </p:cNvPr>
-          <p:cNvSpPr/>
-          <p:nvPr/>
-        </p:nvSpPr>
-        <p:spPr bwMode="auto">
-          <a:xfrm>
-            <a:off x="6653226" y="2708992"/>
-            <a:ext cx="990000" cy="360004"/>
-          </a:xfrm>
-          <a:prstGeom prst="roundRect">
-            <a:avLst/>
-          </a:prstGeom>
-          <a:ln>
-            <a:headEnd/>
-            <a:tailEnd type="triangle" w="sm" len="med"/>
-          </a:ln>
-        </p:spPr>
-        <p:style>
-          <a:lnRef idx="1">
-            <a:schemeClr val="accent3"/>
-          </a:lnRef>
-          <a:fillRef idx="2">
-            <a:schemeClr val="accent3"/>
-          </a:fillRef>
-          <a:effectRef idx="1">
-            <a:schemeClr val="accent3"/>
-          </a:effectRef>
-          <a:fontRef idx="minor">
-            <a:schemeClr val="dk1"/>
-          </a:fontRef>
-        </p:style>
-        <p:txBody>
-          <a:bodyPr rot="0" spcFirstLastPara="0" vertOverflow="overflow" horzOverflow="overflow" vert="horz" wrap="none" lIns="91440" tIns="45720" rIns="91440" bIns="45720" numCol="1" spcCol="0" rtlCol="0" fromWordArt="0" anchor="ctr" anchorCtr="0" forceAA="0" compatLnSpc="1">
-            <a:prstTxWarp prst="textNoShape">
-              <a:avLst/>
-            </a:prstTxWarp>
-            <a:noAutofit/>
-          </a:bodyPr>
-          <a:lstStyle/>
-          <a:p>
-            <a:pPr algn="ctr"/>
-            <a:r>
-              <a:rPr kumimoji="1" lang="ja-JP" altLang="en-US" b="1" dirty="0">
-                <a:solidFill>
-                  <a:schemeClr val="accent3">
-                    <a:lumMod val="75000"/>
-                  </a:schemeClr>
-                </a:solidFill>
-                <a:latin typeface="+mn-ea"/>
-              </a:rPr>
-              <a:t>アイデア</a:t>
-            </a:r>
-          </a:p>
-        </p:txBody>
-      </p:sp>
-      <p:cxnSp>
-        <p:nvCxnSpPr>
-          <p:cNvPr id="36" name="直線矢印コネクタ 35">
-            <a:extLst>
-              <a:ext uri="{FF2B5EF4-FFF2-40B4-BE49-F238E27FC236}">
-                <a16:creationId xmlns:a16="http://schemas.microsoft.com/office/drawing/2014/main" id="{07C3EC9D-3605-A64C-67C8-6C57C4B83E8C}"/>
-              </a:ext>
-            </a:extLst>
-          </p:cNvPr>
-          <p:cNvCxnSpPr>
-            <a:cxnSpLocks/>
-            <a:stCxn id="19" idx="2"/>
-            <a:endCxn id="22" idx="0"/>
-          </p:cNvCxnSpPr>
-          <p:nvPr/>
-        </p:nvCxnSpPr>
-        <p:spPr bwMode="auto">
-          <a:xfrm flipH="1">
-            <a:off x="3773194" y="1628980"/>
-            <a:ext cx="1350015" cy="360004"/>
-          </a:xfrm>
-          <a:prstGeom prst="straightConnector1">
-            <a:avLst/>
-          </a:prstGeom>
-          <a:noFill/>
-          <a:ln w="9525" cap="flat" cmpd="sng" algn="ctr">
-            <a:solidFill>
-              <a:schemeClr val="tx1">
-                <a:lumMod val="75000"/>
-                <a:lumOff val="25000"/>
-              </a:schemeClr>
-            </a:solidFill>
-            <a:prstDash val="solid"/>
-            <a:round/>
-            <a:headEnd type="none" w="med" len="med"/>
-            <a:tailEnd type="triangle"/>
-          </a:ln>
-          <a:effectLst/>
-        </p:spPr>
-      </p:cxnSp>
-      <p:cxnSp>
-        <p:nvCxnSpPr>
-          <p:cNvPr id="37" name="直線矢印コネクタ 36">
-            <a:extLst>
-              <a:ext uri="{FF2B5EF4-FFF2-40B4-BE49-F238E27FC236}">
-                <a16:creationId xmlns:a16="http://schemas.microsoft.com/office/drawing/2014/main" id="{B0F8B33B-2B72-C17E-E7FA-D06C294B94D4}"/>
-              </a:ext>
-            </a:extLst>
-          </p:cNvPr>
-          <p:cNvCxnSpPr>
-            <a:cxnSpLocks/>
-            <a:stCxn id="19" idx="2"/>
-            <a:endCxn id="20" idx="0"/>
-          </p:cNvCxnSpPr>
-          <p:nvPr/>
-        </p:nvCxnSpPr>
-        <p:spPr bwMode="auto">
-          <a:xfrm flipH="1">
-            <a:off x="1748172" y="1628980"/>
-            <a:ext cx="3375037" cy="360004"/>
-          </a:xfrm>
-          <a:prstGeom prst="straightConnector1">
-            <a:avLst/>
-          </a:prstGeom>
-          <a:noFill/>
-          <a:ln w="9525" cap="flat" cmpd="sng" algn="ctr">
-            <a:solidFill>
-              <a:schemeClr val="tx1">
-                <a:lumMod val="75000"/>
-                <a:lumOff val="25000"/>
-              </a:schemeClr>
-            </a:solidFill>
-            <a:prstDash val="solid"/>
-            <a:round/>
-            <a:headEnd type="none" w="med" len="med"/>
-            <a:tailEnd type="triangle"/>
-          </a:ln>
-          <a:effectLst/>
-        </p:spPr>
-      </p:cxnSp>
-      <p:cxnSp>
-        <p:nvCxnSpPr>
-          <p:cNvPr id="38" name="直線矢印コネクタ 37">
-            <a:extLst>
-              <a:ext uri="{FF2B5EF4-FFF2-40B4-BE49-F238E27FC236}">
-                <a16:creationId xmlns:a16="http://schemas.microsoft.com/office/drawing/2014/main" id="{D94D4187-0DC6-15F2-F004-80B4B3329AA7}"/>
-              </a:ext>
-            </a:extLst>
-          </p:cNvPr>
-          <p:cNvCxnSpPr>
-            <a:cxnSpLocks/>
-            <a:stCxn id="19" idx="2"/>
-            <a:endCxn id="23" idx="0"/>
-          </p:cNvCxnSpPr>
-          <p:nvPr/>
-        </p:nvCxnSpPr>
-        <p:spPr bwMode="auto">
-          <a:xfrm>
-            <a:off x="5123209" y="1628980"/>
-            <a:ext cx="2025023" cy="360004"/>
-          </a:xfrm>
-          <a:prstGeom prst="straightConnector1">
-            <a:avLst/>
-          </a:prstGeom>
-          <a:noFill/>
-          <a:ln w="9525" cap="flat" cmpd="sng" algn="ctr">
-            <a:solidFill>
-              <a:schemeClr val="tx1">
-                <a:lumMod val="75000"/>
-                <a:lumOff val="25000"/>
-              </a:schemeClr>
-            </a:solidFill>
-            <a:prstDash val="solid"/>
-            <a:round/>
-            <a:headEnd type="none" w="med" len="med"/>
-            <a:tailEnd type="triangle"/>
-          </a:ln>
-          <a:effectLst/>
-        </p:spPr>
-      </p:cxnSp>
-      <p:cxnSp>
-        <p:nvCxnSpPr>
-          <p:cNvPr id="39" name="直線矢印コネクタ 38">
-            <a:extLst>
-              <a:ext uri="{FF2B5EF4-FFF2-40B4-BE49-F238E27FC236}">
-                <a16:creationId xmlns:a16="http://schemas.microsoft.com/office/drawing/2014/main" id="{A214842E-9068-35F9-3BF9-D85202347709}"/>
-              </a:ext>
-            </a:extLst>
-          </p:cNvPr>
-          <p:cNvCxnSpPr>
-            <a:cxnSpLocks/>
-            <a:stCxn id="20" idx="2"/>
-            <a:endCxn id="25" idx="0"/>
-          </p:cNvCxnSpPr>
-          <p:nvPr/>
-        </p:nvCxnSpPr>
-        <p:spPr bwMode="auto">
-          <a:xfrm flipH="1">
-            <a:off x="1748166" y="2348988"/>
-            <a:ext cx="6" cy="334236"/>
-          </a:xfrm>
-          <a:prstGeom prst="straightConnector1">
-            <a:avLst/>
-          </a:prstGeom>
-          <a:noFill/>
-          <a:ln w="9525" cap="flat" cmpd="sng" algn="ctr">
-            <a:solidFill>
-              <a:schemeClr val="tx1">
-                <a:lumMod val="75000"/>
-                <a:lumOff val="25000"/>
-              </a:schemeClr>
-            </a:solidFill>
-            <a:prstDash val="solid"/>
-            <a:round/>
-            <a:headEnd type="none" w="med" len="med"/>
-            <a:tailEnd type="triangle"/>
-          </a:ln>
-          <a:effectLst/>
-        </p:spPr>
-      </p:cxnSp>
-      <p:cxnSp>
-        <p:nvCxnSpPr>
-          <p:cNvPr id="41" name="直線矢印コネクタ 40">
-            <a:extLst>
-              <a:ext uri="{FF2B5EF4-FFF2-40B4-BE49-F238E27FC236}">
-                <a16:creationId xmlns:a16="http://schemas.microsoft.com/office/drawing/2014/main" id="{3482F275-9D3A-4A57-AB5E-AEFB96C07901}"/>
-              </a:ext>
-            </a:extLst>
-          </p:cNvPr>
-          <p:cNvCxnSpPr>
-            <a:cxnSpLocks/>
-            <a:stCxn id="22" idx="2"/>
-            <a:endCxn id="28" idx="0"/>
-          </p:cNvCxnSpPr>
-          <p:nvPr/>
-        </p:nvCxnSpPr>
-        <p:spPr bwMode="auto">
-          <a:xfrm>
-            <a:off x="3773194" y="2348988"/>
-            <a:ext cx="675002" cy="360004"/>
-          </a:xfrm>
-          <a:prstGeom prst="straightConnector1">
-            <a:avLst/>
-          </a:prstGeom>
-          <a:noFill/>
-          <a:ln w="9525" cap="flat" cmpd="sng" algn="ctr">
-            <a:solidFill>
-              <a:schemeClr val="tx1">
-                <a:lumMod val="75000"/>
-                <a:lumOff val="25000"/>
-              </a:schemeClr>
-            </a:solidFill>
-            <a:prstDash val="solid"/>
-            <a:round/>
-            <a:headEnd type="none" w="med" len="med"/>
-            <a:tailEnd type="triangle"/>
-          </a:ln>
-          <a:effectLst/>
-        </p:spPr>
-      </p:cxnSp>
-      <p:cxnSp>
-        <p:nvCxnSpPr>
-          <p:cNvPr id="42" name="直線矢印コネクタ 41">
-            <a:extLst>
-              <a:ext uri="{FF2B5EF4-FFF2-40B4-BE49-F238E27FC236}">
-                <a16:creationId xmlns:a16="http://schemas.microsoft.com/office/drawing/2014/main" id="{F455CAC9-923B-6862-EC95-BDF9E3407F63}"/>
-              </a:ext>
-            </a:extLst>
-          </p:cNvPr>
-          <p:cNvCxnSpPr>
-            <a:cxnSpLocks/>
-            <a:stCxn id="22" idx="2"/>
-            <a:endCxn id="27" idx="0"/>
-          </p:cNvCxnSpPr>
-          <p:nvPr/>
-        </p:nvCxnSpPr>
-        <p:spPr bwMode="auto">
-          <a:xfrm flipH="1">
-            <a:off x="3098181" y="2348988"/>
-            <a:ext cx="675013" cy="346374"/>
-          </a:xfrm>
-          <a:prstGeom prst="straightConnector1">
-            <a:avLst/>
-          </a:prstGeom>
-          <a:noFill/>
-          <a:ln w="9525" cap="flat" cmpd="sng" algn="ctr">
-            <a:solidFill>
-              <a:schemeClr val="tx1">
-                <a:lumMod val="75000"/>
-                <a:lumOff val="25000"/>
-              </a:schemeClr>
-            </a:solidFill>
-            <a:prstDash val="solid"/>
-            <a:round/>
-            <a:headEnd type="none" w="med" len="med"/>
-            <a:tailEnd type="triangle"/>
-          </a:ln>
-          <a:effectLst/>
-        </p:spPr>
-      </p:cxnSp>
-      <p:cxnSp>
-        <p:nvCxnSpPr>
-          <p:cNvPr id="43" name="直線矢印コネクタ 42">
-            <a:extLst>
-              <a:ext uri="{FF2B5EF4-FFF2-40B4-BE49-F238E27FC236}">
-                <a16:creationId xmlns:a16="http://schemas.microsoft.com/office/drawing/2014/main" id="{542246E7-E24E-FA79-3D02-A262C3D2BBEE}"/>
-              </a:ext>
-            </a:extLst>
-          </p:cNvPr>
-          <p:cNvCxnSpPr>
-            <a:cxnSpLocks/>
-            <a:stCxn id="23" idx="2"/>
-            <a:endCxn id="32" idx="0"/>
-          </p:cNvCxnSpPr>
-          <p:nvPr/>
-        </p:nvCxnSpPr>
-        <p:spPr bwMode="auto">
-          <a:xfrm flipH="1">
-            <a:off x="7148226" y="2348988"/>
-            <a:ext cx="6" cy="360004"/>
-          </a:xfrm>
-          <a:prstGeom prst="straightConnector1">
-            <a:avLst/>
-          </a:prstGeom>
-          <a:noFill/>
-          <a:ln w="9525" cap="flat" cmpd="sng" algn="ctr">
-            <a:solidFill>
-              <a:schemeClr val="tx1">
-                <a:lumMod val="75000"/>
-                <a:lumOff val="25000"/>
-              </a:schemeClr>
-            </a:solidFill>
-            <a:prstDash val="solid"/>
-            <a:round/>
-            <a:headEnd type="none" w="med" len="med"/>
-            <a:tailEnd type="triangle"/>
-          </a:ln>
-          <a:effectLst/>
-        </p:spPr>
-      </p:cxnSp>
-      <p:cxnSp>
-        <p:nvCxnSpPr>
-          <p:cNvPr id="44" name="直線矢印コネクタ 43">
-            <a:extLst>
-              <a:ext uri="{FF2B5EF4-FFF2-40B4-BE49-F238E27FC236}">
-                <a16:creationId xmlns:a16="http://schemas.microsoft.com/office/drawing/2014/main" id="{DBDA4000-A502-E1B9-4D8D-45CBA4DEE417}"/>
-              </a:ext>
-            </a:extLst>
-          </p:cNvPr>
-          <p:cNvCxnSpPr>
-            <a:cxnSpLocks/>
-            <a:stCxn id="23" idx="2"/>
-            <a:endCxn id="31" idx="0"/>
-          </p:cNvCxnSpPr>
-          <p:nvPr/>
-        </p:nvCxnSpPr>
-        <p:spPr bwMode="auto">
-          <a:xfrm flipH="1">
-            <a:off x="5787008" y="2348988"/>
-            <a:ext cx="1361224" cy="360004"/>
-          </a:xfrm>
-          <a:prstGeom prst="straightConnector1">
-            <a:avLst/>
-          </a:prstGeom>
-          <a:noFill/>
-          <a:ln w="9525" cap="flat" cmpd="sng" algn="ctr">
-            <a:solidFill>
-              <a:schemeClr val="tx1">
-                <a:lumMod val="75000"/>
-                <a:lumOff val="25000"/>
-              </a:schemeClr>
-            </a:solidFill>
-            <a:prstDash val="solid"/>
-            <a:round/>
-            <a:headEnd type="none" w="med" len="med"/>
-            <a:tailEnd type="triangle"/>
-          </a:ln>
-          <a:effectLst/>
-        </p:spPr>
-      </p:cxnSp>
-      <p:sp>
-        <p:nvSpPr>
-          <p:cNvPr id="57" name="四角形: 角を丸くする 56">
-            <a:extLst>
-              <a:ext uri="{FF2B5EF4-FFF2-40B4-BE49-F238E27FC236}">
-                <a16:creationId xmlns:a16="http://schemas.microsoft.com/office/drawing/2014/main" id="{0C0D2DAC-C98B-2F2A-286E-C3551D774EE5}"/>
-              </a:ext>
-            </a:extLst>
-          </p:cNvPr>
-          <p:cNvSpPr/>
-          <p:nvPr/>
-        </p:nvSpPr>
-        <p:spPr bwMode="auto">
-          <a:xfrm>
-            <a:off x="8003241" y="2708992"/>
-            <a:ext cx="990000" cy="360004"/>
-          </a:xfrm>
-          <a:prstGeom prst="roundRect">
-            <a:avLst/>
-          </a:prstGeom>
-          <a:ln>
-            <a:headEnd/>
-            <a:tailEnd type="triangle" w="sm" len="med"/>
-          </a:ln>
-        </p:spPr>
-        <p:style>
-          <a:lnRef idx="1">
-            <a:schemeClr val="accent3"/>
-          </a:lnRef>
-          <a:fillRef idx="2">
-            <a:schemeClr val="accent3"/>
-          </a:fillRef>
-          <a:effectRef idx="1">
-            <a:schemeClr val="accent3"/>
-          </a:effectRef>
-          <a:fontRef idx="minor">
-            <a:schemeClr val="dk1"/>
-          </a:fontRef>
-        </p:style>
-        <p:txBody>
-          <a:bodyPr rot="0" spcFirstLastPara="0" vertOverflow="overflow" horzOverflow="overflow" vert="horz" wrap="none" lIns="91440" tIns="45720" rIns="91440" bIns="45720" numCol="1" spcCol="0" rtlCol="0" fromWordArt="0" anchor="ctr" anchorCtr="0" forceAA="0" compatLnSpc="1">
-            <a:prstTxWarp prst="textNoShape">
-              <a:avLst/>
-            </a:prstTxWarp>
-            <a:noAutofit/>
-          </a:bodyPr>
-          <a:lstStyle/>
-          <a:p>
-            <a:pPr algn="ctr"/>
-            <a:r>
-              <a:rPr kumimoji="1" lang="ja-JP" altLang="en-US" b="1" dirty="0">
-                <a:solidFill>
-                  <a:schemeClr val="accent3">
-                    <a:lumMod val="75000"/>
-                  </a:schemeClr>
-                </a:solidFill>
-                <a:latin typeface="+mn-ea"/>
-              </a:rPr>
-              <a:t>評価結果</a:t>
-            </a:r>
-          </a:p>
-        </p:txBody>
-      </p:sp>
-      <p:cxnSp>
-        <p:nvCxnSpPr>
-          <p:cNvPr id="58" name="直線矢印コネクタ 57">
-            <a:extLst>
-              <a:ext uri="{FF2B5EF4-FFF2-40B4-BE49-F238E27FC236}">
-                <a16:creationId xmlns:a16="http://schemas.microsoft.com/office/drawing/2014/main" id="{98292862-FBFC-1FDA-FBDB-65DF89A3C745}"/>
-              </a:ext>
-            </a:extLst>
-          </p:cNvPr>
-          <p:cNvCxnSpPr>
-            <a:cxnSpLocks/>
-            <a:stCxn id="23" idx="2"/>
-            <a:endCxn id="57" idx="0"/>
-          </p:cNvCxnSpPr>
-          <p:nvPr/>
-        </p:nvCxnSpPr>
-        <p:spPr bwMode="auto">
-          <a:xfrm>
-            <a:off x="7148232" y="2348988"/>
-            <a:ext cx="1350009" cy="360004"/>
-          </a:xfrm>
-          <a:prstGeom prst="straightConnector1">
-            <a:avLst/>
-          </a:prstGeom>
-          <a:noFill/>
-          <a:ln w="9525" cap="flat" cmpd="sng" algn="ctr">
-            <a:solidFill>
-              <a:schemeClr val="tx1">
-                <a:lumMod val="75000"/>
-                <a:lumOff val="25000"/>
-              </a:schemeClr>
-            </a:solidFill>
-            <a:prstDash val="solid"/>
-            <a:round/>
-            <a:headEnd type="none" w="med" len="med"/>
-            <a:tailEnd type="triangle"/>
-          </a:ln>
-          <a:effectLst/>
-        </p:spPr>
-      </p:cxnSp>
-      <p:sp>
-        <p:nvSpPr>
-          <p:cNvPr id="89" name="四角形: 角を丸くする 88">
-            <a:extLst>
-              <a:ext uri="{FF2B5EF4-FFF2-40B4-BE49-F238E27FC236}">
-                <a16:creationId xmlns:a16="http://schemas.microsoft.com/office/drawing/2014/main" id="{BF7EB89D-1A2D-E4F9-EEA8-639756123507}"/>
-              </a:ext>
-            </a:extLst>
-          </p:cNvPr>
-          <p:cNvSpPr/>
-          <p:nvPr/>
-        </p:nvSpPr>
-        <p:spPr bwMode="auto">
-          <a:xfrm>
-            <a:off x="31269" y="1988984"/>
-            <a:ext cx="1080012" cy="360004"/>
-          </a:xfrm>
-          <a:prstGeom prst="roundRect">
-            <a:avLst/>
-          </a:prstGeom>
-          <a:noFill/>
-          <a:ln>
-            <a:noFill/>
-            <a:headEnd/>
-            <a:tailEnd type="triangle" w="sm" len="med"/>
-          </a:ln>
-          <a:effectLst/>
-        </p:spPr>
-        <p:style>
-          <a:lnRef idx="1">
-            <a:schemeClr val="accent2"/>
-          </a:lnRef>
-          <a:fillRef idx="2">
-            <a:schemeClr val="accent2"/>
-          </a:fillRef>
-          <a:effectRef idx="1">
-            <a:schemeClr val="accent2"/>
-          </a:effectRef>
-          <a:fontRef idx="minor">
-            <a:schemeClr val="dk1"/>
-          </a:fontRef>
-        </p:style>
-        <p:txBody>
-          <a:bodyPr rot="0" spcFirstLastPara="0" vertOverflow="overflow" horzOverflow="overflow" vert="horz" wrap="none" lIns="91440" tIns="45720" rIns="91440" bIns="45720" numCol="1" spcCol="0" rtlCol="0" fromWordArt="0" anchor="ctr" anchorCtr="0" forceAA="0" compatLnSpc="1">
-            <a:prstTxWarp prst="textNoShape">
-              <a:avLst/>
-            </a:prstTxWarp>
-            <a:noAutofit/>
-          </a:bodyPr>
-          <a:lstStyle/>
-          <a:p>
-            <a:pPr algn="ctr"/>
-            <a:r>
-              <a:rPr kumimoji="1" lang="ja-JP" altLang="en-US" dirty="0">
-                <a:solidFill>
-                  <a:schemeClr val="tx1">
-                    <a:lumMod val="75000"/>
-                    <a:lumOff val="25000"/>
-                  </a:schemeClr>
-                </a:solidFill>
-                <a:latin typeface="+mn-ea"/>
-              </a:rPr>
-              <a:t>３点</a:t>
-            </a:r>
-          </a:p>
-        </p:txBody>
-      </p:sp>
-      <p:sp>
-        <p:nvSpPr>
-          <p:cNvPr id="90" name="四角形: 角を丸くする 89">
-            <a:extLst>
-              <a:ext uri="{FF2B5EF4-FFF2-40B4-BE49-F238E27FC236}">
-                <a16:creationId xmlns:a16="http://schemas.microsoft.com/office/drawing/2014/main" id="{7E56385C-CB2C-3809-CCB5-9CB3668B9F73}"/>
-              </a:ext>
-            </a:extLst>
-          </p:cNvPr>
-          <p:cNvSpPr/>
-          <p:nvPr/>
-        </p:nvSpPr>
-        <p:spPr bwMode="auto">
-          <a:xfrm>
-            <a:off x="63454" y="2708992"/>
-            <a:ext cx="1080012" cy="360004"/>
-          </a:xfrm>
-          <a:prstGeom prst="roundRect">
-            <a:avLst/>
-          </a:prstGeom>
-          <a:noFill/>
-          <a:ln>
-            <a:noFill/>
-            <a:headEnd/>
-            <a:tailEnd type="triangle" w="sm" len="med"/>
-          </a:ln>
-          <a:effectLst/>
-        </p:spPr>
-        <p:style>
-          <a:lnRef idx="1">
-            <a:schemeClr val="accent2"/>
-          </a:lnRef>
-          <a:fillRef idx="2">
-            <a:schemeClr val="accent2"/>
-          </a:fillRef>
-          <a:effectRef idx="1">
-            <a:schemeClr val="accent2"/>
-          </a:effectRef>
-          <a:fontRef idx="minor">
-            <a:schemeClr val="dk1"/>
-          </a:fontRef>
-        </p:style>
-        <p:txBody>
-          <a:bodyPr rot="0" spcFirstLastPara="0" vertOverflow="overflow" horzOverflow="overflow" vert="horz" wrap="none" lIns="91440" tIns="45720" rIns="91440" bIns="45720" numCol="1" spcCol="0" rtlCol="0" fromWordArt="0" anchor="ctr" anchorCtr="0" forceAA="0" compatLnSpc="1">
-            <a:prstTxWarp prst="textNoShape">
-              <a:avLst/>
-            </a:prstTxWarp>
-            <a:noAutofit/>
-          </a:bodyPr>
-          <a:lstStyle/>
-          <a:p>
-            <a:pPr algn="ctr"/>
-            <a:r>
-              <a:rPr kumimoji="1" lang="ja-JP" altLang="en-US" dirty="0">
-                <a:solidFill>
-                  <a:schemeClr val="tx1">
-                    <a:lumMod val="75000"/>
-                    <a:lumOff val="25000"/>
-                  </a:schemeClr>
-                </a:solidFill>
-                <a:latin typeface="+mn-ea"/>
-              </a:rPr>
-              <a:t>イントロ</a:t>
-            </a:r>
+              <a:rPr kumimoji="1" lang="ja-JP" altLang="en-US" dirty="0"/>
+              <a:t>３点プロットとは異なる部分がある</a:t>
+            </a:r>
+            <a:endParaRPr kumimoji="1" lang="en-US" altLang="ja-JP" dirty="0"/>
+          </a:p>
+          <a:p>
+            <a:pPr marL="817200" lvl="1" indent="-457200">
+              <a:buFont typeface="+mj-lt"/>
+              <a:buAutoNum type="arabicPeriod"/>
+            </a:pPr>
+            <a:r>
+              <a:rPr kumimoji="1" lang="ja-JP" altLang="en-US" dirty="0"/>
+              <a:t>配分の違い</a:t>
+            </a:r>
+            <a:endParaRPr kumimoji="1" lang="en-US" altLang="ja-JP" dirty="0"/>
+          </a:p>
+          <a:p>
+            <a:pPr marL="817200" lvl="1" indent="-457200">
+              <a:buFont typeface="+mj-lt"/>
+              <a:buAutoNum type="arabicPeriod"/>
+            </a:pPr>
+            <a:r>
+              <a:rPr kumimoji="1" lang="ja-JP" altLang="en-US" dirty="0"/>
+              <a:t>イントロの役割に由来する違い</a:t>
+            </a:r>
+            <a:endParaRPr kumimoji="1" lang="en-US" altLang="ja-JP" dirty="0"/>
+          </a:p>
+          <a:p>
+            <a:pPr marL="817200" lvl="1" indent="-457200">
+              <a:buFont typeface="+mj-lt"/>
+              <a:buAutoNum type="arabicPeriod"/>
+            </a:pPr>
+            <a:r>
+              <a:rPr kumimoji="1" lang="ja-JP" altLang="en-US" dirty="0"/>
+              <a:t>プロットで確認する内容の違い</a:t>
+            </a:r>
+            <a:endParaRPr kumimoji="1" lang="en-US" altLang="ja-JP" dirty="0"/>
           </a:p>
         </p:txBody>
       </p:sp>
     </p:spTree>
     <p:extLst>
       <p:ext uri="{BB962C8B-B14F-4D97-AF65-F5344CB8AC3E}">
-        <p14:creationId xmlns:p14="http://schemas.microsoft.com/office/powerpoint/2010/main" val="3688885714"/>
+        <p14:creationId xmlns:p14="http://schemas.microsoft.com/office/powerpoint/2010/main" val="3466906499"/>
       </p:ext>
     </p:extLst>
   </p:cSld>
@@ -18193,7 +17080,7 @@
           <p:cNvPr id="2" name="タイトル 1">
             <a:extLst>
               <a:ext uri="{FF2B5EF4-FFF2-40B4-BE49-F238E27FC236}">
-                <a16:creationId xmlns:a16="http://schemas.microsoft.com/office/drawing/2014/main" id="{2719BBCA-CA4F-4773-E09D-3876AD40A638}"/>
+                <a16:creationId xmlns:a16="http://schemas.microsoft.com/office/drawing/2014/main" id="{18A42B14-CF0C-96E2-5CF7-6662DFA3735D}"/>
               </a:ext>
             </a:extLst>
           </p:cNvPr>
@@ -18210,8 +17097,12 @@
           <a:lstStyle/>
           <a:p>
             <a:r>
+              <a:rPr lang="ja-JP" altLang="en-US" dirty="0"/>
+              <a:t>イントロ</a:t>
+            </a:r>
+            <a:r>
               <a:rPr kumimoji="1" lang="ja-JP" altLang="en-US" dirty="0"/>
-              <a:t>イントロの役割</a:t>
+              <a:t>プロット時の配分</a:t>
             </a:r>
           </a:p>
         </p:txBody>
@@ -18221,7 +17112,7 @@
           <p:cNvPr id="3" name="テキスト プレースホルダー 2">
             <a:extLst>
               <a:ext uri="{FF2B5EF4-FFF2-40B4-BE49-F238E27FC236}">
-                <a16:creationId xmlns:a16="http://schemas.microsoft.com/office/drawing/2014/main" id="{E2641AA1-1A0A-9B61-5A99-7EE0B80BC37B}"/>
+                <a16:creationId xmlns:a16="http://schemas.microsoft.com/office/drawing/2014/main" id="{AAB0013E-6128-536A-AD5E-A87E6DA3282A}"/>
               </a:ext>
             </a:extLst>
           </p:cNvPr>
@@ -18234,127 +17125,1190 @@
         </p:nvSpPr>
         <p:spPr>
           <a:xfrm>
-            <a:off x="341953" y="1088974"/>
-            <a:ext cx="8550095" cy="5219751"/>
+            <a:off x="611956" y="3519001"/>
+            <a:ext cx="8280092" cy="2969726"/>
           </a:xfrm>
         </p:spPr>
         <p:txBody>
           <a:bodyPr/>
           <a:lstStyle/>
           <a:p>
-            <a:pPr marL="457200" indent="-457200">
-              <a:buFont typeface="+mj-lt"/>
-              <a:buAutoNum type="arabicPeriod"/>
-            </a:pPr>
+            <a:r>
+              <a:rPr lang="ja-JP" altLang="en-US" sz="1800" dirty="0"/>
+              <a:t>イントロ</a:t>
+            </a:r>
             <a:r>
               <a:rPr kumimoji="1" lang="ja-JP" altLang="en-US" sz="1800" dirty="0"/>
-              <a:t>課題や提案が扱う話題への導入を行うこと</a:t>
+              <a:t>プロット時の配分には自由度がある</a:t>
             </a:r>
             <a:endParaRPr kumimoji="1" lang="en-US" altLang="ja-JP" sz="1800" dirty="0"/>
           </a:p>
           <a:p>
             <a:pPr lvl="1"/>
             <a:r>
-              <a:rPr lang="ja-JP" altLang="en-US" sz="1800" dirty="0"/>
-              <a:t>３点プロットの背景部分の役割にあたる</a:t>
-            </a:r>
-            <a:endParaRPr lang="en-US" altLang="ja-JP" sz="1800" dirty="0"/>
+              <a:rPr kumimoji="1" lang="ja-JP" altLang="en-US" sz="1800" dirty="0"/>
+              <a:t>３点のどこをどれだけ詳しく話すかは，論文ごとに異なる</a:t>
+            </a:r>
+            <a:endParaRPr kumimoji="1" lang="en-US" altLang="ja-JP" sz="1800" dirty="0"/>
+          </a:p>
+          <a:p>
+            <a:r>
+              <a:rPr kumimoji="1" lang="ja-JP" altLang="en-US" sz="1800" dirty="0"/>
+              <a:t>たとえば，</a:t>
+            </a:r>
+            <a:endParaRPr kumimoji="1" lang="en-US" altLang="ja-JP" sz="1800" dirty="0"/>
           </a:p>
           <a:p>
             <a:pPr lvl="1"/>
             <a:r>
               <a:rPr kumimoji="1" lang="ja-JP" altLang="en-US" sz="1800" dirty="0"/>
-              <a:t>イントロの冒頭の背景部分でこれを行う</a:t>
+              <a:t>背景は１つのままで，提案を増やす事が多い（上の図の例）</a:t>
             </a:r>
             <a:endParaRPr kumimoji="1" lang="en-US" altLang="ja-JP" sz="1800" dirty="0"/>
           </a:p>
           <a:p>
-            <a:pPr marL="457200" indent="-457200">
-              <a:buFont typeface="+mj-lt"/>
-              <a:buAutoNum type="arabicPeriod"/>
-            </a:pPr>
+            <a:pPr lvl="1"/>
             <a:r>
               <a:rPr kumimoji="1" lang="ja-JP" altLang="en-US" sz="1800" dirty="0"/>
-              <a:t>全体を</a:t>
-            </a:r>
-            <a:r>
-              <a:rPr lang="ja-JP" altLang="en-US" sz="1800" dirty="0"/>
-              <a:t>要約して紹介すること</a:t>
-            </a:r>
-            <a:endParaRPr lang="en-US" altLang="ja-JP" sz="1800" dirty="0"/>
+              <a:t>あまり一般的ではない話題の場合，背景が多めの配分になる事も</a:t>
+            </a:r>
+            <a:endParaRPr kumimoji="1" lang="en-US" altLang="ja-JP" sz="1800" dirty="0"/>
           </a:p>
           <a:p>
             <a:pPr lvl="1"/>
             <a:r>
-              <a:rPr lang="ja-JP" altLang="en-US" sz="1800" dirty="0"/>
-              <a:t>話の全体構造を把握することで，読者</a:t>
-            </a:r>
-            <a:r>
               <a:rPr kumimoji="1" lang="ja-JP" altLang="en-US" sz="1800" dirty="0"/>
-              <a:t>や聴衆の</a:t>
-            </a:r>
-            <a:r>
-              <a:rPr lang="ja-JP" altLang="en-US" sz="1800" dirty="0"/>
-              <a:t>以降の理解を円滑にする</a:t>
-            </a:r>
-            <a:endParaRPr lang="en-US" altLang="ja-JP" sz="1800" dirty="0"/>
-          </a:p>
-          <a:p>
-            <a:pPr marL="457200" indent="-457200">
-              <a:buFont typeface="+mj-lt"/>
-              <a:buAutoNum type="arabicPeriod"/>
-            </a:pPr>
-            <a:r>
-              <a:rPr kumimoji="1" lang="ja-JP" altLang="en-US" sz="1800" dirty="0"/>
-              <a:t>読者や聴衆の興味をひくこと</a:t>
-            </a:r>
-            <a:endParaRPr kumimoji="1" lang="en-US" altLang="ja-JP" sz="1800" dirty="0"/>
-          </a:p>
-          <a:p>
-            <a:pPr lvl="1"/>
-            <a:r>
-              <a:rPr lang="ja-JP" altLang="en-US" sz="1800" dirty="0"/>
-              <a:t>読者や聴衆が興味を持つような点を強調する必要がある</a:t>
-            </a:r>
-            <a:endParaRPr lang="en-US" altLang="ja-JP" sz="1800" dirty="0"/>
-          </a:p>
-          <a:p>
-            <a:pPr lvl="1"/>
-            <a:r>
-              <a:rPr lang="ja-JP" altLang="en-US" sz="1800" dirty="0"/>
-              <a:t>問題や提案の核心部分，華々しい結果を示すなど</a:t>
-            </a:r>
-            <a:endParaRPr lang="en-US" altLang="ja-JP" sz="1800" dirty="0"/>
-          </a:p>
-          <a:p>
-            <a:pPr lvl="2"/>
-            <a:r>
-              <a:rPr lang="ja-JP" altLang="en-US" sz="1800" dirty="0"/>
-              <a:t>「</a:t>
-            </a:r>
-            <a:r>
-              <a:rPr lang="en-US" altLang="ja-JP" sz="1800" dirty="0"/>
-              <a:t>200%</a:t>
-            </a:r>
-            <a:r>
-              <a:rPr lang="ja-JP" altLang="en-US" sz="1800" dirty="0"/>
-              <a:t>性能向上しました」→ 「すごいな，どうやったんだろ？」</a:t>
-            </a:r>
-            <a:endParaRPr lang="en-US" altLang="ja-JP" sz="1800" dirty="0"/>
-          </a:p>
-          <a:p>
-            <a:r>
-              <a:rPr kumimoji="1" lang="ja-JP" altLang="en-US" sz="1800" dirty="0"/>
-              <a:t>イントロプロット作成時は，これらを意識すると良い</a:t>
-            </a:r>
-            <a:endParaRPr kumimoji="1" lang="en-US" altLang="ja-JP" sz="1800" dirty="0"/>
+              <a:t>逆に課題の発見や整理こそが大事な場合，提案は自明なため短くなる</a:t>
+            </a:r>
+          </a:p>
+        </p:txBody>
+      </p:sp>
+      <p:sp>
+        <p:nvSpPr>
+          <p:cNvPr id="19" name="四角形: 角を丸くする 18">
+            <a:extLst>
+              <a:ext uri="{FF2B5EF4-FFF2-40B4-BE49-F238E27FC236}">
+                <a16:creationId xmlns:a16="http://schemas.microsoft.com/office/drawing/2014/main" id="{2EEE0849-75EC-0EEC-A121-858C97D62C77}"/>
+              </a:ext>
+            </a:extLst>
+          </p:cNvPr>
+          <p:cNvSpPr/>
+          <p:nvPr/>
+        </p:nvSpPr>
+        <p:spPr bwMode="auto">
+          <a:xfrm>
+            <a:off x="4403201" y="1268976"/>
+            <a:ext cx="1440015" cy="360004"/>
+          </a:xfrm>
+          <a:prstGeom prst="roundRect">
+            <a:avLst/>
+          </a:prstGeom>
+          <a:ln>
+            <a:headEnd/>
+            <a:tailEnd type="triangle" w="sm" len="med"/>
+          </a:ln>
+        </p:spPr>
+        <p:style>
+          <a:lnRef idx="1">
+            <a:schemeClr val="accent4"/>
+          </a:lnRef>
+          <a:fillRef idx="2">
+            <a:schemeClr val="accent4"/>
+          </a:fillRef>
+          <a:effectRef idx="1">
+            <a:schemeClr val="accent4"/>
+          </a:effectRef>
+          <a:fontRef idx="minor">
+            <a:schemeClr val="dk1"/>
+          </a:fontRef>
+        </p:style>
+        <p:txBody>
+          <a:bodyPr rot="0" spcFirstLastPara="0" vertOverflow="overflow" horzOverflow="overflow" vert="horz" wrap="none" lIns="91440" tIns="45720" rIns="91440" bIns="45720" numCol="1" spcCol="0" rtlCol="0" fromWordArt="0" anchor="ctr" anchorCtr="0" forceAA="0" compatLnSpc="1">
+            <a:prstTxWarp prst="textNoShape">
+              <a:avLst/>
+            </a:prstTxWarp>
+            <a:noAutofit/>
+          </a:bodyPr>
+          <a:lstStyle/>
+          <a:p>
+            <a:pPr algn="ctr"/>
+            <a:r>
+              <a:rPr kumimoji="1" lang="ja-JP" altLang="en-US" dirty="0">
+                <a:solidFill>
+                  <a:schemeClr val="tx1">
+                    <a:lumMod val="75000"/>
+                    <a:lumOff val="25000"/>
+                  </a:schemeClr>
+                </a:solidFill>
+                <a:latin typeface="+mn-ea"/>
+              </a:rPr>
+              <a:t>目標規定文</a:t>
+            </a:r>
+          </a:p>
+        </p:txBody>
+      </p:sp>
+      <p:sp>
+        <p:nvSpPr>
+          <p:cNvPr id="20" name="四角形: 角を丸くする 19">
+            <a:extLst>
+              <a:ext uri="{FF2B5EF4-FFF2-40B4-BE49-F238E27FC236}">
+                <a16:creationId xmlns:a16="http://schemas.microsoft.com/office/drawing/2014/main" id="{BAD5C687-09C7-5752-065A-0E9419D409B6}"/>
+              </a:ext>
+            </a:extLst>
+          </p:cNvPr>
+          <p:cNvSpPr/>
+          <p:nvPr/>
+        </p:nvSpPr>
+        <p:spPr bwMode="auto">
+          <a:xfrm>
+            <a:off x="1253166" y="1988984"/>
+            <a:ext cx="990011" cy="360004"/>
+          </a:xfrm>
+          <a:prstGeom prst="roundRect">
+            <a:avLst/>
+          </a:prstGeom>
+          <a:ln>
+            <a:headEnd/>
+            <a:tailEnd type="triangle" w="sm" len="med"/>
+          </a:ln>
+        </p:spPr>
+        <p:style>
+          <a:lnRef idx="1">
+            <a:schemeClr val="accent2"/>
+          </a:lnRef>
+          <a:fillRef idx="2">
+            <a:schemeClr val="accent2"/>
+          </a:fillRef>
+          <a:effectRef idx="1">
+            <a:schemeClr val="accent2"/>
+          </a:effectRef>
+          <a:fontRef idx="minor">
+            <a:schemeClr val="dk1"/>
+          </a:fontRef>
+        </p:style>
+        <p:txBody>
+          <a:bodyPr rot="0" spcFirstLastPara="0" vertOverflow="overflow" horzOverflow="overflow" vert="horz" wrap="none" lIns="91440" tIns="45720" rIns="91440" bIns="45720" numCol="1" spcCol="0" rtlCol="0" fromWordArt="0" anchor="ctr" anchorCtr="0" forceAA="0" compatLnSpc="1">
+            <a:prstTxWarp prst="textNoShape">
+              <a:avLst/>
+            </a:prstTxWarp>
+            <a:noAutofit/>
+          </a:bodyPr>
+          <a:lstStyle/>
+          <a:p>
+            <a:pPr algn="ctr"/>
+            <a:r>
+              <a:rPr kumimoji="1" lang="ja-JP" altLang="en-US" dirty="0">
+                <a:solidFill>
+                  <a:schemeClr val="tx1">
+                    <a:lumMod val="75000"/>
+                    <a:lumOff val="25000"/>
+                  </a:schemeClr>
+                </a:solidFill>
+                <a:latin typeface="+mn-ea"/>
+              </a:rPr>
+              <a:t>背景</a:t>
+            </a:r>
+          </a:p>
+        </p:txBody>
+      </p:sp>
+      <p:sp>
+        <p:nvSpPr>
+          <p:cNvPr id="22" name="四角形: 角を丸くする 21">
+            <a:extLst>
+              <a:ext uri="{FF2B5EF4-FFF2-40B4-BE49-F238E27FC236}">
+                <a16:creationId xmlns:a16="http://schemas.microsoft.com/office/drawing/2014/main" id="{FF6D4719-831E-0C39-54DD-ADD9CB655222}"/>
+              </a:ext>
+            </a:extLst>
+          </p:cNvPr>
+          <p:cNvSpPr/>
+          <p:nvPr/>
+        </p:nvSpPr>
+        <p:spPr bwMode="auto">
+          <a:xfrm>
+            <a:off x="3233188" y="1988984"/>
+            <a:ext cx="1080012" cy="360004"/>
+          </a:xfrm>
+          <a:prstGeom prst="roundRect">
+            <a:avLst/>
+          </a:prstGeom>
+          <a:ln>
+            <a:headEnd/>
+            <a:tailEnd type="triangle" w="sm" len="med"/>
+          </a:ln>
+        </p:spPr>
+        <p:style>
+          <a:lnRef idx="1">
+            <a:schemeClr val="accent5"/>
+          </a:lnRef>
+          <a:fillRef idx="2">
+            <a:schemeClr val="accent5"/>
+          </a:fillRef>
+          <a:effectRef idx="1">
+            <a:schemeClr val="accent5"/>
+          </a:effectRef>
+          <a:fontRef idx="minor">
+            <a:schemeClr val="dk1"/>
+          </a:fontRef>
+        </p:style>
+        <p:txBody>
+          <a:bodyPr rot="0" spcFirstLastPara="0" vertOverflow="overflow" horzOverflow="overflow" vert="horz" wrap="none" lIns="91440" tIns="45720" rIns="91440" bIns="45720" numCol="1" spcCol="0" rtlCol="0" fromWordArt="0" anchor="ctr" anchorCtr="0" forceAA="0" compatLnSpc="1">
+            <a:prstTxWarp prst="textNoShape">
+              <a:avLst/>
+            </a:prstTxWarp>
+            <a:noAutofit/>
+          </a:bodyPr>
+          <a:lstStyle/>
+          <a:p>
+            <a:pPr algn="ctr"/>
+            <a:r>
+              <a:rPr kumimoji="1" lang="ja-JP" altLang="en-US" dirty="0">
+                <a:solidFill>
+                  <a:schemeClr val="tx1">
+                    <a:lumMod val="75000"/>
+                    <a:lumOff val="25000"/>
+                  </a:schemeClr>
+                </a:solidFill>
+                <a:latin typeface="+mn-ea"/>
+              </a:rPr>
+              <a:t>課題</a:t>
+            </a:r>
+          </a:p>
+        </p:txBody>
+      </p:sp>
+      <p:sp>
+        <p:nvSpPr>
+          <p:cNvPr id="23" name="四角形: 角を丸くする 22">
+            <a:extLst>
+              <a:ext uri="{FF2B5EF4-FFF2-40B4-BE49-F238E27FC236}">
+                <a16:creationId xmlns:a16="http://schemas.microsoft.com/office/drawing/2014/main" id="{3554FF05-B976-1511-4572-9C67A6A82486}"/>
+              </a:ext>
+            </a:extLst>
+          </p:cNvPr>
+          <p:cNvSpPr/>
+          <p:nvPr/>
+        </p:nvSpPr>
+        <p:spPr bwMode="auto">
+          <a:xfrm>
+            <a:off x="6653226" y="1988984"/>
+            <a:ext cx="990011" cy="360004"/>
+          </a:xfrm>
+          <a:prstGeom prst="roundRect">
+            <a:avLst/>
+          </a:prstGeom>
+          <a:ln>
+            <a:headEnd/>
+            <a:tailEnd type="triangle" w="sm" len="med"/>
+          </a:ln>
+        </p:spPr>
+        <p:style>
+          <a:lnRef idx="1">
+            <a:schemeClr val="accent3"/>
+          </a:lnRef>
+          <a:fillRef idx="2">
+            <a:schemeClr val="accent3"/>
+          </a:fillRef>
+          <a:effectRef idx="1">
+            <a:schemeClr val="accent3"/>
+          </a:effectRef>
+          <a:fontRef idx="minor">
+            <a:schemeClr val="dk1"/>
+          </a:fontRef>
+        </p:style>
+        <p:txBody>
+          <a:bodyPr rot="0" spcFirstLastPara="0" vertOverflow="overflow" horzOverflow="overflow" vert="horz" wrap="none" lIns="91440" tIns="45720" rIns="91440" bIns="45720" numCol="1" spcCol="0" rtlCol="0" fromWordArt="0" anchor="ctr" anchorCtr="0" forceAA="0" compatLnSpc="1">
+            <a:prstTxWarp prst="textNoShape">
+              <a:avLst/>
+            </a:prstTxWarp>
+            <a:noAutofit/>
+          </a:bodyPr>
+          <a:lstStyle/>
+          <a:p>
+            <a:pPr algn="ctr"/>
+            <a:r>
+              <a:rPr kumimoji="1" lang="ja-JP" altLang="en-US" dirty="0">
+                <a:solidFill>
+                  <a:schemeClr val="tx1">
+                    <a:lumMod val="75000"/>
+                    <a:lumOff val="25000"/>
+                  </a:schemeClr>
+                </a:solidFill>
+                <a:latin typeface="+mn-ea"/>
+              </a:rPr>
+              <a:t>提案</a:t>
+            </a:r>
+          </a:p>
+        </p:txBody>
+      </p:sp>
+      <p:sp>
+        <p:nvSpPr>
+          <p:cNvPr id="25" name="四角形: 角を丸くする 24">
+            <a:extLst>
+              <a:ext uri="{FF2B5EF4-FFF2-40B4-BE49-F238E27FC236}">
+                <a16:creationId xmlns:a16="http://schemas.microsoft.com/office/drawing/2014/main" id="{1C9DE02F-B00A-2AD8-1212-2A438A6D71DC}"/>
+              </a:ext>
+            </a:extLst>
+          </p:cNvPr>
+          <p:cNvSpPr/>
+          <p:nvPr/>
+        </p:nvSpPr>
+        <p:spPr bwMode="auto">
+          <a:xfrm>
+            <a:off x="1253166" y="2683224"/>
+            <a:ext cx="990000" cy="360004"/>
+          </a:xfrm>
+          <a:prstGeom prst="roundRect">
+            <a:avLst/>
+          </a:prstGeom>
+          <a:ln>
+            <a:headEnd/>
+            <a:tailEnd type="triangle" w="sm" len="med"/>
+          </a:ln>
+        </p:spPr>
+        <p:style>
+          <a:lnRef idx="1">
+            <a:schemeClr val="accent2"/>
+          </a:lnRef>
+          <a:fillRef idx="2">
+            <a:schemeClr val="accent2"/>
+          </a:fillRef>
+          <a:effectRef idx="1">
+            <a:schemeClr val="accent2"/>
+          </a:effectRef>
+          <a:fontRef idx="minor">
+            <a:schemeClr val="dk1"/>
+          </a:fontRef>
+        </p:style>
+        <p:txBody>
+          <a:bodyPr rot="0" spcFirstLastPara="0" vertOverflow="overflow" horzOverflow="overflow" vert="horz" wrap="none" lIns="91440" tIns="45720" rIns="91440" bIns="45720" numCol="1" spcCol="0" rtlCol="0" fromWordArt="0" anchor="ctr" anchorCtr="0" forceAA="0" compatLnSpc="1">
+            <a:prstTxWarp prst="textNoShape">
+              <a:avLst/>
+            </a:prstTxWarp>
+            <a:noAutofit/>
+          </a:bodyPr>
+          <a:lstStyle/>
+          <a:p>
+            <a:pPr algn="ctr"/>
+            <a:r>
+              <a:rPr kumimoji="1" lang="ja-JP" altLang="en-US" b="1" dirty="0">
+                <a:solidFill>
+                  <a:schemeClr val="accent2"/>
+                </a:solidFill>
+                <a:latin typeface="+mn-ea"/>
+              </a:rPr>
+              <a:t>背景</a:t>
+            </a:r>
+          </a:p>
+        </p:txBody>
+      </p:sp>
+      <p:sp>
+        <p:nvSpPr>
+          <p:cNvPr id="27" name="四角形: 角を丸くする 26">
+            <a:extLst>
+              <a:ext uri="{FF2B5EF4-FFF2-40B4-BE49-F238E27FC236}">
+                <a16:creationId xmlns:a16="http://schemas.microsoft.com/office/drawing/2014/main" id="{3081119F-3203-B7F2-D0BE-CFCDF3788C14}"/>
+              </a:ext>
+            </a:extLst>
+          </p:cNvPr>
+          <p:cNvSpPr/>
+          <p:nvPr/>
+        </p:nvSpPr>
+        <p:spPr bwMode="auto">
+          <a:xfrm>
+            <a:off x="2603181" y="2695362"/>
+            <a:ext cx="990000" cy="360004"/>
+          </a:xfrm>
+          <a:prstGeom prst="roundRect">
+            <a:avLst/>
+          </a:prstGeom>
+          <a:ln>
+            <a:headEnd/>
+            <a:tailEnd type="triangle" w="sm" len="med"/>
+          </a:ln>
+        </p:spPr>
+        <p:style>
+          <a:lnRef idx="1">
+            <a:schemeClr val="accent5"/>
+          </a:lnRef>
+          <a:fillRef idx="2">
+            <a:schemeClr val="accent5"/>
+          </a:fillRef>
+          <a:effectRef idx="1">
+            <a:schemeClr val="accent5"/>
+          </a:effectRef>
+          <a:fontRef idx="minor">
+            <a:schemeClr val="dk1"/>
+          </a:fontRef>
+        </p:style>
+        <p:txBody>
+          <a:bodyPr rot="0" spcFirstLastPara="0" vertOverflow="overflow" horzOverflow="overflow" vert="horz" wrap="none" lIns="91440" tIns="45720" rIns="91440" bIns="45720" numCol="1" spcCol="0" rtlCol="0" fromWordArt="0" anchor="ctr" anchorCtr="0" forceAA="0" compatLnSpc="1">
+            <a:prstTxWarp prst="textNoShape">
+              <a:avLst/>
+            </a:prstTxWarp>
+            <a:noAutofit/>
+          </a:bodyPr>
+          <a:lstStyle/>
+          <a:p>
+            <a:pPr algn="ctr"/>
+            <a:r>
+              <a:rPr kumimoji="1" lang="ja-JP" altLang="en-US" b="1" dirty="0">
+                <a:solidFill>
+                  <a:schemeClr val="accent5"/>
+                </a:solidFill>
+                <a:latin typeface="+mn-ea"/>
+              </a:rPr>
+              <a:t>既存手法</a:t>
+            </a:r>
+          </a:p>
+        </p:txBody>
+      </p:sp>
+      <p:sp>
+        <p:nvSpPr>
+          <p:cNvPr id="28" name="四角形: 角を丸くする 27">
+            <a:extLst>
+              <a:ext uri="{FF2B5EF4-FFF2-40B4-BE49-F238E27FC236}">
+                <a16:creationId xmlns:a16="http://schemas.microsoft.com/office/drawing/2014/main" id="{00DB25A1-F13D-A0E0-29C7-B522B53A5838}"/>
+              </a:ext>
+            </a:extLst>
+          </p:cNvPr>
+          <p:cNvSpPr/>
+          <p:nvPr/>
+        </p:nvSpPr>
+        <p:spPr bwMode="auto">
+          <a:xfrm>
+            <a:off x="3953196" y="2708992"/>
+            <a:ext cx="990000" cy="360004"/>
+          </a:xfrm>
+          <a:prstGeom prst="roundRect">
+            <a:avLst/>
+          </a:prstGeom>
+          <a:ln>
+            <a:headEnd/>
+            <a:tailEnd type="triangle" w="sm" len="med"/>
+          </a:ln>
+        </p:spPr>
+        <p:style>
+          <a:lnRef idx="1">
+            <a:schemeClr val="accent5"/>
+          </a:lnRef>
+          <a:fillRef idx="2">
+            <a:schemeClr val="accent5"/>
+          </a:fillRef>
+          <a:effectRef idx="1">
+            <a:schemeClr val="accent5"/>
+          </a:effectRef>
+          <a:fontRef idx="minor">
+            <a:schemeClr val="dk1"/>
+          </a:fontRef>
+        </p:style>
+        <p:txBody>
+          <a:bodyPr rot="0" spcFirstLastPara="0" vertOverflow="overflow" horzOverflow="overflow" vert="horz" wrap="none" lIns="91440" tIns="45720" rIns="91440" bIns="45720" numCol="1" spcCol="0" rtlCol="0" fromWordArt="0" anchor="ctr" anchorCtr="0" forceAA="0" compatLnSpc="1">
+            <a:prstTxWarp prst="textNoShape">
+              <a:avLst/>
+            </a:prstTxWarp>
+            <a:noAutofit/>
+          </a:bodyPr>
+          <a:lstStyle/>
+          <a:p>
+            <a:pPr algn="ctr"/>
+            <a:r>
+              <a:rPr kumimoji="1" lang="ja-JP" altLang="en-US" b="1" dirty="0">
+                <a:solidFill>
+                  <a:schemeClr val="accent5"/>
+                </a:solidFill>
+                <a:latin typeface="+mn-ea"/>
+              </a:rPr>
+              <a:t>その問題</a:t>
+            </a:r>
+          </a:p>
+        </p:txBody>
+      </p:sp>
+      <p:sp>
+        <p:nvSpPr>
+          <p:cNvPr id="31" name="四角形: 角を丸くする 30">
+            <a:extLst>
+              <a:ext uri="{FF2B5EF4-FFF2-40B4-BE49-F238E27FC236}">
+                <a16:creationId xmlns:a16="http://schemas.microsoft.com/office/drawing/2014/main" id="{8FDF68CB-163F-17E8-CD80-96C662D7448E}"/>
+              </a:ext>
+            </a:extLst>
+          </p:cNvPr>
+          <p:cNvSpPr/>
+          <p:nvPr/>
+        </p:nvSpPr>
+        <p:spPr bwMode="auto">
+          <a:xfrm>
+            <a:off x="5292008" y="2708992"/>
+            <a:ext cx="990000" cy="360004"/>
+          </a:xfrm>
+          <a:prstGeom prst="roundRect">
+            <a:avLst/>
+          </a:prstGeom>
+          <a:ln>
+            <a:headEnd/>
+            <a:tailEnd type="triangle" w="sm" len="med"/>
+          </a:ln>
+        </p:spPr>
+        <p:style>
+          <a:lnRef idx="1">
+            <a:schemeClr val="accent3"/>
+          </a:lnRef>
+          <a:fillRef idx="2">
+            <a:schemeClr val="accent3"/>
+          </a:fillRef>
+          <a:effectRef idx="1">
+            <a:schemeClr val="accent3"/>
+          </a:effectRef>
+          <a:fontRef idx="minor">
+            <a:schemeClr val="dk1"/>
+          </a:fontRef>
+        </p:style>
+        <p:txBody>
+          <a:bodyPr rot="0" spcFirstLastPara="0" vertOverflow="overflow" horzOverflow="overflow" vert="horz" wrap="none" lIns="91440" tIns="45720" rIns="91440" bIns="45720" numCol="1" spcCol="0" rtlCol="0" fromWordArt="0" anchor="ctr" anchorCtr="0" forceAA="0" compatLnSpc="1">
+            <a:prstTxWarp prst="textNoShape">
+              <a:avLst/>
+            </a:prstTxWarp>
+            <a:noAutofit/>
+          </a:bodyPr>
+          <a:lstStyle/>
+          <a:p>
+            <a:pPr algn="ctr"/>
+            <a:r>
+              <a:rPr kumimoji="1" lang="ja-JP" altLang="en-US" b="1" dirty="0">
+                <a:solidFill>
+                  <a:schemeClr val="accent3">
+                    <a:lumMod val="75000"/>
+                  </a:schemeClr>
+                </a:solidFill>
+                <a:latin typeface="+mn-ea"/>
+              </a:rPr>
+              <a:t>洞察</a:t>
+            </a:r>
+          </a:p>
+        </p:txBody>
+      </p:sp>
+      <p:sp>
+        <p:nvSpPr>
+          <p:cNvPr id="32" name="四角形: 角を丸くする 31">
+            <a:extLst>
+              <a:ext uri="{FF2B5EF4-FFF2-40B4-BE49-F238E27FC236}">
+                <a16:creationId xmlns:a16="http://schemas.microsoft.com/office/drawing/2014/main" id="{EDE8C294-3C05-1998-FF2A-0E1E2D766273}"/>
+              </a:ext>
+            </a:extLst>
+          </p:cNvPr>
+          <p:cNvSpPr/>
+          <p:nvPr/>
+        </p:nvSpPr>
+        <p:spPr bwMode="auto">
+          <a:xfrm>
+            <a:off x="6653226" y="2708992"/>
+            <a:ext cx="990000" cy="360004"/>
+          </a:xfrm>
+          <a:prstGeom prst="roundRect">
+            <a:avLst/>
+          </a:prstGeom>
+          <a:ln>
+            <a:headEnd/>
+            <a:tailEnd type="triangle" w="sm" len="med"/>
+          </a:ln>
+        </p:spPr>
+        <p:style>
+          <a:lnRef idx="1">
+            <a:schemeClr val="accent3"/>
+          </a:lnRef>
+          <a:fillRef idx="2">
+            <a:schemeClr val="accent3"/>
+          </a:fillRef>
+          <a:effectRef idx="1">
+            <a:schemeClr val="accent3"/>
+          </a:effectRef>
+          <a:fontRef idx="minor">
+            <a:schemeClr val="dk1"/>
+          </a:fontRef>
+        </p:style>
+        <p:txBody>
+          <a:bodyPr rot="0" spcFirstLastPara="0" vertOverflow="overflow" horzOverflow="overflow" vert="horz" wrap="none" lIns="91440" tIns="45720" rIns="91440" bIns="45720" numCol="1" spcCol="0" rtlCol="0" fromWordArt="0" anchor="ctr" anchorCtr="0" forceAA="0" compatLnSpc="1">
+            <a:prstTxWarp prst="textNoShape">
+              <a:avLst/>
+            </a:prstTxWarp>
+            <a:noAutofit/>
+          </a:bodyPr>
+          <a:lstStyle/>
+          <a:p>
+            <a:pPr algn="ctr"/>
+            <a:r>
+              <a:rPr kumimoji="1" lang="ja-JP" altLang="en-US" b="1" dirty="0">
+                <a:solidFill>
+                  <a:schemeClr val="accent3">
+                    <a:lumMod val="75000"/>
+                  </a:schemeClr>
+                </a:solidFill>
+                <a:latin typeface="+mn-ea"/>
+              </a:rPr>
+              <a:t>アイデア</a:t>
+            </a:r>
+          </a:p>
+        </p:txBody>
+      </p:sp>
+      <p:cxnSp>
+        <p:nvCxnSpPr>
+          <p:cNvPr id="36" name="直線矢印コネクタ 35">
+            <a:extLst>
+              <a:ext uri="{FF2B5EF4-FFF2-40B4-BE49-F238E27FC236}">
+                <a16:creationId xmlns:a16="http://schemas.microsoft.com/office/drawing/2014/main" id="{07C3EC9D-3605-A64C-67C8-6C57C4B83E8C}"/>
+              </a:ext>
+            </a:extLst>
+          </p:cNvPr>
+          <p:cNvCxnSpPr>
+            <a:cxnSpLocks/>
+            <a:stCxn id="19" idx="2"/>
+            <a:endCxn id="22" idx="0"/>
+          </p:cNvCxnSpPr>
+          <p:nvPr/>
+        </p:nvCxnSpPr>
+        <p:spPr bwMode="auto">
+          <a:xfrm flipH="1">
+            <a:off x="3773194" y="1628980"/>
+            <a:ext cx="1350015" cy="360004"/>
+          </a:xfrm>
+          <a:prstGeom prst="straightConnector1">
+            <a:avLst/>
+          </a:prstGeom>
+          <a:noFill/>
+          <a:ln w="9525" cap="flat" cmpd="sng" algn="ctr">
+            <a:solidFill>
+              <a:schemeClr val="tx1">
+                <a:lumMod val="75000"/>
+                <a:lumOff val="25000"/>
+              </a:schemeClr>
+            </a:solidFill>
+            <a:prstDash val="solid"/>
+            <a:round/>
+            <a:headEnd type="none" w="med" len="med"/>
+            <a:tailEnd type="triangle"/>
+          </a:ln>
+          <a:effectLst/>
+        </p:spPr>
+      </p:cxnSp>
+      <p:cxnSp>
+        <p:nvCxnSpPr>
+          <p:cNvPr id="37" name="直線矢印コネクタ 36">
+            <a:extLst>
+              <a:ext uri="{FF2B5EF4-FFF2-40B4-BE49-F238E27FC236}">
+                <a16:creationId xmlns:a16="http://schemas.microsoft.com/office/drawing/2014/main" id="{B0F8B33B-2B72-C17E-E7FA-D06C294B94D4}"/>
+              </a:ext>
+            </a:extLst>
+          </p:cNvPr>
+          <p:cNvCxnSpPr>
+            <a:cxnSpLocks/>
+            <a:stCxn id="19" idx="2"/>
+            <a:endCxn id="20" idx="0"/>
+          </p:cNvCxnSpPr>
+          <p:nvPr/>
+        </p:nvCxnSpPr>
+        <p:spPr bwMode="auto">
+          <a:xfrm flipH="1">
+            <a:off x="1748172" y="1628980"/>
+            <a:ext cx="3375037" cy="360004"/>
+          </a:xfrm>
+          <a:prstGeom prst="straightConnector1">
+            <a:avLst/>
+          </a:prstGeom>
+          <a:noFill/>
+          <a:ln w="9525" cap="flat" cmpd="sng" algn="ctr">
+            <a:solidFill>
+              <a:schemeClr val="tx1">
+                <a:lumMod val="75000"/>
+                <a:lumOff val="25000"/>
+              </a:schemeClr>
+            </a:solidFill>
+            <a:prstDash val="solid"/>
+            <a:round/>
+            <a:headEnd type="none" w="med" len="med"/>
+            <a:tailEnd type="triangle"/>
+          </a:ln>
+          <a:effectLst/>
+        </p:spPr>
+      </p:cxnSp>
+      <p:cxnSp>
+        <p:nvCxnSpPr>
+          <p:cNvPr id="38" name="直線矢印コネクタ 37">
+            <a:extLst>
+              <a:ext uri="{FF2B5EF4-FFF2-40B4-BE49-F238E27FC236}">
+                <a16:creationId xmlns:a16="http://schemas.microsoft.com/office/drawing/2014/main" id="{D94D4187-0DC6-15F2-F004-80B4B3329AA7}"/>
+              </a:ext>
+            </a:extLst>
+          </p:cNvPr>
+          <p:cNvCxnSpPr>
+            <a:cxnSpLocks/>
+            <a:stCxn id="19" idx="2"/>
+            <a:endCxn id="23" idx="0"/>
+          </p:cNvCxnSpPr>
+          <p:nvPr/>
+        </p:nvCxnSpPr>
+        <p:spPr bwMode="auto">
+          <a:xfrm>
+            <a:off x="5123209" y="1628980"/>
+            <a:ext cx="2025023" cy="360004"/>
+          </a:xfrm>
+          <a:prstGeom prst="straightConnector1">
+            <a:avLst/>
+          </a:prstGeom>
+          <a:noFill/>
+          <a:ln w="9525" cap="flat" cmpd="sng" algn="ctr">
+            <a:solidFill>
+              <a:schemeClr val="tx1">
+                <a:lumMod val="75000"/>
+                <a:lumOff val="25000"/>
+              </a:schemeClr>
+            </a:solidFill>
+            <a:prstDash val="solid"/>
+            <a:round/>
+            <a:headEnd type="none" w="med" len="med"/>
+            <a:tailEnd type="triangle"/>
+          </a:ln>
+          <a:effectLst/>
+        </p:spPr>
+      </p:cxnSp>
+      <p:cxnSp>
+        <p:nvCxnSpPr>
+          <p:cNvPr id="39" name="直線矢印コネクタ 38">
+            <a:extLst>
+              <a:ext uri="{FF2B5EF4-FFF2-40B4-BE49-F238E27FC236}">
+                <a16:creationId xmlns:a16="http://schemas.microsoft.com/office/drawing/2014/main" id="{A214842E-9068-35F9-3BF9-D85202347709}"/>
+              </a:ext>
+            </a:extLst>
+          </p:cNvPr>
+          <p:cNvCxnSpPr>
+            <a:cxnSpLocks/>
+            <a:stCxn id="20" idx="2"/>
+            <a:endCxn id="25" idx="0"/>
+          </p:cNvCxnSpPr>
+          <p:nvPr/>
+        </p:nvCxnSpPr>
+        <p:spPr bwMode="auto">
+          <a:xfrm flipH="1">
+            <a:off x="1748166" y="2348988"/>
+            <a:ext cx="6" cy="334236"/>
+          </a:xfrm>
+          <a:prstGeom prst="straightConnector1">
+            <a:avLst/>
+          </a:prstGeom>
+          <a:noFill/>
+          <a:ln w="9525" cap="flat" cmpd="sng" algn="ctr">
+            <a:solidFill>
+              <a:schemeClr val="tx1">
+                <a:lumMod val="75000"/>
+                <a:lumOff val="25000"/>
+              </a:schemeClr>
+            </a:solidFill>
+            <a:prstDash val="solid"/>
+            <a:round/>
+            <a:headEnd type="none" w="med" len="med"/>
+            <a:tailEnd type="triangle"/>
+          </a:ln>
+          <a:effectLst/>
+        </p:spPr>
+      </p:cxnSp>
+      <p:cxnSp>
+        <p:nvCxnSpPr>
+          <p:cNvPr id="41" name="直線矢印コネクタ 40">
+            <a:extLst>
+              <a:ext uri="{FF2B5EF4-FFF2-40B4-BE49-F238E27FC236}">
+                <a16:creationId xmlns:a16="http://schemas.microsoft.com/office/drawing/2014/main" id="{3482F275-9D3A-4A57-AB5E-AEFB96C07901}"/>
+              </a:ext>
+            </a:extLst>
+          </p:cNvPr>
+          <p:cNvCxnSpPr>
+            <a:cxnSpLocks/>
+            <a:stCxn id="22" idx="2"/>
+            <a:endCxn id="28" idx="0"/>
+          </p:cNvCxnSpPr>
+          <p:nvPr/>
+        </p:nvCxnSpPr>
+        <p:spPr bwMode="auto">
+          <a:xfrm>
+            <a:off x="3773194" y="2348988"/>
+            <a:ext cx="675002" cy="360004"/>
+          </a:xfrm>
+          <a:prstGeom prst="straightConnector1">
+            <a:avLst/>
+          </a:prstGeom>
+          <a:noFill/>
+          <a:ln w="9525" cap="flat" cmpd="sng" algn="ctr">
+            <a:solidFill>
+              <a:schemeClr val="tx1">
+                <a:lumMod val="75000"/>
+                <a:lumOff val="25000"/>
+              </a:schemeClr>
+            </a:solidFill>
+            <a:prstDash val="solid"/>
+            <a:round/>
+            <a:headEnd type="none" w="med" len="med"/>
+            <a:tailEnd type="triangle"/>
+          </a:ln>
+          <a:effectLst/>
+        </p:spPr>
+      </p:cxnSp>
+      <p:cxnSp>
+        <p:nvCxnSpPr>
+          <p:cNvPr id="42" name="直線矢印コネクタ 41">
+            <a:extLst>
+              <a:ext uri="{FF2B5EF4-FFF2-40B4-BE49-F238E27FC236}">
+                <a16:creationId xmlns:a16="http://schemas.microsoft.com/office/drawing/2014/main" id="{F455CAC9-923B-6862-EC95-BDF9E3407F63}"/>
+              </a:ext>
+            </a:extLst>
+          </p:cNvPr>
+          <p:cNvCxnSpPr>
+            <a:cxnSpLocks/>
+            <a:stCxn id="22" idx="2"/>
+            <a:endCxn id="27" idx="0"/>
+          </p:cNvCxnSpPr>
+          <p:nvPr/>
+        </p:nvCxnSpPr>
+        <p:spPr bwMode="auto">
+          <a:xfrm flipH="1">
+            <a:off x="3098181" y="2348988"/>
+            <a:ext cx="675013" cy="346374"/>
+          </a:xfrm>
+          <a:prstGeom prst="straightConnector1">
+            <a:avLst/>
+          </a:prstGeom>
+          <a:noFill/>
+          <a:ln w="9525" cap="flat" cmpd="sng" algn="ctr">
+            <a:solidFill>
+              <a:schemeClr val="tx1">
+                <a:lumMod val="75000"/>
+                <a:lumOff val="25000"/>
+              </a:schemeClr>
+            </a:solidFill>
+            <a:prstDash val="solid"/>
+            <a:round/>
+            <a:headEnd type="none" w="med" len="med"/>
+            <a:tailEnd type="triangle"/>
+          </a:ln>
+          <a:effectLst/>
+        </p:spPr>
+      </p:cxnSp>
+      <p:cxnSp>
+        <p:nvCxnSpPr>
+          <p:cNvPr id="43" name="直線矢印コネクタ 42">
+            <a:extLst>
+              <a:ext uri="{FF2B5EF4-FFF2-40B4-BE49-F238E27FC236}">
+                <a16:creationId xmlns:a16="http://schemas.microsoft.com/office/drawing/2014/main" id="{542246E7-E24E-FA79-3D02-A262C3D2BBEE}"/>
+              </a:ext>
+            </a:extLst>
+          </p:cNvPr>
+          <p:cNvCxnSpPr>
+            <a:cxnSpLocks/>
+            <a:stCxn id="23" idx="2"/>
+            <a:endCxn id="32" idx="0"/>
+          </p:cNvCxnSpPr>
+          <p:nvPr/>
+        </p:nvCxnSpPr>
+        <p:spPr bwMode="auto">
+          <a:xfrm flipH="1">
+            <a:off x="7148226" y="2348988"/>
+            <a:ext cx="6" cy="360004"/>
+          </a:xfrm>
+          <a:prstGeom prst="straightConnector1">
+            <a:avLst/>
+          </a:prstGeom>
+          <a:noFill/>
+          <a:ln w="9525" cap="flat" cmpd="sng" algn="ctr">
+            <a:solidFill>
+              <a:schemeClr val="tx1">
+                <a:lumMod val="75000"/>
+                <a:lumOff val="25000"/>
+              </a:schemeClr>
+            </a:solidFill>
+            <a:prstDash val="solid"/>
+            <a:round/>
+            <a:headEnd type="none" w="med" len="med"/>
+            <a:tailEnd type="triangle"/>
+          </a:ln>
+          <a:effectLst/>
+        </p:spPr>
+      </p:cxnSp>
+      <p:cxnSp>
+        <p:nvCxnSpPr>
+          <p:cNvPr id="44" name="直線矢印コネクタ 43">
+            <a:extLst>
+              <a:ext uri="{FF2B5EF4-FFF2-40B4-BE49-F238E27FC236}">
+                <a16:creationId xmlns:a16="http://schemas.microsoft.com/office/drawing/2014/main" id="{DBDA4000-A502-E1B9-4D8D-45CBA4DEE417}"/>
+              </a:ext>
+            </a:extLst>
+          </p:cNvPr>
+          <p:cNvCxnSpPr>
+            <a:cxnSpLocks/>
+            <a:stCxn id="23" idx="2"/>
+            <a:endCxn id="31" idx="0"/>
+          </p:cNvCxnSpPr>
+          <p:nvPr/>
+        </p:nvCxnSpPr>
+        <p:spPr bwMode="auto">
+          <a:xfrm flipH="1">
+            <a:off x="5787008" y="2348988"/>
+            <a:ext cx="1361224" cy="360004"/>
+          </a:xfrm>
+          <a:prstGeom prst="straightConnector1">
+            <a:avLst/>
+          </a:prstGeom>
+          <a:noFill/>
+          <a:ln w="9525" cap="flat" cmpd="sng" algn="ctr">
+            <a:solidFill>
+              <a:schemeClr val="tx1">
+                <a:lumMod val="75000"/>
+                <a:lumOff val="25000"/>
+              </a:schemeClr>
+            </a:solidFill>
+            <a:prstDash val="solid"/>
+            <a:round/>
+            <a:headEnd type="none" w="med" len="med"/>
+            <a:tailEnd type="triangle"/>
+          </a:ln>
+          <a:effectLst/>
+        </p:spPr>
+      </p:cxnSp>
+      <p:sp>
+        <p:nvSpPr>
+          <p:cNvPr id="57" name="四角形: 角を丸くする 56">
+            <a:extLst>
+              <a:ext uri="{FF2B5EF4-FFF2-40B4-BE49-F238E27FC236}">
+                <a16:creationId xmlns:a16="http://schemas.microsoft.com/office/drawing/2014/main" id="{0C0D2DAC-C98B-2F2A-286E-C3551D774EE5}"/>
+              </a:ext>
+            </a:extLst>
+          </p:cNvPr>
+          <p:cNvSpPr/>
+          <p:nvPr/>
+        </p:nvSpPr>
+        <p:spPr bwMode="auto">
+          <a:xfrm>
+            <a:off x="8003241" y="2708992"/>
+            <a:ext cx="990000" cy="360004"/>
+          </a:xfrm>
+          <a:prstGeom prst="roundRect">
+            <a:avLst/>
+          </a:prstGeom>
+          <a:ln>
+            <a:headEnd/>
+            <a:tailEnd type="triangle" w="sm" len="med"/>
+          </a:ln>
+        </p:spPr>
+        <p:style>
+          <a:lnRef idx="1">
+            <a:schemeClr val="accent3"/>
+          </a:lnRef>
+          <a:fillRef idx="2">
+            <a:schemeClr val="accent3"/>
+          </a:fillRef>
+          <a:effectRef idx="1">
+            <a:schemeClr val="accent3"/>
+          </a:effectRef>
+          <a:fontRef idx="minor">
+            <a:schemeClr val="dk1"/>
+          </a:fontRef>
+        </p:style>
+        <p:txBody>
+          <a:bodyPr rot="0" spcFirstLastPara="0" vertOverflow="overflow" horzOverflow="overflow" vert="horz" wrap="none" lIns="91440" tIns="45720" rIns="91440" bIns="45720" numCol="1" spcCol="0" rtlCol="0" fromWordArt="0" anchor="ctr" anchorCtr="0" forceAA="0" compatLnSpc="1">
+            <a:prstTxWarp prst="textNoShape">
+              <a:avLst/>
+            </a:prstTxWarp>
+            <a:noAutofit/>
+          </a:bodyPr>
+          <a:lstStyle/>
+          <a:p>
+            <a:pPr algn="ctr"/>
+            <a:r>
+              <a:rPr kumimoji="1" lang="ja-JP" altLang="en-US" b="1" dirty="0">
+                <a:solidFill>
+                  <a:schemeClr val="accent3">
+                    <a:lumMod val="75000"/>
+                  </a:schemeClr>
+                </a:solidFill>
+                <a:latin typeface="+mn-ea"/>
+              </a:rPr>
+              <a:t>評価結果</a:t>
+            </a:r>
+          </a:p>
+        </p:txBody>
+      </p:sp>
+      <p:cxnSp>
+        <p:nvCxnSpPr>
+          <p:cNvPr id="58" name="直線矢印コネクタ 57">
+            <a:extLst>
+              <a:ext uri="{FF2B5EF4-FFF2-40B4-BE49-F238E27FC236}">
+                <a16:creationId xmlns:a16="http://schemas.microsoft.com/office/drawing/2014/main" id="{98292862-FBFC-1FDA-FBDB-65DF89A3C745}"/>
+              </a:ext>
+            </a:extLst>
+          </p:cNvPr>
+          <p:cNvCxnSpPr>
+            <a:cxnSpLocks/>
+            <a:stCxn id="23" idx="2"/>
+            <a:endCxn id="57" idx="0"/>
+          </p:cNvCxnSpPr>
+          <p:nvPr/>
+        </p:nvCxnSpPr>
+        <p:spPr bwMode="auto">
+          <a:xfrm>
+            <a:off x="7148232" y="2348988"/>
+            <a:ext cx="1350009" cy="360004"/>
+          </a:xfrm>
+          <a:prstGeom prst="straightConnector1">
+            <a:avLst/>
+          </a:prstGeom>
+          <a:noFill/>
+          <a:ln w="9525" cap="flat" cmpd="sng" algn="ctr">
+            <a:solidFill>
+              <a:schemeClr val="tx1">
+                <a:lumMod val="75000"/>
+                <a:lumOff val="25000"/>
+              </a:schemeClr>
+            </a:solidFill>
+            <a:prstDash val="solid"/>
+            <a:round/>
+            <a:headEnd type="none" w="med" len="med"/>
+            <a:tailEnd type="triangle"/>
+          </a:ln>
+          <a:effectLst/>
+        </p:spPr>
+      </p:cxnSp>
+      <p:sp>
+        <p:nvSpPr>
+          <p:cNvPr id="89" name="四角形: 角を丸くする 88">
+            <a:extLst>
+              <a:ext uri="{FF2B5EF4-FFF2-40B4-BE49-F238E27FC236}">
+                <a16:creationId xmlns:a16="http://schemas.microsoft.com/office/drawing/2014/main" id="{BF7EB89D-1A2D-E4F9-EEA8-639756123507}"/>
+              </a:ext>
+            </a:extLst>
+          </p:cNvPr>
+          <p:cNvSpPr/>
+          <p:nvPr/>
+        </p:nvSpPr>
+        <p:spPr bwMode="auto">
+          <a:xfrm>
+            <a:off x="31269" y="1988984"/>
+            <a:ext cx="1080012" cy="360004"/>
+          </a:xfrm>
+          <a:prstGeom prst="roundRect">
+            <a:avLst/>
+          </a:prstGeom>
+          <a:noFill/>
+          <a:ln>
+            <a:noFill/>
+            <a:headEnd/>
+            <a:tailEnd type="triangle" w="sm" len="med"/>
+          </a:ln>
+          <a:effectLst/>
+        </p:spPr>
+        <p:style>
+          <a:lnRef idx="1">
+            <a:schemeClr val="accent2"/>
+          </a:lnRef>
+          <a:fillRef idx="2">
+            <a:schemeClr val="accent2"/>
+          </a:fillRef>
+          <a:effectRef idx="1">
+            <a:schemeClr val="accent2"/>
+          </a:effectRef>
+          <a:fontRef idx="minor">
+            <a:schemeClr val="dk1"/>
+          </a:fontRef>
+        </p:style>
+        <p:txBody>
+          <a:bodyPr rot="0" spcFirstLastPara="0" vertOverflow="overflow" horzOverflow="overflow" vert="horz" wrap="none" lIns="91440" tIns="45720" rIns="91440" bIns="45720" numCol="1" spcCol="0" rtlCol="0" fromWordArt="0" anchor="ctr" anchorCtr="0" forceAA="0" compatLnSpc="1">
+            <a:prstTxWarp prst="textNoShape">
+              <a:avLst/>
+            </a:prstTxWarp>
+            <a:noAutofit/>
+          </a:bodyPr>
+          <a:lstStyle/>
+          <a:p>
+            <a:pPr algn="ctr"/>
+            <a:r>
+              <a:rPr kumimoji="1" lang="ja-JP" altLang="en-US" dirty="0">
+                <a:solidFill>
+                  <a:schemeClr val="tx1">
+                    <a:lumMod val="75000"/>
+                    <a:lumOff val="25000"/>
+                  </a:schemeClr>
+                </a:solidFill>
+                <a:latin typeface="+mn-ea"/>
+              </a:rPr>
+              <a:t>３点</a:t>
+            </a:r>
+          </a:p>
+        </p:txBody>
+      </p:sp>
+      <p:sp>
+        <p:nvSpPr>
+          <p:cNvPr id="90" name="四角形: 角を丸くする 89">
+            <a:extLst>
+              <a:ext uri="{FF2B5EF4-FFF2-40B4-BE49-F238E27FC236}">
+                <a16:creationId xmlns:a16="http://schemas.microsoft.com/office/drawing/2014/main" id="{7E56385C-CB2C-3809-CCB5-9CB3668B9F73}"/>
+              </a:ext>
+            </a:extLst>
+          </p:cNvPr>
+          <p:cNvSpPr/>
+          <p:nvPr/>
+        </p:nvSpPr>
+        <p:spPr bwMode="auto">
+          <a:xfrm>
+            <a:off x="63454" y="2708992"/>
+            <a:ext cx="1080012" cy="360004"/>
+          </a:xfrm>
+          <a:prstGeom prst="roundRect">
+            <a:avLst/>
+          </a:prstGeom>
+          <a:noFill/>
+          <a:ln>
+            <a:noFill/>
+            <a:headEnd/>
+            <a:tailEnd type="triangle" w="sm" len="med"/>
+          </a:ln>
+          <a:effectLst/>
+        </p:spPr>
+        <p:style>
+          <a:lnRef idx="1">
+            <a:schemeClr val="accent2"/>
+          </a:lnRef>
+          <a:fillRef idx="2">
+            <a:schemeClr val="accent2"/>
+          </a:fillRef>
+          <a:effectRef idx="1">
+            <a:schemeClr val="accent2"/>
+          </a:effectRef>
+          <a:fontRef idx="minor">
+            <a:schemeClr val="dk1"/>
+          </a:fontRef>
+        </p:style>
+        <p:txBody>
+          <a:bodyPr rot="0" spcFirstLastPara="0" vertOverflow="overflow" horzOverflow="overflow" vert="horz" wrap="none" lIns="91440" tIns="45720" rIns="91440" bIns="45720" numCol="1" spcCol="0" rtlCol="0" fromWordArt="0" anchor="ctr" anchorCtr="0" forceAA="0" compatLnSpc="1">
+            <a:prstTxWarp prst="textNoShape">
+              <a:avLst/>
+            </a:prstTxWarp>
+            <a:noAutofit/>
+          </a:bodyPr>
+          <a:lstStyle/>
+          <a:p>
+            <a:pPr algn="ctr"/>
+            <a:r>
+              <a:rPr kumimoji="1" lang="ja-JP" altLang="en-US" dirty="0">
+                <a:solidFill>
+                  <a:schemeClr val="tx1">
+                    <a:lumMod val="75000"/>
+                    <a:lumOff val="25000"/>
+                  </a:schemeClr>
+                </a:solidFill>
+                <a:latin typeface="+mn-ea"/>
+              </a:rPr>
+              <a:t>イントロ</a:t>
+            </a:r>
           </a:p>
         </p:txBody>
       </p:sp>
     </p:spTree>
     <p:extLst>
       <p:ext uri="{BB962C8B-B14F-4D97-AF65-F5344CB8AC3E}">
-        <p14:creationId xmlns:p14="http://schemas.microsoft.com/office/powerpoint/2010/main" val="2881666782"/>
+        <p14:creationId xmlns:p14="http://schemas.microsoft.com/office/powerpoint/2010/main" val="3688885714"/>
       </p:ext>
     </p:extLst>
   </p:cSld>
@@ -18391,10 +18345,10 @@
       </p:grpSpPr>
       <p:sp>
         <p:nvSpPr>
-          <p:cNvPr id="4" name="タイトル 3">
-            <a:extLst>
-              <a:ext uri="{FF2B5EF4-FFF2-40B4-BE49-F238E27FC236}">
-                <a16:creationId xmlns:a16="http://schemas.microsoft.com/office/drawing/2014/main" id="{84F42E09-269D-6700-69C9-4DCC825C99A7}"/>
+          <p:cNvPr id="2" name="タイトル 1">
+            <a:extLst>
+              <a:ext uri="{FF2B5EF4-FFF2-40B4-BE49-F238E27FC236}">
+                <a16:creationId xmlns:a16="http://schemas.microsoft.com/office/drawing/2014/main" id="{2719BBCA-CA4F-4773-E09D-3876AD40A638}"/>
               </a:ext>
             </a:extLst>
           </p:cNvPr>
@@ -18411,22 +18365,197 @@
           <a:lstStyle/>
           <a:p>
             <a:r>
-              <a:rPr lang="ja-JP" altLang="en-US" b="1" dirty="0"/>
-              <a:t>全体プロット</a:t>
-            </a:r>
+              <a:rPr kumimoji="1" lang="ja-JP" altLang="en-US" dirty="0"/>
+              <a:t>イントロの３つの役割</a:t>
+            </a:r>
+            <a:br>
+              <a:rPr kumimoji="1" lang="en-US" altLang="ja-JP" dirty="0"/>
+            </a:br>
+            <a:r>
+              <a:rPr kumimoji="1" lang="ja-JP" altLang="en-US" sz="1800" dirty="0"/>
+              <a:t>（と，そこから見た３点プロットとの関係）</a:t>
+            </a:r>
+            <a:endParaRPr kumimoji="1" lang="ja-JP" altLang="en-US" sz="1600" dirty="0"/>
+          </a:p>
+        </p:txBody>
+      </p:sp>
+      <p:sp>
+        <p:nvSpPr>
+          <p:cNvPr id="3" name="テキスト プレースホルダー 2">
+            <a:extLst>
+              <a:ext uri="{FF2B5EF4-FFF2-40B4-BE49-F238E27FC236}">
+                <a16:creationId xmlns:a16="http://schemas.microsoft.com/office/drawing/2014/main" id="{E2641AA1-1A0A-9B61-5A99-7EE0B80BC37B}"/>
+              </a:ext>
+            </a:extLst>
+          </p:cNvPr>
+          <p:cNvSpPr>
+            <a:spLocks noGrp="1"/>
+          </p:cNvSpPr>
+          <p:nvPr>
+            <p:ph type="body" sz="quarter" idx="10"/>
+          </p:nvPr>
+        </p:nvSpPr>
+        <p:spPr>
+          <a:xfrm>
+            <a:off x="341953" y="1088974"/>
+            <a:ext cx="8550095" cy="5219751"/>
+          </a:xfrm>
+        </p:spPr>
+        <p:txBody>
+          <a:bodyPr/>
+          <a:lstStyle/>
+          <a:p>
+            <a:pPr marL="457200" indent="-457200">
+              <a:buFont typeface="+mj-lt"/>
+              <a:buAutoNum type="arabicPeriod"/>
+            </a:pPr>
+            <a:r>
+              <a:rPr kumimoji="1" lang="ja-JP" altLang="en-US" sz="1800" dirty="0"/>
+              <a:t>課題や提案が扱う話題への導入を行うこと</a:t>
+            </a:r>
+            <a:endParaRPr kumimoji="1" lang="en-US" altLang="ja-JP" sz="1800" dirty="0"/>
+          </a:p>
+          <a:p>
+            <a:pPr lvl="1"/>
+            <a:r>
+              <a:rPr kumimoji="1" lang="ja-JP" altLang="en-US" sz="1800" dirty="0"/>
+              <a:t>イントロの冒頭の背景部分でこれを行う</a:t>
+            </a:r>
+            <a:endParaRPr kumimoji="1" lang="en-US" altLang="ja-JP" sz="1800" dirty="0"/>
+          </a:p>
+          <a:p>
+            <a:pPr lvl="1"/>
+            <a:r>
+              <a:rPr lang="ja-JP" altLang="en-US" sz="1800" dirty="0"/>
+              <a:t>３点プロットの背景部分を展開すれば達成できる</a:t>
+            </a:r>
+            <a:endParaRPr kumimoji="1" lang="en-US" altLang="ja-JP" sz="1800" dirty="0"/>
+          </a:p>
+          <a:p>
+            <a:pPr marL="457200" indent="-457200">
+              <a:buFont typeface="+mj-lt"/>
+              <a:buAutoNum type="arabicPeriod"/>
+            </a:pPr>
+            <a:r>
+              <a:rPr kumimoji="1" lang="ja-JP" altLang="en-US" sz="1800" dirty="0"/>
+              <a:t>全体を</a:t>
+            </a:r>
+            <a:r>
+              <a:rPr lang="ja-JP" altLang="en-US" sz="1800" dirty="0"/>
+              <a:t>要約して紹介すること</a:t>
+            </a:r>
+            <a:endParaRPr lang="en-US" altLang="ja-JP" sz="1800" dirty="0"/>
+          </a:p>
+          <a:p>
+            <a:pPr lvl="1"/>
+            <a:r>
+              <a:rPr lang="ja-JP" altLang="en-US" sz="1800" dirty="0"/>
+              <a:t>話の全体構造を把握することで，読者</a:t>
+            </a:r>
+            <a:r>
+              <a:rPr kumimoji="1" lang="ja-JP" altLang="en-US" sz="1800" dirty="0"/>
+              <a:t>や聴衆の</a:t>
+            </a:r>
+            <a:r>
+              <a:rPr lang="ja-JP" altLang="en-US" sz="1800" dirty="0"/>
+              <a:t>以降の理解を円滑にする</a:t>
+            </a:r>
+            <a:endParaRPr lang="en-US" altLang="ja-JP" sz="1800" dirty="0"/>
+          </a:p>
+          <a:p>
+            <a:pPr lvl="1"/>
+            <a:r>
+              <a:rPr lang="ja-JP" altLang="en-US" sz="1800" dirty="0"/>
+              <a:t>３点プロットの各項目を詳細化すれば達成できる</a:t>
+            </a:r>
+            <a:endParaRPr lang="en-US" altLang="ja-JP" sz="1800" dirty="0"/>
+          </a:p>
+          <a:p>
+            <a:pPr marL="457200" indent="-457200">
+              <a:buFont typeface="+mj-lt"/>
+              <a:buAutoNum type="arabicPeriod"/>
+            </a:pPr>
+            <a:r>
+              <a:rPr kumimoji="1" lang="ja-JP" altLang="en-US" sz="1800" dirty="0"/>
+              <a:t>読者や聴衆の興味をひくこと</a:t>
+            </a:r>
+            <a:endParaRPr kumimoji="1" lang="en-US" altLang="ja-JP" sz="1800" dirty="0"/>
+          </a:p>
+          <a:p>
+            <a:pPr lvl="1"/>
+            <a:r>
+              <a:rPr lang="ja-JP" altLang="en-US" sz="1800" dirty="0"/>
+              <a:t>読者や聴衆が興味を持つような点を強調する必要がある</a:t>
+            </a:r>
+            <a:endParaRPr lang="en-US" altLang="ja-JP" sz="1800" dirty="0"/>
+          </a:p>
+          <a:p>
+            <a:pPr lvl="1"/>
+            <a:r>
+              <a:rPr lang="ja-JP" altLang="en-US" sz="1800" dirty="0"/>
+              <a:t>問題や提案の核心部分，華々しい結果を示すなど</a:t>
+            </a:r>
+            <a:endParaRPr lang="en-US" altLang="ja-JP" sz="1800" dirty="0"/>
+          </a:p>
+          <a:p>
+            <a:pPr lvl="2"/>
+            <a:r>
+              <a:rPr lang="ja-JP" altLang="en-US" sz="1800" dirty="0"/>
+              <a:t>「</a:t>
+            </a:r>
+            <a:r>
+              <a:rPr lang="en-US" altLang="ja-JP" sz="1800" dirty="0"/>
+              <a:t>200%</a:t>
+            </a:r>
+            <a:r>
+              <a:rPr lang="ja-JP" altLang="en-US" sz="1800" dirty="0"/>
+              <a:t>性能向上しました」→ 「すごいな，どうやったんだろ？」</a:t>
+            </a:r>
+            <a:endParaRPr lang="en-US" altLang="ja-JP" sz="1800" dirty="0"/>
+          </a:p>
+          <a:p>
+            <a:pPr lvl="1"/>
+            <a:r>
+              <a:rPr kumimoji="1" lang="ja-JP" altLang="en-US" sz="1800" dirty="0">
+                <a:solidFill>
+                  <a:schemeClr val="accent5"/>
+                </a:solidFill>
+              </a:rPr>
+              <a:t>３点プロットにはあまり現れないが，イントロでは意識する</a:t>
+            </a:r>
+            <a:endParaRPr kumimoji="1" lang="en-US" altLang="ja-JP" sz="1800" dirty="0">
+              <a:solidFill>
+                <a:schemeClr val="accent5"/>
+              </a:solidFill>
+            </a:endParaRPr>
+          </a:p>
+          <a:p>
+            <a:r>
+              <a:rPr kumimoji="1" lang="ja-JP" altLang="en-US" sz="1800" dirty="0"/>
+              <a:t>これらの役割を意識してイントロプロットを作ると良い</a:t>
+            </a:r>
+            <a:endParaRPr kumimoji="1" lang="en-US" altLang="ja-JP" sz="1800" dirty="0"/>
           </a:p>
         </p:txBody>
       </p:sp>
     </p:spTree>
     <p:extLst>
       <p:ext uri="{BB962C8B-B14F-4D97-AF65-F5344CB8AC3E}">
-        <p14:creationId xmlns:p14="http://schemas.microsoft.com/office/powerpoint/2010/main" val="3653181482"/>
+        <p14:creationId xmlns:p14="http://schemas.microsoft.com/office/powerpoint/2010/main" val="2881666782"/>
       </p:ext>
     </p:extLst>
   </p:cSld>
   <p:clrMapOvr>
     <a:masterClrMapping/>
   </p:clrMapOvr>
+  <mc:AlternateContent xmlns:mc="http://schemas.openxmlformats.org/markup-compatibility/2006" xmlns:p14="http://schemas.microsoft.com/office/powerpoint/2010/main">
+    <mc:Choice Requires="p14">
+      <p:transition p14:dur="10"/>
+    </mc:Choice>
+    <mc:Fallback xmlns="">
+      <p:transition/>
+    </mc:Fallback>
+  </mc:AlternateContent>
 </p:sld>
 </file>
 
@@ -18449,10 +18578,10 @@
       </p:grpSpPr>
       <p:sp>
         <p:nvSpPr>
-          <p:cNvPr id="4" name="タイトル 3">
-            <a:extLst>
-              <a:ext uri="{FF2B5EF4-FFF2-40B4-BE49-F238E27FC236}">
-                <a16:creationId xmlns:a16="http://schemas.microsoft.com/office/drawing/2014/main" id="{753D130F-9E8D-16A8-53A6-8697A34BBC23}"/>
+          <p:cNvPr id="2" name="タイトル 1">
+            <a:extLst>
+              <a:ext uri="{FF2B5EF4-FFF2-40B4-BE49-F238E27FC236}">
+                <a16:creationId xmlns:a16="http://schemas.microsoft.com/office/drawing/2014/main" id="{BAE6D4B8-08A3-EE73-8040-25BD22BBAF95}"/>
               </a:ext>
             </a:extLst>
           </p:cNvPr>
@@ -18469,19 +18598,19 @@
           <a:lstStyle/>
           <a:p>
             <a:r>
-              <a:rPr lang="ja-JP" altLang="en-US" b="1" dirty="0"/>
-              <a:t>全体プロット</a:t>
-            </a:r>
-            <a:endParaRPr lang="ja-JP" altLang="en-US" dirty="0"/>
+              <a:rPr kumimoji="1" lang="ja-JP" altLang="en-US" dirty="0"/>
+              <a:t>確認する内容の違い</a:t>
+            </a:r>
+            <a:endParaRPr kumimoji="1" lang="en-US" dirty="0"/>
           </a:p>
         </p:txBody>
       </p:sp>
       <p:sp>
         <p:nvSpPr>
-          <p:cNvPr id="5" name="テキスト プレースホルダー 4">
-            <a:extLst>
-              <a:ext uri="{FF2B5EF4-FFF2-40B4-BE49-F238E27FC236}">
-                <a16:creationId xmlns:a16="http://schemas.microsoft.com/office/drawing/2014/main" id="{220629E9-D9B3-68BB-D88A-B953DAE0018E}"/>
+          <p:cNvPr id="3" name="テキスト プレースホルダー 2">
+            <a:extLst>
+              <a:ext uri="{FF2B5EF4-FFF2-40B4-BE49-F238E27FC236}">
+                <a16:creationId xmlns:a16="http://schemas.microsoft.com/office/drawing/2014/main" id="{E8A8FC2D-6758-787C-A50A-8F009CAE2996}"/>
               </a:ext>
             </a:extLst>
           </p:cNvPr>
@@ -18498,70 +18627,98 @@
           <a:lstStyle/>
           <a:p>
             <a:r>
-              <a:rPr lang="ja-JP" altLang="en-US" dirty="0"/>
-              <a:t>論文やスライド全体のプロット</a:t>
-            </a:r>
-            <a:endParaRPr lang="en-US" altLang="ja-JP" dirty="0"/>
+              <a:rPr kumimoji="1" lang="ja-JP" altLang="en-US" dirty="0"/>
+              <a:t>イントロプロットでは</a:t>
+            </a:r>
+            <a:r>
+              <a:rPr kumimoji="1" lang="ja-JP" altLang="en-US" dirty="0">
+                <a:solidFill>
+                  <a:schemeClr val="accent5"/>
+                </a:solidFill>
+              </a:rPr>
+              <a:t>説明の流れの確認</a:t>
+            </a:r>
+            <a:r>
+              <a:rPr kumimoji="1" lang="ja-JP" altLang="en-US" dirty="0"/>
+              <a:t>も行う</a:t>
+            </a:r>
+            <a:endParaRPr kumimoji="1" lang="en-US" altLang="ja-JP" dirty="0"/>
           </a:p>
           <a:p>
             <a:pPr lvl="1"/>
             <a:r>
-              <a:rPr lang="ja-JP" altLang="en-US" dirty="0"/>
-              <a:t>特に項目数などの形式はない：</a:t>
-            </a:r>
-            <a:endParaRPr lang="en-US" altLang="ja-JP" dirty="0"/>
+              <a:rPr kumimoji="1" lang="ja-JP" altLang="en-US" dirty="0"/>
+              <a:t>３点プロットでは論理関係の整理に重きをおいていた</a:t>
+            </a:r>
+            <a:endParaRPr kumimoji="1" lang="en-US" altLang="ja-JP" dirty="0"/>
+          </a:p>
+          <a:p>
+            <a:pPr lvl="1"/>
+            <a:r>
+              <a:rPr kumimoji="1" lang="ja-JP" altLang="en-US" dirty="0"/>
+              <a:t>イントロプロットでは説明の順序</a:t>
+            </a:r>
+            <a:r>
+              <a:rPr kumimoji="1" lang="en-US" altLang="ja-JP" dirty="0"/>
+              <a:t>/</a:t>
+            </a:r>
+            <a:r>
+              <a:rPr kumimoji="1" lang="ja-JP" altLang="en-US" dirty="0"/>
+              <a:t>接続も確認する</a:t>
+            </a:r>
+          </a:p>
+          <a:p>
+            <a:r>
+              <a:rPr kumimoji="1" lang="ja-JP" altLang="en-US" dirty="0"/>
+              <a:t>イントロプロットも１画面に収まるように書く</a:t>
+            </a:r>
+            <a:endParaRPr kumimoji="1" lang="en-US" altLang="ja-JP" dirty="0"/>
+          </a:p>
+          <a:p>
+            <a:pPr lvl="1"/>
+            <a:r>
+              <a:rPr kumimoji="1" lang="ja-JP" altLang="en-US" dirty="0"/>
+              <a:t>複数画面にわたると，接続関係の確認が難しくなる</a:t>
+            </a:r>
+            <a:endParaRPr kumimoji="1" lang="en-US" altLang="ja-JP" dirty="0"/>
           </a:p>
           <a:p>
             <a:pPr lvl="2"/>
             <a:r>
-              <a:rPr lang="ja-JP" altLang="en-US" dirty="0"/>
-              <a:t>基本的には３点プロットやイントロプロットから派生させて考える</a:t>
-            </a:r>
-            <a:endParaRPr lang="en-US" altLang="ja-JP" dirty="0"/>
+              <a:rPr kumimoji="1" lang="ja-JP" altLang="en-US" dirty="0"/>
+              <a:t>３点プロットと同様の密度で書くと１画面に収まらない</a:t>
+            </a:r>
+            <a:endParaRPr kumimoji="1" lang="en-US" altLang="ja-JP" dirty="0"/>
           </a:p>
           <a:p>
             <a:pPr lvl="2"/>
             <a:r>
-              <a:rPr lang="ja-JP" altLang="en-US" dirty="0"/>
-              <a:t>イントロプロットでは省略されるような実装の詳細なども入る</a:t>
-            </a:r>
-            <a:endParaRPr lang="en-US" altLang="ja-JP" dirty="0"/>
-          </a:p>
-          <a:p>
-            <a:r>
-              <a:rPr lang="ja-JP" altLang="en-US" dirty="0"/>
-              <a:t>３点プロットは，いわば「プロットのプロット」</a:t>
-            </a:r>
-            <a:endParaRPr lang="en-US" altLang="ja-JP" dirty="0"/>
+              <a:rPr kumimoji="1" lang="ja-JP" altLang="en-US" dirty="0"/>
+              <a:t>内容を絞る必要がある</a:t>
+            </a:r>
+            <a:endParaRPr kumimoji="1" lang="en-US" altLang="ja-JP" dirty="0"/>
           </a:p>
           <a:p>
             <a:pPr lvl="1"/>
             <a:r>
-              <a:rPr lang="ja-JP" altLang="en-US" dirty="0"/>
-              <a:t>基本的には３点プロットで整理した内容をもとに，</a:t>
-            </a:r>
-            <a:br>
-              <a:rPr lang="en-US" altLang="ja-JP" dirty="0"/>
-            </a:br>
-            <a:r>
-              <a:rPr lang="ja-JP" altLang="en-US" dirty="0"/>
-              <a:t>肉付けして全体プロットを作る</a:t>
-            </a:r>
-            <a:endParaRPr lang="en-US" altLang="ja-JP" dirty="0"/>
-          </a:p>
-          <a:p>
-            <a:pPr lvl="1"/>
-            <a:r>
-              <a:rPr lang="ja-JP" altLang="en-US" dirty="0"/>
-              <a:t>いきなり全体プロットを作るのは難しい</a:t>
-            </a:r>
+              <a:rPr kumimoji="1" lang="ja-JP" altLang="en-US" dirty="0"/>
+              <a:t>トップレベルの項目同士が接続されていることを特に確認する</a:t>
+            </a:r>
+            <a:endParaRPr kumimoji="1" lang="en-US" altLang="ja-JP" dirty="0"/>
+          </a:p>
+          <a:p>
+            <a:endParaRPr kumimoji="1" lang="en-US" dirty="0">
+              <a:solidFill>
+                <a:schemeClr val="accent5"/>
+              </a:solidFill>
+            </a:endParaRPr>
           </a:p>
         </p:txBody>
       </p:sp>
     </p:spTree>
     <p:extLst>
       <p:ext uri="{BB962C8B-B14F-4D97-AF65-F5344CB8AC3E}">
-        <p14:creationId xmlns:p14="http://schemas.microsoft.com/office/powerpoint/2010/main" val="57573531"/>
+        <p14:creationId xmlns:p14="http://schemas.microsoft.com/office/powerpoint/2010/main" val="2129742485"/>
       </p:ext>
     </p:extLst>
   </p:cSld>
@@ -18601,6 +18758,1633 @@
           <p:cNvPr id="2" name="タイトル 1">
             <a:extLst>
               <a:ext uri="{FF2B5EF4-FFF2-40B4-BE49-F238E27FC236}">
+                <a16:creationId xmlns:a16="http://schemas.microsoft.com/office/drawing/2014/main" id="{BAE6D4B8-08A3-EE73-8040-25BD22BBAF95}"/>
+              </a:ext>
+            </a:extLst>
+          </p:cNvPr>
+          <p:cNvSpPr>
+            <a:spLocks noGrp="1"/>
+          </p:cNvSpPr>
+          <p:nvPr>
+            <p:ph type="title"/>
+          </p:nvPr>
+        </p:nvSpPr>
+        <p:spPr/>
+        <p:txBody>
+          <a:bodyPr/>
+          <a:lstStyle/>
+          <a:p>
+            <a:r>
+              <a:rPr kumimoji="1" lang="ja-JP" altLang="en-US" dirty="0"/>
+              <a:t>項目の接続</a:t>
+            </a:r>
+            <a:endParaRPr kumimoji="1" lang="en-US" altLang="ja-JP" dirty="0"/>
+          </a:p>
+        </p:txBody>
+      </p:sp>
+      <p:sp>
+        <p:nvSpPr>
+          <p:cNvPr id="3" name="テキスト プレースホルダー 2">
+            <a:extLst>
+              <a:ext uri="{FF2B5EF4-FFF2-40B4-BE49-F238E27FC236}">
+                <a16:creationId xmlns:a16="http://schemas.microsoft.com/office/drawing/2014/main" id="{E8A8FC2D-6758-787C-A50A-8F009CAE2996}"/>
+              </a:ext>
+            </a:extLst>
+          </p:cNvPr>
+          <p:cNvSpPr>
+            <a:spLocks noGrp="1"/>
+          </p:cNvSpPr>
+          <p:nvPr>
+            <p:ph type="body" sz="quarter" idx="10"/>
+          </p:nvPr>
+        </p:nvSpPr>
+        <p:spPr/>
+        <p:txBody>
+          <a:bodyPr/>
+          <a:lstStyle/>
+          <a:p>
+            <a:r>
+              <a:rPr kumimoji="1" lang="ja-JP" altLang="en-US" dirty="0"/>
+              <a:t>項目間の接続の方法</a:t>
+            </a:r>
+            <a:endParaRPr kumimoji="1" lang="en-US" altLang="ja-JP" dirty="0"/>
+          </a:p>
+          <a:p>
+            <a:pPr lvl="1"/>
+            <a:r>
+              <a:rPr kumimoji="1" lang="ja-JP" altLang="en-US" dirty="0">
+                <a:solidFill>
+                  <a:schemeClr val="accent5"/>
+                </a:solidFill>
+              </a:rPr>
+              <a:t>各項目に，そこまでに出てきた単語</a:t>
+            </a:r>
+            <a:r>
+              <a:rPr kumimoji="1" lang="en-US" altLang="ja-JP" dirty="0">
+                <a:solidFill>
+                  <a:schemeClr val="accent5"/>
+                </a:solidFill>
+              </a:rPr>
+              <a:t>/</a:t>
+            </a:r>
+            <a:r>
+              <a:rPr kumimoji="1" lang="ja-JP" altLang="en-US" dirty="0">
+                <a:solidFill>
+                  <a:schemeClr val="accent5"/>
+                </a:solidFill>
+              </a:rPr>
+              <a:t>概念を必ず含める</a:t>
+            </a:r>
+            <a:endParaRPr kumimoji="1" lang="en-US" altLang="ja-JP" dirty="0">
+              <a:solidFill>
+                <a:schemeClr val="accent5"/>
+              </a:solidFill>
+            </a:endParaRPr>
+          </a:p>
+          <a:p>
+            <a:pPr lvl="1"/>
+            <a:r>
+              <a:rPr kumimoji="1" lang="ja-JP" altLang="en-US" dirty="0"/>
+              <a:t>過去に出てきた情報に新しい情報を付け足す形になる</a:t>
+            </a:r>
+            <a:endParaRPr kumimoji="1" lang="en-US" altLang="ja-JP" dirty="0"/>
+          </a:p>
+          <a:p>
+            <a:r>
+              <a:rPr kumimoji="1" lang="ja-JP" altLang="en-US" dirty="0"/>
+              <a:t>確認方法：</a:t>
+            </a:r>
+            <a:endParaRPr kumimoji="1" lang="en-US" altLang="ja-JP" dirty="0"/>
+          </a:p>
+          <a:p>
+            <a:pPr lvl="1"/>
+            <a:r>
+              <a:rPr kumimoji="1" lang="ja-JP" altLang="en-US" dirty="0"/>
+              <a:t>そこまでに出てきた単語</a:t>
+            </a:r>
+            <a:r>
+              <a:rPr kumimoji="1" lang="en-US" altLang="ja-JP" dirty="0"/>
+              <a:t>/</a:t>
+            </a:r>
+            <a:r>
+              <a:rPr kumimoji="1" lang="ja-JP" altLang="en-US" dirty="0"/>
+              <a:t>概念が全く含まれていない項目が存在してしまっていないかを見る</a:t>
+            </a:r>
+            <a:endParaRPr kumimoji="1" lang="en-US" altLang="ja-JP" dirty="0"/>
+          </a:p>
+          <a:p>
+            <a:r>
+              <a:rPr kumimoji="1" lang="ja-JP" altLang="en-US" dirty="0"/>
+              <a:t>第１項目はそこより前がないため，これを守れない</a:t>
+            </a:r>
+            <a:endParaRPr kumimoji="1" lang="en-US" altLang="ja-JP" dirty="0"/>
+          </a:p>
+          <a:p>
+            <a:pPr lvl="1"/>
+            <a:r>
+              <a:rPr kumimoji="1" lang="ja-JP" altLang="en-US" dirty="0"/>
+              <a:t>第１項目は想定する読者や聴衆が既に知っているであろう概念から始める</a:t>
+            </a:r>
+            <a:endParaRPr kumimoji="1" lang="en-US" dirty="0">
+              <a:solidFill>
+                <a:schemeClr val="accent5"/>
+              </a:solidFill>
+            </a:endParaRPr>
+          </a:p>
+        </p:txBody>
+      </p:sp>
+    </p:spTree>
+    <p:extLst>
+      <p:ext uri="{BB962C8B-B14F-4D97-AF65-F5344CB8AC3E}">
+        <p14:creationId xmlns:p14="http://schemas.microsoft.com/office/powerpoint/2010/main" val="1274136010"/>
+      </p:ext>
+    </p:extLst>
+  </p:cSld>
+  <p:clrMapOvr>
+    <a:masterClrMapping/>
+  </p:clrMapOvr>
+  <mc:AlternateContent xmlns:mc="http://schemas.openxmlformats.org/markup-compatibility/2006" xmlns:p14="http://schemas.microsoft.com/office/powerpoint/2010/main">
+    <mc:Choice Requires="p14">
+      <p:transition p14:dur="10"/>
+    </mc:Choice>
+    <mc:Fallback xmlns="">
+      <p:transition/>
+    </mc:Fallback>
+  </mc:AlternateContent>
+</p:sld>
+</file>
+
+<file path=ppt/slides/slide57.xml><?xml version="1.0" encoding="utf-8"?>
+<p:sld xmlns:a="http://schemas.openxmlformats.org/drawingml/2006/main" xmlns:r="http://schemas.openxmlformats.org/officeDocument/2006/relationships" xmlns:p="http://schemas.openxmlformats.org/presentationml/2006/main">
+  <p:cSld>
+    <p:spTree>
+      <p:nvGrpSpPr>
+        <p:cNvPr id="1" name=""/>
+        <p:cNvGrpSpPr/>
+        <p:nvPr/>
+      </p:nvGrpSpPr>
+      <p:grpSpPr>
+        <a:xfrm>
+          <a:off x="0" y="0"/>
+          <a:ext cx="0" cy="0"/>
+          <a:chOff x="0" y="0"/>
+          <a:chExt cx="0" cy="0"/>
+        </a:xfrm>
+      </p:grpSpPr>
+      <p:sp>
+        <p:nvSpPr>
+          <p:cNvPr id="2" name="タイトル 1">
+            <a:extLst>
+              <a:ext uri="{FF2B5EF4-FFF2-40B4-BE49-F238E27FC236}">
+                <a16:creationId xmlns:a16="http://schemas.microsoft.com/office/drawing/2014/main" id="{51BE99DC-6509-D745-923D-01B9E613F224}"/>
+              </a:ext>
+            </a:extLst>
+          </p:cNvPr>
+          <p:cNvSpPr>
+            <a:spLocks noGrp="1"/>
+          </p:cNvSpPr>
+          <p:nvPr>
+            <p:ph type="title"/>
+          </p:nvPr>
+        </p:nvSpPr>
+        <p:spPr/>
+        <p:txBody>
+          <a:bodyPr/>
+          <a:lstStyle/>
+          <a:p>
+            <a:r>
+              <a:rPr kumimoji="1" lang="ja-JP" altLang="en-US" dirty="0"/>
+              <a:t>例：出川くんの </a:t>
+            </a:r>
+            <a:r>
+              <a:rPr kumimoji="1" lang="en-US" altLang="ja-JP" dirty="0"/>
+              <a:t>ICCD</a:t>
+            </a:r>
+            <a:endParaRPr kumimoji="1" lang="ja-JP" altLang="en-US" dirty="0"/>
+          </a:p>
+        </p:txBody>
+      </p:sp>
+      <p:sp>
+        <p:nvSpPr>
+          <p:cNvPr id="3" name="テキスト プレースホルダー 2">
+            <a:extLst>
+              <a:ext uri="{FF2B5EF4-FFF2-40B4-BE49-F238E27FC236}">
+                <a16:creationId xmlns:a16="http://schemas.microsoft.com/office/drawing/2014/main" id="{ED93E0D1-8160-8125-E3C9-AED3AEC7F3C7}"/>
+              </a:ext>
+            </a:extLst>
+          </p:cNvPr>
+          <p:cNvSpPr>
+            <a:spLocks noGrp="1"/>
+          </p:cNvSpPr>
+          <p:nvPr>
+            <p:ph type="body" sz="quarter" idx="10"/>
+          </p:nvPr>
+        </p:nvSpPr>
+        <p:spPr>
+          <a:xfrm>
+            <a:off x="161951" y="278965"/>
+            <a:ext cx="8730097" cy="5219751"/>
+          </a:xfrm>
+        </p:spPr>
+        <p:txBody>
+          <a:bodyPr/>
+          <a:lstStyle/>
+          <a:p>
+            <a:pPr lvl="1">
+              <a:buFont typeface="+mj-lt"/>
+              <a:buAutoNum type="arabicPeriod"/>
+            </a:pPr>
+            <a:r>
+              <a:rPr kumimoji="1" lang="ja-JP" altLang="en-US" sz="1600" dirty="0">
+                <a:solidFill>
+                  <a:schemeClr val="accent5"/>
+                </a:solidFill>
+              </a:rPr>
+              <a:t>命令キャッシュミス</a:t>
+            </a:r>
+            <a:r>
+              <a:rPr kumimoji="1" lang="ja-JP" altLang="en-US" sz="1600" dirty="0"/>
+              <a:t>を減らすために多くの研究がなされてきた</a:t>
+            </a:r>
+            <a:endParaRPr kumimoji="1" lang="en-US" altLang="ja-JP" sz="1600" dirty="0"/>
+          </a:p>
+          <a:p>
+            <a:pPr lvl="2"/>
+            <a:r>
+              <a:rPr kumimoji="1" lang="ja-JP" altLang="en-US" sz="1600" dirty="0"/>
+              <a:t>置換アルゴリズムやプリフェッチなど</a:t>
+            </a:r>
+            <a:endParaRPr kumimoji="1" lang="en-US" altLang="ja-JP" sz="1600" dirty="0"/>
+          </a:p>
+          <a:p>
+            <a:pPr lvl="1">
+              <a:buFont typeface="+mj-lt"/>
+              <a:buAutoNum type="arabicPeriod"/>
+            </a:pPr>
+            <a:r>
+              <a:rPr kumimoji="1" lang="ja-JP" altLang="en-US" sz="1600" dirty="0"/>
+              <a:t>現代では</a:t>
+            </a:r>
+            <a:r>
+              <a:rPr kumimoji="1" lang="ja-JP" altLang="en-US" sz="1600" dirty="0">
+                <a:solidFill>
+                  <a:schemeClr val="accent5"/>
+                </a:solidFill>
+              </a:rPr>
+              <a:t>命令キャッシュミス数</a:t>
+            </a:r>
+            <a:r>
+              <a:rPr kumimoji="1" lang="ja-JP" altLang="en-US" sz="1600" dirty="0"/>
+              <a:t>と</a:t>
+            </a:r>
+            <a:r>
+              <a:rPr kumimoji="1" lang="ja-JP" altLang="en-US" sz="1600" dirty="0">
+                <a:solidFill>
+                  <a:schemeClr val="accent5"/>
+                </a:solidFill>
+              </a:rPr>
+              <a:t>実行時間</a:t>
+            </a:r>
+            <a:r>
+              <a:rPr kumimoji="1" lang="ja-JP" altLang="en-US" sz="1600" dirty="0"/>
+              <a:t>が直接相関しない</a:t>
+            </a:r>
+            <a:endParaRPr kumimoji="1" lang="en-US" altLang="ja-JP" sz="1600" dirty="0"/>
+          </a:p>
+          <a:p>
+            <a:pPr lvl="2"/>
+            <a:r>
+              <a:rPr kumimoji="1" lang="ja-JP" altLang="en-US" sz="1600" dirty="0"/>
+              <a:t>現代のプロセッサではミスの処理を含む様々な処理がオーバーラップされるため</a:t>
+            </a:r>
+            <a:endParaRPr kumimoji="1" lang="en-US" altLang="ja-JP" sz="1600" dirty="0"/>
+          </a:p>
+          <a:p>
+            <a:pPr lvl="2"/>
+            <a:r>
+              <a:rPr kumimoji="1" lang="ja-JP" altLang="en-US" sz="1600" dirty="0"/>
+              <a:t>ミス数を減らしても実行時間が短くならない場合もある</a:t>
+            </a:r>
+            <a:endParaRPr kumimoji="1" lang="en-US" altLang="ja-JP" sz="1600" dirty="0"/>
+          </a:p>
+          <a:p>
+            <a:pPr lvl="1">
+              <a:buFont typeface="+mj-lt"/>
+              <a:buAutoNum type="arabicPeriod"/>
+            </a:pPr>
+            <a:r>
+              <a:rPr kumimoji="1" lang="ja-JP" altLang="en-US" sz="1600" dirty="0"/>
+              <a:t>精度よい</a:t>
+            </a:r>
+            <a:r>
+              <a:rPr kumimoji="1" lang="ja-JP" altLang="en-US" sz="1600" dirty="0">
+                <a:solidFill>
+                  <a:schemeClr val="accent5"/>
+                </a:solidFill>
+              </a:rPr>
+              <a:t>実行時間</a:t>
+            </a:r>
+            <a:r>
+              <a:rPr kumimoji="1" lang="ja-JP" altLang="en-US" sz="1600" dirty="0"/>
+              <a:t>見積もりのためにはプロセッサ</a:t>
+            </a:r>
+            <a:r>
+              <a:rPr kumimoji="1" lang="ja-JP" altLang="en-US" sz="1600" dirty="0">
+                <a:solidFill>
+                  <a:schemeClr val="accent5"/>
+                </a:solidFill>
+              </a:rPr>
+              <a:t>全体のシミュレーション</a:t>
+            </a:r>
+            <a:r>
+              <a:rPr kumimoji="1" lang="ja-JP" altLang="en-US" sz="1600" dirty="0"/>
+              <a:t>が必要</a:t>
+            </a:r>
+            <a:endParaRPr kumimoji="1" lang="en-US" altLang="ja-JP" sz="1600" dirty="0"/>
+          </a:p>
+          <a:p>
+            <a:pPr lvl="1">
+              <a:buFont typeface="+mj-lt"/>
+              <a:buAutoNum type="arabicPeriod"/>
+            </a:pPr>
+            <a:r>
+              <a:rPr kumimoji="1" lang="ja-JP" altLang="en-US" sz="1600" dirty="0"/>
+              <a:t>しかしそのような</a:t>
+            </a:r>
+            <a:r>
+              <a:rPr kumimoji="1" lang="ja-JP" altLang="en-US" sz="1600" dirty="0">
+                <a:solidFill>
+                  <a:schemeClr val="accent5"/>
+                </a:solidFill>
+              </a:rPr>
+              <a:t>全体のシミュレーション</a:t>
+            </a:r>
+            <a:r>
+              <a:rPr kumimoji="1" lang="ja-JP" altLang="en-US" sz="1600" dirty="0"/>
+              <a:t>は非常に</a:t>
+            </a:r>
+            <a:r>
+              <a:rPr kumimoji="1" lang="ja-JP" altLang="en-US" sz="1600" dirty="0">
+                <a:solidFill>
+                  <a:schemeClr val="accent5"/>
+                </a:solidFill>
+              </a:rPr>
+              <a:t>低速</a:t>
+            </a:r>
+            <a:endParaRPr kumimoji="1" lang="en-US" altLang="ja-JP" sz="1600" dirty="0">
+              <a:solidFill>
+                <a:schemeClr val="accent5"/>
+              </a:solidFill>
+            </a:endParaRPr>
+          </a:p>
+          <a:p>
+            <a:pPr lvl="1">
+              <a:buFont typeface="+mj-lt"/>
+              <a:buAutoNum type="arabicPeriod"/>
+            </a:pPr>
+            <a:r>
+              <a:rPr kumimoji="1" lang="ja-JP" altLang="en-US" sz="1600" dirty="0">
+                <a:solidFill>
+                  <a:schemeClr val="accent5"/>
+                </a:solidFill>
+              </a:rPr>
+              <a:t>命令キャッシュミス数</a:t>
+            </a:r>
+            <a:r>
+              <a:rPr kumimoji="1" lang="ja-JP" altLang="en-US" sz="1600" dirty="0"/>
+              <a:t>に代わる新たな指針を提案</a:t>
+            </a:r>
+            <a:endParaRPr kumimoji="1" lang="en-US" altLang="ja-JP" sz="1600" dirty="0"/>
+          </a:p>
+          <a:p>
+            <a:pPr lvl="2"/>
+            <a:r>
+              <a:rPr kumimoji="1" lang="ja-JP" altLang="en-US" sz="1600" dirty="0"/>
+              <a:t>手法：新たな指針と，その指針を使った</a:t>
+            </a:r>
+            <a:r>
+              <a:rPr kumimoji="1" lang="ja-JP" altLang="en-US" sz="1600" dirty="0">
+                <a:solidFill>
+                  <a:schemeClr val="accent5"/>
+                </a:solidFill>
+              </a:rPr>
+              <a:t>高速</a:t>
+            </a:r>
+            <a:r>
+              <a:rPr kumimoji="1" lang="ja-JP" altLang="en-US" sz="1600" dirty="0"/>
+              <a:t>な性能見積もり</a:t>
+            </a:r>
+            <a:endParaRPr kumimoji="1" lang="en-US" altLang="ja-JP" sz="1600" dirty="0"/>
+          </a:p>
+          <a:p>
+            <a:pPr lvl="1">
+              <a:buFont typeface="+mj-lt"/>
+              <a:buAutoNum type="arabicPeriod"/>
+            </a:pPr>
+            <a:r>
+              <a:rPr kumimoji="1" lang="ja-JP" altLang="en-US" sz="1600" dirty="0"/>
+              <a:t>評価の結果</a:t>
+            </a:r>
+            <a:endParaRPr kumimoji="1" lang="en-US" altLang="ja-JP" sz="1600" dirty="0"/>
+          </a:p>
+          <a:p>
+            <a:pPr lvl="2"/>
+            <a:r>
+              <a:rPr kumimoji="1" lang="ja-JP" altLang="en-US" sz="1600" dirty="0"/>
+              <a:t>効果：</a:t>
+            </a:r>
+            <a:r>
+              <a:rPr kumimoji="1" lang="ja-JP" altLang="en-US" sz="1600" dirty="0">
+                <a:solidFill>
+                  <a:schemeClr val="accent5"/>
+                </a:solidFill>
+              </a:rPr>
+              <a:t>２桁短い時間</a:t>
+            </a:r>
+            <a:r>
+              <a:rPr kumimoji="1" lang="ja-JP" altLang="en-US" sz="1600" dirty="0"/>
+              <a:t>でシミュレーションとほぼ同じ精度の性能見積もりを実現</a:t>
+            </a:r>
+          </a:p>
+        </p:txBody>
+      </p:sp>
+      <p:cxnSp>
+        <p:nvCxnSpPr>
+          <p:cNvPr id="6" name="直線矢印コネクタ 5">
+            <a:extLst>
+              <a:ext uri="{FF2B5EF4-FFF2-40B4-BE49-F238E27FC236}">
+                <a16:creationId xmlns:a16="http://schemas.microsoft.com/office/drawing/2014/main" id="{3515B8A7-8F90-E4B1-7D71-909D1AABE2A2}"/>
+              </a:ext>
+            </a:extLst>
+          </p:cNvPr>
+          <p:cNvCxnSpPr/>
+          <p:nvPr/>
+        </p:nvCxnSpPr>
+        <p:spPr bwMode="auto">
+          <a:xfrm>
+            <a:off x="2141973" y="1358977"/>
+            <a:ext cx="630007" cy="450005"/>
+          </a:xfrm>
+          <a:prstGeom prst="straightConnector1">
+            <a:avLst/>
+          </a:prstGeom>
+          <a:ln>
+            <a:headEnd type="none" w="med" len="med"/>
+            <a:tailEnd type="triangle"/>
+          </a:ln>
+        </p:spPr>
+        <p:style>
+          <a:lnRef idx="1">
+            <a:schemeClr val="accent5"/>
+          </a:lnRef>
+          <a:fillRef idx="0">
+            <a:schemeClr val="accent5"/>
+          </a:fillRef>
+          <a:effectRef idx="0">
+            <a:schemeClr val="accent5"/>
+          </a:effectRef>
+          <a:fontRef idx="minor">
+            <a:schemeClr val="tx1"/>
+          </a:fontRef>
+        </p:style>
+      </p:cxnSp>
+      <p:cxnSp>
+        <p:nvCxnSpPr>
+          <p:cNvPr id="7" name="直線矢印コネクタ 6">
+            <a:extLst>
+              <a:ext uri="{FF2B5EF4-FFF2-40B4-BE49-F238E27FC236}">
+                <a16:creationId xmlns:a16="http://schemas.microsoft.com/office/drawing/2014/main" id="{32D54221-7A9C-9286-74B8-D48A170B4E1F}"/>
+              </a:ext>
+            </a:extLst>
+          </p:cNvPr>
+          <p:cNvCxnSpPr>
+            <a:cxnSpLocks/>
+          </p:cNvCxnSpPr>
+          <p:nvPr/>
+        </p:nvCxnSpPr>
+        <p:spPr bwMode="auto">
+          <a:xfrm flipH="1">
+            <a:off x="2591978" y="1988984"/>
+            <a:ext cx="1530017" cy="720008"/>
+          </a:xfrm>
+          <a:prstGeom prst="straightConnector1">
+            <a:avLst/>
+          </a:prstGeom>
+          <a:ln>
+            <a:headEnd type="none" w="med" len="med"/>
+            <a:tailEnd type="triangle"/>
+          </a:ln>
+        </p:spPr>
+        <p:style>
+          <a:lnRef idx="1">
+            <a:schemeClr val="accent5"/>
+          </a:lnRef>
+          <a:fillRef idx="0">
+            <a:schemeClr val="accent5"/>
+          </a:fillRef>
+          <a:effectRef idx="0">
+            <a:schemeClr val="accent5"/>
+          </a:effectRef>
+          <a:fontRef idx="minor">
+            <a:schemeClr val="tx1"/>
+          </a:fontRef>
+        </p:style>
+      </p:cxnSp>
+      <p:cxnSp>
+        <p:nvCxnSpPr>
+          <p:cNvPr id="10" name="直線矢印コネクタ 9">
+            <a:extLst>
+              <a:ext uri="{FF2B5EF4-FFF2-40B4-BE49-F238E27FC236}">
+                <a16:creationId xmlns:a16="http://schemas.microsoft.com/office/drawing/2014/main" id="{3E9EAA78-B949-2543-B27C-D1424A1914FE}"/>
+              </a:ext>
+            </a:extLst>
+          </p:cNvPr>
+          <p:cNvCxnSpPr>
+            <a:cxnSpLocks/>
+          </p:cNvCxnSpPr>
+          <p:nvPr/>
+        </p:nvCxnSpPr>
+        <p:spPr bwMode="auto">
+          <a:xfrm flipH="1">
+            <a:off x="4752002" y="2978995"/>
+            <a:ext cx="720008" cy="180002"/>
+          </a:xfrm>
+          <a:prstGeom prst="straightConnector1">
+            <a:avLst/>
+          </a:prstGeom>
+          <a:ln>
+            <a:headEnd type="none" w="med" len="med"/>
+            <a:tailEnd type="triangle"/>
+          </a:ln>
+        </p:spPr>
+        <p:style>
+          <a:lnRef idx="1">
+            <a:schemeClr val="accent5"/>
+          </a:lnRef>
+          <a:fillRef idx="0">
+            <a:schemeClr val="accent5"/>
+          </a:fillRef>
+          <a:effectRef idx="0">
+            <a:schemeClr val="accent5"/>
+          </a:effectRef>
+          <a:fontRef idx="minor">
+            <a:schemeClr val="tx1"/>
+          </a:fontRef>
+        </p:style>
+      </p:cxnSp>
+      <p:cxnSp>
+        <p:nvCxnSpPr>
+          <p:cNvPr id="12" name="直線矢印コネクタ 11">
+            <a:extLst>
+              <a:ext uri="{FF2B5EF4-FFF2-40B4-BE49-F238E27FC236}">
+                <a16:creationId xmlns:a16="http://schemas.microsoft.com/office/drawing/2014/main" id="{13D8AE1E-D7E2-4DC3-FBAB-9403227E1B66}"/>
+              </a:ext>
+            </a:extLst>
+          </p:cNvPr>
+          <p:cNvCxnSpPr>
+            <a:cxnSpLocks/>
+          </p:cNvCxnSpPr>
+          <p:nvPr/>
+        </p:nvCxnSpPr>
+        <p:spPr bwMode="auto">
+          <a:xfrm>
+            <a:off x="1961971" y="1358977"/>
+            <a:ext cx="0" cy="2070023"/>
+          </a:xfrm>
+          <a:prstGeom prst="straightConnector1">
+            <a:avLst/>
+          </a:prstGeom>
+          <a:ln>
+            <a:headEnd type="none" w="med" len="med"/>
+            <a:tailEnd type="triangle"/>
+          </a:ln>
+        </p:spPr>
+        <p:style>
+          <a:lnRef idx="1">
+            <a:schemeClr val="accent5"/>
+          </a:lnRef>
+          <a:fillRef idx="0">
+            <a:schemeClr val="accent5"/>
+          </a:fillRef>
+          <a:effectRef idx="0">
+            <a:schemeClr val="accent5"/>
+          </a:effectRef>
+          <a:fontRef idx="minor">
+            <a:schemeClr val="tx1"/>
+          </a:fontRef>
+        </p:style>
+      </p:cxnSp>
+      <p:cxnSp>
+        <p:nvCxnSpPr>
+          <p:cNvPr id="17" name="直線矢印コネクタ 16">
+            <a:extLst>
+              <a:ext uri="{FF2B5EF4-FFF2-40B4-BE49-F238E27FC236}">
+                <a16:creationId xmlns:a16="http://schemas.microsoft.com/office/drawing/2014/main" id="{4CF16174-C13D-A07F-D9A4-40AE14300382}"/>
+              </a:ext>
+            </a:extLst>
+          </p:cNvPr>
+          <p:cNvCxnSpPr>
+            <a:cxnSpLocks/>
+          </p:cNvCxnSpPr>
+          <p:nvPr/>
+        </p:nvCxnSpPr>
+        <p:spPr bwMode="auto">
+          <a:xfrm flipH="1">
+            <a:off x="5202007" y="3338999"/>
+            <a:ext cx="450005" cy="450005"/>
+          </a:xfrm>
+          <a:prstGeom prst="straightConnector1">
+            <a:avLst/>
+          </a:prstGeom>
+          <a:ln>
+            <a:headEnd type="none" w="med" len="med"/>
+            <a:tailEnd type="triangle"/>
+          </a:ln>
+        </p:spPr>
+        <p:style>
+          <a:lnRef idx="1">
+            <a:schemeClr val="accent5"/>
+          </a:lnRef>
+          <a:fillRef idx="0">
+            <a:schemeClr val="accent5"/>
+          </a:fillRef>
+          <a:effectRef idx="0">
+            <a:schemeClr val="accent5"/>
+          </a:effectRef>
+          <a:fontRef idx="minor">
+            <a:schemeClr val="tx1"/>
+          </a:fontRef>
+        </p:style>
+      </p:cxnSp>
+      <p:cxnSp>
+        <p:nvCxnSpPr>
+          <p:cNvPr id="19" name="直線矢印コネクタ 18">
+            <a:extLst>
+              <a:ext uri="{FF2B5EF4-FFF2-40B4-BE49-F238E27FC236}">
+                <a16:creationId xmlns:a16="http://schemas.microsoft.com/office/drawing/2014/main" id="{E8FFA329-F5E3-35A1-ECB5-A7699322188D}"/>
+              </a:ext>
+            </a:extLst>
+          </p:cNvPr>
+          <p:cNvCxnSpPr>
+            <a:cxnSpLocks/>
+          </p:cNvCxnSpPr>
+          <p:nvPr/>
+        </p:nvCxnSpPr>
+        <p:spPr bwMode="auto">
+          <a:xfrm flipH="1">
+            <a:off x="2861981" y="4059007"/>
+            <a:ext cx="1980022" cy="360004"/>
+          </a:xfrm>
+          <a:prstGeom prst="straightConnector1">
+            <a:avLst/>
+          </a:prstGeom>
+          <a:ln>
+            <a:headEnd type="none" w="med" len="med"/>
+            <a:tailEnd type="triangle"/>
+          </a:ln>
+        </p:spPr>
+        <p:style>
+          <a:lnRef idx="1">
+            <a:schemeClr val="accent5"/>
+          </a:lnRef>
+          <a:fillRef idx="0">
+            <a:schemeClr val="accent5"/>
+          </a:fillRef>
+          <a:effectRef idx="0">
+            <a:schemeClr val="accent5"/>
+          </a:effectRef>
+          <a:fontRef idx="minor">
+            <a:schemeClr val="tx1"/>
+          </a:fontRef>
+        </p:style>
+      </p:cxnSp>
+      <p:sp>
+        <p:nvSpPr>
+          <p:cNvPr id="29" name="テキスト プレースホルダー 2">
+            <a:extLst>
+              <a:ext uri="{FF2B5EF4-FFF2-40B4-BE49-F238E27FC236}">
+                <a16:creationId xmlns:a16="http://schemas.microsoft.com/office/drawing/2014/main" id="{12E13241-6602-8506-A618-FBFE05A8A9AF}"/>
+              </a:ext>
+            </a:extLst>
+          </p:cNvPr>
+          <p:cNvSpPr txBox="1">
+            <a:spLocks/>
+          </p:cNvSpPr>
+          <p:nvPr/>
+        </p:nvSpPr>
+        <p:spPr bwMode="auto">
+          <a:xfrm>
+            <a:off x="251952" y="5679025"/>
+            <a:ext cx="8730097" cy="449698"/>
+          </a:xfrm>
+          <a:prstGeom prst="rect">
+            <a:avLst/>
+          </a:prstGeom>
+          <a:noFill/>
+          <a:ln w="9525">
+            <a:noFill/>
+            <a:miter lim="800000"/>
+            <a:headEnd/>
+            <a:tailEnd/>
+          </a:ln>
+          <a:effectLst/>
+        </p:spPr>
+        <p:txBody>
+          <a:bodyPr vert="horz" wrap="square" lIns="91440" tIns="45720" rIns="91440" bIns="45720" numCol="1" anchor="ctr" anchorCtr="0" compatLnSpc="1">
+            <a:prstTxWarp prst="textNoShape">
+              <a:avLst/>
+            </a:prstTxWarp>
+          </a:bodyPr>
+          <a:lstStyle>
+            <a:lvl1pPr marL="360000" indent="-360000" algn="l" rtl="0" eaLnBrk="1" fontAlgn="base" hangingPunct="1">
+              <a:lnSpc>
+                <a:spcPct val="110000"/>
+              </a:lnSpc>
+              <a:spcBef>
+                <a:spcPts val="2400"/>
+              </a:spcBef>
+              <a:spcAft>
+                <a:spcPts val="600"/>
+              </a:spcAft>
+              <a:buClr>
+                <a:schemeClr val="accent5"/>
+              </a:buClr>
+              <a:buFont typeface="Wingdings" panose="05000000000000000000" pitchFamily="2" charset="2"/>
+              <a:buChar char="n"/>
+              <a:tabLst>
+                <a:tab pos="2057400" algn="l"/>
+              </a:tabLst>
+              <a:defRPr kumimoji="1" sz="2000">
+                <a:solidFill>
+                  <a:schemeClr val="tx1">
+                    <a:lumMod val="75000"/>
+                    <a:lumOff val="25000"/>
+                  </a:schemeClr>
+                </a:solidFill>
+                <a:latin typeface="+mn-lt"/>
+                <a:ea typeface="メイリオ" pitchFamily="50" charset="-128"/>
+                <a:cs typeface="メイリオ" pitchFamily="50" charset="-128"/>
+              </a:defRPr>
+            </a:lvl1pPr>
+            <a:lvl2pPr marL="720000" indent="-360000" algn="l" rtl="0" eaLnBrk="1" fontAlgn="base" hangingPunct="1">
+              <a:lnSpc>
+                <a:spcPct val="110000"/>
+              </a:lnSpc>
+              <a:spcBef>
+                <a:spcPts val="300"/>
+              </a:spcBef>
+              <a:spcAft>
+                <a:spcPts val="300"/>
+              </a:spcAft>
+              <a:buClr>
+                <a:schemeClr val="accent4"/>
+              </a:buClr>
+              <a:buSzPct val="90000"/>
+              <a:buFont typeface="メイリオ" panose="020B0604030504040204" pitchFamily="50" charset="-128"/>
+              <a:buChar char="◇"/>
+              <a:tabLst>
+                <a:tab pos="2057400" algn="l"/>
+              </a:tabLst>
+              <a:defRPr kumimoji="1" sz="2000">
+                <a:solidFill>
+                  <a:schemeClr val="tx1">
+                    <a:lumMod val="75000"/>
+                    <a:lumOff val="25000"/>
+                  </a:schemeClr>
+                </a:solidFill>
+                <a:latin typeface="+mn-lt"/>
+                <a:ea typeface="メイリオ" pitchFamily="50" charset="-128"/>
+                <a:cs typeface="メイリオ" pitchFamily="50" charset="-128"/>
+              </a:defRPr>
+            </a:lvl2pPr>
+            <a:lvl3pPr marL="1080000" indent="-360000" algn="l" rtl="0" eaLnBrk="1" fontAlgn="base" hangingPunct="1">
+              <a:lnSpc>
+                <a:spcPct val="110000"/>
+              </a:lnSpc>
+              <a:spcBef>
+                <a:spcPts val="300"/>
+              </a:spcBef>
+              <a:spcAft>
+                <a:spcPts val="100"/>
+              </a:spcAft>
+              <a:buClr>
+                <a:schemeClr val="accent3"/>
+              </a:buClr>
+              <a:buSzPct val="90000"/>
+              <a:buFont typeface="メイリオ" panose="020B0604030504040204" pitchFamily="50" charset="-128"/>
+              <a:buChar char="☐"/>
+              <a:tabLst>
+                <a:tab pos="2057400" algn="l"/>
+              </a:tabLst>
+              <a:defRPr kumimoji="1" sz="2000">
+                <a:solidFill>
+                  <a:schemeClr val="tx1">
+                    <a:lumMod val="75000"/>
+                    <a:lumOff val="25000"/>
+                  </a:schemeClr>
+                </a:solidFill>
+                <a:latin typeface="+mn-lt"/>
+                <a:ea typeface="メイリオ" pitchFamily="50" charset="-128"/>
+                <a:cs typeface="メイリオ" pitchFamily="50" charset="-128"/>
+              </a:defRPr>
+            </a:lvl3pPr>
+            <a:lvl4pPr marL="1440000" indent="-360000" algn="l" rtl="0" eaLnBrk="1" fontAlgn="base" hangingPunct="1">
+              <a:lnSpc>
+                <a:spcPct val="100000"/>
+              </a:lnSpc>
+              <a:spcBef>
+                <a:spcPts val="100"/>
+              </a:spcBef>
+              <a:spcAft>
+                <a:spcPts val="100"/>
+              </a:spcAft>
+              <a:buClr>
+                <a:schemeClr val="accent5"/>
+              </a:buClr>
+              <a:buSzPct val="80000"/>
+              <a:buFont typeface="MeiryoKe_PGothic" panose="020B0604030504040204" pitchFamily="50" charset="-128"/>
+              <a:buChar char="✳"/>
+              <a:tabLst>
+                <a:tab pos="2057400" algn="l"/>
+              </a:tabLst>
+              <a:defRPr kumimoji="1" sz="2000">
+                <a:solidFill>
+                  <a:schemeClr val="tx1">
+                    <a:lumMod val="75000"/>
+                    <a:lumOff val="25000"/>
+                  </a:schemeClr>
+                </a:solidFill>
+                <a:latin typeface="+mn-lt"/>
+                <a:ea typeface="メイリオ" pitchFamily="50" charset="-128"/>
+                <a:cs typeface="メイリオ" pitchFamily="50" charset="-128"/>
+              </a:defRPr>
+            </a:lvl4pPr>
+            <a:lvl5pPr marL="1800000" indent="-360000" algn="l" rtl="0" eaLnBrk="1" fontAlgn="base" hangingPunct="1">
+              <a:lnSpc>
+                <a:spcPct val="100000"/>
+              </a:lnSpc>
+              <a:spcBef>
+                <a:spcPts val="100"/>
+              </a:spcBef>
+              <a:spcAft>
+                <a:spcPts val="100"/>
+              </a:spcAft>
+              <a:buClr>
+                <a:srgbClr val="6666FF"/>
+              </a:buClr>
+              <a:buSzPct val="80000"/>
+              <a:buFont typeface="MeiryoKe_PGothic" panose="020B0604030504040204" pitchFamily="50" charset="-128"/>
+              <a:buChar char="＋"/>
+              <a:tabLst>
+                <a:tab pos="2057400" algn="l"/>
+              </a:tabLst>
+              <a:defRPr kumimoji="1" sz="2000">
+                <a:solidFill>
+                  <a:schemeClr val="tx1">
+                    <a:lumMod val="75000"/>
+                    <a:lumOff val="25000"/>
+                  </a:schemeClr>
+                </a:solidFill>
+                <a:latin typeface="+mn-lt"/>
+                <a:ea typeface="メイリオ" pitchFamily="50" charset="-128"/>
+                <a:cs typeface="メイリオ" pitchFamily="50" charset="-128"/>
+              </a:defRPr>
+            </a:lvl5pPr>
+            <a:lvl6pPr marL="2514600" indent="-260350" algn="l" rtl="0" eaLnBrk="1" fontAlgn="base" hangingPunct="1">
+              <a:spcBef>
+                <a:spcPct val="20000"/>
+              </a:spcBef>
+              <a:spcAft>
+                <a:spcPct val="0"/>
+              </a:spcAft>
+              <a:buClr>
+                <a:schemeClr val="hlink"/>
+              </a:buClr>
+              <a:buChar char="•"/>
+              <a:tabLst>
+                <a:tab pos="2057400" algn="l"/>
+              </a:tabLst>
+              <a:defRPr kumimoji="1" sz="2000">
+                <a:solidFill>
+                  <a:schemeClr val="tx1"/>
+                </a:solidFill>
+                <a:latin typeface="+mn-lt"/>
+                <a:ea typeface="+mn-ea"/>
+              </a:defRPr>
+            </a:lvl6pPr>
+            <a:lvl7pPr marL="2971800" indent="-260350" algn="l" rtl="0" eaLnBrk="1" fontAlgn="base" hangingPunct="1">
+              <a:spcBef>
+                <a:spcPct val="20000"/>
+              </a:spcBef>
+              <a:spcAft>
+                <a:spcPct val="0"/>
+              </a:spcAft>
+              <a:buClr>
+                <a:schemeClr val="hlink"/>
+              </a:buClr>
+              <a:buChar char="•"/>
+              <a:tabLst>
+                <a:tab pos="2057400" algn="l"/>
+              </a:tabLst>
+              <a:defRPr kumimoji="1" sz="2000">
+                <a:solidFill>
+                  <a:schemeClr val="tx1"/>
+                </a:solidFill>
+                <a:latin typeface="+mn-lt"/>
+                <a:ea typeface="+mn-ea"/>
+              </a:defRPr>
+            </a:lvl7pPr>
+            <a:lvl8pPr marL="3429000" indent="-260350" algn="l" rtl="0" eaLnBrk="1" fontAlgn="base" hangingPunct="1">
+              <a:spcBef>
+                <a:spcPct val="20000"/>
+              </a:spcBef>
+              <a:spcAft>
+                <a:spcPct val="0"/>
+              </a:spcAft>
+              <a:buClr>
+                <a:schemeClr val="hlink"/>
+              </a:buClr>
+              <a:buChar char="•"/>
+              <a:tabLst>
+                <a:tab pos="2057400" algn="l"/>
+              </a:tabLst>
+              <a:defRPr kumimoji="1" sz="2000">
+                <a:solidFill>
+                  <a:schemeClr val="tx1"/>
+                </a:solidFill>
+                <a:latin typeface="+mn-lt"/>
+                <a:ea typeface="+mn-ea"/>
+              </a:defRPr>
+            </a:lvl8pPr>
+            <a:lvl9pPr marL="3886200" indent="-260350" algn="l" rtl="0" eaLnBrk="1" fontAlgn="base" hangingPunct="1">
+              <a:spcBef>
+                <a:spcPct val="20000"/>
+              </a:spcBef>
+              <a:spcAft>
+                <a:spcPct val="0"/>
+              </a:spcAft>
+              <a:buClr>
+                <a:schemeClr val="hlink"/>
+              </a:buClr>
+              <a:buChar char="•"/>
+              <a:tabLst>
+                <a:tab pos="2057400" algn="l"/>
+              </a:tabLst>
+              <a:defRPr kumimoji="1" sz="2000">
+                <a:solidFill>
+                  <a:schemeClr val="tx1"/>
+                </a:solidFill>
+                <a:latin typeface="+mn-lt"/>
+                <a:ea typeface="+mn-ea"/>
+              </a:defRPr>
+            </a:lvl9pPr>
+          </a:lstStyle>
+          <a:p>
+            <a:pPr lvl="1"/>
+            <a:r>
+              <a:rPr lang="ja-JP" altLang="en-US" sz="1600" kern="0" dirty="0"/>
+              <a:t>前の項目に出てきた概念</a:t>
+            </a:r>
+            <a:r>
+              <a:rPr lang="en-US" altLang="ja-JP" sz="1600" kern="0" dirty="0"/>
+              <a:t>/</a:t>
+            </a:r>
+            <a:r>
+              <a:rPr lang="ja-JP" altLang="en-US" sz="1600" kern="0" dirty="0"/>
+              <a:t>単語を次の項目の前の方で出すと上手く繋がる</a:t>
+            </a:r>
+            <a:endParaRPr lang="en-US" altLang="ja-JP" sz="1600" kern="0" dirty="0"/>
+          </a:p>
+          <a:p>
+            <a:pPr lvl="1"/>
+            <a:r>
+              <a:rPr lang="ja-JP" altLang="en-US" sz="1600" kern="0" dirty="0"/>
+              <a:t>同じ単語</a:t>
+            </a:r>
+            <a:r>
+              <a:rPr lang="en-US" altLang="ja-JP" sz="1600" kern="0" dirty="0"/>
+              <a:t>/</a:t>
+            </a:r>
+            <a:r>
+              <a:rPr lang="ja-JP" altLang="en-US" sz="1600" kern="0" dirty="0"/>
+              <a:t>概念を結んだ矢印が基本的には左下をむく</a:t>
+            </a:r>
+            <a:endParaRPr lang="en-US" altLang="ja-JP" sz="1600" kern="0" dirty="0"/>
+          </a:p>
+          <a:p>
+            <a:pPr lvl="2"/>
+            <a:r>
+              <a:rPr lang="ja-JP" altLang="en-US" sz="1600" kern="0" dirty="0"/>
+              <a:t>右下を向く場合，文を最後まで読まないと関係がわからない</a:t>
+            </a:r>
+          </a:p>
+        </p:txBody>
+      </p:sp>
+    </p:spTree>
+    <p:extLst>
+      <p:ext uri="{BB962C8B-B14F-4D97-AF65-F5344CB8AC3E}">
+        <p14:creationId xmlns:p14="http://schemas.microsoft.com/office/powerpoint/2010/main" val="1149261954"/>
+      </p:ext>
+    </p:extLst>
+  </p:cSld>
+  <p:clrMapOvr>
+    <a:masterClrMapping/>
+  </p:clrMapOvr>
+  <mc:AlternateContent xmlns:mc="http://schemas.openxmlformats.org/markup-compatibility/2006" xmlns:p14="http://schemas.microsoft.com/office/powerpoint/2010/main">
+    <mc:Choice Requires="p14">
+      <p:transition p14:dur="10"/>
+    </mc:Choice>
+    <mc:Fallback xmlns="">
+      <p:transition/>
+    </mc:Fallback>
+  </mc:AlternateContent>
+</p:sld>
+</file>
+
+<file path=ppt/slides/slide58.xml><?xml version="1.0" encoding="utf-8"?>
+<p:sld xmlns:a="http://schemas.openxmlformats.org/drawingml/2006/main" xmlns:r="http://schemas.openxmlformats.org/officeDocument/2006/relationships" xmlns:p="http://schemas.openxmlformats.org/presentationml/2006/main">
+  <p:cSld>
+    <p:spTree>
+      <p:nvGrpSpPr>
+        <p:cNvPr id="1" name=""/>
+        <p:cNvGrpSpPr/>
+        <p:nvPr/>
+      </p:nvGrpSpPr>
+      <p:grpSpPr>
+        <a:xfrm>
+          <a:off x="0" y="0"/>
+          <a:ext cx="0" cy="0"/>
+          <a:chOff x="0" y="0"/>
+          <a:chExt cx="0" cy="0"/>
+        </a:xfrm>
+      </p:grpSpPr>
+      <p:sp>
+        <p:nvSpPr>
+          <p:cNvPr id="2" name="タイトル 1">
+            <a:extLst>
+              <a:ext uri="{FF2B5EF4-FFF2-40B4-BE49-F238E27FC236}">
+                <a16:creationId xmlns:a16="http://schemas.microsoft.com/office/drawing/2014/main" id="{6F42111D-A76D-D70B-E484-262322DBD67B}"/>
+              </a:ext>
+            </a:extLst>
+          </p:cNvPr>
+          <p:cNvSpPr>
+            <a:spLocks noGrp="1"/>
+          </p:cNvSpPr>
+          <p:nvPr>
+            <p:ph type="title"/>
+          </p:nvPr>
+        </p:nvSpPr>
+        <p:spPr/>
+        <p:txBody>
+          <a:bodyPr/>
+          <a:lstStyle/>
+          <a:p>
+            <a:r>
+              <a:rPr kumimoji="1" lang="ja-JP" altLang="en-US" dirty="0"/>
+              <a:t>イントロプロットのまとめ</a:t>
+            </a:r>
+            <a:endParaRPr kumimoji="1" lang="en-US" dirty="0"/>
+          </a:p>
+        </p:txBody>
+      </p:sp>
+      <p:sp>
+        <p:nvSpPr>
+          <p:cNvPr id="3" name="テキスト プレースホルダー 2">
+            <a:extLst>
+              <a:ext uri="{FF2B5EF4-FFF2-40B4-BE49-F238E27FC236}">
+                <a16:creationId xmlns:a16="http://schemas.microsoft.com/office/drawing/2014/main" id="{EE888E9A-8C9E-D76E-0D11-E737F5EC2C3A}"/>
+              </a:ext>
+            </a:extLst>
+          </p:cNvPr>
+          <p:cNvSpPr>
+            <a:spLocks noGrp="1"/>
+          </p:cNvSpPr>
+          <p:nvPr>
+            <p:ph type="body" sz="quarter" idx="10"/>
+          </p:nvPr>
+        </p:nvSpPr>
+        <p:spPr/>
+        <p:txBody>
+          <a:bodyPr/>
+          <a:lstStyle/>
+          <a:p>
+            <a:r>
+              <a:rPr lang="ja-JP" altLang="en-US" dirty="0"/>
+              <a:t>６点程度の項目からなるプロットを作る</a:t>
+            </a:r>
+            <a:endParaRPr lang="en-US" altLang="ja-JP" dirty="0"/>
+          </a:p>
+          <a:p>
+            <a:pPr lvl="1"/>
+            <a:r>
+              <a:rPr lang="ja-JP" altLang="en-US" dirty="0"/>
+              <a:t>各パラグラフで何を話すかをまとめる</a:t>
+            </a:r>
+            <a:endParaRPr lang="en-US" altLang="ja-JP" dirty="0"/>
+          </a:p>
+          <a:p>
+            <a:pPr lvl="1"/>
+            <a:r>
+              <a:rPr lang="ja-JP" altLang="en-US" dirty="0"/>
+              <a:t>６点の項目だけを繋げて読んでも意味が通るようにする</a:t>
+            </a:r>
+            <a:endParaRPr lang="en-US" altLang="ja-JP" dirty="0"/>
+          </a:p>
+          <a:p>
+            <a:r>
+              <a:rPr lang="ja-JP" altLang="en-US" dirty="0"/>
+              <a:t>イントロプロットは基本的には３点プロットから派生させて作る</a:t>
+            </a:r>
+            <a:endParaRPr lang="en-US" altLang="ja-JP" dirty="0"/>
+          </a:p>
+          <a:p>
+            <a:pPr lvl="1"/>
+            <a:r>
+              <a:rPr kumimoji="1" lang="ja-JP" altLang="en-US" dirty="0"/>
+              <a:t>単に詳細化すれば良い訳ではないので注意</a:t>
+            </a:r>
+            <a:endParaRPr kumimoji="1" lang="en-US" altLang="ja-JP" dirty="0"/>
+          </a:p>
+          <a:p>
+            <a:pPr lvl="1"/>
+            <a:r>
+              <a:rPr kumimoji="1" lang="ja-JP" altLang="en-US" dirty="0"/>
+              <a:t>３点プロットとの違い</a:t>
+            </a:r>
+            <a:endParaRPr kumimoji="1" lang="en-US" altLang="ja-JP" dirty="0"/>
+          </a:p>
+          <a:p>
+            <a:pPr lvl="2"/>
+            <a:r>
+              <a:rPr kumimoji="1" lang="ja-JP" altLang="en-US" dirty="0"/>
+              <a:t>配分の自由度</a:t>
+            </a:r>
+            <a:endParaRPr kumimoji="1" lang="en-US" altLang="ja-JP" dirty="0"/>
+          </a:p>
+          <a:p>
+            <a:pPr lvl="2"/>
+            <a:r>
+              <a:rPr kumimoji="1" lang="ja-JP" altLang="en-US" dirty="0"/>
+              <a:t>役割の意識</a:t>
+            </a:r>
+            <a:endParaRPr kumimoji="1" lang="en-US" altLang="ja-JP" dirty="0"/>
+          </a:p>
+          <a:p>
+            <a:pPr lvl="2"/>
+            <a:r>
+              <a:rPr kumimoji="1" lang="ja-JP" altLang="en-US" dirty="0"/>
+              <a:t>接続の確認</a:t>
+            </a:r>
+            <a:endParaRPr kumimoji="1" lang="en-US" dirty="0"/>
+          </a:p>
+        </p:txBody>
+      </p:sp>
+    </p:spTree>
+    <p:extLst>
+      <p:ext uri="{BB962C8B-B14F-4D97-AF65-F5344CB8AC3E}">
+        <p14:creationId xmlns:p14="http://schemas.microsoft.com/office/powerpoint/2010/main" val="1797934068"/>
+      </p:ext>
+    </p:extLst>
+  </p:cSld>
+  <p:clrMapOvr>
+    <a:masterClrMapping/>
+  </p:clrMapOvr>
+  <mc:AlternateContent xmlns:mc="http://schemas.openxmlformats.org/markup-compatibility/2006" xmlns:p14="http://schemas.microsoft.com/office/powerpoint/2010/main">
+    <mc:Choice Requires="p14">
+      <p:transition p14:dur="10"/>
+    </mc:Choice>
+    <mc:Fallback xmlns="">
+      <p:transition/>
+    </mc:Fallback>
+  </mc:AlternateContent>
+</p:sld>
+</file>
+
+<file path=ppt/slides/slide59.xml><?xml version="1.0" encoding="utf-8"?>
+<p:sld xmlns:a="http://schemas.openxmlformats.org/drawingml/2006/main" xmlns:r="http://schemas.openxmlformats.org/officeDocument/2006/relationships" xmlns:p="http://schemas.openxmlformats.org/presentationml/2006/main">
+  <p:cSld>
+    <p:spTree>
+      <p:nvGrpSpPr>
+        <p:cNvPr id="1" name=""/>
+        <p:cNvGrpSpPr/>
+        <p:nvPr/>
+      </p:nvGrpSpPr>
+      <p:grpSpPr>
+        <a:xfrm>
+          <a:off x="0" y="0"/>
+          <a:ext cx="0" cy="0"/>
+          <a:chOff x="0" y="0"/>
+          <a:chExt cx="0" cy="0"/>
+        </a:xfrm>
+      </p:grpSpPr>
+      <p:sp>
+        <p:nvSpPr>
+          <p:cNvPr id="4" name="タイトル 3">
+            <a:extLst>
+              <a:ext uri="{FF2B5EF4-FFF2-40B4-BE49-F238E27FC236}">
+                <a16:creationId xmlns:a16="http://schemas.microsoft.com/office/drawing/2014/main" id="{84F42E09-269D-6700-69C9-4DCC825C99A7}"/>
+              </a:ext>
+            </a:extLst>
+          </p:cNvPr>
+          <p:cNvSpPr>
+            <a:spLocks noGrp="1"/>
+          </p:cNvSpPr>
+          <p:nvPr>
+            <p:ph type="title"/>
+          </p:nvPr>
+        </p:nvSpPr>
+        <p:spPr/>
+        <p:txBody>
+          <a:bodyPr/>
+          <a:lstStyle/>
+          <a:p>
+            <a:r>
+              <a:rPr lang="ja-JP" altLang="en-US" b="1" dirty="0"/>
+              <a:t>全体プロット</a:t>
+            </a:r>
+          </a:p>
+        </p:txBody>
+      </p:sp>
+    </p:spTree>
+    <p:extLst>
+      <p:ext uri="{BB962C8B-B14F-4D97-AF65-F5344CB8AC3E}">
+        <p14:creationId xmlns:p14="http://schemas.microsoft.com/office/powerpoint/2010/main" val="3653181482"/>
+      </p:ext>
+    </p:extLst>
+  </p:cSld>
+  <p:clrMapOvr>
+    <a:masterClrMapping/>
+  </p:clrMapOvr>
+</p:sld>
+</file>
+
+<file path=ppt/slides/slide6.xml><?xml version="1.0" encoding="utf-8"?>
+<p:sld xmlns:a="http://schemas.openxmlformats.org/drawingml/2006/main" xmlns:r="http://schemas.openxmlformats.org/officeDocument/2006/relationships" xmlns:p="http://schemas.openxmlformats.org/presentationml/2006/main">
+  <p:cSld>
+    <p:spTree>
+      <p:nvGrpSpPr>
+        <p:cNvPr id="1" name=""/>
+        <p:cNvGrpSpPr/>
+        <p:nvPr/>
+      </p:nvGrpSpPr>
+      <p:grpSpPr>
+        <a:xfrm>
+          <a:off x="0" y="0"/>
+          <a:ext cx="0" cy="0"/>
+          <a:chOff x="0" y="0"/>
+          <a:chExt cx="0" cy="0"/>
+        </a:xfrm>
+      </p:grpSpPr>
+      <p:sp>
+        <p:nvSpPr>
+          <p:cNvPr id="2" name="タイトル 1">
+            <a:extLst>
+              <a:ext uri="{FF2B5EF4-FFF2-40B4-BE49-F238E27FC236}">
+                <a16:creationId xmlns:a16="http://schemas.microsoft.com/office/drawing/2014/main" id="{F6FC41B6-7C48-38E1-C9EB-ECA1128D425A}"/>
+              </a:ext>
+            </a:extLst>
+          </p:cNvPr>
+          <p:cNvSpPr>
+            <a:spLocks noGrp="1"/>
+          </p:cNvSpPr>
+          <p:nvPr>
+            <p:ph type="title"/>
+          </p:nvPr>
+        </p:nvSpPr>
+        <p:spPr/>
+        <p:txBody>
+          <a:bodyPr/>
+          <a:lstStyle/>
+          <a:p>
+            <a:r>
+              <a:rPr kumimoji="1" lang="ja-JP" altLang="en-US" dirty="0"/>
+              <a:t>プロットにはいろいろタイプがある</a:t>
+            </a:r>
+            <a:br>
+              <a:rPr kumimoji="1" lang="en-US" altLang="ja-JP" dirty="0"/>
+            </a:br>
+            <a:r>
+              <a:rPr lang="ja-JP" altLang="en-US" sz="1800" dirty="0"/>
+              <a:t>論文や発表スライドの作成段階に応じて，これらを作る</a:t>
+            </a:r>
+            <a:endParaRPr kumimoji="1" lang="ja-JP" altLang="en-US" dirty="0"/>
+          </a:p>
+        </p:txBody>
+      </p:sp>
+      <p:sp>
+        <p:nvSpPr>
+          <p:cNvPr id="3" name="テキスト プレースホルダー 2">
+            <a:extLst>
+              <a:ext uri="{FF2B5EF4-FFF2-40B4-BE49-F238E27FC236}">
+                <a16:creationId xmlns:a16="http://schemas.microsoft.com/office/drawing/2014/main" id="{9B1D87CA-355E-1DFA-F216-9E50E51D1105}"/>
+              </a:ext>
+            </a:extLst>
+          </p:cNvPr>
+          <p:cNvSpPr>
+            <a:spLocks noGrp="1"/>
+          </p:cNvSpPr>
+          <p:nvPr>
+            <p:ph type="body" sz="quarter" idx="10"/>
+          </p:nvPr>
+        </p:nvSpPr>
+        <p:spPr/>
+        <p:txBody>
+          <a:bodyPr/>
+          <a:lstStyle/>
+          <a:p>
+            <a:pPr marL="457200" indent="-457200">
+              <a:buFont typeface="+mj-lt"/>
+              <a:buAutoNum type="arabicPeriod"/>
+            </a:pPr>
+            <a:r>
+              <a:rPr kumimoji="1" lang="ja-JP" altLang="en-US" dirty="0"/>
+              <a:t>３点プロット</a:t>
+            </a:r>
+            <a:endParaRPr kumimoji="1" lang="en-US" altLang="ja-JP" dirty="0"/>
+          </a:p>
+          <a:p>
+            <a:pPr lvl="1"/>
+            <a:r>
+              <a:rPr kumimoji="1" lang="ja-JP" altLang="en-US" dirty="0"/>
+              <a:t>話全体を３つの項目にまとめた形のプロット</a:t>
+            </a:r>
+            <a:endParaRPr kumimoji="1" lang="en-US" altLang="ja-JP" dirty="0"/>
+          </a:p>
+          <a:p>
+            <a:pPr lvl="1"/>
+            <a:r>
+              <a:rPr kumimoji="1" lang="ja-JP" altLang="en-US" dirty="0"/>
+              <a:t>イントロ</a:t>
+            </a:r>
+            <a:r>
+              <a:rPr kumimoji="1" lang="en-US" altLang="ja-JP" dirty="0"/>
+              <a:t>/</a:t>
+            </a:r>
+            <a:r>
+              <a:rPr kumimoji="1" lang="ja-JP" altLang="en-US" dirty="0"/>
+              <a:t>全体プロットと比べると抽象的な内容になる</a:t>
+            </a:r>
+            <a:endParaRPr kumimoji="1" lang="en-US" altLang="ja-JP" dirty="0"/>
+          </a:p>
+          <a:p>
+            <a:pPr marL="457200" indent="-457200">
+              <a:buFont typeface="+mj-lt"/>
+              <a:buAutoNum type="arabicPeriod"/>
+            </a:pPr>
+            <a:r>
+              <a:rPr kumimoji="1" lang="ja-JP" altLang="en-US" dirty="0"/>
+              <a:t>イントロプロット</a:t>
+            </a:r>
+            <a:endParaRPr kumimoji="1" lang="en-US" altLang="ja-JP" dirty="0"/>
+          </a:p>
+          <a:p>
+            <a:pPr lvl="1"/>
+            <a:r>
+              <a:rPr lang="ja-JP" altLang="en-US" dirty="0"/>
+              <a:t>論文やスライドのイントロのプロット</a:t>
+            </a:r>
+            <a:endParaRPr lang="en-US" altLang="ja-JP" dirty="0"/>
+          </a:p>
+          <a:p>
+            <a:pPr marL="457200" indent="-457200">
+              <a:buFont typeface="+mj-lt"/>
+              <a:buAutoNum type="arabicPeriod"/>
+            </a:pPr>
+            <a:r>
+              <a:rPr kumimoji="1" lang="ja-JP" altLang="en-US" dirty="0"/>
+              <a:t>全体プロット</a:t>
+            </a:r>
+            <a:endParaRPr kumimoji="1" lang="en-US" altLang="ja-JP" dirty="0"/>
+          </a:p>
+          <a:p>
+            <a:pPr lvl="1"/>
+            <a:r>
+              <a:rPr lang="ja-JP" altLang="en-US" dirty="0"/>
+              <a:t>論文やスライド全体のプロット（章立て）</a:t>
+            </a:r>
+            <a:endParaRPr kumimoji="1" lang="en-US" altLang="ja-JP" dirty="0"/>
+          </a:p>
+          <a:p>
+            <a:pPr marL="457200" indent="-457200">
+              <a:buFont typeface="+mj-lt"/>
+              <a:buAutoNum type="arabicPeriod"/>
+            </a:pPr>
+            <a:r>
+              <a:rPr kumimoji="1" lang="ja-JP" altLang="en-US" dirty="0"/>
+              <a:t>目標規定文</a:t>
+            </a:r>
+            <a:endParaRPr kumimoji="1" lang="en-US" altLang="ja-JP" dirty="0"/>
+          </a:p>
+          <a:p>
+            <a:pPr lvl="1"/>
+            <a:r>
+              <a:rPr kumimoji="1" lang="ja-JP" altLang="en-US" dirty="0"/>
+              <a:t>論文やスライドの内容を１文で表したもの</a:t>
+            </a:r>
+            <a:endParaRPr kumimoji="1" lang="en-US" altLang="ja-JP" dirty="0"/>
+          </a:p>
+          <a:p>
+            <a:pPr lvl="1"/>
+            <a:r>
+              <a:rPr lang="ja-JP" altLang="en-US" dirty="0"/>
+              <a:t>ここではプロットの一種と考えている</a:t>
+            </a:r>
+            <a:endParaRPr kumimoji="1" lang="en-US" altLang="ja-JP" sz="1600" dirty="0"/>
+          </a:p>
+        </p:txBody>
+      </p:sp>
+    </p:spTree>
+    <p:extLst>
+      <p:ext uri="{BB962C8B-B14F-4D97-AF65-F5344CB8AC3E}">
+        <p14:creationId xmlns:p14="http://schemas.microsoft.com/office/powerpoint/2010/main" val="4229679149"/>
+      </p:ext>
+    </p:extLst>
+  </p:cSld>
+  <p:clrMapOvr>
+    <a:masterClrMapping/>
+  </p:clrMapOvr>
+  <mc:AlternateContent xmlns:mc="http://schemas.openxmlformats.org/markup-compatibility/2006" xmlns:p14="http://schemas.microsoft.com/office/powerpoint/2010/main">
+    <mc:Choice Requires="p14">
+      <p:transition p14:dur="10"/>
+    </mc:Choice>
+    <mc:Fallback xmlns="">
+      <p:transition/>
+    </mc:Fallback>
+  </mc:AlternateContent>
+</p:sld>
+</file>
+
+<file path=ppt/slides/slide60.xml><?xml version="1.0" encoding="utf-8"?>
+<p:sld xmlns:a="http://schemas.openxmlformats.org/drawingml/2006/main" xmlns:r="http://schemas.openxmlformats.org/officeDocument/2006/relationships" xmlns:p="http://schemas.openxmlformats.org/presentationml/2006/main">
+  <p:cSld>
+    <p:spTree>
+      <p:nvGrpSpPr>
+        <p:cNvPr id="1" name=""/>
+        <p:cNvGrpSpPr/>
+        <p:nvPr/>
+      </p:nvGrpSpPr>
+      <p:grpSpPr>
+        <a:xfrm>
+          <a:off x="0" y="0"/>
+          <a:ext cx="0" cy="0"/>
+          <a:chOff x="0" y="0"/>
+          <a:chExt cx="0" cy="0"/>
+        </a:xfrm>
+      </p:grpSpPr>
+      <p:sp>
+        <p:nvSpPr>
+          <p:cNvPr id="4" name="タイトル 3">
+            <a:extLst>
+              <a:ext uri="{FF2B5EF4-FFF2-40B4-BE49-F238E27FC236}">
+                <a16:creationId xmlns:a16="http://schemas.microsoft.com/office/drawing/2014/main" id="{753D130F-9E8D-16A8-53A6-8697A34BBC23}"/>
+              </a:ext>
+            </a:extLst>
+          </p:cNvPr>
+          <p:cNvSpPr>
+            <a:spLocks noGrp="1"/>
+          </p:cNvSpPr>
+          <p:nvPr>
+            <p:ph type="title"/>
+          </p:nvPr>
+        </p:nvSpPr>
+        <p:spPr/>
+        <p:txBody>
+          <a:bodyPr/>
+          <a:lstStyle/>
+          <a:p>
+            <a:r>
+              <a:rPr lang="ja-JP" altLang="en-US" b="1" dirty="0"/>
+              <a:t>全体プロット</a:t>
+            </a:r>
+            <a:endParaRPr lang="ja-JP" altLang="en-US" dirty="0"/>
+          </a:p>
+        </p:txBody>
+      </p:sp>
+      <p:sp>
+        <p:nvSpPr>
+          <p:cNvPr id="5" name="テキスト プレースホルダー 4">
+            <a:extLst>
+              <a:ext uri="{FF2B5EF4-FFF2-40B4-BE49-F238E27FC236}">
+                <a16:creationId xmlns:a16="http://schemas.microsoft.com/office/drawing/2014/main" id="{220629E9-D9B3-68BB-D88A-B953DAE0018E}"/>
+              </a:ext>
+            </a:extLst>
+          </p:cNvPr>
+          <p:cNvSpPr>
+            <a:spLocks noGrp="1"/>
+          </p:cNvSpPr>
+          <p:nvPr>
+            <p:ph type="body" sz="quarter" idx="10"/>
+          </p:nvPr>
+        </p:nvSpPr>
+        <p:spPr/>
+        <p:txBody>
+          <a:bodyPr/>
+          <a:lstStyle/>
+          <a:p>
+            <a:r>
+              <a:rPr lang="ja-JP" altLang="en-US" dirty="0"/>
+              <a:t>論文やスライド全体のプロット</a:t>
+            </a:r>
+            <a:endParaRPr lang="en-US" altLang="ja-JP" dirty="0"/>
+          </a:p>
+          <a:p>
+            <a:pPr lvl="1"/>
+            <a:r>
+              <a:rPr lang="ja-JP" altLang="en-US" dirty="0"/>
+              <a:t>特に項目数などの形式はない：</a:t>
+            </a:r>
+            <a:endParaRPr lang="en-US" altLang="ja-JP" dirty="0"/>
+          </a:p>
+          <a:p>
+            <a:pPr lvl="2"/>
+            <a:r>
+              <a:rPr lang="ja-JP" altLang="en-US" dirty="0"/>
+              <a:t>基本的には３点プロットやイントロプロットから派生させて考える</a:t>
+            </a:r>
+            <a:endParaRPr lang="en-US" altLang="ja-JP" dirty="0"/>
+          </a:p>
+          <a:p>
+            <a:pPr lvl="2"/>
+            <a:r>
+              <a:rPr lang="ja-JP" altLang="en-US" dirty="0"/>
+              <a:t>イントロプロットでは省略されるような実装の詳細なども入る</a:t>
+            </a:r>
+            <a:endParaRPr lang="en-US" altLang="ja-JP" dirty="0"/>
+          </a:p>
+          <a:p>
+            <a:r>
+              <a:rPr lang="ja-JP" altLang="en-US" dirty="0"/>
+              <a:t>３点プロットは，いわば「プロットのプロット」</a:t>
+            </a:r>
+            <a:endParaRPr lang="en-US" altLang="ja-JP" dirty="0"/>
+          </a:p>
+          <a:p>
+            <a:pPr lvl="1"/>
+            <a:r>
+              <a:rPr lang="ja-JP" altLang="en-US" dirty="0"/>
+              <a:t>基本的には３点プロットで整理した内容をもとに，</a:t>
+            </a:r>
+            <a:br>
+              <a:rPr lang="en-US" altLang="ja-JP" dirty="0"/>
+            </a:br>
+            <a:r>
+              <a:rPr lang="ja-JP" altLang="en-US" dirty="0"/>
+              <a:t>肉付けして全体プロットを作る</a:t>
+            </a:r>
+            <a:endParaRPr lang="en-US" altLang="ja-JP" dirty="0"/>
+          </a:p>
+          <a:p>
+            <a:pPr lvl="1"/>
+            <a:r>
+              <a:rPr lang="ja-JP" altLang="en-US" dirty="0"/>
+              <a:t>いきなり全体プロットを作るのは難しい</a:t>
+            </a:r>
+          </a:p>
+        </p:txBody>
+      </p:sp>
+    </p:spTree>
+    <p:extLst>
+      <p:ext uri="{BB962C8B-B14F-4D97-AF65-F5344CB8AC3E}">
+        <p14:creationId xmlns:p14="http://schemas.microsoft.com/office/powerpoint/2010/main" val="57573531"/>
+      </p:ext>
+    </p:extLst>
+  </p:cSld>
+  <p:clrMapOvr>
+    <a:masterClrMapping/>
+  </p:clrMapOvr>
+  <mc:AlternateContent xmlns:mc="http://schemas.openxmlformats.org/markup-compatibility/2006" xmlns:p14="http://schemas.microsoft.com/office/powerpoint/2010/main">
+    <mc:Choice Requires="p14">
+      <p:transition p14:dur="10"/>
+    </mc:Choice>
+    <mc:Fallback xmlns="">
+      <p:transition/>
+    </mc:Fallback>
+  </mc:AlternateContent>
+</p:sld>
+</file>
+
+<file path=ppt/slides/slide61.xml><?xml version="1.0" encoding="utf-8"?>
+<p:sld xmlns:a="http://schemas.openxmlformats.org/drawingml/2006/main" xmlns:r="http://schemas.openxmlformats.org/officeDocument/2006/relationships" xmlns:p="http://schemas.openxmlformats.org/presentationml/2006/main">
+  <p:cSld>
+    <p:spTree>
+      <p:nvGrpSpPr>
+        <p:cNvPr id="1" name=""/>
+        <p:cNvGrpSpPr/>
+        <p:nvPr/>
+      </p:nvGrpSpPr>
+      <p:grpSpPr>
+        <a:xfrm>
+          <a:off x="0" y="0"/>
+          <a:ext cx="0" cy="0"/>
+          <a:chOff x="0" y="0"/>
+          <a:chExt cx="0" cy="0"/>
+        </a:xfrm>
+      </p:grpSpPr>
+      <p:sp>
+        <p:nvSpPr>
+          <p:cNvPr id="2" name="タイトル 1">
+            <a:extLst>
+              <a:ext uri="{FF2B5EF4-FFF2-40B4-BE49-F238E27FC236}">
                 <a16:creationId xmlns:a16="http://schemas.microsoft.com/office/drawing/2014/main" id="{2719BBCA-CA4F-4773-E09D-3876AD40A638}"/>
               </a:ext>
             </a:extLst>
@@ -18785,7 +20569,7 @@
 </p:sld>
 </file>
 
-<file path=ppt/slides/slide57.xml><?xml version="1.0" encoding="utf-8"?>
+<file path=ppt/slides/slide62.xml><?xml version="1.0" encoding="utf-8"?>
 <p:sld xmlns:a="http://schemas.openxmlformats.org/drawingml/2006/main" xmlns:r="http://schemas.openxmlformats.org/officeDocument/2006/relationships" xmlns:p="http://schemas.openxmlformats.org/presentationml/2006/main">
   <p:cSld>
     <p:spTree>
@@ -22137,7 +23921,7 @@
 </p:sld>
 </file>
 
-<file path=ppt/slides/slide58.xml><?xml version="1.0" encoding="utf-8"?>
+<file path=ppt/slides/slide63.xml><?xml version="1.0" encoding="utf-8"?>
 <p:sld xmlns:a="http://schemas.openxmlformats.org/drawingml/2006/main" xmlns:r="http://schemas.openxmlformats.org/officeDocument/2006/relationships" xmlns:p="http://schemas.openxmlformats.org/presentationml/2006/main">
   <p:cSld>
     <p:spTree>
@@ -22304,7 +24088,7 @@
 </p:sld>
 </file>
 
-<file path=ppt/slides/slide59.xml><?xml version="1.0" encoding="utf-8"?>
+<file path=ppt/slides/slide64.xml><?xml version="1.0" encoding="utf-8"?>
 <p:sld xmlns:a="http://schemas.openxmlformats.org/drawingml/2006/main" xmlns:r="http://schemas.openxmlformats.org/officeDocument/2006/relationships" xmlns:p="http://schemas.openxmlformats.org/presentationml/2006/main">
   <p:cSld>
     <p:spTree>
@@ -22524,203 +24308,7 @@
 </p:sld>
 </file>
 
-<file path=ppt/slides/slide6.xml><?xml version="1.0" encoding="utf-8"?>
-<p:sld xmlns:a="http://schemas.openxmlformats.org/drawingml/2006/main" xmlns:r="http://schemas.openxmlformats.org/officeDocument/2006/relationships" xmlns:p="http://schemas.openxmlformats.org/presentationml/2006/main">
-  <p:cSld>
-    <p:spTree>
-      <p:nvGrpSpPr>
-        <p:cNvPr id="1" name=""/>
-        <p:cNvGrpSpPr/>
-        <p:nvPr/>
-      </p:nvGrpSpPr>
-      <p:grpSpPr>
-        <a:xfrm>
-          <a:off x="0" y="0"/>
-          <a:ext cx="0" cy="0"/>
-          <a:chOff x="0" y="0"/>
-          <a:chExt cx="0" cy="0"/>
-        </a:xfrm>
-      </p:grpSpPr>
-      <p:sp>
-        <p:nvSpPr>
-          <p:cNvPr id="2" name="タイトル 1">
-            <a:extLst>
-              <a:ext uri="{FF2B5EF4-FFF2-40B4-BE49-F238E27FC236}">
-                <a16:creationId xmlns:a16="http://schemas.microsoft.com/office/drawing/2014/main" id="{F6FC41B6-7C48-38E1-C9EB-ECA1128D425A}"/>
-              </a:ext>
-            </a:extLst>
-          </p:cNvPr>
-          <p:cNvSpPr>
-            <a:spLocks noGrp="1"/>
-          </p:cNvSpPr>
-          <p:nvPr>
-            <p:ph type="title"/>
-          </p:nvPr>
-        </p:nvSpPr>
-        <p:spPr/>
-        <p:txBody>
-          <a:bodyPr/>
-          <a:lstStyle/>
-          <a:p>
-            <a:r>
-              <a:rPr kumimoji="1" lang="ja-JP" altLang="en-US" dirty="0"/>
-              <a:t>プロットにはいろいろタイプがある</a:t>
-            </a:r>
-            <a:br>
-              <a:rPr kumimoji="1" lang="en-US" altLang="ja-JP" dirty="0"/>
-            </a:br>
-            <a:r>
-              <a:rPr lang="ja-JP" altLang="en-US" sz="1800" dirty="0"/>
-              <a:t>論文や発表スライドの作成段階に応じて，これらを作る</a:t>
-            </a:r>
-            <a:endParaRPr kumimoji="1" lang="ja-JP" altLang="en-US" dirty="0"/>
-          </a:p>
-        </p:txBody>
-      </p:sp>
-      <p:sp>
-        <p:nvSpPr>
-          <p:cNvPr id="3" name="テキスト プレースホルダー 2">
-            <a:extLst>
-              <a:ext uri="{FF2B5EF4-FFF2-40B4-BE49-F238E27FC236}">
-                <a16:creationId xmlns:a16="http://schemas.microsoft.com/office/drawing/2014/main" id="{9B1D87CA-355E-1DFA-F216-9E50E51D1105}"/>
-              </a:ext>
-            </a:extLst>
-          </p:cNvPr>
-          <p:cNvSpPr>
-            <a:spLocks noGrp="1"/>
-          </p:cNvSpPr>
-          <p:nvPr>
-            <p:ph type="body" sz="quarter" idx="10"/>
-          </p:nvPr>
-        </p:nvSpPr>
-        <p:spPr/>
-        <p:txBody>
-          <a:bodyPr/>
-          <a:lstStyle/>
-          <a:p>
-            <a:pPr marL="457200" indent="-457200">
-              <a:buFont typeface="+mj-lt"/>
-              <a:buAutoNum type="arabicPeriod"/>
-            </a:pPr>
-            <a:r>
-              <a:rPr kumimoji="1" lang="ja-JP" altLang="en-US" dirty="0"/>
-              <a:t>３点プロット</a:t>
-            </a:r>
-            <a:endParaRPr kumimoji="1" lang="en-US" altLang="ja-JP" dirty="0"/>
-          </a:p>
-          <a:p>
-            <a:pPr lvl="1"/>
-            <a:r>
-              <a:rPr kumimoji="1" lang="ja-JP" altLang="en-US" dirty="0"/>
-              <a:t>話全体を３つの項目にまとめた形のプロット</a:t>
-            </a:r>
-            <a:endParaRPr kumimoji="1" lang="en-US" altLang="ja-JP" dirty="0"/>
-          </a:p>
-          <a:p>
-            <a:pPr lvl="1"/>
-            <a:r>
-              <a:rPr kumimoji="1" lang="ja-JP" altLang="en-US" dirty="0"/>
-              <a:t>イントロ</a:t>
-            </a:r>
-            <a:r>
-              <a:rPr kumimoji="1" lang="en-US" altLang="ja-JP" dirty="0"/>
-              <a:t>/</a:t>
-            </a:r>
-            <a:r>
-              <a:rPr kumimoji="1" lang="ja-JP" altLang="en-US" dirty="0"/>
-              <a:t>全体プロットと比べると抽象的な内容になる</a:t>
-            </a:r>
-            <a:endParaRPr kumimoji="1" lang="en-US" altLang="ja-JP" dirty="0"/>
-          </a:p>
-          <a:p>
-            <a:pPr marL="457200" indent="-457200">
-              <a:buFont typeface="+mj-lt"/>
-              <a:buAutoNum type="arabicPeriod"/>
-            </a:pPr>
-            <a:r>
-              <a:rPr kumimoji="1" lang="ja-JP" altLang="en-US" dirty="0"/>
-              <a:t>イントロプロット</a:t>
-            </a:r>
-            <a:endParaRPr kumimoji="1" lang="en-US" altLang="ja-JP" dirty="0"/>
-          </a:p>
-          <a:p>
-            <a:pPr lvl="1"/>
-            <a:r>
-              <a:rPr lang="ja-JP" altLang="en-US" dirty="0"/>
-              <a:t>論文やスライドのイントロのプロット</a:t>
-            </a:r>
-            <a:endParaRPr lang="en-US" altLang="ja-JP" dirty="0"/>
-          </a:p>
-          <a:p>
-            <a:pPr marL="457200" indent="-457200">
-              <a:buFont typeface="+mj-lt"/>
-              <a:buAutoNum type="arabicPeriod"/>
-            </a:pPr>
-            <a:r>
-              <a:rPr kumimoji="1" lang="ja-JP" altLang="en-US" dirty="0"/>
-              <a:t>全体プロット</a:t>
-            </a:r>
-            <a:endParaRPr kumimoji="1" lang="en-US" altLang="ja-JP" dirty="0"/>
-          </a:p>
-          <a:p>
-            <a:pPr lvl="1"/>
-            <a:r>
-              <a:rPr lang="ja-JP" altLang="en-US" dirty="0"/>
-              <a:t>論文やスライド全体のプロット（章立て）</a:t>
-            </a:r>
-            <a:endParaRPr kumimoji="1" lang="en-US" altLang="ja-JP" dirty="0"/>
-          </a:p>
-          <a:p>
-            <a:pPr marL="457200" indent="-457200">
-              <a:buFont typeface="+mj-lt"/>
-              <a:buAutoNum type="arabicPeriod"/>
-            </a:pPr>
-            <a:r>
-              <a:rPr kumimoji="1" lang="ja-JP" altLang="en-US" dirty="0"/>
-              <a:t>目標規定文</a:t>
-            </a:r>
-            <a:endParaRPr kumimoji="1" lang="en-US" altLang="ja-JP" dirty="0"/>
-          </a:p>
-          <a:p>
-            <a:pPr lvl="1"/>
-            <a:r>
-              <a:rPr kumimoji="1" lang="ja-JP" altLang="en-US" dirty="0"/>
-              <a:t>論文やスライドの内容を１文で表したもの</a:t>
-            </a:r>
-            <a:endParaRPr kumimoji="1" lang="en-US" altLang="ja-JP" dirty="0"/>
-          </a:p>
-          <a:p>
-            <a:pPr lvl="1"/>
-            <a:r>
-              <a:rPr lang="ja-JP" altLang="en-US" dirty="0"/>
-              <a:t>ここではプロットの一種と考えている</a:t>
-            </a:r>
-            <a:endParaRPr kumimoji="1" lang="en-US" altLang="ja-JP" sz="1600" dirty="0"/>
-          </a:p>
-        </p:txBody>
-      </p:sp>
-    </p:spTree>
-    <p:extLst>
-      <p:ext uri="{BB962C8B-B14F-4D97-AF65-F5344CB8AC3E}">
-        <p14:creationId xmlns:p14="http://schemas.microsoft.com/office/powerpoint/2010/main" val="4229679149"/>
-      </p:ext>
-    </p:extLst>
-  </p:cSld>
-  <p:clrMapOvr>
-    <a:masterClrMapping/>
-  </p:clrMapOvr>
-  <mc:AlternateContent xmlns:mc="http://schemas.openxmlformats.org/markup-compatibility/2006" xmlns:p14="http://schemas.microsoft.com/office/powerpoint/2010/main">
-    <mc:Choice Requires="p14">
-      <p:transition p14:dur="10"/>
-    </mc:Choice>
-    <mc:Fallback xmlns="">
-      <p:transition/>
-    </mc:Fallback>
-  </mc:AlternateContent>
-</p:sld>
-</file>
-
-<file path=ppt/slides/slide60.xml><?xml version="1.0" encoding="utf-8"?>
+<file path=ppt/slides/slide65.xml><?xml version="1.0" encoding="utf-8"?>
 <p:sld xmlns:a="http://schemas.openxmlformats.org/drawingml/2006/main" xmlns:r="http://schemas.openxmlformats.org/officeDocument/2006/relationships" xmlns:p="http://schemas.openxmlformats.org/presentationml/2006/main">
   <p:cSld>
     <p:spTree>
@@ -22778,7 +24366,7 @@
 </p:sld>
 </file>
 
-<file path=ppt/slides/slide61.xml><?xml version="1.0" encoding="utf-8"?>
+<file path=ppt/slides/slide66.xml><?xml version="1.0" encoding="utf-8"?>
 <p:sld xmlns:a="http://schemas.openxmlformats.org/drawingml/2006/main" xmlns:r="http://schemas.openxmlformats.org/officeDocument/2006/relationships" xmlns:p="http://schemas.openxmlformats.org/presentationml/2006/main">
   <p:cSld>
     <p:spTree>
@@ -22951,7 +24539,7 @@
             <a:fld id="{D2D8002D-B5B0-4BAC-B1F6-782DDCCE6D9C}" type="slidenum">
               <a:rPr kumimoji="1" lang="ja-JP" altLang="en-US" smtClean="0"/>
               <a:pPr/>
-              <a:t>61</a:t>
+              <a:t>66</a:t>
             </a:fld>
             <a:endParaRPr kumimoji="1" lang="ja-JP" altLang="en-US"/>
           </a:p>
@@ -22978,7 +24566,7 @@
 </p:sld>
 </file>
 
-<file path=ppt/slides/slide62.xml><?xml version="1.0" encoding="utf-8"?>
+<file path=ppt/slides/slide67.xml><?xml version="1.0" encoding="utf-8"?>
 <p:sld xmlns:a="http://schemas.openxmlformats.org/drawingml/2006/main" xmlns:r="http://schemas.openxmlformats.org/officeDocument/2006/relationships" xmlns:p="http://schemas.openxmlformats.org/presentationml/2006/main">
   <p:cSld>
     <p:spTree>
@@ -23204,7 +24792,7 @@
 </p:sld>
 </file>
 
-<file path=ppt/slides/slide63.xml><?xml version="1.0" encoding="utf-8"?>
+<file path=ppt/slides/slide68.xml><?xml version="1.0" encoding="utf-8"?>
 <p:sld xmlns:a="http://schemas.openxmlformats.org/drawingml/2006/main" xmlns:r="http://schemas.openxmlformats.org/officeDocument/2006/relationships" xmlns:p="http://schemas.openxmlformats.org/presentationml/2006/main">
   <p:cSld>
     <p:spTree>
@@ -26790,7 +28378,7 @@
 </p:sld>
 </file>
 
-<file path=ppt/slides/slide64.xml><?xml version="1.0" encoding="utf-8"?>
+<file path=ppt/slides/slide69.xml><?xml version="1.0" encoding="utf-8"?>
 <p:sld xmlns:a="http://schemas.openxmlformats.org/drawingml/2006/main" xmlns:r="http://schemas.openxmlformats.org/officeDocument/2006/relationships" xmlns:p="http://schemas.openxmlformats.org/presentationml/2006/main">
   <p:cSld>
     <p:spTree>
@@ -30376,7 +31964,134 @@
 </p:sld>
 </file>
 
-<file path=ppt/slides/slide65.xml><?xml version="1.0" encoding="utf-8"?>
+<file path=ppt/slides/slide7.xml><?xml version="1.0" encoding="utf-8"?>
+<p:sld xmlns:a="http://schemas.openxmlformats.org/drawingml/2006/main" xmlns:r="http://schemas.openxmlformats.org/officeDocument/2006/relationships" xmlns:p="http://schemas.openxmlformats.org/presentationml/2006/main">
+  <p:cSld>
+    <p:spTree>
+      <p:nvGrpSpPr>
+        <p:cNvPr id="1" name=""/>
+        <p:cNvGrpSpPr/>
+        <p:nvPr/>
+      </p:nvGrpSpPr>
+      <p:grpSpPr>
+        <a:xfrm>
+          <a:off x="0" y="0"/>
+          <a:ext cx="0" cy="0"/>
+          <a:chOff x="0" y="0"/>
+          <a:chExt cx="0" cy="0"/>
+        </a:xfrm>
+      </p:grpSpPr>
+      <p:sp>
+        <p:nvSpPr>
+          <p:cNvPr id="4" name="タイトル 3">
+            <a:extLst>
+              <a:ext uri="{FF2B5EF4-FFF2-40B4-BE49-F238E27FC236}">
+                <a16:creationId xmlns:a16="http://schemas.microsoft.com/office/drawing/2014/main" id="{B2C224BE-1AFB-746F-3613-EB76E3C658DF}"/>
+              </a:ext>
+            </a:extLst>
+          </p:cNvPr>
+          <p:cNvSpPr>
+            <a:spLocks noGrp="1"/>
+          </p:cNvSpPr>
+          <p:nvPr>
+            <p:ph type="title"/>
+          </p:nvPr>
+        </p:nvSpPr>
+        <p:spPr/>
+        <p:txBody>
+          <a:bodyPr/>
+          <a:lstStyle/>
+          <a:p>
+            <a:r>
+              <a:rPr lang="ja-JP" altLang="en-US" dirty="0"/>
+              <a:t>３点プロットとは</a:t>
+            </a:r>
+            <a:endParaRPr lang="en-US" altLang="ja-JP" dirty="0"/>
+          </a:p>
+        </p:txBody>
+      </p:sp>
+      <p:sp>
+        <p:nvSpPr>
+          <p:cNvPr id="5" name="テキスト プレースホルダー 4">
+            <a:extLst>
+              <a:ext uri="{FF2B5EF4-FFF2-40B4-BE49-F238E27FC236}">
+                <a16:creationId xmlns:a16="http://schemas.microsoft.com/office/drawing/2014/main" id="{5DCC2B0F-B02D-6E87-29E0-B6AA749A872C}"/>
+              </a:ext>
+            </a:extLst>
+          </p:cNvPr>
+          <p:cNvSpPr>
+            <a:spLocks noGrp="1"/>
+          </p:cNvSpPr>
+          <p:nvPr>
+            <p:ph type="body" sz="quarter" idx="10"/>
+          </p:nvPr>
+        </p:nvSpPr>
+        <p:spPr/>
+        <p:txBody>
+          <a:bodyPr/>
+          <a:lstStyle/>
+          <a:p>
+            <a:r>
+              <a:rPr lang="ja-JP" altLang="en-US" dirty="0">
+                <a:solidFill>
+                  <a:schemeClr val="accent5"/>
+                </a:solidFill>
+              </a:rPr>
+              <a:t>３点プロットはいわば「プロットのプロット」</a:t>
+            </a:r>
+            <a:endParaRPr lang="en-US" altLang="ja-JP" dirty="0">
+              <a:solidFill>
+                <a:schemeClr val="accent5"/>
+              </a:solidFill>
+            </a:endParaRPr>
+          </a:p>
+          <a:p>
+            <a:pPr lvl="1"/>
+            <a:r>
+              <a:rPr lang="ja-JP" altLang="en-US" dirty="0"/>
+              <a:t>「背景→課題→提案」の３要素が何なのかをまとめたもの</a:t>
+            </a:r>
+            <a:endParaRPr lang="en-US" altLang="ja-JP" dirty="0"/>
+          </a:p>
+          <a:p>
+            <a:pPr lvl="1"/>
+            <a:r>
+              <a:rPr lang="ja-JP" altLang="en-US" dirty="0"/>
+              <a:t>各要素が何なのかをはっきりさせ，その流れを明確にする</a:t>
+            </a:r>
+            <a:endParaRPr lang="en-US" altLang="ja-JP" dirty="0"/>
+          </a:p>
+          <a:p>
+            <a:pPr lvl="1"/>
+            <a:r>
+              <a:rPr lang="ja-JP" altLang="en-US" dirty="0"/>
+              <a:t>これを膨らませて全体プロットなどを作る</a:t>
+            </a:r>
+          </a:p>
+        </p:txBody>
+      </p:sp>
+    </p:spTree>
+    <p:extLst>
+      <p:ext uri="{BB962C8B-B14F-4D97-AF65-F5344CB8AC3E}">
+        <p14:creationId xmlns:p14="http://schemas.microsoft.com/office/powerpoint/2010/main" val="1390950572"/>
+      </p:ext>
+    </p:extLst>
+  </p:cSld>
+  <p:clrMapOvr>
+    <a:masterClrMapping/>
+  </p:clrMapOvr>
+  <mc:AlternateContent xmlns:mc="http://schemas.openxmlformats.org/markup-compatibility/2006" xmlns:p14="http://schemas.microsoft.com/office/powerpoint/2010/main">
+    <mc:Choice Requires="p14">
+      <p:transition p14:dur="10"/>
+    </mc:Choice>
+    <mc:Fallback xmlns="">
+      <p:transition/>
+    </mc:Fallback>
+  </mc:AlternateContent>
+</p:sld>
+</file>
+
+<file path=ppt/slides/slide70.xml><?xml version="1.0" encoding="utf-8"?>
 <p:sld xmlns:a="http://schemas.openxmlformats.org/drawingml/2006/main" xmlns:r="http://schemas.openxmlformats.org/officeDocument/2006/relationships" xmlns:p="http://schemas.openxmlformats.org/presentationml/2006/main">
   <p:cSld>
     <p:spTree>
@@ -30487,7 +32202,7 @@
 </p:sld>
 </file>
 
-<file path=ppt/slides/slide66.xml><?xml version="1.0" encoding="utf-8"?>
+<file path=ppt/slides/slide71.xml><?xml version="1.0" encoding="utf-8"?>
 <p:sld xmlns:a="http://schemas.openxmlformats.org/drawingml/2006/main" xmlns:r="http://schemas.openxmlformats.org/officeDocument/2006/relationships" xmlns:p="http://schemas.openxmlformats.org/presentationml/2006/main">
   <p:cSld>
     <p:spTree>
@@ -30545,7 +32260,7 @@
 </p:sld>
 </file>
 
-<file path=ppt/slides/slide67.xml><?xml version="1.0" encoding="utf-8"?>
+<file path=ppt/slides/slide72.xml><?xml version="1.0" encoding="utf-8"?>
 <p:sld xmlns:a="http://schemas.openxmlformats.org/drawingml/2006/main" xmlns:r="http://schemas.openxmlformats.org/officeDocument/2006/relationships" xmlns:p="http://schemas.openxmlformats.org/presentationml/2006/main">
   <p:cSld>
     <p:spTree>
@@ -30665,133 +32380,6 @@
     <p:extLst>
       <p:ext uri="{BB962C8B-B14F-4D97-AF65-F5344CB8AC3E}">
         <p14:creationId xmlns:p14="http://schemas.microsoft.com/office/powerpoint/2010/main" val="2995746449"/>
-      </p:ext>
-    </p:extLst>
-  </p:cSld>
-  <p:clrMapOvr>
-    <a:masterClrMapping/>
-  </p:clrMapOvr>
-  <mc:AlternateContent xmlns:mc="http://schemas.openxmlformats.org/markup-compatibility/2006" xmlns:p14="http://schemas.microsoft.com/office/powerpoint/2010/main">
-    <mc:Choice Requires="p14">
-      <p:transition p14:dur="10"/>
-    </mc:Choice>
-    <mc:Fallback xmlns="">
-      <p:transition/>
-    </mc:Fallback>
-  </mc:AlternateContent>
-</p:sld>
-</file>
-
-<file path=ppt/slides/slide7.xml><?xml version="1.0" encoding="utf-8"?>
-<p:sld xmlns:a="http://schemas.openxmlformats.org/drawingml/2006/main" xmlns:r="http://schemas.openxmlformats.org/officeDocument/2006/relationships" xmlns:p="http://schemas.openxmlformats.org/presentationml/2006/main">
-  <p:cSld>
-    <p:spTree>
-      <p:nvGrpSpPr>
-        <p:cNvPr id="1" name=""/>
-        <p:cNvGrpSpPr/>
-        <p:nvPr/>
-      </p:nvGrpSpPr>
-      <p:grpSpPr>
-        <a:xfrm>
-          <a:off x="0" y="0"/>
-          <a:ext cx="0" cy="0"/>
-          <a:chOff x="0" y="0"/>
-          <a:chExt cx="0" cy="0"/>
-        </a:xfrm>
-      </p:grpSpPr>
-      <p:sp>
-        <p:nvSpPr>
-          <p:cNvPr id="4" name="タイトル 3">
-            <a:extLst>
-              <a:ext uri="{FF2B5EF4-FFF2-40B4-BE49-F238E27FC236}">
-                <a16:creationId xmlns:a16="http://schemas.microsoft.com/office/drawing/2014/main" id="{B2C224BE-1AFB-746F-3613-EB76E3C658DF}"/>
-              </a:ext>
-            </a:extLst>
-          </p:cNvPr>
-          <p:cNvSpPr>
-            <a:spLocks noGrp="1"/>
-          </p:cNvSpPr>
-          <p:nvPr>
-            <p:ph type="title"/>
-          </p:nvPr>
-        </p:nvSpPr>
-        <p:spPr/>
-        <p:txBody>
-          <a:bodyPr/>
-          <a:lstStyle/>
-          <a:p>
-            <a:r>
-              <a:rPr lang="ja-JP" altLang="en-US" dirty="0"/>
-              <a:t>３点プロットとは</a:t>
-            </a:r>
-            <a:endParaRPr lang="en-US" altLang="ja-JP" dirty="0"/>
-          </a:p>
-        </p:txBody>
-      </p:sp>
-      <p:sp>
-        <p:nvSpPr>
-          <p:cNvPr id="5" name="テキスト プレースホルダー 4">
-            <a:extLst>
-              <a:ext uri="{FF2B5EF4-FFF2-40B4-BE49-F238E27FC236}">
-                <a16:creationId xmlns:a16="http://schemas.microsoft.com/office/drawing/2014/main" id="{5DCC2B0F-B02D-6E87-29E0-B6AA749A872C}"/>
-              </a:ext>
-            </a:extLst>
-          </p:cNvPr>
-          <p:cNvSpPr>
-            <a:spLocks noGrp="1"/>
-          </p:cNvSpPr>
-          <p:nvPr>
-            <p:ph type="body" sz="quarter" idx="10"/>
-          </p:nvPr>
-        </p:nvSpPr>
-        <p:spPr/>
-        <p:txBody>
-          <a:bodyPr/>
-          <a:lstStyle/>
-          <a:p>
-            <a:r>
-              <a:rPr lang="ja-JP" altLang="en-US" dirty="0">
-                <a:solidFill>
-                  <a:schemeClr val="accent5"/>
-                </a:solidFill>
-              </a:rPr>
-              <a:t>３点プロットはいわば「プロットのプロット」</a:t>
-            </a:r>
-            <a:endParaRPr lang="en-US" altLang="ja-JP" dirty="0">
-              <a:solidFill>
-                <a:schemeClr val="accent5"/>
-              </a:solidFill>
-            </a:endParaRPr>
-          </a:p>
-          <a:p>
-            <a:pPr lvl="1"/>
-            <a:r>
-              <a:rPr lang="ja-JP" altLang="en-US" dirty="0"/>
-              <a:t>「背景→課題→提案」の３要素が何なのかをまとめたもの</a:t>
-            </a:r>
-            <a:endParaRPr lang="en-US" altLang="ja-JP" dirty="0"/>
-          </a:p>
-          <a:p>
-            <a:pPr lvl="1"/>
-            <a:r>
-              <a:rPr lang="ja-JP" altLang="en-US" dirty="0"/>
-              <a:t>各要素が何なのかをはっきりさせ，その流れを明確にする</a:t>
-            </a:r>
-            <a:endParaRPr lang="en-US" altLang="ja-JP" dirty="0"/>
-          </a:p>
-          <a:p>
-            <a:pPr lvl="1"/>
-            <a:r>
-              <a:rPr lang="ja-JP" altLang="en-US" dirty="0"/>
-              <a:t>これを膨らませて全体プロットなどを作る</a:t>
-            </a:r>
-          </a:p>
-        </p:txBody>
-      </p:sp>
-    </p:spTree>
-    <p:extLst>
-      <p:ext uri="{BB962C8B-B14F-4D97-AF65-F5344CB8AC3E}">
-        <p14:creationId xmlns:p14="http://schemas.microsoft.com/office/powerpoint/2010/main" val="1390950572"/>
       </p:ext>
     </p:extLst>
   </p:cSld>
